--- a/git및github첫걸음4-협업하기.pptx
+++ b/git및github첫걸음4-협업하기.pptx
@@ -5,7 +5,7 @@
     <p:sldMasterId id="2147483660" r:id="rId1"/>
   </p:sldMasterIdLst>
   <p:notesMasterIdLst>
-    <p:notesMasterId r:id="rId39"/>
+    <p:notesMasterId r:id="rId41"/>
   </p:notesMasterIdLst>
   <p:sldIdLst>
     <p:sldId id="287" r:id="rId2"/>
@@ -45,6 +45,8 @@
     <p:sldId id="365" r:id="rId36"/>
     <p:sldId id="339" r:id="rId37"/>
     <p:sldId id="383" r:id="rId38"/>
+    <p:sldId id="385" r:id="rId39"/>
+    <p:sldId id="386" r:id="rId40"/>
   </p:sldIdLst>
   <p:sldSz cx="9144000" cy="6858000" type="screen4x3"/>
   <p:notesSz cx="6858000" cy="9144000"/>
@@ -244,7 +246,7 @@
           <a:p>
             <a:fld id="{A17B9194-BDE3-40E3-983E-94CE6FA773AF}" type="datetimeFigureOut">
               <a:rPr lang="ko-KR" altLang="en-US" smtClean="0"/>
-              <a:t>2021-03-31</a:t>
+              <a:t>2021-04-03</a:t>
             </a:fld>
             <a:endParaRPr lang="ko-KR" altLang="en-US"/>
           </a:p>
@@ -2611,6 +2613,174 @@
 </p:notes>
 </file>
 
+<file path=ppt/notesSlides/notesSlide32.xml><?xml version="1.0" encoding="utf-8"?>
+<p:notes xmlns:a="http://schemas.openxmlformats.org/drawingml/2006/main" xmlns:r="http://schemas.openxmlformats.org/officeDocument/2006/relationships" xmlns:p="http://schemas.openxmlformats.org/presentationml/2006/main">
+  <p:cSld>
+    <p:spTree>
+      <p:nvGrpSpPr>
+        <p:cNvPr id="1" name=""/>
+        <p:cNvGrpSpPr/>
+        <p:nvPr/>
+      </p:nvGrpSpPr>
+      <p:grpSpPr>
+        <a:xfrm>
+          <a:off x="0" y="0"/>
+          <a:ext cx="0" cy="0"/>
+          <a:chOff x="0" y="0"/>
+          <a:chExt cx="0" cy="0"/>
+        </a:xfrm>
+      </p:grpSpPr>
+      <p:sp>
+        <p:nvSpPr>
+          <p:cNvPr id="2" name="슬라이드 이미지 개체 틀 1"/>
+          <p:cNvSpPr>
+            <a:spLocks noGrp="1" noRot="1" noChangeAspect="1"/>
+          </p:cNvSpPr>
+          <p:nvPr>
+            <p:ph type="sldImg"/>
+          </p:nvPr>
+        </p:nvSpPr>
+        <p:spPr/>
+      </p:sp>
+      <p:sp>
+        <p:nvSpPr>
+          <p:cNvPr id="3" name="슬라이드 노트 개체 틀 2"/>
+          <p:cNvSpPr>
+            <a:spLocks noGrp="1"/>
+          </p:cNvSpPr>
+          <p:nvPr>
+            <p:ph type="body" idx="1"/>
+          </p:nvPr>
+        </p:nvSpPr>
+        <p:spPr/>
+        <p:txBody>
+          <a:bodyPr/>
+          <a:lstStyle/>
+          <a:p>
+            <a:endParaRPr lang="ko-KR" altLang="en-US" dirty="0"/>
+          </a:p>
+        </p:txBody>
+      </p:sp>
+      <p:sp>
+        <p:nvSpPr>
+          <p:cNvPr id="4" name="슬라이드 번호 개체 틀 3"/>
+          <p:cNvSpPr>
+            <a:spLocks noGrp="1"/>
+          </p:cNvSpPr>
+          <p:nvPr>
+            <p:ph type="sldNum" sz="quarter" idx="10"/>
+          </p:nvPr>
+        </p:nvSpPr>
+        <p:spPr/>
+        <p:txBody>
+          <a:bodyPr/>
+          <a:lstStyle/>
+          <a:p>
+            <a:fld id="{625D4AC4-540A-4436-887D-BF6A8FCF1275}" type="slidenum">
+              <a:rPr lang="ko-KR" altLang="en-US" smtClean="0"/>
+              <a:t>38</a:t>
+            </a:fld>
+            <a:endParaRPr lang="ko-KR" altLang="en-US"/>
+          </a:p>
+        </p:txBody>
+      </p:sp>
+    </p:spTree>
+    <p:extLst>
+      <p:ext uri="{BB962C8B-B14F-4D97-AF65-F5344CB8AC3E}">
+        <p14:creationId xmlns:p14="http://schemas.microsoft.com/office/powerpoint/2010/main" val="2567510205"/>
+      </p:ext>
+    </p:extLst>
+  </p:cSld>
+  <p:clrMapOvr>
+    <a:masterClrMapping/>
+  </p:clrMapOvr>
+</p:notes>
+</file>
+
+<file path=ppt/notesSlides/notesSlide33.xml><?xml version="1.0" encoding="utf-8"?>
+<p:notes xmlns:a="http://schemas.openxmlformats.org/drawingml/2006/main" xmlns:r="http://schemas.openxmlformats.org/officeDocument/2006/relationships" xmlns:p="http://schemas.openxmlformats.org/presentationml/2006/main">
+  <p:cSld>
+    <p:spTree>
+      <p:nvGrpSpPr>
+        <p:cNvPr id="1" name=""/>
+        <p:cNvGrpSpPr/>
+        <p:nvPr/>
+      </p:nvGrpSpPr>
+      <p:grpSpPr>
+        <a:xfrm>
+          <a:off x="0" y="0"/>
+          <a:ext cx="0" cy="0"/>
+          <a:chOff x="0" y="0"/>
+          <a:chExt cx="0" cy="0"/>
+        </a:xfrm>
+      </p:grpSpPr>
+      <p:sp>
+        <p:nvSpPr>
+          <p:cNvPr id="2" name="슬라이드 이미지 개체 틀 1"/>
+          <p:cNvSpPr>
+            <a:spLocks noGrp="1" noRot="1" noChangeAspect="1"/>
+          </p:cNvSpPr>
+          <p:nvPr>
+            <p:ph type="sldImg"/>
+          </p:nvPr>
+        </p:nvSpPr>
+        <p:spPr/>
+      </p:sp>
+      <p:sp>
+        <p:nvSpPr>
+          <p:cNvPr id="3" name="슬라이드 노트 개체 틀 2"/>
+          <p:cNvSpPr>
+            <a:spLocks noGrp="1"/>
+          </p:cNvSpPr>
+          <p:nvPr>
+            <p:ph type="body" idx="1"/>
+          </p:nvPr>
+        </p:nvSpPr>
+        <p:spPr/>
+        <p:txBody>
+          <a:bodyPr/>
+          <a:lstStyle/>
+          <a:p>
+            <a:endParaRPr lang="ko-KR" altLang="en-US" dirty="0"/>
+          </a:p>
+        </p:txBody>
+      </p:sp>
+      <p:sp>
+        <p:nvSpPr>
+          <p:cNvPr id="4" name="슬라이드 번호 개체 틀 3"/>
+          <p:cNvSpPr>
+            <a:spLocks noGrp="1"/>
+          </p:cNvSpPr>
+          <p:nvPr>
+            <p:ph type="sldNum" sz="quarter" idx="10"/>
+          </p:nvPr>
+        </p:nvSpPr>
+        <p:spPr/>
+        <p:txBody>
+          <a:bodyPr/>
+          <a:lstStyle/>
+          <a:p>
+            <a:fld id="{625D4AC4-540A-4436-887D-BF6A8FCF1275}" type="slidenum">
+              <a:rPr lang="ko-KR" altLang="en-US" smtClean="0"/>
+              <a:t>39</a:t>
+            </a:fld>
+            <a:endParaRPr lang="ko-KR" altLang="en-US"/>
+          </a:p>
+        </p:txBody>
+      </p:sp>
+    </p:spTree>
+    <p:extLst>
+      <p:ext uri="{BB962C8B-B14F-4D97-AF65-F5344CB8AC3E}">
+        <p14:creationId xmlns:p14="http://schemas.microsoft.com/office/powerpoint/2010/main" val="2114713223"/>
+      </p:ext>
+    </p:extLst>
+  </p:cSld>
+  <p:clrMapOvr>
+    <a:masterClrMapping/>
+  </p:clrMapOvr>
+</p:notes>
+</file>
+
 <file path=ppt/notesSlides/notesSlide4.xml><?xml version="1.0" encoding="utf-8"?>
 <p:notes xmlns:a="http://schemas.openxmlformats.org/drawingml/2006/main" xmlns:r="http://schemas.openxmlformats.org/officeDocument/2006/relationships" xmlns:p="http://schemas.openxmlformats.org/presentationml/2006/main">
   <p:cSld>
@@ -3678,7 +3848,7 @@
           <a:p>
             <a:fld id="{30E72A5D-AC2D-4154-80BD-D3C3745E4EB5}" type="datetimeFigureOut">
               <a:rPr lang="ko-KR" altLang="en-US" smtClean="0"/>
-              <a:t>2021-03-31</a:t>
+              <a:t>2021-04-03</a:t>
             </a:fld>
             <a:endParaRPr lang="ko-KR" altLang="en-US"/>
           </a:p>
@@ -3891,7 +4061,7 @@
           <a:p>
             <a:fld id="{30E72A5D-AC2D-4154-80BD-D3C3745E4EB5}" type="datetimeFigureOut">
               <a:rPr lang="ko-KR" altLang="en-US" smtClean="0"/>
-              <a:t>2021-03-31</a:t>
+              <a:t>2021-04-03</a:t>
             </a:fld>
             <a:endParaRPr lang="ko-KR" altLang="en-US"/>
           </a:p>
@@ -19535,6 +19705,602 @@
     <p:extLst>
       <p:ext uri="{BB962C8B-B14F-4D97-AF65-F5344CB8AC3E}">
         <p14:creationId xmlns:p14="http://schemas.microsoft.com/office/powerpoint/2010/main" val="1770299477"/>
+      </p:ext>
+    </p:extLst>
+  </p:cSld>
+  <p:clrMapOvr>
+    <a:masterClrMapping/>
+  </p:clrMapOvr>
+</p:sld>
+</file>
+
+<file path=ppt/slides/slide38.xml><?xml version="1.0" encoding="utf-8"?>
+<p:sld xmlns:a="http://schemas.openxmlformats.org/drawingml/2006/main" xmlns:r="http://schemas.openxmlformats.org/officeDocument/2006/relationships" xmlns:p="http://schemas.openxmlformats.org/presentationml/2006/main">
+  <p:cSld>
+    <p:spTree>
+      <p:nvGrpSpPr>
+        <p:cNvPr id="1" name=""/>
+        <p:cNvGrpSpPr/>
+        <p:nvPr/>
+      </p:nvGrpSpPr>
+      <p:grpSpPr>
+        <a:xfrm>
+          <a:off x="0" y="0"/>
+          <a:ext cx="0" cy="0"/>
+          <a:chOff x="0" y="0"/>
+          <a:chExt cx="0" cy="0"/>
+        </a:xfrm>
+      </p:grpSpPr>
+      <p:sp>
+        <p:nvSpPr>
+          <p:cNvPr id="4" name="제목 3">
+            <a:extLst>
+              <a:ext uri="{FF2B5EF4-FFF2-40B4-BE49-F238E27FC236}">
+                <a16:creationId xmlns:a16="http://schemas.microsoft.com/office/drawing/2014/main" id="{F0CEB32B-CB43-4410-BA08-A97E4BC47FCB}"/>
+              </a:ext>
+            </a:extLst>
+          </p:cNvPr>
+          <p:cNvSpPr>
+            <a:spLocks noGrp="1"/>
+          </p:cNvSpPr>
+          <p:nvPr>
+            <p:ph type="title"/>
+          </p:nvPr>
+        </p:nvSpPr>
+        <p:spPr/>
+        <p:txBody>
+          <a:bodyPr/>
+          <a:lstStyle/>
+          <a:p>
+            <a:r>
+              <a:rPr lang="ko-KR" altLang="en-US" dirty="0" smtClean="0"/>
+              <a:t>협업하기 취소</a:t>
+            </a:r>
+            <a:endParaRPr lang="ko-KR" altLang="en-US" dirty="0"/>
+          </a:p>
+        </p:txBody>
+      </p:sp>
+      <p:sp>
+        <p:nvSpPr>
+          <p:cNvPr id="7" name="내용 개체 틀 2">
+            <a:extLst>
+              <a:ext uri="{FF2B5EF4-FFF2-40B4-BE49-F238E27FC236}">
+                <a16:creationId xmlns:a16="http://schemas.microsoft.com/office/drawing/2014/main" id="{A44AC902-3746-40D6-9827-94B46EEDDC67}"/>
+              </a:ext>
+            </a:extLst>
+          </p:cNvPr>
+          <p:cNvSpPr txBox="1">
+            <a:spLocks/>
+          </p:cNvSpPr>
+          <p:nvPr/>
+        </p:nvSpPr>
+        <p:spPr>
+          <a:xfrm>
+            <a:off x="341787" y="1120545"/>
+            <a:ext cx="8642350" cy="2351314"/>
+          </a:xfrm>
+          <a:prstGeom prst="rect">
+            <a:avLst/>
+          </a:prstGeom>
+        </p:spPr>
+        <p:txBody>
+          <a:bodyPr vert="horz" lIns="91440" tIns="45720" rIns="91440" bIns="45720" rtlCol="0">
+            <a:noAutofit/>
+          </a:bodyPr>
+          <a:lstStyle>
+            <a:lvl1pPr marL="266700" indent="-266700" defTabSz="914400" latinLnBrk="1">
+              <a:lnSpc>
+                <a:spcPct val="150000"/>
+              </a:lnSpc>
+              <a:spcBef>
+                <a:spcPct val="0"/>
+              </a:spcBef>
+              <a:buClr>
+                <a:schemeClr val="tx1">
+                  <a:lumMod val="65000"/>
+                  <a:lumOff val="35000"/>
+                </a:schemeClr>
+              </a:buClr>
+              <a:buFont typeface="Wingdings" pitchFamily="2" charset="2"/>
+              <a:buChar char="n"/>
+              <a:defRPr sz="2000" b="1">
+                <a:latin typeface="+mn-ea"/>
+              </a:defRPr>
+            </a:lvl1pPr>
+            <a:lvl2pPr marL="447675" lvl="1" indent="-180975" defTabSz="914400" latinLnBrk="1">
+              <a:lnSpc>
+                <a:spcPct val="150000"/>
+              </a:lnSpc>
+              <a:spcBef>
+                <a:spcPts val="0"/>
+              </a:spcBef>
+              <a:spcAft>
+                <a:spcPts val="0"/>
+              </a:spcAft>
+              <a:buClr>
+                <a:schemeClr val="tx1">
+                  <a:lumMod val="50000"/>
+                  <a:lumOff val="50000"/>
+                </a:schemeClr>
+              </a:buClr>
+              <a:buFont typeface="Wingdings" pitchFamily="2" charset="2"/>
+              <a:buChar char="§"/>
+              <a:defRPr sz="1600"/>
+            </a:lvl2pPr>
+            <a:lvl3pPr marL="628650" indent="-180975" defTabSz="914400" latinLnBrk="1">
+              <a:lnSpc>
+                <a:spcPct val="150000"/>
+              </a:lnSpc>
+              <a:spcBef>
+                <a:spcPts val="500"/>
+              </a:spcBef>
+              <a:spcAft>
+                <a:spcPts val="300"/>
+              </a:spcAft>
+              <a:buClr>
+                <a:schemeClr val="tx1">
+                  <a:lumMod val="65000"/>
+                  <a:lumOff val="35000"/>
+                </a:schemeClr>
+              </a:buClr>
+              <a:buFont typeface="Arial" panose="020B0604020202020204" pitchFamily="34" charset="0"/>
+              <a:buChar char="•"/>
+              <a:defRPr sz="1400"/>
+            </a:lvl3pPr>
+            <a:lvl4pPr marL="809625" indent="-180975" defTabSz="914400" latinLnBrk="1">
+              <a:lnSpc>
+                <a:spcPct val="150000"/>
+              </a:lnSpc>
+              <a:spcBef>
+                <a:spcPts val="500"/>
+              </a:spcBef>
+              <a:spcAft>
+                <a:spcPts val="300"/>
+              </a:spcAft>
+              <a:buClr>
+                <a:schemeClr val="tx1">
+                  <a:lumMod val="65000"/>
+                  <a:lumOff val="35000"/>
+                </a:schemeClr>
+              </a:buClr>
+              <a:buSzPct val="96000"/>
+              <a:buFont typeface="Arial" panose="020B0604020202020204" pitchFamily="34" charset="0"/>
+              <a:buChar char="•"/>
+              <a:defRPr sz="1200"/>
+            </a:lvl4pPr>
+            <a:lvl5pPr marL="990600" indent="-180975" defTabSz="914400" latinLnBrk="1">
+              <a:lnSpc>
+                <a:spcPct val="150000"/>
+              </a:lnSpc>
+              <a:spcBef>
+                <a:spcPts val="500"/>
+              </a:spcBef>
+              <a:buClr>
+                <a:schemeClr val="tx1">
+                  <a:lumMod val="65000"/>
+                  <a:lumOff val="35000"/>
+                </a:schemeClr>
+              </a:buClr>
+              <a:buFont typeface="Arial" panose="020B0604020202020204" pitchFamily="34" charset="0"/>
+              <a:buChar char="•"/>
+              <a:defRPr sz="1000"/>
+            </a:lvl5pPr>
+            <a:lvl6pPr marL="2514600" indent="-228600" defTabSz="914400" latinLnBrk="1">
+              <a:lnSpc>
+                <a:spcPct val="90000"/>
+              </a:lnSpc>
+              <a:spcBef>
+                <a:spcPts val="500"/>
+              </a:spcBef>
+              <a:buFont typeface="Arial" panose="020B0604020202020204" pitchFamily="34" charset="0"/>
+              <a:buChar char="•"/>
+            </a:lvl6pPr>
+            <a:lvl7pPr marL="2971800" indent="-228600" defTabSz="914400" latinLnBrk="1">
+              <a:lnSpc>
+                <a:spcPct val="90000"/>
+              </a:lnSpc>
+              <a:spcBef>
+                <a:spcPts val="500"/>
+              </a:spcBef>
+              <a:buFont typeface="Arial" panose="020B0604020202020204" pitchFamily="34" charset="0"/>
+              <a:buChar char="•"/>
+            </a:lvl7pPr>
+            <a:lvl8pPr marL="3429000" indent="-228600" defTabSz="914400" latinLnBrk="1">
+              <a:lnSpc>
+                <a:spcPct val="90000"/>
+              </a:lnSpc>
+              <a:spcBef>
+                <a:spcPts val="500"/>
+              </a:spcBef>
+              <a:buFont typeface="Arial" panose="020B0604020202020204" pitchFamily="34" charset="0"/>
+              <a:buChar char="•"/>
+            </a:lvl8pPr>
+            <a:lvl9pPr marL="3886200" indent="-228600" defTabSz="914400" latinLnBrk="1">
+              <a:lnSpc>
+                <a:spcPct val="90000"/>
+              </a:lnSpc>
+              <a:spcBef>
+                <a:spcPts val="500"/>
+              </a:spcBef>
+              <a:buFont typeface="Arial" panose="020B0604020202020204" pitchFamily="34" charset="0"/>
+              <a:buChar char="•"/>
+            </a:lvl9pPr>
+          </a:lstStyle>
+          <a:p>
+            <a:r>
+              <a:rPr lang="en-US" altLang="ko-KR" dirty="0" smtClean="0"/>
+              <a:t>collaborator</a:t>
+            </a:r>
+            <a:r>
+              <a:rPr lang="ko-KR" altLang="en-US" dirty="0" smtClean="0"/>
+              <a:t> 취소</a:t>
+            </a:r>
+            <a:r>
+              <a:rPr lang="en-US" altLang="ko-KR" dirty="0"/>
+              <a:t> </a:t>
+            </a:r>
+            <a:r>
+              <a:rPr lang="en-US" altLang="ko-KR" dirty="0" smtClean="0"/>
+              <a:t>: </a:t>
+            </a:r>
+            <a:r>
+              <a:rPr lang="ko-KR" altLang="en-US" dirty="0" err="1" smtClean="0"/>
+              <a:t>주관자</a:t>
+            </a:r>
+            <a:endParaRPr lang="en-US" altLang="ko-KR" dirty="0"/>
+          </a:p>
+        </p:txBody>
+      </p:sp>
+      <p:pic>
+        <p:nvPicPr>
+          <p:cNvPr id="8" name="그림 7"/>
+          <p:cNvPicPr>
+            <a:picLocks noChangeAspect="1"/>
+          </p:cNvPicPr>
+          <p:nvPr/>
+        </p:nvPicPr>
+        <p:blipFill>
+          <a:blip r:embed="rId3"/>
+          <a:stretch>
+            <a:fillRect/>
+          </a:stretch>
+        </p:blipFill>
+        <p:spPr>
+          <a:xfrm>
+            <a:off x="341787" y="1838130"/>
+            <a:ext cx="4200402" cy="3480707"/>
+          </a:xfrm>
+          <a:prstGeom prst="rect">
+            <a:avLst/>
+          </a:prstGeom>
+        </p:spPr>
+      </p:pic>
+      <p:pic>
+        <p:nvPicPr>
+          <p:cNvPr id="10" name="그림 9"/>
+          <p:cNvPicPr>
+            <a:picLocks noChangeAspect="1"/>
+          </p:cNvPicPr>
+          <p:nvPr/>
+        </p:nvPicPr>
+        <p:blipFill>
+          <a:blip r:embed="rId4"/>
+          <a:stretch>
+            <a:fillRect/>
+          </a:stretch>
+        </p:blipFill>
+        <p:spPr>
+          <a:xfrm>
+            <a:off x="4542189" y="3358970"/>
+            <a:ext cx="4477155" cy="2072757"/>
+          </a:xfrm>
+          <a:prstGeom prst="rect">
+            <a:avLst/>
+          </a:prstGeom>
+        </p:spPr>
+      </p:pic>
+    </p:spTree>
+    <p:extLst>
+      <p:ext uri="{BB962C8B-B14F-4D97-AF65-F5344CB8AC3E}">
+        <p14:creationId xmlns:p14="http://schemas.microsoft.com/office/powerpoint/2010/main" val="3676842223"/>
+      </p:ext>
+    </p:extLst>
+  </p:cSld>
+  <p:clrMapOvr>
+    <a:masterClrMapping/>
+  </p:clrMapOvr>
+</p:sld>
+</file>
+
+<file path=ppt/slides/slide39.xml><?xml version="1.0" encoding="utf-8"?>
+<p:sld xmlns:a="http://schemas.openxmlformats.org/drawingml/2006/main" xmlns:r="http://schemas.openxmlformats.org/officeDocument/2006/relationships" xmlns:p="http://schemas.openxmlformats.org/presentationml/2006/main">
+  <p:cSld>
+    <p:spTree>
+      <p:nvGrpSpPr>
+        <p:cNvPr id="1" name=""/>
+        <p:cNvGrpSpPr/>
+        <p:nvPr/>
+      </p:nvGrpSpPr>
+      <p:grpSpPr>
+        <a:xfrm>
+          <a:off x="0" y="0"/>
+          <a:ext cx="0" cy="0"/>
+          <a:chOff x="0" y="0"/>
+          <a:chExt cx="0" cy="0"/>
+        </a:xfrm>
+      </p:grpSpPr>
+      <p:sp>
+        <p:nvSpPr>
+          <p:cNvPr id="4" name="제목 3">
+            <a:extLst>
+              <a:ext uri="{FF2B5EF4-FFF2-40B4-BE49-F238E27FC236}">
+                <a16:creationId xmlns:a16="http://schemas.microsoft.com/office/drawing/2014/main" id="{F0CEB32B-CB43-4410-BA08-A97E4BC47FCB}"/>
+              </a:ext>
+            </a:extLst>
+          </p:cNvPr>
+          <p:cNvSpPr>
+            <a:spLocks noGrp="1"/>
+          </p:cNvSpPr>
+          <p:nvPr>
+            <p:ph type="title"/>
+          </p:nvPr>
+        </p:nvSpPr>
+        <p:spPr/>
+        <p:txBody>
+          <a:bodyPr/>
+          <a:lstStyle/>
+          <a:p>
+            <a:r>
+              <a:rPr lang="ko-KR" altLang="en-US" dirty="0" smtClean="0"/>
+              <a:t>협업하기 취소</a:t>
+            </a:r>
+            <a:endParaRPr lang="ko-KR" altLang="en-US" dirty="0"/>
+          </a:p>
+        </p:txBody>
+      </p:sp>
+      <p:sp>
+        <p:nvSpPr>
+          <p:cNvPr id="7" name="내용 개체 틀 2">
+            <a:extLst>
+              <a:ext uri="{FF2B5EF4-FFF2-40B4-BE49-F238E27FC236}">
+                <a16:creationId xmlns:a16="http://schemas.microsoft.com/office/drawing/2014/main" id="{A44AC902-3746-40D6-9827-94B46EEDDC67}"/>
+              </a:ext>
+            </a:extLst>
+          </p:cNvPr>
+          <p:cNvSpPr txBox="1">
+            <a:spLocks/>
+          </p:cNvSpPr>
+          <p:nvPr/>
+        </p:nvSpPr>
+        <p:spPr>
+          <a:xfrm>
+            <a:off x="341787" y="1120545"/>
+            <a:ext cx="8642350" cy="2351314"/>
+          </a:xfrm>
+          <a:prstGeom prst="rect">
+            <a:avLst/>
+          </a:prstGeom>
+        </p:spPr>
+        <p:txBody>
+          <a:bodyPr vert="horz" lIns="91440" tIns="45720" rIns="91440" bIns="45720" rtlCol="0">
+            <a:noAutofit/>
+          </a:bodyPr>
+          <a:lstStyle>
+            <a:lvl1pPr marL="266700" indent="-266700" defTabSz="914400" latinLnBrk="1">
+              <a:lnSpc>
+                <a:spcPct val="150000"/>
+              </a:lnSpc>
+              <a:spcBef>
+                <a:spcPct val="0"/>
+              </a:spcBef>
+              <a:buClr>
+                <a:schemeClr val="tx1">
+                  <a:lumMod val="65000"/>
+                  <a:lumOff val="35000"/>
+                </a:schemeClr>
+              </a:buClr>
+              <a:buFont typeface="Wingdings" pitchFamily="2" charset="2"/>
+              <a:buChar char="n"/>
+              <a:defRPr sz="2000" b="1">
+                <a:latin typeface="+mn-ea"/>
+              </a:defRPr>
+            </a:lvl1pPr>
+            <a:lvl2pPr marL="447675" lvl="1" indent="-180975" defTabSz="914400" latinLnBrk="1">
+              <a:lnSpc>
+                <a:spcPct val="150000"/>
+              </a:lnSpc>
+              <a:spcBef>
+                <a:spcPts val="0"/>
+              </a:spcBef>
+              <a:spcAft>
+                <a:spcPts val="0"/>
+              </a:spcAft>
+              <a:buClr>
+                <a:schemeClr val="tx1">
+                  <a:lumMod val="50000"/>
+                  <a:lumOff val="50000"/>
+                </a:schemeClr>
+              </a:buClr>
+              <a:buFont typeface="Wingdings" pitchFamily="2" charset="2"/>
+              <a:buChar char="§"/>
+              <a:defRPr sz="1600"/>
+            </a:lvl2pPr>
+            <a:lvl3pPr marL="628650" indent="-180975" defTabSz="914400" latinLnBrk="1">
+              <a:lnSpc>
+                <a:spcPct val="150000"/>
+              </a:lnSpc>
+              <a:spcBef>
+                <a:spcPts val="500"/>
+              </a:spcBef>
+              <a:spcAft>
+                <a:spcPts val="300"/>
+              </a:spcAft>
+              <a:buClr>
+                <a:schemeClr val="tx1">
+                  <a:lumMod val="65000"/>
+                  <a:lumOff val="35000"/>
+                </a:schemeClr>
+              </a:buClr>
+              <a:buFont typeface="Arial" panose="020B0604020202020204" pitchFamily="34" charset="0"/>
+              <a:buChar char="•"/>
+              <a:defRPr sz="1400"/>
+            </a:lvl3pPr>
+            <a:lvl4pPr marL="809625" indent="-180975" defTabSz="914400" latinLnBrk="1">
+              <a:lnSpc>
+                <a:spcPct val="150000"/>
+              </a:lnSpc>
+              <a:spcBef>
+                <a:spcPts val="500"/>
+              </a:spcBef>
+              <a:spcAft>
+                <a:spcPts val="300"/>
+              </a:spcAft>
+              <a:buClr>
+                <a:schemeClr val="tx1">
+                  <a:lumMod val="65000"/>
+                  <a:lumOff val="35000"/>
+                </a:schemeClr>
+              </a:buClr>
+              <a:buSzPct val="96000"/>
+              <a:buFont typeface="Arial" panose="020B0604020202020204" pitchFamily="34" charset="0"/>
+              <a:buChar char="•"/>
+              <a:defRPr sz="1200"/>
+            </a:lvl4pPr>
+            <a:lvl5pPr marL="990600" indent="-180975" defTabSz="914400" latinLnBrk="1">
+              <a:lnSpc>
+                <a:spcPct val="150000"/>
+              </a:lnSpc>
+              <a:spcBef>
+                <a:spcPts val="500"/>
+              </a:spcBef>
+              <a:buClr>
+                <a:schemeClr val="tx1">
+                  <a:lumMod val="65000"/>
+                  <a:lumOff val="35000"/>
+                </a:schemeClr>
+              </a:buClr>
+              <a:buFont typeface="Arial" panose="020B0604020202020204" pitchFamily="34" charset="0"/>
+              <a:buChar char="•"/>
+              <a:defRPr sz="1000"/>
+            </a:lvl5pPr>
+            <a:lvl6pPr marL="2514600" indent="-228600" defTabSz="914400" latinLnBrk="1">
+              <a:lnSpc>
+                <a:spcPct val="90000"/>
+              </a:lnSpc>
+              <a:spcBef>
+                <a:spcPts val="500"/>
+              </a:spcBef>
+              <a:buFont typeface="Arial" panose="020B0604020202020204" pitchFamily="34" charset="0"/>
+              <a:buChar char="•"/>
+            </a:lvl6pPr>
+            <a:lvl7pPr marL="2971800" indent="-228600" defTabSz="914400" latinLnBrk="1">
+              <a:lnSpc>
+                <a:spcPct val="90000"/>
+              </a:lnSpc>
+              <a:spcBef>
+                <a:spcPts val="500"/>
+              </a:spcBef>
+              <a:buFont typeface="Arial" panose="020B0604020202020204" pitchFamily="34" charset="0"/>
+              <a:buChar char="•"/>
+            </a:lvl7pPr>
+            <a:lvl8pPr marL="3429000" indent="-228600" defTabSz="914400" latinLnBrk="1">
+              <a:lnSpc>
+                <a:spcPct val="90000"/>
+              </a:lnSpc>
+              <a:spcBef>
+                <a:spcPts val="500"/>
+              </a:spcBef>
+              <a:buFont typeface="Arial" panose="020B0604020202020204" pitchFamily="34" charset="0"/>
+              <a:buChar char="•"/>
+            </a:lvl8pPr>
+            <a:lvl9pPr marL="3886200" indent="-228600" defTabSz="914400" latinLnBrk="1">
+              <a:lnSpc>
+                <a:spcPct val="90000"/>
+              </a:lnSpc>
+              <a:spcBef>
+                <a:spcPts val="500"/>
+              </a:spcBef>
+              <a:buFont typeface="Arial" panose="020B0604020202020204" pitchFamily="34" charset="0"/>
+              <a:buChar char="•"/>
+            </a:lvl9pPr>
+          </a:lstStyle>
+          <a:p>
+            <a:r>
+              <a:rPr lang="en-US" altLang="ko-KR" dirty="0" smtClean="0"/>
+              <a:t>collaborator</a:t>
+            </a:r>
+            <a:r>
+              <a:rPr lang="ko-KR" altLang="en-US" dirty="0" smtClean="0"/>
+              <a:t> 취소</a:t>
+            </a:r>
+            <a:r>
+              <a:rPr lang="en-US" altLang="ko-KR" dirty="0"/>
+              <a:t> </a:t>
+            </a:r>
+            <a:r>
+              <a:rPr lang="en-US" altLang="ko-KR" dirty="0" smtClean="0"/>
+              <a:t>: </a:t>
+            </a:r>
+            <a:r>
+              <a:rPr lang="ko-KR" altLang="en-US" dirty="0" smtClean="0"/>
+              <a:t>참여자</a:t>
+            </a:r>
+            <a:endParaRPr lang="en-US" altLang="ko-KR" dirty="0"/>
+          </a:p>
+        </p:txBody>
+      </p:sp>
+      <p:pic>
+        <p:nvPicPr>
+          <p:cNvPr id="2" name="그림 1"/>
+          <p:cNvPicPr>
+            <a:picLocks noChangeAspect="1"/>
+          </p:cNvPicPr>
+          <p:nvPr/>
+        </p:nvPicPr>
+        <p:blipFill>
+          <a:blip r:embed="rId3"/>
+          <a:stretch>
+            <a:fillRect/>
+          </a:stretch>
+        </p:blipFill>
+        <p:spPr>
+          <a:xfrm>
+            <a:off x="436081" y="2043405"/>
+            <a:ext cx="3944589" cy="3912150"/>
+          </a:xfrm>
+          <a:prstGeom prst="rect">
+            <a:avLst/>
+          </a:prstGeom>
+        </p:spPr>
+      </p:pic>
+      <p:pic>
+        <p:nvPicPr>
+          <p:cNvPr id="3" name="그림 2"/>
+          <p:cNvPicPr>
+            <a:picLocks noChangeAspect="1"/>
+          </p:cNvPicPr>
+          <p:nvPr/>
+        </p:nvPicPr>
+        <p:blipFill>
+          <a:blip r:embed="rId4"/>
+          <a:stretch>
+            <a:fillRect/>
+          </a:stretch>
+        </p:blipFill>
+        <p:spPr>
+          <a:xfrm>
+            <a:off x="4662962" y="2043405"/>
+            <a:ext cx="4038883" cy="3218867"/>
+          </a:xfrm>
+          <a:prstGeom prst="rect">
+            <a:avLst/>
+          </a:prstGeom>
+        </p:spPr>
+      </p:pic>
+    </p:spTree>
+    <p:extLst>
+      <p:ext uri="{BB962C8B-B14F-4D97-AF65-F5344CB8AC3E}">
+        <p14:creationId xmlns:p14="http://schemas.microsoft.com/office/powerpoint/2010/main" val="2081248682"/>
       </p:ext>
     </p:extLst>
   </p:cSld>

--- a/git및github첫걸음4-협업하기.pptx
+++ b/git및github첫걸음4-협업하기.pptx
@@ -5,7 +5,7 @@
     <p:sldMasterId id="2147483660" r:id="rId1"/>
   </p:sldMasterIdLst>
   <p:notesMasterIdLst>
-    <p:notesMasterId r:id="rId41"/>
+    <p:notesMasterId r:id="rId57"/>
   </p:notesMasterIdLst>
   <p:sldIdLst>
     <p:sldId id="287" r:id="rId2"/>
@@ -38,15 +38,31 @@
     <p:sldId id="355" r:id="rId29"/>
     <p:sldId id="368" r:id="rId30"/>
     <p:sldId id="384" r:id="rId31"/>
-    <p:sldId id="362" r:id="rId32"/>
-    <p:sldId id="370" r:id="rId33"/>
-    <p:sldId id="369" r:id="rId34"/>
-    <p:sldId id="363" r:id="rId35"/>
-    <p:sldId id="365" r:id="rId36"/>
-    <p:sldId id="339" r:id="rId37"/>
-    <p:sldId id="383" r:id="rId38"/>
-    <p:sldId id="385" r:id="rId39"/>
-    <p:sldId id="386" r:id="rId40"/>
+    <p:sldId id="387" r:id="rId32"/>
+    <p:sldId id="388" r:id="rId33"/>
+    <p:sldId id="392" r:id="rId34"/>
+    <p:sldId id="393" r:id="rId35"/>
+    <p:sldId id="394" r:id="rId36"/>
+    <p:sldId id="395" r:id="rId37"/>
+    <p:sldId id="396" r:id="rId38"/>
+    <p:sldId id="397" r:id="rId39"/>
+    <p:sldId id="398" r:id="rId40"/>
+    <p:sldId id="399" r:id="rId41"/>
+    <p:sldId id="400" r:id="rId42"/>
+    <p:sldId id="401" r:id="rId43"/>
+    <p:sldId id="402" r:id="rId44"/>
+    <p:sldId id="389" r:id="rId45"/>
+    <p:sldId id="390" r:id="rId46"/>
+    <p:sldId id="391" r:id="rId47"/>
+    <p:sldId id="362" r:id="rId48"/>
+    <p:sldId id="370" r:id="rId49"/>
+    <p:sldId id="369" r:id="rId50"/>
+    <p:sldId id="363" r:id="rId51"/>
+    <p:sldId id="365" r:id="rId52"/>
+    <p:sldId id="339" r:id="rId53"/>
+    <p:sldId id="383" r:id="rId54"/>
+    <p:sldId id="385" r:id="rId55"/>
+    <p:sldId id="386" r:id="rId56"/>
   </p:sldIdLst>
   <p:sldSz cx="9144000" cy="6858000" type="screen4x3"/>
   <p:notesSz cx="6858000" cy="9144000"/>
@@ -246,7 +262,7 @@
           <a:p>
             <a:fld id="{A17B9194-BDE3-40E3-983E-94CE6FA773AF}" type="datetimeFigureOut">
               <a:rPr lang="ko-KR" altLang="en-US" smtClean="0"/>
-              <a:t>2021-04-03</a:t>
+              <a:t>2021-04-05</a:t>
             </a:fld>
             <a:endParaRPr lang="ko-KR" altLang="en-US"/>
           </a:p>
@@ -2174,7 +2190,7 @@
           <a:p>
             <a:fld id="{625D4AC4-540A-4436-887D-BF6A8FCF1275}" type="slidenum">
               <a:rPr lang="ko-KR" altLang="en-US" smtClean="0"/>
-              <a:t>31</a:t>
+              <a:t>47</a:t>
             </a:fld>
             <a:endParaRPr lang="ko-KR" altLang="en-US"/>
           </a:p>
@@ -2258,7 +2274,7 @@
           <a:p>
             <a:fld id="{625D4AC4-540A-4436-887D-BF6A8FCF1275}" type="slidenum">
               <a:rPr lang="ko-KR" altLang="en-US" smtClean="0"/>
-              <a:t>32</a:t>
+              <a:t>48</a:t>
             </a:fld>
             <a:endParaRPr lang="ko-KR" altLang="en-US"/>
           </a:p>
@@ -2342,7 +2358,7 @@
           <a:p>
             <a:fld id="{625D4AC4-540A-4436-887D-BF6A8FCF1275}" type="slidenum">
               <a:rPr lang="ko-KR" altLang="en-US" smtClean="0"/>
-              <a:t>33</a:t>
+              <a:t>49</a:t>
             </a:fld>
             <a:endParaRPr lang="ko-KR" altLang="en-US"/>
           </a:p>
@@ -2510,7 +2526,7 @@
           <a:p>
             <a:fld id="{625D4AC4-540A-4436-887D-BF6A8FCF1275}" type="slidenum">
               <a:rPr lang="ko-KR" altLang="en-US" smtClean="0"/>
-              <a:t>34</a:t>
+              <a:t>50</a:t>
             </a:fld>
             <a:endParaRPr lang="ko-KR" altLang="en-US"/>
           </a:p>
@@ -2594,7 +2610,7 @@
           <a:p>
             <a:fld id="{625D4AC4-540A-4436-887D-BF6A8FCF1275}" type="slidenum">
               <a:rPr lang="ko-KR" altLang="en-US" smtClean="0"/>
-              <a:t>35</a:t>
+              <a:t>51</a:t>
             </a:fld>
             <a:endParaRPr lang="ko-KR" altLang="en-US"/>
           </a:p>
@@ -2678,7 +2694,7 @@
           <a:p>
             <a:fld id="{625D4AC4-540A-4436-887D-BF6A8FCF1275}" type="slidenum">
               <a:rPr lang="ko-KR" altLang="en-US" smtClean="0"/>
-              <a:t>38</a:t>
+              <a:t>54</a:t>
             </a:fld>
             <a:endParaRPr lang="ko-KR" altLang="en-US"/>
           </a:p>
@@ -2762,7 +2778,7 @@
           <a:p>
             <a:fld id="{625D4AC4-540A-4436-887D-BF6A8FCF1275}" type="slidenum">
               <a:rPr lang="ko-KR" altLang="en-US" smtClean="0"/>
-              <a:t>39</a:t>
+              <a:t>55</a:t>
             </a:fld>
             <a:endParaRPr lang="ko-KR" altLang="en-US"/>
           </a:p>
@@ -3848,7 +3864,7 @@
           <a:p>
             <a:fld id="{30E72A5D-AC2D-4154-80BD-D3C3745E4EB5}" type="datetimeFigureOut">
               <a:rPr lang="ko-KR" altLang="en-US" smtClean="0"/>
-              <a:t>2021-04-03</a:t>
+              <a:t>2021-04-05</a:t>
             </a:fld>
             <a:endParaRPr lang="ko-KR" altLang="en-US"/>
           </a:p>
@@ -4061,7 +4077,7 @@
           <a:p>
             <a:fld id="{30E72A5D-AC2D-4154-80BD-D3C3745E4EB5}" type="datetimeFigureOut">
               <a:rPr lang="ko-KR" altLang="en-US" smtClean="0"/>
-              <a:t>2021-04-03</a:t>
+              <a:t>2021-04-05</a:t>
             </a:fld>
             <a:endParaRPr lang="ko-KR" altLang="en-US"/>
           </a:p>
@@ -17456,87 +17472,73 @@
           <a:p>
             <a:r>
               <a:rPr lang="ko-KR" altLang="en-US" dirty="0"/>
-              <a:t>협업하기</a:t>
-            </a:r>
+              <a:t>협업방식 </a:t>
+            </a:r>
+            <a:r>
+              <a:rPr lang="en-US" altLang="ko-KR" dirty="0"/>
+              <a:t>1</a:t>
+            </a:r>
+            <a:endParaRPr lang="ko-KR" altLang="en-US" dirty="0"/>
           </a:p>
         </p:txBody>
       </p:sp>
       <p:sp>
         <p:nvSpPr>
-          <p:cNvPr id="7" name="내용 개체 틀 2">
+          <p:cNvPr id="5" name="내용 개체 틀 4">
             <a:extLst>
               <a:ext uri="{FF2B5EF4-FFF2-40B4-BE49-F238E27FC236}">
-                <a16:creationId xmlns:a16="http://schemas.microsoft.com/office/drawing/2014/main" id="{A44AC902-3746-40D6-9827-94B46EEDDC67}"/>
+                <a16:creationId xmlns:a16="http://schemas.microsoft.com/office/drawing/2014/main" id="{FDF69C25-9F43-470B-8A20-AEDC0F371CCD}"/>
               </a:ext>
             </a:extLst>
           </p:cNvPr>
-          <p:cNvSpPr txBox="1">
-            <a:spLocks/>
+          <p:cNvSpPr>
+            <a:spLocks noGrp="1"/>
           </p:cNvSpPr>
-          <p:nvPr/>
+          <p:nvPr>
+            <p:ph idx="1"/>
+          </p:nvPr>
         </p:nvSpPr>
         <p:spPr>
           <a:xfrm>
-            <a:off x="341787" y="1120545"/>
-            <a:ext cx="8642350" cy="2351314"/>
+            <a:off x="250825" y="1000221"/>
+            <a:ext cx="8641655" cy="5146579"/>
           </a:xfrm>
-          <a:prstGeom prst="rect">
-            <a:avLst/>
-          </a:prstGeom>
         </p:spPr>
         <p:txBody>
-          <a:bodyPr vert="horz" lIns="91440" tIns="45720" rIns="91440" bIns="45720" rtlCol="0">
+          <a:bodyPr tIns="0" bIns="0">
             <a:noAutofit/>
           </a:bodyPr>
-          <a:lstStyle>
-            <a:lvl1pPr marL="266700" indent="-266700" defTabSz="914400" latinLnBrk="1">
-              <a:lnSpc>
-                <a:spcPct val="150000"/>
-              </a:lnSpc>
-              <a:spcBef>
-                <a:spcPct val="0"/>
-              </a:spcBef>
+          <a:lstStyle/>
+          <a:p>
+            <a:pPr>
               <a:buClr>
                 <a:schemeClr val="tx1">
                   <a:lumMod val="65000"/>
                   <a:lumOff val="35000"/>
                 </a:schemeClr>
               </a:buClr>
-              <a:buFont typeface="Wingdings" pitchFamily="2" charset="2"/>
-              <a:buChar char="n"/>
-              <a:defRPr sz="2000" b="1">
-                <a:latin typeface="+mn-ea"/>
-              </a:defRPr>
-            </a:lvl1pPr>
-            <a:lvl2pPr marL="447675" lvl="1" indent="-180975" defTabSz="914400" latinLnBrk="1">
-              <a:lnSpc>
-                <a:spcPct val="150000"/>
-              </a:lnSpc>
+              <a:defRPr/>
+            </a:pPr>
+            <a:r>
+              <a:rPr lang="en-US" altLang="ko-KR" dirty="0"/>
+              <a:t>Centralized workflow (collab </a:t>
+            </a:r>
+            <a:r>
+              <a:rPr lang="ko-KR" altLang="en-US" dirty="0"/>
+              <a:t>참여자가 모두가 결정하고 수정 진행</a:t>
+            </a:r>
+            <a:r>
+              <a:rPr lang="en-US" altLang="ko-KR" dirty="0"/>
+              <a:t>)</a:t>
+            </a:r>
+          </a:p>
+          <a:p>
+            <a:pPr marL="534988" lvl="1" indent="-268288">
               <a:spcBef>
                 <a:spcPts val="0"/>
               </a:spcBef>
               <a:spcAft>
                 <a:spcPts val="0"/>
-              </a:spcAft>
-              <a:buClr>
-                <a:schemeClr val="tx1">
-                  <a:lumMod val="50000"/>
-                  <a:lumOff val="50000"/>
-                </a:schemeClr>
-              </a:buClr>
-              <a:buFont typeface="Wingdings" pitchFamily="2" charset="2"/>
-              <a:buChar char="§"/>
-              <a:defRPr sz="1600"/>
-            </a:lvl2pPr>
-            <a:lvl3pPr marL="628650" indent="-180975" defTabSz="914400" latinLnBrk="1">
-              <a:lnSpc>
-                <a:spcPct val="150000"/>
-              </a:lnSpc>
-              <a:spcBef>
-                <a:spcPts val="500"/>
-              </a:spcBef>
-              <a:spcAft>
-                <a:spcPts val="300"/>
               </a:spcAft>
               <a:buClr>
                 <a:schemeClr val="tx1">
@@ -17544,19 +17546,27 @@
                   <a:lumOff val="35000"/>
                 </a:schemeClr>
               </a:buClr>
-              <a:buFont typeface="Arial" panose="020B0604020202020204" pitchFamily="34" charset="0"/>
-              <a:buChar char="•"/>
-              <a:defRPr sz="1400"/>
-            </a:lvl3pPr>
-            <a:lvl4pPr marL="809625" indent="-180975" defTabSz="914400" latinLnBrk="1">
-              <a:lnSpc>
-                <a:spcPct val="150000"/>
-              </a:lnSpc>
-              <a:spcBef>
-                <a:spcPts val="500"/>
+              <a:buFont typeface="+mj-ea"/>
+              <a:buAutoNum type="circleNumDbPlain"/>
+              <a:defRPr/>
+            </a:pPr>
+            <a:r>
+              <a:rPr lang="en-US" altLang="ko-KR" dirty="0"/>
+              <a:t>Local </a:t>
+            </a:r>
+            <a:r>
+              <a:rPr lang="ko-KR" altLang="en-US" dirty="0"/>
+              <a:t>작업</a:t>
+            </a:r>
+            <a:endParaRPr lang="en-US" altLang="ko-KR" dirty="0"/>
+          </a:p>
+          <a:p>
+            <a:pPr marL="534988" lvl="1" indent="-268288">
+              <a:spcBef>
+                <a:spcPts val="0"/>
               </a:spcBef>
               <a:spcAft>
-                <a:spcPts val="300"/>
+                <a:spcPts val="0"/>
               </a:spcAft>
               <a:buClr>
                 <a:schemeClr val="tx1">
@@ -17564,89 +17574,220 @@
                   <a:lumOff val="35000"/>
                 </a:schemeClr>
               </a:buClr>
-              <a:buSzPct val="96000"/>
-              <a:buFont typeface="Arial" panose="020B0604020202020204" pitchFamily="34" charset="0"/>
-              <a:buChar char="•"/>
-              <a:defRPr sz="1200"/>
-            </a:lvl4pPr>
-            <a:lvl5pPr marL="990600" indent="-180975" defTabSz="914400" latinLnBrk="1">
-              <a:lnSpc>
-                <a:spcPct val="150000"/>
-              </a:lnSpc>
-              <a:spcBef>
-                <a:spcPts val="500"/>
-              </a:spcBef>
+              <a:buFont typeface="+mj-ea"/>
+              <a:buAutoNum type="circleNumDbPlain"/>
+              <a:defRPr/>
+            </a:pPr>
+            <a:r>
+              <a:rPr lang="ko-KR" altLang="en-US" dirty="0"/>
+              <a:t>원격</a:t>
+            </a:r>
+            <a:r>
+              <a:rPr lang="en-US" altLang="ko-KR" dirty="0"/>
+              <a:t>repo  </a:t>
+            </a:r>
+            <a:r>
+              <a:rPr lang="ko-KR" altLang="en-US" dirty="0"/>
+              <a:t>만들기</a:t>
+            </a:r>
+            <a:r>
+              <a:rPr lang="en-US" altLang="ko-KR" dirty="0"/>
+              <a:t>, collaborator</a:t>
+            </a:r>
+          </a:p>
+          <a:p>
+            <a:pPr marL="534988" lvl="1" indent="-268288">
+              <a:spcBef>
+                <a:spcPts val="0"/>
+              </a:spcBef>
+              <a:spcAft>
+                <a:spcPts val="0"/>
+              </a:spcAft>
               <a:buClr>
                 <a:schemeClr val="tx1">
                   <a:lumMod val="65000"/>
                   <a:lumOff val="35000"/>
                 </a:schemeClr>
               </a:buClr>
-              <a:buFont typeface="Arial" panose="020B0604020202020204" pitchFamily="34" charset="0"/>
-              <a:buChar char="•"/>
-              <a:defRPr sz="1000"/>
-            </a:lvl5pPr>
-            <a:lvl6pPr marL="2514600" indent="-228600" defTabSz="914400" latinLnBrk="1">
-              <a:lnSpc>
-                <a:spcPct val="90000"/>
-              </a:lnSpc>
-              <a:spcBef>
-                <a:spcPts val="500"/>
-              </a:spcBef>
-              <a:buFont typeface="Arial" panose="020B0604020202020204" pitchFamily="34" charset="0"/>
-              <a:buChar char="•"/>
-            </a:lvl6pPr>
-            <a:lvl7pPr marL="2971800" indent="-228600" defTabSz="914400" latinLnBrk="1">
-              <a:lnSpc>
-                <a:spcPct val="90000"/>
-              </a:lnSpc>
-              <a:spcBef>
-                <a:spcPts val="500"/>
-              </a:spcBef>
-              <a:buFont typeface="Arial" panose="020B0604020202020204" pitchFamily="34" charset="0"/>
-              <a:buChar char="•"/>
-            </a:lvl7pPr>
-            <a:lvl8pPr marL="3429000" indent="-228600" defTabSz="914400" latinLnBrk="1">
-              <a:lnSpc>
-                <a:spcPct val="90000"/>
-              </a:lnSpc>
-              <a:spcBef>
-                <a:spcPts val="500"/>
-              </a:spcBef>
-              <a:buFont typeface="Arial" panose="020B0604020202020204" pitchFamily="34" charset="0"/>
-              <a:buChar char="•"/>
-            </a:lvl8pPr>
-            <a:lvl9pPr marL="3886200" indent="-228600" defTabSz="914400" latinLnBrk="1">
-              <a:lnSpc>
-                <a:spcPct val="90000"/>
-              </a:lnSpc>
-              <a:spcBef>
-                <a:spcPts val="500"/>
-              </a:spcBef>
-              <a:buFont typeface="Arial" panose="020B0604020202020204" pitchFamily="34" charset="0"/>
-              <a:buChar char="•"/>
-            </a:lvl9pPr>
-          </a:lstStyle>
-          <a:p>
+              <a:buFont typeface="+mj-ea"/>
+              <a:buAutoNum type="circleNumDbPlain"/>
+              <a:defRPr/>
+            </a:pPr>
+            <a:r>
+              <a:rPr lang="en-US" altLang="ko-KR" dirty="0"/>
+              <a:t>Push</a:t>
+            </a:r>
             <a:r>
               <a:rPr lang="ko-KR" altLang="en-US" dirty="0"/>
-              <a:t>협업환경 </a:t>
-            </a:r>
+              <a:t>하기 </a:t>
+            </a:r>
+            <a:endParaRPr lang="en-US" altLang="ko-KR" dirty="0"/>
+          </a:p>
+          <a:p>
+            <a:pPr marL="534988" lvl="1" indent="-268288">
+              <a:spcBef>
+                <a:spcPts val="0"/>
+              </a:spcBef>
+              <a:spcAft>
+                <a:spcPts val="0"/>
+              </a:spcAft>
+              <a:buClr>
+                <a:schemeClr val="tx1">
+                  <a:lumMod val="65000"/>
+                  <a:lumOff val="35000"/>
+                </a:schemeClr>
+              </a:buClr>
+              <a:buFont typeface="+mj-ea"/>
+              <a:buAutoNum type="circleNumDbPlain"/>
+              <a:defRPr/>
+            </a:pPr>
             <a:r>
               <a:rPr lang="en-US" altLang="ko-KR" dirty="0"/>
-              <a:t>(</a:t>
+              <a:t>Collab clone</a:t>
             </a:r>
             <a:r>
               <a:rPr lang="ko-KR" altLang="en-US" dirty="0"/>
-              <a:t>참고 </a:t>
-            </a:r>
+              <a:t>하기</a:t>
+            </a:r>
+            <a:endParaRPr lang="en-US" altLang="ko-KR" dirty="0"/>
+          </a:p>
+          <a:p>
+            <a:pPr marL="534988" lvl="1" indent="-268288">
+              <a:spcBef>
+                <a:spcPts val="0"/>
+              </a:spcBef>
+              <a:spcAft>
+                <a:spcPts val="0"/>
+              </a:spcAft>
+              <a:buClr>
+                <a:schemeClr val="tx1">
+                  <a:lumMod val="65000"/>
+                  <a:lumOff val="35000"/>
+                </a:schemeClr>
+              </a:buClr>
+              <a:buFont typeface="+mj-ea"/>
+              <a:buAutoNum type="circleNumDbPlain"/>
+              <a:defRPr/>
+            </a:pPr>
             <a:r>
               <a:rPr lang="en-US" altLang="ko-KR" dirty="0"/>
-              <a:t>: project </a:t>
+              <a:t>1 </a:t>
             </a:r>
             <a:r>
               <a:rPr lang="ko-KR" altLang="en-US" dirty="0"/>
-              <a:t>등록은 복잡</a:t>
+              <a:t>수정하고 </a:t>
+            </a:r>
+            <a:r>
+              <a:rPr lang="en-US" altLang="ko-KR" dirty="0"/>
+              <a:t>push</a:t>
+            </a:r>
+            <a:r>
+              <a:rPr lang="ko-KR" altLang="en-US" dirty="0"/>
+              <a:t>하기</a:t>
+            </a:r>
+            <a:endParaRPr lang="en-US" altLang="ko-KR" dirty="0"/>
+          </a:p>
+          <a:p>
+            <a:pPr marL="534988" lvl="1" indent="-268288">
+              <a:spcBef>
+                <a:spcPts val="0"/>
+              </a:spcBef>
+              <a:spcAft>
+                <a:spcPts val="0"/>
+              </a:spcAft>
+              <a:buClr>
+                <a:schemeClr val="tx1">
+                  <a:lumMod val="65000"/>
+                  <a:lumOff val="35000"/>
+                </a:schemeClr>
+              </a:buClr>
+              <a:buFont typeface="+mj-ea"/>
+              <a:buAutoNum type="circleNumDbPlain"/>
+              <a:defRPr/>
+            </a:pPr>
+            <a:r>
+              <a:rPr lang="en-US" altLang="ko-KR" dirty="0"/>
+              <a:t>2 </a:t>
+            </a:r>
+            <a:r>
+              <a:rPr lang="ko-KR" altLang="en-US" dirty="0"/>
+              <a:t>수정하고 </a:t>
+            </a:r>
+            <a:r>
+              <a:rPr lang="en-US" altLang="ko-KR" dirty="0"/>
+              <a:t>push</a:t>
+            </a:r>
+            <a:r>
+              <a:rPr lang="ko-KR" altLang="en-US" dirty="0"/>
+              <a:t>하기</a:t>
+            </a:r>
+            <a:endParaRPr lang="en-US" altLang="ko-KR" dirty="0"/>
+          </a:p>
+          <a:p>
+            <a:pPr marL="534988" lvl="1" indent="-268288">
+              <a:spcBef>
+                <a:spcPts val="0"/>
+              </a:spcBef>
+              <a:spcAft>
+                <a:spcPts val="0"/>
+              </a:spcAft>
+              <a:buClr>
+                <a:schemeClr val="tx1">
+                  <a:lumMod val="65000"/>
+                  <a:lumOff val="35000"/>
+                </a:schemeClr>
+              </a:buClr>
+              <a:buFont typeface="+mj-ea"/>
+              <a:buAutoNum type="circleNumDbPlain"/>
+              <a:defRPr/>
+            </a:pPr>
+            <a:r>
+              <a:rPr lang="en-US" altLang="ko-KR" dirty="0"/>
+              <a:t>2</a:t>
+            </a:r>
+            <a:r>
+              <a:rPr lang="ko-KR" altLang="en-US" dirty="0"/>
+              <a:t>에서 </a:t>
+            </a:r>
+            <a:r>
+              <a:rPr lang="en-US" altLang="ko-KR" dirty="0"/>
+              <a:t>Pull --rebase origin main  ( git pull</a:t>
+            </a:r>
+            <a:r>
+              <a:rPr lang="ko-KR" altLang="en-US" dirty="0"/>
+              <a:t>이하</a:t>
+            </a:r>
+            <a:r>
+              <a:rPr lang="en-US" altLang="ko-KR" dirty="0"/>
+              <a:t> 7</a:t>
+            </a:r>
+            <a:r>
+              <a:rPr lang="ko-KR" altLang="en-US" dirty="0"/>
+              <a:t>부터</a:t>
+            </a:r>
+            <a:r>
+              <a:rPr lang="en-US" altLang="ko-KR" dirty="0"/>
+              <a:t>10</a:t>
+            </a:r>
+            <a:r>
+              <a:rPr lang="ko-KR" altLang="en-US" dirty="0"/>
+              <a:t>까지 </a:t>
+            </a:r>
+            <a:r>
+              <a:rPr lang="en-US" altLang="ko-KR" dirty="0"/>
+              <a:t>git pull</a:t>
+            </a:r>
+            <a:r>
+              <a:rPr lang="ko-KR" altLang="en-US" dirty="0"/>
+              <a:t>하고 </a:t>
+            </a:r>
+            <a:r>
+              <a:rPr lang="en-US" altLang="ko-KR" dirty="0"/>
+              <a:t>conflict </a:t>
+            </a:r>
+            <a:r>
+              <a:rPr lang="ko-KR" altLang="en-US" dirty="0"/>
+              <a:t>수정 단계 같음</a:t>
             </a:r>
             <a:r>
               <a:rPr lang="en-US" altLang="ko-KR" dirty="0"/>
@@ -17654,77 +17795,259 @@
             </a:r>
           </a:p>
           <a:p>
-            <a:pPr lvl="1"/>
+            <a:pPr marL="534988" lvl="1" indent="-268288">
+              <a:spcBef>
+                <a:spcPts val="0"/>
+              </a:spcBef>
+              <a:spcAft>
+                <a:spcPts val="0"/>
+              </a:spcAft>
+              <a:buClr>
+                <a:schemeClr val="tx1">
+                  <a:lumMod val="65000"/>
+                  <a:lumOff val="35000"/>
+                </a:schemeClr>
+              </a:buClr>
+              <a:buFont typeface="+mj-ea"/>
+              <a:buAutoNum type="circleNumDbPlain"/>
+              <a:defRPr/>
+            </a:pPr>
+            <a:r>
+              <a:rPr lang="en-US" altLang="ko-KR" dirty="0"/>
+              <a:t>Conflict</a:t>
+            </a:r>
+            <a:r>
+              <a:rPr lang="ko-KR" altLang="en-US" dirty="0"/>
+              <a:t> 파일 수정  </a:t>
+            </a:r>
+            <a:r>
+              <a:rPr lang="en-US" altLang="ko-KR" dirty="0"/>
+              <a:t>( = )</a:t>
+            </a:r>
+          </a:p>
+          <a:p>
+            <a:pPr marL="534988" lvl="1" indent="-268288">
+              <a:spcBef>
+                <a:spcPts val="0"/>
+              </a:spcBef>
+              <a:spcAft>
+                <a:spcPts val="0"/>
+              </a:spcAft>
+              <a:buClr>
+                <a:schemeClr val="tx1">
+                  <a:lumMod val="65000"/>
+                  <a:lumOff val="35000"/>
+                </a:schemeClr>
+              </a:buClr>
+              <a:buFont typeface="+mj-ea"/>
+              <a:buAutoNum type="circleNumDbPlain"/>
+              <a:defRPr/>
+            </a:pPr>
+            <a:r>
+              <a:rPr lang="en-US" altLang="ko-KR" dirty="0"/>
+              <a:t>Git</a:t>
+            </a:r>
+            <a:r>
+              <a:rPr lang="ko-KR" altLang="en-US" dirty="0"/>
+              <a:t> </a:t>
+            </a:r>
+            <a:r>
+              <a:rPr lang="en-US" altLang="ko-KR" dirty="0"/>
+              <a:t>add</a:t>
+            </a:r>
+            <a:r>
+              <a:rPr lang="ko-KR" altLang="en-US" dirty="0"/>
+              <a:t> </a:t>
+            </a:r>
+            <a:r>
+              <a:rPr lang="en-US" altLang="ko-KR" dirty="0"/>
+              <a:t>cen.txt ( = )</a:t>
+            </a:r>
+          </a:p>
+          <a:p>
+            <a:pPr marL="534988" lvl="1" indent="-268288">
+              <a:spcBef>
+                <a:spcPts val="0"/>
+              </a:spcBef>
+              <a:spcAft>
+                <a:spcPts val="0"/>
+              </a:spcAft>
+              <a:buClr>
+                <a:schemeClr val="tx1">
+                  <a:lumMod val="65000"/>
+                  <a:lumOff val="35000"/>
+                </a:schemeClr>
+              </a:buClr>
+              <a:buFont typeface="+mj-ea"/>
+              <a:buAutoNum type="circleNumDbPlain"/>
+              <a:defRPr/>
+            </a:pPr>
+            <a:r>
+              <a:rPr lang="en-US" altLang="ko-KR" dirty="0"/>
+              <a:t>Git rebase –continue </a:t>
+            </a:r>
+            <a:r>
+              <a:rPr lang="en-US" altLang="ko-KR" dirty="0">
+                <a:sym typeface="Wingdings" panose="05000000000000000000" pitchFamily="2" charset="2"/>
+              </a:rPr>
+              <a:t> text commit message  ( git commit)</a:t>
+            </a:r>
+          </a:p>
+          <a:p>
+            <a:pPr marL="534988" lvl="1" indent="-268288">
+              <a:spcBef>
+                <a:spcPts val="0"/>
+              </a:spcBef>
+              <a:spcAft>
+                <a:spcPts val="0"/>
+              </a:spcAft>
+              <a:buClr>
+                <a:schemeClr val="tx1">
+                  <a:lumMod val="65000"/>
+                  <a:lumOff val="35000"/>
+                </a:schemeClr>
+              </a:buClr>
+              <a:buFont typeface="+mj-ea"/>
+              <a:buAutoNum type="circleNumDbPlain"/>
+              <a:defRPr/>
+            </a:pPr>
+            <a:r>
+              <a:rPr lang="en-US" altLang="ko-KR" dirty="0">
+                <a:sym typeface="Wingdings" panose="05000000000000000000" pitchFamily="2" charset="2"/>
+              </a:rPr>
+              <a:t>Git push origin main</a:t>
+            </a:r>
+          </a:p>
+          <a:p>
+            <a:pPr marL="266700" lvl="1" indent="0">
+              <a:spcBef>
+                <a:spcPts val="0"/>
+              </a:spcBef>
+              <a:spcAft>
+                <a:spcPts val="0"/>
+              </a:spcAft>
+              <a:buClr>
+                <a:schemeClr val="tx1">
+                  <a:lumMod val="65000"/>
+                  <a:lumOff val="35000"/>
+                </a:schemeClr>
+              </a:buClr>
+              <a:buNone/>
+              <a:defRPr/>
+            </a:pPr>
             <a:r>
               <a:rPr lang="ko-KR" altLang="en-US" dirty="0">
-                <a:latin typeface="+mn-ea"/>
-              </a:rPr>
-              <a:t>참여를 원하는 인원의 </a:t>
+                <a:sym typeface="Wingdings" panose="05000000000000000000" pitchFamily="2" charset="2"/>
+              </a:rPr>
+              <a:t>내가 수정하고 </a:t>
             </a:r>
             <a:r>
               <a:rPr lang="en-US" altLang="ko-KR" dirty="0">
-                <a:latin typeface="+mn-ea"/>
-              </a:rPr>
-              <a:t>username </a:t>
+                <a:sym typeface="Wingdings" panose="05000000000000000000" pitchFamily="2" charset="2"/>
+              </a:rPr>
+              <a:t>push</a:t>
             </a:r>
             <a:r>
               <a:rPr lang="ko-KR" altLang="en-US" dirty="0">
-                <a:latin typeface="+mn-ea"/>
-              </a:rPr>
-              <a:t>혹은 이메일 등 한가지 </a:t>
+                <a:sym typeface="Wingdings" panose="05000000000000000000" pitchFamily="2" charset="2"/>
+              </a:rPr>
+              <a:t>하고 다시 내용을 바꾸고 </a:t>
+            </a:r>
+            <a:r>
+              <a:rPr lang="en-US" altLang="ko-KR" dirty="0">
+                <a:sym typeface="Wingdings" panose="05000000000000000000" pitchFamily="2" charset="2"/>
+              </a:rPr>
+              <a:t>push</a:t>
+            </a:r>
+            <a:r>
+              <a:rPr lang="ko-KR" altLang="en-US" dirty="0">
+                <a:sym typeface="Wingdings" panose="05000000000000000000" pitchFamily="2" charset="2"/>
+              </a:rPr>
+              <a:t>해도 </a:t>
+            </a:r>
+            <a:r>
+              <a:rPr lang="en-US" altLang="ko-KR" dirty="0">
+                <a:sym typeface="Wingdings" panose="05000000000000000000" pitchFamily="2" charset="2"/>
+              </a:rPr>
+              <a:t>conflict</a:t>
+            </a:r>
+            <a:r>
+              <a:rPr lang="ko-KR" altLang="en-US" dirty="0">
+                <a:sym typeface="Wingdings" panose="05000000000000000000" pitchFamily="2" charset="2"/>
+              </a:rPr>
+              <a:t>이 발생하지 않는다 </a:t>
             </a:r>
             <a:r>
               <a:rPr lang="ko-KR" altLang="en-US" dirty="0" err="1">
-                <a:latin typeface="+mn-ea"/>
-              </a:rPr>
-              <a:t>입력후</a:t>
-            </a:r>
-            <a:r>
-              <a:rPr lang="ko-KR" altLang="en-US" dirty="0">
-                <a:latin typeface="+mn-ea"/>
-              </a:rPr>
-              <a:t> 클릭</a:t>
-            </a:r>
+                <a:sym typeface="Wingdings" panose="05000000000000000000" pitchFamily="2" charset="2"/>
+              </a:rPr>
+              <a:t>왜지</a:t>
+            </a:r>
+            <a:r>
+              <a:rPr lang="en-US" altLang="ko-KR" dirty="0">
+                <a:sym typeface="Wingdings" panose="05000000000000000000" pitchFamily="2" charset="2"/>
+              </a:rPr>
+              <a:t>?</a:t>
+            </a:r>
+            <a:endParaRPr lang="en-US" altLang="ko-KR" dirty="0"/>
+          </a:p>
+          <a:p>
+            <a:pPr marL="266700" lvl="1" indent="0">
+              <a:spcBef>
+                <a:spcPts val="0"/>
+              </a:spcBef>
+              <a:spcAft>
+                <a:spcPts val="0"/>
+              </a:spcAft>
+              <a:buClr>
+                <a:schemeClr val="tx1">
+                  <a:lumMod val="65000"/>
+                  <a:lumOff val="35000"/>
+                </a:schemeClr>
+              </a:buClr>
+              <a:buNone/>
+              <a:defRPr/>
+            </a:pPr>
+            <a:endParaRPr lang="en-US" altLang="ko-KR" dirty="0"/>
+          </a:p>
+          <a:p>
+            <a:pPr>
+              <a:buClr>
+                <a:schemeClr val="tx1">
+                  <a:lumMod val="65000"/>
+                  <a:lumOff val="35000"/>
+                </a:schemeClr>
+              </a:buClr>
+              <a:defRPr/>
+            </a:pPr>
             <a:endParaRPr lang="en-US" altLang="ko-KR" dirty="0">
-              <a:latin typeface="+mn-ea"/>
+              <a:solidFill>
+                <a:srgbClr val="FF0000"/>
+              </a:solidFill>
             </a:endParaRPr>
           </a:p>
+          <a:p>
+            <a:pPr>
+              <a:buClr>
+                <a:schemeClr val="tx1">
+                  <a:lumMod val="65000"/>
+                  <a:lumOff val="35000"/>
+                </a:schemeClr>
+              </a:buClr>
+              <a:defRPr/>
+            </a:pPr>
+            <a:endParaRPr lang="ko-KR" altLang="en-US" dirty="0">
+              <a:solidFill>
+                <a:srgbClr val="FF0000"/>
+              </a:solidFill>
+            </a:endParaRPr>
+          </a:p>
         </p:txBody>
       </p:sp>
-      <p:pic>
-        <p:nvPicPr>
-          <p:cNvPr id="3" name="그림 2">
-            <a:extLst>
-              <a:ext uri="{FF2B5EF4-FFF2-40B4-BE49-F238E27FC236}">
-                <a16:creationId xmlns:a16="http://schemas.microsoft.com/office/drawing/2014/main" id="{ECF4A57F-E76D-4D0B-8E49-634EB2B8772C}"/>
-              </a:ext>
-            </a:extLst>
-          </p:cNvPr>
-          <p:cNvPicPr>
-            <a:picLocks noChangeAspect="1"/>
-          </p:cNvPicPr>
-          <p:nvPr/>
-        </p:nvPicPr>
-        <p:blipFill>
-          <a:blip r:embed="rId3"/>
-          <a:stretch>
-            <a:fillRect/>
-          </a:stretch>
-        </p:blipFill>
-        <p:spPr>
-          <a:xfrm>
-            <a:off x="561734" y="2043996"/>
-            <a:ext cx="7249930" cy="4057691"/>
-          </a:xfrm>
-          <a:prstGeom prst="rect">
-            <a:avLst/>
-          </a:prstGeom>
-        </p:spPr>
-      </p:pic>
     </p:spTree>
     <p:extLst>
       <p:ext uri="{BB962C8B-B14F-4D97-AF65-F5344CB8AC3E}">
-        <p14:creationId xmlns:p14="http://schemas.microsoft.com/office/powerpoint/2010/main" val="499094456"/>
+        <p14:creationId xmlns:p14="http://schemas.microsoft.com/office/powerpoint/2010/main" val="1151209346"/>
       </p:ext>
     </p:extLst>
   </p:cSld>
@@ -17774,87 +18097,73 @@
           <a:p>
             <a:r>
               <a:rPr lang="ko-KR" altLang="en-US" dirty="0"/>
-              <a:t>협업하기</a:t>
-            </a:r>
+              <a:t>협업방식 </a:t>
+            </a:r>
+            <a:r>
+              <a:rPr lang="en-US" altLang="ko-KR" dirty="0"/>
+              <a:t>1</a:t>
+            </a:r>
+            <a:endParaRPr lang="ko-KR" altLang="en-US" dirty="0"/>
           </a:p>
         </p:txBody>
       </p:sp>
       <p:sp>
         <p:nvSpPr>
-          <p:cNvPr id="7" name="내용 개체 틀 2">
+          <p:cNvPr id="5" name="내용 개체 틀 4">
             <a:extLst>
               <a:ext uri="{FF2B5EF4-FFF2-40B4-BE49-F238E27FC236}">
-                <a16:creationId xmlns:a16="http://schemas.microsoft.com/office/drawing/2014/main" id="{A44AC902-3746-40D6-9827-94B46EEDDC67}"/>
+                <a16:creationId xmlns:a16="http://schemas.microsoft.com/office/drawing/2014/main" id="{FDF69C25-9F43-470B-8A20-AEDC0F371CCD}"/>
               </a:ext>
             </a:extLst>
           </p:cNvPr>
-          <p:cNvSpPr txBox="1">
-            <a:spLocks/>
+          <p:cNvSpPr>
+            <a:spLocks noGrp="1"/>
           </p:cNvSpPr>
-          <p:nvPr/>
+          <p:nvPr>
+            <p:ph idx="1"/>
+          </p:nvPr>
         </p:nvSpPr>
         <p:spPr>
           <a:xfrm>
-            <a:off x="341787" y="1120545"/>
-            <a:ext cx="8642350" cy="2351314"/>
+            <a:off x="250825" y="1000221"/>
+            <a:ext cx="8641655" cy="5146579"/>
           </a:xfrm>
-          <a:prstGeom prst="rect">
-            <a:avLst/>
-          </a:prstGeom>
         </p:spPr>
         <p:txBody>
-          <a:bodyPr vert="horz" lIns="91440" tIns="45720" rIns="91440" bIns="45720" rtlCol="0">
+          <a:bodyPr tIns="0" bIns="0">
             <a:noAutofit/>
           </a:bodyPr>
-          <a:lstStyle>
-            <a:lvl1pPr marL="266700" indent="-266700" defTabSz="914400" latinLnBrk="1">
-              <a:lnSpc>
-                <a:spcPct val="150000"/>
-              </a:lnSpc>
-              <a:spcBef>
-                <a:spcPct val="0"/>
-              </a:spcBef>
+          <a:lstStyle/>
+          <a:p>
+            <a:pPr>
               <a:buClr>
                 <a:schemeClr val="tx1">
                   <a:lumMod val="65000"/>
                   <a:lumOff val="35000"/>
                 </a:schemeClr>
               </a:buClr>
-              <a:buFont typeface="Wingdings" pitchFamily="2" charset="2"/>
-              <a:buChar char="n"/>
-              <a:defRPr sz="2000" b="1">
-                <a:latin typeface="+mn-ea"/>
-              </a:defRPr>
-            </a:lvl1pPr>
-            <a:lvl2pPr marL="447675" lvl="1" indent="-180975" defTabSz="914400" latinLnBrk="1">
-              <a:lnSpc>
-                <a:spcPct val="150000"/>
-              </a:lnSpc>
+              <a:defRPr/>
+            </a:pPr>
+            <a:r>
+              <a:rPr lang="en-US" altLang="ko-KR" dirty="0"/>
+              <a:t>Feature branch workflow (collab </a:t>
+            </a:r>
+            <a:r>
+              <a:rPr lang="ko-KR" altLang="en-US" dirty="0"/>
+              <a:t>참여자가 모두가 결정하고 수정 진행</a:t>
+            </a:r>
+            <a:r>
+              <a:rPr lang="en-US" altLang="ko-KR" dirty="0"/>
+              <a:t>)</a:t>
+            </a:r>
+          </a:p>
+          <a:p>
+            <a:pPr marL="534988" lvl="1" indent="-268288">
               <a:spcBef>
                 <a:spcPts val="0"/>
               </a:spcBef>
               <a:spcAft>
                 <a:spcPts val="0"/>
-              </a:spcAft>
-              <a:buClr>
-                <a:schemeClr val="tx1">
-                  <a:lumMod val="50000"/>
-                  <a:lumOff val="50000"/>
-                </a:schemeClr>
-              </a:buClr>
-              <a:buFont typeface="Wingdings" pitchFamily="2" charset="2"/>
-              <a:buChar char="§"/>
-              <a:defRPr sz="1600"/>
-            </a:lvl2pPr>
-            <a:lvl3pPr marL="628650" indent="-180975" defTabSz="914400" latinLnBrk="1">
-              <a:lnSpc>
-                <a:spcPct val="150000"/>
-              </a:lnSpc>
-              <a:spcBef>
-                <a:spcPts val="500"/>
-              </a:spcBef>
-              <a:spcAft>
-                <a:spcPts val="300"/>
               </a:spcAft>
               <a:buClr>
                 <a:schemeClr val="tx1">
@@ -17862,19 +18171,27 @@
                   <a:lumOff val="35000"/>
                 </a:schemeClr>
               </a:buClr>
-              <a:buFont typeface="Arial" panose="020B0604020202020204" pitchFamily="34" charset="0"/>
-              <a:buChar char="•"/>
-              <a:defRPr sz="1400"/>
-            </a:lvl3pPr>
-            <a:lvl4pPr marL="809625" indent="-180975" defTabSz="914400" latinLnBrk="1">
-              <a:lnSpc>
-                <a:spcPct val="150000"/>
-              </a:lnSpc>
-              <a:spcBef>
-                <a:spcPts val="500"/>
+              <a:buFont typeface="+mj-ea"/>
+              <a:buAutoNum type="circleNumDbPlain"/>
+              <a:defRPr/>
+            </a:pPr>
+            <a:r>
+              <a:rPr lang="en-US" altLang="ko-KR" dirty="0"/>
+              <a:t>Local </a:t>
+            </a:r>
+            <a:r>
+              <a:rPr lang="ko-KR" altLang="en-US" dirty="0"/>
+              <a:t>작업</a:t>
+            </a:r>
+            <a:endParaRPr lang="en-US" altLang="ko-KR" dirty="0"/>
+          </a:p>
+          <a:p>
+            <a:pPr marL="534988" lvl="1" indent="-268288">
+              <a:spcBef>
+                <a:spcPts val="0"/>
               </a:spcBef>
               <a:spcAft>
-                <a:spcPts val="300"/>
+                <a:spcPts val="0"/>
               </a:spcAft>
               <a:buClr>
                 <a:schemeClr val="tx1">
@@ -17882,81 +18199,691 @@
                   <a:lumOff val="35000"/>
                 </a:schemeClr>
               </a:buClr>
-              <a:buSzPct val="96000"/>
-              <a:buFont typeface="Arial" panose="020B0604020202020204" pitchFamily="34" charset="0"/>
-              <a:buChar char="•"/>
-              <a:defRPr sz="1200"/>
-            </a:lvl4pPr>
-            <a:lvl5pPr marL="990600" indent="-180975" defTabSz="914400" latinLnBrk="1">
-              <a:lnSpc>
-                <a:spcPct val="150000"/>
-              </a:lnSpc>
-              <a:spcBef>
-                <a:spcPts val="500"/>
-              </a:spcBef>
+              <a:buFont typeface="+mj-ea"/>
+              <a:buAutoNum type="circleNumDbPlain"/>
+              <a:defRPr/>
+            </a:pPr>
+            <a:r>
+              <a:rPr lang="ko-KR" altLang="en-US" dirty="0"/>
+              <a:t>원격</a:t>
+            </a:r>
+            <a:r>
+              <a:rPr lang="en-US" altLang="ko-KR" dirty="0"/>
+              <a:t>repo  </a:t>
+            </a:r>
+            <a:r>
+              <a:rPr lang="ko-KR" altLang="en-US" dirty="0"/>
+              <a:t>만들기</a:t>
+            </a:r>
+            <a:r>
+              <a:rPr lang="en-US" altLang="ko-KR" dirty="0"/>
+              <a:t>, collaborator</a:t>
+            </a:r>
+          </a:p>
+          <a:p>
+            <a:pPr marL="534988" lvl="1" indent="-268288">
+              <a:spcBef>
+                <a:spcPts val="0"/>
+              </a:spcBef>
+              <a:spcAft>
+                <a:spcPts val="0"/>
+              </a:spcAft>
               <a:buClr>
                 <a:schemeClr val="tx1">
                   <a:lumMod val="65000"/>
                   <a:lumOff val="35000"/>
                 </a:schemeClr>
               </a:buClr>
-              <a:buFont typeface="Arial" panose="020B0604020202020204" pitchFamily="34" charset="0"/>
-              <a:buChar char="•"/>
-              <a:defRPr sz="1000"/>
-            </a:lvl5pPr>
-            <a:lvl6pPr marL="2514600" indent="-228600" defTabSz="914400" latinLnBrk="1">
-              <a:lnSpc>
-                <a:spcPct val="90000"/>
-              </a:lnSpc>
-              <a:spcBef>
-                <a:spcPts val="500"/>
-              </a:spcBef>
-              <a:buFont typeface="Arial" panose="020B0604020202020204" pitchFamily="34" charset="0"/>
-              <a:buChar char="•"/>
-            </a:lvl6pPr>
-            <a:lvl7pPr marL="2971800" indent="-228600" defTabSz="914400" latinLnBrk="1">
-              <a:lnSpc>
-                <a:spcPct val="90000"/>
-              </a:lnSpc>
-              <a:spcBef>
-                <a:spcPts val="500"/>
-              </a:spcBef>
-              <a:buFont typeface="Arial" panose="020B0604020202020204" pitchFamily="34" charset="0"/>
-              <a:buChar char="•"/>
-            </a:lvl7pPr>
-            <a:lvl8pPr marL="3429000" indent="-228600" defTabSz="914400" latinLnBrk="1">
-              <a:lnSpc>
-                <a:spcPct val="90000"/>
-              </a:lnSpc>
-              <a:spcBef>
-                <a:spcPts val="500"/>
-              </a:spcBef>
-              <a:buFont typeface="Arial" panose="020B0604020202020204" pitchFamily="34" charset="0"/>
-              <a:buChar char="•"/>
-            </a:lvl8pPr>
-            <a:lvl9pPr marL="3886200" indent="-228600" defTabSz="914400" latinLnBrk="1">
-              <a:lnSpc>
-                <a:spcPct val="90000"/>
-              </a:lnSpc>
-              <a:spcBef>
-                <a:spcPts val="500"/>
-              </a:spcBef>
-              <a:buFont typeface="Arial" panose="020B0604020202020204" pitchFamily="34" charset="0"/>
-              <a:buChar char="•"/>
-            </a:lvl9pPr>
-          </a:lstStyle>
-          <a:p>
+              <a:buFont typeface="+mj-ea"/>
+              <a:buAutoNum type="circleNumDbPlain"/>
+              <a:defRPr/>
+            </a:pPr>
+            <a:r>
+              <a:rPr lang="en-US" altLang="ko-KR" dirty="0"/>
+              <a:t>Push</a:t>
+            </a:r>
             <a:r>
               <a:rPr lang="ko-KR" altLang="en-US" dirty="0"/>
-              <a:t>협업환경 </a:t>
-            </a:r>
+              <a:t>하기 </a:t>
+            </a:r>
+            <a:endParaRPr lang="en-US" altLang="ko-KR" dirty="0"/>
+          </a:p>
+          <a:p>
+            <a:pPr marL="534988" lvl="1" indent="-268288">
+              <a:spcBef>
+                <a:spcPts val="0"/>
+              </a:spcBef>
+              <a:spcAft>
+                <a:spcPts val="0"/>
+              </a:spcAft>
+              <a:buClr>
+                <a:schemeClr val="tx1">
+                  <a:lumMod val="65000"/>
+                  <a:lumOff val="35000"/>
+                </a:schemeClr>
+              </a:buClr>
+              <a:buFont typeface="+mj-ea"/>
+              <a:buAutoNum type="circleNumDbPlain"/>
+              <a:defRPr/>
+            </a:pPr>
             <a:r>
               <a:rPr lang="en-US" altLang="ko-KR" dirty="0"/>
-              <a:t>(collaborator</a:t>
+              <a:t>Collab clone</a:t>
             </a:r>
             <a:r>
               <a:rPr lang="ko-KR" altLang="en-US" dirty="0"/>
-              <a:t> 등록</a:t>
+              <a:t>하기</a:t>
+            </a:r>
+            <a:endParaRPr lang="en-US" altLang="ko-KR" dirty="0"/>
+          </a:p>
+          <a:p>
+            <a:pPr marL="534988" lvl="1" indent="-268288">
+              <a:spcBef>
+                <a:spcPts val="0"/>
+              </a:spcBef>
+              <a:spcAft>
+                <a:spcPts val="0"/>
+              </a:spcAft>
+              <a:buClr>
+                <a:schemeClr val="tx1">
+                  <a:lumMod val="65000"/>
+                  <a:lumOff val="35000"/>
+                </a:schemeClr>
+              </a:buClr>
+              <a:buFont typeface="+mj-ea"/>
+              <a:buAutoNum type="circleNumDbPlain"/>
+              <a:defRPr/>
+            </a:pPr>
+            <a:r>
+              <a:rPr lang="en-US" altLang="ko-KR" dirty="0"/>
+              <a:t>Create new branch </a:t>
+            </a:r>
+            <a:r>
+              <a:rPr lang="en-US" altLang="ko-KR" dirty="0">
+                <a:sym typeface="Wingdings" panose="05000000000000000000" pitchFamily="2" charset="2"/>
+              </a:rPr>
+              <a:t> change files  add  commit</a:t>
+            </a:r>
+            <a:endParaRPr lang="en-US" altLang="ko-KR" dirty="0"/>
+          </a:p>
+          <a:p>
+            <a:pPr marL="534988" lvl="1" indent="-268288">
+              <a:spcBef>
+                <a:spcPts val="0"/>
+              </a:spcBef>
+              <a:spcAft>
+                <a:spcPts val="0"/>
+              </a:spcAft>
+              <a:buClr>
+                <a:schemeClr val="tx1">
+                  <a:lumMod val="65000"/>
+                  <a:lumOff val="35000"/>
+                </a:schemeClr>
+              </a:buClr>
+              <a:buFont typeface="+mj-ea"/>
+              <a:buAutoNum type="circleNumDbPlain"/>
+              <a:defRPr/>
+            </a:pPr>
+            <a:r>
+              <a:rPr lang="en-US" altLang="ko-KR" dirty="0"/>
+              <a:t>Push new branch </a:t>
+            </a:r>
+            <a:r>
+              <a:rPr lang="en-US" altLang="ko-KR" dirty="0">
+                <a:sym typeface="Wingdings" panose="05000000000000000000" pitchFamily="2" charset="2"/>
+              </a:rPr>
+              <a:t> in main </a:t>
+            </a:r>
+            <a:r>
+              <a:rPr lang="en-US" altLang="ko-KR" dirty="0" err="1">
+                <a:sym typeface="Wingdings" panose="05000000000000000000" pitchFamily="2" charset="2"/>
+              </a:rPr>
+              <a:t>github</a:t>
+            </a:r>
+            <a:r>
+              <a:rPr lang="en-US" altLang="ko-KR" dirty="0">
+                <a:sym typeface="Wingdings" panose="05000000000000000000" pitchFamily="2" charset="2"/>
+              </a:rPr>
+              <a:t>(upstream)  compare&amp; pull </a:t>
+            </a:r>
+            <a:r>
+              <a:rPr lang="en-US" altLang="ko-KR" dirty="0" err="1">
+                <a:sym typeface="Wingdings" panose="05000000000000000000" pitchFamily="2" charset="2"/>
+              </a:rPr>
+              <a:t>requ</a:t>
+            </a:r>
+            <a:r>
+              <a:rPr lang="ko-KR" altLang="en-US" dirty="0">
+                <a:sym typeface="Wingdings" panose="05000000000000000000" pitchFamily="2" charset="2"/>
+              </a:rPr>
+              <a:t>버튼 생성</a:t>
+            </a:r>
+            <a:endParaRPr lang="en-US" altLang="ko-KR" dirty="0">
+              <a:sym typeface="Wingdings" panose="05000000000000000000" pitchFamily="2" charset="2"/>
+            </a:endParaRPr>
+          </a:p>
+          <a:p>
+            <a:pPr marL="266700" lvl="1" indent="0">
+              <a:spcBef>
+                <a:spcPts val="0"/>
+              </a:spcBef>
+              <a:spcAft>
+                <a:spcPts val="0"/>
+              </a:spcAft>
+              <a:buClr>
+                <a:schemeClr val="tx1">
+                  <a:lumMod val="65000"/>
+                  <a:lumOff val="35000"/>
+                </a:schemeClr>
+              </a:buClr>
+              <a:buNone/>
+              <a:defRPr/>
+            </a:pPr>
+            <a:r>
+              <a:rPr lang="en-US" altLang="ko-KR" dirty="0">
+                <a:sym typeface="Wingdings" panose="05000000000000000000" pitchFamily="2" charset="2"/>
+              </a:rPr>
+              <a:t>     </a:t>
+            </a:r>
+          </a:p>
+          <a:p>
+            <a:pPr marL="266700" lvl="1" indent="0">
+              <a:spcBef>
+                <a:spcPts val="0"/>
+              </a:spcBef>
+              <a:spcAft>
+                <a:spcPts val="0"/>
+              </a:spcAft>
+              <a:buClr>
+                <a:schemeClr val="tx1">
+                  <a:lumMod val="65000"/>
+                  <a:lumOff val="35000"/>
+                </a:schemeClr>
+              </a:buClr>
+              <a:buNone/>
+              <a:defRPr/>
+            </a:pPr>
+            <a:r>
+              <a:rPr lang="ko-KR" altLang="en-US" dirty="0" err="1">
+                <a:sym typeface="Wingdings" panose="05000000000000000000" pitchFamily="2" charset="2"/>
+              </a:rPr>
+              <a:t>브랜치가</a:t>
+            </a:r>
+            <a:r>
+              <a:rPr lang="ko-KR" altLang="en-US" dirty="0">
+                <a:sym typeface="Wingdings" panose="05000000000000000000" pitchFamily="2" charset="2"/>
+              </a:rPr>
+              <a:t> </a:t>
+            </a:r>
+            <a:r>
+              <a:rPr lang="en-US" altLang="ko-KR" dirty="0">
+                <a:sym typeface="Wingdings" panose="05000000000000000000" pitchFamily="2" charset="2"/>
+              </a:rPr>
+              <a:t>upstream</a:t>
+            </a:r>
+            <a:r>
+              <a:rPr lang="ko-KR" altLang="en-US" dirty="0">
+                <a:sym typeface="Wingdings" panose="05000000000000000000" pitchFamily="2" charset="2"/>
+              </a:rPr>
+              <a:t>에 새로 생기면 </a:t>
+            </a:r>
+            <a:r>
+              <a:rPr lang="en-US" altLang="ko-KR" dirty="0" err="1">
+                <a:sym typeface="Wingdings" panose="05000000000000000000" pitchFamily="2" charset="2"/>
+              </a:rPr>
+              <a:t>compare&amp;pR</a:t>
+            </a:r>
+            <a:r>
+              <a:rPr lang="ko-KR" altLang="en-US" dirty="0">
+                <a:sym typeface="Wingdings" panose="05000000000000000000" pitchFamily="2" charset="2"/>
+              </a:rPr>
+              <a:t>버튼이 자동으로 생성되나</a:t>
+            </a:r>
+            <a:r>
+              <a:rPr lang="en-US" altLang="ko-KR" dirty="0">
+                <a:sym typeface="Wingdings" panose="05000000000000000000" pitchFamily="2" charset="2"/>
+              </a:rPr>
+              <a:t>,</a:t>
+            </a:r>
+          </a:p>
+          <a:p>
+            <a:pPr marL="266700" lvl="1" indent="0">
+              <a:spcBef>
+                <a:spcPts val="0"/>
+              </a:spcBef>
+              <a:spcAft>
+                <a:spcPts val="0"/>
+              </a:spcAft>
+              <a:buClr>
+                <a:schemeClr val="tx1">
+                  <a:lumMod val="65000"/>
+                  <a:lumOff val="35000"/>
+                </a:schemeClr>
+              </a:buClr>
+              <a:buNone/>
+              <a:defRPr/>
+            </a:pPr>
+            <a:r>
+              <a:rPr lang="ko-KR" altLang="en-US" dirty="0">
+                <a:sym typeface="Wingdings" panose="05000000000000000000" pitchFamily="2" charset="2"/>
+              </a:rPr>
+              <a:t>한번 생긴 </a:t>
+            </a:r>
+            <a:r>
+              <a:rPr lang="en-US" altLang="ko-KR" dirty="0" err="1">
+                <a:sym typeface="Wingdings" panose="05000000000000000000" pitchFamily="2" charset="2"/>
+              </a:rPr>
+              <a:t>br</a:t>
+            </a:r>
+            <a:r>
+              <a:rPr lang="ko-KR" altLang="en-US" dirty="0">
+                <a:sym typeface="Wingdings" panose="05000000000000000000" pitchFamily="2" charset="2"/>
+              </a:rPr>
+              <a:t>이면 자동으로 </a:t>
+            </a:r>
+            <a:r>
+              <a:rPr lang="en-US" altLang="ko-KR" dirty="0" err="1">
+                <a:sym typeface="Wingdings" panose="05000000000000000000" pitchFamily="2" charset="2"/>
+              </a:rPr>
+              <a:t>compare&amp;pr</a:t>
+            </a:r>
+            <a:r>
+              <a:rPr lang="en-US" altLang="ko-KR" dirty="0">
+                <a:sym typeface="Wingdings" panose="05000000000000000000" pitchFamily="2" charset="2"/>
+              </a:rPr>
+              <a:t> </a:t>
+            </a:r>
+            <a:r>
+              <a:rPr lang="ko-KR" altLang="en-US" dirty="0">
+                <a:sym typeface="Wingdings" panose="05000000000000000000" pitchFamily="2" charset="2"/>
+              </a:rPr>
+              <a:t>버튼이 생기지 않기 때문에</a:t>
+            </a:r>
+            <a:r>
+              <a:rPr lang="en-US" altLang="ko-KR" dirty="0">
+                <a:sym typeface="Wingdings" panose="05000000000000000000" pitchFamily="2" charset="2"/>
+              </a:rPr>
+              <a:t>(</a:t>
+            </a:r>
+            <a:r>
+              <a:rPr lang="ko-KR" altLang="en-US" dirty="0">
+                <a:sym typeface="Wingdings" panose="05000000000000000000" pitchFamily="2" charset="2"/>
+              </a:rPr>
+              <a:t>물론 로그인하여 </a:t>
+            </a:r>
+            <a:r>
+              <a:rPr lang="en-US" altLang="ko-KR" dirty="0">
+                <a:sym typeface="Wingdings" panose="05000000000000000000" pitchFamily="2" charset="2"/>
+              </a:rPr>
+              <a:t>pr</a:t>
+            </a:r>
+            <a:r>
+              <a:rPr lang="ko-KR" altLang="en-US" dirty="0">
+                <a:sym typeface="Wingdings" panose="05000000000000000000" pitchFamily="2" charset="2"/>
+              </a:rPr>
+              <a:t>할 수 있음</a:t>
+            </a:r>
+            <a:r>
+              <a:rPr lang="en-US" altLang="ko-KR" dirty="0">
+                <a:sym typeface="Wingdings" panose="05000000000000000000" pitchFamily="2" charset="2"/>
+              </a:rPr>
+              <a:t>)</a:t>
+            </a:r>
+            <a:r>
+              <a:rPr lang="ko-KR" altLang="en-US" dirty="0">
+                <a:sym typeface="Wingdings" panose="05000000000000000000" pitchFamily="2" charset="2"/>
+              </a:rPr>
+              <a:t> </a:t>
+            </a:r>
+            <a:r>
+              <a:rPr lang="en-US" altLang="ko-KR" dirty="0">
+                <a:sym typeface="Wingdings" panose="05000000000000000000" pitchFamily="2" charset="2"/>
+              </a:rPr>
+              <a:t>merge</a:t>
+            </a:r>
+            <a:r>
+              <a:rPr lang="ko-KR" altLang="en-US" dirty="0">
+                <a:sym typeface="Wingdings" panose="05000000000000000000" pitchFamily="2" charset="2"/>
+              </a:rPr>
+              <a:t>가 되면 삭제하는 과정이 필요하다</a:t>
+            </a:r>
+            <a:r>
+              <a:rPr lang="en-US" altLang="ko-KR" dirty="0">
+                <a:sym typeface="Wingdings" panose="05000000000000000000" pitchFamily="2" charset="2"/>
+              </a:rPr>
+              <a:t>.</a:t>
+            </a:r>
+          </a:p>
+          <a:p>
+            <a:pPr marL="534988" lvl="1" indent="-268288">
+              <a:spcBef>
+                <a:spcPts val="0"/>
+              </a:spcBef>
+              <a:spcAft>
+                <a:spcPts val="0"/>
+              </a:spcAft>
+              <a:buClr>
+                <a:schemeClr val="tx1">
+                  <a:lumMod val="65000"/>
+                  <a:lumOff val="35000"/>
+                </a:schemeClr>
+              </a:buClr>
+              <a:buFont typeface="+mj-ea"/>
+              <a:buAutoNum type="circleNumDbPlain"/>
+              <a:defRPr/>
+            </a:pPr>
+            <a:r>
+              <a:rPr lang="en-US" altLang="ko-KR" dirty="0">
+                <a:sym typeface="Wingdings" panose="05000000000000000000" pitchFamily="2" charset="2"/>
+              </a:rPr>
+              <a:t> </a:t>
+            </a:r>
+            <a:r>
+              <a:rPr lang="ko-KR" altLang="en-US" dirty="0">
+                <a:sym typeface="Wingdings" panose="05000000000000000000" pitchFamily="2" charset="2"/>
+              </a:rPr>
+              <a:t>다음 페이지에 메시지 남기기</a:t>
+            </a:r>
+            <a:endParaRPr lang="en-US" altLang="ko-KR" dirty="0"/>
+          </a:p>
+          <a:p>
+            <a:pPr marL="266700" lvl="1" indent="0">
+              <a:spcBef>
+                <a:spcPts val="0"/>
+              </a:spcBef>
+              <a:spcAft>
+                <a:spcPts val="0"/>
+              </a:spcAft>
+              <a:buClr>
+                <a:schemeClr val="tx1">
+                  <a:lumMod val="65000"/>
+                  <a:lumOff val="35000"/>
+                </a:schemeClr>
+              </a:buClr>
+              <a:buNone/>
+              <a:defRPr/>
+            </a:pPr>
+            <a:endParaRPr lang="en-US" altLang="ko-KR" dirty="0"/>
+          </a:p>
+          <a:p>
+            <a:pPr>
+              <a:buClr>
+                <a:schemeClr val="tx1">
+                  <a:lumMod val="65000"/>
+                  <a:lumOff val="35000"/>
+                </a:schemeClr>
+              </a:buClr>
+              <a:defRPr/>
+            </a:pPr>
+            <a:endParaRPr lang="en-US" altLang="ko-KR" dirty="0">
+              <a:solidFill>
+                <a:srgbClr val="FF0000"/>
+              </a:solidFill>
+            </a:endParaRPr>
+          </a:p>
+          <a:p>
+            <a:pPr>
+              <a:buClr>
+                <a:schemeClr val="tx1">
+                  <a:lumMod val="65000"/>
+                  <a:lumOff val="35000"/>
+                </a:schemeClr>
+              </a:buClr>
+              <a:defRPr/>
+            </a:pPr>
+            <a:endParaRPr lang="ko-KR" altLang="en-US" dirty="0">
+              <a:solidFill>
+                <a:srgbClr val="FF0000"/>
+              </a:solidFill>
+            </a:endParaRPr>
+          </a:p>
+        </p:txBody>
+      </p:sp>
+    </p:spTree>
+    <p:extLst>
+      <p:ext uri="{BB962C8B-B14F-4D97-AF65-F5344CB8AC3E}">
+        <p14:creationId xmlns:p14="http://schemas.microsoft.com/office/powerpoint/2010/main" val="2995169652"/>
+      </p:ext>
+    </p:extLst>
+  </p:cSld>
+  <p:clrMapOvr>
+    <a:masterClrMapping/>
+  </p:clrMapOvr>
+</p:sld>
+</file>
+
+<file path=ppt/slides/slide33.xml><?xml version="1.0" encoding="utf-8"?>
+<p:sld xmlns:a="http://schemas.openxmlformats.org/drawingml/2006/main" xmlns:r="http://schemas.openxmlformats.org/officeDocument/2006/relationships" xmlns:p="http://schemas.openxmlformats.org/presentationml/2006/main">
+  <p:cSld>
+    <p:spTree>
+      <p:nvGrpSpPr>
+        <p:cNvPr id="1" name=""/>
+        <p:cNvGrpSpPr/>
+        <p:nvPr/>
+      </p:nvGrpSpPr>
+      <p:grpSpPr>
+        <a:xfrm>
+          <a:off x="0" y="0"/>
+          <a:ext cx="0" cy="0"/>
+          <a:chOff x="0" y="0"/>
+          <a:chExt cx="0" cy="0"/>
+        </a:xfrm>
+      </p:grpSpPr>
+      <p:sp>
+        <p:nvSpPr>
+          <p:cNvPr id="4" name="제목 3">
+            <a:extLst>
+              <a:ext uri="{FF2B5EF4-FFF2-40B4-BE49-F238E27FC236}">
+                <a16:creationId xmlns:a16="http://schemas.microsoft.com/office/drawing/2014/main" id="{F0CEB32B-CB43-4410-BA08-A97E4BC47FCB}"/>
+              </a:ext>
+            </a:extLst>
+          </p:cNvPr>
+          <p:cNvSpPr>
+            <a:spLocks noGrp="1"/>
+          </p:cNvSpPr>
+          <p:nvPr>
+            <p:ph type="title"/>
+          </p:nvPr>
+        </p:nvSpPr>
+        <p:spPr/>
+        <p:txBody>
+          <a:bodyPr/>
+          <a:lstStyle/>
+          <a:p>
+            <a:r>
+              <a:rPr lang="ko-KR" altLang="en-US" dirty="0"/>
+              <a:t>협업방식 </a:t>
+            </a:r>
+            <a:r>
+              <a:rPr lang="en-US" altLang="ko-KR" dirty="0"/>
+              <a:t>1</a:t>
+            </a:r>
+            <a:endParaRPr lang="ko-KR" altLang="en-US" dirty="0"/>
+          </a:p>
+        </p:txBody>
+      </p:sp>
+      <p:pic>
+        <p:nvPicPr>
+          <p:cNvPr id="7" name="그림 6">
+            <a:extLst>
+              <a:ext uri="{FF2B5EF4-FFF2-40B4-BE49-F238E27FC236}">
+                <a16:creationId xmlns:a16="http://schemas.microsoft.com/office/drawing/2014/main" id="{DBABAAC2-B565-4E08-93E0-16E5CEAD9779}"/>
+              </a:ext>
+            </a:extLst>
+          </p:cNvPr>
+          <p:cNvPicPr>
+            <a:picLocks noChangeAspect="1"/>
+          </p:cNvPicPr>
+          <p:nvPr/>
+        </p:nvPicPr>
+        <p:blipFill>
+          <a:blip r:embed="rId2"/>
+          <a:stretch>
+            <a:fillRect/>
+          </a:stretch>
+        </p:blipFill>
+        <p:spPr>
+          <a:xfrm>
+            <a:off x="0" y="1744192"/>
+            <a:ext cx="9144000" cy="4397032"/>
+          </a:xfrm>
+          <a:prstGeom prst="rect">
+            <a:avLst/>
+          </a:prstGeom>
+        </p:spPr>
+      </p:pic>
+      <p:sp>
+        <p:nvSpPr>
+          <p:cNvPr id="8" name="내용 개체 틀 4">
+            <a:extLst>
+              <a:ext uri="{FF2B5EF4-FFF2-40B4-BE49-F238E27FC236}">
+                <a16:creationId xmlns:a16="http://schemas.microsoft.com/office/drawing/2014/main" id="{47E30DD0-BEF4-4525-B8C9-2CF0276623AE}"/>
+              </a:ext>
+            </a:extLst>
+          </p:cNvPr>
+          <p:cNvSpPr>
+            <a:spLocks noGrp="1"/>
+          </p:cNvSpPr>
+          <p:nvPr>
+            <p:ph idx="1"/>
+          </p:nvPr>
+        </p:nvSpPr>
+        <p:spPr>
+          <a:xfrm>
+            <a:off x="250825" y="1000221"/>
+            <a:ext cx="8641655" cy="5146579"/>
+          </a:xfrm>
+        </p:spPr>
+        <p:txBody>
+          <a:bodyPr tIns="0" bIns="0">
+            <a:noAutofit/>
+          </a:bodyPr>
+          <a:lstStyle/>
+          <a:p>
+            <a:pPr>
+              <a:buClr>
+                <a:schemeClr val="tx1">
+                  <a:lumMod val="65000"/>
+                  <a:lumOff val="35000"/>
+                </a:schemeClr>
+              </a:buClr>
+              <a:defRPr/>
+            </a:pPr>
+            <a:r>
+              <a:rPr lang="ko-KR" altLang="en-US" dirty="0"/>
+              <a:t>아래와 같이 메시지를 작성하여 기록하면 작성자 메일로 보내짐</a:t>
+            </a:r>
+            <a:endParaRPr lang="ko-KR" altLang="en-US" dirty="0">
+              <a:solidFill>
+                <a:srgbClr val="FF0000"/>
+              </a:solidFill>
+            </a:endParaRPr>
+          </a:p>
+        </p:txBody>
+      </p:sp>
+    </p:spTree>
+    <p:extLst>
+      <p:ext uri="{BB962C8B-B14F-4D97-AF65-F5344CB8AC3E}">
+        <p14:creationId xmlns:p14="http://schemas.microsoft.com/office/powerpoint/2010/main" val="912090638"/>
+      </p:ext>
+    </p:extLst>
+  </p:cSld>
+  <p:clrMapOvr>
+    <a:masterClrMapping/>
+  </p:clrMapOvr>
+</p:sld>
+</file>
+
+<file path=ppt/slides/slide34.xml><?xml version="1.0" encoding="utf-8"?>
+<p:sld xmlns:a="http://schemas.openxmlformats.org/drawingml/2006/main" xmlns:r="http://schemas.openxmlformats.org/officeDocument/2006/relationships" xmlns:p="http://schemas.openxmlformats.org/presentationml/2006/main">
+  <p:cSld>
+    <p:spTree>
+      <p:nvGrpSpPr>
+        <p:cNvPr id="1" name=""/>
+        <p:cNvGrpSpPr/>
+        <p:nvPr/>
+      </p:nvGrpSpPr>
+      <p:grpSpPr>
+        <a:xfrm>
+          <a:off x="0" y="0"/>
+          <a:ext cx="0" cy="0"/>
+          <a:chOff x="0" y="0"/>
+          <a:chExt cx="0" cy="0"/>
+        </a:xfrm>
+      </p:grpSpPr>
+      <p:sp>
+        <p:nvSpPr>
+          <p:cNvPr id="4" name="제목 3">
+            <a:extLst>
+              <a:ext uri="{FF2B5EF4-FFF2-40B4-BE49-F238E27FC236}">
+                <a16:creationId xmlns:a16="http://schemas.microsoft.com/office/drawing/2014/main" id="{F0CEB32B-CB43-4410-BA08-A97E4BC47FCB}"/>
+              </a:ext>
+            </a:extLst>
+          </p:cNvPr>
+          <p:cNvSpPr>
+            <a:spLocks noGrp="1"/>
+          </p:cNvSpPr>
+          <p:nvPr>
+            <p:ph type="title"/>
+          </p:nvPr>
+        </p:nvSpPr>
+        <p:spPr/>
+        <p:txBody>
+          <a:bodyPr/>
+          <a:lstStyle/>
+          <a:p>
+            <a:r>
+              <a:rPr lang="ko-KR" altLang="en-US" dirty="0"/>
+              <a:t>협업방식 </a:t>
+            </a:r>
+            <a:r>
+              <a:rPr lang="en-US" altLang="ko-KR" dirty="0"/>
+              <a:t>1</a:t>
+            </a:r>
+            <a:endParaRPr lang="ko-KR" altLang="en-US" dirty="0"/>
+          </a:p>
+        </p:txBody>
+      </p:sp>
+      <p:sp>
+        <p:nvSpPr>
+          <p:cNvPr id="5" name="내용 개체 틀 4">
+            <a:extLst>
+              <a:ext uri="{FF2B5EF4-FFF2-40B4-BE49-F238E27FC236}">
+                <a16:creationId xmlns:a16="http://schemas.microsoft.com/office/drawing/2014/main" id="{FDF69C25-9F43-470B-8A20-AEDC0F371CCD}"/>
+              </a:ext>
+            </a:extLst>
+          </p:cNvPr>
+          <p:cNvSpPr>
+            <a:spLocks noGrp="1"/>
+          </p:cNvSpPr>
+          <p:nvPr>
+            <p:ph idx="1"/>
+          </p:nvPr>
+        </p:nvSpPr>
+        <p:spPr>
+          <a:xfrm>
+            <a:off x="250825" y="1000221"/>
+            <a:ext cx="8641655" cy="5146579"/>
+          </a:xfrm>
+        </p:spPr>
+        <p:txBody>
+          <a:bodyPr tIns="0" bIns="0">
+            <a:noAutofit/>
+          </a:bodyPr>
+          <a:lstStyle/>
+          <a:p>
+            <a:pPr>
+              <a:buClr>
+                <a:schemeClr val="tx1">
+                  <a:lumMod val="65000"/>
+                  <a:lumOff val="35000"/>
+                </a:schemeClr>
+              </a:buClr>
+              <a:defRPr/>
+            </a:pPr>
+            <a:r>
+              <a:rPr lang="ko-KR" altLang="en-US" dirty="0"/>
+              <a:t>수정작업 진행</a:t>
             </a:r>
             <a:r>
               <a:rPr lang="en-US" altLang="ko-KR" dirty="0"/>
@@ -17964,31 +18891,312 @@
             </a:r>
           </a:p>
           <a:p>
-            <a:pPr lvl="1"/>
-            <a:r>
-              <a:rPr lang="en-US" altLang="ko-KR" dirty="0">
-                <a:latin typeface="+mn-ea"/>
-              </a:rPr>
-              <a:t>Settings → Manage Access </a:t>
-            </a:r>
-            <a:r>
-              <a:rPr lang="ko-KR" altLang="en-US" dirty="0">
-                <a:latin typeface="+mn-ea"/>
-              </a:rPr>
-              <a:t>클릭</a:t>
-            </a:r>
+            <a:pPr marL="534988" lvl="1" indent="-268288">
+              <a:spcBef>
+                <a:spcPts val="0"/>
+              </a:spcBef>
+              <a:spcAft>
+                <a:spcPts val="0"/>
+              </a:spcAft>
+              <a:buClr>
+                <a:schemeClr val="tx1">
+                  <a:lumMod val="65000"/>
+                  <a:lumOff val="35000"/>
+                </a:schemeClr>
+              </a:buClr>
+              <a:buFont typeface="+mj-ea"/>
+              <a:buAutoNum type="circleNumDbPlain"/>
+              <a:defRPr/>
+            </a:pPr>
+            <a:r>
+              <a:rPr lang="en-US" altLang="ko-KR" dirty="0"/>
+              <a:t>Local </a:t>
+            </a:r>
+            <a:r>
+              <a:rPr lang="ko-KR" altLang="en-US" dirty="0"/>
+              <a:t>작업</a:t>
+            </a:r>
+            <a:endParaRPr lang="en-US" altLang="ko-KR" dirty="0"/>
+          </a:p>
+          <a:p>
+            <a:pPr marL="266700" lvl="1" indent="0">
+              <a:spcBef>
+                <a:spcPts val="0"/>
+              </a:spcBef>
+              <a:spcAft>
+                <a:spcPts val="0"/>
+              </a:spcAft>
+              <a:buClr>
+                <a:schemeClr val="tx1">
+                  <a:lumMod val="65000"/>
+                  <a:lumOff val="35000"/>
+                </a:schemeClr>
+              </a:buClr>
+              <a:buNone/>
+              <a:defRPr/>
+            </a:pPr>
+            <a:endParaRPr lang="en-US" altLang="ko-KR" dirty="0"/>
+          </a:p>
+          <a:p>
+            <a:pPr>
+              <a:buClr>
+                <a:schemeClr val="tx1">
+                  <a:lumMod val="65000"/>
+                  <a:lumOff val="35000"/>
+                </a:schemeClr>
+              </a:buClr>
+              <a:defRPr/>
+            </a:pPr>
             <a:endParaRPr lang="en-US" altLang="ko-KR" dirty="0">
-              <a:latin typeface="+mn-ea"/>
+              <a:solidFill>
+                <a:srgbClr val="FF0000"/>
+              </a:solidFill>
             </a:endParaRPr>
           </a:p>
+          <a:p>
+            <a:pPr>
+              <a:buClr>
+                <a:schemeClr val="tx1">
+                  <a:lumMod val="65000"/>
+                  <a:lumOff val="35000"/>
+                </a:schemeClr>
+              </a:buClr>
+              <a:defRPr/>
+            </a:pPr>
+            <a:endParaRPr lang="ko-KR" altLang="en-US" dirty="0">
+              <a:solidFill>
+                <a:srgbClr val="FF0000"/>
+              </a:solidFill>
+            </a:endParaRPr>
+          </a:p>
         </p:txBody>
       </p:sp>
+    </p:spTree>
+    <p:extLst>
+      <p:ext uri="{BB962C8B-B14F-4D97-AF65-F5344CB8AC3E}">
+        <p14:creationId xmlns:p14="http://schemas.microsoft.com/office/powerpoint/2010/main" val="3671603727"/>
+      </p:ext>
+    </p:extLst>
+  </p:cSld>
+  <p:clrMapOvr>
+    <a:masterClrMapping/>
+  </p:clrMapOvr>
+</p:sld>
+</file>
+
+<file path=ppt/slides/slide35.xml><?xml version="1.0" encoding="utf-8"?>
+<p:sld xmlns:a="http://schemas.openxmlformats.org/drawingml/2006/main" xmlns:r="http://schemas.openxmlformats.org/officeDocument/2006/relationships" xmlns:p="http://schemas.openxmlformats.org/presentationml/2006/main">
+  <p:cSld>
+    <p:spTree>
+      <p:nvGrpSpPr>
+        <p:cNvPr id="1" name=""/>
+        <p:cNvGrpSpPr/>
+        <p:nvPr/>
+      </p:nvGrpSpPr>
+      <p:grpSpPr>
+        <a:xfrm>
+          <a:off x="0" y="0"/>
+          <a:ext cx="0" cy="0"/>
+          <a:chOff x="0" y="0"/>
+          <a:chExt cx="0" cy="0"/>
+        </a:xfrm>
+      </p:grpSpPr>
+      <p:sp>
+        <p:nvSpPr>
+          <p:cNvPr id="4" name="제목 3">
+            <a:extLst>
+              <a:ext uri="{FF2B5EF4-FFF2-40B4-BE49-F238E27FC236}">
+                <a16:creationId xmlns:a16="http://schemas.microsoft.com/office/drawing/2014/main" id="{F0CEB32B-CB43-4410-BA08-A97E4BC47FCB}"/>
+              </a:ext>
+            </a:extLst>
+          </p:cNvPr>
+          <p:cNvSpPr>
+            <a:spLocks noGrp="1"/>
+          </p:cNvSpPr>
+          <p:nvPr>
+            <p:ph type="title"/>
+          </p:nvPr>
+        </p:nvSpPr>
+        <p:spPr/>
+        <p:txBody>
+          <a:bodyPr/>
+          <a:lstStyle/>
+          <a:p>
+            <a:r>
+              <a:rPr lang="ko-KR" altLang="en-US" dirty="0"/>
+              <a:t>협업방식 </a:t>
+            </a:r>
+            <a:r>
+              <a:rPr lang="en-US" altLang="ko-KR" dirty="0"/>
+              <a:t>1</a:t>
+            </a:r>
+            <a:endParaRPr lang="ko-KR" altLang="en-US" dirty="0"/>
+          </a:p>
+        </p:txBody>
+      </p:sp>
+      <p:sp>
+        <p:nvSpPr>
+          <p:cNvPr id="5" name="내용 개체 틀 4">
+            <a:extLst>
+              <a:ext uri="{FF2B5EF4-FFF2-40B4-BE49-F238E27FC236}">
+                <a16:creationId xmlns:a16="http://schemas.microsoft.com/office/drawing/2014/main" id="{FDF69C25-9F43-470B-8A20-AEDC0F371CCD}"/>
+              </a:ext>
+            </a:extLst>
+          </p:cNvPr>
+          <p:cNvSpPr>
+            <a:spLocks noGrp="1"/>
+          </p:cNvSpPr>
+          <p:nvPr>
+            <p:ph idx="1"/>
+          </p:nvPr>
+        </p:nvSpPr>
+        <p:spPr>
+          <a:xfrm>
+            <a:off x="250825" y="1000221"/>
+            <a:ext cx="8641655" cy="5146579"/>
+          </a:xfrm>
+        </p:spPr>
+        <p:txBody>
+          <a:bodyPr tIns="0" bIns="0">
+            <a:noAutofit/>
+          </a:bodyPr>
+          <a:lstStyle/>
+          <a:p>
+            <a:pPr>
+              <a:buClr>
+                <a:schemeClr val="tx1">
+                  <a:lumMod val="65000"/>
+                  <a:lumOff val="35000"/>
+                </a:schemeClr>
+              </a:buClr>
+              <a:defRPr/>
+            </a:pPr>
+            <a:r>
+              <a:rPr lang="ko-KR" altLang="en-US" dirty="0"/>
+              <a:t>수정작업 진행</a:t>
+            </a:r>
+            <a:r>
+              <a:rPr lang="en-US" altLang="ko-KR" dirty="0"/>
+              <a:t>)</a:t>
+            </a:r>
+          </a:p>
+          <a:p>
+            <a:pPr marL="534988" lvl="1" indent="-268288">
+              <a:spcBef>
+                <a:spcPts val="0"/>
+              </a:spcBef>
+              <a:spcAft>
+                <a:spcPts val="0"/>
+              </a:spcAft>
+              <a:buClr>
+                <a:schemeClr val="tx1">
+                  <a:lumMod val="65000"/>
+                  <a:lumOff val="35000"/>
+                </a:schemeClr>
+              </a:buClr>
+              <a:buFont typeface="+mj-ea"/>
+              <a:buAutoNum type="circleNumDbPlain"/>
+              <a:defRPr/>
+            </a:pPr>
+            <a:r>
+              <a:rPr lang="en-US" altLang="ko-KR" dirty="0"/>
+              <a:t>Local </a:t>
+            </a:r>
+            <a:r>
+              <a:rPr lang="ko-KR" altLang="en-US" dirty="0"/>
+              <a:t>작업</a:t>
+            </a:r>
+            <a:endParaRPr lang="en-US" altLang="ko-KR" dirty="0"/>
+          </a:p>
+          <a:p>
+            <a:pPr marL="266700" lvl="1" indent="0">
+              <a:spcBef>
+                <a:spcPts val="0"/>
+              </a:spcBef>
+              <a:spcAft>
+                <a:spcPts val="0"/>
+              </a:spcAft>
+              <a:buClr>
+                <a:schemeClr val="tx1">
+                  <a:lumMod val="65000"/>
+                  <a:lumOff val="35000"/>
+                </a:schemeClr>
+              </a:buClr>
+              <a:buNone/>
+              <a:defRPr/>
+            </a:pPr>
+            <a:endParaRPr lang="en-US" altLang="ko-KR" dirty="0"/>
+          </a:p>
+          <a:p>
+            <a:pPr>
+              <a:buClr>
+                <a:schemeClr val="tx1">
+                  <a:lumMod val="65000"/>
+                  <a:lumOff val="35000"/>
+                </a:schemeClr>
+              </a:buClr>
+              <a:defRPr/>
+            </a:pPr>
+            <a:endParaRPr lang="en-US" altLang="ko-KR" dirty="0">
+              <a:solidFill>
+                <a:srgbClr val="FF0000"/>
+              </a:solidFill>
+            </a:endParaRPr>
+          </a:p>
+          <a:p>
+            <a:pPr>
+              <a:buClr>
+                <a:schemeClr val="tx1">
+                  <a:lumMod val="65000"/>
+                  <a:lumOff val="35000"/>
+                </a:schemeClr>
+              </a:buClr>
+              <a:defRPr/>
+            </a:pPr>
+            <a:endParaRPr lang="ko-KR" altLang="en-US" dirty="0">
+              <a:solidFill>
+                <a:srgbClr val="FF0000"/>
+              </a:solidFill>
+            </a:endParaRPr>
+          </a:p>
+        </p:txBody>
+      </p:sp>
+      <p:pic>
+        <p:nvPicPr>
+          <p:cNvPr id="3" name="그림 2">
+            <a:extLst>
+              <a:ext uri="{FF2B5EF4-FFF2-40B4-BE49-F238E27FC236}">
+                <a16:creationId xmlns:a16="http://schemas.microsoft.com/office/drawing/2014/main" id="{1CE42A91-6DAB-4B04-9BB8-D19701C03AB4}"/>
+              </a:ext>
+            </a:extLst>
+          </p:cNvPr>
+          <p:cNvPicPr>
+            <a:picLocks noChangeAspect="1"/>
+          </p:cNvPicPr>
+          <p:nvPr/>
+        </p:nvPicPr>
+        <p:blipFill>
+          <a:blip r:embed="rId2"/>
+          <a:stretch>
+            <a:fillRect/>
+          </a:stretch>
+        </p:blipFill>
+        <p:spPr>
+          <a:xfrm>
+            <a:off x="123772" y="1661778"/>
+            <a:ext cx="4756454" cy="3091999"/>
+          </a:xfrm>
+          <a:prstGeom prst="rect">
+            <a:avLst/>
+          </a:prstGeom>
+        </p:spPr>
+      </p:pic>
       <p:sp>
         <p:nvSpPr>
           <p:cNvPr id="6" name="직사각형 5">
             <a:extLst>
               <a:ext uri="{FF2B5EF4-FFF2-40B4-BE49-F238E27FC236}">
-                <a16:creationId xmlns:a16="http://schemas.microsoft.com/office/drawing/2014/main" id="{A0CA71EF-AE4C-453D-A797-8649D36F99F5}"/>
+                <a16:creationId xmlns:a16="http://schemas.microsoft.com/office/drawing/2014/main" id="{45E3ED9D-6E6F-46D9-A992-59C607D6C5FD}"/>
               </a:ext>
             </a:extLst>
           </p:cNvPr>
@@ -17997,8 +19205,8 @@
         </p:nvSpPr>
         <p:spPr>
           <a:xfrm>
-            <a:off x="6051166" y="2824217"/>
-            <a:ext cx="643929" cy="213274"/>
+            <a:off x="250825" y="3047094"/>
+            <a:ext cx="622478" cy="321365"/>
           </a:xfrm>
           <a:prstGeom prst="rect">
             <a:avLst/>
@@ -18035,12 +19243,179 @@
           </a:p>
         </p:txBody>
       </p:sp>
-      <p:sp>
-        <p:nvSpPr>
-          <p:cNvPr id="9" name="직사각형 8">
+    </p:spTree>
+    <p:extLst>
+      <p:ext uri="{BB962C8B-B14F-4D97-AF65-F5344CB8AC3E}">
+        <p14:creationId xmlns:p14="http://schemas.microsoft.com/office/powerpoint/2010/main" val="2807011684"/>
+      </p:ext>
+    </p:extLst>
+  </p:cSld>
+  <p:clrMapOvr>
+    <a:masterClrMapping/>
+  </p:clrMapOvr>
+</p:sld>
+</file>
+
+<file path=ppt/slides/slide36.xml><?xml version="1.0" encoding="utf-8"?>
+<p:sld xmlns:a="http://schemas.openxmlformats.org/drawingml/2006/main" xmlns:r="http://schemas.openxmlformats.org/officeDocument/2006/relationships" xmlns:p="http://schemas.openxmlformats.org/presentationml/2006/main">
+  <p:cSld>
+    <p:spTree>
+      <p:nvGrpSpPr>
+        <p:cNvPr id="1" name=""/>
+        <p:cNvGrpSpPr/>
+        <p:nvPr/>
+      </p:nvGrpSpPr>
+      <p:grpSpPr>
+        <a:xfrm>
+          <a:off x="0" y="0"/>
+          <a:ext cx="0" cy="0"/>
+          <a:chOff x="0" y="0"/>
+          <a:chExt cx="0" cy="0"/>
+        </a:xfrm>
+      </p:grpSpPr>
+      <p:sp>
+        <p:nvSpPr>
+          <p:cNvPr id="4" name="제목 3">
             <a:extLst>
               <a:ext uri="{FF2B5EF4-FFF2-40B4-BE49-F238E27FC236}">
-                <a16:creationId xmlns:a16="http://schemas.microsoft.com/office/drawing/2014/main" id="{2D982C0A-7CE5-4414-99C0-863AA7806C73}"/>
+                <a16:creationId xmlns:a16="http://schemas.microsoft.com/office/drawing/2014/main" id="{F0CEB32B-CB43-4410-BA08-A97E4BC47FCB}"/>
+              </a:ext>
+            </a:extLst>
+          </p:cNvPr>
+          <p:cNvSpPr>
+            <a:spLocks noGrp="1"/>
+          </p:cNvSpPr>
+          <p:nvPr>
+            <p:ph type="title"/>
+          </p:nvPr>
+        </p:nvSpPr>
+        <p:spPr/>
+        <p:txBody>
+          <a:bodyPr/>
+          <a:lstStyle/>
+          <a:p>
+            <a:r>
+              <a:rPr lang="ko-KR" altLang="en-US" dirty="0"/>
+              <a:t>협업방식 </a:t>
+            </a:r>
+            <a:r>
+              <a:rPr lang="en-US" altLang="ko-KR" dirty="0"/>
+              <a:t>1</a:t>
+            </a:r>
+            <a:endParaRPr lang="ko-KR" altLang="en-US" dirty="0"/>
+          </a:p>
+        </p:txBody>
+      </p:sp>
+      <p:sp>
+        <p:nvSpPr>
+          <p:cNvPr id="5" name="내용 개체 틀 4">
+            <a:extLst>
+              <a:ext uri="{FF2B5EF4-FFF2-40B4-BE49-F238E27FC236}">
+                <a16:creationId xmlns:a16="http://schemas.microsoft.com/office/drawing/2014/main" id="{FDF69C25-9F43-470B-8A20-AEDC0F371CCD}"/>
+              </a:ext>
+            </a:extLst>
+          </p:cNvPr>
+          <p:cNvSpPr>
+            <a:spLocks noGrp="1"/>
+          </p:cNvSpPr>
+          <p:nvPr>
+            <p:ph idx="1"/>
+          </p:nvPr>
+        </p:nvSpPr>
+        <p:spPr>
+          <a:xfrm>
+            <a:off x="250825" y="1000221"/>
+            <a:ext cx="8641655" cy="5146579"/>
+          </a:xfrm>
+        </p:spPr>
+        <p:txBody>
+          <a:bodyPr tIns="0" bIns="0">
+            <a:noAutofit/>
+          </a:bodyPr>
+          <a:lstStyle/>
+          <a:p>
+            <a:pPr>
+              <a:buClr>
+                <a:schemeClr val="tx1">
+                  <a:lumMod val="65000"/>
+                  <a:lumOff val="35000"/>
+                </a:schemeClr>
+              </a:buClr>
+              <a:defRPr/>
+            </a:pPr>
+            <a:r>
+              <a:rPr lang="ko-KR" altLang="en-US" dirty="0"/>
+              <a:t>수정작업 진행</a:t>
+            </a:r>
+            <a:r>
+              <a:rPr lang="en-US" altLang="ko-KR" dirty="0"/>
+              <a:t>)</a:t>
+            </a:r>
+          </a:p>
+          <a:p>
+            <a:pPr marL="534988" lvl="1" indent="-268288">
+              <a:spcBef>
+                <a:spcPts val="0"/>
+              </a:spcBef>
+              <a:spcAft>
+                <a:spcPts val="0"/>
+              </a:spcAft>
+              <a:buClr>
+                <a:schemeClr val="tx1">
+                  <a:lumMod val="65000"/>
+                  <a:lumOff val="35000"/>
+                </a:schemeClr>
+              </a:buClr>
+              <a:buFont typeface="+mj-ea"/>
+              <a:buAutoNum type="circleNumDbPlain"/>
+              <a:defRPr/>
+            </a:pPr>
+            <a:r>
+              <a:rPr lang="ko-KR" altLang="en-US" dirty="0"/>
+              <a:t>다음화면이 뜸</a:t>
+            </a:r>
+            <a:endParaRPr lang="en-US" altLang="ko-KR" dirty="0"/>
+          </a:p>
+          <a:p>
+            <a:pPr>
+              <a:buClr>
+                <a:schemeClr val="tx1">
+                  <a:lumMod val="65000"/>
+                  <a:lumOff val="35000"/>
+                </a:schemeClr>
+              </a:buClr>
+              <a:defRPr/>
+            </a:pPr>
+            <a:endParaRPr lang="en-US" altLang="ko-KR" dirty="0">
+              <a:solidFill>
+                <a:srgbClr val="FF0000"/>
+              </a:solidFill>
+            </a:endParaRPr>
+          </a:p>
+          <a:p>
+            <a:pPr>
+              <a:buClr>
+                <a:schemeClr val="tx1">
+                  <a:lumMod val="65000"/>
+                  <a:lumOff val="35000"/>
+                </a:schemeClr>
+              </a:buClr>
+              <a:defRPr/>
+            </a:pPr>
+            <a:endParaRPr lang="ko-KR" altLang="en-US" dirty="0">
+              <a:solidFill>
+                <a:srgbClr val="FF0000"/>
+              </a:solidFill>
+            </a:endParaRPr>
+          </a:p>
+        </p:txBody>
+      </p:sp>
+      <p:sp>
+        <p:nvSpPr>
+          <p:cNvPr id="6" name="직사각형 5">
+            <a:extLst>
+              <a:ext uri="{FF2B5EF4-FFF2-40B4-BE49-F238E27FC236}">
+                <a16:creationId xmlns:a16="http://schemas.microsoft.com/office/drawing/2014/main" id="{45E3ED9D-6E6F-46D9-A992-59C607D6C5FD}"/>
               </a:ext>
             </a:extLst>
           </p:cNvPr>
@@ -18049,8 +19424,8 @@
         </p:nvSpPr>
         <p:spPr>
           <a:xfrm>
-            <a:off x="1163857" y="5767453"/>
-            <a:ext cx="1589853" cy="223443"/>
+            <a:off x="250825" y="3047094"/>
+            <a:ext cx="622478" cy="321365"/>
           </a:xfrm>
           <a:prstGeom prst="rect">
             <a:avLst/>
@@ -18089,10 +19464,10 @@
       </p:sp>
       <p:pic>
         <p:nvPicPr>
-          <p:cNvPr id="5" name="그림 4">
+          <p:cNvPr id="7" name="그림 6">
             <a:extLst>
               <a:ext uri="{FF2B5EF4-FFF2-40B4-BE49-F238E27FC236}">
-                <a16:creationId xmlns:a16="http://schemas.microsoft.com/office/drawing/2014/main" id="{0E108528-D01B-481D-8297-4E1E44CD0571}"/>
+                <a16:creationId xmlns:a16="http://schemas.microsoft.com/office/drawing/2014/main" id="{7F7EA5E0-81C4-4865-80B0-23C92719BF97}"/>
               </a:ext>
             </a:extLst>
           </p:cNvPr>
@@ -18102,15 +19477,15 @@
           <p:nvPr/>
         </p:nvPicPr>
         <p:blipFill>
-          <a:blip r:embed="rId3"/>
+          <a:blip r:embed="rId2"/>
           <a:stretch>
             <a:fillRect/>
           </a:stretch>
         </p:blipFill>
         <p:spPr>
           <a:xfrm>
-            <a:off x="341787" y="2133352"/>
-            <a:ext cx="8953500" cy="3381375"/>
+            <a:off x="421241" y="2013734"/>
+            <a:ext cx="7972746" cy="4208165"/>
           </a:xfrm>
           <a:prstGeom prst="rect">
             <a:avLst/>
@@ -18120,7 +19495,7 @@
     </p:spTree>
     <p:extLst>
       <p:ext uri="{BB962C8B-B14F-4D97-AF65-F5344CB8AC3E}">
-        <p14:creationId xmlns:p14="http://schemas.microsoft.com/office/powerpoint/2010/main" val="3410993216"/>
+        <p14:creationId xmlns:p14="http://schemas.microsoft.com/office/powerpoint/2010/main" val="488716105"/>
       </p:ext>
     </p:extLst>
   </p:cSld>
@@ -18130,7 +19505,7 @@
 </p:sld>
 </file>
 
-<file path=ppt/slides/slide33.xml><?xml version="1.0" encoding="utf-8"?>
+<file path=ppt/slides/slide37.xml><?xml version="1.0" encoding="utf-8"?>
 <p:sld xmlns:a="http://schemas.openxmlformats.org/drawingml/2006/main" xmlns:r="http://schemas.openxmlformats.org/officeDocument/2006/relationships" xmlns:p="http://schemas.openxmlformats.org/presentationml/2006/main">
   <p:cSld>
     <p:spTree>
@@ -18170,87 +19545,73 @@
           <a:p>
             <a:r>
               <a:rPr lang="ko-KR" altLang="en-US" dirty="0"/>
-              <a:t>협업하기</a:t>
-            </a:r>
+              <a:t>협업방식 </a:t>
+            </a:r>
+            <a:r>
+              <a:rPr lang="en-US" altLang="ko-KR" dirty="0"/>
+              <a:t>1</a:t>
+            </a:r>
+            <a:endParaRPr lang="ko-KR" altLang="en-US" dirty="0"/>
           </a:p>
         </p:txBody>
       </p:sp>
       <p:sp>
         <p:nvSpPr>
-          <p:cNvPr id="7" name="내용 개체 틀 2">
+          <p:cNvPr id="5" name="내용 개체 틀 4">
             <a:extLst>
               <a:ext uri="{FF2B5EF4-FFF2-40B4-BE49-F238E27FC236}">
-                <a16:creationId xmlns:a16="http://schemas.microsoft.com/office/drawing/2014/main" id="{A44AC902-3746-40D6-9827-94B46EEDDC67}"/>
+                <a16:creationId xmlns:a16="http://schemas.microsoft.com/office/drawing/2014/main" id="{FDF69C25-9F43-470B-8A20-AEDC0F371CCD}"/>
               </a:ext>
             </a:extLst>
           </p:cNvPr>
-          <p:cNvSpPr txBox="1">
-            <a:spLocks/>
+          <p:cNvSpPr>
+            <a:spLocks noGrp="1"/>
           </p:cNvSpPr>
-          <p:nvPr/>
+          <p:nvPr>
+            <p:ph idx="1"/>
+          </p:nvPr>
         </p:nvSpPr>
         <p:spPr>
           <a:xfrm>
-            <a:off x="341787" y="1120545"/>
-            <a:ext cx="8642350" cy="2351314"/>
+            <a:off x="250825" y="1000221"/>
+            <a:ext cx="8641655" cy="5146579"/>
           </a:xfrm>
-          <a:prstGeom prst="rect">
-            <a:avLst/>
-          </a:prstGeom>
         </p:spPr>
         <p:txBody>
-          <a:bodyPr vert="horz" lIns="91440" tIns="45720" rIns="91440" bIns="45720" rtlCol="0">
+          <a:bodyPr tIns="0" bIns="0">
             <a:noAutofit/>
           </a:bodyPr>
-          <a:lstStyle>
-            <a:lvl1pPr marL="266700" indent="-266700" defTabSz="914400" latinLnBrk="1">
-              <a:lnSpc>
-                <a:spcPct val="150000"/>
-              </a:lnSpc>
-              <a:spcBef>
-                <a:spcPct val="0"/>
-              </a:spcBef>
+          <a:lstStyle/>
+          <a:p>
+            <a:pPr>
               <a:buClr>
                 <a:schemeClr val="tx1">
                   <a:lumMod val="65000"/>
                   <a:lumOff val="35000"/>
                 </a:schemeClr>
               </a:buClr>
-              <a:buFont typeface="Wingdings" pitchFamily="2" charset="2"/>
-              <a:buChar char="n"/>
-              <a:defRPr sz="2000" b="1">
-                <a:latin typeface="+mn-ea"/>
-              </a:defRPr>
-            </a:lvl1pPr>
-            <a:lvl2pPr marL="447675" lvl="1" indent="-180975" defTabSz="914400" latinLnBrk="1">
-              <a:lnSpc>
-                <a:spcPct val="150000"/>
-              </a:lnSpc>
+              <a:defRPr/>
+            </a:pPr>
+            <a:r>
+              <a:rPr lang="en-US" altLang="ko-KR" dirty="0"/>
+              <a:t>Feature branch workflow (collab </a:t>
+            </a:r>
+            <a:r>
+              <a:rPr lang="ko-KR" altLang="en-US" dirty="0"/>
+              <a:t>참여자가 모두가 결정하고 수정 진행</a:t>
+            </a:r>
+            <a:r>
+              <a:rPr lang="en-US" altLang="ko-KR" dirty="0"/>
+              <a:t>)</a:t>
+            </a:r>
+          </a:p>
+          <a:p>
+            <a:pPr marL="534988" lvl="1" indent="-268288">
               <a:spcBef>
                 <a:spcPts val="0"/>
               </a:spcBef>
               <a:spcAft>
                 <a:spcPts val="0"/>
-              </a:spcAft>
-              <a:buClr>
-                <a:schemeClr val="tx1">
-                  <a:lumMod val="50000"/>
-                  <a:lumOff val="50000"/>
-                </a:schemeClr>
-              </a:buClr>
-              <a:buFont typeface="Wingdings" pitchFamily="2" charset="2"/>
-              <a:buChar char="§"/>
-              <a:defRPr sz="1600"/>
-            </a:lvl2pPr>
-            <a:lvl3pPr marL="628650" indent="-180975" defTabSz="914400" latinLnBrk="1">
-              <a:lnSpc>
-                <a:spcPct val="150000"/>
-              </a:lnSpc>
-              <a:spcBef>
-                <a:spcPts val="500"/>
-              </a:spcBef>
-              <a:spcAft>
-                <a:spcPts val="300"/>
               </a:spcAft>
               <a:buClr>
                 <a:schemeClr val="tx1">
@@ -18258,19 +19619,27 @@
                   <a:lumOff val="35000"/>
                 </a:schemeClr>
               </a:buClr>
-              <a:buFont typeface="Arial" panose="020B0604020202020204" pitchFamily="34" charset="0"/>
-              <a:buChar char="•"/>
-              <a:defRPr sz="1400"/>
-            </a:lvl3pPr>
-            <a:lvl4pPr marL="809625" indent="-180975" defTabSz="914400" latinLnBrk="1">
-              <a:lnSpc>
-                <a:spcPct val="150000"/>
-              </a:lnSpc>
-              <a:spcBef>
-                <a:spcPts val="500"/>
+              <a:buFont typeface="+mj-ea"/>
+              <a:buAutoNum type="circleNumDbPlain"/>
+              <a:defRPr/>
+            </a:pPr>
+            <a:r>
+              <a:rPr lang="en-US" altLang="ko-KR" dirty="0" err="1"/>
+              <a:t>Paichai</a:t>
+            </a:r>
+            <a:r>
+              <a:rPr lang="ko-KR" altLang="en-US" dirty="0"/>
+              <a:t>로컬로 가서</a:t>
+            </a:r>
+            <a:endParaRPr lang="en-US" altLang="ko-KR" dirty="0"/>
+          </a:p>
+          <a:p>
+            <a:pPr marL="534988" lvl="1" indent="-268288">
+              <a:spcBef>
+                <a:spcPts val="0"/>
               </a:spcBef>
               <a:spcAft>
-                <a:spcPts val="300"/>
+                <a:spcPts val="0"/>
               </a:spcAft>
               <a:buClr>
                 <a:schemeClr val="tx1">
@@ -18278,113 +19647,344 @@
                   <a:lumOff val="35000"/>
                 </a:schemeClr>
               </a:buClr>
-              <a:buSzPct val="96000"/>
-              <a:buFont typeface="Arial" panose="020B0604020202020204" pitchFamily="34" charset="0"/>
-              <a:buChar char="•"/>
-              <a:defRPr sz="1200"/>
-            </a:lvl4pPr>
-            <a:lvl5pPr marL="990600" indent="-180975" defTabSz="914400" latinLnBrk="1">
-              <a:lnSpc>
-                <a:spcPct val="150000"/>
-              </a:lnSpc>
-              <a:spcBef>
-                <a:spcPts val="500"/>
-              </a:spcBef>
+              <a:buFont typeface="+mj-ea"/>
+              <a:buAutoNum type="circleNumDbPlain"/>
+              <a:defRPr/>
+            </a:pPr>
+            <a:r>
+              <a:rPr lang="ko-KR" altLang="en-US" dirty="0"/>
+              <a:t>파일 수정 </a:t>
+            </a:r>
+            <a:r>
+              <a:rPr lang="en-US" altLang="ko-KR" dirty="0"/>
+              <a:t>(</a:t>
+            </a:r>
+            <a:r>
+              <a:rPr lang="ko-KR" altLang="en-US" dirty="0"/>
+              <a:t>세번째로 수정</a:t>
+            </a:r>
+            <a:r>
+              <a:rPr lang="en-US" altLang="ko-KR" dirty="0"/>
+              <a:t>)</a:t>
+            </a:r>
+          </a:p>
+          <a:p>
+            <a:pPr marL="534988" lvl="1" indent="-268288">
+              <a:spcBef>
+                <a:spcPts val="0"/>
+              </a:spcBef>
+              <a:spcAft>
+                <a:spcPts val="0"/>
+              </a:spcAft>
               <a:buClr>
                 <a:schemeClr val="tx1">
                   <a:lumMod val="65000"/>
                   <a:lumOff val="35000"/>
                 </a:schemeClr>
               </a:buClr>
-              <a:buFont typeface="Arial" panose="020B0604020202020204" pitchFamily="34" charset="0"/>
-              <a:buChar char="•"/>
-              <a:defRPr sz="1000"/>
-            </a:lvl5pPr>
-            <a:lvl6pPr marL="2514600" indent="-228600" defTabSz="914400" latinLnBrk="1">
-              <a:lnSpc>
-                <a:spcPct val="90000"/>
-              </a:lnSpc>
-              <a:spcBef>
-                <a:spcPts val="500"/>
-              </a:spcBef>
-              <a:buFont typeface="Arial" panose="020B0604020202020204" pitchFamily="34" charset="0"/>
-              <a:buChar char="•"/>
-            </a:lvl6pPr>
-            <a:lvl7pPr marL="2971800" indent="-228600" defTabSz="914400" latinLnBrk="1">
-              <a:lnSpc>
-                <a:spcPct val="90000"/>
-              </a:lnSpc>
-              <a:spcBef>
-                <a:spcPts val="500"/>
-              </a:spcBef>
-              <a:buFont typeface="Arial" panose="020B0604020202020204" pitchFamily="34" charset="0"/>
-              <a:buChar char="•"/>
-            </a:lvl7pPr>
-            <a:lvl8pPr marL="3429000" indent="-228600" defTabSz="914400" latinLnBrk="1">
-              <a:lnSpc>
-                <a:spcPct val="90000"/>
-              </a:lnSpc>
-              <a:spcBef>
-                <a:spcPts val="500"/>
-              </a:spcBef>
-              <a:buFont typeface="Arial" panose="020B0604020202020204" pitchFamily="34" charset="0"/>
-              <a:buChar char="•"/>
-            </a:lvl8pPr>
-            <a:lvl9pPr marL="3886200" indent="-228600" defTabSz="914400" latinLnBrk="1">
-              <a:lnSpc>
-                <a:spcPct val="90000"/>
-              </a:lnSpc>
-              <a:spcBef>
-                <a:spcPts val="500"/>
-              </a:spcBef>
-              <a:buFont typeface="Arial" panose="020B0604020202020204" pitchFamily="34" charset="0"/>
-              <a:buChar char="•"/>
-            </a:lvl9pPr>
-          </a:lstStyle>
-          <a:p>
-            <a:r>
-              <a:rPr lang="ko-KR" altLang="en-US" dirty="0"/>
-              <a:t>협업환경 </a:t>
-            </a:r>
+              <a:buFont typeface="+mj-ea"/>
+              <a:buAutoNum type="circleNumDbPlain"/>
+              <a:defRPr/>
+            </a:pPr>
             <a:r>
               <a:rPr lang="en-US" altLang="ko-KR" dirty="0"/>
-              <a:t>(collaborator</a:t>
-            </a:r>
-            <a:r>
-              <a:rPr lang="ko-KR" altLang="en-US" dirty="0"/>
-              <a:t> 등록</a:t>
-            </a:r>
-            <a:r>
-              <a:rPr lang="en-US" altLang="ko-KR" dirty="0"/>
-              <a:t>)</a:t>
-            </a:r>
-          </a:p>
-          <a:p>
-            <a:pPr lvl="1"/>
+              <a:t>Commit </a:t>
+            </a:r>
             <a:r>
               <a:rPr lang="en-US" altLang="ko-KR" dirty="0">
-                <a:latin typeface="+mn-ea"/>
-              </a:rPr>
-              <a:t>Settings → Manage Access </a:t>
+                <a:sym typeface="Wingdings" panose="05000000000000000000" pitchFamily="2" charset="2"/>
+              </a:rPr>
+              <a:t> push</a:t>
             </a:r>
             <a:r>
               <a:rPr lang="ko-KR" altLang="en-US" dirty="0">
-                <a:latin typeface="+mn-ea"/>
-              </a:rPr>
-              <a:t>클릭</a:t>
-            </a:r>
+                <a:sym typeface="Wingdings" panose="05000000000000000000" pitchFamily="2" charset="2"/>
+              </a:rPr>
+              <a:t>하면 리더에게 이메일로 통보됨</a:t>
+            </a:r>
+            <a:r>
+              <a:rPr lang="en-US" altLang="ko-KR" dirty="0">
+                <a:sym typeface="Wingdings" panose="05000000000000000000" pitchFamily="2" charset="2"/>
+              </a:rPr>
+              <a:t>.</a:t>
+            </a:r>
+            <a:endParaRPr lang="en-US" altLang="ko-KR" dirty="0"/>
+          </a:p>
+          <a:p>
+            <a:pPr marL="266700" lvl="1" indent="0">
+              <a:spcBef>
+                <a:spcPts val="0"/>
+              </a:spcBef>
+              <a:spcAft>
+                <a:spcPts val="0"/>
+              </a:spcAft>
+              <a:buClr>
+                <a:schemeClr val="tx1">
+                  <a:lumMod val="65000"/>
+                  <a:lumOff val="35000"/>
+                </a:schemeClr>
+              </a:buClr>
+              <a:buNone/>
+              <a:defRPr/>
+            </a:pPr>
+            <a:endParaRPr lang="en-US" altLang="ko-KR" dirty="0"/>
+          </a:p>
+          <a:p>
+            <a:pPr>
+              <a:buClr>
+                <a:schemeClr val="tx1">
+                  <a:lumMod val="65000"/>
+                  <a:lumOff val="35000"/>
+                </a:schemeClr>
+              </a:buClr>
+              <a:defRPr/>
+            </a:pPr>
             <a:endParaRPr lang="en-US" altLang="ko-KR" dirty="0">
-              <a:latin typeface="+mn-ea"/>
+              <a:solidFill>
+                <a:srgbClr val="FF0000"/>
+              </a:solidFill>
             </a:endParaRPr>
           </a:p>
+          <a:p>
+            <a:pPr>
+              <a:buClr>
+                <a:schemeClr val="tx1">
+                  <a:lumMod val="65000"/>
+                  <a:lumOff val="35000"/>
+                </a:schemeClr>
+              </a:buClr>
+              <a:defRPr/>
+            </a:pPr>
+            <a:endParaRPr lang="ko-KR" altLang="en-US" dirty="0">
+              <a:solidFill>
+                <a:srgbClr val="FF0000"/>
+              </a:solidFill>
+            </a:endParaRPr>
+          </a:p>
         </p:txBody>
       </p:sp>
-      <p:sp>
-        <p:nvSpPr>
-          <p:cNvPr id="6" name="직사각형 5">
+      <p:pic>
+        <p:nvPicPr>
+          <p:cNvPr id="3" name="그림 2">
             <a:extLst>
               <a:ext uri="{FF2B5EF4-FFF2-40B4-BE49-F238E27FC236}">
-                <a16:creationId xmlns:a16="http://schemas.microsoft.com/office/drawing/2014/main" id="{A0CA71EF-AE4C-453D-A797-8649D36F99F5}"/>
+                <a16:creationId xmlns:a16="http://schemas.microsoft.com/office/drawing/2014/main" id="{96F178D2-1B1E-4BAA-9C3D-BA6482B2DD6D}"/>
+              </a:ext>
+            </a:extLst>
+          </p:cNvPr>
+          <p:cNvPicPr>
+            <a:picLocks noChangeAspect="1"/>
+          </p:cNvPicPr>
+          <p:nvPr/>
+        </p:nvPicPr>
+        <p:blipFill>
+          <a:blip r:embed="rId2"/>
+          <a:stretch>
+            <a:fillRect/>
+          </a:stretch>
+        </p:blipFill>
+        <p:spPr>
+          <a:xfrm>
+            <a:off x="666536" y="2552604"/>
+            <a:ext cx="7543800" cy="3305175"/>
+          </a:xfrm>
+          <a:prstGeom prst="rect">
+            <a:avLst/>
+          </a:prstGeom>
+        </p:spPr>
+      </p:pic>
+    </p:spTree>
+    <p:extLst>
+      <p:ext uri="{BB962C8B-B14F-4D97-AF65-F5344CB8AC3E}">
+        <p14:creationId xmlns:p14="http://schemas.microsoft.com/office/powerpoint/2010/main" val="2165798658"/>
+      </p:ext>
+    </p:extLst>
+  </p:cSld>
+  <p:clrMapOvr>
+    <a:masterClrMapping/>
+  </p:clrMapOvr>
+</p:sld>
+</file>
+
+<file path=ppt/slides/slide38.xml><?xml version="1.0" encoding="utf-8"?>
+<p:sld xmlns:a="http://schemas.openxmlformats.org/drawingml/2006/main" xmlns:r="http://schemas.openxmlformats.org/officeDocument/2006/relationships" xmlns:p="http://schemas.openxmlformats.org/presentationml/2006/main">
+  <p:cSld>
+    <p:spTree>
+      <p:nvGrpSpPr>
+        <p:cNvPr id="1" name=""/>
+        <p:cNvGrpSpPr/>
+        <p:nvPr/>
+      </p:nvGrpSpPr>
+      <p:grpSpPr>
+        <a:xfrm>
+          <a:off x="0" y="0"/>
+          <a:ext cx="0" cy="0"/>
+          <a:chOff x="0" y="0"/>
+          <a:chExt cx="0" cy="0"/>
+        </a:xfrm>
+      </p:grpSpPr>
+      <p:sp>
+        <p:nvSpPr>
+          <p:cNvPr id="4" name="제목 3">
+            <a:extLst>
+              <a:ext uri="{FF2B5EF4-FFF2-40B4-BE49-F238E27FC236}">
+                <a16:creationId xmlns:a16="http://schemas.microsoft.com/office/drawing/2014/main" id="{F0CEB32B-CB43-4410-BA08-A97E4BC47FCB}"/>
+              </a:ext>
+            </a:extLst>
+          </p:cNvPr>
+          <p:cNvSpPr>
+            <a:spLocks noGrp="1"/>
+          </p:cNvSpPr>
+          <p:nvPr>
+            <p:ph type="title"/>
+          </p:nvPr>
+        </p:nvSpPr>
+        <p:spPr/>
+        <p:txBody>
+          <a:bodyPr/>
+          <a:lstStyle/>
+          <a:p>
+            <a:r>
+              <a:rPr lang="ko-KR" altLang="en-US" dirty="0"/>
+              <a:t>협업방식 </a:t>
+            </a:r>
+            <a:r>
+              <a:rPr lang="en-US" altLang="ko-KR" dirty="0"/>
+              <a:t>1</a:t>
+            </a:r>
+            <a:endParaRPr lang="ko-KR" altLang="en-US" dirty="0"/>
+          </a:p>
+        </p:txBody>
+      </p:sp>
+      <p:pic>
+        <p:nvPicPr>
+          <p:cNvPr id="8" name="그림 7">
+            <a:extLst>
+              <a:ext uri="{FF2B5EF4-FFF2-40B4-BE49-F238E27FC236}">
+                <a16:creationId xmlns:a16="http://schemas.microsoft.com/office/drawing/2014/main" id="{09822102-6F3D-4679-BBB9-813508E79A70}"/>
+              </a:ext>
+            </a:extLst>
+          </p:cNvPr>
+          <p:cNvPicPr>
+            <a:picLocks noChangeAspect="1"/>
+          </p:cNvPicPr>
+          <p:nvPr/>
+        </p:nvPicPr>
+        <p:blipFill>
+          <a:blip r:embed="rId2"/>
+          <a:stretch>
+            <a:fillRect/>
+          </a:stretch>
+        </p:blipFill>
+        <p:spPr>
+          <a:xfrm>
+            <a:off x="429525" y="1128472"/>
+            <a:ext cx="7993294" cy="4601055"/>
+          </a:xfrm>
+          <a:prstGeom prst="rect">
+            <a:avLst/>
+          </a:prstGeom>
+        </p:spPr>
+      </p:pic>
+    </p:spTree>
+    <p:extLst>
+      <p:ext uri="{BB962C8B-B14F-4D97-AF65-F5344CB8AC3E}">
+        <p14:creationId xmlns:p14="http://schemas.microsoft.com/office/powerpoint/2010/main" val="1054558577"/>
+      </p:ext>
+    </p:extLst>
+  </p:cSld>
+  <p:clrMapOvr>
+    <a:masterClrMapping/>
+  </p:clrMapOvr>
+</p:sld>
+</file>
+
+<file path=ppt/slides/slide39.xml><?xml version="1.0" encoding="utf-8"?>
+<p:sld xmlns:a="http://schemas.openxmlformats.org/drawingml/2006/main" xmlns:r="http://schemas.openxmlformats.org/officeDocument/2006/relationships" xmlns:p="http://schemas.openxmlformats.org/presentationml/2006/main">
+  <p:cSld>
+    <p:spTree>
+      <p:nvGrpSpPr>
+        <p:cNvPr id="1" name=""/>
+        <p:cNvGrpSpPr/>
+        <p:nvPr/>
+      </p:nvGrpSpPr>
+      <p:grpSpPr>
+        <a:xfrm>
+          <a:off x="0" y="0"/>
+          <a:ext cx="0" cy="0"/>
+          <a:chOff x="0" y="0"/>
+          <a:chExt cx="0" cy="0"/>
+        </a:xfrm>
+      </p:grpSpPr>
+      <p:pic>
+        <p:nvPicPr>
+          <p:cNvPr id="3" name="그림 2">
+            <a:extLst>
+              <a:ext uri="{FF2B5EF4-FFF2-40B4-BE49-F238E27FC236}">
+                <a16:creationId xmlns:a16="http://schemas.microsoft.com/office/drawing/2014/main" id="{5F54B4A6-4289-4DCD-B852-3BECA97B50E2}"/>
+              </a:ext>
+            </a:extLst>
+          </p:cNvPr>
+          <p:cNvPicPr>
+            <a:picLocks noChangeAspect="1"/>
+          </p:cNvPicPr>
+          <p:nvPr/>
+        </p:nvPicPr>
+        <p:blipFill>
+          <a:blip r:embed="rId2"/>
+          <a:stretch>
+            <a:fillRect/>
+          </a:stretch>
+        </p:blipFill>
+        <p:spPr>
+          <a:xfrm>
+            <a:off x="498455" y="1381107"/>
+            <a:ext cx="8239874" cy="4900638"/>
+          </a:xfrm>
+          <a:prstGeom prst="rect">
+            <a:avLst/>
+          </a:prstGeom>
+        </p:spPr>
+      </p:pic>
+      <p:sp>
+        <p:nvSpPr>
+          <p:cNvPr id="4" name="제목 3">
+            <a:extLst>
+              <a:ext uri="{FF2B5EF4-FFF2-40B4-BE49-F238E27FC236}">
+                <a16:creationId xmlns:a16="http://schemas.microsoft.com/office/drawing/2014/main" id="{F0CEB32B-CB43-4410-BA08-A97E4BC47FCB}"/>
+              </a:ext>
+            </a:extLst>
+          </p:cNvPr>
+          <p:cNvSpPr>
+            <a:spLocks noGrp="1"/>
+          </p:cNvSpPr>
+          <p:nvPr>
+            <p:ph type="title"/>
+          </p:nvPr>
+        </p:nvSpPr>
+        <p:spPr/>
+        <p:txBody>
+          <a:bodyPr/>
+          <a:lstStyle/>
+          <a:p>
+            <a:r>
+              <a:rPr lang="ko-KR" altLang="en-US" dirty="0"/>
+              <a:t>협업방식 </a:t>
+            </a:r>
+            <a:r>
+              <a:rPr lang="en-US" altLang="ko-KR" dirty="0"/>
+              <a:t>1</a:t>
+            </a:r>
+            <a:endParaRPr lang="ko-KR" altLang="en-US" dirty="0"/>
+          </a:p>
+        </p:txBody>
+      </p:sp>
+      <p:sp>
+        <p:nvSpPr>
+          <p:cNvPr id="9" name="직사각형 8">
+            <a:extLst>
+              <a:ext uri="{FF2B5EF4-FFF2-40B4-BE49-F238E27FC236}">
+                <a16:creationId xmlns:a16="http://schemas.microsoft.com/office/drawing/2014/main" id="{CB66A63D-6C5F-447F-A97C-63FC402A6D8C}"/>
               </a:ext>
             </a:extLst>
           </p:cNvPr>
@@ -18393,8 +19993,8 @@
         </p:nvSpPr>
         <p:spPr>
           <a:xfrm>
-            <a:off x="6051166" y="2824217"/>
-            <a:ext cx="643929" cy="213274"/>
+            <a:off x="2151544" y="2153240"/>
+            <a:ext cx="1012897" cy="321365"/>
           </a:xfrm>
           <a:prstGeom prst="rect">
             <a:avLst/>
@@ -18433,152 +20033,10 @@
       </p:sp>
       <p:sp>
         <p:nvSpPr>
-          <p:cNvPr id="9" name="직사각형 8">
+          <p:cNvPr id="7" name="내용 개체 틀 4">
             <a:extLst>
               <a:ext uri="{FF2B5EF4-FFF2-40B4-BE49-F238E27FC236}">
-                <a16:creationId xmlns:a16="http://schemas.microsoft.com/office/drawing/2014/main" id="{2D982C0A-7CE5-4414-99C0-863AA7806C73}"/>
-              </a:ext>
-            </a:extLst>
-          </p:cNvPr>
-          <p:cNvSpPr/>
-          <p:nvPr/>
-        </p:nvSpPr>
-        <p:spPr>
-          <a:xfrm>
-            <a:off x="1163857" y="5767453"/>
-            <a:ext cx="1589853" cy="223443"/>
-          </a:xfrm>
-          <a:prstGeom prst="rect">
-            <a:avLst/>
-          </a:prstGeom>
-          <a:noFill/>
-          <a:ln w="38100">
-            <a:solidFill>
-              <a:srgbClr val="FF0000"/>
-            </a:solidFill>
-          </a:ln>
-        </p:spPr>
-        <p:style>
-          <a:lnRef idx="2">
-            <a:schemeClr val="accent1">
-              <a:shade val="50000"/>
-            </a:schemeClr>
-          </a:lnRef>
-          <a:fillRef idx="1">
-            <a:schemeClr val="accent1"/>
-          </a:fillRef>
-          <a:effectRef idx="0">
-            <a:schemeClr val="accent1"/>
-          </a:effectRef>
-          <a:fontRef idx="minor">
-            <a:schemeClr val="lt1"/>
-          </a:fontRef>
-        </p:style>
-        <p:txBody>
-          <a:bodyPr rtlCol="0" anchor="ctr"/>
-          <a:lstStyle/>
-          <a:p>
-            <a:pPr algn="ctr"/>
-            <a:endParaRPr lang="ko-KR" altLang="en-US"/>
-          </a:p>
-        </p:txBody>
-      </p:sp>
-      <p:pic>
-        <p:nvPicPr>
-          <p:cNvPr id="5" name="그림 4">
-            <a:extLst>
-              <a:ext uri="{FF2B5EF4-FFF2-40B4-BE49-F238E27FC236}">
-                <a16:creationId xmlns:a16="http://schemas.microsoft.com/office/drawing/2014/main" id="{0E108528-D01B-481D-8297-4E1E44CD0571}"/>
-              </a:ext>
-            </a:extLst>
-          </p:cNvPr>
-          <p:cNvPicPr>
-            <a:picLocks noChangeAspect="1"/>
-          </p:cNvPicPr>
-          <p:nvPr/>
-        </p:nvPicPr>
-        <p:blipFill>
-          <a:blip r:embed="rId3"/>
-          <a:stretch>
-            <a:fillRect/>
-          </a:stretch>
-        </p:blipFill>
-        <p:spPr>
-          <a:xfrm>
-            <a:off x="30637" y="1781171"/>
-            <a:ext cx="8953500" cy="3381375"/>
-          </a:xfrm>
-          <a:prstGeom prst="rect">
-            <a:avLst/>
-          </a:prstGeom>
-        </p:spPr>
-      </p:pic>
-    </p:spTree>
-    <p:extLst>
-      <p:ext uri="{BB962C8B-B14F-4D97-AF65-F5344CB8AC3E}">
-        <p14:creationId xmlns:p14="http://schemas.microsoft.com/office/powerpoint/2010/main" val="2475722350"/>
-      </p:ext>
-    </p:extLst>
-  </p:cSld>
-  <p:clrMapOvr>
-    <a:masterClrMapping/>
-  </p:clrMapOvr>
-</p:sld>
-</file>
-
-<file path=ppt/slides/slide34.xml><?xml version="1.0" encoding="utf-8"?>
-<p:sld xmlns:a="http://schemas.openxmlformats.org/drawingml/2006/main" xmlns:r="http://schemas.openxmlformats.org/officeDocument/2006/relationships" xmlns:p="http://schemas.openxmlformats.org/presentationml/2006/main">
-  <p:cSld>
-    <p:spTree>
-      <p:nvGrpSpPr>
-        <p:cNvPr id="1" name=""/>
-        <p:cNvGrpSpPr/>
-        <p:nvPr/>
-      </p:nvGrpSpPr>
-      <p:grpSpPr>
-        <a:xfrm>
-          <a:off x="0" y="0"/>
-          <a:ext cx="0" cy="0"/>
-          <a:chOff x="0" y="0"/>
-          <a:chExt cx="0" cy="0"/>
-        </a:xfrm>
-      </p:grpSpPr>
-      <p:pic>
-        <p:nvPicPr>
-          <p:cNvPr id="8" name="그림 7">
-            <a:extLst>
-              <a:ext uri="{FF2B5EF4-FFF2-40B4-BE49-F238E27FC236}">
-                <a16:creationId xmlns:a16="http://schemas.microsoft.com/office/drawing/2014/main" id="{6618A6A4-508E-4FFD-B103-024A92179486}"/>
-              </a:ext>
-            </a:extLst>
-          </p:cNvPr>
-          <p:cNvPicPr>
-            <a:picLocks noChangeAspect="1"/>
-          </p:cNvPicPr>
-          <p:nvPr/>
-        </p:nvPicPr>
-        <p:blipFill>
-          <a:blip r:embed="rId3"/>
-          <a:stretch>
-            <a:fillRect/>
-          </a:stretch>
-        </p:blipFill>
-        <p:spPr>
-          <a:xfrm>
-            <a:off x="890587" y="1558465"/>
-            <a:ext cx="7362825" cy="4714875"/>
-          </a:xfrm>
-          <a:prstGeom prst="rect">
-            <a:avLst/>
-          </a:prstGeom>
-        </p:spPr>
-      </p:pic>
-      <p:sp>
-        <p:nvSpPr>
-          <p:cNvPr id="4" name="제목 3">
-            <a:extLst>
-              <a:ext uri="{FF2B5EF4-FFF2-40B4-BE49-F238E27FC236}">
-                <a16:creationId xmlns:a16="http://schemas.microsoft.com/office/drawing/2014/main" id="{F0CEB32B-CB43-4410-BA08-A97E4BC47FCB}"/>
+                <a16:creationId xmlns:a16="http://schemas.microsoft.com/office/drawing/2014/main" id="{468737F2-5A72-4A5D-8E4F-663321BE5807}"/>
               </a:ext>
             </a:extLst>
           </p:cNvPr>
@@ -18586,1721 +20044,66 @@
             <a:spLocks noGrp="1"/>
           </p:cNvSpPr>
           <p:nvPr>
-            <p:ph type="title"/>
+            <p:ph idx="1"/>
           </p:nvPr>
-        </p:nvSpPr>
-        <p:spPr/>
-        <p:txBody>
-          <a:bodyPr/>
-          <a:lstStyle/>
-          <a:p>
-            <a:r>
-              <a:rPr lang="ko-KR" altLang="en-US" dirty="0"/>
-              <a:t>협업하기</a:t>
-            </a:r>
-          </a:p>
-        </p:txBody>
-      </p:sp>
-      <p:sp>
-        <p:nvSpPr>
-          <p:cNvPr id="7" name="내용 개체 틀 2">
-            <a:extLst>
-              <a:ext uri="{FF2B5EF4-FFF2-40B4-BE49-F238E27FC236}">
-                <a16:creationId xmlns:a16="http://schemas.microsoft.com/office/drawing/2014/main" id="{A44AC902-3746-40D6-9827-94B46EEDDC67}"/>
-              </a:ext>
-            </a:extLst>
-          </p:cNvPr>
-          <p:cNvSpPr txBox="1">
-            <a:spLocks/>
-          </p:cNvSpPr>
-          <p:nvPr/>
         </p:nvSpPr>
         <p:spPr>
           <a:xfrm>
-            <a:off x="341787" y="1120545"/>
-            <a:ext cx="8642350" cy="2351314"/>
+            <a:off x="250825" y="1000221"/>
+            <a:ext cx="8641655" cy="5146579"/>
           </a:xfrm>
-          <a:prstGeom prst="rect">
-            <a:avLst/>
-          </a:prstGeom>
         </p:spPr>
         <p:txBody>
-          <a:bodyPr vert="horz" lIns="91440" tIns="45720" rIns="91440" bIns="45720" rtlCol="0">
+          <a:bodyPr tIns="0" bIns="0">
             <a:noAutofit/>
           </a:bodyPr>
-          <a:lstStyle>
-            <a:lvl1pPr marL="266700" indent="-266700" defTabSz="914400" latinLnBrk="1">
-              <a:lnSpc>
-                <a:spcPct val="150000"/>
-              </a:lnSpc>
-              <a:spcBef>
-                <a:spcPct val="0"/>
-              </a:spcBef>
+          <a:lstStyle/>
+          <a:p>
+            <a:pPr>
               <a:buClr>
                 <a:schemeClr val="tx1">
                   <a:lumMod val="65000"/>
                   <a:lumOff val="35000"/>
                 </a:schemeClr>
               </a:buClr>
-              <a:buFont typeface="Wingdings" pitchFamily="2" charset="2"/>
-              <a:buChar char="n"/>
-              <a:defRPr sz="2000" b="1">
-                <a:latin typeface="+mn-ea"/>
-              </a:defRPr>
-            </a:lvl1pPr>
-            <a:lvl2pPr marL="447675" lvl="1" indent="-180975" defTabSz="914400" latinLnBrk="1">
-              <a:lnSpc>
-                <a:spcPct val="150000"/>
-              </a:lnSpc>
-              <a:spcBef>
-                <a:spcPts val="0"/>
-              </a:spcBef>
-              <a:spcAft>
-                <a:spcPts val="0"/>
-              </a:spcAft>
-              <a:buClr>
-                <a:schemeClr val="tx1">
-                  <a:lumMod val="50000"/>
-                  <a:lumOff val="50000"/>
-                </a:schemeClr>
-              </a:buClr>
-              <a:buFont typeface="Wingdings" pitchFamily="2" charset="2"/>
-              <a:buChar char="§"/>
-              <a:defRPr sz="1600"/>
-            </a:lvl2pPr>
-            <a:lvl3pPr marL="628650" indent="-180975" defTabSz="914400" latinLnBrk="1">
-              <a:lnSpc>
-                <a:spcPct val="150000"/>
-              </a:lnSpc>
-              <a:spcBef>
-                <a:spcPts val="500"/>
-              </a:spcBef>
-              <a:spcAft>
-                <a:spcPts val="300"/>
-              </a:spcAft>
-              <a:buClr>
-                <a:schemeClr val="tx1">
-                  <a:lumMod val="65000"/>
-                  <a:lumOff val="35000"/>
-                </a:schemeClr>
-              </a:buClr>
-              <a:buFont typeface="Arial" panose="020B0604020202020204" pitchFamily="34" charset="0"/>
-              <a:buChar char="•"/>
-              <a:defRPr sz="1400"/>
-            </a:lvl3pPr>
-            <a:lvl4pPr marL="809625" indent="-180975" defTabSz="914400" latinLnBrk="1">
-              <a:lnSpc>
-                <a:spcPct val="150000"/>
-              </a:lnSpc>
-              <a:spcBef>
-                <a:spcPts val="500"/>
-              </a:spcBef>
-              <a:spcAft>
-                <a:spcPts val="300"/>
-              </a:spcAft>
-              <a:buClr>
-                <a:schemeClr val="tx1">
-                  <a:lumMod val="65000"/>
-                  <a:lumOff val="35000"/>
-                </a:schemeClr>
-              </a:buClr>
-              <a:buSzPct val="96000"/>
-              <a:buFont typeface="Arial" panose="020B0604020202020204" pitchFamily="34" charset="0"/>
-              <a:buChar char="•"/>
-              <a:defRPr sz="1200"/>
-            </a:lvl4pPr>
-            <a:lvl5pPr marL="990600" indent="-180975" defTabSz="914400" latinLnBrk="1">
-              <a:lnSpc>
-                <a:spcPct val="150000"/>
-              </a:lnSpc>
-              <a:spcBef>
-                <a:spcPts val="500"/>
-              </a:spcBef>
-              <a:buClr>
-                <a:schemeClr val="tx1">
-                  <a:lumMod val="65000"/>
-                  <a:lumOff val="35000"/>
-                </a:schemeClr>
-              </a:buClr>
-              <a:buFont typeface="Arial" panose="020B0604020202020204" pitchFamily="34" charset="0"/>
-              <a:buChar char="•"/>
-              <a:defRPr sz="1000"/>
-            </a:lvl5pPr>
-            <a:lvl6pPr marL="2514600" indent="-228600" defTabSz="914400" latinLnBrk="1">
-              <a:lnSpc>
-                <a:spcPct val="90000"/>
-              </a:lnSpc>
-              <a:spcBef>
-                <a:spcPts val="500"/>
-              </a:spcBef>
-              <a:buFont typeface="Arial" panose="020B0604020202020204" pitchFamily="34" charset="0"/>
-              <a:buChar char="•"/>
-            </a:lvl6pPr>
-            <a:lvl7pPr marL="2971800" indent="-228600" defTabSz="914400" latinLnBrk="1">
-              <a:lnSpc>
-                <a:spcPct val="90000"/>
-              </a:lnSpc>
-              <a:spcBef>
-                <a:spcPts val="500"/>
-              </a:spcBef>
-              <a:buFont typeface="Arial" panose="020B0604020202020204" pitchFamily="34" charset="0"/>
-              <a:buChar char="•"/>
-            </a:lvl7pPr>
-            <a:lvl8pPr marL="3429000" indent="-228600" defTabSz="914400" latinLnBrk="1">
-              <a:lnSpc>
-                <a:spcPct val="90000"/>
-              </a:lnSpc>
-              <a:spcBef>
-                <a:spcPts val="500"/>
-              </a:spcBef>
-              <a:buFont typeface="Arial" panose="020B0604020202020204" pitchFamily="34" charset="0"/>
-              <a:buChar char="•"/>
-            </a:lvl8pPr>
-            <a:lvl9pPr marL="3886200" indent="-228600" defTabSz="914400" latinLnBrk="1">
-              <a:lnSpc>
-                <a:spcPct val="90000"/>
-              </a:lnSpc>
-              <a:spcBef>
-                <a:spcPts val="500"/>
-              </a:spcBef>
-              <a:buFont typeface="Arial" panose="020B0604020202020204" pitchFamily="34" charset="0"/>
-              <a:buChar char="•"/>
-            </a:lvl9pPr>
-          </a:lstStyle>
-          <a:p>
+              <a:defRPr/>
+            </a:pPr>
             <a:r>
               <a:rPr lang="ko-KR" altLang="en-US" dirty="0"/>
-              <a:t>협업환경 </a:t>
+              <a:t>한 개의 </a:t>
+            </a:r>
+            <a:r>
+              <a:rPr lang="ko-KR" altLang="en-US" dirty="0" err="1"/>
+              <a:t>브랜치에</a:t>
+            </a:r>
+            <a:r>
+              <a:rPr lang="ko-KR" altLang="en-US" dirty="0"/>
+              <a:t> 두개의 </a:t>
             </a:r>
             <a:r>
               <a:rPr lang="en-US" altLang="ko-KR" dirty="0"/>
-              <a:t>(</a:t>
+              <a:t>commit</a:t>
             </a:r>
             <a:r>
               <a:rPr lang="ko-KR" altLang="en-US" dirty="0"/>
-              <a:t>참고 </a:t>
+              <a:t>을 했기 때문에 두개로 표시됨</a:t>
             </a:r>
             <a:r>
               <a:rPr lang="en-US" altLang="ko-KR" dirty="0"/>
-              <a:t>: project </a:t>
-            </a:r>
-            <a:r>
-              <a:rPr lang="ko-KR" altLang="en-US" dirty="0"/>
-              <a:t>등록은 복잡</a:t>
-            </a:r>
-            <a:r>
-              <a:rPr lang="en-US" altLang="ko-KR" dirty="0"/>
-              <a:t>)</a:t>
-            </a:r>
-          </a:p>
-          <a:p>
-            <a:pPr lvl="1"/>
-            <a:r>
-              <a:rPr lang="ko-KR" altLang="en-US" dirty="0">
-                <a:latin typeface="+mn-ea"/>
-              </a:rPr>
-              <a:t>참여를 원하는 인원의 </a:t>
-            </a:r>
-            <a:r>
-              <a:rPr lang="en-US" altLang="ko-KR" dirty="0">
-                <a:latin typeface="+mn-ea"/>
-              </a:rPr>
-              <a:t>username </a:t>
-            </a:r>
-            <a:r>
-              <a:rPr lang="ko-KR" altLang="en-US" dirty="0">
-                <a:latin typeface="+mn-ea"/>
-              </a:rPr>
-              <a:t>혹은 이메일 등 한가지 </a:t>
-            </a:r>
-            <a:r>
-              <a:rPr lang="ko-KR" altLang="en-US" dirty="0" err="1">
-                <a:latin typeface="+mn-ea"/>
-              </a:rPr>
-              <a:t>입력후</a:t>
-            </a:r>
-            <a:r>
-              <a:rPr lang="ko-KR" altLang="en-US" dirty="0">
-                <a:latin typeface="+mn-ea"/>
-              </a:rPr>
-              <a:t> 클릭</a:t>
-            </a:r>
-            <a:endParaRPr lang="en-US" altLang="ko-KR" dirty="0">
-              <a:latin typeface="+mn-ea"/>
+              <a:t>.</a:t>
+            </a:r>
+            <a:endParaRPr lang="ko-KR" altLang="en-US" dirty="0">
+              <a:solidFill>
+                <a:srgbClr val="FF0000"/>
+              </a:solidFill>
             </a:endParaRPr>
-          </a:p>
-        </p:txBody>
-      </p:sp>
-      <p:sp>
-        <p:nvSpPr>
-          <p:cNvPr id="6" name="직사각형 5">
-            <a:extLst>
-              <a:ext uri="{FF2B5EF4-FFF2-40B4-BE49-F238E27FC236}">
-                <a16:creationId xmlns:a16="http://schemas.microsoft.com/office/drawing/2014/main" id="{8B406F40-E317-42B9-A5FC-3A5D3B871C26}"/>
-              </a:ext>
-            </a:extLst>
-          </p:cNvPr>
-          <p:cNvSpPr/>
-          <p:nvPr/>
-        </p:nvSpPr>
-        <p:spPr>
-          <a:xfrm>
-            <a:off x="1788056" y="2296202"/>
-            <a:ext cx="1329624" cy="321365"/>
-          </a:xfrm>
-          <a:prstGeom prst="rect">
-            <a:avLst/>
-          </a:prstGeom>
-          <a:noFill/>
-          <a:ln w="38100">
-            <a:solidFill>
-              <a:srgbClr val="FF0000"/>
-            </a:solidFill>
-          </a:ln>
-        </p:spPr>
-        <p:style>
-          <a:lnRef idx="2">
-            <a:schemeClr val="accent1">
-              <a:shade val="50000"/>
-            </a:schemeClr>
-          </a:lnRef>
-          <a:fillRef idx="1">
-            <a:schemeClr val="accent1"/>
-          </a:fillRef>
-          <a:effectRef idx="0">
-            <a:schemeClr val="accent1"/>
-          </a:effectRef>
-          <a:fontRef idx="minor">
-            <a:schemeClr val="lt1"/>
-          </a:fontRef>
-        </p:style>
-        <p:txBody>
-          <a:bodyPr rtlCol="0" anchor="ctr"/>
-          <a:lstStyle/>
-          <a:p>
-            <a:pPr algn="ctr"/>
-            <a:endParaRPr lang="ko-KR" altLang="en-US"/>
           </a:p>
         </p:txBody>
       </p:sp>
     </p:spTree>
     <p:extLst>
       <p:ext uri="{BB962C8B-B14F-4D97-AF65-F5344CB8AC3E}">
-        <p14:creationId xmlns:p14="http://schemas.microsoft.com/office/powerpoint/2010/main" val="1915722423"/>
-      </p:ext>
-    </p:extLst>
-  </p:cSld>
-  <p:clrMapOvr>
-    <a:masterClrMapping/>
-  </p:clrMapOvr>
-</p:sld>
-</file>
-
-<file path=ppt/slides/slide35.xml><?xml version="1.0" encoding="utf-8"?>
-<p:sld xmlns:a="http://schemas.openxmlformats.org/drawingml/2006/main" xmlns:r="http://schemas.openxmlformats.org/officeDocument/2006/relationships" xmlns:p="http://schemas.openxmlformats.org/presentationml/2006/main">
-  <p:cSld>
-    <p:spTree>
-      <p:nvGrpSpPr>
-        <p:cNvPr id="1" name=""/>
-        <p:cNvGrpSpPr/>
-        <p:nvPr/>
-      </p:nvGrpSpPr>
-      <p:grpSpPr>
-        <a:xfrm>
-          <a:off x="0" y="0"/>
-          <a:ext cx="0" cy="0"/>
-          <a:chOff x="0" y="0"/>
-          <a:chExt cx="0" cy="0"/>
-        </a:xfrm>
-      </p:grpSpPr>
-      <p:sp>
-        <p:nvSpPr>
-          <p:cNvPr id="4" name="제목 3">
-            <a:extLst>
-              <a:ext uri="{FF2B5EF4-FFF2-40B4-BE49-F238E27FC236}">
-                <a16:creationId xmlns:a16="http://schemas.microsoft.com/office/drawing/2014/main" id="{F0CEB32B-CB43-4410-BA08-A97E4BC47FCB}"/>
-              </a:ext>
-            </a:extLst>
-          </p:cNvPr>
-          <p:cNvSpPr>
-            <a:spLocks noGrp="1"/>
-          </p:cNvSpPr>
-          <p:nvPr>
-            <p:ph type="title"/>
-          </p:nvPr>
-        </p:nvSpPr>
-        <p:spPr/>
-        <p:txBody>
-          <a:bodyPr/>
-          <a:lstStyle/>
-          <a:p>
-            <a:r>
-              <a:rPr lang="ko-KR" altLang="en-US" dirty="0"/>
-              <a:t>협업하기</a:t>
-            </a:r>
-          </a:p>
-        </p:txBody>
-      </p:sp>
-      <p:sp>
-        <p:nvSpPr>
-          <p:cNvPr id="7" name="내용 개체 틀 2">
-            <a:extLst>
-              <a:ext uri="{FF2B5EF4-FFF2-40B4-BE49-F238E27FC236}">
-                <a16:creationId xmlns:a16="http://schemas.microsoft.com/office/drawing/2014/main" id="{A44AC902-3746-40D6-9827-94B46EEDDC67}"/>
-              </a:ext>
-            </a:extLst>
-          </p:cNvPr>
-          <p:cNvSpPr txBox="1">
-            <a:spLocks/>
-          </p:cNvSpPr>
-          <p:nvPr/>
-        </p:nvSpPr>
-        <p:spPr>
-          <a:xfrm>
-            <a:off x="341787" y="1120545"/>
-            <a:ext cx="8642350" cy="2351314"/>
-          </a:xfrm>
-          <a:prstGeom prst="rect">
-            <a:avLst/>
-          </a:prstGeom>
-        </p:spPr>
-        <p:txBody>
-          <a:bodyPr vert="horz" lIns="91440" tIns="45720" rIns="91440" bIns="45720" rtlCol="0">
-            <a:noAutofit/>
-          </a:bodyPr>
-          <a:lstStyle>
-            <a:lvl1pPr marL="266700" indent="-266700" defTabSz="914400" latinLnBrk="1">
-              <a:lnSpc>
-                <a:spcPct val="150000"/>
-              </a:lnSpc>
-              <a:spcBef>
-                <a:spcPct val="0"/>
-              </a:spcBef>
-              <a:buClr>
-                <a:schemeClr val="tx1">
-                  <a:lumMod val="65000"/>
-                  <a:lumOff val="35000"/>
-                </a:schemeClr>
-              </a:buClr>
-              <a:buFont typeface="Wingdings" pitchFamily="2" charset="2"/>
-              <a:buChar char="n"/>
-              <a:defRPr sz="2000" b="1">
-                <a:latin typeface="+mn-ea"/>
-              </a:defRPr>
-            </a:lvl1pPr>
-            <a:lvl2pPr marL="447675" lvl="1" indent="-180975" defTabSz="914400" latinLnBrk="1">
-              <a:lnSpc>
-                <a:spcPct val="150000"/>
-              </a:lnSpc>
-              <a:spcBef>
-                <a:spcPts val="0"/>
-              </a:spcBef>
-              <a:spcAft>
-                <a:spcPts val="0"/>
-              </a:spcAft>
-              <a:buClr>
-                <a:schemeClr val="tx1">
-                  <a:lumMod val="50000"/>
-                  <a:lumOff val="50000"/>
-                </a:schemeClr>
-              </a:buClr>
-              <a:buFont typeface="Wingdings" pitchFamily="2" charset="2"/>
-              <a:buChar char="§"/>
-              <a:defRPr sz="1600"/>
-            </a:lvl2pPr>
-            <a:lvl3pPr marL="628650" indent="-180975" defTabSz="914400" latinLnBrk="1">
-              <a:lnSpc>
-                <a:spcPct val="150000"/>
-              </a:lnSpc>
-              <a:spcBef>
-                <a:spcPts val="500"/>
-              </a:spcBef>
-              <a:spcAft>
-                <a:spcPts val="300"/>
-              </a:spcAft>
-              <a:buClr>
-                <a:schemeClr val="tx1">
-                  <a:lumMod val="65000"/>
-                  <a:lumOff val="35000"/>
-                </a:schemeClr>
-              </a:buClr>
-              <a:buFont typeface="Arial" panose="020B0604020202020204" pitchFamily="34" charset="0"/>
-              <a:buChar char="•"/>
-              <a:defRPr sz="1400"/>
-            </a:lvl3pPr>
-            <a:lvl4pPr marL="809625" indent="-180975" defTabSz="914400" latinLnBrk="1">
-              <a:lnSpc>
-                <a:spcPct val="150000"/>
-              </a:lnSpc>
-              <a:spcBef>
-                <a:spcPts val="500"/>
-              </a:spcBef>
-              <a:spcAft>
-                <a:spcPts val="300"/>
-              </a:spcAft>
-              <a:buClr>
-                <a:schemeClr val="tx1">
-                  <a:lumMod val="65000"/>
-                  <a:lumOff val="35000"/>
-                </a:schemeClr>
-              </a:buClr>
-              <a:buSzPct val="96000"/>
-              <a:buFont typeface="Arial" panose="020B0604020202020204" pitchFamily="34" charset="0"/>
-              <a:buChar char="•"/>
-              <a:defRPr sz="1200"/>
-            </a:lvl4pPr>
-            <a:lvl5pPr marL="990600" indent="-180975" defTabSz="914400" latinLnBrk="1">
-              <a:lnSpc>
-                <a:spcPct val="150000"/>
-              </a:lnSpc>
-              <a:spcBef>
-                <a:spcPts val="500"/>
-              </a:spcBef>
-              <a:buClr>
-                <a:schemeClr val="tx1">
-                  <a:lumMod val="65000"/>
-                  <a:lumOff val="35000"/>
-                </a:schemeClr>
-              </a:buClr>
-              <a:buFont typeface="Arial" panose="020B0604020202020204" pitchFamily="34" charset="0"/>
-              <a:buChar char="•"/>
-              <a:defRPr sz="1000"/>
-            </a:lvl5pPr>
-            <a:lvl6pPr marL="2514600" indent="-228600" defTabSz="914400" latinLnBrk="1">
-              <a:lnSpc>
-                <a:spcPct val="90000"/>
-              </a:lnSpc>
-              <a:spcBef>
-                <a:spcPts val="500"/>
-              </a:spcBef>
-              <a:buFont typeface="Arial" panose="020B0604020202020204" pitchFamily="34" charset="0"/>
-              <a:buChar char="•"/>
-            </a:lvl6pPr>
-            <a:lvl7pPr marL="2971800" indent="-228600" defTabSz="914400" latinLnBrk="1">
-              <a:lnSpc>
-                <a:spcPct val="90000"/>
-              </a:lnSpc>
-              <a:spcBef>
-                <a:spcPts val="500"/>
-              </a:spcBef>
-              <a:buFont typeface="Arial" panose="020B0604020202020204" pitchFamily="34" charset="0"/>
-              <a:buChar char="•"/>
-            </a:lvl7pPr>
-            <a:lvl8pPr marL="3429000" indent="-228600" defTabSz="914400" latinLnBrk="1">
-              <a:lnSpc>
-                <a:spcPct val="90000"/>
-              </a:lnSpc>
-              <a:spcBef>
-                <a:spcPts val="500"/>
-              </a:spcBef>
-              <a:buFont typeface="Arial" panose="020B0604020202020204" pitchFamily="34" charset="0"/>
-              <a:buChar char="•"/>
-            </a:lvl8pPr>
-            <a:lvl9pPr marL="3886200" indent="-228600" defTabSz="914400" latinLnBrk="1">
-              <a:lnSpc>
-                <a:spcPct val="90000"/>
-              </a:lnSpc>
-              <a:spcBef>
-                <a:spcPts val="500"/>
-              </a:spcBef>
-              <a:buFont typeface="Arial" panose="020B0604020202020204" pitchFamily="34" charset="0"/>
-              <a:buChar char="•"/>
-            </a:lvl9pPr>
-          </a:lstStyle>
-          <a:p>
-            <a:r>
-              <a:rPr lang="ko-KR" altLang="en-US" dirty="0"/>
-              <a:t>협업환경 </a:t>
-            </a:r>
-            <a:r>
-              <a:rPr lang="en-US" altLang="ko-KR" dirty="0"/>
-              <a:t>(</a:t>
-            </a:r>
-            <a:r>
-              <a:rPr lang="ko-KR" altLang="en-US" dirty="0"/>
-              <a:t>참고 </a:t>
-            </a:r>
-            <a:r>
-              <a:rPr lang="en-US" altLang="ko-KR" dirty="0"/>
-              <a:t>: project </a:t>
-            </a:r>
-            <a:r>
-              <a:rPr lang="ko-KR" altLang="en-US" dirty="0"/>
-              <a:t>등록은 복잡</a:t>
-            </a:r>
-            <a:r>
-              <a:rPr lang="en-US" altLang="ko-KR" dirty="0"/>
-              <a:t>)</a:t>
-            </a:r>
-          </a:p>
-          <a:p>
-            <a:pPr lvl="1"/>
-            <a:r>
-              <a:rPr lang="ko-KR" altLang="en-US" dirty="0">
-                <a:latin typeface="+mn-ea"/>
-              </a:rPr>
-              <a:t>참여를 원하는 인원의 </a:t>
-            </a:r>
-            <a:r>
-              <a:rPr lang="en-US" altLang="ko-KR" dirty="0">
-                <a:latin typeface="+mn-ea"/>
-              </a:rPr>
-              <a:t>username </a:t>
-            </a:r>
-            <a:r>
-              <a:rPr lang="ko-KR" altLang="en-US" dirty="0">
-                <a:latin typeface="+mn-ea"/>
-              </a:rPr>
-              <a:t>혹은 이메일 등 한가지 </a:t>
-            </a:r>
-            <a:r>
-              <a:rPr lang="ko-KR" altLang="en-US" dirty="0" err="1">
-                <a:latin typeface="+mn-ea"/>
-              </a:rPr>
-              <a:t>입력후</a:t>
-            </a:r>
-            <a:r>
-              <a:rPr lang="ko-KR" altLang="en-US" dirty="0">
-                <a:latin typeface="+mn-ea"/>
-              </a:rPr>
-              <a:t> 클릭</a:t>
-            </a:r>
-            <a:endParaRPr lang="en-US" altLang="ko-KR" dirty="0">
-              <a:latin typeface="+mn-ea"/>
-            </a:endParaRPr>
-          </a:p>
-        </p:txBody>
-      </p:sp>
-      <p:pic>
-        <p:nvPicPr>
-          <p:cNvPr id="6" name="그림 5">
-            <a:extLst>
-              <a:ext uri="{FF2B5EF4-FFF2-40B4-BE49-F238E27FC236}">
-                <a16:creationId xmlns:a16="http://schemas.microsoft.com/office/drawing/2014/main" id="{6F75B120-B902-41B8-87A2-9D9AAA612560}"/>
-              </a:ext>
-            </a:extLst>
-          </p:cNvPr>
-          <p:cNvPicPr>
-            <a:picLocks noChangeAspect="1"/>
-          </p:cNvPicPr>
-          <p:nvPr/>
-        </p:nvPicPr>
-        <p:blipFill>
-          <a:blip r:embed="rId3"/>
-          <a:stretch>
-            <a:fillRect/>
-          </a:stretch>
-        </p:blipFill>
-        <p:spPr>
-          <a:xfrm>
-            <a:off x="883577" y="2019504"/>
-            <a:ext cx="7863247" cy="3847039"/>
-          </a:xfrm>
-          <a:prstGeom prst="rect">
-            <a:avLst/>
-          </a:prstGeom>
-        </p:spPr>
-      </p:pic>
-    </p:spTree>
-    <p:extLst>
-      <p:ext uri="{BB962C8B-B14F-4D97-AF65-F5344CB8AC3E}">
-        <p14:creationId xmlns:p14="http://schemas.microsoft.com/office/powerpoint/2010/main" val="814099740"/>
-      </p:ext>
-    </p:extLst>
-  </p:cSld>
-  <p:clrMapOvr>
-    <a:masterClrMapping/>
-  </p:clrMapOvr>
-</p:sld>
-</file>
-
-<file path=ppt/slides/slide36.xml><?xml version="1.0" encoding="utf-8"?>
-<p:sld xmlns:a="http://schemas.openxmlformats.org/drawingml/2006/main" xmlns:r="http://schemas.openxmlformats.org/officeDocument/2006/relationships" xmlns:p="http://schemas.openxmlformats.org/presentationml/2006/main">
-  <p:cSld>
-    <p:spTree>
-      <p:nvGrpSpPr>
-        <p:cNvPr id="1" name=""/>
-        <p:cNvGrpSpPr/>
-        <p:nvPr/>
-      </p:nvGrpSpPr>
-      <p:grpSpPr>
-        <a:xfrm>
-          <a:off x="0" y="0"/>
-          <a:ext cx="0" cy="0"/>
-          <a:chOff x="0" y="0"/>
-          <a:chExt cx="0" cy="0"/>
-        </a:xfrm>
-      </p:grpSpPr>
-      <p:sp>
-        <p:nvSpPr>
-          <p:cNvPr id="5" name="슬라이드 번호 개체 틀 4">
-            <a:extLst>
-              <a:ext uri="{FF2B5EF4-FFF2-40B4-BE49-F238E27FC236}">
-                <a16:creationId xmlns:a16="http://schemas.microsoft.com/office/drawing/2014/main" id="{F173C1D3-216A-403A-A8C8-A8FF24D1DB4D}"/>
-              </a:ext>
-            </a:extLst>
-          </p:cNvPr>
-          <p:cNvSpPr>
-            <a:spLocks noGrp="1"/>
-          </p:cNvSpPr>
-          <p:nvPr>
-            <p:ph type="sldNum" sz="quarter" idx="12"/>
-          </p:nvPr>
-        </p:nvSpPr>
-        <p:spPr>
-          <a:xfrm>
-            <a:off x="6457950" y="6356351"/>
-            <a:ext cx="2057400" cy="365125"/>
-          </a:xfrm>
-          <a:prstGeom prst="rect">
-            <a:avLst/>
-          </a:prstGeom>
-        </p:spPr>
-        <p:txBody>
-          <a:bodyPr vert="horz" lIns="91440" tIns="45720" rIns="91440" bIns="45720" rtlCol="0" anchor="ctr"/>
-          <a:lstStyle>
-            <a:defPPr>
-              <a:defRPr lang="en-US"/>
-            </a:defPPr>
-            <a:lvl1pPr marL="0" algn="r" defTabSz="457200" rtl="0" eaLnBrk="1" latinLnBrk="0" hangingPunct="1">
-              <a:defRPr sz="1200" kern="1200">
-                <a:solidFill>
-                  <a:schemeClr val="bg1">
-                    <a:lumMod val="75000"/>
-                  </a:schemeClr>
-                </a:solidFill>
-                <a:latin typeface="+mn-lt"/>
-                <a:ea typeface="+mn-ea"/>
-                <a:cs typeface="+mn-cs"/>
-              </a:defRPr>
-            </a:lvl1pPr>
-            <a:lvl2pPr marL="457200" algn="l" defTabSz="457200" rtl="0" eaLnBrk="1" latinLnBrk="0" hangingPunct="1">
-              <a:defRPr sz="1800" kern="1200">
-                <a:solidFill>
-                  <a:schemeClr val="tx1"/>
-                </a:solidFill>
-                <a:latin typeface="+mn-lt"/>
-                <a:ea typeface="+mn-ea"/>
-                <a:cs typeface="+mn-cs"/>
-              </a:defRPr>
-            </a:lvl2pPr>
-            <a:lvl3pPr marL="914400" algn="l" defTabSz="457200" rtl="0" eaLnBrk="1" latinLnBrk="0" hangingPunct="1">
-              <a:defRPr sz="1800" kern="1200">
-                <a:solidFill>
-                  <a:schemeClr val="tx1"/>
-                </a:solidFill>
-                <a:latin typeface="+mn-lt"/>
-                <a:ea typeface="+mn-ea"/>
-                <a:cs typeface="+mn-cs"/>
-              </a:defRPr>
-            </a:lvl3pPr>
-            <a:lvl4pPr marL="1371600" algn="l" defTabSz="457200" rtl="0" eaLnBrk="1" latinLnBrk="0" hangingPunct="1">
-              <a:defRPr sz="1800" kern="1200">
-                <a:solidFill>
-                  <a:schemeClr val="tx1"/>
-                </a:solidFill>
-                <a:latin typeface="+mn-lt"/>
-                <a:ea typeface="+mn-ea"/>
-                <a:cs typeface="+mn-cs"/>
-              </a:defRPr>
-            </a:lvl4pPr>
-            <a:lvl5pPr marL="1828800" algn="l" defTabSz="457200" rtl="0" eaLnBrk="1" latinLnBrk="0" hangingPunct="1">
-              <a:defRPr sz="1800" kern="1200">
-                <a:solidFill>
-                  <a:schemeClr val="tx1"/>
-                </a:solidFill>
-                <a:latin typeface="+mn-lt"/>
-                <a:ea typeface="+mn-ea"/>
-                <a:cs typeface="+mn-cs"/>
-              </a:defRPr>
-            </a:lvl5pPr>
-            <a:lvl6pPr marL="2286000" algn="l" defTabSz="457200" rtl="0" eaLnBrk="1" latinLnBrk="0" hangingPunct="1">
-              <a:defRPr sz="1800" kern="1200">
-                <a:solidFill>
-                  <a:schemeClr val="tx1"/>
-                </a:solidFill>
-                <a:latin typeface="+mn-lt"/>
-                <a:ea typeface="+mn-ea"/>
-                <a:cs typeface="+mn-cs"/>
-              </a:defRPr>
-            </a:lvl6pPr>
-            <a:lvl7pPr marL="2743200" algn="l" defTabSz="457200" rtl="0" eaLnBrk="1" latinLnBrk="0" hangingPunct="1">
-              <a:defRPr sz="1800" kern="1200">
-                <a:solidFill>
-                  <a:schemeClr val="tx1"/>
-                </a:solidFill>
-                <a:latin typeface="+mn-lt"/>
-                <a:ea typeface="+mn-ea"/>
-                <a:cs typeface="+mn-cs"/>
-              </a:defRPr>
-            </a:lvl7pPr>
-            <a:lvl8pPr marL="3200400" algn="l" defTabSz="457200" rtl="0" eaLnBrk="1" latinLnBrk="0" hangingPunct="1">
-              <a:defRPr sz="1800" kern="1200">
-                <a:solidFill>
-                  <a:schemeClr val="tx1"/>
-                </a:solidFill>
-                <a:latin typeface="+mn-lt"/>
-                <a:ea typeface="+mn-ea"/>
-                <a:cs typeface="+mn-cs"/>
-              </a:defRPr>
-            </a:lvl8pPr>
-            <a:lvl9pPr marL="3657600" algn="l" defTabSz="457200" rtl="0" eaLnBrk="1" latinLnBrk="0" hangingPunct="1">
-              <a:defRPr sz="1800" kern="1200">
-                <a:solidFill>
-                  <a:schemeClr val="tx1"/>
-                </a:solidFill>
-                <a:latin typeface="+mn-lt"/>
-                <a:ea typeface="+mn-ea"/>
-                <a:cs typeface="+mn-cs"/>
-              </a:defRPr>
-            </a:lvl9pPr>
-          </a:lstStyle>
-          <a:p>
-            <a:fld id="{526ADF51-C4A2-4521-899C-87F34FDB9C0A}" type="slidenum">
-              <a:rPr lang="ko-KR" altLang="en-US" smtClean="0"/>
-              <a:pPr/>
-              <a:t>36</a:t>
-            </a:fld>
-            <a:endParaRPr lang="ko-KR" altLang="en-US" dirty="0"/>
-          </a:p>
-        </p:txBody>
-      </p:sp>
-      <p:pic>
-        <p:nvPicPr>
-          <p:cNvPr id="8" name="그림 7">
-            <a:extLst>
-              <a:ext uri="{FF2B5EF4-FFF2-40B4-BE49-F238E27FC236}">
-                <a16:creationId xmlns:a16="http://schemas.microsoft.com/office/drawing/2014/main" id="{72AF3F4D-4481-45F8-BE2F-012C295856F2}"/>
-              </a:ext>
-            </a:extLst>
-          </p:cNvPr>
-          <p:cNvPicPr>
-            <a:picLocks noChangeAspect="1"/>
-          </p:cNvPicPr>
-          <p:nvPr/>
-        </p:nvPicPr>
-        <p:blipFill>
-          <a:blip r:embed="rId2"/>
-          <a:stretch>
-            <a:fillRect/>
-          </a:stretch>
-        </p:blipFill>
-        <p:spPr>
-          <a:xfrm>
-            <a:off x="0" y="1042932"/>
-            <a:ext cx="9144000" cy="4751588"/>
-          </a:xfrm>
-          <a:prstGeom prst="rect">
-            <a:avLst/>
-          </a:prstGeom>
-        </p:spPr>
-      </p:pic>
-      <p:sp>
-        <p:nvSpPr>
-          <p:cNvPr id="9" name="TextBox 8">
-            <a:extLst>
-              <a:ext uri="{FF2B5EF4-FFF2-40B4-BE49-F238E27FC236}">
-                <a16:creationId xmlns:a16="http://schemas.microsoft.com/office/drawing/2014/main" id="{5DA02F52-7618-40A7-A957-FDDB959F849F}"/>
-              </a:ext>
-            </a:extLst>
-          </p:cNvPr>
-          <p:cNvSpPr txBox="1"/>
-          <p:nvPr/>
-        </p:nvSpPr>
-        <p:spPr>
-          <a:xfrm>
-            <a:off x="5886686" y="5991138"/>
-            <a:ext cx="3220753" cy="261610"/>
-          </a:xfrm>
-          <a:prstGeom prst="rect">
-            <a:avLst/>
-          </a:prstGeom>
-          <a:noFill/>
-        </p:spPr>
-        <p:txBody>
-          <a:bodyPr wrap="none" rtlCol="0">
-            <a:spAutoFit/>
-          </a:bodyPr>
-          <a:lstStyle/>
-          <a:p>
-            <a:r>
-              <a:rPr lang="en-US" altLang="ko-KR" sz="1100" dirty="0"/>
-              <a:t>ETRI </a:t>
-            </a:r>
-            <a:r>
-              <a:rPr lang="ko-KR" altLang="en-US" sz="1100" dirty="0" err="1"/>
-              <a:t>오픈소스전문위원</a:t>
-            </a:r>
-            <a:r>
-              <a:rPr lang="ko-KR" altLang="en-US" sz="1100" dirty="0"/>
-              <a:t> 특강자료</a:t>
-            </a:r>
-            <a:r>
-              <a:rPr lang="en-US" altLang="ko-KR" sz="1100" dirty="0"/>
-              <a:t> </a:t>
-            </a:r>
-            <a:r>
-              <a:rPr lang="ko-KR" altLang="en-US" sz="1100" dirty="0"/>
-              <a:t>발췌</a:t>
-            </a:r>
-            <a:r>
-              <a:rPr lang="en-US" altLang="ko-KR" sz="1100" dirty="0"/>
-              <a:t>. 2020.11.03</a:t>
-            </a:r>
-            <a:endParaRPr lang="ko-KR" altLang="en-US" sz="1100" dirty="0"/>
-          </a:p>
-        </p:txBody>
-      </p:sp>
-    </p:spTree>
-    <p:extLst>
-      <p:ext uri="{BB962C8B-B14F-4D97-AF65-F5344CB8AC3E}">
-        <p14:creationId xmlns:p14="http://schemas.microsoft.com/office/powerpoint/2010/main" val="1963916080"/>
-      </p:ext>
-    </p:extLst>
-  </p:cSld>
-  <p:clrMapOvr>
-    <a:masterClrMapping/>
-  </p:clrMapOvr>
-</p:sld>
-</file>
-
-<file path=ppt/slides/slide37.xml><?xml version="1.0" encoding="utf-8"?>
-<p:sld xmlns:a="http://schemas.openxmlformats.org/drawingml/2006/main" xmlns:r="http://schemas.openxmlformats.org/officeDocument/2006/relationships" xmlns:p="http://schemas.openxmlformats.org/presentationml/2006/main">
-  <p:cSld>
-    <p:spTree>
-      <p:nvGrpSpPr>
-        <p:cNvPr id="1" name=""/>
-        <p:cNvGrpSpPr/>
-        <p:nvPr/>
-      </p:nvGrpSpPr>
-      <p:grpSpPr>
-        <a:xfrm>
-          <a:off x="0" y="0"/>
-          <a:ext cx="0" cy="0"/>
-          <a:chOff x="0" y="0"/>
-          <a:chExt cx="0" cy="0"/>
-        </a:xfrm>
-      </p:grpSpPr>
-      <p:sp>
-        <p:nvSpPr>
-          <p:cNvPr id="5" name="슬라이드 번호 개체 틀 4">
-            <a:extLst>
-              <a:ext uri="{FF2B5EF4-FFF2-40B4-BE49-F238E27FC236}">
-                <a16:creationId xmlns:a16="http://schemas.microsoft.com/office/drawing/2014/main" id="{F173C1D3-216A-403A-A8C8-A8FF24D1DB4D}"/>
-              </a:ext>
-            </a:extLst>
-          </p:cNvPr>
-          <p:cNvSpPr>
-            <a:spLocks noGrp="1"/>
-          </p:cNvSpPr>
-          <p:nvPr>
-            <p:ph type="sldNum" sz="quarter" idx="12"/>
-          </p:nvPr>
-        </p:nvSpPr>
-        <p:spPr>
-          <a:xfrm>
-            <a:off x="6457950" y="6356351"/>
-            <a:ext cx="2057400" cy="365125"/>
-          </a:xfrm>
-          <a:prstGeom prst="rect">
-            <a:avLst/>
-          </a:prstGeom>
-        </p:spPr>
-        <p:txBody>
-          <a:bodyPr vert="horz" lIns="91440" tIns="45720" rIns="91440" bIns="45720" rtlCol="0" anchor="ctr"/>
-          <a:lstStyle>
-            <a:defPPr>
-              <a:defRPr lang="en-US"/>
-            </a:defPPr>
-            <a:lvl1pPr marL="0" algn="r" defTabSz="457200" rtl="0" eaLnBrk="1" latinLnBrk="0" hangingPunct="1">
-              <a:defRPr sz="1200" kern="1200">
-                <a:solidFill>
-                  <a:schemeClr val="bg1">
-                    <a:lumMod val="75000"/>
-                  </a:schemeClr>
-                </a:solidFill>
-                <a:latin typeface="+mn-lt"/>
-                <a:ea typeface="+mn-ea"/>
-                <a:cs typeface="+mn-cs"/>
-              </a:defRPr>
-            </a:lvl1pPr>
-            <a:lvl2pPr marL="457200" algn="l" defTabSz="457200" rtl="0" eaLnBrk="1" latinLnBrk="0" hangingPunct="1">
-              <a:defRPr sz="1800" kern="1200">
-                <a:solidFill>
-                  <a:schemeClr val="tx1"/>
-                </a:solidFill>
-                <a:latin typeface="+mn-lt"/>
-                <a:ea typeface="+mn-ea"/>
-                <a:cs typeface="+mn-cs"/>
-              </a:defRPr>
-            </a:lvl2pPr>
-            <a:lvl3pPr marL="914400" algn="l" defTabSz="457200" rtl="0" eaLnBrk="1" latinLnBrk="0" hangingPunct="1">
-              <a:defRPr sz="1800" kern="1200">
-                <a:solidFill>
-                  <a:schemeClr val="tx1"/>
-                </a:solidFill>
-                <a:latin typeface="+mn-lt"/>
-                <a:ea typeface="+mn-ea"/>
-                <a:cs typeface="+mn-cs"/>
-              </a:defRPr>
-            </a:lvl3pPr>
-            <a:lvl4pPr marL="1371600" algn="l" defTabSz="457200" rtl="0" eaLnBrk="1" latinLnBrk="0" hangingPunct="1">
-              <a:defRPr sz="1800" kern="1200">
-                <a:solidFill>
-                  <a:schemeClr val="tx1"/>
-                </a:solidFill>
-                <a:latin typeface="+mn-lt"/>
-                <a:ea typeface="+mn-ea"/>
-                <a:cs typeface="+mn-cs"/>
-              </a:defRPr>
-            </a:lvl4pPr>
-            <a:lvl5pPr marL="1828800" algn="l" defTabSz="457200" rtl="0" eaLnBrk="1" latinLnBrk="0" hangingPunct="1">
-              <a:defRPr sz="1800" kern="1200">
-                <a:solidFill>
-                  <a:schemeClr val="tx1"/>
-                </a:solidFill>
-                <a:latin typeface="+mn-lt"/>
-                <a:ea typeface="+mn-ea"/>
-                <a:cs typeface="+mn-cs"/>
-              </a:defRPr>
-            </a:lvl5pPr>
-            <a:lvl6pPr marL="2286000" algn="l" defTabSz="457200" rtl="0" eaLnBrk="1" latinLnBrk="0" hangingPunct="1">
-              <a:defRPr sz="1800" kern="1200">
-                <a:solidFill>
-                  <a:schemeClr val="tx1"/>
-                </a:solidFill>
-                <a:latin typeface="+mn-lt"/>
-                <a:ea typeface="+mn-ea"/>
-                <a:cs typeface="+mn-cs"/>
-              </a:defRPr>
-            </a:lvl6pPr>
-            <a:lvl7pPr marL="2743200" algn="l" defTabSz="457200" rtl="0" eaLnBrk="1" latinLnBrk="0" hangingPunct="1">
-              <a:defRPr sz="1800" kern="1200">
-                <a:solidFill>
-                  <a:schemeClr val="tx1"/>
-                </a:solidFill>
-                <a:latin typeface="+mn-lt"/>
-                <a:ea typeface="+mn-ea"/>
-                <a:cs typeface="+mn-cs"/>
-              </a:defRPr>
-            </a:lvl7pPr>
-            <a:lvl8pPr marL="3200400" algn="l" defTabSz="457200" rtl="0" eaLnBrk="1" latinLnBrk="0" hangingPunct="1">
-              <a:defRPr sz="1800" kern="1200">
-                <a:solidFill>
-                  <a:schemeClr val="tx1"/>
-                </a:solidFill>
-                <a:latin typeface="+mn-lt"/>
-                <a:ea typeface="+mn-ea"/>
-                <a:cs typeface="+mn-cs"/>
-              </a:defRPr>
-            </a:lvl8pPr>
-            <a:lvl9pPr marL="3657600" algn="l" defTabSz="457200" rtl="0" eaLnBrk="1" latinLnBrk="0" hangingPunct="1">
-              <a:defRPr sz="1800" kern="1200">
-                <a:solidFill>
-                  <a:schemeClr val="tx1"/>
-                </a:solidFill>
-                <a:latin typeface="+mn-lt"/>
-                <a:ea typeface="+mn-ea"/>
-                <a:cs typeface="+mn-cs"/>
-              </a:defRPr>
-            </a:lvl9pPr>
-          </a:lstStyle>
-          <a:p>
-            <a:fld id="{526ADF51-C4A2-4521-899C-87F34FDB9C0A}" type="slidenum">
-              <a:rPr lang="ko-KR" altLang="en-US" smtClean="0"/>
-              <a:pPr/>
-              <a:t>37</a:t>
-            </a:fld>
-            <a:endParaRPr lang="ko-KR" altLang="en-US" dirty="0"/>
-          </a:p>
-        </p:txBody>
-      </p:sp>
-      <p:pic>
-        <p:nvPicPr>
-          <p:cNvPr id="3" name="그림 2">
-            <a:extLst>
-              <a:ext uri="{FF2B5EF4-FFF2-40B4-BE49-F238E27FC236}">
-                <a16:creationId xmlns:a16="http://schemas.microsoft.com/office/drawing/2014/main" id="{C48AED3C-C908-4B19-A858-55CB43AF6882}"/>
-              </a:ext>
-            </a:extLst>
-          </p:cNvPr>
-          <p:cNvPicPr>
-            <a:picLocks noChangeAspect="1"/>
-          </p:cNvPicPr>
-          <p:nvPr/>
-        </p:nvPicPr>
-        <p:blipFill>
-          <a:blip r:embed="rId2"/>
-          <a:stretch>
-            <a:fillRect/>
-          </a:stretch>
-        </p:blipFill>
-        <p:spPr>
-          <a:xfrm>
-            <a:off x="0" y="1037268"/>
-            <a:ext cx="9144000" cy="4783464"/>
-          </a:xfrm>
-          <a:prstGeom prst="rect">
-            <a:avLst/>
-          </a:prstGeom>
-        </p:spPr>
-      </p:pic>
-      <p:sp>
-        <p:nvSpPr>
-          <p:cNvPr id="4" name="TextBox 3">
-            <a:extLst>
-              <a:ext uri="{FF2B5EF4-FFF2-40B4-BE49-F238E27FC236}">
-                <a16:creationId xmlns:a16="http://schemas.microsoft.com/office/drawing/2014/main" id="{540EF42A-5194-45BA-BA9E-6C4730B12D0C}"/>
-              </a:ext>
-            </a:extLst>
-          </p:cNvPr>
-          <p:cNvSpPr txBox="1"/>
-          <p:nvPr/>
-        </p:nvSpPr>
-        <p:spPr>
-          <a:xfrm>
-            <a:off x="5886686" y="5991138"/>
-            <a:ext cx="3220753" cy="261610"/>
-          </a:xfrm>
-          <a:prstGeom prst="rect">
-            <a:avLst/>
-          </a:prstGeom>
-          <a:noFill/>
-        </p:spPr>
-        <p:txBody>
-          <a:bodyPr wrap="none" rtlCol="0">
-            <a:spAutoFit/>
-          </a:bodyPr>
-          <a:lstStyle/>
-          <a:p>
-            <a:r>
-              <a:rPr lang="en-US" altLang="ko-KR" sz="1100" dirty="0"/>
-              <a:t>ETRI </a:t>
-            </a:r>
-            <a:r>
-              <a:rPr lang="ko-KR" altLang="en-US" sz="1100" dirty="0" err="1"/>
-              <a:t>오픈소스전문위원</a:t>
-            </a:r>
-            <a:r>
-              <a:rPr lang="ko-KR" altLang="en-US" sz="1100" dirty="0"/>
-              <a:t> 특강자료</a:t>
-            </a:r>
-            <a:r>
-              <a:rPr lang="en-US" altLang="ko-KR" sz="1100" dirty="0"/>
-              <a:t> </a:t>
-            </a:r>
-            <a:r>
-              <a:rPr lang="ko-KR" altLang="en-US" sz="1100" dirty="0"/>
-              <a:t>발췌</a:t>
-            </a:r>
-            <a:r>
-              <a:rPr lang="en-US" altLang="ko-KR" sz="1100" dirty="0"/>
-              <a:t>. 2020.11.03</a:t>
-            </a:r>
-            <a:endParaRPr lang="ko-KR" altLang="en-US" sz="1100" dirty="0"/>
-          </a:p>
-        </p:txBody>
-      </p:sp>
-    </p:spTree>
-    <p:extLst>
-      <p:ext uri="{BB962C8B-B14F-4D97-AF65-F5344CB8AC3E}">
-        <p14:creationId xmlns:p14="http://schemas.microsoft.com/office/powerpoint/2010/main" val="1770299477"/>
-      </p:ext>
-    </p:extLst>
-  </p:cSld>
-  <p:clrMapOvr>
-    <a:masterClrMapping/>
-  </p:clrMapOvr>
-</p:sld>
-</file>
-
-<file path=ppt/slides/slide38.xml><?xml version="1.0" encoding="utf-8"?>
-<p:sld xmlns:a="http://schemas.openxmlformats.org/drawingml/2006/main" xmlns:r="http://schemas.openxmlformats.org/officeDocument/2006/relationships" xmlns:p="http://schemas.openxmlformats.org/presentationml/2006/main">
-  <p:cSld>
-    <p:spTree>
-      <p:nvGrpSpPr>
-        <p:cNvPr id="1" name=""/>
-        <p:cNvGrpSpPr/>
-        <p:nvPr/>
-      </p:nvGrpSpPr>
-      <p:grpSpPr>
-        <a:xfrm>
-          <a:off x="0" y="0"/>
-          <a:ext cx="0" cy="0"/>
-          <a:chOff x="0" y="0"/>
-          <a:chExt cx="0" cy="0"/>
-        </a:xfrm>
-      </p:grpSpPr>
-      <p:sp>
-        <p:nvSpPr>
-          <p:cNvPr id="4" name="제목 3">
-            <a:extLst>
-              <a:ext uri="{FF2B5EF4-FFF2-40B4-BE49-F238E27FC236}">
-                <a16:creationId xmlns:a16="http://schemas.microsoft.com/office/drawing/2014/main" id="{F0CEB32B-CB43-4410-BA08-A97E4BC47FCB}"/>
-              </a:ext>
-            </a:extLst>
-          </p:cNvPr>
-          <p:cNvSpPr>
-            <a:spLocks noGrp="1"/>
-          </p:cNvSpPr>
-          <p:nvPr>
-            <p:ph type="title"/>
-          </p:nvPr>
-        </p:nvSpPr>
-        <p:spPr/>
-        <p:txBody>
-          <a:bodyPr/>
-          <a:lstStyle/>
-          <a:p>
-            <a:r>
-              <a:rPr lang="ko-KR" altLang="en-US" dirty="0" smtClean="0"/>
-              <a:t>협업하기 취소</a:t>
-            </a:r>
-            <a:endParaRPr lang="ko-KR" altLang="en-US" dirty="0"/>
-          </a:p>
-        </p:txBody>
-      </p:sp>
-      <p:sp>
-        <p:nvSpPr>
-          <p:cNvPr id="7" name="내용 개체 틀 2">
-            <a:extLst>
-              <a:ext uri="{FF2B5EF4-FFF2-40B4-BE49-F238E27FC236}">
-                <a16:creationId xmlns:a16="http://schemas.microsoft.com/office/drawing/2014/main" id="{A44AC902-3746-40D6-9827-94B46EEDDC67}"/>
-              </a:ext>
-            </a:extLst>
-          </p:cNvPr>
-          <p:cNvSpPr txBox="1">
-            <a:spLocks/>
-          </p:cNvSpPr>
-          <p:nvPr/>
-        </p:nvSpPr>
-        <p:spPr>
-          <a:xfrm>
-            <a:off x="341787" y="1120545"/>
-            <a:ext cx="8642350" cy="2351314"/>
-          </a:xfrm>
-          <a:prstGeom prst="rect">
-            <a:avLst/>
-          </a:prstGeom>
-        </p:spPr>
-        <p:txBody>
-          <a:bodyPr vert="horz" lIns="91440" tIns="45720" rIns="91440" bIns="45720" rtlCol="0">
-            <a:noAutofit/>
-          </a:bodyPr>
-          <a:lstStyle>
-            <a:lvl1pPr marL="266700" indent="-266700" defTabSz="914400" latinLnBrk="1">
-              <a:lnSpc>
-                <a:spcPct val="150000"/>
-              </a:lnSpc>
-              <a:spcBef>
-                <a:spcPct val="0"/>
-              </a:spcBef>
-              <a:buClr>
-                <a:schemeClr val="tx1">
-                  <a:lumMod val="65000"/>
-                  <a:lumOff val="35000"/>
-                </a:schemeClr>
-              </a:buClr>
-              <a:buFont typeface="Wingdings" pitchFamily="2" charset="2"/>
-              <a:buChar char="n"/>
-              <a:defRPr sz="2000" b="1">
-                <a:latin typeface="+mn-ea"/>
-              </a:defRPr>
-            </a:lvl1pPr>
-            <a:lvl2pPr marL="447675" lvl="1" indent="-180975" defTabSz="914400" latinLnBrk="1">
-              <a:lnSpc>
-                <a:spcPct val="150000"/>
-              </a:lnSpc>
-              <a:spcBef>
-                <a:spcPts val="0"/>
-              </a:spcBef>
-              <a:spcAft>
-                <a:spcPts val="0"/>
-              </a:spcAft>
-              <a:buClr>
-                <a:schemeClr val="tx1">
-                  <a:lumMod val="50000"/>
-                  <a:lumOff val="50000"/>
-                </a:schemeClr>
-              </a:buClr>
-              <a:buFont typeface="Wingdings" pitchFamily="2" charset="2"/>
-              <a:buChar char="§"/>
-              <a:defRPr sz="1600"/>
-            </a:lvl2pPr>
-            <a:lvl3pPr marL="628650" indent="-180975" defTabSz="914400" latinLnBrk="1">
-              <a:lnSpc>
-                <a:spcPct val="150000"/>
-              </a:lnSpc>
-              <a:spcBef>
-                <a:spcPts val="500"/>
-              </a:spcBef>
-              <a:spcAft>
-                <a:spcPts val="300"/>
-              </a:spcAft>
-              <a:buClr>
-                <a:schemeClr val="tx1">
-                  <a:lumMod val="65000"/>
-                  <a:lumOff val="35000"/>
-                </a:schemeClr>
-              </a:buClr>
-              <a:buFont typeface="Arial" panose="020B0604020202020204" pitchFamily="34" charset="0"/>
-              <a:buChar char="•"/>
-              <a:defRPr sz="1400"/>
-            </a:lvl3pPr>
-            <a:lvl4pPr marL="809625" indent="-180975" defTabSz="914400" latinLnBrk="1">
-              <a:lnSpc>
-                <a:spcPct val="150000"/>
-              </a:lnSpc>
-              <a:spcBef>
-                <a:spcPts val="500"/>
-              </a:spcBef>
-              <a:spcAft>
-                <a:spcPts val="300"/>
-              </a:spcAft>
-              <a:buClr>
-                <a:schemeClr val="tx1">
-                  <a:lumMod val="65000"/>
-                  <a:lumOff val="35000"/>
-                </a:schemeClr>
-              </a:buClr>
-              <a:buSzPct val="96000"/>
-              <a:buFont typeface="Arial" panose="020B0604020202020204" pitchFamily="34" charset="0"/>
-              <a:buChar char="•"/>
-              <a:defRPr sz="1200"/>
-            </a:lvl4pPr>
-            <a:lvl5pPr marL="990600" indent="-180975" defTabSz="914400" latinLnBrk="1">
-              <a:lnSpc>
-                <a:spcPct val="150000"/>
-              </a:lnSpc>
-              <a:spcBef>
-                <a:spcPts val="500"/>
-              </a:spcBef>
-              <a:buClr>
-                <a:schemeClr val="tx1">
-                  <a:lumMod val="65000"/>
-                  <a:lumOff val="35000"/>
-                </a:schemeClr>
-              </a:buClr>
-              <a:buFont typeface="Arial" panose="020B0604020202020204" pitchFamily="34" charset="0"/>
-              <a:buChar char="•"/>
-              <a:defRPr sz="1000"/>
-            </a:lvl5pPr>
-            <a:lvl6pPr marL="2514600" indent="-228600" defTabSz="914400" latinLnBrk="1">
-              <a:lnSpc>
-                <a:spcPct val="90000"/>
-              </a:lnSpc>
-              <a:spcBef>
-                <a:spcPts val="500"/>
-              </a:spcBef>
-              <a:buFont typeface="Arial" panose="020B0604020202020204" pitchFamily="34" charset="0"/>
-              <a:buChar char="•"/>
-            </a:lvl6pPr>
-            <a:lvl7pPr marL="2971800" indent="-228600" defTabSz="914400" latinLnBrk="1">
-              <a:lnSpc>
-                <a:spcPct val="90000"/>
-              </a:lnSpc>
-              <a:spcBef>
-                <a:spcPts val="500"/>
-              </a:spcBef>
-              <a:buFont typeface="Arial" panose="020B0604020202020204" pitchFamily="34" charset="0"/>
-              <a:buChar char="•"/>
-            </a:lvl7pPr>
-            <a:lvl8pPr marL="3429000" indent="-228600" defTabSz="914400" latinLnBrk="1">
-              <a:lnSpc>
-                <a:spcPct val="90000"/>
-              </a:lnSpc>
-              <a:spcBef>
-                <a:spcPts val="500"/>
-              </a:spcBef>
-              <a:buFont typeface="Arial" panose="020B0604020202020204" pitchFamily="34" charset="0"/>
-              <a:buChar char="•"/>
-            </a:lvl8pPr>
-            <a:lvl9pPr marL="3886200" indent="-228600" defTabSz="914400" latinLnBrk="1">
-              <a:lnSpc>
-                <a:spcPct val="90000"/>
-              </a:lnSpc>
-              <a:spcBef>
-                <a:spcPts val="500"/>
-              </a:spcBef>
-              <a:buFont typeface="Arial" panose="020B0604020202020204" pitchFamily="34" charset="0"/>
-              <a:buChar char="•"/>
-            </a:lvl9pPr>
-          </a:lstStyle>
-          <a:p>
-            <a:r>
-              <a:rPr lang="en-US" altLang="ko-KR" dirty="0" smtClean="0"/>
-              <a:t>collaborator</a:t>
-            </a:r>
-            <a:r>
-              <a:rPr lang="ko-KR" altLang="en-US" dirty="0" smtClean="0"/>
-              <a:t> 취소</a:t>
-            </a:r>
-            <a:r>
-              <a:rPr lang="en-US" altLang="ko-KR" dirty="0"/>
-              <a:t> </a:t>
-            </a:r>
-            <a:r>
-              <a:rPr lang="en-US" altLang="ko-KR" dirty="0" smtClean="0"/>
-              <a:t>: </a:t>
-            </a:r>
-            <a:r>
-              <a:rPr lang="ko-KR" altLang="en-US" dirty="0" err="1" smtClean="0"/>
-              <a:t>주관자</a:t>
-            </a:r>
-            <a:endParaRPr lang="en-US" altLang="ko-KR" dirty="0"/>
-          </a:p>
-        </p:txBody>
-      </p:sp>
-      <p:pic>
-        <p:nvPicPr>
-          <p:cNvPr id="8" name="그림 7"/>
-          <p:cNvPicPr>
-            <a:picLocks noChangeAspect="1"/>
-          </p:cNvPicPr>
-          <p:nvPr/>
-        </p:nvPicPr>
-        <p:blipFill>
-          <a:blip r:embed="rId3"/>
-          <a:stretch>
-            <a:fillRect/>
-          </a:stretch>
-        </p:blipFill>
-        <p:spPr>
-          <a:xfrm>
-            <a:off x="341787" y="1838130"/>
-            <a:ext cx="4200402" cy="3480707"/>
-          </a:xfrm>
-          <a:prstGeom prst="rect">
-            <a:avLst/>
-          </a:prstGeom>
-        </p:spPr>
-      </p:pic>
-      <p:pic>
-        <p:nvPicPr>
-          <p:cNvPr id="10" name="그림 9"/>
-          <p:cNvPicPr>
-            <a:picLocks noChangeAspect="1"/>
-          </p:cNvPicPr>
-          <p:nvPr/>
-        </p:nvPicPr>
-        <p:blipFill>
-          <a:blip r:embed="rId4"/>
-          <a:stretch>
-            <a:fillRect/>
-          </a:stretch>
-        </p:blipFill>
-        <p:spPr>
-          <a:xfrm>
-            <a:off x="4542189" y="3358970"/>
-            <a:ext cx="4477155" cy="2072757"/>
-          </a:xfrm>
-          <a:prstGeom prst="rect">
-            <a:avLst/>
-          </a:prstGeom>
-        </p:spPr>
-      </p:pic>
-    </p:spTree>
-    <p:extLst>
-      <p:ext uri="{BB962C8B-B14F-4D97-AF65-F5344CB8AC3E}">
-        <p14:creationId xmlns:p14="http://schemas.microsoft.com/office/powerpoint/2010/main" val="3676842223"/>
-      </p:ext>
-    </p:extLst>
-  </p:cSld>
-  <p:clrMapOvr>
-    <a:masterClrMapping/>
-  </p:clrMapOvr>
-</p:sld>
-</file>
-
-<file path=ppt/slides/slide39.xml><?xml version="1.0" encoding="utf-8"?>
-<p:sld xmlns:a="http://schemas.openxmlformats.org/drawingml/2006/main" xmlns:r="http://schemas.openxmlformats.org/officeDocument/2006/relationships" xmlns:p="http://schemas.openxmlformats.org/presentationml/2006/main">
-  <p:cSld>
-    <p:spTree>
-      <p:nvGrpSpPr>
-        <p:cNvPr id="1" name=""/>
-        <p:cNvGrpSpPr/>
-        <p:nvPr/>
-      </p:nvGrpSpPr>
-      <p:grpSpPr>
-        <a:xfrm>
-          <a:off x="0" y="0"/>
-          <a:ext cx="0" cy="0"/>
-          <a:chOff x="0" y="0"/>
-          <a:chExt cx="0" cy="0"/>
-        </a:xfrm>
-      </p:grpSpPr>
-      <p:sp>
-        <p:nvSpPr>
-          <p:cNvPr id="4" name="제목 3">
-            <a:extLst>
-              <a:ext uri="{FF2B5EF4-FFF2-40B4-BE49-F238E27FC236}">
-                <a16:creationId xmlns:a16="http://schemas.microsoft.com/office/drawing/2014/main" id="{F0CEB32B-CB43-4410-BA08-A97E4BC47FCB}"/>
-              </a:ext>
-            </a:extLst>
-          </p:cNvPr>
-          <p:cNvSpPr>
-            <a:spLocks noGrp="1"/>
-          </p:cNvSpPr>
-          <p:nvPr>
-            <p:ph type="title"/>
-          </p:nvPr>
-        </p:nvSpPr>
-        <p:spPr/>
-        <p:txBody>
-          <a:bodyPr/>
-          <a:lstStyle/>
-          <a:p>
-            <a:r>
-              <a:rPr lang="ko-KR" altLang="en-US" dirty="0" smtClean="0"/>
-              <a:t>협업하기 취소</a:t>
-            </a:r>
-            <a:endParaRPr lang="ko-KR" altLang="en-US" dirty="0"/>
-          </a:p>
-        </p:txBody>
-      </p:sp>
-      <p:sp>
-        <p:nvSpPr>
-          <p:cNvPr id="7" name="내용 개체 틀 2">
-            <a:extLst>
-              <a:ext uri="{FF2B5EF4-FFF2-40B4-BE49-F238E27FC236}">
-                <a16:creationId xmlns:a16="http://schemas.microsoft.com/office/drawing/2014/main" id="{A44AC902-3746-40D6-9827-94B46EEDDC67}"/>
-              </a:ext>
-            </a:extLst>
-          </p:cNvPr>
-          <p:cNvSpPr txBox="1">
-            <a:spLocks/>
-          </p:cNvSpPr>
-          <p:nvPr/>
-        </p:nvSpPr>
-        <p:spPr>
-          <a:xfrm>
-            <a:off x="341787" y="1120545"/>
-            <a:ext cx="8642350" cy="2351314"/>
-          </a:xfrm>
-          <a:prstGeom prst="rect">
-            <a:avLst/>
-          </a:prstGeom>
-        </p:spPr>
-        <p:txBody>
-          <a:bodyPr vert="horz" lIns="91440" tIns="45720" rIns="91440" bIns="45720" rtlCol="0">
-            <a:noAutofit/>
-          </a:bodyPr>
-          <a:lstStyle>
-            <a:lvl1pPr marL="266700" indent="-266700" defTabSz="914400" latinLnBrk="1">
-              <a:lnSpc>
-                <a:spcPct val="150000"/>
-              </a:lnSpc>
-              <a:spcBef>
-                <a:spcPct val="0"/>
-              </a:spcBef>
-              <a:buClr>
-                <a:schemeClr val="tx1">
-                  <a:lumMod val="65000"/>
-                  <a:lumOff val="35000"/>
-                </a:schemeClr>
-              </a:buClr>
-              <a:buFont typeface="Wingdings" pitchFamily="2" charset="2"/>
-              <a:buChar char="n"/>
-              <a:defRPr sz="2000" b="1">
-                <a:latin typeface="+mn-ea"/>
-              </a:defRPr>
-            </a:lvl1pPr>
-            <a:lvl2pPr marL="447675" lvl="1" indent="-180975" defTabSz="914400" latinLnBrk="1">
-              <a:lnSpc>
-                <a:spcPct val="150000"/>
-              </a:lnSpc>
-              <a:spcBef>
-                <a:spcPts val="0"/>
-              </a:spcBef>
-              <a:spcAft>
-                <a:spcPts val="0"/>
-              </a:spcAft>
-              <a:buClr>
-                <a:schemeClr val="tx1">
-                  <a:lumMod val="50000"/>
-                  <a:lumOff val="50000"/>
-                </a:schemeClr>
-              </a:buClr>
-              <a:buFont typeface="Wingdings" pitchFamily="2" charset="2"/>
-              <a:buChar char="§"/>
-              <a:defRPr sz="1600"/>
-            </a:lvl2pPr>
-            <a:lvl3pPr marL="628650" indent="-180975" defTabSz="914400" latinLnBrk="1">
-              <a:lnSpc>
-                <a:spcPct val="150000"/>
-              </a:lnSpc>
-              <a:spcBef>
-                <a:spcPts val="500"/>
-              </a:spcBef>
-              <a:spcAft>
-                <a:spcPts val="300"/>
-              </a:spcAft>
-              <a:buClr>
-                <a:schemeClr val="tx1">
-                  <a:lumMod val="65000"/>
-                  <a:lumOff val="35000"/>
-                </a:schemeClr>
-              </a:buClr>
-              <a:buFont typeface="Arial" panose="020B0604020202020204" pitchFamily="34" charset="0"/>
-              <a:buChar char="•"/>
-              <a:defRPr sz="1400"/>
-            </a:lvl3pPr>
-            <a:lvl4pPr marL="809625" indent="-180975" defTabSz="914400" latinLnBrk="1">
-              <a:lnSpc>
-                <a:spcPct val="150000"/>
-              </a:lnSpc>
-              <a:spcBef>
-                <a:spcPts val="500"/>
-              </a:spcBef>
-              <a:spcAft>
-                <a:spcPts val="300"/>
-              </a:spcAft>
-              <a:buClr>
-                <a:schemeClr val="tx1">
-                  <a:lumMod val="65000"/>
-                  <a:lumOff val="35000"/>
-                </a:schemeClr>
-              </a:buClr>
-              <a:buSzPct val="96000"/>
-              <a:buFont typeface="Arial" panose="020B0604020202020204" pitchFamily="34" charset="0"/>
-              <a:buChar char="•"/>
-              <a:defRPr sz="1200"/>
-            </a:lvl4pPr>
-            <a:lvl5pPr marL="990600" indent="-180975" defTabSz="914400" latinLnBrk="1">
-              <a:lnSpc>
-                <a:spcPct val="150000"/>
-              </a:lnSpc>
-              <a:spcBef>
-                <a:spcPts val="500"/>
-              </a:spcBef>
-              <a:buClr>
-                <a:schemeClr val="tx1">
-                  <a:lumMod val="65000"/>
-                  <a:lumOff val="35000"/>
-                </a:schemeClr>
-              </a:buClr>
-              <a:buFont typeface="Arial" panose="020B0604020202020204" pitchFamily="34" charset="0"/>
-              <a:buChar char="•"/>
-              <a:defRPr sz="1000"/>
-            </a:lvl5pPr>
-            <a:lvl6pPr marL="2514600" indent="-228600" defTabSz="914400" latinLnBrk="1">
-              <a:lnSpc>
-                <a:spcPct val="90000"/>
-              </a:lnSpc>
-              <a:spcBef>
-                <a:spcPts val="500"/>
-              </a:spcBef>
-              <a:buFont typeface="Arial" panose="020B0604020202020204" pitchFamily="34" charset="0"/>
-              <a:buChar char="•"/>
-            </a:lvl6pPr>
-            <a:lvl7pPr marL="2971800" indent="-228600" defTabSz="914400" latinLnBrk="1">
-              <a:lnSpc>
-                <a:spcPct val="90000"/>
-              </a:lnSpc>
-              <a:spcBef>
-                <a:spcPts val="500"/>
-              </a:spcBef>
-              <a:buFont typeface="Arial" panose="020B0604020202020204" pitchFamily="34" charset="0"/>
-              <a:buChar char="•"/>
-            </a:lvl7pPr>
-            <a:lvl8pPr marL="3429000" indent="-228600" defTabSz="914400" latinLnBrk="1">
-              <a:lnSpc>
-                <a:spcPct val="90000"/>
-              </a:lnSpc>
-              <a:spcBef>
-                <a:spcPts val="500"/>
-              </a:spcBef>
-              <a:buFont typeface="Arial" panose="020B0604020202020204" pitchFamily="34" charset="0"/>
-              <a:buChar char="•"/>
-            </a:lvl8pPr>
-            <a:lvl9pPr marL="3886200" indent="-228600" defTabSz="914400" latinLnBrk="1">
-              <a:lnSpc>
-                <a:spcPct val="90000"/>
-              </a:lnSpc>
-              <a:spcBef>
-                <a:spcPts val="500"/>
-              </a:spcBef>
-              <a:buFont typeface="Arial" panose="020B0604020202020204" pitchFamily="34" charset="0"/>
-              <a:buChar char="•"/>
-            </a:lvl9pPr>
-          </a:lstStyle>
-          <a:p>
-            <a:r>
-              <a:rPr lang="en-US" altLang="ko-KR" dirty="0" smtClean="0"/>
-              <a:t>collaborator</a:t>
-            </a:r>
-            <a:r>
-              <a:rPr lang="ko-KR" altLang="en-US" dirty="0" smtClean="0"/>
-              <a:t> 취소</a:t>
-            </a:r>
-            <a:r>
-              <a:rPr lang="en-US" altLang="ko-KR" dirty="0"/>
-              <a:t> </a:t>
-            </a:r>
-            <a:r>
-              <a:rPr lang="en-US" altLang="ko-KR" dirty="0" smtClean="0"/>
-              <a:t>: </a:t>
-            </a:r>
-            <a:r>
-              <a:rPr lang="ko-KR" altLang="en-US" dirty="0" smtClean="0"/>
-              <a:t>참여자</a:t>
-            </a:r>
-            <a:endParaRPr lang="en-US" altLang="ko-KR" dirty="0"/>
-          </a:p>
-        </p:txBody>
-      </p:sp>
-      <p:pic>
-        <p:nvPicPr>
-          <p:cNvPr id="2" name="그림 1"/>
-          <p:cNvPicPr>
-            <a:picLocks noChangeAspect="1"/>
-          </p:cNvPicPr>
-          <p:nvPr/>
-        </p:nvPicPr>
-        <p:blipFill>
-          <a:blip r:embed="rId3"/>
-          <a:stretch>
-            <a:fillRect/>
-          </a:stretch>
-        </p:blipFill>
-        <p:spPr>
-          <a:xfrm>
-            <a:off x="436081" y="2043405"/>
-            <a:ext cx="3944589" cy="3912150"/>
-          </a:xfrm>
-          <a:prstGeom prst="rect">
-            <a:avLst/>
-          </a:prstGeom>
-        </p:spPr>
-      </p:pic>
-      <p:pic>
-        <p:nvPicPr>
-          <p:cNvPr id="3" name="그림 2"/>
-          <p:cNvPicPr>
-            <a:picLocks noChangeAspect="1"/>
-          </p:cNvPicPr>
-          <p:nvPr/>
-        </p:nvPicPr>
-        <p:blipFill>
-          <a:blip r:embed="rId4"/>
-          <a:stretch>
-            <a:fillRect/>
-          </a:stretch>
-        </p:blipFill>
-        <p:spPr>
-          <a:xfrm>
-            <a:off x="4662962" y="2043405"/>
-            <a:ext cx="4038883" cy="3218867"/>
-          </a:xfrm>
-          <a:prstGeom prst="rect">
-            <a:avLst/>
-          </a:prstGeom>
-        </p:spPr>
-      </p:pic>
-    </p:spTree>
-    <p:extLst>
-      <p:ext uri="{BB962C8B-B14F-4D97-AF65-F5344CB8AC3E}">
-        <p14:creationId xmlns:p14="http://schemas.microsoft.com/office/powerpoint/2010/main" val="2081248682"/>
+        <p14:creationId xmlns:p14="http://schemas.microsoft.com/office/powerpoint/2010/main" val="4103167857"/>
       </p:ext>
     </p:extLst>
   </p:cSld>
@@ -21046,6 +20849,2698 @@
 </p:sld>
 </file>
 
+<file path=ppt/slides/slide40.xml><?xml version="1.0" encoding="utf-8"?>
+<p:sld xmlns:a="http://schemas.openxmlformats.org/drawingml/2006/main" xmlns:r="http://schemas.openxmlformats.org/officeDocument/2006/relationships" xmlns:p="http://schemas.openxmlformats.org/presentationml/2006/main">
+  <p:cSld>
+    <p:spTree>
+      <p:nvGrpSpPr>
+        <p:cNvPr id="1" name=""/>
+        <p:cNvGrpSpPr/>
+        <p:nvPr/>
+      </p:nvGrpSpPr>
+      <p:grpSpPr>
+        <a:xfrm>
+          <a:off x="0" y="0"/>
+          <a:ext cx="0" cy="0"/>
+          <a:chOff x="0" y="0"/>
+          <a:chExt cx="0" cy="0"/>
+        </a:xfrm>
+      </p:grpSpPr>
+      <p:sp>
+        <p:nvSpPr>
+          <p:cNvPr id="4" name="제목 3">
+            <a:extLst>
+              <a:ext uri="{FF2B5EF4-FFF2-40B4-BE49-F238E27FC236}">
+                <a16:creationId xmlns:a16="http://schemas.microsoft.com/office/drawing/2014/main" id="{F0CEB32B-CB43-4410-BA08-A97E4BC47FCB}"/>
+              </a:ext>
+            </a:extLst>
+          </p:cNvPr>
+          <p:cNvSpPr>
+            <a:spLocks noGrp="1"/>
+          </p:cNvSpPr>
+          <p:nvPr>
+            <p:ph type="title"/>
+          </p:nvPr>
+        </p:nvSpPr>
+        <p:spPr/>
+        <p:txBody>
+          <a:bodyPr/>
+          <a:lstStyle/>
+          <a:p>
+            <a:r>
+              <a:rPr lang="ko-KR" altLang="en-US" dirty="0"/>
+              <a:t>협업방식 </a:t>
+            </a:r>
+            <a:r>
+              <a:rPr lang="en-US" altLang="ko-KR" dirty="0"/>
+              <a:t>1</a:t>
+            </a:r>
+            <a:endParaRPr lang="ko-KR" altLang="en-US" dirty="0"/>
+          </a:p>
+        </p:txBody>
+      </p:sp>
+      <p:pic>
+        <p:nvPicPr>
+          <p:cNvPr id="8" name="그림 7">
+            <a:extLst>
+              <a:ext uri="{FF2B5EF4-FFF2-40B4-BE49-F238E27FC236}">
+                <a16:creationId xmlns:a16="http://schemas.microsoft.com/office/drawing/2014/main" id="{09822102-6F3D-4679-BBB9-813508E79A70}"/>
+              </a:ext>
+            </a:extLst>
+          </p:cNvPr>
+          <p:cNvPicPr>
+            <a:picLocks noChangeAspect="1"/>
+          </p:cNvPicPr>
+          <p:nvPr/>
+        </p:nvPicPr>
+        <p:blipFill>
+          <a:blip r:embed="rId2"/>
+          <a:stretch>
+            <a:fillRect/>
+          </a:stretch>
+        </p:blipFill>
+        <p:spPr>
+          <a:xfrm>
+            <a:off x="429525" y="1652448"/>
+            <a:ext cx="7993294" cy="4601055"/>
+          </a:xfrm>
+          <a:prstGeom prst="rect">
+            <a:avLst/>
+          </a:prstGeom>
+        </p:spPr>
+      </p:pic>
+      <p:sp>
+        <p:nvSpPr>
+          <p:cNvPr id="9" name="직사각형 8">
+            <a:extLst>
+              <a:ext uri="{FF2B5EF4-FFF2-40B4-BE49-F238E27FC236}">
+                <a16:creationId xmlns:a16="http://schemas.microsoft.com/office/drawing/2014/main" id="{CB66A63D-6C5F-447F-A97C-63FC402A6D8C}"/>
+              </a:ext>
+            </a:extLst>
+          </p:cNvPr>
+          <p:cNvSpPr/>
+          <p:nvPr/>
+        </p:nvSpPr>
+        <p:spPr>
+          <a:xfrm>
+            <a:off x="1576190" y="5009452"/>
+            <a:ext cx="1012897" cy="321365"/>
+          </a:xfrm>
+          <a:prstGeom prst="rect">
+            <a:avLst/>
+          </a:prstGeom>
+          <a:noFill/>
+          <a:ln w="38100">
+            <a:solidFill>
+              <a:srgbClr val="FF0000"/>
+            </a:solidFill>
+          </a:ln>
+        </p:spPr>
+        <p:style>
+          <a:lnRef idx="2">
+            <a:schemeClr val="accent1">
+              <a:shade val="50000"/>
+            </a:schemeClr>
+          </a:lnRef>
+          <a:fillRef idx="1">
+            <a:schemeClr val="accent1"/>
+          </a:fillRef>
+          <a:effectRef idx="0">
+            <a:schemeClr val="accent1"/>
+          </a:effectRef>
+          <a:fontRef idx="minor">
+            <a:schemeClr val="lt1"/>
+          </a:fontRef>
+        </p:style>
+        <p:txBody>
+          <a:bodyPr rtlCol="0" anchor="ctr"/>
+          <a:lstStyle/>
+          <a:p>
+            <a:pPr algn="ctr"/>
+            <a:endParaRPr lang="ko-KR" altLang="en-US"/>
+          </a:p>
+        </p:txBody>
+      </p:sp>
+      <p:sp>
+        <p:nvSpPr>
+          <p:cNvPr id="5" name="내용 개체 틀 4">
+            <a:extLst>
+              <a:ext uri="{FF2B5EF4-FFF2-40B4-BE49-F238E27FC236}">
+                <a16:creationId xmlns:a16="http://schemas.microsoft.com/office/drawing/2014/main" id="{48DB0CC3-2321-4F7D-83F1-DDCF2E040E0D}"/>
+              </a:ext>
+            </a:extLst>
+          </p:cNvPr>
+          <p:cNvSpPr>
+            <a:spLocks noGrp="1"/>
+          </p:cNvSpPr>
+          <p:nvPr>
+            <p:ph idx="1"/>
+          </p:nvPr>
+        </p:nvSpPr>
+        <p:spPr>
+          <a:xfrm>
+            <a:off x="250825" y="1000221"/>
+            <a:ext cx="8641655" cy="5146579"/>
+          </a:xfrm>
+        </p:spPr>
+        <p:txBody>
+          <a:bodyPr tIns="0" bIns="0">
+            <a:noAutofit/>
+          </a:bodyPr>
+          <a:lstStyle/>
+          <a:p>
+            <a:pPr>
+              <a:buClr>
+                <a:schemeClr val="tx1">
+                  <a:lumMod val="65000"/>
+                  <a:lumOff val="35000"/>
+                </a:schemeClr>
+              </a:buClr>
+              <a:defRPr/>
+            </a:pPr>
+            <a:r>
+              <a:rPr lang="ko-KR" altLang="en-US" dirty="0"/>
+              <a:t>아래의 </a:t>
+            </a:r>
+            <a:r>
+              <a:rPr lang="ko-KR" altLang="en-US" dirty="0" err="1"/>
+              <a:t>리졸브</a:t>
+            </a:r>
+            <a:r>
+              <a:rPr lang="ko-KR" altLang="en-US" dirty="0"/>
+              <a:t> </a:t>
+            </a:r>
+            <a:r>
+              <a:rPr lang="ko-KR" altLang="en-US" dirty="0" err="1"/>
+              <a:t>컨버</a:t>
+            </a:r>
+            <a:r>
+              <a:rPr lang="ko-KR" altLang="en-US" dirty="0"/>
+              <a:t> 버튼을 누르면 </a:t>
+            </a:r>
+            <a:r>
+              <a:rPr lang="en-US" altLang="ko-KR" dirty="0"/>
+              <a:t>– merge</a:t>
+            </a:r>
+            <a:r>
+              <a:rPr lang="ko-KR" altLang="en-US" dirty="0"/>
+              <a:t> </a:t>
+            </a:r>
+            <a:r>
+              <a:rPr lang="en-US" altLang="ko-KR" dirty="0"/>
+              <a:t>pull</a:t>
+            </a:r>
+            <a:r>
+              <a:rPr lang="ko-KR" altLang="en-US" dirty="0"/>
+              <a:t> </a:t>
+            </a:r>
+            <a:r>
+              <a:rPr lang="en-US" altLang="ko-KR" dirty="0" err="1"/>
+              <a:t>reque</a:t>
+            </a:r>
+            <a:r>
+              <a:rPr lang="ko-KR" altLang="en-US" dirty="0"/>
+              <a:t>로 </a:t>
+            </a:r>
+            <a:r>
+              <a:rPr lang="ko-KR" altLang="en-US" dirty="0" err="1"/>
+              <a:t>넘어감</a:t>
+            </a:r>
+            <a:endParaRPr lang="ko-KR" altLang="en-US" dirty="0">
+              <a:solidFill>
+                <a:srgbClr val="FF0000"/>
+              </a:solidFill>
+            </a:endParaRPr>
+          </a:p>
+        </p:txBody>
+      </p:sp>
+    </p:spTree>
+    <p:extLst>
+      <p:ext uri="{BB962C8B-B14F-4D97-AF65-F5344CB8AC3E}">
+        <p14:creationId xmlns:p14="http://schemas.microsoft.com/office/powerpoint/2010/main" val="4258985462"/>
+      </p:ext>
+    </p:extLst>
+  </p:cSld>
+  <p:clrMapOvr>
+    <a:masterClrMapping/>
+  </p:clrMapOvr>
+</p:sld>
+</file>
+
+<file path=ppt/slides/slide41.xml><?xml version="1.0" encoding="utf-8"?>
+<p:sld xmlns:a="http://schemas.openxmlformats.org/drawingml/2006/main" xmlns:r="http://schemas.openxmlformats.org/officeDocument/2006/relationships" xmlns:p="http://schemas.openxmlformats.org/presentationml/2006/main">
+  <p:cSld>
+    <p:spTree>
+      <p:nvGrpSpPr>
+        <p:cNvPr id="1" name=""/>
+        <p:cNvGrpSpPr/>
+        <p:nvPr/>
+      </p:nvGrpSpPr>
+      <p:grpSpPr>
+        <a:xfrm>
+          <a:off x="0" y="0"/>
+          <a:ext cx="0" cy="0"/>
+          <a:chOff x="0" y="0"/>
+          <a:chExt cx="0" cy="0"/>
+        </a:xfrm>
+      </p:grpSpPr>
+      <p:sp>
+        <p:nvSpPr>
+          <p:cNvPr id="4" name="제목 3">
+            <a:extLst>
+              <a:ext uri="{FF2B5EF4-FFF2-40B4-BE49-F238E27FC236}">
+                <a16:creationId xmlns:a16="http://schemas.microsoft.com/office/drawing/2014/main" id="{F0CEB32B-CB43-4410-BA08-A97E4BC47FCB}"/>
+              </a:ext>
+            </a:extLst>
+          </p:cNvPr>
+          <p:cNvSpPr>
+            <a:spLocks noGrp="1"/>
+          </p:cNvSpPr>
+          <p:nvPr>
+            <p:ph type="title"/>
+          </p:nvPr>
+        </p:nvSpPr>
+        <p:spPr/>
+        <p:txBody>
+          <a:bodyPr/>
+          <a:lstStyle/>
+          <a:p>
+            <a:r>
+              <a:rPr lang="ko-KR" altLang="en-US" dirty="0"/>
+              <a:t>협업방식 </a:t>
+            </a:r>
+            <a:r>
+              <a:rPr lang="en-US" altLang="ko-KR" dirty="0"/>
+              <a:t>1</a:t>
+            </a:r>
+            <a:endParaRPr lang="ko-KR" altLang="en-US" dirty="0"/>
+          </a:p>
+        </p:txBody>
+      </p:sp>
+      <p:sp>
+        <p:nvSpPr>
+          <p:cNvPr id="5" name="내용 개체 틀 4">
+            <a:extLst>
+              <a:ext uri="{FF2B5EF4-FFF2-40B4-BE49-F238E27FC236}">
+                <a16:creationId xmlns:a16="http://schemas.microsoft.com/office/drawing/2014/main" id="{48DB0CC3-2321-4F7D-83F1-DDCF2E040E0D}"/>
+              </a:ext>
+            </a:extLst>
+          </p:cNvPr>
+          <p:cNvSpPr>
+            <a:spLocks noGrp="1"/>
+          </p:cNvSpPr>
+          <p:nvPr>
+            <p:ph idx="1"/>
+          </p:nvPr>
+        </p:nvSpPr>
+        <p:spPr>
+          <a:xfrm>
+            <a:off x="250825" y="1000221"/>
+            <a:ext cx="8641655" cy="5146579"/>
+          </a:xfrm>
+        </p:spPr>
+        <p:txBody>
+          <a:bodyPr tIns="0" bIns="0">
+            <a:noAutofit/>
+          </a:bodyPr>
+          <a:lstStyle/>
+          <a:p>
+            <a:pPr>
+              <a:buClr>
+                <a:schemeClr val="tx1">
+                  <a:lumMod val="65000"/>
+                  <a:lumOff val="35000"/>
+                </a:schemeClr>
+              </a:buClr>
+              <a:defRPr/>
+            </a:pPr>
+            <a:r>
+              <a:rPr lang="en-US" altLang="ko-KR" dirty="0"/>
+              <a:t>merge</a:t>
+            </a:r>
+            <a:r>
+              <a:rPr lang="ko-KR" altLang="en-US" dirty="0"/>
+              <a:t> </a:t>
+            </a:r>
+            <a:r>
+              <a:rPr lang="en-US" altLang="ko-KR" dirty="0"/>
+              <a:t>pull</a:t>
+            </a:r>
+            <a:r>
+              <a:rPr lang="ko-KR" altLang="en-US" dirty="0"/>
+              <a:t> </a:t>
+            </a:r>
+            <a:r>
+              <a:rPr lang="en-US" altLang="ko-KR" dirty="0" err="1"/>
+              <a:t>reque</a:t>
+            </a:r>
+            <a:r>
+              <a:rPr lang="ko-KR" altLang="en-US" dirty="0"/>
+              <a:t> 버튼 클릭 </a:t>
+            </a:r>
+            <a:r>
+              <a:rPr lang="en-US" altLang="ko-KR" dirty="0">
+                <a:sym typeface="Wingdings" panose="05000000000000000000" pitchFamily="2" charset="2"/>
+              </a:rPr>
+              <a:t> confirm</a:t>
+            </a:r>
+            <a:r>
+              <a:rPr lang="ko-KR" altLang="en-US" dirty="0">
+                <a:sym typeface="Wingdings" panose="05000000000000000000" pitchFamily="2" charset="2"/>
+              </a:rPr>
+              <a:t> </a:t>
+            </a:r>
+            <a:r>
+              <a:rPr lang="en-US" altLang="ko-KR" dirty="0">
+                <a:sym typeface="Wingdings" panose="05000000000000000000" pitchFamily="2" charset="2"/>
+              </a:rPr>
+              <a:t>merge</a:t>
+            </a:r>
+            <a:endParaRPr lang="ko-KR" altLang="en-US" dirty="0">
+              <a:solidFill>
+                <a:srgbClr val="FF0000"/>
+              </a:solidFill>
+            </a:endParaRPr>
+          </a:p>
+        </p:txBody>
+      </p:sp>
+      <p:pic>
+        <p:nvPicPr>
+          <p:cNvPr id="3" name="그림 2">
+            <a:extLst>
+              <a:ext uri="{FF2B5EF4-FFF2-40B4-BE49-F238E27FC236}">
+                <a16:creationId xmlns:a16="http://schemas.microsoft.com/office/drawing/2014/main" id="{BF42BAF1-A9AF-4732-8F47-1BEA3DCB146C}"/>
+              </a:ext>
+            </a:extLst>
+          </p:cNvPr>
+          <p:cNvPicPr>
+            <a:picLocks noChangeAspect="1"/>
+          </p:cNvPicPr>
+          <p:nvPr/>
+        </p:nvPicPr>
+        <p:blipFill>
+          <a:blip r:embed="rId2"/>
+          <a:stretch>
+            <a:fillRect/>
+          </a:stretch>
+        </p:blipFill>
+        <p:spPr>
+          <a:xfrm>
+            <a:off x="760287" y="1703831"/>
+            <a:ext cx="7397393" cy="4442969"/>
+          </a:xfrm>
+          <a:prstGeom prst="rect">
+            <a:avLst/>
+          </a:prstGeom>
+        </p:spPr>
+      </p:pic>
+      <p:sp>
+        <p:nvSpPr>
+          <p:cNvPr id="10" name="직사각형 9">
+            <a:extLst>
+              <a:ext uri="{FF2B5EF4-FFF2-40B4-BE49-F238E27FC236}">
+                <a16:creationId xmlns:a16="http://schemas.microsoft.com/office/drawing/2014/main" id="{53A5D1B4-8ACE-4562-BE76-6E17038282F2}"/>
+              </a:ext>
+            </a:extLst>
+          </p:cNvPr>
+          <p:cNvSpPr/>
+          <p:nvPr/>
+        </p:nvSpPr>
+        <p:spPr>
+          <a:xfrm>
+            <a:off x="1576190" y="5009452"/>
+            <a:ext cx="1413590" cy="321365"/>
+          </a:xfrm>
+          <a:prstGeom prst="rect">
+            <a:avLst/>
+          </a:prstGeom>
+          <a:noFill/>
+          <a:ln w="38100">
+            <a:solidFill>
+              <a:srgbClr val="FF0000"/>
+            </a:solidFill>
+          </a:ln>
+        </p:spPr>
+        <p:style>
+          <a:lnRef idx="2">
+            <a:schemeClr val="accent1">
+              <a:shade val="50000"/>
+            </a:schemeClr>
+          </a:lnRef>
+          <a:fillRef idx="1">
+            <a:schemeClr val="accent1"/>
+          </a:fillRef>
+          <a:effectRef idx="0">
+            <a:schemeClr val="accent1"/>
+          </a:effectRef>
+          <a:fontRef idx="minor">
+            <a:schemeClr val="lt1"/>
+          </a:fontRef>
+        </p:style>
+        <p:txBody>
+          <a:bodyPr rtlCol="0" anchor="ctr"/>
+          <a:lstStyle/>
+          <a:p>
+            <a:pPr algn="ctr"/>
+            <a:endParaRPr lang="ko-KR" altLang="en-US"/>
+          </a:p>
+        </p:txBody>
+      </p:sp>
+    </p:spTree>
+    <p:extLst>
+      <p:ext uri="{BB962C8B-B14F-4D97-AF65-F5344CB8AC3E}">
+        <p14:creationId xmlns:p14="http://schemas.microsoft.com/office/powerpoint/2010/main" val="3128868259"/>
+      </p:ext>
+    </p:extLst>
+  </p:cSld>
+  <p:clrMapOvr>
+    <a:masterClrMapping/>
+  </p:clrMapOvr>
+</p:sld>
+</file>
+
+<file path=ppt/slides/slide42.xml><?xml version="1.0" encoding="utf-8"?>
+<p:sld xmlns:a="http://schemas.openxmlformats.org/drawingml/2006/main" xmlns:r="http://schemas.openxmlformats.org/officeDocument/2006/relationships" xmlns:p="http://schemas.openxmlformats.org/presentationml/2006/main">
+  <p:cSld>
+    <p:spTree>
+      <p:nvGrpSpPr>
+        <p:cNvPr id="1" name=""/>
+        <p:cNvGrpSpPr/>
+        <p:nvPr/>
+      </p:nvGrpSpPr>
+      <p:grpSpPr>
+        <a:xfrm>
+          <a:off x="0" y="0"/>
+          <a:ext cx="0" cy="0"/>
+          <a:chOff x="0" y="0"/>
+          <a:chExt cx="0" cy="0"/>
+        </a:xfrm>
+      </p:grpSpPr>
+      <p:pic>
+        <p:nvPicPr>
+          <p:cNvPr id="6" name="그림 5">
+            <a:extLst>
+              <a:ext uri="{FF2B5EF4-FFF2-40B4-BE49-F238E27FC236}">
+                <a16:creationId xmlns:a16="http://schemas.microsoft.com/office/drawing/2014/main" id="{1BB7AC58-9156-4C75-A8FE-02DED0248930}"/>
+              </a:ext>
+            </a:extLst>
+          </p:cNvPr>
+          <p:cNvPicPr>
+            <a:picLocks noChangeAspect="1"/>
+          </p:cNvPicPr>
+          <p:nvPr/>
+        </p:nvPicPr>
+        <p:blipFill>
+          <a:blip r:embed="rId2"/>
+          <a:stretch>
+            <a:fillRect/>
+          </a:stretch>
+        </p:blipFill>
+        <p:spPr>
+          <a:xfrm>
+            <a:off x="580677" y="1605230"/>
+            <a:ext cx="7981950" cy="1695450"/>
+          </a:xfrm>
+          <a:prstGeom prst="rect">
+            <a:avLst/>
+          </a:prstGeom>
+        </p:spPr>
+      </p:pic>
+      <p:sp>
+        <p:nvSpPr>
+          <p:cNvPr id="4" name="제목 3">
+            <a:extLst>
+              <a:ext uri="{FF2B5EF4-FFF2-40B4-BE49-F238E27FC236}">
+                <a16:creationId xmlns:a16="http://schemas.microsoft.com/office/drawing/2014/main" id="{F0CEB32B-CB43-4410-BA08-A97E4BC47FCB}"/>
+              </a:ext>
+            </a:extLst>
+          </p:cNvPr>
+          <p:cNvSpPr>
+            <a:spLocks noGrp="1"/>
+          </p:cNvSpPr>
+          <p:nvPr>
+            <p:ph type="title"/>
+          </p:nvPr>
+        </p:nvSpPr>
+        <p:spPr/>
+        <p:txBody>
+          <a:bodyPr/>
+          <a:lstStyle/>
+          <a:p>
+            <a:r>
+              <a:rPr lang="ko-KR" altLang="en-US" dirty="0"/>
+              <a:t>협업방식 </a:t>
+            </a:r>
+            <a:r>
+              <a:rPr lang="en-US" altLang="ko-KR" dirty="0"/>
+              <a:t>1</a:t>
+            </a:r>
+            <a:endParaRPr lang="ko-KR" altLang="en-US" dirty="0"/>
+          </a:p>
+        </p:txBody>
+      </p:sp>
+      <p:sp>
+        <p:nvSpPr>
+          <p:cNvPr id="5" name="내용 개체 틀 4">
+            <a:extLst>
+              <a:ext uri="{FF2B5EF4-FFF2-40B4-BE49-F238E27FC236}">
+                <a16:creationId xmlns:a16="http://schemas.microsoft.com/office/drawing/2014/main" id="{48DB0CC3-2321-4F7D-83F1-DDCF2E040E0D}"/>
+              </a:ext>
+            </a:extLst>
+          </p:cNvPr>
+          <p:cNvSpPr>
+            <a:spLocks noGrp="1"/>
+          </p:cNvSpPr>
+          <p:nvPr>
+            <p:ph idx="1"/>
+          </p:nvPr>
+        </p:nvSpPr>
+        <p:spPr>
+          <a:xfrm>
+            <a:off x="250825" y="1000221"/>
+            <a:ext cx="8641655" cy="605009"/>
+          </a:xfrm>
+        </p:spPr>
+        <p:txBody>
+          <a:bodyPr tIns="0" bIns="0">
+            <a:noAutofit/>
+          </a:bodyPr>
+          <a:lstStyle/>
+          <a:p>
+            <a:pPr>
+              <a:buClr>
+                <a:schemeClr val="tx1">
+                  <a:lumMod val="65000"/>
+                  <a:lumOff val="35000"/>
+                </a:schemeClr>
+              </a:buClr>
+              <a:defRPr/>
+            </a:pPr>
+            <a:r>
+              <a:rPr lang="en-US" altLang="ko-KR" dirty="0"/>
+              <a:t>Merged</a:t>
+            </a:r>
+            <a:r>
+              <a:rPr lang="ko-KR" altLang="en-US" dirty="0"/>
+              <a:t>로 바뀌고 내용을 확인</a:t>
+            </a:r>
+          </a:p>
+        </p:txBody>
+      </p:sp>
+      <p:sp>
+        <p:nvSpPr>
+          <p:cNvPr id="10" name="직사각형 9">
+            <a:extLst>
+              <a:ext uri="{FF2B5EF4-FFF2-40B4-BE49-F238E27FC236}">
+                <a16:creationId xmlns:a16="http://schemas.microsoft.com/office/drawing/2014/main" id="{53A5D1B4-8ACE-4562-BE76-6E17038282F2}"/>
+              </a:ext>
+            </a:extLst>
+          </p:cNvPr>
+          <p:cNvSpPr/>
+          <p:nvPr/>
+        </p:nvSpPr>
+        <p:spPr>
+          <a:xfrm>
+            <a:off x="877547" y="2030741"/>
+            <a:ext cx="1413590" cy="321365"/>
+          </a:xfrm>
+          <a:prstGeom prst="rect">
+            <a:avLst/>
+          </a:prstGeom>
+          <a:noFill/>
+          <a:ln w="38100">
+            <a:solidFill>
+              <a:srgbClr val="FF0000"/>
+            </a:solidFill>
+          </a:ln>
+        </p:spPr>
+        <p:style>
+          <a:lnRef idx="2">
+            <a:schemeClr val="accent1">
+              <a:shade val="50000"/>
+            </a:schemeClr>
+          </a:lnRef>
+          <a:fillRef idx="1">
+            <a:schemeClr val="accent1"/>
+          </a:fillRef>
+          <a:effectRef idx="0">
+            <a:schemeClr val="accent1"/>
+          </a:effectRef>
+          <a:fontRef idx="minor">
+            <a:schemeClr val="lt1"/>
+          </a:fontRef>
+        </p:style>
+        <p:txBody>
+          <a:bodyPr rtlCol="0" anchor="ctr"/>
+          <a:lstStyle/>
+          <a:p>
+            <a:pPr algn="ctr"/>
+            <a:endParaRPr lang="ko-KR" altLang="en-US"/>
+          </a:p>
+        </p:txBody>
+      </p:sp>
+      <p:pic>
+        <p:nvPicPr>
+          <p:cNvPr id="11" name="그림 10">
+            <a:extLst>
+              <a:ext uri="{FF2B5EF4-FFF2-40B4-BE49-F238E27FC236}">
+                <a16:creationId xmlns:a16="http://schemas.microsoft.com/office/drawing/2014/main" id="{DCEAF314-8B85-4E69-A7B8-2019E26D4EE7}"/>
+              </a:ext>
+            </a:extLst>
+          </p:cNvPr>
+          <p:cNvPicPr>
+            <a:picLocks noChangeAspect="1"/>
+          </p:cNvPicPr>
+          <p:nvPr/>
+        </p:nvPicPr>
+        <p:blipFill>
+          <a:blip r:embed="rId3"/>
+          <a:stretch>
+            <a:fillRect/>
+          </a:stretch>
+        </p:blipFill>
+        <p:spPr>
+          <a:xfrm>
+            <a:off x="539551" y="4425165"/>
+            <a:ext cx="5324475" cy="1295400"/>
+          </a:xfrm>
+          <a:prstGeom prst="rect">
+            <a:avLst/>
+          </a:prstGeom>
+        </p:spPr>
+      </p:pic>
+      <p:sp>
+        <p:nvSpPr>
+          <p:cNvPr id="12" name="내용 개체 틀 4">
+            <a:extLst>
+              <a:ext uri="{FF2B5EF4-FFF2-40B4-BE49-F238E27FC236}">
+                <a16:creationId xmlns:a16="http://schemas.microsoft.com/office/drawing/2014/main" id="{07071ECF-49C5-4774-8512-513FDEA986FF}"/>
+              </a:ext>
+            </a:extLst>
+          </p:cNvPr>
+          <p:cNvSpPr txBox="1">
+            <a:spLocks/>
+          </p:cNvSpPr>
+          <p:nvPr/>
+        </p:nvSpPr>
+        <p:spPr>
+          <a:xfrm>
+            <a:off x="250825" y="3769038"/>
+            <a:ext cx="8641655" cy="605009"/>
+          </a:xfrm>
+          <a:prstGeom prst="rect">
+            <a:avLst/>
+          </a:prstGeom>
+        </p:spPr>
+        <p:txBody>
+          <a:bodyPr vert="horz" lIns="91440" tIns="0" rIns="91440" bIns="0" rtlCol="0">
+            <a:noAutofit/>
+          </a:bodyPr>
+          <a:lstStyle>
+            <a:lvl1pPr marL="266700" indent="-266700" algn="l" defTabSz="914400" rtl="0" eaLnBrk="1" latinLnBrk="1" hangingPunct="1">
+              <a:lnSpc>
+                <a:spcPct val="150000"/>
+              </a:lnSpc>
+              <a:spcBef>
+                <a:spcPts val="0"/>
+              </a:spcBef>
+              <a:buClr>
+                <a:schemeClr val="tx1">
+                  <a:lumMod val="65000"/>
+                  <a:lumOff val="35000"/>
+                </a:schemeClr>
+              </a:buClr>
+              <a:buFont typeface="Wingdings" pitchFamily="2" charset="2"/>
+              <a:buChar char="n"/>
+              <a:defRPr sz="2000" b="1" kern="1200">
+                <a:solidFill>
+                  <a:schemeClr val="tx1"/>
+                </a:solidFill>
+                <a:latin typeface="+mn-ea"/>
+                <a:ea typeface="+mn-ea"/>
+                <a:cs typeface="+mn-cs"/>
+              </a:defRPr>
+            </a:lvl1pPr>
+            <a:lvl2pPr marL="447675" indent="-180975" algn="l" defTabSz="914400" rtl="0" eaLnBrk="1" latinLnBrk="1" hangingPunct="1">
+              <a:lnSpc>
+                <a:spcPct val="150000"/>
+              </a:lnSpc>
+              <a:spcBef>
+                <a:spcPts val="500"/>
+              </a:spcBef>
+              <a:spcAft>
+                <a:spcPts val="400"/>
+              </a:spcAft>
+              <a:buClr>
+                <a:schemeClr val="tx1">
+                  <a:lumMod val="65000"/>
+                  <a:lumOff val="35000"/>
+                </a:schemeClr>
+              </a:buClr>
+              <a:buFont typeface="Wingdings" pitchFamily="2" charset="2"/>
+              <a:buChar char="§"/>
+              <a:defRPr sz="1600" kern="1200">
+                <a:solidFill>
+                  <a:schemeClr val="tx1"/>
+                </a:solidFill>
+                <a:latin typeface="+mn-lt"/>
+                <a:ea typeface="+mn-ea"/>
+                <a:cs typeface="+mn-cs"/>
+              </a:defRPr>
+            </a:lvl2pPr>
+            <a:lvl3pPr marL="628650" indent="-180975" algn="l" defTabSz="914400" rtl="0" eaLnBrk="1" latinLnBrk="1" hangingPunct="1">
+              <a:lnSpc>
+                <a:spcPct val="150000"/>
+              </a:lnSpc>
+              <a:spcBef>
+                <a:spcPts val="500"/>
+              </a:spcBef>
+              <a:spcAft>
+                <a:spcPts val="300"/>
+              </a:spcAft>
+              <a:buClr>
+                <a:schemeClr val="tx1">
+                  <a:lumMod val="65000"/>
+                  <a:lumOff val="35000"/>
+                </a:schemeClr>
+              </a:buClr>
+              <a:buFont typeface="Arial" panose="020B0604020202020204" pitchFamily="34" charset="0"/>
+              <a:buChar char="•"/>
+              <a:defRPr sz="1400" kern="1200">
+                <a:solidFill>
+                  <a:schemeClr val="tx1"/>
+                </a:solidFill>
+                <a:latin typeface="+mn-lt"/>
+                <a:ea typeface="+mn-ea"/>
+                <a:cs typeface="+mn-cs"/>
+              </a:defRPr>
+            </a:lvl3pPr>
+            <a:lvl4pPr marL="809625" indent="-180975" algn="l" defTabSz="914400" rtl="0" eaLnBrk="1" latinLnBrk="1" hangingPunct="1">
+              <a:lnSpc>
+                <a:spcPct val="150000"/>
+              </a:lnSpc>
+              <a:spcBef>
+                <a:spcPts val="500"/>
+              </a:spcBef>
+              <a:spcAft>
+                <a:spcPts val="300"/>
+              </a:spcAft>
+              <a:buClr>
+                <a:schemeClr val="tx1">
+                  <a:lumMod val="65000"/>
+                  <a:lumOff val="35000"/>
+                </a:schemeClr>
+              </a:buClr>
+              <a:buSzPct val="96000"/>
+              <a:buFont typeface="Arial" panose="020B0604020202020204" pitchFamily="34" charset="0"/>
+              <a:buChar char="•"/>
+              <a:defRPr sz="1200" kern="1200">
+                <a:solidFill>
+                  <a:schemeClr val="tx1"/>
+                </a:solidFill>
+                <a:latin typeface="+mn-lt"/>
+                <a:ea typeface="+mn-ea"/>
+                <a:cs typeface="+mn-cs"/>
+              </a:defRPr>
+            </a:lvl4pPr>
+            <a:lvl5pPr marL="990600" indent="-180975" algn="l" defTabSz="914400" rtl="0" eaLnBrk="1" latinLnBrk="1" hangingPunct="1">
+              <a:lnSpc>
+                <a:spcPct val="150000"/>
+              </a:lnSpc>
+              <a:spcBef>
+                <a:spcPts val="500"/>
+              </a:spcBef>
+              <a:buClr>
+                <a:schemeClr val="tx1">
+                  <a:lumMod val="65000"/>
+                  <a:lumOff val="35000"/>
+                </a:schemeClr>
+              </a:buClr>
+              <a:buFont typeface="Arial" panose="020B0604020202020204" pitchFamily="34" charset="0"/>
+              <a:buChar char="•"/>
+              <a:defRPr sz="1000" kern="1200">
+                <a:solidFill>
+                  <a:schemeClr val="tx1"/>
+                </a:solidFill>
+                <a:latin typeface="+mn-lt"/>
+                <a:ea typeface="+mn-ea"/>
+                <a:cs typeface="+mn-cs"/>
+              </a:defRPr>
+            </a:lvl5pPr>
+            <a:lvl6pPr marL="2514600" indent="-228600" algn="l" defTabSz="914400" rtl="0" eaLnBrk="1" latinLnBrk="1" hangingPunct="1">
+              <a:lnSpc>
+                <a:spcPct val="90000"/>
+              </a:lnSpc>
+              <a:spcBef>
+                <a:spcPts val="500"/>
+              </a:spcBef>
+              <a:buFont typeface="Arial" panose="020B0604020202020204" pitchFamily="34" charset="0"/>
+              <a:buChar char="•"/>
+              <a:defRPr sz="1800" kern="1200">
+                <a:solidFill>
+                  <a:schemeClr val="tx1"/>
+                </a:solidFill>
+                <a:latin typeface="+mn-lt"/>
+                <a:ea typeface="+mn-ea"/>
+                <a:cs typeface="+mn-cs"/>
+              </a:defRPr>
+            </a:lvl6pPr>
+            <a:lvl7pPr marL="2971800" indent="-228600" algn="l" defTabSz="914400" rtl="0" eaLnBrk="1" latinLnBrk="1" hangingPunct="1">
+              <a:lnSpc>
+                <a:spcPct val="90000"/>
+              </a:lnSpc>
+              <a:spcBef>
+                <a:spcPts val="500"/>
+              </a:spcBef>
+              <a:buFont typeface="Arial" panose="020B0604020202020204" pitchFamily="34" charset="0"/>
+              <a:buChar char="•"/>
+              <a:defRPr sz="1800" kern="1200">
+                <a:solidFill>
+                  <a:schemeClr val="tx1"/>
+                </a:solidFill>
+                <a:latin typeface="+mn-lt"/>
+                <a:ea typeface="+mn-ea"/>
+                <a:cs typeface="+mn-cs"/>
+              </a:defRPr>
+            </a:lvl7pPr>
+            <a:lvl8pPr marL="3429000" indent="-228600" algn="l" defTabSz="914400" rtl="0" eaLnBrk="1" latinLnBrk="1" hangingPunct="1">
+              <a:lnSpc>
+                <a:spcPct val="90000"/>
+              </a:lnSpc>
+              <a:spcBef>
+                <a:spcPts val="500"/>
+              </a:spcBef>
+              <a:buFont typeface="Arial" panose="020B0604020202020204" pitchFamily="34" charset="0"/>
+              <a:buChar char="•"/>
+              <a:defRPr sz="1800" kern="1200">
+                <a:solidFill>
+                  <a:schemeClr val="tx1"/>
+                </a:solidFill>
+                <a:latin typeface="+mn-lt"/>
+                <a:ea typeface="+mn-ea"/>
+                <a:cs typeface="+mn-cs"/>
+              </a:defRPr>
+            </a:lvl8pPr>
+            <a:lvl9pPr marL="3886200" indent="-228600" algn="l" defTabSz="914400" rtl="0" eaLnBrk="1" latinLnBrk="1" hangingPunct="1">
+              <a:lnSpc>
+                <a:spcPct val="90000"/>
+              </a:lnSpc>
+              <a:spcBef>
+                <a:spcPts val="500"/>
+              </a:spcBef>
+              <a:buFont typeface="Arial" panose="020B0604020202020204" pitchFamily="34" charset="0"/>
+              <a:buChar char="•"/>
+              <a:defRPr sz="1800" kern="1200">
+                <a:solidFill>
+                  <a:schemeClr val="tx1"/>
+                </a:solidFill>
+                <a:latin typeface="+mn-lt"/>
+                <a:ea typeface="+mn-ea"/>
+                <a:cs typeface="+mn-cs"/>
+              </a:defRPr>
+            </a:lvl9pPr>
+          </a:lstStyle>
+          <a:p>
+            <a:pPr>
+              <a:defRPr/>
+            </a:pPr>
+            <a:r>
+              <a:rPr lang="ko-KR" altLang="en-US" dirty="0"/>
+              <a:t>마지막 수정된 내용으로 </a:t>
+            </a:r>
+            <a:r>
+              <a:rPr lang="en-US" altLang="ko-KR" dirty="0"/>
+              <a:t>merge</a:t>
+            </a:r>
+            <a:r>
+              <a:rPr lang="ko-KR" altLang="en-US" dirty="0"/>
+              <a:t>되어 있음</a:t>
+            </a:r>
+          </a:p>
+        </p:txBody>
+      </p:sp>
+    </p:spTree>
+    <p:extLst>
+      <p:ext uri="{BB962C8B-B14F-4D97-AF65-F5344CB8AC3E}">
+        <p14:creationId xmlns:p14="http://schemas.microsoft.com/office/powerpoint/2010/main" val="2835616694"/>
+      </p:ext>
+    </p:extLst>
+  </p:cSld>
+  <p:clrMapOvr>
+    <a:masterClrMapping/>
+  </p:clrMapOvr>
+</p:sld>
+</file>
+
+<file path=ppt/slides/slide43.xml><?xml version="1.0" encoding="utf-8"?>
+<p:sld xmlns:a="http://schemas.openxmlformats.org/drawingml/2006/main" xmlns:r="http://schemas.openxmlformats.org/officeDocument/2006/relationships" xmlns:p="http://schemas.openxmlformats.org/presentationml/2006/main">
+  <p:cSld>
+    <p:spTree>
+      <p:nvGrpSpPr>
+        <p:cNvPr id="1" name=""/>
+        <p:cNvGrpSpPr/>
+        <p:nvPr/>
+      </p:nvGrpSpPr>
+      <p:grpSpPr>
+        <a:xfrm>
+          <a:off x="0" y="0"/>
+          <a:ext cx="0" cy="0"/>
+          <a:chOff x="0" y="0"/>
+          <a:chExt cx="0" cy="0"/>
+        </a:xfrm>
+      </p:grpSpPr>
+      <p:sp>
+        <p:nvSpPr>
+          <p:cNvPr id="4" name="제목 3">
+            <a:extLst>
+              <a:ext uri="{FF2B5EF4-FFF2-40B4-BE49-F238E27FC236}">
+                <a16:creationId xmlns:a16="http://schemas.microsoft.com/office/drawing/2014/main" id="{F0CEB32B-CB43-4410-BA08-A97E4BC47FCB}"/>
+              </a:ext>
+            </a:extLst>
+          </p:cNvPr>
+          <p:cNvSpPr>
+            <a:spLocks noGrp="1"/>
+          </p:cNvSpPr>
+          <p:nvPr>
+            <p:ph type="title"/>
+          </p:nvPr>
+        </p:nvSpPr>
+        <p:spPr/>
+        <p:txBody>
+          <a:bodyPr/>
+          <a:lstStyle/>
+          <a:p>
+            <a:r>
+              <a:rPr lang="ko-KR" altLang="en-US" dirty="0"/>
+              <a:t>협업방식 </a:t>
+            </a:r>
+            <a:r>
+              <a:rPr lang="en-US" altLang="ko-KR" dirty="0"/>
+              <a:t>1</a:t>
+            </a:r>
+            <a:endParaRPr lang="ko-KR" altLang="en-US" dirty="0"/>
+          </a:p>
+        </p:txBody>
+      </p:sp>
+      <p:sp>
+        <p:nvSpPr>
+          <p:cNvPr id="5" name="내용 개체 틀 4">
+            <a:extLst>
+              <a:ext uri="{FF2B5EF4-FFF2-40B4-BE49-F238E27FC236}">
+                <a16:creationId xmlns:a16="http://schemas.microsoft.com/office/drawing/2014/main" id="{48DB0CC3-2321-4F7D-83F1-DDCF2E040E0D}"/>
+              </a:ext>
+            </a:extLst>
+          </p:cNvPr>
+          <p:cNvSpPr>
+            <a:spLocks noGrp="1"/>
+          </p:cNvSpPr>
+          <p:nvPr>
+            <p:ph idx="1"/>
+          </p:nvPr>
+        </p:nvSpPr>
+        <p:spPr>
+          <a:xfrm>
+            <a:off x="250825" y="1000221"/>
+            <a:ext cx="8641655" cy="3448489"/>
+          </a:xfrm>
+        </p:spPr>
+        <p:txBody>
+          <a:bodyPr tIns="0" bIns="0">
+            <a:noAutofit/>
+          </a:bodyPr>
+          <a:lstStyle/>
+          <a:p>
+            <a:pPr>
+              <a:buClr>
+                <a:schemeClr val="tx1">
+                  <a:lumMod val="65000"/>
+                  <a:lumOff val="35000"/>
+                </a:schemeClr>
+              </a:buClr>
+              <a:defRPr/>
+            </a:pPr>
+            <a:r>
+              <a:rPr lang="ko-KR" altLang="en-US" dirty="0"/>
+              <a:t>마지막 정리 단계</a:t>
+            </a:r>
+            <a:r>
+              <a:rPr lang="en-US" altLang="ko-KR" dirty="0"/>
+              <a:t>)</a:t>
+            </a:r>
+          </a:p>
+          <a:p>
+            <a:pPr marL="717550" lvl="1" indent="-266700">
+              <a:buFont typeface="+mj-ea"/>
+              <a:buAutoNum type="circleNumDbPlain" startAt="2"/>
+            </a:pPr>
+            <a:r>
+              <a:rPr lang="ko-KR" altLang="en-US" dirty="0"/>
+              <a:t>로컬 </a:t>
+            </a:r>
+            <a:r>
+              <a:rPr lang="en-US" altLang="ko-KR" dirty="0"/>
+              <a:t>main</a:t>
+            </a:r>
+            <a:r>
+              <a:rPr lang="ko-KR" altLang="en-US" dirty="0"/>
+              <a:t>에서  </a:t>
+            </a:r>
+            <a:r>
+              <a:rPr lang="en-US" altLang="ko-KR" dirty="0"/>
+              <a:t>upstream main</a:t>
+            </a:r>
+            <a:r>
+              <a:rPr lang="ko-KR" altLang="en-US" dirty="0"/>
+              <a:t> </a:t>
+            </a:r>
+            <a:r>
+              <a:rPr lang="en-US" altLang="ko-KR" dirty="0"/>
+              <a:t>pull </a:t>
+            </a:r>
+            <a:r>
+              <a:rPr lang="ko-KR" altLang="en-US" dirty="0"/>
+              <a:t>받기</a:t>
+            </a:r>
+            <a:endParaRPr lang="en-US" altLang="ko-KR" dirty="0">
+              <a:latin typeface="+mn-ea"/>
+            </a:endParaRPr>
+          </a:p>
+          <a:p>
+            <a:pPr marL="266700" lvl="1" indent="0">
+              <a:buNone/>
+            </a:pPr>
+            <a:r>
+              <a:rPr lang="en-US" altLang="ko-KR" dirty="0">
+                <a:latin typeface="+mn-ea"/>
+              </a:rPr>
+              <a:t>      ☞ git checkout main</a:t>
+            </a:r>
+          </a:p>
+          <a:p>
+            <a:pPr marL="357188" lvl="1" indent="0">
+              <a:spcBef>
+                <a:spcPts val="0"/>
+              </a:spcBef>
+              <a:spcAft>
+                <a:spcPts val="0"/>
+              </a:spcAft>
+              <a:buClr>
+                <a:schemeClr val="tx1">
+                  <a:lumMod val="50000"/>
+                  <a:lumOff val="50000"/>
+                </a:schemeClr>
+              </a:buClr>
+              <a:buNone/>
+            </a:pPr>
+            <a:r>
+              <a:rPr lang="en-US" altLang="ko-KR" dirty="0">
+                <a:latin typeface="+mn-ea"/>
+              </a:rPr>
+              <a:t>     ☞ git pull (</a:t>
+            </a:r>
+            <a:r>
+              <a:rPr lang="ko-KR" altLang="en-US" dirty="0">
+                <a:latin typeface="+mn-ea"/>
+              </a:rPr>
+              <a:t>강제로 </a:t>
+            </a:r>
+            <a:r>
+              <a:rPr lang="en-US" altLang="ko-KR" dirty="0">
+                <a:latin typeface="+mn-ea"/>
+              </a:rPr>
+              <a:t>pull , git fetch –all, git reset –hard origin/main)</a:t>
+            </a:r>
+          </a:p>
+          <a:p>
+            <a:pPr marL="700088" lvl="1" indent="-342900">
+              <a:spcBef>
+                <a:spcPts val="0"/>
+              </a:spcBef>
+              <a:spcAft>
+                <a:spcPts val="0"/>
+              </a:spcAft>
+              <a:buClr>
+                <a:schemeClr val="tx1">
+                  <a:lumMod val="50000"/>
+                  <a:lumOff val="50000"/>
+                </a:schemeClr>
+              </a:buClr>
+              <a:buFont typeface="+mj-ea"/>
+              <a:buAutoNum type="circleNumDbPlain" startAt="3"/>
+            </a:pPr>
+            <a:r>
+              <a:rPr lang="en-US" altLang="ko-KR" dirty="0">
+                <a:latin typeface="+mn-ea"/>
+              </a:rPr>
+              <a:t>Feature1 </a:t>
+            </a:r>
+            <a:r>
+              <a:rPr lang="ko-KR" altLang="en-US" dirty="0" err="1">
+                <a:latin typeface="+mn-ea"/>
+              </a:rPr>
+              <a:t>브랜치</a:t>
+            </a:r>
+            <a:r>
+              <a:rPr lang="ko-KR" altLang="en-US" dirty="0">
+                <a:latin typeface="+mn-ea"/>
+              </a:rPr>
+              <a:t> 삭제  </a:t>
+            </a:r>
+            <a:r>
+              <a:rPr lang="en-US" altLang="ko-KR" dirty="0">
+                <a:latin typeface="+mn-ea"/>
+              </a:rPr>
+              <a:t>☞ git branch</a:t>
+            </a:r>
+            <a:r>
+              <a:rPr lang="ko-KR" altLang="en-US" dirty="0">
+                <a:latin typeface="+mn-ea"/>
+              </a:rPr>
+              <a:t> </a:t>
+            </a:r>
+            <a:r>
+              <a:rPr lang="en-US" altLang="ko-KR" dirty="0">
+                <a:latin typeface="+mn-ea"/>
+              </a:rPr>
+              <a:t>–d feature1</a:t>
+            </a:r>
+          </a:p>
+          <a:p>
+            <a:pPr marL="700088" lvl="1" indent="-342900">
+              <a:spcBef>
+                <a:spcPts val="0"/>
+              </a:spcBef>
+              <a:spcAft>
+                <a:spcPts val="0"/>
+              </a:spcAft>
+              <a:buClr>
+                <a:schemeClr val="tx1">
+                  <a:lumMod val="50000"/>
+                  <a:lumOff val="50000"/>
+                </a:schemeClr>
+              </a:buClr>
+              <a:buFont typeface="+mj-ea"/>
+              <a:buAutoNum type="circleNumDbPlain" startAt="3"/>
+            </a:pPr>
+            <a:r>
+              <a:rPr lang="en-US" altLang="ko-KR" dirty="0">
+                <a:latin typeface="+mn-ea"/>
+              </a:rPr>
+              <a:t> upstream branch </a:t>
+            </a:r>
+            <a:r>
+              <a:rPr lang="ko-KR" altLang="en-US" dirty="0">
+                <a:latin typeface="+mn-ea"/>
+              </a:rPr>
+              <a:t>삭제  </a:t>
+            </a:r>
+            <a:r>
+              <a:rPr lang="en-US" altLang="ko-KR" dirty="0">
+                <a:latin typeface="+mn-ea"/>
+              </a:rPr>
+              <a:t>☞ git push</a:t>
+            </a:r>
+            <a:r>
+              <a:rPr lang="ko-KR" altLang="en-US" dirty="0">
+                <a:latin typeface="+mn-ea"/>
+              </a:rPr>
+              <a:t> </a:t>
+            </a:r>
+            <a:r>
+              <a:rPr lang="en-US" altLang="ko-KR" dirty="0">
+                <a:latin typeface="+mn-ea"/>
+              </a:rPr>
+              <a:t>–d origin</a:t>
+            </a:r>
+            <a:r>
+              <a:rPr lang="ko-KR" altLang="en-US" dirty="0">
+                <a:latin typeface="+mn-ea"/>
+              </a:rPr>
+              <a:t> </a:t>
+            </a:r>
+            <a:r>
+              <a:rPr lang="en-US" altLang="ko-KR" dirty="0">
+                <a:latin typeface="+mn-ea"/>
+              </a:rPr>
+              <a:t>feature1</a:t>
+            </a:r>
+          </a:p>
+          <a:p>
+            <a:pPr marL="534988" lvl="1" indent="-268288">
+              <a:spcBef>
+                <a:spcPts val="0"/>
+              </a:spcBef>
+              <a:spcAft>
+                <a:spcPts val="0"/>
+              </a:spcAft>
+              <a:buClr>
+                <a:schemeClr val="tx1">
+                  <a:lumMod val="65000"/>
+                  <a:lumOff val="35000"/>
+                </a:schemeClr>
+              </a:buClr>
+              <a:buFont typeface="+mj-ea"/>
+              <a:buAutoNum type="circleNumDbPlain"/>
+              <a:defRPr/>
+            </a:pPr>
+            <a:endParaRPr lang="en-US" altLang="ko-KR" dirty="0"/>
+          </a:p>
+          <a:p>
+            <a:pPr marL="534988" lvl="1" indent="-268288">
+              <a:spcBef>
+                <a:spcPts val="0"/>
+              </a:spcBef>
+              <a:spcAft>
+                <a:spcPts val="0"/>
+              </a:spcAft>
+              <a:buClr>
+                <a:schemeClr val="tx1">
+                  <a:lumMod val="65000"/>
+                  <a:lumOff val="35000"/>
+                </a:schemeClr>
+              </a:buClr>
+              <a:buFont typeface="+mj-ea"/>
+              <a:buAutoNum type="circleNumDbPlain"/>
+              <a:defRPr/>
+            </a:pPr>
+            <a:endParaRPr lang="en-US" altLang="ko-KR" dirty="0"/>
+          </a:p>
+          <a:p>
+            <a:pPr>
+              <a:buClr>
+                <a:schemeClr val="tx1">
+                  <a:lumMod val="65000"/>
+                  <a:lumOff val="35000"/>
+                </a:schemeClr>
+              </a:buClr>
+              <a:defRPr/>
+            </a:pPr>
+            <a:endParaRPr lang="ko-KR" altLang="en-US" dirty="0"/>
+          </a:p>
+        </p:txBody>
+      </p:sp>
+    </p:spTree>
+    <p:extLst>
+      <p:ext uri="{BB962C8B-B14F-4D97-AF65-F5344CB8AC3E}">
+        <p14:creationId xmlns:p14="http://schemas.microsoft.com/office/powerpoint/2010/main" val="1599698008"/>
+      </p:ext>
+    </p:extLst>
+  </p:cSld>
+  <p:clrMapOvr>
+    <a:masterClrMapping/>
+  </p:clrMapOvr>
+</p:sld>
+</file>
+
+<file path=ppt/slides/slide44.xml><?xml version="1.0" encoding="utf-8"?>
+<p:sld xmlns:a="http://schemas.openxmlformats.org/drawingml/2006/main" xmlns:r="http://schemas.openxmlformats.org/officeDocument/2006/relationships" xmlns:p="http://schemas.openxmlformats.org/presentationml/2006/main">
+  <p:cSld>
+    <p:spTree>
+      <p:nvGrpSpPr>
+        <p:cNvPr id="1" name=""/>
+        <p:cNvGrpSpPr/>
+        <p:nvPr/>
+      </p:nvGrpSpPr>
+      <p:grpSpPr>
+        <a:xfrm>
+          <a:off x="0" y="0"/>
+          <a:ext cx="0" cy="0"/>
+          <a:chOff x="0" y="0"/>
+          <a:chExt cx="0" cy="0"/>
+        </a:xfrm>
+      </p:grpSpPr>
+      <p:sp>
+        <p:nvSpPr>
+          <p:cNvPr id="4" name="제목 3">
+            <a:extLst>
+              <a:ext uri="{FF2B5EF4-FFF2-40B4-BE49-F238E27FC236}">
+                <a16:creationId xmlns:a16="http://schemas.microsoft.com/office/drawing/2014/main" id="{F0CEB32B-CB43-4410-BA08-A97E4BC47FCB}"/>
+              </a:ext>
+            </a:extLst>
+          </p:cNvPr>
+          <p:cNvSpPr>
+            <a:spLocks noGrp="1"/>
+          </p:cNvSpPr>
+          <p:nvPr>
+            <p:ph type="title"/>
+          </p:nvPr>
+        </p:nvSpPr>
+        <p:spPr/>
+        <p:txBody>
+          <a:bodyPr/>
+          <a:lstStyle/>
+          <a:p>
+            <a:r>
+              <a:rPr lang="ko-KR" altLang="en-US" dirty="0"/>
+              <a:t>협업방식 </a:t>
+            </a:r>
+            <a:r>
+              <a:rPr lang="en-US" altLang="ko-KR" dirty="0"/>
+              <a:t>1</a:t>
+            </a:r>
+            <a:endParaRPr lang="ko-KR" altLang="en-US" dirty="0"/>
+          </a:p>
+        </p:txBody>
+      </p:sp>
+      <p:pic>
+        <p:nvPicPr>
+          <p:cNvPr id="9" name="그림 8">
+            <a:extLst>
+              <a:ext uri="{FF2B5EF4-FFF2-40B4-BE49-F238E27FC236}">
+                <a16:creationId xmlns:a16="http://schemas.microsoft.com/office/drawing/2014/main" id="{27D98CA0-4BC1-45DD-AA1C-37E4C4129D48}"/>
+              </a:ext>
+            </a:extLst>
+          </p:cNvPr>
+          <p:cNvPicPr>
+            <a:picLocks noChangeAspect="1"/>
+          </p:cNvPicPr>
+          <p:nvPr/>
+        </p:nvPicPr>
+        <p:blipFill>
+          <a:blip r:embed="rId2"/>
+          <a:stretch>
+            <a:fillRect/>
+          </a:stretch>
+        </p:blipFill>
+        <p:spPr>
+          <a:xfrm>
+            <a:off x="108574" y="1004834"/>
+            <a:ext cx="6810375" cy="3409950"/>
+          </a:xfrm>
+          <a:prstGeom prst="rect">
+            <a:avLst/>
+          </a:prstGeom>
+        </p:spPr>
+      </p:pic>
+    </p:spTree>
+    <p:extLst>
+      <p:ext uri="{BB962C8B-B14F-4D97-AF65-F5344CB8AC3E}">
+        <p14:creationId xmlns:p14="http://schemas.microsoft.com/office/powerpoint/2010/main" val="2639812796"/>
+      </p:ext>
+    </p:extLst>
+  </p:cSld>
+  <p:clrMapOvr>
+    <a:masterClrMapping/>
+  </p:clrMapOvr>
+</p:sld>
+</file>
+
+<file path=ppt/slides/slide45.xml><?xml version="1.0" encoding="utf-8"?>
+<p:sld xmlns:a="http://schemas.openxmlformats.org/drawingml/2006/main" xmlns:r="http://schemas.openxmlformats.org/officeDocument/2006/relationships" xmlns:p="http://schemas.openxmlformats.org/presentationml/2006/main">
+  <p:cSld>
+    <p:spTree>
+      <p:nvGrpSpPr>
+        <p:cNvPr id="1" name=""/>
+        <p:cNvGrpSpPr/>
+        <p:nvPr/>
+      </p:nvGrpSpPr>
+      <p:grpSpPr>
+        <a:xfrm>
+          <a:off x="0" y="0"/>
+          <a:ext cx="0" cy="0"/>
+          <a:chOff x="0" y="0"/>
+          <a:chExt cx="0" cy="0"/>
+        </a:xfrm>
+      </p:grpSpPr>
+      <p:sp>
+        <p:nvSpPr>
+          <p:cNvPr id="4" name="제목 3">
+            <a:extLst>
+              <a:ext uri="{FF2B5EF4-FFF2-40B4-BE49-F238E27FC236}">
+                <a16:creationId xmlns:a16="http://schemas.microsoft.com/office/drawing/2014/main" id="{F0CEB32B-CB43-4410-BA08-A97E4BC47FCB}"/>
+              </a:ext>
+            </a:extLst>
+          </p:cNvPr>
+          <p:cNvSpPr>
+            <a:spLocks noGrp="1"/>
+          </p:cNvSpPr>
+          <p:nvPr>
+            <p:ph type="title"/>
+          </p:nvPr>
+        </p:nvSpPr>
+        <p:spPr/>
+        <p:txBody>
+          <a:bodyPr/>
+          <a:lstStyle/>
+          <a:p>
+            <a:r>
+              <a:rPr lang="ko-KR" altLang="en-US" dirty="0"/>
+              <a:t>협업방식 </a:t>
+            </a:r>
+            <a:r>
+              <a:rPr lang="en-US" altLang="ko-KR" dirty="0"/>
+              <a:t>1</a:t>
+            </a:r>
+            <a:endParaRPr lang="ko-KR" altLang="en-US" dirty="0"/>
+          </a:p>
+        </p:txBody>
+      </p:sp>
+      <p:pic>
+        <p:nvPicPr>
+          <p:cNvPr id="3" name="그림 2">
+            <a:extLst>
+              <a:ext uri="{FF2B5EF4-FFF2-40B4-BE49-F238E27FC236}">
+                <a16:creationId xmlns:a16="http://schemas.microsoft.com/office/drawing/2014/main" id="{28D5E6B4-3811-40D0-8DE9-7B4E23A11385}"/>
+              </a:ext>
+            </a:extLst>
+          </p:cNvPr>
+          <p:cNvPicPr>
+            <a:picLocks noChangeAspect="1"/>
+          </p:cNvPicPr>
+          <p:nvPr/>
+        </p:nvPicPr>
+        <p:blipFill>
+          <a:blip r:embed="rId2"/>
+          <a:stretch>
+            <a:fillRect/>
+          </a:stretch>
+        </p:blipFill>
+        <p:spPr>
+          <a:xfrm>
+            <a:off x="1104900" y="514350"/>
+            <a:ext cx="6934200" cy="5829300"/>
+          </a:xfrm>
+          <a:prstGeom prst="rect">
+            <a:avLst/>
+          </a:prstGeom>
+        </p:spPr>
+      </p:pic>
+    </p:spTree>
+    <p:extLst>
+      <p:ext uri="{BB962C8B-B14F-4D97-AF65-F5344CB8AC3E}">
+        <p14:creationId xmlns:p14="http://schemas.microsoft.com/office/powerpoint/2010/main" val="3254034990"/>
+      </p:ext>
+    </p:extLst>
+  </p:cSld>
+  <p:clrMapOvr>
+    <a:masterClrMapping/>
+  </p:clrMapOvr>
+</p:sld>
+</file>
+
+<file path=ppt/slides/slide46.xml><?xml version="1.0" encoding="utf-8"?>
+<p:sld xmlns:a="http://schemas.openxmlformats.org/drawingml/2006/main" xmlns:r="http://schemas.openxmlformats.org/officeDocument/2006/relationships" xmlns:p="http://schemas.openxmlformats.org/presentationml/2006/main">
+  <p:cSld>
+    <p:spTree>
+      <p:nvGrpSpPr>
+        <p:cNvPr id="1" name=""/>
+        <p:cNvGrpSpPr/>
+        <p:nvPr/>
+      </p:nvGrpSpPr>
+      <p:grpSpPr>
+        <a:xfrm>
+          <a:off x="0" y="0"/>
+          <a:ext cx="0" cy="0"/>
+          <a:chOff x="0" y="0"/>
+          <a:chExt cx="0" cy="0"/>
+        </a:xfrm>
+      </p:grpSpPr>
+      <p:sp>
+        <p:nvSpPr>
+          <p:cNvPr id="4" name="제목 3">
+            <a:extLst>
+              <a:ext uri="{FF2B5EF4-FFF2-40B4-BE49-F238E27FC236}">
+                <a16:creationId xmlns:a16="http://schemas.microsoft.com/office/drawing/2014/main" id="{F0CEB32B-CB43-4410-BA08-A97E4BC47FCB}"/>
+              </a:ext>
+            </a:extLst>
+          </p:cNvPr>
+          <p:cNvSpPr>
+            <a:spLocks noGrp="1"/>
+          </p:cNvSpPr>
+          <p:nvPr>
+            <p:ph type="title"/>
+          </p:nvPr>
+        </p:nvSpPr>
+        <p:spPr/>
+        <p:txBody>
+          <a:bodyPr/>
+          <a:lstStyle/>
+          <a:p>
+            <a:r>
+              <a:rPr lang="ko-KR" altLang="en-US" dirty="0"/>
+              <a:t>협업방식 </a:t>
+            </a:r>
+            <a:r>
+              <a:rPr lang="en-US" altLang="ko-KR" dirty="0"/>
+              <a:t>1</a:t>
+            </a:r>
+            <a:endParaRPr lang="ko-KR" altLang="en-US" dirty="0"/>
+          </a:p>
+        </p:txBody>
+      </p:sp>
+      <p:pic>
+        <p:nvPicPr>
+          <p:cNvPr id="3" name="그림 2">
+            <a:extLst>
+              <a:ext uri="{FF2B5EF4-FFF2-40B4-BE49-F238E27FC236}">
+                <a16:creationId xmlns:a16="http://schemas.microsoft.com/office/drawing/2014/main" id="{7C1D9C5D-2758-4053-B02D-6026FBDB9B69}"/>
+              </a:ext>
+            </a:extLst>
+          </p:cNvPr>
+          <p:cNvPicPr>
+            <a:picLocks noChangeAspect="1"/>
+          </p:cNvPicPr>
+          <p:nvPr/>
+        </p:nvPicPr>
+        <p:blipFill>
+          <a:blip r:embed="rId2"/>
+          <a:stretch>
+            <a:fillRect/>
+          </a:stretch>
+        </p:blipFill>
+        <p:spPr>
+          <a:xfrm>
+            <a:off x="1123950" y="133350"/>
+            <a:ext cx="6896100" cy="6591300"/>
+          </a:xfrm>
+          <a:prstGeom prst="rect">
+            <a:avLst/>
+          </a:prstGeom>
+        </p:spPr>
+      </p:pic>
+    </p:spTree>
+    <p:extLst>
+      <p:ext uri="{BB962C8B-B14F-4D97-AF65-F5344CB8AC3E}">
+        <p14:creationId xmlns:p14="http://schemas.microsoft.com/office/powerpoint/2010/main" val="2639014381"/>
+      </p:ext>
+    </p:extLst>
+  </p:cSld>
+  <p:clrMapOvr>
+    <a:masterClrMapping/>
+  </p:clrMapOvr>
+</p:sld>
+</file>
+
+<file path=ppt/slides/slide47.xml><?xml version="1.0" encoding="utf-8"?>
+<p:sld xmlns:a="http://schemas.openxmlformats.org/drawingml/2006/main" xmlns:r="http://schemas.openxmlformats.org/officeDocument/2006/relationships" xmlns:p="http://schemas.openxmlformats.org/presentationml/2006/main">
+  <p:cSld>
+    <p:spTree>
+      <p:nvGrpSpPr>
+        <p:cNvPr id="1" name=""/>
+        <p:cNvGrpSpPr/>
+        <p:nvPr/>
+      </p:nvGrpSpPr>
+      <p:grpSpPr>
+        <a:xfrm>
+          <a:off x="0" y="0"/>
+          <a:ext cx="0" cy="0"/>
+          <a:chOff x="0" y="0"/>
+          <a:chExt cx="0" cy="0"/>
+        </a:xfrm>
+      </p:grpSpPr>
+      <p:sp>
+        <p:nvSpPr>
+          <p:cNvPr id="4" name="제목 3">
+            <a:extLst>
+              <a:ext uri="{FF2B5EF4-FFF2-40B4-BE49-F238E27FC236}">
+                <a16:creationId xmlns:a16="http://schemas.microsoft.com/office/drawing/2014/main" id="{F0CEB32B-CB43-4410-BA08-A97E4BC47FCB}"/>
+              </a:ext>
+            </a:extLst>
+          </p:cNvPr>
+          <p:cNvSpPr>
+            <a:spLocks noGrp="1"/>
+          </p:cNvSpPr>
+          <p:nvPr>
+            <p:ph type="title"/>
+          </p:nvPr>
+        </p:nvSpPr>
+        <p:spPr/>
+        <p:txBody>
+          <a:bodyPr/>
+          <a:lstStyle/>
+          <a:p>
+            <a:r>
+              <a:rPr lang="ko-KR" altLang="en-US" dirty="0"/>
+              <a:t>협업하기</a:t>
+            </a:r>
+          </a:p>
+        </p:txBody>
+      </p:sp>
+      <p:sp>
+        <p:nvSpPr>
+          <p:cNvPr id="7" name="내용 개체 틀 2">
+            <a:extLst>
+              <a:ext uri="{FF2B5EF4-FFF2-40B4-BE49-F238E27FC236}">
+                <a16:creationId xmlns:a16="http://schemas.microsoft.com/office/drawing/2014/main" id="{A44AC902-3746-40D6-9827-94B46EEDDC67}"/>
+              </a:ext>
+            </a:extLst>
+          </p:cNvPr>
+          <p:cNvSpPr txBox="1">
+            <a:spLocks/>
+          </p:cNvSpPr>
+          <p:nvPr/>
+        </p:nvSpPr>
+        <p:spPr>
+          <a:xfrm>
+            <a:off x="341787" y="1120545"/>
+            <a:ext cx="8642350" cy="2351314"/>
+          </a:xfrm>
+          <a:prstGeom prst="rect">
+            <a:avLst/>
+          </a:prstGeom>
+        </p:spPr>
+        <p:txBody>
+          <a:bodyPr vert="horz" lIns="91440" tIns="45720" rIns="91440" bIns="45720" rtlCol="0">
+            <a:noAutofit/>
+          </a:bodyPr>
+          <a:lstStyle>
+            <a:lvl1pPr marL="266700" indent="-266700" defTabSz="914400" latinLnBrk="1">
+              <a:lnSpc>
+                <a:spcPct val="150000"/>
+              </a:lnSpc>
+              <a:spcBef>
+                <a:spcPct val="0"/>
+              </a:spcBef>
+              <a:buClr>
+                <a:schemeClr val="tx1">
+                  <a:lumMod val="65000"/>
+                  <a:lumOff val="35000"/>
+                </a:schemeClr>
+              </a:buClr>
+              <a:buFont typeface="Wingdings" pitchFamily="2" charset="2"/>
+              <a:buChar char="n"/>
+              <a:defRPr sz="2000" b="1">
+                <a:latin typeface="+mn-ea"/>
+              </a:defRPr>
+            </a:lvl1pPr>
+            <a:lvl2pPr marL="447675" lvl="1" indent="-180975" defTabSz="914400" latinLnBrk="1">
+              <a:lnSpc>
+                <a:spcPct val="150000"/>
+              </a:lnSpc>
+              <a:spcBef>
+                <a:spcPts val="0"/>
+              </a:spcBef>
+              <a:spcAft>
+                <a:spcPts val="0"/>
+              </a:spcAft>
+              <a:buClr>
+                <a:schemeClr val="tx1">
+                  <a:lumMod val="50000"/>
+                  <a:lumOff val="50000"/>
+                </a:schemeClr>
+              </a:buClr>
+              <a:buFont typeface="Wingdings" pitchFamily="2" charset="2"/>
+              <a:buChar char="§"/>
+              <a:defRPr sz="1600"/>
+            </a:lvl2pPr>
+            <a:lvl3pPr marL="628650" indent="-180975" defTabSz="914400" latinLnBrk="1">
+              <a:lnSpc>
+                <a:spcPct val="150000"/>
+              </a:lnSpc>
+              <a:spcBef>
+                <a:spcPts val="500"/>
+              </a:spcBef>
+              <a:spcAft>
+                <a:spcPts val="300"/>
+              </a:spcAft>
+              <a:buClr>
+                <a:schemeClr val="tx1">
+                  <a:lumMod val="65000"/>
+                  <a:lumOff val="35000"/>
+                </a:schemeClr>
+              </a:buClr>
+              <a:buFont typeface="Arial" panose="020B0604020202020204" pitchFamily="34" charset="0"/>
+              <a:buChar char="•"/>
+              <a:defRPr sz="1400"/>
+            </a:lvl3pPr>
+            <a:lvl4pPr marL="809625" indent="-180975" defTabSz="914400" latinLnBrk="1">
+              <a:lnSpc>
+                <a:spcPct val="150000"/>
+              </a:lnSpc>
+              <a:spcBef>
+                <a:spcPts val="500"/>
+              </a:spcBef>
+              <a:spcAft>
+                <a:spcPts val="300"/>
+              </a:spcAft>
+              <a:buClr>
+                <a:schemeClr val="tx1">
+                  <a:lumMod val="65000"/>
+                  <a:lumOff val="35000"/>
+                </a:schemeClr>
+              </a:buClr>
+              <a:buSzPct val="96000"/>
+              <a:buFont typeface="Arial" panose="020B0604020202020204" pitchFamily="34" charset="0"/>
+              <a:buChar char="•"/>
+              <a:defRPr sz="1200"/>
+            </a:lvl4pPr>
+            <a:lvl5pPr marL="990600" indent="-180975" defTabSz="914400" latinLnBrk="1">
+              <a:lnSpc>
+                <a:spcPct val="150000"/>
+              </a:lnSpc>
+              <a:spcBef>
+                <a:spcPts val="500"/>
+              </a:spcBef>
+              <a:buClr>
+                <a:schemeClr val="tx1">
+                  <a:lumMod val="65000"/>
+                  <a:lumOff val="35000"/>
+                </a:schemeClr>
+              </a:buClr>
+              <a:buFont typeface="Arial" panose="020B0604020202020204" pitchFamily="34" charset="0"/>
+              <a:buChar char="•"/>
+              <a:defRPr sz="1000"/>
+            </a:lvl5pPr>
+            <a:lvl6pPr marL="2514600" indent="-228600" defTabSz="914400" latinLnBrk="1">
+              <a:lnSpc>
+                <a:spcPct val="90000"/>
+              </a:lnSpc>
+              <a:spcBef>
+                <a:spcPts val="500"/>
+              </a:spcBef>
+              <a:buFont typeface="Arial" panose="020B0604020202020204" pitchFamily="34" charset="0"/>
+              <a:buChar char="•"/>
+            </a:lvl6pPr>
+            <a:lvl7pPr marL="2971800" indent="-228600" defTabSz="914400" latinLnBrk="1">
+              <a:lnSpc>
+                <a:spcPct val="90000"/>
+              </a:lnSpc>
+              <a:spcBef>
+                <a:spcPts val="500"/>
+              </a:spcBef>
+              <a:buFont typeface="Arial" panose="020B0604020202020204" pitchFamily="34" charset="0"/>
+              <a:buChar char="•"/>
+            </a:lvl7pPr>
+            <a:lvl8pPr marL="3429000" indent="-228600" defTabSz="914400" latinLnBrk="1">
+              <a:lnSpc>
+                <a:spcPct val="90000"/>
+              </a:lnSpc>
+              <a:spcBef>
+                <a:spcPts val="500"/>
+              </a:spcBef>
+              <a:buFont typeface="Arial" panose="020B0604020202020204" pitchFamily="34" charset="0"/>
+              <a:buChar char="•"/>
+            </a:lvl8pPr>
+            <a:lvl9pPr marL="3886200" indent="-228600" defTabSz="914400" latinLnBrk="1">
+              <a:lnSpc>
+                <a:spcPct val="90000"/>
+              </a:lnSpc>
+              <a:spcBef>
+                <a:spcPts val="500"/>
+              </a:spcBef>
+              <a:buFont typeface="Arial" panose="020B0604020202020204" pitchFamily="34" charset="0"/>
+              <a:buChar char="•"/>
+            </a:lvl9pPr>
+          </a:lstStyle>
+          <a:p>
+            <a:r>
+              <a:rPr lang="ko-KR" altLang="en-US" dirty="0"/>
+              <a:t>협업환경 </a:t>
+            </a:r>
+            <a:r>
+              <a:rPr lang="en-US" altLang="ko-KR" dirty="0"/>
+              <a:t>(</a:t>
+            </a:r>
+            <a:r>
+              <a:rPr lang="ko-KR" altLang="en-US" dirty="0"/>
+              <a:t>참고 </a:t>
+            </a:r>
+            <a:r>
+              <a:rPr lang="en-US" altLang="ko-KR" dirty="0"/>
+              <a:t>: project </a:t>
+            </a:r>
+            <a:r>
+              <a:rPr lang="ko-KR" altLang="en-US" dirty="0"/>
+              <a:t>등록은 복잡</a:t>
+            </a:r>
+            <a:r>
+              <a:rPr lang="en-US" altLang="ko-KR" dirty="0"/>
+              <a:t>)</a:t>
+            </a:r>
+          </a:p>
+          <a:p>
+            <a:pPr lvl="1"/>
+            <a:r>
+              <a:rPr lang="ko-KR" altLang="en-US" dirty="0">
+                <a:latin typeface="+mn-ea"/>
+              </a:rPr>
+              <a:t>참여를 원하는 인원의 </a:t>
+            </a:r>
+            <a:r>
+              <a:rPr lang="en-US" altLang="ko-KR" dirty="0">
+                <a:latin typeface="+mn-ea"/>
+              </a:rPr>
+              <a:t>username </a:t>
+            </a:r>
+            <a:r>
+              <a:rPr lang="ko-KR" altLang="en-US" dirty="0">
+                <a:latin typeface="+mn-ea"/>
+              </a:rPr>
+              <a:t>혹은 이메일 등 한가지 </a:t>
+            </a:r>
+            <a:r>
+              <a:rPr lang="ko-KR" altLang="en-US" dirty="0" err="1">
+                <a:latin typeface="+mn-ea"/>
+              </a:rPr>
+              <a:t>입력후</a:t>
+            </a:r>
+            <a:r>
+              <a:rPr lang="ko-KR" altLang="en-US" dirty="0">
+                <a:latin typeface="+mn-ea"/>
+              </a:rPr>
+              <a:t> 클릭</a:t>
+            </a:r>
+            <a:endParaRPr lang="en-US" altLang="ko-KR" dirty="0">
+              <a:latin typeface="+mn-ea"/>
+            </a:endParaRPr>
+          </a:p>
+        </p:txBody>
+      </p:sp>
+      <p:pic>
+        <p:nvPicPr>
+          <p:cNvPr id="3" name="그림 2">
+            <a:extLst>
+              <a:ext uri="{FF2B5EF4-FFF2-40B4-BE49-F238E27FC236}">
+                <a16:creationId xmlns:a16="http://schemas.microsoft.com/office/drawing/2014/main" id="{ECF4A57F-E76D-4D0B-8E49-634EB2B8772C}"/>
+              </a:ext>
+            </a:extLst>
+          </p:cNvPr>
+          <p:cNvPicPr>
+            <a:picLocks noChangeAspect="1"/>
+          </p:cNvPicPr>
+          <p:nvPr/>
+        </p:nvPicPr>
+        <p:blipFill>
+          <a:blip r:embed="rId3"/>
+          <a:stretch>
+            <a:fillRect/>
+          </a:stretch>
+        </p:blipFill>
+        <p:spPr>
+          <a:xfrm>
+            <a:off x="561734" y="2043996"/>
+            <a:ext cx="7249930" cy="4057691"/>
+          </a:xfrm>
+          <a:prstGeom prst="rect">
+            <a:avLst/>
+          </a:prstGeom>
+        </p:spPr>
+      </p:pic>
+    </p:spTree>
+    <p:extLst>
+      <p:ext uri="{BB962C8B-B14F-4D97-AF65-F5344CB8AC3E}">
+        <p14:creationId xmlns:p14="http://schemas.microsoft.com/office/powerpoint/2010/main" val="499094456"/>
+      </p:ext>
+    </p:extLst>
+  </p:cSld>
+  <p:clrMapOvr>
+    <a:masterClrMapping/>
+  </p:clrMapOvr>
+</p:sld>
+</file>
+
+<file path=ppt/slides/slide48.xml><?xml version="1.0" encoding="utf-8"?>
+<p:sld xmlns:a="http://schemas.openxmlformats.org/drawingml/2006/main" xmlns:r="http://schemas.openxmlformats.org/officeDocument/2006/relationships" xmlns:p="http://schemas.openxmlformats.org/presentationml/2006/main">
+  <p:cSld>
+    <p:spTree>
+      <p:nvGrpSpPr>
+        <p:cNvPr id="1" name=""/>
+        <p:cNvGrpSpPr/>
+        <p:nvPr/>
+      </p:nvGrpSpPr>
+      <p:grpSpPr>
+        <a:xfrm>
+          <a:off x="0" y="0"/>
+          <a:ext cx="0" cy="0"/>
+          <a:chOff x="0" y="0"/>
+          <a:chExt cx="0" cy="0"/>
+        </a:xfrm>
+      </p:grpSpPr>
+      <p:sp>
+        <p:nvSpPr>
+          <p:cNvPr id="4" name="제목 3">
+            <a:extLst>
+              <a:ext uri="{FF2B5EF4-FFF2-40B4-BE49-F238E27FC236}">
+                <a16:creationId xmlns:a16="http://schemas.microsoft.com/office/drawing/2014/main" id="{F0CEB32B-CB43-4410-BA08-A97E4BC47FCB}"/>
+              </a:ext>
+            </a:extLst>
+          </p:cNvPr>
+          <p:cNvSpPr>
+            <a:spLocks noGrp="1"/>
+          </p:cNvSpPr>
+          <p:nvPr>
+            <p:ph type="title"/>
+          </p:nvPr>
+        </p:nvSpPr>
+        <p:spPr/>
+        <p:txBody>
+          <a:bodyPr/>
+          <a:lstStyle/>
+          <a:p>
+            <a:r>
+              <a:rPr lang="ko-KR" altLang="en-US" dirty="0"/>
+              <a:t>협업하기</a:t>
+            </a:r>
+          </a:p>
+        </p:txBody>
+      </p:sp>
+      <p:sp>
+        <p:nvSpPr>
+          <p:cNvPr id="7" name="내용 개체 틀 2">
+            <a:extLst>
+              <a:ext uri="{FF2B5EF4-FFF2-40B4-BE49-F238E27FC236}">
+                <a16:creationId xmlns:a16="http://schemas.microsoft.com/office/drawing/2014/main" id="{A44AC902-3746-40D6-9827-94B46EEDDC67}"/>
+              </a:ext>
+            </a:extLst>
+          </p:cNvPr>
+          <p:cNvSpPr txBox="1">
+            <a:spLocks/>
+          </p:cNvSpPr>
+          <p:nvPr/>
+        </p:nvSpPr>
+        <p:spPr>
+          <a:xfrm>
+            <a:off x="341787" y="1120545"/>
+            <a:ext cx="8642350" cy="2351314"/>
+          </a:xfrm>
+          <a:prstGeom prst="rect">
+            <a:avLst/>
+          </a:prstGeom>
+        </p:spPr>
+        <p:txBody>
+          <a:bodyPr vert="horz" lIns="91440" tIns="45720" rIns="91440" bIns="45720" rtlCol="0">
+            <a:noAutofit/>
+          </a:bodyPr>
+          <a:lstStyle>
+            <a:lvl1pPr marL="266700" indent="-266700" defTabSz="914400" latinLnBrk="1">
+              <a:lnSpc>
+                <a:spcPct val="150000"/>
+              </a:lnSpc>
+              <a:spcBef>
+                <a:spcPct val="0"/>
+              </a:spcBef>
+              <a:buClr>
+                <a:schemeClr val="tx1">
+                  <a:lumMod val="65000"/>
+                  <a:lumOff val="35000"/>
+                </a:schemeClr>
+              </a:buClr>
+              <a:buFont typeface="Wingdings" pitchFamily="2" charset="2"/>
+              <a:buChar char="n"/>
+              <a:defRPr sz="2000" b="1">
+                <a:latin typeface="+mn-ea"/>
+              </a:defRPr>
+            </a:lvl1pPr>
+            <a:lvl2pPr marL="447675" lvl="1" indent="-180975" defTabSz="914400" latinLnBrk="1">
+              <a:lnSpc>
+                <a:spcPct val="150000"/>
+              </a:lnSpc>
+              <a:spcBef>
+                <a:spcPts val="0"/>
+              </a:spcBef>
+              <a:spcAft>
+                <a:spcPts val="0"/>
+              </a:spcAft>
+              <a:buClr>
+                <a:schemeClr val="tx1">
+                  <a:lumMod val="50000"/>
+                  <a:lumOff val="50000"/>
+                </a:schemeClr>
+              </a:buClr>
+              <a:buFont typeface="Wingdings" pitchFamily="2" charset="2"/>
+              <a:buChar char="§"/>
+              <a:defRPr sz="1600"/>
+            </a:lvl2pPr>
+            <a:lvl3pPr marL="628650" indent="-180975" defTabSz="914400" latinLnBrk="1">
+              <a:lnSpc>
+                <a:spcPct val="150000"/>
+              </a:lnSpc>
+              <a:spcBef>
+                <a:spcPts val="500"/>
+              </a:spcBef>
+              <a:spcAft>
+                <a:spcPts val="300"/>
+              </a:spcAft>
+              <a:buClr>
+                <a:schemeClr val="tx1">
+                  <a:lumMod val="65000"/>
+                  <a:lumOff val="35000"/>
+                </a:schemeClr>
+              </a:buClr>
+              <a:buFont typeface="Arial" panose="020B0604020202020204" pitchFamily="34" charset="0"/>
+              <a:buChar char="•"/>
+              <a:defRPr sz="1400"/>
+            </a:lvl3pPr>
+            <a:lvl4pPr marL="809625" indent="-180975" defTabSz="914400" latinLnBrk="1">
+              <a:lnSpc>
+                <a:spcPct val="150000"/>
+              </a:lnSpc>
+              <a:spcBef>
+                <a:spcPts val="500"/>
+              </a:spcBef>
+              <a:spcAft>
+                <a:spcPts val="300"/>
+              </a:spcAft>
+              <a:buClr>
+                <a:schemeClr val="tx1">
+                  <a:lumMod val="65000"/>
+                  <a:lumOff val="35000"/>
+                </a:schemeClr>
+              </a:buClr>
+              <a:buSzPct val="96000"/>
+              <a:buFont typeface="Arial" panose="020B0604020202020204" pitchFamily="34" charset="0"/>
+              <a:buChar char="•"/>
+              <a:defRPr sz="1200"/>
+            </a:lvl4pPr>
+            <a:lvl5pPr marL="990600" indent="-180975" defTabSz="914400" latinLnBrk="1">
+              <a:lnSpc>
+                <a:spcPct val="150000"/>
+              </a:lnSpc>
+              <a:spcBef>
+                <a:spcPts val="500"/>
+              </a:spcBef>
+              <a:buClr>
+                <a:schemeClr val="tx1">
+                  <a:lumMod val="65000"/>
+                  <a:lumOff val="35000"/>
+                </a:schemeClr>
+              </a:buClr>
+              <a:buFont typeface="Arial" panose="020B0604020202020204" pitchFamily="34" charset="0"/>
+              <a:buChar char="•"/>
+              <a:defRPr sz="1000"/>
+            </a:lvl5pPr>
+            <a:lvl6pPr marL="2514600" indent="-228600" defTabSz="914400" latinLnBrk="1">
+              <a:lnSpc>
+                <a:spcPct val="90000"/>
+              </a:lnSpc>
+              <a:spcBef>
+                <a:spcPts val="500"/>
+              </a:spcBef>
+              <a:buFont typeface="Arial" panose="020B0604020202020204" pitchFamily="34" charset="0"/>
+              <a:buChar char="•"/>
+            </a:lvl6pPr>
+            <a:lvl7pPr marL="2971800" indent="-228600" defTabSz="914400" latinLnBrk="1">
+              <a:lnSpc>
+                <a:spcPct val="90000"/>
+              </a:lnSpc>
+              <a:spcBef>
+                <a:spcPts val="500"/>
+              </a:spcBef>
+              <a:buFont typeface="Arial" panose="020B0604020202020204" pitchFamily="34" charset="0"/>
+              <a:buChar char="•"/>
+            </a:lvl7pPr>
+            <a:lvl8pPr marL="3429000" indent="-228600" defTabSz="914400" latinLnBrk="1">
+              <a:lnSpc>
+                <a:spcPct val="90000"/>
+              </a:lnSpc>
+              <a:spcBef>
+                <a:spcPts val="500"/>
+              </a:spcBef>
+              <a:buFont typeface="Arial" panose="020B0604020202020204" pitchFamily="34" charset="0"/>
+              <a:buChar char="•"/>
+            </a:lvl8pPr>
+            <a:lvl9pPr marL="3886200" indent="-228600" defTabSz="914400" latinLnBrk="1">
+              <a:lnSpc>
+                <a:spcPct val="90000"/>
+              </a:lnSpc>
+              <a:spcBef>
+                <a:spcPts val="500"/>
+              </a:spcBef>
+              <a:buFont typeface="Arial" panose="020B0604020202020204" pitchFamily="34" charset="0"/>
+              <a:buChar char="•"/>
+            </a:lvl9pPr>
+          </a:lstStyle>
+          <a:p>
+            <a:r>
+              <a:rPr lang="ko-KR" altLang="en-US" dirty="0"/>
+              <a:t>협업환경 </a:t>
+            </a:r>
+            <a:r>
+              <a:rPr lang="en-US" altLang="ko-KR" dirty="0"/>
+              <a:t>(collaborator</a:t>
+            </a:r>
+            <a:r>
+              <a:rPr lang="ko-KR" altLang="en-US" dirty="0"/>
+              <a:t> 등록</a:t>
+            </a:r>
+            <a:r>
+              <a:rPr lang="en-US" altLang="ko-KR" dirty="0"/>
+              <a:t>)</a:t>
+            </a:r>
+          </a:p>
+          <a:p>
+            <a:pPr lvl="1"/>
+            <a:r>
+              <a:rPr lang="en-US" altLang="ko-KR" dirty="0">
+                <a:latin typeface="+mn-ea"/>
+              </a:rPr>
+              <a:t>Settings → Manage Access </a:t>
+            </a:r>
+            <a:r>
+              <a:rPr lang="ko-KR" altLang="en-US" dirty="0">
+                <a:latin typeface="+mn-ea"/>
+              </a:rPr>
+              <a:t>클릭</a:t>
+            </a:r>
+            <a:endParaRPr lang="en-US" altLang="ko-KR" dirty="0">
+              <a:latin typeface="+mn-ea"/>
+            </a:endParaRPr>
+          </a:p>
+        </p:txBody>
+      </p:sp>
+      <p:sp>
+        <p:nvSpPr>
+          <p:cNvPr id="6" name="직사각형 5">
+            <a:extLst>
+              <a:ext uri="{FF2B5EF4-FFF2-40B4-BE49-F238E27FC236}">
+                <a16:creationId xmlns:a16="http://schemas.microsoft.com/office/drawing/2014/main" id="{A0CA71EF-AE4C-453D-A797-8649D36F99F5}"/>
+              </a:ext>
+            </a:extLst>
+          </p:cNvPr>
+          <p:cNvSpPr/>
+          <p:nvPr/>
+        </p:nvSpPr>
+        <p:spPr>
+          <a:xfrm>
+            <a:off x="6051166" y="2824217"/>
+            <a:ext cx="643929" cy="213274"/>
+          </a:xfrm>
+          <a:prstGeom prst="rect">
+            <a:avLst/>
+          </a:prstGeom>
+          <a:noFill/>
+          <a:ln w="38100">
+            <a:solidFill>
+              <a:srgbClr val="FF0000"/>
+            </a:solidFill>
+          </a:ln>
+        </p:spPr>
+        <p:style>
+          <a:lnRef idx="2">
+            <a:schemeClr val="accent1">
+              <a:shade val="50000"/>
+            </a:schemeClr>
+          </a:lnRef>
+          <a:fillRef idx="1">
+            <a:schemeClr val="accent1"/>
+          </a:fillRef>
+          <a:effectRef idx="0">
+            <a:schemeClr val="accent1"/>
+          </a:effectRef>
+          <a:fontRef idx="minor">
+            <a:schemeClr val="lt1"/>
+          </a:fontRef>
+        </p:style>
+        <p:txBody>
+          <a:bodyPr rtlCol="0" anchor="ctr"/>
+          <a:lstStyle/>
+          <a:p>
+            <a:pPr algn="ctr"/>
+            <a:endParaRPr lang="ko-KR" altLang="en-US"/>
+          </a:p>
+        </p:txBody>
+      </p:sp>
+      <p:sp>
+        <p:nvSpPr>
+          <p:cNvPr id="9" name="직사각형 8">
+            <a:extLst>
+              <a:ext uri="{FF2B5EF4-FFF2-40B4-BE49-F238E27FC236}">
+                <a16:creationId xmlns:a16="http://schemas.microsoft.com/office/drawing/2014/main" id="{2D982C0A-7CE5-4414-99C0-863AA7806C73}"/>
+              </a:ext>
+            </a:extLst>
+          </p:cNvPr>
+          <p:cNvSpPr/>
+          <p:nvPr/>
+        </p:nvSpPr>
+        <p:spPr>
+          <a:xfrm>
+            <a:off x="1163857" y="5767453"/>
+            <a:ext cx="1589853" cy="223443"/>
+          </a:xfrm>
+          <a:prstGeom prst="rect">
+            <a:avLst/>
+          </a:prstGeom>
+          <a:noFill/>
+          <a:ln w="38100">
+            <a:solidFill>
+              <a:srgbClr val="FF0000"/>
+            </a:solidFill>
+          </a:ln>
+        </p:spPr>
+        <p:style>
+          <a:lnRef idx="2">
+            <a:schemeClr val="accent1">
+              <a:shade val="50000"/>
+            </a:schemeClr>
+          </a:lnRef>
+          <a:fillRef idx="1">
+            <a:schemeClr val="accent1"/>
+          </a:fillRef>
+          <a:effectRef idx="0">
+            <a:schemeClr val="accent1"/>
+          </a:effectRef>
+          <a:fontRef idx="minor">
+            <a:schemeClr val="lt1"/>
+          </a:fontRef>
+        </p:style>
+        <p:txBody>
+          <a:bodyPr rtlCol="0" anchor="ctr"/>
+          <a:lstStyle/>
+          <a:p>
+            <a:pPr algn="ctr"/>
+            <a:endParaRPr lang="ko-KR" altLang="en-US"/>
+          </a:p>
+        </p:txBody>
+      </p:sp>
+      <p:pic>
+        <p:nvPicPr>
+          <p:cNvPr id="5" name="그림 4">
+            <a:extLst>
+              <a:ext uri="{FF2B5EF4-FFF2-40B4-BE49-F238E27FC236}">
+                <a16:creationId xmlns:a16="http://schemas.microsoft.com/office/drawing/2014/main" id="{0E108528-D01B-481D-8297-4E1E44CD0571}"/>
+              </a:ext>
+            </a:extLst>
+          </p:cNvPr>
+          <p:cNvPicPr>
+            <a:picLocks noChangeAspect="1"/>
+          </p:cNvPicPr>
+          <p:nvPr/>
+        </p:nvPicPr>
+        <p:blipFill>
+          <a:blip r:embed="rId3"/>
+          <a:stretch>
+            <a:fillRect/>
+          </a:stretch>
+        </p:blipFill>
+        <p:spPr>
+          <a:xfrm>
+            <a:off x="341787" y="2133352"/>
+            <a:ext cx="8953500" cy="3381375"/>
+          </a:xfrm>
+          <a:prstGeom prst="rect">
+            <a:avLst/>
+          </a:prstGeom>
+        </p:spPr>
+      </p:pic>
+    </p:spTree>
+    <p:extLst>
+      <p:ext uri="{BB962C8B-B14F-4D97-AF65-F5344CB8AC3E}">
+        <p14:creationId xmlns:p14="http://schemas.microsoft.com/office/powerpoint/2010/main" val="3410993216"/>
+      </p:ext>
+    </p:extLst>
+  </p:cSld>
+  <p:clrMapOvr>
+    <a:masterClrMapping/>
+  </p:clrMapOvr>
+</p:sld>
+</file>
+
+<file path=ppt/slides/slide49.xml><?xml version="1.0" encoding="utf-8"?>
+<p:sld xmlns:a="http://schemas.openxmlformats.org/drawingml/2006/main" xmlns:r="http://schemas.openxmlformats.org/officeDocument/2006/relationships" xmlns:p="http://schemas.openxmlformats.org/presentationml/2006/main">
+  <p:cSld>
+    <p:spTree>
+      <p:nvGrpSpPr>
+        <p:cNvPr id="1" name=""/>
+        <p:cNvGrpSpPr/>
+        <p:nvPr/>
+      </p:nvGrpSpPr>
+      <p:grpSpPr>
+        <a:xfrm>
+          <a:off x="0" y="0"/>
+          <a:ext cx="0" cy="0"/>
+          <a:chOff x="0" y="0"/>
+          <a:chExt cx="0" cy="0"/>
+        </a:xfrm>
+      </p:grpSpPr>
+      <p:sp>
+        <p:nvSpPr>
+          <p:cNvPr id="4" name="제목 3">
+            <a:extLst>
+              <a:ext uri="{FF2B5EF4-FFF2-40B4-BE49-F238E27FC236}">
+                <a16:creationId xmlns:a16="http://schemas.microsoft.com/office/drawing/2014/main" id="{F0CEB32B-CB43-4410-BA08-A97E4BC47FCB}"/>
+              </a:ext>
+            </a:extLst>
+          </p:cNvPr>
+          <p:cNvSpPr>
+            <a:spLocks noGrp="1"/>
+          </p:cNvSpPr>
+          <p:nvPr>
+            <p:ph type="title"/>
+          </p:nvPr>
+        </p:nvSpPr>
+        <p:spPr/>
+        <p:txBody>
+          <a:bodyPr/>
+          <a:lstStyle/>
+          <a:p>
+            <a:r>
+              <a:rPr lang="ko-KR" altLang="en-US" dirty="0"/>
+              <a:t>협업하기</a:t>
+            </a:r>
+          </a:p>
+        </p:txBody>
+      </p:sp>
+      <p:sp>
+        <p:nvSpPr>
+          <p:cNvPr id="7" name="내용 개체 틀 2">
+            <a:extLst>
+              <a:ext uri="{FF2B5EF4-FFF2-40B4-BE49-F238E27FC236}">
+                <a16:creationId xmlns:a16="http://schemas.microsoft.com/office/drawing/2014/main" id="{A44AC902-3746-40D6-9827-94B46EEDDC67}"/>
+              </a:ext>
+            </a:extLst>
+          </p:cNvPr>
+          <p:cNvSpPr txBox="1">
+            <a:spLocks/>
+          </p:cNvSpPr>
+          <p:nvPr/>
+        </p:nvSpPr>
+        <p:spPr>
+          <a:xfrm>
+            <a:off x="341787" y="1120545"/>
+            <a:ext cx="8642350" cy="2351314"/>
+          </a:xfrm>
+          <a:prstGeom prst="rect">
+            <a:avLst/>
+          </a:prstGeom>
+        </p:spPr>
+        <p:txBody>
+          <a:bodyPr vert="horz" lIns="91440" tIns="45720" rIns="91440" bIns="45720" rtlCol="0">
+            <a:noAutofit/>
+          </a:bodyPr>
+          <a:lstStyle>
+            <a:lvl1pPr marL="266700" indent="-266700" defTabSz="914400" latinLnBrk="1">
+              <a:lnSpc>
+                <a:spcPct val="150000"/>
+              </a:lnSpc>
+              <a:spcBef>
+                <a:spcPct val="0"/>
+              </a:spcBef>
+              <a:buClr>
+                <a:schemeClr val="tx1">
+                  <a:lumMod val="65000"/>
+                  <a:lumOff val="35000"/>
+                </a:schemeClr>
+              </a:buClr>
+              <a:buFont typeface="Wingdings" pitchFamily="2" charset="2"/>
+              <a:buChar char="n"/>
+              <a:defRPr sz="2000" b="1">
+                <a:latin typeface="+mn-ea"/>
+              </a:defRPr>
+            </a:lvl1pPr>
+            <a:lvl2pPr marL="447675" lvl="1" indent="-180975" defTabSz="914400" latinLnBrk="1">
+              <a:lnSpc>
+                <a:spcPct val="150000"/>
+              </a:lnSpc>
+              <a:spcBef>
+                <a:spcPts val="0"/>
+              </a:spcBef>
+              <a:spcAft>
+                <a:spcPts val="0"/>
+              </a:spcAft>
+              <a:buClr>
+                <a:schemeClr val="tx1">
+                  <a:lumMod val="50000"/>
+                  <a:lumOff val="50000"/>
+                </a:schemeClr>
+              </a:buClr>
+              <a:buFont typeface="Wingdings" pitchFamily="2" charset="2"/>
+              <a:buChar char="§"/>
+              <a:defRPr sz="1600"/>
+            </a:lvl2pPr>
+            <a:lvl3pPr marL="628650" indent="-180975" defTabSz="914400" latinLnBrk="1">
+              <a:lnSpc>
+                <a:spcPct val="150000"/>
+              </a:lnSpc>
+              <a:spcBef>
+                <a:spcPts val="500"/>
+              </a:spcBef>
+              <a:spcAft>
+                <a:spcPts val="300"/>
+              </a:spcAft>
+              <a:buClr>
+                <a:schemeClr val="tx1">
+                  <a:lumMod val="65000"/>
+                  <a:lumOff val="35000"/>
+                </a:schemeClr>
+              </a:buClr>
+              <a:buFont typeface="Arial" panose="020B0604020202020204" pitchFamily="34" charset="0"/>
+              <a:buChar char="•"/>
+              <a:defRPr sz="1400"/>
+            </a:lvl3pPr>
+            <a:lvl4pPr marL="809625" indent="-180975" defTabSz="914400" latinLnBrk="1">
+              <a:lnSpc>
+                <a:spcPct val="150000"/>
+              </a:lnSpc>
+              <a:spcBef>
+                <a:spcPts val="500"/>
+              </a:spcBef>
+              <a:spcAft>
+                <a:spcPts val="300"/>
+              </a:spcAft>
+              <a:buClr>
+                <a:schemeClr val="tx1">
+                  <a:lumMod val="65000"/>
+                  <a:lumOff val="35000"/>
+                </a:schemeClr>
+              </a:buClr>
+              <a:buSzPct val="96000"/>
+              <a:buFont typeface="Arial" panose="020B0604020202020204" pitchFamily="34" charset="0"/>
+              <a:buChar char="•"/>
+              <a:defRPr sz="1200"/>
+            </a:lvl4pPr>
+            <a:lvl5pPr marL="990600" indent="-180975" defTabSz="914400" latinLnBrk="1">
+              <a:lnSpc>
+                <a:spcPct val="150000"/>
+              </a:lnSpc>
+              <a:spcBef>
+                <a:spcPts val="500"/>
+              </a:spcBef>
+              <a:buClr>
+                <a:schemeClr val="tx1">
+                  <a:lumMod val="65000"/>
+                  <a:lumOff val="35000"/>
+                </a:schemeClr>
+              </a:buClr>
+              <a:buFont typeface="Arial" panose="020B0604020202020204" pitchFamily="34" charset="0"/>
+              <a:buChar char="•"/>
+              <a:defRPr sz="1000"/>
+            </a:lvl5pPr>
+            <a:lvl6pPr marL="2514600" indent="-228600" defTabSz="914400" latinLnBrk="1">
+              <a:lnSpc>
+                <a:spcPct val="90000"/>
+              </a:lnSpc>
+              <a:spcBef>
+                <a:spcPts val="500"/>
+              </a:spcBef>
+              <a:buFont typeface="Arial" panose="020B0604020202020204" pitchFamily="34" charset="0"/>
+              <a:buChar char="•"/>
+            </a:lvl6pPr>
+            <a:lvl7pPr marL="2971800" indent="-228600" defTabSz="914400" latinLnBrk="1">
+              <a:lnSpc>
+                <a:spcPct val="90000"/>
+              </a:lnSpc>
+              <a:spcBef>
+                <a:spcPts val="500"/>
+              </a:spcBef>
+              <a:buFont typeface="Arial" panose="020B0604020202020204" pitchFamily="34" charset="0"/>
+              <a:buChar char="•"/>
+            </a:lvl7pPr>
+            <a:lvl8pPr marL="3429000" indent="-228600" defTabSz="914400" latinLnBrk="1">
+              <a:lnSpc>
+                <a:spcPct val="90000"/>
+              </a:lnSpc>
+              <a:spcBef>
+                <a:spcPts val="500"/>
+              </a:spcBef>
+              <a:buFont typeface="Arial" panose="020B0604020202020204" pitchFamily="34" charset="0"/>
+              <a:buChar char="•"/>
+            </a:lvl8pPr>
+            <a:lvl9pPr marL="3886200" indent="-228600" defTabSz="914400" latinLnBrk="1">
+              <a:lnSpc>
+                <a:spcPct val="90000"/>
+              </a:lnSpc>
+              <a:spcBef>
+                <a:spcPts val="500"/>
+              </a:spcBef>
+              <a:buFont typeface="Arial" panose="020B0604020202020204" pitchFamily="34" charset="0"/>
+              <a:buChar char="•"/>
+            </a:lvl9pPr>
+          </a:lstStyle>
+          <a:p>
+            <a:r>
+              <a:rPr lang="ko-KR" altLang="en-US" dirty="0"/>
+              <a:t>협업환경 </a:t>
+            </a:r>
+            <a:r>
+              <a:rPr lang="en-US" altLang="ko-KR" dirty="0"/>
+              <a:t>(collaborator</a:t>
+            </a:r>
+            <a:r>
+              <a:rPr lang="ko-KR" altLang="en-US" dirty="0"/>
+              <a:t> 등록</a:t>
+            </a:r>
+            <a:r>
+              <a:rPr lang="en-US" altLang="ko-KR" dirty="0"/>
+              <a:t>)</a:t>
+            </a:r>
+          </a:p>
+          <a:p>
+            <a:pPr lvl="1"/>
+            <a:r>
+              <a:rPr lang="en-US" altLang="ko-KR" dirty="0">
+                <a:latin typeface="+mn-ea"/>
+              </a:rPr>
+              <a:t>Settings → Manage Access </a:t>
+            </a:r>
+            <a:r>
+              <a:rPr lang="ko-KR" altLang="en-US" dirty="0">
+                <a:latin typeface="+mn-ea"/>
+              </a:rPr>
+              <a:t>클릭</a:t>
+            </a:r>
+            <a:endParaRPr lang="en-US" altLang="ko-KR" dirty="0">
+              <a:latin typeface="+mn-ea"/>
+            </a:endParaRPr>
+          </a:p>
+        </p:txBody>
+      </p:sp>
+      <p:sp>
+        <p:nvSpPr>
+          <p:cNvPr id="6" name="직사각형 5">
+            <a:extLst>
+              <a:ext uri="{FF2B5EF4-FFF2-40B4-BE49-F238E27FC236}">
+                <a16:creationId xmlns:a16="http://schemas.microsoft.com/office/drawing/2014/main" id="{A0CA71EF-AE4C-453D-A797-8649D36F99F5}"/>
+              </a:ext>
+            </a:extLst>
+          </p:cNvPr>
+          <p:cNvSpPr/>
+          <p:nvPr/>
+        </p:nvSpPr>
+        <p:spPr>
+          <a:xfrm>
+            <a:off x="6051166" y="2824217"/>
+            <a:ext cx="643929" cy="213274"/>
+          </a:xfrm>
+          <a:prstGeom prst="rect">
+            <a:avLst/>
+          </a:prstGeom>
+          <a:noFill/>
+          <a:ln w="38100">
+            <a:solidFill>
+              <a:srgbClr val="FF0000"/>
+            </a:solidFill>
+          </a:ln>
+        </p:spPr>
+        <p:style>
+          <a:lnRef idx="2">
+            <a:schemeClr val="accent1">
+              <a:shade val="50000"/>
+            </a:schemeClr>
+          </a:lnRef>
+          <a:fillRef idx="1">
+            <a:schemeClr val="accent1"/>
+          </a:fillRef>
+          <a:effectRef idx="0">
+            <a:schemeClr val="accent1"/>
+          </a:effectRef>
+          <a:fontRef idx="minor">
+            <a:schemeClr val="lt1"/>
+          </a:fontRef>
+        </p:style>
+        <p:txBody>
+          <a:bodyPr rtlCol="0" anchor="ctr"/>
+          <a:lstStyle/>
+          <a:p>
+            <a:pPr algn="ctr"/>
+            <a:endParaRPr lang="ko-KR" altLang="en-US"/>
+          </a:p>
+        </p:txBody>
+      </p:sp>
+      <p:sp>
+        <p:nvSpPr>
+          <p:cNvPr id="9" name="직사각형 8">
+            <a:extLst>
+              <a:ext uri="{FF2B5EF4-FFF2-40B4-BE49-F238E27FC236}">
+                <a16:creationId xmlns:a16="http://schemas.microsoft.com/office/drawing/2014/main" id="{2D982C0A-7CE5-4414-99C0-863AA7806C73}"/>
+              </a:ext>
+            </a:extLst>
+          </p:cNvPr>
+          <p:cNvSpPr/>
+          <p:nvPr/>
+        </p:nvSpPr>
+        <p:spPr>
+          <a:xfrm>
+            <a:off x="1163857" y="5767453"/>
+            <a:ext cx="1589853" cy="223443"/>
+          </a:xfrm>
+          <a:prstGeom prst="rect">
+            <a:avLst/>
+          </a:prstGeom>
+          <a:noFill/>
+          <a:ln w="38100">
+            <a:solidFill>
+              <a:srgbClr val="FF0000"/>
+            </a:solidFill>
+          </a:ln>
+        </p:spPr>
+        <p:style>
+          <a:lnRef idx="2">
+            <a:schemeClr val="accent1">
+              <a:shade val="50000"/>
+            </a:schemeClr>
+          </a:lnRef>
+          <a:fillRef idx="1">
+            <a:schemeClr val="accent1"/>
+          </a:fillRef>
+          <a:effectRef idx="0">
+            <a:schemeClr val="accent1"/>
+          </a:effectRef>
+          <a:fontRef idx="minor">
+            <a:schemeClr val="lt1"/>
+          </a:fontRef>
+        </p:style>
+        <p:txBody>
+          <a:bodyPr rtlCol="0" anchor="ctr"/>
+          <a:lstStyle/>
+          <a:p>
+            <a:pPr algn="ctr"/>
+            <a:endParaRPr lang="ko-KR" altLang="en-US"/>
+          </a:p>
+        </p:txBody>
+      </p:sp>
+      <p:pic>
+        <p:nvPicPr>
+          <p:cNvPr id="5" name="그림 4">
+            <a:extLst>
+              <a:ext uri="{FF2B5EF4-FFF2-40B4-BE49-F238E27FC236}">
+                <a16:creationId xmlns:a16="http://schemas.microsoft.com/office/drawing/2014/main" id="{0E108528-D01B-481D-8297-4E1E44CD0571}"/>
+              </a:ext>
+            </a:extLst>
+          </p:cNvPr>
+          <p:cNvPicPr>
+            <a:picLocks noChangeAspect="1"/>
+          </p:cNvPicPr>
+          <p:nvPr/>
+        </p:nvPicPr>
+        <p:blipFill>
+          <a:blip r:embed="rId3"/>
+          <a:stretch>
+            <a:fillRect/>
+          </a:stretch>
+        </p:blipFill>
+        <p:spPr>
+          <a:xfrm>
+            <a:off x="30637" y="1781171"/>
+            <a:ext cx="8953500" cy="3381375"/>
+          </a:xfrm>
+          <a:prstGeom prst="rect">
+            <a:avLst/>
+          </a:prstGeom>
+        </p:spPr>
+      </p:pic>
+    </p:spTree>
+    <p:extLst>
+      <p:ext uri="{BB962C8B-B14F-4D97-AF65-F5344CB8AC3E}">
+        <p14:creationId xmlns:p14="http://schemas.microsoft.com/office/powerpoint/2010/main" val="2475722350"/>
+      </p:ext>
+    </p:extLst>
+  </p:cSld>
+  <p:clrMapOvr>
+    <a:masterClrMapping/>
+  </p:clrMapOvr>
+</p:sld>
+</file>
+
 <file path=ppt/slides/slide5.xml><?xml version="1.0" encoding="utf-8"?>
 <p:sld xmlns:a="http://schemas.openxmlformats.org/drawingml/2006/main" xmlns:r="http://schemas.openxmlformats.org/officeDocument/2006/relationships" xmlns:p="http://schemas.openxmlformats.org/presentationml/2006/main">
   <p:cSld>
@@ -21440,6 +23935,1780 @@
     <p:extLst>
       <p:ext uri="{BB962C8B-B14F-4D97-AF65-F5344CB8AC3E}">
         <p14:creationId xmlns:p14="http://schemas.microsoft.com/office/powerpoint/2010/main" val="1659699822"/>
+      </p:ext>
+    </p:extLst>
+  </p:cSld>
+  <p:clrMapOvr>
+    <a:masterClrMapping/>
+  </p:clrMapOvr>
+</p:sld>
+</file>
+
+<file path=ppt/slides/slide50.xml><?xml version="1.0" encoding="utf-8"?>
+<p:sld xmlns:a="http://schemas.openxmlformats.org/drawingml/2006/main" xmlns:r="http://schemas.openxmlformats.org/officeDocument/2006/relationships" xmlns:p="http://schemas.openxmlformats.org/presentationml/2006/main">
+  <p:cSld>
+    <p:spTree>
+      <p:nvGrpSpPr>
+        <p:cNvPr id="1" name=""/>
+        <p:cNvGrpSpPr/>
+        <p:nvPr/>
+      </p:nvGrpSpPr>
+      <p:grpSpPr>
+        <a:xfrm>
+          <a:off x="0" y="0"/>
+          <a:ext cx="0" cy="0"/>
+          <a:chOff x="0" y="0"/>
+          <a:chExt cx="0" cy="0"/>
+        </a:xfrm>
+      </p:grpSpPr>
+      <p:pic>
+        <p:nvPicPr>
+          <p:cNvPr id="8" name="그림 7">
+            <a:extLst>
+              <a:ext uri="{FF2B5EF4-FFF2-40B4-BE49-F238E27FC236}">
+                <a16:creationId xmlns:a16="http://schemas.microsoft.com/office/drawing/2014/main" id="{6618A6A4-508E-4FFD-B103-024A92179486}"/>
+              </a:ext>
+            </a:extLst>
+          </p:cNvPr>
+          <p:cNvPicPr>
+            <a:picLocks noChangeAspect="1"/>
+          </p:cNvPicPr>
+          <p:nvPr/>
+        </p:nvPicPr>
+        <p:blipFill>
+          <a:blip r:embed="rId3"/>
+          <a:stretch>
+            <a:fillRect/>
+          </a:stretch>
+        </p:blipFill>
+        <p:spPr>
+          <a:xfrm>
+            <a:off x="890587" y="1558465"/>
+            <a:ext cx="7362825" cy="4714875"/>
+          </a:xfrm>
+          <a:prstGeom prst="rect">
+            <a:avLst/>
+          </a:prstGeom>
+        </p:spPr>
+      </p:pic>
+      <p:sp>
+        <p:nvSpPr>
+          <p:cNvPr id="4" name="제목 3">
+            <a:extLst>
+              <a:ext uri="{FF2B5EF4-FFF2-40B4-BE49-F238E27FC236}">
+                <a16:creationId xmlns:a16="http://schemas.microsoft.com/office/drawing/2014/main" id="{F0CEB32B-CB43-4410-BA08-A97E4BC47FCB}"/>
+              </a:ext>
+            </a:extLst>
+          </p:cNvPr>
+          <p:cNvSpPr>
+            <a:spLocks noGrp="1"/>
+          </p:cNvSpPr>
+          <p:nvPr>
+            <p:ph type="title"/>
+          </p:nvPr>
+        </p:nvSpPr>
+        <p:spPr/>
+        <p:txBody>
+          <a:bodyPr/>
+          <a:lstStyle/>
+          <a:p>
+            <a:r>
+              <a:rPr lang="ko-KR" altLang="en-US" dirty="0"/>
+              <a:t>협업하기</a:t>
+            </a:r>
+          </a:p>
+        </p:txBody>
+      </p:sp>
+      <p:sp>
+        <p:nvSpPr>
+          <p:cNvPr id="7" name="내용 개체 틀 2">
+            <a:extLst>
+              <a:ext uri="{FF2B5EF4-FFF2-40B4-BE49-F238E27FC236}">
+                <a16:creationId xmlns:a16="http://schemas.microsoft.com/office/drawing/2014/main" id="{A44AC902-3746-40D6-9827-94B46EEDDC67}"/>
+              </a:ext>
+            </a:extLst>
+          </p:cNvPr>
+          <p:cNvSpPr txBox="1">
+            <a:spLocks/>
+          </p:cNvSpPr>
+          <p:nvPr/>
+        </p:nvSpPr>
+        <p:spPr>
+          <a:xfrm>
+            <a:off x="341787" y="1120545"/>
+            <a:ext cx="8642350" cy="2351314"/>
+          </a:xfrm>
+          <a:prstGeom prst="rect">
+            <a:avLst/>
+          </a:prstGeom>
+        </p:spPr>
+        <p:txBody>
+          <a:bodyPr vert="horz" lIns="91440" tIns="45720" rIns="91440" bIns="45720" rtlCol="0">
+            <a:noAutofit/>
+          </a:bodyPr>
+          <a:lstStyle>
+            <a:lvl1pPr marL="266700" indent="-266700" defTabSz="914400" latinLnBrk="1">
+              <a:lnSpc>
+                <a:spcPct val="150000"/>
+              </a:lnSpc>
+              <a:spcBef>
+                <a:spcPct val="0"/>
+              </a:spcBef>
+              <a:buClr>
+                <a:schemeClr val="tx1">
+                  <a:lumMod val="65000"/>
+                  <a:lumOff val="35000"/>
+                </a:schemeClr>
+              </a:buClr>
+              <a:buFont typeface="Wingdings" pitchFamily="2" charset="2"/>
+              <a:buChar char="n"/>
+              <a:defRPr sz="2000" b="1">
+                <a:latin typeface="+mn-ea"/>
+              </a:defRPr>
+            </a:lvl1pPr>
+            <a:lvl2pPr marL="447675" lvl="1" indent="-180975" defTabSz="914400" latinLnBrk="1">
+              <a:lnSpc>
+                <a:spcPct val="150000"/>
+              </a:lnSpc>
+              <a:spcBef>
+                <a:spcPts val="0"/>
+              </a:spcBef>
+              <a:spcAft>
+                <a:spcPts val="0"/>
+              </a:spcAft>
+              <a:buClr>
+                <a:schemeClr val="tx1">
+                  <a:lumMod val="50000"/>
+                  <a:lumOff val="50000"/>
+                </a:schemeClr>
+              </a:buClr>
+              <a:buFont typeface="Wingdings" pitchFamily="2" charset="2"/>
+              <a:buChar char="§"/>
+              <a:defRPr sz="1600"/>
+            </a:lvl2pPr>
+            <a:lvl3pPr marL="628650" indent="-180975" defTabSz="914400" latinLnBrk="1">
+              <a:lnSpc>
+                <a:spcPct val="150000"/>
+              </a:lnSpc>
+              <a:spcBef>
+                <a:spcPts val="500"/>
+              </a:spcBef>
+              <a:spcAft>
+                <a:spcPts val="300"/>
+              </a:spcAft>
+              <a:buClr>
+                <a:schemeClr val="tx1">
+                  <a:lumMod val="65000"/>
+                  <a:lumOff val="35000"/>
+                </a:schemeClr>
+              </a:buClr>
+              <a:buFont typeface="Arial" panose="020B0604020202020204" pitchFamily="34" charset="0"/>
+              <a:buChar char="•"/>
+              <a:defRPr sz="1400"/>
+            </a:lvl3pPr>
+            <a:lvl4pPr marL="809625" indent="-180975" defTabSz="914400" latinLnBrk="1">
+              <a:lnSpc>
+                <a:spcPct val="150000"/>
+              </a:lnSpc>
+              <a:spcBef>
+                <a:spcPts val="500"/>
+              </a:spcBef>
+              <a:spcAft>
+                <a:spcPts val="300"/>
+              </a:spcAft>
+              <a:buClr>
+                <a:schemeClr val="tx1">
+                  <a:lumMod val="65000"/>
+                  <a:lumOff val="35000"/>
+                </a:schemeClr>
+              </a:buClr>
+              <a:buSzPct val="96000"/>
+              <a:buFont typeface="Arial" panose="020B0604020202020204" pitchFamily="34" charset="0"/>
+              <a:buChar char="•"/>
+              <a:defRPr sz="1200"/>
+            </a:lvl4pPr>
+            <a:lvl5pPr marL="990600" indent="-180975" defTabSz="914400" latinLnBrk="1">
+              <a:lnSpc>
+                <a:spcPct val="150000"/>
+              </a:lnSpc>
+              <a:spcBef>
+                <a:spcPts val="500"/>
+              </a:spcBef>
+              <a:buClr>
+                <a:schemeClr val="tx1">
+                  <a:lumMod val="65000"/>
+                  <a:lumOff val="35000"/>
+                </a:schemeClr>
+              </a:buClr>
+              <a:buFont typeface="Arial" panose="020B0604020202020204" pitchFamily="34" charset="0"/>
+              <a:buChar char="•"/>
+              <a:defRPr sz="1000"/>
+            </a:lvl5pPr>
+            <a:lvl6pPr marL="2514600" indent="-228600" defTabSz="914400" latinLnBrk="1">
+              <a:lnSpc>
+                <a:spcPct val="90000"/>
+              </a:lnSpc>
+              <a:spcBef>
+                <a:spcPts val="500"/>
+              </a:spcBef>
+              <a:buFont typeface="Arial" panose="020B0604020202020204" pitchFamily="34" charset="0"/>
+              <a:buChar char="•"/>
+            </a:lvl6pPr>
+            <a:lvl7pPr marL="2971800" indent="-228600" defTabSz="914400" latinLnBrk="1">
+              <a:lnSpc>
+                <a:spcPct val="90000"/>
+              </a:lnSpc>
+              <a:spcBef>
+                <a:spcPts val="500"/>
+              </a:spcBef>
+              <a:buFont typeface="Arial" panose="020B0604020202020204" pitchFamily="34" charset="0"/>
+              <a:buChar char="•"/>
+            </a:lvl7pPr>
+            <a:lvl8pPr marL="3429000" indent="-228600" defTabSz="914400" latinLnBrk="1">
+              <a:lnSpc>
+                <a:spcPct val="90000"/>
+              </a:lnSpc>
+              <a:spcBef>
+                <a:spcPts val="500"/>
+              </a:spcBef>
+              <a:buFont typeface="Arial" panose="020B0604020202020204" pitchFamily="34" charset="0"/>
+              <a:buChar char="•"/>
+            </a:lvl8pPr>
+            <a:lvl9pPr marL="3886200" indent="-228600" defTabSz="914400" latinLnBrk="1">
+              <a:lnSpc>
+                <a:spcPct val="90000"/>
+              </a:lnSpc>
+              <a:spcBef>
+                <a:spcPts val="500"/>
+              </a:spcBef>
+              <a:buFont typeface="Arial" panose="020B0604020202020204" pitchFamily="34" charset="0"/>
+              <a:buChar char="•"/>
+            </a:lvl9pPr>
+          </a:lstStyle>
+          <a:p>
+            <a:r>
+              <a:rPr lang="ko-KR" altLang="en-US" dirty="0"/>
+              <a:t>협업환경 </a:t>
+            </a:r>
+            <a:r>
+              <a:rPr lang="en-US" altLang="ko-KR" dirty="0"/>
+              <a:t>(</a:t>
+            </a:r>
+            <a:r>
+              <a:rPr lang="ko-KR" altLang="en-US" dirty="0"/>
+              <a:t>참고 </a:t>
+            </a:r>
+            <a:r>
+              <a:rPr lang="en-US" altLang="ko-KR" dirty="0"/>
+              <a:t>: project </a:t>
+            </a:r>
+            <a:r>
+              <a:rPr lang="ko-KR" altLang="en-US" dirty="0"/>
+              <a:t>등록은 복잡</a:t>
+            </a:r>
+            <a:r>
+              <a:rPr lang="en-US" altLang="ko-KR" dirty="0"/>
+              <a:t>)</a:t>
+            </a:r>
+          </a:p>
+          <a:p>
+            <a:pPr lvl="1"/>
+            <a:r>
+              <a:rPr lang="ko-KR" altLang="en-US" dirty="0">
+                <a:latin typeface="+mn-ea"/>
+              </a:rPr>
+              <a:t>참여를 원하는 인원의 </a:t>
+            </a:r>
+            <a:r>
+              <a:rPr lang="en-US" altLang="ko-KR" dirty="0">
+                <a:latin typeface="+mn-ea"/>
+              </a:rPr>
+              <a:t>username </a:t>
+            </a:r>
+            <a:r>
+              <a:rPr lang="ko-KR" altLang="en-US" dirty="0">
+                <a:latin typeface="+mn-ea"/>
+              </a:rPr>
+              <a:t>혹은 이메일 등 한가지 </a:t>
+            </a:r>
+            <a:r>
+              <a:rPr lang="ko-KR" altLang="en-US" dirty="0" err="1">
+                <a:latin typeface="+mn-ea"/>
+              </a:rPr>
+              <a:t>입력후</a:t>
+            </a:r>
+            <a:r>
+              <a:rPr lang="ko-KR" altLang="en-US" dirty="0">
+                <a:latin typeface="+mn-ea"/>
+              </a:rPr>
+              <a:t> 클릭</a:t>
+            </a:r>
+            <a:endParaRPr lang="en-US" altLang="ko-KR" dirty="0">
+              <a:latin typeface="+mn-ea"/>
+            </a:endParaRPr>
+          </a:p>
+        </p:txBody>
+      </p:sp>
+      <p:sp>
+        <p:nvSpPr>
+          <p:cNvPr id="6" name="직사각형 5">
+            <a:extLst>
+              <a:ext uri="{FF2B5EF4-FFF2-40B4-BE49-F238E27FC236}">
+                <a16:creationId xmlns:a16="http://schemas.microsoft.com/office/drawing/2014/main" id="{8B406F40-E317-42B9-A5FC-3A5D3B871C26}"/>
+              </a:ext>
+            </a:extLst>
+          </p:cNvPr>
+          <p:cNvSpPr/>
+          <p:nvPr/>
+        </p:nvSpPr>
+        <p:spPr>
+          <a:xfrm>
+            <a:off x="1788056" y="2296202"/>
+            <a:ext cx="1329624" cy="321365"/>
+          </a:xfrm>
+          <a:prstGeom prst="rect">
+            <a:avLst/>
+          </a:prstGeom>
+          <a:noFill/>
+          <a:ln w="38100">
+            <a:solidFill>
+              <a:srgbClr val="FF0000"/>
+            </a:solidFill>
+          </a:ln>
+        </p:spPr>
+        <p:style>
+          <a:lnRef idx="2">
+            <a:schemeClr val="accent1">
+              <a:shade val="50000"/>
+            </a:schemeClr>
+          </a:lnRef>
+          <a:fillRef idx="1">
+            <a:schemeClr val="accent1"/>
+          </a:fillRef>
+          <a:effectRef idx="0">
+            <a:schemeClr val="accent1"/>
+          </a:effectRef>
+          <a:fontRef idx="minor">
+            <a:schemeClr val="lt1"/>
+          </a:fontRef>
+        </p:style>
+        <p:txBody>
+          <a:bodyPr rtlCol="0" anchor="ctr"/>
+          <a:lstStyle/>
+          <a:p>
+            <a:pPr algn="ctr"/>
+            <a:endParaRPr lang="ko-KR" altLang="en-US"/>
+          </a:p>
+        </p:txBody>
+      </p:sp>
+    </p:spTree>
+    <p:extLst>
+      <p:ext uri="{BB962C8B-B14F-4D97-AF65-F5344CB8AC3E}">
+        <p14:creationId xmlns:p14="http://schemas.microsoft.com/office/powerpoint/2010/main" val="1915722423"/>
+      </p:ext>
+    </p:extLst>
+  </p:cSld>
+  <p:clrMapOvr>
+    <a:masterClrMapping/>
+  </p:clrMapOvr>
+</p:sld>
+</file>
+
+<file path=ppt/slides/slide51.xml><?xml version="1.0" encoding="utf-8"?>
+<p:sld xmlns:a="http://schemas.openxmlformats.org/drawingml/2006/main" xmlns:r="http://schemas.openxmlformats.org/officeDocument/2006/relationships" xmlns:p="http://schemas.openxmlformats.org/presentationml/2006/main">
+  <p:cSld>
+    <p:spTree>
+      <p:nvGrpSpPr>
+        <p:cNvPr id="1" name=""/>
+        <p:cNvGrpSpPr/>
+        <p:nvPr/>
+      </p:nvGrpSpPr>
+      <p:grpSpPr>
+        <a:xfrm>
+          <a:off x="0" y="0"/>
+          <a:ext cx="0" cy="0"/>
+          <a:chOff x="0" y="0"/>
+          <a:chExt cx="0" cy="0"/>
+        </a:xfrm>
+      </p:grpSpPr>
+      <p:sp>
+        <p:nvSpPr>
+          <p:cNvPr id="4" name="제목 3">
+            <a:extLst>
+              <a:ext uri="{FF2B5EF4-FFF2-40B4-BE49-F238E27FC236}">
+                <a16:creationId xmlns:a16="http://schemas.microsoft.com/office/drawing/2014/main" id="{F0CEB32B-CB43-4410-BA08-A97E4BC47FCB}"/>
+              </a:ext>
+            </a:extLst>
+          </p:cNvPr>
+          <p:cNvSpPr>
+            <a:spLocks noGrp="1"/>
+          </p:cNvSpPr>
+          <p:nvPr>
+            <p:ph type="title"/>
+          </p:nvPr>
+        </p:nvSpPr>
+        <p:spPr/>
+        <p:txBody>
+          <a:bodyPr/>
+          <a:lstStyle/>
+          <a:p>
+            <a:r>
+              <a:rPr lang="ko-KR" altLang="en-US" dirty="0"/>
+              <a:t>협업하기</a:t>
+            </a:r>
+          </a:p>
+        </p:txBody>
+      </p:sp>
+      <p:sp>
+        <p:nvSpPr>
+          <p:cNvPr id="7" name="내용 개체 틀 2">
+            <a:extLst>
+              <a:ext uri="{FF2B5EF4-FFF2-40B4-BE49-F238E27FC236}">
+                <a16:creationId xmlns:a16="http://schemas.microsoft.com/office/drawing/2014/main" id="{A44AC902-3746-40D6-9827-94B46EEDDC67}"/>
+              </a:ext>
+            </a:extLst>
+          </p:cNvPr>
+          <p:cNvSpPr txBox="1">
+            <a:spLocks/>
+          </p:cNvSpPr>
+          <p:nvPr/>
+        </p:nvSpPr>
+        <p:spPr>
+          <a:xfrm>
+            <a:off x="341787" y="1120545"/>
+            <a:ext cx="8642350" cy="2351314"/>
+          </a:xfrm>
+          <a:prstGeom prst="rect">
+            <a:avLst/>
+          </a:prstGeom>
+        </p:spPr>
+        <p:txBody>
+          <a:bodyPr vert="horz" lIns="91440" tIns="45720" rIns="91440" bIns="45720" rtlCol="0">
+            <a:noAutofit/>
+          </a:bodyPr>
+          <a:lstStyle>
+            <a:lvl1pPr marL="266700" indent="-266700" defTabSz="914400" latinLnBrk="1">
+              <a:lnSpc>
+                <a:spcPct val="150000"/>
+              </a:lnSpc>
+              <a:spcBef>
+                <a:spcPct val="0"/>
+              </a:spcBef>
+              <a:buClr>
+                <a:schemeClr val="tx1">
+                  <a:lumMod val="65000"/>
+                  <a:lumOff val="35000"/>
+                </a:schemeClr>
+              </a:buClr>
+              <a:buFont typeface="Wingdings" pitchFamily="2" charset="2"/>
+              <a:buChar char="n"/>
+              <a:defRPr sz="2000" b="1">
+                <a:latin typeface="+mn-ea"/>
+              </a:defRPr>
+            </a:lvl1pPr>
+            <a:lvl2pPr marL="447675" lvl="1" indent="-180975" defTabSz="914400" latinLnBrk="1">
+              <a:lnSpc>
+                <a:spcPct val="150000"/>
+              </a:lnSpc>
+              <a:spcBef>
+                <a:spcPts val="0"/>
+              </a:spcBef>
+              <a:spcAft>
+                <a:spcPts val="0"/>
+              </a:spcAft>
+              <a:buClr>
+                <a:schemeClr val="tx1">
+                  <a:lumMod val="50000"/>
+                  <a:lumOff val="50000"/>
+                </a:schemeClr>
+              </a:buClr>
+              <a:buFont typeface="Wingdings" pitchFamily="2" charset="2"/>
+              <a:buChar char="§"/>
+              <a:defRPr sz="1600"/>
+            </a:lvl2pPr>
+            <a:lvl3pPr marL="628650" indent="-180975" defTabSz="914400" latinLnBrk="1">
+              <a:lnSpc>
+                <a:spcPct val="150000"/>
+              </a:lnSpc>
+              <a:spcBef>
+                <a:spcPts val="500"/>
+              </a:spcBef>
+              <a:spcAft>
+                <a:spcPts val="300"/>
+              </a:spcAft>
+              <a:buClr>
+                <a:schemeClr val="tx1">
+                  <a:lumMod val="65000"/>
+                  <a:lumOff val="35000"/>
+                </a:schemeClr>
+              </a:buClr>
+              <a:buFont typeface="Arial" panose="020B0604020202020204" pitchFamily="34" charset="0"/>
+              <a:buChar char="•"/>
+              <a:defRPr sz="1400"/>
+            </a:lvl3pPr>
+            <a:lvl4pPr marL="809625" indent="-180975" defTabSz="914400" latinLnBrk="1">
+              <a:lnSpc>
+                <a:spcPct val="150000"/>
+              </a:lnSpc>
+              <a:spcBef>
+                <a:spcPts val="500"/>
+              </a:spcBef>
+              <a:spcAft>
+                <a:spcPts val="300"/>
+              </a:spcAft>
+              <a:buClr>
+                <a:schemeClr val="tx1">
+                  <a:lumMod val="65000"/>
+                  <a:lumOff val="35000"/>
+                </a:schemeClr>
+              </a:buClr>
+              <a:buSzPct val="96000"/>
+              <a:buFont typeface="Arial" panose="020B0604020202020204" pitchFamily="34" charset="0"/>
+              <a:buChar char="•"/>
+              <a:defRPr sz="1200"/>
+            </a:lvl4pPr>
+            <a:lvl5pPr marL="990600" indent="-180975" defTabSz="914400" latinLnBrk="1">
+              <a:lnSpc>
+                <a:spcPct val="150000"/>
+              </a:lnSpc>
+              <a:spcBef>
+                <a:spcPts val="500"/>
+              </a:spcBef>
+              <a:buClr>
+                <a:schemeClr val="tx1">
+                  <a:lumMod val="65000"/>
+                  <a:lumOff val="35000"/>
+                </a:schemeClr>
+              </a:buClr>
+              <a:buFont typeface="Arial" panose="020B0604020202020204" pitchFamily="34" charset="0"/>
+              <a:buChar char="•"/>
+              <a:defRPr sz="1000"/>
+            </a:lvl5pPr>
+            <a:lvl6pPr marL="2514600" indent="-228600" defTabSz="914400" latinLnBrk="1">
+              <a:lnSpc>
+                <a:spcPct val="90000"/>
+              </a:lnSpc>
+              <a:spcBef>
+                <a:spcPts val="500"/>
+              </a:spcBef>
+              <a:buFont typeface="Arial" panose="020B0604020202020204" pitchFamily="34" charset="0"/>
+              <a:buChar char="•"/>
+            </a:lvl6pPr>
+            <a:lvl7pPr marL="2971800" indent="-228600" defTabSz="914400" latinLnBrk="1">
+              <a:lnSpc>
+                <a:spcPct val="90000"/>
+              </a:lnSpc>
+              <a:spcBef>
+                <a:spcPts val="500"/>
+              </a:spcBef>
+              <a:buFont typeface="Arial" panose="020B0604020202020204" pitchFamily="34" charset="0"/>
+              <a:buChar char="•"/>
+            </a:lvl7pPr>
+            <a:lvl8pPr marL="3429000" indent="-228600" defTabSz="914400" latinLnBrk="1">
+              <a:lnSpc>
+                <a:spcPct val="90000"/>
+              </a:lnSpc>
+              <a:spcBef>
+                <a:spcPts val="500"/>
+              </a:spcBef>
+              <a:buFont typeface="Arial" panose="020B0604020202020204" pitchFamily="34" charset="0"/>
+              <a:buChar char="•"/>
+            </a:lvl8pPr>
+            <a:lvl9pPr marL="3886200" indent="-228600" defTabSz="914400" latinLnBrk="1">
+              <a:lnSpc>
+                <a:spcPct val="90000"/>
+              </a:lnSpc>
+              <a:spcBef>
+                <a:spcPts val="500"/>
+              </a:spcBef>
+              <a:buFont typeface="Arial" panose="020B0604020202020204" pitchFamily="34" charset="0"/>
+              <a:buChar char="•"/>
+            </a:lvl9pPr>
+          </a:lstStyle>
+          <a:p>
+            <a:r>
+              <a:rPr lang="ko-KR" altLang="en-US" dirty="0"/>
+              <a:t>협업환경 </a:t>
+            </a:r>
+            <a:r>
+              <a:rPr lang="en-US" altLang="ko-KR" dirty="0"/>
+              <a:t>(</a:t>
+            </a:r>
+            <a:r>
+              <a:rPr lang="ko-KR" altLang="en-US" dirty="0"/>
+              <a:t>참고 </a:t>
+            </a:r>
+            <a:r>
+              <a:rPr lang="en-US" altLang="ko-KR" dirty="0"/>
+              <a:t>: project </a:t>
+            </a:r>
+            <a:r>
+              <a:rPr lang="ko-KR" altLang="en-US" dirty="0"/>
+              <a:t>등록은 복잡</a:t>
+            </a:r>
+            <a:r>
+              <a:rPr lang="en-US" altLang="ko-KR" dirty="0"/>
+              <a:t>)</a:t>
+            </a:r>
+          </a:p>
+          <a:p>
+            <a:pPr lvl="1"/>
+            <a:r>
+              <a:rPr lang="ko-KR" altLang="en-US" dirty="0">
+                <a:latin typeface="+mn-ea"/>
+              </a:rPr>
+              <a:t>참여를 원하는 인원의 </a:t>
+            </a:r>
+            <a:r>
+              <a:rPr lang="en-US" altLang="ko-KR" dirty="0">
+                <a:latin typeface="+mn-ea"/>
+              </a:rPr>
+              <a:t>username </a:t>
+            </a:r>
+            <a:r>
+              <a:rPr lang="ko-KR" altLang="en-US" dirty="0">
+                <a:latin typeface="+mn-ea"/>
+              </a:rPr>
+              <a:t>혹은 이메일 등 한가지 </a:t>
+            </a:r>
+            <a:r>
+              <a:rPr lang="ko-KR" altLang="en-US" dirty="0" err="1">
+                <a:latin typeface="+mn-ea"/>
+              </a:rPr>
+              <a:t>입력후</a:t>
+            </a:r>
+            <a:r>
+              <a:rPr lang="ko-KR" altLang="en-US" dirty="0">
+                <a:latin typeface="+mn-ea"/>
+              </a:rPr>
+              <a:t> 클릭</a:t>
+            </a:r>
+            <a:endParaRPr lang="en-US" altLang="ko-KR" dirty="0">
+              <a:latin typeface="+mn-ea"/>
+            </a:endParaRPr>
+          </a:p>
+        </p:txBody>
+      </p:sp>
+      <p:pic>
+        <p:nvPicPr>
+          <p:cNvPr id="6" name="그림 5">
+            <a:extLst>
+              <a:ext uri="{FF2B5EF4-FFF2-40B4-BE49-F238E27FC236}">
+                <a16:creationId xmlns:a16="http://schemas.microsoft.com/office/drawing/2014/main" id="{6F75B120-B902-41B8-87A2-9D9AAA612560}"/>
+              </a:ext>
+            </a:extLst>
+          </p:cNvPr>
+          <p:cNvPicPr>
+            <a:picLocks noChangeAspect="1"/>
+          </p:cNvPicPr>
+          <p:nvPr/>
+        </p:nvPicPr>
+        <p:blipFill>
+          <a:blip r:embed="rId3"/>
+          <a:stretch>
+            <a:fillRect/>
+          </a:stretch>
+        </p:blipFill>
+        <p:spPr>
+          <a:xfrm>
+            <a:off x="883577" y="2019504"/>
+            <a:ext cx="7863247" cy="3847039"/>
+          </a:xfrm>
+          <a:prstGeom prst="rect">
+            <a:avLst/>
+          </a:prstGeom>
+        </p:spPr>
+      </p:pic>
+    </p:spTree>
+    <p:extLst>
+      <p:ext uri="{BB962C8B-B14F-4D97-AF65-F5344CB8AC3E}">
+        <p14:creationId xmlns:p14="http://schemas.microsoft.com/office/powerpoint/2010/main" val="814099740"/>
+      </p:ext>
+    </p:extLst>
+  </p:cSld>
+  <p:clrMapOvr>
+    <a:masterClrMapping/>
+  </p:clrMapOvr>
+</p:sld>
+</file>
+
+<file path=ppt/slides/slide52.xml><?xml version="1.0" encoding="utf-8"?>
+<p:sld xmlns:a="http://schemas.openxmlformats.org/drawingml/2006/main" xmlns:r="http://schemas.openxmlformats.org/officeDocument/2006/relationships" xmlns:p="http://schemas.openxmlformats.org/presentationml/2006/main">
+  <p:cSld>
+    <p:spTree>
+      <p:nvGrpSpPr>
+        <p:cNvPr id="1" name=""/>
+        <p:cNvGrpSpPr/>
+        <p:nvPr/>
+      </p:nvGrpSpPr>
+      <p:grpSpPr>
+        <a:xfrm>
+          <a:off x="0" y="0"/>
+          <a:ext cx="0" cy="0"/>
+          <a:chOff x="0" y="0"/>
+          <a:chExt cx="0" cy="0"/>
+        </a:xfrm>
+      </p:grpSpPr>
+      <p:sp>
+        <p:nvSpPr>
+          <p:cNvPr id="5" name="슬라이드 번호 개체 틀 4">
+            <a:extLst>
+              <a:ext uri="{FF2B5EF4-FFF2-40B4-BE49-F238E27FC236}">
+                <a16:creationId xmlns:a16="http://schemas.microsoft.com/office/drawing/2014/main" id="{F173C1D3-216A-403A-A8C8-A8FF24D1DB4D}"/>
+              </a:ext>
+            </a:extLst>
+          </p:cNvPr>
+          <p:cNvSpPr>
+            <a:spLocks noGrp="1"/>
+          </p:cNvSpPr>
+          <p:nvPr>
+            <p:ph type="sldNum" sz="quarter" idx="12"/>
+          </p:nvPr>
+        </p:nvSpPr>
+        <p:spPr>
+          <a:xfrm>
+            <a:off x="6457950" y="6356351"/>
+            <a:ext cx="2057400" cy="365125"/>
+          </a:xfrm>
+          <a:prstGeom prst="rect">
+            <a:avLst/>
+          </a:prstGeom>
+        </p:spPr>
+        <p:txBody>
+          <a:bodyPr vert="horz" lIns="91440" tIns="45720" rIns="91440" bIns="45720" rtlCol="0" anchor="ctr"/>
+          <a:lstStyle>
+            <a:defPPr>
+              <a:defRPr lang="en-US"/>
+            </a:defPPr>
+            <a:lvl1pPr marL="0" algn="r" defTabSz="457200" rtl="0" eaLnBrk="1" latinLnBrk="0" hangingPunct="1">
+              <a:defRPr sz="1200" kern="1200">
+                <a:solidFill>
+                  <a:schemeClr val="bg1">
+                    <a:lumMod val="75000"/>
+                  </a:schemeClr>
+                </a:solidFill>
+                <a:latin typeface="+mn-lt"/>
+                <a:ea typeface="+mn-ea"/>
+                <a:cs typeface="+mn-cs"/>
+              </a:defRPr>
+            </a:lvl1pPr>
+            <a:lvl2pPr marL="457200" algn="l" defTabSz="457200" rtl="0" eaLnBrk="1" latinLnBrk="0" hangingPunct="1">
+              <a:defRPr sz="1800" kern="1200">
+                <a:solidFill>
+                  <a:schemeClr val="tx1"/>
+                </a:solidFill>
+                <a:latin typeface="+mn-lt"/>
+                <a:ea typeface="+mn-ea"/>
+                <a:cs typeface="+mn-cs"/>
+              </a:defRPr>
+            </a:lvl2pPr>
+            <a:lvl3pPr marL="914400" algn="l" defTabSz="457200" rtl="0" eaLnBrk="1" latinLnBrk="0" hangingPunct="1">
+              <a:defRPr sz="1800" kern="1200">
+                <a:solidFill>
+                  <a:schemeClr val="tx1"/>
+                </a:solidFill>
+                <a:latin typeface="+mn-lt"/>
+                <a:ea typeface="+mn-ea"/>
+                <a:cs typeface="+mn-cs"/>
+              </a:defRPr>
+            </a:lvl3pPr>
+            <a:lvl4pPr marL="1371600" algn="l" defTabSz="457200" rtl="0" eaLnBrk="1" latinLnBrk="0" hangingPunct="1">
+              <a:defRPr sz="1800" kern="1200">
+                <a:solidFill>
+                  <a:schemeClr val="tx1"/>
+                </a:solidFill>
+                <a:latin typeface="+mn-lt"/>
+                <a:ea typeface="+mn-ea"/>
+                <a:cs typeface="+mn-cs"/>
+              </a:defRPr>
+            </a:lvl4pPr>
+            <a:lvl5pPr marL="1828800" algn="l" defTabSz="457200" rtl="0" eaLnBrk="1" latinLnBrk="0" hangingPunct="1">
+              <a:defRPr sz="1800" kern="1200">
+                <a:solidFill>
+                  <a:schemeClr val="tx1"/>
+                </a:solidFill>
+                <a:latin typeface="+mn-lt"/>
+                <a:ea typeface="+mn-ea"/>
+                <a:cs typeface="+mn-cs"/>
+              </a:defRPr>
+            </a:lvl5pPr>
+            <a:lvl6pPr marL="2286000" algn="l" defTabSz="457200" rtl="0" eaLnBrk="1" latinLnBrk="0" hangingPunct="1">
+              <a:defRPr sz="1800" kern="1200">
+                <a:solidFill>
+                  <a:schemeClr val="tx1"/>
+                </a:solidFill>
+                <a:latin typeface="+mn-lt"/>
+                <a:ea typeface="+mn-ea"/>
+                <a:cs typeface="+mn-cs"/>
+              </a:defRPr>
+            </a:lvl6pPr>
+            <a:lvl7pPr marL="2743200" algn="l" defTabSz="457200" rtl="0" eaLnBrk="1" latinLnBrk="0" hangingPunct="1">
+              <a:defRPr sz="1800" kern="1200">
+                <a:solidFill>
+                  <a:schemeClr val="tx1"/>
+                </a:solidFill>
+                <a:latin typeface="+mn-lt"/>
+                <a:ea typeface="+mn-ea"/>
+                <a:cs typeface="+mn-cs"/>
+              </a:defRPr>
+            </a:lvl7pPr>
+            <a:lvl8pPr marL="3200400" algn="l" defTabSz="457200" rtl="0" eaLnBrk="1" latinLnBrk="0" hangingPunct="1">
+              <a:defRPr sz="1800" kern="1200">
+                <a:solidFill>
+                  <a:schemeClr val="tx1"/>
+                </a:solidFill>
+                <a:latin typeface="+mn-lt"/>
+                <a:ea typeface="+mn-ea"/>
+                <a:cs typeface="+mn-cs"/>
+              </a:defRPr>
+            </a:lvl8pPr>
+            <a:lvl9pPr marL="3657600" algn="l" defTabSz="457200" rtl="0" eaLnBrk="1" latinLnBrk="0" hangingPunct="1">
+              <a:defRPr sz="1800" kern="1200">
+                <a:solidFill>
+                  <a:schemeClr val="tx1"/>
+                </a:solidFill>
+                <a:latin typeface="+mn-lt"/>
+                <a:ea typeface="+mn-ea"/>
+                <a:cs typeface="+mn-cs"/>
+              </a:defRPr>
+            </a:lvl9pPr>
+          </a:lstStyle>
+          <a:p>
+            <a:fld id="{526ADF51-C4A2-4521-899C-87F34FDB9C0A}" type="slidenum">
+              <a:rPr lang="ko-KR" altLang="en-US" smtClean="0"/>
+              <a:pPr/>
+              <a:t>52</a:t>
+            </a:fld>
+            <a:endParaRPr lang="ko-KR" altLang="en-US" dirty="0"/>
+          </a:p>
+        </p:txBody>
+      </p:sp>
+      <p:pic>
+        <p:nvPicPr>
+          <p:cNvPr id="8" name="그림 7">
+            <a:extLst>
+              <a:ext uri="{FF2B5EF4-FFF2-40B4-BE49-F238E27FC236}">
+                <a16:creationId xmlns:a16="http://schemas.microsoft.com/office/drawing/2014/main" id="{72AF3F4D-4481-45F8-BE2F-012C295856F2}"/>
+              </a:ext>
+            </a:extLst>
+          </p:cNvPr>
+          <p:cNvPicPr>
+            <a:picLocks noChangeAspect="1"/>
+          </p:cNvPicPr>
+          <p:nvPr/>
+        </p:nvPicPr>
+        <p:blipFill>
+          <a:blip r:embed="rId2"/>
+          <a:stretch>
+            <a:fillRect/>
+          </a:stretch>
+        </p:blipFill>
+        <p:spPr>
+          <a:xfrm>
+            <a:off x="0" y="1042932"/>
+            <a:ext cx="9144000" cy="4751588"/>
+          </a:xfrm>
+          <a:prstGeom prst="rect">
+            <a:avLst/>
+          </a:prstGeom>
+        </p:spPr>
+      </p:pic>
+      <p:sp>
+        <p:nvSpPr>
+          <p:cNvPr id="9" name="TextBox 8">
+            <a:extLst>
+              <a:ext uri="{FF2B5EF4-FFF2-40B4-BE49-F238E27FC236}">
+                <a16:creationId xmlns:a16="http://schemas.microsoft.com/office/drawing/2014/main" id="{5DA02F52-7618-40A7-A957-FDDB959F849F}"/>
+              </a:ext>
+            </a:extLst>
+          </p:cNvPr>
+          <p:cNvSpPr txBox="1"/>
+          <p:nvPr/>
+        </p:nvSpPr>
+        <p:spPr>
+          <a:xfrm>
+            <a:off x="5886686" y="5991138"/>
+            <a:ext cx="3220753" cy="261610"/>
+          </a:xfrm>
+          <a:prstGeom prst="rect">
+            <a:avLst/>
+          </a:prstGeom>
+          <a:noFill/>
+        </p:spPr>
+        <p:txBody>
+          <a:bodyPr wrap="none" rtlCol="0">
+            <a:spAutoFit/>
+          </a:bodyPr>
+          <a:lstStyle/>
+          <a:p>
+            <a:r>
+              <a:rPr lang="en-US" altLang="ko-KR" sz="1100" dirty="0"/>
+              <a:t>ETRI </a:t>
+            </a:r>
+            <a:r>
+              <a:rPr lang="ko-KR" altLang="en-US" sz="1100" dirty="0" err="1"/>
+              <a:t>오픈소스전문위원</a:t>
+            </a:r>
+            <a:r>
+              <a:rPr lang="ko-KR" altLang="en-US" sz="1100" dirty="0"/>
+              <a:t> 특강자료</a:t>
+            </a:r>
+            <a:r>
+              <a:rPr lang="en-US" altLang="ko-KR" sz="1100" dirty="0"/>
+              <a:t> </a:t>
+            </a:r>
+            <a:r>
+              <a:rPr lang="ko-KR" altLang="en-US" sz="1100" dirty="0"/>
+              <a:t>발췌</a:t>
+            </a:r>
+            <a:r>
+              <a:rPr lang="en-US" altLang="ko-KR" sz="1100" dirty="0"/>
+              <a:t>. 2020.11.03</a:t>
+            </a:r>
+            <a:endParaRPr lang="ko-KR" altLang="en-US" sz="1100" dirty="0"/>
+          </a:p>
+        </p:txBody>
+      </p:sp>
+    </p:spTree>
+    <p:extLst>
+      <p:ext uri="{BB962C8B-B14F-4D97-AF65-F5344CB8AC3E}">
+        <p14:creationId xmlns:p14="http://schemas.microsoft.com/office/powerpoint/2010/main" val="1963916080"/>
+      </p:ext>
+    </p:extLst>
+  </p:cSld>
+  <p:clrMapOvr>
+    <a:masterClrMapping/>
+  </p:clrMapOvr>
+</p:sld>
+</file>
+
+<file path=ppt/slides/slide53.xml><?xml version="1.0" encoding="utf-8"?>
+<p:sld xmlns:a="http://schemas.openxmlformats.org/drawingml/2006/main" xmlns:r="http://schemas.openxmlformats.org/officeDocument/2006/relationships" xmlns:p="http://schemas.openxmlformats.org/presentationml/2006/main">
+  <p:cSld>
+    <p:spTree>
+      <p:nvGrpSpPr>
+        <p:cNvPr id="1" name=""/>
+        <p:cNvGrpSpPr/>
+        <p:nvPr/>
+      </p:nvGrpSpPr>
+      <p:grpSpPr>
+        <a:xfrm>
+          <a:off x="0" y="0"/>
+          <a:ext cx="0" cy="0"/>
+          <a:chOff x="0" y="0"/>
+          <a:chExt cx="0" cy="0"/>
+        </a:xfrm>
+      </p:grpSpPr>
+      <p:sp>
+        <p:nvSpPr>
+          <p:cNvPr id="5" name="슬라이드 번호 개체 틀 4">
+            <a:extLst>
+              <a:ext uri="{FF2B5EF4-FFF2-40B4-BE49-F238E27FC236}">
+                <a16:creationId xmlns:a16="http://schemas.microsoft.com/office/drawing/2014/main" id="{F173C1D3-216A-403A-A8C8-A8FF24D1DB4D}"/>
+              </a:ext>
+            </a:extLst>
+          </p:cNvPr>
+          <p:cNvSpPr>
+            <a:spLocks noGrp="1"/>
+          </p:cNvSpPr>
+          <p:nvPr>
+            <p:ph type="sldNum" sz="quarter" idx="12"/>
+          </p:nvPr>
+        </p:nvSpPr>
+        <p:spPr>
+          <a:xfrm>
+            <a:off x="6457950" y="6356351"/>
+            <a:ext cx="2057400" cy="365125"/>
+          </a:xfrm>
+          <a:prstGeom prst="rect">
+            <a:avLst/>
+          </a:prstGeom>
+        </p:spPr>
+        <p:txBody>
+          <a:bodyPr vert="horz" lIns="91440" tIns="45720" rIns="91440" bIns="45720" rtlCol="0" anchor="ctr"/>
+          <a:lstStyle>
+            <a:defPPr>
+              <a:defRPr lang="en-US"/>
+            </a:defPPr>
+            <a:lvl1pPr marL="0" algn="r" defTabSz="457200" rtl="0" eaLnBrk="1" latinLnBrk="0" hangingPunct="1">
+              <a:defRPr sz="1200" kern="1200">
+                <a:solidFill>
+                  <a:schemeClr val="bg1">
+                    <a:lumMod val="75000"/>
+                  </a:schemeClr>
+                </a:solidFill>
+                <a:latin typeface="+mn-lt"/>
+                <a:ea typeface="+mn-ea"/>
+                <a:cs typeface="+mn-cs"/>
+              </a:defRPr>
+            </a:lvl1pPr>
+            <a:lvl2pPr marL="457200" algn="l" defTabSz="457200" rtl="0" eaLnBrk="1" latinLnBrk="0" hangingPunct="1">
+              <a:defRPr sz="1800" kern="1200">
+                <a:solidFill>
+                  <a:schemeClr val="tx1"/>
+                </a:solidFill>
+                <a:latin typeface="+mn-lt"/>
+                <a:ea typeface="+mn-ea"/>
+                <a:cs typeface="+mn-cs"/>
+              </a:defRPr>
+            </a:lvl2pPr>
+            <a:lvl3pPr marL="914400" algn="l" defTabSz="457200" rtl="0" eaLnBrk="1" latinLnBrk="0" hangingPunct="1">
+              <a:defRPr sz="1800" kern="1200">
+                <a:solidFill>
+                  <a:schemeClr val="tx1"/>
+                </a:solidFill>
+                <a:latin typeface="+mn-lt"/>
+                <a:ea typeface="+mn-ea"/>
+                <a:cs typeface="+mn-cs"/>
+              </a:defRPr>
+            </a:lvl3pPr>
+            <a:lvl4pPr marL="1371600" algn="l" defTabSz="457200" rtl="0" eaLnBrk="1" latinLnBrk="0" hangingPunct="1">
+              <a:defRPr sz="1800" kern="1200">
+                <a:solidFill>
+                  <a:schemeClr val="tx1"/>
+                </a:solidFill>
+                <a:latin typeface="+mn-lt"/>
+                <a:ea typeface="+mn-ea"/>
+                <a:cs typeface="+mn-cs"/>
+              </a:defRPr>
+            </a:lvl4pPr>
+            <a:lvl5pPr marL="1828800" algn="l" defTabSz="457200" rtl="0" eaLnBrk="1" latinLnBrk="0" hangingPunct="1">
+              <a:defRPr sz="1800" kern="1200">
+                <a:solidFill>
+                  <a:schemeClr val="tx1"/>
+                </a:solidFill>
+                <a:latin typeface="+mn-lt"/>
+                <a:ea typeface="+mn-ea"/>
+                <a:cs typeface="+mn-cs"/>
+              </a:defRPr>
+            </a:lvl5pPr>
+            <a:lvl6pPr marL="2286000" algn="l" defTabSz="457200" rtl="0" eaLnBrk="1" latinLnBrk="0" hangingPunct="1">
+              <a:defRPr sz="1800" kern="1200">
+                <a:solidFill>
+                  <a:schemeClr val="tx1"/>
+                </a:solidFill>
+                <a:latin typeface="+mn-lt"/>
+                <a:ea typeface="+mn-ea"/>
+                <a:cs typeface="+mn-cs"/>
+              </a:defRPr>
+            </a:lvl6pPr>
+            <a:lvl7pPr marL="2743200" algn="l" defTabSz="457200" rtl="0" eaLnBrk="1" latinLnBrk="0" hangingPunct="1">
+              <a:defRPr sz="1800" kern="1200">
+                <a:solidFill>
+                  <a:schemeClr val="tx1"/>
+                </a:solidFill>
+                <a:latin typeface="+mn-lt"/>
+                <a:ea typeface="+mn-ea"/>
+                <a:cs typeface="+mn-cs"/>
+              </a:defRPr>
+            </a:lvl7pPr>
+            <a:lvl8pPr marL="3200400" algn="l" defTabSz="457200" rtl="0" eaLnBrk="1" latinLnBrk="0" hangingPunct="1">
+              <a:defRPr sz="1800" kern="1200">
+                <a:solidFill>
+                  <a:schemeClr val="tx1"/>
+                </a:solidFill>
+                <a:latin typeface="+mn-lt"/>
+                <a:ea typeface="+mn-ea"/>
+                <a:cs typeface="+mn-cs"/>
+              </a:defRPr>
+            </a:lvl8pPr>
+            <a:lvl9pPr marL="3657600" algn="l" defTabSz="457200" rtl="0" eaLnBrk="1" latinLnBrk="0" hangingPunct="1">
+              <a:defRPr sz="1800" kern="1200">
+                <a:solidFill>
+                  <a:schemeClr val="tx1"/>
+                </a:solidFill>
+                <a:latin typeface="+mn-lt"/>
+                <a:ea typeface="+mn-ea"/>
+                <a:cs typeface="+mn-cs"/>
+              </a:defRPr>
+            </a:lvl9pPr>
+          </a:lstStyle>
+          <a:p>
+            <a:fld id="{526ADF51-C4A2-4521-899C-87F34FDB9C0A}" type="slidenum">
+              <a:rPr lang="ko-KR" altLang="en-US" smtClean="0"/>
+              <a:pPr/>
+              <a:t>53</a:t>
+            </a:fld>
+            <a:endParaRPr lang="ko-KR" altLang="en-US" dirty="0"/>
+          </a:p>
+        </p:txBody>
+      </p:sp>
+      <p:pic>
+        <p:nvPicPr>
+          <p:cNvPr id="3" name="그림 2">
+            <a:extLst>
+              <a:ext uri="{FF2B5EF4-FFF2-40B4-BE49-F238E27FC236}">
+                <a16:creationId xmlns:a16="http://schemas.microsoft.com/office/drawing/2014/main" id="{C48AED3C-C908-4B19-A858-55CB43AF6882}"/>
+              </a:ext>
+            </a:extLst>
+          </p:cNvPr>
+          <p:cNvPicPr>
+            <a:picLocks noChangeAspect="1"/>
+          </p:cNvPicPr>
+          <p:nvPr/>
+        </p:nvPicPr>
+        <p:blipFill>
+          <a:blip r:embed="rId2"/>
+          <a:stretch>
+            <a:fillRect/>
+          </a:stretch>
+        </p:blipFill>
+        <p:spPr>
+          <a:xfrm>
+            <a:off x="0" y="1037268"/>
+            <a:ext cx="9144000" cy="4783464"/>
+          </a:xfrm>
+          <a:prstGeom prst="rect">
+            <a:avLst/>
+          </a:prstGeom>
+        </p:spPr>
+      </p:pic>
+      <p:sp>
+        <p:nvSpPr>
+          <p:cNvPr id="4" name="TextBox 3">
+            <a:extLst>
+              <a:ext uri="{FF2B5EF4-FFF2-40B4-BE49-F238E27FC236}">
+                <a16:creationId xmlns:a16="http://schemas.microsoft.com/office/drawing/2014/main" id="{540EF42A-5194-45BA-BA9E-6C4730B12D0C}"/>
+              </a:ext>
+            </a:extLst>
+          </p:cNvPr>
+          <p:cNvSpPr txBox="1"/>
+          <p:nvPr/>
+        </p:nvSpPr>
+        <p:spPr>
+          <a:xfrm>
+            <a:off x="5886686" y="5991138"/>
+            <a:ext cx="3220753" cy="261610"/>
+          </a:xfrm>
+          <a:prstGeom prst="rect">
+            <a:avLst/>
+          </a:prstGeom>
+          <a:noFill/>
+        </p:spPr>
+        <p:txBody>
+          <a:bodyPr wrap="none" rtlCol="0">
+            <a:spAutoFit/>
+          </a:bodyPr>
+          <a:lstStyle/>
+          <a:p>
+            <a:r>
+              <a:rPr lang="en-US" altLang="ko-KR" sz="1100" dirty="0"/>
+              <a:t>ETRI </a:t>
+            </a:r>
+            <a:r>
+              <a:rPr lang="ko-KR" altLang="en-US" sz="1100" dirty="0" err="1"/>
+              <a:t>오픈소스전문위원</a:t>
+            </a:r>
+            <a:r>
+              <a:rPr lang="ko-KR" altLang="en-US" sz="1100" dirty="0"/>
+              <a:t> 특강자료</a:t>
+            </a:r>
+            <a:r>
+              <a:rPr lang="en-US" altLang="ko-KR" sz="1100" dirty="0"/>
+              <a:t> </a:t>
+            </a:r>
+            <a:r>
+              <a:rPr lang="ko-KR" altLang="en-US" sz="1100" dirty="0"/>
+              <a:t>발췌</a:t>
+            </a:r>
+            <a:r>
+              <a:rPr lang="en-US" altLang="ko-KR" sz="1100" dirty="0"/>
+              <a:t>. 2020.11.03</a:t>
+            </a:r>
+            <a:endParaRPr lang="ko-KR" altLang="en-US" sz="1100" dirty="0"/>
+          </a:p>
+        </p:txBody>
+      </p:sp>
+    </p:spTree>
+    <p:extLst>
+      <p:ext uri="{BB962C8B-B14F-4D97-AF65-F5344CB8AC3E}">
+        <p14:creationId xmlns:p14="http://schemas.microsoft.com/office/powerpoint/2010/main" val="1770299477"/>
+      </p:ext>
+    </p:extLst>
+  </p:cSld>
+  <p:clrMapOvr>
+    <a:masterClrMapping/>
+  </p:clrMapOvr>
+</p:sld>
+</file>
+
+<file path=ppt/slides/slide54.xml><?xml version="1.0" encoding="utf-8"?>
+<p:sld xmlns:a="http://schemas.openxmlformats.org/drawingml/2006/main" xmlns:r="http://schemas.openxmlformats.org/officeDocument/2006/relationships" xmlns:p="http://schemas.openxmlformats.org/presentationml/2006/main">
+  <p:cSld>
+    <p:spTree>
+      <p:nvGrpSpPr>
+        <p:cNvPr id="1" name=""/>
+        <p:cNvGrpSpPr/>
+        <p:nvPr/>
+      </p:nvGrpSpPr>
+      <p:grpSpPr>
+        <a:xfrm>
+          <a:off x="0" y="0"/>
+          <a:ext cx="0" cy="0"/>
+          <a:chOff x="0" y="0"/>
+          <a:chExt cx="0" cy="0"/>
+        </a:xfrm>
+      </p:grpSpPr>
+      <p:sp>
+        <p:nvSpPr>
+          <p:cNvPr id="4" name="제목 3">
+            <a:extLst>
+              <a:ext uri="{FF2B5EF4-FFF2-40B4-BE49-F238E27FC236}">
+                <a16:creationId xmlns:a16="http://schemas.microsoft.com/office/drawing/2014/main" id="{F0CEB32B-CB43-4410-BA08-A97E4BC47FCB}"/>
+              </a:ext>
+            </a:extLst>
+          </p:cNvPr>
+          <p:cNvSpPr>
+            <a:spLocks noGrp="1"/>
+          </p:cNvSpPr>
+          <p:nvPr>
+            <p:ph type="title"/>
+          </p:nvPr>
+        </p:nvSpPr>
+        <p:spPr/>
+        <p:txBody>
+          <a:bodyPr/>
+          <a:lstStyle/>
+          <a:p>
+            <a:r>
+              <a:rPr lang="ko-KR" altLang="en-US" dirty="0"/>
+              <a:t>협업하기 취소</a:t>
+            </a:r>
+          </a:p>
+        </p:txBody>
+      </p:sp>
+      <p:sp>
+        <p:nvSpPr>
+          <p:cNvPr id="7" name="내용 개체 틀 2">
+            <a:extLst>
+              <a:ext uri="{FF2B5EF4-FFF2-40B4-BE49-F238E27FC236}">
+                <a16:creationId xmlns:a16="http://schemas.microsoft.com/office/drawing/2014/main" id="{A44AC902-3746-40D6-9827-94B46EEDDC67}"/>
+              </a:ext>
+            </a:extLst>
+          </p:cNvPr>
+          <p:cNvSpPr txBox="1">
+            <a:spLocks/>
+          </p:cNvSpPr>
+          <p:nvPr/>
+        </p:nvSpPr>
+        <p:spPr>
+          <a:xfrm>
+            <a:off x="341787" y="1120545"/>
+            <a:ext cx="8642350" cy="2351314"/>
+          </a:xfrm>
+          <a:prstGeom prst="rect">
+            <a:avLst/>
+          </a:prstGeom>
+        </p:spPr>
+        <p:txBody>
+          <a:bodyPr vert="horz" lIns="91440" tIns="45720" rIns="91440" bIns="45720" rtlCol="0">
+            <a:noAutofit/>
+          </a:bodyPr>
+          <a:lstStyle>
+            <a:lvl1pPr marL="266700" indent="-266700" defTabSz="914400" latinLnBrk="1">
+              <a:lnSpc>
+                <a:spcPct val="150000"/>
+              </a:lnSpc>
+              <a:spcBef>
+                <a:spcPct val="0"/>
+              </a:spcBef>
+              <a:buClr>
+                <a:schemeClr val="tx1">
+                  <a:lumMod val="65000"/>
+                  <a:lumOff val="35000"/>
+                </a:schemeClr>
+              </a:buClr>
+              <a:buFont typeface="Wingdings" pitchFamily="2" charset="2"/>
+              <a:buChar char="n"/>
+              <a:defRPr sz="2000" b="1">
+                <a:latin typeface="+mn-ea"/>
+              </a:defRPr>
+            </a:lvl1pPr>
+            <a:lvl2pPr marL="447675" lvl="1" indent="-180975" defTabSz="914400" latinLnBrk="1">
+              <a:lnSpc>
+                <a:spcPct val="150000"/>
+              </a:lnSpc>
+              <a:spcBef>
+                <a:spcPts val="0"/>
+              </a:spcBef>
+              <a:spcAft>
+                <a:spcPts val="0"/>
+              </a:spcAft>
+              <a:buClr>
+                <a:schemeClr val="tx1">
+                  <a:lumMod val="50000"/>
+                  <a:lumOff val="50000"/>
+                </a:schemeClr>
+              </a:buClr>
+              <a:buFont typeface="Wingdings" pitchFamily="2" charset="2"/>
+              <a:buChar char="§"/>
+              <a:defRPr sz="1600"/>
+            </a:lvl2pPr>
+            <a:lvl3pPr marL="628650" indent="-180975" defTabSz="914400" latinLnBrk="1">
+              <a:lnSpc>
+                <a:spcPct val="150000"/>
+              </a:lnSpc>
+              <a:spcBef>
+                <a:spcPts val="500"/>
+              </a:spcBef>
+              <a:spcAft>
+                <a:spcPts val="300"/>
+              </a:spcAft>
+              <a:buClr>
+                <a:schemeClr val="tx1">
+                  <a:lumMod val="65000"/>
+                  <a:lumOff val="35000"/>
+                </a:schemeClr>
+              </a:buClr>
+              <a:buFont typeface="Arial" panose="020B0604020202020204" pitchFamily="34" charset="0"/>
+              <a:buChar char="•"/>
+              <a:defRPr sz="1400"/>
+            </a:lvl3pPr>
+            <a:lvl4pPr marL="809625" indent="-180975" defTabSz="914400" latinLnBrk="1">
+              <a:lnSpc>
+                <a:spcPct val="150000"/>
+              </a:lnSpc>
+              <a:spcBef>
+                <a:spcPts val="500"/>
+              </a:spcBef>
+              <a:spcAft>
+                <a:spcPts val="300"/>
+              </a:spcAft>
+              <a:buClr>
+                <a:schemeClr val="tx1">
+                  <a:lumMod val="65000"/>
+                  <a:lumOff val="35000"/>
+                </a:schemeClr>
+              </a:buClr>
+              <a:buSzPct val="96000"/>
+              <a:buFont typeface="Arial" panose="020B0604020202020204" pitchFamily="34" charset="0"/>
+              <a:buChar char="•"/>
+              <a:defRPr sz="1200"/>
+            </a:lvl4pPr>
+            <a:lvl5pPr marL="990600" indent="-180975" defTabSz="914400" latinLnBrk="1">
+              <a:lnSpc>
+                <a:spcPct val="150000"/>
+              </a:lnSpc>
+              <a:spcBef>
+                <a:spcPts val="500"/>
+              </a:spcBef>
+              <a:buClr>
+                <a:schemeClr val="tx1">
+                  <a:lumMod val="65000"/>
+                  <a:lumOff val="35000"/>
+                </a:schemeClr>
+              </a:buClr>
+              <a:buFont typeface="Arial" panose="020B0604020202020204" pitchFamily="34" charset="0"/>
+              <a:buChar char="•"/>
+              <a:defRPr sz="1000"/>
+            </a:lvl5pPr>
+            <a:lvl6pPr marL="2514600" indent="-228600" defTabSz="914400" latinLnBrk="1">
+              <a:lnSpc>
+                <a:spcPct val="90000"/>
+              </a:lnSpc>
+              <a:spcBef>
+                <a:spcPts val="500"/>
+              </a:spcBef>
+              <a:buFont typeface="Arial" panose="020B0604020202020204" pitchFamily="34" charset="0"/>
+              <a:buChar char="•"/>
+            </a:lvl6pPr>
+            <a:lvl7pPr marL="2971800" indent="-228600" defTabSz="914400" latinLnBrk="1">
+              <a:lnSpc>
+                <a:spcPct val="90000"/>
+              </a:lnSpc>
+              <a:spcBef>
+                <a:spcPts val="500"/>
+              </a:spcBef>
+              <a:buFont typeface="Arial" panose="020B0604020202020204" pitchFamily="34" charset="0"/>
+              <a:buChar char="•"/>
+            </a:lvl7pPr>
+            <a:lvl8pPr marL="3429000" indent="-228600" defTabSz="914400" latinLnBrk="1">
+              <a:lnSpc>
+                <a:spcPct val="90000"/>
+              </a:lnSpc>
+              <a:spcBef>
+                <a:spcPts val="500"/>
+              </a:spcBef>
+              <a:buFont typeface="Arial" panose="020B0604020202020204" pitchFamily="34" charset="0"/>
+              <a:buChar char="•"/>
+            </a:lvl8pPr>
+            <a:lvl9pPr marL="3886200" indent="-228600" defTabSz="914400" latinLnBrk="1">
+              <a:lnSpc>
+                <a:spcPct val="90000"/>
+              </a:lnSpc>
+              <a:spcBef>
+                <a:spcPts val="500"/>
+              </a:spcBef>
+              <a:buFont typeface="Arial" panose="020B0604020202020204" pitchFamily="34" charset="0"/>
+              <a:buChar char="•"/>
+            </a:lvl9pPr>
+          </a:lstStyle>
+          <a:p>
+            <a:r>
+              <a:rPr lang="en-US" altLang="ko-KR" dirty="0"/>
+              <a:t>collaborator</a:t>
+            </a:r>
+            <a:r>
+              <a:rPr lang="ko-KR" altLang="en-US" dirty="0"/>
+              <a:t> 취소</a:t>
+            </a:r>
+            <a:r>
+              <a:rPr lang="en-US" altLang="ko-KR" dirty="0"/>
+              <a:t> : </a:t>
+            </a:r>
+            <a:r>
+              <a:rPr lang="ko-KR" altLang="en-US" dirty="0" err="1"/>
+              <a:t>주관자</a:t>
+            </a:r>
+            <a:endParaRPr lang="en-US" altLang="ko-KR" dirty="0"/>
+          </a:p>
+        </p:txBody>
+      </p:sp>
+      <p:pic>
+        <p:nvPicPr>
+          <p:cNvPr id="8" name="그림 7"/>
+          <p:cNvPicPr>
+            <a:picLocks noChangeAspect="1"/>
+          </p:cNvPicPr>
+          <p:nvPr/>
+        </p:nvPicPr>
+        <p:blipFill>
+          <a:blip r:embed="rId3"/>
+          <a:stretch>
+            <a:fillRect/>
+          </a:stretch>
+        </p:blipFill>
+        <p:spPr>
+          <a:xfrm>
+            <a:off x="341787" y="1838130"/>
+            <a:ext cx="4200402" cy="3480707"/>
+          </a:xfrm>
+          <a:prstGeom prst="rect">
+            <a:avLst/>
+          </a:prstGeom>
+        </p:spPr>
+      </p:pic>
+      <p:pic>
+        <p:nvPicPr>
+          <p:cNvPr id="10" name="그림 9"/>
+          <p:cNvPicPr>
+            <a:picLocks noChangeAspect="1"/>
+          </p:cNvPicPr>
+          <p:nvPr/>
+        </p:nvPicPr>
+        <p:blipFill>
+          <a:blip r:embed="rId4"/>
+          <a:stretch>
+            <a:fillRect/>
+          </a:stretch>
+        </p:blipFill>
+        <p:spPr>
+          <a:xfrm>
+            <a:off x="4542189" y="3358970"/>
+            <a:ext cx="4477155" cy="2072757"/>
+          </a:xfrm>
+          <a:prstGeom prst="rect">
+            <a:avLst/>
+          </a:prstGeom>
+        </p:spPr>
+      </p:pic>
+    </p:spTree>
+    <p:extLst>
+      <p:ext uri="{BB962C8B-B14F-4D97-AF65-F5344CB8AC3E}">
+        <p14:creationId xmlns:p14="http://schemas.microsoft.com/office/powerpoint/2010/main" val="3676842223"/>
+      </p:ext>
+    </p:extLst>
+  </p:cSld>
+  <p:clrMapOvr>
+    <a:masterClrMapping/>
+  </p:clrMapOvr>
+</p:sld>
+</file>
+
+<file path=ppt/slides/slide55.xml><?xml version="1.0" encoding="utf-8"?>
+<p:sld xmlns:a="http://schemas.openxmlformats.org/drawingml/2006/main" xmlns:r="http://schemas.openxmlformats.org/officeDocument/2006/relationships" xmlns:p="http://schemas.openxmlformats.org/presentationml/2006/main">
+  <p:cSld>
+    <p:spTree>
+      <p:nvGrpSpPr>
+        <p:cNvPr id="1" name=""/>
+        <p:cNvGrpSpPr/>
+        <p:nvPr/>
+      </p:nvGrpSpPr>
+      <p:grpSpPr>
+        <a:xfrm>
+          <a:off x="0" y="0"/>
+          <a:ext cx="0" cy="0"/>
+          <a:chOff x="0" y="0"/>
+          <a:chExt cx="0" cy="0"/>
+        </a:xfrm>
+      </p:grpSpPr>
+      <p:sp>
+        <p:nvSpPr>
+          <p:cNvPr id="4" name="제목 3">
+            <a:extLst>
+              <a:ext uri="{FF2B5EF4-FFF2-40B4-BE49-F238E27FC236}">
+                <a16:creationId xmlns:a16="http://schemas.microsoft.com/office/drawing/2014/main" id="{F0CEB32B-CB43-4410-BA08-A97E4BC47FCB}"/>
+              </a:ext>
+            </a:extLst>
+          </p:cNvPr>
+          <p:cNvSpPr>
+            <a:spLocks noGrp="1"/>
+          </p:cNvSpPr>
+          <p:nvPr>
+            <p:ph type="title"/>
+          </p:nvPr>
+        </p:nvSpPr>
+        <p:spPr/>
+        <p:txBody>
+          <a:bodyPr/>
+          <a:lstStyle/>
+          <a:p>
+            <a:r>
+              <a:rPr lang="ko-KR" altLang="en-US" dirty="0"/>
+              <a:t>협업하기 취소</a:t>
+            </a:r>
+          </a:p>
+        </p:txBody>
+      </p:sp>
+      <p:sp>
+        <p:nvSpPr>
+          <p:cNvPr id="7" name="내용 개체 틀 2">
+            <a:extLst>
+              <a:ext uri="{FF2B5EF4-FFF2-40B4-BE49-F238E27FC236}">
+                <a16:creationId xmlns:a16="http://schemas.microsoft.com/office/drawing/2014/main" id="{A44AC902-3746-40D6-9827-94B46EEDDC67}"/>
+              </a:ext>
+            </a:extLst>
+          </p:cNvPr>
+          <p:cNvSpPr txBox="1">
+            <a:spLocks/>
+          </p:cNvSpPr>
+          <p:nvPr/>
+        </p:nvSpPr>
+        <p:spPr>
+          <a:xfrm>
+            <a:off x="341787" y="1120545"/>
+            <a:ext cx="8642350" cy="2351314"/>
+          </a:xfrm>
+          <a:prstGeom prst="rect">
+            <a:avLst/>
+          </a:prstGeom>
+        </p:spPr>
+        <p:txBody>
+          <a:bodyPr vert="horz" lIns="91440" tIns="45720" rIns="91440" bIns="45720" rtlCol="0">
+            <a:noAutofit/>
+          </a:bodyPr>
+          <a:lstStyle>
+            <a:lvl1pPr marL="266700" indent="-266700" defTabSz="914400" latinLnBrk="1">
+              <a:lnSpc>
+                <a:spcPct val="150000"/>
+              </a:lnSpc>
+              <a:spcBef>
+                <a:spcPct val="0"/>
+              </a:spcBef>
+              <a:buClr>
+                <a:schemeClr val="tx1">
+                  <a:lumMod val="65000"/>
+                  <a:lumOff val="35000"/>
+                </a:schemeClr>
+              </a:buClr>
+              <a:buFont typeface="Wingdings" pitchFamily="2" charset="2"/>
+              <a:buChar char="n"/>
+              <a:defRPr sz="2000" b="1">
+                <a:latin typeface="+mn-ea"/>
+              </a:defRPr>
+            </a:lvl1pPr>
+            <a:lvl2pPr marL="447675" lvl="1" indent="-180975" defTabSz="914400" latinLnBrk="1">
+              <a:lnSpc>
+                <a:spcPct val="150000"/>
+              </a:lnSpc>
+              <a:spcBef>
+                <a:spcPts val="0"/>
+              </a:spcBef>
+              <a:spcAft>
+                <a:spcPts val="0"/>
+              </a:spcAft>
+              <a:buClr>
+                <a:schemeClr val="tx1">
+                  <a:lumMod val="50000"/>
+                  <a:lumOff val="50000"/>
+                </a:schemeClr>
+              </a:buClr>
+              <a:buFont typeface="Wingdings" pitchFamily="2" charset="2"/>
+              <a:buChar char="§"/>
+              <a:defRPr sz="1600"/>
+            </a:lvl2pPr>
+            <a:lvl3pPr marL="628650" indent="-180975" defTabSz="914400" latinLnBrk="1">
+              <a:lnSpc>
+                <a:spcPct val="150000"/>
+              </a:lnSpc>
+              <a:spcBef>
+                <a:spcPts val="500"/>
+              </a:spcBef>
+              <a:spcAft>
+                <a:spcPts val="300"/>
+              </a:spcAft>
+              <a:buClr>
+                <a:schemeClr val="tx1">
+                  <a:lumMod val="65000"/>
+                  <a:lumOff val="35000"/>
+                </a:schemeClr>
+              </a:buClr>
+              <a:buFont typeface="Arial" panose="020B0604020202020204" pitchFamily="34" charset="0"/>
+              <a:buChar char="•"/>
+              <a:defRPr sz="1400"/>
+            </a:lvl3pPr>
+            <a:lvl4pPr marL="809625" indent="-180975" defTabSz="914400" latinLnBrk="1">
+              <a:lnSpc>
+                <a:spcPct val="150000"/>
+              </a:lnSpc>
+              <a:spcBef>
+                <a:spcPts val="500"/>
+              </a:spcBef>
+              <a:spcAft>
+                <a:spcPts val="300"/>
+              </a:spcAft>
+              <a:buClr>
+                <a:schemeClr val="tx1">
+                  <a:lumMod val="65000"/>
+                  <a:lumOff val="35000"/>
+                </a:schemeClr>
+              </a:buClr>
+              <a:buSzPct val="96000"/>
+              <a:buFont typeface="Arial" panose="020B0604020202020204" pitchFamily="34" charset="0"/>
+              <a:buChar char="•"/>
+              <a:defRPr sz="1200"/>
+            </a:lvl4pPr>
+            <a:lvl5pPr marL="990600" indent="-180975" defTabSz="914400" latinLnBrk="1">
+              <a:lnSpc>
+                <a:spcPct val="150000"/>
+              </a:lnSpc>
+              <a:spcBef>
+                <a:spcPts val="500"/>
+              </a:spcBef>
+              <a:buClr>
+                <a:schemeClr val="tx1">
+                  <a:lumMod val="65000"/>
+                  <a:lumOff val="35000"/>
+                </a:schemeClr>
+              </a:buClr>
+              <a:buFont typeface="Arial" panose="020B0604020202020204" pitchFamily="34" charset="0"/>
+              <a:buChar char="•"/>
+              <a:defRPr sz="1000"/>
+            </a:lvl5pPr>
+            <a:lvl6pPr marL="2514600" indent="-228600" defTabSz="914400" latinLnBrk="1">
+              <a:lnSpc>
+                <a:spcPct val="90000"/>
+              </a:lnSpc>
+              <a:spcBef>
+                <a:spcPts val="500"/>
+              </a:spcBef>
+              <a:buFont typeface="Arial" panose="020B0604020202020204" pitchFamily="34" charset="0"/>
+              <a:buChar char="•"/>
+            </a:lvl6pPr>
+            <a:lvl7pPr marL="2971800" indent="-228600" defTabSz="914400" latinLnBrk="1">
+              <a:lnSpc>
+                <a:spcPct val="90000"/>
+              </a:lnSpc>
+              <a:spcBef>
+                <a:spcPts val="500"/>
+              </a:spcBef>
+              <a:buFont typeface="Arial" panose="020B0604020202020204" pitchFamily="34" charset="0"/>
+              <a:buChar char="•"/>
+            </a:lvl7pPr>
+            <a:lvl8pPr marL="3429000" indent="-228600" defTabSz="914400" latinLnBrk="1">
+              <a:lnSpc>
+                <a:spcPct val="90000"/>
+              </a:lnSpc>
+              <a:spcBef>
+                <a:spcPts val="500"/>
+              </a:spcBef>
+              <a:buFont typeface="Arial" panose="020B0604020202020204" pitchFamily="34" charset="0"/>
+              <a:buChar char="•"/>
+            </a:lvl8pPr>
+            <a:lvl9pPr marL="3886200" indent="-228600" defTabSz="914400" latinLnBrk="1">
+              <a:lnSpc>
+                <a:spcPct val="90000"/>
+              </a:lnSpc>
+              <a:spcBef>
+                <a:spcPts val="500"/>
+              </a:spcBef>
+              <a:buFont typeface="Arial" panose="020B0604020202020204" pitchFamily="34" charset="0"/>
+              <a:buChar char="•"/>
+            </a:lvl9pPr>
+          </a:lstStyle>
+          <a:p>
+            <a:r>
+              <a:rPr lang="en-US" altLang="ko-KR" dirty="0"/>
+              <a:t>collaborator</a:t>
+            </a:r>
+            <a:r>
+              <a:rPr lang="ko-KR" altLang="en-US" dirty="0"/>
+              <a:t> 취소</a:t>
+            </a:r>
+            <a:r>
+              <a:rPr lang="en-US" altLang="ko-KR" dirty="0"/>
+              <a:t> : </a:t>
+            </a:r>
+            <a:r>
+              <a:rPr lang="ko-KR" altLang="en-US" dirty="0"/>
+              <a:t>참여자</a:t>
+            </a:r>
+            <a:endParaRPr lang="en-US" altLang="ko-KR" dirty="0"/>
+          </a:p>
+        </p:txBody>
+      </p:sp>
+      <p:pic>
+        <p:nvPicPr>
+          <p:cNvPr id="2" name="그림 1"/>
+          <p:cNvPicPr>
+            <a:picLocks noChangeAspect="1"/>
+          </p:cNvPicPr>
+          <p:nvPr/>
+        </p:nvPicPr>
+        <p:blipFill>
+          <a:blip r:embed="rId3"/>
+          <a:stretch>
+            <a:fillRect/>
+          </a:stretch>
+        </p:blipFill>
+        <p:spPr>
+          <a:xfrm>
+            <a:off x="436081" y="2043405"/>
+            <a:ext cx="3944589" cy="3912150"/>
+          </a:xfrm>
+          <a:prstGeom prst="rect">
+            <a:avLst/>
+          </a:prstGeom>
+        </p:spPr>
+      </p:pic>
+      <p:pic>
+        <p:nvPicPr>
+          <p:cNvPr id="3" name="그림 2"/>
+          <p:cNvPicPr>
+            <a:picLocks noChangeAspect="1"/>
+          </p:cNvPicPr>
+          <p:nvPr/>
+        </p:nvPicPr>
+        <p:blipFill>
+          <a:blip r:embed="rId4"/>
+          <a:stretch>
+            <a:fillRect/>
+          </a:stretch>
+        </p:blipFill>
+        <p:spPr>
+          <a:xfrm>
+            <a:off x="4662962" y="2043405"/>
+            <a:ext cx="4038883" cy="3218867"/>
+          </a:xfrm>
+          <a:prstGeom prst="rect">
+            <a:avLst/>
+          </a:prstGeom>
+        </p:spPr>
+      </p:pic>
+    </p:spTree>
+    <p:extLst>
+      <p:ext uri="{BB962C8B-B14F-4D97-AF65-F5344CB8AC3E}">
+        <p14:creationId xmlns:p14="http://schemas.microsoft.com/office/powerpoint/2010/main" val="2081248682"/>
       </p:ext>
     </p:extLst>
   </p:cSld>

--- a/git및github첫걸음4-협업하기.pptx
+++ b/git및github첫걸음4-협업하기.pptx
@@ -5,7 +5,7 @@
     <p:sldMasterId id="2147483660" r:id="rId1"/>
   </p:sldMasterIdLst>
   <p:notesMasterIdLst>
-    <p:notesMasterId r:id="rId57"/>
+    <p:notesMasterId r:id="rId58"/>
   </p:notesMasterIdLst>
   <p:sldIdLst>
     <p:sldId id="287" r:id="rId2"/>
@@ -49,20 +49,21 @@
     <p:sldId id="398" r:id="rId40"/>
     <p:sldId id="399" r:id="rId41"/>
     <p:sldId id="400" r:id="rId42"/>
-    <p:sldId id="401" r:id="rId43"/>
-    <p:sldId id="402" r:id="rId44"/>
-    <p:sldId id="389" r:id="rId45"/>
-    <p:sldId id="390" r:id="rId46"/>
-    <p:sldId id="391" r:id="rId47"/>
-    <p:sldId id="362" r:id="rId48"/>
-    <p:sldId id="370" r:id="rId49"/>
-    <p:sldId id="369" r:id="rId50"/>
-    <p:sldId id="363" r:id="rId51"/>
-    <p:sldId id="365" r:id="rId52"/>
-    <p:sldId id="339" r:id="rId53"/>
-    <p:sldId id="383" r:id="rId54"/>
-    <p:sldId id="385" r:id="rId55"/>
-    <p:sldId id="386" r:id="rId56"/>
+    <p:sldId id="403" r:id="rId43"/>
+    <p:sldId id="401" r:id="rId44"/>
+    <p:sldId id="402" r:id="rId45"/>
+    <p:sldId id="389" r:id="rId46"/>
+    <p:sldId id="390" r:id="rId47"/>
+    <p:sldId id="391" r:id="rId48"/>
+    <p:sldId id="362" r:id="rId49"/>
+    <p:sldId id="370" r:id="rId50"/>
+    <p:sldId id="369" r:id="rId51"/>
+    <p:sldId id="363" r:id="rId52"/>
+    <p:sldId id="365" r:id="rId53"/>
+    <p:sldId id="339" r:id="rId54"/>
+    <p:sldId id="383" r:id="rId55"/>
+    <p:sldId id="385" r:id="rId56"/>
+    <p:sldId id="386" r:id="rId57"/>
   </p:sldIdLst>
   <p:sldSz cx="9144000" cy="6858000" type="screen4x3"/>
   <p:notesSz cx="6858000" cy="9144000"/>
@@ -2190,7 +2191,7 @@
           <a:p>
             <a:fld id="{625D4AC4-540A-4436-887D-BF6A8FCF1275}" type="slidenum">
               <a:rPr lang="ko-KR" altLang="en-US" smtClean="0"/>
-              <a:t>47</a:t>
+              <a:t>48</a:t>
             </a:fld>
             <a:endParaRPr lang="ko-KR" altLang="en-US"/>
           </a:p>
@@ -2274,7 +2275,7 @@
           <a:p>
             <a:fld id="{625D4AC4-540A-4436-887D-BF6A8FCF1275}" type="slidenum">
               <a:rPr lang="ko-KR" altLang="en-US" smtClean="0"/>
-              <a:t>48</a:t>
+              <a:t>49</a:t>
             </a:fld>
             <a:endParaRPr lang="ko-KR" altLang="en-US"/>
           </a:p>
@@ -2358,7 +2359,7 @@
           <a:p>
             <a:fld id="{625D4AC4-540A-4436-887D-BF6A8FCF1275}" type="slidenum">
               <a:rPr lang="ko-KR" altLang="en-US" smtClean="0"/>
-              <a:t>49</a:t>
+              <a:t>50</a:t>
             </a:fld>
             <a:endParaRPr lang="ko-KR" altLang="en-US"/>
           </a:p>
@@ -2526,7 +2527,7 @@
           <a:p>
             <a:fld id="{625D4AC4-540A-4436-887D-BF6A8FCF1275}" type="slidenum">
               <a:rPr lang="ko-KR" altLang="en-US" smtClean="0"/>
-              <a:t>50</a:t>
+              <a:t>51</a:t>
             </a:fld>
             <a:endParaRPr lang="ko-KR" altLang="en-US"/>
           </a:p>
@@ -2610,7 +2611,7 @@
           <a:p>
             <a:fld id="{625D4AC4-540A-4436-887D-BF6A8FCF1275}" type="slidenum">
               <a:rPr lang="ko-KR" altLang="en-US" smtClean="0"/>
-              <a:t>51</a:t>
+              <a:t>52</a:t>
             </a:fld>
             <a:endParaRPr lang="ko-KR" altLang="en-US"/>
           </a:p>
@@ -2694,7 +2695,7 @@
           <a:p>
             <a:fld id="{625D4AC4-540A-4436-887D-BF6A8FCF1275}" type="slidenum">
               <a:rPr lang="ko-KR" altLang="en-US" smtClean="0"/>
-              <a:t>54</a:t>
+              <a:t>55</a:t>
             </a:fld>
             <a:endParaRPr lang="ko-KR" altLang="en-US"/>
           </a:p>
@@ -2778,7 +2779,7 @@
           <a:p>
             <a:fld id="{625D4AC4-540A-4436-887D-BF6A8FCF1275}" type="slidenum">
               <a:rPr lang="ko-KR" altLang="en-US" smtClean="0"/>
-              <a:t>55</a:t>
+              <a:t>56</a:t>
             </a:fld>
             <a:endParaRPr lang="ko-KR" altLang="en-US"/>
           </a:p>
@@ -21338,6 +21339,359 @@
       </p:grpSpPr>
       <p:pic>
         <p:nvPicPr>
+          <p:cNvPr id="2" name="그림 1"/>
+          <p:cNvPicPr>
+            <a:picLocks noChangeAspect="1"/>
+          </p:cNvPicPr>
+          <p:nvPr/>
+        </p:nvPicPr>
+        <p:blipFill>
+          <a:blip r:embed="rId2"/>
+          <a:stretch>
+            <a:fillRect/>
+          </a:stretch>
+        </p:blipFill>
+        <p:spPr>
+          <a:xfrm>
+            <a:off x="257175" y="2805112"/>
+            <a:ext cx="8629650" cy="1247775"/>
+          </a:xfrm>
+          <a:prstGeom prst="rect">
+            <a:avLst/>
+          </a:prstGeom>
+        </p:spPr>
+      </p:pic>
+      <p:sp>
+        <p:nvSpPr>
+          <p:cNvPr id="4" name="제목 3">
+            <a:extLst>
+              <a:ext uri="{FF2B5EF4-FFF2-40B4-BE49-F238E27FC236}">
+                <a16:creationId xmlns:a16="http://schemas.microsoft.com/office/drawing/2014/main" id="{F0CEB32B-CB43-4410-BA08-A97E4BC47FCB}"/>
+              </a:ext>
+            </a:extLst>
+          </p:cNvPr>
+          <p:cNvSpPr>
+            <a:spLocks noGrp="1"/>
+          </p:cNvSpPr>
+          <p:nvPr>
+            <p:ph type="title"/>
+          </p:nvPr>
+        </p:nvSpPr>
+        <p:spPr/>
+        <p:txBody>
+          <a:bodyPr/>
+          <a:lstStyle/>
+          <a:p>
+            <a:r>
+              <a:rPr lang="ko-KR" altLang="en-US" dirty="0"/>
+              <a:t>협업방식 </a:t>
+            </a:r>
+            <a:r>
+              <a:rPr lang="en-US" altLang="ko-KR" dirty="0"/>
+              <a:t>1</a:t>
+            </a:r>
+            <a:endParaRPr lang="ko-KR" altLang="en-US" dirty="0"/>
+          </a:p>
+        </p:txBody>
+      </p:sp>
+      <p:sp>
+        <p:nvSpPr>
+          <p:cNvPr id="5" name="내용 개체 틀 4">
+            <a:extLst>
+              <a:ext uri="{FF2B5EF4-FFF2-40B4-BE49-F238E27FC236}">
+                <a16:creationId xmlns:a16="http://schemas.microsoft.com/office/drawing/2014/main" id="{48DB0CC3-2321-4F7D-83F1-DDCF2E040E0D}"/>
+              </a:ext>
+            </a:extLst>
+          </p:cNvPr>
+          <p:cNvSpPr>
+            <a:spLocks noGrp="1"/>
+          </p:cNvSpPr>
+          <p:nvPr>
+            <p:ph idx="1"/>
+          </p:nvPr>
+        </p:nvSpPr>
+        <p:spPr>
+          <a:xfrm>
+            <a:off x="250825" y="1000221"/>
+            <a:ext cx="8641655" cy="5146579"/>
+          </a:xfrm>
+        </p:spPr>
+        <p:txBody>
+          <a:bodyPr tIns="0" bIns="0">
+            <a:noAutofit/>
+          </a:bodyPr>
+          <a:lstStyle/>
+          <a:p>
+            <a:pPr>
+              <a:buClr>
+                <a:schemeClr val="tx1">
+                  <a:lumMod val="65000"/>
+                  <a:lumOff val="35000"/>
+                </a:schemeClr>
+              </a:buClr>
+              <a:defRPr/>
+            </a:pPr>
+            <a:r>
+              <a:rPr lang="en-US" altLang="ko-KR" dirty="0"/>
+              <a:t>merge</a:t>
+            </a:r>
+            <a:r>
+              <a:rPr lang="ko-KR" altLang="en-US" dirty="0"/>
+              <a:t> </a:t>
+            </a:r>
+            <a:r>
+              <a:rPr lang="en-US" altLang="ko-KR" dirty="0"/>
+              <a:t>pull</a:t>
+            </a:r>
+            <a:r>
+              <a:rPr lang="ko-KR" altLang="en-US" dirty="0"/>
+              <a:t> </a:t>
+            </a:r>
+            <a:r>
+              <a:rPr lang="en-US" altLang="ko-KR" dirty="0" err="1"/>
+              <a:t>reque</a:t>
+            </a:r>
+            <a:r>
+              <a:rPr lang="ko-KR" altLang="en-US" dirty="0"/>
+              <a:t> 버튼 클릭 </a:t>
+            </a:r>
+            <a:r>
+              <a:rPr lang="en-US" altLang="ko-KR" dirty="0">
+                <a:sym typeface="Wingdings" panose="05000000000000000000" pitchFamily="2" charset="2"/>
+              </a:rPr>
+              <a:t> confirm</a:t>
+            </a:r>
+            <a:r>
+              <a:rPr lang="ko-KR" altLang="en-US" dirty="0">
+                <a:sym typeface="Wingdings" panose="05000000000000000000" pitchFamily="2" charset="2"/>
+              </a:rPr>
+              <a:t> </a:t>
+            </a:r>
+            <a:r>
+              <a:rPr lang="en-US" altLang="ko-KR" dirty="0" smtClean="0">
+                <a:sym typeface="Wingdings" panose="05000000000000000000" pitchFamily="2" charset="2"/>
+              </a:rPr>
+              <a:t>merge</a:t>
+            </a:r>
+          </a:p>
+          <a:p>
+            <a:pPr>
+              <a:buClr>
+                <a:schemeClr val="tx1">
+                  <a:lumMod val="65000"/>
+                  <a:lumOff val="35000"/>
+                </a:schemeClr>
+              </a:buClr>
+              <a:defRPr/>
+            </a:pPr>
+            <a:r>
+              <a:rPr lang="en-US" altLang="ko-KR" dirty="0" smtClean="0">
+                <a:solidFill>
+                  <a:srgbClr val="FF0000"/>
+                </a:solidFill>
+                <a:sym typeface="Wingdings" panose="05000000000000000000" pitchFamily="2" charset="2"/>
+              </a:rPr>
+              <a:t>Rebase &amp; merge</a:t>
+            </a:r>
+            <a:r>
+              <a:rPr lang="ko-KR" altLang="en-US" dirty="0" smtClean="0">
+                <a:solidFill>
+                  <a:srgbClr val="FF0000"/>
+                </a:solidFill>
+                <a:sym typeface="Wingdings" panose="05000000000000000000" pitchFamily="2" charset="2"/>
+              </a:rPr>
+              <a:t>할 경우 </a:t>
+            </a:r>
+            <a:r>
+              <a:rPr lang="en-US" altLang="ko-KR" dirty="0" smtClean="0">
+                <a:solidFill>
+                  <a:srgbClr val="FF0000"/>
+                </a:solidFill>
+                <a:sym typeface="Wingdings" panose="05000000000000000000" pitchFamily="2" charset="2"/>
+              </a:rPr>
+              <a:t>patch </a:t>
+            </a:r>
+            <a:r>
+              <a:rPr lang="ko-KR" altLang="en-US" dirty="0" smtClean="0">
+                <a:solidFill>
+                  <a:srgbClr val="FF0000"/>
+                </a:solidFill>
+                <a:sym typeface="Wingdings" panose="05000000000000000000" pitchFamily="2" charset="2"/>
+              </a:rPr>
+              <a:t>수정 때문에 여러 번 반복할 수 있으니 </a:t>
+            </a:r>
+            <a:r>
+              <a:rPr lang="en-US" altLang="ko-KR" dirty="0" smtClean="0">
+                <a:solidFill>
+                  <a:srgbClr val="FF0000"/>
+                </a:solidFill>
+                <a:sym typeface="Wingdings" panose="05000000000000000000" pitchFamily="2" charset="2"/>
+              </a:rPr>
+              <a:t>try again</a:t>
+            </a:r>
+            <a:r>
+              <a:rPr lang="ko-KR" altLang="en-US" dirty="0" smtClean="0">
+                <a:solidFill>
+                  <a:srgbClr val="FF0000"/>
+                </a:solidFill>
+                <a:sym typeface="Wingdings" panose="05000000000000000000" pitchFamily="2" charset="2"/>
+              </a:rPr>
+              <a:t>을 클릭하면 됨</a:t>
+            </a:r>
+            <a:r>
+              <a:rPr lang="en-US" altLang="ko-KR" dirty="0" smtClean="0">
+                <a:solidFill>
+                  <a:srgbClr val="FF0000"/>
+                </a:solidFill>
+                <a:sym typeface="Wingdings" panose="05000000000000000000" pitchFamily="2" charset="2"/>
+              </a:rPr>
+              <a:t>.</a:t>
+            </a:r>
+            <a:endParaRPr lang="en-US" altLang="ko-KR" dirty="0">
+              <a:solidFill>
+                <a:srgbClr val="FF0000"/>
+              </a:solidFill>
+              <a:sym typeface="Wingdings" panose="05000000000000000000" pitchFamily="2" charset="2"/>
+            </a:endParaRPr>
+          </a:p>
+          <a:p>
+            <a:pPr>
+              <a:buClr>
+                <a:schemeClr val="tx1">
+                  <a:lumMod val="65000"/>
+                  <a:lumOff val="35000"/>
+                </a:schemeClr>
+              </a:buClr>
+              <a:defRPr/>
+            </a:pPr>
+            <a:r>
+              <a:rPr lang="en-US" altLang="ko-KR" dirty="0" smtClean="0">
+                <a:solidFill>
+                  <a:srgbClr val="FF0000"/>
+                </a:solidFill>
+                <a:sym typeface="Wingdings" panose="05000000000000000000" pitchFamily="2" charset="2"/>
+              </a:rPr>
+              <a:t>Delete </a:t>
+            </a:r>
+            <a:r>
+              <a:rPr lang="ko-KR" altLang="en-US" dirty="0" err="1" smtClean="0">
+                <a:solidFill>
+                  <a:srgbClr val="FF0000"/>
+                </a:solidFill>
+                <a:sym typeface="Wingdings" panose="05000000000000000000" pitchFamily="2" charset="2"/>
+              </a:rPr>
+              <a:t>브랜치</a:t>
+            </a:r>
+            <a:r>
+              <a:rPr lang="ko-KR" altLang="en-US" dirty="0" smtClean="0">
+                <a:solidFill>
+                  <a:srgbClr val="FF0000"/>
+                </a:solidFill>
+                <a:sym typeface="Wingdings" panose="05000000000000000000" pitchFamily="2" charset="2"/>
+              </a:rPr>
+              <a:t> 실행하도록</a:t>
+            </a:r>
+            <a:r>
+              <a:rPr lang="en-US" altLang="ko-KR" dirty="0" smtClean="0">
+                <a:solidFill>
+                  <a:srgbClr val="FF0000"/>
+                </a:solidFill>
+                <a:sym typeface="Wingdings" panose="05000000000000000000" pitchFamily="2" charset="2"/>
+              </a:rPr>
+              <a:t>…</a:t>
+            </a:r>
+            <a:endParaRPr lang="ko-KR" altLang="en-US" dirty="0">
+              <a:solidFill>
+                <a:srgbClr val="FF0000"/>
+              </a:solidFill>
+            </a:endParaRPr>
+          </a:p>
+        </p:txBody>
+      </p:sp>
+      <p:sp>
+        <p:nvSpPr>
+          <p:cNvPr id="10" name="직사각형 9">
+            <a:extLst>
+              <a:ext uri="{FF2B5EF4-FFF2-40B4-BE49-F238E27FC236}">
+                <a16:creationId xmlns:a16="http://schemas.microsoft.com/office/drawing/2014/main" id="{53A5D1B4-8ACE-4562-BE76-6E17038282F2}"/>
+              </a:ext>
+            </a:extLst>
+          </p:cNvPr>
+          <p:cNvSpPr/>
+          <p:nvPr/>
+        </p:nvSpPr>
+        <p:spPr>
+          <a:xfrm>
+            <a:off x="7321898" y="3412827"/>
+            <a:ext cx="1413590" cy="321365"/>
+          </a:xfrm>
+          <a:prstGeom prst="rect">
+            <a:avLst/>
+          </a:prstGeom>
+          <a:noFill/>
+          <a:ln w="38100">
+            <a:solidFill>
+              <a:srgbClr val="FF0000"/>
+            </a:solidFill>
+          </a:ln>
+        </p:spPr>
+        <p:style>
+          <a:lnRef idx="2">
+            <a:schemeClr val="accent1">
+              <a:shade val="50000"/>
+            </a:schemeClr>
+          </a:lnRef>
+          <a:fillRef idx="1">
+            <a:schemeClr val="accent1"/>
+          </a:fillRef>
+          <a:effectRef idx="0">
+            <a:schemeClr val="accent1"/>
+          </a:effectRef>
+          <a:fontRef idx="minor">
+            <a:schemeClr val="lt1"/>
+          </a:fontRef>
+        </p:style>
+        <p:txBody>
+          <a:bodyPr rtlCol="0" anchor="ctr"/>
+          <a:lstStyle/>
+          <a:p>
+            <a:pPr algn="ctr"/>
+            <a:endParaRPr lang="ko-KR" altLang="en-US"/>
+          </a:p>
+        </p:txBody>
+      </p:sp>
+    </p:spTree>
+    <p:extLst>
+      <p:ext uri="{BB962C8B-B14F-4D97-AF65-F5344CB8AC3E}">
+        <p14:creationId xmlns:p14="http://schemas.microsoft.com/office/powerpoint/2010/main" val="750359725"/>
+      </p:ext>
+    </p:extLst>
+  </p:cSld>
+  <p:clrMapOvr>
+    <a:masterClrMapping/>
+  </p:clrMapOvr>
+</p:sld>
+</file>
+
+<file path=ppt/slides/slide43.xml><?xml version="1.0" encoding="utf-8"?>
+<p:sld xmlns:a="http://schemas.openxmlformats.org/drawingml/2006/main" xmlns:r="http://schemas.openxmlformats.org/officeDocument/2006/relationships" xmlns:p="http://schemas.openxmlformats.org/presentationml/2006/main">
+  <p:cSld>
+    <p:spTree>
+      <p:nvGrpSpPr>
+        <p:cNvPr id="1" name=""/>
+        <p:cNvGrpSpPr/>
+        <p:nvPr/>
+      </p:nvGrpSpPr>
+      <p:grpSpPr>
+        <a:xfrm>
+          <a:off x="0" y="0"/>
+          <a:ext cx="0" cy="0"/>
+          <a:chOff x="0" y="0"/>
+          <a:chExt cx="0" cy="0"/>
+        </a:xfrm>
+      </p:grpSpPr>
+      <p:pic>
+        <p:nvPicPr>
           <p:cNvPr id="6" name="그림 5">
             <a:extLst>
               <a:ext uri="{FF2B5EF4-FFF2-40B4-BE49-F238E27FC236}">
@@ -21792,7 +22146,7 @@
 </p:sld>
 </file>
 
-<file path=ppt/slides/slide43.xml><?xml version="1.0" encoding="utf-8"?>
+<file path=ppt/slides/slide44.xml><?xml version="1.0" encoding="utf-8"?>
 <p:sld xmlns:a="http://schemas.openxmlformats.org/drawingml/2006/main" xmlns:r="http://schemas.openxmlformats.org/officeDocument/2006/relationships" xmlns:p="http://schemas.openxmlformats.org/presentationml/2006/main">
   <p:cSld>
     <p:spTree>
@@ -22152,7 +22506,7 @@
 </p:sld>
 </file>
 
-<file path=ppt/slides/slide44.xml><?xml version="1.0" encoding="utf-8"?>
+<file path=ppt/slides/slide45.xml><?xml version="1.0" encoding="utf-8"?>
 <p:sld xmlns:a="http://schemas.openxmlformats.org/drawingml/2006/main" xmlns:r="http://schemas.openxmlformats.org/officeDocument/2006/relationships" xmlns:p="http://schemas.openxmlformats.org/presentationml/2006/main">
   <p:cSld>
     <p:spTree>
@@ -22245,7 +22599,7 @@
 </p:sld>
 </file>
 
-<file path=ppt/slides/slide45.xml><?xml version="1.0" encoding="utf-8"?>
+<file path=ppt/slides/slide46.xml><?xml version="1.0" encoding="utf-8"?>
 <p:sld xmlns:a="http://schemas.openxmlformats.org/drawingml/2006/main" xmlns:r="http://schemas.openxmlformats.org/officeDocument/2006/relationships" xmlns:p="http://schemas.openxmlformats.org/presentationml/2006/main">
   <p:cSld>
     <p:spTree>
@@ -22338,7 +22692,7 @@
 </p:sld>
 </file>
 
-<file path=ppt/slides/slide46.xml><?xml version="1.0" encoding="utf-8"?>
+<file path=ppt/slides/slide47.xml><?xml version="1.0" encoding="utf-8"?>
 <p:sld xmlns:a="http://schemas.openxmlformats.org/drawingml/2006/main" xmlns:r="http://schemas.openxmlformats.org/officeDocument/2006/relationships" xmlns:p="http://schemas.openxmlformats.org/presentationml/2006/main">
   <p:cSld>
     <p:spTree>
@@ -22431,7 +22785,7 @@
 </p:sld>
 </file>
 
-<file path=ppt/slides/slide47.xml><?xml version="1.0" encoding="utf-8"?>
+<file path=ppt/slides/slide48.xml><?xml version="1.0" encoding="utf-8"?>
 <p:sld xmlns:a="http://schemas.openxmlformats.org/drawingml/2006/main" xmlns:r="http://schemas.openxmlformats.org/officeDocument/2006/relationships" xmlns:p="http://schemas.openxmlformats.org/presentationml/2006/main">
   <p:cSld>
     <p:spTree>
@@ -22749,7 +23103,7 @@
 </p:sld>
 </file>
 
-<file path=ppt/slides/slide48.xml><?xml version="1.0" encoding="utf-8"?>
+<file path=ppt/slides/slide49.xml><?xml version="1.0" encoding="utf-8"?>
 <p:sld xmlns:a="http://schemas.openxmlformats.org/drawingml/2006/main" xmlns:r="http://schemas.openxmlformats.org/officeDocument/2006/relationships" xmlns:p="http://schemas.openxmlformats.org/presentationml/2006/main">
   <p:cSld>
     <p:spTree>
@@ -23136,402 +23490,6 @@
     <p:extLst>
       <p:ext uri="{BB962C8B-B14F-4D97-AF65-F5344CB8AC3E}">
         <p14:creationId xmlns:p14="http://schemas.microsoft.com/office/powerpoint/2010/main" val="3410993216"/>
-      </p:ext>
-    </p:extLst>
-  </p:cSld>
-  <p:clrMapOvr>
-    <a:masterClrMapping/>
-  </p:clrMapOvr>
-</p:sld>
-</file>
-
-<file path=ppt/slides/slide49.xml><?xml version="1.0" encoding="utf-8"?>
-<p:sld xmlns:a="http://schemas.openxmlformats.org/drawingml/2006/main" xmlns:r="http://schemas.openxmlformats.org/officeDocument/2006/relationships" xmlns:p="http://schemas.openxmlformats.org/presentationml/2006/main">
-  <p:cSld>
-    <p:spTree>
-      <p:nvGrpSpPr>
-        <p:cNvPr id="1" name=""/>
-        <p:cNvGrpSpPr/>
-        <p:nvPr/>
-      </p:nvGrpSpPr>
-      <p:grpSpPr>
-        <a:xfrm>
-          <a:off x="0" y="0"/>
-          <a:ext cx="0" cy="0"/>
-          <a:chOff x="0" y="0"/>
-          <a:chExt cx="0" cy="0"/>
-        </a:xfrm>
-      </p:grpSpPr>
-      <p:sp>
-        <p:nvSpPr>
-          <p:cNvPr id="4" name="제목 3">
-            <a:extLst>
-              <a:ext uri="{FF2B5EF4-FFF2-40B4-BE49-F238E27FC236}">
-                <a16:creationId xmlns:a16="http://schemas.microsoft.com/office/drawing/2014/main" id="{F0CEB32B-CB43-4410-BA08-A97E4BC47FCB}"/>
-              </a:ext>
-            </a:extLst>
-          </p:cNvPr>
-          <p:cNvSpPr>
-            <a:spLocks noGrp="1"/>
-          </p:cNvSpPr>
-          <p:nvPr>
-            <p:ph type="title"/>
-          </p:nvPr>
-        </p:nvSpPr>
-        <p:spPr/>
-        <p:txBody>
-          <a:bodyPr/>
-          <a:lstStyle/>
-          <a:p>
-            <a:r>
-              <a:rPr lang="ko-KR" altLang="en-US" dirty="0"/>
-              <a:t>협업하기</a:t>
-            </a:r>
-          </a:p>
-        </p:txBody>
-      </p:sp>
-      <p:sp>
-        <p:nvSpPr>
-          <p:cNvPr id="7" name="내용 개체 틀 2">
-            <a:extLst>
-              <a:ext uri="{FF2B5EF4-FFF2-40B4-BE49-F238E27FC236}">
-                <a16:creationId xmlns:a16="http://schemas.microsoft.com/office/drawing/2014/main" id="{A44AC902-3746-40D6-9827-94B46EEDDC67}"/>
-              </a:ext>
-            </a:extLst>
-          </p:cNvPr>
-          <p:cNvSpPr txBox="1">
-            <a:spLocks/>
-          </p:cNvSpPr>
-          <p:nvPr/>
-        </p:nvSpPr>
-        <p:spPr>
-          <a:xfrm>
-            <a:off x="341787" y="1120545"/>
-            <a:ext cx="8642350" cy="2351314"/>
-          </a:xfrm>
-          <a:prstGeom prst="rect">
-            <a:avLst/>
-          </a:prstGeom>
-        </p:spPr>
-        <p:txBody>
-          <a:bodyPr vert="horz" lIns="91440" tIns="45720" rIns="91440" bIns="45720" rtlCol="0">
-            <a:noAutofit/>
-          </a:bodyPr>
-          <a:lstStyle>
-            <a:lvl1pPr marL="266700" indent="-266700" defTabSz="914400" latinLnBrk="1">
-              <a:lnSpc>
-                <a:spcPct val="150000"/>
-              </a:lnSpc>
-              <a:spcBef>
-                <a:spcPct val="0"/>
-              </a:spcBef>
-              <a:buClr>
-                <a:schemeClr val="tx1">
-                  <a:lumMod val="65000"/>
-                  <a:lumOff val="35000"/>
-                </a:schemeClr>
-              </a:buClr>
-              <a:buFont typeface="Wingdings" pitchFamily="2" charset="2"/>
-              <a:buChar char="n"/>
-              <a:defRPr sz="2000" b="1">
-                <a:latin typeface="+mn-ea"/>
-              </a:defRPr>
-            </a:lvl1pPr>
-            <a:lvl2pPr marL="447675" lvl="1" indent="-180975" defTabSz="914400" latinLnBrk="1">
-              <a:lnSpc>
-                <a:spcPct val="150000"/>
-              </a:lnSpc>
-              <a:spcBef>
-                <a:spcPts val="0"/>
-              </a:spcBef>
-              <a:spcAft>
-                <a:spcPts val="0"/>
-              </a:spcAft>
-              <a:buClr>
-                <a:schemeClr val="tx1">
-                  <a:lumMod val="50000"/>
-                  <a:lumOff val="50000"/>
-                </a:schemeClr>
-              </a:buClr>
-              <a:buFont typeface="Wingdings" pitchFamily="2" charset="2"/>
-              <a:buChar char="§"/>
-              <a:defRPr sz="1600"/>
-            </a:lvl2pPr>
-            <a:lvl3pPr marL="628650" indent="-180975" defTabSz="914400" latinLnBrk="1">
-              <a:lnSpc>
-                <a:spcPct val="150000"/>
-              </a:lnSpc>
-              <a:spcBef>
-                <a:spcPts val="500"/>
-              </a:spcBef>
-              <a:spcAft>
-                <a:spcPts val="300"/>
-              </a:spcAft>
-              <a:buClr>
-                <a:schemeClr val="tx1">
-                  <a:lumMod val="65000"/>
-                  <a:lumOff val="35000"/>
-                </a:schemeClr>
-              </a:buClr>
-              <a:buFont typeface="Arial" panose="020B0604020202020204" pitchFamily="34" charset="0"/>
-              <a:buChar char="•"/>
-              <a:defRPr sz="1400"/>
-            </a:lvl3pPr>
-            <a:lvl4pPr marL="809625" indent="-180975" defTabSz="914400" latinLnBrk="1">
-              <a:lnSpc>
-                <a:spcPct val="150000"/>
-              </a:lnSpc>
-              <a:spcBef>
-                <a:spcPts val="500"/>
-              </a:spcBef>
-              <a:spcAft>
-                <a:spcPts val="300"/>
-              </a:spcAft>
-              <a:buClr>
-                <a:schemeClr val="tx1">
-                  <a:lumMod val="65000"/>
-                  <a:lumOff val="35000"/>
-                </a:schemeClr>
-              </a:buClr>
-              <a:buSzPct val="96000"/>
-              <a:buFont typeface="Arial" panose="020B0604020202020204" pitchFamily="34" charset="0"/>
-              <a:buChar char="•"/>
-              <a:defRPr sz="1200"/>
-            </a:lvl4pPr>
-            <a:lvl5pPr marL="990600" indent="-180975" defTabSz="914400" latinLnBrk="1">
-              <a:lnSpc>
-                <a:spcPct val="150000"/>
-              </a:lnSpc>
-              <a:spcBef>
-                <a:spcPts val="500"/>
-              </a:spcBef>
-              <a:buClr>
-                <a:schemeClr val="tx1">
-                  <a:lumMod val="65000"/>
-                  <a:lumOff val="35000"/>
-                </a:schemeClr>
-              </a:buClr>
-              <a:buFont typeface="Arial" panose="020B0604020202020204" pitchFamily="34" charset="0"/>
-              <a:buChar char="•"/>
-              <a:defRPr sz="1000"/>
-            </a:lvl5pPr>
-            <a:lvl6pPr marL="2514600" indent="-228600" defTabSz="914400" latinLnBrk="1">
-              <a:lnSpc>
-                <a:spcPct val="90000"/>
-              </a:lnSpc>
-              <a:spcBef>
-                <a:spcPts val="500"/>
-              </a:spcBef>
-              <a:buFont typeface="Arial" panose="020B0604020202020204" pitchFamily="34" charset="0"/>
-              <a:buChar char="•"/>
-            </a:lvl6pPr>
-            <a:lvl7pPr marL="2971800" indent="-228600" defTabSz="914400" latinLnBrk="1">
-              <a:lnSpc>
-                <a:spcPct val="90000"/>
-              </a:lnSpc>
-              <a:spcBef>
-                <a:spcPts val="500"/>
-              </a:spcBef>
-              <a:buFont typeface="Arial" panose="020B0604020202020204" pitchFamily="34" charset="0"/>
-              <a:buChar char="•"/>
-            </a:lvl7pPr>
-            <a:lvl8pPr marL="3429000" indent="-228600" defTabSz="914400" latinLnBrk="1">
-              <a:lnSpc>
-                <a:spcPct val="90000"/>
-              </a:lnSpc>
-              <a:spcBef>
-                <a:spcPts val="500"/>
-              </a:spcBef>
-              <a:buFont typeface="Arial" panose="020B0604020202020204" pitchFamily="34" charset="0"/>
-              <a:buChar char="•"/>
-            </a:lvl8pPr>
-            <a:lvl9pPr marL="3886200" indent="-228600" defTabSz="914400" latinLnBrk="1">
-              <a:lnSpc>
-                <a:spcPct val="90000"/>
-              </a:lnSpc>
-              <a:spcBef>
-                <a:spcPts val="500"/>
-              </a:spcBef>
-              <a:buFont typeface="Arial" panose="020B0604020202020204" pitchFamily="34" charset="0"/>
-              <a:buChar char="•"/>
-            </a:lvl9pPr>
-          </a:lstStyle>
-          <a:p>
-            <a:r>
-              <a:rPr lang="ko-KR" altLang="en-US" dirty="0"/>
-              <a:t>협업환경 </a:t>
-            </a:r>
-            <a:r>
-              <a:rPr lang="en-US" altLang="ko-KR" dirty="0"/>
-              <a:t>(collaborator</a:t>
-            </a:r>
-            <a:r>
-              <a:rPr lang="ko-KR" altLang="en-US" dirty="0"/>
-              <a:t> 등록</a:t>
-            </a:r>
-            <a:r>
-              <a:rPr lang="en-US" altLang="ko-KR" dirty="0"/>
-              <a:t>)</a:t>
-            </a:r>
-          </a:p>
-          <a:p>
-            <a:pPr lvl="1"/>
-            <a:r>
-              <a:rPr lang="en-US" altLang="ko-KR" dirty="0">
-                <a:latin typeface="+mn-ea"/>
-              </a:rPr>
-              <a:t>Settings → Manage Access </a:t>
-            </a:r>
-            <a:r>
-              <a:rPr lang="ko-KR" altLang="en-US" dirty="0">
-                <a:latin typeface="+mn-ea"/>
-              </a:rPr>
-              <a:t>클릭</a:t>
-            </a:r>
-            <a:endParaRPr lang="en-US" altLang="ko-KR" dirty="0">
-              <a:latin typeface="+mn-ea"/>
-            </a:endParaRPr>
-          </a:p>
-        </p:txBody>
-      </p:sp>
-      <p:sp>
-        <p:nvSpPr>
-          <p:cNvPr id="6" name="직사각형 5">
-            <a:extLst>
-              <a:ext uri="{FF2B5EF4-FFF2-40B4-BE49-F238E27FC236}">
-                <a16:creationId xmlns:a16="http://schemas.microsoft.com/office/drawing/2014/main" id="{A0CA71EF-AE4C-453D-A797-8649D36F99F5}"/>
-              </a:ext>
-            </a:extLst>
-          </p:cNvPr>
-          <p:cNvSpPr/>
-          <p:nvPr/>
-        </p:nvSpPr>
-        <p:spPr>
-          <a:xfrm>
-            <a:off x="6051166" y="2824217"/>
-            <a:ext cx="643929" cy="213274"/>
-          </a:xfrm>
-          <a:prstGeom prst="rect">
-            <a:avLst/>
-          </a:prstGeom>
-          <a:noFill/>
-          <a:ln w="38100">
-            <a:solidFill>
-              <a:srgbClr val="FF0000"/>
-            </a:solidFill>
-          </a:ln>
-        </p:spPr>
-        <p:style>
-          <a:lnRef idx="2">
-            <a:schemeClr val="accent1">
-              <a:shade val="50000"/>
-            </a:schemeClr>
-          </a:lnRef>
-          <a:fillRef idx="1">
-            <a:schemeClr val="accent1"/>
-          </a:fillRef>
-          <a:effectRef idx="0">
-            <a:schemeClr val="accent1"/>
-          </a:effectRef>
-          <a:fontRef idx="minor">
-            <a:schemeClr val="lt1"/>
-          </a:fontRef>
-        </p:style>
-        <p:txBody>
-          <a:bodyPr rtlCol="0" anchor="ctr"/>
-          <a:lstStyle/>
-          <a:p>
-            <a:pPr algn="ctr"/>
-            <a:endParaRPr lang="ko-KR" altLang="en-US"/>
-          </a:p>
-        </p:txBody>
-      </p:sp>
-      <p:sp>
-        <p:nvSpPr>
-          <p:cNvPr id="9" name="직사각형 8">
-            <a:extLst>
-              <a:ext uri="{FF2B5EF4-FFF2-40B4-BE49-F238E27FC236}">
-                <a16:creationId xmlns:a16="http://schemas.microsoft.com/office/drawing/2014/main" id="{2D982C0A-7CE5-4414-99C0-863AA7806C73}"/>
-              </a:ext>
-            </a:extLst>
-          </p:cNvPr>
-          <p:cNvSpPr/>
-          <p:nvPr/>
-        </p:nvSpPr>
-        <p:spPr>
-          <a:xfrm>
-            <a:off x="1163857" y="5767453"/>
-            <a:ext cx="1589853" cy="223443"/>
-          </a:xfrm>
-          <a:prstGeom prst="rect">
-            <a:avLst/>
-          </a:prstGeom>
-          <a:noFill/>
-          <a:ln w="38100">
-            <a:solidFill>
-              <a:srgbClr val="FF0000"/>
-            </a:solidFill>
-          </a:ln>
-        </p:spPr>
-        <p:style>
-          <a:lnRef idx="2">
-            <a:schemeClr val="accent1">
-              <a:shade val="50000"/>
-            </a:schemeClr>
-          </a:lnRef>
-          <a:fillRef idx="1">
-            <a:schemeClr val="accent1"/>
-          </a:fillRef>
-          <a:effectRef idx="0">
-            <a:schemeClr val="accent1"/>
-          </a:effectRef>
-          <a:fontRef idx="minor">
-            <a:schemeClr val="lt1"/>
-          </a:fontRef>
-        </p:style>
-        <p:txBody>
-          <a:bodyPr rtlCol="0" anchor="ctr"/>
-          <a:lstStyle/>
-          <a:p>
-            <a:pPr algn="ctr"/>
-            <a:endParaRPr lang="ko-KR" altLang="en-US"/>
-          </a:p>
-        </p:txBody>
-      </p:sp>
-      <p:pic>
-        <p:nvPicPr>
-          <p:cNvPr id="5" name="그림 4">
-            <a:extLst>
-              <a:ext uri="{FF2B5EF4-FFF2-40B4-BE49-F238E27FC236}">
-                <a16:creationId xmlns:a16="http://schemas.microsoft.com/office/drawing/2014/main" id="{0E108528-D01B-481D-8297-4E1E44CD0571}"/>
-              </a:ext>
-            </a:extLst>
-          </p:cNvPr>
-          <p:cNvPicPr>
-            <a:picLocks noChangeAspect="1"/>
-          </p:cNvPicPr>
-          <p:nvPr/>
-        </p:nvPicPr>
-        <p:blipFill>
-          <a:blip r:embed="rId3"/>
-          <a:stretch>
-            <a:fillRect/>
-          </a:stretch>
-        </p:blipFill>
-        <p:spPr>
-          <a:xfrm>
-            <a:off x="30637" y="1781171"/>
-            <a:ext cx="8953500" cy="3381375"/>
-          </a:xfrm>
-          <a:prstGeom prst="rect">
-            <a:avLst/>
-          </a:prstGeom>
-        </p:spPr>
-      </p:pic>
-    </p:spTree>
-    <p:extLst>
-      <p:ext uri="{BB962C8B-B14F-4D97-AF65-F5344CB8AC3E}">
-        <p14:creationId xmlns:p14="http://schemas.microsoft.com/office/powerpoint/2010/main" val="2475722350"/>
       </p:ext>
     </p:extLst>
   </p:cSld>
@@ -23961,6 +23919,402 @@
           <a:chExt cx="0" cy="0"/>
         </a:xfrm>
       </p:grpSpPr>
+      <p:sp>
+        <p:nvSpPr>
+          <p:cNvPr id="4" name="제목 3">
+            <a:extLst>
+              <a:ext uri="{FF2B5EF4-FFF2-40B4-BE49-F238E27FC236}">
+                <a16:creationId xmlns:a16="http://schemas.microsoft.com/office/drawing/2014/main" id="{F0CEB32B-CB43-4410-BA08-A97E4BC47FCB}"/>
+              </a:ext>
+            </a:extLst>
+          </p:cNvPr>
+          <p:cNvSpPr>
+            <a:spLocks noGrp="1"/>
+          </p:cNvSpPr>
+          <p:nvPr>
+            <p:ph type="title"/>
+          </p:nvPr>
+        </p:nvSpPr>
+        <p:spPr/>
+        <p:txBody>
+          <a:bodyPr/>
+          <a:lstStyle/>
+          <a:p>
+            <a:r>
+              <a:rPr lang="ko-KR" altLang="en-US" dirty="0"/>
+              <a:t>협업하기</a:t>
+            </a:r>
+          </a:p>
+        </p:txBody>
+      </p:sp>
+      <p:sp>
+        <p:nvSpPr>
+          <p:cNvPr id="7" name="내용 개체 틀 2">
+            <a:extLst>
+              <a:ext uri="{FF2B5EF4-FFF2-40B4-BE49-F238E27FC236}">
+                <a16:creationId xmlns:a16="http://schemas.microsoft.com/office/drawing/2014/main" id="{A44AC902-3746-40D6-9827-94B46EEDDC67}"/>
+              </a:ext>
+            </a:extLst>
+          </p:cNvPr>
+          <p:cNvSpPr txBox="1">
+            <a:spLocks/>
+          </p:cNvSpPr>
+          <p:nvPr/>
+        </p:nvSpPr>
+        <p:spPr>
+          <a:xfrm>
+            <a:off x="341787" y="1120545"/>
+            <a:ext cx="8642350" cy="2351314"/>
+          </a:xfrm>
+          <a:prstGeom prst="rect">
+            <a:avLst/>
+          </a:prstGeom>
+        </p:spPr>
+        <p:txBody>
+          <a:bodyPr vert="horz" lIns="91440" tIns="45720" rIns="91440" bIns="45720" rtlCol="0">
+            <a:noAutofit/>
+          </a:bodyPr>
+          <a:lstStyle>
+            <a:lvl1pPr marL="266700" indent="-266700" defTabSz="914400" latinLnBrk="1">
+              <a:lnSpc>
+                <a:spcPct val="150000"/>
+              </a:lnSpc>
+              <a:spcBef>
+                <a:spcPct val="0"/>
+              </a:spcBef>
+              <a:buClr>
+                <a:schemeClr val="tx1">
+                  <a:lumMod val="65000"/>
+                  <a:lumOff val="35000"/>
+                </a:schemeClr>
+              </a:buClr>
+              <a:buFont typeface="Wingdings" pitchFamily="2" charset="2"/>
+              <a:buChar char="n"/>
+              <a:defRPr sz="2000" b="1">
+                <a:latin typeface="+mn-ea"/>
+              </a:defRPr>
+            </a:lvl1pPr>
+            <a:lvl2pPr marL="447675" lvl="1" indent="-180975" defTabSz="914400" latinLnBrk="1">
+              <a:lnSpc>
+                <a:spcPct val="150000"/>
+              </a:lnSpc>
+              <a:spcBef>
+                <a:spcPts val="0"/>
+              </a:spcBef>
+              <a:spcAft>
+                <a:spcPts val="0"/>
+              </a:spcAft>
+              <a:buClr>
+                <a:schemeClr val="tx1">
+                  <a:lumMod val="50000"/>
+                  <a:lumOff val="50000"/>
+                </a:schemeClr>
+              </a:buClr>
+              <a:buFont typeface="Wingdings" pitchFamily="2" charset="2"/>
+              <a:buChar char="§"/>
+              <a:defRPr sz="1600"/>
+            </a:lvl2pPr>
+            <a:lvl3pPr marL="628650" indent="-180975" defTabSz="914400" latinLnBrk="1">
+              <a:lnSpc>
+                <a:spcPct val="150000"/>
+              </a:lnSpc>
+              <a:spcBef>
+                <a:spcPts val="500"/>
+              </a:spcBef>
+              <a:spcAft>
+                <a:spcPts val="300"/>
+              </a:spcAft>
+              <a:buClr>
+                <a:schemeClr val="tx1">
+                  <a:lumMod val="65000"/>
+                  <a:lumOff val="35000"/>
+                </a:schemeClr>
+              </a:buClr>
+              <a:buFont typeface="Arial" panose="020B0604020202020204" pitchFamily="34" charset="0"/>
+              <a:buChar char="•"/>
+              <a:defRPr sz="1400"/>
+            </a:lvl3pPr>
+            <a:lvl4pPr marL="809625" indent="-180975" defTabSz="914400" latinLnBrk="1">
+              <a:lnSpc>
+                <a:spcPct val="150000"/>
+              </a:lnSpc>
+              <a:spcBef>
+                <a:spcPts val="500"/>
+              </a:spcBef>
+              <a:spcAft>
+                <a:spcPts val="300"/>
+              </a:spcAft>
+              <a:buClr>
+                <a:schemeClr val="tx1">
+                  <a:lumMod val="65000"/>
+                  <a:lumOff val="35000"/>
+                </a:schemeClr>
+              </a:buClr>
+              <a:buSzPct val="96000"/>
+              <a:buFont typeface="Arial" panose="020B0604020202020204" pitchFamily="34" charset="0"/>
+              <a:buChar char="•"/>
+              <a:defRPr sz="1200"/>
+            </a:lvl4pPr>
+            <a:lvl5pPr marL="990600" indent="-180975" defTabSz="914400" latinLnBrk="1">
+              <a:lnSpc>
+                <a:spcPct val="150000"/>
+              </a:lnSpc>
+              <a:spcBef>
+                <a:spcPts val="500"/>
+              </a:spcBef>
+              <a:buClr>
+                <a:schemeClr val="tx1">
+                  <a:lumMod val="65000"/>
+                  <a:lumOff val="35000"/>
+                </a:schemeClr>
+              </a:buClr>
+              <a:buFont typeface="Arial" panose="020B0604020202020204" pitchFamily="34" charset="0"/>
+              <a:buChar char="•"/>
+              <a:defRPr sz="1000"/>
+            </a:lvl5pPr>
+            <a:lvl6pPr marL="2514600" indent="-228600" defTabSz="914400" latinLnBrk="1">
+              <a:lnSpc>
+                <a:spcPct val="90000"/>
+              </a:lnSpc>
+              <a:spcBef>
+                <a:spcPts val="500"/>
+              </a:spcBef>
+              <a:buFont typeface="Arial" panose="020B0604020202020204" pitchFamily="34" charset="0"/>
+              <a:buChar char="•"/>
+            </a:lvl6pPr>
+            <a:lvl7pPr marL="2971800" indent="-228600" defTabSz="914400" latinLnBrk="1">
+              <a:lnSpc>
+                <a:spcPct val="90000"/>
+              </a:lnSpc>
+              <a:spcBef>
+                <a:spcPts val="500"/>
+              </a:spcBef>
+              <a:buFont typeface="Arial" panose="020B0604020202020204" pitchFamily="34" charset="0"/>
+              <a:buChar char="•"/>
+            </a:lvl7pPr>
+            <a:lvl8pPr marL="3429000" indent="-228600" defTabSz="914400" latinLnBrk="1">
+              <a:lnSpc>
+                <a:spcPct val="90000"/>
+              </a:lnSpc>
+              <a:spcBef>
+                <a:spcPts val="500"/>
+              </a:spcBef>
+              <a:buFont typeface="Arial" panose="020B0604020202020204" pitchFamily="34" charset="0"/>
+              <a:buChar char="•"/>
+            </a:lvl8pPr>
+            <a:lvl9pPr marL="3886200" indent="-228600" defTabSz="914400" latinLnBrk="1">
+              <a:lnSpc>
+                <a:spcPct val="90000"/>
+              </a:lnSpc>
+              <a:spcBef>
+                <a:spcPts val="500"/>
+              </a:spcBef>
+              <a:buFont typeface="Arial" panose="020B0604020202020204" pitchFamily="34" charset="0"/>
+              <a:buChar char="•"/>
+            </a:lvl9pPr>
+          </a:lstStyle>
+          <a:p>
+            <a:r>
+              <a:rPr lang="ko-KR" altLang="en-US" dirty="0"/>
+              <a:t>협업환경 </a:t>
+            </a:r>
+            <a:r>
+              <a:rPr lang="en-US" altLang="ko-KR" dirty="0"/>
+              <a:t>(collaborator</a:t>
+            </a:r>
+            <a:r>
+              <a:rPr lang="ko-KR" altLang="en-US" dirty="0"/>
+              <a:t> 등록</a:t>
+            </a:r>
+            <a:r>
+              <a:rPr lang="en-US" altLang="ko-KR" dirty="0"/>
+              <a:t>)</a:t>
+            </a:r>
+          </a:p>
+          <a:p>
+            <a:pPr lvl="1"/>
+            <a:r>
+              <a:rPr lang="en-US" altLang="ko-KR" dirty="0">
+                <a:latin typeface="+mn-ea"/>
+              </a:rPr>
+              <a:t>Settings → Manage Access </a:t>
+            </a:r>
+            <a:r>
+              <a:rPr lang="ko-KR" altLang="en-US" dirty="0">
+                <a:latin typeface="+mn-ea"/>
+              </a:rPr>
+              <a:t>클릭</a:t>
+            </a:r>
+            <a:endParaRPr lang="en-US" altLang="ko-KR" dirty="0">
+              <a:latin typeface="+mn-ea"/>
+            </a:endParaRPr>
+          </a:p>
+        </p:txBody>
+      </p:sp>
+      <p:sp>
+        <p:nvSpPr>
+          <p:cNvPr id="6" name="직사각형 5">
+            <a:extLst>
+              <a:ext uri="{FF2B5EF4-FFF2-40B4-BE49-F238E27FC236}">
+                <a16:creationId xmlns:a16="http://schemas.microsoft.com/office/drawing/2014/main" id="{A0CA71EF-AE4C-453D-A797-8649D36F99F5}"/>
+              </a:ext>
+            </a:extLst>
+          </p:cNvPr>
+          <p:cNvSpPr/>
+          <p:nvPr/>
+        </p:nvSpPr>
+        <p:spPr>
+          <a:xfrm>
+            <a:off x="6051166" y="2824217"/>
+            <a:ext cx="643929" cy="213274"/>
+          </a:xfrm>
+          <a:prstGeom prst="rect">
+            <a:avLst/>
+          </a:prstGeom>
+          <a:noFill/>
+          <a:ln w="38100">
+            <a:solidFill>
+              <a:srgbClr val="FF0000"/>
+            </a:solidFill>
+          </a:ln>
+        </p:spPr>
+        <p:style>
+          <a:lnRef idx="2">
+            <a:schemeClr val="accent1">
+              <a:shade val="50000"/>
+            </a:schemeClr>
+          </a:lnRef>
+          <a:fillRef idx="1">
+            <a:schemeClr val="accent1"/>
+          </a:fillRef>
+          <a:effectRef idx="0">
+            <a:schemeClr val="accent1"/>
+          </a:effectRef>
+          <a:fontRef idx="minor">
+            <a:schemeClr val="lt1"/>
+          </a:fontRef>
+        </p:style>
+        <p:txBody>
+          <a:bodyPr rtlCol="0" anchor="ctr"/>
+          <a:lstStyle/>
+          <a:p>
+            <a:pPr algn="ctr"/>
+            <a:endParaRPr lang="ko-KR" altLang="en-US"/>
+          </a:p>
+        </p:txBody>
+      </p:sp>
+      <p:sp>
+        <p:nvSpPr>
+          <p:cNvPr id="9" name="직사각형 8">
+            <a:extLst>
+              <a:ext uri="{FF2B5EF4-FFF2-40B4-BE49-F238E27FC236}">
+                <a16:creationId xmlns:a16="http://schemas.microsoft.com/office/drawing/2014/main" id="{2D982C0A-7CE5-4414-99C0-863AA7806C73}"/>
+              </a:ext>
+            </a:extLst>
+          </p:cNvPr>
+          <p:cNvSpPr/>
+          <p:nvPr/>
+        </p:nvSpPr>
+        <p:spPr>
+          <a:xfrm>
+            <a:off x="1163857" y="5767453"/>
+            <a:ext cx="1589853" cy="223443"/>
+          </a:xfrm>
+          <a:prstGeom prst="rect">
+            <a:avLst/>
+          </a:prstGeom>
+          <a:noFill/>
+          <a:ln w="38100">
+            <a:solidFill>
+              <a:srgbClr val="FF0000"/>
+            </a:solidFill>
+          </a:ln>
+        </p:spPr>
+        <p:style>
+          <a:lnRef idx="2">
+            <a:schemeClr val="accent1">
+              <a:shade val="50000"/>
+            </a:schemeClr>
+          </a:lnRef>
+          <a:fillRef idx="1">
+            <a:schemeClr val="accent1"/>
+          </a:fillRef>
+          <a:effectRef idx="0">
+            <a:schemeClr val="accent1"/>
+          </a:effectRef>
+          <a:fontRef idx="minor">
+            <a:schemeClr val="lt1"/>
+          </a:fontRef>
+        </p:style>
+        <p:txBody>
+          <a:bodyPr rtlCol="0" anchor="ctr"/>
+          <a:lstStyle/>
+          <a:p>
+            <a:pPr algn="ctr"/>
+            <a:endParaRPr lang="ko-KR" altLang="en-US"/>
+          </a:p>
+        </p:txBody>
+      </p:sp>
+      <p:pic>
+        <p:nvPicPr>
+          <p:cNvPr id="5" name="그림 4">
+            <a:extLst>
+              <a:ext uri="{FF2B5EF4-FFF2-40B4-BE49-F238E27FC236}">
+                <a16:creationId xmlns:a16="http://schemas.microsoft.com/office/drawing/2014/main" id="{0E108528-D01B-481D-8297-4E1E44CD0571}"/>
+              </a:ext>
+            </a:extLst>
+          </p:cNvPr>
+          <p:cNvPicPr>
+            <a:picLocks noChangeAspect="1"/>
+          </p:cNvPicPr>
+          <p:nvPr/>
+        </p:nvPicPr>
+        <p:blipFill>
+          <a:blip r:embed="rId3"/>
+          <a:stretch>
+            <a:fillRect/>
+          </a:stretch>
+        </p:blipFill>
+        <p:spPr>
+          <a:xfrm>
+            <a:off x="30637" y="1781171"/>
+            <a:ext cx="8953500" cy="3381375"/>
+          </a:xfrm>
+          <a:prstGeom prst="rect">
+            <a:avLst/>
+          </a:prstGeom>
+        </p:spPr>
+      </p:pic>
+    </p:spTree>
+    <p:extLst>
+      <p:ext uri="{BB962C8B-B14F-4D97-AF65-F5344CB8AC3E}">
+        <p14:creationId xmlns:p14="http://schemas.microsoft.com/office/powerpoint/2010/main" val="2475722350"/>
+      </p:ext>
+    </p:extLst>
+  </p:cSld>
+  <p:clrMapOvr>
+    <a:masterClrMapping/>
+  </p:clrMapOvr>
+</p:sld>
+</file>
+
+<file path=ppt/slides/slide51.xml><?xml version="1.0" encoding="utf-8"?>
+<p:sld xmlns:a="http://schemas.openxmlformats.org/drawingml/2006/main" xmlns:r="http://schemas.openxmlformats.org/officeDocument/2006/relationships" xmlns:p="http://schemas.openxmlformats.org/presentationml/2006/main">
+  <p:cSld>
+    <p:spTree>
+      <p:nvGrpSpPr>
+        <p:cNvPr id="1" name=""/>
+        <p:cNvGrpSpPr/>
+        <p:nvPr/>
+      </p:nvGrpSpPr>
+      <p:grpSpPr>
+        <a:xfrm>
+          <a:off x="0" y="0"/>
+          <a:ext cx="0" cy="0"/>
+          <a:chOff x="0" y="0"/>
+          <a:chExt cx="0" cy="0"/>
+        </a:xfrm>
+      </p:grpSpPr>
       <p:pic>
         <p:nvPicPr>
           <p:cNvPr id="8" name="그림 7">
@@ -24314,7 +24668,7 @@
 </p:sld>
 </file>
 
-<file path=ppt/slides/slide51.xml><?xml version="1.0" encoding="utf-8"?>
+<file path=ppt/slides/slide52.xml><?xml version="1.0" encoding="utf-8"?>
 <p:sld xmlns:a="http://schemas.openxmlformats.org/drawingml/2006/main" xmlns:r="http://schemas.openxmlformats.org/officeDocument/2006/relationships" xmlns:p="http://schemas.openxmlformats.org/presentationml/2006/main">
   <p:cSld>
     <p:spTree>
@@ -24632,7 +24986,7 @@
 </p:sld>
 </file>
 
-<file path=ppt/slides/slide52.xml><?xml version="1.0" encoding="utf-8"?>
+<file path=ppt/slides/slide53.xml><?xml version="1.0" encoding="utf-8"?>
 <p:sld xmlns:a="http://schemas.openxmlformats.org/drawingml/2006/main" xmlns:r="http://schemas.openxmlformats.org/officeDocument/2006/relationships" xmlns:p="http://schemas.openxmlformats.org/presentationml/2006/main">
   <p:cSld>
     <p:spTree>
@@ -24777,7 +25131,7 @@
             <a:fld id="{526ADF51-C4A2-4521-899C-87F34FDB9C0A}" type="slidenum">
               <a:rPr lang="ko-KR" altLang="en-US" smtClean="0"/>
               <a:pPr/>
-              <a:t>52</a:t>
+              <a:t>53</a:t>
             </a:fld>
             <a:endParaRPr lang="ko-KR" altLang="en-US" dirty="0"/>
           </a:p>
@@ -24882,7 +25236,7 @@
 </p:sld>
 </file>
 
-<file path=ppt/slides/slide53.xml><?xml version="1.0" encoding="utf-8"?>
+<file path=ppt/slides/slide54.xml><?xml version="1.0" encoding="utf-8"?>
 <p:sld xmlns:a="http://schemas.openxmlformats.org/drawingml/2006/main" xmlns:r="http://schemas.openxmlformats.org/officeDocument/2006/relationships" xmlns:p="http://schemas.openxmlformats.org/presentationml/2006/main">
   <p:cSld>
     <p:spTree>
@@ -25027,7 +25381,7 @@
             <a:fld id="{526ADF51-C4A2-4521-899C-87F34FDB9C0A}" type="slidenum">
               <a:rPr lang="ko-KR" altLang="en-US" smtClean="0"/>
               <a:pPr/>
-              <a:t>53</a:t>
+              <a:t>54</a:t>
             </a:fld>
             <a:endParaRPr lang="ko-KR" altLang="en-US" dirty="0"/>
           </a:p>
@@ -25132,7 +25486,7 @@
 </p:sld>
 </file>
 
-<file path=ppt/slides/slide54.xml><?xml version="1.0" encoding="utf-8"?>
+<file path=ppt/slides/slide55.xml><?xml version="1.0" encoding="utf-8"?>
 <p:sld xmlns:a="http://schemas.openxmlformats.org/drawingml/2006/main" xmlns:r="http://schemas.openxmlformats.org/officeDocument/2006/relationships" xmlns:p="http://schemas.openxmlformats.org/presentationml/2006/main">
   <p:cSld>
     <p:spTree>
@@ -25425,7 +25779,7 @@
 </p:sld>
 </file>
 
-<file path=ppt/slides/slide55.xml><?xml version="1.0" encoding="utf-8"?>
+<file path=ppt/slides/slide56.xml><?xml version="1.0" encoding="utf-8"?>
 <p:sld xmlns:a="http://schemas.openxmlformats.org/drawingml/2006/main" xmlns:r="http://schemas.openxmlformats.org/officeDocument/2006/relationships" xmlns:p="http://schemas.openxmlformats.org/presentationml/2006/main">
   <p:cSld>
     <p:spTree>

--- a/git및github첫걸음4-협업하기.pptx
+++ b/git및github첫걸음4-협업하기.pptx
@@ -5,7 +5,7 @@
     <p:sldMasterId id="2147483660" r:id="rId1"/>
   </p:sldMasterIdLst>
   <p:notesMasterIdLst>
-    <p:notesMasterId r:id="rId66"/>
+    <p:notesMasterId r:id="rId68"/>
   </p:notesMasterIdLst>
   <p:sldIdLst>
     <p:sldId id="404" r:id="rId2"/>
@@ -37,41 +37,43 @@
     <p:sldId id="411" r:id="rId28"/>
     <p:sldId id="412" r:id="rId29"/>
     <p:sldId id="413" r:id="rId30"/>
-    <p:sldId id="288" r:id="rId31"/>
-    <p:sldId id="289" r:id="rId32"/>
-    <p:sldId id="291" r:id="rId33"/>
-    <p:sldId id="292" r:id="rId34"/>
-    <p:sldId id="290" r:id="rId35"/>
-    <p:sldId id="259" r:id="rId36"/>
-    <p:sldId id="355" r:id="rId37"/>
-    <p:sldId id="368" r:id="rId38"/>
-    <p:sldId id="384" r:id="rId39"/>
-    <p:sldId id="387" r:id="rId40"/>
-    <p:sldId id="388" r:id="rId41"/>
-    <p:sldId id="392" r:id="rId42"/>
-    <p:sldId id="393" r:id="rId43"/>
-    <p:sldId id="394" r:id="rId44"/>
-    <p:sldId id="395" r:id="rId45"/>
-    <p:sldId id="396" r:id="rId46"/>
-    <p:sldId id="397" r:id="rId47"/>
-    <p:sldId id="398" r:id="rId48"/>
-    <p:sldId id="399" r:id="rId49"/>
-    <p:sldId id="400" r:id="rId50"/>
-    <p:sldId id="403" r:id="rId51"/>
-    <p:sldId id="401" r:id="rId52"/>
-    <p:sldId id="402" r:id="rId53"/>
-    <p:sldId id="389" r:id="rId54"/>
-    <p:sldId id="390" r:id="rId55"/>
-    <p:sldId id="391" r:id="rId56"/>
-    <p:sldId id="362" r:id="rId57"/>
-    <p:sldId id="370" r:id="rId58"/>
-    <p:sldId id="369" r:id="rId59"/>
-    <p:sldId id="363" r:id="rId60"/>
-    <p:sldId id="365" r:id="rId61"/>
-    <p:sldId id="339" r:id="rId62"/>
-    <p:sldId id="383" r:id="rId63"/>
-    <p:sldId id="385" r:id="rId64"/>
-    <p:sldId id="386" r:id="rId65"/>
+    <p:sldId id="415" r:id="rId31"/>
+    <p:sldId id="288" r:id="rId32"/>
+    <p:sldId id="289" r:id="rId33"/>
+    <p:sldId id="291" r:id="rId34"/>
+    <p:sldId id="292" r:id="rId35"/>
+    <p:sldId id="290" r:id="rId36"/>
+    <p:sldId id="259" r:id="rId37"/>
+    <p:sldId id="355" r:id="rId38"/>
+    <p:sldId id="368" r:id="rId39"/>
+    <p:sldId id="384" r:id="rId40"/>
+    <p:sldId id="387" r:id="rId41"/>
+    <p:sldId id="388" r:id="rId42"/>
+    <p:sldId id="392" r:id="rId43"/>
+    <p:sldId id="393" r:id="rId44"/>
+    <p:sldId id="394" r:id="rId45"/>
+    <p:sldId id="395" r:id="rId46"/>
+    <p:sldId id="396" r:id="rId47"/>
+    <p:sldId id="397" r:id="rId48"/>
+    <p:sldId id="398" r:id="rId49"/>
+    <p:sldId id="399" r:id="rId50"/>
+    <p:sldId id="400" r:id="rId51"/>
+    <p:sldId id="403" r:id="rId52"/>
+    <p:sldId id="401" r:id="rId53"/>
+    <p:sldId id="402" r:id="rId54"/>
+    <p:sldId id="389" r:id="rId55"/>
+    <p:sldId id="390" r:id="rId56"/>
+    <p:sldId id="391" r:id="rId57"/>
+    <p:sldId id="362" r:id="rId58"/>
+    <p:sldId id="370" r:id="rId59"/>
+    <p:sldId id="369" r:id="rId60"/>
+    <p:sldId id="363" r:id="rId61"/>
+    <p:sldId id="365" r:id="rId62"/>
+    <p:sldId id="339" r:id="rId63"/>
+    <p:sldId id="383" r:id="rId64"/>
+    <p:sldId id="385" r:id="rId65"/>
+    <p:sldId id="386" r:id="rId66"/>
+    <p:sldId id="414" r:id="rId67"/>
   </p:sldIdLst>
   <p:sldSz cx="9144000" cy="6858000" type="screen4x3"/>
   <p:notesSz cx="6858000" cy="9144000"/>
@@ -271,7 +273,7 @@
           <a:p>
             <a:fld id="{A17B9194-BDE3-40E3-983E-94CE6FA773AF}" type="datetimeFigureOut">
               <a:rPr lang="ko-KR" altLang="en-US" smtClean="0"/>
-              <a:t>2021-04-06</a:t>
+              <a:t>2021-04-07</a:t>
             </a:fld>
             <a:endParaRPr lang="ko-KR" altLang="en-US"/>
           </a:p>
@@ -582,6 +584,18 @@
           <a:bodyPr/>
           <a:lstStyle/>
           <a:p>
+            <a:r>
+              <a:rPr lang="en-US" altLang="ko-KR" dirty="0"/>
+              <a:t>Repository owner</a:t>
+            </a:r>
+            <a:r>
+              <a:rPr lang="ko-KR" altLang="en-US" dirty="0"/>
+              <a:t>를 리더로 호칭하여 진행</a:t>
+            </a:r>
+            <a:r>
+              <a:rPr lang="en-US" altLang="ko-KR" dirty="0"/>
+              <a:t>.</a:t>
+            </a:r>
             <a:endParaRPr lang="ko-KR" altLang="en-US" dirty="0"/>
           </a:p>
         </p:txBody>
@@ -1086,6 +1100,10 @@
           <a:bodyPr/>
           <a:lstStyle/>
           <a:p>
+            <a:r>
+              <a:rPr lang="en-US" altLang="ko-KR" dirty="0"/>
+              <a:t>https://www.atlassian.com/git/tutorials/comparing-workflows</a:t>
+            </a:r>
             <a:endParaRPr lang="ko-KR" altLang="en-US" dirty="0"/>
           </a:p>
         </p:txBody>
@@ -1339,26 +1357,25 @@
           <a:lstStyle/>
           <a:p>
             <a:r>
-              <a:rPr lang="ko-KR" altLang="en-US" dirty="0" smtClean="0"/>
+              <a:rPr lang="ko-KR" altLang="en-US" dirty="0"/>
               <a:t>리더와 참여자를 구분하기 위하여 </a:t>
             </a:r>
             <a:r>
-              <a:rPr lang="en-US" altLang="ko-KR" dirty="0" err="1" smtClean="0"/>
+              <a:rPr lang="en-US" altLang="ko-KR" dirty="0" err="1"/>
               <a:t>paichai-collab</a:t>
             </a:r>
             <a:r>
-              <a:rPr lang="ko-KR" altLang="en-US" dirty="0" smtClean="0"/>
+              <a:rPr lang="ko-KR" altLang="en-US" dirty="0"/>
               <a:t>으로 </a:t>
             </a:r>
             <a:r>
-              <a:rPr lang="ko-KR" altLang="en-US" dirty="0" err="1" smtClean="0"/>
+              <a:rPr lang="ko-KR" altLang="en-US" dirty="0" err="1"/>
               <a:t>폴더명</a:t>
             </a:r>
             <a:r>
-              <a:rPr lang="ko-KR" altLang="en-US" dirty="0" smtClean="0"/>
+              <a:rPr lang="ko-KR" altLang="en-US" dirty="0"/>
               <a:t> 생성</a:t>
             </a:r>
-            <a:endParaRPr lang="ko-KR" altLang="en-US" dirty="0"/>
           </a:p>
         </p:txBody>
       </p:sp>
@@ -1863,10 +1880,9 @@
           <a:lstStyle/>
           <a:p>
             <a:r>
-              <a:rPr lang="ko-KR" altLang="en-US" dirty="0" smtClean="0"/>
+              <a:rPr lang="ko-KR" altLang="en-US" dirty="0"/>
               <a:t>변경 내용 확인하도록</a:t>
             </a:r>
-            <a:endParaRPr lang="ko-KR" altLang="en-US" dirty="0"/>
           </a:p>
         </p:txBody>
       </p:sp>
@@ -1951,10 +1967,9 @@
           <a:lstStyle/>
           <a:p>
             <a:r>
-              <a:rPr lang="ko-KR" altLang="en-US" dirty="0" smtClean="0"/>
-              <a:t>변경 내용 확인하도록</a:t>
-            </a:r>
-            <a:endParaRPr lang="ko-KR" altLang="en-US" dirty="0"/>
+              <a:rPr lang="ko-KR" altLang="en-US" dirty="0"/>
+              <a:t>이제부터는 리더 역할 </a:t>
+            </a:r>
           </a:p>
         </p:txBody>
       </p:sp>
@@ -2207,10 +2222,9 @@
           <a:lstStyle/>
           <a:p>
             <a:r>
-              <a:rPr lang="ko-KR" altLang="en-US" dirty="0" smtClean="0"/>
+              <a:rPr lang="ko-KR" altLang="en-US" dirty="0"/>
               <a:t>변경 내용 확인하도록</a:t>
             </a:r>
-            <a:endParaRPr lang="ko-KR" altLang="en-US" dirty="0"/>
           </a:p>
         </p:txBody>
       </p:sp>
@@ -2294,10 +2308,6 @@
           <a:bodyPr/>
           <a:lstStyle/>
           <a:p>
-            <a:r>
-              <a:rPr lang="ko-KR" altLang="en-US" dirty="0" smtClean="0"/>
-              <a:t>변경 내용 확인하도록</a:t>
-            </a:r>
             <a:endParaRPr lang="ko-KR" altLang="en-US" dirty="0"/>
           </a:p>
         </p:txBody>
@@ -2382,6 +2392,114 @@
           <a:bodyPr/>
           <a:lstStyle/>
           <a:p>
+            <a:pPr marL="0" marR="0" lvl="0" indent="0" algn="l" defTabSz="914400" rtl="0" eaLnBrk="1" fontAlgn="auto" latinLnBrk="1" hangingPunct="1">
+              <a:lnSpc>
+                <a:spcPct val="100000"/>
+              </a:lnSpc>
+              <a:spcBef>
+                <a:spcPts val="0"/>
+              </a:spcBef>
+              <a:spcAft>
+                <a:spcPts val="0"/>
+              </a:spcAft>
+              <a:buClrTx/>
+              <a:buSzTx/>
+              <a:buFontTx/>
+              <a:buNone/>
+              <a:tabLst/>
+              <a:defRPr/>
+            </a:pPr>
+            <a:r>
+              <a:rPr lang="en-US" altLang="ko-KR" dirty="0"/>
+              <a:t>https://www.atlassian.com/git/tutorials/comparing-workflows/feature-branch-workflow</a:t>
+            </a:r>
+          </a:p>
+          <a:p>
+            <a:pPr marL="0" marR="0" lvl="0" indent="0" algn="l" defTabSz="914400" rtl="0" eaLnBrk="1" fontAlgn="auto" latinLnBrk="1" hangingPunct="1">
+              <a:lnSpc>
+                <a:spcPct val="100000"/>
+              </a:lnSpc>
+              <a:spcBef>
+                <a:spcPts val="0"/>
+              </a:spcBef>
+              <a:spcAft>
+                <a:spcPts val="0"/>
+              </a:spcAft>
+              <a:buClrTx/>
+              <a:buSzTx/>
+              <a:buFontTx/>
+              <a:buNone/>
+              <a:tabLst/>
+              <a:defRPr/>
+            </a:pPr>
+            <a:r>
+              <a:rPr lang="ko-KR" altLang="en-US" dirty="0"/>
+              <a:t>기존의 </a:t>
+            </a:r>
+            <a:r>
+              <a:rPr lang="en-US" altLang="ko-KR" dirty="0"/>
+              <a:t>fork </a:t>
+            </a:r>
+            <a:r>
+              <a:rPr lang="en-US" altLang="ko-KR" dirty="0">
+                <a:sym typeface="Wingdings" panose="05000000000000000000" pitchFamily="2" charset="2"/>
+              </a:rPr>
+              <a:t> clone</a:t>
+            </a:r>
+            <a:r>
+              <a:rPr lang="ko-KR" altLang="en-US" dirty="0">
+                <a:sym typeface="Wingdings" panose="05000000000000000000" pitchFamily="2" charset="2"/>
+              </a:rPr>
+              <a:t> </a:t>
+            </a:r>
+            <a:r>
+              <a:rPr lang="en-US" altLang="ko-KR" dirty="0">
+                <a:sym typeface="Wingdings" panose="05000000000000000000" pitchFamily="2" charset="2"/>
+              </a:rPr>
+              <a:t></a:t>
+            </a:r>
+            <a:r>
+              <a:rPr lang="ko-KR" altLang="en-US" dirty="0">
+                <a:sym typeface="Wingdings" panose="05000000000000000000" pitchFamily="2" charset="2"/>
+              </a:rPr>
+              <a:t> </a:t>
+            </a:r>
+            <a:r>
+              <a:rPr lang="en-US" altLang="ko-KR" dirty="0">
+                <a:sym typeface="Wingdings" panose="05000000000000000000" pitchFamily="2" charset="2"/>
+              </a:rPr>
+              <a:t>pull</a:t>
+            </a:r>
+            <a:r>
+              <a:rPr lang="ko-KR" altLang="en-US" dirty="0">
+                <a:sym typeface="Wingdings" panose="05000000000000000000" pitchFamily="2" charset="2"/>
+              </a:rPr>
+              <a:t> </a:t>
+            </a:r>
+            <a:r>
+              <a:rPr lang="en-US" altLang="ko-KR" dirty="0">
+                <a:sym typeface="Wingdings" panose="05000000000000000000" pitchFamily="2" charset="2"/>
+              </a:rPr>
+              <a:t></a:t>
+            </a:r>
+            <a:r>
+              <a:rPr lang="ko-KR" altLang="en-US" dirty="0">
+                <a:sym typeface="Wingdings" panose="05000000000000000000" pitchFamily="2" charset="2"/>
+              </a:rPr>
+              <a:t> </a:t>
+            </a:r>
+            <a:r>
+              <a:rPr lang="en-US" altLang="ko-KR" dirty="0">
+                <a:sym typeface="Wingdings" panose="05000000000000000000" pitchFamily="2" charset="2"/>
+              </a:rPr>
+              <a:t>push</a:t>
+            </a:r>
+            <a:r>
+              <a:rPr lang="ko-KR" altLang="en-US" dirty="0">
+                <a:sym typeface="Wingdings" panose="05000000000000000000" pitchFamily="2" charset="2"/>
+              </a:rPr>
+              <a:t> 등 실시한 내용과 유사한 방법</a:t>
+            </a:r>
             <a:endParaRPr lang="ko-KR" altLang="en-US" dirty="0"/>
           </a:p>
         </p:txBody>
@@ -2412,7 +2530,7 @@
     </p:spTree>
     <p:extLst>
       <p:ext uri="{BB962C8B-B14F-4D97-AF65-F5344CB8AC3E}">
-        <p14:creationId xmlns:p14="http://schemas.microsoft.com/office/powerpoint/2010/main" val="3410003356"/>
+        <p14:creationId xmlns:p14="http://schemas.microsoft.com/office/powerpoint/2010/main" val="4006083412"/>
       </p:ext>
     </p:extLst>
   </p:cSld>
@@ -2580,7 +2698,7 @@
     </p:spTree>
     <p:extLst>
       <p:ext uri="{BB962C8B-B14F-4D97-AF65-F5344CB8AC3E}">
-        <p14:creationId xmlns:p14="http://schemas.microsoft.com/office/powerpoint/2010/main" val="4210790931"/>
+        <p14:creationId xmlns:p14="http://schemas.microsoft.com/office/powerpoint/2010/main" val="3410003356"/>
       </p:ext>
     </p:extLst>
   </p:cSld>
@@ -2664,7 +2782,7 @@
     </p:spTree>
     <p:extLst>
       <p:ext uri="{BB962C8B-B14F-4D97-AF65-F5344CB8AC3E}">
-        <p14:creationId xmlns:p14="http://schemas.microsoft.com/office/powerpoint/2010/main" val="2656794270"/>
+        <p14:creationId xmlns:p14="http://schemas.microsoft.com/office/powerpoint/2010/main" val="4210790931"/>
       </p:ext>
     </p:extLst>
   </p:cSld>
@@ -2748,7 +2866,7 @@
     </p:spTree>
     <p:extLst>
       <p:ext uri="{BB962C8B-B14F-4D97-AF65-F5344CB8AC3E}">
-        <p14:creationId xmlns:p14="http://schemas.microsoft.com/office/powerpoint/2010/main" val="2930983645"/>
+        <p14:creationId xmlns:p14="http://schemas.microsoft.com/office/powerpoint/2010/main" val="2656794270"/>
       </p:ext>
     </p:extLst>
   </p:cSld>
@@ -2832,7 +2950,7 @@
     </p:spTree>
     <p:extLst>
       <p:ext uri="{BB962C8B-B14F-4D97-AF65-F5344CB8AC3E}">
-        <p14:creationId xmlns:p14="http://schemas.microsoft.com/office/powerpoint/2010/main" val="1354663592"/>
+        <p14:creationId xmlns:p14="http://schemas.microsoft.com/office/powerpoint/2010/main" val="2930983645"/>
       </p:ext>
     </p:extLst>
   </p:cSld>
@@ -2907,7 +3025,7 @@
           <a:p>
             <a:fld id="{625D4AC4-540A-4436-887D-BF6A8FCF1275}" type="slidenum">
               <a:rPr lang="ko-KR" altLang="en-US" smtClean="0"/>
-              <a:t>56</a:t>
+              <a:t>35</a:t>
             </a:fld>
             <a:endParaRPr lang="ko-KR" altLang="en-US"/>
           </a:p>
@@ -2916,7 +3034,7 @@
     </p:spTree>
     <p:extLst>
       <p:ext uri="{BB962C8B-B14F-4D97-AF65-F5344CB8AC3E}">
-        <p14:creationId xmlns:p14="http://schemas.microsoft.com/office/powerpoint/2010/main" val="359352915"/>
+        <p14:creationId xmlns:p14="http://schemas.microsoft.com/office/powerpoint/2010/main" val="1354663592"/>
       </p:ext>
     </p:extLst>
   </p:cSld>
@@ -3000,7 +3118,7 @@
     </p:spTree>
     <p:extLst>
       <p:ext uri="{BB962C8B-B14F-4D97-AF65-F5344CB8AC3E}">
-        <p14:creationId xmlns:p14="http://schemas.microsoft.com/office/powerpoint/2010/main" val="3390184213"/>
+        <p14:creationId xmlns:p14="http://schemas.microsoft.com/office/powerpoint/2010/main" val="359352915"/>
       </p:ext>
     </p:extLst>
   </p:cSld>
@@ -3084,7 +3202,7 @@
     </p:spTree>
     <p:extLst>
       <p:ext uri="{BB962C8B-B14F-4D97-AF65-F5344CB8AC3E}">
-        <p14:creationId xmlns:p14="http://schemas.microsoft.com/office/powerpoint/2010/main" val="2460097019"/>
+        <p14:creationId xmlns:p14="http://schemas.microsoft.com/office/powerpoint/2010/main" val="3390184213"/>
       </p:ext>
     </p:extLst>
   </p:cSld>
@@ -3168,7 +3286,7 @@
     </p:spTree>
     <p:extLst>
       <p:ext uri="{BB962C8B-B14F-4D97-AF65-F5344CB8AC3E}">
-        <p14:creationId xmlns:p14="http://schemas.microsoft.com/office/powerpoint/2010/main" val="968913724"/>
+        <p14:creationId xmlns:p14="http://schemas.microsoft.com/office/powerpoint/2010/main" val="2460097019"/>
       </p:ext>
     </p:extLst>
   </p:cSld>
@@ -3252,7 +3370,7 @@
     </p:spTree>
     <p:extLst>
       <p:ext uri="{BB962C8B-B14F-4D97-AF65-F5344CB8AC3E}">
-        <p14:creationId xmlns:p14="http://schemas.microsoft.com/office/powerpoint/2010/main" val="3639081274"/>
+        <p14:creationId xmlns:p14="http://schemas.microsoft.com/office/powerpoint/2010/main" val="968913724"/>
       </p:ext>
     </p:extLst>
   </p:cSld>
@@ -3327,7 +3445,7 @@
           <a:p>
             <a:fld id="{625D4AC4-540A-4436-887D-BF6A8FCF1275}" type="slidenum">
               <a:rPr lang="ko-KR" altLang="en-US" smtClean="0"/>
-              <a:t>63</a:t>
+              <a:t>61</a:t>
             </a:fld>
             <a:endParaRPr lang="ko-KR" altLang="en-US"/>
           </a:p>
@@ -3336,7 +3454,7 @@
     </p:spTree>
     <p:extLst>
       <p:ext uri="{BB962C8B-B14F-4D97-AF65-F5344CB8AC3E}">
-        <p14:creationId xmlns:p14="http://schemas.microsoft.com/office/powerpoint/2010/main" val="2567510205"/>
+        <p14:creationId xmlns:p14="http://schemas.microsoft.com/office/powerpoint/2010/main" val="3639081274"/>
       </p:ext>
     </p:extLst>
   </p:cSld>
@@ -3507,7 +3625,175 @@
     </p:spTree>
     <p:extLst>
       <p:ext uri="{BB962C8B-B14F-4D97-AF65-F5344CB8AC3E}">
+        <p14:creationId xmlns:p14="http://schemas.microsoft.com/office/powerpoint/2010/main" val="2567510205"/>
+      </p:ext>
+    </p:extLst>
+  </p:cSld>
+  <p:clrMapOvr>
+    <a:masterClrMapping/>
+  </p:clrMapOvr>
+</p:notes>
+</file>
+
+<file path=ppt/notesSlides/notesSlide41.xml><?xml version="1.0" encoding="utf-8"?>
+<p:notes xmlns:a="http://schemas.openxmlformats.org/drawingml/2006/main" xmlns:r="http://schemas.openxmlformats.org/officeDocument/2006/relationships" xmlns:p="http://schemas.openxmlformats.org/presentationml/2006/main">
+  <p:cSld>
+    <p:spTree>
+      <p:nvGrpSpPr>
+        <p:cNvPr id="1" name=""/>
+        <p:cNvGrpSpPr/>
+        <p:nvPr/>
+      </p:nvGrpSpPr>
+      <p:grpSpPr>
+        <a:xfrm>
+          <a:off x="0" y="0"/>
+          <a:ext cx="0" cy="0"/>
+          <a:chOff x="0" y="0"/>
+          <a:chExt cx="0" cy="0"/>
+        </a:xfrm>
+      </p:grpSpPr>
+      <p:sp>
+        <p:nvSpPr>
+          <p:cNvPr id="2" name="슬라이드 이미지 개체 틀 1"/>
+          <p:cNvSpPr>
+            <a:spLocks noGrp="1" noRot="1" noChangeAspect="1"/>
+          </p:cNvSpPr>
+          <p:nvPr>
+            <p:ph type="sldImg"/>
+          </p:nvPr>
+        </p:nvSpPr>
+        <p:spPr/>
+      </p:sp>
+      <p:sp>
+        <p:nvSpPr>
+          <p:cNvPr id="3" name="슬라이드 노트 개체 틀 2"/>
+          <p:cNvSpPr>
+            <a:spLocks noGrp="1"/>
+          </p:cNvSpPr>
+          <p:nvPr>
+            <p:ph type="body" idx="1"/>
+          </p:nvPr>
+        </p:nvSpPr>
+        <p:spPr/>
+        <p:txBody>
+          <a:bodyPr/>
+          <a:lstStyle/>
+          <a:p>
+            <a:endParaRPr lang="ko-KR" altLang="en-US" dirty="0"/>
+          </a:p>
+        </p:txBody>
+      </p:sp>
+      <p:sp>
+        <p:nvSpPr>
+          <p:cNvPr id="4" name="슬라이드 번호 개체 틀 3"/>
+          <p:cNvSpPr>
+            <a:spLocks noGrp="1"/>
+          </p:cNvSpPr>
+          <p:nvPr>
+            <p:ph type="sldNum" sz="quarter" idx="10"/>
+          </p:nvPr>
+        </p:nvSpPr>
+        <p:spPr/>
+        <p:txBody>
+          <a:bodyPr/>
+          <a:lstStyle/>
+          <a:p>
+            <a:fld id="{625D4AC4-540A-4436-887D-BF6A8FCF1275}" type="slidenum">
+              <a:rPr lang="ko-KR" altLang="en-US" smtClean="0"/>
+              <a:t>65</a:t>
+            </a:fld>
+            <a:endParaRPr lang="ko-KR" altLang="en-US"/>
+          </a:p>
+        </p:txBody>
+      </p:sp>
+    </p:spTree>
+    <p:extLst>
+      <p:ext uri="{BB962C8B-B14F-4D97-AF65-F5344CB8AC3E}">
         <p14:creationId xmlns:p14="http://schemas.microsoft.com/office/powerpoint/2010/main" val="2114713223"/>
+      </p:ext>
+    </p:extLst>
+  </p:cSld>
+  <p:clrMapOvr>
+    <a:masterClrMapping/>
+  </p:clrMapOvr>
+</p:notes>
+</file>
+
+<file path=ppt/notesSlides/notesSlide42.xml><?xml version="1.0" encoding="utf-8"?>
+<p:notes xmlns:a="http://schemas.openxmlformats.org/drawingml/2006/main" xmlns:r="http://schemas.openxmlformats.org/officeDocument/2006/relationships" xmlns:p="http://schemas.openxmlformats.org/presentationml/2006/main">
+  <p:cSld>
+    <p:spTree>
+      <p:nvGrpSpPr>
+        <p:cNvPr id="1" name=""/>
+        <p:cNvGrpSpPr/>
+        <p:nvPr/>
+      </p:nvGrpSpPr>
+      <p:grpSpPr>
+        <a:xfrm>
+          <a:off x="0" y="0"/>
+          <a:ext cx="0" cy="0"/>
+          <a:chOff x="0" y="0"/>
+          <a:chExt cx="0" cy="0"/>
+        </a:xfrm>
+      </p:grpSpPr>
+      <p:sp>
+        <p:nvSpPr>
+          <p:cNvPr id="2" name="슬라이드 이미지 개체 틀 1"/>
+          <p:cNvSpPr>
+            <a:spLocks noGrp="1" noRot="1" noChangeAspect="1"/>
+          </p:cNvSpPr>
+          <p:nvPr>
+            <p:ph type="sldImg"/>
+          </p:nvPr>
+        </p:nvSpPr>
+        <p:spPr/>
+      </p:sp>
+      <p:sp>
+        <p:nvSpPr>
+          <p:cNvPr id="3" name="슬라이드 노트 개체 틀 2"/>
+          <p:cNvSpPr>
+            <a:spLocks noGrp="1"/>
+          </p:cNvSpPr>
+          <p:nvPr>
+            <p:ph type="body" idx="1"/>
+          </p:nvPr>
+        </p:nvSpPr>
+        <p:spPr/>
+        <p:txBody>
+          <a:bodyPr/>
+          <a:lstStyle/>
+          <a:p>
+            <a:endParaRPr lang="ko-KR" altLang="en-US" dirty="0"/>
+          </a:p>
+        </p:txBody>
+      </p:sp>
+      <p:sp>
+        <p:nvSpPr>
+          <p:cNvPr id="4" name="슬라이드 번호 개체 틀 3"/>
+          <p:cNvSpPr>
+            <a:spLocks noGrp="1"/>
+          </p:cNvSpPr>
+          <p:nvPr>
+            <p:ph type="sldNum" sz="quarter" idx="10"/>
+          </p:nvPr>
+        </p:nvSpPr>
+        <p:spPr/>
+        <p:txBody>
+          <a:bodyPr/>
+          <a:lstStyle/>
+          <a:p>
+            <a:fld id="{625D4AC4-540A-4436-887D-BF6A8FCF1275}" type="slidenum">
+              <a:rPr lang="ko-KR" altLang="en-US" smtClean="0"/>
+              <a:t>66</a:t>
+            </a:fld>
+            <a:endParaRPr lang="ko-KR" altLang="en-US"/>
+          </a:p>
+        </p:txBody>
+      </p:sp>
+    </p:spTree>
+    <p:extLst>
+      <p:ext uri="{BB962C8B-B14F-4D97-AF65-F5344CB8AC3E}">
+        <p14:creationId xmlns:p14="http://schemas.microsoft.com/office/powerpoint/2010/main" val="4090645902"/>
       </p:ext>
     </p:extLst>
   </p:cSld>
@@ -4503,7 +4789,7 @@
           <a:p>
             <a:fld id="{30E72A5D-AC2D-4154-80BD-D3C3745E4EB5}" type="datetimeFigureOut">
               <a:rPr lang="ko-KR" altLang="en-US" smtClean="0"/>
-              <a:t>2021-04-06</a:t>
+              <a:t>2021-04-07</a:t>
             </a:fld>
             <a:endParaRPr lang="ko-KR" altLang="en-US"/>
           </a:p>
@@ -4716,7 +5002,7 @@
           <a:p>
             <a:fld id="{30E72A5D-AC2D-4154-80BD-D3C3745E4EB5}" type="datetimeFigureOut">
               <a:rPr lang="ko-KR" altLang="en-US" smtClean="0"/>
-              <a:t>2021-04-06</a:t>
+              <a:t>2021-04-07</a:t>
             </a:fld>
             <a:endParaRPr lang="ko-KR" altLang="en-US"/>
           </a:p>
@@ -5831,22 +6117,13 @@
           <a:p>
             <a:pPr lvl="1"/>
             <a:r>
-              <a:rPr lang="en-US" altLang="ko-KR" dirty="0" smtClean="0">
-                <a:solidFill>
-                  <a:srgbClr val="0000FF"/>
-                </a:solidFill>
-                <a:latin typeface="+mn-ea"/>
-              </a:rPr>
-              <a:t>Accept </a:t>
-            </a:r>
-            <a:r>
               <a:rPr lang="en-US" altLang="ko-KR" dirty="0">
                 <a:solidFill>
                   <a:srgbClr val="0000FF"/>
                 </a:solidFill>
                 <a:latin typeface="+mn-ea"/>
               </a:rPr>
-              <a:t>Invitation </a:t>
+              <a:t>Accept Invitation </a:t>
             </a:r>
             <a:r>
               <a:rPr lang="ko-KR" altLang="en-US" dirty="0">
@@ -6774,7 +7051,7 @@
           <a:p>
             <a:pPr lvl="1"/>
             <a:r>
-              <a:rPr lang="en-US" altLang="ko-KR" dirty="0" smtClean="0">
+              <a:rPr lang="en-US" altLang="ko-KR" dirty="0">
                 <a:solidFill>
                   <a:srgbClr val="0000FF"/>
                 </a:solidFill>
@@ -6783,7 +7060,7 @@
               <a:t>Collaborator</a:t>
             </a:r>
             <a:r>
-              <a:rPr lang="ko-KR" altLang="en-US" dirty="0" smtClean="0">
+              <a:rPr lang="ko-KR" altLang="en-US" dirty="0">
                 <a:solidFill>
                   <a:srgbClr val="0000FF"/>
                 </a:solidFill>
@@ -6792,7 +7069,7 @@
               <a:t>도 같은 권한을 보유하고 원격저장소를 공유할 수 있음</a:t>
             </a:r>
             <a:r>
-              <a:rPr lang="en-US" altLang="ko-KR" dirty="0" smtClean="0">
+              <a:rPr lang="en-US" altLang="ko-KR" dirty="0">
                 <a:solidFill>
                   <a:srgbClr val="0000FF"/>
                 </a:solidFill>
@@ -6800,12 +7077,6 @@
               </a:rPr>
               <a:t>.</a:t>
             </a:r>
-            <a:endParaRPr lang="en-US" altLang="ko-KR" dirty="0">
-              <a:solidFill>
-                <a:srgbClr val="0000FF"/>
-              </a:solidFill>
-              <a:latin typeface="+mn-ea"/>
-            </a:endParaRPr>
           </a:p>
         </p:txBody>
       </p:sp>
@@ -7355,7 +7626,7 @@
         </p:nvSpPr>
         <p:spPr>
           <a:xfrm>
-            <a:off x="1745056" y="4185138"/>
+            <a:off x="1745056" y="4151271"/>
             <a:ext cx="1455344" cy="246185"/>
           </a:xfrm>
           <a:prstGeom prst="rect">
@@ -8140,22 +8411,13 @@
           </a:lstStyle>
           <a:p>
             <a:r>
-              <a:rPr lang="ko-KR" altLang="en-US" dirty="0" err="1" smtClean="0"/>
-              <a:t>협</a:t>
-            </a:r>
-            <a:r>
-              <a:rPr lang="ko-KR" altLang="en-US" dirty="0" err="1" smtClean="0"/>
-              <a:t>업활동</a:t>
+              <a:rPr lang="ko-KR" altLang="en-US" dirty="0" err="1"/>
+              <a:t>협업활동</a:t>
             </a:r>
             <a:r>
               <a:rPr lang="en-US" altLang="ko-KR" dirty="0"/>
-              <a:t> </a:t>
-            </a:r>
-            <a:r>
-              <a:rPr lang="en-US" altLang="ko-KR" dirty="0" smtClean="0"/>
-              <a:t>workflow</a:t>
-            </a:r>
-            <a:endParaRPr lang="en-US" altLang="ko-KR" dirty="0"/>
+              <a:t> workflow</a:t>
+            </a:r>
           </a:p>
           <a:p>
             <a:pPr marL="266700" lvl="1" indent="0">
@@ -8167,14 +8429,14 @@
               </a:rPr>
               <a:t> </a:t>
             </a:r>
-            <a:endParaRPr lang="en-US" altLang="ko-KR" dirty="0" smtClean="0">
+            <a:endParaRPr lang="en-US" altLang="ko-KR" dirty="0">
               <a:latin typeface="+mn-ea"/>
             </a:endParaRPr>
           </a:p>
           <a:p>
             <a:pPr lvl="1"/>
             <a:r>
-              <a:rPr lang="en-US" altLang="ko-KR" dirty="0" smtClean="0">
+              <a:rPr lang="en-US" altLang="ko-KR" dirty="0">
                 <a:latin typeface="+mn-ea"/>
               </a:rPr>
               <a:t>Workflow</a:t>
@@ -8189,70 +8451,52 @@
               <a:rPr lang="en-US" altLang="ko-KR" dirty="0">
                 <a:latin typeface="+mn-ea"/>
               </a:rPr>
-              <a:t>: Centralized </a:t>
-            </a:r>
-            <a:r>
-              <a:rPr lang="en-US" altLang="ko-KR" dirty="0" smtClean="0">
-                <a:latin typeface="+mn-ea"/>
-              </a:rPr>
-              <a:t>workflow</a:t>
+              <a:t>: Centralized workflow</a:t>
             </a:r>
           </a:p>
           <a:p>
             <a:pPr lvl="1"/>
             <a:r>
-              <a:rPr lang="ko-KR" altLang="en-US" dirty="0" smtClean="0">
+              <a:rPr lang="ko-KR" altLang="en-US" dirty="0">
                 <a:latin typeface="+mn-ea"/>
               </a:rPr>
               <a:t>간단한 프로젝트에 적용되는 가장 간편한 방법</a:t>
             </a:r>
-            <a:endParaRPr lang="en-US" altLang="ko-KR" dirty="0" smtClean="0">
+            <a:endParaRPr lang="en-US" altLang="ko-KR" dirty="0">
               <a:latin typeface="+mn-ea"/>
             </a:endParaRPr>
           </a:p>
           <a:p>
             <a:pPr lvl="1"/>
             <a:r>
-              <a:rPr lang="ko-KR" altLang="en-US" dirty="0" smtClean="0">
+              <a:rPr lang="ko-KR" altLang="en-US" dirty="0">
                 <a:latin typeface="+mn-ea"/>
               </a:rPr>
               <a:t>특별한 리뷰없이 참여자 모두가 자신이 작성한 내용을 </a:t>
             </a:r>
             <a:r>
-              <a:rPr lang="en-US" altLang="ko-KR" dirty="0" smtClean="0">
+              <a:rPr lang="en-US" altLang="ko-KR" dirty="0">
                 <a:latin typeface="+mn-ea"/>
               </a:rPr>
               <a:t>merge</a:t>
             </a:r>
             <a:r>
-              <a:rPr lang="ko-KR" altLang="en-US" dirty="0" smtClean="0">
-                <a:latin typeface="+mn-ea"/>
-              </a:rPr>
-              <a:t>하고 </a:t>
-            </a:r>
-            <a:r>
-              <a:rPr lang="ko-KR" altLang="en-US" dirty="0" smtClean="0">
-                <a:latin typeface="+mn-ea"/>
-              </a:rPr>
-              <a:t>완료</a:t>
-            </a:r>
-            <a:endParaRPr lang="en-US" altLang="ko-KR" dirty="0" smtClean="0">
+              <a:rPr lang="ko-KR" altLang="en-US" dirty="0">
+                <a:latin typeface="+mn-ea"/>
+              </a:rPr>
+              <a:t>하고 완료</a:t>
+            </a:r>
+            <a:endParaRPr lang="en-US" altLang="ko-KR" dirty="0">
               <a:latin typeface="+mn-ea"/>
             </a:endParaRPr>
           </a:p>
           <a:p>
             <a:pPr lvl="1"/>
             <a:r>
-              <a:rPr lang="ko-KR" altLang="en-US" dirty="0" smtClean="0">
-                <a:latin typeface="+mn-ea"/>
-              </a:rPr>
-              <a:t>자율성과 책임감이 매우 </a:t>
-            </a:r>
-            <a:r>
-              <a:rPr lang="ko-KR" altLang="en-US" dirty="0" smtClean="0">
-                <a:latin typeface="+mn-ea"/>
-              </a:rPr>
-              <a:t>강조됨</a:t>
+              <a:rPr lang="ko-KR" altLang="en-US" dirty="0">
+                <a:latin typeface="+mn-ea"/>
+              </a:rPr>
+              <a:t>자율성과 책임감이 매우 강조됨</a:t>
             </a:r>
             <a:endParaRPr lang="en-US" altLang="ko-KR" dirty="0">
               <a:latin typeface="+mn-ea"/>
@@ -8303,18 +8547,69 @@
               <a:t>협업하기 </a:t>
             </a:r>
             <a:r>
-              <a:rPr lang="en-US" altLang="ko-KR" dirty="0" smtClean="0"/>
+              <a:rPr lang="en-US" altLang="ko-KR" dirty="0"/>
               <a:t>(</a:t>
             </a:r>
             <a:r>
-              <a:rPr lang="en-US" altLang="ko-KR" dirty="0" err="1" smtClean="0"/>
+              <a:rPr lang="en-US" altLang="ko-KR" dirty="0" err="1"/>
               <a:t>worlflow</a:t>
             </a:r>
             <a:r>
-              <a:rPr lang="en-US" altLang="ko-KR" dirty="0" smtClean="0"/>
-              <a:t>)</a:t>
+              <a:rPr lang="en-US" altLang="ko-KR" dirty="0"/>
+              <a:t>) – Centralized</a:t>
+            </a:r>
+            <a:r>
+              <a:rPr lang="ko-KR" altLang="en-US" dirty="0"/>
+              <a:t> </a:t>
+            </a:r>
+            <a:r>
+              <a:rPr lang="en-US" altLang="ko-KR" dirty="0"/>
+              <a:t>workflow</a:t>
             </a:r>
             <a:endParaRPr lang="ko-KR" altLang="en-US" dirty="0"/>
+          </a:p>
+        </p:txBody>
+      </p:sp>
+      <p:sp>
+        <p:nvSpPr>
+          <p:cNvPr id="5" name="TextBox 4">
+            <a:extLst>
+              <a:ext uri="{FF2B5EF4-FFF2-40B4-BE49-F238E27FC236}">
+                <a16:creationId xmlns:a16="http://schemas.microsoft.com/office/drawing/2014/main" id="{6F209F95-3F93-47FE-86E6-3C24FC4FF49C}"/>
+              </a:ext>
+            </a:extLst>
+          </p:cNvPr>
+          <p:cNvSpPr txBox="1"/>
+          <p:nvPr/>
+        </p:nvSpPr>
+        <p:spPr>
+          <a:xfrm>
+            <a:off x="829734" y="5368123"/>
+            <a:ext cx="7140222" cy="369332"/>
+          </a:xfrm>
+          <a:prstGeom prst="rect">
+            <a:avLst/>
+          </a:prstGeom>
+          <a:noFill/>
+        </p:spPr>
+        <p:txBody>
+          <a:bodyPr wrap="square">
+            <a:spAutoFit/>
+          </a:bodyPr>
+          <a:lstStyle/>
+          <a:p>
+            <a:r>
+              <a:rPr lang="ko-KR" altLang="en-US" dirty="0"/>
+              <a:t>참고 </a:t>
+            </a:r>
+            <a:r>
+              <a:rPr lang="en-US" altLang="ko-KR" dirty="0"/>
+              <a:t>: </a:t>
+            </a:r>
+            <a:r>
+              <a:rPr lang="ko-KR" altLang="en-US" dirty="0"/>
+              <a:t>https://www.atlassian.com/git/tutorials/comparing-workflows</a:t>
+            </a:r>
           </a:p>
         </p:txBody>
       </p:sp>
@@ -8555,7 +8850,6 @@
               <a:rPr lang="en-US" altLang="ko-KR" dirty="0"/>
               <a:t>)</a:t>
             </a:r>
-            <a:endParaRPr lang="en-US" altLang="ko-KR" dirty="0"/>
           </a:p>
           <a:p>
             <a:pPr lvl="1"/>
@@ -8563,22 +8857,16 @@
               <a:rPr lang="en-US" altLang="ko-KR" dirty="0">
                 <a:latin typeface="+mn-ea"/>
               </a:rPr>
-              <a:t>collaborator </a:t>
-            </a:r>
-            <a:r>
-              <a:rPr lang="en-US" altLang="ko-KR" dirty="0" smtClean="0">
-                <a:latin typeface="+mn-ea"/>
-              </a:rPr>
-              <a:t>(</a:t>
-            </a:r>
-            <a:r>
-              <a:rPr lang="en-US" altLang="ko-KR" dirty="0" err="1" smtClean="0">
+              <a:t>collaborator (</a:t>
+            </a:r>
+            <a:r>
+              <a:rPr lang="en-US" altLang="ko-KR" dirty="0" err="1">
                 <a:latin typeface="+mn-ea"/>
               </a:rPr>
               <a:t>MaStoTest</a:t>
             </a:r>
             <a:r>
-              <a:rPr lang="en-US" altLang="ko-KR" dirty="0" smtClean="0">
+              <a:rPr lang="en-US" altLang="ko-KR" dirty="0">
                 <a:latin typeface="+mn-ea"/>
               </a:rPr>
               <a:t>) </a:t>
@@ -9047,7 +9335,6 @@
               <a:rPr lang="en-US" altLang="ko-KR" dirty="0"/>
               <a:t>)</a:t>
             </a:r>
-            <a:endParaRPr lang="en-US" altLang="ko-KR" dirty="0"/>
           </a:p>
           <a:p>
             <a:pPr lvl="1"/>
@@ -9055,13 +9342,7 @@
               <a:rPr lang="ko-KR" altLang="en-US" dirty="0">
                 <a:latin typeface="+mn-ea"/>
               </a:rPr>
-              <a:t>원격협업저장소 주소 복사 </a:t>
-            </a:r>
-            <a:r>
-              <a:rPr lang="ko-KR" altLang="en-US" dirty="0" smtClean="0">
-                <a:latin typeface="+mn-ea"/>
-              </a:rPr>
-              <a:t>하기</a:t>
+              <a:t>원격협업저장소 주소 복사 하기</a:t>
             </a:r>
             <a:endParaRPr lang="en-US" altLang="ko-KR" dirty="0">
               <a:latin typeface="+mn-ea"/>
@@ -9579,11 +9860,7 @@
           <a:p>
             <a:r>
               <a:rPr lang="ko-KR" altLang="en-US" dirty="0"/>
-              <a:t>협업 </a:t>
-            </a:r>
-            <a:r>
-              <a:rPr lang="ko-KR" altLang="en-US" dirty="0" smtClean="0"/>
-              <a:t>활동 </a:t>
+              <a:t>협업 활동 </a:t>
             </a:r>
             <a:r>
               <a:rPr lang="en-US" altLang="ko-KR" dirty="0"/>
@@ -9597,7 +9874,6 @@
               <a:rPr lang="en-US" altLang="ko-KR" dirty="0"/>
               <a:t>)</a:t>
             </a:r>
-            <a:endParaRPr lang="en-US" altLang="ko-KR" dirty="0"/>
           </a:p>
           <a:p>
             <a:pPr marL="266700" lvl="1" indent="0">
@@ -9643,43 +9919,43 @@
               <a:buAutoNum type="circleNumDbPlain"/>
             </a:pPr>
             <a:r>
-              <a:rPr lang="en-US" altLang="ko-KR" dirty="0" smtClean="0">
+              <a:rPr lang="en-US" altLang="ko-KR" dirty="0">
                 <a:latin typeface="+mn-ea"/>
               </a:rPr>
               <a:t> working directory </a:t>
             </a:r>
             <a:r>
-              <a:rPr lang="ko-KR" altLang="en-US" dirty="0" smtClean="0">
+              <a:rPr lang="ko-KR" altLang="en-US" dirty="0">
                 <a:latin typeface="+mn-ea"/>
               </a:rPr>
               <a:t>생성 </a:t>
             </a:r>
             <a:r>
-              <a:rPr lang="en-US" altLang="ko-KR" dirty="0" smtClean="0">
+              <a:rPr lang="en-US" altLang="ko-KR" dirty="0">
                 <a:latin typeface="+mn-ea"/>
               </a:rPr>
               <a:t>(</a:t>
             </a:r>
             <a:r>
-              <a:rPr lang="ko-KR" altLang="en-US" dirty="0" err="1" smtClean="0">
+              <a:rPr lang="ko-KR" altLang="en-US" dirty="0" err="1">
                 <a:latin typeface="+mn-ea"/>
               </a:rPr>
               <a:t>폴더명</a:t>
             </a:r>
             <a:r>
-              <a:rPr lang="ko-KR" altLang="en-US" dirty="0" smtClean="0">
+              <a:rPr lang="ko-KR" altLang="en-US" dirty="0">
                 <a:latin typeface="+mn-ea"/>
               </a:rPr>
               <a:t> </a:t>
             </a:r>
             <a:r>
-              <a:rPr lang="en-US" altLang="ko-KR" dirty="0" smtClean="0">
+              <a:rPr lang="en-US" altLang="ko-KR" dirty="0">
                 <a:latin typeface="+mn-ea"/>
               </a:rPr>
               <a:t>: </a:t>
             </a:r>
             <a:r>
-              <a:rPr lang="en-US" altLang="ko-KR" dirty="0" err="1" smtClean="0">
+              <a:rPr lang="en-US" altLang="ko-KR" dirty="0" err="1">
                 <a:solidFill>
                   <a:srgbClr val="0000FF"/>
                 </a:solidFill>
@@ -9688,7 +9964,7 @@
               <a:t>Paichai-collab</a:t>
             </a:r>
             <a:r>
-              <a:rPr lang="en-US" altLang="ko-KR" dirty="0" smtClean="0">
+              <a:rPr lang="en-US" altLang="ko-KR" dirty="0">
                 <a:latin typeface="+mn-ea"/>
               </a:rPr>
               <a:t>)</a:t>
@@ -9709,16 +9985,10 @@
               <a:rPr lang="en-US" altLang="ko-KR" dirty="0" err="1">
                 <a:latin typeface="+mn-ea"/>
               </a:rPr>
-              <a:t>P</a:t>
-            </a:r>
-            <a:r>
-              <a:rPr lang="en-US" altLang="ko-KR" dirty="0" err="1" smtClean="0">
-                <a:latin typeface="+mn-ea"/>
-              </a:rPr>
-              <a:t>aichai-collab</a:t>
-            </a:r>
-            <a:r>
-              <a:rPr lang="ko-KR" altLang="en-US" dirty="0" smtClean="0">
+              <a:t>Paichai-collab</a:t>
+            </a:r>
+            <a:r>
+              <a:rPr lang="ko-KR" altLang="en-US" dirty="0">
                 <a:latin typeface="+mn-ea"/>
               </a:rPr>
               <a:t>에서 </a:t>
@@ -9811,16 +10081,9 @@
                 <a:latin typeface="+mn-ea"/>
                 <a:hlinkClick r:id="rId4"/>
               </a:rPr>
-              <a:t>https://</a:t>
-            </a:r>
-            <a:r>
-              <a:rPr lang="en-US" altLang="ko-KR" dirty="0" smtClean="0">
-                <a:latin typeface="+mn-ea"/>
-                <a:hlinkClick r:id="rId4"/>
-              </a:rPr>
-              <a:t>github.com/paichaisw/paichai_project.git</a:t>
-            </a:r>
-            <a:endParaRPr lang="en-US" altLang="ko-KR" dirty="0" smtClean="0">
+              <a:t>https://github.com/paichaisw/paichai_project.git</a:t>
+            </a:r>
+            <a:endParaRPr lang="en-US" altLang="ko-KR" dirty="0">
               <a:latin typeface="+mn-ea"/>
             </a:endParaRPr>
           </a:p>
@@ -9837,46 +10100,22 @@
               <a:buNone/>
             </a:pPr>
             <a:r>
-              <a:rPr lang="en-US" altLang="ko-KR" dirty="0" smtClean="0">
-                <a:latin typeface="+mn-ea"/>
-              </a:rPr>
-              <a:t>     </a:t>
-            </a:r>
-            <a:r>
               <a:rPr lang="en-US" altLang="ko-KR" dirty="0">
                 <a:latin typeface="+mn-ea"/>
               </a:rPr>
-              <a:t>* </a:t>
-            </a:r>
-            <a:r>
-              <a:rPr lang="en-US" altLang="ko-KR" dirty="0" smtClean="0">
-                <a:latin typeface="+mn-ea"/>
-              </a:rPr>
-              <a:t>‘</a:t>
-            </a:r>
-            <a:r>
-              <a:rPr lang="en-US" altLang="ko-KR" dirty="0" err="1" smtClean="0">
-                <a:latin typeface="+mn-ea"/>
-              </a:rPr>
-              <a:t>P</a:t>
-            </a:r>
-            <a:r>
-              <a:rPr lang="en-US" altLang="ko-KR" dirty="0" err="1" smtClean="0">
-                <a:latin typeface="+mn-ea"/>
-              </a:rPr>
-              <a:t>aichai_project</a:t>
-            </a:r>
-            <a:r>
-              <a:rPr lang="en-US" altLang="ko-KR" dirty="0" smtClean="0">
-                <a:latin typeface="+mn-ea"/>
-              </a:rPr>
-              <a:t>’ </a:t>
+              <a:t>     * ‘</a:t>
+            </a:r>
+            <a:r>
+              <a:rPr lang="en-US" altLang="ko-KR" dirty="0" err="1">
+                <a:latin typeface="+mn-ea"/>
+              </a:rPr>
+              <a:t>Paichai_project</a:t>
             </a:r>
             <a:r>
               <a:rPr lang="en-US" altLang="ko-KR" dirty="0">
                 <a:latin typeface="+mn-ea"/>
               </a:rPr>
-              <a:t>working directory</a:t>
+              <a:t>’ working directory</a:t>
             </a:r>
             <a:r>
               <a:rPr lang="ko-KR" altLang="en-US" dirty="0">
@@ -9941,28 +10180,22 @@
               <a:t>‘</a:t>
             </a:r>
             <a:r>
-              <a:rPr lang="en-US" altLang="ko-KR" dirty="0" err="1" smtClean="0">
+              <a:rPr lang="en-US" altLang="ko-KR" dirty="0" err="1">
                 <a:latin typeface="+mn-ea"/>
               </a:rPr>
               <a:t>paichai_project</a:t>
             </a:r>
             <a:r>
-              <a:rPr lang="en-US" altLang="ko-KR" dirty="0" smtClean="0">
+              <a:rPr lang="en-US" altLang="ko-KR" dirty="0">
                 <a:latin typeface="+mn-ea"/>
               </a:rPr>
               <a:t>’ </a:t>
             </a:r>
             <a:r>
-              <a:rPr lang="ko-KR" altLang="en-US" dirty="0" smtClean="0">
-                <a:latin typeface="+mn-ea"/>
-              </a:rPr>
-              <a:t>에서 모든 </a:t>
-            </a:r>
-            <a:r>
               <a:rPr lang="ko-KR" altLang="en-US" dirty="0">
                 <a:latin typeface="+mn-ea"/>
               </a:rPr>
-              <a:t>작업을 수행</a:t>
+              <a:t>에서 모든 작업을 수행</a:t>
             </a:r>
             <a:endParaRPr lang="en-US" altLang="ko-KR" dirty="0">
               <a:latin typeface="+mn-ea"/>
@@ -10428,7 +10661,7 @@
               <a:t>: </a:t>
             </a:r>
             <a:r>
-              <a:rPr lang="en-US" altLang="ko-KR" dirty="0" err="1" smtClean="0">
+              <a:rPr lang="en-US" altLang="ko-KR" dirty="0" err="1">
                 <a:latin typeface="+mn-ea"/>
               </a:rPr>
               <a:t>Paichai_Project</a:t>
@@ -10449,25 +10682,13 @@
               <a:t>초안 작성 </a:t>
             </a:r>
             <a:r>
-              <a:rPr lang="en-US" altLang="ko-KR" dirty="0" smtClean="0">
-                <a:latin typeface="+mn-ea"/>
-              </a:rPr>
-              <a:t>(</a:t>
-            </a:r>
-            <a:r>
-              <a:rPr lang="en-US" altLang="ko-KR" dirty="0" smtClean="0">
-                <a:latin typeface="+mn-ea"/>
-              </a:rPr>
-              <a:t>project.txt</a:t>
-            </a:r>
-            <a:r>
-              <a:rPr lang="en-US" altLang="ko-KR" dirty="0" smtClean="0">
-                <a:latin typeface="+mn-ea"/>
-              </a:rPr>
-              <a:t>)</a:t>
-            </a:r>
-            <a:r>
-              <a:rPr lang="ko-KR" altLang="en-US" dirty="0" smtClean="0">
+              <a:rPr lang="en-US" altLang="ko-KR" dirty="0">
+                <a:latin typeface="+mn-ea"/>
+              </a:rPr>
+              <a:t>(project.txt)</a:t>
+            </a:r>
+            <a:r>
+              <a:rPr lang="ko-KR" altLang="en-US" dirty="0">
                 <a:latin typeface="+mn-ea"/>
               </a:rPr>
               <a:t> </a:t>
@@ -10629,18 +10850,18 @@
               <a:t> </a:t>
             </a:r>
             <a:r>
-              <a:rPr lang="ko-KR" altLang="en-US" dirty="0" err="1" smtClean="0">
+              <a:rPr lang="ko-KR" altLang="en-US" dirty="0" err="1">
                 <a:latin typeface="+mn-ea"/>
               </a:rPr>
               <a:t>원격저장소</a:t>
             </a:r>
             <a:r>
-              <a:rPr lang="ko-KR" altLang="en-US" dirty="0" smtClean="0">
+              <a:rPr lang="ko-KR" altLang="en-US" dirty="0">
                 <a:latin typeface="+mn-ea"/>
               </a:rPr>
               <a:t> 만들기</a:t>
             </a:r>
-            <a:endParaRPr lang="en-US" altLang="ko-KR" dirty="0" smtClean="0">
+            <a:endParaRPr lang="en-US" altLang="ko-KR" dirty="0">
               <a:latin typeface="+mn-ea"/>
             </a:endParaRPr>
           </a:p>
@@ -10652,33 +10873,27 @@
               <a:rPr lang="en-US" altLang="ko-KR" dirty="0">
                 <a:latin typeface="+mn-ea"/>
               </a:rPr>
+              <a:t>   - </a:t>
+            </a:r>
+            <a:r>
+              <a:rPr lang="en-US" altLang="ko-KR" dirty="0" err="1">
+                <a:latin typeface="+mn-ea"/>
+              </a:rPr>
+              <a:t>github</a:t>
+            </a:r>
+            <a:r>
+              <a:rPr lang="en-US" altLang="ko-KR" dirty="0">
+                <a:latin typeface="+mn-ea"/>
+              </a:rPr>
               <a:t> </a:t>
             </a:r>
             <a:r>
-              <a:rPr lang="en-US" altLang="ko-KR" dirty="0" smtClean="0">
-                <a:latin typeface="+mn-ea"/>
-              </a:rPr>
-              <a:t>  - </a:t>
-            </a:r>
-            <a:r>
-              <a:rPr lang="en-US" altLang="ko-KR" dirty="0" err="1" smtClean="0">
-                <a:latin typeface="+mn-ea"/>
-              </a:rPr>
-              <a:t>github</a:t>
-            </a:r>
-            <a:r>
-              <a:rPr lang="en-US" altLang="ko-KR" dirty="0" smtClean="0">
-                <a:latin typeface="+mn-ea"/>
-              </a:rPr>
-              <a:t> </a:t>
-            </a:r>
-            <a:r>
-              <a:rPr lang="ko-KR" altLang="en-US" dirty="0" smtClean="0">
+              <a:rPr lang="ko-KR" altLang="en-US" dirty="0">
                 <a:latin typeface="+mn-ea"/>
               </a:rPr>
               <a:t>로그온</a:t>
             </a:r>
-            <a:endParaRPr lang="en-US" altLang="ko-KR" dirty="0" smtClean="0">
+            <a:endParaRPr lang="en-US" altLang="ko-KR" dirty="0">
               <a:latin typeface="+mn-ea"/>
             </a:endParaRPr>
           </a:p>
@@ -10690,46 +10905,40 @@
               <a:rPr lang="en-US" altLang="ko-KR" dirty="0">
                 <a:latin typeface="+mn-ea"/>
               </a:rPr>
+              <a:t>   - </a:t>
+            </a:r>
+            <a:r>
+              <a:rPr lang="ko-KR" altLang="en-US" dirty="0">
+                <a:latin typeface="+mn-ea"/>
+              </a:rPr>
+              <a:t>저장소 만들기</a:t>
+            </a:r>
+            <a:r>
+              <a:rPr lang="en-US" altLang="ko-KR" dirty="0">
+                <a:latin typeface="+mn-ea"/>
+              </a:rPr>
+              <a:t>, </a:t>
+            </a:r>
+            <a:r>
+              <a:rPr lang="ko-KR" altLang="en-US" dirty="0" err="1">
+                <a:latin typeface="+mn-ea"/>
+              </a:rPr>
+              <a:t>저장소명</a:t>
+            </a:r>
+            <a:r>
+              <a:rPr lang="ko-KR" altLang="en-US" dirty="0">
+                <a:latin typeface="+mn-ea"/>
+              </a:rPr>
               <a:t> </a:t>
             </a:r>
             <a:r>
-              <a:rPr lang="en-US" altLang="ko-KR" dirty="0" smtClean="0">
-                <a:latin typeface="+mn-ea"/>
-              </a:rPr>
-              <a:t>  - </a:t>
-            </a:r>
-            <a:r>
-              <a:rPr lang="ko-KR" altLang="en-US" dirty="0" smtClean="0">
-                <a:latin typeface="+mn-ea"/>
-              </a:rPr>
-              <a:t>저장소 만들기</a:t>
-            </a:r>
-            <a:r>
-              <a:rPr lang="en-US" altLang="ko-KR" dirty="0" smtClean="0">
-                <a:latin typeface="+mn-ea"/>
-              </a:rPr>
-              <a:t>, </a:t>
-            </a:r>
-            <a:r>
-              <a:rPr lang="ko-KR" altLang="en-US" dirty="0" err="1" smtClean="0">
-                <a:latin typeface="+mn-ea"/>
-              </a:rPr>
-              <a:t>저장소명</a:t>
-            </a:r>
-            <a:r>
-              <a:rPr lang="ko-KR" altLang="en-US" dirty="0" smtClean="0">
-                <a:latin typeface="+mn-ea"/>
-              </a:rPr>
-              <a:t> </a:t>
-            </a:r>
-            <a:r>
               <a:rPr lang="en-US" altLang="ko-KR" dirty="0">
                 <a:latin typeface="+mn-ea"/>
               </a:rPr>
               <a:t>: </a:t>
             </a:r>
             <a:r>
-              <a:rPr lang="en-US" altLang="ko-KR" dirty="0" err="1" smtClean="0">
+              <a:rPr lang="en-US" altLang="ko-KR" dirty="0" err="1">
                 <a:latin typeface="+mn-ea"/>
               </a:rPr>
               <a:t>paichai_project</a:t>
@@ -11145,11 +11354,7 @@
           <a:p>
             <a:r>
               <a:rPr lang="ko-KR" altLang="en-US" dirty="0"/>
-              <a:t>협업 </a:t>
-            </a:r>
-            <a:r>
-              <a:rPr lang="ko-KR" altLang="en-US" dirty="0" smtClean="0"/>
-              <a:t>활동 </a:t>
+              <a:t>협업 활동 </a:t>
             </a:r>
             <a:r>
               <a:rPr lang="en-US" altLang="ko-KR" dirty="0"/>
@@ -11163,19 +11368,18 @@
               <a:rPr lang="en-US" altLang="ko-KR" dirty="0"/>
               <a:t>)</a:t>
             </a:r>
-            <a:endParaRPr lang="en-US" altLang="ko-KR" dirty="0"/>
           </a:p>
           <a:p>
             <a:pPr marL="266700" lvl="1" indent="0">
               <a:buNone/>
             </a:pPr>
             <a:r>
-              <a:rPr lang="ko-KR" altLang="en-US" dirty="0" smtClean="0">
+              <a:rPr lang="ko-KR" altLang="en-US" dirty="0">
                 <a:latin typeface="+mn-ea"/>
               </a:rPr>
               <a:t> </a:t>
             </a:r>
-            <a:endParaRPr lang="en-US" altLang="ko-KR" dirty="0" smtClean="0">
+            <a:endParaRPr lang="en-US" altLang="ko-KR" dirty="0">
               <a:latin typeface="+mn-ea"/>
             </a:endParaRPr>
           </a:p>
@@ -11185,42 +11389,42 @@
               <a:buAutoNum type="circleNumDbPlain"/>
             </a:pPr>
             <a:r>
-              <a:rPr lang="en-US" altLang="ko-KR" dirty="0" smtClean="0">
+              <a:rPr lang="en-US" altLang="ko-KR" dirty="0">
                 <a:latin typeface="+mn-ea"/>
               </a:rPr>
               <a:t> working directory (</a:t>
             </a:r>
             <a:r>
-              <a:rPr lang="en-US" altLang="ko-KR" dirty="0" err="1" smtClean="0">
+              <a:rPr lang="en-US" altLang="ko-KR" dirty="0" err="1">
                 <a:latin typeface="+mn-ea"/>
               </a:rPr>
               <a:t>paichai_project</a:t>
             </a:r>
             <a:r>
-              <a:rPr lang="en-US" altLang="ko-KR" dirty="0" smtClean="0">
+              <a:rPr lang="en-US" altLang="ko-KR" dirty="0">
                 <a:latin typeface="+mn-ea"/>
               </a:rPr>
               <a:t>)</a:t>
             </a:r>
             <a:r>
-              <a:rPr lang="ko-KR" altLang="en-US" dirty="0" smtClean="0">
+              <a:rPr lang="ko-KR" altLang="en-US" dirty="0">
                 <a:latin typeface="+mn-ea"/>
               </a:rPr>
               <a:t>로 이동 후 내용 확인</a:t>
             </a:r>
             <a:r>
-              <a:rPr lang="en-US" altLang="ko-KR" dirty="0" smtClean="0">
+              <a:rPr lang="en-US" altLang="ko-KR" dirty="0">
                 <a:latin typeface="+mn-ea"/>
               </a:rPr>
               <a:t> ☞ cd </a:t>
             </a:r>
             <a:r>
-              <a:rPr lang="en-US" altLang="ko-KR" dirty="0" err="1" smtClean="0">
+              <a:rPr lang="en-US" altLang="ko-KR" dirty="0" err="1">
                 <a:latin typeface="+mn-ea"/>
               </a:rPr>
               <a:t>paichai_project</a:t>
             </a:r>
-            <a:endParaRPr lang="en-US" altLang="ko-KR" dirty="0" smtClean="0">
+            <a:endParaRPr lang="en-US" altLang="ko-KR" dirty="0">
               <a:latin typeface="+mn-ea"/>
             </a:endParaRPr>
           </a:p>
@@ -11560,13 +11764,6 @@
   <p:clrMapOvr>
     <a:masterClrMapping/>
   </p:clrMapOvr>
-  <p:timing>
-    <p:tnLst>
-      <p:par>
-        <p:cTn id="1" dur="indefinite" restart="never" nodeType="tmRoot"/>
-      </p:par>
-    </p:tnLst>
-  </p:timing>
 </p:sld>
 </file>
 
@@ -11756,11 +11953,7 @@
           <a:p>
             <a:r>
               <a:rPr lang="ko-KR" altLang="en-US" dirty="0"/>
-              <a:t>협업 </a:t>
-            </a:r>
-            <a:r>
-              <a:rPr lang="ko-KR" altLang="en-US" dirty="0" smtClean="0"/>
-              <a:t>활동 </a:t>
+              <a:t>협업 활동 </a:t>
             </a:r>
             <a:r>
               <a:rPr lang="en-US" altLang="ko-KR" dirty="0"/>
@@ -11774,7 +11967,6 @@
               <a:rPr lang="en-US" altLang="ko-KR" dirty="0"/>
               <a:t>)</a:t>
             </a:r>
-            <a:endParaRPr lang="en-US" altLang="ko-KR" dirty="0"/>
           </a:p>
           <a:p>
             <a:pPr marL="266700" lvl="1" indent="0">
@@ -12192,6 +12384,84 @@
           </a:p>
         </p:txBody>
       </p:sp>
+      <p:sp>
+        <p:nvSpPr>
+          <p:cNvPr id="13" name="TextBox 12">
+            <a:extLst>
+              <a:ext uri="{FF2B5EF4-FFF2-40B4-BE49-F238E27FC236}">
+                <a16:creationId xmlns:a16="http://schemas.microsoft.com/office/drawing/2014/main" id="{F3DE02D8-FE4A-4191-BF86-EB7FE4686EA2}"/>
+              </a:ext>
+            </a:extLst>
+          </p:cNvPr>
+          <p:cNvSpPr txBox="1"/>
+          <p:nvPr/>
+        </p:nvSpPr>
+        <p:spPr>
+          <a:xfrm>
+            <a:off x="2028066" y="5047307"/>
+            <a:ext cx="1019934" cy="307777"/>
+          </a:xfrm>
+          <a:prstGeom prst="rect">
+            <a:avLst/>
+          </a:prstGeom>
+          <a:noFill/>
+        </p:spPr>
+        <p:txBody>
+          <a:bodyPr wrap="square">
+            <a:spAutoFit/>
+          </a:bodyPr>
+          <a:lstStyle/>
+          <a:p>
+            <a:pPr algn="ctr"/>
+            <a:r>
+              <a:rPr lang="ko-KR" altLang="en-US" sz="1400">
+                <a:latin typeface="+mn-ea"/>
+              </a:rPr>
+              <a:t>수정전</a:t>
+            </a:r>
+            <a:endParaRPr lang="ko-KR" altLang="en-US" sz="1400" dirty="0"/>
+          </a:p>
+        </p:txBody>
+      </p:sp>
+      <p:sp>
+        <p:nvSpPr>
+          <p:cNvPr id="14" name="TextBox 13">
+            <a:extLst>
+              <a:ext uri="{FF2B5EF4-FFF2-40B4-BE49-F238E27FC236}">
+                <a16:creationId xmlns:a16="http://schemas.microsoft.com/office/drawing/2014/main" id="{ABE63BE9-1505-4B9F-84F8-84293E7BA702}"/>
+              </a:ext>
+            </a:extLst>
+          </p:cNvPr>
+          <p:cNvSpPr txBox="1"/>
+          <p:nvPr/>
+        </p:nvSpPr>
+        <p:spPr>
+          <a:xfrm>
+            <a:off x="6046910" y="5047307"/>
+            <a:ext cx="1019934" cy="307777"/>
+          </a:xfrm>
+          <a:prstGeom prst="rect">
+            <a:avLst/>
+          </a:prstGeom>
+          <a:noFill/>
+        </p:spPr>
+        <p:txBody>
+          <a:bodyPr wrap="square">
+            <a:spAutoFit/>
+          </a:bodyPr>
+          <a:lstStyle/>
+          <a:p>
+            <a:pPr algn="ctr"/>
+            <a:r>
+              <a:rPr lang="ko-KR" altLang="en-US" sz="1400" dirty="0" err="1">
+                <a:latin typeface="+mn-ea"/>
+              </a:rPr>
+              <a:t>수정후</a:t>
+            </a:r>
+            <a:endParaRPr lang="ko-KR" altLang="en-US" sz="1400" dirty="0"/>
+          </a:p>
+        </p:txBody>
+      </p:sp>
     </p:spTree>
     <p:extLst>
       <p:ext uri="{BB962C8B-B14F-4D97-AF65-F5344CB8AC3E}">
@@ -12202,13 +12472,6 @@
   <p:clrMapOvr>
     <a:masterClrMapping/>
   </p:clrMapOvr>
-  <p:timing>
-    <p:tnLst>
-      <p:par>
-        <p:cTn id="1" dur="indefinite" restart="never" nodeType="tmRoot"/>
-      </p:par>
-    </p:tnLst>
-  </p:timing>
 </p:sld>
 </file>
 
@@ -12398,11 +12661,7 @@
           <a:p>
             <a:r>
               <a:rPr lang="ko-KR" altLang="en-US" dirty="0"/>
-              <a:t>협업 </a:t>
-            </a:r>
-            <a:r>
-              <a:rPr lang="ko-KR" altLang="en-US" dirty="0" smtClean="0"/>
-              <a:t>활동 </a:t>
+              <a:t>협업 활동 </a:t>
             </a:r>
             <a:r>
               <a:rPr lang="en-US" altLang="ko-KR" dirty="0"/>
@@ -12416,7 +12675,6 @@
               <a:rPr lang="en-US" altLang="ko-KR" dirty="0"/>
               <a:t>)</a:t>
             </a:r>
-            <a:endParaRPr lang="en-US" altLang="ko-KR" dirty="0"/>
           </a:p>
           <a:p>
             <a:pPr marL="266700" lvl="1" indent="0">
@@ -12447,16 +12705,10 @@
               <a:rPr lang="ko-KR" altLang="en-US" dirty="0">
                 <a:latin typeface="+mn-ea"/>
               </a:rPr>
-              <a:t>워킹 </a:t>
-            </a:r>
-            <a:r>
-              <a:rPr lang="ko-KR" altLang="en-US" dirty="0" smtClean="0">
-                <a:latin typeface="+mn-ea"/>
-              </a:rPr>
-              <a:t>디렉토리</a:t>
-            </a:r>
-            <a:r>
-              <a:rPr lang="en-US" altLang="ko-KR" dirty="0" smtClean="0">
+              <a:t>워킹 디렉토리</a:t>
+            </a:r>
+            <a:r>
+              <a:rPr lang="en-US" altLang="ko-KR" dirty="0">
                 <a:latin typeface="+mn-ea"/>
               </a:rPr>
               <a:t>(</a:t>
@@ -12474,7 +12726,7 @@
               <a:t>)</a:t>
             </a:r>
             <a:r>
-              <a:rPr lang="ko-KR" altLang="en-US" dirty="0" smtClean="0">
+              <a:rPr lang="ko-KR" altLang="en-US" dirty="0">
                 <a:latin typeface="+mn-ea"/>
               </a:rPr>
               <a:t> </a:t>
@@ -12538,47 +12790,32 @@
               <a:rPr lang="en-US" altLang="ko-KR" dirty="0">
                 <a:latin typeface="+mn-ea"/>
               </a:rPr>
-              <a:t> commit </a:t>
-            </a:r>
-            <a:r>
-              <a:rPr lang="en-US" altLang="ko-KR" dirty="0" smtClean="0">
-                <a:latin typeface="+mn-ea"/>
-              </a:rPr>
-              <a:t>-m </a:t>
+              <a:t> commit -m ‘smart </a:t>
+            </a:r>
+            <a:r>
+              <a:rPr lang="en-US" altLang="ko-KR" dirty="0" err="1">
+                <a:latin typeface="+mn-ea"/>
+              </a:rPr>
+              <a:t>paichai</a:t>
             </a:r>
             <a:r>
               <a:rPr lang="en-US" altLang="ko-KR" dirty="0">
                 <a:latin typeface="+mn-ea"/>
               </a:rPr>
-              <a:t>‘smart </a:t>
+              <a:t> from </a:t>
             </a:r>
             <a:r>
               <a:rPr lang="en-US" altLang="ko-KR" dirty="0" err="1">
                 <a:latin typeface="+mn-ea"/>
               </a:rPr>
-              <a:t>paichai</a:t>
+              <a:t>MaStoTest</a:t>
             </a:r>
             <a:r>
               <a:rPr lang="en-US" altLang="ko-KR" dirty="0">
                 <a:latin typeface="+mn-ea"/>
               </a:rPr>
-              <a:t> from </a:t>
-            </a:r>
-            <a:r>
-              <a:rPr lang="en-US" altLang="ko-KR" dirty="0" err="1" smtClean="0">
-                <a:latin typeface="+mn-ea"/>
-              </a:rPr>
-              <a:t>MaStoTest</a:t>
-            </a:r>
-            <a:r>
-              <a:rPr lang="en-US" altLang="ko-KR" dirty="0" smtClean="0">
-                <a:latin typeface="+mn-ea"/>
-              </a:rPr>
               <a:t>’</a:t>
             </a:r>
-            <a:endParaRPr lang="en-US" altLang="ko-KR" dirty="0">
-              <a:latin typeface="+mn-ea"/>
-            </a:endParaRPr>
           </a:p>
           <a:p>
             <a:pPr marL="450850" lvl="1" indent="0">
@@ -12600,29 +12837,20 @@
               <a:rPr lang="en-US" altLang="ko-KR" dirty="0">
                 <a:latin typeface="+mn-ea"/>
               </a:rPr>
-              <a:t> </a:t>
-            </a:r>
-            <a:r>
-              <a:rPr lang="en-US" altLang="ko-KR" dirty="0" smtClean="0">
-                <a:latin typeface="+mn-ea"/>
-              </a:rPr>
-              <a:t>log --</a:t>
-            </a:r>
-            <a:r>
-              <a:rPr lang="en-US" altLang="ko-KR" dirty="0" err="1" smtClean="0">
+              <a:t> log --</a:t>
+            </a:r>
+            <a:r>
+              <a:rPr lang="en-US" altLang="ko-KR" dirty="0" err="1">
                 <a:latin typeface="+mn-ea"/>
               </a:rPr>
               <a:t>oneline</a:t>
             </a:r>
             <a:r>
-              <a:rPr lang="en-US" altLang="ko-KR" dirty="0" smtClean="0">
+              <a:rPr lang="en-US" altLang="ko-KR" dirty="0">
                 <a:latin typeface="+mn-ea"/>
               </a:rPr>
               <a:t>  </a:t>
             </a:r>
-            <a:endParaRPr lang="en-US" altLang="ko-KR" dirty="0">
-              <a:latin typeface="+mn-ea"/>
-            </a:endParaRPr>
           </a:p>
           <a:p>
             <a:pPr marL="609600" lvl="1" indent="-158750">
@@ -12999,11 +13227,7 @@
           <a:p>
             <a:r>
               <a:rPr lang="ko-KR" altLang="en-US" dirty="0"/>
-              <a:t>협업 </a:t>
-            </a:r>
-            <a:r>
-              <a:rPr lang="ko-KR" altLang="en-US" dirty="0" smtClean="0"/>
-              <a:t>활동 </a:t>
+              <a:t>협업 활동 </a:t>
             </a:r>
             <a:r>
               <a:rPr lang="en-US" altLang="ko-KR" dirty="0"/>
@@ -13017,7 +13241,6 @@
               <a:rPr lang="en-US" altLang="ko-KR" dirty="0"/>
               <a:t>)</a:t>
             </a:r>
-            <a:endParaRPr lang="en-US" altLang="ko-KR" dirty="0"/>
           </a:p>
           <a:p>
             <a:pPr marL="266700" lvl="1" indent="0">
@@ -13078,13 +13301,7 @@
               <a:rPr lang="en-US" altLang="ko-KR" dirty="0">
                 <a:latin typeface="+mn-ea"/>
               </a:rPr>
-              <a:t>(push</a:t>
-            </a:r>
-            <a:r>
-              <a:rPr lang="en-US" altLang="ko-KR" dirty="0" smtClean="0">
-                <a:latin typeface="+mn-ea"/>
-              </a:rPr>
-              <a:t>)</a:t>
+              <a:t>(push)</a:t>
             </a:r>
           </a:p>
           <a:p>
@@ -13092,25 +13309,19 @@
               <a:buNone/>
             </a:pPr>
             <a:r>
-              <a:rPr lang="en-US" altLang="ko-KR" dirty="0" smtClean="0">
-                <a:latin typeface="+mn-ea"/>
-              </a:rPr>
-              <a:t>    </a:t>
-            </a:r>
-            <a:r>
               <a:rPr lang="en-US" altLang="ko-KR" dirty="0">
                 <a:latin typeface="+mn-ea"/>
               </a:rPr>
-              <a:t>☞ </a:t>
-            </a:r>
-            <a:r>
-              <a:rPr lang="en-US" altLang="ko-KR" dirty="0" err="1" smtClean="0">
+              <a:t>    ☞ </a:t>
+            </a:r>
+            <a:r>
+              <a:rPr lang="en-US" altLang="ko-KR" dirty="0" err="1">
                 <a:latin typeface="+mn-ea"/>
               </a:rPr>
               <a:t>git</a:t>
             </a:r>
             <a:r>
-              <a:rPr lang="en-US" altLang="ko-KR" dirty="0" smtClean="0">
+              <a:rPr lang="en-US" altLang="ko-KR" dirty="0">
                 <a:latin typeface="+mn-ea"/>
               </a:rPr>
               <a:t> remote –v</a:t>
@@ -13153,17 +13364,8 @@
               <a:rPr lang="en-US" altLang="ko-KR" dirty="0">
                 <a:latin typeface="+mn-ea"/>
               </a:rPr>
-              <a:t> push –u </a:t>
-            </a:r>
-            <a:r>
-              <a:rPr lang="en-US" altLang="ko-KR" dirty="0" smtClean="0">
-                <a:latin typeface="+mn-ea"/>
-              </a:rPr>
-              <a:t>origin main</a:t>
-            </a:r>
-            <a:endParaRPr lang="en-US" altLang="ko-KR" dirty="0">
-              <a:latin typeface="+mn-ea"/>
-            </a:endParaRPr>
+              <a:t> push –u origin main</a:t>
+            </a:r>
           </a:p>
           <a:p>
             <a:pPr marL="609600" lvl="1" indent="-158750">
@@ -13531,11 +13733,7 @@
           <a:p>
             <a:r>
               <a:rPr lang="ko-KR" altLang="en-US" dirty="0"/>
-              <a:t>협업 </a:t>
-            </a:r>
-            <a:r>
-              <a:rPr lang="ko-KR" altLang="en-US" dirty="0" smtClean="0"/>
-              <a:t>활동 </a:t>
+              <a:t>협업 활동 </a:t>
             </a:r>
             <a:r>
               <a:rPr lang="en-US" altLang="ko-KR" dirty="0"/>
@@ -13549,7 +13747,6 @@
               <a:rPr lang="en-US" altLang="ko-KR" dirty="0"/>
               <a:t>)</a:t>
             </a:r>
-            <a:endParaRPr lang="en-US" altLang="ko-KR" dirty="0"/>
           </a:p>
           <a:p>
             <a:pPr marL="266700" lvl="1" indent="0">
@@ -13604,22 +13801,16 @@
               <a:rPr lang="ko-KR" altLang="en-US" dirty="0">
                 <a:latin typeface="+mn-ea"/>
               </a:rPr>
-              <a:t>원격저장소에 </a:t>
-            </a:r>
-            <a:r>
-              <a:rPr lang="ko-KR" altLang="en-US" dirty="0" smtClean="0">
-                <a:latin typeface="+mn-ea"/>
-              </a:rPr>
-              <a:t>화면 변경</a:t>
-            </a:r>
-            <a:r>
-              <a:rPr lang="en-US" altLang="ko-KR" dirty="0" smtClean="0">
+              <a:t>원격저장소에 화면 변경</a:t>
+            </a:r>
+            <a:r>
+              <a:rPr lang="en-US" altLang="ko-KR" dirty="0">
                 <a:latin typeface="+mn-ea"/>
               </a:rPr>
               <a:t>: </a:t>
             </a:r>
             <a:r>
-              <a:rPr lang="en-US" altLang="ko-KR" dirty="0" smtClean="0">
+              <a:rPr lang="en-US" altLang="ko-KR" dirty="0">
                 <a:solidFill>
                   <a:srgbClr val="0000FF"/>
                 </a:solidFill>
@@ -13628,7 +13819,7 @@
               <a:t>collaborator</a:t>
             </a:r>
             <a:r>
-              <a:rPr lang="ko-KR" altLang="en-US" dirty="0" smtClean="0">
+              <a:rPr lang="ko-KR" altLang="en-US" dirty="0">
                 <a:solidFill>
                   <a:srgbClr val="0000FF"/>
                 </a:solidFill>
@@ -13637,7 +13828,7 @@
               <a:t>가 직접 </a:t>
             </a:r>
             <a:r>
-              <a:rPr lang="en-US" altLang="ko-KR" dirty="0" smtClean="0">
+              <a:rPr lang="en-US" altLang="ko-KR" dirty="0">
                 <a:solidFill>
                   <a:srgbClr val="0000FF"/>
                 </a:solidFill>
@@ -13646,7 +13837,7 @@
               <a:t>push</a:t>
             </a:r>
             <a:r>
-              <a:rPr lang="ko-KR" altLang="en-US" dirty="0" smtClean="0">
+              <a:rPr lang="ko-KR" altLang="en-US" dirty="0">
                 <a:solidFill>
                   <a:srgbClr val="0000FF"/>
                 </a:solidFill>
@@ -13655,14 +13846,11 @@
               <a:t>가 가능</a:t>
             </a:r>
             <a:r>
-              <a:rPr lang="en-US" altLang="ko-KR" dirty="0" smtClean="0">
+              <a:rPr lang="en-US" altLang="ko-KR" dirty="0">
                 <a:latin typeface="+mn-ea"/>
               </a:rPr>
               <a:t>.</a:t>
             </a:r>
-            <a:endParaRPr lang="en-US" altLang="ko-KR" dirty="0" smtClean="0">
-              <a:latin typeface="+mn-ea"/>
-            </a:endParaRPr>
           </a:p>
           <a:p>
             <a:pPr marL="609600" lvl="1" indent="-158750">
@@ -13959,6 +14147,86 @@
           </a:fontRef>
         </p:style>
       </p:cxnSp>
+      <p:sp>
+        <p:nvSpPr>
+          <p:cNvPr id="10" name="TextBox 9">
+            <a:extLst>
+              <a:ext uri="{FF2B5EF4-FFF2-40B4-BE49-F238E27FC236}">
+                <a16:creationId xmlns:a16="http://schemas.microsoft.com/office/drawing/2014/main" id="{5B74B69D-ECB9-4F88-96F8-07052D6A9B3E}"/>
+              </a:ext>
+            </a:extLst>
+          </p:cNvPr>
+          <p:cNvSpPr txBox="1"/>
+          <p:nvPr/>
+        </p:nvSpPr>
+        <p:spPr>
+          <a:xfrm>
+            <a:off x="4082644" y="4922692"/>
+            <a:ext cx="3031067" cy="307777"/>
+          </a:xfrm>
+          <a:prstGeom prst="rect">
+            <a:avLst/>
+          </a:prstGeom>
+          <a:noFill/>
+        </p:spPr>
+        <p:txBody>
+          <a:bodyPr wrap="square">
+            <a:spAutoFit/>
+          </a:bodyPr>
+          <a:lstStyle/>
+          <a:p>
+            <a:r>
+              <a:rPr lang="ko-KR" altLang="en-US" sz="1400" dirty="0">
+                <a:solidFill>
+                  <a:srgbClr val="0000FF"/>
+                </a:solidFill>
+                <a:latin typeface="+mn-ea"/>
+              </a:rPr>
+              <a:t>클릭하여 변경 내용 확인</a:t>
+            </a:r>
+            <a:endParaRPr lang="ko-KR" altLang="en-US" sz="1400" dirty="0"/>
+          </a:p>
+        </p:txBody>
+      </p:sp>
+      <p:cxnSp>
+        <p:nvCxnSpPr>
+          <p:cNvPr id="8" name="직선 화살표 연결선 7">
+            <a:extLst>
+              <a:ext uri="{FF2B5EF4-FFF2-40B4-BE49-F238E27FC236}">
+                <a16:creationId xmlns:a16="http://schemas.microsoft.com/office/drawing/2014/main" id="{65E7CB86-29C6-409F-BF01-9D7E0C3D2D4C}"/>
+              </a:ext>
+            </a:extLst>
+          </p:cNvPr>
+          <p:cNvCxnSpPr/>
+          <p:nvPr/>
+        </p:nvCxnSpPr>
+        <p:spPr>
+          <a:xfrm flipH="1" flipV="1">
+            <a:off x="3987114" y="4724400"/>
+            <a:ext cx="188493" cy="298743"/>
+          </a:xfrm>
+          <a:prstGeom prst="straightConnector1">
+            <a:avLst/>
+          </a:prstGeom>
+          <a:ln>
+            <a:tailEnd type="triangle"/>
+          </a:ln>
+        </p:spPr>
+        <p:style>
+          <a:lnRef idx="1">
+            <a:schemeClr val="accent1"/>
+          </a:lnRef>
+          <a:fillRef idx="0">
+            <a:schemeClr val="accent1"/>
+          </a:fillRef>
+          <a:effectRef idx="0">
+            <a:schemeClr val="accent1"/>
+          </a:effectRef>
+          <a:fontRef idx="minor">
+            <a:schemeClr val="tx1"/>
+          </a:fontRef>
+        </p:style>
+      </p:cxnSp>
     </p:spTree>
     <p:extLst>
       <p:ext uri="{BB962C8B-B14F-4D97-AF65-F5344CB8AC3E}">
@@ -14158,29 +14426,32 @@
           <a:p>
             <a:r>
               <a:rPr lang="ko-KR" altLang="en-US" dirty="0"/>
-              <a:t>협업 </a:t>
-            </a:r>
-            <a:r>
-              <a:rPr lang="ko-KR" altLang="en-US" dirty="0" smtClean="0"/>
-              <a:t>활동 </a:t>
-            </a:r>
-            <a:r>
-              <a:rPr lang="en-US" altLang="ko-KR" dirty="0" smtClean="0"/>
-              <a:t>(leader </a:t>
+              <a:t>협업 활동 </a:t>
             </a:r>
             <a:r>
               <a:rPr lang="en-US" altLang="ko-KR" dirty="0"/>
-              <a:t>: </a:t>
-            </a:r>
-            <a:r>
-              <a:rPr lang="en-US" altLang="ko-KR" dirty="0" err="1" smtClean="0"/>
+              <a:t>(</a:t>
+            </a:r>
+            <a:r>
+              <a:rPr lang="en-US" altLang="ko-KR" dirty="0">
+                <a:solidFill>
+                  <a:srgbClr val="0000FF"/>
+                </a:solidFill>
+              </a:rPr>
+              <a:t>leader</a:t>
+            </a:r>
+            <a:r>
+              <a:rPr lang="en-US" altLang="ko-KR" dirty="0"/>
+              <a:t> : </a:t>
+            </a:r>
+            <a:r>
+              <a:rPr lang="en-US" altLang="ko-KR" dirty="0" err="1"/>
               <a:t>paichaisw</a:t>
             </a:r>
             <a:r>
-              <a:rPr lang="en-US" altLang="ko-KR" dirty="0" smtClean="0"/>
+              <a:rPr lang="en-US" altLang="ko-KR" dirty="0"/>
               <a:t>)</a:t>
             </a:r>
-            <a:endParaRPr lang="en-US" altLang="ko-KR" dirty="0"/>
           </a:p>
           <a:p>
             <a:pPr marL="266700" lvl="1" indent="0">
@@ -14226,76 +14497,109 @@
               <a:buAutoNum type="circleNumDbPlain"/>
             </a:pPr>
             <a:r>
-              <a:rPr lang="en-US" altLang="ko-KR" dirty="0" smtClean="0">
+              <a:rPr lang="en-US" altLang="ko-KR" dirty="0">
                 <a:latin typeface="+mn-ea"/>
               </a:rPr>
               <a:t> </a:t>
             </a:r>
             <a:r>
-              <a:rPr lang="ko-KR" altLang="en-US" dirty="0" smtClean="0">
-                <a:latin typeface="+mn-ea"/>
-              </a:rPr>
-              <a:t>원격저장소에</a:t>
-            </a:r>
-            <a:r>
-              <a:rPr lang="ko-KR" altLang="en-US" dirty="0" smtClean="0">
-                <a:latin typeface="+mn-ea"/>
-              </a:rPr>
-              <a:t>서 로컬</a:t>
-            </a:r>
-            <a:r>
-              <a:rPr lang="en-US" altLang="ko-KR" dirty="0" smtClean="0">
+              <a:rPr lang="ko-KR" altLang="en-US" dirty="0">
+                <a:latin typeface="+mn-ea"/>
+              </a:rPr>
+              <a:t>원격저장소에서 로컬</a:t>
+            </a:r>
+            <a:r>
+              <a:rPr lang="en-US" altLang="ko-KR" dirty="0">
                 <a:latin typeface="+mn-ea"/>
               </a:rPr>
               <a:t>(</a:t>
             </a:r>
             <a:r>
-              <a:rPr lang="en-US" altLang="ko-KR" dirty="0" err="1" smtClean="0">
+              <a:rPr lang="en-US" altLang="ko-KR" dirty="0" err="1">
                 <a:latin typeface="+mn-ea"/>
               </a:rPr>
               <a:t>Paichai_Project</a:t>
             </a:r>
             <a:r>
-              <a:rPr lang="en-US" altLang="ko-KR" dirty="0" smtClean="0">
+              <a:rPr lang="en-US" altLang="ko-KR" dirty="0">
                 <a:latin typeface="+mn-ea"/>
               </a:rPr>
               <a:t>)</a:t>
             </a:r>
             <a:r>
-              <a:rPr lang="ko-KR" altLang="en-US" dirty="0" smtClean="0">
+              <a:rPr lang="ko-KR" altLang="en-US" dirty="0">
                 <a:latin typeface="+mn-ea"/>
               </a:rPr>
               <a:t>로 </a:t>
             </a:r>
             <a:r>
-              <a:rPr lang="en-US" altLang="ko-KR" dirty="0" smtClean="0">
+              <a:rPr lang="en-US" altLang="ko-KR" dirty="0">
+                <a:solidFill>
+                  <a:srgbClr val="0000FF"/>
+                </a:solidFill>
                 <a:latin typeface="+mn-ea"/>
               </a:rPr>
               <a:t>pull</a:t>
             </a:r>
             <a:r>
-              <a:rPr lang="ko-KR" altLang="en-US" dirty="0" smtClean="0">
+              <a:rPr lang="ko-KR" altLang="en-US" dirty="0">
+                <a:solidFill>
+                  <a:srgbClr val="0000FF"/>
+                </a:solidFill>
                 <a:latin typeface="+mn-ea"/>
               </a:rPr>
               <a:t>하기 </a:t>
             </a:r>
             <a:r>
-              <a:rPr lang="en-US" altLang="ko-KR" dirty="0" smtClean="0">
+              <a:rPr lang="en-US" altLang="ko-KR" dirty="0">
+                <a:solidFill>
+                  <a:srgbClr val="0000FF"/>
+                </a:solidFill>
                 <a:latin typeface="+mn-ea"/>
               </a:rPr>
               <a:t>(</a:t>
             </a:r>
             <a:r>
-              <a:rPr lang="ko-KR" altLang="en-US" dirty="0" smtClean="0">
+              <a:rPr lang="ko-KR" altLang="en-US" dirty="0">
+                <a:solidFill>
+                  <a:srgbClr val="0000FF"/>
+                </a:solidFill>
+                <a:latin typeface="+mn-ea"/>
+              </a:rPr>
+              <a:t>중요</a:t>
+            </a:r>
+            <a:r>
+              <a:rPr lang="en-US" altLang="ko-KR" dirty="0">
+                <a:solidFill>
+                  <a:srgbClr val="0000FF"/>
+                </a:solidFill>
+                <a:latin typeface="+mn-ea"/>
+              </a:rPr>
+              <a:t>! </a:t>
+            </a:r>
+            <a:r>
+              <a:rPr lang="ko-KR" altLang="en-US" dirty="0">
+                <a:solidFill>
+                  <a:srgbClr val="0000FF"/>
+                </a:solidFill>
                 <a:latin typeface="+mn-ea"/>
               </a:rPr>
               <a:t>가장 최근의 자료 </a:t>
             </a:r>
             <a:r>
-              <a:rPr lang="en-US" altLang="ko-KR" dirty="0" smtClean="0">
-                <a:latin typeface="+mn-ea"/>
-              </a:rPr>
-              <a:t>download)</a:t>
+              <a:rPr lang="en-US" altLang="ko-KR" dirty="0">
+                <a:solidFill>
+                  <a:srgbClr val="0000FF"/>
+                </a:solidFill>
+                <a:latin typeface="+mn-ea"/>
+              </a:rPr>
+              <a:t>download</a:t>
+            </a:r>
+            <a:r>
+              <a:rPr lang="en-US" altLang="ko-KR" dirty="0">
+                <a:latin typeface="+mn-ea"/>
+              </a:rPr>
+              <a:t>)</a:t>
             </a:r>
           </a:p>
           <a:p>
@@ -14306,40 +14610,34 @@
               <a:rPr lang="en-US" altLang="ko-KR" dirty="0">
                 <a:latin typeface="+mn-ea"/>
               </a:rPr>
-              <a:t> </a:t>
-            </a:r>
-            <a:r>
-              <a:rPr lang="en-US" altLang="ko-KR" dirty="0" smtClean="0">
-                <a:latin typeface="+mn-ea"/>
-              </a:rPr>
-              <a:t>   </a:t>
-            </a:r>
-            <a:r>
-              <a:rPr lang="ko-KR" altLang="en-US" dirty="0" smtClean="0">
+              <a:t>    </a:t>
+            </a:r>
+            <a:r>
+              <a:rPr lang="ko-KR" altLang="en-US" dirty="0">
                 <a:latin typeface="+mn-ea"/>
               </a:rPr>
               <a:t>로컬 </a:t>
             </a:r>
             <a:r>
-              <a:rPr lang="en-US" altLang="ko-KR" dirty="0" smtClean="0">
+              <a:rPr lang="en-US" altLang="ko-KR" dirty="0">
                 <a:latin typeface="+mn-ea"/>
               </a:rPr>
               <a:t>working directory</a:t>
             </a:r>
             <a:r>
-              <a:rPr lang="ko-KR" altLang="en-US" dirty="0" smtClean="0">
+              <a:rPr lang="ko-KR" altLang="en-US" dirty="0">
                 <a:latin typeface="+mn-ea"/>
               </a:rPr>
               <a:t>로 이동하여</a:t>
             </a:r>
             <a:r>
-              <a:rPr lang="en-US" altLang="ko-KR" dirty="0" smtClean="0">
+              <a:rPr lang="en-US" altLang="ko-KR" dirty="0">
                 <a:latin typeface="+mn-ea"/>
               </a:rPr>
               <a:t> bash </a:t>
             </a:r>
             <a:r>
-              <a:rPr lang="ko-KR" altLang="en-US" dirty="0" smtClean="0">
+              <a:rPr lang="ko-KR" altLang="en-US" dirty="0">
                 <a:latin typeface="+mn-ea"/>
               </a:rPr>
               <a:t>실행</a:t>
@@ -14368,13 +14666,7 @@
               <a:rPr lang="en-US" altLang="ko-KR" dirty="0">
                 <a:latin typeface="+mn-ea"/>
               </a:rPr>
-              <a:t> </a:t>
-            </a:r>
-            <a:r>
-              <a:rPr lang="en-US" altLang="ko-KR" dirty="0" smtClean="0">
-                <a:latin typeface="+mn-ea"/>
-              </a:rPr>
-              <a:t>pull origin main</a:t>
+              <a:t> pull origin main</a:t>
             </a:r>
           </a:p>
           <a:p>
@@ -14383,18 +14675,18 @@
               <a:buAutoNum type="circleNumDbPlain" startAt="2"/>
             </a:pPr>
             <a:r>
-              <a:rPr lang="en-US" altLang="ko-KR" dirty="0" smtClean="0">
+              <a:rPr lang="en-US" altLang="ko-KR" dirty="0">
                 <a:latin typeface="+mn-ea"/>
               </a:rPr>
               <a:t>project.txt </a:t>
             </a:r>
             <a:r>
-              <a:rPr lang="ko-KR" altLang="en-US" dirty="0" smtClean="0">
+              <a:rPr lang="ko-KR" altLang="en-US" dirty="0">
                 <a:latin typeface="+mn-ea"/>
               </a:rPr>
               <a:t>파일 내용 수정</a:t>
             </a:r>
-            <a:endParaRPr lang="en-US" altLang="ko-KR" dirty="0" smtClean="0">
+            <a:endParaRPr lang="en-US" altLang="ko-KR" dirty="0">
               <a:latin typeface="+mn-ea"/>
             </a:endParaRPr>
           </a:p>
@@ -14411,7 +14703,7 @@
               <a:buFont typeface="+mj-ea"/>
               <a:buAutoNum type="circleNumDbPlain"/>
             </a:pPr>
-            <a:endParaRPr lang="en-US" altLang="ko-KR" dirty="0" smtClean="0">
+            <a:endParaRPr lang="en-US" altLang="ko-KR" dirty="0">
               <a:latin typeface="+mn-ea"/>
             </a:endParaRPr>
           </a:p>
@@ -14543,15 +14835,11 @@
               <a:t>협업하기 </a:t>
             </a:r>
             <a:r>
-              <a:rPr lang="en-US" altLang="ko-KR" dirty="0" smtClean="0"/>
-              <a:t>(</a:t>
-            </a:r>
-            <a:r>
-              <a:rPr lang="en-US" altLang="ko-KR" dirty="0" smtClean="0"/>
-              <a:t>leader </a:t>
-            </a:r>
-            <a:r>
-              <a:rPr lang="ko-KR" altLang="en-US" dirty="0" smtClean="0"/>
+              <a:rPr lang="en-US" altLang="ko-KR" dirty="0"/>
+              <a:t>(leader </a:t>
+            </a:r>
+            <a:r>
+              <a:rPr lang="ko-KR" altLang="en-US" dirty="0"/>
               <a:t>활동</a:t>
             </a:r>
             <a:r>
@@ -14718,6 +15006,136 @@
           </a:p>
         </p:txBody>
       </p:sp>
+      <p:sp>
+        <p:nvSpPr>
+          <p:cNvPr id="14" name="TextBox 13">
+            <a:extLst>
+              <a:ext uri="{FF2B5EF4-FFF2-40B4-BE49-F238E27FC236}">
+                <a16:creationId xmlns:a16="http://schemas.microsoft.com/office/drawing/2014/main" id="{71C36EBF-54CC-4655-A3D5-8E9972BD9D48}"/>
+              </a:ext>
+            </a:extLst>
+          </p:cNvPr>
+          <p:cNvSpPr txBox="1"/>
+          <p:nvPr/>
+        </p:nvSpPr>
+        <p:spPr>
+          <a:xfrm>
+            <a:off x="1034645" y="5916852"/>
+            <a:ext cx="1019934" cy="307777"/>
+          </a:xfrm>
+          <a:prstGeom prst="rect">
+            <a:avLst/>
+          </a:prstGeom>
+          <a:noFill/>
+        </p:spPr>
+        <p:txBody>
+          <a:bodyPr wrap="square">
+            <a:spAutoFit/>
+          </a:bodyPr>
+          <a:lstStyle/>
+          <a:p>
+            <a:pPr algn="ctr"/>
+            <a:r>
+              <a:rPr lang="ko-KR" altLang="en-US" sz="1400">
+                <a:latin typeface="+mn-ea"/>
+              </a:rPr>
+              <a:t>수정전</a:t>
+            </a:r>
+            <a:endParaRPr lang="ko-KR" altLang="en-US" sz="1400" dirty="0"/>
+          </a:p>
+        </p:txBody>
+      </p:sp>
+      <p:sp>
+        <p:nvSpPr>
+          <p:cNvPr id="15" name="TextBox 14">
+            <a:extLst>
+              <a:ext uri="{FF2B5EF4-FFF2-40B4-BE49-F238E27FC236}">
+                <a16:creationId xmlns:a16="http://schemas.microsoft.com/office/drawing/2014/main" id="{BDF3254C-9579-44A2-B2EC-3D5FFC9D7D1A}"/>
+              </a:ext>
+            </a:extLst>
+          </p:cNvPr>
+          <p:cNvSpPr txBox="1"/>
+          <p:nvPr/>
+        </p:nvSpPr>
+        <p:spPr>
+          <a:xfrm>
+            <a:off x="5053489" y="5916852"/>
+            <a:ext cx="1019934" cy="307777"/>
+          </a:xfrm>
+          <a:prstGeom prst="rect">
+            <a:avLst/>
+          </a:prstGeom>
+          <a:noFill/>
+        </p:spPr>
+        <p:txBody>
+          <a:bodyPr wrap="square">
+            <a:spAutoFit/>
+          </a:bodyPr>
+          <a:lstStyle/>
+          <a:p>
+            <a:pPr algn="ctr"/>
+            <a:r>
+              <a:rPr lang="ko-KR" altLang="en-US" sz="1400" dirty="0" err="1">
+                <a:latin typeface="+mn-ea"/>
+              </a:rPr>
+              <a:t>수정후</a:t>
+            </a:r>
+            <a:endParaRPr lang="ko-KR" altLang="en-US" sz="1400" dirty="0"/>
+          </a:p>
+        </p:txBody>
+      </p:sp>
+      <p:sp>
+        <p:nvSpPr>
+          <p:cNvPr id="16" name="오른쪽 화살표 4">
+            <a:extLst>
+              <a:ext uri="{FF2B5EF4-FFF2-40B4-BE49-F238E27FC236}">
+                <a16:creationId xmlns:a16="http://schemas.microsoft.com/office/drawing/2014/main" id="{7A0992E0-1FB4-435F-94F2-F2A8CD6323F1}"/>
+              </a:ext>
+            </a:extLst>
+          </p:cNvPr>
+          <p:cNvSpPr/>
+          <p:nvPr/>
+        </p:nvSpPr>
+        <p:spPr>
+          <a:xfrm>
+            <a:off x="3074050" y="4501665"/>
+            <a:ext cx="339969" cy="328246"/>
+          </a:xfrm>
+          <a:prstGeom prst="rightArrow">
+            <a:avLst/>
+          </a:prstGeom>
+          <a:solidFill>
+            <a:schemeClr val="bg2">
+              <a:lumMod val="60000"/>
+              <a:lumOff val="40000"/>
+            </a:schemeClr>
+          </a:solidFill>
+        </p:spPr>
+        <p:style>
+          <a:lnRef idx="2">
+            <a:schemeClr val="accent1">
+              <a:shade val="50000"/>
+            </a:schemeClr>
+          </a:lnRef>
+          <a:fillRef idx="1">
+            <a:schemeClr val="accent1"/>
+          </a:fillRef>
+          <a:effectRef idx="0">
+            <a:schemeClr val="accent1"/>
+          </a:effectRef>
+          <a:fontRef idx="minor">
+            <a:schemeClr val="lt1"/>
+          </a:fontRef>
+        </p:style>
+        <p:txBody>
+          <a:bodyPr rtlCol="0" anchor="ctr"/>
+          <a:lstStyle/>
+          <a:p>
+            <a:pPr algn="ctr"/>
+            <a:endParaRPr lang="ko-KR" altLang="en-US"/>
+          </a:p>
+        </p:txBody>
+      </p:sp>
     </p:spTree>
     <p:extLst>
       <p:ext uri="{BB962C8B-B14F-4D97-AF65-F5344CB8AC3E}">
@@ -14917,11 +15335,7 @@
           <a:p>
             <a:r>
               <a:rPr lang="ko-KR" altLang="en-US" dirty="0"/>
-              <a:t>협업 </a:t>
-            </a:r>
-            <a:r>
-              <a:rPr lang="ko-KR" altLang="en-US" dirty="0" smtClean="0"/>
-              <a:t>활동 </a:t>
+              <a:t>협업 활동 </a:t>
             </a:r>
             <a:r>
               <a:rPr lang="en-US" altLang="ko-KR" dirty="0"/>
@@ -14932,10 +15346,9 @@
               <a:t>paichaisw</a:t>
             </a:r>
             <a:r>
-              <a:rPr lang="en-US" altLang="ko-KR" dirty="0" smtClean="0"/>
+              <a:rPr lang="en-US" altLang="ko-KR" dirty="0"/>
               <a:t>)</a:t>
             </a:r>
-            <a:endParaRPr lang="en-US" altLang="ko-KR" dirty="0"/>
           </a:p>
           <a:p>
             <a:pPr marL="266700" lvl="1" indent="0">
@@ -14966,16 +15379,10 @@
               <a:rPr lang="ko-KR" altLang="en-US" dirty="0">
                 <a:latin typeface="+mn-ea"/>
               </a:rPr>
-              <a:t>워킹 </a:t>
-            </a:r>
-            <a:r>
-              <a:rPr lang="ko-KR" altLang="en-US" dirty="0" smtClean="0">
-                <a:latin typeface="+mn-ea"/>
-              </a:rPr>
-              <a:t>디렉토리</a:t>
-            </a:r>
-            <a:r>
-              <a:rPr lang="en-US" altLang="ko-KR" dirty="0" smtClean="0">
+              <a:t>워킹 디렉토리</a:t>
+            </a:r>
+            <a:r>
+              <a:rPr lang="en-US" altLang="ko-KR" dirty="0">
                 <a:latin typeface="+mn-ea"/>
               </a:rPr>
               <a:t>(</a:t>
@@ -14993,7 +15400,7 @@
               <a:t>)</a:t>
             </a:r>
             <a:r>
-              <a:rPr lang="ko-KR" altLang="en-US" dirty="0" smtClean="0">
+              <a:rPr lang="ko-KR" altLang="en-US" dirty="0">
                 <a:latin typeface="+mn-ea"/>
               </a:rPr>
               <a:t> </a:t>
@@ -15057,35 +15464,20 @@
               <a:rPr lang="en-US" altLang="ko-KR" dirty="0">
                 <a:latin typeface="+mn-ea"/>
               </a:rPr>
-              <a:t> commit </a:t>
-            </a:r>
-            <a:r>
-              <a:rPr lang="en-US" altLang="ko-KR" dirty="0" smtClean="0">
-                <a:latin typeface="+mn-ea"/>
-              </a:rPr>
-              <a:t>-m ‘introduction </a:t>
+              <a:t> commit -m ‘introduction from </a:t>
+            </a:r>
+            <a:r>
+              <a:rPr lang="en-US" altLang="ko-KR" dirty="0" err="1">
+                <a:latin typeface="+mn-ea"/>
+              </a:rPr>
+              <a:t>paichaisw</a:t>
             </a:r>
             <a:r>
               <a:rPr lang="en-US" altLang="ko-KR" dirty="0">
                 <a:latin typeface="+mn-ea"/>
               </a:rPr>
-              <a:t>from </a:t>
-            </a:r>
-            <a:r>
-              <a:rPr lang="en-US" altLang="ko-KR" dirty="0" err="1" smtClean="0">
-                <a:latin typeface="+mn-ea"/>
-              </a:rPr>
-              <a:t>paichaisw</a:t>
-            </a:r>
-            <a:r>
-              <a:rPr lang="en-US" altLang="ko-KR" dirty="0" smtClean="0">
-                <a:latin typeface="+mn-ea"/>
-              </a:rPr>
               <a:t>’</a:t>
             </a:r>
-            <a:endParaRPr lang="en-US" altLang="ko-KR" dirty="0">
-              <a:latin typeface="+mn-ea"/>
-            </a:endParaRPr>
           </a:p>
           <a:p>
             <a:pPr marL="450850" lvl="1" indent="0">
@@ -15107,29 +15499,20 @@
               <a:rPr lang="en-US" altLang="ko-KR" dirty="0">
                 <a:latin typeface="+mn-ea"/>
               </a:rPr>
-              <a:t> </a:t>
-            </a:r>
-            <a:r>
-              <a:rPr lang="en-US" altLang="ko-KR" dirty="0" smtClean="0">
-                <a:latin typeface="+mn-ea"/>
-              </a:rPr>
-              <a:t>log --</a:t>
-            </a:r>
-            <a:r>
-              <a:rPr lang="en-US" altLang="ko-KR" dirty="0" err="1" smtClean="0">
+              <a:t> log --</a:t>
+            </a:r>
+            <a:r>
+              <a:rPr lang="en-US" altLang="ko-KR" dirty="0" err="1">
                 <a:latin typeface="+mn-ea"/>
               </a:rPr>
               <a:t>oneline</a:t>
             </a:r>
             <a:r>
-              <a:rPr lang="en-US" altLang="ko-KR" dirty="0" smtClean="0">
+              <a:rPr lang="en-US" altLang="ko-KR" dirty="0">
                 <a:latin typeface="+mn-ea"/>
               </a:rPr>
               <a:t>  </a:t>
             </a:r>
-            <a:endParaRPr lang="en-US" altLang="ko-KR" dirty="0">
-              <a:latin typeface="+mn-ea"/>
-            </a:endParaRPr>
           </a:p>
           <a:p>
             <a:pPr marL="609600" lvl="1" indent="-158750">
@@ -15268,16 +15651,8 @@
               <a:t>협업하기 </a:t>
             </a:r>
             <a:r>
-              <a:rPr lang="en-US" altLang="ko-KR" dirty="0" smtClean="0"/>
-              <a:t>(</a:t>
-            </a:r>
-            <a:r>
-              <a:rPr lang="en-US" altLang="ko-KR" dirty="0" smtClean="0"/>
-              <a:t>leade</a:t>
-            </a:r>
-            <a:r>
-              <a:rPr lang="en-US" altLang="ko-KR" dirty="0" smtClean="0"/>
-              <a:t>r </a:t>
+              <a:rPr lang="en-US" altLang="ko-KR" dirty="0"/>
+              <a:t>(leader </a:t>
             </a:r>
             <a:r>
               <a:rPr lang="ko-KR" altLang="en-US" dirty="0"/>
@@ -15514,11 +15889,7 @@
           <a:p>
             <a:r>
               <a:rPr lang="ko-KR" altLang="en-US" dirty="0"/>
-              <a:t>협업 </a:t>
-            </a:r>
-            <a:r>
-              <a:rPr lang="ko-KR" altLang="en-US" dirty="0" smtClean="0"/>
-              <a:t>활동 </a:t>
+              <a:t>협업 활동 </a:t>
             </a:r>
             <a:r>
               <a:rPr lang="en-US" altLang="ko-KR" dirty="0"/>
@@ -15529,10 +15900,9 @@
               <a:t>paichaisw</a:t>
             </a:r>
             <a:r>
-              <a:rPr lang="en-US" altLang="ko-KR" dirty="0" smtClean="0"/>
+              <a:rPr lang="en-US" altLang="ko-KR" dirty="0"/>
               <a:t>)</a:t>
             </a:r>
-            <a:endParaRPr lang="en-US" altLang="ko-KR" dirty="0"/>
           </a:p>
           <a:p>
             <a:pPr marL="266700" lvl="1" indent="0">
@@ -15772,16 +16142,8 @@
               <a:t>협업하기 </a:t>
             </a:r>
             <a:r>
-              <a:rPr lang="en-US" altLang="ko-KR" dirty="0" smtClean="0"/>
-              <a:t>(</a:t>
-            </a:r>
-            <a:r>
-              <a:rPr lang="en-US" altLang="ko-KR" dirty="0" smtClean="0"/>
-              <a:t>leade</a:t>
-            </a:r>
-            <a:r>
-              <a:rPr lang="en-US" altLang="ko-KR" dirty="0" smtClean="0"/>
-              <a:t>r </a:t>
+              <a:rPr lang="en-US" altLang="ko-KR" dirty="0"/>
+              <a:t>(leader </a:t>
             </a:r>
             <a:r>
               <a:rPr lang="ko-KR" altLang="en-US" dirty="0"/>
@@ -16042,11 +16404,7 @@
           <a:p>
             <a:r>
               <a:rPr lang="ko-KR" altLang="en-US" dirty="0"/>
-              <a:t>협업 </a:t>
-            </a:r>
-            <a:r>
-              <a:rPr lang="ko-KR" altLang="en-US" dirty="0" smtClean="0"/>
-              <a:t>활동 </a:t>
+              <a:t>협업 활동 </a:t>
             </a:r>
             <a:r>
               <a:rPr lang="en-US" altLang="ko-KR" dirty="0"/>
@@ -16057,10 +16415,10 @@
               <a:t>paichaisw</a:t>
             </a:r>
             <a:r>
-              <a:rPr lang="en-US" altLang="ko-KR" dirty="0" smtClean="0"/>
+              <a:rPr lang="en-US" altLang="ko-KR" dirty="0"/>
               <a:t>)</a:t>
             </a:r>
-            <a:endParaRPr lang="en-US" altLang="ko-KR" dirty="0" smtClean="0">
+            <a:endParaRPr lang="en-US" altLang="ko-KR" dirty="0">
               <a:latin typeface="+mn-ea"/>
             </a:endParaRPr>
           </a:p>
@@ -16070,36 +16428,30 @@
               <a:buAutoNum type="circleNumDbPlain"/>
             </a:pPr>
             <a:r>
-              <a:rPr lang="en-US" altLang="ko-KR" dirty="0" smtClean="0">
+              <a:rPr lang="en-US" altLang="ko-KR" dirty="0">
                 <a:latin typeface="+mn-ea"/>
               </a:rPr>
               <a:t> </a:t>
             </a:r>
             <a:r>
-              <a:rPr lang="ko-KR" altLang="en-US" dirty="0" smtClean="0">
-                <a:latin typeface="+mn-ea"/>
-              </a:rPr>
-              <a:t>원격저장소에 </a:t>
-            </a:r>
-            <a:r>
-              <a:rPr lang="ko-KR" altLang="en-US" dirty="0" smtClean="0">
-                <a:latin typeface="+mn-ea"/>
-              </a:rPr>
-              <a:t>화면 변경</a:t>
-            </a:r>
-            <a:r>
-              <a:rPr lang="en-US" altLang="ko-KR" dirty="0" smtClean="0">
+              <a:rPr lang="ko-KR" altLang="en-US" dirty="0">
+                <a:latin typeface="+mn-ea"/>
+              </a:rPr>
+              <a:t>원격저장소에 화면 변경</a:t>
+            </a:r>
+            <a:r>
+              <a:rPr lang="en-US" altLang="ko-KR" dirty="0">
                 <a:latin typeface="+mn-ea"/>
               </a:rPr>
               <a:t>: </a:t>
             </a:r>
             <a:r>
-              <a:rPr lang="ko-KR" altLang="en-US" dirty="0" smtClean="0">
+              <a:rPr lang="ko-KR" altLang="en-US" dirty="0">
                 <a:latin typeface="+mn-ea"/>
               </a:rPr>
               <a:t>리더가 올린 내용</a:t>
             </a:r>
-            <a:endParaRPr lang="en-US" altLang="ko-KR" dirty="0" smtClean="0">
+            <a:endParaRPr lang="en-US" altLang="ko-KR" dirty="0">
               <a:latin typeface="+mn-ea"/>
             </a:endParaRPr>
           </a:p>
@@ -16231,16 +16583,8 @@
               <a:t>협업하기 </a:t>
             </a:r>
             <a:r>
-              <a:rPr lang="en-US" altLang="ko-KR" dirty="0" smtClean="0"/>
-              <a:t>(</a:t>
-            </a:r>
-            <a:r>
-              <a:rPr lang="en-US" altLang="ko-KR" dirty="0" smtClean="0"/>
-              <a:t>leader</a:t>
-            </a:r>
-            <a:r>
-              <a:rPr lang="en-US" altLang="ko-KR" dirty="0" smtClean="0"/>
-              <a:t> </a:t>
+              <a:rPr lang="en-US" altLang="ko-KR" dirty="0"/>
+              <a:t>(leader </a:t>
             </a:r>
             <a:r>
               <a:rPr lang="ko-KR" altLang="en-US" dirty="0"/>
@@ -16381,6 +16725,86 @@
           </a:fontRef>
         </p:style>
       </p:cxnSp>
+      <p:sp>
+        <p:nvSpPr>
+          <p:cNvPr id="8" name="TextBox 7">
+            <a:extLst>
+              <a:ext uri="{FF2B5EF4-FFF2-40B4-BE49-F238E27FC236}">
+                <a16:creationId xmlns:a16="http://schemas.microsoft.com/office/drawing/2014/main" id="{05330038-64BD-4247-A4C1-B7BB4D637A9C}"/>
+              </a:ext>
+            </a:extLst>
+          </p:cNvPr>
+          <p:cNvSpPr txBox="1"/>
+          <p:nvPr/>
+        </p:nvSpPr>
+        <p:spPr>
+          <a:xfrm>
+            <a:off x="4082644" y="4922692"/>
+            <a:ext cx="3031067" cy="307777"/>
+          </a:xfrm>
+          <a:prstGeom prst="rect">
+            <a:avLst/>
+          </a:prstGeom>
+          <a:noFill/>
+        </p:spPr>
+        <p:txBody>
+          <a:bodyPr wrap="square">
+            <a:spAutoFit/>
+          </a:bodyPr>
+          <a:lstStyle/>
+          <a:p>
+            <a:r>
+              <a:rPr lang="ko-KR" altLang="en-US" sz="1400" dirty="0">
+                <a:solidFill>
+                  <a:srgbClr val="0000FF"/>
+                </a:solidFill>
+                <a:latin typeface="+mn-ea"/>
+              </a:rPr>
+              <a:t>클릭하여 변경 내용 확인</a:t>
+            </a:r>
+            <a:endParaRPr lang="ko-KR" altLang="en-US" sz="1400" dirty="0"/>
+          </a:p>
+        </p:txBody>
+      </p:sp>
+      <p:cxnSp>
+        <p:nvCxnSpPr>
+          <p:cNvPr id="10" name="직선 화살표 연결선 9">
+            <a:extLst>
+              <a:ext uri="{FF2B5EF4-FFF2-40B4-BE49-F238E27FC236}">
+                <a16:creationId xmlns:a16="http://schemas.microsoft.com/office/drawing/2014/main" id="{B115AFC5-7924-46B3-9150-C44490DC0D4B}"/>
+              </a:ext>
+            </a:extLst>
+          </p:cNvPr>
+          <p:cNvCxnSpPr/>
+          <p:nvPr/>
+        </p:nvCxnSpPr>
+        <p:spPr>
+          <a:xfrm flipH="1" flipV="1">
+            <a:off x="3987114" y="4724400"/>
+            <a:ext cx="188493" cy="298743"/>
+          </a:xfrm>
+          <a:prstGeom prst="straightConnector1">
+            <a:avLst/>
+          </a:prstGeom>
+          <a:ln>
+            <a:tailEnd type="triangle"/>
+          </a:ln>
+        </p:spPr>
+        <p:style>
+          <a:lnRef idx="1">
+            <a:schemeClr val="accent1"/>
+          </a:lnRef>
+          <a:fillRef idx="0">
+            <a:schemeClr val="accent1"/>
+          </a:fillRef>
+          <a:effectRef idx="0">
+            <a:schemeClr val="accent1"/>
+          </a:effectRef>
+          <a:fontRef idx="minor">
+            <a:schemeClr val="tx1"/>
+          </a:fontRef>
+        </p:style>
+      </p:cxnSp>
     </p:spTree>
     <p:extLst>
       <p:ext uri="{BB962C8B-B14F-4D97-AF65-F5344CB8AC3E}">
@@ -16604,11 +17028,7 @@
           <a:p>
             <a:r>
               <a:rPr lang="ko-KR" altLang="en-US" dirty="0"/>
-              <a:t>협업 </a:t>
-            </a:r>
-            <a:r>
-              <a:rPr lang="ko-KR" altLang="en-US" dirty="0" smtClean="0"/>
-              <a:t>활동 </a:t>
+              <a:t>협업 활동 </a:t>
             </a:r>
             <a:r>
               <a:rPr lang="en-US" altLang="ko-KR" dirty="0"/>
@@ -16619,10 +17039,10 @@
               <a:t>paichaisw</a:t>
             </a:r>
             <a:r>
-              <a:rPr lang="en-US" altLang="ko-KR" dirty="0" smtClean="0"/>
+              <a:rPr lang="en-US" altLang="ko-KR" dirty="0"/>
               <a:t>)</a:t>
             </a:r>
-            <a:endParaRPr lang="en-US" altLang="ko-KR" dirty="0" smtClean="0">
+            <a:endParaRPr lang="en-US" altLang="ko-KR" dirty="0">
               <a:latin typeface="+mn-ea"/>
             </a:endParaRPr>
           </a:p>
@@ -16632,16 +17052,28 @@
               <a:buAutoNum type="circleNumDbPlain"/>
             </a:pPr>
             <a:r>
-              <a:rPr lang="en-US" altLang="ko-KR" dirty="0" smtClean="0">
+              <a:rPr lang="en-US" altLang="ko-KR" dirty="0">
                 <a:latin typeface="+mn-ea"/>
               </a:rPr>
               <a:t> </a:t>
             </a:r>
             <a:r>
-              <a:rPr lang="ko-KR" altLang="en-US" dirty="0" smtClean="0">
-                <a:latin typeface="+mn-ea"/>
-              </a:rPr>
-              <a:t>변경 내용 확인</a:t>
+              <a:rPr lang="ko-KR" altLang="en-US" dirty="0">
+                <a:latin typeface="+mn-ea"/>
+              </a:rPr>
+              <a:t>변경 내용 확인 </a:t>
+            </a:r>
+            <a:r>
+              <a:rPr lang="en-US" altLang="ko-KR" dirty="0">
+                <a:latin typeface="+mn-ea"/>
+              </a:rPr>
+              <a:t>: </a:t>
+            </a:r>
+            <a:r>
+              <a:rPr lang="ko-KR" altLang="en-US" dirty="0">
+                <a:latin typeface="+mn-ea"/>
+              </a:rPr>
+              <a:t>완료 공지 후 종료</a:t>
             </a:r>
             <a:endParaRPr lang="en-US" altLang="ko-KR" dirty="0">
               <a:latin typeface="+mn-ea"/>
@@ -16766,16 +17198,8 @@
               <a:t>협업하기 </a:t>
             </a:r>
             <a:r>
-              <a:rPr lang="en-US" altLang="ko-KR" dirty="0" smtClean="0"/>
-              <a:t>(</a:t>
-            </a:r>
-            <a:r>
-              <a:rPr lang="en-US" altLang="ko-KR" dirty="0" smtClean="0"/>
-              <a:t>leader</a:t>
-            </a:r>
-            <a:r>
-              <a:rPr lang="en-US" altLang="ko-KR" dirty="0" smtClean="0"/>
-              <a:t> </a:t>
+              <a:rPr lang="en-US" altLang="ko-KR" dirty="0"/>
+              <a:t>(leader </a:t>
             </a:r>
             <a:r>
               <a:rPr lang="ko-KR" altLang="en-US" dirty="0"/>
@@ -17091,28 +17515,22 @@
               <a:buAutoNum type="circleNumDbPlain" startAt="5"/>
             </a:pPr>
             <a:r>
-              <a:rPr lang="en-US" altLang="ko-KR" dirty="0" smtClean="0">
+              <a:rPr lang="en-US" altLang="ko-KR" dirty="0">
                 <a:latin typeface="+mn-ea"/>
               </a:rPr>
               <a:t> </a:t>
             </a:r>
             <a:r>
-              <a:rPr lang="en-US" altLang="ko-KR" dirty="0" err="1" smtClean="0">
+              <a:rPr lang="en-US" altLang="ko-KR" dirty="0" err="1">
                 <a:latin typeface="+mn-ea"/>
               </a:rPr>
               <a:t>paichai_project</a:t>
             </a:r>
             <a:r>
-              <a:rPr lang="ko-KR" altLang="en-US" dirty="0" smtClean="0">
-                <a:latin typeface="+mn-ea"/>
-              </a:rPr>
-              <a:t> </a:t>
-            </a:r>
-            <a:r>
               <a:rPr lang="ko-KR" altLang="en-US" dirty="0">
                 <a:latin typeface="+mn-ea"/>
               </a:rPr>
-              <a:t>저장소 연결 및 </a:t>
+              <a:t> 저장소 연결 및 </a:t>
             </a:r>
             <a:r>
               <a:rPr lang="en-US" altLang="ko-KR" dirty="0">
@@ -17129,17 +17547,8 @@
               <a:rPr lang="en-US" altLang="ko-KR" dirty="0">
                 <a:latin typeface="+mn-ea"/>
               </a:rPr>
-              <a:t>      ☞ git remote add origin </a:t>
-            </a:r>
-            <a:r>
-              <a:rPr lang="en-US" altLang="ko-KR" dirty="0">
-                <a:latin typeface="+mn-ea"/>
-              </a:rPr>
-              <a:t>https://github.com/paichaisw/paichai_project.git</a:t>
-            </a:r>
-            <a:endParaRPr lang="en-US" altLang="ko-KR" dirty="0">
-              <a:latin typeface="+mn-ea"/>
-            </a:endParaRPr>
+              <a:t>      ☞ git remote add origin https://github.com/paichaisw/paichai_project.git</a:t>
+            </a:r>
           </a:p>
           <a:p>
             <a:pPr marL="266700" lvl="1" indent="0">
@@ -17386,35 +17795,7 @@
       </p:grpSpPr>
       <p:sp>
         <p:nvSpPr>
-          <p:cNvPr id="4" name="제목 3">
-            <a:extLst>
-              <a:ext uri="{FF2B5EF4-FFF2-40B4-BE49-F238E27FC236}">
-                <a16:creationId xmlns:a16="http://schemas.microsoft.com/office/drawing/2014/main" id="{F0CEB32B-CB43-4410-BA08-A97E4BC47FCB}"/>
-              </a:ext>
-            </a:extLst>
-          </p:cNvPr>
-          <p:cNvSpPr>
-            <a:spLocks noGrp="1"/>
-          </p:cNvSpPr>
-          <p:nvPr>
-            <p:ph type="title"/>
-          </p:nvPr>
-        </p:nvSpPr>
-        <p:spPr/>
-        <p:txBody>
-          <a:bodyPr/>
-          <a:lstStyle/>
-          <a:p>
-            <a:r>
-              <a:rPr lang="ko-KR" altLang="en-US" dirty="0"/>
-              <a:t>협업하기</a:t>
-            </a:r>
-          </a:p>
-        </p:txBody>
-      </p:sp>
-      <p:sp>
-        <p:nvSpPr>
-          <p:cNvPr id="5" name="내용 개체 틀 2">
+          <p:cNvPr id="7" name="내용 개체 틀 2">
             <a:extLst>
               <a:ext uri="{FF2B5EF4-FFF2-40B4-BE49-F238E27FC236}">
                 <a16:creationId xmlns:a16="http://schemas.microsoft.com/office/drawing/2014/main" id="{A44AC902-3746-40D6-9827-94B46EEDDC67}"/>
@@ -17428,8 +17809,8 @@
         </p:nvSpPr>
         <p:spPr>
           <a:xfrm>
-            <a:off x="341786" y="1120544"/>
-            <a:ext cx="4054367" cy="2348370"/>
+            <a:off x="341787" y="1120545"/>
+            <a:ext cx="8642350" cy="2351314"/>
           </a:xfrm>
           <a:prstGeom prst="rect">
             <a:avLst/>
@@ -17580,287 +17961,331 @@
           </a:lstStyle>
           <a:p>
             <a:r>
-              <a:rPr lang="en-US" altLang="ko-KR" dirty="0" smtClean="0"/>
-              <a:t>Leader </a:t>
-            </a:r>
-            <a:r>
-              <a:rPr lang="en-US" altLang="ko-KR" dirty="0" smtClean="0">
-                <a:solidFill>
-                  <a:srgbClr val="FF0000"/>
-                </a:solidFill>
-              </a:rPr>
-              <a:t>(</a:t>
-            </a:r>
-            <a:r>
-              <a:rPr lang="ko-KR" altLang="en-US" dirty="0" smtClean="0">
-                <a:solidFill>
-                  <a:srgbClr val="FF0000"/>
-                </a:solidFill>
-              </a:rPr>
-              <a:t>완료하고 </a:t>
-            </a:r>
-            <a:r>
-              <a:rPr lang="en-US" altLang="ko-KR" dirty="0" smtClean="0">
-                <a:solidFill>
-                  <a:srgbClr val="FF0000"/>
-                </a:solidFill>
-              </a:rPr>
-              <a:t>closing</a:t>
-            </a:r>
-            <a:r>
-              <a:rPr lang="ko-KR" altLang="en-US" dirty="0" smtClean="0">
-                <a:solidFill>
-                  <a:srgbClr val="FF0000"/>
-                </a:solidFill>
-              </a:rPr>
-              <a:t>하는 방법은</a:t>
-            </a:r>
-            <a:r>
-              <a:rPr lang="en-US" altLang="ko-KR" dirty="0" smtClean="0">
-                <a:solidFill>
-                  <a:srgbClr val="FF0000"/>
-                </a:solidFill>
-              </a:rPr>
-              <a:t>?)</a:t>
-            </a:r>
-            <a:endParaRPr lang="en-US" altLang="ko-KR" dirty="0">
-              <a:solidFill>
-                <a:srgbClr val="FF0000"/>
-              </a:solidFill>
-            </a:endParaRPr>
-          </a:p>
-          <a:p>
-            <a:pPr marL="441325" lvl="1" indent="-174625">
-              <a:buAutoNum type="arabicPeriod"/>
-            </a:pPr>
+              <a:rPr lang="ko-KR" altLang="en-US" dirty="0" err="1"/>
+              <a:t>협업활동</a:t>
+            </a:r>
             <a:r>
               <a:rPr lang="en-US" altLang="ko-KR" dirty="0"/>
-              <a:t>File </a:t>
-            </a:r>
-            <a:r>
-              <a:rPr lang="ko-KR" altLang="en-US" dirty="0"/>
-              <a:t>만들고 </a:t>
-            </a:r>
-            <a:r>
-              <a:rPr lang="en-US" altLang="ko-KR" dirty="0" err="1"/>
-              <a:t>add.remote</a:t>
-            </a:r>
-            <a:r>
-              <a:rPr lang="en-US" altLang="ko-KR" dirty="0"/>
-              <a:t>, push “work1”</a:t>
-            </a:r>
-          </a:p>
-          <a:p>
-            <a:pPr marL="441325" lvl="1" indent="-174625">
-              <a:buAutoNum type="arabicPeriod"/>
-            </a:pPr>
-            <a:endParaRPr lang="en-US" altLang="ko-KR" dirty="0"/>
-          </a:p>
-          <a:p>
-            <a:pPr marL="441325" lvl="1" indent="-174625">
-              <a:buAutoNum type="arabicPeriod"/>
-            </a:pPr>
-            <a:endParaRPr lang="en-US" altLang="ko-KR" dirty="0"/>
-          </a:p>
-          <a:p>
-            <a:pPr marL="441325" lvl="1" indent="-174625">
-              <a:buAutoNum type="arabicPeriod"/>
-            </a:pPr>
-            <a:endParaRPr lang="en-US" altLang="ko-KR" dirty="0"/>
-          </a:p>
-          <a:p>
-            <a:pPr marL="441325" lvl="1" indent="-174625">
-              <a:buAutoNum type="arabicPeriod"/>
-            </a:pPr>
-            <a:endParaRPr lang="en-US" altLang="ko-KR" dirty="0"/>
-          </a:p>
-          <a:p>
-            <a:pPr marL="441325" lvl="1" indent="-174625">
-              <a:buAutoNum type="arabicPeriod"/>
-            </a:pPr>
-            <a:endParaRPr lang="en-US" altLang="ko-KR" dirty="0"/>
+              <a:t> workflow</a:t>
+            </a:r>
           </a:p>
           <a:p>
             <a:pPr marL="266700" lvl="1" indent="0">
               <a:buNone/>
             </a:pPr>
             <a:r>
-              <a:rPr lang="en-US" altLang="ko-KR" dirty="0"/>
-              <a:t>5.Git pull</a:t>
-            </a:r>
-            <a:r>
-              <a:rPr lang="ko-KR" altLang="en-US" dirty="0"/>
-              <a:t>을</a:t>
-            </a:r>
-            <a:r>
-              <a:rPr lang="en-US" altLang="ko-KR" dirty="0"/>
+              <a:rPr lang="ko-KR" altLang="en-US" dirty="0">
+                <a:latin typeface="+mn-ea"/>
+              </a:rPr>
               <a:t> </a:t>
             </a:r>
-            <a:r>
-              <a:rPr lang="ko-KR" altLang="en-US" dirty="0"/>
-              <a:t>하고 작업</a:t>
-            </a:r>
-            <a:endParaRPr lang="en-US" altLang="ko-KR" dirty="0"/>
+            <a:endParaRPr lang="en-US" altLang="ko-KR" dirty="0">
+              <a:latin typeface="+mn-ea"/>
+            </a:endParaRPr>
+          </a:p>
+          <a:p>
+            <a:pPr lvl="1"/>
+            <a:r>
+              <a:rPr lang="en-US" altLang="ko-KR" dirty="0">
+                <a:latin typeface="+mn-ea"/>
+              </a:rPr>
+              <a:t>Workflow</a:t>
+            </a:r>
+            <a:r>
+              <a:rPr lang="ko-KR" altLang="en-US" dirty="0">
+                <a:latin typeface="+mn-ea"/>
+              </a:rPr>
+              <a:t>명 </a:t>
+            </a:r>
+            <a:r>
+              <a:rPr lang="en-US" altLang="ko-KR" dirty="0">
+                <a:latin typeface="+mn-ea"/>
+              </a:rPr>
+              <a:t>: Feature branch workflow </a:t>
+            </a:r>
+          </a:p>
+          <a:p>
+            <a:pPr lvl="1"/>
+            <a:r>
+              <a:rPr lang="en-US" altLang="ko-KR" dirty="0">
+                <a:latin typeface="+mn-ea"/>
+              </a:rPr>
+              <a:t>Main</a:t>
+            </a:r>
+            <a:r>
+              <a:rPr lang="ko-KR" altLang="en-US" dirty="0">
+                <a:latin typeface="+mn-ea"/>
+              </a:rPr>
+              <a:t>이 아니라 지정된 </a:t>
+            </a:r>
+            <a:r>
+              <a:rPr lang="ko-KR" altLang="en-US" dirty="0" err="1">
+                <a:latin typeface="+mn-ea"/>
+              </a:rPr>
+              <a:t>브랜치에서</a:t>
+            </a:r>
+            <a:r>
+              <a:rPr lang="ko-KR" altLang="en-US" dirty="0">
+                <a:latin typeface="+mn-ea"/>
+              </a:rPr>
+              <a:t> 작업</a:t>
+            </a:r>
+            <a:endParaRPr lang="en-US" altLang="ko-KR" dirty="0">
+              <a:latin typeface="+mn-ea"/>
+            </a:endParaRPr>
+          </a:p>
+          <a:p>
+            <a:pPr lvl="1"/>
+            <a:r>
+              <a:rPr lang="en-US" altLang="ko-KR" dirty="0">
+                <a:latin typeface="+mn-ea"/>
+              </a:rPr>
+              <a:t>Main</a:t>
+            </a:r>
+            <a:r>
+              <a:rPr lang="ko-KR" altLang="en-US" dirty="0">
+                <a:latin typeface="+mn-ea"/>
+              </a:rPr>
+              <a:t>과 다른 작업자들의 작업에 혼선을 주지 않고 독자적을 작업 가능</a:t>
+            </a:r>
+            <a:endParaRPr lang="en-US" altLang="ko-KR" dirty="0">
+              <a:latin typeface="+mn-ea"/>
+            </a:endParaRPr>
+          </a:p>
+          <a:p>
+            <a:pPr lvl="1"/>
+            <a:r>
+              <a:rPr lang="ko-KR" altLang="en-US" dirty="0">
+                <a:latin typeface="+mn-ea"/>
+              </a:rPr>
+              <a:t>따라서</a:t>
+            </a:r>
+            <a:r>
+              <a:rPr lang="en-US" altLang="ko-KR" dirty="0">
+                <a:latin typeface="+mn-ea"/>
+              </a:rPr>
+              <a:t>, main</a:t>
+            </a:r>
+            <a:r>
+              <a:rPr lang="ko-KR" altLang="en-US" dirty="0">
+                <a:latin typeface="+mn-ea"/>
+              </a:rPr>
+              <a:t> 내용 손상에 따른 피해를 미연에 방지 가능</a:t>
+            </a:r>
+            <a:endParaRPr lang="en-US" altLang="ko-KR" dirty="0">
+              <a:latin typeface="+mn-ea"/>
+            </a:endParaRPr>
+          </a:p>
+          <a:p>
+            <a:pPr lvl="1"/>
+            <a:r>
+              <a:rPr lang="en-US" altLang="ko-KR" dirty="0">
+                <a:latin typeface="+mn-ea"/>
+              </a:rPr>
+              <a:t>PR</a:t>
+            </a:r>
+            <a:r>
+              <a:rPr lang="ko-KR" altLang="en-US" dirty="0">
+                <a:latin typeface="+mn-ea"/>
+              </a:rPr>
+              <a:t>을 사용할 수 있어 타 개발자가 승인을 할 수 있는 기회를 부여</a:t>
+            </a:r>
+            <a:endParaRPr lang="en-US" altLang="ko-KR" dirty="0">
+              <a:latin typeface="+mn-ea"/>
+            </a:endParaRPr>
+          </a:p>
+          <a:p>
+            <a:pPr lvl="1"/>
+            <a:r>
+              <a:rPr lang="ko-KR" altLang="en-US" dirty="0">
+                <a:latin typeface="+mn-ea"/>
+              </a:rPr>
+              <a:t>문제가 발생했을 시에 동료에게 도움을 요청할 수 있음</a:t>
+            </a:r>
+            <a:r>
+              <a:rPr lang="en-US" altLang="ko-KR" dirty="0">
+                <a:latin typeface="+mn-ea"/>
+              </a:rPr>
+              <a:t>.</a:t>
+            </a:r>
+          </a:p>
+          <a:p>
+            <a:pPr lvl="1"/>
+            <a:r>
+              <a:rPr lang="ko-KR" altLang="en-US" dirty="0">
+                <a:latin typeface="+mn-ea"/>
+              </a:rPr>
+              <a:t>여러가지 </a:t>
+            </a:r>
+            <a:r>
+              <a:rPr lang="en-US" altLang="ko-KR" dirty="0">
+                <a:latin typeface="+mn-ea"/>
+              </a:rPr>
+              <a:t>workflow</a:t>
+            </a:r>
+            <a:r>
+              <a:rPr lang="ko-KR" altLang="en-US" dirty="0">
+                <a:latin typeface="+mn-ea"/>
+              </a:rPr>
+              <a:t>모델이 있는데</a:t>
+            </a:r>
+            <a:r>
+              <a:rPr lang="en-US" altLang="ko-KR" dirty="0">
+                <a:latin typeface="+mn-ea"/>
+              </a:rPr>
+              <a:t>, </a:t>
+            </a:r>
+            <a:r>
+              <a:rPr lang="ko-KR" altLang="en-US" dirty="0">
+                <a:latin typeface="+mn-ea"/>
+              </a:rPr>
+              <a:t>이 방법이 기본이 되어 구성됨</a:t>
+            </a:r>
+            <a:r>
+              <a:rPr lang="en-US" altLang="ko-KR" dirty="0">
+                <a:latin typeface="+mn-ea"/>
+              </a:rPr>
+              <a:t>.</a:t>
+            </a:r>
           </a:p>
           <a:p>
             <a:pPr marL="266700" lvl="1" indent="0">
               <a:buNone/>
             </a:pPr>
             <a:r>
-              <a:rPr lang="ko-KR" altLang="en-US" dirty="0"/>
-              <a:t>좌우 </a:t>
-            </a:r>
-            <a:r>
-              <a:rPr lang="en-US" altLang="ko-KR" dirty="0"/>
-              <a:t>version</a:t>
-            </a:r>
-            <a:r>
-              <a:rPr lang="ko-KR" altLang="en-US" dirty="0"/>
-              <a:t>이</a:t>
-            </a:r>
-            <a:r>
-              <a:rPr lang="en-US" altLang="ko-KR" dirty="0"/>
+              <a:rPr lang="en-US" altLang="ko-KR" dirty="0">
+                <a:latin typeface="+mn-ea"/>
+              </a:rPr>
+              <a:t>   (</a:t>
+            </a:r>
+            <a:r>
+              <a:rPr lang="ko-KR" altLang="en-US" dirty="0">
+                <a:latin typeface="+mn-ea"/>
+              </a:rPr>
+              <a:t>앞에서 실습한 </a:t>
+            </a:r>
+            <a:r>
+              <a:rPr lang="en-US" altLang="ko-KR" dirty="0">
+                <a:latin typeface="+mn-ea"/>
+              </a:rPr>
+              <a:t>forking</a:t>
+            </a:r>
+            <a:r>
+              <a:rPr lang="ko-KR" altLang="en-US" dirty="0">
+                <a:latin typeface="+mn-ea"/>
+              </a:rPr>
               <a:t> </a:t>
             </a:r>
             <a:r>
-              <a:rPr lang="ko-KR" altLang="en-US" dirty="0"/>
-              <a:t>같음 </a:t>
-            </a:r>
-            <a:r>
-              <a:rPr lang="en-US" altLang="ko-KR" dirty="0"/>
-              <a:t>(</a:t>
-            </a:r>
-            <a:r>
-              <a:rPr lang="ko-KR" altLang="en-US" dirty="0"/>
-              <a:t>여기서 </a:t>
-            </a:r>
-            <a:r>
-              <a:rPr lang="en-US" altLang="ko-KR" dirty="0" err="1"/>
-              <a:t>leade</a:t>
-            </a:r>
-            <a:r>
-              <a:rPr lang="ko-KR" altLang="en-US" dirty="0"/>
-              <a:t>화면과 </a:t>
-            </a:r>
-            <a:r>
-              <a:rPr lang="en-US" altLang="ko-KR" dirty="0"/>
-              <a:t>collaborator </a:t>
-            </a:r>
-            <a:r>
-              <a:rPr lang="ko-KR" altLang="en-US" dirty="0"/>
-              <a:t>화면 </a:t>
-            </a:r>
-            <a:r>
-              <a:rPr lang="en-US" altLang="ko-KR" dirty="0" err="1"/>
-              <a:t>git</a:t>
-            </a:r>
-            <a:r>
-              <a:rPr lang="en-US" altLang="ko-KR" dirty="0"/>
-              <a:t> log</a:t>
-            </a:r>
-            <a:r>
-              <a:rPr lang="ko-KR" altLang="en-US" dirty="0"/>
-              <a:t>화면 비교</a:t>
-            </a:r>
-            <a:r>
-              <a:rPr lang="en-US" altLang="ko-KR" dirty="0"/>
+              <a:rPr lang="en-US" altLang="ko-KR" dirty="0" err="1">
+                <a:latin typeface="+mn-ea"/>
+              </a:rPr>
+              <a:t>workflo</a:t>
+            </a:r>
+            <a:r>
+              <a:rPr lang="ko-KR" altLang="en-US" dirty="0">
+                <a:latin typeface="+mn-ea"/>
+              </a:rPr>
+              <a:t>와 </a:t>
+            </a:r>
+            <a:r>
+              <a:rPr lang="en-US" altLang="ko-KR" dirty="0">
+                <a:latin typeface="+mn-ea"/>
+              </a:rPr>
+              <a:t>upstream</a:t>
+            </a:r>
+            <a:r>
+              <a:rPr lang="ko-KR" altLang="en-US" dirty="0">
+                <a:latin typeface="+mn-ea"/>
+              </a:rPr>
+              <a:t>이 없다는 것만 제외하고 유사</a:t>
+            </a:r>
+            <a:r>
+              <a:rPr lang="en-US" altLang="ko-KR" dirty="0">
+                <a:latin typeface="+mn-ea"/>
+              </a:rPr>
               <a:t>)</a:t>
             </a:r>
           </a:p>
-          <a:p>
-            <a:pPr marL="266700" lvl="1" indent="0">
-              <a:buNone/>
-            </a:pPr>
-            <a:r>
-              <a:rPr lang="en-US" altLang="ko-KR" dirty="0"/>
-              <a:t>  - </a:t>
-            </a:r>
-            <a:r>
-              <a:rPr lang="ko-KR" altLang="en-US" dirty="0"/>
-              <a:t>가능하면 </a:t>
-            </a:r>
-            <a:r>
-              <a:rPr lang="ko-KR" altLang="en-US" dirty="0" err="1"/>
-              <a:t>작업전</a:t>
-            </a:r>
-            <a:r>
-              <a:rPr lang="ko-KR" altLang="en-US" dirty="0"/>
-              <a:t> </a:t>
-            </a:r>
-            <a:r>
-              <a:rPr lang="en-US" altLang="ko-KR" dirty="0"/>
-              <a:t>pull </a:t>
-            </a:r>
-            <a:r>
-              <a:rPr lang="ko-KR" altLang="en-US" dirty="0"/>
-              <a:t>비교 작업하고 </a:t>
-            </a:r>
-            <a:r>
-              <a:rPr lang="en-US" altLang="ko-KR" dirty="0"/>
-              <a:t>push </a:t>
-            </a:r>
-            <a:r>
-              <a:rPr lang="ko-KR" altLang="en-US" dirty="0"/>
-              <a:t>자주 하도록</a:t>
-            </a:r>
-            <a:endParaRPr lang="en-US" altLang="ko-KR" dirty="0"/>
-          </a:p>
-          <a:p>
-            <a:pPr lvl="1"/>
-            <a:endParaRPr lang="en-US" altLang="ko-KR" dirty="0"/>
-          </a:p>
         </p:txBody>
       </p:sp>
       <p:sp>
         <p:nvSpPr>
-          <p:cNvPr id="6" name="내용 개체 틀 2">
+          <p:cNvPr id="11" name="제목 3">
             <a:extLst>
               <a:ext uri="{FF2B5EF4-FFF2-40B4-BE49-F238E27FC236}">
-                <a16:creationId xmlns:a16="http://schemas.microsoft.com/office/drawing/2014/main" id="{A44AC902-3746-40D6-9827-94B46EEDDC67}"/>
+                <a16:creationId xmlns:a16="http://schemas.microsoft.com/office/drawing/2014/main" id="{F0CEB32B-CB43-4410-BA08-A97E4BC47FCB}"/>
               </a:ext>
             </a:extLst>
           </p:cNvPr>
-          <p:cNvSpPr txBox="1">
-            <a:spLocks/>
+          <p:cNvSpPr>
+            <a:spLocks noGrp="1"/>
           </p:cNvSpPr>
-          <p:nvPr/>
+          <p:nvPr>
+            <p:ph type="title"/>
+          </p:nvPr>
         </p:nvSpPr>
         <p:spPr>
           <a:xfrm>
-            <a:off x="4681557" y="1120543"/>
-            <a:ext cx="4274873" cy="3967271"/>
+            <a:off x="539551" y="192300"/>
+            <a:ext cx="7272113" cy="576064"/>
+          </a:xfrm>
+        </p:spPr>
+        <p:txBody>
+          <a:bodyPr/>
+          <a:lstStyle/>
+          <a:p>
+            <a:r>
+              <a:rPr lang="ko-KR" altLang="en-US" dirty="0"/>
+              <a:t>협업하기 </a:t>
+            </a:r>
+            <a:r>
+              <a:rPr lang="en-US" altLang="ko-KR" dirty="0"/>
+              <a:t>(</a:t>
+            </a:r>
+            <a:r>
+              <a:rPr lang="en-US" altLang="ko-KR" dirty="0" err="1"/>
+              <a:t>worlflow</a:t>
+            </a:r>
+            <a:r>
+              <a:rPr lang="en-US" altLang="ko-KR" dirty="0"/>
+              <a:t>) – Feature branch workflow </a:t>
+            </a:r>
+            <a:endParaRPr lang="ko-KR" altLang="en-US" dirty="0"/>
+          </a:p>
+        </p:txBody>
+      </p:sp>
+      <p:sp>
+        <p:nvSpPr>
+          <p:cNvPr id="5" name="TextBox 4">
+            <a:extLst>
+              <a:ext uri="{FF2B5EF4-FFF2-40B4-BE49-F238E27FC236}">
+                <a16:creationId xmlns:a16="http://schemas.microsoft.com/office/drawing/2014/main" id="{A0933BD6-075A-4632-ADC8-E627E963006E}"/>
+              </a:ext>
+            </a:extLst>
+          </p:cNvPr>
+          <p:cNvSpPr txBox="1"/>
+          <p:nvPr/>
+        </p:nvSpPr>
+        <p:spPr>
+          <a:xfrm>
+            <a:off x="81090" y="5737455"/>
+            <a:ext cx="8981820" cy="369332"/>
           </a:xfrm>
           <a:prstGeom prst="rect">
             <a:avLst/>
           </a:prstGeom>
+          <a:noFill/>
         </p:spPr>
         <p:txBody>
-          <a:bodyPr vert="horz" lIns="91440" tIns="45720" rIns="91440" bIns="45720" rtlCol="0">
-            <a:noAutofit/>
+          <a:bodyPr wrap="square">
+            <a:spAutoFit/>
           </a:bodyPr>
-          <a:lstStyle>
-            <a:lvl1pPr marL="266700" indent="-266700" defTabSz="914400" latinLnBrk="1">
-              <a:lnSpc>
-                <a:spcPct val="150000"/>
-              </a:lnSpc>
-              <a:spcBef>
-                <a:spcPct val="0"/>
-              </a:spcBef>
-              <a:buClr>
-                <a:schemeClr val="tx1">
-                  <a:lumMod val="65000"/>
-                  <a:lumOff val="35000"/>
-                </a:schemeClr>
-              </a:buClr>
-              <a:buFont typeface="Wingdings" pitchFamily="2" charset="2"/>
-              <a:buChar char="n"/>
-              <a:defRPr sz="2000" b="1">
-                <a:latin typeface="+mn-ea"/>
-              </a:defRPr>
-            </a:lvl1pPr>
-            <a:lvl2pPr marL="447675" lvl="1" indent="-180975" defTabSz="914400" latinLnBrk="1">
-              <a:lnSpc>
-                <a:spcPct val="150000"/>
+          <a:lstStyle/>
+          <a:p>
+            <a:pPr marL="0" marR="0" lvl="0" indent="0" algn="l" defTabSz="914400" rtl="0" eaLnBrk="1" fontAlgn="auto" latinLnBrk="1" hangingPunct="1">
+              <a:lnSpc>
+                <a:spcPct val="100000"/>
               </a:lnSpc>
               <a:spcBef>
                 <a:spcPts val="0"/>
@@ -17868,275 +18293,29 @@
               <a:spcAft>
                 <a:spcPts val="0"/>
               </a:spcAft>
-              <a:buClr>
-                <a:schemeClr val="tx1">
-                  <a:lumMod val="50000"/>
-                  <a:lumOff val="50000"/>
-                </a:schemeClr>
-              </a:buClr>
-              <a:buFont typeface="Wingdings" pitchFamily="2" charset="2"/>
-              <a:buChar char="§"/>
-              <a:defRPr sz="1600"/>
-            </a:lvl2pPr>
-            <a:lvl3pPr marL="628650" indent="-180975" defTabSz="914400" latinLnBrk="1">
-              <a:lnSpc>
-                <a:spcPct val="150000"/>
-              </a:lnSpc>
-              <a:spcBef>
-                <a:spcPts val="500"/>
-              </a:spcBef>
-              <a:spcAft>
-                <a:spcPts val="300"/>
-              </a:spcAft>
-              <a:buClr>
-                <a:schemeClr val="tx1">
-                  <a:lumMod val="65000"/>
-                  <a:lumOff val="35000"/>
-                </a:schemeClr>
-              </a:buClr>
-              <a:buFont typeface="Arial" panose="020B0604020202020204" pitchFamily="34" charset="0"/>
-              <a:buChar char="•"/>
-              <a:defRPr sz="1400"/>
-            </a:lvl3pPr>
-            <a:lvl4pPr marL="809625" indent="-180975" defTabSz="914400" latinLnBrk="1">
-              <a:lnSpc>
-                <a:spcPct val="150000"/>
-              </a:lnSpc>
-              <a:spcBef>
-                <a:spcPts val="500"/>
-              </a:spcBef>
-              <a:spcAft>
-                <a:spcPts val="300"/>
-              </a:spcAft>
-              <a:buClr>
-                <a:schemeClr val="tx1">
-                  <a:lumMod val="65000"/>
-                  <a:lumOff val="35000"/>
-                </a:schemeClr>
-              </a:buClr>
-              <a:buSzPct val="96000"/>
-              <a:buFont typeface="Arial" panose="020B0604020202020204" pitchFamily="34" charset="0"/>
-              <a:buChar char="•"/>
-              <a:defRPr sz="1200"/>
-            </a:lvl4pPr>
-            <a:lvl5pPr marL="990600" indent="-180975" defTabSz="914400" latinLnBrk="1">
-              <a:lnSpc>
-                <a:spcPct val="150000"/>
-              </a:lnSpc>
-              <a:spcBef>
-                <a:spcPts val="500"/>
-              </a:spcBef>
-              <a:buClr>
-                <a:schemeClr val="tx1">
-                  <a:lumMod val="65000"/>
-                  <a:lumOff val="35000"/>
-                </a:schemeClr>
-              </a:buClr>
-              <a:buFont typeface="Arial" panose="020B0604020202020204" pitchFamily="34" charset="0"/>
-              <a:buChar char="•"/>
-              <a:defRPr sz="1000"/>
-            </a:lvl5pPr>
-            <a:lvl6pPr marL="2514600" indent="-228600" defTabSz="914400" latinLnBrk="1">
-              <a:lnSpc>
-                <a:spcPct val="90000"/>
-              </a:lnSpc>
-              <a:spcBef>
-                <a:spcPts val="500"/>
-              </a:spcBef>
-              <a:buFont typeface="Arial" panose="020B0604020202020204" pitchFamily="34" charset="0"/>
-              <a:buChar char="•"/>
-            </a:lvl6pPr>
-            <a:lvl7pPr marL="2971800" indent="-228600" defTabSz="914400" latinLnBrk="1">
-              <a:lnSpc>
-                <a:spcPct val="90000"/>
-              </a:lnSpc>
-              <a:spcBef>
-                <a:spcPts val="500"/>
-              </a:spcBef>
-              <a:buFont typeface="Arial" panose="020B0604020202020204" pitchFamily="34" charset="0"/>
-              <a:buChar char="•"/>
-            </a:lvl7pPr>
-            <a:lvl8pPr marL="3429000" indent="-228600" defTabSz="914400" latinLnBrk="1">
-              <a:lnSpc>
-                <a:spcPct val="90000"/>
-              </a:lnSpc>
-              <a:spcBef>
-                <a:spcPts val="500"/>
-              </a:spcBef>
-              <a:buFont typeface="Arial" panose="020B0604020202020204" pitchFamily="34" charset="0"/>
-              <a:buChar char="•"/>
-            </a:lvl8pPr>
-            <a:lvl9pPr marL="3886200" indent="-228600" defTabSz="914400" latinLnBrk="1">
-              <a:lnSpc>
-                <a:spcPct val="90000"/>
-              </a:lnSpc>
-              <a:spcBef>
-                <a:spcPts val="500"/>
-              </a:spcBef>
-              <a:buFont typeface="Arial" panose="020B0604020202020204" pitchFamily="34" charset="0"/>
-              <a:buChar char="•"/>
-            </a:lvl9pPr>
-          </a:lstStyle>
-          <a:p>
+              <a:buClrTx/>
+              <a:buSzTx/>
+              <a:buFontTx/>
+              <a:buNone/>
+              <a:tabLst/>
+              <a:defRPr/>
+            </a:pPr>
+            <a:r>
+              <a:rPr lang="ko-KR" altLang="en-US" dirty="0"/>
+              <a:t>참고</a:t>
+            </a:r>
             <a:r>
               <a:rPr lang="en-US" altLang="ko-KR" dirty="0"/>
-              <a:t>Collaborator</a:t>
-            </a:r>
-          </a:p>
-          <a:p>
-            <a:pPr marL="266700" lvl="1" indent="0">
-              <a:buNone/>
-            </a:pPr>
-            <a:r>
-              <a:rPr lang="en-US" altLang="ko-KR" dirty="0"/>
-              <a:t>2. </a:t>
-            </a:r>
-            <a:r>
-              <a:rPr lang="en-US" altLang="ko-KR" dirty="0" err="1"/>
-              <a:t>Git</a:t>
-            </a:r>
-            <a:r>
-              <a:rPr lang="en-US" altLang="ko-KR" dirty="0"/>
-              <a:t> pull </a:t>
-            </a:r>
-            <a:r>
-              <a:rPr lang="en-US" altLang="ko-KR" dirty="0" err="1"/>
-              <a:t>veriosn</a:t>
-            </a:r>
-            <a:r>
-              <a:rPr lang="en-US" altLang="ko-KR" dirty="0"/>
-              <a:t> </a:t>
-            </a:r>
-            <a:r>
-              <a:rPr lang="ko-KR" altLang="en-US" dirty="0"/>
-              <a:t>관리해야 하는데</a:t>
-            </a:r>
-            <a:r>
-              <a:rPr lang="en-US" altLang="ko-KR" dirty="0"/>
-              <a:t>,</a:t>
-            </a:r>
-          </a:p>
-          <a:p>
-            <a:pPr marL="266700" lvl="1" indent="0">
-              <a:buNone/>
-            </a:pPr>
-            <a:r>
-              <a:rPr lang="en-US" altLang="ko-KR" dirty="0"/>
-              <a:t>     </a:t>
-            </a:r>
-            <a:r>
-              <a:rPr lang="ko-KR" altLang="en-US" dirty="0"/>
-              <a:t>리더와 동시에 같은 파일 수정하고</a:t>
-            </a:r>
-            <a:endParaRPr lang="en-US" altLang="ko-KR" dirty="0"/>
-          </a:p>
-          <a:p>
-            <a:pPr marL="266700" lvl="1" indent="0">
-              <a:buNone/>
-            </a:pPr>
-            <a:r>
-              <a:rPr lang="en-US" altLang="ko-KR" dirty="0"/>
-              <a:t>     push (-m ‘work2”)</a:t>
-            </a:r>
-            <a:r>
-              <a:rPr lang="ko-KR" altLang="en-US" dirty="0"/>
-              <a:t>하면</a:t>
-            </a:r>
-            <a:r>
-              <a:rPr lang="en-US" altLang="ko-KR" dirty="0"/>
-              <a:t>, </a:t>
-            </a:r>
-            <a:r>
-              <a:rPr lang="en-US" altLang="ko-KR" dirty="0" err="1"/>
-              <a:t>github</a:t>
-            </a:r>
-            <a:r>
-              <a:rPr lang="ko-KR" altLang="en-US" dirty="0"/>
-              <a:t>가</a:t>
-            </a:r>
-            <a:r>
-              <a:rPr lang="en-US" altLang="ko-KR" dirty="0"/>
-              <a:t> reject </a:t>
-            </a:r>
-            <a:r>
-              <a:rPr lang="ko-KR" altLang="en-US" dirty="0"/>
-              <a:t>메시지보내옴</a:t>
-            </a:r>
-            <a:r>
-              <a:rPr lang="en-US" altLang="ko-KR" dirty="0"/>
-              <a:t>.</a:t>
-            </a:r>
-          </a:p>
-          <a:p>
-            <a:pPr marL="266700" lvl="1" indent="0">
-              <a:buNone/>
-            </a:pPr>
-            <a:r>
-              <a:rPr lang="en-US" altLang="ko-KR" dirty="0"/>
-              <a:t>3. </a:t>
-            </a:r>
-            <a:r>
-              <a:rPr lang="ko-KR" altLang="en-US" dirty="0"/>
-              <a:t>파일 확인하고 수정</a:t>
-            </a:r>
-            <a:endParaRPr lang="en-US" altLang="ko-KR" dirty="0"/>
-          </a:p>
-          <a:p>
-            <a:pPr marL="266700" lvl="1" indent="0">
-              <a:buNone/>
-            </a:pPr>
-            <a:r>
-              <a:rPr lang="en-US" altLang="ko-KR" dirty="0"/>
-              <a:t>4. Add commit –m </a:t>
-            </a:r>
-            <a:r>
-              <a:rPr lang="ko-KR" altLang="en-US" dirty="0"/>
-              <a:t>없이 하면 자동으로 메시지를 만들어 줌 </a:t>
-            </a:r>
-            <a:r>
-              <a:rPr lang="en-US" altLang="ko-KR" dirty="0"/>
-              <a:t>-&gt; status, log</a:t>
-            </a:r>
-            <a:r>
-              <a:rPr lang="ko-KR" altLang="en-US" dirty="0"/>
-              <a:t>확인후 </a:t>
-            </a:r>
-            <a:r>
-              <a:rPr lang="en-US" altLang="ko-KR" dirty="0"/>
-              <a:t>push</a:t>
-            </a:r>
-          </a:p>
-          <a:p>
-            <a:pPr marL="266700" lvl="1" indent="0">
-              <a:buNone/>
-            </a:pPr>
-            <a:r>
-              <a:rPr lang="en-US" altLang="ko-KR" dirty="0" err="1">
-                <a:solidFill>
-                  <a:srgbClr val="FF0000"/>
-                </a:solidFill>
-              </a:rPr>
-              <a:t>Git</a:t>
-            </a:r>
-            <a:r>
-              <a:rPr lang="en-US" altLang="ko-KR" dirty="0">
-                <a:solidFill>
-                  <a:srgbClr val="FF0000"/>
-                </a:solidFill>
-              </a:rPr>
-              <a:t> l?</a:t>
-            </a:r>
-          </a:p>
-          <a:p>
-            <a:pPr lvl="1"/>
-            <a:endParaRPr lang="en-US" altLang="ko-KR" dirty="0"/>
+              <a:t>: https://www.atlassian.com/git/tutorials/comparing-workflows/feature-branch-workflow</a:t>
+            </a:r>
+            <a:endParaRPr lang="ko-KR" altLang="en-US" dirty="0"/>
           </a:p>
         </p:txBody>
       </p:sp>
     </p:spTree>
     <p:extLst>
       <p:ext uri="{BB962C8B-B14F-4D97-AF65-F5344CB8AC3E}">
-        <p14:creationId xmlns:p14="http://schemas.microsoft.com/office/powerpoint/2010/main" val="627789346"/>
+        <p14:creationId xmlns:p14="http://schemas.microsoft.com/office/powerpoint/2010/main" val="4013933063"/>
       </p:ext>
     </p:extLst>
   </p:cSld>
@@ -18193,7 +18372,7 @@
       </p:sp>
       <p:sp>
         <p:nvSpPr>
-          <p:cNvPr id="7" name="내용 개체 틀 2">
+          <p:cNvPr id="5" name="내용 개체 틀 2">
             <a:extLst>
               <a:ext uri="{FF2B5EF4-FFF2-40B4-BE49-F238E27FC236}">
                 <a16:creationId xmlns:a16="http://schemas.microsoft.com/office/drawing/2014/main" id="{A44AC902-3746-40D6-9827-94B46EEDDC67}"/>
@@ -18207,8 +18386,8 @@
         </p:nvSpPr>
         <p:spPr>
           <a:xfrm>
-            <a:off x="341787" y="1120545"/>
-            <a:ext cx="8642350" cy="2351314"/>
+            <a:off x="341786" y="1120544"/>
+            <a:ext cx="4054367" cy="2348370"/>
           </a:xfrm>
           <a:prstGeom prst="rect">
             <a:avLst/>
@@ -18360,97 +18539,481 @@
           <a:p>
             <a:r>
               <a:rPr lang="en-US" altLang="ko-KR" dirty="0"/>
-              <a:t>Fetch </a:t>
+              <a:t>Leader </a:t>
+            </a:r>
+            <a:r>
+              <a:rPr lang="en-US" altLang="ko-KR" dirty="0">
+                <a:solidFill>
+                  <a:srgbClr val="FF0000"/>
+                </a:solidFill>
+              </a:rPr>
+              <a:t>(</a:t>
+            </a:r>
+            <a:r>
+              <a:rPr lang="ko-KR" altLang="en-US" dirty="0">
+                <a:solidFill>
+                  <a:srgbClr val="FF0000"/>
+                </a:solidFill>
+              </a:rPr>
+              <a:t>완료하고 </a:t>
+            </a:r>
+            <a:r>
+              <a:rPr lang="en-US" altLang="ko-KR" dirty="0">
+                <a:solidFill>
+                  <a:srgbClr val="FF0000"/>
+                </a:solidFill>
+              </a:rPr>
+              <a:t>closing</a:t>
+            </a:r>
+            <a:r>
+              <a:rPr lang="ko-KR" altLang="en-US" dirty="0">
+                <a:solidFill>
+                  <a:srgbClr val="FF0000"/>
+                </a:solidFill>
+              </a:rPr>
+              <a:t>하는 방법은</a:t>
+            </a:r>
+            <a:r>
+              <a:rPr lang="en-US" altLang="ko-KR" dirty="0">
+                <a:solidFill>
+                  <a:srgbClr val="FF0000"/>
+                </a:solidFill>
+              </a:rPr>
+              <a:t>?)</a:t>
+            </a:r>
+          </a:p>
+          <a:p>
+            <a:pPr marL="441325" lvl="1" indent="-174625">
+              <a:buAutoNum type="arabicPeriod"/>
+            </a:pPr>
+            <a:r>
+              <a:rPr lang="en-US" altLang="ko-KR" dirty="0"/>
+              <a:t>File </a:t>
             </a:r>
             <a:r>
               <a:rPr lang="ko-KR" altLang="en-US" dirty="0"/>
-              <a:t>이용하기</a:t>
-            </a:r>
+              <a:t>만들고 </a:t>
+            </a:r>
+            <a:r>
+              <a:rPr lang="en-US" altLang="ko-KR" dirty="0" err="1"/>
+              <a:t>add.remote</a:t>
+            </a:r>
+            <a:r>
+              <a:rPr lang="en-US" altLang="ko-KR" dirty="0"/>
+              <a:t>, push “work1”</a:t>
+            </a:r>
+          </a:p>
+          <a:p>
+            <a:pPr marL="441325" lvl="1" indent="-174625">
+              <a:buAutoNum type="arabicPeriod"/>
+            </a:pPr>
             <a:endParaRPr lang="en-US" altLang="ko-KR" dirty="0"/>
           </a:p>
           <a:p>
+            <a:pPr marL="441325" lvl="1" indent="-174625">
+              <a:buAutoNum type="arabicPeriod"/>
+            </a:pPr>
+            <a:endParaRPr lang="en-US" altLang="ko-KR" dirty="0"/>
+          </a:p>
+          <a:p>
+            <a:pPr marL="441325" lvl="1" indent="-174625">
+              <a:buAutoNum type="arabicPeriod"/>
+            </a:pPr>
+            <a:endParaRPr lang="en-US" altLang="ko-KR" dirty="0"/>
+          </a:p>
+          <a:p>
+            <a:pPr marL="441325" lvl="1" indent="-174625">
+              <a:buAutoNum type="arabicPeriod"/>
+            </a:pPr>
+            <a:endParaRPr lang="en-US" altLang="ko-KR" dirty="0"/>
+          </a:p>
+          <a:p>
+            <a:pPr marL="441325" lvl="1" indent="-174625">
+              <a:buAutoNum type="arabicPeriod"/>
+            </a:pPr>
+            <a:endParaRPr lang="en-US" altLang="ko-KR" dirty="0"/>
+          </a:p>
+          <a:p>
+            <a:pPr marL="266700" lvl="1" indent="0">
+              <a:buNone/>
+            </a:pPr>
+            <a:r>
+              <a:rPr lang="en-US" altLang="ko-KR" dirty="0"/>
+              <a:t>5.Git pull</a:t>
+            </a:r>
+            <a:r>
+              <a:rPr lang="ko-KR" altLang="en-US" dirty="0"/>
+              <a:t>을</a:t>
+            </a:r>
+            <a:r>
+              <a:rPr lang="en-US" altLang="ko-KR" dirty="0"/>
+              <a:t> </a:t>
+            </a:r>
+            <a:r>
+              <a:rPr lang="ko-KR" altLang="en-US" dirty="0"/>
+              <a:t>하고 작업</a:t>
+            </a:r>
+            <a:endParaRPr lang="en-US" altLang="ko-KR" dirty="0"/>
+          </a:p>
+          <a:p>
+            <a:pPr marL="266700" lvl="1" indent="0">
+              <a:buNone/>
+            </a:pPr>
+            <a:r>
+              <a:rPr lang="ko-KR" altLang="en-US" dirty="0"/>
+              <a:t>좌우 </a:t>
+            </a:r>
+            <a:r>
+              <a:rPr lang="en-US" altLang="ko-KR" dirty="0"/>
+              <a:t>version</a:t>
+            </a:r>
+            <a:r>
+              <a:rPr lang="ko-KR" altLang="en-US" dirty="0"/>
+              <a:t>이</a:t>
+            </a:r>
+            <a:r>
+              <a:rPr lang="en-US" altLang="ko-KR" dirty="0"/>
+              <a:t> </a:t>
+            </a:r>
+            <a:r>
+              <a:rPr lang="ko-KR" altLang="en-US" dirty="0"/>
+              <a:t>같음 </a:t>
+            </a:r>
+            <a:r>
+              <a:rPr lang="en-US" altLang="ko-KR" dirty="0"/>
+              <a:t>(</a:t>
+            </a:r>
+            <a:r>
+              <a:rPr lang="ko-KR" altLang="en-US" dirty="0"/>
+              <a:t>여기서 </a:t>
+            </a:r>
+            <a:r>
+              <a:rPr lang="en-US" altLang="ko-KR" dirty="0" err="1"/>
+              <a:t>leade</a:t>
+            </a:r>
+            <a:r>
+              <a:rPr lang="ko-KR" altLang="en-US" dirty="0"/>
+              <a:t>화면과 </a:t>
+            </a:r>
+            <a:r>
+              <a:rPr lang="en-US" altLang="ko-KR" dirty="0"/>
+              <a:t>collaborator </a:t>
+            </a:r>
+            <a:r>
+              <a:rPr lang="ko-KR" altLang="en-US" dirty="0"/>
+              <a:t>화면 </a:t>
+            </a:r>
+            <a:r>
+              <a:rPr lang="en-US" altLang="ko-KR" dirty="0" err="1"/>
+              <a:t>git</a:t>
+            </a:r>
+            <a:r>
+              <a:rPr lang="en-US" altLang="ko-KR" dirty="0"/>
+              <a:t> log</a:t>
+            </a:r>
+            <a:r>
+              <a:rPr lang="ko-KR" altLang="en-US" dirty="0"/>
+              <a:t>화면 비교</a:t>
+            </a:r>
+            <a:r>
+              <a:rPr lang="en-US" altLang="ko-KR" dirty="0"/>
+              <a:t>)</a:t>
+            </a:r>
+          </a:p>
+          <a:p>
+            <a:pPr marL="266700" lvl="1" indent="0">
+              <a:buNone/>
+            </a:pPr>
+            <a:r>
+              <a:rPr lang="en-US" altLang="ko-KR" dirty="0"/>
+              <a:t>  - </a:t>
+            </a:r>
+            <a:r>
+              <a:rPr lang="ko-KR" altLang="en-US" dirty="0"/>
+              <a:t>가능하면 </a:t>
+            </a:r>
+            <a:r>
+              <a:rPr lang="ko-KR" altLang="en-US" dirty="0" err="1"/>
+              <a:t>작업전</a:t>
+            </a:r>
+            <a:r>
+              <a:rPr lang="ko-KR" altLang="en-US" dirty="0"/>
+              <a:t> </a:t>
+            </a:r>
+            <a:r>
+              <a:rPr lang="en-US" altLang="ko-KR" dirty="0"/>
+              <a:t>pull </a:t>
+            </a:r>
+            <a:r>
+              <a:rPr lang="ko-KR" altLang="en-US" dirty="0"/>
+              <a:t>비교 작업하고 </a:t>
+            </a:r>
+            <a:r>
+              <a:rPr lang="en-US" altLang="ko-KR" dirty="0"/>
+              <a:t>push </a:t>
+            </a:r>
+            <a:r>
+              <a:rPr lang="ko-KR" altLang="en-US" dirty="0"/>
+              <a:t>자주 하도록</a:t>
+            </a:r>
+            <a:endParaRPr lang="en-US" altLang="ko-KR" dirty="0"/>
+          </a:p>
+          <a:p>
             <a:pPr lvl="1"/>
+            <a:endParaRPr lang="en-US" altLang="ko-KR" dirty="0"/>
+          </a:p>
+        </p:txBody>
+      </p:sp>
+      <p:sp>
+        <p:nvSpPr>
+          <p:cNvPr id="6" name="내용 개체 틀 2">
+            <a:extLst>
+              <a:ext uri="{FF2B5EF4-FFF2-40B4-BE49-F238E27FC236}">
+                <a16:creationId xmlns:a16="http://schemas.microsoft.com/office/drawing/2014/main" id="{A44AC902-3746-40D6-9827-94B46EEDDC67}"/>
+              </a:ext>
+            </a:extLst>
+          </p:cNvPr>
+          <p:cNvSpPr txBox="1">
+            <a:spLocks/>
+          </p:cNvSpPr>
+          <p:nvPr/>
+        </p:nvSpPr>
+        <p:spPr>
+          <a:xfrm>
+            <a:off x="4681557" y="1120543"/>
+            <a:ext cx="4274873" cy="3967271"/>
+          </a:xfrm>
+          <a:prstGeom prst="rect">
+            <a:avLst/>
+          </a:prstGeom>
+        </p:spPr>
+        <p:txBody>
+          <a:bodyPr vert="horz" lIns="91440" tIns="45720" rIns="91440" bIns="45720" rtlCol="0">
+            <a:noAutofit/>
+          </a:bodyPr>
+          <a:lstStyle>
+            <a:lvl1pPr marL="266700" indent="-266700" defTabSz="914400" latinLnBrk="1">
+              <a:lnSpc>
+                <a:spcPct val="150000"/>
+              </a:lnSpc>
+              <a:spcBef>
+                <a:spcPct val="0"/>
+              </a:spcBef>
+              <a:buClr>
+                <a:schemeClr val="tx1">
+                  <a:lumMod val="65000"/>
+                  <a:lumOff val="35000"/>
+                </a:schemeClr>
+              </a:buClr>
+              <a:buFont typeface="Wingdings" pitchFamily="2" charset="2"/>
+              <a:buChar char="n"/>
+              <a:defRPr sz="2000" b="1">
+                <a:latin typeface="+mn-ea"/>
+              </a:defRPr>
+            </a:lvl1pPr>
+            <a:lvl2pPr marL="447675" lvl="1" indent="-180975" defTabSz="914400" latinLnBrk="1">
+              <a:lnSpc>
+                <a:spcPct val="150000"/>
+              </a:lnSpc>
+              <a:spcBef>
+                <a:spcPts val="0"/>
+              </a:spcBef>
+              <a:spcAft>
+                <a:spcPts val="0"/>
+              </a:spcAft>
+              <a:buClr>
+                <a:schemeClr val="tx1">
+                  <a:lumMod val="50000"/>
+                  <a:lumOff val="50000"/>
+                </a:schemeClr>
+              </a:buClr>
+              <a:buFont typeface="Wingdings" pitchFamily="2" charset="2"/>
+              <a:buChar char="§"/>
+              <a:defRPr sz="1600"/>
+            </a:lvl2pPr>
+            <a:lvl3pPr marL="628650" indent="-180975" defTabSz="914400" latinLnBrk="1">
+              <a:lnSpc>
+                <a:spcPct val="150000"/>
+              </a:lnSpc>
+              <a:spcBef>
+                <a:spcPts val="500"/>
+              </a:spcBef>
+              <a:spcAft>
+                <a:spcPts val="300"/>
+              </a:spcAft>
+              <a:buClr>
+                <a:schemeClr val="tx1">
+                  <a:lumMod val="65000"/>
+                  <a:lumOff val="35000"/>
+                </a:schemeClr>
+              </a:buClr>
+              <a:buFont typeface="Arial" panose="020B0604020202020204" pitchFamily="34" charset="0"/>
+              <a:buChar char="•"/>
+              <a:defRPr sz="1400"/>
+            </a:lvl3pPr>
+            <a:lvl4pPr marL="809625" indent="-180975" defTabSz="914400" latinLnBrk="1">
+              <a:lnSpc>
+                <a:spcPct val="150000"/>
+              </a:lnSpc>
+              <a:spcBef>
+                <a:spcPts val="500"/>
+              </a:spcBef>
+              <a:spcAft>
+                <a:spcPts val="300"/>
+              </a:spcAft>
+              <a:buClr>
+                <a:schemeClr val="tx1">
+                  <a:lumMod val="65000"/>
+                  <a:lumOff val="35000"/>
+                </a:schemeClr>
+              </a:buClr>
+              <a:buSzPct val="96000"/>
+              <a:buFont typeface="Arial" panose="020B0604020202020204" pitchFamily="34" charset="0"/>
+              <a:buChar char="•"/>
+              <a:defRPr sz="1200"/>
+            </a:lvl4pPr>
+            <a:lvl5pPr marL="990600" indent="-180975" defTabSz="914400" latinLnBrk="1">
+              <a:lnSpc>
+                <a:spcPct val="150000"/>
+              </a:lnSpc>
+              <a:spcBef>
+                <a:spcPts val="500"/>
+              </a:spcBef>
+              <a:buClr>
+                <a:schemeClr val="tx1">
+                  <a:lumMod val="65000"/>
+                  <a:lumOff val="35000"/>
+                </a:schemeClr>
+              </a:buClr>
+              <a:buFont typeface="Arial" panose="020B0604020202020204" pitchFamily="34" charset="0"/>
+              <a:buChar char="•"/>
+              <a:defRPr sz="1000"/>
+            </a:lvl5pPr>
+            <a:lvl6pPr marL="2514600" indent="-228600" defTabSz="914400" latinLnBrk="1">
+              <a:lnSpc>
+                <a:spcPct val="90000"/>
+              </a:lnSpc>
+              <a:spcBef>
+                <a:spcPts val="500"/>
+              </a:spcBef>
+              <a:buFont typeface="Arial" panose="020B0604020202020204" pitchFamily="34" charset="0"/>
+              <a:buChar char="•"/>
+            </a:lvl6pPr>
+            <a:lvl7pPr marL="2971800" indent="-228600" defTabSz="914400" latinLnBrk="1">
+              <a:lnSpc>
+                <a:spcPct val="90000"/>
+              </a:lnSpc>
+              <a:spcBef>
+                <a:spcPts val="500"/>
+              </a:spcBef>
+              <a:buFont typeface="Arial" panose="020B0604020202020204" pitchFamily="34" charset="0"/>
+              <a:buChar char="•"/>
+            </a:lvl7pPr>
+            <a:lvl8pPr marL="3429000" indent="-228600" defTabSz="914400" latinLnBrk="1">
+              <a:lnSpc>
+                <a:spcPct val="90000"/>
+              </a:lnSpc>
+              <a:spcBef>
+                <a:spcPts val="500"/>
+              </a:spcBef>
+              <a:buFont typeface="Arial" panose="020B0604020202020204" pitchFamily="34" charset="0"/>
+              <a:buChar char="•"/>
+            </a:lvl8pPr>
+            <a:lvl9pPr marL="3886200" indent="-228600" defTabSz="914400" latinLnBrk="1">
+              <a:lnSpc>
+                <a:spcPct val="90000"/>
+              </a:lnSpc>
+              <a:spcBef>
+                <a:spcPts val="500"/>
+              </a:spcBef>
+              <a:buFont typeface="Arial" panose="020B0604020202020204" pitchFamily="34" charset="0"/>
+              <a:buChar char="•"/>
+            </a:lvl9pPr>
+          </a:lstStyle>
+          <a:p>
+            <a:r>
+              <a:rPr lang="en-US" altLang="ko-KR" dirty="0"/>
+              <a:t>Collaborator</a:t>
+            </a:r>
+          </a:p>
+          <a:p>
+            <a:pPr marL="266700" lvl="1" indent="0">
+              <a:buNone/>
+            </a:pPr>
+            <a:r>
+              <a:rPr lang="en-US" altLang="ko-KR" dirty="0"/>
+              <a:t>2. </a:t>
+            </a:r>
             <a:r>
               <a:rPr lang="en-US" altLang="ko-KR" dirty="0" err="1"/>
               <a:t>Git</a:t>
             </a:r>
             <a:r>
               <a:rPr lang="en-US" altLang="ko-KR" dirty="0"/>
-              <a:t> fetch – </a:t>
+              <a:t> pull </a:t>
             </a:r>
             <a:r>
               <a:rPr lang="en-US" altLang="ko-KR" dirty="0" err="1"/>
-              <a:t>git</a:t>
+              <a:t>veriosn</a:t>
             </a:r>
             <a:r>
               <a:rPr lang="en-US" altLang="ko-KR" dirty="0"/>
-              <a:t> merge FETCH_HEAD == </a:t>
+              <a:t> </a:t>
+            </a:r>
+            <a:r>
+              <a:rPr lang="ko-KR" altLang="en-US" dirty="0"/>
+              <a:t>관리해야 하는데</a:t>
+            </a:r>
+            <a:r>
+              <a:rPr lang="en-US" altLang="ko-KR" dirty="0"/>
+              <a:t>,</a:t>
+            </a:r>
+          </a:p>
+          <a:p>
+            <a:pPr marL="266700" lvl="1" indent="0">
+              <a:buNone/>
+            </a:pPr>
+            <a:r>
+              <a:rPr lang="en-US" altLang="ko-KR" dirty="0"/>
+              <a:t>     </a:t>
+            </a:r>
+            <a:r>
+              <a:rPr lang="ko-KR" altLang="en-US" dirty="0"/>
+              <a:t>리더와 동시에 같은 파일 수정하고</a:t>
+            </a:r>
+            <a:endParaRPr lang="en-US" altLang="ko-KR" dirty="0"/>
+          </a:p>
+          <a:p>
+            <a:pPr marL="266700" lvl="1" indent="0">
+              <a:buNone/>
+            </a:pPr>
+            <a:r>
+              <a:rPr lang="en-US" altLang="ko-KR" dirty="0"/>
+              <a:t>     push (-m ‘work2”)</a:t>
+            </a:r>
+            <a:r>
+              <a:rPr lang="ko-KR" altLang="en-US" dirty="0"/>
+              <a:t>하면</a:t>
+            </a:r>
+            <a:r>
+              <a:rPr lang="en-US" altLang="ko-KR" dirty="0"/>
+              <a:t>, </a:t>
             </a:r>
             <a:r>
               <a:rPr lang="en-US" altLang="ko-KR" dirty="0" err="1"/>
-              <a:t>git</a:t>
+              <a:t>github</a:t>
+            </a:r>
+            <a:r>
+              <a:rPr lang="ko-KR" altLang="en-US" dirty="0"/>
+              <a:t>가</a:t>
             </a:r>
             <a:r>
               <a:rPr lang="en-US" altLang="ko-KR" dirty="0"/>
-              <a:t> pull </a:t>
-            </a:r>
-          </a:p>
-          <a:p>
-            <a:pPr lvl="1"/>
-            <a:r>
-              <a:rPr lang="en-US" altLang="ko-KR" dirty="0" err="1"/>
-              <a:t>Github</a:t>
+              <a:t> reject </a:t>
             </a:r>
             <a:r>
               <a:rPr lang="ko-KR" altLang="en-US" dirty="0"/>
-              <a:t>상에서 </a:t>
-            </a:r>
-            <a:r>
-              <a:rPr lang="en-US" altLang="ko-KR" dirty="0"/>
-              <a:t>id</a:t>
-            </a:r>
-            <a:r>
-              <a:rPr lang="ko-KR" altLang="en-US" dirty="0"/>
-              <a:t>를 기입 </a:t>
-            </a:r>
-            <a:r>
-              <a:rPr lang="en-US" altLang="ko-KR" dirty="0"/>
-              <a:t>-&gt; </a:t>
-            </a:r>
-            <a:r>
-              <a:rPr lang="ko-KR" altLang="en-US" dirty="0" err="1"/>
-              <a:t>메일보냄</a:t>
-            </a:r>
-            <a:r>
-              <a:rPr lang="en-US" altLang="ko-KR" dirty="0"/>
-              <a:t>. -&gt; </a:t>
-            </a:r>
-            <a:r>
-              <a:rPr lang="ko-KR" altLang="en-US" dirty="0"/>
-              <a:t>메일 수락</a:t>
-            </a:r>
-            <a:r>
-              <a:rPr lang="en-US" altLang="ko-KR" dirty="0"/>
-              <a:t>.(accept invitation)</a:t>
-            </a:r>
-          </a:p>
-          <a:p>
-            <a:pPr lvl="1"/>
-            <a:r>
-              <a:rPr lang="ko-KR" altLang="en-US" dirty="0" err="1"/>
-              <a:t>못받는</a:t>
-            </a:r>
-            <a:r>
-              <a:rPr lang="ko-KR" altLang="en-US" dirty="0"/>
-              <a:t> 것을 대비하여 </a:t>
-            </a:r>
-            <a:r>
-              <a:rPr lang="en-US" altLang="ko-KR" dirty="0"/>
-              <a:t>copy invite </a:t>
-            </a:r>
-            <a:r>
-              <a:rPr lang="ko-KR" altLang="en-US" dirty="0"/>
-              <a:t>링크를 보낼 수 있음</a:t>
+              <a:t>메시지보내옴</a:t>
             </a:r>
             <a:r>
               <a:rPr lang="en-US" altLang="ko-KR" dirty="0"/>
@@ -18458,33 +19021,75 @@
             </a:r>
           </a:p>
           <a:p>
+            <a:pPr marL="266700" lvl="1" indent="0">
+              <a:buNone/>
+            </a:pPr>
+            <a:r>
+              <a:rPr lang="en-US" altLang="ko-KR" dirty="0"/>
+              <a:t>3. </a:t>
+            </a:r>
+            <a:r>
+              <a:rPr lang="ko-KR" altLang="en-US" dirty="0"/>
+              <a:t>파일 확인하고 수정</a:t>
+            </a:r>
+            <a:endParaRPr lang="en-US" altLang="ko-KR" dirty="0"/>
+          </a:p>
+          <a:p>
+            <a:pPr marL="266700" lvl="1" indent="0">
+              <a:buNone/>
+            </a:pPr>
+            <a:r>
+              <a:rPr lang="en-US" altLang="ko-KR" dirty="0"/>
+              <a:t>4. Add commit –m </a:t>
+            </a:r>
+            <a:r>
+              <a:rPr lang="ko-KR" altLang="en-US" dirty="0"/>
+              <a:t>없이 하면 자동으로 메시지를 만들어 줌 </a:t>
+            </a:r>
+            <a:r>
+              <a:rPr lang="en-US" altLang="ko-KR" dirty="0"/>
+              <a:t>-&gt; status, log</a:t>
+            </a:r>
+            <a:r>
+              <a:rPr lang="ko-KR" altLang="en-US" dirty="0"/>
+              <a:t>확인후 </a:t>
+            </a:r>
+            <a:r>
+              <a:rPr lang="en-US" altLang="ko-KR" dirty="0"/>
+              <a:t>push</a:t>
+            </a:r>
+          </a:p>
+          <a:p>
+            <a:pPr marL="266700" lvl="1" indent="0">
+              <a:buNone/>
+            </a:pPr>
+            <a:r>
+              <a:rPr lang="en-US" altLang="ko-KR" dirty="0" err="1">
+                <a:solidFill>
+                  <a:srgbClr val="FF0000"/>
+                </a:solidFill>
+              </a:rPr>
+              <a:t>Git</a:t>
+            </a:r>
+            <a:r>
+              <a:rPr lang="en-US" altLang="ko-KR" dirty="0">
+                <a:solidFill>
+                  <a:srgbClr val="FF0000"/>
+                </a:solidFill>
+              </a:rPr>
+              <a:t> l?</a:t>
+            </a:r>
+          </a:p>
+          <a:p>
             <a:pPr lvl="1"/>
-            <a:r>
-              <a:rPr lang="ko-KR" altLang="en-US" dirty="0" err="1"/>
-              <a:t>권한선택</a:t>
-            </a:r>
-            <a:r>
-              <a:rPr lang="ko-KR" altLang="en-US" dirty="0"/>
-              <a:t> </a:t>
-            </a:r>
-            <a:r>
-              <a:rPr lang="en-US" altLang="ko-KR" dirty="0"/>
-              <a:t>: admin, write, read</a:t>
-            </a:r>
-          </a:p>
-          <a:p>
-            <a:pPr lvl="1"/>
-            <a:r>
-              <a:rPr lang="en-US" altLang="ko-KR" dirty="0"/>
-              <a:t>Remote branch</a:t>
-            </a:r>
+            <a:endParaRPr lang="en-US" altLang="ko-KR" dirty="0"/>
           </a:p>
         </p:txBody>
       </p:sp>
     </p:spTree>
     <p:extLst>
       <p:ext uri="{BB962C8B-B14F-4D97-AF65-F5344CB8AC3E}">
-        <p14:creationId xmlns:p14="http://schemas.microsoft.com/office/powerpoint/2010/main" val="767811426"/>
+        <p14:creationId xmlns:p14="http://schemas.microsoft.com/office/powerpoint/2010/main" val="627789346"/>
       </p:ext>
     </p:extLst>
   </p:cSld>
@@ -18533,10 +19138,9 @@
           <a:lstStyle/>
           <a:p>
             <a:r>
-              <a:rPr lang="en-US" altLang="ko-KR" dirty="0"/>
-              <a:t>Pull Request</a:t>
-            </a:r>
-            <a:endParaRPr lang="ko-KR" altLang="en-US" dirty="0"/>
+              <a:rPr lang="ko-KR" altLang="en-US" dirty="0"/>
+              <a:t>협업하기</a:t>
+            </a:r>
           </a:p>
         </p:txBody>
       </p:sp>
@@ -18556,8 +19160,8 @@
         </p:nvSpPr>
         <p:spPr>
           <a:xfrm>
-            <a:off x="341787" y="1120544"/>
-            <a:ext cx="8642350" cy="4779215"/>
+            <a:off x="341787" y="1120545"/>
+            <a:ext cx="8642350" cy="2351314"/>
           </a:xfrm>
           <a:prstGeom prst="rect">
             <a:avLst/>
@@ -18709,236 +19313,131 @@
           <a:p>
             <a:r>
               <a:rPr lang="en-US" altLang="ko-KR" dirty="0"/>
-              <a:t>Pull Request</a:t>
+              <a:t>Fetch </a:t>
             </a:r>
             <a:r>
               <a:rPr lang="ko-KR" altLang="en-US" dirty="0"/>
-              <a:t>란</a:t>
+              <a:t>이용하기</a:t>
+            </a:r>
+            <a:endParaRPr lang="en-US" altLang="ko-KR" dirty="0"/>
+          </a:p>
+          <a:p>
+            <a:pPr lvl="1"/>
+            <a:r>
+              <a:rPr lang="en-US" altLang="ko-KR" dirty="0" err="1"/>
+              <a:t>Git</a:t>
             </a:r>
             <a:r>
               <a:rPr lang="en-US" altLang="ko-KR" dirty="0"/>
-              <a:t>? (</a:t>
+              <a:t> fetch – </a:t>
+            </a:r>
+            <a:r>
+              <a:rPr lang="en-US" altLang="ko-KR" dirty="0" err="1"/>
+              <a:t>git</a:t>
+            </a:r>
+            <a:r>
+              <a:rPr lang="en-US" altLang="ko-KR" dirty="0"/>
+              <a:t> merge FETCH_HEAD == </a:t>
+            </a:r>
+            <a:r>
+              <a:rPr lang="en-US" altLang="ko-KR" dirty="0" err="1"/>
+              <a:t>git</a:t>
+            </a:r>
+            <a:r>
+              <a:rPr lang="en-US" altLang="ko-KR" dirty="0"/>
+              <a:t> pull </a:t>
+            </a:r>
+          </a:p>
+          <a:p>
+            <a:pPr lvl="1"/>
+            <a:r>
+              <a:rPr lang="en-US" altLang="ko-KR" dirty="0" err="1"/>
+              <a:t>Github</a:t>
             </a:r>
             <a:r>
               <a:rPr lang="ko-KR" altLang="en-US" dirty="0"/>
-              <a:t>내 것을 </a:t>
+              <a:t>상에서 </a:t>
             </a:r>
             <a:r>
               <a:rPr lang="en-US" altLang="ko-KR" dirty="0"/>
-              <a:t>pull</a:t>
+              <a:t>id</a:t>
             </a:r>
             <a:r>
               <a:rPr lang="ko-KR" altLang="en-US" dirty="0"/>
-              <a:t>해서 </a:t>
+              <a:t>를 기입 </a:t>
             </a:r>
             <a:r>
               <a:rPr lang="en-US" altLang="ko-KR" dirty="0"/>
-              <a:t>merge</a:t>
+              <a:t>-&gt; </a:t>
+            </a:r>
+            <a:r>
+              <a:rPr lang="ko-KR" altLang="en-US" dirty="0" err="1"/>
+              <a:t>메일보냄</a:t>
+            </a:r>
+            <a:r>
+              <a:rPr lang="en-US" altLang="ko-KR" dirty="0"/>
+              <a:t>. -&gt; </a:t>
             </a:r>
             <a:r>
               <a:rPr lang="ko-KR" altLang="en-US" dirty="0"/>
-              <a:t>해 주세요</a:t>
+              <a:t>메일 수락</a:t>
             </a:r>
             <a:r>
               <a:rPr lang="en-US" altLang="ko-KR" dirty="0"/>
-              <a:t>!)</a:t>
+              <a:t>.(accept invitation)</a:t>
             </a:r>
           </a:p>
           <a:p>
             <a:pPr lvl="1"/>
             <a:r>
+              <a:rPr lang="ko-KR" altLang="en-US" dirty="0" err="1"/>
+              <a:t>못받는</a:t>
+            </a:r>
+            <a:r>
+              <a:rPr lang="ko-KR" altLang="en-US" dirty="0"/>
+              <a:t> 것을 대비하여 </a:t>
+            </a:r>
+            <a:r>
               <a:rPr lang="en-US" altLang="ko-KR" dirty="0"/>
-              <a:t>Main</a:t>
+              <a:t>copy invite </a:t>
             </a:r>
             <a:r>
               <a:rPr lang="ko-KR" altLang="en-US" dirty="0"/>
-              <a:t>에</a:t>
+              <a:t>링크를 보낼 수 있음</a:t>
             </a:r>
             <a:r>
               <a:rPr lang="en-US" altLang="ko-KR" dirty="0"/>
+              <a:t>.</a:t>
+            </a:r>
+          </a:p>
+          <a:p>
+            <a:pPr lvl="1"/>
+            <a:r>
+              <a:rPr lang="ko-KR" altLang="en-US" dirty="0" err="1"/>
+              <a:t>권한선택</a:t>
+            </a:r>
+            <a:r>
+              <a:rPr lang="ko-KR" altLang="en-US" dirty="0"/>
               <a:t> </a:t>
             </a:r>
             <a:r>
-              <a:rPr lang="ko-KR" altLang="en-US" dirty="0"/>
-              <a:t>내가 만든 내용을 </a:t>
-            </a:r>
-            <a:r>
               <a:rPr lang="en-US" altLang="ko-KR" dirty="0"/>
-              <a:t>merge</a:t>
-            </a:r>
-            <a:r>
-              <a:rPr lang="ko-KR" altLang="en-US" dirty="0"/>
-              <a:t>시켜달라는 요구</a:t>
-            </a:r>
-            <a:endParaRPr lang="en-US" altLang="ko-KR" dirty="0"/>
+              <a:t>: admin, write, read</a:t>
+            </a:r>
           </a:p>
           <a:p>
             <a:pPr lvl="1"/>
             <a:r>
-              <a:rPr lang="ko-KR" altLang="en-US" dirty="0"/>
-              <a:t>올리면 많은  사람들이 </a:t>
-            </a:r>
-            <a:r>
-              <a:rPr lang="ko-KR" altLang="en-US" dirty="0" err="1"/>
-              <a:t>코드리뷰를</a:t>
-            </a:r>
-            <a:r>
-              <a:rPr lang="ko-KR" altLang="en-US" dirty="0"/>
-              <a:t> 통해서 통과가 되면 통합브랜치인 </a:t>
-            </a:r>
-            <a:r>
               <a:rPr lang="en-US" altLang="ko-KR" dirty="0"/>
-              <a:t>main</a:t>
-            </a:r>
-            <a:r>
-              <a:rPr lang="ko-KR" altLang="en-US" dirty="0"/>
-              <a:t>에 </a:t>
-            </a:r>
-            <a:r>
-              <a:rPr lang="en-US" altLang="ko-KR" dirty="0"/>
-              <a:t>merge</a:t>
-            </a:r>
-            <a:r>
-              <a:rPr lang="ko-KR" altLang="en-US" dirty="0"/>
-              <a:t>를 하게 되고 이제부터는 다른 </a:t>
-            </a:r>
-            <a:r>
-              <a:rPr lang="ko-KR" altLang="en-US" dirty="0" err="1"/>
-              <a:t>접속자는</a:t>
-            </a:r>
-            <a:endParaRPr lang="en-US" altLang="ko-KR" dirty="0"/>
-          </a:p>
-          <a:p>
-            <a:pPr lvl="1"/>
-            <a:r>
-              <a:rPr lang="ko-KR" altLang="en-US" dirty="0"/>
-              <a:t>이것을 받아서 사용함</a:t>
-            </a:r>
-            <a:endParaRPr lang="en-US" altLang="ko-KR" dirty="0"/>
-          </a:p>
-          <a:p>
-            <a:pPr lvl="1"/>
-            <a:r>
-              <a:rPr lang="en-US" altLang="ko-KR" dirty="0"/>
-              <a:t> </a:t>
-            </a:r>
-            <a:r>
-              <a:rPr lang="ko-KR" altLang="en-US" dirty="0"/>
-              <a:t>두가지가 있음</a:t>
-            </a:r>
-            <a:endParaRPr lang="en-US" altLang="ko-KR" dirty="0"/>
-          </a:p>
-          <a:p>
-            <a:pPr marL="266700" lvl="1" indent="0">
-              <a:buNone/>
-            </a:pPr>
-            <a:r>
-              <a:rPr lang="en-US" altLang="ko-KR" dirty="0"/>
-              <a:t>   1. </a:t>
-            </a:r>
-            <a:r>
-              <a:rPr lang="ko-KR" altLang="en-US" dirty="0"/>
-              <a:t>원격저장소는 내가 권한인 있은 경우 </a:t>
-            </a:r>
-            <a:r>
-              <a:rPr lang="en-US" altLang="ko-KR" dirty="0"/>
-              <a:t>: </a:t>
-            </a:r>
-            <a:r>
-              <a:rPr lang="ko-KR" altLang="en-US" dirty="0"/>
-              <a:t>실습 대상</a:t>
-            </a:r>
-            <a:endParaRPr lang="en-US" altLang="ko-KR" dirty="0"/>
-          </a:p>
-          <a:p>
-            <a:pPr marL="266700" lvl="1" indent="0">
-              <a:buNone/>
-            </a:pPr>
-            <a:endParaRPr lang="en-US" altLang="ko-KR" dirty="0"/>
-          </a:p>
-          <a:p>
-            <a:pPr marL="266700" lvl="1" indent="0">
-              <a:buNone/>
-            </a:pPr>
-            <a:r>
-              <a:rPr lang="en-US" altLang="ko-KR" dirty="0"/>
-              <a:t>  </a:t>
-            </a:r>
-          </a:p>
-          <a:p>
-            <a:pPr marL="266700" lvl="1" indent="0">
-              <a:buNone/>
-            </a:pPr>
-            <a:r>
-              <a:rPr lang="en-US" altLang="ko-KR" dirty="0"/>
-              <a:t>   2. </a:t>
-            </a:r>
-            <a:r>
-              <a:rPr lang="ko-KR" altLang="en-US" dirty="0"/>
-              <a:t>오픈소스 방식</a:t>
-            </a:r>
-            <a:endParaRPr lang="en-US" altLang="ko-KR" dirty="0"/>
-          </a:p>
-          <a:p>
-            <a:pPr marL="266700" lvl="1" indent="0">
-              <a:buNone/>
-            </a:pPr>
-            <a:r>
-              <a:rPr lang="en-US" altLang="ko-KR" dirty="0"/>
-              <a:t>      </a:t>
-            </a:r>
-            <a:r>
-              <a:rPr lang="ko-KR" altLang="en-US" dirty="0"/>
-              <a:t>남의 </a:t>
-            </a:r>
-            <a:r>
-              <a:rPr lang="ko-KR" altLang="en-US" dirty="0" err="1"/>
-              <a:t>원격저장소</a:t>
-            </a:r>
-            <a:r>
-              <a:rPr lang="ko-KR" altLang="en-US" dirty="0"/>
-              <a:t> 권한이 없음</a:t>
-            </a:r>
-            <a:r>
-              <a:rPr lang="en-US" altLang="ko-KR" dirty="0"/>
-              <a:t>. </a:t>
-            </a:r>
-            <a:r>
-              <a:rPr lang="ko-KR" altLang="en-US" dirty="0"/>
-              <a:t>남의 저장소 내용을 </a:t>
-            </a:r>
-            <a:r>
-              <a:rPr lang="en-US" altLang="ko-KR" dirty="0"/>
-              <a:t>Fork</a:t>
-            </a:r>
-            <a:r>
-              <a:rPr lang="ko-KR" altLang="en-US" dirty="0"/>
-              <a:t>해서 내 </a:t>
-            </a:r>
-            <a:r>
-              <a:rPr lang="en-US" altLang="ko-KR" dirty="0"/>
-              <a:t>pc</a:t>
-            </a:r>
-            <a:r>
-              <a:rPr lang="ko-KR" altLang="en-US" dirty="0"/>
-              <a:t>에서 작업하고 내 원격저장소에 보내서 그곳에서 남의 저장소에 </a:t>
-            </a:r>
-            <a:r>
-              <a:rPr lang="en-US" altLang="ko-KR" dirty="0"/>
-              <a:t>pull request</a:t>
-            </a:r>
-            <a:r>
-              <a:rPr lang="ko-KR" altLang="en-US" dirty="0"/>
-              <a:t>하게 됨</a:t>
-            </a:r>
-            <a:endParaRPr lang="en-US" altLang="ko-KR" dirty="0"/>
+              <a:t>Remote branch</a:t>
+            </a:r>
           </a:p>
         </p:txBody>
       </p:sp>
     </p:spTree>
     <p:extLst>
       <p:ext uri="{BB962C8B-B14F-4D97-AF65-F5344CB8AC3E}">
-        <p14:creationId xmlns:p14="http://schemas.microsoft.com/office/powerpoint/2010/main" val="2382322175"/>
+        <p14:creationId xmlns:p14="http://schemas.microsoft.com/office/powerpoint/2010/main" val="767811426"/>
       </p:ext>
     </p:extLst>
   </p:cSld>
@@ -19163,19 +19662,50 @@
           <a:p>
             <a:r>
               <a:rPr lang="en-US" altLang="ko-KR" dirty="0"/>
-              <a:t>Pull Request </a:t>
+              <a:t>Pull Request</a:t>
             </a:r>
             <a:r>
               <a:rPr lang="ko-KR" altLang="en-US" dirty="0"/>
-              <a:t>동작 순서</a:t>
-            </a:r>
-            <a:endParaRPr lang="en-US" altLang="ko-KR" dirty="0"/>
+              <a:t>란</a:t>
+            </a:r>
+            <a:r>
+              <a:rPr lang="en-US" altLang="ko-KR" dirty="0"/>
+              <a:t>? (</a:t>
+            </a:r>
+            <a:r>
+              <a:rPr lang="ko-KR" altLang="en-US" dirty="0"/>
+              <a:t>내 것을 </a:t>
+            </a:r>
+            <a:r>
+              <a:rPr lang="en-US" altLang="ko-KR" dirty="0"/>
+              <a:t>pull</a:t>
+            </a:r>
+            <a:r>
+              <a:rPr lang="ko-KR" altLang="en-US" dirty="0"/>
+              <a:t>해서 </a:t>
+            </a:r>
+            <a:r>
+              <a:rPr lang="en-US" altLang="ko-KR" dirty="0"/>
+              <a:t>merge</a:t>
+            </a:r>
+            <a:r>
+              <a:rPr lang="ko-KR" altLang="en-US" dirty="0"/>
+              <a:t>해 주세요</a:t>
+            </a:r>
+            <a:r>
+              <a:rPr lang="en-US" altLang="ko-KR" dirty="0"/>
+              <a:t>!)</a:t>
+            </a:r>
           </a:p>
           <a:p>
             <a:pPr lvl="1"/>
             <a:r>
-              <a:rPr lang="en-US" altLang="ko-KR" dirty="0" err="1"/>
-              <a:t>Github</a:t>
+              <a:rPr lang="en-US" altLang="ko-KR" dirty="0"/>
+              <a:t>Main</a:t>
+            </a:r>
+            <a:r>
+              <a:rPr lang="ko-KR" altLang="en-US" dirty="0"/>
+              <a:t>에</a:t>
             </a:r>
             <a:r>
               <a:rPr lang="en-US" altLang="ko-KR" dirty="0"/>
@@ -19183,7 +19713,15 @@
             </a:r>
             <a:r>
               <a:rPr lang="ko-KR" altLang="en-US" dirty="0"/>
-              <a:t>그림으로 순서도 삽입</a:t>
+              <a:t>내가 만든 내용을 </a:t>
+            </a:r>
+            <a:r>
+              <a:rPr lang="en-US" altLang="ko-KR" dirty="0"/>
+              <a:t>merge</a:t>
+            </a:r>
+            <a:r>
+              <a:rPr lang="ko-KR" altLang="en-US" dirty="0"/>
+              <a:t>시켜달라는 요구</a:t>
             </a:r>
             <a:endParaRPr lang="en-US" altLang="ko-KR" dirty="0"/>
           </a:p>
@@ -19191,19 +19729,55 @@
             <a:pPr lvl="1"/>
             <a:r>
               <a:rPr lang="ko-KR" altLang="en-US" dirty="0"/>
-              <a:t> 마지막에 로컬저장소에서 </a:t>
-            </a:r>
-            <a:r>
-              <a:rPr lang="en-US" altLang="ko-KR" dirty="0" err="1"/>
-              <a:t>git</a:t>
+              <a:t>올리면 많은  사람들이 </a:t>
+            </a:r>
+            <a:r>
+              <a:rPr lang="ko-KR" altLang="en-US" dirty="0" err="1"/>
+              <a:t>코드리뷰를</a:t>
+            </a:r>
+            <a:r>
+              <a:rPr lang="ko-KR" altLang="en-US" dirty="0"/>
+              <a:t> 통해서 통과가 되면 통합브랜치인 </a:t>
             </a:r>
             <a:r>
               <a:rPr lang="en-US" altLang="ko-KR" dirty="0"/>
-              <a:t> pull</a:t>
+              <a:t>main</a:t>
             </a:r>
             <a:r>
               <a:rPr lang="ko-KR" altLang="en-US" dirty="0"/>
-              <a:t>을 하면 보이는 모양을 확인</a:t>
+              <a:t>에 </a:t>
+            </a:r>
+            <a:r>
+              <a:rPr lang="en-US" altLang="ko-KR" dirty="0"/>
+              <a:t>merge</a:t>
+            </a:r>
+            <a:r>
+              <a:rPr lang="ko-KR" altLang="en-US" dirty="0"/>
+              <a:t>를 하게 되고 이제부터는 다른 </a:t>
+            </a:r>
+            <a:r>
+              <a:rPr lang="ko-KR" altLang="en-US" dirty="0" err="1"/>
+              <a:t>접속자는</a:t>
+            </a:r>
+            <a:endParaRPr lang="en-US" altLang="ko-KR" dirty="0"/>
+          </a:p>
+          <a:p>
+            <a:pPr lvl="1"/>
+            <a:r>
+              <a:rPr lang="ko-KR" altLang="en-US" dirty="0"/>
+              <a:t>이것을 받아서 사용함</a:t>
+            </a:r>
+            <a:endParaRPr lang="en-US" altLang="ko-KR" dirty="0"/>
+          </a:p>
+          <a:p>
+            <a:pPr lvl="1"/>
+            <a:r>
+              <a:rPr lang="en-US" altLang="ko-KR" dirty="0"/>
+              <a:t> </a:t>
+            </a:r>
+            <a:r>
+              <a:rPr lang="ko-KR" altLang="en-US" dirty="0"/>
+              <a:t>두가지가 있음</a:t>
             </a:r>
             <a:endParaRPr lang="en-US" altLang="ko-KR" dirty="0"/>
           </a:p>
@@ -19213,15 +19787,111 @@
             </a:pPr>
             <a:r>
               <a:rPr lang="en-US" altLang="ko-KR" dirty="0"/>
+              <a:t>   1. </a:t>
+            </a:r>
+            <a:r>
+              <a:rPr lang="ko-KR" altLang="en-US" dirty="0"/>
+              <a:t>원격저장소는 내가 권한인 있은 경우 </a:t>
+            </a:r>
+            <a:r>
+              <a:rPr lang="en-US" altLang="ko-KR" dirty="0"/>
+              <a:t>: </a:t>
+            </a:r>
+            <a:r>
+              <a:rPr lang="ko-KR" altLang="en-US" dirty="0"/>
+              <a:t>실습 대상</a:t>
+            </a:r>
+            <a:endParaRPr lang="en-US" altLang="ko-KR" dirty="0"/>
+          </a:p>
+          <a:p>
+            <a:pPr marL="266700" lvl="1" indent="0">
+              <a:buNone/>
+            </a:pPr>
+            <a:endParaRPr lang="en-US" altLang="ko-KR" dirty="0"/>
+          </a:p>
+          <a:p>
+            <a:pPr marL="266700" lvl="1" indent="0">
+              <a:buNone/>
+            </a:pPr>
+            <a:r>
+              <a:rPr lang="en-US" altLang="ko-KR" dirty="0"/>
               <a:t>  </a:t>
             </a:r>
+          </a:p>
+          <a:p>
+            <a:pPr marL="266700" lvl="1" indent="0">
+              <a:buNone/>
+            </a:pPr>
+            <a:r>
+              <a:rPr lang="en-US" altLang="ko-KR" dirty="0"/>
+              <a:t>   2. </a:t>
+            </a:r>
+            <a:r>
+              <a:rPr lang="ko-KR" altLang="en-US" dirty="0"/>
+              <a:t>오픈소스 방식</a:t>
+            </a:r>
+            <a:endParaRPr lang="en-US" altLang="ko-KR" dirty="0"/>
+          </a:p>
+          <a:p>
+            <a:pPr marL="266700" lvl="1" indent="0">
+              <a:buNone/>
+            </a:pPr>
+            <a:r>
+              <a:rPr lang="en-US" altLang="ko-KR" dirty="0"/>
+              <a:t>      </a:t>
+            </a:r>
+            <a:r>
+              <a:rPr lang="ko-KR" altLang="en-US" dirty="0"/>
+              <a:t>남의 </a:t>
+            </a:r>
+            <a:r>
+              <a:rPr lang="ko-KR" altLang="en-US" dirty="0" err="1"/>
+              <a:t>원격저장소</a:t>
+            </a:r>
+            <a:r>
+              <a:rPr lang="ko-KR" altLang="en-US" dirty="0"/>
+              <a:t> 권한이 없음</a:t>
+            </a:r>
+            <a:r>
+              <a:rPr lang="en-US" altLang="ko-KR" dirty="0"/>
+              <a:t>. </a:t>
+            </a:r>
+            <a:r>
+              <a:rPr lang="ko-KR" altLang="en-US" dirty="0"/>
+              <a:t>남의 저장소 내용을 </a:t>
+            </a:r>
+            <a:r>
+              <a:rPr lang="en-US" altLang="ko-KR" dirty="0"/>
+              <a:t>Fork</a:t>
+            </a:r>
+            <a:r>
+              <a:rPr lang="ko-KR" altLang="en-US" dirty="0"/>
+              <a:t>해서 내 </a:t>
+            </a:r>
+            <a:r>
+              <a:rPr lang="en-US" altLang="ko-KR" dirty="0"/>
+              <a:t>pc</a:t>
+            </a:r>
+            <a:r>
+              <a:rPr lang="ko-KR" altLang="en-US" dirty="0"/>
+              <a:t>에서 작업하고 내 원격저장소에 보내서 그곳에서 남의 저장소에 </a:t>
+            </a:r>
+            <a:r>
+              <a:rPr lang="en-US" altLang="ko-KR" dirty="0"/>
+              <a:t>pull request</a:t>
+            </a:r>
+            <a:r>
+              <a:rPr lang="ko-KR" altLang="en-US" dirty="0"/>
+              <a:t>하게 됨</a:t>
+            </a:r>
+            <a:endParaRPr lang="en-US" altLang="ko-KR" dirty="0"/>
           </a:p>
         </p:txBody>
       </p:sp>
     </p:spTree>
     <p:extLst>
       <p:ext uri="{BB962C8B-B14F-4D97-AF65-F5344CB8AC3E}">
-        <p14:creationId xmlns:p14="http://schemas.microsoft.com/office/powerpoint/2010/main" val="3768842790"/>
+        <p14:creationId xmlns:p14="http://schemas.microsoft.com/office/powerpoint/2010/main" val="2382322175"/>
       </p:ext>
     </p:extLst>
   </p:cSld>
@@ -19270,15 +19940,16 @@
           <a:lstStyle/>
           <a:p>
             <a:r>
-              <a:rPr lang="ko-KR" altLang="en-US" dirty="0"/>
-              <a:t>오픈소스 참여하기</a:t>
-            </a:r>
+              <a:rPr lang="en-US" altLang="ko-KR" dirty="0"/>
+              <a:t>Pull Request</a:t>
+            </a:r>
+            <a:endParaRPr lang="ko-KR" altLang="en-US" dirty="0"/>
           </a:p>
         </p:txBody>
       </p:sp>
       <p:sp>
         <p:nvSpPr>
-          <p:cNvPr id="5" name="내용 개체 틀 2">
+          <p:cNvPr id="7" name="내용 개체 틀 2">
             <a:extLst>
               <a:ext uri="{FF2B5EF4-FFF2-40B4-BE49-F238E27FC236}">
                 <a16:creationId xmlns:a16="http://schemas.microsoft.com/office/drawing/2014/main" id="{A44AC902-3746-40D6-9827-94B46EEDDC67}"/>
@@ -19292,8 +19963,8 @@
         </p:nvSpPr>
         <p:spPr>
           <a:xfrm>
-            <a:off x="341786" y="1120544"/>
-            <a:ext cx="4054367" cy="2348370"/>
+            <a:off x="341787" y="1120544"/>
+            <a:ext cx="8642350" cy="4779215"/>
           </a:xfrm>
           <a:prstGeom prst="rect">
             <a:avLst/>
@@ -19445,18 +20116,27 @@
           <a:p>
             <a:r>
               <a:rPr lang="en-US" altLang="ko-KR" dirty="0"/>
-              <a:t>Fork</a:t>
-            </a:r>
+              <a:t>Pull Request </a:t>
+            </a:r>
+            <a:r>
+              <a:rPr lang="ko-KR" altLang="en-US" dirty="0"/>
+              <a:t>동작 순서</a:t>
+            </a:r>
+            <a:endParaRPr lang="en-US" altLang="ko-KR" dirty="0"/>
           </a:p>
           <a:p>
             <a:pPr lvl="1"/>
             <a:r>
+              <a:rPr lang="en-US" altLang="ko-KR" dirty="0" err="1"/>
+              <a:t>Github</a:t>
+            </a:r>
+            <a:r>
               <a:rPr lang="en-US" altLang="ko-KR" dirty="0"/>
-              <a:t>Fork</a:t>
+              <a:t> </a:t>
             </a:r>
             <a:r>
               <a:rPr lang="ko-KR" altLang="en-US" dirty="0"/>
-              <a:t>의 목적</a:t>
+              <a:t>그림으로 순서도 삽입</a:t>
             </a:r>
             <a:endParaRPr lang="en-US" altLang="ko-KR" dirty="0"/>
           </a:p>
@@ -19464,46 +20144,37 @@
             <a:pPr lvl="1"/>
             <a:r>
               <a:rPr lang="ko-KR" altLang="en-US" dirty="0"/>
-              <a:t>작업 순서도 </a:t>
+              <a:t> 마지막에 로컬저장소에서 </a:t>
+            </a:r>
+            <a:r>
+              <a:rPr lang="en-US" altLang="ko-KR" dirty="0" err="1"/>
+              <a:t>git</a:t>
+            </a:r>
+            <a:r>
+              <a:rPr lang="en-US" altLang="ko-KR" dirty="0"/>
+              <a:t> pull</a:t>
+            </a:r>
+            <a:r>
+              <a:rPr lang="ko-KR" altLang="en-US" dirty="0"/>
+              <a:t>을 하면 보이는 모양을 확인</a:t>
             </a:r>
             <a:endParaRPr lang="en-US" altLang="ko-KR" dirty="0"/>
           </a:p>
           <a:p>
-            <a:pPr marL="441325" lvl="1" indent="-174625">
-              <a:buAutoNum type="arabicPeriod"/>
+            <a:pPr marL="266700" lvl="1" indent="0">
+              <a:buNone/>
             </a:pPr>
-            <a:endParaRPr lang="en-US" altLang="ko-KR" dirty="0"/>
-          </a:p>
-          <a:p>
-            <a:pPr marL="441325" lvl="1" indent="-174625">
-              <a:buAutoNum type="arabicPeriod"/>
-            </a:pPr>
-            <a:endParaRPr lang="en-US" altLang="ko-KR" dirty="0"/>
-          </a:p>
-          <a:p>
-            <a:pPr marL="441325" lvl="1" indent="-174625">
-              <a:buAutoNum type="arabicPeriod"/>
-            </a:pPr>
-            <a:endParaRPr lang="en-US" altLang="ko-KR" dirty="0"/>
-          </a:p>
-          <a:p>
-            <a:pPr marL="441325" lvl="1" indent="-174625">
-              <a:buAutoNum type="arabicPeriod"/>
-            </a:pPr>
-            <a:endParaRPr lang="en-US" altLang="ko-KR" dirty="0"/>
-          </a:p>
-          <a:p>
-            <a:pPr marL="441325" lvl="1" indent="-174625">
-              <a:buAutoNum type="arabicPeriod"/>
-            </a:pPr>
-            <a:endParaRPr lang="en-US" altLang="ko-KR" dirty="0"/>
+            <a:r>
+              <a:rPr lang="en-US" altLang="ko-KR" dirty="0"/>
+              <a:t>  </a:t>
+            </a:r>
           </a:p>
         </p:txBody>
       </p:sp>
     </p:spTree>
     <p:extLst>
       <p:ext uri="{BB962C8B-B14F-4D97-AF65-F5344CB8AC3E}">
-        <p14:creationId xmlns:p14="http://schemas.microsoft.com/office/powerpoint/2010/main" val="1739576219"/>
+        <p14:creationId xmlns:p14="http://schemas.microsoft.com/office/powerpoint/2010/main" val="3768842790"/>
       </p:ext>
     </p:extLst>
   </p:cSld>
@@ -19553,279 +20224,239 @@
           <a:p>
             <a:r>
               <a:rPr lang="ko-KR" altLang="en-US" dirty="0"/>
-              <a:t>협업시작하기</a:t>
+              <a:t>오픈소스 참여하기</a:t>
             </a:r>
           </a:p>
         </p:txBody>
       </p:sp>
       <p:sp>
         <p:nvSpPr>
-          <p:cNvPr id="5" name="내용 개체 틀 4">
+          <p:cNvPr id="5" name="내용 개체 틀 2">
             <a:extLst>
               <a:ext uri="{FF2B5EF4-FFF2-40B4-BE49-F238E27FC236}">
-                <a16:creationId xmlns:a16="http://schemas.microsoft.com/office/drawing/2014/main" id="{FDF69C25-9F43-470B-8A20-AEDC0F371CCD}"/>
+                <a16:creationId xmlns:a16="http://schemas.microsoft.com/office/drawing/2014/main" id="{A44AC902-3746-40D6-9827-94B46EEDDC67}"/>
               </a:ext>
             </a:extLst>
           </p:cNvPr>
-          <p:cNvSpPr>
-            <a:spLocks noGrp="1"/>
+          <p:cNvSpPr txBox="1">
+            <a:spLocks/>
           </p:cNvSpPr>
-          <p:nvPr>
-            <p:ph idx="1"/>
-          </p:nvPr>
+          <p:nvPr/>
         </p:nvSpPr>
         <p:spPr>
           <a:xfrm>
-            <a:off x="250825" y="1000221"/>
-            <a:ext cx="8641655" cy="5146579"/>
+            <a:off x="341786" y="1120544"/>
+            <a:ext cx="4054367" cy="2348370"/>
           </a:xfrm>
+          <a:prstGeom prst="rect">
+            <a:avLst/>
+          </a:prstGeom>
         </p:spPr>
         <p:txBody>
-          <a:bodyPr tIns="0" bIns="0">
+          <a:bodyPr vert="horz" lIns="91440" tIns="45720" rIns="91440" bIns="45720" rtlCol="0">
             <a:noAutofit/>
           </a:bodyPr>
-          <a:lstStyle/>
-          <a:p>
-            <a:pPr>
+          <a:lstStyle>
+            <a:lvl1pPr marL="266700" indent="-266700" defTabSz="914400" latinLnBrk="1">
+              <a:lnSpc>
+                <a:spcPct val="150000"/>
+              </a:lnSpc>
+              <a:spcBef>
+                <a:spcPct val="0"/>
+              </a:spcBef>
               <a:buClr>
                 <a:schemeClr val="tx1">
                   <a:lumMod val="65000"/>
                   <a:lumOff val="35000"/>
                 </a:schemeClr>
               </a:buClr>
-              <a:defRPr/>
-            </a:pPr>
-            <a:r>
-              <a:rPr lang="ko-KR" altLang="en-US" dirty="0"/>
-              <a:t>프로젝트 만들기</a:t>
-            </a:r>
-          </a:p>
-          <a:p>
-            <a:pPr marL="609600" lvl="1" indent="-342900">
+              <a:buFont typeface="Wingdings" pitchFamily="2" charset="2"/>
+              <a:buChar char="n"/>
+              <a:defRPr sz="2000" b="1">
+                <a:latin typeface="+mn-ea"/>
+              </a:defRPr>
+            </a:lvl1pPr>
+            <a:lvl2pPr marL="447675" lvl="1" indent="-180975" defTabSz="914400" latinLnBrk="1">
+              <a:lnSpc>
+                <a:spcPct val="150000"/>
+              </a:lnSpc>
+              <a:spcBef>
+                <a:spcPts val="0"/>
+              </a:spcBef>
+              <a:spcAft>
+                <a:spcPts val="0"/>
+              </a:spcAft>
+              <a:buClr>
+                <a:schemeClr val="tx1">
+                  <a:lumMod val="50000"/>
+                  <a:lumOff val="50000"/>
+                </a:schemeClr>
+              </a:buClr>
+              <a:buFont typeface="Wingdings" pitchFamily="2" charset="2"/>
+              <a:buChar char="§"/>
+              <a:defRPr sz="1600"/>
+            </a:lvl2pPr>
+            <a:lvl3pPr marL="628650" indent="-180975" defTabSz="914400" latinLnBrk="1">
+              <a:lnSpc>
+                <a:spcPct val="150000"/>
+              </a:lnSpc>
+              <a:spcBef>
+                <a:spcPts val="500"/>
+              </a:spcBef>
+              <a:spcAft>
+                <a:spcPts val="300"/>
+              </a:spcAft>
               <a:buClr>
                 <a:schemeClr val="tx1">
                   <a:lumMod val="65000"/>
                   <a:lumOff val="35000"/>
                 </a:schemeClr>
               </a:buClr>
-              <a:buFont typeface="+mj-ea"/>
-              <a:buAutoNum type="circleNumDbPlain"/>
-              <a:defRPr/>
-            </a:pPr>
-            <a:r>
-              <a:rPr lang="en-US" altLang="ko-KR" dirty="0" err="1"/>
-              <a:t>Github</a:t>
-            </a:r>
-            <a:r>
-              <a:rPr lang="en-US" altLang="ko-KR" dirty="0"/>
-              <a:t> </a:t>
-            </a:r>
-            <a:r>
-              <a:rPr lang="ko-KR" altLang="en-US" dirty="0"/>
-              <a:t>등록</a:t>
-            </a:r>
-            <a:endParaRPr lang="en-US" altLang="ko-KR" dirty="0"/>
-          </a:p>
-          <a:p>
-            <a:pPr marL="609600" lvl="1" indent="-342900">
+              <a:buFont typeface="Arial" panose="020B0604020202020204" pitchFamily="34" charset="0"/>
+              <a:buChar char="•"/>
+              <a:defRPr sz="1400"/>
+            </a:lvl3pPr>
+            <a:lvl4pPr marL="809625" indent="-180975" defTabSz="914400" latinLnBrk="1">
+              <a:lnSpc>
+                <a:spcPct val="150000"/>
+              </a:lnSpc>
+              <a:spcBef>
+                <a:spcPts val="500"/>
+              </a:spcBef>
+              <a:spcAft>
+                <a:spcPts val="300"/>
+              </a:spcAft>
               <a:buClr>
                 <a:schemeClr val="tx1">
                   <a:lumMod val="65000"/>
                   <a:lumOff val="35000"/>
                 </a:schemeClr>
               </a:buClr>
-              <a:buFont typeface="+mj-ea"/>
-              <a:buAutoNum type="circleNumDbPlain"/>
-              <a:defRPr/>
-            </a:pPr>
-            <a:r>
-              <a:rPr lang="ko-KR" altLang="en-US" dirty="0"/>
-              <a:t>기존의 </a:t>
-            </a:r>
-            <a:r>
-              <a:rPr lang="ko-KR" altLang="en-US" dirty="0" err="1"/>
-              <a:t>브랜치를</a:t>
-            </a:r>
-            <a:r>
-              <a:rPr lang="ko-KR" altLang="en-US" dirty="0"/>
-              <a:t> 삭제하지 않으면 내용이 그대로 남아 있음</a:t>
-            </a:r>
-            <a:r>
-              <a:rPr lang="en-US" altLang="ko-KR" dirty="0"/>
-              <a:t>.</a:t>
-            </a:r>
-          </a:p>
-          <a:p>
-            <a:pPr marL="266700" lvl="1" indent="0">
+              <a:buSzPct val="96000"/>
+              <a:buFont typeface="Arial" panose="020B0604020202020204" pitchFamily="34" charset="0"/>
+              <a:buChar char="•"/>
+              <a:defRPr sz="1200"/>
+            </a:lvl4pPr>
+            <a:lvl5pPr marL="990600" indent="-180975" defTabSz="914400" latinLnBrk="1">
+              <a:lnSpc>
+                <a:spcPct val="150000"/>
+              </a:lnSpc>
+              <a:spcBef>
+                <a:spcPts val="500"/>
+              </a:spcBef>
               <a:buClr>
                 <a:schemeClr val="tx1">
                   <a:lumMod val="65000"/>
                   <a:lumOff val="35000"/>
                 </a:schemeClr>
               </a:buClr>
-              <a:buNone/>
-              <a:defRPr/>
+              <a:buFont typeface="Arial" panose="020B0604020202020204" pitchFamily="34" charset="0"/>
+              <a:buChar char="•"/>
+              <a:defRPr sz="1000"/>
+            </a:lvl5pPr>
+            <a:lvl6pPr marL="2514600" indent="-228600" defTabSz="914400" latinLnBrk="1">
+              <a:lnSpc>
+                <a:spcPct val="90000"/>
+              </a:lnSpc>
+              <a:spcBef>
+                <a:spcPts val="500"/>
+              </a:spcBef>
+              <a:buFont typeface="Arial" panose="020B0604020202020204" pitchFamily="34" charset="0"/>
+              <a:buChar char="•"/>
+            </a:lvl6pPr>
+            <a:lvl7pPr marL="2971800" indent="-228600" defTabSz="914400" latinLnBrk="1">
+              <a:lnSpc>
+                <a:spcPct val="90000"/>
+              </a:lnSpc>
+              <a:spcBef>
+                <a:spcPts val="500"/>
+              </a:spcBef>
+              <a:buFont typeface="Arial" panose="020B0604020202020204" pitchFamily="34" charset="0"/>
+              <a:buChar char="•"/>
+            </a:lvl7pPr>
+            <a:lvl8pPr marL="3429000" indent="-228600" defTabSz="914400" latinLnBrk="1">
+              <a:lnSpc>
+                <a:spcPct val="90000"/>
+              </a:lnSpc>
+              <a:spcBef>
+                <a:spcPts val="500"/>
+              </a:spcBef>
+              <a:buFont typeface="Arial" panose="020B0604020202020204" pitchFamily="34" charset="0"/>
+              <a:buChar char="•"/>
+            </a:lvl8pPr>
+            <a:lvl9pPr marL="3886200" indent="-228600" defTabSz="914400" latinLnBrk="1">
+              <a:lnSpc>
+                <a:spcPct val="90000"/>
+              </a:lnSpc>
+              <a:spcBef>
+                <a:spcPts val="500"/>
+              </a:spcBef>
+              <a:buFont typeface="Arial" panose="020B0604020202020204" pitchFamily="34" charset="0"/>
+              <a:buChar char="•"/>
+            </a:lvl9pPr>
+          </a:lstStyle>
+          <a:p>
+            <a:r>
+              <a:rPr lang="en-US" altLang="ko-KR" dirty="0"/>
+              <a:t>Fork</a:t>
+            </a:r>
+          </a:p>
+          <a:p>
+            <a:pPr lvl="1"/>
+            <a:r>
+              <a:rPr lang="en-US" altLang="ko-KR" dirty="0"/>
+              <a:t>Fork</a:t>
+            </a:r>
+            <a:r>
+              <a:rPr lang="ko-KR" altLang="en-US" dirty="0"/>
+              <a:t>의 목적</a:t>
+            </a:r>
+            <a:endParaRPr lang="en-US" altLang="ko-KR" dirty="0"/>
+          </a:p>
+          <a:p>
+            <a:pPr lvl="1"/>
+            <a:r>
+              <a:rPr lang="ko-KR" altLang="en-US" dirty="0"/>
+              <a:t>작업 순서도 </a:t>
+            </a:r>
+            <a:endParaRPr lang="en-US" altLang="ko-KR" dirty="0"/>
+          </a:p>
+          <a:p>
+            <a:pPr marL="441325" lvl="1" indent="-174625">
+              <a:buAutoNum type="arabicPeriod"/>
             </a:pPr>
-            <a:r>
-              <a:rPr lang="en-US" altLang="ko-KR" dirty="0"/>
-              <a:t>      remote</a:t>
-            </a:r>
-            <a:r>
-              <a:rPr lang="ko-KR" altLang="en-US" dirty="0"/>
-              <a:t>의 </a:t>
-            </a:r>
-            <a:r>
-              <a:rPr lang="en-US" altLang="ko-KR" dirty="0"/>
-              <a:t>pull </a:t>
-            </a:r>
-            <a:r>
-              <a:rPr lang="ko-KR" altLang="en-US" dirty="0"/>
-              <a:t>기능을 대신할 수 있는 기능은 무엇</a:t>
-            </a:r>
-            <a:r>
-              <a:rPr lang="en-US" altLang="ko-KR" dirty="0"/>
-              <a:t>?</a:t>
-            </a:r>
-          </a:p>
-          <a:p>
-            <a:pPr marL="266700" lvl="1" indent="0">
-              <a:buClr>
-                <a:schemeClr val="tx1">
-                  <a:lumMod val="65000"/>
-                  <a:lumOff val="35000"/>
-                </a:schemeClr>
-              </a:buClr>
-              <a:buNone/>
-              <a:defRPr/>
+            <a:endParaRPr lang="en-US" altLang="ko-KR" dirty="0"/>
+          </a:p>
+          <a:p>
+            <a:pPr marL="441325" lvl="1" indent="-174625">
+              <a:buAutoNum type="arabicPeriod"/>
             </a:pPr>
-            <a:r>
-              <a:rPr lang="ko-KR" altLang="en-US" dirty="0"/>
-              <a:t>한번 </a:t>
-            </a:r>
-            <a:r>
-              <a:rPr lang="en-US" altLang="ko-KR" dirty="0"/>
-              <a:t>merge</a:t>
-            </a:r>
-            <a:r>
-              <a:rPr lang="ko-KR" altLang="en-US" dirty="0"/>
-              <a:t>하면 다시 </a:t>
-            </a:r>
-            <a:r>
-              <a:rPr lang="en-US" altLang="ko-KR" dirty="0"/>
-              <a:t>commit</a:t>
-            </a:r>
-            <a:r>
-              <a:rPr lang="ko-KR" altLang="en-US" dirty="0"/>
-              <a:t>하지 않는 한 </a:t>
-            </a:r>
-            <a:r>
-              <a:rPr lang="en-US" altLang="ko-KR" dirty="0"/>
-              <a:t>merge </a:t>
-            </a:r>
-            <a:r>
-              <a:rPr lang="ko-KR" altLang="en-US" dirty="0"/>
-              <a:t>안됨</a:t>
-            </a:r>
-            <a:r>
-              <a:rPr lang="en-US" altLang="ko-KR" dirty="0"/>
-              <a:t>.</a:t>
-            </a:r>
-          </a:p>
-          <a:p>
-            <a:pPr marL="609600" lvl="1" indent="-342900">
-              <a:buClr>
-                <a:schemeClr val="tx1">
-                  <a:lumMod val="65000"/>
-                  <a:lumOff val="35000"/>
-                </a:schemeClr>
-              </a:buClr>
-              <a:buFont typeface="+mj-ea"/>
-              <a:buAutoNum type="circleNumDbPlain"/>
-              <a:defRPr/>
+            <a:endParaRPr lang="en-US" altLang="ko-KR" dirty="0"/>
+          </a:p>
+          <a:p>
+            <a:pPr marL="441325" lvl="1" indent="-174625">
+              <a:buAutoNum type="arabicPeriod"/>
             </a:pPr>
-            <a:r>
-              <a:rPr lang="en-US" altLang="ko-KR" dirty="0">
-                <a:solidFill>
-                  <a:srgbClr val="FF0000"/>
-                </a:solidFill>
-              </a:rPr>
-              <a:t>Clone</a:t>
-            </a:r>
-            <a:r>
-              <a:rPr lang="ko-KR" altLang="en-US" dirty="0">
-                <a:solidFill>
-                  <a:srgbClr val="FF0000"/>
-                </a:solidFill>
-              </a:rPr>
-              <a:t>과 </a:t>
-            </a:r>
-            <a:r>
-              <a:rPr lang="en-US" altLang="ko-KR" dirty="0">
-                <a:solidFill>
-                  <a:srgbClr val="FF0000"/>
-                </a:solidFill>
-              </a:rPr>
-              <a:t>pull</a:t>
-            </a:r>
-            <a:r>
-              <a:rPr lang="ko-KR" altLang="en-US" dirty="0">
-                <a:solidFill>
-                  <a:srgbClr val="FF0000"/>
-                </a:solidFill>
-              </a:rPr>
-              <a:t>이</a:t>
-            </a:r>
-            <a:r>
-              <a:rPr lang="en-US" altLang="ko-KR" dirty="0">
-                <a:solidFill>
-                  <a:srgbClr val="FF0000"/>
-                </a:solidFill>
-              </a:rPr>
-              <a:t> </a:t>
-            </a:r>
-            <a:r>
-              <a:rPr lang="ko-KR" altLang="en-US" dirty="0">
-                <a:solidFill>
-                  <a:srgbClr val="FF0000"/>
-                </a:solidFill>
-              </a:rPr>
-              <a:t>차이</a:t>
-            </a:r>
-            <a:r>
-              <a:rPr lang="en-US" altLang="ko-KR" dirty="0">
-                <a:solidFill>
-                  <a:srgbClr val="FF0000"/>
-                </a:solidFill>
-              </a:rPr>
-              <a:t>, </a:t>
-            </a:r>
-            <a:r>
-              <a:rPr lang="ko-KR" altLang="en-US" dirty="0">
-                <a:solidFill>
-                  <a:srgbClr val="FF0000"/>
-                </a:solidFill>
-              </a:rPr>
-              <a:t>로컬에서 자동 연결 삭제 방법 확인</a:t>
-            </a:r>
-            <a:endParaRPr lang="en-US" altLang="ko-KR" dirty="0">
-              <a:solidFill>
-                <a:srgbClr val="FF0000"/>
-              </a:solidFill>
-            </a:endParaRPr>
-          </a:p>
-          <a:p>
-            <a:endParaRPr lang="ko-KR" altLang="en-US" dirty="0">
-              <a:solidFill>
-                <a:srgbClr val="FF0000"/>
-              </a:solidFill>
-            </a:endParaRPr>
+            <a:endParaRPr lang="en-US" altLang="ko-KR" dirty="0"/>
+          </a:p>
+          <a:p>
+            <a:pPr marL="441325" lvl="1" indent="-174625">
+              <a:buAutoNum type="arabicPeriod"/>
+            </a:pPr>
+            <a:endParaRPr lang="en-US" altLang="ko-KR" dirty="0"/>
+          </a:p>
+          <a:p>
+            <a:pPr marL="441325" lvl="1" indent="-174625">
+              <a:buAutoNum type="arabicPeriod"/>
+            </a:pPr>
+            <a:endParaRPr lang="en-US" altLang="ko-KR" dirty="0"/>
           </a:p>
         </p:txBody>
       </p:sp>
     </p:spTree>
     <p:extLst>
       <p:ext uri="{BB962C8B-B14F-4D97-AF65-F5344CB8AC3E}">
-        <p14:creationId xmlns:p14="http://schemas.microsoft.com/office/powerpoint/2010/main" val="2239061091"/>
+        <p14:creationId xmlns:p14="http://schemas.microsoft.com/office/powerpoint/2010/main" val="1739576219"/>
       </p:ext>
     </p:extLst>
   </p:cSld>
@@ -19875,7 +20506,7 @@
           <a:p>
             <a:r>
               <a:rPr lang="ko-KR" altLang="en-US" dirty="0"/>
-              <a:t>대학생 특별 가입</a:t>
+              <a:t>협업시작하기</a:t>
             </a:r>
           </a:p>
         </p:txBody>
@@ -19919,6 +20550,328 @@
             </a:pPr>
             <a:r>
               <a:rPr lang="ko-KR" altLang="en-US" dirty="0"/>
+              <a:t>프로젝트 만들기</a:t>
+            </a:r>
+          </a:p>
+          <a:p>
+            <a:pPr marL="609600" lvl="1" indent="-342900">
+              <a:buClr>
+                <a:schemeClr val="tx1">
+                  <a:lumMod val="65000"/>
+                  <a:lumOff val="35000"/>
+                </a:schemeClr>
+              </a:buClr>
+              <a:buFont typeface="+mj-ea"/>
+              <a:buAutoNum type="circleNumDbPlain"/>
+              <a:defRPr/>
+            </a:pPr>
+            <a:r>
+              <a:rPr lang="en-US" altLang="ko-KR" dirty="0" err="1"/>
+              <a:t>Github</a:t>
+            </a:r>
+            <a:r>
+              <a:rPr lang="en-US" altLang="ko-KR" dirty="0"/>
+              <a:t> </a:t>
+            </a:r>
+            <a:r>
+              <a:rPr lang="ko-KR" altLang="en-US" dirty="0"/>
+              <a:t>등록</a:t>
+            </a:r>
+            <a:endParaRPr lang="en-US" altLang="ko-KR" dirty="0"/>
+          </a:p>
+          <a:p>
+            <a:pPr marL="609600" lvl="1" indent="-342900">
+              <a:buClr>
+                <a:schemeClr val="tx1">
+                  <a:lumMod val="65000"/>
+                  <a:lumOff val="35000"/>
+                </a:schemeClr>
+              </a:buClr>
+              <a:buFont typeface="+mj-ea"/>
+              <a:buAutoNum type="circleNumDbPlain"/>
+              <a:defRPr/>
+            </a:pPr>
+            <a:r>
+              <a:rPr lang="ko-KR" altLang="en-US" dirty="0"/>
+              <a:t>기존의 </a:t>
+            </a:r>
+            <a:r>
+              <a:rPr lang="ko-KR" altLang="en-US" dirty="0" err="1"/>
+              <a:t>브랜치를</a:t>
+            </a:r>
+            <a:r>
+              <a:rPr lang="ko-KR" altLang="en-US" dirty="0"/>
+              <a:t> 삭제하지 않으면 내용이 그대로 남아 있음</a:t>
+            </a:r>
+            <a:r>
+              <a:rPr lang="en-US" altLang="ko-KR" dirty="0"/>
+              <a:t>.</a:t>
+            </a:r>
+          </a:p>
+          <a:p>
+            <a:pPr marL="266700" lvl="1" indent="0">
+              <a:buClr>
+                <a:schemeClr val="tx1">
+                  <a:lumMod val="65000"/>
+                  <a:lumOff val="35000"/>
+                </a:schemeClr>
+              </a:buClr>
+              <a:buNone/>
+              <a:defRPr/>
+            </a:pPr>
+            <a:r>
+              <a:rPr lang="en-US" altLang="ko-KR" dirty="0"/>
+              <a:t>      remote</a:t>
+            </a:r>
+            <a:r>
+              <a:rPr lang="ko-KR" altLang="en-US" dirty="0"/>
+              <a:t>의 </a:t>
+            </a:r>
+            <a:r>
+              <a:rPr lang="en-US" altLang="ko-KR" dirty="0"/>
+              <a:t>pull </a:t>
+            </a:r>
+            <a:r>
+              <a:rPr lang="ko-KR" altLang="en-US" dirty="0"/>
+              <a:t>기능을 대신할 수 있는 기능은 무엇</a:t>
+            </a:r>
+            <a:r>
+              <a:rPr lang="en-US" altLang="ko-KR" dirty="0"/>
+              <a:t>?</a:t>
+            </a:r>
+          </a:p>
+          <a:p>
+            <a:pPr marL="266700" lvl="1" indent="0">
+              <a:buClr>
+                <a:schemeClr val="tx1">
+                  <a:lumMod val="65000"/>
+                  <a:lumOff val="35000"/>
+                </a:schemeClr>
+              </a:buClr>
+              <a:buNone/>
+              <a:defRPr/>
+            </a:pPr>
+            <a:r>
+              <a:rPr lang="ko-KR" altLang="en-US" dirty="0"/>
+              <a:t>한번 </a:t>
+            </a:r>
+            <a:r>
+              <a:rPr lang="en-US" altLang="ko-KR" dirty="0"/>
+              <a:t>merge</a:t>
+            </a:r>
+            <a:r>
+              <a:rPr lang="ko-KR" altLang="en-US" dirty="0"/>
+              <a:t>하면 다시 </a:t>
+            </a:r>
+            <a:r>
+              <a:rPr lang="en-US" altLang="ko-KR" dirty="0"/>
+              <a:t>commit</a:t>
+            </a:r>
+            <a:r>
+              <a:rPr lang="ko-KR" altLang="en-US" dirty="0"/>
+              <a:t>하지 않는 한 </a:t>
+            </a:r>
+            <a:r>
+              <a:rPr lang="en-US" altLang="ko-KR" dirty="0"/>
+              <a:t>merge </a:t>
+            </a:r>
+            <a:r>
+              <a:rPr lang="ko-KR" altLang="en-US" dirty="0"/>
+              <a:t>안됨</a:t>
+            </a:r>
+            <a:r>
+              <a:rPr lang="en-US" altLang="ko-KR" dirty="0"/>
+              <a:t>.</a:t>
+            </a:r>
+          </a:p>
+          <a:p>
+            <a:pPr marL="609600" lvl="1" indent="-342900">
+              <a:buClr>
+                <a:schemeClr val="tx1">
+                  <a:lumMod val="65000"/>
+                  <a:lumOff val="35000"/>
+                </a:schemeClr>
+              </a:buClr>
+              <a:buFont typeface="+mj-ea"/>
+              <a:buAutoNum type="circleNumDbPlain"/>
+              <a:defRPr/>
+            </a:pPr>
+            <a:r>
+              <a:rPr lang="en-US" altLang="ko-KR" dirty="0">
+                <a:solidFill>
+                  <a:srgbClr val="FF0000"/>
+                </a:solidFill>
+              </a:rPr>
+              <a:t>Clone</a:t>
+            </a:r>
+            <a:r>
+              <a:rPr lang="ko-KR" altLang="en-US" dirty="0">
+                <a:solidFill>
+                  <a:srgbClr val="FF0000"/>
+                </a:solidFill>
+              </a:rPr>
+              <a:t>과 </a:t>
+            </a:r>
+            <a:r>
+              <a:rPr lang="en-US" altLang="ko-KR" dirty="0">
+                <a:solidFill>
+                  <a:srgbClr val="FF0000"/>
+                </a:solidFill>
+              </a:rPr>
+              <a:t>pull</a:t>
+            </a:r>
+            <a:r>
+              <a:rPr lang="ko-KR" altLang="en-US" dirty="0">
+                <a:solidFill>
+                  <a:srgbClr val="FF0000"/>
+                </a:solidFill>
+              </a:rPr>
+              <a:t>이</a:t>
+            </a:r>
+            <a:r>
+              <a:rPr lang="en-US" altLang="ko-KR" dirty="0">
+                <a:solidFill>
+                  <a:srgbClr val="FF0000"/>
+                </a:solidFill>
+              </a:rPr>
+              <a:t> </a:t>
+            </a:r>
+            <a:r>
+              <a:rPr lang="ko-KR" altLang="en-US" dirty="0">
+                <a:solidFill>
+                  <a:srgbClr val="FF0000"/>
+                </a:solidFill>
+              </a:rPr>
+              <a:t>차이</a:t>
+            </a:r>
+            <a:r>
+              <a:rPr lang="en-US" altLang="ko-KR" dirty="0">
+                <a:solidFill>
+                  <a:srgbClr val="FF0000"/>
+                </a:solidFill>
+              </a:rPr>
+              <a:t>, </a:t>
+            </a:r>
+            <a:r>
+              <a:rPr lang="ko-KR" altLang="en-US" dirty="0">
+                <a:solidFill>
+                  <a:srgbClr val="FF0000"/>
+                </a:solidFill>
+              </a:rPr>
+              <a:t>로컬에서 자동 연결 삭제 방법 확인</a:t>
+            </a:r>
+            <a:endParaRPr lang="en-US" altLang="ko-KR" dirty="0">
+              <a:solidFill>
+                <a:srgbClr val="FF0000"/>
+              </a:solidFill>
+            </a:endParaRPr>
+          </a:p>
+          <a:p>
+            <a:endParaRPr lang="ko-KR" altLang="en-US" dirty="0">
+              <a:solidFill>
+                <a:srgbClr val="FF0000"/>
+              </a:solidFill>
+            </a:endParaRPr>
+          </a:p>
+        </p:txBody>
+      </p:sp>
+    </p:spTree>
+    <p:extLst>
+      <p:ext uri="{BB962C8B-B14F-4D97-AF65-F5344CB8AC3E}">
+        <p14:creationId xmlns:p14="http://schemas.microsoft.com/office/powerpoint/2010/main" val="2239061091"/>
+      </p:ext>
+    </p:extLst>
+  </p:cSld>
+  <p:clrMapOvr>
+    <a:masterClrMapping/>
+  </p:clrMapOvr>
+</p:sld>
+</file>
+
+<file path=ppt/slides/slide37.xml><?xml version="1.0" encoding="utf-8"?>
+<p:sld xmlns:a="http://schemas.openxmlformats.org/drawingml/2006/main" xmlns:r="http://schemas.openxmlformats.org/officeDocument/2006/relationships" xmlns:p="http://schemas.openxmlformats.org/presentationml/2006/main">
+  <p:cSld>
+    <p:spTree>
+      <p:nvGrpSpPr>
+        <p:cNvPr id="1" name=""/>
+        <p:cNvGrpSpPr/>
+        <p:nvPr/>
+      </p:nvGrpSpPr>
+      <p:grpSpPr>
+        <a:xfrm>
+          <a:off x="0" y="0"/>
+          <a:ext cx="0" cy="0"/>
+          <a:chOff x="0" y="0"/>
+          <a:chExt cx="0" cy="0"/>
+        </a:xfrm>
+      </p:grpSpPr>
+      <p:sp>
+        <p:nvSpPr>
+          <p:cNvPr id="4" name="제목 3">
+            <a:extLst>
+              <a:ext uri="{FF2B5EF4-FFF2-40B4-BE49-F238E27FC236}">
+                <a16:creationId xmlns:a16="http://schemas.microsoft.com/office/drawing/2014/main" id="{F0CEB32B-CB43-4410-BA08-A97E4BC47FCB}"/>
+              </a:ext>
+            </a:extLst>
+          </p:cNvPr>
+          <p:cNvSpPr>
+            <a:spLocks noGrp="1"/>
+          </p:cNvSpPr>
+          <p:nvPr>
+            <p:ph type="title"/>
+          </p:nvPr>
+        </p:nvSpPr>
+        <p:spPr/>
+        <p:txBody>
+          <a:bodyPr/>
+          <a:lstStyle/>
+          <a:p>
+            <a:r>
+              <a:rPr lang="ko-KR" altLang="en-US" dirty="0"/>
+              <a:t>대학생 특별 가입</a:t>
+            </a:r>
+          </a:p>
+        </p:txBody>
+      </p:sp>
+      <p:sp>
+        <p:nvSpPr>
+          <p:cNvPr id="5" name="내용 개체 틀 4">
+            <a:extLst>
+              <a:ext uri="{FF2B5EF4-FFF2-40B4-BE49-F238E27FC236}">
+                <a16:creationId xmlns:a16="http://schemas.microsoft.com/office/drawing/2014/main" id="{FDF69C25-9F43-470B-8A20-AEDC0F371CCD}"/>
+              </a:ext>
+            </a:extLst>
+          </p:cNvPr>
+          <p:cNvSpPr>
+            <a:spLocks noGrp="1"/>
+          </p:cNvSpPr>
+          <p:nvPr>
+            <p:ph idx="1"/>
+          </p:nvPr>
+        </p:nvSpPr>
+        <p:spPr>
+          <a:xfrm>
+            <a:off x="250825" y="1000221"/>
+            <a:ext cx="8641655" cy="5146579"/>
+          </a:xfrm>
+        </p:spPr>
+        <p:txBody>
+          <a:bodyPr tIns="0" bIns="0">
+            <a:noAutofit/>
+          </a:bodyPr>
+          <a:lstStyle/>
+          <a:p>
+            <a:pPr>
+              <a:buClr>
+                <a:schemeClr val="tx1">
+                  <a:lumMod val="65000"/>
+                  <a:lumOff val="35000"/>
+                </a:schemeClr>
+              </a:buClr>
+              <a:defRPr/>
+            </a:pPr>
+            <a:r>
+              <a:rPr lang="ko-KR" altLang="en-US" dirty="0"/>
               <a:t>대학생 </a:t>
             </a:r>
             <a:r>
@@ -19974,7 +20927,7 @@
 </p:sld>
 </file>
 
-<file path=ppt/slides/slide37.xml><?xml version="1.0" encoding="utf-8"?>
+<file path=ppt/slides/slide38.xml><?xml version="1.0" encoding="utf-8"?>
 <p:sld xmlns:a="http://schemas.openxmlformats.org/drawingml/2006/main" xmlns:r="http://schemas.openxmlformats.org/officeDocument/2006/relationships" xmlns:p="http://schemas.openxmlformats.org/presentationml/2006/main">
   <p:cSld>
     <p:spTree>
@@ -21955,116 +22908,6 @@
 </p:sld>
 </file>
 
-<file path=ppt/slides/slide38.xml><?xml version="1.0" encoding="utf-8"?>
-<p:sld xmlns:a="http://schemas.openxmlformats.org/drawingml/2006/main" xmlns:r="http://schemas.openxmlformats.org/officeDocument/2006/relationships" xmlns:p="http://schemas.openxmlformats.org/presentationml/2006/main">
-  <p:cSld>
-    <p:spTree>
-      <p:nvGrpSpPr>
-        <p:cNvPr id="1" name=""/>
-        <p:cNvGrpSpPr/>
-        <p:nvPr/>
-      </p:nvGrpSpPr>
-      <p:grpSpPr>
-        <a:xfrm>
-          <a:off x="0" y="0"/>
-          <a:ext cx="0" cy="0"/>
-          <a:chOff x="0" y="0"/>
-          <a:chExt cx="0" cy="0"/>
-        </a:xfrm>
-      </p:grpSpPr>
-      <p:sp>
-        <p:nvSpPr>
-          <p:cNvPr id="4" name="제목 3">
-            <a:extLst>
-              <a:ext uri="{FF2B5EF4-FFF2-40B4-BE49-F238E27FC236}">
-                <a16:creationId xmlns:a16="http://schemas.microsoft.com/office/drawing/2014/main" id="{F0CEB32B-CB43-4410-BA08-A97E4BC47FCB}"/>
-              </a:ext>
-            </a:extLst>
-          </p:cNvPr>
-          <p:cNvSpPr>
-            <a:spLocks noGrp="1"/>
-          </p:cNvSpPr>
-          <p:nvPr>
-            <p:ph type="title"/>
-          </p:nvPr>
-        </p:nvSpPr>
-        <p:spPr/>
-        <p:txBody>
-          <a:bodyPr/>
-          <a:lstStyle/>
-          <a:p>
-            <a:r>
-              <a:rPr lang="ko-KR" altLang="en-US" dirty="0"/>
-              <a:t>대학생 특별 가입</a:t>
-            </a:r>
-          </a:p>
-        </p:txBody>
-      </p:sp>
-      <p:sp>
-        <p:nvSpPr>
-          <p:cNvPr id="5" name="내용 개체 틀 4">
-            <a:extLst>
-              <a:ext uri="{FF2B5EF4-FFF2-40B4-BE49-F238E27FC236}">
-                <a16:creationId xmlns:a16="http://schemas.microsoft.com/office/drawing/2014/main" id="{FDF69C25-9F43-470B-8A20-AEDC0F371CCD}"/>
-              </a:ext>
-            </a:extLst>
-          </p:cNvPr>
-          <p:cNvSpPr>
-            <a:spLocks noGrp="1"/>
-          </p:cNvSpPr>
-          <p:nvPr>
-            <p:ph idx="1"/>
-          </p:nvPr>
-        </p:nvSpPr>
-        <p:spPr>
-          <a:xfrm>
-            <a:off x="250825" y="1000221"/>
-            <a:ext cx="8641655" cy="5146579"/>
-          </a:xfrm>
-        </p:spPr>
-        <p:txBody>
-          <a:bodyPr tIns="0" bIns="0">
-            <a:noAutofit/>
-          </a:bodyPr>
-          <a:lstStyle/>
-          <a:p>
-            <a:pPr>
-              <a:buClr>
-                <a:schemeClr val="tx1">
-                  <a:lumMod val="65000"/>
-                  <a:lumOff val="35000"/>
-                </a:schemeClr>
-              </a:buClr>
-              <a:defRPr/>
-            </a:pPr>
-            <a:r>
-              <a:rPr lang="ko-KR" altLang="en-US" dirty="0"/>
-              <a:t>접근 오류 해결 방법</a:t>
-            </a:r>
-            <a:endParaRPr lang="en-US" altLang="ko-KR" dirty="0"/>
-          </a:p>
-          <a:p>
-            <a:endParaRPr lang="ko-KR" altLang="en-US" dirty="0">
-              <a:solidFill>
-                <a:srgbClr val="FF0000"/>
-              </a:solidFill>
-            </a:endParaRPr>
-          </a:p>
-        </p:txBody>
-      </p:sp>
-    </p:spTree>
-    <p:extLst>
-      <p:ext uri="{BB962C8B-B14F-4D97-AF65-F5344CB8AC3E}">
-        <p14:creationId xmlns:p14="http://schemas.microsoft.com/office/powerpoint/2010/main" val="3973995856"/>
-      </p:ext>
-    </p:extLst>
-  </p:cSld>
-  <p:clrMapOvr>
-    <a:masterClrMapping/>
-  </p:clrMapOvr>
-</p:sld>
-</file>
-
 <file path=ppt/slides/slide39.xml><?xml version="1.0" encoding="utf-8"?>
 <p:sld xmlns:a="http://schemas.openxmlformats.org/drawingml/2006/main" xmlns:r="http://schemas.openxmlformats.org/officeDocument/2006/relationships" xmlns:p="http://schemas.openxmlformats.org/presentationml/2006/main">
   <p:cSld>
@@ -22105,13 +22948,8 @@
           <a:p>
             <a:r>
               <a:rPr lang="ko-KR" altLang="en-US" dirty="0"/>
-              <a:t>협업방식 </a:t>
-            </a:r>
-            <a:r>
-              <a:rPr lang="en-US" altLang="ko-KR" dirty="0"/>
-              <a:t>1</a:t>
-            </a:r>
-            <a:endParaRPr lang="ko-KR" altLang="en-US" dirty="0"/>
+              <a:t>대학생 특별 가입</a:t>
+            </a:r>
           </a:p>
         </p:txBody>
       </p:sp>
@@ -22153,522 +22991,12 @@
               <a:defRPr/>
             </a:pPr>
             <a:r>
-              <a:rPr lang="en-US" altLang="ko-KR" dirty="0"/>
-              <a:t>Centralized workflow (collab </a:t>
-            </a:r>
-            <a:r>
               <a:rPr lang="ko-KR" altLang="en-US" dirty="0"/>
-              <a:t>참여자가 모두가 결정하고 수정 진행</a:t>
-            </a:r>
-            <a:r>
-              <a:rPr lang="en-US" altLang="ko-KR" dirty="0"/>
-              <a:t>)</a:t>
-            </a:r>
-          </a:p>
-          <a:p>
-            <a:pPr marL="534988" lvl="1" indent="-268288">
-              <a:spcBef>
-                <a:spcPts val="0"/>
-              </a:spcBef>
-              <a:spcAft>
-                <a:spcPts val="0"/>
-              </a:spcAft>
-              <a:buClr>
-                <a:schemeClr val="tx1">
-                  <a:lumMod val="65000"/>
-                  <a:lumOff val="35000"/>
-                </a:schemeClr>
-              </a:buClr>
-              <a:buFont typeface="+mj-ea"/>
-              <a:buAutoNum type="circleNumDbPlain"/>
-              <a:defRPr/>
-            </a:pPr>
-            <a:r>
-              <a:rPr lang="en-US" altLang="ko-KR" dirty="0"/>
-              <a:t>Local </a:t>
-            </a:r>
-            <a:r>
-              <a:rPr lang="ko-KR" altLang="en-US" dirty="0"/>
-              <a:t>작업</a:t>
+              <a:t>접근 오류 해결 방법</a:t>
             </a:r>
             <a:endParaRPr lang="en-US" altLang="ko-KR" dirty="0"/>
           </a:p>
           <a:p>
-            <a:pPr marL="534988" lvl="1" indent="-268288">
-              <a:spcBef>
-                <a:spcPts val="0"/>
-              </a:spcBef>
-              <a:spcAft>
-                <a:spcPts val="0"/>
-              </a:spcAft>
-              <a:buClr>
-                <a:schemeClr val="tx1">
-                  <a:lumMod val="65000"/>
-                  <a:lumOff val="35000"/>
-                </a:schemeClr>
-              </a:buClr>
-              <a:buFont typeface="+mj-ea"/>
-              <a:buAutoNum type="circleNumDbPlain"/>
-              <a:defRPr/>
-            </a:pPr>
-            <a:r>
-              <a:rPr lang="ko-KR" altLang="en-US" dirty="0"/>
-              <a:t>원격</a:t>
-            </a:r>
-            <a:r>
-              <a:rPr lang="en-US" altLang="ko-KR" dirty="0"/>
-              <a:t>repo  </a:t>
-            </a:r>
-            <a:r>
-              <a:rPr lang="ko-KR" altLang="en-US" dirty="0"/>
-              <a:t>만들기</a:t>
-            </a:r>
-            <a:r>
-              <a:rPr lang="en-US" altLang="ko-KR" dirty="0"/>
-              <a:t>, collaborator</a:t>
-            </a:r>
-          </a:p>
-          <a:p>
-            <a:pPr marL="534988" lvl="1" indent="-268288">
-              <a:spcBef>
-                <a:spcPts val="0"/>
-              </a:spcBef>
-              <a:spcAft>
-                <a:spcPts val="0"/>
-              </a:spcAft>
-              <a:buClr>
-                <a:schemeClr val="tx1">
-                  <a:lumMod val="65000"/>
-                  <a:lumOff val="35000"/>
-                </a:schemeClr>
-              </a:buClr>
-              <a:buFont typeface="+mj-ea"/>
-              <a:buAutoNum type="circleNumDbPlain"/>
-              <a:defRPr/>
-            </a:pPr>
-            <a:r>
-              <a:rPr lang="en-US" altLang="ko-KR" dirty="0"/>
-              <a:t>Push</a:t>
-            </a:r>
-            <a:r>
-              <a:rPr lang="ko-KR" altLang="en-US" dirty="0"/>
-              <a:t>하기 </a:t>
-            </a:r>
-            <a:endParaRPr lang="en-US" altLang="ko-KR" dirty="0"/>
-          </a:p>
-          <a:p>
-            <a:pPr marL="534988" lvl="1" indent="-268288">
-              <a:spcBef>
-                <a:spcPts val="0"/>
-              </a:spcBef>
-              <a:spcAft>
-                <a:spcPts val="0"/>
-              </a:spcAft>
-              <a:buClr>
-                <a:schemeClr val="tx1">
-                  <a:lumMod val="65000"/>
-                  <a:lumOff val="35000"/>
-                </a:schemeClr>
-              </a:buClr>
-              <a:buFont typeface="+mj-ea"/>
-              <a:buAutoNum type="circleNumDbPlain"/>
-              <a:defRPr/>
-            </a:pPr>
-            <a:r>
-              <a:rPr lang="en-US" altLang="ko-KR" dirty="0"/>
-              <a:t>Collab clone</a:t>
-            </a:r>
-            <a:r>
-              <a:rPr lang="ko-KR" altLang="en-US" dirty="0"/>
-              <a:t>하기</a:t>
-            </a:r>
-            <a:endParaRPr lang="en-US" altLang="ko-KR" dirty="0"/>
-          </a:p>
-          <a:p>
-            <a:pPr marL="534988" lvl="1" indent="-268288">
-              <a:spcBef>
-                <a:spcPts val="0"/>
-              </a:spcBef>
-              <a:spcAft>
-                <a:spcPts val="0"/>
-              </a:spcAft>
-              <a:buClr>
-                <a:schemeClr val="tx1">
-                  <a:lumMod val="65000"/>
-                  <a:lumOff val="35000"/>
-                </a:schemeClr>
-              </a:buClr>
-              <a:buFont typeface="+mj-ea"/>
-              <a:buAutoNum type="circleNumDbPlain"/>
-              <a:defRPr/>
-            </a:pPr>
-            <a:r>
-              <a:rPr lang="en-US" altLang="ko-KR" dirty="0"/>
-              <a:t>1 </a:t>
-            </a:r>
-            <a:r>
-              <a:rPr lang="ko-KR" altLang="en-US" dirty="0"/>
-              <a:t>수정하고 </a:t>
-            </a:r>
-            <a:r>
-              <a:rPr lang="en-US" altLang="ko-KR" dirty="0"/>
-              <a:t>push</a:t>
-            </a:r>
-            <a:r>
-              <a:rPr lang="ko-KR" altLang="en-US" dirty="0"/>
-              <a:t>하기</a:t>
-            </a:r>
-            <a:endParaRPr lang="en-US" altLang="ko-KR" dirty="0"/>
-          </a:p>
-          <a:p>
-            <a:pPr marL="534988" lvl="1" indent="-268288">
-              <a:spcBef>
-                <a:spcPts val="0"/>
-              </a:spcBef>
-              <a:spcAft>
-                <a:spcPts val="0"/>
-              </a:spcAft>
-              <a:buClr>
-                <a:schemeClr val="tx1">
-                  <a:lumMod val="65000"/>
-                  <a:lumOff val="35000"/>
-                </a:schemeClr>
-              </a:buClr>
-              <a:buFont typeface="+mj-ea"/>
-              <a:buAutoNum type="circleNumDbPlain"/>
-              <a:defRPr/>
-            </a:pPr>
-            <a:r>
-              <a:rPr lang="en-US" altLang="ko-KR" dirty="0"/>
-              <a:t>2 </a:t>
-            </a:r>
-            <a:r>
-              <a:rPr lang="ko-KR" altLang="en-US" dirty="0"/>
-              <a:t>수정하고 </a:t>
-            </a:r>
-            <a:r>
-              <a:rPr lang="en-US" altLang="ko-KR" dirty="0"/>
-              <a:t>push</a:t>
-            </a:r>
-            <a:r>
-              <a:rPr lang="ko-KR" altLang="en-US" dirty="0"/>
-              <a:t>하기</a:t>
-            </a:r>
-            <a:endParaRPr lang="en-US" altLang="ko-KR" dirty="0"/>
-          </a:p>
-          <a:p>
-            <a:pPr marL="534988" lvl="1" indent="-268288">
-              <a:spcBef>
-                <a:spcPts val="0"/>
-              </a:spcBef>
-              <a:spcAft>
-                <a:spcPts val="0"/>
-              </a:spcAft>
-              <a:buClr>
-                <a:schemeClr val="tx1">
-                  <a:lumMod val="65000"/>
-                  <a:lumOff val="35000"/>
-                </a:schemeClr>
-              </a:buClr>
-              <a:buFont typeface="+mj-ea"/>
-              <a:buAutoNum type="circleNumDbPlain"/>
-              <a:defRPr/>
-            </a:pPr>
-            <a:r>
-              <a:rPr lang="en-US" altLang="ko-KR" dirty="0"/>
-              <a:t>2</a:t>
-            </a:r>
-            <a:r>
-              <a:rPr lang="ko-KR" altLang="en-US" dirty="0"/>
-              <a:t>에서 </a:t>
-            </a:r>
-            <a:r>
-              <a:rPr lang="en-US" altLang="ko-KR" dirty="0"/>
-              <a:t>Pull --rebase origin main  ( git pull</a:t>
-            </a:r>
-            <a:r>
-              <a:rPr lang="ko-KR" altLang="en-US" dirty="0"/>
-              <a:t>이하</a:t>
-            </a:r>
-            <a:r>
-              <a:rPr lang="en-US" altLang="ko-KR" dirty="0"/>
-              <a:t> 7</a:t>
-            </a:r>
-            <a:r>
-              <a:rPr lang="ko-KR" altLang="en-US" dirty="0"/>
-              <a:t>부터</a:t>
-            </a:r>
-            <a:r>
-              <a:rPr lang="en-US" altLang="ko-KR" dirty="0"/>
-              <a:t>10</a:t>
-            </a:r>
-            <a:r>
-              <a:rPr lang="ko-KR" altLang="en-US" dirty="0"/>
-              <a:t>까지 </a:t>
-            </a:r>
-            <a:r>
-              <a:rPr lang="en-US" altLang="ko-KR" dirty="0"/>
-              <a:t>git pull</a:t>
-            </a:r>
-            <a:r>
-              <a:rPr lang="ko-KR" altLang="en-US" dirty="0"/>
-              <a:t>하고 </a:t>
-            </a:r>
-            <a:r>
-              <a:rPr lang="en-US" altLang="ko-KR" dirty="0"/>
-              <a:t>conflict </a:t>
-            </a:r>
-            <a:r>
-              <a:rPr lang="ko-KR" altLang="en-US" dirty="0"/>
-              <a:t>수정 단계 같음</a:t>
-            </a:r>
-            <a:r>
-              <a:rPr lang="en-US" altLang="ko-KR" dirty="0"/>
-              <a:t>)</a:t>
-            </a:r>
-          </a:p>
-          <a:p>
-            <a:pPr marL="534988" lvl="1" indent="-268288">
-              <a:spcBef>
-                <a:spcPts val="0"/>
-              </a:spcBef>
-              <a:spcAft>
-                <a:spcPts val="0"/>
-              </a:spcAft>
-              <a:buClr>
-                <a:schemeClr val="tx1">
-                  <a:lumMod val="65000"/>
-                  <a:lumOff val="35000"/>
-                </a:schemeClr>
-              </a:buClr>
-              <a:buFont typeface="+mj-ea"/>
-              <a:buAutoNum type="circleNumDbPlain"/>
-              <a:defRPr/>
-            </a:pPr>
-            <a:r>
-              <a:rPr lang="en-US" altLang="ko-KR" dirty="0"/>
-              <a:t>Conflict</a:t>
-            </a:r>
-            <a:r>
-              <a:rPr lang="ko-KR" altLang="en-US" dirty="0"/>
-              <a:t> 파일 수정  </a:t>
-            </a:r>
-            <a:r>
-              <a:rPr lang="en-US" altLang="ko-KR" dirty="0"/>
-              <a:t>( = )</a:t>
-            </a:r>
-          </a:p>
-          <a:p>
-            <a:pPr marL="534988" lvl="1" indent="-268288">
-              <a:spcBef>
-                <a:spcPts val="0"/>
-              </a:spcBef>
-              <a:spcAft>
-                <a:spcPts val="0"/>
-              </a:spcAft>
-              <a:buClr>
-                <a:schemeClr val="tx1">
-                  <a:lumMod val="65000"/>
-                  <a:lumOff val="35000"/>
-                </a:schemeClr>
-              </a:buClr>
-              <a:buFont typeface="+mj-ea"/>
-              <a:buAutoNum type="circleNumDbPlain"/>
-              <a:defRPr/>
-            </a:pPr>
-            <a:r>
-              <a:rPr lang="en-US" altLang="ko-KR" dirty="0"/>
-              <a:t>Git</a:t>
-            </a:r>
-            <a:r>
-              <a:rPr lang="ko-KR" altLang="en-US" dirty="0"/>
-              <a:t> </a:t>
-            </a:r>
-            <a:r>
-              <a:rPr lang="en-US" altLang="ko-KR" dirty="0"/>
-              <a:t>add</a:t>
-            </a:r>
-            <a:r>
-              <a:rPr lang="ko-KR" altLang="en-US" dirty="0"/>
-              <a:t> </a:t>
-            </a:r>
-            <a:r>
-              <a:rPr lang="en-US" altLang="ko-KR" dirty="0"/>
-              <a:t>cen.txt ( = )</a:t>
-            </a:r>
-          </a:p>
-          <a:p>
-            <a:pPr marL="534988" lvl="1" indent="-268288">
-              <a:spcBef>
-                <a:spcPts val="0"/>
-              </a:spcBef>
-              <a:spcAft>
-                <a:spcPts val="0"/>
-              </a:spcAft>
-              <a:buClr>
-                <a:schemeClr val="tx1">
-                  <a:lumMod val="65000"/>
-                  <a:lumOff val="35000"/>
-                </a:schemeClr>
-              </a:buClr>
-              <a:buFont typeface="+mj-ea"/>
-              <a:buAutoNum type="circleNumDbPlain"/>
-              <a:defRPr/>
-            </a:pPr>
-            <a:r>
-              <a:rPr lang="en-US" altLang="ko-KR" dirty="0"/>
-              <a:t>Git rebase –continue </a:t>
-            </a:r>
-            <a:r>
-              <a:rPr lang="en-US" altLang="ko-KR" dirty="0">
-                <a:sym typeface="Wingdings" panose="05000000000000000000" pitchFamily="2" charset="2"/>
-              </a:rPr>
-              <a:t> text commit message  ( git commit)</a:t>
-            </a:r>
-          </a:p>
-          <a:p>
-            <a:pPr marL="534988" lvl="1" indent="-268288">
-              <a:spcBef>
-                <a:spcPts val="0"/>
-              </a:spcBef>
-              <a:spcAft>
-                <a:spcPts val="0"/>
-              </a:spcAft>
-              <a:buClr>
-                <a:schemeClr val="tx1">
-                  <a:lumMod val="65000"/>
-                  <a:lumOff val="35000"/>
-                </a:schemeClr>
-              </a:buClr>
-              <a:buFont typeface="+mj-ea"/>
-              <a:buAutoNum type="circleNumDbPlain"/>
-              <a:defRPr/>
-            </a:pPr>
-            <a:r>
-              <a:rPr lang="en-US" altLang="ko-KR" dirty="0">
-                <a:sym typeface="Wingdings" panose="05000000000000000000" pitchFamily="2" charset="2"/>
-              </a:rPr>
-              <a:t>Git push origin main</a:t>
-            </a:r>
-          </a:p>
-          <a:p>
-            <a:pPr marL="266700" lvl="1" indent="0">
-              <a:spcBef>
-                <a:spcPts val="0"/>
-              </a:spcBef>
-              <a:spcAft>
-                <a:spcPts val="0"/>
-              </a:spcAft>
-              <a:buClr>
-                <a:schemeClr val="tx1">
-                  <a:lumMod val="65000"/>
-                  <a:lumOff val="35000"/>
-                </a:schemeClr>
-              </a:buClr>
-              <a:buNone/>
-              <a:defRPr/>
-            </a:pPr>
-            <a:r>
-              <a:rPr lang="ko-KR" altLang="en-US" dirty="0">
-                <a:sym typeface="Wingdings" panose="05000000000000000000" pitchFamily="2" charset="2"/>
-              </a:rPr>
-              <a:t>내가 수정하고 </a:t>
-            </a:r>
-            <a:r>
-              <a:rPr lang="en-US" altLang="ko-KR" dirty="0">
-                <a:sym typeface="Wingdings" panose="05000000000000000000" pitchFamily="2" charset="2"/>
-              </a:rPr>
-              <a:t>push</a:t>
-            </a:r>
-            <a:r>
-              <a:rPr lang="ko-KR" altLang="en-US" dirty="0">
-                <a:sym typeface="Wingdings" panose="05000000000000000000" pitchFamily="2" charset="2"/>
-              </a:rPr>
-              <a:t>하고 다시 내용을 바꾸고 </a:t>
-            </a:r>
-            <a:r>
-              <a:rPr lang="en-US" altLang="ko-KR" dirty="0">
-                <a:sym typeface="Wingdings" panose="05000000000000000000" pitchFamily="2" charset="2"/>
-              </a:rPr>
-              <a:t>push</a:t>
-            </a:r>
-            <a:r>
-              <a:rPr lang="ko-KR" altLang="en-US" dirty="0">
-                <a:sym typeface="Wingdings" panose="05000000000000000000" pitchFamily="2" charset="2"/>
-              </a:rPr>
-              <a:t>해도 </a:t>
-            </a:r>
-            <a:r>
-              <a:rPr lang="en-US" altLang="ko-KR" dirty="0">
-                <a:sym typeface="Wingdings" panose="05000000000000000000" pitchFamily="2" charset="2"/>
-              </a:rPr>
-              <a:t>conflict</a:t>
-            </a:r>
-            <a:r>
-              <a:rPr lang="ko-KR" altLang="en-US" dirty="0">
-                <a:sym typeface="Wingdings" panose="05000000000000000000" pitchFamily="2" charset="2"/>
-              </a:rPr>
-              <a:t>이 발생하지 않는다 </a:t>
-            </a:r>
-            <a:r>
-              <a:rPr lang="ko-KR" altLang="en-US" dirty="0" err="1">
-                <a:sym typeface="Wingdings" panose="05000000000000000000" pitchFamily="2" charset="2"/>
-              </a:rPr>
-              <a:t>왜지</a:t>
-            </a:r>
-            <a:r>
-              <a:rPr lang="en-US" altLang="ko-KR" dirty="0">
-                <a:sym typeface="Wingdings" panose="05000000000000000000" pitchFamily="2" charset="2"/>
-              </a:rPr>
-              <a:t>?</a:t>
-            </a:r>
-            <a:endParaRPr lang="en-US" altLang="ko-KR" dirty="0"/>
-          </a:p>
-          <a:p>
-            <a:pPr marL="266700" lvl="1" indent="0">
-              <a:spcBef>
-                <a:spcPts val="0"/>
-              </a:spcBef>
-              <a:spcAft>
-                <a:spcPts val="0"/>
-              </a:spcAft>
-              <a:buClr>
-                <a:schemeClr val="tx1">
-                  <a:lumMod val="65000"/>
-                  <a:lumOff val="35000"/>
-                </a:schemeClr>
-              </a:buClr>
-              <a:buNone/>
-              <a:defRPr/>
-            </a:pPr>
-            <a:endParaRPr lang="en-US" altLang="ko-KR" dirty="0"/>
-          </a:p>
-          <a:p>
-            <a:pPr>
-              <a:buClr>
-                <a:schemeClr val="tx1">
-                  <a:lumMod val="65000"/>
-                  <a:lumOff val="35000"/>
-                </a:schemeClr>
-              </a:buClr>
-              <a:defRPr/>
-            </a:pPr>
-            <a:endParaRPr lang="en-US" altLang="ko-KR" dirty="0">
-              <a:solidFill>
-                <a:srgbClr val="FF0000"/>
-              </a:solidFill>
-            </a:endParaRPr>
-          </a:p>
-          <a:p>
-            <a:pPr>
-              <a:buClr>
-                <a:schemeClr val="tx1">
-                  <a:lumMod val="65000"/>
-                  <a:lumOff val="35000"/>
-                </a:schemeClr>
-              </a:buClr>
-              <a:defRPr/>
-            </a:pPr>
             <a:endParaRPr lang="ko-KR" altLang="en-US" dirty="0">
               <a:solidFill>
                 <a:srgbClr val="FF0000"/>
@@ -22680,7 +23008,7 @@
     </p:spTree>
     <p:extLst>
       <p:ext uri="{BB962C8B-B14F-4D97-AF65-F5344CB8AC3E}">
-        <p14:creationId xmlns:p14="http://schemas.microsoft.com/office/powerpoint/2010/main" val="1151209346"/>
+        <p14:creationId xmlns:p14="http://schemas.microsoft.com/office/powerpoint/2010/main" val="3973995856"/>
       </p:ext>
     </p:extLst>
   </p:cSld>
@@ -23515,7 +23843,7 @@
             </a:pPr>
             <a:r>
               <a:rPr lang="en-US" altLang="ko-KR" dirty="0"/>
-              <a:t>Feature branch workflow (collab </a:t>
+              <a:t>Centralized workflow (collab </a:t>
             </a:r>
             <a:r>
               <a:rPr lang="ko-KR" altLang="en-US" dirty="0"/>
@@ -23665,13 +23993,19 @@
             </a:pPr>
             <a:r>
               <a:rPr lang="en-US" altLang="ko-KR" dirty="0"/>
-              <a:t>Create new branch </a:t>
-            </a:r>
-            <a:r>
-              <a:rPr lang="en-US" altLang="ko-KR" dirty="0">
-                <a:sym typeface="Wingdings" panose="05000000000000000000" pitchFamily="2" charset="2"/>
-              </a:rPr>
-              <a:t> change files  add  commit</a:t>
+              <a:t>1 </a:t>
+            </a:r>
+            <a:r>
+              <a:rPr lang="ko-KR" altLang="en-US" dirty="0"/>
+              <a:t>수정하고 </a:t>
+            </a:r>
+            <a:r>
+              <a:rPr lang="en-US" altLang="ko-KR" dirty="0"/>
+              <a:t>push</a:t>
+            </a:r>
+            <a:r>
+              <a:rPr lang="ko-KR" altLang="en-US" dirty="0"/>
+              <a:t>하기</a:t>
             </a:r>
             <a:endParaRPr lang="en-US" altLang="ko-KR" dirty="0"/>
           </a:p>
@@ -23695,233 +24029,21 @@
             </a:pPr>
             <a:r>
               <a:rPr lang="en-US" altLang="ko-KR" dirty="0"/>
-              <a:t>Push new branch </a:t>
-            </a:r>
-            <a:r>
-              <a:rPr lang="en-US" altLang="ko-KR" dirty="0">
-                <a:sym typeface="Wingdings" panose="05000000000000000000" pitchFamily="2" charset="2"/>
-              </a:rPr>
-              <a:t> in main </a:t>
-            </a:r>
-            <a:r>
-              <a:rPr lang="en-US" altLang="ko-KR" dirty="0" err="1">
-                <a:sym typeface="Wingdings" panose="05000000000000000000" pitchFamily="2" charset="2"/>
-              </a:rPr>
-              <a:t>github</a:t>
-            </a:r>
-            <a:r>
-              <a:rPr lang="en-US" altLang="ko-KR" dirty="0">
-                <a:sym typeface="Wingdings" panose="05000000000000000000" pitchFamily="2" charset="2"/>
-              </a:rPr>
-              <a:t>(upstream)  compare&amp; pull </a:t>
-            </a:r>
-            <a:r>
-              <a:rPr lang="en-US" altLang="ko-KR" dirty="0" err="1">
-                <a:sym typeface="Wingdings" panose="05000000000000000000" pitchFamily="2" charset="2"/>
-              </a:rPr>
-              <a:t>requ</a:t>
-            </a:r>
-            <a:r>
-              <a:rPr lang="ko-KR" altLang="en-US" dirty="0">
-                <a:sym typeface="Wingdings" panose="05000000000000000000" pitchFamily="2" charset="2"/>
-              </a:rPr>
-              <a:t>버튼 생성</a:t>
-            </a:r>
-            <a:endParaRPr lang="en-US" altLang="ko-KR" dirty="0">
-              <a:sym typeface="Wingdings" panose="05000000000000000000" pitchFamily="2" charset="2"/>
-            </a:endParaRPr>
-          </a:p>
-          <a:p>
-            <a:pPr marL="266700" lvl="1" indent="0">
-              <a:spcBef>
-                <a:spcPts val="0"/>
-              </a:spcBef>
-              <a:spcAft>
-                <a:spcPts val="0"/>
-              </a:spcAft>
-              <a:buClr>
-                <a:schemeClr val="tx1">
-                  <a:lumMod val="65000"/>
-                  <a:lumOff val="35000"/>
-                </a:schemeClr>
-              </a:buClr>
-              <a:buNone/>
-              <a:defRPr/>
-            </a:pPr>
-            <a:r>
-              <a:rPr lang="en-US" altLang="ko-KR" dirty="0">
-                <a:sym typeface="Wingdings" panose="05000000000000000000" pitchFamily="2" charset="2"/>
-              </a:rPr>
-              <a:t>     </a:t>
-            </a:r>
-          </a:p>
-          <a:p>
-            <a:pPr marL="266700" lvl="1" indent="0">
-              <a:spcBef>
-                <a:spcPts val="0"/>
-              </a:spcBef>
-              <a:spcAft>
-                <a:spcPts val="0"/>
-              </a:spcAft>
-              <a:buClr>
-                <a:schemeClr val="tx1">
-                  <a:lumMod val="65000"/>
-                  <a:lumOff val="35000"/>
-                </a:schemeClr>
-              </a:buClr>
-              <a:buNone/>
-              <a:defRPr/>
-            </a:pPr>
-            <a:r>
-              <a:rPr lang="ko-KR" altLang="en-US" dirty="0" err="1">
-                <a:sym typeface="Wingdings" panose="05000000000000000000" pitchFamily="2" charset="2"/>
-              </a:rPr>
-              <a:t>브랜치가</a:t>
-            </a:r>
-            <a:r>
-              <a:rPr lang="ko-KR" altLang="en-US" dirty="0">
-                <a:sym typeface="Wingdings" panose="05000000000000000000" pitchFamily="2" charset="2"/>
-              </a:rPr>
-              <a:t> </a:t>
-            </a:r>
-            <a:r>
-              <a:rPr lang="en-US" altLang="ko-KR" dirty="0">
-                <a:sym typeface="Wingdings" panose="05000000000000000000" pitchFamily="2" charset="2"/>
-              </a:rPr>
-              <a:t>upstream</a:t>
-            </a:r>
-            <a:r>
-              <a:rPr lang="ko-KR" altLang="en-US" dirty="0">
-                <a:sym typeface="Wingdings" panose="05000000000000000000" pitchFamily="2" charset="2"/>
-              </a:rPr>
-              <a:t>에 새로 생기면 </a:t>
-            </a:r>
-            <a:r>
-              <a:rPr lang="en-US" altLang="ko-KR" dirty="0" err="1">
-                <a:sym typeface="Wingdings" panose="05000000000000000000" pitchFamily="2" charset="2"/>
-              </a:rPr>
-              <a:t>compare&amp;pR</a:t>
-            </a:r>
-            <a:r>
-              <a:rPr lang="ko-KR" altLang="en-US" dirty="0">
-                <a:sym typeface="Wingdings" panose="05000000000000000000" pitchFamily="2" charset="2"/>
-              </a:rPr>
-              <a:t>버튼이 자동으로 생성되나</a:t>
-            </a:r>
-            <a:r>
-              <a:rPr lang="en-US" altLang="ko-KR" dirty="0">
-                <a:sym typeface="Wingdings" panose="05000000000000000000" pitchFamily="2" charset="2"/>
-              </a:rPr>
-              <a:t>,</a:t>
-            </a:r>
-          </a:p>
-          <a:p>
-            <a:pPr marL="266700" lvl="1" indent="0">
-              <a:spcBef>
-                <a:spcPts val="0"/>
-              </a:spcBef>
-              <a:spcAft>
-                <a:spcPts val="0"/>
-              </a:spcAft>
-              <a:buClr>
-                <a:schemeClr val="tx1">
-                  <a:lumMod val="65000"/>
-                  <a:lumOff val="35000"/>
-                </a:schemeClr>
-              </a:buClr>
-              <a:buNone/>
-              <a:defRPr/>
-            </a:pPr>
-            <a:r>
-              <a:rPr lang="ko-KR" altLang="en-US" dirty="0">
-                <a:sym typeface="Wingdings" panose="05000000000000000000" pitchFamily="2" charset="2"/>
-              </a:rPr>
-              <a:t>한번 생긴 </a:t>
-            </a:r>
-            <a:r>
-              <a:rPr lang="en-US" altLang="ko-KR" dirty="0" err="1">
-                <a:sym typeface="Wingdings" panose="05000000000000000000" pitchFamily="2" charset="2"/>
-              </a:rPr>
-              <a:t>br</a:t>
-            </a:r>
-            <a:r>
-              <a:rPr lang="ko-KR" altLang="en-US" dirty="0">
-                <a:sym typeface="Wingdings" panose="05000000000000000000" pitchFamily="2" charset="2"/>
-              </a:rPr>
-              <a:t>이면 자동으로 </a:t>
-            </a:r>
-            <a:r>
-              <a:rPr lang="en-US" altLang="ko-KR" dirty="0" err="1">
-                <a:sym typeface="Wingdings" panose="05000000000000000000" pitchFamily="2" charset="2"/>
-              </a:rPr>
-              <a:t>compare&amp;pr</a:t>
-            </a:r>
-            <a:r>
-              <a:rPr lang="en-US" altLang="ko-KR" dirty="0">
-                <a:sym typeface="Wingdings" panose="05000000000000000000" pitchFamily="2" charset="2"/>
-              </a:rPr>
-              <a:t> </a:t>
-            </a:r>
-            <a:r>
-              <a:rPr lang="ko-KR" altLang="en-US" dirty="0">
-                <a:sym typeface="Wingdings" panose="05000000000000000000" pitchFamily="2" charset="2"/>
-              </a:rPr>
-              <a:t>버튼이 생기지 않기 때문에</a:t>
-            </a:r>
-            <a:r>
-              <a:rPr lang="en-US" altLang="ko-KR" dirty="0">
-                <a:sym typeface="Wingdings" panose="05000000000000000000" pitchFamily="2" charset="2"/>
-              </a:rPr>
-              <a:t>(</a:t>
-            </a:r>
-            <a:r>
-              <a:rPr lang="ko-KR" altLang="en-US" dirty="0">
-                <a:sym typeface="Wingdings" panose="05000000000000000000" pitchFamily="2" charset="2"/>
-              </a:rPr>
-              <a:t>물론 로그인하여 </a:t>
-            </a:r>
-            <a:r>
-              <a:rPr lang="en-US" altLang="ko-KR" dirty="0">
-                <a:sym typeface="Wingdings" panose="05000000000000000000" pitchFamily="2" charset="2"/>
-              </a:rPr>
-              <a:t>pr</a:t>
-            </a:r>
-            <a:r>
-              <a:rPr lang="ko-KR" altLang="en-US" dirty="0">
-                <a:sym typeface="Wingdings" panose="05000000000000000000" pitchFamily="2" charset="2"/>
-              </a:rPr>
-              <a:t>할 수 있음</a:t>
-            </a:r>
-            <a:r>
-              <a:rPr lang="en-US" altLang="ko-KR" dirty="0">
-                <a:sym typeface="Wingdings" panose="05000000000000000000" pitchFamily="2" charset="2"/>
-              </a:rPr>
-              <a:t>)</a:t>
-            </a:r>
-            <a:r>
-              <a:rPr lang="ko-KR" altLang="en-US" dirty="0">
-                <a:sym typeface="Wingdings" panose="05000000000000000000" pitchFamily="2" charset="2"/>
-              </a:rPr>
-              <a:t> </a:t>
-            </a:r>
-            <a:r>
-              <a:rPr lang="en-US" altLang="ko-KR" dirty="0">
-                <a:sym typeface="Wingdings" panose="05000000000000000000" pitchFamily="2" charset="2"/>
-              </a:rPr>
-              <a:t>merge</a:t>
-            </a:r>
-            <a:r>
-              <a:rPr lang="ko-KR" altLang="en-US" dirty="0">
-                <a:sym typeface="Wingdings" panose="05000000000000000000" pitchFamily="2" charset="2"/>
-              </a:rPr>
-              <a:t>가 되면 삭제하는 과정이 필요하다</a:t>
-            </a:r>
-            <a:r>
-              <a:rPr lang="en-US" altLang="ko-KR" dirty="0">
-                <a:sym typeface="Wingdings" panose="05000000000000000000" pitchFamily="2" charset="2"/>
-              </a:rPr>
-              <a:t>.</a:t>
-            </a:r>
+              <a:t>2 </a:t>
+            </a:r>
+            <a:r>
+              <a:rPr lang="ko-KR" altLang="en-US" dirty="0"/>
+              <a:t>수정하고 </a:t>
+            </a:r>
+            <a:r>
+              <a:rPr lang="en-US" altLang="ko-KR" dirty="0"/>
+              <a:t>push</a:t>
+            </a:r>
+            <a:r>
+              <a:rPr lang="ko-KR" altLang="en-US" dirty="0"/>
+              <a:t>하기</a:t>
+            </a:r>
+            <a:endParaRPr lang="en-US" altLang="ko-KR" dirty="0"/>
           </a:p>
           <a:p>
             <a:pPr marL="534988" lvl="1" indent="-268288">
@@ -23942,16 +24064,252 @@
               <a:defRPr/>
             </a:pPr>
             <a:r>
+              <a:rPr lang="en-US" altLang="ko-KR" dirty="0"/>
+              <a:t>2</a:t>
+            </a:r>
+            <a:r>
+              <a:rPr lang="ko-KR" altLang="en-US" dirty="0"/>
+              <a:t>에서 </a:t>
+            </a:r>
+            <a:r>
+              <a:rPr lang="en-US" altLang="ko-KR" dirty="0"/>
+              <a:t>Pull --rebase origin main  ( git pull</a:t>
+            </a:r>
+            <a:r>
+              <a:rPr lang="ko-KR" altLang="en-US" dirty="0"/>
+              <a:t>이하</a:t>
+            </a:r>
+            <a:r>
+              <a:rPr lang="en-US" altLang="ko-KR" dirty="0"/>
+              <a:t> 7</a:t>
+            </a:r>
+            <a:r>
+              <a:rPr lang="ko-KR" altLang="en-US" dirty="0"/>
+              <a:t>부터</a:t>
+            </a:r>
+            <a:r>
+              <a:rPr lang="en-US" altLang="ko-KR" dirty="0"/>
+              <a:t>10</a:t>
+            </a:r>
+            <a:r>
+              <a:rPr lang="ko-KR" altLang="en-US" dirty="0"/>
+              <a:t>까지 </a:t>
+            </a:r>
+            <a:r>
+              <a:rPr lang="en-US" altLang="ko-KR" dirty="0"/>
+              <a:t>git pull</a:t>
+            </a:r>
+            <a:r>
+              <a:rPr lang="ko-KR" altLang="en-US" dirty="0"/>
+              <a:t>하고 </a:t>
+            </a:r>
+            <a:r>
+              <a:rPr lang="en-US" altLang="ko-KR" dirty="0"/>
+              <a:t>conflict </a:t>
+            </a:r>
+            <a:r>
+              <a:rPr lang="ko-KR" altLang="en-US" dirty="0"/>
+              <a:t>수정 단계 같음</a:t>
+            </a:r>
+            <a:r>
+              <a:rPr lang="en-US" altLang="ko-KR" dirty="0"/>
+              <a:t>)</a:t>
+            </a:r>
+          </a:p>
+          <a:p>
+            <a:pPr marL="534988" lvl="1" indent="-268288">
+              <a:spcBef>
+                <a:spcPts val="0"/>
+              </a:spcBef>
+              <a:spcAft>
+                <a:spcPts val="0"/>
+              </a:spcAft>
+              <a:buClr>
+                <a:schemeClr val="tx1">
+                  <a:lumMod val="65000"/>
+                  <a:lumOff val="35000"/>
+                </a:schemeClr>
+              </a:buClr>
+              <a:buFont typeface="+mj-ea"/>
+              <a:buAutoNum type="circleNumDbPlain"/>
+              <a:defRPr/>
+            </a:pPr>
+            <a:r>
+              <a:rPr lang="en-US" altLang="ko-KR" dirty="0"/>
+              <a:t>Conflict</a:t>
+            </a:r>
+            <a:r>
+              <a:rPr lang="ko-KR" altLang="en-US" dirty="0"/>
+              <a:t> 파일 수정  </a:t>
+            </a:r>
+            <a:r>
+              <a:rPr lang="en-US" altLang="ko-KR" dirty="0"/>
+              <a:t>( = )</a:t>
+            </a:r>
+          </a:p>
+          <a:p>
+            <a:pPr marL="534988" lvl="1" indent="-268288">
+              <a:spcBef>
+                <a:spcPts val="0"/>
+              </a:spcBef>
+              <a:spcAft>
+                <a:spcPts val="0"/>
+              </a:spcAft>
+              <a:buClr>
+                <a:schemeClr val="tx1">
+                  <a:lumMod val="65000"/>
+                  <a:lumOff val="35000"/>
+                </a:schemeClr>
+              </a:buClr>
+              <a:buFont typeface="+mj-ea"/>
+              <a:buAutoNum type="circleNumDbPlain"/>
+              <a:defRPr/>
+            </a:pPr>
+            <a:r>
+              <a:rPr lang="en-US" altLang="ko-KR" dirty="0"/>
+              <a:t>Git</a:t>
+            </a:r>
+            <a:r>
+              <a:rPr lang="ko-KR" altLang="en-US" dirty="0"/>
+              <a:t> </a:t>
+            </a:r>
+            <a:r>
+              <a:rPr lang="en-US" altLang="ko-KR" dirty="0"/>
+              <a:t>add</a:t>
+            </a:r>
+            <a:r>
+              <a:rPr lang="ko-KR" altLang="en-US" dirty="0"/>
+              <a:t> </a:t>
+            </a:r>
+            <a:r>
+              <a:rPr lang="en-US" altLang="ko-KR" dirty="0"/>
+              <a:t>cen.txt ( = )</a:t>
+            </a:r>
+          </a:p>
+          <a:p>
+            <a:pPr marL="534988" lvl="1" indent="-268288">
+              <a:spcBef>
+                <a:spcPts val="0"/>
+              </a:spcBef>
+              <a:spcAft>
+                <a:spcPts val="0"/>
+              </a:spcAft>
+              <a:buClr>
+                <a:schemeClr val="tx1">
+                  <a:lumMod val="65000"/>
+                  <a:lumOff val="35000"/>
+                </a:schemeClr>
+              </a:buClr>
+              <a:buFont typeface="+mj-ea"/>
+              <a:buAutoNum type="circleNumDbPlain"/>
+              <a:defRPr/>
+            </a:pPr>
+            <a:r>
+              <a:rPr lang="en-US" altLang="ko-KR" dirty="0"/>
+              <a:t>Git rebase –continue </a:t>
+            </a:r>
+            <a:r>
               <a:rPr lang="en-US" altLang="ko-KR" dirty="0">
                 <a:sym typeface="Wingdings" panose="05000000000000000000" pitchFamily="2" charset="2"/>
               </a:rPr>
-              <a:t> </a:t>
-            </a:r>
+              <a:t> text commit message  ( git commit)</a:t>
+            </a:r>
+          </a:p>
+          <a:p>
+            <a:pPr marL="534988" lvl="1" indent="-268288">
+              <a:spcBef>
+                <a:spcPts val="0"/>
+              </a:spcBef>
+              <a:spcAft>
+                <a:spcPts val="0"/>
+              </a:spcAft>
+              <a:buClr>
+                <a:schemeClr val="tx1">
+                  <a:lumMod val="65000"/>
+                  <a:lumOff val="35000"/>
+                </a:schemeClr>
+              </a:buClr>
+              <a:buFont typeface="+mj-ea"/>
+              <a:buAutoNum type="circleNumDbPlain"/>
+              <a:defRPr/>
+            </a:pPr>
+            <a:r>
+              <a:rPr lang="en-US" altLang="ko-KR" dirty="0">
+                <a:sym typeface="Wingdings" panose="05000000000000000000" pitchFamily="2" charset="2"/>
+              </a:rPr>
+              <a:t>Git push origin main</a:t>
+            </a:r>
+          </a:p>
+          <a:p>
+            <a:pPr marL="266700" lvl="1" indent="0">
+              <a:spcBef>
+                <a:spcPts val="0"/>
+              </a:spcBef>
+              <a:spcAft>
+                <a:spcPts val="0"/>
+              </a:spcAft>
+              <a:buClr>
+                <a:schemeClr val="tx1">
+                  <a:lumMod val="65000"/>
+                  <a:lumOff val="35000"/>
+                </a:schemeClr>
+              </a:buClr>
+              <a:buNone/>
+              <a:defRPr/>
+            </a:pPr>
             <a:r>
               <a:rPr lang="ko-KR" altLang="en-US" dirty="0">
                 <a:sym typeface="Wingdings" panose="05000000000000000000" pitchFamily="2" charset="2"/>
               </a:rPr>
-              <a:t>다음 페이지에 메시지 남기기</a:t>
+              <a:t>내가 수정하고 </a:t>
+            </a:r>
+            <a:r>
+              <a:rPr lang="en-US" altLang="ko-KR" dirty="0">
+                <a:sym typeface="Wingdings" panose="05000000000000000000" pitchFamily="2" charset="2"/>
+              </a:rPr>
+              <a:t>push</a:t>
+            </a:r>
+            <a:r>
+              <a:rPr lang="ko-KR" altLang="en-US" dirty="0">
+                <a:sym typeface="Wingdings" panose="05000000000000000000" pitchFamily="2" charset="2"/>
+              </a:rPr>
+              <a:t>하고 다시 내용을 바꾸고 </a:t>
+            </a:r>
+            <a:r>
+              <a:rPr lang="en-US" altLang="ko-KR" dirty="0">
+                <a:sym typeface="Wingdings" panose="05000000000000000000" pitchFamily="2" charset="2"/>
+              </a:rPr>
+              <a:t>push</a:t>
+            </a:r>
+            <a:r>
+              <a:rPr lang="ko-KR" altLang="en-US" dirty="0">
+                <a:sym typeface="Wingdings" panose="05000000000000000000" pitchFamily="2" charset="2"/>
+              </a:rPr>
+              <a:t>해도 </a:t>
+            </a:r>
+            <a:r>
+              <a:rPr lang="en-US" altLang="ko-KR" dirty="0">
+                <a:sym typeface="Wingdings" panose="05000000000000000000" pitchFamily="2" charset="2"/>
+              </a:rPr>
+              <a:t>conflict</a:t>
+            </a:r>
+            <a:r>
+              <a:rPr lang="ko-KR" altLang="en-US" dirty="0">
+                <a:sym typeface="Wingdings" panose="05000000000000000000" pitchFamily="2" charset="2"/>
+              </a:rPr>
+              <a:t>이 발생하지 않는다 </a:t>
+            </a:r>
+            <a:r>
+              <a:rPr lang="ko-KR" altLang="en-US" dirty="0" err="1">
+                <a:sym typeface="Wingdings" panose="05000000000000000000" pitchFamily="2" charset="2"/>
+              </a:rPr>
+              <a:t>왜지</a:t>
+            </a:r>
+            <a:r>
+              <a:rPr lang="en-US" altLang="ko-KR" dirty="0">
+                <a:sym typeface="Wingdings" panose="05000000000000000000" pitchFamily="2" charset="2"/>
+              </a:rPr>
+              <a:t>?</a:t>
             </a:r>
             <a:endParaRPr lang="en-US" altLang="ko-KR" dirty="0"/>
           </a:p>
@@ -24011,6 +24369,601 @@
     </p:spTree>
     <p:extLst>
       <p:ext uri="{BB962C8B-B14F-4D97-AF65-F5344CB8AC3E}">
+        <p14:creationId xmlns:p14="http://schemas.microsoft.com/office/powerpoint/2010/main" val="1151209346"/>
+      </p:ext>
+    </p:extLst>
+  </p:cSld>
+  <p:clrMapOvr>
+    <a:masterClrMapping/>
+  </p:clrMapOvr>
+</p:sld>
+</file>
+
+<file path=ppt/slides/slide41.xml><?xml version="1.0" encoding="utf-8"?>
+<p:sld xmlns:a="http://schemas.openxmlformats.org/drawingml/2006/main" xmlns:r="http://schemas.openxmlformats.org/officeDocument/2006/relationships" xmlns:p="http://schemas.openxmlformats.org/presentationml/2006/main">
+  <p:cSld>
+    <p:spTree>
+      <p:nvGrpSpPr>
+        <p:cNvPr id="1" name=""/>
+        <p:cNvGrpSpPr/>
+        <p:nvPr/>
+      </p:nvGrpSpPr>
+      <p:grpSpPr>
+        <a:xfrm>
+          <a:off x="0" y="0"/>
+          <a:ext cx="0" cy="0"/>
+          <a:chOff x="0" y="0"/>
+          <a:chExt cx="0" cy="0"/>
+        </a:xfrm>
+      </p:grpSpPr>
+      <p:sp>
+        <p:nvSpPr>
+          <p:cNvPr id="4" name="제목 3">
+            <a:extLst>
+              <a:ext uri="{FF2B5EF4-FFF2-40B4-BE49-F238E27FC236}">
+                <a16:creationId xmlns:a16="http://schemas.microsoft.com/office/drawing/2014/main" id="{F0CEB32B-CB43-4410-BA08-A97E4BC47FCB}"/>
+              </a:ext>
+            </a:extLst>
+          </p:cNvPr>
+          <p:cNvSpPr>
+            <a:spLocks noGrp="1"/>
+          </p:cNvSpPr>
+          <p:nvPr>
+            <p:ph type="title"/>
+          </p:nvPr>
+        </p:nvSpPr>
+        <p:spPr/>
+        <p:txBody>
+          <a:bodyPr/>
+          <a:lstStyle/>
+          <a:p>
+            <a:r>
+              <a:rPr lang="ko-KR" altLang="en-US" dirty="0"/>
+              <a:t>협업방식 </a:t>
+            </a:r>
+            <a:r>
+              <a:rPr lang="en-US" altLang="ko-KR" dirty="0"/>
+              <a:t>1</a:t>
+            </a:r>
+            <a:endParaRPr lang="ko-KR" altLang="en-US" dirty="0"/>
+          </a:p>
+        </p:txBody>
+      </p:sp>
+      <p:sp>
+        <p:nvSpPr>
+          <p:cNvPr id="5" name="내용 개체 틀 4">
+            <a:extLst>
+              <a:ext uri="{FF2B5EF4-FFF2-40B4-BE49-F238E27FC236}">
+                <a16:creationId xmlns:a16="http://schemas.microsoft.com/office/drawing/2014/main" id="{FDF69C25-9F43-470B-8A20-AEDC0F371CCD}"/>
+              </a:ext>
+            </a:extLst>
+          </p:cNvPr>
+          <p:cNvSpPr>
+            <a:spLocks noGrp="1"/>
+          </p:cNvSpPr>
+          <p:nvPr>
+            <p:ph idx="1"/>
+          </p:nvPr>
+        </p:nvSpPr>
+        <p:spPr>
+          <a:xfrm>
+            <a:off x="250825" y="1000221"/>
+            <a:ext cx="8641655" cy="5146579"/>
+          </a:xfrm>
+        </p:spPr>
+        <p:txBody>
+          <a:bodyPr tIns="0" bIns="0">
+            <a:noAutofit/>
+          </a:bodyPr>
+          <a:lstStyle/>
+          <a:p>
+            <a:pPr>
+              <a:buClr>
+                <a:schemeClr val="tx1">
+                  <a:lumMod val="65000"/>
+                  <a:lumOff val="35000"/>
+                </a:schemeClr>
+              </a:buClr>
+              <a:defRPr/>
+            </a:pPr>
+            <a:r>
+              <a:rPr lang="en-US" altLang="ko-KR" dirty="0"/>
+              <a:t>Feature branch workflow (collab </a:t>
+            </a:r>
+            <a:r>
+              <a:rPr lang="ko-KR" altLang="en-US" dirty="0"/>
+              <a:t>참여자가 모두가 결정하고 수정 진행</a:t>
+            </a:r>
+            <a:r>
+              <a:rPr lang="en-US" altLang="ko-KR" dirty="0"/>
+              <a:t>)</a:t>
+            </a:r>
+          </a:p>
+          <a:p>
+            <a:pPr marL="534988" lvl="1" indent="-268288">
+              <a:spcBef>
+                <a:spcPts val="0"/>
+              </a:spcBef>
+              <a:spcAft>
+                <a:spcPts val="0"/>
+              </a:spcAft>
+              <a:buClr>
+                <a:schemeClr val="tx1">
+                  <a:lumMod val="65000"/>
+                  <a:lumOff val="35000"/>
+                </a:schemeClr>
+              </a:buClr>
+              <a:buFont typeface="+mj-ea"/>
+              <a:buAutoNum type="circleNumDbPlain"/>
+              <a:defRPr/>
+            </a:pPr>
+            <a:r>
+              <a:rPr lang="en-US" altLang="ko-KR" dirty="0"/>
+              <a:t>Local </a:t>
+            </a:r>
+            <a:r>
+              <a:rPr lang="ko-KR" altLang="en-US" dirty="0"/>
+              <a:t>작업</a:t>
+            </a:r>
+            <a:endParaRPr lang="en-US" altLang="ko-KR" dirty="0"/>
+          </a:p>
+          <a:p>
+            <a:pPr marL="534988" lvl="1" indent="-268288">
+              <a:spcBef>
+                <a:spcPts val="0"/>
+              </a:spcBef>
+              <a:spcAft>
+                <a:spcPts val="0"/>
+              </a:spcAft>
+              <a:buClr>
+                <a:schemeClr val="tx1">
+                  <a:lumMod val="65000"/>
+                  <a:lumOff val="35000"/>
+                </a:schemeClr>
+              </a:buClr>
+              <a:buFont typeface="+mj-ea"/>
+              <a:buAutoNum type="circleNumDbPlain"/>
+              <a:defRPr/>
+            </a:pPr>
+            <a:r>
+              <a:rPr lang="ko-KR" altLang="en-US" dirty="0"/>
+              <a:t>원격</a:t>
+            </a:r>
+            <a:r>
+              <a:rPr lang="en-US" altLang="ko-KR" dirty="0"/>
+              <a:t>repo  </a:t>
+            </a:r>
+            <a:r>
+              <a:rPr lang="ko-KR" altLang="en-US" dirty="0"/>
+              <a:t>만들기</a:t>
+            </a:r>
+            <a:r>
+              <a:rPr lang="en-US" altLang="ko-KR" dirty="0"/>
+              <a:t>, collaborator</a:t>
+            </a:r>
+          </a:p>
+          <a:p>
+            <a:pPr marL="534988" lvl="1" indent="-268288">
+              <a:spcBef>
+                <a:spcPts val="0"/>
+              </a:spcBef>
+              <a:spcAft>
+                <a:spcPts val="0"/>
+              </a:spcAft>
+              <a:buClr>
+                <a:schemeClr val="tx1">
+                  <a:lumMod val="65000"/>
+                  <a:lumOff val="35000"/>
+                </a:schemeClr>
+              </a:buClr>
+              <a:buFont typeface="+mj-ea"/>
+              <a:buAutoNum type="circleNumDbPlain"/>
+              <a:defRPr/>
+            </a:pPr>
+            <a:r>
+              <a:rPr lang="en-US" altLang="ko-KR" dirty="0"/>
+              <a:t>Push</a:t>
+            </a:r>
+            <a:r>
+              <a:rPr lang="ko-KR" altLang="en-US" dirty="0"/>
+              <a:t>하기 </a:t>
+            </a:r>
+            <a:endParaRPr lang="en-US" altLang="ko-KR" dirty="0"/>
+          </a:p>
+          <a:p>
+            <a:pPr marL="534988" lvl="1" indent="-268288">
+              <a:spcBef>
+                <a:spcPts val="0"/>
+              </a:spcBef>
+              <a:spcAft>
+                <a:spcPts val="0"/>
+              </a:spcAft>
+              <a:buClr>
+                <a:schemeClr val="tx1">
+                  <a:lumMod val="65000"/>
+                  <a:lumOff val="35000"/>
+                </a:schemeClr>
+              </a:buClr>
+              <a:buFont typeface="+mj-ea"/>
+              <a:buAutoNum type="circleNumDbPlain"/>
+              <a:defRPr/>
+            </a:pPr>
+            <a:r>
+              <a:rPr lang="en-US" altLang="ko-KR" dirty="0"/>
+              <a:t>Collab clone</a:t>
+            </a:r>
+            <a:r>
+              <a:rPr lang="ko-KR" altLang="en-US" dirty="0"/>
+              <a:t>하기</a:t>
+            </a:r>
+            <a:endParaRPr lang="en-US" altLang="ko-KR" dirty="0"/>
+          </a:p>
+          <a:p>
+            <a:pPr marL="534988" lvl="1" indent="-268288">
+              <a:spcBef>
+                <a:spcPts val="0"/>
+              </a:spcBef>
+              <a:spcAft>
+                <a:spcPts val="0"/>
+              </a:spcAft>
+              <a:buClr>
+                <a:schemeClr val="tx1">
+                  <a:lumMod val="65000"/>
+                  <a:lumOff val="35000"/>
+                </a:schemeClr>
+              </a:buClr>
+              <a:buFont typeface="+mj-ea"/>
+              <a:buAutoNum type="circleNumDbPlain"/>
+              <a:defRPr/>
+            </a:pPr>
+            <a:r>
+              <a:rPr lang="en-US" altLang="ko-KR" dirty="0"/>
+              <a:t>Create new branch </a:t>
+            </a:r>
+            <a:r>
+              <a:rPr lang="en-US" altLang="ko-KR" dirty="0">
+                <a:sym typeface="Wingdings" panose="05000000000000000000" pitchFamily="2" charset="2"/>
+              </a:rPr>
+              <a:t> change files  add  commit</a:t>
+            </a:r>
+            <a:endParaRPr lang="en-US" altLang="ko-KR" dirty="0"/>
+          </a:p>
+          <a:p>
+            <a:pPr marL="534988" lvl="1" indent="-268288">
+              <a:spcBef>
+                <a:spcPts val="0"/>
+              </a:spcBef>
+              <a:spcAft>
+                <a:spcPts val="0"/>
+              </a:spcAft>
+              <a:buClr>
+                <a:schemeClr val="tx1">
+                  <a:lumMod val="65000"/>
+                  <a:lumOff val="35000"/>
+                </a:schemeClr>
+              </a:buClr>
+              <a:buFont typeface="+mj-ea"/>
+              <a:buAutoNum type="circleNumDbPlain"/>
+              <a:defRPr/>
+            </a:pPr>
+            <a:r>
+              <a:rPr lang="en-US" altLang="ko-KR" dirty="0"/>
+              <a:t>Push new branch </a:t>
+            </a:r>
+            <a:r>
+              <a:rPr lang="en-US" altLang="ko-KR" dirty="0">
+                <a:sym typeface="Wingdings" panose="05000000000000000000" pitchFamily="2" charset="2"/>
+              </a:rPr>
+              <a:t> in main </a:t>
+            </a:r>
+            <a:r>
+              <a:rPr lang="en-US" altLang="ko-KR" dirty="0" err="1">
+                <a:sym typeface="Wingdings" panose="05000000000000000000" pitchFamily="2" charset="2"/>
+              </a:rPr>
+              <a:t>github</a:t>
+            </a:r>
+            <a:r>
+              <a:rPr lang="en-US" altLang="ko-KR" dirty="0">
+                <a:sym typeface="Wingdings" panose="05000000000000000000" pitchFamily="2" charset="2"/>
+              </a:rPr>
+              <a:t>(upstream)  compare&amp; pull </a:t>
+            </a:r>
+            <a:r>
+              <a:rPr lang="en-US" altLang="ko-KR" dirty="0" err="1">
+                <a:sym typeface="Wingdings" panose="05000000000000000000" pitchFamily="2" charset="2"/>
+              </a:rPr>
+              <a:t>requ</a:t>
+            </a:r>
+            <a:r>
+              <a:rPr lang="ko-KR" altLang="en-US" dirty="0">
+                <a:sym typeface="Wingdings" panose="05000000000000000000" pitchFamily="2" charset="2"/>
+              </a:rPr>
+              <a:t>버튼 생성</a:t>
+            </a:r>
+            <a:endParaRPr lang="en-US" altLang="ko-KR" dirty="0">
+              <a:sym typeface="Wingdings" panose="05000000000000000000" pitchFamily="2" charset="2"/>
+            </a:endParaRPr>
+          </a:p>
+          <a:p>
+            <a:pPr marL="266700" lvl="1" indent="0">
+              <a:spcBef>
+                <a:spcPts val="0"/>
+              </a:spcBef>
+              <a:spcAft>
+                <a:spcPts val="0"/>
+              </a:spcAft>
+              <a:buClr>
+                <a:schemeClr val="tx1">
+                  <a:lumMod val="65000"/>
+                  <a:lumOff val="35000"/>
+                </a:schemeClr>
+              </a:buClr>
+              <a:buNone/>
+              <a:defRPr/>
+            </a:pPr>
+            <a:r>
+              <a:rPr lang="en-US" altLang="ko-KR" dirty="0">
+                <a:sym typeface="Wingdings" panose="05000000000000000000" pitchFamily="2" charset="2"/>
+              </a:rPr>
+              <a:t>     </a:t>
+            </a:r>
+          </a:p>
+          <a:p>
+            <a:pPr marL="266700" lvl="1" indent="0">
+              <a:spcBef>
+                <a:spcPts val="0"/>
+              </a:spcBef>
+              <a:spcAft>
+                <a:spcPts val="0"/>
+              </a:spcAft>
+              <a:buClr>
+                <a:schemeClr val="tx1">
+                  <a:lumMod val="65000"/>
+                  <a:lumOff val="35000"/>
+                </a:schemeClr>
+              </a:buClr>
+              <a:buNone/>
+              <a:defRPr/>
+            </a:pPr>
+            <a:r>
+              <a:rPr lang="ko-KR" altLang="en-US" dirty="0" err="1">
+                <a:sym typeface="Wingdings" panose="05000000000000000000" pitchFamily="2" charset="2"/>
+              </a:rPr>
+              <a:t>브랜치가</a:t>
+            </a:r>
+            <a:r>
+              <a:rPr lang="ko-KR" altLang="en-US" dirty="0">
+                <a:sym typeface="Wingdings" panose="05000000000000000000" pitchFamily="2" charset="2"/>
+              </a:rPr>
+              <a:t> </a:t>
+            </a:r>
+            <a:r>
+              <a:rPr lang="en-US" altLang="ko-KR" dirty="0">
+                <a:sym typeface="Wingdings" panose="05000000000000000000" pitchFamily="2" charset="2"/>
+              </a:rPr>
+              <a:t>upstream</a:t>
+            </a:r>
+            <a:r>
+              <a:rPr lang="ko-KR" altLang="en-US" dirty="0">
+                <a:sym typeface="Wingdings" panose="05000000000000000000" pitchFamily="2" charset="2"/>
+              </a:rPr>
+              <a:t>에 새로 생기면 </a:t>
+            </a:r>
+            <a:r>
+              <a:rPr lang="en-US" altLang="ko-KR" dirty="0" err="1">
+                <a:sym typeface="Wingdings" panose="05000000000000000000" pitchFamily="2" charset="2"/>
+              </a:rPr>
+              <a:t>compare&amp;pR</a:t>
+            </a:r>
+            <a:r>
+              <a:rPr lang="ko-KR" altLang="en-US" dirty="0">
+                <a:sym typeface="Wingdings" panose="05000000000000000000" pitchFamily="2" charset="2"/>
+              </a:rPr>
+              <a:t>버튼이 자동으로 생성되나</a:t>
+            </a:r>
+            <a:r>
+              <a:rPr lang="en-US" altLang="ko-KR" dirty="0">
+                <a:sym typeface="Wingdings" panose="05000000000000000000" pitchFamily="2" charset="2"/>
+              </a:rPr>
+              <a:t>,</a:t>
+            </a:r>
+          </a:p>
+          <a:p>
+            <a:pPr marL="266700" lvl="1" indent="0">
+              <a:spcBef>
+                <a:spcPts val="0"/>
+              </a:spcBef>
+              <a:spcAft>
+                <a:spcPts val="0"/>
+              </a:spcAft>
+              <a:buClr>
+                <a:schemeClr val="tx1">
+                  <a:lumMod val="65000"/>
+                  <a:lumOff val="35000"/>
+                </a:schemeClr>
+              </a:buClr>
+              <a:buNone/>
+              <a:defRPr/>
+            </a:pPr>
+            <a:r>
+              <a:rPr lang="ko-KR" altLang="en-US" dirty="0">
+                <a:sym typeface="Wingdings" panose="05000000000000000000" pitchFamily="2" charset="2"/>
+              </a:rPr>
+              <a:t>한번 생긴 </a:t>
+            </a:r>
+            <a:r>
+              <a:rPr lang="en-US" altLang="ko-KR" dirty="0" err="1">
+                <a:sym typeface="Wingdings" panose="05000000000000000000" pitchFamily="2" charset="2"/>
+              </a:rPr>
+              <a:t>br</a:t>
+            </a:r>
+            <a:r>
+              <a:rPr lang="ko-KR" altLang="en-US" dirty="0">
+                <a:sym typeface="Wingdings" panose="05000000000000000000" pitchFamily="2" charset="2"/>
+              </a:rPr>
+              <a:t>이면 자동으로 </a:t>
+            </a:r>
+            <a:r>
+              <a:rPr lang="en-US" altLang="ko-KR" dirty="0" err="1">
+                <a:sym typeface="Wingdings" panose="05000000000000000000" pitchFamily="2" charset="2"/>
+              </a:rPr>
+              <a:t>compare&amp;pr</a:t>
+            </a:r>
+            <a:r>
+              <a:rPr lang="en-US" altLang="ko-KR" dirty="0">
+                <a:sym typeface="Wingdings" panose="05000000000000000000" pitchFamily="2" charset="2"/>
+              </a:rPr>
+              <a:t> </a:t>
+            </a:r>
+            <a:r>
+              <a:rPr lang="ko-KR" altLang="en-US" dirty="0">
+                <a:sym typeface="Wingdings" panose="05000000000000000000" pitchFamily="2" charset="2"/>
+              </a:rPr>
+              <a:t>버튼이 생기지 않기 때문에</a:t>
+            </a:r>
+            <a:r>
+              <a:rPr lang="en-US" altLang="ko-KR" dirty="0">
+                <a:sym typeface="Wingdings" panose="05000000000000000000" pitchFamily="2" charset="2"/>
+              </a:rPr>
+              <a:t>(</a:t>
+            </a:r>
+            <a:r>
+              <a:rPr lang="ko-KR" altLang="en-US" dirty="0">
+                <a:sym typeface="Wingdings" panose="05000000000000000000" pitchFamily="2" charset="2"/>
+              </a:rPr>
+              <a:t>물론 로그인하여 </a:t>
+            </a:r>
+            <a:r>
+              <a:rPr lang="en-US" altLang="ko-KR" dirty="0">
+                <a:sym typeface="Wingdings" panose="05000000000000000000" pitchFamily="2" charset="2"/>
+              </a:rPr>
+              <a:t>pr</a:t>
+            </a:r>
+            <a:r>
+              <a:rPr lang="ko-KR" altLang="en-US" dirty="0">
+                <a:sym typeface="Wingdings" panose="05000000000000000000" pitchFamily="2" charset="2"/>
+              </a:rPr>
+              <a:t>할 수 있음</a:t>
+            </a:r>
+            <a:r>
+              <a:rPr lang="en-US" altLang="ko-KR" dirty="0">
+                <a:sym typeface="Wingdings" panose="05000000000000000000" pitchFamily="2" charset="2"/>
+              </a:rPr>
+              <a:t>)</a:t>
+            </a:r>
+            <a:r>
+              <a:rPr lang="ko-KR" altLang="en-US" dirty="0">
+                <a:sym typeface="Wingdings" panose="05000000000000000000" pitchFamily="2" charset="2"/>
+              </a:rPr>
+              <a:t> </a:t>
+            </a:r>
+            <a:r>
+              <a:rPr lang="en-US" altLang="ko-KR" dirty="0">
+                <a:sym typeface="Wingdings" panose="05000000000000000000" pitchFamily="2" charset="2"/>
+              </a:rPr>
+              <a:t>merge</a:t>
+            </a:r>
+            <a:r>
+              <a:rPr lang="ko-KR" altLang="en-US" dirty="0">
+                <a:sym typeface="Wingdings" panose="05000000000000000000" pitchFamily="2" charset="2"/>
+              </a:rPr>
+              <a:t>가 되면 삭제하는 과정이 필요하다</a:t>
+            </a:r>
+            <a:r>
+              <a:rPr lang="en-US" altLang="ko-KR" dirty="0">
+                <a:sym typeface="Wingdings" panose="05000000000000000000" pitchFamily="2" charset="2"/>
+              </a:rPr>
+              <a:t>.</a:t>
+            </a:r>
+          </a:p>
+          <a:p>
+            <a:pPr marL="534988" lvl="1" indent="-268288">
+              <a:spcBef>
+                <a:spcPts val="0"/>
+              </a:spcBef>
+              <a:spcAft>
+                <a:spcPts val="0"/>
+              </a:spcAft>
+              <a:buClr>
+                <a:schemeClr val="tx1">
+                  <a:lumMod val="65000"/>
+                  <a:lumOff val="35000"/>
+                </a:schemeClr>
+              </a:buClr>
+              <a:buFont typeface="+mj-ea"/>
+              <a:buAutoNum type="circleNumDbPlain"/>
+              <a:defRPr/>
+            </a:pPr>
+            <a:r>
+              <a:rPr lang="en-US" altLang="ko-KR" dirty="0">
+                <a:sym typeface="Wingdings" panose="05000000000000000000" pitchFamily="2" charset="2"/>
+              </a:rPr>
+              <a:t> </a:t>
+            </a:r>
+            <a:r>
+              <a:rPr lang="ko-KR" altLang="en-US" dirty="0">
+                <a:sym typeface="Wingdings" panose="05000000000000000000" pitchFamily="2" charset="2"/>
+              </a:rPr>
+              <a:t>다음 페이지에 메시지 남기기</a:t>
+            </a:r>
+            <a:endParaRPr lang="en-US" altLang="ko-KR" dirty="0"/>
+          </a:p>
+          <a:p>
+            <a:pPr marL="266700" lvl="1" indent="0">
+              <a:spcBef>
+                <a:spcPts val="0"/>
+              </a:spcBef>
+              <a:spcAft>
+                <a:spcPts val="0"/>
+              </a:spcAft>
+              <a:buClr>
+                <a:schemeClr val="tx1">
+                  <a:lumMod val="65000"/>
+                  <a:lumOff val="35000"/>
+                </a:schemeClr>
+              </a:buClr>
+              <a:buNone/>
+              <a:defRPr/>
+            </a:pPr>
+            <a:endParaRPr lang="en-US" altLang="ko-KR" dirty="0"/>
+          </a:p>
+          <a:p>
+            <a:pPr>
+              <a:buClr>
+                <a:schemeClr val="tx1">
+                  <a:lumMod val="65000"/>
+                  <a:lumOff val="35000"/>
+                </a:schemeClr>
+              </a:buClr>
+              <a:defRPr/>
+            </a:pPr>
+            <a:endParaRPr lang="en-US" altLang="ko-KR" dirty="0">
+              <a:solidFill>
+                <a:srgbClr val="FF0000"/>
+              </a:solidFill>
+            </a:endParaRPr>
+          </a:p>
+          <a:p>
+            <a:pPr>
+              <a:buClr>
+                <a:schemeClr val="tx1">
+                  <a:lumMod val="65000"/>
+                  <a:lumOff val="35000"/>
+                </a:schemeClr>
+              </a:buClr>
+              <a:defRPr/>
+            </a:pPr>
+            <a:endParaRPr lang="ko-KR" altLang="en-US" dirty="0">
+              <a:solidFill>
+                <a:srgbClr val="FF0000"/>
+              </a:solidFill>
+            </a:endParaRPr>
+          </a:p>
+        </p:txBody>
+      </p:sp>
+    </p:spTree>
+    <p:extLst>
+      <p:ext uri="{BB962C8B-B14F-4D97-AF65-F5344CB8AC3E}">
         <p14:creationId xmlns:p14="http://schemas.microsoft.com/office/powerpoint/2010/main" val="2995169652"/>
       </p:ext>
     </p:extLst>
@@ -24021,7 +24974,7 @@
 </p:sld>
 </file>
 
-<file path=ppt/slides/slide41.xml><?xml version="1.0" encoding="utf-8"?>
+<file path=ppt/slides/slide42.xml><?xml version="1.0" encoding="utf-8"?>
 <p:sld xmlns:a="http://schemas.openxmlformats.org/drawingml/2006/main" xmlns:r="http://schemas.openxmlformats.org/officeDocument/2006/relationships" xmlns:p="http://schemas.openxmlformats.org/presentationml/2006/main">
   <p:cSld>
     <p:spTree>
@@ -24163,7 +25116,7 @@
 </p:sld>
 </file>
 
-<file path=ppt/slides/slide42.xml><?xml version="1.0" encoding="utf-8"?>
+<file path=ppt/slides/slide43.xml><?xml version="1.0" encoding="utf-8"?>
 <p:sld xmlns:a="http://schemas.openxmlformats.org/drawingml/2006/main" xmlns:r="http://schemas.openxmlformats.org/officeDocument/2006/relationships" xmlns:p="http://schemas.openxmlformats.org/presentationml/2006/main">
   <p:cSld>
     <p:spTree>
@@ -24353,7 +25306,7 @@
 </p:sld>
 </file>
 
-<file path=ppt/slides/slide43.xml><?xml version="1.0" encoding="utf-8"?>
+<file path=ppt/slides/slide44.xml><?xml version="1.0" encoding="utf-8"?>
 <p:sld xmlns:a="http://schemas.openxmlformats.org/drawingml/2006/main" xmlns:r="http://schemas.openxmlformats.org/officeDocument/2006/relationships" xmlns:p="http://schemas.openxmlformats.org/presentationml/2006/main">
   <p:cSld>
     <p:spTree>
@@ -24625,7 +25578,7 @@
 </p:sld>
 </file>
 
-<file path=ppt/slides/slide44.xml><?xml version="1.0" encoding="utf-8"?>
+<file path=ppt/slides/slide45.xml><?xml version="1.0" encoding="utf-8"?>
 <p:sld xmlns:a="http://schemas.openxmlformats.org/drawingml/2006/main" xmlns:r="http://schemas.openxmlformats.org/officeDocument/2006/relationships" xmlns:p="http://schemas.openxmlformats.org/presentationml/2006/main">
   <p:cSld>
     <p:spTree>
@@ -24874,7 +25827,7 @@
 </p:sld>
 </file>
 
-<file path=ppt/slides/slide45.xml><?xml version="1.0" encoding="utf-8"?>
+<file path=ppt/slides/slide46.xml><?xml version="1.0" encoding="utf-8"?>
 <p:sld xmlns:a="http://schemas.openxmlformats.org/drawingml/2006/main" xmlns:r="http://schemas.openxmlformats.org/officeDocument/2006/relationships" xmlns:p="http://schemas.openxmlformats.org/presentationml/2006/main">
   <p:cSld>
     <p:spTree>
@@ -25175,7 +26128,7 @@
 </p:sld>
 </file>
 
-<file path=ppt/slides/slide46.xml><?xml version="1.0" encoding="utf-8"?>
+<file path=ppt/slides/slide47.xml><?xml version="1.0" encoding="utf-8"?>
 <p:sld xmlns:a="http://schemas.openxmlformats.org/drawingml/2006/main" xmlns:r="http://schemas.openxmlformats.org/officeDocument/2006/relationships" xmlns:p="http://schemas.openxmlformats.org/presentationml/2006/main">
   <p:cSld>
     <p:spTree>
@@ -25268,7 +26221,7 @@
 </p:sld>
 </file>
 
-<file path=ppt/slides/slide47.xml><?xml version="1.0" encoding="utf-8"?>
+<file path=ppt/slides/slide48.xml><?xml version="1.0" encoding="utf-8"?>
 <p:sld xmlns:a="http://schemas.openxmlformats.org/drawingml/2006/main" xmlns:r="http://schemas.openxmlformats.org/officeDocument/2006/relationships" xmlns:p="http://schemas.openxmlformats.org/presentationml/2006/main">
   <p:cSld>
     <p:spTree>
@@ -25482,7 +26435,7 @@
 </p:sld>
 </file>
 
-<file path=ppt/slides/slide48.xml><?xml version="1.0" encoding="utf-8"?>
+<file path=ppt/slides/slide49.xml><?xml version="1.0" encoding="utf-8"?>
 <p:sld xmlns:a="http://schemas.openxmlformats.org/drawingml/2006/main" xmlns:r="http://schemas.openxmlformats.org/officeDocument/2006/relationships" xmlns:p="http://schemas.openxmlformats.org/presentationml/2006/main">
   <p:cSld>
     <p:spTree>
@@ -25711,238 +26664,6 @@
     <p:extLst>
       <p:ext uri="{BB962C8B-B14F-4D97-AF65-F5344CB8AC3E}">
         <p14:creationId xmlns:p14="http://schemas.microsoft.com/office/powerpoint/2010/main" val="4258985462"/>
-      </p:ext>
-    </p:extLst>
-  </p:cSld>
-  <p:clrMapOvr>
-    <a:masterClrMapping/>
-  </p:clrMapOvr>
-</p:sld>
-</file>
-
-<file path=ppt/slides/slide49.xml><?xml version="1.0" encoding="utf-8"?>
-<p:sld xmlns:a="http://schemas.openxmlformats.org/drawingml/2006/main" xmlns:r="http://schemas.openxmlformats.org/officeDocument/2006/relationships" xmlns:p="http://schemas.openxmlformats.org/presentationml/2006/main">
-  <p:cSld>
-    <p:spTree>
-      <p:nvGrpSpPr>
-        <p:cNvPr id="1" name=""/>
-        <p:cNvGrpSpPr/>
-        <p:nvPr/>
-      </p:nvGrpSpPr>
-      <p:grpSpPr>
-        <a:xfrm>
-          <a:off x="0" y="0"/>
-          <a:ext cx="0" cy="0"/>
-          <a:chOff x="0" y="0"/>
-          <a:chExt cx="0" cy="0"/>
-        </a:xfrm>
-      </p:grpSpPr>
-      <p:sp>
-        <p:nvSpPr>
-          <p:cNvPr id="4" name="제목 3">
-            <a:extLst>
-              <a:ext uri="{FF2B5EF4-FFF2-40B4-BE49-F238E27FC236}">
-                <a16:creationId xmlns:a16="http://schemas.microsoft.com/office/drawing/2014/main" id="{F0CEB32B-CB43-4410-BA08-A97E4BC47FCB}"/>
-              </a:ext>
-            </a:extLst>
-          </p:cNvPr>
-          <p:cNvSpPr>
-            <a:spLocks noGrp="1"/>
-          </p:cNvSpPr>
-          <p:nvPr>
-            <p:ph type="title"/>
-          </p:nvPr>
-        </p:nvSpPr>
-        <p:spPr/>
-        <p:txBody>
-          <a:bodyPr/>
-          <a:lstStyle/>
-          <a:p>
-            <a:r>
-              <a:rPr lang="ko-KR" altLang="en-US" dirty="0"/>
-              <a:t>협업방식 </a:t>
-            </a:r>
-            <a:r>
-              <a:rPr lang="en-US" altLang="ko-KR" dirty="0"/>
-              <a:t>1</a:t>
-            </a:r>
-            <a:endParaRPr lang="ko-KR" altLang="en-US" dirty="0"/>
-          </a:p>
-        </p:txBody>
-      </p:sp>
-      <p:sp>
-        <p:nvSpPr>
-          <p:cNvPr id="5" name="내용 개체 틀 4">
-            <a:extLst>
-              <a:ext uri="{FF2B5EF4-FFF2-40B4-BE49-F238E27FC236}">
-                <a16:creationId xmlns:a16="http://schemas.microsoft.com/office/drawing/2014/main" id="{48DB0CC3-2321-4F7D-83F1-DDCF2E040E0D}"/>
-              </a:ext>
-            </a:extLst>
-          </p:cNvPr>
-          <p:cNvSpPr>
-            <a:spLocks noGrp="1"/>
-          </p:cNvSpPr>
-          <p:nvPr>
-            <p:ph idx="1"/>
-          </p:nvPr>
-        </p:nvSpPr>
-        <p:spPr>
-          <a:xfrm>
-            <a:off x="250825" y="1000221"/>
-            <a:ext cx="8641655" cy="5146579"/>
-          </a:xfrm>
-        </p:spPr>
-        <p:txBody>
-          <a:bodyPr tIns="0" bIns="0">
-            <a:noAutofit/>
-          </a:bodyPr>
-          <a:lstStyle/>
-          <a:p>
-            <a:pPr>
-              <a:buClr>
-                <a:schemeClr val="tx1">
-                  <a:lumMod val="65000"/>
-                  <a:lumOff val="35000"/>
-                </a:schemeClr>
-              </a:buClr>
-              <a:defRPr/>
-            </a:pPr>
-            <a:r>
-              <a:rPr lang="en-US" altLang="ko-KR" dirty="0"/>
-              <a:t>merge</a:t>
-            </a:r>
-            <a:r>
-              <a:rPr lang="ko-KR" altLang="en-US" dirty="0"/>
-              <a:t> </a:t>
-            </a:r>
-            <a:r>
-              <a:rPr lang="en-US" altLang="ko-KR" dirty="0"/>
-              <a:t>pull</a:t>
-            </a:r>
-            <a:r>
-              <a:rPr lang="ko-KR" altLang="en-US" dirty="0"/>
-              <a:t> </a:t>
-            </a:r>
-            <a:r>
-              <a:rPr lang="en-US" altLang="ko-KR" dirty="0" err="1"/>
-              <a:t>reque</a:t>
-            </a:r>
-            <a:r>
-              <a:rPr lang="ko-KR" altLang="en-US" dirty="0"/>
-              <a:t> 버튼 클릭 </a:t>
-            </a:r>
-            <a:r>
-              <a:rPr lang="en-US" altLang="ko-KR" dirty="0">
-                <a:sym typeface="Wingdings" panose="05000000000000000000" pitchFamily="2" charset="2"/>
-              </a:rPr>
-              <a:t> confirm</a:t>
-            </a:r>
-            <a:r>
-              <a:rPr lang="ko-KR" altLang="en-US" dirty="0">
-                <a:sym typeface="Wingdings" panose="05000000000000000000" pitchFamily="2" charset="2"/>
-              </a:rPr>
-              <a:t> </a:t>
-            </a:r>
-            <a:r>
-              <a:rPr lang="en-US" altLang="ko-KR" dirty="0">
-                <a:sym typeface="Wingdings" panose="05000000000000000000" pitchFamily="2" charset="2"/>
-              </a:rPr>
-              <a:t>merge</a:t>
-            </a:r>
-            <a:endParaRPr lang="ko-KR" altLang="en-US" dirty="0">
-              <a:solidFill>
-                <a:srgbClr val="FF0000"/>
-              </a:solidFill>
-            </a:endParaRPr>
-          </a:p>
-        </p:txBody>
-      </p:sp>
-      <p:pic>
-        <p:nvPicPr>
-          <p:cNvPr id="3" name="그림 2">
-            <a:extLst>
-              <a:ext uri="{FF2B5EF4-FFF2-40B4-BE49-F238E27FC236}">
-                <a16:creationId xmlns:a16="http://schemas.microsoft.com/office/drawing/2014/main" id="{BF42BAF1-A9AF-4732-8F47-1BEA3DCB146C}"/>
-              </a:ext>
-            </a:extLst>
-          </p:cNvPr>
-          <p:cNvPicPr>
-            <a:picLocks noChangeAspect="1"/>
-          </p:cNvPicPr>
-          <p:nvPr/>
-        </p:nvPicPr>
-        <p:blipFill>
-          <a:blip r:embed="rId2"/>
-          <a:stretch>
-            <a:fillRect/>
-          </a:stretch>
-        </p:blipFill>
-        <p:spPr>
-          <a:xfrm>
-            <a:off x="760287" y="1703831"/>
-            <a:ext cx="7397393" cy="4442969"/>
-          </a:xfrm>
-          <a:prstGeom prst="rect">
-            <a:avLst/>
-          </a:prstGeom>
-        </p:spPr>
-      </p:pic>
-      <p:sp>
-        <p:nvSpPr>
-          <p:cNvPr id="10" name="직사각형 9">
-            <a:extLst>
-              <a:ext uri="{FF2B5EF4-FFF2-40B4-BE49-F238E27FC236}">
-                <a16:creationId xmlns:a16="http://schemas.microsoft.com/office/drawing/2014/main" id="{53A5D1B4-8ACE-4562-BE76-6E17038282F2}"/>
-              </a:ext>
-            </a:extLst>
-          </p:cNvPr>
-          <p:cNvSpPr/>
-          <p:nvPr/>
-        </p:nvSpPr>
-        <p:spPr>
-          <a:xfrm>
-            <a:off x="1576190" y="5009452"/>
-            <a:ext cx="1413590" cy="321365"/>
-          </a:xfrm>
-          <a:prstGeom prst="rect">
-            <a:avLst/>
-          </a:prstGeom>
-          <a:noFill/>
-          <a:ln w="38100">
-            <a:solidFill>
-              <a:srgbClr val="FF0000"/>
-            </a:solidFill>
-          </a:ln>
-        </p:spPr>
-        <p:style>
-          <a:lnRef idx="2">
-            <a:schemeClr val="accent1">
-              <a:shade val="50000"/>
-            </a:schemeClr>
-          </a:lnRef>
-          <a:fillRef idx="1">
-            <a:schemeClr val="accent1"/>
-          </a:fillRef>
-          <a:effectRef idx="0">
-            <a:schemeClr val="accent1"/>
-          </a:effectRef>
-          <a:fontRef idx="minor">
-            <a:schemeClr val="lt1"/>
-          </a:fontRef>
-        </p:style>
-        <p:txBody>
-          <a:bodyPr rtlCol="0" anchor="ctr"/>
-          <a:lstStyle/>
-          <a:p>
-            <a:pPr algn="ctr"/>
-            <a:endParaRPr lang="ko-KR" altLang="en-US"/>
-          </a:p>
-        </p:txBody>
-      </p:sp>
-    </p:spTree>
-    <p:extLst>
-      <p:ext uri="{BB962C8B-B14F-4D97-AF65-F5344CB8AC3E}">
-        <p14:creationId xmlns:p14="http://schemas.microsoft.com/office/powerpoint/2010/main" val="3128868259"/>
       </p:ext>
     </p:extLst>
   </p:cSld>
@@ -26020,22 +26741,14 @@
             </a:r>
             <a:r>
               <a:rPr lang="en-US" altLang="ko-KR" dirty="0"/>
-              <a:t>(</a:t>
-            </a:r>
-            <a:r>
-              <a:rPr lang="en-US" altLang="ko-KR" dirty="0" smtClean="0"/>
-              <a:t>README.md </a:t>
-            </a:r>
-            <a:r>
-              <a:rPr lang="ko-KR" altLang="en-US" dirty="0" smtClean="0"/>
-              <a:t>작</a:t>
-            </a:r>
-            <a:r>
-              <a:rPr lang="ko-KR" altLang="en-US" dirty="0" smtClean="0"/>
-              <a:t>성</a:t>
-            </a:r>
-            <a:r>
-              <a:rPr lang="en-US" altLang="ko-KR" dirty="0" smtClean="0"/>
+              <a:t>(README.md </a:t>
+            </a:r>
+            <a:r>
+              <a:rPr lang="ko-KR" altLang="en-US" dirty="0"/>
+              <a:t>작성</a:t>
+            </a:r>
+            <a:r>
+              <a:rPr lang="en-US" altLang="ko-KR" dirty="0"/>
               <a:t>)</a:t>
             </a:r>
             <a:endParaRPr lang="ko-KR" altLang="en-US" dirty="0"/>
@@ -26393,6 +27106,238 @@
           <a:chExt cx="0" cy="0"/>
         </a:xfrm>
       </p:grpSpPr>
+      <p:sp>
+        <p:nvSpPr>
+          <p:cNvPr id="4" name="제목 3">
+            <a:extLst>
+              <a:ext uri="{FF2B5EF4-FFF2-40B4-BE49-F238E27FC236}">
+                <a16:creationId xmlns:a16="http://schemas.microsoft.com/office/drawing/2014/main" id="{F0CEB32B-CB43-4410-BA08-A97E4BC47FCB}"/>
+              </a:ext>
+            </a:extLst>
+          </p:cNvPr>
+          <p:cNvSpPr>
+            <a:spLocks noGrp="1"/>
+          </p:cNvSpPr>
+          <p:nvPr>
+            <p:ph type="title"/>
+          </p:nvPr>
+        </p:nvSpPr>
+        <p:spPr/>
+        <p:txBody>
+          <a:bodyPr/>
+          <a:lstStyle/>
+          <a:p>
+            <a:r>
+              <a:rPr lang="ko-KR" altLang="en-US" dirty="0"/>
+              <a:t>협업방식 </a:t>
+            </a:r>
+            <a:r>
+              <a:rPr lang="en-US" altLang="ko-KR" dirty="0"/>
+              <a:t>1</a:t>
+            </a:r>
+            <a:endParaRPr lang="ko-KR" altLang="en-US" dirty="0"/>
+          </a:p>
+        </p:txBody>
+      </p:sp>
+      <p:sp>
+        <p:nvSpPr>
+          <p:cNvPr id="5" name="내용 개체 틀 4">
+            <a:extLst>
+              <a:ext uri="{FF2B5EF4-FFF2-40B4-BE49-F238E27FC236}">
+                <a16:creationId xmlns:a16="http://schemas.microsoft.com/office/drawing/2014/main" id="{48DB0CC3-2321-4F7D-83F1-DDCF2E040E0D}"/>
+              </a:ext>
+            </a:extLst>
+          </p:cNvPr>
+          <p:cNvSpPr>
+            <a:spLocks noGrp="1"/>
+          </p:cNvSpPr>
+          <p:nvPr>
+            <p:ph idx="1"/>
+          </p:nvPr>
+        </p:nvSpPr>
+        <p:spPr>
+          <a:xfrm>
+            <a:off x="250825" y="1000221"/>
+            <a:ext cx="8641655" cy="5146579"/>
+          </a:xfrm>
+        </p:spPr>
+        <p:txBody>
+          <a:bodyPr tIns="0" bIns="0">
+            <a:noAutofit/>
+          </a:bodyPr>
+          <a:lstStyle/>
+          <a:p>
+            <a:pPr>
+              <a:buClr>
+                <a:schemeClr val="tx1">
+                  <a:lumMod val="65000"/>
+                  <a:lumOff val="35000"/>
+                </a:schemeClr>
+              </a:buClr>
+              <a:defRPr/>
+            </a:pPr>
+            <a:r>
+              <a:rPr lang="en-US" altLang="ko-KR" dirty="0"/>
+              <a:t>merge</a:t>
+            </a:r>
+            <a:r>
+              <a:rPr lang="ko-KR" altLang="en-US" dirty="0"/>
+              <a:t> </a:t>
+            </a:r>
+            <a:r>
+              <a:rPr lang="en-US" altLang="ko-KR" dirty="0"/>
+              <a:t>pull</a:t>
+            </a:r>
+            <a:r>
+              <a:rPr lang="ko-KR" altLang="en-US" dirty="0"/>
+              <a:t> </a:t>
+            </a:r>
+            <a:r>
+              <a:rPr lang="en-US" altLang="ko-KR" dirty="0" err="1"/>
+              <a:t>reque</a:t>
+            </a:r>
+            <a:r>
+              <a:rPr lang="ko-KR" altLang="en-US" dirty="0"/>
+              <a:t> 버튼 클릭 </a:t>
+            </a:r>
+            <a:r>
+              <a:rPr lang="en-US" altLang="ko-KR" dirty="0">
+                <a:sym typeface="Wingdings" panose="05000000000000000000" pitchFamily="2" charset="2"/>
+              </a:rPr>
+              <a:t> confirm</a:t>
+            </a:r>
+            <a:r>
+              <a:rPr lang="ko-KR" altLang="en-US" dirty="0">
+                <a:sym typeface="Wingdings" panose="05000000000000000000" pitchFamily="2" charset="2"/>
+              </a:rPr>
+              <a:t> </a:t>
+            </a:r>
+            <a:r>
+              <a:rPr lang="en-US" altLang="ko-KR" dirty="0">
+                <a:sym typeface="Wingdings" panose="05000000000000000000" pitchFamily="2" charset="2"/>
+              </a:rPr>
+              <a:t>merge</a:t>
+            </a:r>
+            <a:endParaRPr lang="ko-KR" altLang="en-US" dirty="0">
+              <a:solidFill>
+                <a:srgbClr val="FF0000"/>
+              </a:solidFill>
+            </a:endParaRPr>
+          </a:p>
+        </p:txBody>
+      </p:sp>
+      <p:pic>
+        <p:nvPicPr>
+          <p:cNvPr id="3" name="그림 2">
+            <a:extLst>
+              <a:ext uri="{FF2B5EF4-FFF2-40B4-BE49-F238E27FC236}">
+                <a16:creationId xmlns:a16="http://schemas.microsoft.com/office/drawing/2014/main" id="{BF42BAF1-A9AF-4732-8F47-1BEA3DCB146C}"/>
+              </a:ext>
+            </a:extLst>
+          </p:cNvPr>
+          <p:cNvPicPr>
+            <a:picLocks noChangeAspect="1"/>
+          </p:cNvPicPr>
+          <p:nvPr/>
+        </p:nvPicPr>
+        <p:blipFill>
+          <a:blip r:embed="rId2"/>
+          <a:stretch>
+            <a:fillRect/>
+          </a:stretch>
+        </p:blipFill>
+        <p:spPr>
+          <a:xfrm>
+            <a:off x="760287" y="1703831"/>
+            <a:ext cx="7397393" cy="4442969"/>
+          </a:xfrm>
+          <a:prstGeom prst="rect">
+            <a:avLst/>
+          </a:prstGeom>
+        </p:spPr>
+      </p:pic>
+      <p:sp>
+        <p:nvSpPr>
+          <p:cNvPr id="10" name="직사각형 9">
+            <a:extLst>
+              <a:ext uri="{FF2B5EF4-FFF2-40B4-BE49-F238E27FC236}">
+                <a16:creationId xmlns:a16="http://schemas.microsoft.com/office/drawing/2014/main" id="{53A5D1B4-8ACE-4562-BE76-6E17038282F2}"/>
+              </a:ext>
+            </a:extLst>
+          </p:cNvPr>
+          <p:cNvSpPr/>
+          <p:nvPr/>
+        </p:nvSpPr>
+        <p:spPr>
+          <a:xfrm>
+            <a:off x="1576190" y="5009452"/>
+            <a:ext cx="1413590" cy="321365"/>
+          </a:xfrm>
+          <a:prstGeom prst="rect">
+            <a:avLst/>
+          </a:prstGeom>
+          <a:noFill/>
+          <a:ln w="38100">
+            <a:solidFill>
+              <a:srgbClr val="FF0000"/>
+            </a:solidFill>
+          </a:ln>
+        </p:spPr>
+        <p:style>
+          <a:lnRef idx="2">
+            <a:schemeClr val="accent1">
+              <a:shade val="50000"/>
+            </a:schemeClr>
+          </a:lnRef>
+          <a:fillRef idx="1">
+            <a:schemeClr val="accent1"/>
+          </a:fillRef>
+          <a:effectRef idx="0">
+            <a:schemeClr val="accent1"/>
+          </a:effectRef>
+          <a:fontRef idx="minor">
+            <a:schemeClr val="lt1"/>
+          </a:fontRef>
+        </p:style>
+        <p:txBody>
+          <a:bodyPr rtlCol="0" anchor="ctr"/>
+          <a:lstStyle/>
+          <a:p>
+            <a:pPr algn="ctr"/>
+            <a:endParaRPr lang="ko-KR" altLang="en-US"/>
+          </a:p>
+        </p:txBody>
+      </p:sp>
+    </p:spTree>
+    <p:extLst>
+      <p:ext uri="{BB962C8B-B14F-4D97-AF65-F5344CB8AC3E}">
+        <p14:creationId xmlns:p14="http://schemas.microsoft.com/office/powerpoint/2010/main" val="3128868259"/>
+      </p:ext>
+    </p:extLst>
+  </p:cSld>
+  <p:clrMapOvr>
+    <a:masterClrMapping/>
+  </p:clrMapOvr>
+</p:sld>
+</file>
+
+<file path=ppt/slides/slide51.xml><?xml version="1.0" encoding="utf-8"?>
+<p:sld xmlns:a="http://schemas.openxmlformats.org/drawingml/2006/main" xmlns:r="http://schemas.openxmlformats.org/officeDocument/2006/relationships" xmlns:p="http://schemas.openxmlformats.org/presentationml/2006/main">
+  <p:cSld>
+    <p:spTree>
+      <p:nvGrpSpPr>
+        <p:cNvPr id="1" name=""/>
+        <p:cNvGrpSpPr/>
+        <p:nvPr/>
+      </p:nvGrpSpPr>
+      <p:grpSpPr>
+        <a:xfrm>
+          <a:off x="0" y="0"/>
+          <a:ext cx="0" cy="0"/>
+          <a:chOff x="0" y="0"/>
+          <a:chExt cx="0" cy="0"/>
+        </a:xfrm>
+      </p:grpSpPr>
       <p:pic>
         <p:nvPicPr>
           <p:cNvPr id="2" name="그림 1"/>
@@ -26723,7 +27668,7 @@
 </p:sld>
 </file>
 
-<file path=ppt/slides/slide51.xml><?xml version="1.0" encoding="utf-8"?>
+<file path=ppt/slides/slide52.xml><?xml version="1.0" encoding="utf-8"?>
 <p:sld xmlns:a="http://schemas.openxmlformats.org/drawingml/2006/main" xmlns:r="http://schemas.openxmlformats.org/officeDocument/2006/relationships" xmlns:p="http://schemas.openxmlformats.org/presentationml/2006/main">
   <p:cSld>
     <p:spTree>
@@ -27196,7 +28141,7 @@
 </p:sld>
 </file>
 
-<file path=ppt/slides/slide52.xml><?xml version="1.0" encoding="utf-8"?>
+<file path=ppt/slides/slide53.xml><?xml version="1.0" encoding="utf-8"?>
 <p:sld xmlns:a="http://schemas.openxmlformats.org/drawingml/2006/main" xmlns:r="http://schemas.openxmlformats.org/officeDocument/2006/relationships" xmlns:p="http://schemas.openxmlformats.org/presentationml/2006/main">
   <p:cSld>
     <p:spTree>
@@ -27556,7 +28501,7 @@
 </p:sld>
 </file>
 
-<file path=ppt/slides/slide53.xml><?xml version="1.0" encoding="utf-8"?>
+<file path=ppt/slides/slide54.xml><?xml version="1.0" encoding="utf-8"?>
 <p:sld xmlns:a="http://schemas.openxmlformats.org/drawingml/2006/main" xmlns:r="http://schemas.openxmlformats.org/officeDocument/2006/relationships" xmlns:p="http://schemas.openxmlformats.org/presentationml/2006/main">
   <p:cSld>
     <p:spTree>
@@ -27649,7 +28594,7 @@
 </p:sld>
 </file>
 
-<file path=ppt/slides/slide54.xml><?xml version="1.0" encoding="utf-8"?>
+<file path=ppt/slides/slide55.xml><?xml version="1.0" encoding="utf-8"?>
 <p:sld xmlns:a="http://schemas.openxmlformats.org/drawingml/2006/main" xmlns:r="http://schemas.openxmlformats.org/officeDocument/2006/relationships" xmlns:p="http://schemas.openxmlformats.org/presentationml/2006/main">
   <p:cSld>
     <p:spTree>
@@ -27742,7 +28687,7 @@
 </p:sld>
 </file>
 
-<file path=ppt/slides/slide55.xml><?xml version="1.0" encoding="utf-8"?>
+<file path=ppt/slides/slide56.xml><?xml version="1.0" encoding="utf-8"?>
 <p:sld xmlns:a="http://schemas.openxmlformats.org/drawingml/2006/main" xmlns:r="http://schemas.openxmlformats.org/officeDocument/2006/relationships" xmlns:p="http://schemas.openxmlformats.org/presentationml/2006/main">
   <p:cSld>
     <p:spTree>
@@ -27835,7 +28780,7 @@
 </p:sld>
 </file>
 
-<file path=ppt/slides/slide56.xml><?xml version="1.0" encoding="utf-8"?>
+<file path=ppt/slides/slide57.xml><?xml version="1.0" encoding="utf-8"?>
 <p:sld xmlns:a="http://schemas.openxmlformats.org/drawingml/2006/main" xmlns:r="http://schemas.openxmlformats.org/officeDocument/2006/relationships" xmlns:p="http://schemas.openxmlformats.org/presentationml/2006/main">
   <p:cSld>
     <p:spTree>
@@ -28153,7 +29098,7 @@
 </p:sld>
 </file>
 
-<file path=ppt/slides/slide57.xml><?xml version="1.0" encoding="utf-8"?>
+<file path=ppt/slides/slide58.xml><?xml version="1.0" encoding="utf-8"?>
 <p:sld xmlns:a="http://schemas.openxmlformats.org/drawingml/2006/main" xmlns:r="http://schemas.openxmlformats.org/officeDocument/2006/relationships" xmlns:p="http://schemas.openxmlformats.org/presentationml/2006/main">
   <p:cSld>
     <p:spTree>
@@ -28549,7 +29494,7 @@
 </p:sld>
 </file>
 
-<file path=ppt/slides/slide58.xml><?xml version="1.0" encoding="utf-8"?>
+<file path=ppt/slides/slide59.xml><?xml version="1.0" encoding="utf-8"?>
 <p:sld xmlns:a="http://schemas.openxmlformats.org/drawingml/2006/main" xmlns:r="http://schemas.openxmlformats.org/officeDocument/2006/relationships" xmlns:p="http://schemas.openxmlformats.org/presentationml/2006/main">
   <p:cSld>
     <p:spTree>
@@ -28936,376 +29881,6 @@
     <p:extLst>
       <p:ext uri="{BB962C8B-B14F-4D97-AF65-F5344CB8AC3E}">
         <p14:creationId xmlns:p14="http://schemas.microsoft.com/office/powerpoint/2010/main" val="2475722350"/>
-      </p:ext>
-    </p:extLst>
-  </p:cSld>
-  <p:clrMapOvr>
-    <a:masterClrMapping/>
-  </p:clrMapOvr>
-</p:sld>
-</file>
-
-<file path=ppt/slides/slide59.xml><?xml version="1.0" encoding="utf-8"?>
-<p:sld xmlns:a="http://schemas.openxmlformats.org/drawingml/2006/main" xmlns:r="http://schemas.openxmlformats.org/officeDocument/2006/relationships" xmlns:p="http://schemas.openxmlformats.org/presentationml/2006/main">
-  <p:cSld>
-    <p:spTree>
-      <p:nvGrpSpPr>
-        <p:cNvPr id="1" name=""/>
-        <p:cNvGrpSpPr/>
-        <p:nvPr/>
-      </p:nvGrpSpPr>
-      <p:grpSpPr>
-        <a:xfrm>
-          <a:off x="0" y="0"/>
-          <a:ext cx="0" cy="0"/>
-          <a:chOff x="0" y="0"/>
-          <a:chExt cx="0" cy="0"/>
-        </a:xfrm>
-      </p:grpSpPr>
-      <p:pic>
-        <p:nvPicPr>
-          <p:cNvPr id="8" name="그림 7">
-            <a:extLst>
-              <a:ext uri="{FF2B5EF4-FFF2-40B4-BE49-F238E27FC236}">
-                <a16:creationId xmlns:a16="http://schemas.microsoft.com/office/drawing/2014/main" id="{6618A6A4-508E-4FFD-B103-024A92179486}"/>
-              </a:ext>
-            </a:extLst>
-          </p:cNvPr>
-          <p:cNvPicPr>
-            <a:picLocks noChangeAspect="1"/>
-          </p:cNvPicPr>
-          <p:nvPr/>
-        </p:nvPicPr>
-        <p:blipFill>
-          <a:blip r:embed="rId3"/>
-          <a:stretch>
-            <a:fillRect/>
-          </a:stretch>
-        </p:blipFill>
-        <p:spPr>
-          <a:xfrm>
-            <a:off x="890587" y="1558465"/>
-            <a:ext cx="7362825" cy="4714875"/>
-          </a:xfrm>
-          <a:prstGeom prst="rect">
-            <a:avLst/>
-          </a:prstGeom>
-        </p:spPr>
-      </p:pic>
-      <p:sp>
-        <p:nvSpPr>
-          <p:cNvPr id="4" name="제목 3">
-            <a:extLst>
-              <a:ext uri="{FF2B5EF4-FFF2-40B4-BE49-F238E27FC236}">
-                <a16:creationId xmlns:a16="http://schemas.microsoft.com/office/drawing/2014/main" id="{F0CEB32B-CB43-4410-BA08-A97E4BC47FCB}"/>
-              </a:ext>
-            </a:extLst>
-          </p:cNvPr>
-          <p:cNvSpPr>
-            <a:spLocks noGrp="1"/>
-          </p:cNvSpPr>
-          <p:nvPr>
-            <p:ph type="title"/>
-          </p:nvPr>
-        </p:nvSpPr>
-        <p:spPr/>
-        <p:txBody>
-          <a:bodyPr/>
-          <a:lstStyle/>
-          <a:p>
-            <a:r>
-              <a:rPr lang="ko-KR" altLang="en-US" dirty="0"/>
-              <a:t>협업하기</a:t>
-            </a:r>
-          </a:p>
-        </p:txBody>
-      </p:sp>
-      <p:sp>
-        <p:nvSpPr>
-          <p:cNvPr id="7" name="내용 개체 틀 2">
-            <a:extLst>
-              <a:ext uri="{FF2B5EF4-FFF2-40B4-BE49-F238E27FC236}">
-                <a16:creationId xmlns:a16="http://schemas.microsoft.com/office/drawing/2014/main" id="{A44AC902-3746-40D6-9827-94B46EEDDC67}"/>
-              </a:ext>
-            </a:extLst>
-          </p:cNvPr>
-          <p:cNvSpPr txBox="1">
-            <a:spLocks/>
-          </p:cNvSpPr>
-          <p:nvPr/>
-        </p:nvSpPr>
-        <p:spPr>
-          <a:xfrm>
-            <a:off x="341787" y="1120545"/>
-            <a:ext cx="8642350" cy="2351314"/>
-          </a:xfrm>
-          <a:prstGeom prst="rect">
-            <a:avLst/>
-          </a:prstGeom>
-        </p:spPr>
-        <p:txBody>
-          <a:bodyPr vert="horz" lIns="91440" tIns="45720" rIns="91440" bIns="45720" rtlCol="0">
-            <a:noAutofit/>
-          </a:bodyPr>
-          <a:lstStyle>
-            <a:lvl1pPr marL="266700" indent="-266700" defTabSz="914400" latinLnBrk="1">
-              <a:lnSpc>
-                <a:spcPct val="150000"/>
-              </a:lnSpc>
-              <a:spcBef>
-                <a:spcPct val="0"/>
-              </a:spcBef>
-              <a:buClr>
-                <a:schemeClr val="tx1">
-                  <a:lumMod val="65000"/>
-                  <a:lumOff val="35000"/>
-                </a:schemeClr>
-              </a:buClr>
-              <a:buFont typeface="Wingdings" pitchFamily="2" charset="2"/>
-              <a:buChar char="n"/>
-              <a:defRPr sz="2000" b="1">
-                <a:latin typeface="+mn-ea"/>
-              </a:defRPr>
-            </a:lvl1pPr>
-            <a:lvl2pPr marL="447675" lvl="1" indent="-180975" defTabSz="914400" latinLnBrk="1">
-              <a:lnSpc>
-                <a:spcPct val="150000"/>
-              </a:lnSpc>
-              <a:spcBef>
-                <a:spcPts val="0"/>
-              </a:spcBef>
-              <a:spcAft>
-                <a:spcPts val="0"/>
-              </a:spcAft>
-              <a:buClr>
-                <a:schemeClr val="tx1">
-                  <a:lumMod val="50000"/>
-                  <a:lumOff val="50000"/>
-                </a:schemeClr>
-              </a:buClr>
-              <a:buFont typeface="Wingdings" pitchFamily="2" charset="2"/>
-              <a:buChar char="§"/>
-              <a:defRPr sz="1600"/>
-            </a:lvl2pPr>
-            <a:lvl3pPr marL="628650" indent="-180975" defTabSz="914400" latinLnBrk="1">
-              <a:lnSpc>
-                <a:spcPct val="150000"/>
-              </a:lnSpc>
-              <a:spcBef>
-                <a:spcPts val="500"/>
-              </a:spcBef>
-              <a:spcAft>
-                <a:spcPts val="300"/>
-              </a:spcAft>
-              <a:buClr>
-                <a:schemeClr val="tx1">
-                  <a:lumMod val="65000"/>
-                  <a:lumOff val="35000"/>
-                </a:schemeClr>
-              </a:buClr>
-              <a:buFont typeface="Arial" panose="020B0604020202020204" pitchFamily="34" charset="0"/>
-              <a:buChar char="•"/>
-              <a:defRPr sz="1400"/>
-            </a:lvl3pPr>
-            <a:lvl4pPr marL="809625" indent="-180975" defTabSz="914400" latinLnBrk="1">
-              <a:lnSpc>
-                <a:spcPct val="150000"/>
-              </a:lnSpc>
-              <a:spcBef>
-                <a:spcPts val="500"/>
-              </a:spcBef>
-              <a:spcAft>
-                <a:spcPts val="300"/>
-              </a:spcAft>
-              <a:buClr>
-                <a:schemeClr val="tx1">
-                  <a:lumMod val="65000"/>
-                  <a:lumOff val="35000"/>
-                </a:schemeClr>
-              </a:buClr>
-              <a:buSzPct val="96000"/>
-              <a:buFont typeface="Arial" panose="020B0604020202020204" pitchFamily="34" charset="0"/>
-              <a:buChar char="•"/>
-              <a:defRPr sz="1200"/>
-            </a:lvl4pPr>
-            <a:lvl5pPr marL="990600" indent="-180975" defTabSz="914400" latinLnBrk="1">
-              <a:lnSpc>
-                <a:spcPct val="150000"/>
-              </a:lnSpc>
-              <a:spcBef>
-                <a:spcPts val="500"/>
-              </a:spcBef>
-              <a:buClr>
-                <a:schemeClr val="tx1">
-                  <a:lumMod val="65000"/>
-                  <a:lumOff val="35000"/>
-                </a:schemeClr>
-              </a:buClr>
-              <a:buFont typeface="Arial" panose="020B0604020202020204" pitchFamily="34" charset="0"/>
-              <a:buChar char="•"/>
-              <a:defRPr sz="1000"/>
-            </a:lvl5pPr>
-            <a:lvl6pPr marL="2514600" indent="-228600" defTabSz="914400" latinLnBrk="1">
-              <a:lnSpc>
-                <a:spcPct val="90000"/>
-              </a:lnSpc>
-              <a:spcBef>
-                <a:spcPts val="500"/>
-              </a:spcBef>
-              <a:buFont typeface="Arial" panose="020B0604020202020204" pitchFamily="34" charset="0"/>
-              <a:buChar char="•"/>
-            </a:lvl6pPr>
-            <a:lvl7pPr marL="2971800" indent="-228600" defTabSz="914400" latinLnBrk="1">
-              <a:lnSpc>
-                <a:spcPct val="90000"/>
-              </a:lnSpc>
-              <a:spcBef>
-                <a:spcPts val="500"/>
-              </a:spcBef>
-              <a:buFont typeface="Arial" panose="020B0604020202020204" pitchFamily="34" charset="0"/>
-              <a:buChar char="•"/>
-            </a:lvl7pPr>
-            <a:lvl8pPr marL="3429000" indent="-228600" defTabSz="914400" latinLnBrk="1">
-              <a:lnSpc>
-                <a:spcPct val="90000"/>
-              </a:lnSpc>
-              <a:spcBef>
-                <a:spcPts val="500"/>
-              </a:spcBef>
-              <a:buFont typeface="Arial" panose="020B0604020202020204" pitchFamily="34" charset="0"/>
-              <a:buChar char="•"/>
-            </a:lvl8pPr>
-            <a:lvl9pPr marL="3886200" indent="-228600" defTabSz="914400" latinLnBrk="1">
-              <a:lnSpc>
-                <a:spcPct val="90000"/>
-              </a:lnSpc>
-              <a:spcBef>
-                <a:spcPts val="500"/>
-              </a:spcBef>
-              <a:buFont typeface="Arial" panose="020B0604020202020204" pitchFamily="34" charset="0"/>
-              <a:buChar char="•"/>
-            </a:lvl9pPr>
-          </a:lstStyle>
-          <a:p>
-            <a:r>
-              <a:rPr lang="ko-KR" altLang="en-US" dirty="0"/>
-              <a:t>협업환경 </a:t>
-            </a:r>
-            <a:r>
-              <a:rPr lang="en-US" altLang="ko-KR" dirty="0"/>
-              <a:t>(</a:t>
-            </a:r>
-            <a:r>
-              <a:rPr lang="ko-KR" altLang="en-US" dirty="0"/>
-              <a:t>참고 </a:t>
-            </a:r>
-            <a:r>
-              <a:rPr lang="en-US" altLang="ko-KR" dirty="0"/>
-              <a:t>: project </a:t>
-            </a:r>
-            <a:r>
-              <a:rPr lang="ko-KR" altLang="en-US" dirty="0"/>
-              <a:t>등록은 복잡</a:t>
-            </a:r>
-            <a:r>
-              <a:rPr lang="en-US" altLang="ko-KR" dirty="0"/>
-              <a:t>)</a:t>
-            </a:r>
-          </a:p>
-          <a:p>
-            <a:pPr lvl="1"/>
-            <a:r>
-              <a:rPr lang="ko-KR" altLang="en-US" dirty="0">
-                <a:latin typeface="+mn-ea"/>
-              </a:rPr>
-              <a:t>참여를 원하는 인원의 </a:t>
-            </a:r>
-            <a:r>
-              <a:rPr lang="en-US" altLang="ko-KR" dirty="0">
-                <a:latin typeface="+mn-ea"/>
-              </a:rPr>
-              <a:t>username </a:t>
-            </a:r>
-            <a:r>
-              <a:rPr lang="ko-KR" altLang="en-US" dirty="0">
-                <a:latin typeface="+mn-ea"/>
-              </a:rPr>
-              <a:t>혹은 이메일 등 한가지 </a:t>
-            </a:r>
-            <a:r>
-              <a:rPr lang="ko-KR" altLang="en-US" dirty="0" err="1">
-                <a:latin typeface="+mn-ea"/>
-              </a:rPr>
-              <a:t>입력후</a:t>
-            </a:r>
-            <a:r>
-              <a:rPr lang="ko-KR" altLang="en-US" dirty="0">
-                <a:latin typeface="+mn-ea"/>
-              </a:rPr>
-              <a:t> 클릭</a:t>
-            </a:r>
-            <a:endParaRPr lang="en-US" altLang="ko-KR" dirty="0">
-              <a:latin typeface="+mn-ea"/>
-            </a:endParaRPr>
-          </a:p>
-        </p:txBody>
-      </p:sp>
-      <p:sp>
-        <p:nvSpPr>
-          <p:cNvPr id="6" name="직사각형 5">
-            <a:extLst>
-              <a:ext uri="{FF2B5EF4-FFF2-40B4-BE49-F238E27FC236}">
-                <a16:creationId xmlns:a16="http://schemas.microsoft.com/office/drawing/2014/main" id="{8B406F40-E317-42B9-A5FC-3A5D3B871C26}"/>
-              </a:ext>
-            </a:extLst>
-          </p:cNvPr>
-          <p:cNvSpPr/>
-          <p:nvPr/>
-        </p:nvSpPr>
-        <p:spPr>
-          <a:xfrm>
-            <a:off x="1788056" y="2296202"/>
-            <a:ext cx="1329624" cy="321365"/>
-          </a:xfrm>
-          <a:prstGeom prst="rect">
-            <a:avLst/>
-          </a:prstGeom>
-          <a:noFill/>
-          <a:ln w="38100">
-            <a:solidFill>
-              <a:srgbClr val="FF0000"/>
-            </a:solidFill>
-          </a:ln>
-        </p:spPr>
-        <p:style>
-          <a:lnRef idx="2">
-            <a:schemeClr val="accent1">
-              <a:shade val="50000"/>
-            </a:schemeClr>
-          </a:lnRef>
-          <a:fillRef idx="1">
-            <a:schemeClr val="accent1"/>
-          </a:fillRef>
-          <a:effectRef idx="0">
-            <a:schemeClr val="accent1"/>
-          </a:effectRef>
-          <a:fontRef idx="minor">
-            <a:schemeClr val="lt1"/>
-          </a:fontRef>
-        </p:style>
-        <p:txBody>
-          <a:bodyPr rtlCol="0" anchor="ctr"/>
-          <a:lstStyle/>
-          <a:p>
-            <a:pPr algn="ctr"/>
-            <a:endParaRPr lang="ko-KR" altLang="en-US"/>
-          </a:p>
-        </p:txBody>
-      </p:sp>
-    </p:spTree>
-    <p:extLst>
-      <p:ext uri="{BB962C8B-B14F-4D97-AF65-F5344CB8AC3E}">
-        <p14:creationId xmlns:p14="http://schemas.microsoft.com/office/powerpoint/2010/main" val="1915722423"/>
       </p:ext>
     </p:extLst>
   </p:cSld>
@@ -29383,18 +29958,14 @@
             </a:r>
             <a:r>
               <a:rPr lang="en-US" altLang="ko-KR" dirty="0"/>
-              <a:t>(</a:t>
-            </a:r>
-            <a:r>
-              <a:rPr lang="en-US" altLang="ko-KR" dirty="0" smtClean="0"/>
-              <a:t>README.md </a:t>
-            </a:r>
-            <a:r>
-              <a:rPr lang="ko-KR" altLang="en-US" dirty="0" smtClean="0"/>
+              <a:t>(README.md </a:t>
+            </a:r>
+            <a:r>
+              <a:rPr lang="ko-KR" altLang="en-US" dirty="0"/>
               <a:t>작성</a:t>
             </a:r>
             <a:r>
-              <a:rPr lang="en-US" altLang="ko-KR" dirty="0" smtClean="0"/>
+              <a:rPr lang="en-US" altLang="ko-KR" dirty="0"/>
               <a:t>)</a:t>
             </a:r>
             <a:endParaRPr lang="ko-KR" altLang="en-US" dirty="0"/>
@@ -29809,6 +30380,376 @@
           <a:chExt cx="0" cy="0"/>
         </a:xfrm>
       </p:grpSpPr>
+      <p:pic>
+        <p:nvPicPr>
+          <p:cNvPr id="8" name="그림 7">
+            <a:extLst>
+              <a:ext uri="{FF2B5EF4-FFF2-40B4-BE49-F238E27FC236}">
+                <a16:creationId xmlns:a16="http://schemas.microsoft.com/office/drawing/2014/main" id="{6618A6A4-508E-4FFD-B103-024A92179486}"/>
+              </a:ext>
+            </a:extLst>
+          </p:cNvPr>
+          <p:cNvPicPr>
+            <a:picLocks noChangeAspect="1"/>
+          </p:cNvPicPr>
+          <p:nvPr/>
+        </p:nvPicPr>
+        <p:blipFill>
+          <a:blip r:embed="rId3"/>
+          <a:stretch>
+            <a:fillRect/>
+          </a:stretch>
+        </p:blipFill>
+        <p:spPr>
+          <a:xfrm>
+            <a:off x="890587" y="1558465"/>
+            <a:ext cx="7362825" cy="4714875"/>
+          </a:xfrm>
+          <a:prstGeom prst="rect">
+            <a:avLst/>
+          </a:prstGeom>
+        </p:spPr>
+      </p:pic>
+      <p:sp>
+        <p:nvSpPr>
+          <p:cNvPr id="4" name="제목 3">
+            <a:extLst>
+              <a:ext uri="{FF2B5EF4-FFF2-40B4-BE49-F238E27FC236}">
+                <a16:creationId xmlns:a16="http://schemas.microsoft.com/office/drawing/2014/main" id="{F0CEB32B-CB43-4410-BA08-A97E4BC47FCB}"/>
+              </a:ext>
+            </a:extLst>
+          </p:cNvPr>
+          <p:cNvSpPr>
+            <a:spLocks noGrp="1"/>
+          </p:cNvSpPr>
+          <p:nvPr>
+            <p:ph type="title"/>
+          </p:nvPr>
+        </p:nvSpPr>
+        <p:spPr/>
+        <p:txBody>
+          <a:bodyPr/>
+          <a:lstStyle/>
+          <a:p>
+            <a:r>
+              <a:rPr lang="ko-KR" altLang="en-US" dirty="0"/>
+              <a:t>협업하기</a:t>
+            </a:r>
+          </a:p>
+        </p:txBody>
+      </p:sp>
+      <p:sp>
+        <p:nvSpPr>
+          <p:cNvPr id="7" name="내용 개체 틀 2">
+            <a:extLst>
+              <a:ext uri="{FF2B5EF4-FFF2-40B4-BE49-F238E27FC236}">
+                <a16:creationId xmlns:a16="http://schemas.microsoft.com/office/drawing/2014/main" id="{A44AC902-3746-40D6-9827-94B46EEDDC67}"/>
+              </a:ext>
+            </a:extLst>
+          </p:cNvPr>
+          <p:cNvSpPr txBox="1">
+            <a:spLocks/>
+          </p:cNvSpPr>
+          <p:nvPr/>
+        </p:nvSpPr>
+        <p:spPr>
+          <a:xfrm>
+            <a:off x="341787" y="1120545"/>
+            <a:ext cx="8642350" cy="2351314"/>
+          </a:xfrm>
+          <a:prstGeom prst="rect">
+            <a:avLst/>
+          </a:prstGeom>
+        </p:spPr>
+        <p:txBody>
+          <a:bodyPr vert="horz" lIns="91440" tIns="45720" rIns="91440" bIns="45720" rtlCol="0">
+            <a:noAutofit/>
+          </a:bodyPr>
+          <a:lstStyle>
+            <a:lvl1pPr marL="266700" indent="-266700" defTabSz="914400" latinLnBrk="1">
+              <a:lnSpc>
+                <a:spcPct val="150000"/>
+              </a:lnSpc>
+              <a:spcBef>
+                <a:spcPct val="0"/>
+              </a:spcBef>
+              <a:buClr>
+                <a:schemeClr val="tx1">
+                  <a:lumMod val="65000"/>
+                  <a:lumOff val="35000"/>
+                </a:schemeClr>
+              </a:buClr>
+              <a:buFont typeface="Wingdings" pitchFamily="2" charset="2"/>
+              <a:buChar char="n"/>
+              <a:defRPr sz="2000" b="1">
+                <a:latin typeface="+mn-ea"/>
+              </a:defRPr>
+            </a:lvl1pPr>
+            <a:lvl2pPr marL="447675" lvl="1" indent="-180975" defTabSz="914400" latinLnBrk="1">
+              <a:lnSpc>
+                <a:spcPct val="150000"/>
+              </a:lnSpc>
+              <a:spcBef>
+                <a:spcPts val="0"/>
+              </a:spcBef>
+              <a:spcAft>
+                <a:spcPts val="0"/>
+              </a:spcAft>
+              <a:buClr>
+                <a:schemeClr val="tx1">
+                  <a:lumMod val="50000"/>
+                  <a:lumOff val="50000"/>
+                </a:schemeClr>
+              </a:buClr>
+              <a:buFont typeface="Wingdings" pitchFamily="2" charset="2"/>
+              <a:buChar char="§"/>
+              <a:defRPr sz="1600"/>
+            </a:lvl2pPr>
+            <a:lvl3pPr marL="628650" indent="-180975" defTabSz="914400" latinLnBrk="1">
+              <a:lnSpc>
+                <a:spcPct val="150000"/>
+              </a:lnSpc>
+              <a:spcBef>
+                <a:spcPts val="500"/>
+              </a:spcBef>
+              <a:spcAft>
+                <a:spcPts val="300"/>
+              </a:spcAft>
+              <a:buClr>
+                <a:schemeClr val="tx1">
+                  <a:lumMod val="65000"/>
+                  <a:lumOff val="35000"/>
+                </a:schemeClr>
+              </a:buClr>
+              <a:buFont typeface="Arial" panose="020B0604020202020204" pitchFamily="34" charset="0"/>
+              <a:buChar char="•"/>
+              <a:defRPr sz="1400"/>
+            </a:lvl3pPr>
+            <a:lvl4pPr marL="809625" indent="-180975" defTabSz="914400" latinLnBrk="1">
+              <a:lnSpc>
+                <a:spcPct val="150000"/>
+              </a:lnSpc>
+              <a:spcBef>
+                <a:spcPts val="500"/>
+              </a:spcBef>
+              <a:spcAft>
+                <a:spcPts val="300"/>
+              </a:spcAft>
+              <a:buClr>
+                <a:schemeClr val="tx1">
+                  <a:lumMod val="65000"/>
+                  <a:lumOff val="35000"/>
+                </a:schemeClr>
+              </a:buClr>
+              <a:buSzPct val="96000"/>
+              <a:buFont typeface="Arial" panose="020B0604020202020204" pitchFamily="34" charset="0"/>
+              <a:buChar char="•"/>
+              <a:defRPr sz="1200"/>
+            </a:lvl4pPr>
+            <a:lvl5pPr marL="990600" indent="-180975" defTabSz="914400" latinLnBrk="1">
+              <a:lnSpc>
+                <a:spcPct val="150000"/>
+              </a:lnSpc>
+              <a:spcBef>
+                <a:spcPts val="500"/>
+              </a:spcBef>
+              <a:buClr>
+                <a:schemeClr val="tx1">
+                  <a:lumMod val="65000"/>
+                  <a:lumOff val="35000"/>
+                </a:schemeClr>
+              </a:buClr>
+              <a:buFont typeface="Arial" panose="020B0604020202020204" pitchFamily="34" charset="0"/>
+              <a:buChar char="•"/>
+              <a:defRPr sz="1000"/>
+            </a:lvl5pPr>
+            <a:lvl6pPr marL="2514600" indent="-228600" defTabSz="914400" latinLnBrk="1">
+              <a:lnSpc>
+                <a:spcPct val="90000"/>
+              </a:lnSpc>
+              <a:spcBef>
+                <a:spcPts val="500"/>
+              </a:spcBef>
+              <a:buFont typeface="Arial" panose="020B0604020202020204" pitchFamily="34" charset="0"/>
+              <a:buChar char="•"/>
+            </a:lvl6pPr>
+            <a:lvl7pPr marL="2971800" indent="-228600" defTabSz="914400" latinLnBrk="1">
+              <a:lnSpc>
+                <a:spcPct val="90000"/>
+              </a:lnSpc>
+              <a:spcBef>
+                <a:spcPts val="500"/>
+              </a:spcBef>
+              <a:buFont typeface="Arial" panose="020B0604020202020204" pitchFamily="34" charset="0"/>
+              <a:buChar char="•"/>
+            </a:lvl7pPr>
+            <a:lvl8pPr marL="3429000" indent="-228600" defTabSz="914400" latinLnBrk="1">
+              <a:lnSpc>
+                <a:spcPct val="90000"/>
+              </a:lnSpc>
+              <a:spcBef>
+                <a:spcPts val="500"/>
+              </a:spcBef>
+              <a:buFont typeface="Arial" panose="020B0604020202020204" pitchFamily="34" charset="0"/>
+              <a:buChar char="•"/>
+            </a:lvl8pPr>
+            <a:lvl9pPr marL="3886200" indent="-228600" defTabSz="914400" latinLnBrk="1">
+              <a:lnSpc>
+                <a:spcPct val="90000"/>
+              </a:lnSpc>
+              <a:spcBef>
+                <a:spcPts val="500"/>
+              </a:spcBef>
+              <a:buFont typeface="Arial" panose="020B0604020202020204" pitchFamily="34" charset="0"/>
+              <a:buChar char="•"/>
+            </a:lvl9pPr>
+          </a:lstStyle>
+          <a:p>
+            <a:r>
+              <a:rPr lang="ko-KR" altLang="en-US" dirty="0"/>
+              <a:t>협업환경 </a:t>
+            </a:r>
+            <a:r>
+              <a:rPr lang="en-US" altLang="ko-KR" dirty="0"/>
+              <a:t>(</a:t>
+            </a:r>
+            <a:r>
+              <a:rPr lang="ko-KR" altLang="en-US" dirty="0"/>
+              <a:t>참고 </a:t>
+            </a:r>
+            <a:r>
+              <a:rPr lang="en-US" altLang="ko-KR" dirty="0"/>
+              <a:t>: project </a:t>
+            </a:r>
+            <a:r>
+              <a:rPr lang="ko-KR" altLang="en-US" dirty="0"/>
+              <a:t>등록은 복잡</a:t>
+            </a:r>
+            <a:r>
+              <a:rPr lang="en-US" altLang="ko-KR" dirty="0"/>
+              <a:t>)</a:t>
+            </a:r>
+          </a:p>
+          <a:p>
+            <a:pPr lvl="1"/>
+            <a:r>
+              <a:rPr lang="ko-KR" altLang="en-US" dirty="0">
+                <a:latin typeface="+mn-ea"/>
+              </a:rPr>
+              <a:t>참여를 원하는 인원의 </a:t>
+            </a:r>
+            <a:r>
+              <a:rPr lang="en-US" altLang="ko-KR" dirty="0">
+                <a:latin typeface="+mn-ea"/>
+              </a:rPr>
+              <a:t>username </a:t>
+            </a:r>
+            <a:r>
+              <a:rPr lang="ko-KR" altLang="en-US" dirty="0">
+                <a:latin typeface="+mn-ea"/>
+              </a:rPr>
+              <a:t>혹은 이메일 등 한가지 </a:t>
+            </a:r>
+            <a:r>
+              <a:rPr lang="ko-KR" altLang="en-US" dirty="0" err="1">
+                <a:latin typeface="+mn-ea"/>
+              </a:rPr>
+              <a:t>입력후</a:t>
+            </a:r>
+            <a:r>
+              <a:rPr lang="ko-KR" altLang="en-US" dirty="0">
+                <a:latin typeface="+mn-ea"/>
+              </a:rPr>
+              <a:t> 클릭</a:t>
+            </a:r>
+            <a:endParaRPr lang="en-US" altLang="ko-KR" dirty="0">
+              <a:latin typeface="+mn-ea"/>
+            </a:endParaRPr>
+          </a:p>
+        </p:txBody>
+      </p:sp>
+      <p:sp>
+        <p:nvSpPr>
+          <p:cNvPr id="6" name="직사각형 5">
+            <a:extLst>
+              <a:ext uri="{FF2B5EF4-FFF2-40B4-BE49-F238E27FC236}">
+                <a16:creationId xmlns:a16="http://schemas.microsoft.com/office/drawing/2014/main" id="{8B406F40-E317-42B9-A5FC-3A5D3B871C26}"/>
+              </a:ext>
+            </a:extLst>
+          </p:cNvPr>
+          <p:cNvSpPr/>
+          <p:nvPr/>
+        </p:nvSpPr>
+        <p:spPr>
+          <a:xfrm>
+            <a:off x="1788056" y="2296202"/>
+            <a:ext cx="1329624" cy="321365"/>
+          </a:xfrm>
+          <a:prstGeom prst="rect">
+            <a:avLst/>
+          </a:prstGeom>
+          <a:noFill/>
+          <a:ln w="38100">
+            <a:solidFill>
+              <a:srgbClr val="FF0000"/>
+            </a:solidFill>
+          </a:ln>
+        </p:spPr>
+        <p:style>
+          <a:lnRef idx="2">
+            <a:schemeClr val="accent1">
+              <a:shade val="50000"/>
+            </a:schemeClr>
+          </a:lnRef>
+          <a:fillRef idx="1">
+            <a:schemeClr val="accent1"/>
+          </a:fillRef>
+          <a:effectRef idx="0">
+            <a:schemeClr val="accent1"/>
+          </a:effectRef>
+          <a:fontRef idx="minor">
+            <a:schemeClr val="lt1"/>
+          </a:fontRef>
+        </p:style>
+        <p:txBody>
+          <a:bodyPr rtlCol="0" anchor="ctr"/>
+          <a:lstStyle/>
+          <a:p>
+            <a:pPr algn="ctr"/>
+            <a:endParaRPr lang="ko-KR" altLang="en-US"/>
+          </a:p>
+        </p:txBody>
+      </p:sp>
+    </p:spTree>
+    <p:extLst>
+      <p:ext uri="{BB962C8B-B14F-4D97-AF65-F5344CB8AC3E}">
+        <p14:creationId xmlns:p14="http://schemas.microsoft.com/office/powerpoint/2010/main" val="1915722423"/>
+      </p:ext>
+    </p:extLst>
+  </p:cSld>
+  <p:clrMapOvr>
+    <a:masterClrMapping/>
+  </p:clrMapOvr>
+</p:sld>
+</file>
+
+<file path=ppt/slides/slide61.xml><?xml version="1.0" encoding="utf-8"?>
+<p:sld xmlns:a="http://schemas.openxmlformats.org/drawingml/2006/main" xmlns:r="http://schemas.openxmlformats.org/officeDocument/2006/relationships" xmlns:p="http://schemas.openxmlformats.org/presentationml/2006/main">
+  <p:cSld>
+    <p:spTree>
+      <p:nvGrpSpPr>
+        <p:cNvPr id="1" name=""/>
+        <p:cNvGrpSpPr/>
+        <p:nvPr/>
+      </p:nvGrpSpPr>
+      <p:grpSpPr>
+        <a:xfrm>
+          <a:off x="0" y="0"/>
+          <a:ext cx="0" cy="0"/>
+          <a:chOff x="0" y="0"/>
+          <a:chExt cx="0" cy="0"/>
+        </a:xfrm>
+      </p:grpSpPr>
       <p:sp>
         <p:nvSpPr>
           <p:cNvPr id="4" name="제목 3">
@@ -30110,7 +31051,7 @@
 </p:sld>
 </file>
 
-<file path=ppt/slides/slide61.xml><?xml version="1.0" encoding="utf-8"?>
+<file path=ppt/slides/slide62.xml><?xml version="1.0" encoding="utf-8"?>
 <p:sld xmlns:a="http://schemas.openxmlformats.org/drawingml/2006/main" xmlns:r="http://schemas.openxmlformats.org/officeDocument/2006/relationships" xmlns:p="http://schemas.openxmlformats.org/presentationml/2006/main">
   <p:cSld>
     <p:spTree>
@@ -30255,7 +31196,7 @@
             <a:fld id="{526ADF51-C4A2-4521-899C-87F34FDB9C0A}" type="slidenum">
               <a:rPr lang="ko-KR" altLang="en-US" smtClean="0"/>
               <a:pPr/>
-              <a:t>61</a:t>
+              <a:t>62</a:t>
             </a:fld>
             <a:endParaRPr lang="ko-KR" altLang="en-US" dirty="0"/>
           </a:p>
@@ -30360,7 +31301,7 @@
 </p:sld>
 </file>
 
-<file path=ppt/slides/slide62.xml><?xml version="1.0" encoding="utf-8"?>
+<file path=ppt/slides/slide63.xml><?xml version="1.0" encoding="utf-8"?>
 <p:sld xmlns:a="http://schemas.openxmlformats.org/drawingml/2006/main" xmlns:r="http://schemas.openxmlformats.org/officeDocument/2006/relationships" xmlns:p="http://schemas.openxmlformats.org/presentationml/2006/main">
   <p:cSld>
     <p:spTree>
@@ -30505,7 +31446,7 @@
             <a:fld id="{526ADF51-C4A2-4521-899C-87F34FDB9C0A}" type="slidenum">
               <a:rPr lang="ko-KR" altLang="en-US" smtClean="0"/>
               <a:pPr/>
-              <a:t>62</a:t>
+              <a:t>63</a:t>
             </a:fld>
             <a:endParaRPr lang="ko-KR" altLang="en-US" dirty="0"/>
           </a:p>
@@ -30610,7 +31551,7 @@
 </p:sld>
 </file>
 
-<file path=ppt/slides/slide63.xml><?xml version="1.0" encoding="utf-8"?>
+<file path=ppt/slides/slide64.xml><?xml version="1.0" encoding="utf-8"?>
 <p:sld xmlns:a="http://schemas.openxmlformats.org/drawingml/2006/main" xmlns:r="http://schemas.openxmlformats.org/officeDocument/2006/relationships" xmlns:p="http://schemas.openxmlformats.org/presentationml/2006/main">
   <p:cSld>
     <p:spTree>
@@ -30903,7 +31844,7 @@
 </p:sld>
 </file>
 
-<file path=ppt/slides/slide64.xml><?xml version="1.0" encoding="utf-8"?>
+<file path=ppt/slides/slide65.xml><?xml version="1.0" encoding="utf-8"?>
 <p:sld xmlns:a="http://schemas.openxmlformats.org/drawingml/2006/main" xmlns:r="http://schemas.openxmlformats.org/officeDocument/2006/relationships" xmlns:p="http://schemas.openxmlformats.org/presentationml/2006/main">
   <p:cSld>
     <p:spTree>
@@ -31187,6 +32128,308 @@
     <p:extLst>
       <p:ext uri="{BB962C8B-B14F-4D97-AF65-F5344CB8AC3E}">
         <p14:creationId xmlns:p14="http://schemas.microsoft.com/office/powerpoint/2010/main" val="2081248682"/>
+      </p:ext>
+    </p:extLst>
+  </p:cSld>
+  <p:clrMapOvr>
+    <a:masterClrMapping/>
+  </p:clrMapOvr>
+</p:sld>
+</file>
+
+<file path=ppt/slides/slide66.xml><?xml version="1.0" encoding="utf-8"?>
+<p:sld xmlns:a="http://schemas.openxmlformats.org/drawingml/2006/main" xmlns:r="http://schemas.openxmlformats.org/officeDocument/2006/relationships" xmlns:p="http://schemas.openxmlformats.org/presentationml/2006/main">
+  <p:cSld>
+    <p:spTree>
+      <p:nvGrpSpPr>
+        <p:cNvPr id="1" name=""/>
+        <p:cNvGrpSpPr/>
+        <p:nvPr/>
+      </p:nvGrpSpPr>
+      <p:grpSpPr>
+        <a:xfrm>
+          <a:off x="0" y="0"/>
+          <a:ext cx="0" cy="0"/>
+          <a:chOff x="0" y="0"/>
+          <a:chExt cx="0" cy="0"/>
+        </a:xfrm>
+      </p:grpSpPr>
+      <p:sp>
+        <p:nvSpPr>
+          <p:cNvPr id="4" name="제목 3">
+            <a:extLst>
+              <a:ext uri="{FF2B5EF4-FFF2-40B4-BE49-F238E27FC236}">
+                <a16:creationId xmlns:a16="http://schemas.microsoft.com/office/drawing/2014/main" id="{F0CEB32B-CB43-4410-BA08-A97E4BC47FCB}"/>
+              </a:ext>
+            </a:extLst>
+          </p:cNvPr>
+          <p:cNvSpPr>
+            <a:spLocks noGrp="1"/>
+          </p:cNvSpPr>
+          <p:nvPr>
+            <p:ph type="title"/>
+          </p:nvPr>
+        </p:nvSpPr>
+        <p:spPr/>
+        <p:txBody>
+          <a:bodyPr/>
+          <a:lstStyle/>
+          <a:p>
+            <a:r>
+              <a:rPr lang="ko-KR" altLang="en-US" dirty="0"/>
+              <a:t>이슈관리하기</a:t>
+            </a:r>
+          </a:p>
+        </p:txBody>
+      </p:sp>
+      <p:sp>
+        <p:nvSpPr>
+          <p:cNvPr id="7" name="내용 개체 틀 2">
+            <a:extLst>
+              <a:ext uri="{FF2B5EF4-FFF2-40B4-BE49-F238E27FC236}">
+                <a16:creationId xmlns:a16="http://schemas.microsoft.com/office/drawing/2014/main" id="{A44AC902-3746-40D6-9827-94B46EEDDC67}"/>
+              </a:ext>
+            </a:extLst>
+          </p:cNvPr>
+          <p:cNvSpPr txBox="1">
+            <a:spLocks/>
+          </p:cNvSpPr>
+          <p:nvPr/>
+        </p:nvSpPr>
+        <p:spPr>
+          <a:xfrm>
+            <a:off x="341787" y="1120545"/>
+            <a:ext cx="8642350" cy="2351314"/>
+          </a:xfrm>
+          <a:prstGeom prst="rect">
+            <a:avLst/>
+          </a:prstGeom>
+        </p:spPr>
+        <p:txBody>
+          <a:bodyPr vert="horz" lIns="91440" tIns="45720" rIns="91440" bIns="45720" rtlCol="0">
+            <a:noAutofit/>
+          </a:bodyPr>
+          <a:lstStyle>
+            <a:lvl1pPr marL="266700" indent="-266700" defTabSz="914400" latinLnBrk="1">
+              <a:lnSpc>
+                <a:spcPct val="150000"/>
+              </a:lnSpc>
+              <a:spcBef>
+                <a:spcPct val="0"/>
+              </a:spcBef>
+              <a:buClr>
+                <a:schemeClr val="tx1">
+                  <a:lumMod val="65000"/>
+                  <a:lumOff val="35000"/>
+                </a:schemeClr>
+              </a:buClr>
+              <a:buFont typeface="Wingdings" pitchFamily="2" charset="2"/>
+              <a:buChar char="n"/>
+              <a:defRPr sz="2000" b="1">
+                <a:latin typeface="+mn-ea"/>
+              </a:defRPr>
+            </a:lvl1pPr>
+            <a:lvl2pPr marL="447675" lvl="1" indent="-180975" defTabSz="914400" latinLnBrk="1">
+              <a:lnSpc>
+                <a:spcPct val="150000"/>
+              </a:lnSpc>
+              <a:spcBef>
+                <a:spcPts val="0"/>
+              </a:spcBef>
+              <a:spcAft>
+                <a:spcPts val="0"/>
+              </a:spcAft>
+              <a:buClr>
+                <a:schemeClr val="tx1">
+                  <a:lumMod val="50000"/>
+                  <a:lumOff val="50000"/>
+                </a:schemeClr>
+              </a:buClr>
+              <a:buFont typeface="Wingdings" pitchFamily="2" charset="2"/>
+              <a:buChar char="§"/>
+              <a:defRPr sz="1600"/>
+            </a:lvl2pPr>
+            <a:lvl3pPr marL="628650" indent="-180975" defTabSz="914400" latinLnBrk="1">
+              <a:lnSpc>
+                <a:spcPct val="150000"/>
+              </a:lnSpc>
+              <a:spcBef>
+                <a:spcPts val="500"/>
+              </a:spcBef>
+              <a:spcAft>
+                <a:spcPts val="300"/>
+              </a:spcAft>
+              <a:buClr>
+                <a:schemeClr val="tx1">
+                  <a:lumMod val="65000"/>
+                  <a:lumOff val="35000"/>
+                </a:schemeClr>
+              </a:buClr>
+              <a:buFont typeface="Arial" panose="020B0604020202020204" pitchFamily="34" charset="0"/>
+              <a:buChar char="•"/>
+              <a:defRPr sz="1400"/>
+            </a:lvl3pPr>
+            <a:lvl4pPr marL="809625" indent="-180975" defTabSz="914400" latinLnBrk="1">
+              <a:lnSpc>
+                <a:spcPct val="150000"/>
+              </a:lnSpc>
+              <a:spcBef>
+                <a:spcPts val="500"/>
+              </a:spcBef>
+              <a:spcAft>
+                <a:spcPts val="300"/>
+              </a:spcAft>
+              <a:buClr>
+                <a:schemeClr val="tx1">
+                  <a:lumMod val="65000"/>
+                  <a:lumOff val="35000"/>
+                </a:schemeClr>
+              </a:buClr>
+              <a:buSzPct val="96000"/>
+              <a:buFont typeface="Arial" panose="020B0604020202020204" pitchFamily="34" charset="0"/>
+              <a:buChar char="•"/>
+              <a:defRPr sz="1200"/>
+            </a:lvl4pPr>
+            <a:lvl5pPr marL="990600" indent="-180975" defTabSz="914400" latinLnBrk="1">
+              <a:lnSpc>
+                <a:spcPct val="150000"/>
+              </a:lnSpc>
+              <a:spcBef>
+                <a:spcPts val="500"/>
+              </a:spcBef>
+              <a:buClr>
+                <a:schemeClr val="tx1">
+                  <a:lumMod val="65000"/>
+                  <a:lumOff val="35000"/>
+                </a:schemeClr>
+              </a:buClr>
+              <a:buFont typeface="Arial" panose="020B0604020202020204" pitchFamily="34" charset="0"/>
+              <a:buChar char="•"/>
+              <a:defRPr sz="1000"/>
+            </a:lvl5pPr>
+            <a:lvl6pPr marL="2514600" indent="-228600" defTabSz="914400" latinLnBrk="1">
+              <a:lnSpc>
+                <a:spcPct val="90000"/>
+              </a:lnSpc>
+              <a:spcBef>
+                <a:spcPts val="500"/>
+              </a:spcBef>
+              <a:buFont typeface="Arial" panose="020B0604020202020204" pitchFamily="34" charset="0"/>
+              <a:buChar char="•"/>
+            </a:lvl6pPr>
+            <a:lvl7pPr marL="2971800" indent="-228600" defTabSz="914400" latinLnBrk="1">
+              <a:lnSpc>
+                <a:spcPct val="90000"/>
+              </a:lnSpc>
+              <a:spcBef>
+                <a:spcPts val="500"/>
+              </a:spcBef>
+              <a:buFont typeface="Arial" panose="020B0604020202020204" pitchFamily="34" charset="0"/>
+              <a:buChar char="•"/>
+            </a:lvl7pPr>
+            <a:lvl8pPr marL="3429000" indent="-228600" defTabSz="914400" latinLnBrk="1">
+              <a:lnSpc>
+                <a:spcPct val="90000"/>
+              </a:lnSpc>
+              <a:spcBef>
+                <a:spcPts val="500"/>
+              </a:spcBef>
+              <a:buFont typeface="Arial" panose="020B0604020202020204" pitchFamily="34" charset="0"/>
+              <a:buChar char="•"/>
+            </a:lvl8pPr>
+            <a:lvl9pPr marL="3886200" indent="-228600" defTabSz="914400" latinLnBrk="1">
+              <a:lnSpc>
+                <a:spcPct val="90000"/>
+              </a:lnSpc>
+              <a:spcBef>
+                <a:spcPts val="500"/>
+              </a:spcBef>
+              <a:buFont typeface="Arial" panose="020B0604020202020204" pitchFamily="34" charset="0"/>
+              <a:buChar char="•"/>
+            </a:lvl9pPr>
+          </a:lstStyle>
+          <a:p>
+            <a:r>
+              <a:rPr lang="ko-KR" altLang="en-US" dirty="0"/>
+              <a:t>이슈생성</a:t>
+            </a:r>
+            <a:endParaRPr lang="en-US" altLang="ko-KR" dirty="0"/>
+          </a:p>
+          <a:p>
+            <a:r>
+              <a:rPr lang="en-US" altLang="ko-KR" dirty="0"/>
+              <a:t>Assignee</a:t>
+            </a:r>
+            <a:r>
+              <a:rPr lang="ko-KR" altLang="en-US" dirty="0"/>
+              <a:t> 설정 참여자 모두 설정 </a:t>
+            </a:r>
+            <a:r>
+              <a:rPr lang="en-US" altLang="ko-KR" dirty="0"/>
+              <a:t>(</a:t>
+            </a:r>
+            <a:r>
+              <a:rPr lang="ko-KR" altLang="en-US" dirty="0"/>
+              <a:t>오른쪽 위치</a:t>
+            </a:r>
+            <a:r>
+              <a:rPr lang="en-US" altLang="ko-KR" dirty="0"/>
+              <a:t>)</a:t>
+            </a:r>
+          </a:p>
+          <a:p>
+            <a:r>
+              <a:rPr lang="ko-KR" altLang="en-US" dirty="0"/>
+              <a:t>모두에게 메일이 감</a:t>
+            </a:r>
+            <a:endParaRPr lang="en-US" altLang="ko-KR" dirty="0"/>
+          </a:p>
+          <a:p>
+            <a:r>
+              <a:rPr lang="en-US" altLang="ko-KR" dirty="0"/>
+              <a:t>Lock conversation</a:t>
+            </a:r>
+            <a:r>
+              <a:rPr lang="ko-KR" altLang="en-US" dirty="0"/>
+              <a:t>을 하지 않으면 누구나 쓰고 읽을 수 있음</a:t>
+            </a:r>
+            <a:r>
+              <a:rPr lang="en-US" altLang="ko-KR" dirty="0"/>
+              <a:t>.</a:t>
+            </a:r>
+          </a:p>
+          <a:p>
+            <a:pPr marL="0" indent="0">
+              <a:buNone/>
+            </a:pPr>
+            <a:r>
+              <a:rPr lang="en-US" altLang="ko-KR" dirty="0"/>
+              <a:t>    </a:t>
+            </a:r>
+            <a:r>
+              <a:rPr lang="ko-KR" altLang="en-US" dirty="0"/>
+              <a:t>따라서 팀원들만 하도록 </a:t>
+            </a:r>
+            <a:r>
+              <a:rPr lang="ko-KR" altLang="en-US"/>
+              <a:t>할 수 있게 </a:t>
+            </a:r>
+            <a:r>
+              <a:rPr lang="en-US" altLang="ko-KR" dirty="0"/>
+              <a:t>lock conversation </a:t>
+            </a:r>
+            <a:r>
+              <a:rPr lang="ko-KR" altLang="en-US" dirty="0"/>
+              <a:t>설정 필요</a:t>
+            </a:r>
+            <a:endParaRPr lang="en-US" altLang="ko-KR" dirty="0"/>
+          </a:p>
+        </p:txBody>
+      </p:sp>
+    </p:spTree>
+    <p:extLst>
+      <p:ext uri="{BB962C8B-B14F-4D97-AF65-F5344CB8AC3E}">
+        <p14:creationId xmlns:p14="http://schemas.microsoft.com/office/powerpoint/2010/main" val="641008706"/>
       </p:ext>
     </p:extLst>
   </p:cSld>
@@ -32514,22 +33757,16 @@
               <a:rPr lang="ko-KR" altLang="en-US" dirty="0">
                 <a:latin typeface="+mn-ea"/>
               </a:rPr>
-              <a:t>메일에서 수락 버튼 </a:t>
-            </a:r>
-            <a:r>
-              <a:rPr lang="ko-KR" altLang="en-US" dirty="0" smtClean="0">
-                <a:latin typeface="+mn-ea"/>
-              </a:rPr>
-              <a:t>클릭</a:t>
-            </a:r>
-            <a:endParaRPr lang="en-US" altLang="ko-KR" dirty="0" smtClean="0">
+              <a:t>메일에서 수락 버튼 클릭</a:t>
+            </a:r>
+            <a:endParaRPr lang="en-US" altLang="ko-KR" dirty="0">
               <a:latin typeface="+mn-ea"/>
             </a:endParaRPr>
           </a:p>
           <a:p>
             <a:pPr lvl="1"/>
             <a:r>
-              <a:rPr lang="en-US" altLang="ko-KR" dirty="0" err="1" smtClean="0">
+              <a:rPr lang="en-US" altLang="ko-KR" dirty="0" err="1">
                 <a:solidFill>
                   <a:srgbClr val="0000FF"/>
                 </a:solidFill>
@@ -32538,7 +33775,7 @@
               <a:t>Github</a:t>
             </a:r>
             <a:r>
-              <a:rPr lang="ko-KR" altLang="en-US" dirty="0" smtClean="0">
+              <a:rPr lang="ko-KR" altLang="en-US" dirty="0">
                 <a:solidFill>
                   <a:srgbClr val="0000FF"/>
                 </a:solidFill>
@@ -32547,7 +33784,7 @@
               <a:t>에 미리 </a:t>
             </a:r>
             <a:r>
-              <a:rPr lang="ko-KR" altLang="en-US" dirty="0" err="1" smtClean="0">
+              <a:rPr lang="ko-KR" altLang="en-US" dirty="0" err="1">
                 <a:solidFill>
                   <a:srgbClr val="0000FF"/>
                 </a:solidFill>
@@ -32556,7 +33793,7 @@
               <a:t>로그인된</a:t>
             </a:r>
             <a:r>
-              <a:rPr lang="ko-KR" altLang="en-US" dirty="0" smtClean="0">
+              <a:rPr lang="ko-KR" altLang="en-US" dirty="0">
                 <a:solidFill>
                   <a:srgbClr val="0000FF"/>
                 </a:solidFill>

--- a/git및github첫걸음4-협업하기.pptx
+++ b/git및github첫걸음4-협업하기.pptx
@@ -5,7 +5,7 @@
     <p:sldMasterId id="2147483660" r:id="rId1"/>
   </p:sldMasterIdLst>
   <p:notesMasterIdLst>
-    <p:notesMasterId r:id="rId68"/>
+    <p:notesMasterId r:id="rId69"/>
   </p:notesMasterIdLst>
   <p:sldIdLst>
     <p:sldId id="404" r:id="rId2"/>
@@ -38,42 +38,43 @@
     <p:sldId id="412" r:id="rId29"/>
     <p:sldId id="413" r:id="rId30"/>
     <p:sldId id="415" r:id="rId31"/>
-    <p:sldId id="288" r:id="rId32"/>
-    <p:sldId id="289" r:id="rId33"/>
-    <p:sldId id="291" r:id="rId34"/>
-    <p:sldId id="292" r:id="rId35"/>
-    <p:sldId id="290" r:id="rId36"/>
-    <p:sldId id="259" r:id="rId37"/>
-    <p:sldId id="355" r:id="rId38"/>
-    <p:sldId id="368" r:id="rId39"/>
-    <p:sldId id="384" r:id="rId40"/>
-    <p:sldId id="387" r:id="rId41"/>
-    <p:sldId id="388" r:id="rId42"/>
-    <p:sldId id="392" r:id="rId43"/>
-    <p:sldId id="393" r:id="rId44"/>
-    <p:sldId id="394" r:id="rId45"/>
-    <p:sldId id="395" r:id="rId46"/>
-    <p:sldId id="396" r:id="rId47"/>
-    <p:sldId id="397" r:id="rId48"/>
-    <p:sldId id="398" r:id="rId49"/>
-    <p:sldId id="399" r:id="rId50"/>
-    <p:sldId id="400" r:id="rId51"/>
-    <p:sldId id="403" r:id="rId52"/>
-    <p:sldId id="401" r:id="rId53"/>
-    <p:sldId id="402" r:id="rId54"/>
-    <p:sldId id="389" r:id="rId55"/>
-    <p:sldId id="390" r:id="rId56"/>
-    <p:sldId id="391" r:id="rId57"/>
-    <p:sldId id="362" r:id="rId58"/>
-    <p:sldId id="370" r:id="rId59"/>
-    <p:sldId id="369" r:id="rId60"/>
-    <p:sldId id="363" r:id="rId61"/>
-    <p:sldId id="365" r:id="rId62"/>
-    <p:sldId id="339" r:id="rId63"/>
-    <p:sldId id="383" r:id="rId64"/>
-    <p:sldId id="385" r:id="rId65"/>
-    <p:sldId id="386" r:id="rId66"/>
-    <p:sldId id="414" r:id="rId67"/>
+    <p:sldId id="416" r:id="rId32"/>
+    <p:sldId id="288" r:id="rId33"/>
+    <p:sldId id="289" r:id="rId34"/>
+    <p:sldId id="291" r:id="rId35"/>
+    <p:sldId id="292" r:id="rId36"/>
+    <p:sldId id="290" r:id="rId37"/>
+    <p:sldId id="259" r:id="rId38"/>
+    <p:sldId id="355" r:id="rId39"/>
+    <p:sldId id="368" r:id="rId40"/>
+    <p:sldId id="384" r:id="rId41"/>
+    <p:sldId id="387" r:id="rId42"/>
+    <p:sldId id="388" r:id="rId43"/>
+    <p:sldId id="392" r:id="rId44"/>
+    <p:sldId id="393" r:id="rId45"/>
+    <p:sldId id="394" r:id="rId46"/>
+    <p:sldId id="395" r:id="rId47"/>
+    <p:sldId id="396" r:id="rId48"/>
+    <p:sldId id="397" r:id="rId49"/>
+    <p:sldId id="398" r:id="rId50"/>
+    <p:sldId id="399" r:id="rId51"/>
+    <p:sldId id="400" r:id="rId52"/>
+    <p:sldId id="403" r:id="rId53"/>
+    <p:sldId id="401" r:id="rId54"/>
+    <p:sldId id="402" r:id="rId55"/>
+    <p:sldId id="389" r:id="rId56"/>
+    <p:sldId id="390" r:id="rId57"/>
+    <p:sldId id="391" r:id="rId58"/>
+    <p:sldId id="362" r:id="rId59"/>
+    <p:sldId id="370" r:id="rId60"/>
+    <p:sldId id="369" r:id="rId61"/>
+    <p:sldId id="363" r:id="rId62"/>
+    <p:sldId id="365" r:id="rId63"/>
+    <p:sldId id="339" r:id="rId64"/>
+    <p:sldId id="383" r:id="rId65"/>
+    <p:sldId id="385" r:id="rId66"/>
+    <p:sldId id="386" r:id="rId67"/>
+    <p:sldId id="414" r:id="rId68"/>
   </p:sldIdLst>
   <p:sldSz cx="9144000" cy="6858000" type="screen4x3"/>
   <p:notesSz cx="6858000" cy="9144000"/>
@@ -273,7 +274,7 @@
           <a:p>
             <a:fld id="{A17B9194-BDE3-40E3-983E-94CE6FA773AF}" type="datetimeFigureOut">
               <a:rPr lang="ko-KR" altLang="en-US" smtClean="0"/>
-              <a:t>2021-04-07</a:t>
+              <a:t>2021-04-08</a:t>
             </a:fld>
             <a:endParaRPr lang="ko-KR" altLang="en-US"/>
           </a:p>
@@ -2668,6 +2669,59 @@
           <a:bodyPr/>
           <a:lstStyle/>
           <a:p>
+            <a:pPr marL="0" marR="0" lvl="0" indent="0" algn="l" defTabSz="914400" rtl="0" eaLnBrk="1" fontAlgn="auto" latinLnBrk="1" hangingPunct="1">
+              <a:lnSpc>
+                <a:spcPct val="100000"/>
+              </a:lnSpc>
+              <a:spcBef>
+                <a:spcPts val="0"/>
+              </a:spcBef>
+              <a:spcAft>
+                <a:spcPts val="0"/>
+              </a:spcAft>
+              <a:buClrTx/>
+              <a:buSzTx/>
+              <a:buFontTx/>
+              <a:buNone/>
+              <a:tabLst/>
+              <a:defRPr/>
+            </a:pPr>
+            <a:r>
+              <a:rPr lang="en-US" altLang="ko-KR" dirty="0"/>
+              <a:t>Br</a:t>
+            </a:r>
+            <a:r>
+              <a:rPr lang="ko-KR" altLang="en-US" dirty="0"/>
+              <a:t>을 </a:t>
+            </a:r>
+            <a:r>
+              <a:rPr lang="en-US" altLang="ko-KR" dirty="0"/>
+              <a:t>push</a:t>
+            </a:r>
+            <a:r>
+              <a:rPr lang="ko-KR" altLang="en-US" dirty="0"/>
+              <a:t>하면 내 화면에만 </a:t>
+            </a:r>
+            <a:r>
+              <a:rPr lang="en-US" altLang="ko-KR" dirty="0"/>
+              <a:t>PR</a:t>
+            </a:r>
+            <a:r>
+              <a:rPr lang="ko-KR" altLang="en-US" dirty="0"/>
+              <a:t>하라는 메시지가 보이는가</a:t>
+            </a:r>
+            <a:r>
+              <a:rPr lang="en-US" altLang="ko-KR" dirty="0"/>
+              <a:t>? </a:t>
+            </a:r>
+            <a:r>
+              <a:rPr lang="ko-KR" altLang="en-US" dirty="0"/>
+              <a:t>모든 멤버가 다 보이는가</a:t>
+            </a:r>
+            <a:r>
+              <a:rPr lang="en-US" altLang="ko-KR"/>
+              <a:t>?</a:t>
+            </a:r>
             <a:endParaRPr lang="ko-KR" altLang="en-US" dirty="0"/>
           </a:p>
         </p:txBody>
@@ -2698,7 +2752,7 @@
     </p:spTree>
     <p:extLst>
       <p:ext uri="{BB962C8B-B14F-4D97-AF65-F5344CB8AC3E}">
-        <p14:creationId xmlns:p14="http://schemas.microsoft.com/office/powerpoint/2010/main" val="3410003356"/>
+        <p14:creationId xmlns:p14="http://schemas.microsoft.com/office/powerpoint/2010/main" val="530242785"/>
       </p:ext>
     </p:extLst>
   </p:cSld>
@@ -2782,7 +2836,7 @@
     </p:spTree>
     <p:extLst>
       <p:ext uri="{BB962C8B-B14F-4D97-AF65-F5344CB8AC3E}">
-        <p14:creationId xmlns:p14="http://schemas.microsoft.com/office/powerpoint/2010/main" val="4210790931"/>
+        <p14:creationId xmlns:p14="http://schemas.microsoft.com/office/powerpoint/2010/main" val="3410003356"/>
       </p:ext>
     </p:extLst>
   </p:cSld>
@@ -2866,7 +2920,7 @@
     </p:spTree>
     <p:extLst>
       <p:ext uri="{BB962C8B-B14F-4D97-AF65-F5344CB8AC3E}">
-        <p14:creationId xmlns:p14="http://schemas.microsoft.com/office/powerpoint/2010/main" val="2656794270"/>
+        <p14:creationId xmlns:p14="http://schemas.microsoft.com/office/powerpoint/2010/main" val="4210790931"/>
       </p:ext>
     </p:extLst>
   </p:cSld>
@@ -2950,7 +3004,7 @@
     </p:spTree>
     <p:extLst>
       <p:ext uri="{BB962C8B-B14F-4D97-AF65-F5344CB8AC3E}">
-        <p14:creationId xmlns:p14="http://schemas.microsoft.com/office/powerpoint/2010/main" val="2930983645"/>
+        <p14:creationId xmlns:p14="http://schemas.microsoft.com/office/powerpoint/2010/main" val="2656794270"/>
       </p:ext>
     </p:extLst>
   </p:cSld>
@@ -3034,7 +3088,7 @@
     </p:spTree>
     <p:extLst>
       <p:ext uri="{BB962C8B-B14F-4D97-AF65-F5344CB8AC3E}">
-        <p14:creationId xmlns:p14="http://schemas.microsoft.com/office/powerpoint/2010/main" val="1354663592"/>
+        <p14:creationId xmlns:p14="http://schemas.microsoft.com/office/powerpoint/2010/main" val="2930983645"/>
       </p:ext>
     </p:extLst>
   </p:cSld>
@@ -3109,7 +3163,7 @@
           <a:p>
             <a:fld id="{625D4AC4-540A-4436-887D-BF6A8FCF1275}" type="slidenum">
               <a:rPr lang="ko-KR" altLang="en-US" smtClean="0"/>
-              <a:t>57</a:t>
+              <a:t>36</a:t>
             </a:fld>
             <a:endParaRPr lang="ko-KR" altLang="en-US"/>
           </a:p>
@@ -3118,7 +3172,7 @@
     </p:spTree>
     <p:extLst>
       <p:ext uri="{BB962C8B-B14F-4D97-AF65-F5344CB8AC3E}">
-        <p14:creationId xmlns:p14="http://schemas.microsoft.com/office/powerpoint/2010/main" val="359352915"/>
+        <p14:creationId xmlns:p14="http://schemas.microsoft.com/office/powerpoint/2010/main" val="1354663592"/>
       </p:ext>
     </p:extLst>
   </p:cSld>
@@ -3202,7 +3256,7 @@
     </p:spTree>
     <p:extLst>
       <p:ext uri="{BB962C8B-B14F-4D97-AF65-F5344CB8AC3E}">
-        <p14:creationId xmlns:p14="http://schemas.microsoft.com/office/powerpoint/2010/main" val="3390184213"/>
+        <p14:creationId xmlns:p14="http://schemas.microsoft.com/office/powerpoint/2010/main" val="359352915"/>
       </p:ext>
     </p:extLst>
   </p:cSld>
@@ -3286,7 +3340,7 @@
     </p:spTree>
     <p:extLst>
       <p:ext uri="{BB962C8B-B14F-4D97-AF65-F5344CB8AC3E}">
-        <p14:creationId xmlns:p14="http://schemas.microsoft.com/office/powerpoint/2010/main" val="2460097019"/>
+        <p14:creationId xmlns:p14="http://schemas.microsoft.com/office/powerpoint/2010/main" val="3390184213"/>
       </p:ext>
     </p:extLst>
   </p:cSld>
@@ -3370,7 +3424,7 @@
     </p:spTree>
     <p:extLst>
       <p:ext uri="{BB962C8B-B14F-4D97-AF65-F5344CB8AC3E}">
-        <p14:creationId xmlns:p14="http://schemas.microsoft.com/office/powerpoint/2010/main" val="968913724"/>
+        <p14:creationId xmlns:p14="http://schemas.microsoft.com/office/powerpoint/2010/main" val="2460097019"/>
       </p:ext>
     </p:extLst>
   </p:cSld>
@@ -3454,7 +3508,7 @@
     </p:spTree>
     <p:extLst>
       <p:ext uri="{BB962C8B-B14F-4D97-AF65-F5344CB8AC3E}">
-        <p14:creationId xmlns:p14="http://schemas.microsoft.com/office/powerpoint/2010/main" val="3639081274"/>
+        <p14:creationId xmlns:p14="http://schemas.microsoft.com/office/powerpoint/2010/main" val="968913724"/>
       </p:ext>
     </p:extLst>
   </p:cSld>
@@ -3616,7 +3670,7 @@
           <a:p>
             <a:fld id="{625D4AC4-540A-4436-887D-BF6A8FCF1275}" type="slidenum">
               <a:rPr lang="ko-KR" altLang="en-US" smtClean="0"/>
-              <a:t>64</a:t>
+              <a:t>62</a:t>
             </a:fld>
             <a:endParaRPr lang="ko-KR" altLang="en-US"/>
           </a:p>
@@ -3625,7 +3679,7 @@
     </p:spTree>
     <p:extLst>
       <p:ext uri="{BB962C8B-B14F-4D97-AF65-F5344CB8AC3E}">
-        <p14:creationId xmlns:p14="http://schemas.microsoft.com/office/powerpoint/2010/main" val="2567510205"/>
+        <p14:creationId xmlns:p14="http://schemas.microsoft.com/office/powerpoint/2010/main" val="3639081274"/>
       </p:ext>
     </p:extLst>
   </p:cSld>
@@ -3709,7 +3763,7 @@
     </p:spTree>
     <p:extLst>
       <p:ext uri="{BB962C8B-B14F-4D97-AF65-F5344CB8AC3E}">
-        <p14:creationId xmlns:p14="http://schemas.microsoft.com/office/powerpoint/2010/main" val="2114713223"/>
+        <p14:creationId xmlns:p14="http://schemas.microsoft.com/office/powerpoint/2010/main" val="2567510205"/>
       </p:ext>
     </p:extLst>
   </p:cSld>
@@ -3785,6 +3839,90 @@
             <a:fld id="{625D4AC4-540A-4436-887D-BF6A8FCF1275}" type="slidenum">
               <a:rPr lang="ko-KR" altLang="en-US" smtClean="0"/>
               <a:t>66</a:t>
+            </a:fld>
+            <a:endParaRPr lang="ko-KR" altLang="en-US"/>
+          </a:p>
+        </p:txBody>
+      </p:sp>
+    </p:spTree>
+    <p:extLst>
+      <p:ext uri="{BB962C8B-B14F-4D97-AF65-F5344CB8AC3E}">
+        <p14:creationId xmlns:p14="http://schemas.microsoft.com/office/powerpoint/2010/main" val="2114713223"/>
+      </p:ext>
+    </p:extLst>
+  </p:cSld>
+  <p:clrMapOvr>
+    <a:masterClrMapping/>
+  </p:clrMapOvr>
+</p:notes>
+</file>
+
+<file path=ppt/notesSlides/notesSlide43.xml><?xml version="1.0" encoding="utf-8"?>
+<p:notes xmlns:a="http://schemas.openxmlformats.org/drawingml/2006/main" xmlns:r="http://schemas.openxmlformats.org/officeDocument/2006/relationships" xmlns:p="http://schemas.openxmlformats.org/presentationml/2006/main">
+  <p:cSld>
+    <p:spTree>
+      <p:nvGrpSpPr>
+        <p:cNvPr id="1" name=""/>
+        <p:cNvGrpSpPr/>
+        <p:nvPr/>
+      </p:nvGrpSpPr>
+      <p:grpSpPr>
+        <a:xfrm>
+          <a:off x="0" y="0"/>
+          <a:ext cx="0" cy="0"/>
+          <a:chOff x="0" y="0"/>
+          <a:chExt cx="0" cy="0"/>
+        </a:xfrm>
+      </p:grpSpPr>
+      <p:sp>
+        <p:nvSpPr>
+          <p:cNvPr id="2" name="슬라이드 이미지 개체 틀 1"/>
+          <p:cNvSpPr>
+            <a:spLocks noGrp="1" noRot="1" noChangeAspect="1"/>
+          </p:cNvSpPr>
+          <p:nvPr>
+            <p:ph type="sldImg"/>
+          </p:nvPr>
+        </p:nvSpPr>
+        <p:spPr/>
+      </p:sp>
+      <p:sp>
+        <p:nvSpPr>
+          <p:cNvPr id="3" name="슬라이드 노트 개체 틀 2"/>
+          <p:cNvSpPr>
+            <a:spLocks noGrp="1"/>
+          </p:cNvSpPr>
+          <p:nvPr>
+            <p:ph type="body" idx="1"/>
+          </p:nvPr>
+        </p:nvSpPr>
+        <p:spPr/>
+        <p:txBody>
+          <a:bodyPr/>
+          <a:lstStyle/>
+          <a:p>
+            <a:endParaRPr lang="ko-KR" altLang="en-US" dirty="0"/>
+          </a:p>
+        </p:txBody>
+      </p:sp>
+      <p:sp>
+        <p:nvSpPr>
+          <p:cNvPr id="4" name="슬라이드 번호 개체 틀 3"/>
+          <p:cNvSpPr>
+            <a:spLocks noGrp="1"/>
+          </p:cNvSpPr>
+          <p:nvPr>
+            <p:ph type="sldNum" sz="quarter" idx="10"/>
+          </p:nvPr>
+        </p:nvSpPr>
+        <p:spPr/>
+        <p:txBody>
+          <a:bodyPr/>
+          <a:lstStyle/>
+          <a:p>
+            <a:fld id="{625D4AC4-540A-4436-887D-BF6A8FCF1275}" type="slidenum">
+              <a:rPr lang="ko-KR" altLang="en-US" smtClean="0"/>
+              <a:t>67</a:t>
             </a:fld>
             <a:endParaRPr lang="ko-KR" altLang="en-US"/>
           </a:p>
@@ -4789,7 +4927,7 @@
           <a:p>
             <a:fld id="{30E72A5D-AC2D-4154-80BD-D3C3745E4EB5}" type="datetimeFigureOut">
               <a:rPr lang="ko-KR" altLang="en-US" smtClean="0"/>
-              <a:t>2021-04-07</a:t>
+              <a:t>2021-04-08</a:t>
             </a:fld>
             <a:endParaRPr lang="ko-KR" altLang="en-US"/>
           </a:p>
@@ -5002,7 +5140,7 @@
           <a:p>
             <a:fld id="{30E72A5D-AC2D-4154-80BD-D3C3745E4EB5}" type="datetimeFigureOut">
               <a:rPr lang="ko-KR" altLang="en-US" smtClean="0"/>
-              <a:t>2021-04-07</a:t>
+              <a:t>2021-04-08</a:t>
             </a:fld>
             <a:endParaRPr lang="ko-KR" altLang="en-US"/>
           </a:p>
@@ -18177,10 +18315,10 @@
               <a:t> </a:t>
             </a:r>
             <a:r>
-              <a:rPr lang="en-US" altLang="ko-KR" dirty="0" err="1">
-                <a:latin typeface="+mn-ea"/>
-              </a:rPr>
-              <a:t>workflo</a:t>
+              <a:rPr lang="en-US" altLang="ko-KR" dirty="0">
+                <a:latin typeface="+mn-ea"/>
+              </a:rPr>
+              <a:t>workflow</a:t>
             </a:r>
             <a:r>
               <a:rPr lang="ko-KR" altLang="en-US" dirty="0">
@@ -18344,35 +18482,7 @@
       </p:grpSpPr>
       <p:sp>
         <p:nvSpPr>
-          <p:cNvPr id="4" name="제목 3">
-            <a:extLst>
-              <a:ext uri="{FF2B5EF4-FFF2-40B4-BE49-F238E27FC236}">
-                <a16:creationId xmlns:a16="http://schemas.microsoft.com/office/drawing/2014/main" id="{F0CEB32B-CB43-4410-BA08-A97E4BC47FCB}"/>
-              </a:ext>
-            </a:extLst>
-          </p:cNvPr>
-          <p:cNvSpPr>
-            <a:spLocks noGrp="1"/>
-          </p:cNvSpPr>
-          <p:nvPr>
-            <p:ph type="title"/>
-          </p:nvPr>
-        </p:nvSpPr>
-        <p:spPr/>
-        <p:txBody>
-          <a:bodyPr/>
-          <a:lstStyle/>
-          <a:p>
-            <a:r>
-              <a:rPr lang="ko-KR" altLang="en-US" dirty="0"/>
-              <a:t>협업하기</a:t>
-            </a:r>
-          </a:p>
-        </p:txBody>
-      </p:sp>
-      <p:sp>
-        <p:nvSpPr>
-          <p:cNvPr id="5" name="내용 개체 틀 2">
+          <p:cNvPr id="7" name="내용 개체 틀 2">
             <a:extLst>
               <a:ext uri="{FF2B5EF4-FFF2-40B4-BE49-F238E27FC236}">
                 <a16:creationId xmlns:a16="http://schemas.microsoft.com/office/drawing/2014/main" id="{A44AC902-3746-40D6-9827-94B46EEDDC67}"/>
@@ -18386,8 +18496,8 @@
         </p:nvSpPr>
         <p:spPr>
           <a:xfrm>
-            <a:off x="341786" y="1120544"/>
-            <a:ext cx="4054367" cy="2348370"/>
+            <a:off x="341787" y="1120545"/>
+            <a:ext cx="8642350" cy="4027188"/>
           </a:xfrm>
           <a:prstGeom prst="rect">
             <a:avLst/>
@@ -18538,99 +18648,17 @@
           </a:lstStyle>
           <a:p>
             <a:r>
+              <a:rPr lang="ko-KR" altLang="en-US" dirty="0"/>
+              <a:t>협업활동</a:t>
+            </a:r>
+            <a:r>
               <a:rPr lang="en-US" altLang="ko-KR" dirty="0"/>
-              <a:t>Leader </a:t>
-            </a:r>
-            <a:r>
-              <a:rPr lang="en-US" altLang="ko-KR" dirty="0">
-                <a:solidFill>
-                  <a:srgbClr val="FF0000"/>
-                </a:solidFill>
-              </a:rPr>
-              <a:t>(</a:t>
-            </a:r>
-            <a:r>
-              <a:rPr lang="ko-KR" altLang="en-US" dirty="0">
-                <a:solidFill>
-                  <a:srgbClr val="FF0000"/>
-                </a:solidFill>
-              </a:rPr>
-              <a:t>완료하고 </a:t>
-            </a:r>
-            <a:r>
-              <a:rPr lang="en-US" altLang="ko-KR" dirty="0">
-                <a:solidFill>
-                  <a:srgbClr val="FF0000"/>
-                </a:solidFill>
-              </a:rPr>
-              <a:t>closing</a:t>
-            </a:r>
-            <a:r>
-              <a:rPr lang="ko-KR" altLang="en-US" dirty="0">
-                <a:solidFill>
-                  <a:srgbClr val="FF0000"/>
-                </a:solidFill>
-              </a:rPr>
-              <a:t>하는 방법은</a:t>
-            </a:r>
-            <a:r>
-              <a:rPr lang="en-US" altLang="ko-KR" dirty="0">
-                <a:solidFill>
-                  <a:srgbClr val="FF0000"/>
-                </a:solidFill>
-              </a:rPr>
-              <a:t>?)</a:t>
-            </a:r>
-          </a:p>
-          <a:p>
-            <a:pPr marL="441325" lvl="1" indent="-174625">
-              <a:buAutoNum type="arabicPeriod"/>
-            </a:pPr>
-            <a:r>
-              <a:rPr lang="en-US" altLang="ko-KR" dirty="0"/>
-              <a:t>File </a:t>
+              <a:t> </a:t>
             </a:r>
             <a:r>
               <a:rPr lang="ko-KR" altLang="en-US" dirty="0"/>
-              <a:t>만들고 </a:t>
-            </a:r>
-            <a:r>
-              <a:rPr lang="en-US" altLang="ko-KR" dirty="0" err="1"/>
-              <a:t>add.remote</a:t>
-            </a:r>
-            <a:r>
-              <a:rPr lang="en-US" altLang="ko-KR" dirty="0"/>
-              <a:t>, push “work1”</a:t>
-            </a:r>
-          </a:p>
-          <a:p>
-            <a:pPr marL="441325" lvl="1" indent="-174625">
-              <a:buAutoNum type="arabicPeriod"/>
-            </a:pPr>
-            <a:endParaRPr lang="en-US" altLang="ko-KR" dirty="0"/>
-          </a:p>
-          <a:p>
-            <a:pPr marL="441325" lvl="1" indent="-174625">
-              <a:buAutoNum type="arabicPeriod"/>
-            </a:pPr>
-            <a:endParaRPr lang="en-US" altLang="ko-KR" dirty="0"/>
-          </a:p>
-          <a:p>
-            <a:pPr marL="441325" lvl="1" indent="-174625">
-              <a:buAutoNum type="arabicPeriod"/>
-            </a:pPr>
-            <a:endParaRPr lang="en-US" altLang="ko-KR" dirty="0"/>
-          </a:p>
-          <a:p>
-            <a:pPr marL="441325" lvl="1" indent="-174625">
-              <a:buAutoNum type="arabicPeriod"/>
-            </a:pPr>
-            <a:endParaRPr lang="en-US" altLang="ko-KR" dirty="0"/>
-          </a:p>
-          <a:p>
-            <a:pPr marL="441325" lvl="1" indent="-174625">
-              <a:buAutoNum type="arabicPeriod"/>
-            </a:pPr>
+              <a:t>준비</a:t>
+            </a:r>
             <a:endParaRPr lang="en-US" altLang="ko-KR" dirty="0"/>
           </a:p>
           <a:p>
@@ -18638,86 +18666,126 @@
               <a:buNone/>
             </a:pPr>
             <a:r>
-              <a:rPr lang="en-US" altLang="ko-KR" dirty="0"/>
-              <a:t>5.Git pull</a:t>
-            </a:r>
-            <a:r>
-              <a:rPr lang="ko-KR" altLang="en-US" dirty="0"/>
-              <a:t>을</a:t>
-            </a:r>
-            <a:r>
-              <a:rPr lang="en-US" altLang="ko-KR" dirty="0"/>
+              <a:rPr lang="ko-KR" altLang="en-US" dirty="0">
+                <a:latin typeface="+mn-ea"/>
+              </a:rPr>
               <a:t> </a:t>
             </a:r>
-            <a:r>
-              <a:rPr lang="ko-KR" altLang="en-US" dirty="0"/>
-              <a:t>하고 작업</a:t>
-            </a:r>
-            <a:endParaRPr lang="en-US" altLang="ko-KR" dirty="0"/>
+            <a:endParaRPr lang="en-US" altLang="ko-KR" dirty="0">
+              <a:latin typeface="+mn-ea"/>
+            </a:endParaRPr>
+          </a:p>
+          <a:p>
+            <a:pPr marL="541338" lvl="1" indent="-274638">
+              <a:buFont typeface="+mj-ea"/>
+              <a:buAutoNum type="circleNumDbPlain"/>
+            </a:pPr>
+            <a:r>
+              <a:rPr lang="en-US" altLang="ko-KR" dirty="0">
+                <a:latin typeface="+mn-ea"/>
+              </a:rPr>
+              <a:t>Centralized workflow</a:t>
+            </a:r>
+            <a:r>
+              <a:rPr lang="ko-KR" altLang="en-US" dirty="0">
+                <a:latin typeface="+mn-ea"/>
+              </a:rPr>
+              <a:t>의 과제준비</a:t>
+            </a:r>
+            <a:r>
+              <a:rPr lang="en-US" altLang="ko-KR" dirty="0">
+                <a:latin typeface="+mn-ea"/>
+              </a:rPr>
+              <a:t>, collaborator </a:t>
+            </a:r>
+            <a:r>
+              <a:rPr lang="ko-KR" altLang="en-US" dirty="0">
+                <a:latin typeface="+mn-ea"/>
+              </a:rPr>
+              <a:t>초청 단계 동일</a:t>
+            </a:r>
+            <a:endParaRPr lang="en-US" altLang="ko-KR" dirty="0">
+              <a:latin typeface="+mn-ea"/>
+            </a:endParaRPr>
+          </a:p>
+          <a:p>
+            <a:pPr marL="541338" lvl="1" indent="-274638">
+              <a:buFont typeface="+mj-ea"/>
+              <a:buAutoNum type="circleNumDbPlain"/>
+            </a:pPr>
+            <a:r>
+              <a:rPr lang="ko-KR" altLang="en-US" dirty="0">
+                <a:latin typeface="+mn-ea"/>
+              </a:rPr>
+              <a:t>현재까지 진행된 협업 과제를 방법만 바꿔서 협업 진행</a:t>
+            </a:r>
+            <a:endParaRPr lang="en-US" altLang="ko-KR" dirty="0">
+              <a:latin typeface="+mn-ea"/>
+            </a:endParaRPr>
+          </a:p>
+          <a:p>
+            <a:pPr marL="541338" lvl="1" indent="-274638">
+              <a:buFont typeface="+mj-ea"/>
+              <a:buAutoNum type="circleNumDbPlain"/>
+            </a:pPr>
+            <a:r>
+              <a:rPr lang="ko-KR" altLang="en-US" dirty="0">
+                <a:latin typeface="+mn-ea"/>
+              </a:rPr>
+              <a:t>현재의 상태 가정</a:t>
+            </a:r>
+            <a:r>
+              <a:rPr lang="en-US" altLang="ko-KR" dirty="0">
+                <a:latin typeface="+mn-ea"/>
+              </a:rPr>
+              <a:t>:</a:t>
+            </a:r>
           </a:p>
           <a:p>
             <a:pPr marL="266700" lvl="1" indent="0">
               <a:buNone/>
             </a:pPr>
             <a:r>
-              <a:rPr lang="ko-KR" altLang="en-US" dirty="0"/>
-              <a:t>좌우 </a:t>
-            </a:r>
-            <a:r>
-              <a:rPr lang="en-US" altLang="ko-KR" dirty="0"/>
-              <a:t>version</a:t>
-            </a:r>
-            <a:r>
-              <a:rPr lang="ko-KR" altLang="en-US" dirty="0"/>
-              <a:t>이</a:t>
-            </a:r>
-            <a:r>
-              <a:rPr lang="en-US" altLang="ko-KR" dirty="0"/>
-              <a:t> </a:t>
-            </a:r>
-            <a:r>
-              <a:rPr lang="ko-KR" altLang="en-US" dirty="0"/>
-              <a:t>같음 </a:t>
-            </a:r>
-            <a:r>
-              <a:rPr lang="en-US" altLang="ko-KR" dirty="0"/>
-              <a:t>(</a:t>
-            </a:r>
-            <a:r>
-              <a:rPr lang="ko-KR" altLang="en-US" dirty="0"/>
-              <a:t>여기서 </a:t>
-            </a:r>
-            <a:r>
-              <a:rPr lang="en-US" altLang="ko-KR" dirty="0" err="1"/>
-              <a:t>leade</a:t>
-            </a:r>
-            <a:r>
-              <a:rPr lang="ko-KR" altLang="en-US" dirty="0"/>
-              <a:t>화면과 </a:t>
-            </a:r>
-            <a:r>
-              <a:rPr lang="en-US" altLang="ko-KR" dirty="0"/>
-              <a:t>collaborator </a:t>
-            </a:r>
-            <a:r>
-              <a:rPr lang="ko-KR" altLang="en-US" dirty="0"/>
-              <a:t>화면 </a:t>
-            </a:r>
-            <a:r>
-              <a:rPr lang="en-US" altLang="ko-KR" dirty="0" err="1"/>
-              <a:t>git</a:t>
-            </a:r>
-            <a:r>
-              <a:rPr lang="en-US" altLang="ko-KR" dirty="0"/>
-              <a:t> log</a:t>
-            </a:r>
-            <a:r>
-              <a:rPr lang="ko-KR" altLang="en-US" dirty="0"/>
-              <a:t>화면 비교</a:t>
-            </a:r>
-            <a:r>
-              <a:rPr lang="en-US" altLang="ko-KR" dirty="0"/>
-              <a:t>)</a:t>
+              <a:rPr lang="en-US" altLang="ko-KR" dirty="0">
+                <a:latin typeface="+mn-ea"/>
+              </a:rPr>
+              <a:t>     - </a:t>
+            </a:r>
+            <a:r>
+              <a:rPr lang="ko-KR" altLang="en-US" dirty="0">
+                <a:latin typeface="+mn-ea"/>
+              </a:rPr>
+              <a:t>진행중 과제가 협업 원격저장소</a:t>
+            </a:r>
+            <a:r>
+              <a:rPr lang="en-US" altLang="ko-KR" dirty="0">
+                <a:latin typeface="+mn-ea"/>
+              </a:rPr>
+              <a:t>(origin)</a:t>
+            </a:r>
+            <a:r>
+              <a:rPr lang="ko-KR" altLang="en-US" dirty="0">
+                <a:latin typeface="+mn-ea"/>
+              </a:rPr>
+              <a:t>과 각자의 </a:t>
+            </a:r>
+            <a:r>
+              <a:rPr lang="en-US" altLang="ko-KR" dirty="0">
+                <a:latin typeface="+mn-ea"/>
+              </a:rPr>
+              <a:t>local</a:t>
+            </a:r>
+            <a:r>
+              <a:rPr lang="ko-KR" altLang="en-US" dirty="0">
+                <a:latin typeface="+mn-ea"/>
+              </a:rPr>
+              <a:t>에 저장되어 있다</a:t>
+            </a:r>
+            <a:r>
+              <a:rPr lang="en-US" altLang="ko-KR" dirty="0">
+                <a:latin typeface="+mn-ea"/>
+              </a:rPr>
+              <a:t>.</a:t>
             </a:r>
           </a:p>
           <a:p>
@@ -18725,371 +18793,144 @@
               <a:buNone/>
             </a:pPr>
             <a:r>
-              <a:rPr lang="en-US" altLang="ko-KR" dirty="0"/>
-              <a:t>  - </a:t>
-            </a:r>
-            <a:r>
-              <a:rPr lang="ko-KR" altLang="en-US" dirty="0"/>
-              <a:t>가능하면 </a:t>
-            </a:r>
-            <a:r>
-              <a:rPr lang="ko-KR" altLang="en-US" dirty="0" err="1"/>
-              <a:t>작업전</a:t>
-            </a:r>
-            <a:r>
-              <a:rPr lang="ko-KR" altLang="en-US" dirty="0"/>
-              <a:t> </a:t>
-            </a:r>
-            <a:r>
-              <a:rPr lang="en-US" altLang="ko-KR" dirty="0"/>
-              <a:t>pull </a:t>
-            </a:r>
-            <a:r>
-              <a:rPr lang="ko-KR" altLang="en-US" dirty="0"/>
-              <a:t>비교 작업하고 </a:t>
-            </a:r>
-            <a:r>
-              <a:rPr lang="en-US" altLang="ko-KR" dirty="0"/>
-              <a:t>push </a:t>
-            </a:r>
-            <a:r>
-              <a:rPr lang="ko-KR" altLang="en-US" dirty="0"/>
-              <a:t>자주 하도록</a:t>
-            </a:r>
-            <a:endParaRPr lang="en-US" altLang="ko-KR" dirty="0"/>
-          </a:p>
-          <a:p>
-            <a:pPr lvl="1"/>
-            <a:endParaRPr lang="en-US" altLang="ko-KR" dirty="0"/>
+              <a:rPr lang="en-US" altLang="ko-KR" dirty="0">
+                <a:latin typeface="+mn-ea"/>
+              </a:rPr>
+              <a:t>     - collaborator </a:t>
+            </a:r>
+            <a:r>
+              <a:rPr lang="ko-KR" altLang="en-US" dirty="0">
+                <a:latin typeface="+mn-ea"/>
+              </a:rPr>
+              <a:t>각자의 수정자료를 검토없이 </a:t>
+            </a:r>
+            <a:r>
+              <a:rPr lang="en-US" altLang="ko-KR" dirty="0">
+                <a:latin typeface="+mn-ea"/>
+              </a:rPr>
+              <a:t>origin</a:t>
+            </a:r>
+            <a:r>
+              <a:rPr lang="ko-KR" altLang="en-US" dirty="0">
+                <a:latin typeface="+mn-ea"/>
+              </a:rPr>
+              <a:t>에 </a:t>
+            </a:r>
+            <a:r>
+              <a:rPr lang="en-US" altLang="ko-KR" dirty="0">
+                <a:latin typeface="+mn-ea"/>
+              </a:rPr>
+              <a:t>merge</a:t>
+            </a:r>
+            <a:r>
+              <a:rPr lang="ko-KR" altLang="en-US" dirty="0">
+                <a:latin typeface="+mn-ea"/>
+              </a:rPr>
+              <a:t>하던 방식을</a:t>
+            </a:r>
+            <a:endParaRPr lang="en-US" altLang="ko-KR" dirty="0">
+              <a:latin typeface="+mn-ea"/>
+            </a:endParaRPr>
+          </a:p>
+          <a:p>
+            <a:pPr marL="266700" lvl="1" indent="0">
+              <a:buNone/>
+            </a:pPr>
+            <a:r>
+              <a:rPr lang="en-US" altLang="ko-KR" dirty="0">
+                <a:latin typeface="+mn-ea"/>
+              </a:rPr>
+              <a:t>     - PR</a:t>
+            </a:r>
+            <a:r>
+              <a:rPr lang="ko-KR" altLang="en-US" dirty="0">
+                <a:latin typeface="+mn-ea"/>
+              </a:rPr>
+              <a:t>을 통해 </a:t>
+            </a:r>
+            <a:r>
+              <a:rPr lang="en-US" altLang="ko-KR" dirty="0">
+                <a:latin typeface="+mn-ea"/>
+              </a:rPr>
+              <a:t>collaborator</a:t>
+            </a:r>
+            <a:r>
+              <a:rPr lang="ko-KR" altLang="en-US" dirty="0">
+                <a:latin typeface="+mn-ea"/>
+              </a:rPr>
+              <a:t>의 검토를 받고 </a:t>
+            </a:r>
+            <a:r>
+              <a:rPr lang="en-US" altLang="ko-KR" dirty="0">
+                <a:latin typeface="+mn-ea"/>
+              </a:rPr>
+              <a:t>merge </a:t>
+            </a:r>
+            <a:r>
+              <a:rPr lang="ko-KR" altLang="en-US" dirty="0">
+                <a:latin typeface="+mn-ea"/>
+              </a:rPr>
+              <a:t>하는 방법으로 바꾸려 한다</a:t>
+            </a:r>
+            <a:r>
+              <a:rPr lang="en-US" altLang="ko-KR" dirty="0">
+                <a:latin typeface="+mn-ea"/>
+              </a:rPr>
+              <a:t>.</a:t>
+            </a:r>
           </a:p>
         </p:txBody>
       </p:sp>
       <p:sp>
         <p:nvSpPr>
-          <p:cNvPr id="6" name="내용 개체 틀 2">
+          <p:cNvPr id="11" name="제목 3">
             <a:extLst>
               <a:ext uri="{FF2B5EF4-FFF2-40B4-BE49-F238E27FC236}">
-                <a16:creationId xmlns:a16="http://schemas.microsoft.com/office/drawing/2014/main" id="{A44AC902-3746-40D6-9827-94B46EEDDC67}"/>
+                <a16:creationId xmlns:a16="http://schemas.microsoft.com/office/drawing/2014/main" id="{F0CEB32B-CB43-4410-BA08-A97E4BC47FCB}"/>
               </a:ext>
             </a:extLst>
           </p:cNvPr>
-          <p:cNvSpPr txBox="1">
-            <a:spLocks/>
+          <p:cNvSpPr>
+            <a:spLocks noGrp="1"/>
           </p:cNvSpPr>
-          <p:nvPr/>
+          <p:nvPr>
+            <p:ph type="title"/>
+          </p:nvPr>
         </p:nvSpPr>
         <p:spPr>
           <a:xfrm>
-            <a:off x="4681557" y="1120543"/>
-            <a:ext cx="4274873" cy="3967271"/>
+            <a:off x="539551" y="192300"/>
+            <a:ext cx="7272113" cy="576064"/>
           </a:xfrm>
-          <a:prstGeom prst="rect">
-            <a:avLst/>
-          </a:prstGeom>
         </p:spPr>
         <p:txBody>
-          <a:bodyPr vert="horz" lIns="91440" tIns="45720" rIns="91440" bIns="45720" rtlCol="0">
-            <a:noAutofit/>
-          </a:bodyPr>
-          <a:lstStyle>
-            <a:lvl1pPr marL="266700" indent="-266700" defTabSz="914400" latinLnBrk="1">
-              <a:lnSpc>
-                <a:spcPct val="150000"/>
-              </a:lnSpc>
-              <a:spcBef>
-                <a:spcPct val="0"/>
-              </a:spcBef>
-              <a:buClr>
-                <a:schemeClr val="tx1">
-                  <a:lumMod val="65000"/>
-                  <a:lumOff val="35000"/>
-                </a:schemeClr>
-              </a:buClr>
-              <a:buFont typeface="Wingdings" pitchFamily="2" charset="2"/>
-              <a:buChar char="n"/>
-              <a:defRPr sz="2000" b="1">
-                <a:latin typeface="+mn-ea"/>
-              </a:defRPr>
-            </a:lvl1pPr>
-            <a:lvl2pPr marL="447675" lvl="1" indent="-180975" defTabSz="914400" latinLnBrk="1">
-              <a:lnSpc>
-                <a:spcPct val="150000"/>
-              </a:lnSpc>
-              <a:spcBef>
-                <a:spcPts val="0"/>
-              </a:spcBef>
-              <a:spcAft>
-                <a:spcPts val="0"/>
-              </a:spcAft>
-              <a:buClr>
-                <a:schemeClr val="tx1">
-                  <a:lumMod val="50000"/>
-                  <a:lumOff val="50000"/>
-                </a:schemeClr>
-              </a:buClr>
-              <a:buFont typeface="Wingdings" pitchFamily="2" charset="2"/>
-              <a:buChar char="§"/>
-              <a:defRPr sz="1600"/>
-            </a:lvl2pPr>
-            <a:lvl3pPr marL="628650" indent="-180975" defTabSz="914400" latinLnBrk="1">
-              <a:lnSpc>
-                <a:spcPct val="150000"/>
-              </a:lnSpc>
-              <a:spcBef>
-                <a:spcPts val="500"/>
-              </a:spcBef>
-              <a:spcAft>
-                <a:spcPts val="300"/>
-              </a:spcAft>
-              <a:buClr>
-                <a:schemeClr val="tx1">
-                  <a:lumMod val="65000"/>
-                  <a:lumOff val="35000"/>
-                </a:schemeClr>
-              </a:buClr>
-              <a:buFont typeface="Arial" panose="020B0604020202020204" pitchFamily="34" charset="0"/>
-              <a:buChar char="•"/>
-              <a:defRPr sz="1400"/>
-            </a:lvl3pPr>
-            <a:lvl4pPr marL="809625" indent="-180975" defTabSz="914400" latinLnBrk="1">
-              <a:lnSpc>
-                <a:spcPct val="150000"/>
-              </a:lnSpc>
-              <a:spcBef>
-                <a:spcPts val="500"/>
-              </a:spcBef>
-              <a:spcAft>
-                <a:spcPts val="300"/>
-              </a:spcAft>
-              <a:buClr>
-                <a:schemeClr val="tx1">
-                  <a:lumMod val="65000"/>
-                  <a:lumOff val="35000"/>
-                </a:schemeClr>
-              </a:buClr>
-              <a:buSzPct val="96000"/>
-              <a:buFont typeface="Arial" panose="020B0604020202020204" pitchFamily="34" charset="0"/>
-              <a:buChar char="•"/>
-              <a:defRPr sz="1200"/>
-            </a:lvl4pPr>
-            <a:lvl5pPr marL="990600" indent="-180975" defTabSz="914400" latinLnBrk="1">
-              <a:lnSpc>
-                <a:spcPct val="150000"/>
-              </a:lnSpc>
-              <a:spcBef>
-                <a:spcPts val="500"/>
-              </a:spcBef>
-              <a:buClr>
-                <a:schemeClr val="tx1">
-                  <a:lumMod val="65000"/>
-                  <a:lumOff val="35000"/>
-                </a:schemeClr>
-              </a:buClr>
-              <a:buFont typeface="Arial" panose="020B0604020202020204" pitchFamily="34" charset="0"/>
-              <a:buChar char="•"/>
-              <a:defRPr sz="1000"/>
-            </a:lvl5pPr>
-            <a:lvl6pPr marL="2514600" indent="-228600" defTabSz="914400" latinLnBrk="1">
-              <a:lnSpc>
-                <a:spcPct val="90000"/>
-              </a:lnSpc>
-              <a:spcBef>
-                <a:spcPts val="500"/>
-              </a:spcBef>
-              <a:buFont typeface="Arial" panose="020B0604020202020204" pitchFamily="34" charset="0"/>
-              <a:buChar char="•"/>
-            </a:lvl6pPr>
-            <a:lvl7pPr marL="2971800" indent="-228600" defTabSz="914400" latinLnBrk="1">
-              <a:lnSpc>
-                <a:spcPct val="90000"/>
-              </a:lnSpc>
-              <a:spcBef>
-                <a:spcPts val="500"/>
-              </a:spcBef>
-              <a:buFont typeface="Arial" panose="020B0604020202020204" pitchFamily="34" charset="0"/>
-              <a:buChar char="•"/>
-            </a:lvl7pPr>
-            <a:lvl8pPr marL="3429000" indent="-228600" defTabSz="914400" latinLnBrk="1">
-              <a:lnSpc>
-                <a:spcPct val="90000"/>
-              </a:lnSpc>
-              <a:spcBef>
-                <a:spcPts val="500"/>
-              </a:spcBef>
-              <a:buFont typeface="Arial" panose="020B0604020202020204" pitchFamily="34" charset="0"/>
-              <a:buChar char="•"/>
-            </a:lvl8pPr>
-            <a:lvl9pPr marL="3886200" indent="-228600" defTabSz="914400" latinLnBrk="1">
-              <a:lnSpc>
-                <a:spcPct val="90000"/>
-              </a:lnSpc>
-              <a:spcBef>
-                <a:spcPts val="500"/>
-              </a:spcBef>
-              <a:buFont typeface="Arial" panose="020B0604020202020204" pitchFamily="34" charset="0"/>
-              <a:buChar char="•"/>
-            </a:lvl9pPr>
-          </a:lstStyle>
-          <a:p>
+          <a:bodyPr/>
+          <a:lstStyle/>
+          <a:p>
+            <a:r>
+              <a:rPr lang="ko-KR" altLang="en-US" dirty="0"/>
+              <a:t>협업하기 </a:t>
+            </a:r>
             <a:r>
               <a:rPr lang="en-US" altLang="ko-KR" dirty="0"/>
-              <a:t>Collaborator</a:t>
-            </a:r>
-          </a:p>
-          <a:p>
-            <a:pPr marL="266700" lvl="1" indent="0">
-              <a:buNone/>
-            </a:pPr>
+              <a:t>(</a:t>
+            </a:r>
+            <a:r>
+              <a:rPr lang="en-US" altLang="ko-KR" dirty="0" err="1"/>
+              <a:t>worlflow</a:t>
+            </a:r>
             <a:r>
               <a:rPr lang="en-US" altLang="ko-KR" dirty="0"/>
-              <a:t>2. </a:t>
-            </a:r>
-            <a:r>
-              <a:rPr lang="en-US" altLang="ko-KR" dirty="0" err="1"/>
-              <a:t>Git</a:t>
-            </a:r>
-            <a:r>
-              <a:rPr lang="en-US" altLang="ko-KR" dirty="0"/>
-              <a:t> pull </a:t>
-            </a:r>
-            <a:r>
-              <a:rPr lang="en-US" altLang="ko-KR" dirty="0" err="1"/>
-              <a:t>veriosn</a:t>
-            </a:r>
-            <a:r>
-              <a:rPr lang="en-US" altLang="ko-KR" dirty="0"/>
-              <a:t> </a:t>
-            </a:r>
-            <a:r>
-              <a:rPr lang="ko-KR" altLang="en-US" dirty="0"/>
-              <a:t>관리해야 하는데</a:t>
-            </a:r>
-            <a:r>
-              <a:rPr lang="en-US" altLang="ko-KR" dirty="0"/>
-              <a:t>,</a:t>
-            </a:r>
-          </a:p>
-          <a:p>
-            <a:pPr marL="266700" lvl="1" indent="0">
-              <a:buNone/>
-            </a:pPr>
-            <a:r>
-              <a:rPr lang="en-US" altLang="ko-KR" dirty="0"/>
-              <a:t>     </a:t>
-            </a:r>
-            <a:r>
-              <a:rPr lang="ko-KR" altLang="en-US" dirty="0"/>
-              <a:t>리더와 동시에 같은 파일 수정하고</a:t>
-            </a:r>
-            <a:endParaRPr lang="en-US" altLang="ko-KR" dirty="0"/>
-          </a:p>
-          <a:p>
-            <a:pPr marL="266700" lvl="1" indent="0">
-              <a:buNone/>
-            </a:pPr>
-            <a:r>
-              <a:rPr lang="en-US" altLang="ko-KR" dirty="0"/>
-              <a:t>     push (-m ‘work2”)</a:t>
-            </a:r>
-            <a:r>
-              <a:rPr lang="ko-KR" altLang="en-US" dirty="0"/>
-              <a:t>하면</a:t>
-            </a:r>
-            <a:r>
-              <a:rPr lang="en-US" altLang="ko-KR" dirty="0"/>
-              <a:t>, </a:t>
-            </a:r>
-            <a:r>
-              <a:rPr lang="en-US" altLang="ko-KR" dirty="0" err="1"/>
-              <a:t>github</a:t>
-            </a:r>
-            <a:r>
-              <a:rPr lang="ko-KR" altLang="en-US" dirty="0"/>
-              <a:t>가</a:t>
-            </a:r>
-            <a:r>
-              <a:rPr lang="en-US" altLang="ko-KR" dirty="0"/>
-              <a:t> reject </a:t>
-            </a:r>
-            <a:r>
-              <a:rPr lang="ko-KR" altLang="en-US" dirty="0"/>
-              <a:t>메시지보내옴</a:t>
-            </a:r>
-            <a:r>
-              <a:rPr lang="en-US" altLang="ko-KR" dirty="0"/>
-              <a:t>.</a:t>
-            </a:r>
-          </a:p>
-          <a:p>
-            <a:pPr marL="266700" lvl="1" indent="0">
-              <a:buNone/>
-            </a:pPr>
-            <a:r>
-              <a:rPr lang="en-US" altLang="ko-KR" dirty="0"/>
-              <a:t>3. </a:t>
-            </a:r>
-            <a:r>
-              <a:rPr lang="ko-KR" altLang="en-US" dirty="0"/>
-              <a:t>파일 확인하고 수정</a:t>
-            </a:r>
-            <a:endParaRPr lang="en-US" altLang="ko-KR" dirty="0"/>
-          </a:p>
-          <a:p>
-            <a:pPr marL="266700" lvl="1" indent="0">
-              <a:buNone/>
-            </a:pPr>
-            <a:r>
-              <a:rPr lang="en-US" altLang="ko-KR" dirty="0"/>
-              <a:t>4. Add commit –m </a:t>
-            </a:r>
-            <a:r>
-              <a:rPr lang="ko-KR" altLang="en-US" dirty="0"/>
-              <a:t>없이 하면 자동으로 메시지를 만들어 줌 </a:t>
-            </a:r>
-            <a:r>
-              <a:rPr lang="en-US" altLang="ko-KR" dirty="0"/>
-              <a:t>-&gt; status, log</a:t>
-            </a:r>
-            <a:r>
-              <a:rPr lang="ko-KR" altLang="en-US" dirty="0"/>
-              <a:t>확인후 </a:t>
-            </a:r>
-            <a:r>
-              <a:rPr lang="en-US" altLang="ko-KR" dirty="0"/>
-              <a:t>push</a:t>
-            </a:r>
-          </a:p>
-          <a:p>
-            <a:pPr marL="266700" lvl="1" indent="0">
-              <a:buNone/>
-            </a:pPr>
-            <a:r>
-              <a:rPr lang="en-US" altLang="ko-KR" dirty="0" err="1">
-                <a:solidFill>
-                  <a:srgbClr val="FF0000"/>
-                </a:solidFill>
-              </a:rPr>
-              <a:t>Git</a:t>
-            </a:r>
-            <a:r>
-              <a:rPr lang="en-US" altLang="ko-KR" dirty="0">
-                <a:solidFill>
-                  <a:srgbClr val="FF0000"/>
-                </a:solidFill>
-              </a:rPr>
-              <a:t> l?</a:t>
-            </a:r>
-          </a:p>
-          <a:p>
-            <a:pPr lvl="1"/>
-            <a:endParaRPr lang="en-US" altLang="ko-KR" dirty="0"/>
+              <a:t>) – Feature branch workflow </a:t>
+            </a:r>
+            <a:endParaRPr lang="ko-KR" altLang="en-US" dirty="0"/>
           </a:p>
         </p:txBody>
       </p:sp>
     </p:spTree>
     <p:extLst>
       <p:ext uri="{BB962C8B-B14F-4D97-AF65-F5344CB8AC3E}">
-        <p14:creationId xmlns:p14="http://schemas.microsoft.com/office/powerpoint/2010/main" val="627789346"/>
+        <p14:creationId xmlns:p14="http://schemas.microsoft.com/office/powerpoint/2010/main" val="3467764609"/>
       </p:ext>
     </p:extLst>
   </p:cSld>
@@ -19146,7 +18987,7 @@
       </p:sp>
       <p:sp>
         <p:nvSpPr>
-          <p:cNvPr id="7" name="내용 개체 틀 2">
+          <p:cNvPr id="5" name="내용 개체 틀 2">
             <a:extLst>
               <a:ext uri="{FF2B5EF4-FFF2-40B4-BE49-F238E27FC236}">
                 <a16:creationId xmlns:a16="http://schemas.microsoft.com/office/drawing/2014/main" id="{A44AC902-3746-40D6-9827-94B46EEDDC67}"/>
@@ -19160,8 +19001,8 @@
         </p:nvSpPr>
         <p:spPr>
           <a:xfrm>
-            <a:off x="341787" y="1120545"/>
-            <a:ext cx="8642350" cy="2351314"/>
+            <a:off x="341786" y="1120544"/>
+            <a:ext cx="4054367" cy="2348370"/>
           </a:xfrm>
           <a:prstGeom prst="rect">
             <a:avLst/>
@@ -19313,97 +19154,481 @@
           <a:p>
             <a:r>
               <a:rPr lang="en-US" altLang="ko-KR" dirty="0"/>
-              <a:t>Fetch </a:t>
+              <a:t>Leader </a:t>
+            </a:r>
+            <a:r>
+              <a:rPr lang="en-US" altLang="ko-KR" dirty="0">
+                <a:solidFill>
+                  <a:srgbClr val="FF0000"/>
+                </a:solidFill>
+              </a:rPr>
+              <a:t>(</a:t>
+            </a:r>
+            <a:r>
+              <a:rPr lang="ko-KR" altLang="en-US" dirty="0">
+                <a:solidFill>
+                  <a:srgbClr val="FF0000"/>
+                </a:solidFill>
+              </a:rPr>
+              <a:t>완료하고 </a:t>
+            </a:r>
+            <a:r>
+              <a:rPr lang="en-US" altLang="ko-KR" dirty="0">
+                <a:solidFill>
+                  <a:srgbClr val="FF0000"/>
+                </a:solidFill>
+              </a:rPr>
+              <a:t>closing</a:t>
+            </a:r>
+            <a:r>
+              <a:rPr lang="ko-KR" altLang="en-US" dirty="0">
+                <a:solidFill>
+                  <a:srgbClr val="FF0000"/>
+                </a:solidFill>
+              </a:rPr>
+              <a:t>하는 방법은</a:t>
+            </a:r>
+            <a:r>
+              <a:rPr lang="en-US" altLang="ko-KR" dirty="0">
+                <a:solidFill>
+                  <a:srgbClr val="FF0000"/>
+                </a:solidFill>
+              </a:rPr>
+              <a:t>?)</a:t>
+            </a:r>
+          </a:p>
+          <a:p>
+            <a:pPr marL="441325" lvl="1" indent="-174625">
+              <a:buAutoNum type="arabicPeriod"/>
+            </a:pPr>
+            <a:r>
+              <a:rPr lang="en-US" altLang="ko-KR" dirty="0"/>
+              <a:t>File </a:t>
             </a:r>
             <a:r>
               <a:rPr lang="ko-KR" altLang="en-US" dirty="0"/>
-              <a:t>이용하기</a:t>
-            </a:r>
+              <a:t>만들고 </a:t>
+            </a:r>
+            <a:r>
+              <a:rPr lang="en-US" altLang="ko-KR" dirty="0" err="1"/>
+              <a:t>add.remote</a:t>
+            </a:r>
+            <a:r>
+              <a:rPr lang="en-US" altLang="ko-KR" dirty="0"/>
+              <a:t>, push “work1”</a:t>
+            </a:r>
+          </a:p>
+          <a:p>
+            <a:pPr marL="441325" lvl="1" indent="-174625">
+              <a:buAutoNum type="arabicPeriod"/>
+            </a:pPr>
             <a:endParaRPr lang="en-US" altLang="ko-KR" dirty="0"/>
           </a:p>
           <a:p>
+            <a:pPr marL="441325" lvl="1" indent="-174625">
+              <a:buAutoNum type="arabicPeriod"/>
+            </a:pPr>
+            <a:endParaRPr lang="en-US" altLang="ko-KR" dirty="0"/>
+          </a:p>
+          <a:p>
+            <a:pPr marL="441325" lvl="1" indent="-174625">
+              <a:buAutoNum type="arabicPeriod"/>
+            </a:pPr>
+            <a:endParaRPr lang="en-US" altLang="ko-KR" dirty="0"/>
+          </a:p>
+          <a:p>
+            <a:pPr marL="441325" lvl="1" indent="-174625">
+              <a:buAutoNum type="arabicPeriod"/>
+            </a:pPr>
+            <a:endParaRPr lang="en-US" altLang="ko-KR" dirty="0"/>
+          </a:p>
+          <a:p>
+            <a:pPr marL="441325" lvl="1" indent="-174625">
+              <a:buAutoNum type="arabicPeriod"/>
+            </a:pPr>
+            <a:endParaRPr lang="en-US" altLang="ko-KR" dirty="0"/>
+          </a:p>
+          <a:p>
+            <a:pPr marL="266700" lvl="1" indent="0">
+              <a:buNone/>
+            </a:pPr>
+            <a:r>
+              <a:rPr lang="en-US" altLang="ko-KR" dirty="0"/>
+              <a:t>5.Git pull</a:t>
+            </a:r>
+            <a:r>
+              <a:rPr lang="ko-KR" altLang="en-US" dirty="0"/>
+              <a:t>을</a:t>
+            </a:r>
+            <a:r>
+              <a:rPr lang="en-US" altLang="ko-KR" dirty="0"/>
+              <a:t> </a:t>
+            </a:r>
+            <a:r>
+              <a:rPr lang="ko-KR" altLang="en-US" dirty="0"/>
+              <a:t>하고 작업</a:t>
+            </a:r>
+            <a:endParaRPr lang="en-US" altLang="ko-KR" dirty="0"/>
+          </a:p>
+          <a:p>
+            <a:pPr marL="266700" lvl="1" indent="0">
+              <a:buNone/>
+            </a:pPr>
+            <a:r>
+              <a:rPr lang="ko-KR" altLang="en-US" dirty="0"/>
+              <a:t>좌우 </a:t>
+            </a:r>
+            <a:r>
+              <a:rPr lang="en-US" altLang="ko-KR" dirty="0"/>
+              <a:t>version</a:t>
+            </a:r>
+            <a:r>
+              <a:rPr lang="ko-KR" altLang="en-US" dirty="0"/>
+              <a:t>이</a:t>
+            </a:r>
+            <a:r>
+              <a:rPr lang="en-US" altLang="ko-KR" dirty="0"/>
+              <a:t> </a:t>
+            </a:r>
+            <a:r>
+              <a:rPr lang="ko-KR" altLang="en-US" dirty="0"/>
+              <a:t>같음 </a:t>
+            </a:r>
+            <a:r>
+              <a:rPr lang="en-US" altLang="ko-KR" dirty="0"/>
+              <a:t>(</a:t>
+            </a:r>
+            <a:r>
+              <a:rPr lang="ko-KR" altLang="en-US" dirty="0"/>
+              <a:t>여기서 </a:t>
+            </a:r>
+            <a:r>
+              <a:rPr lang="en-US" altLang="ko-KR" dirty="0" err="1"/>
+              <a:t>leade</a:t>
+            </a:r>
+            <a:r>
+              <a:rPr lang="ko-KR" altLang="en-US" dirty="0"/>
+              <a:t>화면과 </a:t>
+            </a:r>
+            <a:r>
+              <a:rPr lang="en-US" altLang="ko-KR" dirty="0"/>
+              <a:t>collaborator </a:t>
+            </a:r>
+            <a:r>
+              <a:rPr lang="ko-KR" altLang="en-US" dirty="0"/>
+              <a:t>화면 </a:t>
+            </a:r>
+            <a:r>
+              <a:rPr lang="en-US" altLang="ko-KR" dirty="0" err="1"/>
+              <a:t>git</a:t>
+            </a:r>
+            <a:r>
+              <a:rPr lang="en-US" altLang="ko-KR" dirty="0"/>
+              <a:t> log</a:t>
+            </a:r>
+            <a:r>
+              <a:rPr lang="ko-KR" altLang="en-US" dirty="0"/>
+              <a:t>화면 비교</a:t>
+            </a:r>
+            <a:r>
+              <a:rPr lang="en-US" altLang="ko-KR" dirty="0"/>
+              <a:t>)</a:t>
+            </a:r>
+          </a:p>
+          <a:p>
+            <a:pPr marL="266700" lvl="1" indent="0">
+              <a:buNone/>
+            </a:pPr>
+            <a:r>
+              <a:rPr lang="en-US" altLang="ko-KR" dirty="0"/>
+              <a:t>  - </a:t>
+            </a:r>
+            <a:r>
+              <a:rPr lang="ko-KR" altLang="en-US" dirty="0"/>
+              <a:t>가능하면 </a:t>
+            </a:r>
+            <a:r>
+              <a:rPr lang="ko-KR" altLang="en-US" dirty="0" err="1"/>
+              <a:t>작업전</a:t>
+            </a:r>
+            <a:r>
+              <a:rPr lang="ko-KR" altLang="en-US" dirty="0"/>
+              <a:t> </a:t>
+            </a:r>
+            <a:r>
+              <a:rPr lang="en-US" altLang="ko-KR" dirty="0"/>
+              <a:t>pull </a:t>
+            </a:r>
+            <a:r>
+              <a:rPr lang="ko-KR" altLang="en-US" dirty="0"/>
+              <a:t>비교 작업하고 </a:t>
+            </a:r>
+            <a:r>
+              <a:rPr lang="en-US" altLang="ko-KR" dirty="0"/>
+              <a:t>push </a:t>
+            </a:r>
+            <a:r>
+              <a:rPr lang="ko-KR" altLang="en-US" dirty="0"/>
+              <a:t>자주 하도록</a:t>
+            </a:r>
+            <a:endParaRPr lang="en-US" altLang="ko-KR" dirty="0"/>
+          </a:p>
+          <a:p>
             <a:pPr lvl="1"/>
+            <a:endParaRPr lang="en-US" altLang="ko-KR" dirty="0"/>
+          </a:p>
+        </p:txBody>
+      </p:sp>
+      <p:sp>
+        <p:nvSpPr>
+          <p:cNvPr id="6" name="내용 개체 틀 2">
+            <a:extLst>
+              <a:ext uri="{FF2B5EF4-FFF2-40B4-BE49-F238E27FC236}">
+                <a16:creationId xmlns:a16="http://schemas.microsoft.com/office/drawing/2014/main" id="{A44AC902-3746-40D6-9827-94B46EEDDC67}"/>
+              </a:ext>
+            </a:extLst>
+          </p:cNvPr>
+          <p:cNvSpPr txBox="1">
+            <a:spLocks/>
+          </p:cNvSpPr>
+          <p:nvPr/>
+        </p:nvSpPr>
+        <p:spPr>
+          <a:xfrm>
+            <a:off x="4681557" y="1120543"/>
+            <a:ext cx="4274873" cy="3967271"/>
+          </a:xfrm>
+          <a:prstGeom prst="rect">
+            <a:avLst/>
+          </a:prstGeom>
+        </p:spPr>
+        <p:txBody>
+          <a:bodyPr vert="horz" lIns="91440" tIns="45720" rIns="91440" bIns="45720" rtlCol="0">
+            <a:noAutofit/>
+          </a:bodyPr>
+          <a:lstStyle>
+            <a:lvl1pPr marL="266700" indent="-266700" defTabSz="914400" latinLnBrk="1">
+              <a:lnSpc>
+                <a:spcPct val="150000"/>
+              </a:lnSpc>
+              <a:spcBef>
+                <a:spcPct val="0"/>
+              </a:spcBef>
+              <a:buClr>
+                <a:schemeClr val="tx1">
+                  <a:lumMod val="65000"/>
+                  <a:lumOff val="35000"/>
+                </a:schemeClr>
+              </a:buClr>
+              <a:buFont typeface="Wingdings" pitchFamily="2" charset="2"/>
+              <a:buChar char="n"/>
+              <a:defRPr sz="2000" b="1">
+                <a:latin typeface="+mn-ea"/>
+              </a:defRPr>
+            </a:lvl1pPr>
+            <a:lvl2pPr marL="447675" lvl="1" indent="-180975" defTabSz="914400" latinLnBrk="1">
+              <a:lnSpc>
+                <a:spcPct val="150000"/>
+              </a:lnSpc>
+              <a:spcBef>
+                <a:spcPts val="0"/>
+              </a:spcBef>
+              <a:spcAft>
+                <a:spcPts val="0"/>
+              </a:spcAft>
+              <a:buClr>
+                <a:schemeClr val="tx1">
+                  <a:lumMod val="50000"/>
+                  <a:lumOff val="50000"/>
+                </a:schemeClr>
+              </a:buClr>
+              <a:buFont typeface="Wingdings" pitchFamily="2" charset="2"/>
+              <a:buChar char="§"/>
+              <a:defRPr sz="1600"/>
+            </a:lvl2pPr>
+            <a:lvl3pPr marL="628650" indent="-180975" defTabSz="914400" latinLnBrk="1">
+              <a:lnSpc>
+                <a:spcPct val="150000"/>
+              </a:lnSpc>
+              <a:spcBef>
+                <a:spcPts val="500"/>
+              </a:spcBef>
+              <a:spcAft>
+                <a:spcPts val="300"/>
+              </a:spcAft>
+              <a:buClr>
+                <a:schemeClr val="tx1">
+                  <a:lumMod val="65000"/>
+                  <a:lumOff val="35000"/>
+                </a:schemeClr>
+              </a:buClr>
+              <a:buFont typeface="Arial" panose="020B0604020202020204" pitchFamily="34" charset="0"/>
+              <a:buChar char="•"/>
+              <a:defRPr sz="1400"/>
+            </a:lvl3pPr>
+            <a:lvl4pPr marL="809625" indent="-180975" defTabSz="914400" latinLnBrk="1">
+              <a:lnSpc>
+                <a:spcPct val="150000"/>
+              </a:lnSpc>
+              <a:spcBef>
+                <a:spcPts val="500"/>
+              </a:spcBef>
+              <a:spcAft>
+                <a:spcPts val="300"/>
+              </a:spcAft>
+              <a:buClr>
+                <a:schemeClr val="tx1">
+                  <a:lumMod val="65000"/>
+                  <a:lumOff val="35000"/>
+                </a:schemeClr>
+              </a:buClr>
+              <a:buSzPct val="96000"/>
+              <a:buFont typeface="Arial" panose="020B0604020202020204" pitchFamily="34" charset="0"/>
+              <a:buChar char="•"/>
+              <a:defRPr sz="1200"/>
+            </a:lvl4pPr>
+            <a:lvl5pPr marL="990600" indent="-180975" defTabSz="914400" latinLnBrk="1">
+              <a:lnSpc>
+                <a:spcPct val="150000"/>
+              </a:lnSpc>
+              <a:spcBef>
+                <a:spcPts val="500"/>
+              </a:spcBef>
+              <a:buClr>
+                <a:schemeClr val="tx1">
+                  <a:lumMod val="65000"/>
+                  <a:lumOff val="35000"/>
+                </a:schemeClr>
+              </a:buClr>
+              <a:buFont typeface="Arial" panose="020B0604020202020204" pitchFamily="34" charset="0"/>
+              <a:buChar char="•"/>
+              <a:defRPr sz="1000"/>
+            </a:lvl5pPr>
+            <a:lvl6pPr marL="2514600" indent="-228600" defTabSz="914400" latinLnBrk="1">
+              <a:lnSpc>
+                <a:spcPct val="90000"/>
+              </a:lnSpc>
+              <a:spcBef>
+                <a:spcPts val="500"/>
+              </a:spcBef>
+              <a:buFont typeface="Arial" panose="020B0604020202020204" pitchFamily="34" charset="0"/>
+              <a:buChar char="•"/>
+            </a:lvl6pPr>
+            <a:lvl7pPr marL="2971800" indent="-228600" defTabSz="914400" latinLnBrk="1">
+              <a:lnSpc>
+                <a:spcPct val="90000"/>
+              </a:lnSpc>
+              <a:spcBef>
+                <a:spcPts val="500"/>
+              </a:spcBef>
+              <a:buFont typeface="Arial" panose="020B0604020202020204" pitchFamily="34" charset="0"/>
+              <a:buChar char="•"/>
+            </a:lvl7pPr>
+            <a:lvl8pPr marL="3429000" indent="-228600" defTabSz="914400" latinLnBrk="1">
+              <a:lnSpc>
+                <a:spcPct val="90000"/>
+              </a:lnSpc>
+              <a:spcBef>
+                <a:spcPts val="500"/>
+              </a:spcBef>
+              <a:buFont typeface="Arial" panose="020B0604020202020204" pitchFamily="34" charset="0"/>
+              <a:buChar char="•"/>
+            </a:lvl8pPr>
+            <a:lvl9pPr marL="3886200" indent="-228600" defTabSz="914400" latinLnBrk="1">
+              <a:lnSpc>
+                <a:spcPct val="90000"/>
+              </a:lnSpc>
+              <a:spcBef>
+                <a:spcPts val="500"/>
+              </a:spcBef>
+              <a:buFont typeface="Arial" panose="020B0604020202020204" pitchFamily="34" charset="0"/>
+              <a:buChar char="•"/>
+            </a:lvl9pPr>
+          </a:lstStyle>
+          <a:p>
+            <a:r>
+              <a:rPr lang="en-US" altLang="ko-KR" dirty="0"/>
+              <a:t>Collaborator</a:t>
+            </a:r>
+          </a:p>
+          <a:p>
+            <a:pPr marL="266700" lvl="1" indent="0">
+              <a:buNone/>
+            </a:pPr>
+            <a:r>
+              <a:rPr lang="en-US" altLang="ko-KR" dirty="0"/>
+              <a:t>2. </a:t>
+            </a:r>
             <a:r>
               <a:rPr lang="en-US" altLang="ko-KR" dirty="0" err="1"/>
               <a:t>Git</a:t>
             </a:r>
             <a:r>
               <a:rPr lang="en-US" altLang="ko-KR" dirty="0"/>
-              <a:t> fetch – </a:t>
+              <a:t> pull </a:t>
             </a:r>
             <a:r>
               <a:rPr lang="en-US" altLang="ko-KR" dirty="0" err="1"/>
-              <a:t>git</a:t>
+              <a:t>veriosn</a:t>
             </a:r>
             <a:r>
               <a:rPr lang="en-US" altLang="ko-KR" dirty="0"/>
-              <a:t> merge FETCH_HEAD == </a:t>
+              <a:t> </a:t>
+            </a:r>
+            <a:r>
+              <a:rPr lang="ko-KR" altLang="en-US" dirty="0"/>
+              <a:t>관리해야 하는데</a:t>
+            </a:r>
+            <a:r>
+              <a:rPr lang="en-US" altLang="ko-KR" dirty="0"/>
+              <a:t>,</a:t>
+            </a:r>
+          </a:p>
+          <a:p>
+            <a:pPr marL="266700" lvl="1" indent="0">
+              <a:buNone/>
+            </a:pPr>
+            <a:r>
+              <a:rPr lang="en-US" altLang="ko-KR" dirty="0"/>
+              <a:t>     </a:t>
+            </a:r>
+            <a:r>
+              <a:rPr lang="ko-KR" altLang="en-US" dirty="0"/>
+              <a:t>리더와 동시에 같은 파일 수정하고</a:t>
+            </a:r>
+            <a:endParaRPr lang="en-US" altLang="ko-KR" dirty="0"/>
+          </a:p>
+          <a:p>
+            <a:pPr marL="266700" lvl="1" indent="0">
+              <a:buNone/>
+            </a:pPr>
+            <a:r>
+              <a:rPr lang="en-US" altLang="ko-KR" dirty="0"/>
+              <a:t>     push (-m ‘work2”)</a:t>
+            </a:r>
+            <a:r>
+              <a:rPr lang="ko-KR" altLang="en-US" dirty="0"/>
+              <a:t>하면</a:t>
+            </a:r>
+            <a:r>
+              <a:rPr lang="en-US" altLang="ko-KR" dirty="0"/>
+              <a:t>, </a:t>
             </a:r>
             <a:r>
               <a:rPr lang="en-US" altLang="ko-KR" dirty="0" err="1"/>
-              <a:t>git</a:t>
+              <a:t>github</a:t>
+            </a:r>
+            <a:r>
+              <a:rPr lang="ko-KR" altLang="en-US" dirty="0"/>
+              <a:t>가</a:t>
             </a:r>
             <a:r>
               <a:rPr lang="en-US" altLang="ko-KR" dirty="0"/>
-              <a:t> pull </a:t>
-            </a:r>
-          </a:p>
-          <a:p>
-            <a:pPr lvl="1"/>
-            <a:r>
-              <a:rPr lang="en-US" altLang="ko-KR" dirty="0" err="1"/>
-              <a:t>Github</a:t>
+              <a:t> reject </a:t>
             </a:r>
             <a:r>
               <a:rPr lang="ko-KR" altLang="en-US" dirty="0"/>
-              <a:t>상에서 </a:t>
-            </a:r>
-            <a:r>
-              <a:rPr lang="en-US" altLang="ko-KR" dirty="0"/>
-              <a:t>id</a:t>
-            </a:r>
-            <a:r>
-              <a:rPr lang="ko-KR" altLang="en-US" dirty="0"/>
-              <a:t>를 기입 </a:t>
-            </a:r>
-            <a:r>
-              <a:rPr lang="en-US" altLang="ko-KR" dirty="0"/>
-              <a:t>-&gt; </a:t>
-            </a:r>
-            <a:r>
-              <a:rPr lang="ko-KR" altLang="en-US" dirty="0" err="1"/>
-              <a:t>메일보냄</a:t>
-            </a:r>
-            <a:r>
-              <a:rPr lang="en-US" altLang="ko-KR" dirty="0"/>
-              <a:t>. -&gt; </a:t>
-            </a:r>
-            <a:r>
-              <a:rPr lang="ko-KR" altLang="en-US" dirty="0"/>
-              <a:t>메일 수락</a:t>
-            </a:r>
-            <a:r>
-              <a:rPr lang="en-US" altLang="ko-KR" dirty="0"/>
-              <a:t>.(accept invitation)</a:t>
-            </a:r>
-          </a:p>
-          <a:p>
-            <a:pPr lvl="1"/>
-            <a:r>
-              <a:rPr lang="ko-KR" altLang="en-US" dirty="0" err="1"/>
-              <a:t>못받는</a:t>
-            </a:r>
-            <a:r>
-              <a:rPr lang="ko-KR" altLang="en-US" dirty="0"/>
-              <a:t> 것을 대비하여 </a:t>
-            </a:r>
-            <a:r>
-              <a:rPr lang="en-US" altLang="ko-KR" dirty="0"/>
-              <a:t>copy invite </a:t>
-            </a:r>
-            <a:r>
-              <a:rPr lang="ko-KR" altLang="en-US" dirty="0"/>
-              <a:t>링크를 보낼 수 있음</a:t>
+              <a:t>메시지보내옴</a:t>
             </a:r>
             <a:r>
               <a:rPr lang="en-US" altLang="ko-KR" dirty="0"/>
@@ -19411,33 +19636,75 @@
             </a:r>
           </a:p>
           <a:p>
+            <a:pPr marL="266700" lvl="1" indent="0">
+              <a:buNone/>
+            </a:pPr>
+            <a:r>
+              <a:rPr lang="en-US" altLang="ko-KR" dirty="0"/>
+              <a:t>3. </a:t>
+            </a:r>
+            <a:r>
+              <a:rPr lang="ko-KR" altLang="en-US" dirty="0"/>
+              <a:t>파일 확인하고 수정</a:t>
+            </a:r>
+            <a:endParaRPr lang="en-US" altLang="ko-KR" dirty="0"/>
+          </a:p>
+          <a:p>
+            <a:pPr marL="266700" lvl="1" indent="0">
+              <a:buNone/>
+            </a:pPr>
+            <a:r>
+              <a:rPr lang="en-US" altLang="ko-KR" dirty="0"/>
+              <a:t>4. Add commit –m </a:t>
+            </a:r>
+            <a:r>
+              <a:rPr lang="ko-KR" altLang="en-US" dirty="0"/>
+              <a:t>없이 하면 자동으로 메시지를 만들어 줌 </a:t>
+            </a:r>
+            <a:r>
+              <a:rPr lang="en-US" altLang="ko-KR" dirty="0"/>
+              <a:t>-&gt; status, log</a:t>
+            </a:r>
+            <a:r>
+              <a:rPr lang="ko-KR" altLang="en-US" dirty="0"/>
+              <a:t>확인후 </a:t>
+            </a:r>
+            <a:r>
+              <a:rPr lang="en-US" altLang="ko-KR" dirty="0"/>
+              <a:t>push</a:t>
+            </a:r>
+          </a:p>
+          <a:p>
+            <a:pPr marL="266700" lvl="1" indent="0">
+              <a:buNone/>
+            </a:pPr>
+            <a:r>
+              <a:rPr lang="en-US" altLang="ko-KR" dirty="0" err="1">
+                <a:solidFill>
+                  <a:srgbClr val="FF0000"/>
+                </a:solidFill>
+              </a:rPr>
+              <a:t>Git</a:t>
+            </a:r>
+            <a:r>
+              <a:rPr lang="en-US" altLang="ko-KR" dirty="0">
+                <a:solidFill>
+                  <a:srgbClr val="FF0000"/>
+                </a:solidFill>
+              </a:rPr>
+              <a:t> l?</a:t>
+            </a:r>
+          </a:p>
+          <a:p>
             <a:pPr lvl="1"/>
-            <a:r>
-              <a:rPr lang="ko-KR" altLang="en-US" dirty="0" err="1"/>
-              <a:t>권한선택</a:t>
-            </a:r>
-            <a:r>
-              <a:rPr lang="ko-KR" altLang="en-US" dirty="0"/>
-              <a:t> </a:t>
-            </a:r>
-            <a:r>
-              <a:rPr lang="en-US" altLang="ko-KR" dirty="0"/>
-              <a:t>: admin, write, read</a:t>
-            </a:r>
-          </a:p>
-          <a:p>
-            <a:pPr lvl="1"/>
-            <a:r>
-              <a:rPr lang="en-US" altLang="ko-KR" dirty="0"/>
-              <a:t>Remote branch</a:t>
-            </a:r>
+            <a:endParaRPr lang="en-US" altLang="ko-KR" dirty="0"/>
           </a:p>
         </p:txBody>
       </p:sp>
     </p:spTree>
     <p:extLst>
       <p:ext uri="{BB962C8B-B14F-4D97-AF65-F5344CB8AC3E}">
-        <p14:creationId xmlns:p14="http://schemas.microsoft.com/office/powerpoint/2010/main" val="767811426"/>
+        <p14:creationId xmlns:p14="http://schemas.microsoft.com/office/powerpoint/2010/main" val="627789346"/>
       </p:ext>
     </p:extLst>
   </p:cSld>
@@ -19486,10 +19753,9 @@
           <a:lstStyle/>
           <a:p>
             <a:r>
-              <a:rPr lang="en-US" altLang="ko-KR" dirty="0"/>
-              <a:t>Pull Request</a:t>
-            </a:r>
-            <a:endParaRPr lang="ko-KR" altLang="en-US" dirty="0"/>
+              <a:rPr lang="ko-KR" altLang="en-US" dirty="0"/>
+              <a:t>협업하기</a:t>
+            </a:r>
           </a:p>
         </p:txBody>
       </p:sp>
@@ -19509,8 +19775,8 @@
         </p:nvSpPr>
         <p:spPr>
           <a:xfrm>
-            <a:off x="341787" y="1120544"/>
-            <a:ext cx="8642350" cy="4779215"/>
+            <a:off x="341787" y="1120545"/>
+            <a:ext cx="8642350" cy="2351314"/>
           </a:xfrm>
           <a:prstGeom prst="rect">
             <a:avLst/>
@@ -19662,236 +19928,131 @@
           <a:p>
             <a:r>
               <a:rPr lang="en-US" altLang="ko-KR" dirty="0"/>
-              <a:t>Pull Request</a:t>
+              <a:t>Fetch </a:t>
             </a:r>
             <a:r>
               <a:rPr lang="ko-KR" altLang="en-US" dirty="0"/>
-              <a:t>란</a:t>
+              <a:t>이용하기</a:t>
+            </a:r>
+            <a:endParaRPr lang="en-US" altLang="ko-KR" dirty="0"/>
+          </a:p>
+          <a:p>
+            <a:pPr lvl="1"/>
+            <a:r>
+              <a:rPr lang="en-US" altLang="ko-KR" dirty="0" err="1"/>
+              <a:t>Git</a:t>
             </a:r>
             <a:r>
               <a:rPr lang="en-US" altLang="ko-KR" dirty="0"/>
-              <a:t>? (</a:t>
+              <a:t> fetch – </a:t>
+            </a:r>
+            <a:r>
+              <a:rPr lang="en-US" altLang="ko-KR" dirty="0" err="1"/>
+              <a:t>git</a:t>
+            </a:r>
+            <a:r>
+              <a:rPr lang="en-US" altLang="ko-KR" dirty="0"/>
+              <a:t> merge FETCH_HEAD == </a:t>
+            </a:r>
+            <a:r>
+              <a:rPr lang="en-US" altLang="ko-KR" dirty="0" err="1"/>
+              <a:t>git</a:t>
+            </a:r>
+            <a:r>
+              <a:rPr lang="en-US" altLang="ko-KR" dirty="0"/>
+              <a:t> pull </a:t>
+            </a:r>
+          </a:p>
+          <a:p>
+            <a:pPr lvl="1"/>
+            <a:r>
+              <a:rPr lang="en-US" altLang="ko-KR" dirty="0" err="1"/>
+              <a:t>Github</a:t>
             </a:r>
             <a:r>
               <a:rPr lang="ko-KR" altLang="en-US" dirty="0"/>
-              <a:t>내 것을 </a:t>
+              <a:t>상에서 </a:t>
             </a:r>
             <a:r>
               <a:rPr lang="en-US" altLang="ko-KR" dirty="0"/>
-              <a:t>pull</a:t>
+              <a:t>id</a:t>
             </a:r>
             <a:r>
               <a:rPr lang="ko-KR" altLang="en-US" dirty="0"/>
-              <a:t>해서 </a:t>
+              <a:t>를 기입 </a:t>
             </a:r>
             <a:r>
               <a:rPr lang="en-US" altLang="ko-KR" dirty="0"/>
-              <a:t>merge</a:t>
+              <a:t>-&gt; </a:t>
+            </a:r>
+            <a:r>
+              <a:rPr lang="ko-KR" altLang="en-US" dirty="0" err="1"/>
+              <a:t>메일보냄</a:t>
+            </a:r>
+            <a:r>
+              <a:rPr lang="en-US" altLang="ko-KR" dirty="0"/>
+              <a:t>. -&gt; </a:t>
             </a:r>
             <a:r>
               <a:rPr lang="ko-KR" altLang="en-US" dirty="0"/>
-              <a:t>해 주세요</a:t>
+              <a:t>메일 수락</a:t>
             </a:r>
             <a:r>
               <a:rPr lang="en-US" altLang="ko-KR" dirty="0"/>
-              <a:t>!)</a:t>
+              <a:t>.(accept invitation)</a:t>
             </a:r>
           </a:p>
           <a:p>
             <a:pPr lvl="1"/>
             <a:r>
+              <a:rPr lang="ko-KR" altLang="en-US" dirty="0" err="1"/>
+              <a:t>못받는</a:t>
+            </a:r>
+            <a:r>
+              <a:rPr lang="ko-KR" altLang="en-US" dirty="0"/>
+              <a:t> 것을 대비하여 </a:t>
+            </a:r>
+            <a:r>
               <a:rPr lang="en-US" altLang="ko-KR" dirty="0"/>
-              <a:t>Main</a:t>
+              <a:t>copy invite </a:t>
             </a:r>
             <a:r>
               <a:rPr lang="ko-KR" altLang="en-US" dirty="0"/>
-              <a:t>에</a:t>
+              <a:t>링크를 보낼 수 있음</a:t>
             </a:r>
             <a:r>
               <a:rPr lang="en-US" altLang="ko-KR" dirty="0"/>
+              <a:t>.</a:t>
+            </a:r>
+          </a:p>
+          <a:p>
+            <a:pPr lvl="1"/>
+            <a:r>
+              <a:rPr lang="ko-KR" altLang="en-US" dirty="0" err="1"/>
+              <a:t>권한선택</a:t>
+            </a:r>
+            <a:r>
+              <a:rPr lang="ko-KR" altLang="en-US" dirty="0"/>
               <a:t> </a:t>
             </a:r>
             <a:r>
-              <a:rPr lang="ko-KR" altLang="en-US" dirty="0"/>
-              <a:t>내가 만든 내용을 </a:t>
-            </a:r>
-            <a:r>
               <a:rPr lang="en-US" altLang="ko-KR" dirty="0"/>
-              <a:t>merge</a:t>
-            </a:r>
-            <a:r>
-              <a:rPr lang="ko-KR" altLang="en-US" dirty="0"/>
-              <a:t>시켜달라는 요구</a:t>
-            </a:r>
-            <a:endParaRPr lang="en-US" altLang="ko-KR" dirty="0"/>
+              <a:t>: admin, write, read</a:t>
+            </a:r>
           </a:p>
           <a:p>
             <a:pPr lvl="1"/>
             <a:r>
-              <a:rPr lang="ko-KR" altLang="en-US" dirty="0"/>
-              <a:t>올리면 많은  사람들이 </a:t>
-            </a:r>
-            <a:r>
-              <a:rPr lang="ko-KR" altLang="en-US" dirty="0" err="1"/>
-              <a:t>코드리뷰를</a:t>
-            </a:r>
-            <a:r>
-              <a:rPr lang="ko-KR" altLang="en-US" dirty="0"/>
-              <a:t> 통해서 통과가 되면 통합브랜치인 </a:t>
-            </a:r>
-            <a:r>
               <a:rPr lang="en-US" altLang="ko-KR" dirty="0"/>
-              <a:t>main</a:t>
-            </a:r>
-            <a:r>
-              <a:rPr lang="ko-KR" altLang="en-US" dirty="0"/>
-              <a:t>에 </a:t>
-            </a:r>
-            <a:r>
-              <a:rPr lang="en-US" altLang="ko-KR" dirty="0"/>
-              <a:t>merge</a:t>
-            </a:r>
-            <a:r>
-              <a:rPr lang="ko-KR" altLang="en-US" dirty="0"/>
-              <a:t>를 하게 되고 이제부터는 다른 </a:t>
-            </a:r>
-            <a:r>
-              <a:rPr lang="ko-KR" altLang="en-US" dirty="0" err="1"/>
-              <a:t>접속자는</a:t>
-            </a:r>
-            <a:endParaRPr lang="en-US" altLang="ko-KR" dirty="0"/>
-          </a:p>
-          <a:p>
-            <a:pPr lvl="1"/>
-            <a:r>
-              <a:rPr lang="ko-KR" altLang="en-US" dirty="0"/>
-              <a:t>이것을 받아서 사용함</a:t>
-            </a:r>
-            <a:endParaRPr lang="en-US" altLang="ko-KR" dirty="0"/>
-          </a:p>
-          <a:p>
-            <a:pPr lvl="1"/>
-            <a:r>
-              <a:rPr lang="en-US" altLang="ko-KR" dirty="0"/>
-              <a:t> </a:t>
-            </a:r>
-            <a:r>
-              <a:rPr lang="ko-KR" altLang="en-US" dirty="0"/>
-              <a:t>두가지가 있음</a:t>
-            </a:r>
-            <a:endParaRPr lang="en-US" altLang="ko-KR" dirty="0"/>
-          </a:p>
-          <a:p>
-            <a:pPr marL="266700" lvl="1" indent="0">
-              <a:buNone/>
-            </a:pPr>
-            <a:r>
-              <a:rPr lang="en-US" altLang="ko-KR" dirty="0"/>
-              <a:t>   1. </a:t>
-            </a:r>
-            <a:r>
-              <a:rPr lang="ko-KR" altLang="en-US" dirty="0"/>
-              <a:t>원격저장소는 내가 권한인 있은 경우 </a:t>
-            </a:r>
-            <a:r>
-              <a:rPr lang="en-US" altLang="ko-KR" dirty="0"/>
-              <a:t>: </a:t>
-            </a:r>
-            <a:r>
-              <a:rPr lang="ko-KR" altLang="en-US" dirty="0"/>
-              <a:t>실습 대상</a:t>
-            </a:r>
-            <a:endParaRPr lang="en-US" altLang="ko-KR" dirty="0"/>
-          </a:p>
-          <a:p>
-            <a:pPr marL="266700" lvl="1" indent="0">
-              <a:buNone/>
-            </a:pPr>
-            <a:endParaRPr lang="en-US" altLang="ko-KR" dirty="0"/>
-          </a:p>
-          <a:p>
-            <a:pPr marL="266700" lvl="1" indent="0">
-              <a:buNone/>
-            </a:pPr>
-            <a:r>
-              <a:rPr lang="en-US" altLang="ko-KR" dirty="0"/>
-              <a:t>  </a:t>
-            </a:r>
-          </a:p>
-          <a:p>
-            <a:pPr marL="266700" lvl="1" indent="0">
-              <a:buNone/>
-            </a:pPr>
-            <a:r>
-              <a:rPr lang="en-US" altLang="ko-KR" dirty="0"/>
-              <a:t>   2. </a:t>
-            </a:r>
-            <a:r>
-              <a:rPr lang="ko-KR" altLang="en-US" dirty="0"/>
-              <a:t>오픈소스 방식</a:t>
-            </a:r>
-            <a:endParaRPr lang="en-US" altLang="ko-KR" dirty="0"/>
-          </a:p>
-          <a:p>
-            <a:pPr marL="266700" lvl="1" indent="0">
-              <a:buNone/>
-            </a:pPr>
-            <a:r>
-              <a:rPr lang="en-US" altLang="ko-KR" dirty="0"/>
-              <a:t>      </a:t>
-            </a:r>
-            <a:r>
-              <a:rPr lang="ko-KR" altLang="en-US" dirty="0"/>
-              <a:t>남의 </a:t>
-            </a:r>
-            <a:r>
-              <a:rPr lang="ko-KR" altLang="en-US" dirty="0" err="1"/>
-              <a:t>원격저장소</a:t>
-            </a:r>
-            <a:r>
-              <a:rPr lang="ko-KR" altLang="en-US" dirty="0"/>
-              <a:t> 권한이 없음</a:t>
-            </a:r>
-            <a:r>
-              <a:rPr lang="en-US" altLang="ko-KR" dirty="0"/>
-              <a:t>. </a:t>
-            </a:r>
-            <a:r>
-              <a:rPr lang="ko-KR" altLang="en-US" dirty="0"/>
-              <a:t>남의 저장소 내용을 </a:t>
-            </a:r>
-            <a:r>
-              <a:rPr lang="en-US" altLang="ko-KR" dirty="0"/>
-              <a:t>Fork</a:t>
-            </a:r>
-            <a:r>
-              <a:rPr lang="ko-KR" altLang="en-US" dirty="0"/>
-              <a:t>해서 내 </a:t>
-            </a:r>
-            <a:r>
-              <a:rPr lang="en-US" altLang="ko-KR" dirty="0"/>
-              <a:t>pc</a:t>
-            </a:r>
-            <a:r>
-              <a:rPr lang="ko-KR" altLang="en-US" dirty="0"/>
-              <a:t>에서 작업하고 내 원격저장소에 보내서 그곳에서 남의 저장소에 </a:t>
-            </a:r>
-            <a:r>
-              <a:rPr lang="en-US" altLang="ko-KR" dirty="0"/>
-              <a:t>pull request</a:t>
-            </a:r>
-            <a:r>
-              <a:rPr lang="ko-KR" altLang="en-US" dirty="0"/>
-              <a:t>하게 됨</a:t>
-            </a:r>
-            <a:endParaRPr lang="en-US" altLang="ko-KR" dirty="0"/>
+              <a:t>Remote branch</a:t>
+            </a:r>
           </a:p>
         </p:txBody>
       </p:sp>
     </p:spTree>
     <p:extLst>
       <p:ext uri="{BB962C8B-B14F-4D97-AF65-F5344CB8AC3E}">
-        <p14:creationId xmlns:p14="http://schemas.microsoft.com/office/powerpoint/2010/main" val="2382322175"/>
+        <p14:creationId xmlns:p14="http://schemas.microsoft.com/office/powerpoint/2010/main" val="767811426"/>
       </p:ext>
     </p:extLst>
   </p:cSld>
@@ -20116,19 +20277,50 @@
           <a:p>
             <a:r>
               <a:rPr lang="en-US" altLang="ko-KR" dirty="0"/>
-              <a:t>Pull Request </a:t>
+              <a:t>Pull Request</a:t>
             </a:r>
             <a:r>
               <a:rPr lang="ko-KR" altLang="en-US" dirty="0"/>
-              <a:t>동작 순서</a:t>
-            </a:r>
-            <a:endParaRPr lang="en-US" altLang="ko-KR" dirty="0"/>
+              <a:t>란</a:t>
+            </a:r>
+            <a:r>
+              <a:rPr lang="en-US" altLang="ko-KR" dirty="0"/>
+              <a:t>? (</a:t>
+            </a:r>
+            <a:r>
+              <a:rPr lang="ko-KR" altLang="en-US" dirty="0"/>
+              <a:t>내 것을 </a:t>
+            </a:r>
+            <a:r>
+              <a:rPr lang="en-US" altLang="ko-KR" dirty="0"/>
+              <a:t>pull</a:t>
+            </a:r>
+            <a:r>
+              <a:rPr lang="ko-KR" altLang="en-US" dirty="0"/>
+              <a:t>해서 </a:t>
+            </a:r>
+            <a:r>
+              <a:rPr lang="en-US" altLang="ko-KR" dirty="0"/>
+              <a:t>merge</a:t>
+            </a:r>
+            <a:r>
+              <a:rPr lang="ko-KR" altLang="en-US" dirty="0"/>
+              <a:t>해 주세요</a:t>
+            </a:r>
+            <a:r>
+              <a:rPr lang="en-US" altLang="ko-KR" dirty="0"/>
+              <a:t>!)</a:t>
+            </a:r>
           </a:p>
           <a:p>
             <a:pPr lvl="1"/>
             <a:r>
-              <a:rPr lang="en-US" altLang="ko-KR" dirty="0" err="1"/>
-              <a:t>Github</a:t>
+              <a:rPr lang="en-US" altLang="ko-KR" dirty="0"/>
+              <a:t>Main</a:t>
+            </a:r>
+            <a:r>
+              <a:rPr lang="ko-KR" altLang="en-US" dirty="0"/>
+              <a:t>에</a:t>
             </a:r>
             <a:r>
               <a:rPr lang="en-US" altLang="ko-KR" dirty="0"/>
@@ -20136,7 +20328,15 @@
             </a:r>
             <a:r>
               <a:rPr lang="ko-KR" altLang="en-US" dirty="0"/>
-              <a:t>그림으로 순서도 삽입</a:t>
+              <a:t>내가 만든 내용을 </a:t>
+            </a:r>
+            <a:r>
+              <a:rPr lang="en-US" altLang="ko-KR" dirty="0"/>
+              <a:t>merge</a:t>
+            </a:r>
+            <a:r>
+              <a:rPr lang="ko-KR" altLang="en-US" dirty="0"/>
+              <a:t>시켜달라는 요구</a:t>
             </a:r>
             <a:endParaRPr lang="en-US" altLang="ko-KR" dirty="0"/>
           </a:p>
@@ -20144,19 +20344,55 @@
             <a:pPr lvl="1"/>
             <a:r>
               <a:rPr lang="ko-KR" altLang="en-US" dirty="0"/>
-              <a:t> 마지막에 로컬저장소에서 </a:t>
-            </a:r>
-            <a:r>
-              <a:rPr lang="en-US" altLang="ko-KR" dirty="0" err="1"/>
-              <a:t>git</a:t>
+              <a:t>올리면 많은  사람들이 </a:t>
+            </a:r>
+            <a:r>
+              <a:rPr lang="ko-KR" altLang="en-US" dirty="0" err="1"/>
+              <a:t>코드리뷰를</a:t>
+            </a:r>
+            <a:r>
+              <a:rPr lang="ko-KR" altLang="en-US" dirty="0"/>
+              <a:t> 통해서 통과가 되면 통합브랜치인 </a:t>
             </a:r>
             <a:r>
               <a:rPr lang="en-US" altLang="ko-KR" dirty="0"/>
-              <a:t> pull</a:t>
+              <a:t>main</a:t>
             </a:r>
             <a:r>
               <a:rPr lang="ko-KR" altLang="en-US" dirty="0"/>
-              <a:t>을 하면 보이는 모양을 확인</a:t>
+              <a:t>에 </a:t>
+            </a:r>
+            <a:r>
+              <a:rPr lang="en-US" altLang="ko-KR" dirty="0"/>
+              <a:t>merge</a:t>
+            </a:r>
+            <a:r>
+              <a:rPr lang="ko-KR" altLang="en-US" dirty="0"/>
+              <a:t>를 하게 되고 이제부터는 다른 </a:t>
+            </a:r>
+            <a:r>
+              <a:rPr lang="ko-KR" altLang="en-US" dirty="0" err="1"/>
+              <a:t>접속자는</a:t>
+            </a:r>
+            <a:endParaRPr lang="en-US" altLang="ko-KR" dirty="0"/>
+          </a:p>
+          <a:p>
+            <a:pPr lvl="1"/>
+            <a:r>
+              <a:rPr lang="ko-KR" altLang="en-US" dirty="0"/>
+              <a:t>이것을 받아서 사용함</a:t>
+            </a:r>
+            <a:endParaRPr lang="en-US" altLang="ko-KR" dirty="0"/>
+          </a:p>
+          <a:p>
+            <a:pPr lvl="1"/>
+            <a:r>
+              <a:rPr lang="en-US" altLang="ko-KR" dirty="0"/>
+              <a:t> </a:t>
+            </a:r>
+            <a:r>
+              <a:rPr lang="ko-KR" altLang="en-US" dirty="0"/>
+              <a:t>두가지가 있음</a:t>
             </a:r>
             <a:endParaRPr lang="en-US" altLang="ko-KR" dirty="0"/>
           </a:p>
@@ -20166,15 +20402,111 @@
             </a:pPr>
             <a:r>
               <a:rPr lang="en-US" altLang="ko-KR" dirty="0"/>
+              <a:t>   1. </a:t>
+            </a:r>
+            <a:r>
+              <a:rPr lang="ko-KR" altLang="en-US" dirty="0"/>
+              <a:t>원격저장소는 내가 권한인 있은 경우 </a:t>
+            </a:r>
+            <a:r>
+              <a:rPr lang="en-US" altLang="ko-KR" dirty="0"/>
+              <a:t>: </a:t>
+            </a:r>
+            <a:r>
+              <a:rPr lang="ko-KR" altLang="en-US" dirty="0"/>
+              <a:t>실습 대상</a:t>
+            </a:r>
+            <a:endParaRPr lang="en-US" altLang="ko-KR" dirty="0"/>
+          </a:p>
+          <a:p>
+            <a:pPr marL="266700" lvl="1" indent="0">
+              <a:buNone/>
+            </a:pPr>
+            <a:endParaRPr lang="en-US" altLang="ko-KR" dirty="0"/>
+          </a:p>
+          <a:p>
+            <a:pPr marL="266700" lvl="1" indent="0">
+              <a:buNone/>
+            </a:pPr>
+            <a:r>
+              <a:rPr lang="en-US" altLang="ko-KR" dirty="0"/>
               <a:t>  </a:t>
             </a:r>
+          </a:p>
+          <a:p>
+            <a:pPr marL="266700" lvl="1" indent="0">
+              <a:buNone/>
+            </a:pPr>
+            <a:r>
+              <a:rPr lang="en-US" altLang="ko-KR" dirty="0"/>
+              <a:t>   2. </a:t>
+            </a:r>
+            <a:r>
+              <a:rPr lang="ko-KR" altLang="en-US" dirty="0"/>
+              <a:t>오픈소스 방식</a:t>
+            </a:r>
+            <a:endParaRPr lang="en-US" altLang="ko-KR" dirty="0"/>
+          </a:p>
+          <a:p>
+            <a:pPr marL="266700" lvl="1" indent="0">
+              <a:buNone/>
+            </a:pPr>
+            <a:r>
+              <a:rPr lang="en-US" altLang="ko-KR" dirty="0"/>
+              <a:t>      </a:t>
+            </a:r>
+            <a:r>
+              <a:rPr lang="ko-KR" altLang="en-US" dirty="0"/>
+              <a:t>남의 </a:t>
+            </a:r>
+            <a:r>
+              <a:rPr lang="ko-KR" altLang="en-US" dirty="0" err="1"/>
+              <a:t>원격저장소</a:t>
+            </a:r>
+            <a:r>
+              <a:rPr lang="ko-KR" altLang="en-US" dirty="0"/>
+              <a:t> 권한이 없음</a:t>
+            </a:r>
+            <a:r>
+              <a:rPr lang="en-US" altLang="ko-KR" dirty="0"/>
+              <a:t>. </a:t>
+            </a:r>
+            <a:r>
+              <a:rPr lang="ko-KR" altLang="en-US" dirty="0"/>
+              <a:t>남의 저장소 내용을 </a:t>
+            </a:r>
+            <a:r>
+              <a:rPr lang="en-US" altLang="ko-KR" dirty="0"/>
+              <a:t>Fork</a:t>
+            </a:r>
+            <a:r>
+              <a:rPr lang="ko-KR" altLang="en-US" dirty="0"/>
+              <a:t>해서 내 </a:t>
+            </a:r>
+            <a:r>
+              <a:rPr lang="en-US" altLang="ko-KR" dirty="0"/>
+              <a:t>pc</a:t>
+            </a:r>
+            <a:r>
+              <a:rPr lang="ko-KR" altLang="en-US" dirty="0"/>
+              <a:t>에서 작업하고 내 원격저장소에 보내서 그곳에서 남의 저장소에 </a:t>
+            </a:r>
+            <a:r>
+              <a:rPr lang="en-US" altLang="ko-KR" dirty="0"/>
+              <a:t>pull request</a:t>
+            </a:r>
+            <a:r>
+              <a:rPr lang="ko-KR" altLang="en-US" dirty="0"/>
+              <a:t>하게 됨</a:t>
+            </a:r>
+            <a:endParaRPr lang="en-US" altLang="ko-KR" dirty="0"/>
           </a:p>
         </p:txBody>
       </p:sp>
     </p:spTree>
     <p:extLst>
       <p:ext uri="{BB962C8B-B14F-4D97-AF65-F5344CB8AC3E}">
-        <p14:creationId xmlns:p14="http://schemas.microsoft.com/office/powerpoint/2010/main" val="3768842790"/>
+        <p14:creationId xmlns:p14="http://schemas.microsoft.com/office/powerpoint/2010/main" val="2382322175"/>
       </p:ext>
     </p:extLst>
   </p:cSld>
@@ -20223,15 +20555,16 @@
           <a:lstStyle/>
           <a:p>
             <a:r>
-              <a:rPr lang="ko-KR" altLang="en-US" dirty="0"/>
-              <a:t>오픈소스 참여하기</a:t>
-            </a:r>
+              <a:rPr lang="en-US" altLang="ko-KR" dirty="0"/>
+              <a:t>Pull Request</a:t>
+            </a:r>
+            <a:endParaRPr lang="ko-KR" altLang="en-US" dirty="0"/>
           </a:p>
         </p:txBody>
       </p:sp>
       <p:sp>
         <p:nvSpPr>
-          <p:cNvPr id="5" name="내용 개체 틀 2">
+          <p:cNvPr id="7" name="내용 개체 틀 2">
             <a:extLst>
               <a:ext uri="{FF2B5EF4-FFF2-40B4-BE49-F238E27FC236}">
                 <a16:creationId xmlns:a16="http://schemas.microsoft.com/office/drawing/2014/main" id="{A44AC902-3746-40D6-9827-94B46EEDDC67}"/>
@@ -20245,8 +20578,8 @@
         </p:nvSpPr>
         <p:spPr>
           <a:xfrm>
-            <a:off x="341786" y="1120544"/>
-            <a:ext cx="4054367" cy="2348370"/>
+            <a:off x="341787" y="1120544"/>
+            <a:ext cx="8642350" cy="4779215"/>
           </a:xfrm>
           <a:prstGeom prst="rect">
             <a:avLst/>
@@ -20398,18 +20731,27 @@
           <a:p>
             <a:r>
               <a:rPr lang="en-US" altLang="ko-KR" dirty="0"/>
-              <a:t>Fork</a:t>
-            </a:r>
+              <a:t>Pull Request </a:t>
+            </a:r>
+            <a:r>
+              <a:rPr lang="ko-KR" altLang="en-US" dirty="0"/>
+              <a:t>동작 순서</a:t>
+            </a:r>
+            <a:endParaRPr lang="en-US" altLang="ko-KR" dirty="0"/>
           </a:p>
           <a:p>
             <a:pPr lvl="1"/>
             <a:r>
+              <a:rPr lang="en-US" altLang="ko-KR" dirty="0" err="1"/>
+              <a:t>Github</a:t>
+            </a:r>
+            <a:r>
               <a:rPr lang="en-US" altLang="ko-KR" dirty="0"/>
-              <a:t>Fork</a:t>
+              <a:t> </a:t>
             </a:r>
             <a:r>
               <a:rPr lang="ko-KR" altLang="en-US" dirty="0"/>
-              <a:t>의 목적</a:t>
+              <a:t>그림으로 순서도 삽입</a:t>
             </a:r>
             <a:endParaRPr lang="en-US" altLang="ko-KR" dirty="0"/>
           </a:p>
@@ -20417,46 +20759,37 @@
             <a:pPr lvl="1"/>
             <a:r>
               <a:rPr lang="ko-KR" altLang="en-US" dirty="0"/>
-              <a:t>작업 순서도 </a:t>
+              <a:t> 마지막에 로컬저장소에서 </a:t>
+            </a:r>
+            <a:r>
+              <a:rPr lang="en-US" altLang="ko-KR" dirty="0" err="1"/>
+              <a:t>git</a:t>
+            </a:r>
+            <a:r>
+              <a:rPr lang="en-US" altLang="ko-KR" dirty="0"/>
+              <a:t> pull</a:t>
+            </a:r>
+            <a:r>
+              <a:rPr lang="ko-KR" altLang="en-US" dirty="0"/>
+              <a:t>을 하면 보이는 모양을 확인</a:t>
             </a:r>
             <a:endParaRPr lang="en-US" altLang="ko-KR" dirty="0"/>
           </a:p>
           <a:p>
-            <a:pPr marL="441325" lvl="1" indent="-174625">
-              <a:buAutoNum type="arabicPeriod"/>
+            <a:pPr marL="266700" lvl="1" indent="0">
+              <a:buNone/>
             </a:pPr>
-            <a:endParaRPr lang="en-US" altLang="ko-KR" dirty="0"/>
-          </a:p>
-          <a:p>
-            <a:pPr marL="441325" lvl="1" indent="-174625">
-              <a:buAutoNum type="arabicPeriod"/>
-            </a:pPr>
-            <a:endParaRPr lang="en-US" altLang="ko-KR" dirty="0"/>
-          </a:p>
-          <a:p>
-            <a:pPr marL="441325" lvl="1" indent="-174625">
-              <a:buAutoNum type="arabicPeriod"/>
-            </a:pPr>
-            <a:endParaRPr lang="en-US" altLang="ko-KR" dirty="0"/>
-          </a:p>
-          <a:p>
-            <a:pPr marL="441325" lvl="1" indent="-174625">
-              <a:buAutoNum type="arabicPeriod"/>
-            </a:pPr>
-            <a:endParaRPr lang="en-US" altLang="ko-KR" dirty="0"/>
-          </a:p>
-          <a:p>
-            <a:pPr marL="441325" lvl="1" indent="-174625">
-              <a:buAutoNum type="arabicPeriod"/>
-            </a:pPr>
-            <a:endParaRPr lang="en-US" altLang="ko-KR" dirty="0"/>
+            <a:r>
+              <a:rPr lang="en-US" altLang="ko-KR" dirty="0"/>
+              <a:t>  </a:t>
+            </a:r>
           </a:p>
         </p:txBody>
       </p:sp>
     </p:spTree>
     <p:extLst>
       <p:ext uri="{BB962C8B-B14F-4D97-AF65-F5344CB8AC3E}">
-        <p14:creationId xmlns:p14="http://schemas.microsoft.com/office/powerpoint/2010/main" val="1739576219"/>
+        <p14:creationId xmlns:p14="http://schemas.microsoft.com/office/powerpoint/2010/main" val="3768842790"/>
       </p:ext>
     </p:extLst>
   </p:cSld>
@@ -20506,279 +20839,239 @@
           <a:p>
             <a:r>
               <a:rPr lang="ko-KR" altLang="en-US" dirty="0"/>
-              <a:t>협업시작하기</a:t>
+              <a:t>오픈소스 참여하기</a:t>
             </a:r>
           </a:p>
         </p:txBody>
       </p:sp>
       <p:sp>
         <p:nvSpPr>
-          <p:cNvPr id="5" name="내용 개체 틀 4">
+          <p:cNvPr id="5" name="내용 개체 틀 2">
             <a:extLst>
               <a:ext uri="{FF2B5EF4-FFF2-40B4-BE49-F238E27FC236}">
-                <a16:creationId xmlns:a16="http://schemas.microsoft.com/office/drawing/2014/main" id="{FDF69C25-9F43-470B-8A20-AEDC0F371CCD}"/>
+                <a16:creationId xmlns:a16="http://schemas.microsoft.com/office/drawing/2014/main" id="{A44AC902-3746-40D6-9827-94B46EEDDC67}"/>
               </a:ext>
             </a:extLst>
           </p:cNvPr>
-          <p:cNvSpPr>
-            <a:spLocks noGrp="1"/>
+          <p:cNvSpPr txBox="1">
+            <a:spLocks/>
           </p:cNvSpPr>
-          <p:nvPr>
-            <p:ph idx="1"/>
-          </p:nvPr>
+          <p:nvPr/>
         </p:nvSpPr>
         <p:spPr>
           <a:xfrm>
-            <a:off x="250825" y="1000221"/>
-            <a:ext cx="8641655" cy="5146579"/>
+            <a:off x="341786" y="1120544"/>
+            <a:ext cx="4054367" cy="2348370"/>
           </a:xfrm>
+          <a:prstGeom prst="rect">
+            <a:avLst/>
+          </a:prstGeom>
         </p:spPr>
         <p:txBody>
-          <a:bodyPr tIns="0" bIns="0">
+          <a:bodyPr vert="horz" lIns="91440" tIns="45720" rIns="91440" bIns="45720" rtlCol="0">
             <a:noAutofit/>
           </a:bodyPr>
-          <a:lstStyle/>
-          <a:p>
-            <a:pPr>
+          <a:lstStyle>
+            <a:lvl1pPr marL="266700" indent="-266700" defTabSz="914400" latinLnBrk="1">
+              <a:lnSpc>
+                <a:spcPct val="150000"/>
+              </a:lnSpc>
+              <a:spcBef>
+                <a:spcPct val="0"/>
+              </a:spcBef>
               <a:buClr>
                 <a:schemeClr val="tx1">
                   <a:lumMod val="65000"/>
                   <a:lumOff val="35000"/>
                 </a:schemeClr>
               </a:buClr>
-              <a:defRPr/>
-            </a:pPr>
-            <a:r>
-              <a:rPr lang="ko-KR" altLang="en-US" dirty="0"/>
-              <a:t>프로젝트 만들기</a:t>
-            </a:r>
-          </a:p>
-          <a:p>
-            <a:pPr marL="609600" lvl="1" indent="-342900">
+              <a:buFont typeface="Wingdings" pitchFamily="2" charset="2"/>
+              <a:buChar char="n"/>
+              <a:defRPr sz="2000" b="1">
+                <a:latin typeface="+mn-ea"/>
+              </a:defRPr>
+            </a:lvl1pPr>
+            <a:lvl2pPr marL="447675" lvl="1" indent="-180975" defTabSz="914400" latinLnBrk="1">
+              <a:lnSpc>
+                <a:spcPct val="150000"/>
+              </a:lnSpc>
+              <a:spcBef>
+                <a:spcPts val="0"/>
+              </a:spcBef>
+              <a:spcAft>
+                <a:spcPts val="0"/>
+              </a:spcAft>
+              <a:buClr>
+                <a:schemeClr val="tx1">
+                  <a:lumMod val="50000"/>
+                  <a:lumOff val="50000"/>
+                </a:schemeClr>
+              </a:buClr>
+              <a:buFont typeface="Wingdings" pitchFamily="2" charset="2"/>
+              <a:buChar char="§"/>
+              <a:defRPr sz="1600"/>
+            </a:lvl2pPr>
+            <a:lvl3pPr marL="628650" indent="-180975" defTabSz="914400" latinLnBrk="1">
+              <a:lnSpc>
+                <a:spcPct val="150000"/>
+              </a:lnSpc>
+              <a:spcBef>
+                <a:spcPts val="500"/>
+              </a:spcBef>
+              <a:spcAft>
+                <a:spcPts val="300"/>
+              </a:spcAft>
               <a:buClr>
                 <a:schemeClr val="tx1">
                   <a:lumMod val="65000"/>
                   <a:lumOff val="35000"/>
                 </a:schemeClr>
               </a:buClr>
-              <a:buFont typeface="+mj-ea"/>
-              <a:buAutoNum type="circleNumDbPlain"/>
-              <a:defRPr/>
-            </a:pPr>
-            <a:r>
-              <a:rPr lang="en-US" altLang="ko-KR" dirty="0" err="1"/>
-              <a:t>Github</a:t>
-            </a:r>
-            <a:r>
-              <a:rPr lang="en-US" altLang="ko-KR" dirty="0"/>
-              <a:t> </a:t>
-            </a:r>
-            <a:r>
-              <a:rPr lang="ko-KR" altLang="en-US" dirty="0"/>
-              <a:t>등록</a:t>
-            </a:r>
-            <a:endParaRPr lang="en-US" altLang="ko-KR" dirty="0"/>
-          </a:p>
-          <a:p>
-            <a:pPr marL="609600" lvl="1" indent="-342900">
+              <a:buFont typeface="Arial" panose="020B0604020202020204" pitchFamily="34" charset="0"/>
+              <a:buChar char="•"/>
+              <a:defRPr sz="1400"/>
+            </a:lvl3pPr>
+            <a:lvl4pPr marL="809625" indent="-180975" defTabSz="914400" latinLnBrk="1">
+              <a:lnSpc>
+                <a:spcPct val="150000"/>
+              </a:lnSpc>
+              <a:spcBef>
+                <a:spcPts val="500"/>
+              </a:spcBef>
+              <a:spcAft>
+                <a:spcPts val="300"/>
+              </a:spcAft>
               <a:buClr>
                 <a:schemeClr val="tx1">
                   <a:lumMod val="65000"/>
                   <a:lumOff val="35000"/>
                 </a:schemeClr>
               </a:buClr>
-              <a:buFont typeface="+mj-ea"/>
-              <a:buAutoNum type="circleNumDbPlain"/>
-              <a:defRPr/>
-            </a:pPr>
-            <a:r>
-              <a:rPr lang="ko-KR" altLang="en-US" dirty="0"/>
-              <a:t>기존의 </a:t>
-            </a:r>
-            <a:r>
-              <a:rPr lang="ko-KR" altLang="en-US" dirty="0" err="1"/>
-              <a:t>브랜치를</a:t>
-            </a:r>
-            <a:r>
-              <a:rPr lang="ko-KR" altLang="en-US" dirty="0"/>
-              <a:t> 삭제하지 않으면 내용이 그대로 남아 있음</a:t>
-            </a:r>
-            <a:r>
-              <a:rPr lang="en-US" altLang="ko-KR" dirty="0"/>
-              <a:t>.</a:t>
-            </a:r>
-          </a:p>
-          <a:p>
-            <a:pPr marL="266700" lvl="1" indent="0">
+              <a:buSzPct val="96000"/>
+              <a:buFont typeface="Arial" panose="020B0604020202020204" pitchFamily="34" charset="0"/>
+              <a:buChar char="•"/>
+              <a:defRPr sz="1200"/>
+            </a:lvl4pPr>
+            <a:lvl5pPr marL="990600" indent="-180975" defTabSz="914400" latinLnBrk="1">
+              <a:lnSpc>
+                <a:spcPct val="150000"/>
+              </a:lnSpc>
+              <a:spcBef>
+                <a:spcPts val="500"/>
+              </a:spcBef>
               <a:buClr>
                 <a:schemeClr val="tx1">
                   <a:lumMod val="65000"/>
                   <a:lumOff val="35000"/>
                 </a:schemeClr>
               </a:buClr>
-              <a:buNone/>
-              <a:defRPr/>
+              <a:buFont typeface="Arial" panose="020B0604020202020204" pitchFamily="34" charset="0"/>
+              <a:buChar char="•"/>
+              <a:defRPr sz="1000"/>
+            </a:lvl5pPr>
+            <a:lvl6pPr marL="2514600" indent="-228600" defTabSz="914400" latinLnBrk="1">
+              <a:lnSpc>
+                <a:spcPct val="90000"/>
+              </a:lnSpc>
+              <a:spcBef>
+                <a:spcPts val="500"/>
+              </a:spcBef>
+              <a:buFont typeface="Arial" panose="020B0604020202020204" pitchFamily="34" charset="0"/>
+              <a:buChar char="•"/>
+            </a:lvl6pPr>
+            <a:lvl7pPr marL="2971800" indent="-228600" defTabSz="914400" latinLnBrk="1">
+              <a:lnSpc>
+                <a:spcPct val="90000"/>
+              </a:lnSpc>
+              <a:spcBef>
+                <a:spcPts val="500"/>
+              </a:spcBef>
+              <a:buFont typeface="Arial" panose="020B0604020202020204" pitchFamily="34" charset="0"/>
+              <a:buChar char="•"/>
+            </a:lvl7pPr>
+            <a:lvl8pPr marL="3429000" indent="-228600" defTabSz="914400" latinLnBrk="1">
+              <a:lnSpc>
+                <a:spcPct val="90000"/>
+              </a:lnSpc>
+              <a:spcBef>
+                <a:spcPts val="500"/>
+              </a:spcBef>
+              <a:buFont typeface="Arial" panose="020B0604020202020204" pitchFamily="34" charset="0"/>
+              <a:buChar char="•"/>
+            </a:lvl8pPr>
+            <a:lvl9pPr marL="3886200" indent="-228600" defTabSz="914400" latinLnBrk="1">
+              <a:lnSpc>
+                <a:spcPct val="90000"/>
+              </a:lnSpc>
+              <a:spcBef>
+                <a:spcPts val="500"/>
+              </a:spcBef>
+              <a:buFont typeface="Arial" panose="020B0604020202020204" pitchFamily="34" charset="0"/>
+              <a:buChar char="•"/>
+            </a:lvl9pPr>
+          </a:lstStyle>
+          <a:p>
+            <a:r>
+              <a:rPr lang="en-US" altLang="ko-KR" dirty="0"/>
+              <a:t>Fork</a:t>
+            </a:r>
+          </a:p>
+          <a:p>
+            <a:pPr lvl="1"/>
+            <a:r>
+              <a:rPr lang="en-US" altLang="ko-KR" dirty="0"/>
+              <a:t>Fork</a:t>
+            </a:r>
+            <a:r>
+              <a:rPr lang="ko-KR" altLang="en-US" dirty="0"/>
+              <a:t>의 목적</a:t>
+            </a:r>
+            <a:endParaRPr lang="en-US" altLang="ko-KR" dirty="0"/>
+          </a:p>
+          <a:p>
+            <a:pPr lvl="1"/>
+            <a:r>
+              <a:rPr lang="ko-KR" altLang="en-US" dirty="0"/>
+              <a:t>작업 순서도 </a:t>
+            </a:r>
+            <a:endParaRPr lang="en-US" altLang="ko-KR" dirty="0"/>
+          </a:p>
+          <a:p>
+            <a:pPr marL="441325" lvl="1" indent="-174625">
+              <a:buAutoNum type="arabicPeriod"/>
             </a:pPr>
-            <a:r>
-              <a:rPr lang="en-US" altLang="ko-KR" dirty="0"/>
-              <a:t>      remote</a:t>
-            </a:r>
-            <a:r>
-              <a:rPr lang="ko-KR" altLang="en-US" dirty="0"/>
-              <a:t>의 </a:t>
-            </a:r>
-            <a:r>
-              <a:rPr lang="en-US" altLang="ko-KR" dirty="0"/>
-              <a:t>pull </a:t>
-            </a:r>
-            <a:r>
-              <a:rPr lang="ko-KR" altLang="en-US" dirty="0"/>
-              <a:t>기능을 대신할 수 있는 기능은 무엇</a:t>
-            </a:r>
-            <a:r>
-              <a:rPr lang="en-US" altLang="ko-KR" dirty="0"/>
-              <a:t>?</a:t>
-            </a:r>
-          </a:p>
-          <a:p>
-            <a:pPr marL="266700" lvl="1" indent="0">
-              <a:buClr>
-                <a:schemeClr val="tx1">
-                  <a:lumMod val="65000"/>
-                  <a:lumOff val="35000"/>
-                </a:schemeClr>
-              </a:buClr>
-              <a:buNone/>
-              <a:defRPr/>
+            <a:endParaRPr lang="en-US" altLang="ko-KR" dirty="0"/>
+          </a:p>
+          <a:p>
+            <a:pPr marL="441325" lvl="1" indent="-174625">
+              <a:buAutoNum type="arabicPeriod"/>
             </a:pPr>
-            <a:r>
-              <a:rPr lang="ko-KR" altLang="en-US" dirty="0"/>
-              <a:t>한번 </a:t>
-            </a:r>
-            <a:r>
-              <a:rPr lang="en-US" altLang="ko-KR" dirty="0"/>
-              <a:t>merge</a:t>
-            </a:r>
-            <a:r>
-              <a:rPr lang="ko-KR" altLang="en-US" dirty="0"/>
-              <a:t>하면 다시 </a:t>
-            </a:r>
-            <a:r>
-              <a:rPr lang="en-US" altLang="ko-KR" dirty="0"/>
-              <a:t>commit</a:t>
-            </a:r>
-            <a:r>
-              <a:rPr lang="ko-KR" altLang="en-US" dirty="0"/>
-              <a:t>하지 않는 한 </a:t>
-            </a:r>
-            <a:r>
-              <a:rPr lang="en-US" altLang="ko-KR" dirty="0"/>
-              <a:t>merge </a:t>
-            </a:r>
-            <a:r>
-              <a:rPr lang="ko-KR" altLang="en-US" dirty="0"/>
-              <a:t>안됨</a:t>
-            </a:r>
-            <a:r>
-              <a:rPr lang="en-US" altLang="ko-KR" dirty="0"/>
-              <a:t>.</a:t>
-            </a:r>
-          </a:p>
-          <a:p>
-            <a:pPr marL="609600" lvl="1" indent="-342900">
-              <a:buClr>
-                <a:schemeClr val="tx1">
-                  <a:lumMod val="65000"/>
-                  <a:lumOff val="35000"/>
-                </a:schemeClr>
-              </a:buClr>
-              <a:buFont typeface="+mj-ea"/>
-              <a:buAutoNum type="circleNumDbPlain"/>
-              <a:defRPr/>
+            <a:endParaRPr lang="en-US" altLang="ko-KR" dirty="0"/>
+          </a:p>
+          <a:p>
+            <a:pPr marL="441325" lvl="1" indent="-174625">
+              <a:buAutoNum type="arabicPeriod"/>
             </a:pPr>
-            <a:r>
-              <a:rPr lang="en-US" altLang="ko-KR" dirty="0">
-                <a:solidFill>
-                  <a:srgbClr val="FF0000"/>
-                </a:solidFill>
-              </a:rPr>
-              <a:t>Clone</a:t>
-            </a:r>
-            <a:r>
-              <a:rPr lang="ko-KR" altLang="en-US" dirty="0">
-                <a:solidFill>
-                  <a:srgbClr val="FF0000"/>
-                </a:solidFill>
-              </a:rPr>
-              <a:t>과 </a:t>
-            </a:r>
-            <a:r>
-              <a:rPr lang="en-US" altLang="ko-KR" dirty="0">
-                <a:solidFill>
-                  <a:srgbClr val="FF0000"/>
-                </a:solidFill>
-              </a:rPr>
-              <a:t>pull</a:t>
-            </a:r>
-            <a:r>
-              <a:rPr lang="ko-KR" altLang="en-US" dirty="0">
-                <a:solidFill>
-                  <a:srgbClr val="FF0000"/>
-                </a:solidFill>
-              </a:rPr>
-              <a:t>이</a:t>
-            </a:r>
-            <a:r>
-              <a:rPr lang="en-US" altLang="ko-KR" dirty="0">
-                <a:solidFill>
-                  <a:srgbClr val="FF0000"/>
-                </a:solidFill>
-              </a:rPr>
-              <a:t> </a:t>
-            </a:r>
-            <a:r>
-              <a:rPr lang="ko-KR" altLang="en-US" dirty="0">
-                <a:solidFill>
-                  <a:srgbClr val="FF0000"/>
-                </a:solidFill>
-              </a:rPr>
-              <a:t>차이</a:t>
-            </a:r>
-            <a:r>
-              <a:rPr lang="en-US" altLang="ko-KR" dirty="0">
-                <a:solidFill>
-                  <a:srgbClr val="FF0000"/>
-                </a:solidFill>
-              </a:rPr>
-              <a:t>, </a:t>
-            </a:r>
-            <a:r>
-              <a:rPr lang="ko-KR" altLang="en-US" dirty="0">
-                <a:solidFill>
-                  <a:srgbClr val="FF0000"/>
-                </a:solidFill>
-              </a:rPr>
-              <a:t>로컬에서 자동 연결 삭제 방법 확인</a:t>
-            </a:r>
-            <a:endParaRPr lang="en-US" altLang="ko-KR" dirty="0">
-              <a:solidFill>
-                <a:srgbClr val="FF0000"/>
-              </a:solidFill>
-            </a:endParaRPr>
-          </a:p>
-          <a:p>
-            <a:endParaRPr lang="ko-KR" altLang="en-US" dirty="0">
-              <a:solidFill>
-                <a:srgbClr val="FF0000"/>
-              </a:solidFill>
-            </a:endParaRPr>
+            <a:endParaRPr lang="en-US" altLang="ko-KR" dirty="0"/>
+          </a:p>
+          <a:p>
+            <a:pPr marL="441325" lvl="1" indent="-174625">
+              <a:buAutoNum type="arabicPeriod"/>
+            </a:pPr>
+            <a:endParaRPr lang="en-US" altLang="ko-KR" dirty="0"/>
+          </a:p>
+          <a:p>
+            <a:pPr marL="441325" lvl="1" indent="-174625">
+              <a:buAutoNum type="arabicPeriod"/>
+            </a:pPr>
+            <a:endParaRPr lang="en-US" altLang="ko-KR" dirty="0"/>
           </a:p>
         </p:txBody>
       </p:sp>
     </p:spTree>
     <p:extLst>
       <p:ext uri="{BB962C8B-B14F-4D97-AF65-F5344CB8AC3E}">
-        <p14:creationId xmlns:p14="http://schemas.microsoft.com/office/powerpoint/2010/main" val="2239061091"/>
+        <p14:creationId xmlns:p14="http://schemas.microsoft.com/office/powerpoint/2010/main" val="1739576219"/>
       </p:ext>
     </p:extLst>
   </p:cSld>
@@ -20828,7 +21121,7 @@
           <a:p>
             <a:r>
               <a:rPr lang="ko-KR" altLang="en-US" dirty="0"/>
-              <a:t>대학생 특별 가입</a:t>
+              <a:t>협업시작하기</a:t>
             </a:r>
           </a:p>
         </p:txBody>
@@ -20872,6 +21165,328 @@
             </a:pPr>
             <a:r>
               <a:rPr lang="ko-KR" altLang="en-US" dirty="0"/>
+              <a:t>프로젝트 만들기</a:t>
+            </a:r>
+          </a:p>
+          <a:p>
+            <a:pPr marL="609600" lvl="1" indent="-342900">
+              <a:buClr>
+                <a:schemeClr val="tx1">
+                  <a:lumMod val="65000"/>
+                  <a:lumOff val="35000"/>
+                </a:schemeClr>
+              </a:buClr>
+              <a:buFont typeface="+mj-ea"/>
+              <a:buAutoNum type="circleNumDbPlain"/>
+              <a:defRPr/>
+            </a:pPr>
+            <a:r>
+              <a:rPr lang="en-US" altLang="ko-KR" dirty="0" err="1"/>
+              <a:t>Github</a:t>
+            </a:r>
+            <a:r>
+              <a:rPr lang="en-US" altLang="ko-KR" dirty="0"/>
+              <a:t> </a:t>
+            </a:r>
+            <a:r>
+              <a:rPr lang="ko-KR" altLang="en-US" dirty="0"/>
+              <a:t>등록</a:t>
+            </a:r>
+            <a:endParaRPr lang="en-US" altLang="ko-KR" dirty="0"/>
+          </a:p>
+          <a:p>
+            <a:pPr marL="609600" lvl="1" indent="-342900">
+              <a:buClr>
+                <a:schemeClr val="tx1">
+                  <a:lumMod val="65000"/>
+                  <a:lumOff val="35000"/>
+                </a:schemeClr>
+              </a:buClr>
+              <a:buFont typeface="+mj-ea"/>
+              <a:buAutoNum type="circleNumDbPlain"/>
+              <a:defRPr/>
+            </a:pPr>
+            <a:r>
+              <a:rPr lang="ko-KR" altLang="en-US" dirty="0"/>
+              <a:t>기존의 </a:t>
+            </a:r>
+            <a:r>
+              <a:rPr lang="ko-KR" altLang="en-US" dirty="0" err="1"/>
+              <a:t>브랜치를</a:t>
+            </a:r>
+            <a:r>
+              <a:rPr lang="ko-KR" altLang="en-US" dirty="0"/>
+              <a:t> 삭제하지 않으면 내용이 그대로 남아 있음</a:t>
+            </a:r>
+            <a:r>
+              <a:rPr lang="en-US" altLang="ko-KR" dirty="0"/>
+              <a:t>.</a:t>
+            </a:r>
+          </a:p>
+          <a:p>
+            <a:pPr marL="266700" lvl="1" indent="0">
+              <a:buClr>
+                <a:schemeClr val="tx1">
+                  <a:lumMod val="65000"/>
+                  <a:lumOff val="35000"/>
+                </a:schemeClr>
+              </a:buClr>
+              <a:buNone/>
+              <a:defRPr/>
+            </a:pPr>
+            <a:r>
+              <a:rPr lang="en-US" altLang="ko-KR" dirty="0"/>
+              <a:t>      remote</a:t>
+            </a:r>
+            <a:r>
+              <a:rPr lang="ko-KR" altLang="en-US" dirty="0"/>
+              <a:t>의 </a:t>
+            </a:r>
+            <a:r>
+              <a:rPr lang="en-US" altLang="ko-KR" dirty="0"/>
+              <a:t>pull </a:t>
+            </a:r>
+            <a:r>
+              <a:rPr lang="ko-KR" altLang="en-US" dirty="0"/>
+              <a:t>기능을 대신할 수 있는 기능은 무엇</a:t>
+            </a:r>
+            <a:r>
+              <a:rPr lang="en-US" altLang="ko-KR" dirty="0"/>
+              <a:t>?</a:t>
+            </a:r>
+          </a:p>
+          <a:p>
+            <a:pPr marL="266700" lvl="1" indent="0">
+              <a:buClr>
+                <a:schemeClr val="tx1">
+                  <a:lumMod val="65000"/>
+                  <a:lumOff val="35000"/>
+                </a:schemeClr>
+              </a:buClr>
+              <a:buNone/>
+              <a:defRPr/>
+            </a:pPr>
+            <a:r>
+              <a:rPr lang="ko-KR" altLang="en-US" dirty="0"/>
+              <a:t>한번 </a:t>
+            </a:r>
+            <a:r>
+              <a:rPr lang="en-US" altLang="ko-KR" dirty="0"/>
+              <a:t>merge</a:t>
+            </a:r>
+            <a:r>
+              <a:rPr lang="ko-KR" altLang="en-US" dirty="0"/>
+              <a:t>하면 다시 </a:t>
+            </a:r>
+            <a:r>
+              <a:rPr lang="en-US" altLang="ko-KR" dirty="0"/>
+              <a:t>commit</a:t>
+            </a:r>
+            <a:r>
+              <a:rPr lang="ko-KR" altLang="en-US" dirty="0"/>
+              <a:t>하지 않는 한 </a:t>
+            </a:r>
+            <a:r>
+              <a:rPr lang="en-US" altLang="ko-KR" dirty="0"/>
+              <a:t>merge </a:t>
+            </a:r>
+            <a:r>
+              <a:rPr lang="ko-KR" altLang="en-US" dirty="0"/>
+              <a:t>안됨</a:t>
+            </a:r>
+            <a:r>
+              <a:rPr lang="en-US" altLang="ko-KR" dirty="0"/>
+              <a:t>.</a:t>
+            </a:r>
+          </a:p>
+          <a:p>
+            <a:pPr marL="609600" lvl="1" indent="-342900">
+              <a:buClr>
+                <a:schemeClr val="tx1">
+                  <a:lumMod val="65000"/>
+                  <a:lumOff val="35000"/>
+                </a:schemeClr>
+              </a:buClr>
+              <a:buFont typeface="+mj-ea"/>
+              <a:buAutoNum type="circleNumDbPlain"/>
+              <a:defRPr/>
+            </a:pPr>
+            <a:r>
+              <a:rPr lang="en-US" altLang="ko-KR" dirty="0">
+                <a:solidFill>
+                  <a:srgbClr val="FF0000"/>
+                </a:solidFill>
+              </a:rPr>
+              <a:t>Clone</a:t>
+            </a:r>
+            <a:r>
+              <a:rPr lang="ko-KR" altLang="en-US" dirty="0">
+                <a:solidFill>
+                  <a:srgbClr val="FF0000"/>
+                </a:solidFill>
+              </a:rPr>
+              <a:t>과 </a:t>
+            </a:r>
+            <a:r>
+              <a:rPr lang="en-US" altLang="ko-KR" dirty="0">
+                <a:solidFill>
+                  <a:srgbClr val="FF0000"/>
+                </a:solidFill>
+              </a:rPr>
+              <a:t>pull</a:t>
+            </a:r>
+            <a:r>
+              <a:rPr lang="ko-KR" altLang="en-US" dirty="0">
+                <a:solidFill>
+                  <a:srgbClr val="FF0000"/>
+                </a:solidFill>
+              </a:rPr>
+              <a:t>이</a:t>
+            </a:r>
+            <a:r>
+              <a:rPr lang="en-US" altLang="ko-KR" dirty="0">
+                <a:solidFill>
+                  <a:srgbClr val="FF0000"/>
+                </a:solidFill>
+              </a:rPr>
+              <a:t> </a:t>
+            </a:r>
+            <a:r>
+              <a:rPr lang="ko-KR" altLang="en-US" dirty="0">
+                <a:solidFill>
+                  <a:srgbClr val="FF0000"/>
+                </a:solidFill>
+              </a:rPr>
+              <a:t>차이</a:t>
+            </a:r>
+            <a:r>
+              <a:rPr lang="en-US" altLang="ko-KR" dirty="0">
+                <a:solidFill>
+                  <a:srgbClr val="FF0000"/>
+                </a:solidFill>
+              </a:rPr>
+              <a:t>, </a:t>
+            </a:r>
+            <a:r>
+              <a:rPr lang="ko-KR" altLang="en-US" dirty="0">
+                <a:solidFill>
+                  <a:srgbClr val="FF0000"/>
+                </a:solidFill>
+              </a:rPr>
+              <a:t>로컬에서 자동 연결 삭제 방법 확인</a:t>
+            </a:r>
+            <a:endParaRPr lang="en-US" altLang="ko-KR" dirty="0">
+              <a:solidFill>
+                <a:srgbClr val="FF0000"/>
+              </a:solidFill>
+            </a:endParaRPr>
+          </a:p>
+          <a:p>
+            <a:endParaRPr lang="ko-KR" altLang="en-US" dirty="0">
+              <a:solidFill>
+                <a:srgbClr val="FF0000"/>
+              </a:solidFill>
+            </a:endParaRPr>
+          </a:p>
+        </p:txBody>
+      </p:sp>
+    </p:spTree>
+    <p:extLst>
+      <p:ext uri="{BB962C8B-B14F-4D97-AF65-F5344CB8AC3E}">
+        <p14:creationId xmlns:p14="http://schemas.microsoft.com/office/powerpoint/2010/main" val="2239061091"/>
+      </p:ext>
+    </p:extLst>
+  </p:cSld>
+  <p:clrMapOvr>
+    <a:masterClrMapping/>
+  </p:clrMapOvr>
+</p:sld>
+</file>
+
+<file path=ppt/slides/slide38.xml><?xml version="1.0" encoding="utf-8"?>
+<p:sld xmlns:a="http://schemas.openxmlformats.org/drawingml/2006/main" xmlns:r="http://schemas.openxmlformats.org/officeDocument/2006/relationships" xmlns:p="http://schemas.openxmlformats.org/presentationml/2006/main">
+  <p:cSld>
+    <p:spTree>
+      <p:nvGrpSpPr>
+        <p:cNvPr id="1" name=""/>
+        <p:cNvGrpSpPr/>
+        <p:nvPr/>
+      </p:nvGrpSpPr>
+      <p:grpSpPr>
+        <a:xfrm>
+          <a:off x="0" y="0"/>
+          <a:ext cx="0" cy="0"/>
+          <a:chOff x="0" y="0"/>
+          <a:chExt cx="0" cy="0"/>
+        </a:xfrm>
+      </p:grpSpPr>
+      <p:sp>
+        <p:nvSpPr>
+          <p:cNvPr id="4" name="제목 3">
+            <a:extLst>
+              <a:ext uri="{FF2B5EF4-FFF2-40B4-BE49-F238E27FC236}">
+                <a16:creationId xmlns:a16="http://schemas.microsoft.com/office/drawing/2014/main" id="{F0CEB32B-CB43-4410-BA08-A97E4BC47FCB}"/>
+              </a:ext>
+            </a:extLst>
+          </p:cNvPr>
+          <p:cNvSpPr>
+            <a:spLocks noGrp="1"/>
+          </p:cNvSpPr>
+          <p:nvPr>
+            <p:ph type="title"/>
+          </p:nvPr>
+        </p:nvSpPr>
+        <p:spPr/>
+        <p:txBody>
+          <a:bodyPr/>
+          <a:lstStyle/>
+          <a:p>
+            <a:r>
+              <a:rPr lang="ko-KR" altLang="en-US" dirty="0"/>
+              <a:t>대학생 특별 가입</a:t>
+            </a:r>
+          </a:p>
+        </p:txBody>
+      </p:sp>
+      <p:sp>
+        <p:nvSpPr>
+          <p:cNvPr id="5" name="내용 개체 틀 4">
+            <a:extLst>
+              <a:ext uri="{FF2B5EF4-FFF2-40B4-BE49-F238E27FC236}">
+                <a16:creationId xmlns:a16="http://schemas.microsoft.com/office/drawing/2014/main" id="{FDF69C25-9F43-470B-8A20-AEDC0F371CCD}"/>
+              </a:ext>
+            </a:extLst>
+          </p:cNvPr>
+          <p:cNvSpPr>
+            <a:spLocks noGrp="1"/>
+          </p:cNvSpPr>
+          <p:nvPr>
+            <p:ph idx="1"/>
+          </p:nvPr>
+        </p:nvSpPr>
+        <p:spPr>
+          <a:xfrm>
+            <a:off x="250825" y="1000221"/>
+            <a:ext cx="8641655" cy="5146579"/>
+          </a:xfrm>
+        </p:spPr>
+        <p:txBody>
+          <a:bodyPr tIns="0" bIns="0">
+            <a:noAutofit/>
+          </a:bodyPr>
+          <a:lstStyle/>
+          <a:p>
+            <a:pPr>
+              <a:buClr>
+                <a:schemeClr val="tx1">
+                  <a:lumMod val="65000"/>
+                  <a:lumOff val="35000"/>
+                </a:schemeClr>
+              </a:buClr>
+              <a:defRPr/>
+            </a:pPr>
+            <a:r>
+              <a:rPr lang="ko-KR" altLang="en-US" dirty="0"/>
               <a:t>대학생 </a:t>
             </a:r>
             <a:r>
@@ -20927,7 +21542,7 @@
 </p:sld>
 </file>
 
-<file path=ppt/slides/slide38.xml><?xml version="1.0" encoding="utf-8"?>
+<file path=ppt/slides/slide39.xml><?xml version="1.0" encoding="utf-8"?>
 <p:sld xmlns:a="http://schemas.openxmlformats.org/drawingml/2006/main" xmlns:r="http://schemas.openxmlformats.org/officeDocument/2006/relationships" xmlns:p="http://schemas.openxmlformats.org/presentationml/2006/main">
   <p:cSld>
     <p:spTree>
@@ -22908,116 +23523,6 @@
 </p:sld>
 </file>
 
-<file path=ppt/slides/slide39.xml><?xml version="1.0" encoding="utf-8"?>
-<p:sld xmlns:a="http://schemas.openxmlformats.org/drawingml/2006/main" xmlns:r="http://schemas.openxmlformats.org/officeDocument/2006/relationships" xmlns:p="http://schemas.openxmlformats.org/presentationml/2006/main">
-  <p:cSld>
-    <p:spTree>
-      <p:nvGrpSpPr>
-        <p:cNvPr id="1" name=""/>
-        <p:cNvGrpSpPr/>
-        <p:nvPr/>
-      </p:nvGrpSpPr>
-      <p:grpSpPr>
-        <a:xfrm>
-          <a:off x="0" y="0"/>
-          <a:ext cx="0" cy="0"/>
-          <a:chOff x="0" y="0"/>
-          <a:chExt cx="0" cy="0"/>
-        </a:xfrm>
-      </p:grpSpPr>
-      <p:sp>
-        <p:nvSpPr>
-          <p:cNvPr id="4" name="제목 3">
-            <a:extLst>
-              <a:ext uri="{FF2B5EF4-FFF2-40B4-BE49-F238E27FC236}">
-                <a16:creationId xmlns:a16="http://schemas.microsoft.com/office/drawing/2014/main" id="{F0CEB32B-CB43-4410-BA08-A97E4BC47FCB}"/>
-              </a:ext>
-            </a:extLst>
-          </p:cNvPr>
-          <p:cNvSpPr>
-            <a:spLocks noGrp="1"/>
-          </p:cNvSpPr>
-          <p:nvPr>
-            <p:ph type="title"/>
-          </p:nvPr>
-        </p:nvSpPr>
-        <p:spPr/>
-        <p:txBody>
-          <a:bodyPr/>
-          <a:lstStyle/>
-          <a:p>
-            <a:r>
-              <a:rPr lang="ko-KR" altLang="en-US" dirty="0"/>
-              <a:t>대학생 특별 가입</a:t>
-            </a:r>
-          </a:p>
-        </p:txBody>
-      </p:sp>
-      <p:sp>
-        <p:nvSpPr>
-          <p:cNvPr id="5" name="내용 개체 틀 4">
-            <a:extLst>
-              <a:ext uri="{FF2B5EF4-FFF2-40B4-BE49-F238E27FC236}">
-                <a16:creationId xmlns:a16="http://schemas.microsoft.com/office/drawing/2014/main" id="{FDF69C25-9F43-470B-8A20-AEDC0F371CCD}"/>
-              </a:ext>
-            </a:extLst>
-          </p:cNvPr>
-          <p:cNvSpPr>
-            <a:spLocks noGrp="1"/>
-          </p:cNvSpPr>
-          <p:nvPr>
-            <p:ph idx="1"/>
-          </p:nvPr>
-        </p:nvSpPr>
-        <p:spPr>
-          <a:xfrm>
-            <a:off x="250825" y="1000221"/>
-            <a:ext cx="8641655" cy="5146579"/>
-          </a:xfrm>
-        </p:spPr>
-        <p:txBody>
-          <a:bodyPr tIns="0" bIns="0">
-            <a:noAutofit/>
-          </a:bodyPr>
-          <a:lstStyle/>
-          <a:p>
-            <a:pPr>
-              <a:buClr>
-                <a:schemeClr val="tx1">
-                  <a:lumMod val="65000"/>
-                  <a:lumOff val="35000"/>
-                </a:schemeClr>
-              </a:buClr>
-              <a:defRPr/>
-            </a:pPr>
-            <a:r>
-              <a:rPr lang="ko-KR" altLang="en-US" dirty="0"/>
-              <a:t>접근 오류 해결 방법</a:t>
-            </a:r>
-            <a:endParaRPr lang="en-US" altLang="ko-KR" dirty="0"/>
-          </a:p>
-          <a:p>
-            <a:endParaRPr lang="ko-KR" altLang="en-US" dirty="0">
-              <a:solidFill>
-                <a:srgbClr val="FF0000"/>
-              </a:solidFill>
-            </a:endParaRPr>
-          </a:p>
-        </p:txBody>
-      </p:sp>
-    </p:spTree>
-    <p:extLst>
-      <p:ext uri="{BB962C8B-B14F-4D97-AF65-F5344CB8AC3E}">
-        <p14:creationId xmlns:p14="http://schemas.microsoft.com/office/powerpoint/2010/main" val="3973995856"/>
-      </p:ext>
-    </p:extLst>
-  </p:cSld>
-  <p:clrMapOvr>
-    <a:masterClrMapping/>
-  </p:clrMapOvr>
-</p:sld>
-</file>
-
 <file path=ppt/slides/slide4.xml><?xml version="1.0" encoding="utf-8"?>
 <p:sld xmlns:a="http://schemas.openxmlformats.org/drawingml/2006/main" xmlns:r="http://schemas.openxmlformats.org/officeDocument/2006/relationships" xmlns:p="http://schemas.openxmlformats.org/presentationml/2006/main">
   <p:cSld>
@@ -23794,13 +24299,8 @@
           <a:p>
             <a:r>
               <a:rPr lang="ko-KR" altLang="en-US" dirty="0"/>
-              <a:t>협업방식 </a:t>
-            </a:r>
-            <a:r>
-              <a:rPr lang="en-US" altLang="ko-KR" dirty="0"/>
-              <a:t>1</a:t>
-            </a:r>
-            <a:endParaRPr lang="ko-KR" altLang="en-US" dirty="0"/>
+              <a:t>대학생 특별 가입</a:t>
+            </a:r>
           </a:p>
         </p:txBody>
       </p:sp>
@@ -23842,522 +24342,12 @@
               <a:defRPr/>
             </a:pPr>
             <a:r>
-              <a:rPr lang="en-US" altLang="ko-KR" dirty="0"/>
-              <a:t>Centralized workflow (collab </a:t>
-            </a:r>
-            <a:r>
               <a:rPr lang="ko-KR" altLang="en-US" dirty="0"/>
-              <a:t>참여자가 모두가 결정하고 수정 진행</a:t>
-            </a:r>
-            <a:r>
-              <a:rPr lang="en-US" altLang="ko-KR" dirty="0"/>
-              <a:t>)</a:t>
-            </a:r>
-          </a:p>
-          <a:p>
-            <a:pPr marL="534988" lvl="1" indent="-268288">
-              <a:spcBef>
-                <a:spcPts val="0"/>
-              </a:spcBef>
-              <a:spcAft>
-                <a:spcPts val="0"/>
-              </a:spcAft>
-              <a:buClr>
-                <a:schemeClr val="tx1">
-                  <a:lumMod val="65000"/>
-                  <a:lumOff val="35000"/>
-                </a:schemeClr>
-              </a:buClr>
-              <a:buFont typeface="+mj-ea"/>
-              <a:buAutoNum type="circleNumDbPlain"/>
-              <a:defRPr/>
-            </a:pPr>
-            <a:r>
-              <a:rPr lang="en-US" altLang="ko-KR" dirty="0"/>
-              <a:t>Local </a:t>
-            </a:r>
-            <a:r>
-              <a:rPr lang="ko-KR" altLang="en-US" dirty="0"/>
-              <a:t>작업</a:t>
+              <a:t>접근 오류 해결 방법</a:t>
             </a:r>
             <a:endParaRPr lang="en-US" altLang="ko-KR" dirty="0"/>
           </a:p>
           <a:p>
-            <a:pPr marL="534988" lvl="1" indent="-268288">
-              <a:spcBef>
-                <a:spcPts val="0"/>
-              </a:spcBef>
-              <a:spcAft>
-                <a:spcPts val="0"/>
-              </a:spcAft>
-              <a:buClr>
-                <a:schemeClr val="tx1">
-                  <a:lumMod val="65000"/>
-                  <a:lumOff val="35000"/>
-                </a:schemeClr>
-              </a:buClr>
-              <a:buFont typeface="+mj-ea"/>
-              <a:buAutoNum type="circleNumDbPlain"/>
-              <a:defRPr/>
-            </a:pPr>
-            <a:r>
-              <a:rPr lang="ko-KR" altLang="en-US" dirty="0"/>
-              <a:t>원격</a:t>
-            </a:r>
-            <a:r>
-              <a:rPr lang="en-US" altLang="ko-KR" dirty="0"/>
-              <a:t>repo  </a:t>
-            </a:r>
-            <a:r>
-              <a:rPr lang="ko-KR" altLang="en-US" dirty="0"/>
-              <a:t>만들기</a:t>
-            </a:r>
-            <a:r>
-              <a:rPr lang="en-US" altLang="ko-KR" dirty="0"/>
-              <a:t>, collaborator</a:t>
-            </a:r>
-          </a:p>
-          <a:p>
-            <a:pPr marL="534988" lvl="1" indent="-268288">
-              <a:spcBef>
-                <a:spcPts val="0"/>
-              </a:spcBef>
-              <a:spcAft>
-                <a:spcPts val="0"/>
-              </a:spcAft>
-              <a:buClr>
-                <a:schemeClr val="tx1">
-                  <a:lumMod val="65000"/>
-                  <a:lumOff val="35000"/>
-                </a:schemeClr>
-              </a:buClr>
-              <a:buFont typeface="+mj-ea"/>
-              <a:buAutoNum type="circleNumDbPlain"/>
-              <a:defRPr/>
-            </a:pPr>
-            <a:r>
-              <a:rPr lang="en-US" altLang="ko-KR" dirty="0"/>
-              <a:t>Push</a:t>
-            </a:r>
-            <a:r>
-              <a:rPr lang="ko-KR" altLang="en-US" dirty="0"/>
-              <a:t>하기 </a:t>
-            </a:r>
-            <a:endParaRPr lang="en-US" altLang="ko-KR" dirty="0"/>
-          </a:p>
-          <a:p>
-            <a:pPr marL="534988" lvl="1" indent="-268288">
-              <a:spcBef>
-                <a:spcPts val="0"/>
-              </a:spcBef>
-              <a:spcAft>
-                <a:spcPts val="0"/>
-              </a:spcAft>
-              <a:buClr>
-                <a:schemeClr val="tx1">
-                  <a:lumMod val="65000"/>
-                  <a:lumOff val="35000"/>
-                </a:schemeClr>
-              </a:buClr>
-              <a:buFont typeface="+mj-ea"/>
-              <a:buAutoNum type="circleNumDbPlain"/>
-              <a:defRPr/>
-            </a:pPr>
-            <a:r>
-              <a:rPr lang="en-US" altLang="ko-KR" dirty="0"/>
-              <a:t>Collab clone</a:t>
-            </a:r>
-            <a:r>
-              <a:rPr lang="ko-KR" altLang="en-US" dirty="0"/>
-              <a:t>하기</a:t>
-            </a:r>
-            <a:endParaRPr lang="en-US" altLang="ko-KR" dirty="0"/>
-          </a:p>
-          <a:p>
-            <a:pPr marL="534988" lvl="1" indent="-268288">
-              <a:spcBef>
-                <a:spcPts val="0"/>
-              </a:spcBef>
-              <a:spcAft>
-                <a:spcPts val="0"/>
-              </a:spcAft>
-              <a:buClr>
-                <a:schemeClr val="tx1">
-                  <a:lumMod val="65000"/>
-                  <a:lumOff val="35000"/>
-                </a:schemeClr>
-              </a:buClr>
-              <a:buFont typeface="+mj-ea"/>
-              <a:buAutoNum type="circleNumDbPlain"/>
-              <a:defRPr/>
-            </a:pPr>
-            <a:r>
-              <a:rPr lang="en-US" altLang="ko-KR" dirty="0"/>
-              <a:t>1 </a:t>
-            </a:r>
-            <a:r>
-              <a:rPr lang="ko-KR" altLang="en-US" dirty="0"/>
-              <a:t>수정하고 </a:t>
-            </a:r>
-            <a:r>
-              <a:rPr lang="en-US" altLang="ko-KR" dirty="0"/>
-              <a:t>push</a:t>
-            </a:r>
-            <a:r>
-              <a:rPr lang="ko-KR" altLang="en-US" dirty="0"/>
-              <a:t>하기</a:t>
-            </a:r>
-            <a:endParaRPr lang="en-US" altLang="ko-KR" dirty="0"/>
-          </a:p>
-          <a:p>
-            <a:pPr marL="534988" lvl="1" indent="-268288">
-              <a:spcBef>
-                <a:spcPts val="0"/>
-              </a:spcBef>
-              <a:spcAft>
-                <a:spcPts val="0"/>
-              </a:spcAft>
-              <a:buClr>
-                <a:schemeClr val="tx1">
-                  <a:lumMod val="65000"/>
-                  <a:lumOff val="35000"/>
-                </a:schemeClr>
-              </a:buClr>
-              <a:buFont typeface="+mj-ea"/>
-              <a:buAutoNum type="circleNumDbPlain"/>
-              <a:defRPr/>
-            </a:pPr>
-            <a:r>
-              <a:rPr lang="en-US" altLang="ko-KR" dirty="0"/>
-              <a:t>2 </a:t>
-            </a:r>
-            <a:r>
-              <a:rPr lang="ko-KR" altLang="en-US" dirty="0"/>
-              <a:t>수정하고 </a:t>
-            </a:r>
-            <a:r>
-              <a:rPr lang="en-US" altLang="ko-KR" dirty="0"/>
-              <a:t>push</a:t>
-            </a:r>
-            <a:r>
-              <a:rPr lang="ko-KR" altLang="en-US" dirty="0"/>
-              <a:t>하기</a:t>
-            </a:r>
-            <a:endParaRPr lang="en-US" altLang="ko-KR" dirty="0"/>
-          </a:p>
-          <a:p>
-            <a:pPr marL="534988" lvl="1" indent="-268288">
-              <a:spcBef>
-                <a:spcPts val="0"/>
-              </a:spcBef>
-              <a:spcAft>
-                <a:spcPts val="0"/>
-              </a:spcAft>
-              <a:buClr>
-                <a:schemeClr val="tx1">
-                  <a:lumMod val="65000"/>
-                  <a:lumOff val="35000"/>
-                </a:schemeClr>
-              </a:buClr>
-              <a:buFont typeface="+mj-ea"/>
-              <a:buAutoNum type="circleNumDbPlain"/>
-              <a:defRPr/>
-            </a:pPr>
-            <a:r>
-              <a:rPr lang="en-US" altLang="ko-KR" dirty="0"/>
-              <a:t>2</a:t>
-            </a:r>
-            <a:r>
-              <a:rPr lang="ko-KR" altLang="en-US" dirty="0"/>
-              <a:t>에서 </a:t>
-            </a:r>
-            <a:r>
-              <a:rPr lang="en-US" altLang="ko-KR" dirty="0"/>
-              <a:t>Pull --rebase origin main  ( git pull</a:t>
-            </a:r>
-            <a:r>
-              <a:rPr lang="ko-KR" altLang="en-US" dirty="0"/>
-              <a:t>이하</a:t>
-            </a:r>
-            <a:r>
-              <a:rPr lang="en-US" altLang="ko-KR" dirty="0"/>
-              <a:t> 7</a:t>
-            </a:r>
-            <a:r>
-              <a:rPr lang="ko-KR" altLang="en-US" dirty="0"/>
-              <a:t>부터</a:t>
-            </a:r>
-            <a:r>
-              <a:rPr lang="en-US" altLang="ko-KR" dirty="0"/>
-              <a:t>10</a:t>
-            </a:r>
-            <a:r>
-              <a:rPr lang="ko-KR" altLang="en-US" dirty="0"/>
-              <a:t>까지 </a:t>
-            </a:r>
-            <a:r>
-              <a:rPr lang="en-US" altLang="ko-KR" dirty="0"/>
-              <a:t>git pull</a:t>
-            </a:r>
-            <a:r>
-              <a:rPr lang="ko-KR" altLang="en-US" dirty="0"/>
-              <a:t>하고 </a:t>
-            </a:r>
-            <a:r>
-              <a:rPr lang="en-US" altLang="ko-KR" dirty="0"/>
-              <a:t>conflict </a:t>
-            </a:r>
-            <a:r>
-              <a:rPr lang="ko-KR" altLang="en-US" dirty="0"/>
-              <a:t>수정 단계 같음</a:t>
-            </a:r>
-            <a:r>
-              <a:rPr lang="en-US" altLang="ko-KR" dirty="0"/>
-              <a:t>)</a:t>
-            </a:r>
-          </a:p>
-          <a:p>
-            <a:pPr marL="534988" lvl="1" indent="-268288">
-              <a:spcBef>
-                <a:spcPts val="0"/>
-              </a:spcBef>
-              <a:spcAft>
-                <a:spcPts val="0"/>
-              </a:spcAft>
-              <a:buClr>
-                <a:schemeClr val="tx1">
-                  <a:lumMod val="65000"/>
-                  <a:lumOff val="35000"/>
-                </a:schemeClr>
-              </a:buClr>
-              <a:buFont typeface="+mj-ea"/>
-              <a:buAutoNum type="circleNumDbPlain"/>
-              <a:defRPr/>
-            </a:pPr>
-            <a:r>
-              <a:rPr lang="en-US" altLang="ko-KR" dirty="0"/>
-              <a:t>Conflict</a:t>
-            </a:r>
-            <a:r>
-              <a:rPr lang="ko-KR" altLang="en-US" dirty="0"/>
-              <a:t> 파일 수정  </a:t>
-            </a:r>
-            <a:r>
-              <a:rPr lang="en-US" altLang="ko-KR" dirty="0"/>
-              <a:t>( = )</a:t>
-            </a:r>
-          </a:p>
-          <a:p>
-            <a:pPr marL="534988" lvl="1" indent="-268288">
-              <a:spcBef>
-                <a:spcPts val="0"/>
-              </a:spcBef>
-              <a:spcAft>
-                <a:spcPts val="0"/>
-              </a:spcAft>
-              <a:buClr>
-                <a:schemeClr val="tx1">
-                  <a:lumMod val="65000"/>
-                  <a:lumOff val="35000"/>
-                </a:schemeClr>
-              </a:buClr>
-              <a:buFont typeface="+mj-ea"/>
-              <a:buAutoNum type="circleNumDbPlain"/>
-              <a:defRPr/>
-            </a:pPr>
-            <a:r>
-              <a:rPr lang="en-US" altLang="ko-KR" dirty="0"/>
-              <a:t>Git</a:t>
-            </a:r>
-            <a:r>
-              <a:rPr lang="ko-KR" altLang="en-US" dirty="0"/>
-              <a:t> </a:t>
-            </a:r>
-            <a:r>
-              <a:rPr lang="en-US" altLang="ko-KR" dirty="0"/>
-              <a:t>add</a:t>
-            </a:r>
-            <a:r>
-              <a:rPr lang="ko-KR" altLang="en-US" dirty="0"/>
-              <a:t> </a:t>
-            </a:r>
-            <a:r>
-              <a:rPr lang="en-US" altLang="ko-KR" dirty="0"/>
-              <a:t>cen.txt ( = )</a:t>
-            </a:r>
-          </a:p>
-          <a:p>
-            <a:pPr marL="534988" lvl="1" indent="-268288">
-              <a:spcBef>
-                <a:spcPts val="0"/>
-              </a:spcBef>
-              <a:spcAft>
-                <a:spcPts val="0"/>
-              </a:spcAft>
-              <a:buClr>
-                <a:schemeClr val="tx1">
-                  <a:lumMod val="65000"/>
-                  <a:lumOff val="35000"/>
-                </a:schemeClr>
-              </a:buClr>
-              <a:buFont typeface="+mj-ea"/>
-              <a:buAutoNum type="circleNumDbPlain"/>
-              <a:defRPr/>
-            </a:pPr>
-            <a:r>
-              <a:rPr lang="en-US" altLang="ko-KR" dirty="0"/>
-              <a:t>Git rebase –continue </a:t>
-            </a:r>
-            <a:r>
-              <a:rPr lang="en-US" altLang="ko-KR" dirty="0">
-                <a:sym typeface="Wingdings" panose="05000000000000000000" pitchFamily="2" charset="2"/>
-              </a:rPr>
-              <a:t> text commit message  ( git commit)</a:t>
-            </a:r>
-          </a:p>
-          <a:p>
-            <a:pPr marL="534988" lvl="1" indent="-268288">
-              <a:spcBef>
-                <a:spcPts val="0"/>
-              </a:spcBef>
-              <a:spcAft>
-                <a:spcPts val="0"/>
-              </a:spcAft>
-              <a:buClr>
-                <a:schemeClr val="tx1">
-                  <a:lumMod val="65000"/>
-                  <a:lumOff val="35000"/>
-                </a:schemeClr>
-              </a:buClr>
-              <a:buFont typeface="+mj-ea"/>
-              <a:buAutoNum type="circleNumDbPlain"/>
-              <a:defRPr/>
-            </a:pPr>
-            <a:r>
-              <a:rPr lang="en-US" altLang="ko-KR" dirty="0">
-                <a:sym typeface="Wingdings" panose="05000000000000000000" pitchFamily="2" charset="2"/>
-              </a:rPr>
-              <a:t>Git push origin main</a:t>
-            </a:r>
-          </a:p>
-          <a:p>
-            <a:pPr marL="266700" lvl="1" indent="0">
-              <a:spcBef>
-                <a:spcPts val="0"/>
-              </a:spcBef>
-              <a:spcAft>
-                <a:spcPts val="0"/>
-              </a:spcAft>
-              <a:buClr>
-                <a:schemeClr val="tx1">
-                  <a:lumMod val="65000"/>
-                  <a:lumOff val="35000"/>
-                </a:schemeClr>
-              </a:buClr>
-              <a:buNone/>
-              <a:defRPr/>
-            </a:pPr>
-            <a:r>
-              <a:rPr lang="ko-KR" altLang="en-US" dirty="0">
-                <a:sym typeface="Wingdings" panose="05000000000000000000" pitchFamily="2" charset="2"/>
-              </a:rPr>
-              <a:t>내가 수정하고 </a:t>
-            </a:r>
-            <a:r>
-              <a:rPr lang="en-US" altLang="ko-KR" dirty="0">
-                <a:sym typeface="Wingdings" panose="05000000000000000000" pitchFamily="2" charset="2"/>
-              </a:rPr>
-              <a:t>push</a:t>
-            </a:r>
-            <a:r>
-              <a:rPr lang="ko-KR" altLang="en-US" dirty="0">
-                <a:sym typeface="Wingdings" panose="05000000000000000000" pitchFamily="2" charset="2"/>
-              </a:rPr>
-              <a:t>하고 다시 내용을 바꾸고 </a:t>
-            </a:r>
-            <a:r>
-              <a:rPr lang="en-US" altLang="ko-KR" dirty="0">
-                <a:sym typeface="Wingdings" panose="05000000000000000000" pitchFamily="2" charset="2"/>
-              </a:rPr>
-              <a:t>push</a:t>
-            </a:r>
-            <a:r>
-              <a:rPr lang="ko-KR" altLang="en-US" dirty="0">
-                <a:sym typeface="Wingdings" panose="05000000000000000000" pitchFamily="2" charset="2"/>
-              </a:rPr>
-              <a:t>해도 </a:t>
-            </a:r>
-            <a:r>
-              <a:rPr lang="en-US" altLang="ko-KR" dirty="0">
-                <a:sym typeface="Wingdings" panose="05000000000000000000" pitchFamily="2" charset="2"/>
-              </a:rPr>
-              <a:t>conflict</a:t>
-            </a:r>
-            <a:r>
-              <a:rPr lang="ko-KR" altLang="en-US" dirty="0">
-                <a:sym typeface="Wingdings" panose="05000000000000000000" pitchFamily="2" charset="2"/>
-              </a:rPr>
-              <a:t>이 발생하지 않는다 </a:t>
-            </a:r>
-            <a:r>
-              <a:rPr lang="ko-KR" altLang="en-US" dirty="0" err="1">
-                <a:sym typeface="Wingdings" panose="05000000000000000000" pitchFamily="2" charset="2"/>
-              </a:rPr>
-              <a:t>왜지</a:t>
-            </a:r>
-            <a:r>
-              <a:rPr lang="en-US" altLang="ko-KR" dirty="0">
-                <a:sym typeface="Wingdings" panose="05000000000000000000" pitchFamily="2" charset="2"/>
-              </a:rPr>
-              <a:t>?</a:t>
-            </a:r>
-            <a:endParaRPr lang="en-US" altLang="ko-KR" dirty="0"/>
-          </a:p>
-          <a:p>
-            <a:pPr marL="266700" lvl="1" indent="0">
-              <a:spcBef>
-                <a:spcPts val="0"/>
-              </a:spcBef>
-              <a:spcAft>
-                <a:spcPts val="0"/>
-              </a:spcAft>
-              <a:buClr>
-                <a:schemeClr val="tx1">
-                  <a:lumMod val="65000"/>
-                  <a:lumOff val="35000"/>
-                </a:schemeClr>
-              </a:buClr>
-              <a:buNone/>
-              <a:defRPr/>
-            </a:pPr>
-            <a:endParaRPr lang="en-US" altLang="ko-KR" dirty="0"/>
-          </a:p>
-          <a:p>
-            <a:pPr>
-              <a:buClr>
-                <a:schemeClr val="tx1">
-                  <a:lumMod val="65000"/>
-                  <a:lumOff val="35000"/>
-                </a:schemeClr>
-              </a:buClr>
-              <a:defRPr/>
-            </a:pPr>
-            <a:endParaRPr lang="en-US" altLang="ko-KR" dirty="0">
-              <a:solidFill>
-                <a:srgbClr val="FF0000"/>
-              </a:solidFill>
-            </a:endParaRPr>
-          </a:p>
-          <a:p>
-            <a:pPr>
-              <a:buClr>
-                <a:schemeClr val="tx1">
-                  <a:lumMod val="65000"/>
-                  <a:lumOff val="35000"/>
-                </a:schemeClr>
-              </a:buClr>
-              <a:defRPr/>
-            </a:pPr>
             <a:endParaRPr lang="ko-KR" altLang="en-US" dirty="0">
               <a:solidFill>
                 <a:srgbClr val="FF0000"/>
@@ -24369,7 +24359,7 @@
     </p:spTree>
     <p:extLst>
       <p:ext uri="{BB962C8B-B14F-4D97-AF65-F5344CB8AC3E}">
-        <p14:creationId xmlns:p14="http://schemas.microsoft.com/office/powerpoint/2010/main" val="1151209346"/>
+        <p14:creationId xmlns:p14="http://schemas.microsoft.com/office/powerpoint/2010/main" val="3973995856"/>
       </p:ext>
     </p:extLst>
   </p:cSld>
@@ -24468,7 +24458,7 @@
             </a:pPr>
             <a:r>
               <a:rPr lang="en-US" altLang="ko-KR" dirty="0"/>
-              <a:t>Feature branch workflow (collab </a:t>
+              <a:t>Centralized workflow (collab </a:t>
             </a:r>
             <a:r>
               <a:rPr lang="ko-KR" altLang="en-US" dirty="0"/>
@@ -24618,13 +24608,19 @@
             </a:pPr>
             <a:r>
               <a:rPr lang="en-US" altLang="ko-KR" dirty="0"/>
-              <a:t>Create new branch </a:t>
-            </a:r>
-            <a:r>
-              <a:rPr lang="en-US" altLang="ko-KR" dirty="0">
-                <a:sym typeface="Wingdings" panose="05000000000000000000" pitchFamily="2" charset="2"/>
-              </a:rPr>
-              <a:t> change files  add  commit</a:t>
+              <a:t>1 </a:t>
+            </a:r>
+            <a:r>
+              <a:rPr lang="ko-KR" altLang="en-US" dirty="0"/>
+              <a:t>수정하고 </a:t>
+            </a:r>
+            <a:r>
+              <a:rPr lang="en-US" altLang="ko-KR" dirty="0"/>
+              <a:t>push</a:t>
+            </a:r>
+            <a:r>
+              <a:rPr lang="ko-KR" altLang="en-US" dirty="0"/>
+              <a:t>하기</a:t>
             </a:r>
             <a:endParaRPr lang="en-US" altLang="ko-KR" dirty="0"/>
           </a:p>
@@ -24648,233 +24644,21 @@
             </a:pPr>
             <a:r>
               <a:rPr lang="en-US" altLang="ko-KR" dirty="0"/>
-              <a:t>Push new branch </a:t>
-            </a:r>
-            <a:r>
-              <a:rPr lang="en-US" altLang="ko-KR" dirty="0">
-                <a:sym typeface="Wingdings" panose="05000000000000000000" pitchFamily="2" charset="2"/>
-              </a:rPr>
-              <a:t> in main </a:t>
-            </a:r>
-            <a:r>
-              <a:rPr lang="en-US" altLang="ko-KR" dirty="0" err="1">
-                <a:sym typeface="Wingdings" panose="05000000000000000000" pitchFamily="2" charset="2"/>
-              </a:rPr>
-              <a:t>github</a:t>
-            </a:r>
-            <a:r>
-              <a:rPr lang="en-US" altLang="ko-KR" dirty="0">
-                <a:sym typeface="Wingdings" panose="05000000000000000000" pitchFamily="2" charset="2"/>
-              </a:rPr>
-              <a:t>(upstream)  compare&amp; pull </a:t>
-            </a:r>
-            <a:r>
-              <a:rPr lang="en-US" altLang="ko-KR" dirty="0" err="1">
-                <a:sym typeface="Wingdings" panose="05000000000000000000" pitchFamily="2" charset="2"/>
-              </a:rPr>
-              <a:t>requ</a:t>
-            </a:r>
-            <a:r>
-              <a:rPr lang="ko-KR" altLang="en-US" dirty="0">
-                <a:sym typeface="Wingdings" panose="05000000000000000000" pitchFamily="2" charset="2"/>
-              </a:rPr>
-              <a:t>버튼 생성</a:t>
-            </a:r>
-            <a:endParaRPr lang="en-US" altLang="ko-KR" dirty="0">
-              <a:sym typeface="Wingdings" panose="05000000000000000000" pitchFamily="2" charset="2"/>
-            </a:endParaRPr>
-          </a:p>
-          <a:p>
-            <a:pPr marL="266700" lvl="1" indent="0">
-              <a:spcBef>
-                <a:spcPts val="0"/>
-              </a:spcBef>
-              <a:spcAft>
-                <a:spcPts val="0"/>
-              </a:spcAft>
-              <a:buClr>
-                <a:schemeClr val="tx1">
-                  <a:lumMod val="65000"/>
-                  <a:lumOff val="35000"/>
-                </a:schemeClr>
-              </a:buClr>
-              <a:buNone/>
-              <a:defRPr/>
-            </a:pPr>
-            <a:r>
-              <a:rPr lang="en-US" altLang="ko-KR" dirty="0">
-                <a:sym typeface="Wingdings" panose="05000000000000000000" pitchFamily="2" charset="2"/>
-              </a:rPr>
-              <a:t>     </a:t>
-            </a:r>
-          </a:p>
-          <a:p>
-            <a:pPr marL="266700" lvl="1" indent="0">
-              <a:spcBef>
-                <a:spcPts val="0"/>
-              </a:spcBef>
-              <a:spcAft>
-                <a:spcPts val="0"/>
-              </a:spcAft>
-              <a:buClr>
-                <a:schemeClr val="tx1">
-                  <a:lumMod val="65000"/>
-                  <a:lumOff val="35000"/>
-                </a:schemeClr>
-              </a:buClr>
-              <a:buNone/>
-              <a:defRPr/>
-            </a:pPr>
-            <a:r>
-              <a:rPr lang="ko-KR" altLang="en-US" dirty="0" err="1">
-                <a:sym typeface="Wingdings" panose="05000000000000000000" pitchFamily="2" charset="2"/>
-              </a:rPr>
-              <a:t>브랜치가</a:t>
-            </a:r>
-            <a:r>
-              <a:rPr lang="ko-KR" altLang="en-US" dirty="0">
-                <a:sym typeface="Wingdings" panose="05000000000000000000" pitchFamily="2" charset="2"/>
-              </a:rPr>
-              <a:t> </a:t>
-            </a:r>
-            <a:r>
-              <a:rPr lang="en-US" altLang="ko-KR" dirty="0">
-                <a:sym typeface="Wingdings" panose="05000000000000000000" pitchFamily="2" charset="2"/>
-              </a:rPr>
-              <a:t>upstream</a:t>
-            </a:r>
-            <a:r>
-              <a:rPr lang="ko-KR" altLang="en-US" dirty="0">
-                <a:sym typeface="Wingdings" panose="05000000000000000000" pitchFamily="2" charset="2"/>
-              </a:rPr>
-              <a:t>에 새로 생기면 </a:t>
-            </a:r>
-            <a:r>
-              <a:rPr lang="en-US" altLang="ko-KR" dirty="0" err="1">
-                <a:sym typeface="Wingdings" panose="05000000000000000000" pitchFamily="2" charset="2"/>
-              </a:rPr>
-              <a:t>compare&amp;pR</a:t>
-            </a:r>
-            <a:r>
-              <a:rPr lang="ko-KR" altLang="en-US" dirty="0">
-                <a:sym typeface="Wingdings" panose="05000000000000000000" pitchFamily="2" charset="2"/>
-              </a:rPr>
-              <a:t>버튼이 자동으로 생성되나</a:t>
-            </a:r>
-            <a:r>
-              <a:rPr lang="en-US" altLang="ko-KR" dirty="0">
-                <a:sym typeface="Wingdings" panose="05000000000000000000" pitchFamily="2" charset="2"/>
-              </a:rPr>
-              <a:t>,</a:t>
-            </a:r>
-          </a:p>
-          <a:p>
-            <a:pPr marL="266700" lvl="1" indent="0">
-              <a:spcBef>
-                <a:spcPts val="0"/>
-              </a:spcBef>
-              <a:spcAft>
-                <a:spcPts val="0"/>
-              </a:spcAft>
-              <a:buClr>
-                <a:schemeClr val="tx1">
-                  <a:lumMod val="65000"/>
-                  <a:lumOff val="35000"/>
-                </a:schemeClr>
-              </a:buClr>
-              <a:buNone/>
-              <a:defRPr/>
-            </a:pPr>
-            <a:r>
-              <a:rPr lang="ko-KR" altLang="en-US" dirty="0">
-                <a:sym typeface="Wingdings" panose="05000000000000000000" pitchFamily="2" charset="2"/>
-              </a:rPr>
-              <a:t>한번 생긴 </a:t>
-            </a:r>
-            <a:r>
-              <a:rPr lang="en-US" altLang="ko-KR" dirty="0" err="1">
-                <a:sym typeface="Wingdings" panose="05000000000000000000" pitchFamily="2" charset="2"/>
-              </a:rPr>
-              <a:t>br</a:t>
-            </a:r>
-            <a:r>
-              <a:rPr lang="ko-KR" altLang="en-US" dirty="0">
-                <a:sym typeface="Wingdings" panose="05000000000000000000" pitchFamily="2" charset="2"/>
-              </a:rPr>
-              <a:t>이면 자동으로 </a:t>
-            </a:r>
-            <a:r>
-              <a:rPr lang="en-US" altLang="ko-KR" dirty="0" err="1">
-                <a:sym typeface="Wingdings" panose="05000000000000000000" pitchFamily="2" charset="2"/>
-              </a:rPr>
-              <a:t>compare&amp;pr</a:t>
-            </a:r>
-            <a:r>
-              <a:rPr lang="en-US" altLang="ko-KR" dirty="0">
-                <a:sym typeface="Wingdings" panose="05000000000000000000" pitchFamily="2" charset="2"/>
-              </a:rPr>
-              <a:t> </a:t>
-            </a:r>
-            <a:r>
-              <a:rPr lang="ko-KR" altLang="en-US" dirty="0">
-                <a:sym typeface="Wingdings" panose="05000000000000000000" pitchFamily="2" charset="2"/>
-              </a:rPr>
-              <a:t>버튼이 생기지 않기 때문에</a:t>
-            </a:r>
-            <a:r>
-              <a:rPr lang="en-US" altLang="ko-KR" dirty="0">
-                <a:sym typeface="Wingdings" panose="05000000000000000000" pitchFamily="2" charset="2"/>
-              </a:rPr>
-              <a:t>(</a:t>
-            </a:r>
-            <a:r>
-              <a:rPr lang="ko-KR" altLang="en-US" dirty="0">
-                <a:sym typeface="Wingdings" panose="05000000000000000000" pitchFamily="2" charset="2"/>
-              </a:rPr>
-              <a:t>물론 로그인하여 </a:t>
-            </a:r>
-            <a:r>
-              <a:rPr lang="en-US" altLang="ko-KR" dirty="0">
-                <a:sym typeface="Wingdings" panose="05000000000000000000" pitchFamily="2" charset="2"/>
-              </a:rPr>
-              <a:t>pr</a:t>
-            </a:r>
-            <a:r>
-              <a:rPr lang="ko-KR" altLang="en-US" dirty="0">
-                <a:sym typeface="Wingdings" panose="05000000000000000000" pitchFamily="2" charset="2"/>
-              </a:rPr>
-              <a:t>할 수 있음</a:t>
-            </a:r>
-            <a:r>
-              <a:rPr lang="en-US" altLang="ko-KR" dirty="0">
-                <a:sym typeface="Wingdings" panose="05000000000000000000" pitchFamily="2" charset="2"/>
-              </a:rPr>
-              <a:t>)</a:t>
-            </a:r>
-            <a:r>
-              <a:rPr lang="ko-KR" altLang="en-US" dirty="0">
-                <a:sym typeface="Wingdings" panose="05000000000000000000" pitchFamily="2" charset="2"/>
-              </a:rPr>
-              <a:t> </a:t>
-            </a:r>
-            <a:r>
-              <a:rPr lang="en-US" altLang="ko-KR" dirty="0">
-                <a:sym typeface="Wingdings" panose="05000000000000000000" pitchFamily="2" charset="2"/>
-              </a:rPr>
-              <a:t>merge</a:t>
-            </a:r>
-            <a:r>
-              <a:rPr lang="ko-KR" altLang="en-US" dirty="0">
-                <a:sym typeface="Wingdings" panose="05000000000000000000" pitchFamily="2" charset="2"/>
-              </a:rPr>
-              <a:t>가 되면 삭제하는 과정이 필요하다</a:t>
-            </a:r>
-            <a:r>
-              <a:rPr lang="en-US" altLang="ko-KR" dirty="0">
-                <a:sym typeface="Wingdings" panose="05000000000000000000" pitchFamily="2" charset="2"/>
-              </a:rPr>
-              <a:t>.</a:t>
-            </a:r>
+              <a:t>2 </a:t>
+            </a:r>
+            <a:r>
+              <a:rPr lang="ko-KR" altLang="en-US" dirty="0"/>
+              <a:t>수정하고 </a:t>
+            </a:r>
+            <a:r>
+              <a:rPr lang="en-US" altLang="ko-KR" dirty="0"/>
+              <a:t>push</a:t>
+            </a:r>
+            <a:r>
+              <a:rPr lang="ko-KR" altLang="en-US" dirty="0"/>
+              <a:t>하기</a:t>
+            </a:r>
+            <a:endParaRPr lang="en-US" altLang="ko-KR" dirty="0"/>
           </a:p>
           <a:p>
             <a:pPr marL="534988" lvl="1" indent="-268288">
@@ -24895,16 +24679,252 @@
               <a:defRPr/>
             </a:pPr>
             <a:r>
+              <a:rPr lang="en-US" altLang="ko-KR" dirty="0"/>
+              <a:t>2</a:t>
+            </a:r>
+            <a:r>
+              <a:rPr lang="ko-KR" altLang="en-US" dirty="0"/>
+              <a:t>에서 </a:t>
+            </a:r>
+            <a:r>
+              <a:rPr lang="en-US" altLang="ko-KR" dirty="0"/>
+              <a:t>Pull --rebase origin main  ( git pull</a:t>
+            </a:r>
+            <a:r>
+              <a:rPr lang="ko-KR" altLang="en-US" dirty="0"/>
+              <a:t>이하</a:t>
+            </a:r>
+            <a:r>
+              <a:rPr lang="en-US" altLang="ko-KR" dirty="0"/>
+              <a:t> 7</a:t>
+            </a:r>
+            <a:r>
+              <a:rPr lang="ko-KR" altLang="en-US" dirty="0"/>
+              <a:t>부터</a:t>
+            </a:r>
+            <a:r>
+              <a:rPr lang="en-US" altLang="ko-KR" dirty="0"/>
+              <a:t>10</a:t>
+            </a:r>
+            <a:r>
+              <a:rPr lang="ko-KR" altLang="en-US" dirty="0"/>
+              <a:t>까지 </a:t>
+            </a:r>
+            <a:r>
+              <a:rPr lang="en-US" altLang="ko-KR" dirty="0"/>
+              <a:t>git pull</a:t>
+            </a:r>
+            <a:r>
+              <a:rPr lang="ko-KR" altLang="en-US" dirty="0"/>
+              <a:t>하고 </a:t>
+            </a:r>
+            <a:r>
+              <a:rPr lang="en-US" altLang="ko-KR" dirty="0"/>
+              <a:t>conflict </a:t>
+            </a:r>
+            <a:r>
+              <a:rPr lang="ko-KR" altLang="en-US" dirty="0"/>
+              <a:t>수정 단계 같음</a:t>
+            </a:r>
+            <a:r>
+              <a:rPr lang="en-US" altLang="ko-KR" dirty="0"/>
+              <a:t>)</a:t>
+            </a:r>
+          </a:p>
+          <a:p>
+            <a:pPr marL="534988" lvl="1" indent="-268288">
+              <a:spcBef>
+                <a:spcPts val="0"/>
+              </a:spcBef>
+              <a:spcAft>
+                <a:spcPts val="0"/>
+              </a:spcAft>
+              <a:buClr>
+                <a:schemeClr val="tx1">
+                  <a:lumMod val="65000"/>
+                  <a:lumOff val="35000"/>
+                </a:schemeClr>
+              </a:buClr>
+              <a:buFont typeface="+mj-ea"/>
+              <a:buAutoNum type="circleNumDbPlain"/>
+              <a:defRPr/>
+            </a:pPr>
+            <a:r>
+              <a:rPr lang="en-US" altLang="ko-KR" dirty="0"/>
+              <a:t>Conflict</a:t>
+            </a:r>
+            <a:r>
+              <a:rPr lang="ko-KR" altLang="en-US" dirty="0"/>
+              <a:t> 파일 수정  </a:t>
+            </a:r>
+            <a:r>
+              <a:rPr lang="en-US" altLang="ko-KR" dirty="0"/>
+              <a:t>( = )</a:t>
+            </a:r>
+          </a:p>
+          <a:p>
+            <a:pPr marL="534988" lvl="1" indent="-268288">
+              <a:spcBef>
+                <a:spcPts val="0"/>
+              </a:spcBef>
+              <a:spcAft>
+                <a:spcPts val="0"/>
+              </a:spcAft>
+              <a:buClr>
+                <a:schemeClr val="tx1">
+                  <a:lumMod val="65000"/>
+                  <a:lumOff val="35000"/>
+                </a:schemeClr>
+              </a:buClr>
+              <a:buFont typeface="+mj-ea"/>
+              <a:buAutoNum type="circleNumDbPlain"/>
+              <a:defRPr/>
+            </a:pPr>
+            <a:r>
+              <a:rPr lang="en-US" altLang="ko-KR" dirty="0"/>
+              <a:t>Git</a:t>
+            </a:r>
+            <a:r>
+              <a:rPr lang="ko-KR" altLang="en-US" dirty="0"/>
+              <a:t> </a:t>
+            </a:r>
+            <a:r>
+              <a:rPr lang="en-US" altLang="ko-KR" dirty="0"/>
+              <a:t>add</a:t>
+            </a:r>
+            <a:r>
+              <a:rPr lang="ko-KR" altLang="en-US" dirty="0"/>
+              <a:t> </a:t>
+            </a:r>
+            <a:r>
+              <a:rPr lang="en-US" altLang="ko-KR" dirty="0"/>
+              <a:t>cen.txt ( = )</a:t>
+            </a:r>
+          </a:p>
+          <a:p>
+            <a:pPr marL="534988" lvl="1" indent="-268288">
+              <a:spcBef>
+                <a:spcPts val="0"/>
+              </a:spcBef>
+              <a:spcAft>
+                <a:spcPts val="0"/>
+              </a:spcAft>
+              <a:buClr>
+                <a:schemeClr val="tx1">
+                  <a:lumMod val="65000"/>
+                  <a:lumOff val="35000"/>
+                </a:schemeClr>
+              </a:buClr>
+              <a:buFont typeface="+mj-ea"/>
+              <a:buAutoNum type="circleNumDbPlain"/>
+              <a:defRPr/>
+            </a:pPr>
+            <a:r>
+              <a:rPr lang="en-US" altLang="ko-KR" dirty="0"/>
+              <a:t>Git rebase –continue </a:t>
+            </a:r>
+            <a:r>
               <a:rPr lang="en-US" altLang="ko-KR" dirty="0">
                 <a:sym typeface="Wingdings" panose="05000000000000000000" pitchFamily="2" charset="2"/>
               </a:rPr>
-              <a:t> </a:t>
-            </a:r>
+              <a:t> text commit message  ( git commit)</a:t>
+            </a:r>
+          </a:p>
+          <a:p>
+            <a:pPr marL="534988" lvl="1" indent="-268288">
+              <a:spcBef>
+                <a:spcPts val="0"/>
+              </a:spcBef>
+              <a:spcAft>
+                <a:spcPts val="0"/>
+              </a:spcAft>
+              <a:buClr>
+                <a:schemeClr val="tx1">
+                  <a:lumMod val="65000"/>
+                  <a:lumOff val="35000"/>
+                </a:schemeClr>
+              </a:buClr>
+              <a:buFont typeface="+mj-ea"/>
+              <a:buAutoNum type="circleNumDbPlain"/>
+              <a:defRPr/>
+            </a:pPr>
+            <a:r>
+              <a:rPr lang="en-US" altLang="ko-KR" dirty="0">
+                <a:sym typeface="Wingdings" panose="05000000000000000000" pitchFamily="2" charset="2"/>
+              </a:rPr>
+              <a:t>Git push origin main</a:t>
+            </a:r>
+          </a:p>
+          <a:p>
+            <a:pPr marL="266700" lvl="1" indent="0">
+              <a:spcBef>
+                <a:spcPts val="0"/>
+              </a:spcBef>
+              <a:spcAft>
+                <a:spcPts val="0"/>
+              </a:spcAft>
+              <a:buClr>
+                <a:schemeClr val="tx1">
+                  <a:lumMod val="65000"/>
+                  <a:lumOff val="35000"/>
+                </a:schemeClr>
+              </a:buClr>
+              <a:buNone/>
+              <a:defRPr/>
+            </a:pPr>
             <a:r>
               <a:rPr lang="ko-KR" altLang="en-US" dirty="0">
                 <a:sym typeface="Wingdings" panose="05000000000000000000" pitchFamily="2" charset="2"/>
               </a:rPr>
-              <a:t>다음 페이지에 메시지 남기기</a:t>
+              <a:t>내가 수정하고 </a:t>
+            </a:r>
+            <a:r>
+              <a:rPr lang="en-US" altLang="ko-KR" dirty="0">
+                <a:sym typeface="Wingdings" panose="05000000000000000000" pitchFamily="2" charset="2"/>
+              </a:rPr>
+              <a:t>push</a:t>
+            </a:r>
+            <a:r>
+              <a:rPr lang="ko-KR" altLang="en-US" dirty="0">
+                <a:sym typeface="Wingdings" panose="05000000000000000000" pitchFamily="2" charset="2"/>
+              </a:rPr>
+              <a:t>하고 다시 내용을 바꾸고 </a:t>
+            </a:r>
+            <a:r>
+              <a:rPr lang="en-US" altLang="ko-KR" dirty="0">
+                <a:sym typeface="Wingdings" panose="05000000000000000000" pitchFamily="2" charset="2"/>
+              </a:rPr>
+              <a:t>push</a:t>
+            </a:r>
+            <a:r>
+              <a:rPr lang="ko-KR" altLang="en-US" dirty="0">
+                <a:sym typeface="Wingdings" panose="05000000000000000000" pitchFamily="2" charset="2"/>
+              </a:rPr>
+              <a:t>해도 </a:t>
+            </a:r>
+            <a:r>
+              <a:rPr lang="en-US" altLang="ko-KR" dirty="0">
+                <a:sym typeface="Wingdings" panose="05000000000000000000" pitchFamily="2" charset="2"/>
+              </a:rPr>
+              <a:t>conflict</a:t>
+            </a:r>
+            <a:r>
+              <a:rPr lang="ko-KR" altLang="en-US" dirty="0">
+                <a:sym typeface="Wingdings" panose="05000000000000000000" pitchFamily="2" charset="2"/>
+              </a:rPr>
+              <a:t>이 발생하지 않는다 </a:t>
+            </a:r>
+            <a:r>
+              <a:rPr lang="ko-KR" altLang="en-US" dirty="0" err="1">
+                <a:sym typeface="Wingdings" panose="05000000000000000000" pitchFamily="2" charset="2"/>
+              </a:rPr>
+              <a:t>왜지</a:t>
+            </a:r>
+            <a:r>
+              <a:rPr lang="en-US" altLang="ko-KR" dirty="0">
+                <a:sym typeface="Wingdings" panose="05000000000000000000" pitchFamily="2" charset="2"/>
+              </a:rPr>
+              <a:t>?</a:t>
             </a:r>
             <a:endParaRPr lang="en-US" altLang="ko-KR" dirty="0"/>
           </a:p>
@@ -24964,6 +24984,601 @@
     </p:spTree>
     <p:extLst>
       <p:ext uri="{BB962C8B-B14F-4D97-AF65-F5344CB8AC3E}">
+        <p14:creationId xmlns:p14="http://schemas.microsoft.com/office/powerpoint/2010/main" val="1151209346"/>
+      </p:ext>
+    </p:extLst>
+  </p:cSld>
+  <p:clrMapOvr>
+    <a:masterClrMapping/>
+  </p:clrMapOvr>
+</p:sld>
+</file>
+
+<file path=ppt/slides/slide42.xml><?xml version="1.0" encoding="utf-8"?>
+<p:sld xmlns:a="http://schemas.openxmlformats.org/drawingml/2006/main" xmlns:r="http://schemas.openxmlformats.org/officeDocument/2006/relationships" xmlns:p="http://schemas.openxmlformats.org/presentationml/2006/main">
+  <p:cSld>
+    <p:spTree>
+      <p:nvGrpSpPr>
+        <p:cNvPr id="1" name=""/>
+        <p:cNvGrpSpPr/>
+        <p:nvPr/>
+      </p:nvGrpSpPr>
+      <p:grpSpPr>
+        <a:xfrm>
+          <a:off x="0" y="0"/>
+          <a:ext cx="0" cy="0"/>
+          <a:chOff x="0" y="0"/>
+          <a:chExt cx="0" cy="0"/>
+        </a:xfrm>
+      </p:grpSpPr>
+      <p:sp>
+        <p:nvSpPr>
+          <p:cNvPr id="4" name="제목 3">
+            <a:extLst>
+              <a:ext uri="{FF2B5EF4-FFF2-40B4-BE49-F238E27FC236}">
+                <a16:creationId xmlns:a16="http://schemas.microsoft.com/office/drawing/2014/main" id="{F0CEB32B-CB43-4410-BA08-A97E4BC47FCB}"/>
+              </a:ext>
+            </a:extLst>
+          </p:cNvPr>
+          <p:cNvSpPr>
+            <a:spLocks noGrp="1"/>
+          </p:cNvSpPr>
+          <p:nvPr>
+            <p:ph type="title"/>
+          </p:nvPr>
+        </p:nvSpPr>
+        <p:spPr/>
+        <p:txBody>
+          <a:bodyPr/>
+          <a:lstStyle/>
+          <a:p>
+            <a:r>
+              <a:rPr lang="ko-KR" altLang="en-US" dirty="0"/>
+              <a:t>협업방식 </a:t>
+            </a:r>
+            <a:r>
+              <a:rPr lang="en-US" altLang="ko-KR" dirty="0"/>
+              <a:t>1</a:t>
+            </a:r>
+            <a:endParaRPr lang="ko-KR" altLang="en-US" dirty="0"/>
+          </a:p>
+        </p:txBody>
+      </p:sp>
+      <p:sp>
+        <p:nvSpPr>
+          <p:cNvPr id="5" name="내용 개체 틀 4">
+            <a:extLst>
+              <a:ext uri="{FF2B5EF4-FFF2-40B4-BE49-F238E27FC236}">
+                <a16:creationId xmlns:a16="http://schemas.microsoft.com/office/drawing/2014/main" id="{FDF69C25-9F43-470B-8A20-AEDC0F371CCD}"/>
+              </a:ext>
+            </a:extLst>
+          </p:cNvPr>
+          <p:cNvSpPr>
+            <a:spLocks noGrp="1"/>
+          </p:cNvSpPr>
+          <p:nvPr>
+            <p:ph idx="1"/>
+          </p:nvPr>
+        </p:nvSpPr>
+        <p:spPr>
+          <a:xfrm>
+            <a:off x="250825" y="1000221"/>
+            <a:ext cx="8641655" cy="5146579"/>
+          </a:xfrm>
+        </p:spPr>
+        <p:txBody>
+          <a:bodyPr tIns="0" bIns="0">
+            <a:noAutofit/>
+          </a:bodyPr>
+          <a:lstStyle/>
+          <a:p>
+            <a:pPr>
+              <a:buClr>
+                <a:schemeClr val="tx1">
+                  <a:lumMod val="65000"/>
+                  <a:lumOff val="35000"/>
+                </a:schemeClr>
+              </a:buClr>
+              <a:defRPr/>
+            </a:pPr>
+            <a:r>
+              <a:rPr lang="en-US" altLang="ko-KR" dirty="0"/>
+              <a:t>Feature branch workflow (collab </a:t>
+            </a:r>
+            <a:r>
+              <a:rPr lang="ko-KR" altLang="en-US" dirty="0"/>
+              <a:t>참여자가 모두가 결정하고 수정 진행</a:t>
+            </a:r>
+            <a:r>
+              <a:rPr lang="en-US" altLang="ko-KR" dirty="0"/>
+              <a:t>)</a:t>
+            </a:r>
+          </a:p>
+          <a:p>
+            <a:pPr marL="534988" lvl="1" indent="-268288">
+              <a:spcBef>
+                <a:spcPts val="0"/>
+              </a:spcBef>
+              <a:spcAft>
+                <a:spcPts val="0"/>
+              </a:spcAft>
+              <a:buClr>
+                <a:schemeClr val="tx1">
+                  <a:lumMod val="65000"/>
+                  <a:lumOff val="35000"/>
+                </a:schemeClr>
+              </a:buClr>
+              <a:buFont typeface="+mj-ea"/>
+              <a:buAutoNum type="circleNumDbPlain"/>
+              <a:defRPr/>
+            </a:pPr>
+            <a:r>
+              <a:rPr lang="en-US" altLang="ko-KR" dirty="0"/>
+              <a:t>Local </a:t>
+            </a:r>
+            <a:r>
+              <a:rPr lang="ko-KR" altLang="en-US" dirty="0"/>
+              <a:t>작업</a:t>
+            </a:r>
+            <a:endParaRPr lang="en-US" altLang="ko-KR" dirty="0"/>
+          </a:p>
+          <a:p>
+            <a:pPr marL="534988" lvl="1" indent="-268288">
+              <a:spcBef>
+                <a:spcPts val="0"/>
+              </a:spcBef>
+              <a:spcAft>
+                <a:spcPts val="0"/>
+              </a:spcAft>
+              <a:buClr>
+                <a:schemeClr val="tx1">
+                  <a:lumMod val="65000"/>
+                  <a:lumOff val="35000"/>
+                </a:schemeClr>
+              </a:buClr>
+              <a:buFont typeface="+mj-ea"/>
+              <a:buAutoNum type="circleNumDbPlain"/>
+              <a:defRPr/>
+            </a:pPr>
+            <a:r>
+              <a:rPr lang="ko-KR" altLang="en-US" dirty="0"/>
+              <a:t>원격</a:t>
+            </a:r>
+            <a:r>
+              <a:rPr lang="en-US" altLang="ko-KR" dirty="0"/>
+              <a:t>repo  </a:t>
+            </a:r>
+            <a:r>
+              <a:rPr lang="ko-KR" altLang="en-US" dirty="0"/>
+              <a:t>만들기</a:t>
+            </a:r>
+            <a:r>
+              <a:rPr lang="en-US" altLang="ko-KR" dirty="0"/>
+              <a:t>, collaborator</a:t>
+            </a:r>
+          </a:p>
+          <a:p>
+            <a:pPr marL="534988" lvl="1" indent="-268288">
+              <a:spcBef>
+                <a:spcPts val="0"/>
+              </a:spcBef>
+              <a:spcAft>
+                <a:spcPts val="0"/>
+              </a:spcAft>
+              <a:buClr>
+                <a:schemeClr val="tx1">
+                  <a:lumMod val="65000"/>
+                  <a:lumOff val="35000"/>
+                </a:schemeClr>
+              </a:buClr>
+              <a:buFont typeface="+mj-ea"/>
+              <a:buAutoNum type="circleNumDbPlain"/>
+              <a:defRPr/>
+            </a:pPr>
+            <a:r>
+              <a:rPr lang="en-US" altLang="ko-KR" dirty="0"/>
+              <a:t>Push</a:t>
+            </a:r>
+            <a:r>
+              <a:rPr lang="ko-KR" altLang="en-US" dirty="0"/>
+              <a:t>하기 </a:t>
+            </a:r>
+            <a:endParaRPr lang="en-US" altLang="ko-KR" dirty="0"/>
+          </a:p>
+          <a:p>
+            <a:pPr marL="534988" lvl="1" indent="-268288">
+              <a:spcBef>
+                <a:spcPts val="0"/>
+              </a:spcBef>
+              <a:spcAft>
+                <a:spcPts val="0"/>
+              </a:spcAft>
+              <a:buClr>
+                <a:schemeClr val="tx1">
+                  <a:lumMod val="65000"/>
+                  <a:lumOff val="35000"/>
+                </a:schemeClr>
+              </a:buClr>
+              <a:buFont typeface="+mj-ea"/>
+              <a:buAutoNum type="circleNumDbPlain"/>
+              <a:defRPr/>
+            </a:pPr>
+            <a:r>
+              <a:rPr lang="en-US" altLang="ko-KR" dirty="0"/>
+              <a:t>Collab clone</a:t>
+            </a:r>
+            <a:r>
+              <a:rPr lang="ko-KR" altLang="en-US" dirty="0"/>
+              <a:t>하기</a:t>
+            </a:r>
+            <a:endParaRPr lang="en-US" altLang="ko-KR" dirty="0"/>
+          </a:p>
+          <a:p>
+            <a:pPr marL="534988" lvl="1" indent="-268288">
+              <a:spcBef>
+                <a:spcPts val="0"/>
+              </a:spcBef>
+              <a:spcAft>
+                <a:spcPts val="0"/>
+              </a:spcAft>
+              <a:buClr>
+                <a:schemeClr val="tx1">
+                  <a:lumMod val="65000"/>
+                  <a:lumOff val="35000"/>
+                </a:schemeClr>
+              </a:buClr>
+              <a:buFont typeface="+mj-ea"/>
+              <a:buAutoNum type="circleNumDbPlain"/>
+              <a:defRPr/>
+            </a:pPr>
+            <a:r>
+              <a:rPr lang="en-US" altLang="ko-KR" dirty="0"/>
+              <a:t>Create new branch </a:t>
+            </a:r>
+            <a:r>
+              <a:rPr lang="en-US" altLang="ko-KR" dirty="0">
+                <a:sym typeface="Wingdings" panose="05000000000000000000" pitchFamily="2" charset="2"/>
+              </a:rPr>
+              <a:t> change files  add  commit</a:t>
+            </a:r>
+            <a:endParaRPr lang="en-US" altLang="ko-KR" dirty="0"/>
+          </a:p>
+          <a:p>
+            <a:pPr marL="534988" lvl="1" indent="-268288">
+              <a:spcBef>
+                <a:spcPts val="0"/>
+              </a:spcBef>
+              <a:spcAft>
+                <a:spcPts val="0"/>
+              </a:spcAft>
+              <a:buClr>
+                <a:schemeClr val="tx1">
+                  <a:lumMod val="65000"/>
+                  <a:lumOff val="35000"/>
+                </a:schemeClr>
+              </a:buClr>
+              <a:buFont typeface="+mj-ea"/>
+              <a:buAutoNum type="circleNumDbPlain"/>
+              <a:defRPr/>
+            </a:pPr>
+            <a:r>
+              <a:rPr lang="en-US" altLang="ko-KR" dirty="0"/>
+              <a:t>Push new branch </a:t>
+            </a:r>
+            <a:r>
+              <a:rPr lang="en-US" altLang="ko-KR" dirty="0">
+                <a:sym typeface="Wingdings" panose="05000000000000000000" pitchFamily="2" charset="2"/>
+              </a:rPr>
+              <a:t> in main </a:t>
+            </a:r>
+            <a:r>
+              <a:rPr lang="en-US" altLang="ko-KR" dirty="0" err="1">
+                <a:sym typeface="Wingdings" panose="05000000000000000000" pitchFamily="2" charset="2"/>
+              </a:rPr>
+              <a:t>github</a:t>
+            </a:r>
+            <a:r>
+              <a:rPr lang="en-US" altLang="ko-KR" dirty="0">
+                <a:sym typeface="Wingdings" panose="05000000000000000000" pitchFamily="2" charset="2"/>
+              </a:rPr>
+              <a:t>(upstream)  compare&amp; pull </a:t>
+            </a:r>
+            <a:r>
+              <a:rPr lang="en-US" altLang="ko-KR" dirty="0" err="1">
+                <a:sym typeface="Wingdings" panose="05000000000000000000" pitchFamily="2" charset="2"/>
+              </a:rPr>
+              <a:t>requ</a:t>
+            </a:r>
+            <a:r>
+              <a:rPr lang="ko-KR" altLang="en-US" dirty="0">
+                <a:sym typeface="Wingdings" panose="05000000000000000000" pitchFamily="2" charset="2"/>
+              </a:rPr>
+              <a:t>버튼 생성</a:t>
+            </a:r>
+            <a:endParaRPr lang="en-US" altLang="ko-KR" dirty="0">
+              <a:sym typeface="Wingdings" panose="05000000000000000000" pitchFamily="2" charset="2"/>
+            </a:endParaRPr>
+          </a:p>
+          <a:p>
+            <a:pPr marL="266700" lvl="1" indent="0">
+              <a:spcBef>
+                <a:spcPts val="0"/>
+              </a:spcBef>
+              <a:spcAft>
+                <a:spcPts val="0"/>
+              </a:spcAft>
+              <a:buClr>
+                <a:schemeClr val="tx1">
+                  <a:lumMod val="65000"/>
+                  <a:lumOff val="35000"/>
+                </a:schemeClr>
+              </a:buClr>
+              <a:buNone/>
+              <a:defRPr/>
+            </a:pPr>
+            <a:r>
+              <a:rPr lang="en-US" altLang="ko-KR" dirty="0">
+                <a:sym typeface="Wingdings" panose="05000000000000000000" pitchFamily="2" charset="2"/>
+              </a:rPr>
+              <a:t>     </a:t>
+            </a:r>
+          </a:p>
+          <a:p>
+            <a:pPr marL="266700" lvl="1" indent="0">
+              <a:spcBef>
+                <a:spcPts val="0"/>
+              </a:spcBef>
+              <a:spcAft>
+                <a:spcPts val="0"/>
+              </a:spcAft>
+              <a:buClr>
+                <a:schemeClr val="tx1">
+                  <a:lumMod val="65000"/>
+                  <a:lumOff val="35000"/>
+                </a:schemeClr>
+              </a:buClr>
+              <a:buNone/>
+              <a:defRPr/>
+            </a:pPr>
+            <a:r>
+              <a:rPr lang="ko-KR" altLang="en-US" dirty="0" err="1">
+                <a:sym typeface="Wingdings" panose="05000000000000000000" pitchFamily="2" charset="2"/>
+              </a:rPr>
+              <a:t>브랜치가</a:t>
+            </a:r>
+            <a:r>
+              <a:rPr lang="ko-KR" altLang="en-US" dirty="0">
+                <a:sym typeface="Wingdings" panose="05000000000000000000" pitchFamily="2" charset="2"/>
+              </a:rPr>
+              <a:t> </a:t>
+            </a:r>
+            <a:r>
+              <a:rPr lang="en-US" altLang="ko-KR" dirty="0">
+                <a:sym typeface="Wingdings" panose="05000000000000000000" pitchFamily="2" charset="2"/>
+              </a:rPr>
+              <a:t>upstream</a:t>
+            </a:r>
+            <a:r>
+              <a:rPr lang="ko-KR" altLang="en-US" dirty="0">
+                <a:sym typeface="Wingdings" panose="05000000000000000000" pitchFamily="2" charset="2"/>
+              </a:rPr>
+              <a:t>에 새로 생기면 </a:t>
+            </a:r>
+            <a:r>
+              <a:rPr lang="en-US" altLang="ko-KR" dirty="0" err="1">
+                <a:sym typeface="Wingdings" panose="05000000000000000000" pitchFamily="2" charset="2"/>
+              </a:rPr>
+              <a:t>compare&amp;pR</a:t>
+            </a:r>
+            <a:r>
+              <a:rPr lang="ko-KR" altLang="en-US" dirty="0">
+                <a:sym typeface="Wingdings" panose="05000000000000000000" pitchFamily="2" charset="2"/>
+              </a:rPr>
+              <a:t>버튼이 자동으로 생성되나</a:t>
+            </a:r>
+            <a:r>
+              <a:rPr lang="en-US" altLang="ko-KR" dirty="0">
+                <a:sym typeface="Wingdings" panose="05000000000000000000" pitchFamily="2" charset="2"/>
+              </a:rPr>
+              <a:t>,</a:t>
+            </a:r>
+          </a:p>
+          <a:p>
+            <a:pPr marL="266700" lvl="1" indent="0">
+              <a:spcBef>
+                <a:spcPts val="0"/>
+              </a:spcBef>
+              <a:spcAft>
+                <a:spcPts val="0"/>
+              </a:spcAft>
+              <a:buClr>
+                <a:schemeClr val="tx1">
+                  <a:lumMod val="65000"/>
+                  <a:lumOff val="35000"/>
+                </a:schemeClr>
+              </a:buClr>
+              <a:buNone/>
+              <a:defRPr/>
+            </a:pPr>
+            <a:r>
+              <a:rPr lang="ko-KR" altLang="en-US" dirty="0">
+                <a:sym typeface="Wingdings" panose="05000000000000000000" pitchFamily="2" charset="2"/>
+              </a:rPr>
+              <a:t>한번 생긴 </a:t>
+            </a:r>
+            <a:r>
+              <a:rPr lang="en-US" altLang="ko-KR" dirty="0" err="1">
+                <a:sym typeface="Wingdings" panose="05000000000000000000" pitchFamily="2" charset="2"/>
+              </a:rPr>
+              <a:t>br</a:t>
+            </a:r>
+            <a:r>
+              <a:rPr lang="ko-KR" altLang="en-US" dirty="0">
+                <a:sym typeface="Wingdings" panose="05000000000000000000" pitchFamily="2" charset="2"/>
+              </a:rPr>
+              <a:t>이면 자동으로 </a:t>
+            </a:r>
+            <a:r>
+              <a:rPr lang="en-US" altLang="ko-KR" dirty="0" err="1">
+                <a:sym typeface="Wingdings" panose="05000000000000000000" pitchFamily="2" charset="2"/>
+              </a:rPr>
+              <a:t>compare&amp;pr</a:t>
+            </a:r>
+            <a:r>
+              <a:rPr lang="en-US" altLang="ko-KR" dirty="0">
+                <a:sym typeface="Wingdings" panose="05000000000000000000" pitchFamily="2" charset="2"/>
+              </a:rPr>
+              <a:t> </a:t>
+            </a:r>
+            <a:r>
+              <a:rPr lang="ko-KR" altLang="en-US" dirty="0">
+                <a:sym typeface="Wingdings" panose="05000000000000000000" pitchFamily="2" charset="2"/>
+              </a:rPr>
+              <a:t>버튼이 생기지 않기 때문에</a:t>
+            </a:r>
+            <a:r>
+              <a:rPr lang="en-US" altLang="ko-KR" dirty="0">
+                <a:sym typeface="Wingdings" panose="05000000000000000000" pitchFamily="2" charset="2"/>
+              </a:rPr>
+              <a:t>(</a:t>
+            </a:r>
+            <a:r>
+              <a:rPr lang="ko-KR" altLang="en-US" dirty="0">
+                <a:sym typeface="Wingdings" panose="05000000000000000000" pitchFamily="2" charset="2"/>
+              </a:rPr>
+              <a:t>물론 로그인하여 </a:t>
+            </a:r>
+            <a:r>
+              <a:rPr lang="en-US" altLang="ko-KR" dirty="0">
+                <a:sym typeface="Wingdings" panose="05000000000000000000" pitchFamily="2" charset="2"/>
+              </a:rPr>
+              <a:t>pr</a:t>
+            </a:r>
+            <a:r>
+              <a:rPr lang="ko-KR" altLang="en-US" dirty="0">
+                <a:sym typeface="Wingdings" panose="05000000000000000000" pitchFamily="2" charset="2"/>
+              </a:rPr>
+              <a:t>할 수 있음</a:t>
+            </a:r>
+            <a:r>
+              <a:rPr lang="en-US" altLang="ko-KR" dirty="0">
+                <a:sym typeface="Wingdings" panose="05000000000000000000" pitchFamily="2" charset="2"/>
+              </a:rPr>
+              <a:t>)</a:t>
+            </a:r>
+            <a:r>
+              <a:rPr lang="ko-KR" altLang="en-US" dirty="0">
+                <a:sym typeface="Wingdings" panose="05000000000000000000" pitchFamily="2" charset="2"/>
+              </a:rPr>
+              <a:t> </a:t>
+            </a:r>
+            <a:r>
+              <a:rPr lang="en-US" altLang="ko-KR" dirty="0">
+                <a:sym typeface="Wingdings" panose="05000000000000000000" pitchFamily="2" charset="2"/>
+              </a:rPr>
+              <a:t>merge</a:t>
+            </a:r>
+            <a:r>
+              <a:rPr lang="ko-KR" altLang="en-US" dirty="0">
+                <a:sym typeface="Wingdings" panose="05000000000000000000" pitchFamily="2" charset="2"/>
+              </a:rPr>
+              <a:t>가 되면 삭제하는 과정이 필요하다</a:t>
+            </a:r>
+            <a:r>
+              <a:rPr lang="en-US" altLang="ko-KR" dirty="0">
+                <a:sym typeface="Wingdings" panose="05000000000000000000" pitchFamily="2" charset="2"/>
+              </a:rPr>
+              <a:t>.</a:t>
+            </a:r>
+          </a:p>
+          <a:p>
+            <a:pPr marL="534988" lvl="1" indent="-268288">
+              <a:spcBef>
+                <a:spcPts val="0"/>
+              </a:spcBef>
+              <a:spcAft>
+                <a:spcPts val="0"/>
+              </a:spcAft>
+              <a:buClr>
+                <a:schemeClr val="tx1">
+                  <a:lumMod val="65000"/>
+                  <a:lumOff val="35000"/>
+                </a:schemeClr>
+              </a:buClr>
+              <a:buFont typeface="+mj-ea"/>
+              <a:buAutoNum type="circleNumDbPlain"/>
+              <a:defRPr/>
+            </a:pPr>
+            <a:r>
+              <a:rPr lang="en-US" altLang="ko-KR" dirty="0">
+                <a:sym typeface="Wingdings" panose="05000000000000000000" pitchFamily="2" charset="2"/>
+              </a:rPr>
+              <a:t> </a:t>
+            </a:r>
+            <a:r>
+              <a:rPr lang="ko-KR" altLang="en-US" dirty="0">
+                <a:sym typeface="Wingdings" panose="05000000000000000000" pitchFamily="2" charset="2"/>
+              </a:rPr>
+              <a:t>다음 페이지에 메시지 남기기</a:t>
+            </a:r>
+            <a:endParaRPr lang="en-US" altLang="ko-KR" dirty="0"/>
+          </a:p>
+          <a:p>
+            <a:pPr marL="266700" lvl="1" indent="0">
+              <a:spcBef>
+                <a:spcPts val="0"/>
+              </a:spcBef>
+              <a:spcAft>
+                <a:spcPts val="0"/>
+              </a:spcAft>
+              <a:buClr>
+                <a:schemeClr val="tx1">
+                  <a:lumMod val="65000"/>
+                  <a:lumOff val="35000"/>
+                </a:schemeClr>
+              </a:buClr>
+              <a:buNone/>
+              <a:defRPr/>
+            </a:pPr>
+            <a:endParaRPr lang="en-US" altLang="ko-KR" dirty="0"/>
+          </a:p>
+          <a:p>
+            <a:pPr>
+              <a:buClr>
+                <a:schemeClr val="tx1">
+                  <a:lumMod val="65000"/>
+                  <a:lumOff val="35000"/>
+                </a:schemeClr>
+              </a:buClr>
+              <a:defRPr/>
+            </a:pPr>
+            <a:endParaRPr lang="en-US" altLang="ko-KR" dirty="0">
+              <a:solidFill>
+                <a:srgbClr val="FF0000"/>
+              </a:solidFill>
+            </a:endParaRPr>
+          </a:p>
+          <a:p>
+            <a:pPr>
+              <a:buClr>
+                <a:schemeClr val="tx1">
+                  <a:lumMod val="65000"/>
+                  <a:lumOff val="35000"/>
+                </a:schemeClr>
+              </a:buClr>
+              <a:defRPr/>
+            </a:pPr>
+            <a:endParaRPr lang="ko-KR" altLang="en-US" dirty="0">
+              <a:solidFill>
+                <a:srgbClr val="FF0000"/>
+              </a:solidFill>
+            </a:endParaRPr>
+          </a:p>
+        </p:txBody>
+      </p:sp>
+    </p:spTree>
+    <p:extLst>
+      <p:ext uri="{BB962C8B-B14F-4D97-AF65-F5344CB8AC3E}">
         <p14:creationId xmlns:p14="http://schemas.microsoft.com/office/powerpoint/2010/main" val="2995169652"/>
       </p:ext>
     </p:extLst>
@@ -24974,7 +25589,7 @@
 </p:sld>
 </file>
 
-<file path=ppt/slides/slide42.xml><?xml version="1.0" encoding="utf-8"?>
+<file path=ppt/slides/slide43.xml><?xml version="1.0" encoding="utf-8"?>
 <p:sld xmlns:a="http://schemas.openxmlformats.org/drawingml/2006/main" xmlns:r="http://schemas.openxmlformats.org/officeDocument/2006/relationships" xmlns:p="http://schemas.openxmlformats.org/presentationml/2006/main">
   <p:cSld>
     <p:spTree>
@@ -25116,7 +25731,7 @@
 </p:sld>
 </file>
 
-<file path=ppt/slides/slide43.xml><?xml version="1.0" encoding="utf-8"?>
+<file path=ppt/slides/slide44.xml><?xml version="1.0" encoding="utf-8"?>
 <p:sld xmlns:a="http://schemas.openxmlformats.org/drawingml/2006/main" xmlns:r="http://schemas.openxmlformats.org/officeDocument/2006/relationships" xmlns:p="http://schemas.openxmlformats.org/presentationml/2006/main">
   <p:cSld>
     <p:spTree>
@@ -25306,7 +25921,7 @@
 </p:sld>
 </file>
 
-<file path=ppt/slides/slide44.xml><?xml version="1.0" encoding="utf-8"?>
+<file path=ppt/slides/slide45.xml><?xml version="1.0" encoding="utf-8"?>
 <p:sld xmlns:a="http://schemas.openxmlformats.org/drawingml/2006/main" xmlns:r="http://schemas.openxmlformats.org/officeDocument/2006/relationships" xmlns:p="http://schemas.openxmlformats.org/presentationml/2006/main">
   <p:cSld>
     <p:spTree>
@@ -25578,7 +26193,7 @@
 </p:sld>
 </file>
 
-<file path=ppt/slides/slide45.xml><?xml version="1.0" encoding="utf-8"?>
+<file path=ppt/slides/slide46.xml><?xml version="1.0" encoding="utf-8"?>
 <p:sld xmlns:a="http://schemas.openxmlformats.org/drawingml/2006/main" xmlns:r="http://schemas.openxmlformats.org/officeDocument/2006/relationships" xmlns:p="http://schemas.openxmlformats.org/presentationml/2006/main">
   <p:cSld>
     <p:spTree>
@@ -25827,7 +26442,7 @@
 </p:sld>
 </file>
 
-<file path=ppt/slides/slide46.xml><?xml version="1.0" encoding="utf-8"?>
+<file path=ppt/slides/slide47.xml><?xml version="1.0" encoding="utf-8"?>
 <p:sld xmlns:a="http://schemas.openxmlformats.org/drawingml/2006/main" xmlns:r="http://schemas.openxmlformats.org/officeDocument/2006/relationships" xmlns:p="http://schemas.openxmlformats.org/presentationml/2006/main">
   <p:cSld>
     <p:spTree>
@@ -26128,7 +26743,7 @@
 </p:sld>
 </file>
 
-<file path=ppt/slides/slide47.xml><?xml version="1.0" encoding="utf-8"?>
+<file path=ppt/slides/slide48.xml><?xml version="1.0" encoding="utf-8"?>
 <p:sld xmlns:a="http://schemas.openxmlformats.org/drawingml/2006/main" xmlns:r="http://schemas.openxmlformats.org/officeDocument/2006/relationships" xmlns:p="http://schemas.openxmlformats.org/presentationml/2006/main">
   <p:cSld>
     <p:spTree>
@@ -26221,7 +26836,7 @@
 </p:sld>
 </file>
 
-<file path=ppt/slides/slide48.xml><?xml version="1.0" encoding="utf-8"?>
+<file path=ppt/slides/slide49.xml><?xml version="1.0" encoding="utf-8"?>
 <p:sld xmlns:a="http://schemas.openxmlformats.org/drawingml/2006/main" xmlns:r="http://schemas.openxmlformats.org/officeDocument/2006/relationships" xmlns:p="http://schemas.openxmlformats.org/presentationml/2006/main">
   <p:cSld>
     <p:spTree>
@@ -26426,244 +27041,6 @@
     <p:extLst>
       <p:ext uri="{BB962C8B-B14F-4D97-AF65-F5344CB8AC3E}">
         <p14:creationId xmlns:p14="http://schemas.microsoft.com/office/powerpoint/2010/main" val="4103167857"/>
-      </p:ext>
-    </p:extLst>
-  </p:cSld>
-  <p:clrMapOvr>
-    <a:masterClrMapping/>
-  </p:clrMapOvr>
-</p:sld>
-</file>
-
-<file path=ppt/slides/slide49.xml><?xml version="1.0" encoding="utf-8"?>
-<p:sld xmlns:a="http://schemas.openxmlformats.org/drawingml/2006/main" xmlns:r="http://schemas.openxmlformats.org/officeDocument/2006/relationships" xmlns:p="http://schemas.openxmlformats.org/presentationml/2006/main">
-  <p:cSld>
-    <p:spTree>
-      <p:nvGrpSpPr>
-        <p:cNvPr id="1" name=""/>
-        <p:cNvGrpSpPr/>
-        <p:nvPr/>
-      </p:nvGrpSpPr>
-      <p:grpSpPr>
-        <a:xfrm>
-          <a:off x="0" y="0"/>
-          <a:ext cx="0" cy="0"/>
-          <a:chOff x="0" y="0"/>
-          <a:chExt cx="0" cy="0"/>
-        </a:xfrm>
-      </p:grpSpPr>
-      <p:sp>
-        <p:nvSpPr>
-          <p:cNvPr id="4" name="제목 3">
-            <a:extLst>
-              <a:ext uri="{FF2B5EF4-FFF2-40B4-BE49-F238E27FC236}">
-                <a16:creationId xmlns:a16="http://schemas.microsoft.com/office/drawing/2014/main" id="{F0CEB32B-CB43-4410-BA08-A97E4BC47FCB}"/>
-              </a:ext>
-            </a:extLst>
-          </p:cNvPr>
-          <p:cNvSpPr>
-            <a:spLocks noGrp="1"/>
-          </p:cNvSpPr>
-          <p:nvPr>
-            <p:ph type="title"/>
-          </p:nvPr>
-        </p:nvSpPr>
-        <p:spPr/>
-        <p:txBody>
-          <a:bodyPr/>
-          <a:lstStyle/>
-          <a:p>
-            <a:r>
-              <a:rPr lang="ko-KR" altLang="en-US" dirty="0"/>
-              <a:t>협업방식 </a:t>
-            </a:r>
-            <a:r>
-              <a:rPr lang="en-US" altLang="ko-KR" dirty="0"/>
-              <a:t>1</a:t>
-            </a:r>
-            <a:endParaRPr lang="ko-KR" altLang="en-US" dirty="0"/>
-          </a:p>
-        </p:txBody>
-      </p:sp>
-      <p:pic>
-        <p:nvPicPr>
-          <p:cNvPr id="8" name="그림 7">
-            <a:extLst>
-              <a:ext uri="{FF2B5EF4-FFF2-40B4-BE49-F238E27FC236}">
-                <a16:creationId xmlns:a16="http://schemas.microsoft.com/office/drawing/2014/main" id="{09822102-6F3D-4679-BBB9-813508E79A70}"/>
-              </a:ext>
-            </a:extLst>
-          </p:cNvPr>
-          <p:cNvPicPr>
-            <a:picLocks noChangeAspect="1"/>
-          </p:cNvPicPr>
-          <p:nvPr/>
-        </p:nvPicPr>
-        <p:blipFill>
-          <a:blip r:embed="rId2"/>
-          <a:stretch>
-            <a:fillRect/>
-          </a:stretch>
-        </p:blipFill>
-        <p:spPr>
-          <a:xfrm>
-            <a:off x="429525" y="1652448"/>
-            <a:ext cx="7993294" cy="4601055"/>
-          </a:xfrm>
-          <a:prstGeom prst="rect">
-            <a:avLst/>
-          </a:prstGeom>
-        </p:spPr>
-      </p:pic>
-      <p:sp>
-        <p:nvSpPr>
-          <p:cNvPr id="9" name="직사각형 8">
-            <a:extLst>
-              <a:ext uri="{FF2B5EF4-FFF2-40B4-BE49-F238E27FC236}">
-                <a16:creationId xmlns:a16="http://schemas.microsoft.com/office/drawing/2014/main" id="{CB66A63D-6C5F-447F-A97C-63FC402A6D8C}"/>
-              </a:ext>
-            </a:extLst>
-          </p:cNvPr>
-          <p:cNvSpPr/>
-          <p:nvPr/>
-        </p:nvSpPr>
-        <p:spPr>
-          <a:xfrm>
-            <a:off x="1576190" y="5009452"/>
-            <a:ext cx="1012897" cy="321365"/>
-          </a:xfrm>
-          <a:prstGeom prst="rect">
-            <a:avLst/>
-          </a:prstGeom>
-          <a:noFill/>
-          <a:ln w="38100">
-            <a:solidFill>
-              <a:srgbClr val="FF0000"/>
-            </a:solidFill>
-          </a:ln>
-        </p:spPr>
-        <p:style>
-          <a:lnRef idx="2">
-            <a:schemeClr val="accent1">
-              <a:shade val="50000"/>
-            </a:schemeClr>
-          </a:lnRef>
-          <a:fillRef idx="1">
-            <a:schemeClr val="accent1"/>
-          </a:fillRef>
-          <a:effectRef idx="0">
-            <a:schemeClr val="accent1"/>
-          </a:effectRef>
-          <a:fontRef idx="minor">
-            <a:schemeClr val="lt1"/>
-          </a:fontRef>
-        </p:style>
-        <p:txBody>
-          <a:bodyPr rtlCol="0" anchor="ctr"/>
-          <a:lstStyle/>
-          <a:p>
-            <a:pPr algn="ctr"/>
-            <a:endParaRPr lang="ko-KR" altLang="en-US"/>
-          </a:p>
-        </p:txBody>
-      </p:sp>
-      <p:sp>
-        <p:nvSpPr>
-          <p:cNvPr id="5" name="내용 개체 틀 4">
-            <a:extLst>
-              <a:ext uri="{FF2B5EF4-FFF2-40B4-BE49-F238E27FC236}">
-                <a16:creationId xmlns:a16="http://schemas.microsoft.com/office/drawing/2014/main" id="{48DB0CC3-2321-4F7D-83F1-DDCF2E040E0D}"/>
-              </a:ext>
-            </a:extLst>
-          </p:cNvPr>
-          <p:cNvSpPr>
-            <a:spLocks noGrp="1"/>
-          </p:cNvSpPr>
-          <p:nvPr>
-            <p:ph idx="1"/>
-          </p:nvPr>
-        </p:nvSpPr>
-        <p:spPr>
-          <a:xfrm>
-            <a:off x="250825" y="1000221"/>
-            <a:ext cx="8641655" cy="5146579"/>
-          </a:xfrm>
-        </p:spPr>
-        <p:txBody>
-          <a:bodyPr tIns="0" bIns="0">
-            <a:noAutofit/>
-          </a:bodyPr>
-          <a:lstStyle/>
-          <a:p>
-            <a:pPr>
-              <a:buClr>
-                <a:schemeClr val="tx1">
-                  <a:lumMod val="65000"/>
-                  <a:lumOff val="35000"/>
-                </a:schemeClr>
-              </a:buClr>
-              <a:defRPr/>
-            </a:pPr>
-            <a:r>
-              <a:rPr lang="ko-KR" altLang="en-US" dirty="0"/>
-              <a:t>아래의 </a:t>
-            </a:r>
-            <a:r>
-              <a:rPr lang="ko-KR" altLang="en-US" dirty="0" err="1"/>
-              <a:t>리졸브</a:t>
-            </a:r>
-            <a:r>
-              <a:rPr lang="ko-KR" altLang="en-US" dirty="0"/>
-              <a:t> </a:t>
-            </a:r>
-            <a:r>
-              <a:rPr lang="ko-KR" altLang="en-US" dirty="0" err="1"/>
-              <a:t>컨버</a:t>
-            </a:r>
-            <a:r>
-              <a:rPr lang="ko-KR" altLang="en-US" dirty="0"/>
-              <a:t> 버튼을 누르면 </a:t>
-            </a:r>
-            <a:r>
-              <a:rPr lang="en-US" altLang="ko-KR" dirty="0"/>
-              <a:t>– merge</a:t>
-            </a:r>
-            <a:r>
-              <a:rPr lang="ko-KR" altLang="en-US" dirty="0"/>
-              <a:t> </a:t>
-            </a:r>
-            <a:r>
-              <a:rPr lang="en-US" altLang="ko-KR" dirty="0"/>
-              <a:t>pull</a:t>
-            </a:r>
-            <a:r>
-              <a:rPr lang="ko-KR" altLang="en-US" dirty="0"/>
-              <a:t> </a:t>
-            </a:r>
-            <a:r>
-              <a:rPr lang="en-US" altLang="ko-KR" dirty="0" err="1"/>
-              <a:t>reque</a:t>
-            </a:r>
-            <a:r>
-              <a:rPr lang="ko-KR" altLang="en-US" dirty="0"/>
-              <a:t>로 </a:t>
-            </a:r>
-            <a:r>
-              <a:rPr lang="ko-KR" altLang="en-US" dirty="0" err="1"/>
-              <a:t>넘어감</a:t>
-            </a:r>
-            <a:endParaRPr lang="ko-KR" altLang="en-US" dirty="0">
-              <a:solidFill>
-                <a:srgbClr val="FF0000"/>
-              </a:solidFill>
-            </a:endParaRPr>
-          </a:p>
-        </p:txBody>
-      </p:sp>
-    </p:spTree>
-    <p:extLst>
-      <p:ext uri="{BB962C8B-B14F-4D97-AF65-F5344CB8AC3E}">
-        <p14:creationId xmlns:p14="http://schemas.microsoft.com/office/powerpoint/2010/main" val="4258985462"/>
       </p:ext>
     </p:extLst>
   </p:cSld>
@@ -27139,6 +27516,244 @@
           </a:p>
         </p:txBody>
       </p:sp>
+      <p:pic>
+        <p:nvPicPr>
+          <p:cNvPr id="8" name="그림 7">
+            <a:extLst>
+              <a:ext uri="{FF2B5EF4-FFF2-40B4-BE49-F238E27FC236}">
+                <a16:creationId xmlns:a16="http://schemas.microsoft.com/office/drawing/2014/main" id="{09822102-6F3D-4679-BBB9-813508E79A70}"/>
+              </a:ext>
+            </a:extLst>
+          </p:cNvPr>
+          <p:cNvPicPr>
+            <a:picLocks noChangeAspect="1"/>
+          </p:cNvPicPr>
+          <p:nvPr/>
+        </p:nvPicPr>
+        <p:blipFill>
+          <a:blip r:embed="rId2"/>
+          <a:stretch>
+            <a:fillRect/>
+          </a:stretch>
+        </p:blipFill>
+        <p:spPr>
+          <a:xfrm>
+            <a:off x="429525" y="1652448"/>
+            <a:ext cx="7993294" cy="4601055"/>
+          </a:xfrm>
+          <a:prstGeom prst="rect">
+            <a:avLst/>
+          </a:prstGeom>
+        </p:spPr>
+      </p:pic>
+      <p:sp>
+        <p:nvSpPr>
+          <p:cNvPr id="9" name="직사각형 8">
+            <a:extLst>
+              <a:ext uri="{FF2B5EF4-FFF2-40B4-BE49-F238E27FC236}">
+                <a16:creationId xmlns:a16="http://schemas.microsoft.com/office/drawing/2014/main" id="{CB66A63D-6C5F-447F-A97C-63FC402A6D8C}"/>
+              </a:ext>
+            </a:extLst>
+          </p:cNvPr>
+          <p:cNvSpPr/>
+          <p:nvPr/>
+        </p:nvSpPr>
+        <p:spPr>
+          <a:xfrm>
+            <a:off x="1576190" y="5009452"/>
+            <a:ext cx="1012897" cy="321365"/>
+          </a:xfrm>
+          <a:prstGeom prst="rect">
+            <a:avLst/>
+          </a:prstGeom>
+          <a:noFill/>
+          <a:ln w="38100">
+            <a:solidFill>
+              <a:srgbClr val="FF0000"/>
+            </a:solidFill>
+          </a:ln>
+        </p:spPr>
+        <p:style>
+          <a:lnRef idx="2">
+            <a:schemeClr val="accent1">
+              <a:shade val="50000"/>
+            </a:schemeClr>
+          </a:lnRef>
+          <a:fillRef idx="1">
+            <a:schemeClr val="accent1"/>
+          </a:fillRef>
+          <a:effectRef idx="0">
+            <a:schemeClr val="accent1"/>
+          </a:effectRef>
+          <a:fontRef idx="minor">
+            <a:schemeClr val="lt1"/>
+          </a:fontRef>
+        </p:style>
+        <p:txBody>
+          <a:bodyPr rtlCol="0" anchor="ctr"/>
+          <a:lstStyle/>
+          <a:p>
+            <a:pPr algn="ctr"/>
+            <a:endParaRPr lang="ko-KR" altLang="en-US"/>
+          </a:p>
+        </p:txBody>
+      </p:sp>
+      <p:sp>
+        <p:nvSpPr>
+          <p:cNvPr id="5" name="내용 개체 틀 4">
+            <a:extLst>
+              <a:ext uri="{FF2B5EF4-FFF2-40B4-BE49-F238E27FC236}">
+                <a16:creationId xmlns:a16="http://schemas.microsoft.com/office/drawing/2014/main" id="{48DB0CC3-2321-4F7D-83F1-DDCF2E040E0D}"/>
+              </a:ext>
+            </a:extLst>
+          </p:cNvPr>
+          <p:cNvSpPr>
+            <a:spLocks noGrp="1"/>
+          </p:cNvSpPr>
+          <p:nvPr>
+            <p:ph idx="1"/>
+          </p:nvPr>
+        </p:nvSpPr>
+        <p:spPr>
+          <a:xfrm>
+            <a:off x="250825" y="1000221"/>
+            <a:ext cx="8641655" cy="5146579"/>
+          </a:xfrm>
+        </p:spPr>
+        <p:txBody>
+          <a:bodyPr tIns="0" bIns="0">
+            <a:noAutofit/>
+          </a:bodyPr>
+          <a:lstStyle/>
+          <a:p>
+            <a:pPr>
+              <a:buClr>
+                <a:schemeClr val="tx1">
+                  <a:lumMod val="65000"/>
+                  <a:lumOff val="35000"/>
+                </a:schemeClr>
+              </a:buClr>
+              <a:defRPr/>
+            </a:pPr>
+            <a:r>
+              <a:rPr lang="ko-KR" altLang="en-US" dirty="0"/>
+              <a:t>아래의 </a:t>
+            </a:r>
+            <a:r>
+              <a:rPr lang="ko-KR" altLang="en-US" dirty="0" err="1"/>
+              <a:t>리졸브</a:t>
+            </a:r>
+            <a:r>
+              <a:rPr lang="ko-KR" altLang="en-US" dirty="0"/>
+              <a:t> </a:t>
+            </a:r>
+            <a:r>
+              <a:rPr lang="ko-KR" altLang="en-US" dirty="0" err="1"/>
+              <a:t>컨버</a:t>
+            </a:r>
+            <a:r>
+              <a:rPr lang="ko-KR" altLang="en-US" dirty="0"/>
+              <a:t> 버튼을 누르면 </a:t>
+            </a:r>
+            <a:r>
+              <a:rPr lang="en-US" altLang="ko-KR" dirty="0"/>
+              <a:t>– merge</a:t>
+            </a:r>
+            <a:r>
+              <a:rPr lang="ko-KR" altLang="en-US" dirty="0"/>
+              <a:t> </a:t>
+            </a:r>
+            <a:r>
+              <a:rPr lang="en-US" altLang="ko-KR" dirty="0"/>
+              <a:t>pull</a:t>
+            </a:r>
+            <a:r>
+              <a:rPr lang="ko-KR" altLang="en-US" dirty="0"/>
+              <a:t> </a:t>
+            </a:r>
+            <a:r>
+              <a:rPr lang="en-US" altLang="ko-KR" dirty="0" err="1"/>
+              <a:t>reque</a:t>
+            </a:r>
+            <a:r>
+              <a:rPr lang="ko-KR" altLang="en-US" dirty="0"/>
+              <a:t>로 </a:t>
+            </a:r>
+            <a:r>
+              <a:rPr lang="ko-KR" altLang="en-US" dirty="0" err="1"/>
+              <a:t>넘어감</a:t>
+            </a:r>
+            <a:endParaRPr lang="ko-KR" altLang="en-US" dirty="0">
+              <a:solidFill>
+                <a:srgbClr val="FF0000"/>
+              </a:solidFill>
+            </a:endParaRPr>
+          </a:p>
+        </p:txBody>
+      </p:sp>
+    </p:spTree>
+    <p:extLst>
+      <p:ext uri="{BB962C8B-B14F-4D97-AF65-F5344CB8AC3E}">
+        <p14:creationId xmlns:p14="http://schemas.microsoft.com/office/powerpoint/2010/main" val="4258985462"/>
+      </p:ext>
+    </p:extLst>
+  </p:cSld>
+  <p:clrMapOvr>
+    <a:masterClrMapping/>
+  </p:clrMapOvr>
+</p:sld>
+</file>
+
+<file path=ppt/slides/slide51.xml><?xml version="1.0" encoding="utf-8"?>
+<p:sld xmlns:a="http://schemas.openxmlformats.org/drawingml/2006/main" xmlns:r="http://schemas.openxmlformats.org/officeDocument/2006/relationships" xmlns:p="http://schemas.openxmlformats.org/presentationml/2006/main">
+  <p:cSld>
+    <p:spTree>
+      <p:nvGrpSpPr>
+        <p:cNvPr id="1" name=""/>
+        <p:cNvGrpSpPr/>
+        <p:nvPr/>
+      </p:nvGrpSpPr>
+      <p:grpSpPr>
+        <a:xfrm>
+          <a:off x="0" y="0"/>
+          <a:ext cx="0" cy="0"/>
+          <a:chOff x="0" y="0"/>
+          <a:chExt cx="0" cy="0"/>
+        </a:xfrm>
+      </p:grpSpPr>
+      <p:sp>
+        <p:nvSpPr>
+          <p:cNvPr id="4" name="제목 3">
+            <a:extLst>
+              <a:ext uri="{FF2B5EF4-FFF2-40B4-BE49-F238E27FC236}">
+                <a16:creationId xmlns:a16="http://schemas.microsoft.com/office/drawing/2014/main" id="{F0CEB32B-CB43-4410-BA08-A97E4BC47FCB}"/>
+              </a:ext>
+            </a:extLst>
+          </p:cNvPr>
+          <p:cNvSpPr>
+            <a:spLocks noGrp="1"/>
+          </p:cNvSpPr>
+          <p:nvPr>
+            <p:ph type="title"/>
+          </p:nvPr>
+        </p:nvSpPr>
+        <p:spPr/>
+        <p:txBody>
+          <a:bodyPr/>
+          <a:lstStyle/>
+          <a:p>
+            <a:r>
+              <a:rPr lang="ko-KR" altLang="en-US" dirty="0"/>
+              <a:t>협업방식 </a:t>
+            </a:r>
+            <a:r>
+              <a:rPr lang="en-US" altLang="ko-KR" dirty="0"/>
+              <a:t>1</a:t>
+            </a:r>
+            <a:endParaRPr lang="ko-KR" altLang="en-US" dirty="0"/>
+          </a:p>
+        </p:txBody>
+      </p:sp>
       <p:sp>
         <p:nvSpPr>
           <p:cNvPr id="5" name="내용 개체 틀 4">
@@ -27321,7 +27936,7 @@
 </p:sld>
 </file>
 
-<file path=ppt/slides/slide51.xml><?xml version="1.0" encoding="utf-8"?>
+<file path=ppt/slides/slide52.xml><?xml version="1.0" encoding="utf-8"?>
 <p:sld xmlns:a="http://schemas.openxmlformats.org/drawingml/2006/main" xmlns:r="http://schemas.openxmlformats.org/officeDocument/2006/relationships" xmlns:p="http://schemas.openxmlformats.org/presentationml/2006/main">
   <p:cSld>
     <p:spTree>
@@ -27668,7 +28283,7 @@
 </p:sld>
 </file>
 
-<file path=ppt/slides/slide52.xml><?xml version="1.0" encoding="utf-8"?>
+<file path=ppt/slides/slide53.xml><?xml version="1.0" encoding="utf-8"?>
 <p:sld xmlns:a="http://schemas.openxmlformats.org/drawingml/2006/main" xmlns:r="http://schemas.openxmlformats.org/officeDocument/2006/relationships" xmlns:p="http://schemas.openxmlformats.org/presentationml/2006/main">
   <p:cSld>
     <p:spTree>
@@ -28141,7 +28756,7 @@
 </p:sld>
 </file>
 
-<file path=ppt/slides/slide53.xml><?xml version="1.0" encoding="utf-8"?>
+<file path=ppt/slides/slide54.xml><?xml version="1.0" encoding="utf-8"?>
 <p:sld xmlns:a="http://schemas.openxmlformats.org/drawingml/2006/main" xmlns:r="http://schemas.openxmlformats.org/officeDocument/2006/relationships" xmlns:p="http://schemas.openxmlformats.org/presentationml/2006/main">
   <p:cSld>
     <p:spTree>
@@ -28501,7 +29116,7 @@
 </p:sld>
 </file>
 
-<file path=ppt/slides/slide54.xml><?xml version="1.0" encoding="utf-8"?>
+<file path=ppt/slides/slide55.xml><?xml version="1.0" encoding="utf-8"?>
 <p:sld xmlns:a="http://schemas.openxmlformats.org/drawingml/2006/main" xmlns:r="http://schemas.openxmlformats.org/officeDocument/2006/relationships" xmlns:p="http://schemas.openxmlformats.org/presentationml/2006/main">
   <p:cSld>
     <p:spTree>
@@ -28594,7 +29209,7 @@
 </p:sld>
 </file>
 
-<file path=ppt/slides/slide55.xml><?xml version="1.0" encoding="utf-8"?>
+<file path=ppt/slides/slide56.xml><?xml version="1.0" encoding="utf-8"?>
 <p:sld xmlns:a="http://schemas.openxmlformats.org/drawingml/2006/main" xmlns:r="http://schemas.openxmlformats.org/officeDocument/2006/relationships" xmlns:p="http://schemas.openxmlformats.org/presentationml/2006/main">
   <p:cSld>
     <p:spTree>
@@ -28687,7 +29302,7 @@
 </p:sld>
 </file>
 
-<file path=ppt/slides/slide56.xml><?xml version="1.0" encoding="utf-8"?>
+<file path=ppt/slides/slide57.xml><?xml version="1.0" encoding="utf-8"?>
 <p:sld xmlns:a="http://schemas.openxmlformats.org/drawingml/2006/main" xmlns:r="http://schemas.openxmlformats.org/officeDocument/2006/relationships" xmlns:p="http://schemas.openxmlformats.org/presentationml/2006/main">
   <p:cSld>
     <p:spTree>
@@ -28780,7 +29395,7 @@
 </p:sld>
 </file>
 
-<file path=ppt/slides/slide57.xml><?xml version="1.0" encoding="utf-8"?>
+<file path=ppt/slides/slide58.xml><?xml version="1.0" encoding="utf-8"?>
 <p:sld xmlns:a="http://schemas.openxmlformats.org/drawingml/2006/main" xmlns:r="http://schemas.openxmlformats.org/officeDocument/2006/relationships" xmlns:p="http://schemas.openxmlformats.org/presentationml/2006/main">
   <p:cSld>
     <p:spTree>
@@ -29098,7 +29713,7 @@
 </p:sld>
 </file>
 
-<file path=ppt/slides/slide58.xml><?xml version="1.0" encoding="utf-8"?>
+<file path=ppt/slides/slide59.xml><?xml version="1.0" encoding="utf-8"?>
 <p:sld xmlns:a="http://schemas.openxmlformats.org/drawingml/2006/main" xmlns:r="http://schemas.openxmlformats.org/officeDocument/2006/relationships" xmlns:p="http://schemas.openxmlformats.org/presentationml/2006/main">
   <p:cSld>
     <p:spTree>
@@ -29485,402 +30100,6 @@
     <p:extLst>
       <p:ext uri="{BB962C8B-B14F-4D97-AF65-F5344CB8AC3E}">
         <p14:creationId xmlns:p14="http://schemas.microsoft.com/office/powerpoint/2010/main" val="3410993216"/>
-      </p:ext>
-    </p:extLst>
-  </p:cSld>
-  <p:clrMapOvr>
-    <a:masterClrMapping/>
-  </p:clrMapOvr>
-</p:sld>
-</file>
-
-<file path=ppt/slides/slide59.xml><?xml version="1.0" encoding="utf-8"?>
-<p:sld xmlns:a="http://schemas.openxmlformats.org/drawingml/2006/main" xmlns:r="http://schemas.openxmlformats.org/officeDocument/2006/relationships" xmlns:p="http://schemas.openxmlformats.org/presentationml/2006/main">
-  <p:cSld>
-    <p:spTree>
-      <p:nvGrpSpPr>
-        <p:cNvPr id="1" name=""/>
-        <p:cNvGrpSpPr/>
-        <p:nvPr/>
-      </p:nvGrpSpPr>
-      <p:grpSpPr>
-        <a:xfrm>
-          <a:off x="0" y="0"/>
-          <a:ext cx="0" cy="0"/>
-          <a:chOff x="0" y="0"/>
-          <a:chExt cx="0" cy="0"/>
-        </a:xfrm>
-      </p:grpSpPr>
-      <p:sp>
-        <p:nvSpPr>
-          <p:cNvPr id="4" name="제목 3">
-            <a:extLst>
-              <a:ext uri="{FF2B5EF4-FFF2-40B4-BE49-F238E27FC236}">
-                <a16:creationId xmlns:a16="http://schemas.microsoft.com/office/drawing/2014/main" id="{F0CEB32B-CB43-4410-BA08-A97E4BC47FCB}"/>
-              </a:ext>
-            </a:extLst>
-          </p:cNvPr>
-          <p:cNvSpPr>
-            <a:spLocks noGrp="1"/>
-          </p:cNvSpPr>
-          <p:nvPr>
-            <p:ph type="title"/>
-          </p:nvPr>
-        </p:nvSpPr>
-        <p:spPr/>
-        <p:txBody>
-          <a:bodyPr/>
-          <a:lstStyle/>
-          <a:p>
-            <a:r>
-              <a:rPr lang="ko-KR" altLang="en-US" dirty="0"/>
-              <a:t>협업하기</a:t>
-            </a:r>
-          </a:p>
-        </p:txBody>
-      </p:sp>
-      <p:sp>
-        <p:nvSpPr>
-          <p:cNvPr id="7" name="내용 개체 틀 2">
-            <a:extLst>
-              <a:ext uri="{FF2B5EF4-FFF2-40B4-BE49-F238E27FC236}">
-                <a16:creationId xmlns:a16="http://schemas.microsoft.com/office/drawing/2014/main" id="{A44AC902-3746-40D6-9827-94B46EEDDC67}"/>
-              </a:ext>
-            </a:extLst>
-          </p:cNvPr>
-          <p:cNvSpPr txBox="1">
-            <a:spLocks/>
-          </p:cNvSpPr>
-          <p:nvPr/>
-        </p:nvSpPr>
-        <p:spPr>
-          <a:xfrm>
-            <a:off x="341787" y="1120545"/>
-            <a:ext cx="8642350" cy="2351314"/>
-          </a:xfrm>
-          <a:prstGeom prst="rect">
-            <a:avLst/>
-          </a:prstGeom>
-        </p:spPr>
-        <p:txBody>
-          <a:bodyPr vert="horz" lIns="91440" tIns="45720" rIns="91440" bIns="45720" rtlCol="0">
-            <a:noAutofit/>
-          </a:bodyPr>
-          <a:lstStyle>
-            <a:lvl1pPr marL="266700" indent="-266700" defTabSz="914400" latinLnBrk="1">
-              <a:lnSpc>
-                <a:spcPct val="150000"/>
-              </a:lnSpc>
-              <a:spcBef>
-                <a:spcPct val="0"/>
-              </a:spcBef>
-              <a:buClr>
-                <a:schemeClr val="tx1">
-                  <a:lumMod val="65000"/>
-                  <a:lumOff val="35000"/>
-                </a:schemeClr>
-              </a:buClr>
-              <a:buFont typeface="Wingdings" pitchFamily="2" charset="2"/>
-              <a:buChar char="n"/>
-              <a:defRPr sz="2000" b="1">
-                <a:latin typeface="+mn-ea"/>
-              </a:defRPr>
-            </a:lvl1pPr>
-            <a:lvl2pPr marL="447675" lvl="1" indent="-180975" defTabSz="914400" latinLnBrk="1">
-              <a:lnSpc>
-                <a:spcPct val="150000"/>
-              </a:lnSpc>
-              <a:spcBef>
-                <a:spcPts val="0"/>
-              </a:spcBef>
-              <a:spcAft>
-                <a:spcPts val="0"/>
-              </a:spcAft>
-              <a:buClr>
-                <a:schemeClr val="tx1">
-                  <a:lumMod val="50000"/>
-                  <a:lumOff val="50000"/>
-                </a:schemeClr>
-              </a:buClr>
-              <a:buFont typeface="Wingdings" pitchFamily="2" charset="2"/>
-              <a:buChar char="§"/>
-              <a:defRPr sz="1600"/>
-            </a:lvl2pPr>
-            <a:lvl3pPr marL="628650" indent="-180975" defTabSz="914400" latinLnBrk="1">
-              <a:lnSpc>
-                <a:spcPct val="150000"/>
-              </a:lnSpc>
-              <a:spcBef>
-                <a:spcPts val="500"/>
-              </a:spcBef>
-              <a:spcAft>
-                <a:spcPts val="300"/>
-              </a:spcAft>
-              <a:buClr>
-                <a:schemeClr val="tx1">
-                  <a:lumMod val="65000"/>
-                  <a:lumOff val="35000"/>
-                </a:schemeClr>
-              </a:buClr>
-              <a:buFont typeface="Arial" panose="020B0604020202020204" pitchFamily="34" charset="0"/>
-              <a:buChar char="•"/>
-              <a:defRPr sz="1400"/>
-            </a:lvl3pPr>
-            <a:lvl4pPr marL="809625" indent="-180975" defTabSz="914400" latinLnBrk="1">
-              <a:lnSpc>
-                <a:spcPct val="150000"/>
-              </a:lnSpc>
-              <a:spcBef>
-                <a:spcPts val="500"/>
-              </a:spcBef>
-              <a:spcAft>
-                <a:spcPts val="300"/>
-              </a:spcAft>
-              <a:buClr>
-                <a:schemeClr val="tx1">
-                  <a:lumMod val="65000"/>
-                  <a:lumOff val="35000"/>
-                </a:schemeClr>
-              </a:buClr>
-              <a:buSzPct val="96000"/>
-              <a:buFont typeface="Arial" panose="020B0604020202020204" pitchFamily="34" charset="0"/>
-              <a:buChar char="•"/>
-              <a:defRPr sz="1200"/>
-            </a:lvl4pPr>
-            <a:lvl5pPr marL="990600" indent="-180975" defTabSz="914400" latinLnBrk="1">
-              <a:lnSpc>
-                <a:spcPct val="150000"/>
-              </a:lnSpc>
-              <a:spcBef>
-                <a:spcPts val="500"/>
-              </a:spcBef>
-              <a:buClr>
-                <a:schemeClr val="tx1">
-                  <a:lumMod val="65000"/>
-                  <a:lumOff val="35000"/>
-                </a:schemeClr>
-              </a:buClr>
-              <a:buFont typeface="Arial" panose="020B0604020202020204" pitchFamily="34" charset="0"/>
-              <a:buChar char="•"/>
-              <a:defRPr sz="1000"/>
-            </a:lvl5pPr>
-            <a:lvl6pPr marL="2514600" indent="-228600" defTabSz="914400" latinLnBrk="1">
-              <a:lnSpc>
-                <a:spcPct val="90000"/>
-              </a:lnSpc>
-              <a:spcBef>
-                <a:spcPts val="500"/>
-              </a:spcBef>
-              <a:buFont typeface="Arial" panose="020B0604020202020204" pitchFamily="34" charset="0"/>
-              <a:buChar char="•"/>
-            </a:lvl6pPr>
-            <a:lvl7pPr marL="2971800" indent="-228600" defTabSz="914400" latinLnBrk="1">
-              <a:lnSpc>
-                <a:spcPct val="90000"/>
-              </a:lnSpc>
-              <a:spcBef>
-                <a:spcPts val="500"/>
-              </a:spcBef>
-              <a:buFont typeface="Arial" panose="020B0604020202020204" pitchFamily="34" charset="0"/>
-              <a:buChar char="•"/>
-            </a:lvl7pPr>
-            <a:lvl8pPr marL="3429000" indent="-228600" defTabSz="914400" latinLnBrk="1">
-              <a:lnSpc>
-                <a:spcPct val="90000"/>
-              </a:lnSpc>
-              <a:spcBef>
-                <a:spcPts val="500"/>
-              </a:spcBef>
-              <a:buFont typeface="Arial" panose="020B0604020202020204" pitchFamily="34" charset="0"/>
-              <a:buChar char="•"/>
-            </a:lvl8pPr>
-            <a:lvl9pPr marL="3886200" indent="-228600" defTabSz="914400" latinLnBrk="1">
-              <a:lnSpc>
-                <a:spcPct val="90000"/>
-              </a:lnSpc>
-              <a:spcBef>
-                <a:spcPts val="500"/>
-              </a:spcBef>
-              <a:buFont typeface="Arial" panose="020B0604020202020204" pitchFamily="34" charset="0"/>
-              <a:buChar char="•"/>
-            </a:lvl9pPr>
-          </a:lstStyle>
-          <a:p>
-            <a:r>
-              <a:rPr lang="ko-KR" altLang="en-US" dirty="0"/>
-              <a:t>협업환경 </a:t>
-            </a:r>
-            <a:r>
-              <a:rPr lang="en-US" altLang="ko-KR" dirty="0"/>
-              <a:t>(collaborator</a:t>
-            </a:r>
-            <a:r>
-              <a:rPr lang="ko-KR" altLang="en-US" dirty="0"/>
-              <a:t> 등록</a:t>
-            </a:r>
-            <a:r>
-              <a:rPr lang="en-US" altLang="ko-KR" dirty="0"/>
-              <a:t>)</a:t>
-            </a:r>
-          </a:p>
-          <a:p>
-            <a:pPr lvl="1"/>
-            <a:r>
-              <a:rPr lang="en-US" altLang="ko-KR" dirty="0">
-                <a:latin typeface="+mn-ea"/>
-              </a:rPr>
-              <a:t>Settings → Manage Access </a:t>
-            </a:r>
-            <a:r>
-              <a:rPr lang="ko-KR" altLang="en-US" dirty="0">
-                <a:latin typeface="+mn-ea"/>
-              </a:rPr>
-              <a:t>클릭</a:t>
-            </a:r>
-            <a:endParaRPr lang="en-US" altLang="ko-KR" dirty="0">
-              <a:latin typeface="+mn-ea"/>
-            </a:endParaRPr>
-          </a:p>
-        </p:txBody>
-      </p:sp>
-      <p:sp>
-        <p:nvSpPr>
-          <p:cNvPr id="6" name="직사각형 5">
-            <a:extLst>
-              <a:ext uri="{FF2B5EF4-FFF2-40B4-BE49-F238E27FC236}">
-                <a16:creationId xmlns:a16="http://schemas.microsoft.com/office/drawing/2014/main" id="{A0CA71EF-AE4C-453D-A797-8649D36F99F5}"/>
-              </a:ext>
-            </a:extLst>
-          </p:cNvPr>
-          <p:cNvSpPr/>
-          <p:nvPr/>
-        </p:nvSpPr>
-        <p:spPr>
-          <a:xfrm>
-            <a:off x="6051166" y="2824217"/>
-            <a:ext cx="643929" cy="213274"/>
-          </a:xfrm>
-          <a:prstGeom prst="rect">
-            <a:avLst/>
-          </a:prstGeom>
-          <a:noFill/>
-          <a:ln w="38100">
-            <a:solidFill>
-              <a:srgbClr val="FF0000"/>
-            </a:solidFill>
-          </a:ln>
-        </p:spPr>
-        <p:style>
-          <a:lnRef idx="2">
-            <a:schemeClr val="accent1">
-              <a:shade val="50000"/>
-            </a:schemeClr>
-          </a:lnRef>
-          <a:fillRef idx="1">
-            <a:schemeClr val="accent1"/>
-          </a:fillRef>
-          <a:effectRef idx="0">
-            <a:schemeClr val="accent1"/>
-          </a:effectRef>
-          <a:fontRef idx="minor">
-            <a:schemeClr val="lt1"/>
-          </a:fontRef>
-        </p:style>
-        <p:txBody>
-          <a:bodyPr rtlCol="0" anchor="ctr"/>
-          <a:lstStyle/>
-          <a:p>
-            <a:pPr algn="ctr"/>
-            <a:endParaRPr lang="ko-KR" altLang="en-US"/>
-          </a:p>
-        </p:txBody>
-      </p:sp>
-      <p:sp>
-        <p:nvSpPr>
-          <p:cNvPr id="9" name="직사각형 8">
-            <a:extLst>
-              <a:ext uri="{FF2B5EF4-FFF2-40B4-BE49-F238E27FC236}">
-                <a16:creationId xmlns:a16="http://schemas.microsoft.com/office/drawing/2014/main" id="{2D982C0A-7CE5-4414-99C0-863AA7806C73}"/>
-              </a:ext>
-            </a:extLst>
-          </p:cNvPr>
-          <p:cNvSpPr/>
-          <p:nvPr/>
-        </p:nvSpPr>
-        <p:spPr>
-          <a:xfrm>
-            <a:off x="1163857" y="5767453"/>
-            <a:ext cx="1589853" cy="223443"/>
-          </a:xfrm>
-          <a:prstGeom prst="rect">
-            <a:avLst/>
-          </a:prstGeom>
-          <a:noFill/>
-          <a:ln w="38100">
-            <a:solidFill>
-              <a:srgbClr val="FF0000"/>
-            </a:solidFill>
-          </a:ln>
-        </p:spPr>
-        <p:style>
-          <a:lnRef idx="2">
-            <a:schemeClr val="accent1">
-              <a:shade val="50000"/>
-            </a:schemeClr>
-          </a:lnRef>
-          <a:fillRef idx="1">
-            <a:schemeClr val="accent1"/>
-          </a:fillRef>
-          <a:effectRef idx="0">
-            <a:schemeClr val="accent1"/>
-          </a:effectRef>
-          <a:fontRef idx="minor">
-            <a:schemeClr val="lt1"/>
-          </a:fontRef>
-        </p:style>
-        <p:txBody>
-          <a:bodyPr rtlCol="0" anchor="ctr"/>
-          <a:lstStyle/>
-          <a:p>
-            <a:pPr algn="ctr"/>
-            <a:endParaRPr lang="ko-KR" altLang="en-US"/>
-          </a:p>
-        </p:txBody>
-      </p:sp>
-      <p:pic>
-        <p:nvPicPr>
-          <p:cNvPr id="5" name="그림 4">
-            <a:extLst>
-              <a:ext uri="{FF2B5EF4-FFF2-40B4-BE49-F238E27FC236}">
-                <a16:creationId xmlns:a16="http://schemas.microsoft.com/office/drawing/2014/main" id="{0E108528-D01B-481D-8297-4E1E44CD0571}"/>
-              </a:ext>
-            </a:extLst>
-          </p:cNvPr>
-          <p:cNvPicPr>
-            <a:picLocks noChangeAspect="1"/>
-          </p:cNvPicPr>
-          <p:nvPr/>
-        </p:nvPicPr>
-        <p:blipFill>
-          <a:blip r:embed="rId3"/>
-          <a:stretch>
-            <a:fillRect/>
-          </a:stretch>
-        </p:blipFill>
-        <p:spPr>
-          <a:xfrm>
-            <a:off x="30637" y="1781171"/>
-            <a:ext cx="8953500" cy="3381375"/>
-          </a:xfrm>
-          <a:prstGeom prst="rect">
-            <a:avLst/>
-          </a:prstGeom>
-        </p:spPr>
-      </p:pic>
-    </p:spTree>
-    <p:extLst>
-      <p:ext uri="{BB962C8B-B14F-4D97-AF65-F5344CB8AC3E}">
-        <p14:creationId xmlns:p14="http://schemas.microsoft.com/office/powerpoint/2010/main" val="2475722350"/>
       </p:ext>
     </p:extLst>
   </p:cSld>
@@ -30380,6 +30599,402 @@
           <a:chExt cx="0" cy="0"/>
         </a:xfrm>
       </p:grpSpPr>
+      <p:sp>
+        <p:nvSpPr>
+          <p:cNvPr id="4" name="제목 3">
+            <a:extLst>
+              <a:ext uri="{FF2B5EF4-FFF2-40B4-BE49-F238E27FC236}">
+                <a16:creationId xmlns:a16="http://schemas.microsoft.com/office/drawing/2014/main" id="{F0CEB32B-CB43-4410-BA08-A97E4BC47FCB}"/>
+              </a:ext>
+            </a:extLst>
+          </p:cNvPr>
+          <p:cNvSpPr>
+            <a:spLocks noGrp="1"/>
+          </p:cNvSpPr>
+          <p:nvPr>
+            <p:ph type="title"/>
+          </p:nvPr>
+        </p:nvSpPr>
+        <p:spPr/>
+        <p:txBody>
+          <a:bodyPr/>
+          <a:lstStyle/>
+          <a:p>
+            <a:r>
+              <a:rPr lang="ko-KR" altLang="en-US" dirty="0"/>
+              <a:t>협업하기</a:t>
+            </a:r>
+          </a:p>
+        </p:txBody>
+      </p:sp>
+      <p:sp>
+        <p:nvSpPr>
+          <p:cNvPr id="7" name="내용 개체 틀 2">
+            <a:extLst>
+              <a:ext uri="{FF2B5EF4-FFF2-40B4-BE49-F238E27FC236}">
+                <a16:creationId xmlns:a16="http://schemas.microsoft.com/office/drawing/2014/main" id="{A44AC902-3746-40D6-9827-94B46EEDDC67}"/>
+              </a:ext>
+            </a:extLst>
+          </p:cNvPr>
+          <p:cNvSpPr txBox="1">
+            <a:spLocks/>
+          </p:cNvSpPr>
+          <p:nvPr/>
+        </p:nvSpPr>
+        <p:spPr>
+          <a:xfrm>
+            <a:off x="341787" y="1120545"/>
+            <a:ext cx="8642350" cy="2351314"/>
+          </a:xfrm>
+          <a:prstGeom prst="rect">
+            <a:avLst/>
+          </a:prstGeom>
+        </p:spPr>
+        <p:txBody>
+          <a:bodyPr vert="horz" lIns="91440" tIns="45720" rIns="91440" bIns="45720" rtlCol="0">
+            <a:noAutofit/>
+          </a:bodyPr>
+          <a:lstStyle>
+            <a:lvl1pPr marL="266700" indent="-266700" defTabSz="914400" latinLnBrk="1">
+              <a:lnSpc>
+                <a:spcPct val="150000"/>
+              </a:lnSpc>
+              <a:spcBef>
+                <a:spcPct val="0"/>
+              </a:spcBef>
+              <a:buClr>
+                <a:schemeClr val="tx1">
+                  <a:lumMod val="65000"/>
+                  <a:lumOff val="35000"/>
+                </a:schemeClr>
+              </a:buClr>
+              <a:buFont typeface="Wingdings" pitchFamily="2" charset="2"/>
+              <a:buChar char="n"/>
+              <a:defRPr sz="2000" b="1">
+                <a:latin typeface="+mn-ea"/>
+              </a:defRPr>
+            </a:lvl1pPr>
+            <a:lvl2pPr marL="447675" lvl="1" indent="-180975" defTabSz="914400" latinLnBrk="1">
+              <a:lnSpc>
+                <a:spcPct val="150000"/>
+              </a:lnSpc>
+              <a:spcBef>
+                <a:spcPts val="0"/>
+              </a:spcBef>
+              <a:spcAft>
+                <a:spcPts val="0"/>
+              </a:spcAft>
+              <a:buClr>
+                <a:schemeClr val="tx1">
+                  <a:lumMod val="50000"/>
+                  <a:lumOff val="50000"/>
+                </a:schemeClr>
+              </a:buClr>
+              <a:buFont typeface="Wingdings" pitchFamily="2" charset="2"/>
+              <a:buChar char="§"/>
+              <a:defRPr sz="1600"/>
+            </a:lvl2pPr>
+            <a:lvl3pPr marL="628650" indent="-180975" defTabSz="914400" latinLnBrk="1">
+              <a:lnSpc>
+                <a:spcPct val="150000"/>
+              </a:lnSpc>
+              <a:spcBef>
+                <a:spcPts val="500"/>
+              </a:spcBef>
+              <a:spcAft>
+                <a:spcPts val="300"/>
+              </a:spcAft>
+              <a:buClr>
+                <a:schemeClr val="tx1">
+                  <a:lumMod val="65000"/>
+                  <a:lumOff val="35000"/>
+                </a:schemeClr>
+              </a:buClr>
+              <a:buFont typeface="Arial" panose="020B0604020202020204" pitchFamily="34" charset="0"/>
+              <a:buChar char="•"/>
+              <a:defRPr sz="1400"/>
+            </a:lvl3pPr>
+            <a:lvl4pPr marL="809625" indent="-180975" defTabSz="914400" latinLnBrk="1">
+              <a:lnSpc>
+                <a:spcPct val="150000"/>
+              </a:lnSpc>
+              <a:spcBef>
+                <a:spcPts val="500"/>
+              </a:spcBef>
+              <a:spcAft>
+                <a:spcPts val="300"/>
+              </a:spcAft>
+              <a:buClr>
+                <a:schemeClr val="tx1">
+                  <a:lumMod val="65000"/>
+                  <a:lumOff val="35000"/>
+                </a:schemeClr>
+              </a:buClr>
+              <a:buSzPct val="96000"/>
+              <a:buFont typeface="Arial" panose="020B0604020202020204" pitchFamily="34" charset="0"/>
+              <a:buChar char="•"/>
+              <a:defRPr sz="1200"/>
+            </a:lvl4pPr>
+            <a:lvl5pPr marL="990600" indent="-180975" defTabSz="914400" latinLnBrk="1">
+              <a:lnSpc>
+                <a:spcPct val="150000"/>
+              </a:lnSpc>
+              <a:spcBef>
+                <a:spcPts val="500"/>
+              </a:spcBef>
+              <a:buClr>
+                <a:schemeClr val="tx1">
+                  <a:lumMod val="65000"/>
+                  <a:lumOff val="35000"/>
+                </a:schemeClr>
+              </a:buClr>
+              <a:buFont typeface="Arial" panose="020B0604020202020204" pitchFamily="34" charset="0"/>
+              <a:buChar char="•"/>
+              <a:defRPr sz="1000"/>
+            </a:lvl5pPr>
+            <a:lvl6pPr marL="2514600" indent="-228600" defTabSz="914400" latinLnBrk="1">
+              <a:lnSpc>
+                <a:spcPct val="90000"/>
+              </a:lnSpc>
+              <a:spcBef>
+                <a:spcPts val="500"/>
+              </a:spcBef>
+              <a:buFont typeface="Arial" panose="020B0604020202020204" pitchFamily="34" charset="0"/>
+              <a:buChar char="•"/>
+            </a:lvl6pPr>
+            <a:lvl7pPr marL="2971800" indent="-228600" defTabSz="914400" latinLnBrk="1">
+              <a:lnSpc>
+                <a:spcPct val="90000"/>
+              </a:lnSpc>
+              <a:spcBef>
+                <a:spcPts val="500"/>
+              </a:spcBef>
+              <a:buFont typeface="Arial" panose="020B0604020202020204" pitchFamily="34" charset="0"/>
+              <a:buChar char="•"/>
+            </a:lvl7pPr>
+            <a:lvl8pPr marL="3429000" indent="-228600" defTabSz="914400" latinLnBrk="1">
+              <a:lnSpc>
+                <a:spcPct val="90000"/>
+              </a:lnSpc>
+              <a:spcBef>
+                <a:spcPts val="500"/>
+              </a:spcBef>
+              <a:buFont typeface="Arial" panose="020B0604020202020204" pitchFamily="34" charset="0"/>
+              <a:buChar char="•"/>
+            </a:lvl8pPr>
+            <a:lvl9pPr marL="3886200" indent="-228600" defTabSz="914400" latinLnBrk="1">
+              <a:lnSpc>
+                <a:spcPct val="90000"/>
+              </a:lnSpc>
+              <a:spcBef>
+                <a:spcPts val="500"/>
+              </a:spcBef>
+              <a:buFont typeface="Arial" panose="020B0604020202020204" pitchFamily="34" charset="0"/>
+              <a:buChar char="•"/>
+            </a:lvl9pPr>
+          </a:lstStyle>
+          <a:p>
+            <a:r>
+              <a:rPr lang="ko-KR" altLang="en-US" dirty="0"/>
+              <a:t>협업환경 </a:t>
+            </a:r>
+            <a:r>
+              <a:rPr lang="en-US" altLang="ko-KR" dirty="0"/>
+              <a:t>(collaborator</a:t>
+            </a:r>
+            <a:r>
+              <a:rPr lang="ko-KR" altLang="en-US" dirty="0"/>
+              <a:t> 등록</a:t>
+            </a:r>
+            <a:r>
+              <a:rPr lang="en-US" altLang="ko-KR" dirty="0"/>
+              <a:t>)</a:t>
+            </a:r>
+          </a:p>
+          <a:p>
+            <a:pPr lvl="1"/>
+            <a:r>
+              <a:rPr lang="en-US" altLang="ko-KR" dirty="0">
+                <a:latin typeface="+mn-ea"/>
+              </a:rPr>
+              <a:t>Settings → Manage Access </a:t>
+            </a:r>
+            <a:r>
+              <a:rPr lang="ko-KR" altLang="en-US" dirty="0">
+                <a:latin typeface="+mn-ea"/>
+              </a:rPr>
+              <a:t>클릭</a:t>
+            </a:r>
+            <a:endParaRPr lang="en-US" altLang="ko-KR" dirty="0">
+              <a:latin typeface="+mn-ea"/>
+            </a:endParaRPr>
+          </a:p>
+        </p:txBody>
+      </p:sp>
+      <p:sp>
+        <p:nvSpPr>
+          <p:cNvPr id="6" name="직사각형 5">
+            <a:extLst>
+              <a:ext uri="{FF2B5EF4-FFF2-40B4-BE49-F238E27FC236}">
+                <a16:creationId xmlns:a16="http://schemas.microsoft.com/office/drawing/2014/main" id="{A0CA71EF-AE4C-453D-A797-8649D36F99F5}"/>
+              </a:ext>
+            </a:extLst>
+          </p:cNvPr>
+          <p:cNvSpPr/>
+          <p:nvPr/>
+        </p:nvSpPr>
+        <p:spPr>
+          <a:xfrm>
+            <a:off x="6051166" y="2824217"/>
+            <a:ext cx="643929" cy="213274"/>
+          </a:xfrm>
+          <a:prstGeom prst="rect">
+            <a:avLst/>
+          </a:prstGeom>
+          <a:noFill/>
+          <a:ln w="38100">
+            <a:solidFill>
+              <a:srgbClr val="FF0000"/>
+            </a:solidFill>
+          </a:ln>
+        </p:spPr>
+        <p:style>
+          <a:lnRef idx="2">
+            <a:schemeClr val="accent1">
+              <a:shade val="50000"/>
+            </a:schemeClr>
+          </a:lnRef>
+          <a:fillRef idx="1">
+            <a:schemeClr val="accent1"/>
+          </a:fillRef>
+          <a:effectRef idx="0">
+            <a:schemeClr val="accent1"/>
+          </a:effectRef>
+          <a:fontRef idx="minor">
+            <a:schemeClr val="lt1"/>
+          </a:fontRef>
+        </p:style>
+        <p:txBody>
+          <a:bodyPr rtlCol="0" anchor="ctr"/>
+          <a:lstStyle/>
+          <a:p>
+            <a:pPr algn="ctr"/>
+            <a:endParaRPr lang="ko-KR" altLang="en-US"/>
+          </a:p>
+        </p:txBody>
+      </p:sp>
+      <p:sp>
+        <p:nvSpPr>
+          <p:cNvPr id="9" name="직사각형 8">
+            <a:extLst>
+              <a:ext uri="{FF2B5EF4-FFF2-40B4-BE49-F238E27FC236}">
+                <a16:creationId xmlns:a16="http://schemas.microsoft.com/office/drawing/2014/main" id="{2D982C0A-7CE5-4414-99C0-863AA7806C73}"/>
+              </a:ext>
+            </a:extLst>
+          </p:cNvPr>
+          <p:cNvSpPr/>
+          <p:nvPr/>
+        </p:nvSpPr>
+        <p:spPr>
+          <a:xfrm>
+            <a:off x="1163857" y="5767453"/>
+            <a:ext cx="1589853" cy="223443"/>
+          </a:xfrm>
+          <a:prstGeom prst="rect">
+            <a:avLst/>
+          </a:prstGeom>
+          <a:noFill/>
+          <a:ln w="38100">
+            <a:solidFill>
+              <a:srgbClr val="FF0000"/>
+            </a:solidFill>
+          </a:ln>
+        </p:spPr>
+        <p:style>
+          <a:lnRef idx="2">
+            <a:schemeClr val="accent1">
+              <a:shade val="50000"/>
+            </a:schemeClr>
+          </a:lnRef>
+          <a:fillRef idx="1">
+            <a:schemeClr val="accent1"/>
+          </a:fillRef>
+          <a:effectRef idx="0">
+            <a:schemeClr val="accent1"/>
+          </a:effectRef>
+          <a:fontRef idx="minor">
+            <a:schemeClr val="lt1"/>
+          </a:fontRef>
+        </p:style>
+        <p:txBody>
+          <a:bodyPr rtlCol="0" anchor="ctr"/>
+          <a:lstStyle/>
+          <a:p>
+            <a:pPr algn="ctr"/>
+            <a:endParaRPr lang="ko-KR" altLang="en-US"/>
+          </a:p>
+        </p:txBody>
+      </p:sp>
+      <p:pic>
+        <p:nvPicPr>
+          <p:cNvPr id="5" name="그림 4">
+            <a:extLst>
+              <a:ext uri="{FF2B5EF4-FFF2-40B4-BE49-F238E27FC236}">
+                <a16:creationId xmlns:a16="http://schemas.microsoft.com/office/drawing/2014/main" id="{0E108528-D01B-481D-8297-4E1E44CD0571}"/>
+              </a:ext>
+            </a:extLst>
+          </p:cNvPr>
+          <p:cNvPicPr>
+            <a:picLocks noChangeAspect="1"/>
+          </p:cNvPicPr>
+          <p:nvPr/>
+        </p:nvPicPr>
+        <p:blipFill>
+          <a:blip r:embed="rId3"/>
+          <a:stretch>
+            <a:fillRect/>
+          </a:stretch>
+        </p:blipFill>
+        <p:spPr>
+          <a:xfrm>
+            <a:off x="30637" y="1781171"/>
+            <a:ext cx="8953500" cy="3381375"/>
+          </a:xfrm>
+          <a:prstGeom prst="rect">
+            <a:avLst/>
+          </a:prstGeom>
+        </p:spPr>
+      </p:pic>
+    </p:spTree>
+    <p:extLst>
+      <p:ext uri="{BB962C8B-B14F-4D97-AF65-F5344CB8AC3E}">
+        <p14:creationId xmlns:p14="http://schemas.microsoft.com/office/powerpoint/2010/main" val="2475722350"/>
+      </p:ext>
+    </p:extLst>
+  </p:cSld>
+  <p:clrMapOvr>
+    <a:masterClrMapping/>
+  </p:clrMapOvr>
+</p:sld>
+</file>
+
+<file path=ppt/slides/slide61.xml><?xml version="1.0" encoding="utf-8"?>
+<p:sld xmlns:a="http://schemas.openxmlformats.org/drawingml/2006/main" xmlns:r="http://schemas.openxmlformats.org/officeDocument/2006/relationships" xmlns:p="http://schemas.openxmlformats.org/presentationml/2006/main">
+  <p:cSld>
+    <p:spTree>
+      <p:nvGrpSpPr>
+        <p:cNvPr id="1" name=""/>
+        <p:cNvGrpSpPr/>
+        <p:nvPr/>
+      </p:nvGrpSpPr>
+      <p:grpSpPr>
+        <a:xfrm>
+          <a:off x="0" y="0"/>
+          <a:ext cx="0" cy="0"/>
+          <a:chOff x="0" y="0"/>
+          <a:chExt cx="0" cy="0"/>
+        </a:xfrm>
+      </p:grpSpPr>
       <p:pic>
         <p:nvPicPr>
           <p:cNvPr id="8" name="그림 7">
@@ -30733,7 +31348,7 @@
 </p:sld>
 </file>
 
-<file path=ppt/slides/slide61.xml><?xml version="1.0" encoding="utf-8"?>
+<file path=ppt/slides/slide62.xml><?xml version="1.0" encoding="utf-8"?>
 <p:sld xmlns:a="http://schemas.openxmlformats.org/drawingml/2006/main" xmlns:r="http://schemas.openxmlformats.org/officeDocument/2006/relationships" xmlns:p="http://schemas.openxmlformats.org/presentationml/2006/main">
   <p:cSld>
     <p:spTree>
@@ -31051,7 +31666,7 @@
 </p:sld>
 </file>
 
-<file path=ppt/slides/slide62.xml><?xml version="1.0" encoding="utf-8"?>
+<file path=ppt/slides/slide63.xml><?xml version="1.0" encoding="utf-8"?>
 <p:sld xmlns:a="http://schemas.openxmlformats.org/drawingml/2006/main" xmlns:r="http://schemas.openxmlformats.org/officeDocument/2006/relationships" xmlns:p="http://schemas.openxmlformats.org/presentationml/2006/main">
   <p:cSld>
     <p:spTree>
@@ -31196,7 +31811,7 @@
             <a:fld id="{526ADF51-C4A2-4521-899C-87F34FDB9C0A}" type="slidenum">
               <a:rPr lang="ko-KR" altLang="en-US" smtClean="0"/>
               <a:pPr/>
-              <a:t>62</a:t>
+              <a:t>63</a:t>
             </a:fld>
             <a:endParaRPr lang="ko-KR" altLang="en-US" dirty="0"/>
           </a:p>
@@ -31301,7 +31916,7 @@
 </p:sld>
 </file>
 
-<file path=ppt/slides/slide63.xml><?xml version="1.0" encoding="utf-8"?>
+<file path=ppt/slides/slide64.xml><?xml version="1.0" encoding="utf-8"?>
 <p:sld xmlns:a="http://schemas.openxmlformats.org/drawingml/2006/main" xmlns:r="http://schemas.openxmlformats.org/officeDocument/2006/relationships" xmlns:p="http://schemas.openxmlformats.org/presentationml/2006/main">
   <p:cSld>
     <p:spTree>
@@ -31446,7 +32061,7 @@
             <a:fld id="{526ADF51-C4A2-4521-899C-87F34FDB9C0A}" type="slidenum">
               <a:rPr lang="ko-KR" altLang="en-US" smtClean="0"/>
               <a:pPr/>
-              <a:t>63</a:t>
+              <a:t>64</a:t>
             </a:fld>
             <a:endParaRPr lang="ko-KR" altLang="en-US" dirty="0"/>
           </a:p>
@@ -31551,7 +32166,7 @@
 </p:sld>
 </file>
 
-<file path=ppt/slides/slide64.xml><?xml version="1.0" encoding="utf-8"?>
+<file path=ppt/slides/slide65.xml><?xml version="1.0" encoding="utf-8"?>
 <p:sld xmlns:a="http://schemas.openxmlformats.org/drawingml/2006/main" xmlns:r="http://schemas.openxmlformats.org/officeDocument/2006/relationships" xmlns:p="http://schemas.openxmlformats.org/presentationml/2006/main">
   <p:cSld>
     <p:spTree>
@@ -31844,7 +32459,7 @@
 </p:sld>
 </file>
 
-<file path=ppt/slides/slide65.xml><?xml version="1.0" encoding="utf-8"?>
+<file path=ppt/slides/slide66.xml><?xml version="1.0" encoding="utf-8"?>
 <p:sld xmlns:a="http://schemas.openxmlformats.org/drawingml/2006/main" xmlns:r="http://schemas.openxmlformats.org/officeDocument/2006/relationships" xmlns:p="http://schemas.openxmlformats.org/presentationml/2006/main">
   <p:cSld>
     <p:spTree>
@@ -32137,7 +32752,7 @@
 </p:sld>
 </file>
 
-<file path=ppt/slides/slide66.xml><?xml version="1.0" encoding="utf-8"?>
+<file path=ppt/slides/slide67.xml><?xml version="1.0" encoding="utf-8"?>
 <p:sld xmlns:a="http://schemas.openxmlformats.org/drawingml/2006/main" xmlns:r="http://schemas.openxmlformats.org/officeDocument/2006/relationships" xmlns:p="http://schemas.openxmlformats.org/presentationml/2006/main">
   <p:cSld>
     <p:spTree>

--- a/git및github첫걸음4-협업하기.pptx
+++ b/git및github첫걸음4-협업하기.pptx
@@ -311,7 +311,7 @@
           <a:p>
             <a:fld id="{A17B9194-BDE3-40E3-983E-94CE6FA773AF}" type="datetimeFigureOut">
               <a:rPr lang="ko-KR" altLang="en-US" smtClean="0"/>
-              <a:t>2021-04-08</a:t>
+              <a:t>2021-04-09</a:t>
             </a:fld>
             <a:endParaRPr lang="ko-KR" altLang="en-US"/>
           </a:p>
@@ -2749,37 +2749,32 @@
             </a:r>
             <a:r>
               <a:rPr lang="en-US" altLang="ko-KR" dirty="0"/>
-              <a:t>? </a:t>
-            </a:r>
-            <a:r>
-              <a:rPr lang="en-US" altLang="ko-KR" dirty="0" smtClean="0"/>
+              <a:t>? PR</a:t>
+            </a:r>
+            <a:r>
+              <a:rPr lang="ko-KR" altLang="en-US" dirty="0"/>
+              <a:t>한 사람만 보이나</a:t>
+            </a:r>
+            <a:r>
+              <a:rPr lang="en-US" altLang="ko-KR" dirty="0"/>
+              <a:t>, </a:t>
+            </a:r>
+            <a:r>
+              <a:rPr lang="ko-KR" altLang="en-US" dirty="0" err="1"/>
+              <a:t>브랜치로</a:t>
+            </a:r>
+            <a:r>
+              <a:rPr lang="ko-KR" altLang="en-US" dirty="0"/>
+              <a:t> 들어가서 누구나 </a:t>
+            </a:r>
+            <a:r>
+              <a:rPr lang="en-US" altLang="ko-KR" dirty="0"/>
               <a:t>PR</a:t>
             </a:r>
             <a:r>
-              <a:rPr lang="ko-KR" altLang="en-US" dirty="0" smtClean="0"/>
-              <a:t>한 사람만 보이나</a:t>
-            </a:r>
-            <a:r>
-              <a:rPr lang="en-US" altLang="ko-KR" dirty="0" smtClean="0"/>
-              <a:t>, </a:t>
-            </a:r>
-            <a:r>
-              <a:rPr lang="ko-KR" altLang="en-US" dirty="0" err="1" smtClean="0"/>
-              <a:t>브랜치로</a:t>
-            </a:r>
-            <a:r>
-              <a:rPr lang="ko-KR" altLang="en-US" dirty="0" smtClean="0"/>
-              <a:t> 들어가서 누구나 </a:t>
-            </a:r>
-            <a:r>
-              <a:rPr lang="en-US" altLang="ko-KR" dirty="0" smtClean="0"/>
-              <a:t>PR</a:t>
-            </a:r>
-            <a:r>
-              <a:rPr lang="ko-KR" altLang="en-US" dirty="0" smtClean="0"/>
+              <a:rPr lang="ko-KR" altLang="en-US" dirty="0"/>
               <a:t>할 수 있음</a:t>
             </a:r>
-            <a:endParaRPr lang="ko-KR" altLang="en-US" dirty="0"/>
           </a:p>
         </p:txBody>
       </p:sp>
@@ -2864,19 +2859,19 @@
           <a:lstStyle/>
           <a:p>
             <a:r>
-              <a:rPr lang="ko-KR" altLang="en-US" dirty="0" smtClean="0"/>
+              <a:rPr lang="ko-KR" altLang="en-US" dirty="0"/>
               <a:t>누군가 </a:t>
             </a:r>
             <a:r>
-              <a:rPr lang="en-US" altLang="ko-KR" dirty="0" smtClean="0"/>
+              <a:rPr lang="en-US" altLang="ko-KR" dirty="0"/>
               <a:t>origin</a:t>
             </a:r>
             <a:r>
-              <a:rPr lang="ko-KR" altLang="en-US" dirty="0" smtClean="0"/>
+              <a:rPr lang="ko-KR" altLang="en-US" dirty="0"/>
               <a:t>의 내용을 수정했을 수 있다는 가정하에 가장 작업을 하기 전에 모두 다시 다운 받음</a:t>
             </a:r>
             <a:r>
-              <a:rPr lang="en-US" altLang="ko-KR" dirty="0" smtClean="0"/>
+              <a:rPr lang="en-US" altLang="ko-KR" dirty="0"/>
               <a:t>.</a:t>
             </a:r>
           </a:p>
@@ -2966,19 +2961,19 @@
           <a:lstStyle/>
           <a:p>
             <a:r>
-              <a:rPr lang="ko-KR" altLang="en-US" dirty="0" smtClean="0"/>
+              <a:rPr lang="ko-KR" altLang="en-US" dirty="0"/>
               <a:t>누군가 </a:t>
             </a:r>
             <a:r>
-              <a:rPr lang="en-US" altLang="ko-KR" dirty="0" smtClean="0"/>
+              <a:rPr lang="en-US" altLang="ko-KR" dirty="0"/>
               <a:t>origin</a:t>
             </a:r>
             <a:r>
-              <a:rPr lang="ko-KR" altLang="en-US" dirty="0" smtClean="0"/>
+              <a:rPr lang="ko-KR" altLang="en-US" dirty="0"/>
               <a:t>의 내용을 수정했을 수 있다는 가정하에 가장 작업을 하기 전에 모두 다시 다운 받음</a:t>
             </a:r>
             <a:r>
-              <a:rPr lang="en-US" altLang="ko-KR" dirty="0" smtClean="0"/>
+              <a:rPr lang="en-US" altLang="ko-KR" dirty="0"/>
               <a:t>.</a:t>
             </a:r>
             <a:endParaRPr lang="ko-KR" altLang="en-US" dirty="0"/>
@@ -3234,19 +3229,19 @@
           <a:lstStyle/>
           <a:p>
             <a:r>
-              <a:rPr lang="ko-KR" altLang="en-US" dirty="0" smtClean="0"/>
+              <a:rPr lang="ko-KR" altLang="en-US" dirty="0"/>
               <a:t>파란 박스는 </a:t>
             </a:r>
             <a:r>
-              <a:rPr lang="en-US" altLang="ko-KR" dirty="0" smtClean="0"/>
+              <a:rPr lang="en-US" altLang="ko-KR" dirty="0"/>
               <a:t>push</a:t>
             </a:r>
             <a:r>
-              <a:rPr lang="ko-KR" altLang="en-US" dirty="0" smtClean="0"/>
+              <a:rPr lang="ko-KR" altLang="en-US" dirty="0"/>
               <a:t>한 사람만 보임</a:t>
             </a:r>
             <a:r>
-              <a:rPr lang="en-US" altLang="ko-KR" dirty="0" smtClean="0"/>
+              <a:rPr lang="en-US" altLang="ko-KR" dirty="0"/>
               <a:t>.</a:t>
             </a:r>
             <a:endParaRPr lang="ko-KR" altLang="en-US" dirty="0"/>
@@ -3925,47 +3920,47 @@
           <a:lstStyle/>
           <a:p>
             <a:r>
-              <a:rPr lang="ko-KR" altLang="en-US" dirty="0" smtClean="0"/>
+              <a:rPr lang="ko-KR" altLang="en-US" dirty="0"/>
               <a:t>여기서 </a:t>
             </a:r>
             <a:r>
-              <a:rPr lang="en-US" altLang="ko-KR" dirty="0" smtClean="0"/>
+              <a:rPr lang="en-US" altLang="ko-KR" dirty="0"/>
               <a:t>fork workflow</a:t>
             </a:r>
             <a:r>
-              <a:rPr lang="ko-KR" altLang="en-US" dirty="0" smtClean="0"/>
+              <a:rPr lang="ko-KR" altLang="en-US" dirty="0"/>
               <a:t>와 차이가 있음</a:t>
             </a:r>
             <a:r>
-              <a:rPr lang="en-US" altLang="ko-KR" dirty="0" smtClean="0"/>
+              <a:rPr lang="en-US" altLang="ko-KR" dirty="0"/>
               <a:t>.</a:t>
             </a:r>
             <a:r>
-              <a:rPr lang="en-US" altLang="ko-KR" baseline="0" dirty="0" smtClean="0"/>
+              <a:rPr lang="en-US" altLang="ko-KR" baseline="0" dirty="0"/>
               <a:t> Fork flow</a:t>
             </a:r>
             <a:r>
-              <a:rPr lang="ko-KR" altLang="en-US" baseline="0" dirty="0" smtClean="0"/>
+              <a:rPr lang="ko-KR" altLang="en-US" baseline="0" dirty="0"/>
               <a:t>에서는 </a:t>
             </a:r>
             <a:r>
-              <a:rPr lang="en-US" altLang="ko-KR" baseline="0" dirty="0" smtClean="0"/>
+              <a:rPr lang="en-US" altLang="ko-KR" baseline="0" dirty="0"/>
               <a:t>upstream</a:t>
             </a:r>
             <a:r>
-              <a:rPr lang="ko-KR" altLang="en-US" baseline="0" dirty="0" smtClean="0"/>
+              <a:rPr lang="ko-KR" altLang="en-US" baseline="0" dirty="0"/>
               <a:t>에서만 </a:t>
             </a:r>
             <a:r>
-              <a:rPr lang="en-US" altLang="ko-KR" baseline="0" dirty="0" smtClean="0"/>
+              <a:rPr lang="en-US" altLang="ko-KR" baseline="0" dirty="0"/>
               <a:t>merge </a:t>
             </a:r>
             <a:r>
-              <a:rPr lang="ko-KR" altLang="en-US" baseline="0" dirty="0" smtClean="0"/>
+              <a:rPr lang="ko-KR" altLang="en-US" baseline="0" dirty="0"/>
               <a:t>권한이 있음</a:t>
             </a:r>
             <a:r>
-              <a:rPr lang="en-US" altLang="ko-KR" baseline="0" dirty="0" smtClean="0"/>
+              <a:rPr lang="en-US" altLang="ko-KR" baseline="0" dirty="0"/>
               <a:t>.</a:t>
             </a:r>
             <a:endParaRPr lang="ko-KR" altLang="en-US" dirty="0"/>
@@ -4305,19 +4300,19 @@
           <a:lstStyle/>
           <a:p>
             <a:r>
-              <a:rPr lang="ko-KR" altLang="en-US" dirty="0" smtClean="0"/>
+              <a:rPr lang="ko-KR" altLang="en-US" dirty="0"/>
               <a:t>앞쪽 </a:t>
             </a:r>
             <a:r>
-              <a:rPr lang="en-US" altLang="ko-KR" dirty="0" smtClean="0"/>
+              <a:rPr lang="en-US" altLang="ko-KR" dirty="0"/>
               <a:t>‘file</a:t>
             </a:r>
             <a:r>
-              <a:rPr lang="en-US" altLang="ko-KR" baseline="0" dirty="0" smtClean="0"/>
+              <a:rPr lang="en-US" altLang="ko-KR" baseline="0" dirty="0"/>
               <a:t> changed’</a:t>
             </a:r>
             <a:r>
-              <a:rPr lang="ko-KR" altLang="en-US" baseline="0" dirty="0" smtClean="0"/>
+              <a:rPr lang="ko-KR" altLang="en-US" baseline="0" dirty="0"/>
               <a:t>를 클릭하면 나오는 화면</a:t>
             </a:r>
             <a:endParaRPr lang="ko-KR" altLang="en-US" dirty="0"/>
@@ -4996,19 +4991,19 @@
           <a:lstStyle/>
           <a:p>
             <a:r>
-              <a:rPr lang="ko-KR" altLang="en-US" dirty="0" smtClean="0"/>
+              <a:rPr lang="ko-KR" altLang="en-US" dirty="0"/>
               <a:t>누군가 </a:t>
             </a:r>
             <a:r>
-              <a:rPr lang="en-US" altLang="ko-KR" dirty="0" smtClean="0"/>
+              <a:rPr lang="en-US" altLang="ko-KR" dirty="0"/>
               <a:t>origin</a:t>
             </a:r>
             <a:r>
-              <a:rPr lang="ko-KR" altLang="en-US" dirty="0" smtClean="0"/>
+              <a:rPr lang="ko-KR" altLang="en-US" dirty="0"/>
               <a:t>의 내용을 수정했을 수 있다는 가정하에 가장 작업을 하기 전에 모두 다시 다운 받음</a:t>
             </a:r>
             <a:r>
-              <a:rPr lang="en-US" altLang="ko-KR" dirty="0" smtClean="0"/>
+              <a:rPr lang="en-US" altLang="ko-KR" dirty="0"/>
               <a:t>.</a:t>
             </a:r>
             <a:endParaRPr lang="ko-KR" altLang="en-US" dirty="0"/>
@@ -5264,19 +5259,19 @@
           <a:lstStyle/>
           <a:p>
             <a:r>
-              <a:rPr lang="ko-KR" altLang="en-US" dirty="0" smtClean="0"/>
+              <a:rPr lang="ko-KR" altLang="en-US" dirty="0"/>
               <a:t>파란 박스는 </a:t>
             </a:r>
             <a:r>
-              <a:rPr lang="en-US" altLang="ko-KR" dirty="0" smtClean="0"/>
+              <a:rPr lang="en-US" altLang="ko-KR" dirty="0"/>
               <a:t>push</a:t>
             </a:r>
             <a:r>
-              <a:rPr lang="ko-KR" altLang="en-US" dirty="0" smtClean="0"/>
+              <a:rPr lang="ko-KR" altLang="en-US" dirty="0"/>
               <a:t>한 사람만 보임</a:t>
             </a:r>
             <a:r>
-              <a:rPr lang="en-US" altLang="ko-KR" dirty="0" smtClean="0"/>
+              <a:rPr lang="en-US" altLang="ko-KR" dirty="0"/>
               <a:t>.</a:t>
             </a:r>
             <a:endParaRPr lang="ko-KR" altLang="en-US" dirty="0"/>
@@ -5364,19 +5359,19 @@
           <a:lstStyle/>
           <a:p>
             <a:r>
-              <a:rPr lang="ko-KR" altLang="en-US" dirty="0" smtClean="0"/>
+              <a:rPr lang="ko-KR" altLang="en-US" dirty="0"/>
               <a:t>파란 박스는 </a:t>
             </a:r>
             <a:r>
-              <a:rPr lang="en-US" altLang="ko-KR" dirty="0" smtClean="0"/>
+              <a:rPr lang="en-US" altLang="ko-KR" dirty="0"/>
               <a:t>push</a:t>
             </a:r>
             <a:r>
-              <a:rPr lang="ko-KR" altLang="en-US" dirty="0" smtClean="0"/>
+              <a:rPr lang="ko-KR" altLang="en-US" dirty="0"/>
               <a:t>한 사람만 보임</a:t>
             </a:r>
             <a:r>
-              <a:rPr lang="en-US" altLang="ko-KR" dirty="0" smtClean="0"/>
+              <a:rPr lang="en-US" altLang="ko-KR" dirty="0"/>
               <a:t>.</a:t>
             </a:r>
             <a:endParaRPr lang="ko-KR" altLang="en-US" dirty="0"/>
@@ -5464,19 +5459,19 @@
           <a:lstStyle/>
           <a:p>
             <a:r>
-              <a:rPr lang="ko-KR" altLang="en-US" dirty="0" smtClean="0"/>
+              <a:rPr lang="ko-KR" altLang="en-US" dirty="0"/>
               <a:t>파란 박스는 </a:t>
             </a:r>
             <a:r>
-              <a:rPr lang="en-US" altLang="ko-KR" dirty="0" smtClean="0"/>
+              <a:rPr lang="en-US" altLang="ko-KR" dirty="0"/>
               <a:t>push</a:t>
             </a:r>
             <a:r>
-              <a:rPr lang="ko-KR" altLang="en-US" dirty="0" smtClean="0"/>
+              <a:rPr lang="ko-KR" altLang="en-US" dirty="0"/>
               <a:t>한 사람만 보임</a:t>
             </a:r>
             <a:r>
-              <a:rPr lang="en-US" altLang="ko-KR" dirty="0" smtClean="0"/>
+              <a:rPr lang="en-US" altLang="ko-KR" dirty="0"/>
               <a:t>.</a:t>
             </a:r>
             <a:endParaRPr lang="ko-KR" altLang="en-US" dirty="0"/>
@@ -5564,19 +5559,19 @@
           <a:lstStyle/>
           <a:p>
             <a:r>
-              <a:rPr lang="ko-KR" altLang="en-US" dirty="0" smtClean="0"/>
+              <a:rPr lang="ko-KR" altLang="en-US" dirty="0"/>
               <a:t>파란 박스는 </a:t>
             </a:r>
             <a:r>
-              <a:rPr lang="en-US" altLang="ko-KR" dirty="0" smtClean="0"/>
+              <a:rPr lang="en-US" altLang="ko-KR" dirty="0"/>
               <a:t>push</a:t>
             </a:r>
             <a:r>
-              <a:rPr lang="ko-KR" altLang="en-US" dirty="0" smtClean="0"/>
+              <a:rPr lang="ko-KR" altLang="en-US" dirty="0"/>
               <a:t>한 사람만 보임</a:t>
             </a:r>
             <a:r>
-              <a:rPr lang="en-US" altLang="ko-KR" dirty="0" smtClean="0"/>
+              <a:rPr lang="en-US" altLang="ko-KR" dirty="0"/>
               <a:t>.</a:t>
             </a:r>
             <a:endParaRPr lang="ko-KR" altLang="en-US" dirty="0"/>
@@ -8282,7 +8277,7 @@
           <a:p>
             <a:fld id="{30E72A5D-AC2D-4154-80BD-D3C3745E4EB5}" type="datetimeFigureOut">
               <a:rPr lang="ko-KR" altLang="en-US" smtClean="0"/>
-              <a:t>2021-04-08</a:t>
+              <a:t>2021-04-09</a:t>
             </a:fld>
             <a:endParaRPr lang="ko-KR" altLang="en-US"/>
           </a:p>
@@ -8495,7 +8490,7 @@
           <a:p>
             <a:fld id="{30E72A5D-AC2D-4154-80BD-D3C3745E4EB5}" type="datetimeFigureOut">
               <a:rPr lang="ko-KR" altLang="en-US" smtClean="0"/>
-              <a:t>2021-04-08</a:t>
+              <a:t>2021-04-09</a:t>
             </a:fld>
             <a:endParaRPr lang="ko-KR" altLang="en-US"/>
           </a:p>
@@ -23997,24 +23992,24 @@
               <a:t> </a:t>
             </a:r>
             <a:r>
-              <a:rPr lang="ko-KR" altLang="en-US" dirty="0" smtClean="0">
+              <a:rPr lang="ko-KR" altLang="en-US" dirty="0">
                 <a:latin typeface="+mn-ea"/>
               </a:rPr>
               <a:t>가장 최근의 자료가 담겨 있는 </a:t>
             </a:r>
             <a:r>
-              <a:rPr lang="en-US" altLang="ko-KR" dirty="0" smtClean="0">
+              <a:rPr lang="en-US" altLang="ko-KR" dirty="0">
                 <a:latin typeface="+mn-ea"/>
               </a:rPr>
               <a:t>origin</a:t>
             </a:r>
             <a:r>
-              <a:rPr lang="ko-KR" altLang="en-US" dirty="0" smtClean="0">
+              <a:rPr lang="ko-KR" altLang="en-US" dirty="0">
                 <a:latin typeface="+mn-ea"/>
               </a:rPr>
               <a:t>의 내용을 그대로 다시 받기</a:t>
             </a:r>
-            <a:endParaRPr lang="en-US" altLang="ko-KR" dirty="0" smtClean="0">
+            <a:endParaRPr lang="en-US" altLang="ko-KR" dirty="0">
               <a:latin typeface="+mn-ea"/>
             </a:endParaRPr>
           </a:p>
@@ -24023,7 +24018,7 @@
               <a:buNone/>
             </a:pPr>
             <a:r>
-              <a:rPr lang="en-US" altLang="ko-KR" dirty="0" smtClean="0">
+              <a:rPr lang="en-US" altLang="ko-KR" dirty="0">
                 <a:latin typeface="+mn-ea"/>
               </a:rPr>
               <a:t>     ☞ </a:t>
@@ -24038,37 +24033,13 @@
               <a:rPr lang="en-US" altLang="ko-KR" dirty="0">
                 <a:latin typeface="+mn-ea"/>
               </a:rPr>
-              <a:t> </a:t>
-            </a:r>
-            <a:r>
-              <a:rPr lang="en-US" altLang="ko-KR" dirty="0" smtClean="0">
-                <a:latin typeface="+mn-ea"/>
-              </a:rPr>
-              <a:t>checkout</a:t>
-            </a:r>
-            <a:r>
-              <a:rPr lang="en-US" altLang="ko-KR" dirty="0">
-                <a:latin typeface="+mn-ea"/>
-              </a:rPr>
-              <a:t> </a:t>
-            </a:r>
-            <a:r>
-              <a:rPr lang="en-US" altLang="ko-KR" dirty="0" smtClean="0">
-                <a:latin typeface="+mn-ea"/>
-              </a:rPr>
-              <a:t>main # main</a:t>
-            </a:r>
-            <a:r>
-              <a:rPr lang="ko-KR" altLang="en-US" dirty="0" smtClean="0">
+              <a:t> checkout main # main</a:t>
+            </a:r>
+            <a:r>
+              <a:rPr lang="ko-KR" altLang="en-US" dirty="0">
                 <a:latin typeface="+mn-ea"/>
               </a:rPr>
               <a:t>으로 </a:t>
-            </a:r>
-            <a:r>
-              <a:rPr lang="en-US" altLang="ko-KR" dirty="0">
-                <a:latin typeface="+mn-ea"/>
-              </a:rPr>
-              <a:t/>
             </a:r>
             <a:br>
               <a:rPr lang="en-US" altLang="ko-KR" dirty="0">
@@ -24079,16 +24050,10 @@
               <a:rPr lang="en-US" altLang="ko-KR" dirty="0">
                 <a:latin typeface="+mn-ea"/>
               </a:rPr>
-              <a:t> </a:t>
-            </a:r>
-            <a:r>
-              <a:rPr lang="en-US" altLang="ko-KR" dirty="0" smtClean="0">
-                <a:latin typeface="+mn-ea"/>
-              </a:rPr>
-              <a:t>    ☞ </a:t>
-            </a:r>
-            <a:r>
-              <a:rPr lang="en-US" altLang="ko-KR" dirty="0" err="1" smtClean="0">
+              <a:t>     ☞ </a:t>
+            </a:r>
+            <a:r>
+              <a:rPr lang="en-US" altLang="ko-KR" dirty="0" err="1">
                 <a:latin typeface="+mn-ea"/>
               </a:rPr>
               <a:t>git</a:t>
@@ -24097,19 +24062,7 @@
               <a:rPr lang="en-US" altLang="ko-KR" dirty="0">
                 <a:latin typeface="+mn-ea"/>
               </a:rPr>
-              <a:t> fetch origin </a:t>
-            </a:r>
-            <a:r>
-              <a:rPr lang="en-US" altLang="ko-KR" dirty="0" smtClean="0">
-                <a:latin typeface="+mn-ea"/>
-              </a:rPr>
-              <a:t>main</a:t>
-            </a:r>
-            <a:r>
-              <a:rPr lang="en-US" altLang="ko-KR" dirty="0">
-                <a:latin typeface="+mn-ea"/>
-              </a:rPr>
-              <a:t/>
+              <a:t> fetch origin main</a:t>
             </a:r>
             <a:br>
               <a:rPr lang="en-US" altLang="ko-KR" dirty="0">
@@ -24120,16 +24073,10 @@
               <a:rPr lang="en-US" altLang="ko-KR" dirty="0">
                 <a:latin typeface="+mn-ea"/>
               </a:rPr>
-              <a:t> </a:t>
-            </a:r>
-            <a:r>
-              <a:rPr lang="en-US" altLang="ko-KR" dirty="0" smtClean="0">
-                <a:latin typeface="+mn-ea"/>
-              </a:rPr>
-              <a:t>    ☞ </a:t>
-            </a:r>
-            <a:r>
-              <a:rPr lang="en-US" altLang="ko-KR" dirty="0" err="1" smtClean="0">
+              <a:t>     ☞ </a:t>
+            </a:r>
+            <a:r>
+              <a:rPr lang="en-US" altLang="ko-KR" dirty="0" err="1">
                 <a:latin typeface="+mn-ea"/>
               </a:rPr>
               <a:t>git</a:t>
@@ -24138,17 +24085,8 @@
               <a:rPr lang="en-US" altLang="ko-KR" dirty="0">
                 <a:latin typeface="+mn-ea"/>
               </a:rPr>
-              <a:t> reset --hard </a:t>
-            </a:r>
-            <a:r>
-              <a:rPr lang="en-US" altLang="ko-KR" dirty="0" smtClean="0">
-                <a:latin typeface="+mn-ea"/>
-              </a:rPr>
-              <a:t>origin/main</a:t>
-            </a:r>
-            <a:endParaRPr lang="en-US" altLang="ko-KR" dirty="0">
-              <a:latin typeface="+mn-ea"/>
-            </a:endParaRPr>
+              <a:t> reset --hard origin/main</a:t>
+            </a:r>
           </a:p>
           <a:p>
             <a:pPr lvl="1"/>
@@ -24481,101 +24419,13 @@
           <a:p>
             <a:pPr lvl="1"/>
             <a:r>
-              <a:rPr lang="ko-KR" altLang="en-US" dirty="0" smtClean="0">
+              <a:rPr lang="ko-KR" altLang="en-US" dirty="0">
                 <a:solidFill>
                   <a:srgbClr val="0000FF"/>
                 </a:solidFill>
                 <a:latin typeface="+mn-ea"/>
               </a:rPr>
               <a:t>독립적인 작업 공간 만들기 </a:t>
-            </a:r>
-            <a:r>
-              <a:rPr lang="en-US" altLang="ko-KR" dirty="0" smtClean="0">
-                <a:solidFill>
-                  <a:srgbClr val="0000FF"/>
-                </a:solidFill>
-                <a:latin typeface="+mn-ea"/>
-                <a:sym typeface="Wingdings" panose="05000000000000000000" pitchFamily="2" charset="2"/>
-              </a:rPr>
-              <a:t> </a:t>
-            </a:r>
-            <a:r>
-              <a:rPr lang="ko-KR" altLang="en-US" dirty="0" smtClean="0">
-                <a:solidFill>
-                  <a:srgbClr val="0000FF"/>
-                </a:solidFill>
-                <a:latin typeface="+mn-ea"/>
-                <a:sym typeface="Wingdings" panose="05000000000000000000" pitchFamily="2" charset="2"/>
-              </a:rPr>
-              <a:t>신규</a:t>
-            </a:r>
-            <a:r>
-              <a:rPr lang="ko-KR" altLang="en-US" dirty="0" smtClean="0">
-                <a:solidFill>
-                  <a:srgbClr val="0000FF"/>
-                </a:solidFill>
-                <a:latin typeface="+mn-ea"/>
-              </a:rPr>
-              <a:t> </a:t>
-            </a:r>
-            <a:r>
-              <a:rPr lang="en-US" altLang="ko-KR" dirty="0" smtClean="0">
-                <a:solidFill>
-                  <a:srgbClr val="0000FF"/>
-                </a:solidFill>
-                <a:latin typeface="+mn-ea"/>
-              </a:rPr>
-              <a:t>branch </a:t>
-            </a:r>
-            <a:r>
-              <a:rPr lang="ko-KR" altLang="en-US" dirty="0" smtClean="0">
-                <a:solidFill>
-                  <a:srgbClr val="0000FF"/>
-                </a:solidFill>
-                <a:latin typeface="+mn-ea"/>
-              </a:rPr>
-              <a:t>만들기 </a:t>
-            </a:r>
-            <a:r>
-              <a:rPr lang="en-US" altLang="ko-KR" dirty="0" smtClean="0">
-                <a:solidFill>
-                  <a:srgbClr val="0000FF"/>
-                </a:solidFill>
-                <a:latin typeface="+mn-ea"/>
-              </a:rPr>
-              <a:t>(</a:t>
-            </a:r>
-            <a:r>
-              <a:rPr lang="ko-KR" altLang="en-US" dirty="0" smtClean="0">
-                <a:solidFill>
-                  <a:srgbClr val="0000FF"/>
-                </a:solidFill>
-                <a:latin typeface="+mn-ea"/>
-              </a:rPr>
-              <a:t>중요</a:t>
-            </a:r>
-            <a:r>
-              <a:rPr lang="en-US" altLang="ko-KR" dirty="0" smtClean="0">
-                <a:solidFill>
-                  <a:srgbClr val="0000FF"/>
-                </a:solidFill>
-                <a:latin typeface="+mn-ea"/>
-              </a:rPr>
-              <a:t>!)</a:t>
-            </a:r>
-          </a:p>
-          <a:p>
-            <a:pPr marL="266700" lvl="1" indent="0">
-              <a:buNone/>
-            </a:pPr>
-            <a:r>
-              <a:rPr lang="en-US" altLang="ko-KR" dirty="0" smtClean="0">
-                <a:solidFill>
-                  <a:srgbClr val="0000FF"/>
-                </a:solidFill>
-                <a:latin typeface="+mn-ea"/>
-              </a:rPr>
-              <a:t>  </a:t>
             </a:r>
             <a:r>
               <a:rPr lang="en-US" altLang="ko-KR" dirty="0">
@@ -24583,26 +24433,137 @@
                   <a:srgbClr val="0000FF"/>
                 </a:solidFill>
                 <a:latin typeface="+mn-ea"/>
-              </a:rPr>
-              <a:t>- </a:t>
-            </a:r>
-            <a:r>
-              <a:rPr lang="ko-KR" altLang="en-US" dirty="0" smtClean="0">
+                <a:sym typeface="Wingdings" panose="05000000000000000000" pitchFamily="2" charset="2"/>
+              </a:rPr>
+              <a:t> </a:t>
+            </a:r>
+            <a:r>
+              <a:rPr lang="ko-KR" altLang="en-US" dirty="0">
                 <a:solidFill>
                   <a:srgbClr val="0000FF"/>
                 </a:solidFill>
                 <a:latin typeface="+mn-ea"/>
-              </a:rPr>
-              <a:t>역할 분담된 내용만 작업</a:t>
-            </a:r>
-            <a:r>
-              <a:rPr lang="en-US" altLang="ko-KR" dirty="0" smtClean="0">
+                <a:sym typeface="Wingdings" panose="05000000000000000000" pitchFamily="2" charset="2"/>
+              </a:rPr>
+              <a:t>신규</a:t>
+            </a:r>
+            <a:r>
+              <a:rPr lang="ko-KR" altLang="en-US" dirty="0">
                 <a:solidFill>
                   <a:srgbClr val="0000FF"/>
                 </a:solidFill>
                 <a:latin typeface="+mn-ea"/>
               </a:rPr>
               <a:t> </a:t>
+            </a:r>
+            <a:r>
+              <a:rPr lang="en-US" altLang="ko-KR" dirty="0">
+                <a:solidFill>
+                  <a:srgbClr val="0000FF"/>
+                </a:solidFill>
+                <a:latin typeface="+mn-ea"/>
+              </a:rPr>
+              <a:t>branch </a:t>
+            </a:r>
+            <a:r>
+              <a:rPr lang="ko-KR" altLang="en-US" dirty="0">
+                <a:solidFill>
+                  <a:srgbClr val="0000FF"/>
+                </a:solidFill>
+                <a:latin typeface="+mn-ea"/>
+              </a:rPr>
+              <a:t>만들기 </a:t>
+            </a:r>
+            <a:r>
+              <a:rPr lang="en-US" altLang="ko-KR" dirty="0">
+                <a:solidFill>
+                  <a:srgbClr val="0000FF"/>
+                </a:solidFill>
+                <a:latin typeface="+mn-ea"/>
+              </a:rPr>
+              <a:t>(</a:t>
+            </a:r>
+            <a:r>
+              <a:rPr lang="ko-KR" altLang="en-US" dirty="0">
+                <a:solidFill>
+                  <a:srgbClr val="0000FF"/>
+                </a:solidFill>
+                <a:latin typeface="+mn-ea"/>
+              </a:rPr>
+              <a:t>중요</a:t>
+            </a:r>
+            <a:r>
+              <a:rPr lang="en-US" altLang="ko-KR" dirty="0">
+                <a:solidFill>
+                  <a:srgbClr val="0000FF"/>
+                </a:solidFill>
+                <a:latin typeface="+mn-ea"/>
+              </a:rPr>
+              <a:t>!)</a:t>
+            </a:r>
+          </a:p>
+          <a:p>
+            <a:pPr marL="266700" lvl="1" indent="0">
+              <a:buNone/>
+            </a:pPr>
+            <a:r>
+              <a:rPr lang="en-US" altLang="ko-KR" dirty="0">
+                <a:solidFill>
+                  <a:srgbClr val="0000FF"/>
+                </a:solidFill>
+                <a:latin typeface="+mn-ea"/>
+              </a:rPr>
+              <a:t>  - </a:t>
+            </a:r>
+            <a:r>
+              <a:rPr lang="ko-KR" altLang="en-US" dirty="0">
+                <a:solidFill>
+                  <a:srgbClr val="0000FF"/>
+                </a:solidFill>
+                <a:latin typeface="+mn-ea"/>
+              </a:rPr>
+              <a:t>역할 분담된 내용만 작업</a:t>
+            </a:r>
+            <a:r>
+              <a:rPr lang="en-US" altLang="ko-KR" dirty="0">
+                <a:solidFill>
+                  <a:srgbClr val="0000FF"/>
+                </a:solidFill>
+                <a:latin typeface="+mn-ea"/>
+              </a:rPr>
+              <a:t> </a:t>
+            </a:r>
+          </a:p>
+          <a:p>
+            <a:pPr marL="266700" lvl="1" indent="0">
+              <a:buNone/>
+            </a:pPr>
+            <a:r>
+              <a:rPr lang="en-US" altLang="ko-KR" dirty="0">
+                <a:solidFill>
+                  <a:srgbClr val="0000FF"/>
+                </a:solidFill>
+                <a:latin typeface="+mn-ea"/>
+              </a:rPr>
+              <a:t>  - </a:t>
+            </a:r>
+            <a:r>
+              <a:rPr lang="ko-KR" altLang="en-US" dirty="0" err="1">
+                <a:solidFill>
+                  <a:srgbClr val="0000FF"/>
+                </a:solidFill>
+                <a:latin typeface="+mn-ea"/>
+              </a:rPr>
+              <a:t>브랜치명은</a:t>
+            </a:r>
+            <a:r>
+              <a:rPr lang="ko-KR" altLang="en-US" dirty="0">
+                <a:solidFill>
+                  <a:srgbClr val="0000FF"/>
+                </a:solidFill>
+                <a:latin typeface="+mn-ea"/>
+              </a:rPr>
+              <a:t> 역할에 맞는 이름 부여 </a:t>
             </a:r>
             <a:endParaRPr lang="en-US" altLang="ko-KR" dirty="0">
               <a:solidFill>
@@ -24622,25 +24583,25 @@
                 </a:solidFill>
                 <a:latin typeface="+mn-ea"/>
               </a:rPr>
-              <a:t>  - </a:t>
-            </a:r>
-            <a:r>
-              <a:rPr lang="ko-KR" altLang="en-US" dirty="0" err="1" smtClean="0">
+              <a:t>     ∙ </a:t>
+            </a:r>
+            <a:r>
+              <a:rPr lang="ko-KR" altLang="en-US" dirty="0" err="1">
                 <a:solidFill>
                   <a:srgbClr val="0000FF"/>
                 </a:solidFill>
                 <a:latin typeface="+mn-ea"/>
               </a:rPr>
-              <a:t>브랜치명은</a:t>
-            </a:r>
-            <a:r>
-              <a:rPr lang="ko-KR" altLang="en-US" dirty="0" smtClean="0">
+              <a:t>브랜치명을</a:t>
+            </a:r>
+            <a:r>
+              <a:rPr lang="ko-KR" altLang="en-US" dirty="0">
                 <a:solidFill>
                   <a:srgbClr val="0000FF"/>
                 </a:solidFill>
                 <a:latin typeface="+mn-ea"/>
               </a:rPr>
-              <a:t> 역할에 맞는 이름 부여 </a:t>
+              <a:t> 보고 내용이 무엇인지 인지할 수 있도록</a:t>
             </a:r>
             <a:endParaRPr lang="en-US" altLang="ko-KR" dirty="0">
               <a:solidFill>
@@ -24654,44 +24615,6 @@
               <a:buNone/>
             </a:pPr>
             <a:r>
-              <a:rPr lang="en-US" altLang="ko-KR" dirty="0" smtClean="0">
-                <a:solidFill>
-                  <a:srgbClr val="0000FF"/>
-                </a:solidFill>
-                <a:latin typeface="+mn-ea"/>
-              </a:rPr>
-              <a:t>     ∙ </a:t>
-            </a:r>
-            <a:r>
-              <a:rPr lang="ko-KR" altLang="en-US" dirty="0" err="1" smtClean="0">
-                <a:solidFill>
-                  <a:srgbClr val="0000FF"/>
-                </a:solidFill>
-                <a:latin typeface="+mn-ea"/>
-              </a:rPr>
-              <a:t>브랜치명을</a:t>
-            </a:r>
-            <a:r>
-              <a:rPr lang="ko-KR" altLang="en-US" dirty="0" smtClean="0">
-                <a:solidFill>
-                  <a:srgbClr val="0000FF"/>
-                </a:solidFill>
-                <a:latin typeface="+mn-ea"/>
-              </a:rPr>
-              <a:t> 보고 내용이 무엇인지 인지할 수 있도록</a:t>
-            </a:r>
-            <a:endParaRPr lang="en-US" altLang="ko-KR" dirty="0">
-              <a:solidFill>
-                <a:srgbClr val="0000FF"/>
-              </a:solidFill>
-              <a:latin typeface="+mn-ea"/>
-            </a:endParaRPr>
-          </a:p>
-          <a:p>
-            <a:pPr marL="266700" lvl="1" indent="0">
-              <a:buNone/>
-            </a:pPr>
-            <a:r>
               <a:rPr lang="en-US" altLang="ko-KR" dirty="0">
                 <a:solidFill>
                   <a:srgbClr val="0000FF"/>
@@ -24728,39 +24651,30 @@
               <a:t>자동 화면 노출</a:t>
             </a:r>
             <a:r>
-              <a:rPr lang="en-US" altLang="ko-KR" dirty="0" smtClean="0">
-                <a:solidFill>
-                  <a:srgbClr val="0000FF"/>
-                </a:solidFill>
-                <a:latin typeface="+mn-ea"/>
-              </a:rPr>
-              <a:t>)</a:t>
-            </a:r>
-          </a:p>
-          <a:p>
-            <a:pPr marL="266700" lvl="1" indent="0">
-              <a:buNone/>
-            </a:pPr>
-            <a:r>
               <a:rPr lang="en-US" altLang="ko-KR" dirty="0">
                 <a:solidFill>
                   <a:srgbClr val="0000FF"/>
                 </a:solidFill>
                 <a:latin typeface="+mn-ea"/>
               </a:rPr>
-              <a:t> </a:t>
-            </a:r>
-            <a:r>
-              <a:rPr lang="en-US" altLang="ko-KR" dirty="0" smtClean="0">
+              <a:t>)</a:t>
+            </a:r>
+          </a:p>
+          <a:p>
+            <a:pPr marL="266700" lvl="1" indent="0">
+              <a:buNone/>
+            </a:pPr>
+            <a:r>
+              <a:rPr lang="en-US" altLang="ko-KR" dirty="0">
                 <a:solidFill>
                   <a:srgbClr val="0000FF"/>
                 </a:solidFill>
                 <a:latin typeface="+mn-ea"/>
               </a:rPr>
-              <a:t> - </a:t>
-            </a:r>
-            <a:r>
-              <a:rPr lang="ko-KR" altLang="en-US" dirty="0" smtClean="0">
+              <a:t>  - </a:t>
+            </a:r>
+            <a:r>
+              <a:rPr lang="ko-KR" altLang="en-US" dirty="0">
                 <a:solidFill>
                   <a:srgbClr val="0000FF"/>
                 </a:solidFill>
@@ -24769,7 +24683,7 @@
               <a:t>한번이라도 사용하고 삭제된 </a:t>
             </a:r>
             <a:r>
-              <a:rPr lang="ko-KR" altLang="en-US" dirty="0" err="1" smtClean="0">
+              <a:rPr lang="ko-KR" altLang="en-US" dirty="0" err="1">
                 <a:solidFill>
                   <a:srgbClr val="0000FF"/>
                 </a:solidFill>
@@ -24778,7 +24692,7 @@
               <a:t>브랜치명은</a:t>
             </a:r>
             <a:r>
-              <a:rPr lang="ko-KR" altLang="en-US" dirty="0" smtClean="0">
+              <a:rPr lang="ko-KR" altLang="en-US" dirty="0">
                 <a:solidFill>
                   <a:srgbClr val="0000FF"/>
                 </a:solidFill>
@@ -24786,7 +24700,7 @@
               </a:rPr>
               <a:t> 사용하지 말 것</a:t>
             </a:r>
-            <a:endParaRPr lang="en-US" altLang="ko-KR" dirty="0" smtClean="0">
+            <a:endParaRPr lang="en-US" altLang="ko-KR" dirty="0">
               <a:solidFill>
                 <a:srgbClr val="0000FF"/>
               </a:solidFill>
@@ -24827,13 +24741,13 @@
               <a:t> checkout –b </a:t>
             </a:r>
             <a:r>
-              <a:rPr lang="en-US" altLang="ko-KR" dirty="0" err="1" smtClean="0">
+              <a:rPr lang="en-US" altLang="ko-KR" dirty="0" err="1">
                 <a:latin typeface="+mn-ea"/>
               </a:rPr>
               <a:t>spbuilding</a:t>
             </a:r>
             <a:r>
-              <a:rPr lang="en-US" altLang="ko-KR" dirty="0" smtClean="0">
+              <a:rPr lang="en-US" altLang="ko-KR" dirty="0">
                 <a:latin typeface="+mn-ea"/>
               </a:rPr>
               <a:t> </a:t>
@@ -24847,28 +24761,22 @@
               <a:rPr lang="en-US" altLang="ko-KR" dirty="0">
                 <a:latin typeface="+mn-ea"/>
               </a:rPr>
-              <a:t> </a:t>
-            </a:r>
-            <a:r>
-              <a:rPr lang="en-US" altLang="ko-KR" dirty="0" smtClean="0">
-                <a:latin typeface="+mn-ea"/>
-              </a:rPr>
-              <a:t>      # </a:t>
-            </a:r>
-            <a:r>
-              <a:rPr lang="en-US" altLang="ko-KR" dirty="0" err="1" smtClean="0">
+              <a:t>       # </a:t>
+            </a:r>
+            <a:r>
+              <a:rPr lang="en-US" altLang="ko-KR" dirty="0" err="1">
                 <a:latin typeface="+mn-ea"/>
               </a:rPr>
               <a:t>sp</a:t>
             </a:r>
             <a:r>
-              <a:rPr lang="ko-KR" altLang="en-US" dirty="0" smtClean="0">
+              <a:rPr lang="ko-KR" altLang="en-US" dirty="0">
                 <a:latin typeface="+mn-ea"/>
               </a:rPr>
               <a:t>관 설명</a:t>
             </a:r>
             <a:r>
-              <a:rPr lang="en-US" altLang="ko-KR" dirty="0" smtClean="0">
+              <a:rPr lang="en-US" altLang="ko-KR" dirty="0">
                 <a:latin typeface="+mn-ea"/>
               </a:rPr>
               <a:t> </a:t>
@@ -24909,27 +24817,15 @@
               <a:rPr lang="en-US" altLang="ko-KR" dirty="0">
                 <a:latin typeface="+mn-ea"/>
               </a:rPr>
-              <a:t>: </a:t>
-            </a:r>
-            <a:r>
-              <a:rPr lang="en-US" altLang="ko-KR" dirty="0" smtClean="0">
-                <a:latin typeface="+mn-ea"/>
-              </a:rPr>
-              <a:t>project.txt</a:t>
+              <a:t>: project.txt</a:t>
             </a:r>
             <a:r>
               <a:rPr lang="ko-KR" altLang="en-US" dirty="0">
                 <a:latin typeface="+mn-ea"/>
               </a:rPr>
-              <a:t>를 </a:t>
-            </a:r>
-            <a:r>
-              <a:rPr lang="ko-KR" altLang="en-US" dirty="0" smtClean="0">
-                <a:latin typeface="+mn-ea"/>
-              </a:rPr>
-              <a:t>열고 내용 기입</a:t>
-            </a:r>
-            <a:endParaRPr lang="en-US" altLang="ko-KR" dirty="0" smtClean="0">
+              <a:t>를 열고 내용 기입</a:t>
+            </a:r>
+            <a:endParaRPr lang="en-US" altLang="ko-KR" dirty="0">
               <a:latin typeface="+mn-ea"/>
             </a:endParaRPr>
           </a:p>
@@ -24941,16 +24837,10 @@
               <a:rPr lang="en-US" altLang="ko-KR" dirty="0">
                 <a:latin typeface="+mn-ea"/>
               </a:rPr>
-              <a:t>  </a:t>
-            </a:r>
-            <a:r>
-              <a:rPr lang="en-US" altLang="ko-KR" dirty="0" smtClean="0">
-                <a:latin typeface="+mn-ea"/>
-              </a:rPr>
-              <a:t> ( </a:t>
-            </a:r>
-            <a:r>
-              <a:rPr lang="en-US" altLang="ko-KR" dirty="0" err="1" smtClean="0">
+              <a:t>   ( </a:t>
+            </a:r>
+            <a:r>
+              <a:rPr lang="en-US" altLang="ko-KR" dirty="0" err="1">
                 <a:latin typeface="+mn-ea"/>
               </a:rPr>
               <a:t>spbuilding</a:t>
@@ -24962,26 +24852,23 @@
               <a:t> </a:t>
             </a:r>
             <a:r>
-              <a:rPr lang="ko-KR" altLang="en-US" dirty="0" err="1" smtClean="0">
+              <a:rPr lang="ko-KR" altLang="en-US" dirty="0" err="1">
                 <a:latin typeface="+mn-ea"/>
               </a:rPr>
               <a:t>브랜치</a:t>
             </a:r>
             <a:r>
-              <a:rPr lang="ko-KR" altLang="en-US" dirty="0" smtClean="0">
+              <a:rPr lang="ko-KR" altLang="en-US" dirty="0">
                 <a:latin typeface="+mn-ea"/>
               </a:rPr>
               <a:t> 확인</a:t>
             </a:r>
             <a:r>
-              <a:rPr lang="en-US" altLang="ko-KR" dirty="0" smtClean="0">
+              <a:rPr lang="en-US" altLang="ko-KR" dirty="0">
                 <a:latin typeface="+mn-ea"/>
               </a:rPr>
               <a:t>)</a:t>
             </a:r>
-            <a:endParaRPr lang="en-US" altLang="ko-KR" dirty="0">
-              <a:latin typeface="+mn-ea"/>
-            </a:endParaRPr>
           </a:p>
           <a:p>
             <a:pPr marL="266700" lvl="1" indent="0">
@@ -25329,25 +25216,25 @@
           <a:p>
             <a:pPr lvl="1"/>
             <a:r>
-              <a:rPr lang="ko-KR" altLang="en-US" dirty="0" err="1" smtClean="0">
+              <a:rPr lang="ko-KR" altLang="en-US" dirty="0" err="1">
                 <a:latin typeface="+mn-ea"/>
               </a:rPr>
               <a:t>로컬저장소</a:t>
             </a:r>
             <a:r>
-              <a:rPr lang="ko-KR" altLang="en-US" dirty="0" smtClean="0">
+              <a:rPr lang="ko-KR" altLang="en-US" dirty="0">
                 <a:latin typeface="+mn-ea"/>
               </a:rPr>
               <a:t> 작업</a:t>
             </a:r>
             <a:r>
-              <a:rPr lang="en-US" altLang="ko-KR" dirty="0" smtClean="0">
+              <a:rPr lang="en-US" altLang="ko-KR" dirty="0">
                 <a:latin typeface="+mn-ea"/>
               </a:rPr>
               <a:t> </a:t>
             </a:r>
             <a:r>
-              <a:rPr lang="ko-KR" altLang="en-US" dirty="0" smtClean="0">
+              <a:rPr lang="ko-KR" altLang="en-US" dirty="0">
                 <a:latin typeface="+mn-ea"/>
               </a:rPr>
               <a:t> </a:t>
@@ -25368,7 +25255,7 @@
               <a:t> </a:t>
             </a:r>
             <a:r>
-              <a:rPr lang="en-US" altLang="ko-KR" dirty="0" err="1" smtClean="0">
+              <a:rPr lang="en-US" altLang="ko-KR" dirty="0" err="1">
                 <a:latin typeface="+mn-ea"/>
               </a:rPr>
               <a:t>spbuilding</a:t>
@@ -25380,13 +25267,13 @@
               <a:t> </a:t>
             </a:r>
             <a:r>
-              <a:rPr lang="ko-KR" altLang="en-US" dirty="0" err="1" smtClean="0">
+              <a:rPr lang="ko-KR" altLang="en-US" dirty="0" err="1">
                 <a:latin typeface="+mn-ea"/>
               </a:rPr>
               <a:t>브랜치</a:t>
             </a:r>
             <a:r>
-              <a:rPr lang="ko-KR" altLang="en-US" dirty="0" smtClean="0">
+              <a:rPr lang="ko-KR" altLang="en-US" dirty="0">
                 <a:latin typeface="+mn-ea"/>
               </a:rPr>
               <a:t> 확인하고</a:t>
@@ -25403,22 +25290,16 @@
               <a:rPr lang="en-US" altLang="ko-KR" dirty="0">
                 <a:latin typeface="+mn-ea"/>
               </a:rPr>
-              <a:t>    </a:t>
-            </a:r>
-            <a:r>
-              <a:rPr lang="en-US" altLang="ko-KR" dirty="0" smtClean="0">
-                <a:latin typeface="+mn-ea"/>
-              </a:rPr>
-              <a:t>☞ </a:t>
-            </a:r>
-            <a:r>
-              <a:rPr lang="en-US" altLang="ko-KR" dirty="0" err="1" smtClean="0">
+              <a:t>    ☞ </a:t>
+            </a:r>
+            <a:r>
+              <a:rPr lang="en-US" altLang="ko-KR" dirty="0" err="1">
                 <a:latin typeface="+mn-ea"/>
               </a:rPr>
               <a:t>git</a:t>
             </a:r>
             <a:r>
-              <a:rPr lang="en-US" altLang="ko-KR" dirty="0" smtClean="0">
+              <a:rPr lang="en-US" altLang="ko-KR" dirty="0">
                 <a:latin typeface="+mn-ea"/>
               </a:rPr>
               <a:t> status</a:t>
@@ -25432,13 +25313,7 @@
               <a:rPr lang="en-US" altLang="ko-KR" dirty="0">
                 <a:latin typeface="+mn-ea"/>
               </a:rPr>
-              <a:t> </a:t>
-            </a:r>
-            <a:r>
-              <a:rPr lang="en-US" altLang="ko-KR" dirty="0" smtClean="0">
-                <a:latin typeface="+mn-ea"/>
-              </a:rPr>
-              <a:t>   ☞ </a:t>
+              <a:t>    ☞ </a:t>
             </a:r>
             <a:r>
               <a:rPr lang="en-US" altLang="ko-KR" dirty="0" err="1">
@@ -25473,13 +25348,7 @@
               <a:rPr lang="en-US" altLang="ko-KR" dirty="0">
                 <a:latin typeface="+mn-ea"/>
               </a:rPr>
-              <a:t> commit -m </a:t>
-            </a:r>
-            <a:r>
-              <a:rPr lang="en-US" altLang="ko-KR" dirty="0" smtClean="0">
-                <a:latin typeface="+mn-ea"/>
-              </a:rPr>
-              <a:t>‘2nd smart </a:t>
+              <a:t> commit -m ‘2nd smart </a:t>
             </a:r>
             <a:r>
               <a:rPr lang="en-US" altLang="ko-KR" dirty="0" err="1">
@@ -25986,22 +25855,16 @@
           <a:p>
             <a:pPr lvl="1"/>
             <a:r>
-              <a:rPr lang="ko-KR" altLang="en-US" dirty="0" err="1" smtClean="0">
+              <a:rPr lang="ko-KR" altLang="en-US" dirty="0" err="1">
                 <a:latin typeface="+mn-ea"/>
               </a:rPr>
               <a:t>로컬저장소</a:t>
             </a:r>
             <a:r>
-              <a:rPr lang="ko-KR" altLang="en-US" dirty="0" smtClean="0">
-                <a:latin typeface="+mn-ea"/>
-              </a:rPr>
-              <a:t> </a:t>
-            </a:r>
-            <a:r>
               <a:rPr lang="ko-KR" altLang="en-US" dirty="0">
                 <a:latin typeface="+mn-ea"/>
               </a:rPr>
-              <a:t>작업</a:t>
+              <a:t> 작업</a:t>
             </a:r>
             <a:r>
               <a:rPr lang="en-US" altLang="ko-KR" dirty="0">
@@ -26043,31 +25906,31 @@
               <a:t> </a:t>
             </a:r>
             <a:r>
-              <a:rPr lang="ko-KR" altLang="en-US" dirty="0" err="1" smtClean="0">
+              <a:rPr lang="ko-KR" altLang="en-US" dirty="0" err="1">
                 <a:latin typeface="+mn-ea"/>
               </a:rPr>
               <a:t>브랜치를</a:t>
             </a:r>
             <a:r>
-              <a:rPr lang="ko-KR" altLang="en-US" dirty="0" smtClean="0">
+              <a:rPr lang="ko-KR" altLang="en-US" dirty="0">
                 <a:latin typeface="+mn-ea"/>
               </a:rPr>
               <a:t> </a:t>
             </a:r>
             <a:r>
-              <a:rPr lang="en-US" altLang="ko-KR" dirty="0" smtClean="0">
+              <a:rPr lang="en-US" altLang="ko-KR" dirty="0">
                 <a:latin typeface="+mn-ea"/>
               </a:rPr>
               <a:t>origin</a:t>
             </a:r>
             <a:r>
-              <a:rPr lang="ko-KR" altLang="en-US" dirty="0" smtClean="0">
+              <a:rPr lang="ko-KR" altLang="en-US" dirty="0">
                 <a:latin typeface="+mn-ea"/>
               </a:rPr>
               <a:t>에 </a:t>
             </a:r>
             <a:r>
-              <a:rPr lang="en-US" altLang="ko-KR" dirty="0" smtClean="0">
+              <a:rPr lang="en-US" altLang="ko-KR" dirty="0">
                 <a:latin typeface="+mn-ea"/>
               </a:rPr>
               <a:t>push</a:t>
@@ -26078,31 +25941,31 @@
               <a:buNone/>
             </a:pPr>
             <a:r>
-              <a:rPr lang="en-US" altLang="ko-KR" dirty="0" smtClean="0">
+              <a:rPr lang="en-US" altLang="ko-KR" dirty="0">
                 <a:latin typeface="+mn-ea"/>
               </a:rPr>
               <a:t>    ☞ </a:t>
             </a:r>
             <a:r>
-              <a:rPr lang="en-US" altLang="ko-KR" dirty="0" err="1" smtClean="0">
+              <a:rPr lang="en-US" altLang="ko-KR" dirty="0" err="1">
                 <a:latin typeface="+mn-ea"/>
               </a:rPr>
               <a:t>git</a:t>
             </a:r>
             <a:r>
-              <a:rPr lang="en-US" altLang="ko-KR" dirty="0" smtClean="0">
+              <a:rPr lang="en-US" altLang="ko-KR" dirty="0">
                 <a:latin typeface="+mn-ea"/>
               </a:rPr>
               <a:t> branch -</a:t>
             </a:r>
             <a:r>
-              <a:rPr lang="en-US" altLang="ko-KR" dirty="0" err="1" smtClean="0">
+              <a:rPr lang="en-US" altLang="ko-KR" dirty="0" err="1">
                 <a:latin typeface="+mn-ea"/>
               </a:rPr>
               <a:t>av</a:t>
             </a:r>
             <a:r>
-              <a:rPr lang="en-US" altLang="ko-KR" dirty="0" smtClean="0">
+              <a:rPr lang="en-US" altLang="ko-KR" dirty="0">
                 <a:latin typeface="+mn-ea"/>
               </a:rPr>
               <a:t>  # </a:t>
@@ -26144,12 +26007,12 @@
               <a:t> tree </a:t>
             </a:r>
             <a:r>
-              <a:rPr lang="ko-KR" altLang="en-US" dirty="0" smtClean="0">
+              <a:rPr lang="ko-KR" altLang="en-US" dirty="0">
                 <a:latin typeface="+mn-ea"/>
               </a:rPr>
               <a:t>확인</a:t>
             </a:r>
-            <a:endParaRPr lang="en-US" altLang="ko-KR" dirty="0" smtClean="0">
+            <a:endParaRPr lang="en-US" altLang="ko-KR" dirty="0">
               <a:latin typeface="+mn-ea"/>
             </a:endParaRPr>
           </a:p>
@@ -26161,13 +26024,7 @@
               <a:rPr lang="en-US" altLang="ko-KR" dirty="0">
                 <a:latin typeface="+mn-ea"/>
               </a:rPr>
-              <a:t> </a:t>
-            </a:r>
-            <a:r>
-              <a:rPr lang="en-US" altLang="ko-KR" dirty="0" smtClean="0">
-                <a:latin typeface="+mn-ea"/>
-              </a:rPr>
-              <a:t>   ☞ </a:t>
+              <a:t>    ☞ </a:t>
             </a:r>
             <a:r>
               <a:rPr lang="en-US" altLang="ko-KR" dirty="0" err="1">
@@ -26179,72 +26036,57 @@
               <a:rPr lang="en-US" altLang="ko-KR" dirty="0">
                 <a:latin typeface="+mn-ea"/>
               </a:rPr>
-              <a:t> </a:t>
-            </a:r>
-            <a:r>
-              <a:rPr lang="en-US" altLang="ko-KR" dirty="0" smtClean="0">
-                <a:latin typeface="+mn-ea"/>
-              </a:rPr>
-              <a:t>push -u origin </a:t>
-            </a:r>
-            <a:r>
-              <a:rPr lang="en-US" altLang="ko-KR" dirty="0" err="1" smtClean="0">
+              <a:t> push -u origin </a:t>
+            </a:r>
+            <a:r>
+              <a:rPr lang="en-US" altLang="ko-KR" dirty="0" err="1">
                 <a:latin typeface="+mn-ea"/>
               </a:rPr>
               <a:t>spbuilding</a:t>
             </a:r>
             <a:r>
-              <a:rPr lang="en-US" altLang="ko-KR" dirty="0" smtClean="0">
+              <a:rPr lang="en-US" altLang="ko-KR" dirty="0">
                 <a:latin typeface="+mn-ea"/>
               </a:rPr>
               <a:t> # </a:t>
             </a:r>
             <a:r>
-              <a:rPr lang="en-US" altLang="ko-KR" dirty="0" err="1" smtClean="0">
+              <a:rPr lang="en-US" altLang="ko-KR" dirty="0" err="1">
                 <a:latin typeface="+mn-ea"/>
               </a:rPr>
               <a:t>spbuilding</a:t>
             </a:r>
             <a:r>
-              <a:rPr lang="ko-KR" altLang="en-US" dirty="0" smtClean="0">
+              <a:rPr lang="ko-KR" altLang="en-US" dirty="0">
                 <a:latin typeface="+mn-ea"/>
               </a:rPr>
               <a:t>은 첫번째 </a:t>
             </a:r>
             <a:r>
-              <a:rPr lang="en-US" altLang="ko-KR" dirty="0" smtClean="0">
+              <a:rPr lang="en-US" altLang="ko-KR" dirty="0">
                 <a:latin typeface="+mn-ea"/>
               </a:rPr>
               <a:t>push</a:t>
             </a:r>
             <a:r>
-              <a:rPr lang="ko-KR" altLang="en-US" dirty="0" smtClean="0">
+              <a:rPr lang="ko-KR" altLang="en-US" dirty="0">
                 <a:latin typeface="+mn-ea"/>
               </a:rPr>
               <a:t>이므로 </a:t>
             </a:r>
             <a:r>
-              <a:rPr lang="en-US" altLang="ko-KR" dirty="0" smtClean="0">
+              <a:rPr lang="en-US" altLang="ko-KR" dirty="0">
                 <a:latin typeface="+mn-ea"/>
               </a:rPr>
               <a:t>-u option </a:t>
             </a:r>
             <a:r>
-              <a:rPr lang="ko-KR" altLang="en-US" dirty="0" smtClean="0">
+              <a:rPr lang="ko-KR" altLang="en-US" dirty="0">
                 <a:latin typeface="+mn-ea"/>
               </a:rPr>
               <a:t>추가</a:t>
             </a:r>
             <a:endParaRPr lang="en-US" altLang="ko-KR" dirty="0">
-              <a:latin typeface="+mn-ea"/>
-            </a:endParaRPr>
-          </a:p>
-          <a:p>
-            <a:pPr marL="609600" lvl="1" indent="-158750">
-              <a:buFont typeface="+mj-ea"/>
-              <a:buAutoNum type="circleNumDbPlain"/>
-            </a:pPr>
-            <a:endParaRPr lang="en-US" altLang="ko-KR" dirty="0" smtClean="0">
               <a:latin typeface="+mn-ea"/>
             </a:endParaRPr>
           </a:p>
@@ -26258,9 +26100,18 @@
             </a:endParaRPr>
           </a:p>
           <a:p>
+            <a:pPr marL="609600" lvl="1" indent="-158750">
+              <a:buFont typeface="+mj-ea"/>
+              <a:buAutoNum type="circleNumDbPlain"/>
+            </a:pPr>
+            <a:endParaRPr lang="en-US" altLang="ko-KR" dirty="0">
+              <a:latin typeface="+mn-ea"/>
+            </a:endParaRPr>
+          </a:p>
+          <a:p>
             <a:pPr marL="446088" lvl="1" indent="-176213"/>
             <a:r>
-              <a:rPr lang="ko-KR" altLang="en-US" dirty="0" smtClean="0">
+              <a:rPr lang="ko-KR" altLang="en-US" dirty="0">
                 <a:latin typeface="+mn-ea"/>
               </a:rPr>
               <a:t>내가 참여하는 </a:t>
@@ -26278,31 +26129,31 @@
               <a:t> </a:t>
             </a:r>
             <a:r>
-              <a:rPr lang="en-US" altLang="ko-KR" dirty="0" smtClean="0">
+              <a:rPr lang="en-US" altLang="ko-KR" dirty="0">
                 <a:latin typeface="+mn-ea"/>
               </a:rPr>
               <a:t>(</a:t>
             </a:r>
             <a:r>
-              <a:rPr lang="en-US" altLang="ko-KR" dirty="0" err="1" smtClean="0">
+              <a:rPr lang="en-US" altLang="ko-KR" dirty="0" err="1">
                 <a:latin typeface="+mn-ea"/>
               </a:rPr>
               <a:t>fasthill</a:t>
             </a:r>
             <a:r>
-              <a:rPr lang="en-US" altLang="ko-KR" dirty="0" smtClean="0">
+              <a:rPr lang="en-US" altLang="ko-KR" dirty="0">
                 <a:latin typeface="+mn-ea"/>
               </a:rPr>
               <a:t>/</a:t>
             </a:r>
             <a:r>
-              <a:rPr lang="en-US" altLang="ko-KR" dirty="0" err="1" smtClean="0">
+              <a:rPr lang="en-US" altLang="ko-KR" dirty="0" err="1">
                 <a:latin typeface="+mn-ea"/>
               </a:rPr>
               <a:t>paichai_project</a:t>
             </a:r>
             <a:r>
-              <a:rPr lang="en-US" altLang="ko-KR" dirty="0" smtClean="0">
+              <a:rPr lang="en-US" altLang="ko-KR" dirty="0">
                 <a:latin typeface="+mn-ea"/>
               </a:rPr>
               <a:t>)</a:t>
@@ -26311,15 +26162,9 @@
               <a:rPr lang="ko-KR" altLang="en-US" dirty="0">
                 <a:latin typeface="+mn-ea"/>
               </a:rPr>
-              <a:t>로 </a:t>
-            </a:r>
-            <a:r>
-              <a:rPr lang="ko-KR" altLang="en-US" dirty="0" smtClean="0">
-                <a:latin typeface="+mn-ea"/>
-              </a:rPr>
-              <a:t>이동</a:t>
-            </a:r>
-            <a:endParaRPr lang="en-US" altLang="ko-KR" dirty="0" smtClean="0">
+              <a:t>로 이동</a:t>
+            </a:r>
+            <a:endParaRPr lang="en-US" altLang="ko-KR" dirty="0">
               <a:latin typeface="+mn-ea"/>
             </a:endParaRPr>
           </a:p>
@@ -26331,41 +26176,32 @@
               <a:rPr lang="en-US" altLang="ko-KR" dirty="0">
                 <a:latin typeface="+mn-ea"/>
               </a:rPr>
-              <a:t> </a:t>
-            </a:r>
-            <a:r>
-              <a:rPr lang="en-US" altLang="ko-KR" dirty="0" smtClean="0">
-                <a:latin typeface="+mn-ea"/>
-              </a:rPr>
-              <a:t> - </a:t>
-            </a:r>
-            <a:r>
-              <a:rPr lang="ko-KR" altLang="en-US" dirty="0" smtClean="0">
+              <a:t>  - </a:t>
+            </a:r>
+            <a:r>
+              <a:rPr lang="ko-KR" altLang="en-US" dirty="0">
                 <a:latin typeface="+mn-ea"/>
               </a:rPr>
               <a:t>나의 </a:t>
             </a:r>
             <a:r>
-              <a:rPr lang="en-US" altLang="ko-KR" dirty="0" err="1" smtClean="0">
+              <a:rPr lang="en-US" altLang="ko-KR" dirty="0" err="1">
                 <a:latin typeface="+mn-ea"/>
               </a:rPr>
               <a:t>github</a:t>
             </a:r>
             <a:r>
-              <a:rPr lang="ko-KR" altLang="en-US" dirty="0" smtClean="0">
+              <a:rPr lang="ko-KR" altLang="en-US" dirty="0">
                 <a:latin typeface="+mn-ea"/>
               </a:rPr>
               <a:t>로 가면 자동으로 연결되어 있음</a:t>
             </a:r>
             <a:r>
-              <a:rPr lang="en-US" altLang="ko-KR" dirty="0" smtClean="0">
+              <a:rPr lang="en-US" altLang="ko-KR" dirty="0">
                 <a:latin typeface="+mn-ea"/>
               </a:rPr>
               <a:t>.</a:t>
             </a:r>
-            <a:endParaRPr lang="en-US" altLang="ko-KR" dirty="0">
-              <a:latin typeface="+mn-ea"/>
-            </a:endParaRPr>
           </a:p>
           <a:p>
             <a:pPr marL="450850" lvl="1" indent="0">
@@ -26735,13 +26571,13 @@
           <a:p>
             <a:pPr lvl="1"/>
             <a:r>
-              <a:rPr lang="ko-KR" altLang="en-US" dirty="0" smtClean="0">
+              <a:rPr lang="ko-KR" altLang="en-US" dirty="0">
                 <a:latin typeface="+mn-ea"/>
               </a:rPr>
               <a:t>협업</a:t>
             </a:r>
             <a:r>
-              <a:rPr lang="en-US" altLang="ko-KR" dirty="0" smtClean="0">
+              <a:rPr lang="en-US" altLang="ko-KR" dirty="0">
                 <a:latin typeface="+mn-ea"/>
               </a:rPr>
               <a:t> </a:t>
@@ -26762,34 +26598,28 @@
               <a:rPr lang="ko-KR" altLang="en-US" dirty="0">
                 <a:latin typeface="+mn-ea"/>
               </a:rPr>
-              <a:t>버튼이 </a:t>
-            </a:r>
-            <a:r>
-              <a:rPr lang="ko-KR" altLang="en-US" dirty="0" smtClean="0">
-                <a:latin typeface="+mn-ea"/>
-              </a:rPr>
-              <a:t>보임</a:t>
-            </a:r>
-            <a:r>
-              <a:rPr lang="en-US" altLang="ko-KR" dirty="0" smtClean="0">
+              <a:t>버튼이 보임</a:t>
+            </a:r>
+            <a:r>
+              <a:rPr lang="en-US" altLang="ko-KR" dirty="0">
                 <a:latin typeface="+mn-ea"/>
               </a:rPr>
               <a:t>, </a:t>
             </a:r>
             <a:r>
-              <a:rPr lang="ko-KR" altLang="en-US" dirty="0" smtClean="0">
+              <a:rPr lang="ko-KR" altLang="en-US" dirty="0">
                 <a:latin typeface="+mn-ea"/>
               </a:rPr>
               <a:t>클릭하면 </a:t>
             </a:r>
             <a:r>
-              <a:rPr lang="en-US" altLang="ko-KR" dirty="0" smtClean="0">
+              <a:rPr lang="en-US" altLang="ko-KR" dirty="0">
                 <a:latin typeface="+mn-ea"/>
               </a:rPr>
               <a:t>PR </a:t>
             </a:r>
             <a:r>
-              <a:rPr lang="ko-KR" altLang="en-US" dirty="0" smtClean="0">
+              <a:rPr lang="ko-KR" altLang="en-US" dirty="0">
                 <a:latin typeface="+mn-ea"/>
               </a:rPr>
               <a:t>신청화면으로 전환됨</a:t>
@@ -26801,13 +26631,13 @@
           <a:p>
             <a:pPr lvl="1"/>
             <a:r>
-              <a:rPr lang="en-US" altLang="ko-KR" dirty="0" smtClean="0">
+              <a:rPr lang="en-US" altLang="ko-KR" dirty="0">
                 <a:latin typeface="+mn-ea"/>
               </a:rPr>
               <a:t> </a:t>
             </a:r>
             <a:r>
-              <a:rPr lang="ko-KR" altLang="en-US" dirty="0" smtClean="0">
+              <a:rPr lang="ko-KR" altLang="en-US" dirty="0">
                 <a:latin typeface="+mn-ea"/>
               </a:rPr>
               <a:t> </a:t>
@@ -27328,81 +27158,66 @@
               <a:t>협업 활동 </a:t>
             </a:r>
             <a:r>
-              <a:rPr lang="en-US" altLang="ko-KR" dirty="0" smtClean="0"/>
-              <a:t>(</a:t>
-            </a:r>
-            <a:r>
-              <a:rPr lang="en-US" altLang="ko-KR" dirty="0" smtClean="0"/>
-              <a:t>owner </a:t>
-            </a:r>
-            <a:r>
-              <a:rPr lang="ko-KR" altLang="en-US" dirty="0" smtClean="0"/>
+              <a:rPr lang="en-US" altLang="ko-KR" dirty="0"/>
+              <a:t>(owner </a:t>
+            </a:r>
+            <a:r>
+              <a:rPr lang="ko-KR" altLang="en-US" dirty="0"/>
               <a:t>화면</a:t>
             </a:r>
             <a:r>
-              <a:rPr lang="en-US" altLang="ko-KR" dirty="0" smtClean="0"/>
+              <a:rPr lang="en-US" altLang="ko-KR" dirty="0"/>
+              <a:t> : </a:t>
+            </a:r>
+            <a:r>
+              <a:rPr lang="en-US" altLang="ko-KR" dirty="0" err="1"/>
+              <a:t>paichaisw</a:t>
+            </a:r>
+            <a:r>
+              <a:rPr lang="en-US" altLang="ko-KR" dirty="0"/>
+              <a:t>)</a:t>
+            </a:r>
+          </a:p>
+          <a:p>
+            <a:pPr lvl="1"/>
+            <a:r>
+              <a:rPr lang="ko-KR" altLang="en-US" dirty="0">
+                <a:latin typeface="+mn-ea"/>
+              </a:rPr>
+              <a:t>협업</a:t>
+            </a:r>
+            <a:r>
+              <a:rPr lang="en-US" altLang="ko-KR" dirty="0">
+                <a:latin typeface="+mn-ea"/>
+              </a:rPr>
               <a:t> </a:t>
             </a:r>
             <a:r>
-              <a:rPr lang="en-US" altLang="ko-KR" dirty="0"/>
-              <a:t>: </a:t>
-            </a:r>
-            <a:r>
-              <a:rPr lang="en-US" altLang="ko-KR" dirty="0" err="1" smtClean="0"/>
-              <a:t>paichaisw</a:t>
-            </a:r>
-            <a:r>
-              <a:rPr lang="en-US" altLang="ko-KR" dirty="0" smtClean="0"/>
-              <a:t>)</a:t>
-            </a:r>
-            <a:endParaRPr lang="en-US" altLang="ko-KR" dirty="0"/>
-          </a:p>
-          <a:p>
-            <a:pPr lvl="1"/>
-            <a:r>
-              <a:rPr lang="ko-KR" altLang="en-US" dirty="0" smtClean="0">
-                <a:latin typeface="+mn-ea"/>
-              </a:rPr>
-              <a:t>협업</a:t>
-            </a:r>
-            <a:r>
-              <a:rPr lang="en-US" altLang="ko-KR" dirty="0" smtClean="0">
+              <a:rPr lang="ko-KR" altLang="en-US" dirty="0">
+                <a:latin typeface="+mn-ea"/>
+              </a:rPr>
+              <a:t>화면에 </a:t>
+            </a:r>
+            <a:r>
+              <a:rPr lang="en-US" altLang="ko-KR" dirty="0">
+                <a:latin typeface="+mn-ea"/>
+              </a:rPr>
+              <a:t>compare &amp; pull request </a:t>
+            </a:r>
+            <a:r>
+              <a:rPr lang="ko-KR" altLang="en-US" dirty="0">
+                <a:latin typeface="+mn-ea"/>
+              </a:rPr>
+              <a:t>버튼이 보이지</a:t>
+            </a:r>
+            <a:r>
+              <a:rPr lang="en-US" altLang="ko-KR" dirty="0">
                 <a:latin typeface="+mn-ea"/>
               </a:rPr>
               <a:t> </a:t>
             </a:r>
             <a:r>
               <a:rPr lang="ko-KR" altLang="en-US" dirty="0">
-                <a:latin typeface="+mn-ea"/>
-              </a:rPr>
-              <a:t>화면에 </a:t>
-            </a:r>
-            <a:r>
-              <a:rPr lang="en-US" altLang="ko-KR" dirty="0">
-                <a:latin typeface="+mn-ea"/>
-              </a:rPr>
-              <a:t>compare &amp; pull request </a:t>
-            </a:r>
-            <a:r>
-              <a:rPr lang="ko-KR" altLang="en-US" dirty="0">
-                <a:latin typeface="+mn-ea"/>
-              </a:rPr>
-              <a:t>버튼이 </a:t>
-            </a:r>
-            <a:r>
-              <a:rPr lang="ko-KR" altLang="en-US" dirty="0" smtClean="0">
-                <a:latin typeface="+mn-ea"/>
-              </a:rPr>
-              <a:t>보이지</a:t>
-            </a:r>
-            <a:r>
-              <a:rPr lang="en-US" altLang="ko-KR" dirty="0" smtClean="0">
-                <a:latin typeface="+mn-ea"/>
-              </a:rPr>
-              <a:t> </a:t>
-            </a:r>
-            <a:r>
-              <a:rPr lang="ko-KR" altLang="en-US" dirty="0" smtClean="0">
                 <a:latin typeface="+mn-ea"/>
               </a:rPr>
               <a:t>않음</a:t>
@@ -27735,93 +27550,84 @@
               <a:t>협업 활동 </a:t>
             </a:r>
             <a:r>
-              <a:rPr lang="en-US" altLang="ko-KR" dirty="0" smtClean="0"/>
-              <a:t>(</a:t>
-            </a:r>
-            <a:r>
-              <a:rPr lang="en-US" altLang="ko-KR" dirty="0" smtClean="0"/>
-              <a:t>owner </a:t>
-            </a:r>
-            <a:r>
-              <a:rPr lang="ko-KR" altLang="en-US" dirty="0" smtClean="0"/>
+              <a:rPr lang="en-US" altLang="ko-KR" dirty="0"/>
+              <a:t>(owner </a:t>
+            </a:r>
+            <a:r>
+              <a:rPr lang="ko-KR" altLang="en-US" dirty="0"/>
               <a:t>화면</a:t>
             </a:r>
             <a:r>
-              <a:rPr lang="en-US" altLang="ko-KR" dirty="0" smtClean="0"/>
+              <a:rPr lang="en-US" altLang="ko-KR" dirty="0"/>
+              <a:t> : </a:t>
+            </a:r>
+            <a:r>
+              <a:rPr lang="en-US" altLang="ko-KR" dirty="0" err="1"/>
+              <a:t>paichaisw</a:t>
+            </a:r>
+            <a:r>
+              <a:rPr lang="en-US" altLang="ko-KR" dirty="0"/>
+              <a:t>)</a:t>
+            </a:r>
+          </a:p>
+          <a:p>
+            <a:pPr lvl="1"/>
+            <a:r>
+              <a:rPr lang="en-US" altLang="ko-KR" dirty="0" err="1">
+                <a:latin typeface="+mn-ea"/>
+              </a:rPr>
+              <a:t>Spbuilding</a:t>
+            </a:r>
+            <a:r>
+              <a:rPr lang="en-US" altLang="ko-KR" dirty="0">
+                <a:latin typeface="+mn-ea"/>
+              </a:rPr>
               <a:t> </a:t>
             </a:r>
             <a:r>
-              <a:rPr lang="en-US" altLang="ko-KR" dirty="0"/>
-              <a:t>: </a:t>
-            </a:r>
-            <a:r>
-              <a:rPr lang="en-US" altLang="ko-KR" dirty="0" err="1" smtClean="0"/>
-              <a:t>paichaisw</a:t>
-            </a:r>
-            <a:r>
-              <a:rPr lang="en-US" altLang="ko-KR" dirty="0" smtClean="0"/>
-              <a:t>)</a:t>
-            </a:r>
-            <a:endParaRPr lang="en-US" altLang="ko-KR" dirty="0"/>
-          </a:p>
-          <a:p>
-            <a:pPr lvl="1"/>
-            <a:r>
-              <a:rPr lang="en-US" altLang="ko-KR" dirty="0" err="1" smtClean="0">
-                <a:latin typeface="+mn-ea"/>
-              </a:rPr>
-              <a:t>Spbuilding</a:t>
-            </a:r>
-            <a:r>
-              <a:rPr lang="en-US" altLang="ko-KR" dirty="0" smtClean="0">
-                <a:latin typeface="+mn-ea"/>
-              </a:rPr>
-              <a:t> </a:t>
-            </a:r>
-            <a:r>
-              <a:rPr lang="ko-KR" altLang="en-US" dirty="0" err="1" smtClean="0">
+              <a:rPr lang="ko-KR" altLang="en-US" dirty="0" err="1">
                 <a:latin typeface="+mn-ea"/>
               </a:rPr>
               <a:t>브랜치로</a:t>
             </a:r>
             <a:r>
-              <a:rPr lang="ko-KR" altLang="en-US" dirty="0" smtClean="0">
+              <a:rPr lang="ko-KR" altLang="en-US" dirty="0">
                 <a:latin typeface="+mn-ea"/>
               </a:rPr>
               <a:t>  옮겨가면 신규 </a:t>
             </a:r>
             <a:r>
-              <a:rPr lang="en-US" altLang="ko-KR" dirty="0" smtClean="0">
+              <a:rPr lang="en-US" altLang="ko-KR" dirty="0">
                 <a:latin typeface="+mn-ea"/>
               </a:rPr>
               <a:t>commit </a:t>
             </a:r>
             <a:r>
-              <a:rPr lang="ko-KR" altLang="en-US" dirty="0" smtClean="0">
+              <a:rPr lang="ko-KR" altLang="en-US" dirty="0">
                 <a:latin typeface="+mn-ea"/>
               </a:rPr>
               <a:t>정보가 보임</a:t>
             </a:r>
             <a:r>
-              <a:rPr lang="en-US" altLang="ko-KR" dirty="0" smtClean="0">
+              <a:rPr lang="en-US" altLang="ko-KR" dirty="0">
                 <a:latin typeface="+mn-ea"/>
               </a:rPr>
               <a:t>, </a:t>
             </a:r>
             <a:r>
-              <a:rPr lang="ko-KR" altLang="en-US" dirty="0" smtClean="0">
+              <a:rPr lang="ko-KR" altLang="en-US" dirty="0">
                 <a:latin typeface="+mn-ea"/>
               </a:rPr>
               <a:t>참여자가 </a:t>
             </a:r>
             <a:r>
-              <a:rPr lang="en-US" altLang="ko-KR" dirty="0" smtClean="0">
+              <a:rPr lang="en-US" altLang="ko-KR" dirty="0">
                 <a:latin typeface="+mn-ea"/>
               </a:rPr>
               <a:t>PR</a:t>
             </a:r>
             <a:r>
-              <a:rPr lang="ko-KR" altLang="en-US" dirty="0" smtClean="0">
+              <a:rPr lang="ko-KR" altLang="en-US" dirty="0">
                 <a:latin typeface="+mn-ea"/>
               </a:rPr>
               <a:t>시킬 수 있음</a:t>
@@ -28371,13 +28177,13 @@
           <a:p>
             <a:pPr lvl="1"/>
             <a:r>
-              <a:rPr lang="en-US" altLang="ko-KR" dirty="0" smtClean="0">
+              <a:rPr lang="en-US" altLang="ko-KR" dirty="0">
                 <a:latin typeface="+mn-ea"/>
               </a:rPr>
               <a:t>Open </a:t>
             </a:r>
             <a:r>
-              <a:rPr lang="ko-KR" altLang="en-US" dirty="0" smtClean="0">
+              <a:rPr lang="ko-KR" altLang="en-US" dirty="0">
                 <a:latin typeface="+mn-ea"/>
               </a:rPr>
               <a:t>화면에서 주요 내용 확인</a:t>
@@ -28389,13 +28195,13 @@
           <a:p>
             <a:pPr lvl="1"/>
             <a:r>
-              <a:rPr lang="en-US" altLang="ko-KR" dirty="0" smtClean="0">
+              <a:rPr lang="en-US" altLang="ko-KR" dirty="0">
                 <a:latin typeface="+mn-ea"/>
               </a:rPr>
               <a:t> </a:t>
             </a:r>
             <a:r>
-              <a:rPr lang="ko-KR" altLang="en-US" dirty="0" smtClean="0">
+              <a:rPr lang="ko-KR" altLang="en-US" dirty="0">
                 <a:latin typeface="+mn-ea"/>
               </a:rPr>
               <a:t> </a:t>
@@ -28732,15 +28538,7 @@
                   <a:srgbClr val="0000FF"/>
                 </a:solidFill>
               </a:rPr>
-              <a:t>를 받는 </a:t>
-            </a:r>
-            <a:r>
-              <a:rPr lang="ko-KR" altLang="en-US" sz="1400" dirty="0" smtClean="0">
-                <a:solidFill>
-                  <a:srgbClr val="0000FF"/>
-                </a:solidFill>
-              </a:rPr>
-              <a:t>곳과 </a:t>
+              <a:t>를 받는 곳과 </a:t>
             </a:r>
             <a:r>
               <a:rPr lang="en-US" altLang="ko-KR" sz="1400" dirty="0">
@@ -28756,18 +28554,10 @@
                   <a:srgbClr val="0000FF"/>
                 </a:solidFill>
               </a:rPr>
-              <a:t>를 보내는 </a:t>
-            </a:r>
-            <a:r>
-              <a:rPr lang="ko-KR" altLang="en-US" sz="1400" dirty="0" smtClean="0">
-                <a:solidFill>
-                  <a:srgbClr val="0000FF"/>
-                </a:solidFill>
-              </a:rPr>
-              <a:t>곳을 확인</a:t>
-            </a:r>
-            <a:r>
-              <a:rPr lang="en-US" altLang="ko-KR" sz="1400" dirty="0" smtClean="0">
+              <a:t>를 보내는 곳을 확인</a:t>
+            </a:r>
+            <a:r>
+              <a:rPr lang="en-US" altLang="ko-KR" sz="1400" dirty="0">
                 <a:solidFill>
                   <a:srgbClr val="0000FF"/>
                 </a:solidFill>
@@ -28959,7 +28749,7 @@
           <a:p>
             <a:pPr algn="ctr"/>
             <a:r>
-              <a:rPr lang="ko-KR" altLang="en-US" sz="1400" smtClean="0">
+              <a:rPr lang="ko-KR" altLang="en-US" sz="1400">
                 <a:solidFill>
                   <a:srgbClr val="0000FF"/>
                 </a:solidFill>
@@ -29951,25 +29741,19 @@
           <a:p>
             <a:pPr lvl="1"/>
             <a:r>
-              <a:rPr lang="ko-KR" altLang="en-US" dirty="0" smtClean="0">
-                <a:latin typeface="+mn-ea"/>
-              </a:rPr>
-              <a:t>스크롤하여 변경된 내용 확인하</a:t>
-            </a:r>
-            <a:r>
-              <a:rPr lang="ko-KR" altLang="en-US" dirty="0" smtClean="0">
-                <a:latin typeface="+mn-ea"/>
-              </a:rPr>
-              <a:t>고</a:t>
-            </a:r>
-            <a:r>
-              <a:rPr lang="en-US" altLang="ko-KR" dirty="0" smtClean="0">
+              <a:rPr lang="ko-KR" altLang="en-US" dirty="0">
+                <a:latin typeface="+mn-ea"/>
+              </a:rPr>
+              <a:t>스크롤하여 변경된 내용 확인하고</a:t>
+            </a:r>
+            <a:r>
+              <a:rPr lang="en-US" altLang="ko-KR" dirty="0">
                 <a:latin typeface="+mn-ea"/>
               </a:rPr>
               <a:t> </a:t>
             </a:r>
             <a:r>
-              <a:rPr lang="ko-KR" altLang="en-US" dirty="0" smtClean="0">
+              <a:rPr lang="ko-KR" altLang="en-US" dirty="0">
                 <a:latin typeface="+mn-ea"/>
               </a:rPr>
               <a:t> </a:t>
@@ -30425,13 +30209,13 @@
           <a:p>
             <a:pPr lvl="1"/>
             <a:r>
-              <a:rPr lang="en-US" altLang="ko-KR" dirty="0" smtClean="0">
+              <a:rPr lang="en-US" altLang="ko-KR" dirty="0">
                 <a:latin typeface="+mn-ea"/>
               </a:rPr>
               <a:t>Open </a:t>
             </a:r>
             <a:r>
-              <a:rPr lang="ko-KR" altLang="en-US" dirty="0" smtClean="0">
+              <a:rPr lang="ko-KR" altLang="en-US" dirty="0">
                 <a:latin typeface="+mn-ea"/>
               </a:rPr>
               <a:t>화면에서 주요 내용 및 맨 밑에 내용 변경을 확인한 후에 클릭 </a:t>
@@ -30443,13 +30227,13 @@
           <a:p>
             <a:pPr lvl="1"/>
             <a:r>
-              <a:rPr lang="en-US" altLang="ko-KR" dirty="0" smtClean="0">
+              <a:rPr lang="en-US" altLang="ko-KR" dirty="0">
                 <a:latin typeface="+mn-ea"/>
               </a:rPr>
               <a:t> </a:t>
             </a:r>
             <a:r>
-              <a:rPr lang="ko-KR" altLang="en-US" dirty="0" smtClean="0">
+              <a:rPr lang="ko-KR" altLang="en-US" dirty="0">
                 <a:latin typeface="+mn-ea"/>
               </a:rPr>
               <a:t> </a:t>
@@ -30740,18 +30524,13 @@
           <a:p>
             <a:pPr algn="ctr"/>
             <a:r>
-              <a:rPr lang="ko-KR" altLang="en-US" sz="1400" dirty="0" smtClean="0">
+              <a:rPr lang="ko-KR" altLang="en-US" sz="1400" dirty="0">
                 <a:solidFill>
                   <a:srgbClr val="0000FF"/>
                 </a:solidFill>
               </a:rPr>
               <a:t>설명 추가</a:t>
             </a:r>
-            <a:endParaRPr lang="ko-KR" altLang="en-US" sz="1400" dirty="0">
-              <a:solidFill>
-                <a:srgbClr val="0000FF"/>
-              </a:solidFill>
-            </a:endParaRPr>
           </a:p>
         </p:txBody>
       </p:sp>
@@ -31063,13 +30842,13 @@
           <a:p>
             <a:pPr lvl="1"/>
             <a:r>
-              <a:rPr lang="en-US" altLang="ko-KR" dirty="0" smtClean="0">
+              <a:rPr lang="en-US" altLang="ko-KR" dirty="0">
                 <a:latin typeface="+mn-ea"/>
               </a:rPr>
               <a:t>Open </a:t>
             </a:r>
             <a:r>
-              <a:rPr lang="ko-KR" altLang="en-US" dirty="0" smtClean="0">
+              <a:rPr lang="ko-KR" altLang="en-US" dirty="0">
                 <a:latin typeface="+mn-ea"/>
               </a:rPr>
               <a:t>화면에서 주요 내용 및 맨 밑에 내용 변경을 확인한 후에 클릭 </a:t>
@@ -31081,13 +30860,13 @@
           <a:p>
             <a:pPr lvl="1"/>
             <a:r>
-              <a:rPr lang="en-US" altLang="ko-KR" dirty="0" smtClean="0">
+              <a:rPr lang="en-US" altLang="ko-KR" dirty="0">
                 <a:latin typeface="+mn-ea"/>
               </a:rPr>
               <a:t> </a:t>
             </a:r>
             <a:r>
-              <a:rPr lang="ko-KR" altLang="en-US" dirty="0" smtClean="0">
+              <a:rPr lang="ko-KR" altLang="en-US" dirty="0">
                 <a:latin typeface="+mn-ea"/>
               </a:rPr>
               <a:t> </a:t>
@@ -31543,21 +31322,8 @@
                   <a:srgbClr val="0000FF"/>
                 </a:solidFill>
               </a:rPr>
-              <a:t>고유 </a:t>
-            </a:r>
-            <a:r>
-              <a:rPr lang="ko-KR" altLang="en-US" sz="1400" dirty="0" smtClean="0">
-                <a:solidFill>
-                  <a:srgbClr val="0000FF"/>
-                </a:solidFill>
-              </a:rPr>
-              <a:t>번호</a:t>
-            </a:r>
-            <a:endParaRPr lang="ko-KR" altLang="en-US" sz="1400" dirty="0">
-              <a:solidFill>
-                <a:srgbClr val="0000FF"/>
-              </a:solidFill>
-            </a:endParaRPr>
+              <a:t>고유 번호</a:t>
+            </a:r>
           </a:p>
         </p:txBody>
       </p:sp>
@@ -32030,7 +31796,7 @@
           <a:p>
             <a:pPr lvl="1"/>
             <a:r>
-              <a:rPr lang="ko-KR" altLang="en-US" dirty="0" smtClean="0">
+              <a:rPr lang="ko-KR" altLang="en-US" dirty="0">
                 <a:solidFill>
                   <a:srgbClr val="0000FF"/>
                 </a:solidFill>
@@ -32039,7 +31805,7 @@
               <a:t>본인이 심사없이 </a:t>
             </a:r>
             <a:r>
-              <a:rPr lang="en-US" altLang="ko-KR" dirty="0" smtClean="0">
+              <a:rPr lang="en-US" altLang="ko-KR" dirty="0">
                 <a:solidFill>
                   <a:srgbClr val="0000FF"/>
                 </a:solidFill>
@@ -32048,7 +31814,7 @@
               <a:t>merge</a:t>
             </a:r>
             <a:r>
-              <a:rPr lang="ko-KR" altLang="en-US" dirty="0" smtClean="0">
+              <a:rPr lang="ko-KR" altLang="en-US" dirty="0">
                 <a:solidFill>
                   <a:srgbClr val="0000FF"/>
                 </a:solidFill>
@@ -32057,7 +31823,7 @@
               <a:t>할 수 있으나 참여자들의 의견을 듣고 결정</a:t>
             </a:r>
             <a:r>
-              <a:rPr lang="ko-KR" altLang="en-US" dirty="0" smtClean="0">
+              <a:rPr lang="ko-KR" altLang="en-US" dirty="0">
                 <a:latin typeface="+mn-ea"/>
               </a:rPr>
               <a:t> </a:t>
@@ -32069,13 +31835,13 @@
           <a:p>
             <a:pPr lvl="1"/>
             <a:r>
-              <a:rPr lang="en-US" altLang="ko-KR" dirty="0" smtClean="0">
+              <a:rPr lang="en-US" altLang="ko-KR" dirty="0">
                 <a:latin typeface="+mn-ea"/>
               </a:rPr>
               <a:t> </a:t>
             </a:r>
             <a:r>
-              <a:rPr lang="ko-KR" altLang="en-US" dirty="0" smtClean="0">
+              <a:rPr lang="ko-KR" altLang="en-US" dirty="0">
                 <a:latin typeface="+mn-ea"/>
               </a:rPr>
               <a:t> </a:t>
@@ -32706,56 +32472,51 @@
               <a:t>협업 활동 </a:t>
             </a:r>
             <a:r>
-              <a:rPr lang="en-US" altLang="ko-KR" dirty="0" smtClean="0"/>
+              <a:rPr lang="en-US" altLang="ko-KR" dirty="0"/>
               <a:t>(</a:t>
             </a:r>
             <a:r>
-              <a:rPr lang="ko-KR" altLang="en-US" dirty="0" smtClean="0"/>
-              <a:t>참여자</a:t>
-            </a:r>
-            <a:r>
-              <a:rPr lang="ko-KR" altLang="en-US" dirty="0" smtClean="0"/>
-              <a:t>에게 통보됨</a:t>
-            </a:r>
-            <a:r>
-              <a:rPr lang="en-US" altLang="ko-KR" dirty="0" smtClean="0"/>
+              <a:rPr lang="ko-KR" altLang="en-US" dirty="0"/>
+              <a:t>참여자에게 통보됨</a:t>
+            </a:r>
+            <a:r>
+              <a:rPr lang="en-US" altLang="ko-KR" dirty="0"/>
               <a:t>)</a:t>
             </a:r>
-            <a:endParaRPr lang="en-US" altLang="ko-KR" dirty="0"/>
           </a:p>
           <a:p>
             <a:pPr marL="620713" lvl="1" indent="-169863"/>
             <a:r>
-              <a:rPr lang="ko-KR" altLang="en-US" dirty="0" smtClean="0">
+              <a:rPr lang="ko-KR" altLang="en-US" dirty="0">
                 <a:latin typeface="+mn-ea"/>
               </a:rPr>
               <a:t>리더</a:t>
             </a:r>
             <a:r>
-              <a:rPr lang="en-US" altLang="ko-KR" dirty="0" smtClean="0">
+              <a:rPr lang="en-US" altLang="ko-KR" dirty="0">
                 <a:latin typeface="+mn-ea"/>
               </a:rPr>
               <a:t>(repository owner) </a:t>
             </a:r>
             <a:r>
-              <a:rPr lang="ko-KR" altLang="en-US" dirty="0" smtClean="0">
+              <a:rPr lang="ko-KR" altLang="en-US" dirty="0">
                 <a:latin typeface="+mn-ea"/>
               </a:rPr>
               <a:t>및 참여자에게</a:t>
             </a:r>
             <a:r>
-              <a:rPr lang="en-US" altLang="ko-KR" dirty="0" smtClean="0">
+              <a:rPr lang="en-US" altLang="ko-KR" dirty="0">
                 <a:latin typeface="+mn-ea"/>
               </a:rPr>
               <a:t> </a:t>
             </a:r>
             <a:r>
-              <a:rPr lang="ko-KR" altLang="en-US" dirty="0" smtClean="0">
+              <a:rPr lang="ko-KR" altLang="en-US" dirty="0">
                 <a:latin typeface="+mn-ea"/>
               </a:rPr>
               <a:t>통보</a:t>
             </a:r>
-            <a:endParaRPr lang="en-US" altLang="ko-KR" dirty="0" smtClean="0">
+            <a:endParaRPr lang="en-US" altLang="ko-KR" dirty="0">
               <a:latin typeface="+mn-ea"/>
             </a:endParaRPr>
           </a:p>
@@ -33124,26 +32885,26 @@
               <a:t>paichaisw</a:t>
             </a:r>
             <a:r>
-              <a:rPr lang="en-US" altLang="ko-KR" dirty="0" smtClean="0"/>
+              <a:rPr lang="en-US" altLang="ko-KR" dirty="0"/>
               <a:t>)</a:t>
             </a:r>
           </a:p>
           <a:p>
             <a:pPr marL="620713" lvl="1" indent="-169863"/>
             <a:r>
-              <a:rPr lang="en-US" altLang="ko-KR" dirty="0" err="1" smtClean="0">
+              <a:rPr lang="en-US" altLang="ko-KR" dirty="0" err="1">
                 <a:latin typeface="+mn-ea"/>
               </a:rPr>
               <a:t>MaStoTest</a:t>
             </a:r>
             <a:r>
-              <a:rPr lang="en-US" altLang="ko-KR" dirty="0" smtClean="0">
+              <a:rPr lang="en-US" altLang="ko-KR" dirty="0">
                 <a:latin typeface="+mn-ea"/>
               </a:rPr>
               <a:t> </a:t>
             </a:r>
             <a:r>
-              <a:rPr lang="ko-KR" altLang="en-US" dirty="0" smtClean="0">
+              <a:rPr lang="ko-KR" altLang="en-US" dirty="0">
                 <a:latin typeface="+mn-ea"/>
               </a:rPr>
               <a:t>화면과 동일</a:t>
@@ -33292,7 +33053,7 @@
               <a:t>  </a:t>
             </a:r>
             <a:r>
-              <a:rPr lang="ko-KR" altLang="en-US" sz="1400" dirty="0" err="1" smtClean="0">
+              <a:rPr lang="ko-KR" altLang="en-US" sz="1400" dirty="0" err="1">
                 <a:solidFill>
                   <a:srgbClr val="0000FF"/>
                 </a:solidFill>
@@ -33300,18 +33061,13 @@
               <a:t>다음쪽</a:t>
             </a:r>
             <a:r>
-              <a:rPr lang="ko-KR" altLang="en-US" sz="1400" dirty="0" smtClean="0">
+              <a:rPr lang="ko-KR" altLang="en-US" sz="1400" dirty="0">
                 <a:solidFill>
                   <a:srgbClr val="0000FF"/>
                 </a:solidFill>
               </a:rPr>
               <a:t> 확인후 클릭</a:t>
             </a:r>
-            <a:endParaRPr lang="ko-KR" altLang="en-US" sz="1400" dirty="0">
-              <a:solidFill>
-                <a:srgbClr val="0000FF"/>
-              </a:solidFill>
-            </a:endParaRPr>
           </a:p>
         </p:txBody>
       </p:sp>
@@ -33525,51 +33281,48 @@
               <a:t>paichaisw</a:t>
             </a:r>
             <a:r>
-              <a:rPr lang="en-US" altLang="ko-KR" dirty="0" smtClean="0"/>
+              <a:rPr lang="en-US" altLang="ko-KR" dirty="0"/>
               <a:t>)</a:t>
             </a:r>
           </a:p>
           <a:p>
             <a:pPr marL="620713" lvl="1" indent="-169863"/>
             <a:r>
-              <a:rPr lang="en-US" altLang="ko-KR" dirty="0" err="1" smtClean="0">
+              <a:rPr lang="en-US" altLang="ko-KR" dirty="0" err="1">
                 <a:latin typeface="+mn-ea"/>
               </a:rPr>
               <a:t>MaStoTest</a:t>
             </a:r>
             <a:r>
-              <a:rPr lang="en-US" altLang="ko-KR" dirty="0" smtClean="0">
+              <a:rPr lang="en-US" altLang="ko-KR" dirty="0">
                 <a:latin typeface="+mn-ea"/>
               </a:rPr>
               <a:t> </a:t>
             </a:r>
             <a:r>
-              <a:rPr lang="ko-KR" altLang="en-US" dirty="0" smtClean="0">
+              <a:rPr lang="ko-KR" altLang="en-US" dirty="0">
                 <a:latin typeface="+mn-ea"/>
               </a:rPr>
               <a:t>화면과 동일</a:t>
             </a:r>
             <a:r>
-              <a:rPr lang="en-US" altLang="ko-KR" dirty="0" smtClean="0">
+              <a:rPr lang="en-US" altLang="ko-KR" dirty="0">
                 <a:latin typeface="+mn-ea"/>
               </a:rPr>
               <a:t>, </a:t>
             </a:r>
             <a:r>
-              <a:rPr lang="ko-KR" altLang="en-US" dirty="0" smtClean="0">
+              <a:rPr lang="ko-KR" altLang="en-US" dirty="0">
                 <a:latin typeface="+mn-ea"/>
               </a:rPr>
               <a:t>참여자 누구나 할 수 있음</a:t>
             </a:r>
             <a:r>
-              <a:rPr lang="en-US" altLang="ko-KR" dirty="0" smtClean="0">
+              <a:rPr lang="en-US" altLang="ko-KR" dirty="0">
                 <a:latin typeface="+mn-ea"/>
               </a:rPr>
               <a:t>.</a:t>
             </a:r>
-            <a:endParaRPr lang="en-US" altLang="ko-KR" dirty="0">
-              <a:latin typeface="+mn-ea"/>
-            </a:endParaRPr>
           </a:p>
         </p:txBody>
       </p:sp>
@@ -33956,14 +33709,14 @@
               <a:t>paichaisw</a:t>
             </a:r>
             <a:r>
-              <a:rPr lang="en-US" altLang="ko-KR" dirty="0" smtClean="0"/>
+              <a:rPr lang="en-US" altLang="ko-KR" dirty="0"/>
               <a:t>)</a:t>
             </a:r>
           </a:p>
           <a:p>
             <a:pPr marL="620713" lvl="1" indent="-169863"/>
             <a:r>
-              <a:rPr lang="ko-KR" altLang="en-US" dirty="0" smtClean="0">
+              <a:rPr lang="ko-KR" altLang="en-US" dirty="0">
                 <a:latin typeface="+mn-ea"/>
               </a:rPr>
               <a:t>수정 내용 검토</a:t>
@@ -34404,14 +34157,14 @@
               <a:t>paichaisw</a:t>
             </a:r>
             <a:r>
-              <a:rPr lang="en-US" altLang="ko-KR" dirty="0" smtClean="0"/>
+              <a:rPr lang="en-US" altLang="ko-KR" dirty="0"/>
               <a:t>)</a:t>
             </a:r>
           </a:p>
           <a:p>
             <a:pPr marL="620713" lvl="1" indent="-169863"/>
             <a:r>
-              <a:rPr lang="ko-KR" altLang="en-US" dirty="0" smtClean="0">
+              <a:rPr lang="ko-KR" altLang="en-US" dirty="0">
                 <a:latin typeface="+mn-ea"/>
               </a:rPr>
               <a:t>의견 제시</a:t>
@@ -34602,37 +34355,24 @@
                   <a:srgbClr val="0000FF"/>
                 </a:solidFill>
               </a:rPr>
-              <a:t>  </a:t>
-            </a:r>
-            <a:r>
-              <a:rPr lang="ko-KR" altLang="en-US" sz="1400" dirty="0" smtClean="0">
+              <a:t>  마우스를 클릭한 상태로 움직여서 코멘트할 라인 </a:t>
+            </a:r>
+            <a:r>
+              <a:rPr lang="ko-KR" altLang="en-US" sz="1400" dirty="0" err="1">
                 <a:solidFill>
                   <a:srgbClr val="0000FF"/>
                 </a:solidFill>
               </a:rPr>
-              <a:t>마우스를 클릭한 상태로 움직여서 코멘트할 라인 </a:t>
-            </a:r>
-            <a:r>
-              <a:rPr lang="ko-KR" altLang="en-US" sz="1400" dirty="0" err="1" smtClean="0">
+              <a:t>선정후</a:t>
+            </a:r>
+            <a:r>
+              <a:rPr lang="ko-KR" altLang="en-US" sz="1400" dirty="0">
                 <a:solidFill>
                   <a:srgbClr val="0000FF"/>
                 </a:solidFill>
               </a:rPr>
-              <a:t>선정후</a:t>
-            </a:r>
-            <a:r>
-              <a:rPr lang="ko-KR" altLang="en-US" sz="1400" dirty="0" smtClean="0">
-                <a:solidFill>
-                  <a:srgbClr val="0000FF"/>
-                </a:solidFill>
-              </a:rPr>
               <a:t> 놓으면 </a:t>
             </a:r>
-            <a:endParaRPr lang="ko-KR" altLang="en-US" sz="1400" dirty="0">
-              <a:solidFill>
-                <a:srgbClr val="0000FF"/>
-              </a:solidFill>
-            </a:endParaRPr>
           </a:p>
         </p:txBody>
       </p:sp>
@@ -34673,7 +34413,7 @@
               <a:t>  </a:t>
             </a:r>
             <a:r>
-              <a:rPr lang="en-US" altLang="ko-KR" sz="1400" dirty="0" smtClean="0">
+              <a:rPr lang="en-US" altLang="ko-KR" sz="1400" dirty="0">
                 <a:solidFill>
                   <a:srgbClr val="0000FF"/>
                 </a:solidFill>
@@ -34681,14 +34421,14 @@
               <a:t>comment</a:t>
             </a:r>
             <a:r>
-              <a:rPr lang="ko-KR" altLang="en-US" sz="1400" dirty="0" smtClean="0">
+              <a:rPr lang="ko-KR" altLang="en-US" sz="1400" dirty="0">
                 <a:solidFill>
                   <a:srgbClr val="0000FF"/>
                 </a:solidFill>
               </a:rPr>
               <a:t>할 공간이 생기고 </a:t>
             </a:r>
-            <a:endParaRPr lang="en-US" altLang="ko-KR" sz="1400" dirty="0" smtClean="0">
+            <a:endParaRPr lang="en-US" altLang="ko-KR" sz="1400" dirty="0">
               <a:solidFill>
                 <a:srgbClr val="0000FF"/>
               </a:solidFill>
@@ -34696,7 +34436,7 @@
           </a:p>
           <a:p>
             <a:r>
-              <a:rPr lang="ko-KR" altLang="en-US" sz="1400" dirty="0" smtClean="0">
+              <a:rPr lang="ko-KR" altLang="en-US" sz="1400" dirty="0">
                 <a:solidFill>
                   <a:srgbClr val="0000FF"/>
                 </a:solidFill>
@@ -34704,7 +34444,7 @@
               <a:t>내용 </a:t>
             </a:r>
             <a:r>
-              <a:rPr lang="ko-KR" altLang="en-US" sz="1400" dirty="0" err="1" smtClean="0">
+              <a:rPr lang="ko-KR" altLang="en-US" sz="1400" dirty="0" err="1">
                 <a:solidFill>
                   <a:srgbClr val="0000FF"/>
                 </a:solidFill>
@@ -34712,18 +34452,13 @@
               <a:t>입력후</a:t>
             </a:r>
             <a:r>
-              <a:rPr lang="ko-KR" altLang="en-US" sz="1400" dirty="0" smtClean="0">
+              <a:rPr lang="ko-KR" altLang="en-US" sz="1400" dirty="0">
                 <a:solidFill>
                   <a:srgbClr val="0000FF"/>
                 </a:solidFill>
               </a:rPr>
               <a:t> </a:t>
             </a:r>
-            <a:endParaRPr lang="ko-KR" altLang="en-US" sz="1400" dirty="0">
-              <a:solidFill>
-                <a:srgbClr val="0000FF"/>
-              </a:solidFill>
-            </a:endParaRPr>
           </a:p>
         </p:txBody>
       </p:sp>
@@ -34801,7 +34536,7 @@
           <a:p>
             <a:pPr algn="r"/>
             <a:r>
-              <a:rPr lang="ko-KR" altLang="en-US" sz="1400" smtClean="0">
+              <a:rPr lang="ko-KR" altLang="en-US" sz="1400">
                 <a:solidFill>
                   <a:srgbClr val="0000FF"/>
                 </a:solidFill>
@@ -35001,7 +34736,7 @@
           <a:p>
             <a:pPr algn="ctr"/>
             <a:r>
-              <a:rPr lang="ko-KR" altLang="en-US" sz="1400" dirty="0" smtClean="0">
+              <a:rPr lang="ko-KR" altLang="en-US" sz="1400" dirty="0">
                 <a:solidFill>
                   <a:srgbClr val="0000FF"/>
                 </a:solidFill>
@@ -35009,7 +34744,7 @@
               <a:t>승인 </a:t>
             </a:r>
             <a:r>
-              <a:rPr lang="ko-KR" altLang="en-US" sz="1400" smtClean="0">
+              <a:rPr lang="ko-KR" altLang="en-US" sz="1400">
                 <a:solidFill>
                   <a:srgbClr val="0000FF"/>
                 </a:solidFill>
@@ -35715,7 +35450,7 @@
           <a:p>
             <a:pPr algn="ctr"/>
             <a:r>
-              <a:rPr lang="ko-KR" altLang="en-US" sz="1400" dirty="0" smtClean="0">
+              <a:rPr lang="ko-KR" altLang="en-US" sz="1400" dirty="0">
                 <a:solidFill>
                   <a:srgbClr val="0000FF"/>
                 </a:solidFill>
@@ -35723,7 +35458,7 @@
               <a:t>승인 </a:t>
             </a:r>
             <a:r>
-              <a:rPr lang="ko-KR" altLang="en-US" sz="1400" smtClean="0">
+              <a:rPr lang="ko-KR" altLang="en-US" sz="1400">
                 <a:solidFill>
                   <a:srgbClr val="0000FF"/>
                 </a:solidFill>
@@ -36068,18 +35803,13 @@
           <a:p>
             <a:pPr algn="ctr"/>
             <a:r>
-              <a:rPr lang="ko-KR" altLang="en-US" sz="1400" dirty="0" smtClean="0">
+              <a:rPr lang="ko-KR" altLang="en-US" sz="1400" dirty="0">
                 <a:solidFill>
                   <a:srgbClr val="0000FF"/>
                 </a:solidFill>
               </a:rPr>
               <a:t>이미 승인을 했기 때문에 언제든지 완료 가능</a:t>
             </a:r>
-            <a:endParaRPr lang="ko-KR" altLang="en-US" sz="1400" dirty="0">
-              <a:solidFill>
-                <a:srgbClr val="0000FF"/>
-              </a:solidFill>
-            </a:endParaRPr>
           </a:p>
         </p:txBody>
       </p:sp>
@@ -36420,74 +36150,69 @@
               <a:t>협업 활동 </a:t>
             </a:r>
             <a:r>
-              <a:rPr lang="en-US" altLang="ko-KR" dirty="0" smtClean="0"/>
+              <a:rPr lang="en-US" altLang="ko-KR" dirty="0"/>
               <a:t>(</a:t>
             </a:r>
             <a:r>
-              <a:rPr lang="ko-KR" altLang="en-US" dirty="0" smtClean="0"/>
-              <a:t>제안자</a:t>
-            </a:r>
-            <a:r>
-              <a:rPr lang="ko-KR" altLang="en-US" dirty="0" smtClean="0"/>
-              <a:t>에게 통보됨</a:t>
-            </a:r>
-            <a:r>
-              <a:rPr lang="en-US" altLang="ko-KR" dirty="0" smtClean="0"/>
+              <a:rPr lang="ko-KR" altLang="en-US" dirty="0"/>
+              <a:t>제안자에게 통보됨</a:t>
+            </a:r>
+            <a:r>
+              <a:rPr lang="en-US" altLang="ko-KR" dirty="0"/>
               <a:t>)</a:t>
             </a:r>
-            <a:endParaRPr lang="en-US" altLang="ko-KR" dirty="0"/>
           </a:p>
           <a:p>
             <a:pPr marL="620713" lvl="1" indent="-169863"/>
             <a:r>
-              <a:rPr lang="en-US" altLang="ko-KR" dirty="0" smtClean="0">
+              <a:rPr lang="en-US" altLang="ko-KR" dirty="0">
                 <a:latin typeface="+mn-ea"/>
               </a:rPr>
               <a:t>PR</a:t>
             </a:r>
             <a:r>
-              <a:rPr lang="ko-KR" altLang="en-US" dirty="0" smtClean="0">
+              <a:rPr lang="ko-KR" altLang="en-US" dirty="0">
                 <a:latin typeface="+mn-ea"/>
               </a:rPr>
               <a:t>한 사람</a:t>
             </a:r>
             <a:r>
-              <a:rPr lang="en-US" altLang="ko-KR" dirty="0" smtClean="0">
+              <a:rPr lang="en-US" altLang="ko-KR" dirty="0">
                 <a:latin typeface="+mn-ea"/>
               </a:rPr>
               <a:t>(</a:t>
             </a:r>
             <a:r>
-              <a:rPr lang="en-US" altLang="ko-KR" dirty="0" err="1" smtClean="0">
+              <a:rPr lang="en-US" altLang="ko-KR" dirty="0" err="1">
                 <a:latin typeface="+mn-ea"/>
               </a:rPr>
               <a:t>MaStoTest</a:t>
             </a:r>
             <a:r>
-              <a:rPr lang="en-US" altLang="ko-KR" dirty="0" smtClean="0">
+              <a:rPr lang="en-US" altLang="ko-KR" dirty="0">
                 <a:latin typeface="+mn-ea"/>
               </a:rPr>
               <a:t>)</a:t>
             </a:r>
             <a:r>
-              <a:rPr lang="ko-KR" altLang="en-US" dirty="0" smtClean="0">
+              <a:rPr lang="ko-KR" altLang="en-US" dirty="0">
                 <a:latin typeface="+mn-ea"/>
               </a:rPr>
               <a:t>에게</a:t>
             </a:r>
             <a:r>
-              <a:rPr lang="en-US" altLang="ko-KR" dirty="0" smtClean="0">
+              <a:rPr lang="en-US" altLang="ko-KR" dirty="0">
                 <a:latin typeface="+mn-ea"/>
               </a:rPr>
               <a:t> </a:t>
             </a:r>
             <a:r>
-              <a:rPr lang="ko-KR" altLang="en-US" dirty="0" smtClean="0">
+              <a:rPr lang="ko-KR" altLang="en-US" dirty="0">
                 <a:latin typeface="+mn-ea"/>
               </a:rPr>
               <a:t>통보</a:t>
             </a:r>
-            <a:endParaRPr lang="en-US" altLang="ko-KR" dirty="0" smtClean="0">
+            <a:endParaRPr lang="en-US" altLang="ko-KR" dirty="0">
               <a:latin typeface="+mn-ea"/>
             </a:endParaRPr>
           </a:p>
@@ -36879,74 +36604,69 @@
               <a:t>협업 활동 </a:t>
             </a:r>
             <a:r>
-              <a:rPr lang="en-US" altLang="ko-KR" dirty="0" smtClean="0"/>
+              <a:rPr lang="en-US" altLang="ko-KR" dirty="0"/>
               <a:t>(</a:t>
             </a:r>
             <a:r>
-              <a:rPr lang="ko-KR" altLang="en-US" dirty="0" smtClean="0"/>
-              <a:t>제안자</a:t>
-            </a:r>
-            <a:r>
-              <a:rPr lang="ko-KR" altLang="en-US" dirty="0" smtClean="0"/>
-              <a:t>에게 통보됨</a:t>
-            </a:r>
-            <a:r>
-              <a:rPr lang="en-US" altLang="ko-KR" dirty="0" smtClean="0"/>
+              <a:rPr lang="ko-KR" altLang="en-US" dirty="0"/>
+              <a:t>제안자에게 통보됨</a:t>
+            </a:r>
+            <a:r>
+              <a:rPr lang="en-US" altLang="ko-KR" dirty="0"/>
               <a:t>)</a:t>
             </a:r>
-            <a:endParaRPr lang="en-US" altLang="ko-KR" dirty="0"/>
           </a:p>
           <a:p>
             <a:pPr marL="620713" lvl="1" indent="-169863"/>
             <a:r>
-              <a:rPr lang="en-US" altLang="ko-KR" dirty="0" smtClean="0">
+              <a:rPr lang="en-US" altLang="ko-KR" dirty="0">
                 <a:latin typeface="+mn-ea"/>
               </a:rPr>
               <a:t>PR</a:t>
             </a:r>
             <a:r>
-              <a:rPr lang="ko-KR" altLang="en-US" dirty="0" smtClean="0">
+              <a:rPr lang="ko-KR" altLang="en-US" dirty="0">
                 <a:latin typeface="+mn-ea"/>
               </a:rPr>
               <a:t>한 사람</a:t>
             </a:r>
             <a:r>
-              <a:rPr lang="en-US" altLang="ko-KR" dirty="0" smtClean="0">
+              <a:rPr lang="en-US" altLang="ko-KR" dirty="0">
                 <a:latin typeface="+mn-ea"/>
               </a:rPr>
               <a:t>(</a:t>
             </a:r>
             <a:r>
-              <a:rPr lang="en-US" altLang="ko-KR" dirty="0" err="1" smtClean="0">
+              <a:rPr lang="en-US" altLang="ko-KR" dirty="0" err="1">
                 <a:latin typeface="+mn-ea"/>
               </a:rPr>
               <a:t>MaStoTest</a:t>
             </a:r>
             <a:r>
-              <a:rPr lang="en-US" altLang="ko-KR" dirty="0" smtClean="0">
+              <a:rPr lang="en-US" altLang="ko-KR" dirty="0">
                 <a:latin typeface="+mn-ea"/>
               </a:rPr>
               <a:t>)</a:t>
             </a:r>
             <a:r>
-              <a:rPr lang="ko-KR" altLang="en-US" dirty="0" smtClean="0">
+              <a:rPr lang="ko-KR" altLang="en-US" dirty="0">
                 <a:latin typeface="+mn-ea"/>
               </a:rPr>
               <a:t>에게</a:t>
             </a:r>
             <a:r>
-              <a:rPr lang="en-US" altLang="ko-KR" dirty="0" smtClean="0">
+              <a:rPr lang="en-US" altLang="ko-KR" dirty="0">
                 <a:latin typeface="+mn-ea"/>
               </a:rPr>
               <a:t> </a:t>
             </a:r>
             <a:r>
-              <a:rPr lang="ko-KR" altLang="en-US" dirty="0" smtClean="0">
+              <a:rPr lang="ko-KR" altLang="en-US" dirty="0">
                 <a:latin typeface="+mn-ea"/>
               </a:rPr>
               <a:t>통보</a:t>
             </a:r>
-            <a:endParaRPr lang="en-US" altLang="ko-KR" dirty="0" smtClean="0">
+            <a:endParaRPr lang="en-US" altLang="ko-KR" dirty="0">
               <a:latin typeface="+mn-ea"/>
             </a:endParaRPr>
           </a:p>
@@ -37377,7 +37097,7 @@
           <a:p>
             <a:pPr lvl="1"/>
             <a:r>
-              <a:rPr lang="ko-KR" altLang="en-US" dirty="0" smtClean="0">
+              <a:rPr lang="ko-KR" altLang="en-US" dirty="0">
                 <a:latin typeface="+mn-ea"/>
               </a:rPr>
               <a:t>수정작업 진행</a:t>
@@ -37406,34 +37126,28 @@
               <a:rPr lang="en-US" altLang="ko-KR" dirty="0">
                 <a:latin typeface="+mn-ea"/>
               </a:rPr>
-              <a:t> </a:t>
-            </a:r>
-            <a:r>
-              <a:rPr lang="en-US" altLang="ko-KR" dirty="0" smtClean="0">
-                <a:latin typeface="+mn-ea"/>
-              </a:rPr>
-              <a:t>checkout </a:t>
-            </a:r>
-            <a:r>
-              <a:rPr lang="en-US" altLang="ko-KR" dirty="0" err="1" smtClean="0">
+              <a:t> checkout </a:t>
+            </a:r>
+            <a:r>
+              <a:rPr lang="en-US" altLang="ko-KR" dirty="0" err="1">
                 <a:latin typeface="+mn-ea"/>
               </a:rPr>
               <a:t>spbuilding</a:t>
             </a:r>
             <a:r>
-              <a:rPr lang="en-US" altLang="ko-KR" dirty="0" smtClean="0">
+              <a:rPr lang="en-US" altLang="ko-KR" dirty="0">
                 <a:latin typeface="+mn-ea"/>
               </a:rPr>
               <a:t>  # </a:t>
             </a:r>
             <a:r>
-              <a:rPr lang="ko-KR" altLang="en-US" dirty="0" err="1" smtClean="0">
+              <a:rPr lang="ko-KR" altLang="en-US" dirty="0" err="1">
                 <a:latin typeface="+mn-ea"/>
               </a:rPr>
               <a:t>브랜치</a:t>
             </a:r>
             <a:r>
-              <a:rPr lang="ko-KR" altLang="en-US" dirty="0" smtClean="0">
+              <a:rPr lang="ko-KR" altLang="en-US" dirty="0">
                 <a:latin typeface="+mn-ea"/>
               </a:rPr>
               <a:t> 위치 확인</a:t>
@@ -37454,27 +37168,15 @@
               <a:rPr lang="en-US" altLang="ko-KR" dirty="0">
                 <a:latin typeface="+mn-ea"/>
               </a:rPr>
-              <a:t>: </a:t>
-            </a:r>
-            <a:r>
-              <a:rPr lang="en-US" altLang="ko-KR" dirty="0" smtClean="0">
-                <a:latin typeface="+mn-ea"/>
-              </a:rPr>
-              <a:t>project.txt</a:t>
+              <a:t>: project.txt</a:t>
             </a:r>
             <a:r>
               <a:rPr lang="ko-KR" altLang="en-US" dirty="0">
                 <a:latin typeface="+mn-ea"/>
               </a:rPr>
-              <a:t>를 </a:t>
-            </a:r>
-            <a:r>
-              <a:rPr lang="ko-KR" altLang="en-US" dirty="0" smtClean="0">
-                <a:latin typeface="+mn-ea"/>
-              </a:rPr>
-              <a:t>열고 내용 보강</a:t>
-            </a:r>
-            <a:endParaRPr lang="en-US" altLang="ko-KR" dirty="0" smtClean="0">
+              <a:t>를 열고 내용 보강</a:t>
+            </a:r>
+            <a:endParaRPr lang="en-US" altLang="ko-KR" dirty="0">
               <a:latin typeface="+mn-ea"/>
             </a:endParaRPr>
           </a:p>
@@ -37848,25 +37550,25 @@
           <a:p>
             <a:pPr lvl="1"/>
             <a:r>
-              <a:rPr lang="ko-KR" altLang="en-US" dirty="0" err="1" smtClean="0">
+              <a:rPr lang="ko-KR" altLang="en-US" dirty="0" err="1">
                 <a:latin typeface="+mn-ea"/>
               </a:rPr>
               <a:t>로컬저장소</a:t>
             </a:r>
             <a:r>
-              <a:rPr lang="ko-KR" altLang="en-US" dirty="0" smtClean="0">
+              <a:rPr lang="ko-KR" altLang="en-US" dirty="0">
                 <a:latin typeface="+mn-ea"/>
               </a:rPr>
               <a:t> 작업</a:t>
             </a:r>
             <a:r>
-              <a:rPr lang="en-US" altLang="ko-KR" dirty="0" smtClean="0">
+              <a:rPr lang="en-US" altLang="ko-KR" dirty="0">
                 <a:latin typeface="+mn-ea"/>
               </a:rPr>
               <a:t> </a:t>
             </a:r>
             <a:r>
-              <a:rPr lang="ko-KR" altLang="en-US" dirty="0" smtClean="0">
+              <a:rPr lang="ko-KR" altLang="en-US" dirty="0">
                 <a:latin typeface="+mn-ea"/>
               </a:rPr>
               <a:t> </a:t>
@@ -37887,7 +37589,7 @@
               <a:t> </a:t>
             </a:r>
             <a:r>
-              <a:rPr lang="en-US" altLang="ko-KR" dirty="0" err="1" smtClean="0">
+              <a:rPr lang="en-US" altLang="ko-KR" dirty="0" err="1">
                 <a:latin typeface="+mn-ea"/>
               </a:rPr>
               <a:t>spbuilding</a:t>
@@ -37899,13 +37601,13 @@
               <a:t> </a:t>
             </a:r>
             <a:r>
-              <a:rPr lang="ko-KR" altLang="en-US" dirty="0" err="1" smtClean="0">
+              <a:rPr lang="ko-KR" altLang="en-US" dirty="0" err="1">
                 <a:latin typeface="+mn-ea"/>
               </a:rPr>
               <a:t>브랜치</a:t>
             </a:r>
             <a:r>
-              <a:rPr lang="ko-KR" altLang="en-US" dirty="0" smtClean="0">
+              <a:rPr lang="ko-KR" altLang="en-US" dirty="0">
                 <a:latin typeface="+mn-ea"/>
               </a:rPr>
               <a:t> 확인하고</a:t>
@@ -37922,22 +37624,16 @@
               <a:rPr lang="en-US" altLang="ko-KR" dirty="0">
                 <a:latin typeface="+mn-ea"/>
               </a:rPr>
-              <a:t>    </a:t>
-            </a:r>
-            <a:r>
-              <a:rPr lang="en-US" altLang="ko-KR" dirty="0" smtClean="0">
-                <a:latin typeface="+mn-ea"/>
-              </a:rPr>
-              <a:t>☞ </a:t>
-            </a:r>
-            <a:r>
-              <a:rPr lang="en-US" altLang="ko-KR" dirty="0" err="1" smtClean="0">
+              <a:t>    ☞ </a:t>
+            </a:r>
+            <a:r>
+              <a:rPr lang="en-US" altLang="ko-KR" dirty="0" err="1">
                 <a:latin typeface="+mn-ea"/>
               </a:rPr>
               <a:t>git</a:t>
             </a:r>
             <a:r>
-              <a:rPr lang="en-US" altLang="ko-KR" dirty="0" smtClean="0">
+              <a:rPr lang="en-US" altLang="ko-KR" dirty="0">
                 <a:latin typeface="+mn-ea"/>
               </a:rPr>
               <a:t> status</a:t>
@@ -37951,13 +37647,7 @@
               <a:rPr lang="en-US" altLang="ko-KR" dirty="0">
                 <a:latin typeface="+mn-ea"/>
               </a:rPr>
-              <a:t> </a:t>
-            </a:r>
-            <a:r>
-              <a:rPr lang="en-US" altLang="ko-KR" dirty="0" smtClean="0">
-                <a:latin typeface="+mn-ea"/>
-              </a:rPr>
-              <a:t>   ☞ </a:t>
+              <a:t>    ☞ </a:t>
             </a:r>
             <a:r>
               <a:rPr lang="en-US" altLang="ko-KR" dirty="0" err="1">
@@ -37992,29 +37682,20 @@
               <a:rPr lang="en-US" altLang="ko-KR" dirty="0">
                 <a:latin typeface="+mn-ea"/>
               </a:rPr>
-              <a:t> commit -m </a:t>
-            </a:r>
-            <a:r>
-              <a:rPr lang="en-US" altLang="ko-KR" dirty="0" smtClean="0">
-                <a:latin typeface="+mn-ea"/>
-              </a:rPr>
-              <a:t>‘3rd floor add to </a:t>
-            </a:r>
-            <a:r>
-              <a:rPr lang="en-US" altLang="ko-KR" dirty="0" err="1" smtClean="0">
+              <a:t> commit -m ‘3rd floor add to </a:t>
+            </a:r>
+            <a:r>
+              <a:rPr lang="en-US" altLang="ko-KR" dirty="0" err="1">
                 <a:latin typeface="+mn-ea"/>
               </a:rPr>
               <a:t>sp</a:t>
             </a:r>
             <a:r>
-              <a:rPr lang="en-US" altLang="ko-KR" dirty="0" smtClean="0">
+              <a:rPr lang="en-US" altLang="ko-KR" dirty="0">
                 <a:latin typeface="+mn-ea"/>
               </a:rPr>
               <a:t> building’</a:t>
             </a:r>
-            <a:endParaRPr lang="en-US" altLang="ko-KR" dirty="0">
-              <a:latin typeface="+mn-ea"/>
-            </a:endParaRPr>
           </a:p>
           <a:p>
             <a:pPr marL="450850" lvl="1" indent="0">
@@ -38472,22 +38153,16 @@
           <a:p>
             <a:pPr lvl="1"/>
             <a:r>
-              <a:rPr lang="ko-KR" altLang="en-US" dirty="0" err="1" smtClean="0">
+              <a:rPr lang="ko-KR" altLang="en-US" dirty="0" err="1">
                 <a:latin typeface="+mn-ea"/>
               </a:rPr>
               <a:t>로컬저장소</a:t>
             </a:r>
             <a:r>
-              <a:rPr lang="ko-KR" altLang="en-US" dirty="0" smtClean="0">
-                <a:latin typeface="+mn-ea"/>
-              </a:rPr>
-              <a:t> </a:t>
-            </a:r>
-            <a:r>
               <a:rPr lang="ko-KR" altLang="en-US" dirty="0">
                 <a:latin typeface="+mn-ea"/>
               </a:rPr>
-              <a:t>작업</a:t>
+              <a:t> 작업</a:t>
             </a:r>
             <a:r>
               <a:rPr lang="en-US" altLang="ko-KR" dirty="0">
@@ -38529,31 +38204,31 @@
               <a:t> </a:t>
             </a:r>
             <a:r>
-              <a:rPr lang="ko-KR" altLang="en-US" dirty="0" err="1" smtClean="0">
+              <a:rPr lang="ko-KR" altLang="en-US" dirty="0" err="1">
                 <a:latin typeface="+mn-ea"/>
               </a:rPr>
               <a:t>브랜치를</a:t>
             </a:r>
             <a:r>
-              <a:rPr lang="ko-KR" altLang="en-US" dirty="0" smtClean="0">
+              <a:rPr lang="ko-KR" altLang="en-US" dirty="0">
                 <a:latin typeface="+mn-ea"/>
               </a:rPr>
               <a:t> </a:t>
             </a:r>
             <a:r>
-              <a:rPr lang="en-US" altLang="ko-KR" dirty="0" smtClean="0">
+              <a:rPr lang="en-US" altLang="ko-KR" dirty="0">
                 <a:latin typeface="+mn-ea"/>
               </a:rPr>
               <a:t>origin</a:t>
             </a:r>
             <a:r>
-              <a:rPr lang="ko-KR" altLang="en-US" dirty="0" smtClean="0">
+              <a:rPr lang="ko-KR" altLang="en-US" dirty="0">
                 <a:latin typeface="+mn-ea"/>
               </a:rPr>
               <a:t>에 </a:t>
             </a:r>
             <a:r>
-              <a:rPr lang="en-US" altLang="ko-KR" dirty="0" smtClean="0">
+              <a:rPr lang="en-US" altLang="ko-KR" dirty="0">
                 <a:latin typeface="+mn-ea"/>
               </a:rPr>
               <a:t>push</a:t>
@@ -38564,85 +38239,85 @@
               <a:buNone/>
             </a:pPr>
             <a:r>
-              <a:rPr lang="en-US" altLang="ko-KR" dirty="0" smtClean="0">
+              <a:rPr lang="en-US" altLang="ko-KR" dirty="0">
                 <a:latin typeface="+mn-ea"/>
               </a:rPr>
               <a:t>    ☞ </a:t>
             </a:r>
             <a:r>
-              <a:rPr lang="en-US" altLang="ko-KR" dirty="0" err="1" smtClean="0">
+              <a:rPr lang="en-US" altLang="ko-KR" dirty="0" err="1">
                 <a:latin typeface="+mn-ea"/>
               </a:rPr>
               <a:t>git</a:t>
             </a:r>
             <a:r>
-              <a:rPr lang="en-US" altLang="ko-KR" dirty="0" smtClean="0">
+              <a:rPr lang="en-US" altLang="ko-KR" dirty="0">
                 <a:latin typeface="+mn-ea"/>
               </a:rPr>
               <a:t> branch -</a:t>
             </a:r>
             <a:r>
-              <a:rPr lang="en-US" altLang="ko-KR" dirty="0" err="1" smtClean="0">
+              <a:rPr lang="en-US" altLang="ko-KR" dirty="0" err="1">
                 <a:latin typeface="+mn-ea"/>
               </a:rPr>
               <a:t>avv</a:t>
             </a:r>
             <a:r>
-              <a:rPr lang="en-US" altLang="ko-KR" dirty="0" smtClean="0">
+              <a:rPr lang="en-US" altLang="ko-KR" dirty="0">
                 <a:latin typeface="+mn-ea"/>
               </a:rPr>
               <a:t>  # </a:t>
             </a:r>
             <a:r>
-              <a:rPr lang="ko-KR" altLang="en-US" dirty="0" smtClean="0">
+              <a:rPr lang="ko-KR" altLang="en-US" dirty="0">
                 <a:latin typeface="+mn-ea"/>
               </a:rPr>
               <a:t>모든 </a:t>
             </a:r>
             <a:r>
-              <a:rPr lang="ko-KR" altLang="en-US" dirty="0" err="1" smtClean="0">
+              <a:rPr lang="ko-KR" altLang="en-US" dirty="0" err="1">
                 <a:latin typeface="+mn-ea"/>
               </a:rPr>
               <a:t>브랜치</a:t>
             </a:r>
             <a:r>
-              <a:rPr lang="en-US" altLang="ko-KR" dirty="0" smtClean="0">
+              <a:rPr lang="en-US" altLang="ko-KR" dirty="0">
                 <a:latin typeface="+mn-ea"/>
               </a:rPr>
               <a:t>, </a:t>
             </a:r>
             <a:r>
-              <a:rPr lang="ko-KR" altLang="en-US" dirty="0" smtClean="0">
+              <a:rPr lang="ko-KR" altLang="en-US" dirty="0">
                 <a:latin typeface="+mn-ea"/>
               </a:rPr>
               <a:t>트랙 </a:t>
             </a:r>
             <a:r>
-              <a:rPr lang="ko-KR" altLang="en-US" dirty="0" err="1" smtClean="0">
+              <a:rPr lang="ko-KR" altLang="en-US" dirty="0" err="1">
                 <a:latin typeface="+mn-ea"/>
               </a:rPr>
               <a:t>브랜치</a:t>
             </a:r>
             <a:r>
-              <a:rPr lang="en-US" altLang="ko-KR" dirty="0" smtClean="0">
+              <a:rPr lang="en-US" altLang="ko-KR" dirty="0">
                 <a:latin typeface="+mn-ea"/>
               </a:rPr>
               <a:t>, </a:t>
             </a:r>
             <a:r>
-              <a:rPr lang="ko-KR" altLang="en-US" dirty="0" smtClean="0">
+              <a:rPr lang="ko-KR" altLang="en-US" dirty="0">
                 <a:latin typeface="+mn-ea"/>
               </a:rPr>
               <a:t>자세히 리스트</a:t>
             </a:r>
             <a:r>
-              <a:rPr lang="en-US" altLang="ko-KR" dirty="0" smtClean="0">
+              <a:rPr lang="en-US" altLang="ko-KR" dirty="0">
                 <a:latin typeface="+mn-ea"/>
               </a:rPr>
               <a:t>, </a:t>
             </a:r>
             <a:r>
-              <a:rPr lang="ko-KR" altLang="en-US" dirty="0" smtClean="0">
+              <a:rPr lang="ko-KR" altLang="en-US" dirty="0">
                 <a:solidFill>
                   <a:srgbClr val="0000FF"/>
                 </a:solidFill>
@@ -38651,7 +38326,7 @@
               <a:t>트랙 </a:t>
             </a:r>
             <a:r>
-              <a:rPr lang="ko-KR" altLang="en-US" dirty="0" err="1" smtClean="0">
+              <a:rPr lang="ko-KR" altLang="en-US" dirty="0" err="1">
                 <a:solidFill>
                   <a:srgbClr val="0000FF"/>
                 </a:solidFill>
@@ -38660,7 +38335,7 @@
               <a:t>브랜치</a:t>
             </a:r>
             <a:r>
-              <a:rPr lang="ko-KR" altLang="en-US" dirty="0" smtClean="0">
+              <a:rPr lang="ko-KR" altLang="en-US" dirty="0">
                 <a:solidFill>
                   <a:srgbClr val="0000FF"/>
                 </a:solidFill>
@@ -38668,7 +38343,7 @@
               </a:rPr>
               <a:t> 확인</a:t>
             </a:r>
-            <a:endParaRPr lang="en-US" altLang="ko-KR" dirty="0" smtClean="0">
+            <a:endParaRPr lang="en-US" altLang="ko-KR" dirty="0">
               <a:solidFill>
                 <a:srgbClr val="0000FF"/>
               </a:solidFill>
@@ -38683,13 +38358,7 @@
               <a:rPr lang="en-US" altLang="ko-KR" dirty="0">
                 <a:latin typeface="+mn-ea"/>
               </a:rPr>
-              <a:t> </a:t>
-            </a:r>
-            <a:r>
-              <a:rPr lang="en-US" altLang="ko-KR" dirty="0" smtClean="0">
-                <a:latin typeface="+mn-ea"/>
-              </a:rPr>
-              <a:t>   ☞ </a:t>
+              <a:t>    ☞ </a:t>
             </a:r>
             <a:r>
               <a:rPr lang="en-US" altLang="ko-KR" dirty="0" err="1">
@@ -38701,59 +38370,38 @@
               <a:rPr lang="en-US" altLang="ko-KR" dirty="0">
                 <a:latin typeface="+mn-ea"/>
               </a:rPr>
-              <a:t> </a:t>
-            </a:r>
-            <a:r>
-              <a:rPr lang="en-US" altLang="ko-KR" dirty="0" smtClean="0">
-                <a:latin typeface="+mn-ea"/>
-              </a:rPr>
-              <a:t>push  # </a:t>
-            </a:r>
-            <a:r>
-              <a:rPr lang="en-US" altLang="ko-KR" dirty="0" err="1" smtClean="0">
+              <a:t> push  # </a:t>
+            </a:r>
+            <a:r>
+              <a:rPr lang="en-US" altLang="ko-KR" dirty="0" err="1">
                 <a:latin typeface="+mn-ea"/>
               </a:rPr>
               <a:t>spbuilding</a:t>
             </a:r>
             <a:r>
-              <a:rPr lang="ko-KR" altLang="en-US" dirty="0" smtClean="0">
-                <a:latin typeface="+mn-ea"/>
-              </a:rPr>
-              <a:t>은 </a:t>
-            </a:r>
-            <a:r>
               <a:rPr lang="ko-KR" altLang="en-US" dirty="0">
                 <a:latin typeface="+mn-ea"/>
               </a:rPr>
-              <a:t>두</a:t>
-            </a:r>
-            <a:r>
-              <a:rPr lang="ko-KR" altLang="en-US" dirty="0" smtClean="0">
-                <a:latin typeface="+mn-ea"/>
-              </a:rPr>
-              <a:t>번째 </a:t>
-            </a:r>
-            <a:r>
-              <a:rPr lang="en-US" altLang="ko-KR" dirty="0" smtClean="0">
+              <a:t>은 두번째 </a:t>
+            </a:r>
+            <a:r>
+              <a:rPr lang="en-US" altLang="ko-KR" dirty="0">
                 <a:latin typeface="+mn-ea"/>
               </a:rPr>
               <a:t>push</a:t>
             </a:r>
             <a:r>
-              <a:rPr lang="ko-KR" altLang="en-US" dirty="0" smtClean="0">
+              <a:rPr lang="ko-KR" altLang="en-US" dirty="0">
                 <a:latin typeface="+mn-ea"/>
               </a:rPr>
               <a:t>이므로 간략히 </a:t>
             </a:r>
             <a:r>
-              <a:rPr lang="en-US" altLang="ko-KR" dirty="0" smtClean="0">
+              <a:rPr lang="en-US" altLang="ko-KR" dirty="0">
                 <a:latin typeface="+mn-ea"/>
               </a:rPr>
               <a:t>push</a:t>
             </a:r>
-            <a:endParaRPr lang="en-US" altLang="ko-KR" dirty="0" smtClean="0">
-              <a:latin typeface="+mn-ea"/>
-            </a:endParaRPr>
           </a:p>
           <a:p>
             <a:pPr marL="609600" lvl="1" indent="-158750">
@@ -38767,7 +38415,7 @@
           <a:p>
             <a:pPr marL="446088" lvl="1" indent="-176213"/>
             <a:r>
-              <a:rPr lang="ko-KR" altLang="en-US" dirty="0" smtClean="0">
+              <a:rPr lang="ko-KR" altLang="en-US" dirty="0">
                 <a:latin typeface="+mn-ea"/>
               </a:rPr>
               <a:t>내가 참여하는 </a:t>
@@ -38785,31 +38433,31 @@
               <a:t> </a:t>
             </a:r>
             <a:r>
-              <a:rPr lang="en-US" altLang="ko-KR" dirty="0" smtClean="0">
+              <a:rPr lang="en-US" altLang="ko-KR" dirty="0">
                 <a:latin typeface="+mn-ea"/>
               </a:rPr>
               <a:t>(</a:t>
             </a:r>
             <a:r>
-              <a:rPr lang="en-US" altLang="ko-KR" dirty="0" err="1" smtClean="0">
+              <a:rPr lang="en-US" altLang="ko-KR" dirty="0" err="1">
                 <a:latin typeface="+mn-ea"/>
               </a:rPr>
               <a:t>fasthill</a:t>
             </a:r>
             <a:r>
-              <a:rPr lang="en-US" altLang="ko-KR" dirty="0" smtClean="0">
+              <a:rPr lang="en-US" altLang="ko-KR" dirty="0">
                 <a:latin typeface="+mn-ea"/>
               </a:rPr>
               <a:t>/</a:t>
             </a:r>
             <a:r>
-              <a:rPr lang="en-US" altLang="ko-KR" dirty="0" err="1" smtClean="0">
+              <a:rPr lang="en-US" altLang="ko-KR" dirty="0" err="1">
                 <a:latin typeface="+mn-ea"/>
               </a:rPr>
               <a:t>paichai_project</a:t>
             </a:r>
             <a:r>
-              <a:rPr lang="en-US" altLang="ko-KR" dirty="0" smtClean="0">
+              <a:rPr lang="en-US" altLang="ko-KR" dirty="0">
                 <a:latin typeface="+mn-ea"/>
               </a:rPr>
               <a:t>)</a:t>
@@ -38818,15 +38466,9 @@
               <a:rPr lang="ko-KR" altLang="en-US" dirty="0">
                 <a:latin typeface="+mn-ea"/>
               </a:rPr>
-              <a:t>로 </a:t>
-            </a:r>
-            <a:r>
-              <a:rPr lang="ko-KR" altLang="en-US" dirty="0" smtClean="0">
-                <a:latin typeface="+mn-ea"/>
-              </a:rPr>
-              <a:t>이동</a:t>
-            </a:r>
-            <a:endParaRPr lang="en-US" altLang="ko-KR" dirty="0" smtClean="0">
+              <a:t>로 이동</a:t>
+            </a:r>
+            <a:endParaRPr lang="en-US" altLang="ko-KR" dirty="0">
               <a:latin typeface="+mn-ea"/>
             </a:endParaRPr>
           </a:p>
@@ -38838,41 +38480,32 @@
               <a:rPr lang="en-US" altLang="ko-KR" dirty="0">
                 <a:latin typeface="+mn-ea"/>
               </a:rPr>
-              <a:t> </a:t>
-            </a:r>
-            <a:r>
-              <a:rPr lang="en-US" altLang="ko-KR" dirty="0" smtClean="0">
-                <a:latin typeface="+mn-ea"/>
-              </a:rPr>
-              <a:t> - </a:t>
-            </a:r>
-            <a:r>
-              <a:rPr lang="ko-KR" altLang="en-US" dirty="0" smtClean="0">
+              <a:t>  - </a:t>
+            </a:r>
+            <a:r>
+              <a:rPr lang="ko-KR" altLang="en-US" dirty="0">
                 <a:latin typeface="+mn-ea"/>
               </a:rPr>
               <a:t>나의 </a:t>
             </a:r>
             <a:r>
-              <a:rPr lang="en-US" altLang="ko-KR" dirty="0" err="1" smtClean="0">
+              <a:rPr lang="en-US" altLang="ko-KR" dirty="0" err="1">
                 <a:latin typeface="+mn-ea"/>
               </a:rPr>
               <a:t>github</a:t>
             </a:r>
             <a:r>
-              <a:rPr lang="ko-KR" altLang="en-US" dirty="0" smtClean="0">
+              <a:rPr lang="ko-KR" altLang="en-US" dirty="0">
                 <a:latin typeface="+mn-ea"/>
               </a:rPr>
               <a:t>로 가면 자동으로 연결되어 있음</a:t>
             </a:r>
             <a:r>
-              <a:rPr lang="en-US" altLang="ko-KR" dirty="0" smtClean="0">
+              <a:rPr lang="en-US" altLang="ko-KR" dirty="0">
                 <a:latin typeface="+mn-ea"/>
               </a:rPr>
               <a:t>.</a:t>
             </a:r>
-            <a:endParaRPr lang="en-US" altLang="ko-KR" dirty="0">
-              <a:latin typeface="+mn-ea"/>
-            </a:endParaRPr>
           </a:p>
           <a:p>
             <a:pPr marL="450850" lvl="1" indent="0">
@@ -39266,13 +38899,13 @@
           <a:p>
             <a:pPr lvl="1"/>
             <a:r>
-              <a:rPr lang="ko-KR" altLang="en-US" dirty="0" smtClean="0">
+              <a:rPr lang="ko-KR" altLang="en-US" dirty="0">
                 <a:latin typeface="+mn-ea"/>
               </a:rPr>
               <a:t>협업</a:t>
             </a:r>
             <a:r>
-              <a:rPr lang="en-US" altLang="ko-KR" dirty="0" smtClean="0">
+              <a:rPr lang="en-US" altLang="ko-KR" dirty="0">
                 <a:latin typeface="+mn-ea"/>
               </a:rPr>
               <a:t> </a:t>
@@ -39293,35 +38926,26 @@
               <a:rPr lang="ko-KR" altLang="en-US" dirty="0">
                 <a:latin typeface="+mn-ea"/>
               </a:rPr>
-              <a:t>버튼이 </a:t>
-            </a:r>
-            <a:r>
-              <a:rPr lang="ko-KR" altLang="en-US" dirty="0" smtClean="0">
-                <a:latin typeface="+mn-ea"/>
-              </a:rPr>
-              <a:t>보이지 않음</a:t>
-            </a:r>
-            <a:r>
-              <a:rPr lang="en-US" altLang="ko-KR" dirty="0" smtClean="0">
+              <a:t>버튼이 보이지 않음</a:t>
+            </a:r>
+            <a:r>
+              <a:rPr lang="en-US" altLang="ko-KR" dirty="0">
                 <a:latin typeface="+mn-ea"/>
               </a:rPr>
               <a:t>(?)  ← (</a:t>
             </a:r>
             <a:r>
-              <a:rPr lang="ko-KR" altLang="en-US" dirty="0" smtClean="0">
+              <a:rPr lang="ko-KR" altLang="en-US" dirty="0">
                 <a:latin typeface="+mn-ea"/>
               </a:rPr>
               <a:t>첫번째 등록만 보임</a:t>
             </a:r>
             <a:r>
-              <a:rPr lang="en-US" altLang="ko-KR" dirty="0" smtClean="0">
+              <a:rPr lang="en-US" altLang="ko-KR" dirty="0">
                 <a:latin typeface="+mn-ea"/>
               </a:rPr>
               <a:t>)</a:t>
             </a:r>
-            <a:endParaRPr lang="en-US" altLang="ko-KR" dirty="0">
-              <a:latin typeface="+mn-ea"/>
-            </a:endParaRPr>
           </a:p>
         </p:txBody>
       </p:sp>
@@ -39453,18 +39077,13 @@
           <a:p>
             <a:pPr algn="ctr"/>
             <a:r>
-              <a:rPr lang="ko-KR" altLang="en-US" sz="1400" dirty="0" smtClean="0">
+              <a:rPr lang="ko-KR" altLang="en-US" sz="1400" dirty="0">
                 <a:solidFill>
                   <a:srgbClr val="0000FF"/>
                 </a:solidFill>
               </a:rPr>
               <a:t>클릭하여 변경 내용 확인</a:t>
             </a:r>
-            <a:endParaRPr lang="ko-KR" altLang="en-US" sz="1400" dirty="0">
-              <a:solidFill>
-                <a:srgbClr val="0000FF"/>
-              </a:solidFill>
-            </a:endParaRPr>
           </a:p>
         </p:txBody>
       </p:sp>
@@ -39777,16 +39396,10 @@
           <a:p>
             <a:pPr lvl="1"/>
             <a:r>
-              <a:rPr lang="ko-KR" altLang="en-US" dirty="0" smtClean="0">
-                <a:latin typeface="+mn-ea"/>
-              </a:rPr>
-              <a:t>변경 화면으로 이</a:t>
-            </a:r>
-            <a:r>
-              <a:rPr lang="ko-KR" altLang="en-US" dirty="0" smtClean="0">
-                <a:latin typeface="+mn-ea"/>
-              </a:rPr>
-              <a:t>동</a:t>
+              <a:rPr lang="ko-KR" altLang="en-US" dirty="0">
+                <a:latin typeface="+mn-ea"/>
+              </a:rPr>
+              <a:t>변경 화면으로 이동</a:t>
             </a:r>
             <a:endParaRPr lang="en-US" altLang="ko-KR" dirty="0">
               <a:latin typeface="+mn-ea"/>
@@ -39974,7 +39587,7 @@
           <a:p>
             <a:pPr algn="ctr"/>
             <a:r>
-              <a:rPr lang="ko-KR" altLang="en-US" sz="1400" smtClean="0">
+              <a:rPr lang="ko-KR" altLang="en-US" sz="1400">
                 <a:solidFill>
                   <a:srgbClr val="FF0000"/>
                 </a:solidFill>
@@ -40019,26 +39632,13 @@
           <a:p>
             <a:pPr algn="ctr"/>
             <a:r>
-              <a:rPr lang="ko-KR" altLang="en-US" sz="1400" dirty="0" smtClean="0">
+              <a:rPr lang="ko-KR" altLang="en-US" sz="1400" dirty="0">
                 <a:solidFill>
                   <a:srgbClr val="FF0000"/>
                 </a:solidFill>
               </a:rPr>
-              <a:t>클릭하</a:t>
-            </a:r>
-            <a:r>
-              <a:rPr lang="ko-KR" altLang="en-US" sz="1400" dirty="0" smtClean="0">
-                <a:solidFill>
-                  <a:srgbClr val="FF0000"/>
-                </a:solidFill>
-              </a:rPr>
-              <a:t>면</a:t>
-            </a:r>
-            <a:endParaRPr lang="ko-KR" altLang="en-US" sz="1400" dirty="0">
-              <a:solidFill>
-                <a:srgbClr val="FF0000"/>
-              </a:solidFill>
-            </a:endParaRPr>
+              <a:t>클릭하면</a:t>
+            </a:r>
           </a:p>
         </p:txBody>
       </p:sp>
@@ -40283,19 +39883,19 @@
           <a:p>
             <a:pPr lvl="1"/>
             <a:r>
-              <a:rPr lang="ko-KR" altLang="en-US" dirty="0" smtClean="0">
+              <a:rPr lang="ko-KR" altLang="en-US" dirty="0">
                 <a:latin typeface="+mn-ea"/>
               </a:rPr>
               <a:t>변경된 내용 확인후 </a:t>
             </a:r>
             <a:r>
-              <a:rPr lang="en-US" altLang="ko-KR" dirty="0" smtClean="0">
+              <a:rPr lang="en-US" altLang="ko-KR" dirty="0">
                 <a:latin typeface="+mn-ea"/>
               </a:rPr>
               <a:t>review </a:t>
             </a:r>
             <a:r>
-              <a:rPr lang="ko-KR" altLang="en-US" dirty="0" smtClean="0">
+              <a:rPr lang="ko-KR" altLang="en-US" dirty="0">
                 <a:latin typeface="+mn-ea"/>
               </a:rPr>
               <a:t>통보</a:t>
@@ -40434,7 +40034,7 @@
           <a:p>
             <a:pPr algn="ctr"/>
             <a:r>
-              <a:rPr lang="ko-KR" altLang="en-US" sz="1400" dirty="0" smtClean="0">
+              <a:rPr lang="ko-KR" altLang="en-US" sz="1400" dirty="0">
                 <a:solidFill>
                   <a:srgbClr val="0000FF"/>
                 </a:solidFill>
@@ -40442,7 +40042,7 @@
               <a:t>밑</a:t>
             </a:r>
             <a:r>
-              <a:rPr lang="en-US" altLang="ko-KR" sz="1400" dirty="0" smtClean="0">
+              <a:rPr lang="en-US" altLang="ko-KR" sz="1400" dirty="0">
                 <a:solidFill>
                   <a:srgbClr val="0000FF"/>
                 </a:solidFill>
@@ -40450,7 +40050,7 @@
               <a:t>(</a:t>
             </a:r>
             <a:r>
-              <a:rPr lang="ko-KR" altLang="en-US" sz="1400" dirty="0" err="1" smtClean="0">
+              <a:rPr lang="ko-KR" altLang="en-US" sz="1400" dirty="0" err="1">
                 <a:solidFill>
                   <a:srgbClr val="0000FF"/>
                 </a:solidFill>
@@ -40458,7 +40058,7 @@
               <a:t>다음쪽</a:t>
             </a:r>
             <a:r>
-              <a:rPr lang="en-US" altLang="ko-KR" sz="1400" dirty="0" smtClean="0">
+              <a:rPr lang="en-US" altLang="ko-KR" sz="1400" dirty="0">
                 <a:solidFill>
                   <a:srgbClr val="0000FF"/>
                 </a:solidFill>
@@ -40466,18 +40066,13 @@
               <a:t>)</a:t>
             </a:r>
             <a:r>
-              <a:rPr lang="ko-KR" altLang="en-US" sz="1400" dirty="0" smtClean="0">
+              <a:rPr lang="ko-KR" altLang="en-US" sz="1400" dirty="0">
                 <a:solidFill>
                   <a:srgbClr val="0000FF"/>
                 </a:solidFill>
               </a:rPr>
               <a:t>에 코멘트 삽입</a:t>
             </a:r>
-            <a:endParaRPr lang="ko-KR" altLang="en-US" sz="1400" dirty="0">
-              <a:solidFill>
-                <a:srgbClr val="0000FF"/>
-              </a:solidFill>
-            </a:endParaRPr>
           </a:p>
         </p:txBody>
       </p:sp>
@@ -41195,19 +40790,19 @@
           <a:p>
             <a:pPr lvl="1"/>
             <a:r>
-              <a:rPr lang="ko-KR" altLang="en-US" dirty="0" smtClean="0">
+              <a:rPr lang="ko-KR" altLang="en-US" dirty="0">
                 <a:latin typeface="+mn-ea"/>
               </a:rPr>
               <a:t>변경된 내용 확인후 </a:t>
             </a:r>
             <a:r>
-              <a:rPr lang="en-US" altLang="ko-KR" dirty="0" smtClean="0">
+              <a:rPr lang="en-US" altLang="ko-KR" dirty="0">
                 <a:latin typeface="+mn-ea"/>
               </a:rPr>
               <a:t>review </a:t>
             </a:r>
             <a:r>
-              <a:rPr lang="ko-KR" altLang="en-US" dirty="0" smtClean="0">
+              <a:rPr lang="ko-KR" altLang="en-US" dirty="0">
                 <a:latin typeface="+mn-ea"/>
               </a:rPr>
               <a:t>통보</a:t>
@@ -41570,56 +41165,51 @@
               <a:t>협업 활동 </a:t>
             </a:r>
             <a:r>
-              <a:rPr lang="en-US" altLang="ko-KR" dirty="0" smtClean="0"/>
+              <a:rPr lang="en-US" altLang="ko-KR" dirty="0"/>
               <a:t>(</a:t>
             </a:r>
             <a:r>
-              <a:rPr lang="ko-KR" altLang="en-US" dirty="0" smtClean="0"/>
-              <a:t>참여자</a:t>
-            </a:r>
-            <a:r>
-              <a:rPr lang="ko-KR" altLang="en-US" dirty="0" smtClean="0"/>
-              <a:t>에게 통보됨</a:t>
-            </a:r>
-            <a:r>
-              <a:rPr lang="en-US" altLang="ko-KR" dirty="0" smtClean="0"/>
+              <a:rPr lang="ko-KR" altLang="en-US" dirty="0"/>
+              <a:t>참여자에게 통보됨</a:t>
+            </a:r>
+            <a:r>
+              <a:rPr lang="en-US" altLang="ko-KR" dirty="0"/>
               <a:t>)</a:t>
             </a:r>
-            <a:endParaRPr lang="en-US" altLang="ko-KR" dirty="0"/>
           </a:p>
           <a:p>
             <a:pPr marL="620713" lvl="1" indent="-169863"/>
             <a:r>
-              <a:rPr lang="ko-KR" altLang="en-US" dirty="0" smtClean="0">
+              <a:rPr lang="ko-KR" altLang="en-US" dirty="0">
                 <a:latin typeface="+mn-ea"/>
               </a:rPr>
               <a:t>리더</a:t>
             </a:r>
             <a:r>
-              <a:rPr lang="en-US" altLang="ko-KR" dirty="0" smtClean="0">
+              <a:rPr lang="en-US" altLang="ko-KR" dirty="0">
                 <a:latin typeface="+mn-ea"/>
               </a:rPr>
               <a:t>(repository owner) </a:t>
             </a:r>
             <a:r>
-              <a:rPr lang="ko-KR" altLang="en-US" dirty="0" smtClean="0">
+              <a:rPr lang="ko-KR" altLang="en-US" dirty="0">
                 <a:latin typeface="+mn-ea"/>
               </a:rPr>
               <a:t>및 참여자에게</a:t>
             </a:r>
             <a:r>
-              <a:rPr lang="en-US" altLang="ko-KR" dirty="0" smtClean="0">
+              <a:rPr lang="en-US" altLang="ko-KR" dirty="0">
                 <a:latin typeface="+mn-ea"/>
               </a:rPr>
               <a:t> </a:t>
             </a:r>
             <a:r>
-              <a:rPr lang="ko-KR" altLang="en-US" dirty="0" smtClean="0">
+              <a:rPr lang="ko-KR" altLang="en-US" dirty="0">
                 <a:latin typeface="+mn-ea"/>
               </a:rPr>
               <a:t>통보</a:t>
             </a:r>
-            <a:endParaRPr lang="en-US" altLang="ko-KR" dirty="0" smtClean="0">
+            <a:endParaRPr lang="en-US" altLang="ko-KR" dirty="0">
               <a:latin typeface="+mn-ea"/>
             </a:endParaRPr>
           </a:p>
@@ -42175,19 +41765,19 @@
           <a:p>
             <a:pPr marL="620713" lvl="1" indent="-169863"/>
             <a:r>
-              <a:rPr lang="en-US" altLang="ko-KR" dirty="0" smtClean="0">
+              <a:rPr lang="en-US" altLang="ko-KR" dirty="0">
                 <a:latin typeface="+mn-ea"/>
               </a:rPr>
               <a:t>PR</a:t>
             </a:r>
             <a:r>
-              <a:rPr lang="ko-KR" altLang="en-US" dirty="0" smtClean="0">
+              <a:rPr lang="ko-KR" altLang="en-US" dirty="0">
                 <a:latin typeface="+mn-ea"/>
               </a:rPr>
               <a:t>화면에 들어가서 내용 확인</a:t>
             </a:r>
             <a:r>
-              <a:rPr lang="en-US" altLang="ko-KR" dirty="0" smtClean="0">
+              <a:rPr lang="en-US" altLang="ko-KR" dirty="0">
                 <a:latin typeface="+mn-ea"/>
               </a:rPr>
               <a:t>, </a:t>
@@ -42328,18 +41918,13 @@
           <a:p>
             <a:pPr algn="ctr"/>
             <a:r>
-              <a:rPr lang="ko-KR" altLang="en-US" sz="1400" dirty="0" smtClean="0">
+              <a:rPr lang="ko-KR" altLang="en-US" sz="1400" dirty="0">
                 <a:solidFill>
                   <a:srgbClr val="FF0000"/>
                 </a:solidFill>
               </a:rPr>
               <a:t>클릭</a:t>
             </a:r>
-            <a:endParaRPr lang="ko-KR" altLang="en-US" sz="1400" dirty="0">
-              <a:solidFill>
-                <a:srgbClr val="FF0000"/>
-              </a:solidFill>
-            </a:endParaRPr>
           </a:p>
         </p:txBody>
       </p:sp>
@@ -42737,18 +42322,18 @@
           <a:p>
             <a:pPr marL="620713" lvl="1" indent="-169863"/>
             <a:r>
-              <a:rPr lang="en-US" altLang="ko-KR" dirty="0" smtClean="0">
+              <a:rPr lang="en-US" altLang="ko-KR" dirty="0">
                 <a:latin typeface="+mn-ea"/>
               </a:rPr>
               <a:t>Merge </a:t>
             </a:r>
             <a:r>
-              <a:rPr lang="ko-KR" altLang="en-US" dirty="0" smtClean="0">
+              <a:rPr lang="ko-KR" altLang="en-US" dirty="0">
                 <a:latin typeface="+mn-ea"/>
               </a:rPr>
               <a:t>진행</a:t>
             </a:r>
-            <a:endParaRPr lang="en-US" altLang="ko-KR" dirty="0" smtClean="0">
+            <a:endParaRPr lang="en-US" altLang="ko-KR" dirty="0">
               <a:latin typeface="+mn-ea"/>
             </a:endParaRPr>
           </a:p>
@@ -43215,18 +42800,18 @@
           <a:p>
             <a:pPr marL="620713" lvl="1" indent="-169863"/>
             <a:r>
-              <a:rPr lang="en-US" altLang="ko-KR" dirty="0" smtClean="0">
+              <a:rPr lang="en-US" altLang="ko-KR" dirty="0">
                 <a:latin typeface="+mn-ea"/>
               </a:rPr>
               <a:t>Merge </a:t>
             </a:r>
             <a:r>
-              <a:rPr lang="ko-KR" altLang="en-US" dirty="0" smtClean="0">
+              <a:rPr lang="ko-KR" altLang="en-US" dirty="0">
                 <a:latin typeface="+mn-ea"/>
               </a:rPr>
               <a:t>진행</a:t>
             </a:r>
-            <a:endParaRPr lang="en-US" altLang="ko-KR" dirty="0" smtClean="0">
+            <a:endParaRPr lang="en-US" altLang="ko-KR" dirty="0">
               <a:latin typeface="+mn-ea"/>
             </a:endParaRPr>
           </a:p>
@@ -43634,30 +43219,30 @@
           <a:p>
             <a:pPr marL="620713" lvl="1" indent="-169863"/>
             <a:r>
-              <a:rPr lang="en-US" altLang="ko-KR" dirty="0" smtClean="0">
+              <a:rPr lang="en-US" altLang="ko-KR" dirty="0">
                 <a:latin typeface="+mn-ea"/>
               </a:rPr>
               <a:t>Merge </a:t>
             </a:r>
             <a:r>
-              <a:rPr lang="ko-KR" altLang="en-US" dirty="0" smtClean="0">
+              <a:rPr lang="ko-KR" altLang="en-US" dirty="0">
                 <a:latin typeface="+mn-ea"/>
               </a:rPr>
               <a:t>후 </a:t>
             </a:r>
             <a:r>
-              <a:rPr lang="ko-KR" altLang="en-US" dirty="0" err="1" smtClean="0">
+              <a:rPr lang="ko-KR" altLang="en-US" dirty="0" err="1">
                 <a:latin typeface="+mn-ea"/>
               </a:rPr>
               <a:t>브랜치</a:t>
             </a:r>
             <a:r>
-              <a:rPr lang="ko-KR" altLang="en-US" dirty="0" smtClean="0">
+              <a:rPr lang="ko-KR" altLang="en-US" dirty="0">
                 <a:latin typeface="+mn-ea"/>
               </a:rPr>
               <a:t> 삭제</a:t>
             </a:r>
-            <a:endParaRPr lang="en-US" altLang="ko-KR" dirty="0" smtClean="0">
+            <a:endParaRPr lang="en-US" altLang="ko-KR" dirty="0">
               <a:latin typeface="+mn-ea"/>
             </a:endParaRPr>
           </a:p>
@@ -44164,12 +43749,12 @@
           <a:p>
             <a:pPr marL="620713" lvl="1" indent="-169863"/>
             <a:r>
-              <a:rPr lang="ko-KR" altLang="en-US" dirty="0" smtClean="0">
-                <a:latin typeface="+mn-ea"/>
-              </a:rPr>
-              <a:t>새로운 내용을 대체 됨</a:t>
-            </a:r>
-            <a:endParaRPr lang="en-US" altLang="ko-KR" dirty="0" smtClean="0">
+              <a:rPr lang="ko-KR" altLang="en-US" dirty="0">
+                <a:latin typeface="+mn-ea"/>
+              </a:rPr>
+              <a:t>새로운 내용으로 대체 됨</a:t>
+            </a:r>
+            <a:endParaRPr lang="en-US" altLang="ko-KR" dirty="0">
               <a:latin typeface="+mn-ea"/>
             </a:endParaRPr>
           </a:p>
@@ -44395,18 +43980,13 @@
           <a:p>
             <a:pPr algn="ctr"/>
             <a:r>
-              <a:rPr lang="ko-KR" altLang="en-US" sz="1400" dirty="0" smtClean="0">
+              <a:rPr lang="ko-KR" altLang="en-US" sz="1400" dirty="0">
                 <a:solidFill>
                   <a:srgbClr val="0000FF"/>
                 </a:solidFill>
               </a:rPr>
               <a:t>이미 승인을 했기 때문에 언제든지 완료 가능</a:t>
             </a:r>
-            <a:endParaRPr lang="ko-KR" altLang="en-US" sz="1400" dirty="0">
-              <a:solidFill>
-                <a:srgbClr val="0000FF"/>
-              </a:solidFill>
-            </a:endParaRPr>
           </a:p>
         </p:txBody>
       </p:sp>
@@ -44747,74 +44327,69 @@
               <a:t>협업 활동 </a:t>
             </a:r>
             <a:r>
-              <a:rPr lang="en-US" altLang="ko-KR" dirty="0" smtClean="0"/>
+              <a:rPr lang="en-US" altLang="ko-KR" dirty="0"/>
               <a:t>(</a:t>
             </a:r>
             <a:r>
-              <a:rPr lang="ko-KR" altLang="en-US" dirty="0" smtClean="0"/>
-              <a:t>제안자</a:t>
-            </a:r>
-            <a:r>
-              <a:rPr lang="ko-KR" altLang="en-US" dirty="0" smtClean="0"/>
-              <a:t>에게 통보됨</a:t>
-            </a:r>
-            <a:r>
-              <a:rPr lang="en-US" altLang="ko-KR" dirty="0" smtClean="0"/>
+              <a:rPr lang="ko-KR" altLang="en-US" dirty="0"/>
+              <a:t>제안자에게 통보됨</a:t>
+            </a:r>
+            <a:r>
+              <a:rPr lang="en-US" altLang="ko-KR" dirty="0"/>
               <a:t>)</a:t>
             </a:r>
-            <a:endParaRPr lang="en-US" altLang="ko-KR" dirty="0"/>
           </a:p>
           <a:p>
             <a:pPr marL="620713" lvl="1" indent="-169863"/>
             <a:r>
-              <a:rPr lang="en-US" altLang="ko-KR" dirty="0" smtClean="0">
+              <a:rPr lang="en-US" altLang="ko-KR" dirty="0">
                 <a:latin typeface="+mn-ea"/>
               </a:rPr>
               <a:t>PR</a:t>
             </a:r>
             <a:r>
-              <a:rPr lang="ko-KR" altLang="en-US" dirty="0" smtClean="0">
+              <a:rPr lang="ko-KR" altLang="en-US" dirty="0">
                 <a:latin typeface="+mn-ea"/>
               </a:rPr>
               <a:t>한 사람</a:t>
             </a:r>
             <a:r>
-              <a:rPr lang="en-US" altLang="ko-KR" dirty="0" smtClean="0">
+              <a:rPr lang="en-US" altLang="ko-KR" dirty="0">
                 <a:latin typeface="+mn-ea"/>
               </a:rPr>
               <a:t>(</a:t>
             </a:r>
             <a:r>
-              <a:rPr lang="en-US" altLang="ko-KR" dirty="0" err="1" smtClean="0">
+              <a:rPr lang="en-US" altLang="ko-KR" dirty="0" err="1">
                 <a:latin typeface="+mn-ea"/>
               </a:rPr>
               <a:t>MaStoTest</a:t>
             </a:r>
             <a:r>
-              <a:rPr lang="en-US" altLang="ko-KR" dirty="0" smtClean="0">
+              <a:rPr lang="en-US" altLang="ko-KR" dirty="0">
                 <a:latin typeface="+mn-ea"/>
               </a:rPr>
               <a:t>)</a:t>
             </a:r>
             <a:r>
-              <a:rPr lang="ko-KR" altLang="en-US" dirty="0" smtClean="0">
+              <a:rPr lang="ko-KR" altLang="en-US" dirty="0">
                 <a:latin typeface="+mn-ea"/>
               </a:rPr>
               <a:t>에게</a:t>
             </a:r>
             <a:r>
-              <a:rPr lang="en-US" altLang="ko-KR" dirty="0" smtClean="0">
+              <a:rPr lang="en-US" altLang="ko-KR" dirty="0">
                 <a:latin typeface="+mn-ea"/>
               </a:rPr>
               <a:t> </a:t>
             </a:r>
             <a:r>
-              <a:rPr lang="ko-KR" altLang="en-US" dirty="0" smtClean="0">
+              <a:rPr lang="ko-KR" altLang="en-US" dirty="0">
                 <a:latin typeface="+mn-ea"/>
               </a:rPr>
               <a:t>통보</a:t>
             </a:r>
-            <a:endParaRPr lang="en-US" altLang="ko-KR" dirty="0" smtClean="0">
+            <a:endParaRPr lang="en-US" altLang="ko-KR" dirty="0">
               <a:latin typeface="+mn-ea"/>
             </a:endParaRPr>
           </a:p>

--- a/git및github첫걸음4-협업하기.pptx
+++ b/git및github첫걸음4-협업하기.pptx
@@ -5,7 +5,7 @@
     <p:sldMasterId id="2147483660" r:id="rId1"/>
   </p:sldMasterIdLst>
   <p:notesMasterIdLst>
-    <p:notesMasterId r:id="rId76"/>
+    <p:notesMasterId r:id="rId75"/>
   </p:notesMasterIdLst>
   <p:sldIdLst>
     <p:sldId id="404" r:id="rId2"/>
@@ -81,7 +81,6 @@
     <p:sldId id="455" r:id="rId72"/>
     <p:sldId id="459" r:id="rId73"/>
     <p:sldId id="460" r:id="rId74"/>
-    <p:sldId id="461" r:id="rId75"/>
   </p:sldIdLst>
   <p:sldSz cx="9144000" cy="6858000" type="screen4x3"/>
   <p:notesSz cx="6858000" cy="9144000"/>
@@ -281,7 +280,7 @@
           <a:p>
             <a:fld id="{A17B9194-BDE3-40E3-983E-94CE6FA773AF}" type="datetimeFigureOut">
               <a:rPr lang="ko-KR" altLang="en-US" smtClean="0"/>
-              <a:t>2021-04-11</a:t>
+              <a:t>2021-04-14</a:t>
             </a:fld>
             <a:endParaRPr lang="ko-KR" altLang="en-US"/>
           </a:p>
@@ -4370,65 +4369,57 @@
           <a:lstStyle/>
           <a:p>
             <a:r>
-              <a:rPr lang="en-US" altLang="ko-KR" dirty="0" smtClean="0"/>
+              <a:rPr lang="en-US" altLang="ko-KR" dirty="0"/>
               <a:t>Start</a:t>
             </a:r>
             <a:r>
-              <a:rPr lang="en-US" altLang="ko-KR" baseline="0" dirty="0" smtClean="0"/>
+              <a:rPr lang="en-US" altLang="ko-KR" baseline="0" dirty="0"/>
               <a:t> a review</a:t>
             </a:r>
             <a:r>
-              <a:rPr lang="ko-KR" altLang="en-US" baseline="0" dirty="0" smtClean="0"/>
-              <a:t>는 리뷰 할 것이 많이 있을 </a:t>
-            </a:r>
-            <a:r>
-              <a:rPr lang="ko-KR" altLang="en-US" baseline="0" dirty="0" smtClean="0"/>
-              <a:t>때 </a:t>
-            </a:r>
-            <a:r>
-              <a:rPr lang="ko-KR" altLang="en-US" baseline="0" dirty="0" smtClean="0"/>
-              <a:t>여러 가지를 한번에 하고 다음 쪽의 의견</a:t>
-            </a:r>
-            <a:r>
-              <a:rPr lang="en-US" altLang="ko-KR" baseline="0" dirty="0" smtClean="0"/>
+              <a:rPr lang="ko-KR" altLang="en-US" baseline="0" dirty="0"/>
+              <a:t>는 리뷰 할 것이 많이 있을 때 여러 가지를 한번에 하고 다음 쪽의 의견</a:t>
+            </a:r>
+            <a:r>
+              <a:rPr lang="en-US" altLang="ko-KR" baseline="0" dirty="0"/>
               <a:t>,, </a:t>
             </a:r>
             <a:r>
-              <a:rPr lang="ko-KR" altLang="en-US" baseline="0" dirty="0" err="1" smtClean="0"/>
+              <a:rPr lang="ko-KR" altLang="en-US" baseline="0" dirty="0" err="1"/>
               <a:t>승인등을</a:t>
             </a:r>
             <a:r>
-              <a:rPr lang="ko-KR" altLang="en-US" baseline="0" dirty="0" smtClean="0"/>
+              <a:rPr lang="ko-KR" altLang="en-US" baseline="0" dirty="0"/>
               <a:t> 결정하고 </a:t>
             </a:r>
             <a:r>
-              <a:rPr lang="en-US" altLang="ko-KR" baseline="0" dirty="0" err="1" smtClean="0"/>
+              <a:rPr lang="en-US" altLang="ko-KR" baseline="0" dirty="0" err="1"/>
               <a:t>sibmit</a:t>
             </a:r>
             <a:r>
-              <a:rPr lang="ko-KR" altLang="en-US" baseline="0" dirty="0" smtClean="0"/>
+              <a:rPr lang="ko-KR" altLang="en-US" baseline="0" dirty="0"/>
               <a:t>하게 되며</a:t>
             </a:r>
             <a:r>
-              <a:rPr lang="en-US" altLang="ko-KR" baseline="0" dirty="0" smtClean="0"/>
+              <a:rPr lang="en-US" altLang="ko-KR" baseline="0" dirty="0"/>
               <a:t>, </a:t>
             </a:r>
           </a:p>
           <a:p>
             <a:r>
-              <a:rPr lang="en-US" altLang="ko-KR" baseline="0" dirty="0" smtClean="0"/>
+              <a:rPr lang="en-US" altLang="ko-KR" baseline="0" dirty="0"/>
               <a:t>Add single comment</a:t>
             </a:r>
             <a:r>
-              <a:rPr lang="ko-KR" altLang="en-US" baseline="0" dirty="0" smtClean="0"/>
+              <a:rPr lang="ko-KR" altLang="en-US" baseline="0" dirty="0"/>
               <a:t>는 하나만 </a:t>
             </a:r>
             <a:r>
-              <a:rPr lang="ko-KR" altLang="en-US" baseline="0" dirty="0" err="1" smtClean="0"/>
+              <a:rPr lang="ko-KR" altLang="en-US" baseline="0" dirty="0" err="1"/>
               <a:t>커멘트하고</a:t>
             </a:r>
             <a:r>
-              <a:rPr lang="ko-KR" altLang="en-US" baseline="0" dirty="0" smtClean="0"/>
+              <a:rPr lang="ko-KR" altLang="en-US" baseline="0" dirty="0"/>
               <a:t> 완료</a:t>
             </a:r>
             <a:endParaRPr lang="ko-KR" altLang="en-US" dirty="0"/>
@@ -5711,15 +5702,15 @@
           <a:lstStyle/>
           <a:p>
             <a:r>
-              <a:rPr lang="ko-KR" altLang="en-US" dirty="0" smtClean="0"/>
+              <a:rPr lang="ko-KR" altLang="en-US" dirty="0"/>
               <a:t>참여자 모두에게 통보되는 지</a:t>
             </a:r>
             <a:r>
-              <a:rPr lang="ko-KR" altLang="en-US" baseline="0" dirty="0" smtClean="0"/>
+              <a:rPr lang="ko-KR" altLang="en-US" baseline="0" dirty="0"/>
               <a:t> 확인해야 함</a:t>
             </a:r>
             <a:r>
-              <a:rPr lang="en-US" altLang="ko-KR" baseline="0" dirty="0" smtClean="0"/>
+              <a:rPr lang="en-US" altLang="ko-KR" baseline="0" dirty="0"/>
               <a:t>.</a:t>
             </a:r>
             <a:endParaRPr lang="ko-KR" altLang="en-US" dirty="0"/>
@@ -6143,34 +6134,29 @@
           <a:lstStyle/>
           <a:p>
             <a:r>
-              <a:rPr lang="ko-KR" altLang="en-US" dirty="0" smtClean="0"/>
+              <a:rPr lang="ko-KR" altLang="en-US" dirty="0"/>
               <a:t>내용이 바뀐 것을 확인하고</a:t>
             </a:r>
             <a:r>
-              <a:rPr lang="en-US" altLang="ko-KR" dirty="0" smtClean="0"/>
+              <a:rPr lang="en-US" altLang="ko-KR" dirty="0"/>
               <a:t>, </a:t>
             </a:r>
             <a:r>
-              <a:rPr lang="ko-KR" altLang="en-US" dirty="0" err="1" smtClean="0"/>
+              <a:rPr lang="ko-KR" altLang="en-US" dirty="0" err="1"/>
               <a:t>브랜치가</a:t>
             </a:r>
             <a:r>
-              <a:rPr lang="ko-KR" altLang="en-US" dirty="0" smtClean="0"/>
+              <a:rPr lang="ko-KR" altLang="en-US" dirty="0"/>
               <a:t> </a:t>
             </a:r>
             <a:r>
-              <a:rPr lang="en-US" altLang="ko-KR" dirty="0" smtClean="0"/>
+              <a:rPr lang="en-US" altLang="ko-KR" dirty="0"/>
               <a:t>2</a:t>
             </a:r>
             <a:r>
-              <a:rPr lang="ko-KR" altLang="en-US" dirty="0" smtClean="0"/>
-              <a:t>개 있는 것을 확</a:t>
-            </a:r>
-            <a:r>
-              <a:rPr lang="ko-KR" altLang="en-US" dirty="0" smtClean="0"/>
-              <a:t>인</a:t>
-            </a:r>
-            <a:endParaRPr lang="ko-KR" altLang="en-US" dirty="0"/>
+              <a:rPr lang="ko-KR" altLang="en-US" dirty="0"/>
+              <a:t>개 있는 것을 확인</a:t>
+            </a:r>
           </a:p>
         </p:txBody>
       </p:sp>
@@ -6440,19 +6426,19 @@
               <a:defRPr/>
             </a:pPr>
             <a:r>
-              <a:rPr lang="ko-KR" altLang="en-US" dirty="0" smtClean="0"/>
+              <a:rPr lang="ko-KR" altLang="en-US" dirty="0"/>
               <a:t>리더가 과제수행하는 과정도 해야 하나 방법은 동일하기 때문에 </a:t>
             </a:r>
             <a:r>
-              <a:rPr lang="ko-KR" altLang="en-US" dirty="0" err="1" smtClean="0"/>
+              <a:rPr lang="ko-KR" altLang="en-US" dirty="0" err="1"/>
               <a:t>스킾하고</a:t>
             </a:r>
             <a:r>
-              <a:rPr lang="ko-KR" altLang="en-US" dirty="0" smtClean="0"/>
+              <a:rPr lang="ko-KR" altLang="en-US" dirty="0"/>
               <a:t> 여기까지만 진행하고 협업 프로세스 진행 끝</a:t>
             </a:r>
             <a:r>
-              <a:rPr lang="en-US" altLang="ko-KR" dirty="0" smtClean="0"/>
+              <a:rPr lang="en-US" altLang="ko-KR" dirty="0"/>
               <a:t>. </a:t>
             </a:r>
           </a:p>
@@ -6475,35 +6461,35 @@
               <a:defRPr/>
             </a:pPr>
             <a:r>
-              <a:rPr lang="en-US" altLang="ko-KR" dirty="0" err="1" smtClean="0"/>
+              <a:rPr lang="en-US" altLang="ko-KR" dirty="0" err="1"/>
               <a:t>Gitflow</a:t>
             </a:r>
             <a:r>
-              <a:rPr lang="en-US" altLang="ko-KR" dirty="0" smtClean="0"/>
+              <a:rPr lang="en-US" altLang="ko-KR" dirty="0"/>
               <a:t> </a:t>
             </a:r>
             <a:r>
-              <a:rPr lang="ko-KR" altLang="en-US" dirty="0" smtClean="0"/>
+              <a:rPr lang="ko-KR" altLang="en-US" dirty="0"/>
               <a:t>프로세스가 있으나</a:t>
             </a:r>
             <a:r>
-              <a:rPr lang="en-US" altLang="ko-KR" dirty="0" smtClean="0"/>
+              <a:rPr lang="en-US" altLang="ko-KR" dirty="0"/>
               <a:t>, </a:t>
             </a:r>
             <a:r>
-              <a:rPr lang="ko-KR" altLang="en-US" dirty="0" smtClean="0"/>
+              <a:rPr lang="ko-KR" altLang="en-US" dirty="0"/>
               <a:t>과정은 </a:t>
             </a:r>
             <a:r>
-              <a:rPr lang="ko-KR" altLang="en-US" dirty="0" err="1" smtClean="0"/>
+              <a:rPr lang="ko-KR" altLang="en-US" dirty="0" err="1"/>
               <a:t>대동소이하므로</a:t>
             </a:r>
             <a:r>
-              <a:rPr lang="ko-KR" altLang="en-US" dirty="0" smtClean="0"/>
+              <a:rPr lang="ko-KR" altLang="en-US" dirty="0"/>
               <a:t> 추후에 실무에서 사용하면서 익히면 됨</a:t>
             </a:r>
             <a:r>
-              <a:rPr lang="en-US" altLang="ko-KR" dirty="0" smtClean="0"/>
+              <a:rPr lang="en-US" altLang="ko-KR" dirty="0"/>
               <a:t>. </a:t>
             </a:r>
             <a:endParaRPr lang="ko-KR" altLang="en-US" dirty="0"/>
@@ -6759,10 +6745,9 @@
           <a:lstStyle/>
           <a:p>
             <a:r>
-              <a:rPr lang="ko-KR" altLang="en-US" dirty="0" smtClean="0"/>
+              <a:rPr lang="ko-KR" altLang="en-US" dirty="0"/>
               <a:t>한 개의 메일로 진행 내용을 다 볼 수 있음 </a:t>
             </a:r>
-            <a:endParaRPr lang="ko-KR" altLang="en-US" dirty="0"/>
           </a:p>
         </p:txBody>
       </p:sp>
@@ -6961,90 +6946,6 @@
     <p:extLst>
       <p:ext uri="{BB962C8B-B14F-4D97-AF65-F5344CB8AC3E}">
         <p14:creationId xmlns:p14="http://schemas.microsoft.com/office/powerpoint/2010/main" val="3080375124"/>
-      </p:ext>
-    </p:extLst>
-  </p:cSld>
-  <p:clrMapOvr>
-    <a:masterClrMapping/>
-  </p:clrMapOvr>
-</p:notes>
-</file>
-
-<file path=ppt/notesSlides/notesSlide73.xml><?xml version="1.0" encoding="utf-8"?>
-<p:notes xmlns:a="http://schemas.openxmlformats.org/drawingml/2006/main" xmlns:r="http://schemas.openxmlformats.org/officeDocument/2006/relationships" xmlns:p="http://schemas.openxmlformats.org/presentationml/2006/main">
-  <p:cSld>
-    <p:spTree>
-      <p:nvGrpSpPr>
-        <p:cNvPr id="1" name=""/>
-        <p:cNvGrpSpPr/>
-        <p:nvPr/>
-      </p:nvGrpSpPr>
-      <p:grpSpPr>
-        <a:xfrm>
-          <a:off x="0" y="0"/>
-          <a:ext cx="0" cy="0"/>
-          <a:chOff x="0" y="0"/>
-          <a:chExt cx="0" cy="0"/>
-        </a:xfrm>
-      </p:grpSpPr>
-      <p:sp>
-        <p:nvSpPr>
-          <p:cNvPr id="2" name="슬라이드 이미지 개체 틀 1"/>
-          <p:cNvSpPr>
-            <a:spLocks noGrp="1" noRot="1" noChangeAspect="1"/>
-          </p:cNvSpPr>
-          <p:nvPr>
-            <p:ph type="sldImg"/>
-          </p:nvPr>
-        </p:nvSpPr>
-        <p:spPr/>
-      </p:sp>
-      <p:sp>
-        <p:nvSpPr>
-          <p:cNvPr id="3" name="슬라이드 노트 개체 틀 2"/>
-          <p:cNvSpPr>
-            <a:spLocks noGrp="1"/>
-          </p:cNvSpPr>
-          <p:nvPr>
-            <p:ph type="body" idx="1"/>
-          </p:nvPr>
-        </p:nvSpPr>
-        <p:spPr/>
-        <p:txBody>
-          <a:bodyPr/>
-          <a:lstStyle/>
-          <a:p>
-            <a:endParaRPr lang="ko-KR" altLang="en-US" dirty="0"/>
-          </a:p>
-        </p:txBody>
-      </p:sp>
-      <p:sp>
-        <p:nvSpPr>
-          <p:cNvPr id="4" name="슬라이드 번호 개체 틀 3"/>
-          <p:cNvSpPr>
-            <a:spLocks noGrp="1"/>
-          </p:cNvSpPr>
-          <p:nvPr>
-            <p:ph type="sldNum" sz="quarter" idx="10"/>
-          </p:nvPr>
-        </p:nvSpPr>
-        <p:spPr/>
-        <p:txBody>
-          <a:bodyPr/>
-          <a:lstStyle/>
-          <a:p>
-            <a:fld id="{625D4AC4-540A-4436-887D-BF6A8FCF1275}" type="slidenum">
-              <a:rPr lang="ko-KR" altLang="en-US" smtClean="0"/>
-              <a:t>74</a:t>
-            </a:fld>
-            <a:endParaRPr lang="ko-KR" altLang="en-US"/>
-          </a:p>
-        </p:txBody>
-      </p:sp>
-    </p:spTree>
-    <p:extLst>
-      <p:ext uri="{BB962C8B-B14F-4D97-AF65-F5344CB8AC3E}">
-        <p14:creationId xmlns:p14="http://schemas.microsoft.com/office/powerpoint/2010/main" val="3784511040"/>
       </p:ext>
     </p:extLst>
   </p:cSld>
@@ -7785,7 +7686,7 @@
           <a:p>
             <a:fld id="{30E72A5D-AC2D-4154-80BD-D3C3745E4EB5}" type="datetimeFigureOut">
               <a:rPr lang="ko-KR" altLang="en-US" smtClean="0"/>
-              <a:t>2021-04-11</a:t>
+              <a:t>2021-04-14</a:t>
             </a:fld>
             <a:endParaRPr lang="ko-KR" altLang="en-US"/>
           </a:p>
@@ -7998,7 +7899,7 @@
           <a:p>
             <a:fld id="{30E72A5D-AC2D-4154-80BD-D3C3745E4EB5}" type="datetimeFigureOut">
               <a:rPr lang="ko-KR" altLang="en-US" smtClean="0"/>
-              <a:t>2021-04-11</a:t>
+              <a:t>2021-04-14</a:t>
             </a:fld>
             <a:endParaRPr lang="ko-KR" altLang="en-US"/>
           </a:p>
@@ -22161,12 +22062,6 @@
               </a:rPr>
               <a:t>으로 </a:t>
             </a:r>
-            <a:r>
-              <a:rPr lang="en-US" altLang="ko-KR" dirty="0">
-                <a:latin typeface="+mn-ea"/>
-              </a:rPr>
-              <a:t/>
-            </a:r>
             <a:br>
               <a:rPr lang="en-US" altLang="ko-KR" dirty="0">
                 <a:latin typeface="+mn-ea"/>
@@ -37867,58 +37762,50 @@
                   <a:srgbClr val="0000FF"/>
                 </a:solidFill>
               </a:rPr>
-              <a:t> </a:t>
-            </a:r>
-            <a:r>
-              <a:rPr lang="ko-KR" altLang="en-US" sz="1400" dirty="0" smtClean="0">
+              <a:t> 두개 </a:t>
+            </a:r>
+            <a:r>
+              <a:rPr lang="en-US" altLang="ko-KR" sz="1400" dirty="0">
                 <a:solidFill>
                   <a:srgbClr val="0000FF"/>
                 </a:solidFill>
               </a:rPr>
-              <a:t>두개 </a:t>
-            </a:r>
-            <a:r>
-              <a:rPr lang="en-US" altLang="ko-KR" sz="1400" dirty="0" smtClean="0">
+              <a:t>(</a:t>
+            </a:r>
+            <a:r>
+              <a:rPr lang="ko-KR" altLang="en-US" sz="1400" dirty="0">
                 <a:solidFill>
                   <a:srgbClr val="0000FF"/>
                 </a:solidFill>
               </a:rPr>
-              <a:t>(</a:t>
-            </a:r>
-            <a:r>
-              <a:rPr lang="ko-KR" altLang="en-US" sz="1400" dirty="0" smtClean="0">
+              <a:t>최초</a:t>
+            </a:r>
+            <a:r>
+              <a:rPr lang="en-US" altLang="ko-KR" sz="1400" dirty="0">
                 <a:solidFill>
                   <a:srgbClr val="0000FF"/>
                 </a:solidFill>
               </a:rPr>
-              <a:t>최초</a:t>
-            </a:r>
-            <a:r>
-              <a:rPr lang="en-US" altLang="ko-KR" sz="1400" dirty="0" smtClean="0">
+              <a:t>, </a:t>
+            </a:r>
+            <a:r>
+              <a:rPr lang="ko-KR" altLang="en-US" sz="1400" dirty="0">
                 <a:solidFill>
                   <a:srgbClr val="0000FF"/>
                 </a:solidFill>
               </a:rPr>
-              <a:t>, </a:t>
-            </a:r>
-            <a:r>
-              <a:rPr lang="ko-KR" altLang="en-US" sz="1400" dirty="0" smtClean="0">
+              <a:t>수정</a:t>
+            </a:r>
+            <a:r>
+              <a:rPr lang="en-US" altLang="ko-KR" sz="1400" dirty="0">
                 <a:solidFill>
                   <a:srgbClr val="0000FF"/>
                 </a:solidFill>
               </a:rPr>
-              <a:t>수정</a:t>
-            </a:r>
-            <a:r>
-              <a:rPr lang="en-US" altLang="ko-KR" sz="1400" dirty="0" smtClean="0">
-                <a:solidFill>
-                  <a:srgbClr val="0000FF"/>
-                </a:solidFill>
-              </a:rPr>
               <a:t>)</a:t>
             </a:r>
             <a:r>
-              <a:rPr lang="ko-KR" altLang="en-US" sz="1400" dirty="0" smtClean="0">
+              <a:rPr lang="ko-KR" altLang="en-US" sz="1400" dirty="0">
                 <a:solidFill>
                   <a:srgbClr val="0000FF"/>
                 </a:solidFill>
@@ -39548,22 +39435,16 @@
               <a:rPr lang="en-US" altLang="ko-KR" dirty="0">
                 <a:latin typeface="+mn-ea"/>
               </a:rPr>
-              <a:t>(repository owner</a:t>
-            </a:r>
-            <a:r>
-              <a:rPr lang="en-US" altLang="ko-KR" dirty="0" smtClean="0">
-                <a:latin typeface="+mn-ea"/>
-              </a:rPr>
-              <a:t>) </a:t>
-            </a:r>
-            <a:r>
-              <a:rPr lang="ko-KR" altLang="en-US" dirty="0" smtClean="0">
+              <a:t>(repository owner) </a:t>
+            </a:r>
+            <a:r>
+              <a:rPr lang="ko-KR" altLang="en-US" dirty="0">
                 <a:latin typeface="+mn-ea"/>
               </a:rPr>
               <a:t>및 참여자에게</a:t>
             </a:r>
             <a:r>
-              <a:rPr lang="en-US" altLang="ko-KR" dirty="0" smtClean="0">
+              <a:rPr lang="en-US" altLang="ko-KR" dirty="0">
                 <a:latin typeface="+mn-ea"/>
               </a:rPr>
               <a:t> </a:t>
@@ -40337,7 +40218,7 @@
           <a:lstStyle/>
           <a:p>
             <a:r>
-              <a:rPr lang="ko-KR" altLang="en-US" sz="1400" dirty="0" smtClean="0">
+              <a:rPr lang="ko-KR" altLang="en-US" sz="1400" dirty="0">
                 <a:solidFill>
                   <a:srgbClr val="FF0000"/>
                 </a:solidFill>
@@ -40345,7 +40226,7 @@
               <a:t>클릭 하면 </a:t>
             </a:r>
             <a:r>
-              <a:rPr lang="en-US" altLang="ko-KR" sz="1400" dirty="0" smtClean="0">
+              <a:rPr lang="en-US" altLang="ko-KR" sz="1400" dirty="0">
                 <a:solidFill>
                   <a:srgbClr val="FF0000"/>
                 </a:solidFill>
@@ -40353,18 +40234,13 @@
               <a:t>Merge PR</a:t>
             </a:r>
             <a:r>
-              <a:rPr lang="ko-KR" altLang="en-US" sz="1400" dirty="0" smtClean="0">
+              <a:rPr lang="ko-KR" altLang="en-US" sz="1400" dirty="0">
                 <a:solidFill>
                   <a:srgbClr val="FF0000"/>
                 </a:solidFill>
               </a:rPr>
               <a:t>로 넘어감</a:t>
             </a:r>
-            <a:endParaRPr lang="ko-KR" altLang="en-US" sz="1400" dirty="0">
-              <a:solidFill>
-                <a:srgbClr val="FF0000"/>
-              </a:solidFill>
-            </a:endParaRPr>
           </a:p>
         </p:txBody>
       </p:sp>
@@ -41671,41 +41547,26 @@
               <a:rPr lang="ko-KR" altLang="en-US" dirty="0">
                 <a:latin typeface="+mn-ea"/>
               </a:rPr>
-              <a:t> </a:t>
-            </a:r>
-            <a:r>
-              <a:rPr lang="ko-KR" altLang="en-US" dirty="0" smtClean="0">
-                <a:latin typeface="+mn-ea"/>
-              </a:rPr>
-              <a:t>삭제 </a:t>
-            </a:r>
-            <a:r>
-              <a:rPr lang="en-US" altLang="ko-KR" dirty="0" smtClean="0">
+              <a:t> 삭제 </a:t>
+            </a:r>
+            <a:r>
+              <a:rPr lang="en-US" altLang="ko-KR" dirty="0">
                 <a:latin typeface="+mn-ea"/>
               </a:rPr>
               <a:t>(</a:t>
             </a:r>
             <a:r>
-              <a:rPr lang="ko-KR" altLang="en-US" dirty="0" smtClean="0">
-                <a:latin typeface="+mn-ea"/>
-              </a:rPr>
-              <a:t>하면 좋지만</a:t>
-            </a:r>
-            <a:r>
-              <a:rPr lang="ko-KR" altLang="en-US" dirty="0" smtClean="0">
-                <a:latin typeface="+mn-ea"/>
-              </a:rPr>
-              <a:t> 하지 말고 넘어 갑시다</a:t>
-            </a:r>
-            <a:r>
-              <a:rPr lang="en-US" altLang="ko-KR" dirty="0" smtClean="0">
+              <a:rPr lang="ko-KR" altLang="en-US" dirty="0">
+                <a:latin typeface="+mn-ea"/>
+              </a:rPr>
+              <a:t>하면 좋지만 하지 말고 넘어 갑시다</a:t>
+            </a:r>
+            <a:r>
+              <a:rPr lang="en-US" altLang="ko-KR" dirty="0">
                 <a:latin typeface="+mn-ea"/>
               </a:rPr>
               <a:t>)</a:t>
             </a:r>
-            <a:endParaRPr lang="en-US" altLang="ko-KR" dirty="0">
-              <a:latin typeface="+mn-ea"/>
-            </a:endParaRPr>
           </a:p>
           <a:p>
             <a:pPr marL="609600" lvl="1" indent="-158750">
@@ -41897,7 +41758,7 @@
           <a:p>
             <a:pPr algn="ctr"/>
             <a:r>
-              <a:rPr lang="ko-KR" altLang="en-US" sz="1400" dirty="0" smtClean="0">
+              <a:rPr lang="ko-KR" altLang="en-US" sz="1400" dirty="0">
                 <a:solidFill>
                   <a:srgbClr val="0000FF"/>
                 </a:solidFill>
@@ -41905,7 +41766,7 @@
               <a:t>연습을 위해 삭제하지 말고 다음으로</a:t>
             </a:r>
             <a:r>
-              <a:rPr lang="en-US" altLang="ko-KR" sz="1400" dirty="0" smtClean="0">
+              <a:rPr lang="en-US" altLang="ko-KR" sz="1400" dirty="0">
                 <a:solidFill>
                   <a:srgbClr val="0000FF"/>
                 </a:solidFill>
@@ -42817,13 +42678,13 @@
           <a:p>
             <a:pPr marL="620713" lvl="1" indent="-169863"/>
             <a:r>
-              <a:rPr lang="ko-KR" altLang="en-US" dirty="0" err="1" smtClean="0">
+              <a:rPr lang="ko-KR" altLang="en-US" dirty="0" err="1">
                 <a:latin typeface="+mn-ea"/>
               </a:rPr>
               <a:t>브랜치</a:t>
             </a:r>
             <a:r>
-              <a:rPr lang="ko-KR" altLang="en-US" dirty="0" smtClean="0">
+              <a:rPr lang="ko-KR" altLang="en-US" dirty="0">
                 <a:latin typeface="+mn-ea"/>
               </a:rPr>
               <a:t> 삭제</a:t>
@@ -43207,11 +43068,11 @@
               <a:t>(collaborator : </a:t>
             </a:r>
             <a:r>
-              <a:rPr lang="en-US" altLang="ko-KR" dirty="0" err="1" smtClean="0"/>
+              <a:rPr lang="en-US" altLang="ko-KR" dirty="0" err="1"/>
               <a:t>MaStoTest</a:t>
             </a:r>
             <a:r>
-              <a:rPr lang="en-US" altLang="ko-KR" dirty="0" smtClean="0"/>
+              <a:rPr lang="en-US" altLang="ko-KR" dirty="0"/>
               <a:t>) </a:t>
             </a:r>
             <a:endParaRPr lang="en-US" altLang="ko-KR" dirty="0">
@@ -43223,22 +43084,16 @@
           <a:p>
             <a:pPr marL="620713" lvl="1" indent="-169863"/>
             <a:r>
-              <a:rPr lang="ko-KR" altLang="en-US" dirty="0" err="1" smtClean="0">
+              <a:rPr lang="ko-KR" altLang="en-US" dirty="0" err="1">
                 <a:latin typeface="+mn-ea"/>
               </a:rPr>
               <a:t>브랜치</a:t>
             </a:r>
             <a:r>
-              <a:rPr lang="ko-KR" altLang="en-US" dirty="0" smtClean="0">
-                <a:latin typeface="+mn-ea"/>
-              </a:rPr>
-              <a:t> 만든 사람에게만 </a:t>
-            </a:r>
-            <a:r>
-              <a:rPr lang="ko-KR" altLang="en-US" dirty="0" smtClean="0">
-                <a:latin typeface="+mn-ea"/>
-              </a:rPr>
-              <a:t>보임</a:t>
+              <a:rPr lang="ko-KR" altLang="en-US" dirty="0">
+                <a:latin typeface="+mn-ea"/>
+              </a:rPr>
+              <a:t> 만든 사람에게만 보임</a:t>
             </a:r>
             <a:endParaRPr lang="en-US" altLang="ko-KR" dirty="0">
               <a:latin typeface="+mn-ea"/>
@@ -43670,11 +43525,11 @@
               <a:t>(collaborator : </a:t>
             </a:r>
             <a:r>
-              <a:rPr lang="en-US" altLang="ko-KR" dirty="0" err="1" smtClean="0"/>
+              <a:rPr lang="en-US" altLang="ko-KR" dirty="0" err="1"/>
               <a:t>MaStoTest</a:t>
             </a:r>
             <a:r>
-              <a:rPr lang="en-US" altLang="ko-KR" dirty="0" smtClean="0"/>
+              <a:rPr lang="en-US" altLang="ko-KR" dirty="0"/>
               <a:t>) </a:t>
             </a:r>
             <a:endParaRPr lang="en-US" altLang="ko-KR" dirty="0">
@@ -43686,20 +43541,17 @@
           <a:p>
             <a:pPr marL="620713" lvl="1" indent="-169863"/>
             <a:r>
-              <a:rPr lang="ko-KR" altLang="en-US" dirty="0" smtClean="0">
+              <a:rPr lang="ko-KR" altLang="en-US" dirty="0">
                 <a:latin typeface="+mn-ea"/>
               </a:rPr>
               <a:t>삭제해도 언제든지 되살릴 수 있음</a:t>
             </a:r>
             <a:r>
-              <a:rPr lang="en-US" altLang="ko-KR" dirty="0" smtClean="0">
+              <a:rPr lang="en-US" altLang="ko-KR" dirty="0">
                 <a:latin typeface="+mn-ea"/>
               </a:rPr>
               <a:t>.</a:t>
             </a:r>
-            <a:endParaRPr lang="en-US" altLang="ko-KR" dirty="0">
-              <a:latin typeface="+mn-ea"/>
-            </a:endParaRPr>
           </a:p>
           <a:p>
             <a:pPr marL="450850" lvl="1" indent="0">
@@ -43783,7 +43635,7 @@
           <a:p>
             <a:pPr algn="ctr"/>
             <a:r>
-              <a:rPr lang="en-US" altLang="ko-KR" sz="1400" dirty="0" smtClean="0">
+              <a:rPr lang="en-US" altLang="ko-KR" sz="1400" dirty="0">
                 <a:solidFill>
                   <a:srgbClr val="0000FF"/>
                 </a:solidFill>
@@ -43793,36 +43645,12 @@
               <a:t>※ </a:t>
             </a:r>
             <a:r>
-              <a:rPr lang="ko-KR" altLang="en-US" sz="1400" dirty="0" smtClean="0">
-                <a:solidFill>
-                  <a:srgbClr val="0000FF"/>
-                </a:solidFill>
-              </a:rPr>
-              <a:t>이 화면이 변경된 이후에 </a:t>
-            </a:r>
-            <a:r>
-              <a:rPr lang="en-US" altLang="ko-KR" sz="1400" dirty="0" smtClean="0">
-                <a:solidFill>
-                  <a:srgbClr val="0000FF"/>
-                </a:solidFill>
-              </a:rPr>
-              <a:t>restore</a:t>
-            </a:r>
-            <a:r>
-              <a:rPr lang="ko-KR" altLang="en-US" sz="1400" dirty="0" smtClean="0">
-                <a:solidFill>
-                  <a:srgbClr val="0000FF"/>
-                </a:solidFill>
-              </a:rPr>
-              <a:t>하기 </a:t>
-            </a:r>
-            <a:r>
               <a:rPr lang="ko-KR" altLang="en-US" sz="1400" dirty="0">
                 <a:solidFill>
                   <a:srgbClr val="0000FF"/>
                 </a:solidFill>
               </a:rPr>
-              <a:t>위하여는 </a:t>
+              <a:t>이 화면이 변경된 이후에 </a:t>
             </a:r>
             <a:r>
               <a:rPr lang="en-US" altLang="ko-KR" sz="1400" dirty="0">
@@ -43830,7 +43658,7 @@
                   <a:srgbClr val="0000FF"/>
                 </a:solidFill>
               </a:rPr>
-              <a:t>pull requests </a:t>
+              <a:t>restore</a:t>
             </a:r>
             <a:r>
               <a:rPr lang="ko-KR" altLang="en-US" sz="1400" dirty="0">
@@ -43838,15 +43666,15 @@
                   <a:srgbClr val="0000FF"/>
                 </a:solidFill>
               </a:rPr>
-              <a:t>클릭 </a:t>
-            </a:r>
-            <a:r>
-              <a:rPr lang="en-US" altLang="ko-KR" sz="1400" dirty="0" smtClean="0">
+              <a:t>하기 위하여는 </a:t>
+            </a:r>
+            <a:r>
+              <a:rPr lang="en-US" altLang="ko-KR" sz="1400" dirty="0">
                 <a:solidFill>
                   <a:srgbClr val="0000FF"/>
                 </a:solidFill>
               </a:rPr>
-              <a:t>→closed</a:t>
+              <a:t>pull requests </a:t>
             </a:r>
             <a:r>
               <a:rPr lang="ko-KR" altLang="en-US" sz="1400" dirty="0">
@@ -43854,7 +43682,7 @@
                   <a:srgbClr val="0000FF"/>
                 </a:solidFill>
               </a:rPr>
-              <a:t>된 </a:t>
+              <a:t>클릭 </a:t>
             </a:r>
             <a:r>
               <a:rPr lang="en-US" altLang="ko-KR" sz="1400" dirty="0">
@@ -43862,7 +43690,7 @@
                   <a:srgbClr val="0000FF"/>
                 </a:solidFill>
               </a:rPr>
-              <a:t>PR</a:t>
+              <a:t>→closed</a:t>
             </a:r>
             <a:r>
               <a:rPr lang="ko-KR" altLang="en-US" sz="1400" dirty="0">
@@ -43870,7 +43698,7 @@
                   <a:srgbClr val="0000FF"/>
                 </a:solidFill>
               </a:rPr>
-              <a:t>번호 클릭 </a:t>
+              <a:t>된 </a:t>
             </a:r>
             <a:r>
               <a:rPr lang="en-US" altLang="ko-KR" sz="1400" dirty="0">
@@ -43878,15 +43706,7 @@
                   <a:srgbClr val="0000FF"/>
                 </a:solidFill>
               </a:rPr>
-              <a:t>→ </a:t>
-            </a:r>
-            <a:r>
-              <a:rPr lang="ko-KR" altLang="en-US" sz="1400" dirty="0" smtClean="0">
-                <a:solidFill>
-                  <a:srgbClr val="0000FF"/>
-                </a:solidFill>
-              </a:rPr>
-              <a:t>맨 </a:t>
+              <a:t>PR</a:t>
             </a:r>
             <a:r>
               <a:rPr lang="ko-KR" altLang="en-US" sz="1400" dirty="0">
@@ -43894,7 +43714,23 @@
                   <a:srgbClr val="0000FF"/>
                 </a:solidFill>
               </a:rPr>
-              <a:t>밑에 </a:t>
+              <a:t>번호 클릭 </a:t>
+            </a:r>
+            <a:r>
+              <a:rPr lang="en-US" altLang="ko-KR" sz="1400" dirty="0">
+                <a:solidFill>
+                  <a:srgbClr val="0000FF"/>
+                </a:solidFill>
+              </a:rPr>
+              <a:t>→ </a:t>
+            </a:r>
+            <a:r>
+              <a:rPr lang="ko-KR" altLang="en-US" sz="1400" dirty="0">
+                <a:solidFill>
+                  <a:srgbClr val="0000FF"/>
+                </a:solidFill>
+              </a:rPr>
+              <a:t>맨 밑에 </a:t>
             </a:r>
             <a:r>
               <a:rPr lang="en-US" altLang="ko-KR" sz="1400" dirty="0">
@@ -44527,19 +44363,19 @@
           <a:lstStyle/>
           <a:p>
             <a:r>
-              <a:rPr lang="ko-KR" altLang="en-US" dirty="0" smtClean="0"/>
+              <a:rPr lang="ko-KR" altLang="en-US" dirty="0"/>
               <a:t>과제 내용 확인하기</a:t>
             </a:r>
             <a:r>
-              <a:rPr lang="en-US" altLang="ko-KR" dirty="0" smtClean="0"/>
+              <a:rPr lang="en-US" altLang="ko-KR" dirty="0"/>
               <a:t>(navigate </a:t>
             </a:r>
             <a:r>
-              <a:rPr lang="ko-KR" altLang="en-US" dirty="0" smtClean="0"/>
+              <a:rPr lang="ko-KR" altLang="en-US" dirty="0"/>
               <a:t>하기</a:t>
             </a:r>
             <a:r>
-              <a:rPr lang="en-US" altLang="ko-KR" dirty="0" smtClean="0"/>
+              <a:rPr lang="en-US" altLang="ko-KR" dirty="0"/>
               <a:t>)</a:t>
             </a:r>
             <a:endParaRPr lang="ko-KR" altLang="en-US" dirty="0"/>
@@ -44593,18 +44429,13 @@
           <a:lstStyle/>
           <a:p>
             <a:r>
-              <a:rPr lang="ko-KR" altLang="en-US" dirty="0" smtClean="0">
+              <a:rPr lang="ko-KR" altLang="en-US" dirty="0">
                 <a:solidFill>
                   <a:srgbClr val="0000FF"/>
                 </a:solidFill>
               </a:rPr>
               <a:t>①</a:t>
             </a:r>
-            <a:endParaRPr lang="ko-KR" altLang="en-US" dirty="0">
-              <a:solidFill>
-                <a:srgbClr val="0000FF"/>
-              </a:solidFill>
-            </a:endParaRPr>
           </a:p>
         </p:txBody>
       </p:sp>
@@ -44631,18 +44462,13 @@
           <a:lstStyle/>
           <a:p>
             <a:r>
-              <a:rPr lang="ko-KR" altLang="en-US" dirty="0" smtClean="0">
+              <a:rPr lang="ko-KR" altLang="en-US" dirty="0">
                 <a:solidFill>
                   <a:srgbClr val="0000FF"/>
                 </a:solidFill>
               </a:rPr>
               <a:t>②</a:t>
             </a:r>
-            <a:endParaRPr lang="ko-KR" altLang="en-US" dirty="0">
-              <a:solidFill>
-                <a:srgbClr val="0000FF"/>
-              </a:solidFill>
-            </a:endParaRPr>
           </a:p>
         </p:txBody>
       </p:sp>
@@ -44669,18 +44495,13 @@
           <a:lstStyle/>
           <a:p>
             <a:r>
-              <a:rPr lang="ko-KR" altLang="en-US" dirty="0" smtClean="0">
+              <a:rPr lang="ko-KR" altLang="en-US" dirty="0">
                 <a:solidFill>
                   <a:srgbClr val="0000FF"/>
                 </a:solidFill>
               </a:rPr>
               <a:t>③</a:t>
             </a:r>
-            <a:endParaRPr lang="ko-KR" altLang="en-US" dirty="0">
-              <a:solidFill>
-                <a:srgbClr val="0000FF"/>
-              </a:solidFill>
-            </a:endParaRPr>
           </a:p>
         </p:txBody>
       </p:sp>
@@ -44707,18 +44528,13 @@
           <a:lstStyle/>
           <a:p>
             <a:r>
-              <a:rPr lang="ko-KR" altLang="en-US" dirty="0" smtClean="0">
+              <a:rPr lang="ko-KR" altLang="en-US" dirty="0">
                 <a:solidFill>
                   <a:srgbClr val="0000FF"/>
                 </a:solidFill>
               </a:rPr>
               <a:t>⑤</a:t>
             </a:r>
-            <a:endParaRPr lang="ko-KR" altLang="en-US" dirty="0">
-              <a:solidFill>
-                <a:srgbClr val="0000FF"/>
-              </a:solidFill>
-            </a:endParaRPr>
           </a:p>
         </p:txBody>
       </p:sp>
@@ -44745,18 +44561,13 @@
           <a:lstStyle/>
           <a:p>
             <a:r>
-              <a:rPr lang="ko-KR" altLang="en-US" dirty="0" smtClean="0">
+              <a:rPr lang="ko-KR" altLang="en-US" dirty="0">
                 <a:solidFill>
                   <a:srgbClr val="0000FF"/>
                 </a:solidFill>
               </a:rPr>
               <a:t>④</a:t>
             </a:r>
-            <a:endParaRPr lang="ko-KR" altLang="en-US" dirty="0">
-              <a:solidFill>
-                <a:srgbClr val="0000FF"/>
-              </a:solidFill>
-            </a:endParaRPr>
           </a:p>
         </p:txBody>
       </p:sp>
@@ -44928,11 +44739,11 @@
           </a:lstStyle>
           <a:p>
             <a:r>
-              <a:rPr lang="ko-KR" altLang="en-US" dirty="0" smtClean="0"/>
+              <a:rPr lang="ko-KR" altLang="en-US" dirty="0"/>
               <a:t>주요 버튼 내용 확인해 보기</a:t>
             </a:r>
             <a:r>
-              <a:rPr lang="en-US" altLang="ko-KR" dirty="0" smtClean="0"/>
+              <a:rPr lang="en-US" altLang="ko-KR" dirty="0"/>
               <a:t> </a:t>
             </a:r>
             <a:endParaRPr lang="en-US" altLang="ko-KR" dirty="0">
@@ -45200,7 +45011,7 @@
           <a:p>
             <a:pPr marL="620713" lvl="1" indent="-169863"/>
             <a:r>
-              <a:rPr lang="ko-KR" altLang="en-US" dirty="0" smtClean="0">
+              <a:rPr lang="ko-KR" altLang="en-US" dirty="0">
                 <a:latin typeface="+mn-ea"/>
               </a:rPr>
               <a:t>전체 과정을 볼 수 있음</a:t>
@@ -45482,18 +45293,13 @@
           <a:lstStyle/>
           <a:p>
             <a:r>
-              <a:rPr lang="ko-KR" altLang="en-US" dirty="0" smtClean="0">
+              <a:rPr lang="ko-KR" altLang="en-US" dirty="0">
                 <a:solidFill>
                   <a:srgbClr val="0000FF"/>
                 </a:solidFill>
               </a:rPr>
               <a:t>①</a:t>
             </a:r>
-            <a:endParaRPr lang="ko-KR" altLang="en-US" dirty="0">
-              <a:solidFill>
-                <a:srgbClr val="0000FF"/>
-              </a:solidFill>
-            </a:endParaRPr>
           </a:p>
         </p:txBody>
       </p:sp>
@@ -45520,18 +45326,13 @@
           <a:lstStyle/>
           <a:p>
             <a:r>
-              <a:rPr lang="ko-KR" altLang="en-US" dirty="0" smtClean="0">
+              <a:rPr lang="ko-KR" altLang="en-US" dirty="0">
                 <a:solidFill>
                   <a:srgbClr val="0000FF"/>
                 </a:solidFill>
               </a:rPr>
               <a:t>②</a:t>
             </a:r>
-            <a:endParaRPr lang="ko-KR" altLang="en-US" dirty="0">
-              <a:solidFill>
-                <a:srgbClr val="0000FF"/>
-              </a:solidFill>
-            </a:endParaRPr>
           </a:p>
         </p:txBody>
       </p:sp>
@@ -45558,18 +45359,13 @@
           <a:lstStyle/>
           <a:p>
             <a:r>
-              <a:rPr lang="ko-KR" altLang="en-US" dirty="0" smtClean="0">
+              <a:rPr lang="ko-KR" altLang="en-US" dirty="0">
                 <a:solidFill>
                   <a:srgbClr val="0000FF"/>
                 </a:solidFill>
               </a:rPr>
               <a:t>③</a:t>
             </a:r>
-            <a:endParaRPr lang="ko-KR" altLang="en-US" dirty="0">
-              <a:solidFill>
-                <a:srgbClr val="0000FF"/>
-              </a:solidFill>
-            </a:endParaRPr>
           </a:p>
         </p:txBody>
       </p:sp>
@@ -46163,304 +45959,6 @@
     <p:extLst>
       <p:ext uri="{BB962C8B-B14F-4D97-AF65-F5344CB8AC3E}">
         <p14:creationId xmlns:p14="http://schemas.microsoft.com/office/powerpoint/2010/main" val="3171367145"/>
-      </p:ext>
-    </p:extLst>
-  </p:cSld>
-  <p:clrMapOvr>
-    <a:masterClrMapping/>
-  </p:clrMapOvr>
-</p:sld>
-</file>
-
-<file path=ppt/slides/slide74.xml><?xml version="1.0" encoding="utf-8"?>
-<p:sld xmlns:a="http://schemas.openxmlformats.org/drawingml/2006/main" xmlns:r="http://schemas.openxmlformats.org/officeDocument/2006/relationships" xmlns:p="http://schemas.openxmlformats.org/presentationml/2006/main">
-  <p:cSld>
-    <p:spTree>
-      <p:nvGrpSpPr>
-        <p:cNvPr id="1" name=""/>
-        <p:cNvGrpSpPr/>
-        <p:nvPr/>
-      </p:nvGrpSpPr>
-      <p:grpSpPr>
-        <a:xfrm>
-          <a:off x="0" y="0"/>
-          <a:ext cx="0" cy="0"/>
-          <a:chOff x="0" y="0"/>
-          <a:chExt cx="0" cy="0"/>
-        </a:xfrm>
-      </p:grpSpPr>
-      <p:sp>
-        <p:nvSpPr>
-          <p:cNvPr id="4" name="제목 3">
-            <a:extLst>
-              <a:ext uri="{FF2B5EF4-FFF2-40B4-BE49-F238E27FC236}">
-                <a16:creationId xmlns:a16="http://schemas.microsoft.com/office/drawing/2014/main" id="{F0CEB32B-CB43-4410-BA08-A97E4BC47FCB}"/>
-              </a:ext>
-            </a:extLst>
-          </p:cNvPr>
-          <p:cNvSpPr>
-            <a:spLocks noGrp="1"/>
-          </p:cNvSpPr>
-          <p:nvPr>
-            <p:ph type="title"/>
-          </p:nvPr>
-        </p:nvSpPr>
-        <p:spPr/>
-        <p:txBody>
-          <a:bodyPr/>
-          <a:lstStyle/>
-          <a:p>
-            <a:r>
-              <a:rPr lang="ko-KR" altLang="en-US" dirty="0"/>
-              <a:t>이슈관리하기</a:t>
-            </a:r>
-          </a:p>
-        </p:txBody>
-      </p:sp>
-      <p:sp>
-        <p:nvSpPr>
-          <p:cNvPr id="7" name="내용 개체 틀 2">
-            <a:extLst>
-              <a:ext uri="{FF2B5EF4-FFF2-40B4-BE49-F238E27FC236}">
-                <a16:creationId xmlns:a16="http://schemas.microsoft.com/office/drawing/2014/main" id="{A44AC902-3746-40D6-9827-94B46EEDDC67}"/>
-              </a:ext>
-            </a:extLst>
-          </p:cNvPr>
-          <p:cNvSpPr txBox="1">
-            <a:spLocks/>
-          </p:cNvSpPr>
-          <p:nvPr/>
-        </p:nvSpPr>
-        <p:spPr>
-          <a:xfrm>
-            <a:off x="341787" y="1120545"/>
-            <a:ext cx="8642350" cy="2351314"/>
-          </a:xfrm>
-          <a:prstGeom prst="rect">
-            <a:avLst/>
-          </a:prstGeom>
-        </p:spPr>
-        <p:txBody>
-          <a:bodyPr vert="horz" lIns="91440" tIns="45720" rIns="91440" bIns="45720" rtlCol="0">
-            <a:noAutofit/>
-          </a:bodyPr>
-          <a:lstStyle>
-            <a:lvl1pPr marL="266700" indent="-266700" defTabSz="914400" latinLnBrk="1">
-              <a:lnSpc>
-                <a:spcPct val="150000"/>
-              </a:lnSpc>
-              <a:spcBef>
-                <a:spcPct val="0"/>
-              </a:spcBef>
-              <a:buClr>
-                <a:schemeClr val="tx1">
-                  <a:lumMod val="65000"/>
-                  <a:lumOff val="35000"/>
-                </a:schemeClr>
-              </a:buClr>
-              <a:buFont typeface="Wingdings" pitchFamily="2" charset="2"/>
-              <a:buChar char="n"/>
-              <a:defRPr sz="2000" b="1">
-                <a:latin typeface="+mn-ea"/>
-              </a:defRPr>
-            </a:lvl1pPr>
-            <a:lvl2pPr marL="447675" lvl="1" indent="-180975" defTabSz="914400" latinLnBrk="1">
-              <a:lnSpc>
-                <a:spcPct val="150000"/>
-              </a:lnSpc>
-              <a:spcBef>
-                <a:spcPts val="0"/>
-              </a:spcBef>
-              <a:spcAft>
-                <a:spcPts val="0"/>
-              </a:spcAft>
-              <a:buClr>
-                <a:schemeClr val="tx1">
-                  <a:lumMod val="50000"/>
-                  <a:lumOff val="50000"/>
-                </a:schemeClr>
-              </a:buClr>
-              <a:buFont typeface="Wingdings" pitchFamily="2" charset="2"/>
-              <a:buChar char="§"/>
-              <a:defRPr sz="1600"/>
-            </a:lvl2pPr>
-            <a:lvl3pPr marL="628650" indent="-180975" defTabSz="914400" latinLnBrk="1">
-              <a:lnSpc>
-                <a:spcPct val="150000"/>
-              </a:lnSpc>
-              <a:spcBef>
-                <a:spcPts val="500"/>
-              </a:spcBef>
-              <a:spcAft>
-                <a:spcPts val="300"/>
-              </a:spcAft>
-              <a:buClr>
-                <a:schemeClr val="tx1">
-                  <a:lumMod val="65000"/>
-                  <a:lumOff val="35000"/>
-                </a:schemeClr>
-              </a:buClr>
-              <a:buFont typeface="Arial" panose="020B0604020202020204" pitchFamily="34" charset="0"/>
-              <a:buChar char="•"/>
-              <a:defRPr sz="1400"/>
-            </a:lvl3pPr>
-            <a:lvl4pPr marL="809625" indent="-180975" defTabSz="914400" latinLnBrk="1">
-              <a:lnSpc>
-                <a:spcPct val="150000"/>
-              </a:lnSpc>
-              <a:spcBef>
-                <a:spcPts val="500"/>
-              </a:spcBef>
-              <a:spcAft>
-                <a:spcPts val="300"/>
-              </a:spcAft>
-              <a:buClr>
-                <a:schemeClr val="tx1">
-                  <a:lumMod val="65000"/>
-                  <a:lumOff val="35000"/>
-                </a:schemeClr>
-              </a:buClr>
-              <a:buSzPct val="96000"/>
-              <a:buFont typeface="Arial" panose="020B0604020202020204" pitchFamily="34" charset="0"/>
-              <a:buChar char="•"/>
-              <a:defRPr sz="1200"/>
-            </a:lvl4pPr>
-            <a:lvl5pPr marL="990600" indent="-180975" defTabSz="914400" latinLnBrk="1">
-              <a:lnSpc>
-                <a:spcPct val="150000"/>
-              </a:lnSpc>
-              <a:spcBef>
-                <a:spcPts val="500"/>
-              </a:spcBef>
-              <a:buClr>
-                <a:schemeClr val="tx1">
-                  <a:lumMod val="65000"/>
-                  <a:lumOff val="35000"/>
-                </a:schemeClr>
-              </a:buClr>
-              <a:buFont typeface="Arial" panose="020B0604020202020204" pitchFamily="34" charset="0"/>
-              <a:buChar char="•"/>
-              <a:defRPr sz="1000"/>
-            </a:lvl5pPr>
-            <a:lvl6pPr marL="2514600" indent="-228600" defTabSz="914400" latinLnBrk="1">
-              <a:lnSpc>
-                <a:spcPct val="90000"/>
-              </a:lnSpc>
-              <a:spcBef>
-                <a:spcPts val="500"/>
-              </a:spcBef>
-              <a:buFont typeface="Arial" panose="020B0604020202020204" pitchFamily="34" charset="0"/>
-              <a:buChar char="•"/>
-            </a:lvl6pPr>
-            <a:lvl7pPr marL="2971800" indent="-228600" defTabSz="914400" latinLnBrk="1">
-              <a:lnSpc>
-                <a:spcPct val="90000"/>
-              </a:lnSpc>
-              <a:spcBef>
-                <a:spcPts val="500"/>
-              </a:spcBef>
-              <a:buFont typeface="Arial" panose="020B0604020202020204" pitchFamily="34" charset="0"/>
-              <a:buChar char="•"/>
-            </a:lvl7pPr>
-            <a:lvl8pPr marL="3429000" indent="-228600" defTabSz="914400" latinLnBrk="1">
-              <a:lnSpc>
-                <a:spcPct val="90000"/>
-              </a:lnSpc>
-              <a:spcBef>
-                <a:spcPts val="500"/>
-              </a:spcBef>
-              <a:buFont typeface="Arial" panose="020B0604020202020204" pitchFamily="34" charset="0"/>
-              <a:buChar char="•"/>
-            </a:lvl8pPr>
-            <a:lvl9pPr marL="3886200" indent="-228600" defTabSz="914400" latinLnBrk="1">
-              <a:lnSpc>
-                <a:spcPct val="90000"/>
-              </a:lnSpc>
-              <a:spcBef>
-                <a:spcPts val="500"/>
-              </a:spcBef>
-              <a:buFont typeface="Arial" panose="020B0604020202020204" pitchFamily="34" charset="0"/>
-              <a:buChar char="•"/>
-            </a:lvl9pPr>
-          </a:lstStyle>
-          <a:p>
-            <a:r>
-              <a:rPr lang="ko-KR" altLang="en-US" sz="1600" b="0" dirty="0"/>
-              <a:t>이슈생성</a:t>
-            </a:r>
-            <a:endParaRPr lang="en-US" altLang="ko-KR" sz="1600" b="0" dirty="0"/>
-          </a:p>
-          <a:p>
-            <a:r>
-              <a:rPr lang="en-US" altLang="ko-KR" sz="1600" b="0" dirty="0"/>
-              <a:t>Assignee</a:t>
-            </a:r>
-            <a:r>
-              <a:rPr lang="ko-KR" altLang="en-US" sz="1600" b="0" dirty="0"/>
-              <a:t> 설정 참여자 모두 설정 </a:t>
-            </a:r>
-            <a:r>
-              <a:rPr lang="en-US" altLang="ko-KR" sz="1600" b="0" dirty="0"/>
-              <a:t>(</a:t>
-            </a:r>
-            <a:r>
-              <a:rPr lang="ko-KR" altLang="en-US" sz="1600" b="0" dirty="0"/>
-              <a:t>오른쪽 위치</a:t>
-            </a:r>
-            <a:r>
-              <a:rPr lang="en-US" altLang="ko-KR" sz="1600" b="0" dirty="0"/>
-              <a:t>)</a:t>
-            </a:r>
-          </a:p>
-          <a:p>
-            <a:r>
-              <a:rPr lang="ko-KR" altLang="en-US" sz="1600" b="0" dirty="0"/>
-              <a:t>모두에게 메일이 감</a:t>
-            </a:r>
-            <a:endParaRPr lang="en-US" altLang="ko-KR" sz="1600" b="0" dirty="0"/>
-          </a:p>
-          <a:p>
-            <a:r>
-              <a:rPr lang="en-US" altLang="ko-KR" sz="1600" b="0" dirty="0"/>
-              <a:t>Lock conversation</a:t>
-            </a:r>
-            <a:r>
-              <a:rPr lang="ko-KR" altLang="en-US" sz="1600" b="0" dirty="0"/>
-              <a:t>을 하지 않으면 누구나 쓰고 읽을 수 있음</a:t>
-            </a:r>
-            <a:r>
-              <a:rPr lang="en-US" altLang="ko-KR" sz="1600" b="0" dirty="0"/>
-              <a:t>.</a:t>
-            </a:r>
-          </a:p>
-          <a:p>
-            <a:pPr marL="0" indent="0">
-              <a:buNone/>
-            </a:pPr>
-            <a:r>
-              <a:rPr lang="en-US" altLang="ko-KR" sz="1600" b="0" dirty="0"/>
-              <a:t>    </a:t>
-            </a:r>
-            <a:r>
-              <a:rPr lang="ko-KR" altLang="en-US" sz="1600" b="0" dirty="0"/>
-              <a:t>따라서 팀원들만 하도록 할 수 있게 </a:t>
-            </a:r>
-            <a:r>
-              <a:rPr lang="en-US" altLang="ko-KR" sz="1600" b="0" dirty="0"/>
-              <a:t>lock conversation </a:t>
-            </a:r>
-            <a:r>
-              <a:rPr lang="ko-KR" altLang="en-US" sz="1600" b="0" dirty="0"/>
-              <a:t>설정 필요</a:t>
-            </a:r>
-            <a:endParaRPr lang="en-US" altLang="ko-KR" sz="1600" b="0" dirty="0"/>
-          </a:p>
-        </p:txBody>
-      </p:sp>
-    </p:spTree>
-    <p:extLst>
-      <p:ext uri="{BB962C8B-B14F-4D97-AF65-F5344CB8AC3E}">
-        <p14:creationId xmlns:p14="http://schemas.microsoft.com/office/powerpoint/2010/main" val="1269895081"/>
       </p:ext>
     </p:extLst>
   </p:cSld>

--- a/git및github첫걸음4-협업하기.pptx
+++ b/git및github첫걸음4-협업하기.pptx
@@ -5,7 +5,7 @@
     <p:sldMasterId id="2147483660" r:id="rId1"/>
   </p:sldMasterIdLst>
   <p:notesMasterIdLst>
-    <p:notesMasterId r:id="rId75"/>
+    <p:notesMasterId r:id="rId78"/>
   </p:notesMasterIdLst>
   <p:sldIdLst>
     <p:sldId id="404" r:id="rId2"/>
@@ -80,7 +80,10 @@
     <p:sldId id="448" r:id="rId71"/>
     <p:sldId id="455" r:id="rId72"/>
     <p:sldId id="459" r:id="rId73"/>
-    <p:sldId id="460" r:id="rId74"/>
+    <p:sldId id="461" r:id="rId74"/>
+    <p:sldId id="462" r:id="rId75"/>
+    <p:sldId id="460" r:id="rId76"/>
+    <p:sldId id="463" r:id="rId77"/>
   </p:sldIdLst>
   <p:sldSz cx="9144000" cy="6858000" type="screen4x3"/>
   <p:notesSz cx="6858000" cy="9144000"/>
@@ -280,7 +283,7 @@
           <a:p>
             <a:fld id="{A17B9194-BDE3-40E3-983E-94CE6FA773AF}" type="datetimeFigureOut">
               <a:rPr lang="ko-KR" altLang="en-US" smtClean="0"/>
-              <a:t>2021-04-14</a:t>
+              <a:t>2021-04-15</a:t>
             </a:fld>
             <a:endParaRPr lang="ko-KR" altLang="en-US"/>
           </a:p>
@@ -6945,7 +6948,259 @@
     </p:spTree>
     <p:extLst>
       <p:ext uri="{BB962C8B-B14F-4D97-AF65-F5344CB8AC3E}">
+        <p14:creationId xmlns:p14="http://schemas.microsoft.com/office/powerpoint/2010/main" val="4212091343"/>
+      </p:ext>
+    </p:extLst>
+  </p:cSld>
+  <p:clrMapOvr>
+    <a:masterClrMapping/>
+  </p:clrMapOvr>
+</p:notes>
+</file>
+
+<file path=ppt/notesSlides/notesSlide73.xml><?xml version="1.0" encoding="utf-8"?>
+<p:notes xmlns:a="http://schemas.openxmlformats.org/drawingml/2006/main" xmlns:r="http://schemas.openxmlformats.org/officeDocument/2006/relationships" xmlns:p="http://schemas.openxmlformats.org/presentationml/2006/main">
+  <p:cSld>
+    <p:spTree>
+      <p:nvGrpSpPr>
+        <p:cNvPr id="1" name=""/>
+        <p:cNvGrpSpPr/>
+        <p:nvPr/>
+      </p:nvGrpSpPr>
+      <p:grpSpPr>
+        <a:xfrm>
+          <a:off x="0" y="0"/>
+          <a:ext cx="0" cy="0"/>
+          <a:chOff x="0" y="0"/>
+          <a:chExt cx="0" cy="0"/>
+        </a:xfrm>
+      </p:grpSpPr>
+      <p:sp>
+        <p:nvSpPr>
+          <p:cNvPr id="2" name="슬라이드 이미지 개체 틀 1"/>
+          <p:cNvSpPr>
+            <a:spLocks noGrp="1" noRot="1" noChangeAspect="1"/>
+          </p:cNvSpPr>
+          <p:nvPr>
+            <p:ph type="sldImg"/>
+          </p:nvPr>
+        </p:nvSpPr>
+        <p:spPr/>
+      </p:sp>
+      <p:sp>
+        <p:nvSpPr>
+          <p:cNvPr id="3" name="슬라이드 노트 개체 틀 2"/>
+          <p:cNvSpPr>
+            <a:spLocks noGrp="1"/>
+          </p:cNvSpPr>
+          <p:nvPr>
+            <p:ph type="body" idx="1"/>
+          </p:nvPr>
+        </p:nvSpPr>
+        <p:spPr/>
+        <p:txBody>
+          <a:bodyPr/>
+          <a:lstStyle/>
+          <a:p>
+            <a:endParaRPr lang="ko-KR" altLang="en-US" dirty="0"/>
+          </a:p>
+        </p:txBody>
+      </p:sp>
+      <p:sp>
+        <p:nvSpPr>
+          <p:cNvPr id="4" name="슬라이드 번호 개체 틀 3"/>
+          <p:cNvSpPr>
+            <a:spLocks noGrp="1"/>
+          </p:cNvSpPr>
+          <p:nvPr>
+            <p:ph type="sldNum" sz="quarter" idx="10"/>
+          </p:nvPr>
+        </p:nvSpPr>
+        <p:spPr/>
+        <p:txBody>
+          <a:bodyPr/>
+          <a:lstStyle/>
+          <a:p>
+            <a:fld id="{625D4AC4-540A-4436-887D-BF6A8FCF1275}" type="slidenum">
+              <a:rPr lang="ko-KR" altLang="en-US" smtClean="0"/>
+              <a:t>74</a:t>
+            </a:fld>
+            <a:endParaRPr lang="ko-KR" altLang="en-US"/>
+          </a:p>
+        </p:txBody>
+      </p:sp>
+    </p:spTree>
+    <p:extLst>
+      <p:ext uri="{BB962C8B-B14F-4D97-AF65-F5344CB8AC3E}">
+        <p14:creationId xmlns:p14="http://schemas.microsoft.com/office/powerpoint/2010/main" val="90794633"/>
+      </p:ext>
+    </p:extLst>
+  </p:cSld>
+  <p:clrMapOvr>
+    <a:masterClrMapping/>
+  </p:clrMapOvr>
+</p:notes>
+</file>
+
+<file path=ppt/notesSlides/notesSlide74.xml><?xml version="1.0" encoding="utf-8"?>
+<p:notes xmlns:a="http://schemas.openxmlformats.org/drawingml/2006/main" xmlns:r="http://schemas.openxmlformats.org/officeDocument/2006/relationships" xmlns:p="http://schemas.openxmlformats.org/presentationml/2006/main">
+  <p:cSld>
+    <p:spTree>
+      <p:nvGrpSpPr>
+        <p:cNvPr id="1" name=""/>
+        <p:cNvGrpSpPr/>
+        <p:nvPr/>
+      </p:nvGrpSpPr>
+      <p:grpSpPr>
+        <a:xfrm>
+          <a:off x="0" y="0"/>
+          <a:ext cx="0" cy="0"/>
+          <a:chOff x="0" y="0"/>
+          <a:chExt cx="0" cy="0"/>
+        </a:xfrm>
+      </p:grpSpPr>
+      <p:sp>
+        <p:nvSpPr>
+          <p:cNvPr id="2" name="슬라이드 이미지 개체 틀 1"/>
+          <p:cNvSpPr>
+            <a:spLocks noGrp="1" noRot="1" noChangeAspect="1"/>
+          </p:cNvSpPr>
+          <p:nvPr>
+            <p:ph type="sldImg"/>
+          </p:nvPr>
+        </p:nvSpPr>
+        <p:spPr/>
+      </p:sp>
+      <p:sp>
+        <p:nvSpPr>
+          <p:cNvPr id="3" name="슬라이드 노트 개체 틀 2"/>
+          <p:cNvSpPr>
+            <a:spLocks noGrp="1"/>
+          </p:cNvSpPr>
+          <p:nvPr>
+            <p:ph type="body" idx="1"/>
+          </p:nvPr>
+        </p:nvSpPr>
+        <p:spPr/>
+        <p:txBody>
+          <a:bodyPr/>
+          <a:lstStyle/>
+          <a:p>
+            <a:endParaRPr lang="ko-KR" altLang="en-US" dirty="0"/>
+          </a:p>
+        </p:txBody>
+      </p:sp>
+      <p:sp>
+        <p:nvSpPr>
+          <p:cNvPr id="4" name="슬라이드 번호 개체 틀 3"/>
+          <p:cNvSpPr>
+            <a:spLocks noGrp="1"/>
+          </p:cNvSpPr>
+          <p:nvPr>
+            <p:ph type="sldNum" sz="quarter" idx="10"/>
+          </p:nvPr>
+        </p:nvSpPr>
+        <p:spPr/>
+        <p:txBody>
+          <a:bodyPr/>
+          <a:lstStyle/>
+          <a:p>
+            <a:fld id="{625D4AC4-540A-4436-887D-BF6A8FCF1275}" type="slidenum">
+              <a:rPr lang="ko-KR" altLang="en-US" smtClean="0"/>
+              <a:t>75</a:t>
+            </a:fld>
+            <a:endParaRPr lang="ko-KR" altLang="en-US"/>
+          </a:p>
+        </p:txBody>
+      </p:sp>
+    </p:spTree>
+    <p:extLst>
+      <p:ext uri="{BB962C8B-B14F-4D97-AF65-F5344CB8AC3E}">
         <p14:creationId xmlns:p14="http://schemas.microsoft.com/office/powerpoint/2010/main" val="3080375124"/>
+      </p:ext>
+    </p:extLst>
+  </p:cSld>
+  <p:clrMapOvr>
+    <a:masterClrMapping/>
+  </p:clrMapOvr>
+</p:notes>
+</file>
+
+<file path=ppt/notesSlides/notesSlide75.xml><?xml version="1.0" encoding="utf-8"?>
+<p:notes xmlns:a="http://schemas.openxmlformats.org/drawingml/2006/main" xmlns:r="http://schemas.openxmlformats.org/officeDocument/2006/relationships" xmlns:p="http://schemas.openxmlformats.org/presentationml/2006/main">
+  <p:cSld>
+    <p:spTree>
+      <p:nvGrpSpPr>
+        <p:cNvPr id="1" name=""/>
+        <p:cNvGrpSpPr/>
+        <p:nvPr/>
+      </p:nvGrpSpPr>
+      <p:grpSpPr>
+        <a:xfrm>
+          <a:off x="0" y="0"/>
+          <a:ext cx="0" cy="0"/>
+          <a:chOff x="0" y="0"/>
+          <a:chExt cx="0" cy="0"/>
+        </a:xfrm>
+      </p:grpSpPr>
+      <p:sp>
+        <p:nvSpPr>
+          <p:cNvPr id="2" name="슬라이드 이미지 개체 틀 1"/>
+          <p:cNvSpPr>
+            <a:spLocks noGrp="1" noRot="1" noChangeAspect="1"/>
+          </p:cNvSpPr>
+          <p:nvPr>
+            <p:ph type="sldImg"/>
+          </p:nvPr>
+        </p:nvSpPr>
+        <p:spPr/>
+      </p:sp>
+      <p:sp>
+        <p:nvSpPr>
+          <p:cNvPr id="3" name="슬라이드 노트 개체 틀 2"/>
+          <p:cNvSpPr>
+            <a:spLocks noGrp="1"/>
+          </p:cNvSpPr>
+          <p:nvPr>
+            <p:ph type="body" idx="1"/>
+          </p:nvPr>
+        </p:nvSpPr>
+        <p:spPr/>
+        <p:txBody>
+          <a:bodyPr/>
+          <a:lstStyle/>
+          <a:p>
+            <a:endParaRPr lang="ko-KR" altLang="en-US" dirty="0"/>
+          </a:p>
+        </p:txBody>
+      </p:sp>
+      <p:sp>
+        <p:nvSpPr>
+          <p:cNvPr id="4" name="슬라이드 번호 개체 틀 3"/>
+          <p:cNvSpPr>
+            <a:spLocks noGrp="1"/>
+          </p:cNvSpPr>
+          <p:nvPr>
+            <p:ph type="sldNum" sz="quarter" idx="10"/>
+          </p:nvPr>
+        </p:nvSpPr>
+        <p:spPr/>
+        <p:txBody>
+          <a:bodyPr/>
+          <a:lstStyle/>
+          <a:p>
+            <a:fld id="{625D4AC4-540A-4436-887D-BF6A8FCF1275}" type="slidenum">
+              <a:rPr lang="ko-KR" altLang="en-US" smtClean="0"/>
+              <a:t>76</a:t>
+            </a:fld>
+            <a:endParaRPr lang="ko-KR" altLang="en-US"/>
+          </a:p>
+        </p:txBody>
+      </p:sp>
+    </p:spTree>
+    <p:extLst>
+      <p:ext uri="{BB962C8B-B14F-4D97-AF65-F5344CB8AC3E}">
+        <p14:creationId xmlns:p14="http://schemas.microsoft.com/office/powerpoint/2010/main" val="259903578"/>
       </p:ext>
     </p:extLst>
   </p:cSld>
@@ -7686,7 +7941,7 @@
           <a:p>
             <a:fld id="{30E72A5D-AC2D-4154-80BD-D3C3745E4EB5}" type="datetimeFigureOut">
               <a:rPr lang="ko-KR" altLang="en-US" smtClean="0"/>
-              <a:t>2021-04-14</a:t>
+              <a:t>2021-04-15</a:t>
             </a:fld>
             <a:endParaRPr lang="ko-KR" altLang="en-US"/>
           </a:p>
@@ -7899,7 +8154,7 @@
           <a:p>
             <a:fld id="{30E72A5D-AC2D-4154-80BD-D3C3745E4EB5}" type="datetimeFigureOut">
               <a:rPr lang="ko-KR" altLang="en-US" smtClean="0"/>
-              <a:t>2021-04-14</a:t>
+              <a:t>2021-04-15</a:t>
             </a:fld>
             <a:endParaRPr lang="ko-KR" altLang="en-US"/>
           </a:p>
@@ -45422,8 +45677,25 @@
           <a:p>
             <a:r>
               <a:rPr lang="ko-KR" altLang="en-US" dirty="0"/>
-              <a:t>협업하기 취소</a:t>
-            </a:r>
+              <a:t>협업하기 취소 </a:t>
+            </a:r>
+            <a:r>
+              <a:rPr lang="en-US" altLang="ko-KR" dirty="0"/>
+              <a:t>: </a:t>
+            </a:r>
+            <a:r>
+              <a:rPr lang="ko-KR" altLang="en-US" dirty="0" err="1"/>
+              <a:t>주관자</a:t>
+            </a:r>
+            <a:r>
+              <a:rPr lang="ko-KR" altLang="en-US" dirty="0"/>
+              <a:t> </a:t>
+            </a:r>
+            <a:r>
+              <a:rPr lang="en-US" altLang="ko-KR" dirty="0"/>
+              <a:t>(1/2)</a:t>
+            </a:r>
+            <a:endParaRPr lang="ko-KR" altLang="en-US" dirty="0"/>
           </a:p>
         </p:txBody>
       </p:sp>
@@ -45610,13 +45882,26 @@
               <a:rPr lang="ko-KR" altLang="en-US" dirty="0" err="1"/>
               <a:t>주관자</a:t>
             </a:r>
-            <a:endParaRPr lang="en-US" altLang="ko-KR" dirty="0"/>
+            <a:r>
+              <a:rPr lang="ko-KR" altLang="en-US" dirty="0"/>
+              <a:t> </a:t>
+            </a:r>
+            <a:r>
+              <a:rPr lang="en-US" altLang="ko-KR" dirty="0"/>
+              <a:t>(1/2)</a:t>
+            </a:r>
           </a:p>
         </p:txBody>
       </p:sp>
       <p:pic>
         <p:nvPicPr>
-          <p:cNvPr id="8" name="그림 7"/>
+          <p:cNvPr id="3" name="그림 2">
+            <a:extLst>
+              <a:ext uri="{FF2B5EF4-FFF2-40B4-BE49-F238E27FC236}">
+                <a16:creationId xmlns:a16="http://schemas.microsoft.com/office/drawing/2014/main" id="{703BC3D8-4B48-4F1B-A50B-718D7DA68AA9}"/>
+              </a:ext>
+            </a:extLst>
+          </p:cNvPr>
           <p:cNvPicPr>
             <a:picLocks noChangeAspect="1"/>
           </p:cNvPicPr>
@@ -45630,38 +45915,202 @@
         </p:blipFill>
         <p:spPr>
           <a:xfrm>
-            <a:off x="306580" y="1785076"/>
-            <a:ext cx="4921109" cy="4077928"/>
+            <a:off x="539551" y="1703544"/>
+            <a:ext cx="8235215" cy="3107942"/>
           </a:xfrm>
           <a:prstGeom prst="rect">
             <a:avLst/>
           </a:prstGeom>
         </p:spPr>
       </p:pic>
-      <p:pic>
-        <p:nvPicPr>
-          <p:cNvPr id="10" name="그림 9"/>
-          <p:cNvPicPr>
-            <a:picLocks noChangeAspect="1"/>
-          </p:cNvPicPr>
+      <p:sp>
+        <p:nvSpPr>
+          <p:cNvPr id="9" name="직사각형 8">
+            <a:extLst>
+              <a:ext uri="{FF2B5EF4-FFF2-40B4-BE49-F238E27FC236}">
+                <a16:creationId xmlns:a16="http://schemas.microsoft.com/office/drawing/2014/main" id="{FA4CBC73-B9C9-4909-BDB8-B3B45A7EEF3B}"/>
+              </a:ext>
+            </a:extLst>
+          </p:cNvPr>
+          <p:cNvSpPr/>
           <p:nvPr/>
-        </p:nvPicPr>
-        <p:blipFill>
-          <a:blip r:embed="rId4"/>
-          <a:stretch>
-            <a:fillRect/>
-          </a:stretch>
-        </p:blipFill>
+        </p:nvSpPr>
         <p:spPr>
-          <a:xfrm>
-            <a:off x="4662962" y="3471859"/>
-            <a:ext cx="4477155" cy="2072757"/>
+          <a:xfrm flipH="1">
+            <a:off x="7692853" y="2726853"/>
+            <a:ext cx="798003" cy="266719"/>
           </a:xfrm>
           <a:prstGeom prst="rect">
             <a:avLst/>
           </a:prstGeom>
+          <a:noFill/>
+          <a:ln w="22225">
+            <a:solidFill>
+              <a:srgbClr val="FF0000"/>
+            </a:solidFill>
+          </a:ln>
         </p:spPr>
-      </p:pic>
+        <p:style>
+          <a:lnRef idx="2">
+            <a:schemeClr val="accent1">
+              <a:shade val="50000"/>
+            </a:schemeClr>
+          </a:lnRef>
+          <a:fillRef idx="1">
+            <a:schemeClr val="accent1"/>
+          </a:fillRef>
+          <a:effectRef idx="0">
+            <a:schemeClr val="accent1"/>
+          </a:effectRef>
+          <a:fontRef idx="minor">
+            <a:schemeClr val="lt1"/>
+          </a:fontRef>
+        </p:style>
+        <p:txBody>
+          <a:bodyPr rtlCol="0" anchor="ctr"/>
+          <a:lstStyle/>
+          <a:p>
+            <a:endParaRPr lang="ko-KR" altLang="en-US" b="1" dirty="0">
+              <a:solidFill>
+                <a:srgbClr val="FF0000"/>
+              </a:solidFill>
+            </a:endParaRPr>
+          </a:p>
+        </p:txBody>
+      </p:sp>
+      <p:sp>
+        <p:nvSpPr>
+          <p:cNvPr id="11" name="직사각형 10">
+            <a:extLst>
+              <a:ext uri="{FF2B5EF4-FFF2-40B4-BE49-F238E27FC236}">
+                <a16:creationId xmlns:a16="http://schemas.microsoft.com/office/drawing/2014/main" id="{DE2317D8-0FE6-4100-BB14-FD74CB34A5E6}"/>
+              </a:ext>
+            </a:extLst>
+          </p:cNvPr>
+          <p:cNvSpPr/>
+          <p:nvPr/>
+        </p:nvSpPr>
+        <p:spPr>
+          <a:xfrm flipH="1">
+            <a:off x="802195" y="3774252"/>
+            <a:ext cx="961290" cy="266719"/>
+          </a:xfrm>
+          <a:prstGeom prst="rect">
+            <a:avLst/>
+          </a:prstGeom>
+          <a:noFill/>
+          <a:ln w="22225">
+            <a:solidFill>
+              <a:srgbClr val="FF0000"/>
+            </a:solidFill>
+          </a:ln>
+        </p:spPr>
+        <p:style>
+          <a:lnRef idx="2">
+            <a:schemeClr val="accent1">
+              <a:shade val="50000"/>
+            </a:schemeClr>
+          </a:lnRef>
+          <a:fillRef idx="1">
+            <a:schemeClr val="accent1"/>
+          </a:fillRef>
+          <a:effectRef idx="0">
+            <a:schemeClr val="accent1"/>
+          </a:effectRef>
+          <a:fontRef idx="minor">
+            <a:schemeClr val="lt1"/>
+          </a:fontRef>
+        </p:style>
+        <p:txBody>
+          <a:bodyPr rtlCol="0" anchor="ctr"/>
+          <a:lstStyle/>
+          <a:p>
+            <a:endParaRPr lang="ko-KR" altLang="en-US" b="1" dirty="0">
+              <a:solidFill>
+                <a:srgbClr val="FF0000"/>
+              </a:solidFill>
+            </a:endParaRPr>
+          </a:p>
+        </p:txBody>
+      </p:sp>
+      <p:sp>
+        <p:nvSpPr>
+          <p:cNvPr id="12" name="TextBox 11">
+            <a:extLst>
+              <a:ext uri="{FF2B5EF4-FFF2-40B4-BE49-F238E27FC236}">
+                <a16:creationId xmlns:a16="http://schemas.microsoft.com/office/drawing/2014/main" id="{2C31E655-BF2A-4443-99A0-06C144E78B4C}"/>
+              </a:ext>
+            </a:extLst>
+          </p:cNvPr>
+          <p:cNvSpPr txBox="1"/>
+          <p:nvPr/>
+        </p:nvSpPr>
+        <p:spPr>
+          <a:xfrm>
+            <a:off x="8445473" y="2624240"/>
+            <a:ext cx="415498" cy="369332"/>
+          </a:xfrm>
+          <a:prstGeom prst="rect">
+            <a:avLst/>
+          </a:prstGeom>
+          <a:noFill/>
+        </p:spPr>
+        <p:txBody>
+          <a:bodyPr wrap="none" rtlCol="0">
+            <a:spAutoFit/>
+          </a:bodyPr>
+          <a:lstStyle/>
+          <a:p>
+            <a:r>
+              <a:rPr lang="ko-KR" altLang="en-US" dirty="0">
+                <a:solidFill>
+                  <a:srgbClr val="0000FF"/>
+                </a:solidFill>
+              </a:rPr>
+              <a:t>①</a:t>
+            </a:r>
+          </a:p>
+        </p:txBody>
+      </p:sp>
+      <p:sp>
+        <p:nvSpPr>
+          <p:cNvPr id="13" name="TextBox 12">
+            <a:extLst>
+              <a:ext uri="{FF2B5EF4-FFF2-40B4-BE49-F238E27FC236}">
+                <a16:creationId xmlns:a16="http://schemas.microsoft.com/office/drawing/2014/main" id="{70AE98DD-069D-4AA4-AB5B-0C74BE728D5E}"/>
+              </a:ext>
+            </a:extLst>
+          </p:cNvPr>
+          <p:cNvSpPr txBox="1"/>
+          <p:nvPr/>
+        </p:nvSpPr>
+        <p:spPr>
+          <a:xfrm>
+            <a:off x="1753500" y="3722945"/>
+            <a:ext cx="415498" cy="369332"/>
+          </a:xfrm>
+          <a:prstGeom prst="rect">
+            <a:avLst/>
+          </a:prstGeom>
+          <a:noFill/>
+        </p:spPr>
+        <p:txBody>
+          <a:bodyPr wrap="none" rtlCol="0">
+            <a:spAutoFit/>
+          </a:bodyPr>
+          <a:lstStyle/>
+          <a:p>
+            <a:r>
+              <a:rPr lang="ko-KR" altLang="en-US" dirty="0">
+                <a:solidFill>
+                  <a:srgbClr val="0000FF"/>
+                </a:solidFill>
+              </a:rPr>
+              <a:t>②</a:t>
+            </a:r>
+          </a:p>
+        </p:txBody>
+      </p:sp>
     </p:spTree>
     <p:extLst>
       <p:ext uri="{BB962C8B-B14F-4D97-AF65-F5344CB8AC3E}">
@@ -45715,8 +46164,25 @@
           <a:p>
             <a:r>
               <a:rPr lang="ko-KR" altLang="en-US" dirty="0"/>
-              <a:t>협업하기 취소</a:t>
-            </a:r>
+              <a:t>협업하기 취소 </a:t>
+            </a:r>
+            <a:r>
+              <a:rPr lang="en-US" altLang="ko-KR" dirty="0"/>
+              <a:t>: </a:t>
+            </a:r>
+            <a:r>
+              <a:rPr lang="ko-KR" altLang="en-US" dirty="0" err="1"/>
+              <a:t>주관자</a:t>
+            </a:r>
+            <a:r>
+              <a:rPr lang="ko-KR" altLang="en-US" dirty="0"/>
+              <a:t> </a:t>
+            </a:r>
+            <a:r>
+              <a:rPr lang="en-US" altLang="ko-KR" dirty="0"/>
+              <a:t>(2/2)</a:t>
+            </a:r>
+            <a:endParaRPr lang="ko-KR" altLang="en-US" dirty="0"/>
           </a:p>
         </p:txBody>
       </p:sp>
@@ -45900,16 +46366,29 @@
               <a:t> : </a:t>
             </a:r>
             <a:r>
+              <a:rPr lang="ko-KR" altLang="en-US" dirty="0" err="1"/>
+              <a:t>주관자</a:t>
+            </a:r>
+            <a:r>
               <a:rPr lang="ko-KR" altLang="en-US" dirty="0"/>
-              <a:t>참여자</a:t>
-            </a:r>
-            <a:endParaRPr lang="en-US" altLang="ko-KR" dirty="0"/>
+              <a:t> </a:t>
+            </a:r>
+            <a:r>
+              <a:rPr lang="en-US" altLang="ko-KR" dirty="0"/>
+              <a:t>(2/2)</a:t>
+            </a:r>
           </a:p>
         </p:txBody>
       </p:sp>
       <p:pic>
         <p:nvPicPr>
-          <p:cNvPr id="2" name="그림 1"/>
+          <p:cNvPr id="3" name="그림 2">
+            <a:extLst>
+              <a:ext uri="{FF2B5EF4-FFF2-40B4-BE49-F238E27FC236}">
+                <a16:creationId xmlns:a16="http://schemas.microsoft.com/office/drawing/2014/main" id="{C91B65BA-F78F-42C0-828E-37DFBD931A00}"/>
+              </a:ext>
+            </a:extLst>
+          </p:cNvPr>
           <p:cNvPicPr>
             <a:picLocks noChangeAspect="1"/>
           </p:cNvPicPr>
@@ -45923,8 +46402,487 @@
         </p:blipFill>
         <p:spPr>
           <a:xfrm>
-            <a:off x="84092" y="1693418"/>
-            <a:ext cx="4296578" cy="4261244"/>
+            <a:off x="457345" y="2038093"/>
+            <a:ext cx="8411234" cy="3571893"/>
+          </a:xfrm>
+          <a:prstGeom prst="rect">
+            <a:avLst/>
+          </a:prstGeom>
+        </p:spPr>
+      </p:pic>
+      <p:sp>
+        <p:nvSpPr>
+          <p:cNvPr id="9" name="직사각형 8">
+            <a:extLst>
+              <a:ext uri="{FF2B5EF4-FFF2-40B4-BE49-F238E27FC236}">
+                <a16:creationId xmlns:a16="http://schemas.microsoft.com/office/drawing/2014/main" id="{50B6B9A0-53F9-4115-B7DD-05A1121FAC6D}"/>
+              </a:ext>
+            </a:extLst>
+          </p:cNvPr>
+          <p:cNvSpPr/>
+          <p:nvPr/>
+        </p:nvSpPr>
+        <p:spPr>
+          <a:xfrm flipH="1">
+            <a:off x="8392881" y="5050315"/>
+            <a:ext cx="334179" cy="272799"/>
+          </a:xfrm>
+          <a:prstGeom prst="rect">
+            <a:avLst/>
+          </a:prstGeom>
+          <a:noFill/>
+          <a:ln w="22225">
+            <a:solidFill>
+              <a:srgbClr val="FF0000"/>
+            </a:solidFill>
+          </a:ln>
+        </p:spPr>
+        <p:style>
+          <a:lnRef idx="2">
+            <a:schemeClr val="accent1">
+              <a:shade val="50000"/>
+            </a:schemeClr>
+          </a:lnRef>
+          <a:fillRef idx="1">
+            <a:schemeClr val="accent1"/>
+          </a:fillRef>
+          <a:effectRef idx="0">
+            <a:schemeClr val="accent1"/>
+          </a:effectRef>
+          <a:fontRef idx="minor">
+            <a:schemeClr val="lt1"/>
+          </a:fontRef>
+        </p:style>
+        <p:txBody>
+          <a:bodyPr rtlCol="0" anchor="ctr"/>
+          <a:lstStyle/>
+          <a:p>
+            <a:endParaRPr lang="ko-KR" altLang="en-US" b="1" dirty="0">
+              <a:solidFill>
+                <a:srgbClr val="FF0000"/>
+              </a:solidFill>
+            </a:endParaRPr>
+          </a:p>
+        </p:txBody>
+      </p:sp>
+      <p:sp>
+        <p:nvSpPr>
+          <p:cNvPr id="12" name="TextBox 11">
+            <a:extLst>
+              <a:ext uri="{FF2B5EF4-FFF2-40B4-BE49-F238E27FC236}">
+                <a16:creationId xmlns:a16="http://schemas.microsoft.com/office/drawing/2014/main" id="{B6D284D5-3376-40F6-89E0-1B7F3E85EFE7}"/>
+              </a:ext>
+            </a:extLst>
+          </p:cNvPr>
+          <p:cNvSpPr txBox="1"/>
+          <p:nvPr/>
+        </p:nvSpPr>
+        <p:spPr>
+          <a:xfrm>
+            <a:off x="7977383" y="5002048"/>
+            <a:ext cx="415498" cy="369332"/>
+          </a:xfrm>
+          <a:prstGeom prst="rect">
+            <a:avLst/>
+          </a:prstGeom>
+          <a:noFill/>
+        </p:spPr>
+        <p:txBody>
+          <a:bodyPr wrap="none" rtlCol="0">
+            <a:spAutoFit/>
+          </a:bodyPr>
+          <a:lstStyle/>
+          <a:p>
+            <a:r>
+              <a:rPr lang="ko-KR" altLang="en-US" dirty="0">
+                <a:solidFill>
+                  <a:srgbClr val="0000FF"/>
+                </a:solidFill>
+              </a:rPr>
+              <a:t>③</a:t>
+            </a:r>
+          </a:p>
+        </p:txBody>
+      </p:sp>
+      <p:sp>
+        <p:nvSpPr>
+          <p:cNvPr id="13" name="직사각형 12">
+            <a:extLst>
+              <a:ext uri="{FF2B5EF4-FFF2-40B4-BE49-F238E27FC236}">
+                <a16:creationId xmlns:a16="http://schemas.microsoft.com/office/drawing/2014/main" id="{07E8D2A7-10DA-40E9-A114-1521168285A8}"/>
+              </a:ext>
+            </a:extLst>
+          </p:cNvPr>
+          <p:cNvSpPr/>
+          <p:nvPr/>
+        </p:nvSpPr>
+        <p:spPr>
+          <a:xfrm flipH="1">
+            <a:off x="584478" y="2097858"/>
+            <a:ext cx="961290" cy="266719"/>
+          </a:xfrm>
+          <a:prstGeom prst="rect">
+            <a:avLst/>
+          </a:prstGeom>
+          <a:noFill/>
+          <a:ln w="22225">
+            <a:solidFill>
+              <a:srgbClr val="FF0000"/>
+            </a:solidFill>
+          </a:ln>
+        </p:spPr>
+        <p:style>
+          <a:lnRef idx="2">
+            <a:schemeClr val="accent1">
+              <a:shade val="50000"/>
+            </a:schemeClr>
+          </a:lnRef>
+          <a:fillRef idx="1">
+            <a:schemeClr val="accent1"/>
+          </a:fillRef>
+          <a:effectRef idx="0">
+            <a:schemeClr val="accent1"/>
+          </a:effectRef>
+          <a:fontRef idx="minor">
+            <a:schemeClr val="lt1"/>
+          </a:fontRef>
+        </p:style>
+        <p:txBody>
+          <a:bodyPr rtlCol="0" anchor="ctr"/>
+          <a:lstStyle/>
+          <a:p>
+            <a:endParaRPr lang="ko-KR" altLang="en-US" b="1" dirty="0">
+              <a:solidFill>
+                <a:srgbClr val="FF0000"/>
+              </a:solidFill>
+            </a:endParaRPr>
+          </a:p>
+        </p:txBody>
+      </p:sp>
+      <p:sp>
+        <p:nvSpPr>
+          <p:cNvPr id="14" name="TextBox 13">
+            <a:extLst>
+              <a:ext uri="{FF2B5EF4-FFF2-40B4-BE49-F238E27FC236}">
+                <a16:creationId xmlns:a16="http://schemas.microsoft.com/office/drawing/2014/main" id="{129A3F08-1EB7-405D-82D1-B34804002966}"/>
+              </a:ext>
+            </a:extLst>
+          </p:cNvPr>
+          <p:cNvSpPr txBox="1"/>
+          <p:nvPr/>
+        </p:nvSpPr>
+        <p:spPr>
+          <a:xfrm>
+            <a:off x="1535783" y="2046551"/>
+            <a:ext cx="415498" cy="369332"/>
+          </a:xfrm>
+          <a:prstGeom prst="rect">
+            <a:avLst/>
+          </a:prstGeom>
+          <a:noFill/>
+        </p:spPr>
+        <p:txBody>
+          <a:bodyPr wrap="none" rtlCol="0">
+            <a:spAutoFit/>
+          </a:bodyPr>
+          <a:lstStyle/>
+          <a:p>
+            <a:r>
+              <a:rPr lang="ko-KR" altLang="en-US" dirty="0">
+                <a:solidFill>
+                  <a:srgbClr val="0000FF"/>
+                </a:solidFill>
+              </a:rPr>
+              <a:t>②</a:t>
+            </a:r>
+          </a:p>
+        </p:txBody>
+      </p:sp>
+    </p:spTree>
+    <p:extLst>
+      <p:ext uri="{BB962C8B-B14F-4D97-AF65-F5344CB8AC3E}">
+        <p14:creationId xmlns:p14="http://schemas.microsoft.com/office/powerpoint/2010/main" val="1911515230"/>
+      </p:ext>
+    </p:extLst>
+  </p:cSld>
+  <p:clrMapOvr>
+    <a:masterClrMapping/>
+  </p:clrMapOvr>
+</p:sld>
+</file>
+
+<file path=ppt/slides/slide74.xml><?xml version="1.0" encoding="utf-8"?>
+<p:sld xmlns:a="http://schemas.openxmlformats.org/drawingml/2006/main" xmlns:r="http://schemas.openxmlformats.org/officeDocument/2006/relationships" xmlns:p="http://schemas.openxmlformats.org/presentationml/2006/main">
+  <p:cSld>
+    <p:spTree>
+      <p:nvGrpSpPr>
+        <p:cNvPr id="1" name=""/>
+        <p:cNvGrpSpPr/>
+        <p:nvPr/>
+      </p:nvGrpSpPr>
+      <p:grpSpPr>
+        <a:xfrm>
+          <a:off x="0" y="0"/>
+          <a:ext cx="0" cy="0"/>
+          <a:chOff x="0" y="0"/>
+          <a:chExt cx="0" cy="0"/>
+        </a:xfrm>
+      </p:grpSpPr>
+      <p:sp>
+        <p:nvSpPr>
+          <p:cNvPr id="4" name="제목 3">
+            <a:extLst>
+              <a:ext uri="{FF2B5EF4-FFF2-40B4-BE49-F238E27FC236}">
+                <a16:creationId xmlns:a16="http://schemas.microsoft.com/office/drawing/2014/main" id="{F0CEB32B-CB43-4410-BA08-A97E4BC47FCB}"/>
+              </a:ext>
+            </a:extLst>
+          </p:cNvPr>
+          <p:cNvSpPr>
+            <a:spLocks noGrp="1"/>
+          </p:cNvSpPr>
+          <p:nvPr>
+            <p:ph type="title"/>
+          </p:nvPr>
+        </p:nvSpPr>
+        <p:spPr/>
+        <p:txBody>
+          <a:bodyPr/>
+          <a:lstStyle/>
+          <a:p>
+            <a:r>
+              <a:rPr lang="ko-KR" altLang="en-US" dirty="0"/>
+              <a:t>협업하기 취소 </a:t>
+            </a:r>
+            <a:r>
+              <a:rPr lang="en-US" altLang="ko-KR" dirty="0"/>
+              <a:t>: </a:t>
+            </a:r>
+            <a:r>
+              <a:rPr lang="ko-KR" altLang="en-US" dirty="0"/>
+              <a:t>참여자 </a:t>
+            </a:r>
+            <a:r>
+              <a:rPr lang="en-US" altLang="ko-KR" dirty="0"/>
+              <a:t>(1/3)</a:t>
+            </a:r>
+            <a:endParaRPr lang="ko-KR" altLang="en-US" dirty="0"/>
+          </a:p>
+        </p:txBody>
+      </p:sp>
+      <p:sp>
+        <p:nvSpPr>
+          <p:cNvPr id="7" name="내용 개체 틀 2">
+            <a:extLst>
+              <a:ext uri="{FF2B5EF4-FFF2-40B4-BE49-F238E27FC236}">
+                <a16:creationId xmlns:a16="http://schemas.microsoft.com/office/drawing/2014/main" id="{A44AC902-3746-40D6-9827-94B46EEDDC67}"/>
+              </a:ext>
+            </a:extLst>
+          </p:cNvPr>
+          <p:cNvSpPr txBox="1">
+            <a:spLocks/>
+          </p:cNvSpPr>
+          <p:nvPr/>
+        </p:nvSpPr>
+        <p:spPr>
+          <a:xfrm>
+            <a:off x="341787" y="1120545"/>
+            <a:ext cx="8642350" cy="2351314"/>
+          </a:xfrm>
+          <a:prstGeom prst="rect">
+            <a:avLst/>
+          </a:prstGeom>
+        </p:spPr>
+        <p:txBody>
+          <a:bodyPr vert="horz" lIns="91440" tIns="45720" rIns="91440" bIns="45720" rtlCol="0">
+            <a:noAutofit/>
+          </a:bodyPr>
+          <a:lstStyle>
+            <a:lvl1pPr marL="266700" indent="-266700" defTabSz="914400" latinLnBrk="1">
+              <a:lnSpc>
+                <a:spcPct val="150000"/>
+              </a:lnSpc>
+              <a:spcBef>
+                <a:spcPct val="0"/>
+              </a:spcBef>
+              <a:buClr>
+                <a:schemeClr val="tx1">
+                  <a:lumMod val="65000"/>
+                  <a:lumOff val="35000"/>
+                </a:schemeClr>
+              </a:buClr>
+              <a:buFont typeface="Wingdings" pitchFamily="2" charset="2"/>
+              <a:buChar char="n"/>
+              <a:defRPr sz="2000" b="1">
+                <a:latin typeface="+mn-ea"/>
+              </a:defRPr>
+            </a:lvl1pPr>
+            <a:lvl2pPr marL="447675" lvl="1" indent="-180975" defTabSz="914400" latinLnBrk="1">
+              <a:lnSpc>
+                <a:spcPct val="150000"/>
+              </a:lnSpc>
+              <a:spcBef>
+                <a:spcPts val="0"/>
+              </a:spcBef>
+              <a:spcAft>
+                <a:spcPts val="0"/>
+              </a:spcAft>
+              <a:buClr>
+                <a:schemeClr val="tx1">
+                  <a:lumMod val="50000"/>
+                  <a:lumOff val="50000"/>
+                </a:schemeClr>
+              </a:buClr>
+              <a:buFont typeface="Wingdings" pitchFamily="2" charset="2"/>
+              <a:buChar char="§"/>
+              <a:defRPr sz="1600"/>
+            </a:lvl2pPr>
+            <a:lvl3pPr marL="628650" indent="-180975" defTabSz="914400" latinLnBrk="1">
+              <a:lnSpc>
+                <a:spcPct val="150000"/>
+              </a:lnSpc>
+              <a:spcBef>
+                <a:spcPts val="500"/>
+              </a:spcBef>
+              <a:spcAft>
+                <a:spcPts val="300"/>
+              </a:spcAft>
+              <a:buClr>
+                <a:schemeClr val="tx1">
+                  <a:lumMod val="65000"/>
+                  <a:lumOff val="35000"/>
+                </a:schemeClr>
+              </a:buClr>
+              <a:buFont typeface="Arial" panose="020B0604020202020204" pitchFamily="34" charset="0"/>
+              <a:buChar char="•"/>
+              <a:defRPr sz="1400"/>
+            </a:lvl3pPr>
+            <a:lvl4pPr marL="809625" indent="-180975" defTabSz="914400" latinLnBrk="1">
+              <a:lnSpc>
+                <a:spcPct val="150000"/>
+              </a:lnSpc>
+              <a:spcBef>
+                <a:spcPts val="500"/>
+              </a:spcBef>
+              <a:spcAft>
+                <a:spcPts val="300"/>
+              </a:spcAft>
+              <a:buClr>
+                <a:schemeClr val="tx1">
+                  <a:lumMod val="65000"/>
+                  <a:lumOff val="35000"/>
+                </a:schemeClr>
+              </a:buClr>
+              <a:buSzPct val="96000"/>
+              <a:buFont typeface="Arial" panose="020B0604020202020204" pitchFamily="34" charset="0"/>
+              <a:buChar char="•"/>
+              <a:defRPr sz="1200"/>
+            </a:lvl4pPr>
+            <a:lvl5pPr marL="990600" indent="-180975" defTabSz="914400" latinLnBrk="1">
+              <a:lnSpc>
+                <a:spcPct val="150000"/>
+              </a:lnSpc>
+              <a:spcBef>
+                <a:spcPts val="500"/>
+              </a:spcBef>
+              <a:buClr>
+                <a:schemeClr val="tx1">
+                  <a:lumMod val="65000"/>
+                  <a:lumOff val="35000"/>
+                </a:schemeClr>
+              </a:buClr>
+              <a:buFont typeface="Arial" panose="020B0604020202020204" pitchFamily="34" charset="0"/>
+              <a:buChar char="•"/>
+              <a:defRPr sz="1000"/>
+            </a:lvl5pPr>
+            <a:lvl6pPr marL="2514600" indent="-228600" defTabSz="914400" latinLnBrk="1">
+              <a:lnSpc>
+                <a:spcPct val="90000"/>
+              </a:lnSpc>
+              <a:spcBef>
+                <a:spcPts val="500"/>
+              </a:spcBef>
+              <a:buFont typeface="Arial" panose="020B0604020202020204" pitchFamily="34" charset="0"/>
+              <a:buChar char="•"/>
+            </a:lvl6pPr>
+            <a:lvl7pPr marL="2971800" indent="-228600" defTabSz="914400" latinLnBrk="1">
+              <a:lnSpc>
+                <a:spcPct val="90000"/>
+              </a:lnSpc>
+              <a:spcBef>
+                <a:spcPts val="500"/>
+              </a:spcBef>
+              <a:buFont typeface="Arial" panose="020B0604020202020204" pitchFamily="34" charset="0"/>
+              <a:buChar char="•"/>
+            </a:lvl7pPr>
+            <a:lvl8pPr marL="3429000" indent="-228600" defTabSz="914400" latinLnBrk="1">
+              <a:lnSpc>
+                <a:spcPct val="90000"/>
+              </a:lnSpc>
+              <a:spcBef>
+                <a:spcPts val="500"/>
+              </a:spcBef>
+              <a:buFont typeface="Arial" panose="020B0604020202020204" pitchFamily="34" charset="0"/>
+              <a:buChar char="•"/>
+            </a:lvl8pPr>
+            <a:lvl9pPr marL="3886200" indent="-228600" defTabSz="914400" latinLnBrk="1">
+              <a:lnSpc>
+                <a:spcPct val="90000"/>
+              </a:lnSpc>
+              <a:spcBef>
+                <a:spcPts val="500"/>
+              </a:spcBef>
+              <a:buFont typeface="Arial" panose="020B0604020202020204" pitchFamily="34" charset="0"/>
+              <a:buChar char="•"/>
+            </a:lvl9pPr>
+          </a:lstStyle>
+          <a:p>
+            <a:r>
+              <a:rPr lang="en-US" altLang="ko-KR" dirty="0"/>
+              <a:t>collaborator</a:t>
+            </a:r>
+            <a:r>
+              <a:rPr lang="ko-KR" altLang="en-US" dirty="0"/>
+              <a:t> 취소</a:t>
+            </a:r>
+            <a:r>
+              <a:rPr lang="en-US" altLang="ko-KR" dirty="0"/>
+              <a:t> : </a:t>
+            </a:r>
+            <a:r>
+              <a:rPr lang="ko-KR" altLang="en-US" dirty="0"/>
+              <a:t>참여자 </a:t>
+            </a:r>
+            <a:r>
+              <a:rPr lang="en-US" altLang="ko-KR" dirty="0"/>
+              <a:t>(1/3)</a:t>
+            </a:r>
+          </a:p>
+        </p:txBody>
+      </p:sp>
+      <p:pic>
+        <p:nvPicPr>
+          <p:cNvPr id="6" name="그림 5">
+            <a:extLst>
+              <a:ext uri="{FF2B5EF4-FFF2-40B4-BE49-F238E27FC236}">
+                <a16:creationId xmlns:a16="http://schemas.microsoft.com/office/drawing/2014/main" id="{186EE23C-4B8D-4743-B75B-F9DDE979478F}"/>
+              </a:ext>
+            </a:extLst>
+          </p:cNvPr>
+          <p:cNvPicPr>
+            <a:picLocks noChangeAspect="1"/>
+          </p:cNvPicPr>
+          <p:nvPr/>
+        </p:nvPicPr>
+        <p:blipFill>
+          <a:blip r:embed="rId3"/>
+          <a:stretch>
+            <a:fillRect/>
+          </a:stretch>
+        </p:blipFill>
+        <p:spPr>
+          <a:xfrm>
+            <a:off x="1366490" y="1602922"/>
+            <a:ext cx="2095500" cy="4914900"/>
           </a:xfrm>
           <a:prstGeom prst="rect">
             <a:avLst/>
@@ -45933,7 +46891,13 @@
       </p:pic>
       <p:pic>
         <p:nvPicPr>
-          <p:cNvPr id="3" name="그림 2"/>
+          <p:cNvPr id="9" name="그림 8">
+            <a:extLst>
+              <a:ext uri="{FF2B5EF4-FFF2-40B4-BE49-F238E27FC236}">
+                <a16:creationId xmlns:a16="http://schemas.microsoft.com/office/drawing/2014/main" id="{EFE44962-D147-4D6E-86A5-4E87C37C5326}"/>
+              </a:ext>
+            </a:extLst>
+          </p:cNvPr>
           <p:cNvPicPr>
             <a:picLocks noChangeAspect="1"/>
           </p:cNvPicPr>
@@ -45947,8 +46911,1217 @@
         </p:blipFill>
         <p:spPr>
           <a:xfrm>
-            <a:off x="4486692" y="1693418"/>
-            <a:ext cx="4497445" cy="3584327"/>
+            <a:off x="5558185" y="1236450"/>
+            <a:ext cx="2219325" cy="5429250"/>
+          </a:xfrm>
+          <a:prstGeom prst="rect">
+            <a:avLst/>
+          </a:prstGeom>
+        </p:spPr>
+      </p:pic>
+      <p:sp>
+        <p:nvSpPr>
+          <p:cNvPr id="10" name="직사각형 9">
+            <a:extLst>
+              <a:ext uri="{FF2B5EF4-FFF2-40B4-BE49-F238E27FC236}">
+                <a16:creationId xmlns:a16="http://schemas.microsoft.com/office/drawing/2014/main" id="{7D950DBC-B180-4D7B-BB25-0D835994B9D9}"/>
+              </a:ext>
+            </a:extLst>
+          </p:cNvPr>
+          <p:cNvSpPr/>
+          <p:nvPr/>
+        </p:nvSpPr>
+        <p:spPr>
+          <a:xfrm flipH="1">
+            <a:off x="1452949" y="5604095"/>
+            <a:ext cx="1693021" cy="369332"/>
+          </a:xfrm>
+          <a:prstGeom prst="rect">
+            <a:avLst/>
+          </a:prstGeom>
+          <a:noFill/>
+          <a:ln w="22225">
+            <a:solidFill>
+              <a:srgbClr val="FF0000"/>
+            </a:solidFill>
+          </a:ln>
+        </p:spPr>
+        <p:style>
+          <a:lnRef idx="2">
+            <a:schemeClr val="accent1">
+              <a:shade val="50000"/>
+            </a:schemeClr>
+          </a:lnRef>
+          <a:fillRef idx="1">
+            <a:schemeClr val="accent1"/>
+          </a:fillRef>
+          <a:effectRef idx="0">
+            <a:schemeClr val="accent1"/>
+          </a:effectRef>
+          <a:fontRef idx="minor">
+            <a:schemeClr val="lt1"/>
+          </a:fontRef>
+        </p:style>
+        <p:txBody>
+          <a:bodyPr rtlCol="0" anchor="ctr"/>
+          <a:lstStyle/>
+          <a:p>
+            <a:endParaRPr lang="ko-KR" altLang="en-US" b="1" dirty="0">
+              <a:solidFill>
+                <a:srgbClr val="FF0000"/>
+              </a:solidFill>
+            </a:endParaRPr>
+          </a:p>
+        </p:txBody>
+      </p:sp>
+      <p:sp>
+        <p:nvSpPr>
+          <p:cNvPr id="11" name="TextBox 10">
+            <a:extLst>
+              <a:ext uri="{FF2B5EF4-FFF2-40B4-BE49-F238E27FC236}">
+                <a16:creationId xmlns:a16="http://schemas.microsoft.com/office/drawing/2014/main" id="{AA7E8EB4-D85A-43B8-A219-77ECB4213EC5}"/>
+              </a:ext>
+            </a:extLst>
+          </p:cNvPr>
+          <p:cNvSpPr txBox="1"/>
+          <p:nvPr/>
+        </p:nvSpPr>
+        <p:spPr>
+          <a:xfrm>
+            <a:off x="5101963" y="5286069"/>
+            <a:ext cx="415498" cy="369332"/>
+          </a:xfrm>
+          <a:prstGeom prst="rect">
+            <a:avLst/>
+          </a:prstGeom>
+          <a:noFill/>
+        </p:spPr>
+        <p:txBody>
+          <a:bodyPr wrap="none" rtlCol="0">
+            <a:spAutoFit/>
+          </a:bodyPr>
+          <a:lstStyle/>
+          <a:p>
+            <a:r>
+              <a:rPr lang="ko-KR" altLang="en-US" dirty="0">
+                <a:solidFill>
+                  <a:srgbClr val="0000FF"/>
+                </a:solidFill>
+              </a:rPr>
+              <a:t>②</a:t>
+            </a:r>
+          </a:p>
+        </p:txBody>
+      </p:sp>
+      <p:sp>
+        <p:nvSpPr>
+          <p:cNvPr id="12" name="직사각형 11">
+            <a:extLst>
+              <a:ext uri="{FF2B5EF4-FFF2-40B4-BE49-F238E27FC236}">
+                <a16:creationId xmlns:a16="http://schemas.microsoft.com/office/drawing/2014/main" id="{1B38F6E4-01DF-4B9E-910E-1F9E5138205D}"/>
+              </a:ext>
+            </a:extLst>
+          </p:cNvPr>
+          <p:cNvSpPr/>
+          <p:nvPr/>
+        </p:nvSpPr>
+        <p:spPr>
+          <a:xfrm flipH="1">
+            <a:off x="5558184" y="5337376"/>
+            <a:ext cx="1691701" cy="266719"/>
+          </a:xfrm>
+          <a:prstGeom prst="rect">
+            <a:avLst/>
+          </a:prstGeom>
+          <a:noFill/>
+          <a:ln w="22225">
+            <a:solidFill>
+              <a:srgbClr val="FF0000"/>
+            </a:solidFill>
+          </a:ln>
+        </p:spPr>
+        <p:style>
+          <a:lnRef idx="2">
+            <a:schemeClr val="accent1">
+              <a:shade val="50000"/>
+            </a:schemeClr>
+          </a:lnRef>
+          <a:fillRef idx="1">
+            <a:schemeClr val="accent1"/>
+          </a:fillRef>
+          <a:effectRef idx="0">
+            <a:schemeClr val="accent1"/>
+          </a:effectRef>
+          <a:fontRef idx="minor">
+            <a:schemeClr val="lt1"/>
+          </a:fontRef>
+        </p:style>
+        <p:txBody>
+          <a:bodyPr rtlCol="0" anchor="ctr"/>
+          <a:lstStyle/>
+          <a:p>
+            <a:endParaRPr lang="ko-KR" altLang="en-US" b="1" dirty="0">
+              <a:solidFill>
+                <a:srgbClr val="FF0000"/>
+              </a:solidFill>
+            </a:endParaRPr>
+          </a:p>
+        </p:txBody>
+      </p:sp>
+      <p:sp>
+        <p:nvSpPr>
+          <p:cNvPr id="13" name="TextBox 12">
+            <a:extLst>
+              <a:ext uri="{FF2B5EF4-FFF2-40B4-BE49-F238E27FC236}">
+                <a16:creationId xmlns:a16="http://schemas.microsoft.com/office/drawing/2014/main" id="{480C9BF6-DE29-45AC-A410-5289AEDEE4AB}"/>
+              </a:ext>
+            </a:extLst>
+          </p:cNvPr>
+          <p:cNvSpPr txBox="1"/>
+          <p:nvPr/>
+        </p:nvSpPr>
+        <p:spPr>
+          <a:xfrm>
+            <a:off x="907763" y="5552789"/>
+            <a:ext cx="415498" cy="369332"/>
+          </a:xfrm>
+          <a:prstGeom prst="rect">
+            <a:avLst/>
+          </a:prstGeom>
+          <a:noFill/>
+        </p:spPr>
+        <p:txBody>
+          <a:bodyPr wrap="none" rtlCol="0">
+            <a:spAutoFit/>
+          </a:bodyPr>
+          <a:lstStyle/>
+          <a:p>
+            <a:r>
+              <a:rPr lang="ko-KR" altLang="en-US" dirty="0">
+                <a:solidFill>
+                  <a:srgbClr val="0000FF"/>
+                </a:solidFill>
+              </a:rPr>
+              <a:t>①</a:t>
+            </a:r>
+          </a:p>
+        </p:txBody>
+      </p:sp>
+      <p:sp>
+        <p:nvSpPr>
+          <p:cNvPr id="14" name="TextBox 13">
+            <a:extLst>
+              <a:ext uri="{FF2B5EF4-FFF2-40B4-BE49-F238E27FC236}">
+                <a16:creationId xmlns:a16="http://schemas.microsoft.com/office/drawing/2014/main" id="{1AFEC29B-7ADF-46BB-A218-2642CCC63AD1}"/>
+              </a:ext>
+            </a:extLst>
+          </p:cNvPr>
+          <p:cNvSpPr txBox="1"/>
+          <p:nvPr/>
+        </p:nvSpPr>
+        <p:spPr>
+          <a:xfrm>
+            <a:off x="3461991" y="1626620"/>
+            <a:ext cx="1186210" cy="738664"/>
+          </a:xfrm>
+          <a:prstGeom prst="rect">
+            <a:avLst/>
+          </a:prstGeom>
+          <a:noFill/>
+        </p:spPr>
+        <p:txBody>
+          <a:bodyPr wrap="square" lIns="0" rIns="0" rtlCol="0">
+            <a:spAutoFit/>
+          </a:bodyPr>
+          <a:lstStyle/>
+          <a:p>
+            <a:pPr algn="ctr"/>
+            <a:r>
+              <a:rPr lang="ko-KR" altLang="en-US" sz="1400" dirty="0">
+                <a:solidFill>
+                  <a:srgbClr val="0000FF"/>
+                </a:solidFill>
+              </a:rPr>
+              <a:t>화면 우측 위</a:t>
+            </a:r>
+            <a:endParaRPr lang="en-US" altLang="ko-KR" sz="1400" dirty="0">
+              <a:solidFill>
+                <a:srgbClr val="0000FF"/>
+              </a:solidFill>
+            </a:endParaRPr>
+          </a:p>
+          <a:p>
+            <a:pPr algn="ctr"/>
+            <a:r>
+              <a:rPr lang="ko-KR" altLang="en-US" sz="1400" dirty="0">
+                <a:solidFill>
+                  <a:srgbClr val="0000FF"/>
+                </a:solidFill>
+              </a:rPr>
+              <a:t>사용자 화면 클릭</a:t>
+            </a:r>
+            <a:endParaRPr lang="en-US" altLang="ko-KR" sz="1400" dirty="0">
+              <a:solidFill>
+                <a:srgbClr val="0000FF"/>
+              </a:solidFill>
+            </a:endParaRPr>
+          </a:p>
+        </p:txBody>
+      </p:sp>
+      <p:sp>
+        <p:nvSpPr>
+          <p:cNvPr id="15" name="TextBox 14">
+            <a:extLst>
+              <a:ext uri="{FF2B5EF4-FFF2-40B4-BE49-F238E27FC236}">
+                <a16:creationId xmlns:a16="http://schemas.microsoft.com/office/drawing/2014/main" id="{32E700D4-F9D5-4C40-8166-C32589811B97}"/>
+              </a:ext>
+            </a:extLst>
+          </p:cNvPr>
+          <p:cNvSpPr txBox="1"/>
+          <p:nvPr/>
+        </p:nvSpPr>
+        <p:spPr>
+          <a:xfrm>
+            <a:off x="4248146" y="4540760"/>
+            <a:ext cx="1310038" cy="738664"/>
+          </a:xfrm>
+          <a:prstGeom prst="rect">
+            <a:avLst/>
+          </a:prstGeom>
+          <a:noFill/>
+        </p:spPr>
+        <p:txBody>
+          <a:bodyPr wrap="square" lIns="0" rIns="0" rtlCol="0">
+            <a:spAutoFit/>
+          </a:bodyPr>
+          <a:lstStyle/>
+          <a:p>
+            <a:pPr algn="ctr"/>
+            <a:r>
+              <a:rPr lang="ko-KR" altLang="en-US" sz="1400" dirty="0">
+                <a:solidFill>
+                  <a:srgbClr val="0000FF"/>
+                </a:solidFill>
+              </a:rPr>
+              <a:t>화면 좌측 사이드바에서 </a:t>
+            </a:r>
+            <a:r>
+              <a:rPr lang="en-US" altLang="ko-KR" sz="1400" dirty="0">
+                <a:solidFill>
+                  <a:srgbClr val="0000FF"/>
+                </a:solidFill>
+              </a:rPr>
+              <a:t>Repositories </a:t>
+            </a:r>
+            <a:r>
+              <a:rPr lang="ko-KR" altLang="en-US" sz="1400" dirty="0">
+                <a:solidFill>
+                  <a:srgbClr val="0000FF"/>
+                </a:solidFill>
+              </a:rPr>
+              <a:t>선택</a:t>
+            </a:r>
+            <a:endParaRPr lang="en-US" altLang="ko-KR" sz="1400" dirty="0">
+              <a:solidFill>
+                <a:srgbClr val="0000FF"/>
+              </a:solidFill>
+            </a:endParaRPr>
+          </a:p>
+        </p:txBody>
+      </p:sp>
+    </p:spTree>
+    <p:extLst>
+      <p:ext uri="{BB962C8B-B14F-4D97-AF65-F5344CB8AC3E}">
+        <p14:creationId xmlns:p14="http://schemas.microsoft.com/office/powerpoint/2010/main" val="2961817531"/>
+      </p:ext>
+    </p:extLst>
+  </p:cSld>
+  <p:clrMapOvr>
+    <a:masterClrMapping/>
+  </p:clrMapOvr>
+</p:sld>
+</file>
+
+<file path=ppt/slides/slide75.xml><?xml version="1.0" encoding="utf-8"?>
+<p:sld xmlns:a="http://schemas.openxmlformats.org/drawingml/2006/main" xmlns:r="http://schemas.openxmlformats.org/officeDocument/2006/relationships" xmlns:p="http://schemas.openxmlformats.org/presentationml/2006/main">
+  <p:cSld>
+    <p:spTree>
+      <p:nvGrpSpPr>
+        <p:cNvPr id="1" name=""/>
+        <p:cNvGrpSpPr/>
+        <p:nvPr/>
+      </p:nvGrpSpPr>
+      <p:grpSpPr>
+        <a:xfrm>
+          <a:off x="0" y="0"/>
+          <a:ext cx="0" cy="0"/>
+          <a:chOff x="0" y="0"/>
+          <a:chExt cx="0" cy="0"/>
+        </a:xfrm>
+      </p:grpSpPr>
+      <p:sp>
+        <p:nvSpPr>
+          <p:cNvPr id="4" name="제목 3">
+            <a:extLst>
+              <a:ext uri="{FF2B5EF4-FFF2-40B4-BE49-F238E27FC236}">
+                <a16:creationId xmlns:a16="http://schemas.microsoft.com/office/drawing/2014/main" id="{F0CEB32B-CB43-4410-BA08-A97E4BC47FCB}"/>
+              </a:ext>
+            </a:extLst>
+          </p:cNvPr>
+          <p:cNvSpPr>
+            <a:spLocks noGrp="1"/>
+          </p:cNvSpPr>
+          <p:nvPr>
+            <p:ph type="title"/>
+          </p:nvPr>
+        </p:nvSpPr>
+        <p:spPr/>
+        <p:txBody>
+          <a:bodyPr/>
+          <a:lstStyle/>
+          <a:p>
+            <a:r>
+              <a:rPr lang="ko-KR" altLang="en-US" dirty="0"/>
+              <a:t>협업하기 취소 </a:t>
+            </a:r>
+            <a:r>
+              <a:rPr lang="en-US" altLang="ko-KR" dirty="0"/>
+              <a:t>: </a:t>
+            </a:r>
+            <a:r>
+              <a:rPr lang="ko-KR" altLang="en-US" dirty="0"/>
+              <a:t>참여자 </a:t>
+            </a:r>
+            <a:r>
+              <a:rPr lang="en-US" altLang="ko-KR" dirty="0"/>
+              <a:t>(2/3)</a:t>
+            </a:r>
+            <a:endParaRPr lang="ko-KR" altLang="en-US" dirty="0"/>
+          </a:p>
+        </p:txBody>
+      </p:sp>
+      <p:sp>
+        <p:nvSpPr>
+          <p:cNvPr id="7" name="내용 개체 틀 2">
+            <a:extLst>
+              <a:ext uri="{FF2B5EF4-FFF2-40B4-BE49-F238E27FC236}">
+                <a16:creationId xmlns:a16="http://schemas.microsoft.com/office/drawing/2014/main" id="{A44AC902-3746-40D6-9827-94B46EEDDC67}"/>
+              </a:ext>
+            </a:extLst>
+          </p:cNvPr>
+          <p:cNvSpPr txBox="1">
+            <a:spLocks/>
+          </p:cNvSpPr>
+          <p:nvPr/>
+        </p:nvSpPr>
+        <p:spPr>
+          <a:xfrm>
+            <a:off x="341787" y="1120545"/>
+            <a:ext cx="8642350" cy="2351314"/>
+          </a:xfrm>
+          <a:prstGeom prst="rect">
+            <a:avLst/>
+          </a:prstGeom>
+        </p:spPr>
+        <p:txBody>
+          <a:bodyPr vert="horz" lIns="91440" tIns="45720" rIns="91440" bIns="45720" rtlCol="0">
+            <a:noAutofit/>
+          </a:bodyPr>
+          <a:lstStyle>
+            <a:lvl1pPr marL="266700" indent="-266700" defTabSz="914400" latinLnBrk="1">
+              <a:lnSpc>
+                <a:spcPct val="150000"/>
+              </a:lnSpc>
+              <a:spcBef>
+                <a:spcPct val="0"/>
+              </a:spcBef>
+              <a:buClr>
+                <a:schemeClr val="tx1">
+                  <a:lumMod val="65000"/>
+                  <a:lumOff val="35000"/>
+                </a:schemeClr>
+              </a:buClr>
+              <a:buFont typeface="Wingdings" pitchFamily="2" charset="2"/>
+              <a:buChar char="n"/>
+              <a:defRPr sz="2000" b="1">
+                <a:latin typeface="+mn-ea"/>
+              </a:defRPr>
+            </a:lvl1pPr>
+            <a:lvl2pPr marL="447675" lvl="1" indent="-180975" defTabSz="914400" latinLnBrk="1">
+              <a:lnSpc>
+                <a:spcPct val="150000"/>
+              </a:lnSpc>
+              <a:spcBef>
+                <a:spcPts val="0"/>
+              </a:spcBef>
+              <a:spcAft>
+                <a:spcPts val="0"/>
+              </a:spcAft>
+              <a:buClr>
+                <a:schemeClr val="tx1">
+                  <a:lumMod val="50000"/>
+                  <a:lumOff val="50000"/>
+                </a:schemeClr>
+              </a:buClr>
+              <a:buFont typeface="Wingdings" pitchFamily="2" charset="2"/>
+              <a:buChar char="§"/>
+              <a:defRPr sz="1600"/>
+            </a:lvl2pPr>
+            <a:lvl3pPr marL="628650" indent="-180975" defTabSz="914400" latinLnBrk="1">
+              <a:lnSpc>
+                <a:spcPct val="150000"/>
+              </a:lnSpc>
+              <a:spcBef>
+                <a:spcPts val="500"/>
+              </a:spcBef>
+              <a:spcAft>
+                <a:spcPts val="300"/>
+              </a:spcAft>
+              <a:buClr>
+                <a:schemeClr val="tx1">
+                  <a:lumMod val="65000"/>
+                  <a:lumOff val="35000"/>
+                </a:schemeClr>
+              </a:buClr>
+              <a:buFont typeface="Arial" panose="020B0604020202020204" pitchFamily="34" charset="0"/>
+              <a:buChar char="•"/>
+              <a:defRPr sz="1400"/>
+            </a:lvl3pPr>
+            <a:lvl4pPr marL="809625" indent="-180975" defTabSz="914400" latinLnBrk="1">
+              <a:lnSpc>
+                <a:spcPct val="150000"/>
+              </a:lnSpc>
+              <a:spcBef>
+                <a:spcPts val="500"/>
+              </a:spcBef>
+              <a:spcAft>
+                <a:spcPts val="300"/>
+              </a:spcAft>
+              <a:buClr>
+                <a:schemeClr val="tx1">
+                  <a:lumMod val="65000"/>
+                  <a:lumOff val="35000"/>
+                </a:schemeClr>
+              </a:buClr>
+              <a:buSzPct val="96000"/>
+              <a:buFont typeface="Arial" panose="020B0604020202020204" pitchFamily="34" charset="0"/>
+              <a:buChar char="•"/>
+              <a:defRPr sz="1200"/>
+            </a:lvl4pPr>
+            <a:lvl5pPr marL="990600" indent="-180975" defTabSz="914400" latinLnBrk="1">
+              <a:lnSpc>
+                <a:spcPct val="150000"/>
+              </a:lnSpc>
+              <a:spcBef>
+                <a:spcPts val="500"/>
+              </a:spcBef>
+              <a:buClr>
+                <a:schemeClr val="tx1">
+                  <a:lumMod val="65000"/>
+                  <a:lumOff val="35000"/>
+                </a:schemeClr>
+              </a:buClr>
+              <a:buFont typeface="Arial" panose="020B0604020202020204" pitchFamily="34" charset="0"/>
+              <a:buChar char="•"/>
+              <a:defRPr sz="1000"/>
+            </a:lvl5pPr>
+            <a:lvl6pPr marL="2514600" indent="-228600" defTabSz="914400" latinLnBrk="1">
+              <a:lnSpc>
+                <a:spcPct val="90000"/>
+              </a:lnSpc>
+              <a:spcBef>
+                <a:spcPts val="500"/>
+              </a:spcBef>
+              <a:buFont typeface="Arial" panose="020B0604020202020204" pitchFamily="34" charset="0"/>
+              <a:buChar char="•"/>
+            </a:lvl6pPr>
+            <a:lvl7pPr marL="2971800" indent="-228600" defTabSz="914400" latinLnBrk="1">
+              <a:lnSpc>
+                <a:spcPct val="90000"/>
+              </a:lnSpc>
+              <a:spcBef>
+                <a:spcPts val="500"/>
+              </a:spcBef>
+              <a:buFont typeface="Arial" panose="020B0604020202020204" pitchFamily="34" charset="0"/>
+              <a:buChar char="•"/>
+            </a:lvl7pPr>
+            <a:lvl8pPr marL="3429000" indent="-228600" defTabSz="914400" latinLnBrk="1">
+              <a:lnSpc>
+                <a:spcPct val="90000"/>
+              </a:lnSpc>
+              <a:spcBef>
+                <a:spcPts val="500"/>
+              </a:spcBef>
+              <a:buFont typeface="Arial" panose="020B0604020202020204" pitchFamily="34" charset="0"/>
+              <a:buChar char="•"/>
+            </a:lvl8pPr>
+            <a:lvl9pPr marL="3886200" indent="-228600" defTabSz="914400" latinLnBrk="1">
+              <a:lnSpc>
+                <a:spcPct val="90000"/>
+              </a:lnSpc>
+              <a:spcBef>
+                <a:spcPts val="500"/>
+              </a:spcBef>
+              <a:buFont typeface="Arial" panose="020B0604020202020204" pitchFamily="34" charset="0"/>
+              <a:buChar char="•"/>
+            </a:lvl9pPr>
+          </a:lstStyle>
+          <a:p>
+            <a:r>
+              <a:rPr lang="en-US" altLang="ko-KR" dirty="0"/>
+              <a:t>collaborator</a:t>
+            </a:r>
+            <a:r>
+              <a:rPr lang="ko-KR" altLang="en-US" dirty="0"/>
+              <a:t> 취소</a:t>
+            </a:r>
+            <a:r>
+              <a:rPr lang="en-US" altLang="ko-KR" dirty="0"/>
+              <a:t> : </a:t>
+            </a:r>
+            <a:r>
+              <a:rPr lang="ko-KR" altLang="en-US" dirty="0"/>
+              <a:t>참여자 </a:t>
+            </a:r>
+            <a:r>
+              <a:rPr lang="en-US" altLang="ko-KR" dirty="0"/>
+              <a:t>(2/3)</a:t>
+            </a:r>
+          </a:p>
+        </p:txBody>
+      </p:sp>
+      <p:sp>
+        <p:nvSpPr>
+          <p:cNvPr id="6" name="TextBox 5">
+            <a:extLst>
+              <a:ext uri="{FF2B5EF4-FFF2-40B4-BE49-F238E27FC236}">
+                <a16:creationId xmlns:a16="http://schemas.microsoft.com/office/drawing/2014/main" id="{93AE4ADE-2620-4A76-BAA5-2FB2E841AF42}"/>
+              </a:ext>
+            </a:extLst>
+          </p:cNvPr>
+          <p:cNvSpPr txBox="1"/>
+          <p:nvPr/>
+        </p:nvSpPr>
+        <p:spPr>
+          <a:xfrm>
+            <a:off x="5787412" y="5309522"/>
+            <a:ext cx="3196725" cy="307777"/>
+          </a:xfrm>
+          <a:prstGeom prst="rect">
+            <a:avLst/>
+          </a:prstGeom>
+          <a:noFill/>
+        </p:spPr>
+        <p:txBody>
+          <a:bodyPr wrap="square" lIns="0" rIns="0" rtlCol="0">
+            <a:spAutoFit/>
+          </a:bodyPr>
+          <a:lstStyle/>
+          <a:p>
+            <a:pPr algn="ctr"/>
+            <a:r>
+              <a:rPr lang="ko-KR" altLang="en-US" sz="1400" dirty="0">
+                <a:solidFill>
+                  <a:srgbClr val="0000FF"/>
+                </a:solidFill>
+              </a:rPr>
+              <a:t>나가길 원하는 </a:t>
+            </a:r>
+            <a:r>
+              <a:rPr lang="en-US" altLang="ko-KR" sz="1400" dirty="0">
+                <a:solidFill>
+                  <a:srgbClr val="0000FF"/>
+                </a:solidFill>
+              </a:rPr>
+              <a:t>repo </a:t>
+            </a:r>
+            <a:r>
+              <a:rPr lang="ko-KR" altLang="en-US" sz="1400" dirty="0">
+                <a:solidFill>
+                  <a:srgbClr val="0000FF"/>
+                </a:solidFill>
+              </a:rPr>
+              <a:t>확인후 </a:t>
+            </a:r>
+            <a:r>
+              <a:rPr lang="en-US" altLang="ko-KR" sz="1400" dirty="0">
+                <a:solidFill>
+                  <a:srgbClr val="0000FF"/>
+                </a:solidFill>
+              </a:rPr>
+              <a:t>leave </a:t>
+            </a:r>
+            <a:r>
+              <a:rPr lang="ko-KR" altLang="en-US" sz="1400" dirty="0">
+                <a:solidFill>
+                  <a:srgbClr val="0000FF"/>
+                </a:solidFill>
+              </a:rPr>
+              <a:t>선택</a:t>
+            </a:r>
+          </a:p>
+        </p:txBody>
+      </p:sp>
+      <p:pic>
+        <p:nvPicPr>
+          <p:cNvPr id="8" name="그림 7">
+            <a:extLst>
+              <a:ext uri="{FF2B5EF4-FFF2-40B4-BE49-F238E27FC236}">
+                <a16:creationId xmlns:a16="http://schemas.microsoft.com/office/drawing/2014/main" id="{B97AD51A-AAF8-400F-A73F-204EFD3D4FD9}"/>
+              </a:ext>
+            </a:extLst>
+          </p:cNvPr>
+          <p:cNvPicPr>
+            <a:picLocks noChangeAspect="1"/>
+          </p:cNvPicPr>
+          <p:nvPr/>
+        </p:nvPicPr>
+        <p:blipFill>
+          <a:blip r:embed="rId3"/>
+          <a:stretch>
+            <a:fillRect/>
+          </a:stretch>
+        </p:blipFill>
+        <p:spPr>
+          <a:xfrm>
+            <a:off x="554223" y="1778488"/>
+            <a:ext cx="8173934" cy="3472906"/>
+          </a:xfrm>
+          <a:prstGeom prst="rect">
+            <a:avLst/>
+          </a:prstGeom>
+        </p:spPr>
+      </p:pic>
+      <p:sp>
+        <p:nvSpPr>
+          <p:cNvPr id="9" name="TextBox 8">
+            <a:extLst>
+              <a:ext uri="{FF2B5EF4-FFF2-40B4-BE49-F238E27FC236}">
+                <a16:creationId xmlns:a16="http://schemas.microsoft.com/office/drawing/2014/main" id="{001065CA-92DC-4CF1-AF53-D16B96CDE00F}"/>
+              </a:ext>
+            </a:extLst>
+          </p:cNvPr>
+          <p:cNvSpPr txBox="1"/>
+          <p:nvPr/>
+        </p:nvSpPr>
+        <p:spPr>
+          <a:xfrm>
+            <a:off x="163318" y="3581109"/>
+            <a:ext cx="415498" cy="369332"/>
+          </a:xfrm>
+          <a:prstGeom prst="rect">
+            <a:avLst/>
+          </a:prstGeom>
+          <a:noFill/>
+        </p:spPr>
+        <p:txBody>
+          <a:bodyPr wrap="none" rtlCol="0">
+            <a:spAutoFit/>
+          </a:bodyPr>
+          <a:lstStyle/>
+          <a:p>
+            <a:r>
+              <a:rPr lang="ko-KR" altLang="en-US" dirty="0">
+                <a:solidFill>
+                  <a:srgbClr val="0000FF"/>
+                </a:solidFill>
+              </a:rPr>
+              <a:t>②</a:t>
+            </a:r>
+          </a:p>
+        </p:txBody>
+      </p:sp>
+      <p:sp>
+        <p:nvSpPr>
+          <p:cNvPr id="10" name="직사각형 9">
+            <a:extLst>
+              <a:ext uri="{FF2B5EF4-FFF2-40B4-BE49-F238E27FC236}">
+                <a16:creationId xmlns:a16="http://schemas.microsoft.com/office/drawing/2014/main" id="{CD527A25-5D61-431D-A2EB-80F219FBC922}"/>
+              </a:ext>
+            </a:extLst>
+          </p:cNvPr>
+          <p:cNvSpPr/>
+          <p:nvPr/>
+        </p:nvSpPr>
+        <p:spPr>
+          <a:xfrm flipH="1">
+            <a:off x="619539" y="3632416"/>
+            <a:ext cx="1691701" cy="266719"/>
+          </a:xfrm>
+          <a:prstGeom prst="rect">
+            <a:avLst/>
+          </a:prstGeom>
+          <a:noFill/>
+          <a:ln w="22225">
+            <a:solidFill>
+              <a:srgbClr val="FF0000"/>
+            </a:solidFill>
+          </a:ln>
+        </p:spPr>
+        <p:style>
+          <a:lnRef idx="2">
+            <a:schemeClr val="accent1">
+              <a:shade val="50000"/>
+            </a:schemeClr>
+          </a:lnRef>
+          <a:fillRef idx="1">
+            <a:schemeClr val="accent1"/>
+          </a:fillRef>
+          <a:effectRef idx="0">
+            <a:schemeClr val="accent1"/>
+          </a:effectRef>
+          <a:fontRef idx="minor">
+            <a:schemeClr val="lt1"/>
+          </a:fontRef>
+        </p:style>
+        <p:txBody>
+          <a:bodyPr rtlCol="0" anchor="ctr"/>
+          <a:lstStyle/>
+          <a:p>
+            <a:endParaRPr lang="ko-KR" altLang="en-US" b="1" dirty="0">
+              <a:solidFill>
+                <a:srgbClr val="FF0000"/>
+              </a:solidFill>
+            </a:endParaRPr>
+          </a:p>
+        </p:txBody>
+      </p:sp>
+      <p:sp>
+        <p:nvSpPr>
+          <p:cNvPr id="11" name="직사각형 10">
+            <a:extLst>
+              <a:ext uri="{FF2B5EF4-FFF2-40B4-BE49-F238E27FC236}">
+                <a16:creationId xmlns:a16="http://schemas.microsoft.com/office/drawing/2014/main" id="{ABECA6EA-7211-47D8-97F3-F827A6290184}"/>
+              </a:ext>
+            </a:extLst>
+          </p:cNvPr>
+          <p:cNvSpPr/>
+          <p:nvPr/>
+        </p:nvSpPr>
+        <p:spPr>
+          <a:xfrm flipH="1">
+            <a:off x="8033649" y="4865258"/>
+            <a:ext cx="415497" cy="321065"/>
+          </a:xfrm>
+          <a:prstGeom prst="rect">
+            <a:avLst/>
+          </a:prstGeom>
+          <a:noFill/>
+          <a:ln w="22225">
+            <a:solidFill>
+              <a:srgbClr val="FF0000"/>
+            </a:solidFill>
+          </a:ln>
+        </p:spPr>
+        <p:style>
+          <a:lnRef idx="2">
+            <a:schemeClr val="accent1">
+              <a:shade val="50000"/>
+            </a:schemeClr>
+          </a:lnRef>
+          <a:fillRef idx="1">
+            <a:schemeClr val="accent1"/>
+          </a:fillRef>
+          <a:effectRef idx="0">
+            <a:schemeClr val="accent1"/>
+          </a:effectRef>
+          <a:fontRef idx="minor">
+            <a:schemeClr val="lt1"/>
+          </a:fontRef>
+        </p:style>
+        <p:txBody>
+          <a:bodyPr rtlCol="0" anchor="ctr"/>
+          <a:lstStyle/>
+          <a:p>
+            <a:endParaRPr lang="ko-KR" altLang="en-US" b="1" dirty="0">
+              <a:solidFill>
+                <a:srgbClr val="FF0000"/>
+              </a:solidFill>
+            </a:endParaRPr>
+          </a:p>
+        </p:txBody>
+      </p:sp>
+      <p:sp>
+        <p:nvSpPr>
+          <p:cNvPr id="12" name="TextBox 11">
+            <a:extLst>
+              <a:ext uri="{FF2B5EF4-FFF2-40B4-BE49-F238E27FC236}">
+                <a16:creationId xmlns:a16="http://schemas.microsoft.com/office/drawing/2014/main" id="{FB4E387B-A1E3-4530-97BC-15744938211B}"/>
+              </a:ext>
+            </a:extLst>
+          </p:cNvPr>
+          <p:cNvSpPr txBox="1"/>
+          <p:nvPr/>
+        </p:nvSpPr>
+        <p:spPr>
+          <a:xfrm>
+            <a:off x="7618152" y="4816991"/>
+            <a:ext cx="415498" cy="369332"/>
+          </a:xfrm>
+          <a:prstGeom prst="rect">
+            <a:avLst/>
+          </a:prstGeom>
+          <a:noFill/>
+        </p:spPr>
+        <p:txBody>
+          <a:bodyPr wrap="none" rtlCol="0">
+            <a:spAutoFit/>
+          </a:bodyPr>
+          <a:lstStyle/>
+          <a:p>
+            <a:r>
+              <a:rPr lang="ko-KR" altLang="en-US" dirty="0">
+                <a:solidFill>
+                  <a:srgbClr val="0000FF"/>
+                </a:solidFill>
+              </a:rPr>
+              <a:t>③</a:t>
+            </a:r>
+          </a:p>
+        </p:txBody>
+      </p:sp>
+    </p:spTree>
+    <p:extLst>
+      <p:ext uri="{BB962C8B-B14F-4D97-AF65-F5344CB8AC3E}">
+        <p14:creationId xmlns:p14="http://schemas.microsoft.com/office/powerpoint/2010/main" val="3171367145"/>
+      </p:ext>
+    </p:extLst>
+  </p:cSld>
+  <p:clrMapOvr>
+    <a:masterClrMapping/>
+  </p:clrMapOvr>
+</p:sld>
+</file>
+
+<file path=ppt/slides/slide76.xml><?xml version="1.0" encoding="utf-8"?>
+<p:sld xmlns:a="http://schemas.openxmlformats.org/drawingml/2006/main" xmlns:r="http://schemas.openxmlformats.org/officeDocument/2006/relationships" xmlns:p="http://schemas.openxmlformats.org/presentationml/2006/main">
+  <p:cSld>
+    <p:spTree>
+      <p:nvGrpSpPr>
+        <p:cNvPr id="1" name=""/>
+        <p:cNvGrpSpPr/>
+        <p:nvPr/>
+      </p:nvGrpSpPr>
+      <p:grpSpPr>
+        <a:xfrm>
+          <a:off x="0" y="0"/>
+          <a:ext cx="0" cy="0"/>
+          <a:chOff x="0" y="0"/>
+          <a:chExt cx="0" cy="0"/>
+        </a:xfrm>
+      </p:grpSpPr>
+      <p:sp>
+        <p:nvSpPr>
+          <p:cNvPr id="4" name="제목 3">
+            <a:extLst>
+              <a:ext uri="{FF2B5EF4-FFF2-40B4-BE49-F238E27FC236}">
+                <a16:creationId xmlns:a16="http://schemas.microsoft.com/office/drawing/2014/main" id="{F0CEB32B-CB43-4410-BA08-A97E4BC47FCB}"/>
+              </a:ext>
+            </a:extLst>
+          </p:cNvPr>
+          <p:cNvSpPr>
+            <a:spLocks noGrp="1"/>
+          </p:cNvSpPr>
+          <p:nvPr>
+            <p:ph type="title"/>
+          </p:nvPr>
+        </p:nvSpPr>
+        <p:spPr/>
+        <p:txBody>
+          <a:bodyPr/>
+          <a:lstStyle/>
+          <a:p>
+            <a:r>
+              <a:rPr lang="ko-KR" altLang="en-US" dirty="0"/>
+              <a:t>협업하기 취소 </a:t>
+            </a:r>
+            <a:r>
+              <a:rPr lang="en-US" altLang="ko-KR" dirty="0"/>
+              <a:t>: </a:t>
+            </a:r>
+            <a:r>
+              <a:rPr lang="ko-KR" altLang="en-US" dirty="0"/>
+              <a:t>참여자 </a:t>
+            </a:r>
+            <a:r>
+              <a:rPr lang="en-US" altLang="ko-KR" dirty="0"/>
+              <a:t>(3/3)</a:t>
+            </a:r>
+            <a:endParaRPr lang="ko-KR" altLang="en-US" dirty="0"/>
+          </a:p>
+        </p:txBody>
+      </p:sp>
+      <p:sp>
+        <p:nvSpPr>
+          <p:cNvPr id="7" name="내용 개체 틀 2">
+            <a:extLst>
+              <a:ext uri="{FF2B5EF4-FFF2-40B4-BE49-F238E27FC236}">
+                <a16:creationId xmlns:a16="http://schemas.microsoft.com/office/drawing/2014/main" id="{A44AC902-3746-40D6-9827-94B46EEDDC67}"/>
+              </a:ext>
+            </a:extLst>
+          </p:cNvPr>
+          <p:cNvSpPr txBox="1">
+            <a:spLocks/>
+          </p:cNvSpPr>
+          <p:nvPr/>
+        </p:nvSpPr>
+        <p:spPr>
+          <a:xfrm>
+            <a:off x="341787" y="1120545"/>
+            <a:ext cx="8642350" cy="2351314"/>
+          </a:xfrm>
+          <a:prstGeom prst="rect">
+            <a:avLst/>
+          </a:prstGeom>
+        </p:spPr>
+        <p:txBody>
+          <a:bodyPr vert="horz" lIns="91440" tIns="45720" rIns="91440" bIns="45720" rtlCol="0">
+            <a:noAutofit/>
+          </a:bodyPr>
+          <a:lstStyle>
+            <a:lvl1pPr marL="266700" indent="-266700" defTabSz="914400" latinLnBrk="1">
+              <a:lnSpc>
+                <a:spcPct val="150000"/>
+              </a:lnSpc>
+              <a:spcBef>
+                <a:spcPct val="0"/>
+              </a:spcBef>
+              <a:buClr>
+                <a:schemeClr val="tx1">
+                  <a:lumMod val="65000"/>
+                  <a:lumOff val="35000"/>
+                </a:schemeClr>
+              </a:buClr>
+              <a:buFont typeface="Wingdings" pitchFamily="2" charset="2"/>
+              <a:buChar char="n"/>
+              <a:defRPr sz="2000" b="1">
+                <a:latin typeface="+mn-ea"/>
+              </a:defRPr>
+            </a:lvl1pPr>
+            <a:lvl2pPr marL="447675" lvl="1" indent="-180975" defTabSz="914400" latinLnBrk="1">
+              <a:lnSpc>
+                <a:spcPct val="150000"/>
+              </a:lnSpc>
+              <a:spcBef>
+                <a:spcPts val="0"/>
+              </a:spcBef>
+              <a:spcAft>
+                <a:spcPts val="0"/>
+              </a:spcAft>
+              <a:buClr>
+                <a:schemeClr val="tx1">
+                  <a:lumMod val="50000"/>
+                  <a:lumOff val="50000"/>
+                </a:schemeClr>
+              </a:buClr>
+              <a:buFont typeface="Wingdings" pitchFamily="2" charset="2"/>
+              <a:buChar char="§"/>
+              <a:defRPr sz="1600"/>
+            </a:lvl2pPr>
+            <a:lvl3pPr marL="628650" indent="-180975" defTabSz="914400" latinLnBrk="1">
+              <a:lnSpc>
+                <a:spcPct val="150000"/>
+              </a:lnSpc>
+              <a:spcBef>
+                <a:spcPts val="500"/>
+              </a:spcBef>
+              <a:spcAft>
+                <a:spcPts val="300"/>
+              </a:spcAft>
+              <a:buClr>
+                <a:schemeClr val="tx1">
+                  <a:lumMod val="65000"/>
+                  <a:lumOff val="35000"/>
+                </a:schemeClr>
+              </a:buClr>
+              <a:buFont typeface="Arial" panose="020B0604020202020204" pitchFamily="34" charset="0"/>
+              <a:buChar char="•"/>
+              <a:defRPr sz="1400"/>
+            </a:lvl3pPr>
+            <a:lvl4pPr marL="809625" indent="-180975" defTabSz="914400" latinLnBrk="1">
+              <a:lnSpc>
+                <a:spcPct val="150000"/>
+              </a:lnSpc>
+              <a:spcBef>
+                <a:spcPts val="500"/>
+              </a:spcBef>
+              <a:spcAft>
+                <a:spcPts val="300"/>
+              </a:spcAft>
+              <a:buClr>
+                <a:schemeClr val="tx1">
+                  <a:lumMod val="65000"/>
+                  <a:lumOff val="35000"/>
+                </a:schemeClr>
+              </a:buClr>
+              <a:buSzPct val="96000"/>
+              <a:buFont typeface="Arial" panose="020B0604020202020204" pitchFamily="34" charset="0"/>
+              <a:buChar char="•"/>
+              <a:defRPr sz="1200"/>
+            </a:lvl4pPr>
+            <a:lvl5pPr marL="990600" indent="-180975" defTabSz="914400" latinLnBrk="1">
+              <a:lnSpc>
+                <a:spcPct val="150000"/>
+              </a:lnSpc>
+              <a:spcBef>
+                <a:spcPts val="500"/>
+              </a:spcBef>
+              <a:buClr>
+                <a:schemeClr val="tx1">
+                  <a:lumMod val="65000"/>
+                  <a:lumOff val="35000"/>
+                </a:schemeClr>
+              </a:buClr>
+              <a:buFont typeface="Arial" panose="020B0604020202020204" pitchFamily="34" charset="0"/>
+              <a:buChar char="•"/>
+              <a:defRPr sz="1000"/>
+            </a:lvl5pPr>
+            <a:lvl6pPr marL="2514600" indent="-228600" defTabSz="914400" latinLnBrk="1">
+              <a:lnSpc>
+                <a:spcPct val="90000"/>
+              </a:lnSpc>
+              <a:spcBef>
+                <a:spcPts val="500"/>
+              </a:spcBef>
+              <a:buFont typeface="Arial" panose="020B0604020202020204" pitchFamily="34" charset="0"/>
+              <a:buChar char="•"/>
+            </a:lvl6pPr>
+            <a:lvl7pPr marL="2971800" indent="-228600" defTabSz="914400" latinLnBrk="1">
+              <a:lnSpc>
+                <a:spcPct val="90000"/>
+              </a:lnSpc>
+              <a:spcBef>
+                <a:spcPts val="500"/>
+              </a:spcBef>
+              <a:buFont typeface="Arial" panose="020B0604020202020204" pitchFamily="34" charset="0"/>
+              <a:buChar char="•"/>
+            </a:lvl7pPr>
+            <a:lvl8pPr marL="3429000" indent="-228600" defTabSz="914400" latinLnBrk="1">
+              <a:lnSpc>
+                <a:spcPct val="90000"/>
+              </a:lnSpc>
+              <a:spcBef>
+                <a:spcPts val="500"/>
+              </a:spcBef>
+              <a:buFont typeface="Arial" panose="020B0604020202020204" pitchFamily="34" charset="0"/>
+              <a:buChar char="•"/>
+            </a:lvl8pPr>
+            <a:lvl9pPr marL="3886200" indent="-228600" defTabSz="914400" latinLnBrk="1">
+              <a:lnSpc>
+                <a:spcPct val="90000"/>
+              </a:lnSpc>
+              <a:spcBef>
+                <a:spcPts val="500"/>
+              </a:spcBef>
+              <a:buFont typeface="Arial" panose="020B0604020202020204" pitchFamily="34" charset="0"/>
+              <a:buChar char="•"/>
+            </a:lvl9pPr>
+          </a:lstStyle>
+          <a:p>
+            <a:r>
+              <a:rPr lang="en-US" altLang="ko-KR" dirty="0"/>
+              <a:t>collaborator</a:t>
+            </a:r>
+            <a:r>
+              <a:rPr lang="ko-KR" altLang="en-US" dirty="0"/>
+              <a:t> 취소</a:t>
+            </a:r>
+            <a:r>
+              <a:rPr lang="en-US" altLang="ko-KR" dirty="0"/>
+              <a:t> : </a:t>
+            </a:r>
+            <a:r>
+              <a:rPr lang="ko-KR" altLang="en-US" dirty="0"/>
+              <a:t>참여자 </a:t>
+            </a:r>
+            <a:r>
+              <a:rPr lang="en-US" altLang="ko-KR" dirty="0"/>
+              <a:t>(3/3)</a:t>
+            </a:r>
+          </a:p>
+        </p:txBody>
+      </p:sp>
+      <p:sp>
+        <p:nvSpPr>
+          <p:cNvPr id="6" name="TextBox 5">
+            <a:extLst>
+              <a:ext uri="{FF2B5EF4-FFF2-40B4-BE49-F238E27FC236}">
+                <a16:creationId xmlns:a16="http://schemas.microsoft.com/office/drawing/2014/main" id="{93AE4ADE-2620-4A76-BAA5-2FB2E841AF42}"/>
+              </a:ext>
+            </a:extLst>
+          </p:cNvPr>
+          <p:cNvSpPr txBox="1"/>
+          <p:nvPr/>
+        </p:nvSpPr>
+        <p:spPr>
+          <a:xfrm>
+            <a:off x="3202237" y="4717996"/>
+            <a:ext cx="2434725" cy="307777"/>
+          </a:xfrm>
+          <a:prstGeom prst="rect">
+            <a:avLst/>
+          </a:prstGeom>
+          <a:noFill/>
+        </p:spPr>
+        <p:txBody>
+          <a:bodyPr wrap="square" lIns="0" rIns="0" rtlCol="0">
+            <a:spAutoFit/>
+          </a:bodyPr>
+          <a:lstStyle/>
+          <a:p>
+            <a:pPr algn="ctr"/>
+            <a:r>
+              <a:rPr lang="ko-KR" altLang="en-US" sz="1400" dirty="0">
+                <a:solidFill>
+                  <a:srgbClr val="0000FF"/>
+                </a:solidFill>
+                <a:latin typeface="맑은 고딕" panose="020B0503020000020004" pitchFamily="50" charset="-127"/>
+                <a:ea typeface="맑은 고딕" panose="020B0503020000020004" pitchFamily="50" charset="-127"/>
+              </a:rPr>
+              <a:t>경고문 확인하고 클릭 </a:t>
+            </a:r>
+            <a:r>
+              <a:rPr lang="en-US" altLang="ko-KR" sz="1400" dirty="0">
+                <a:solidFill>
+                  <a:srgbClr val="0000FF"/>
+                </a:solidFill>
+                <a:latin typeface="맑은 고딕" panose="020B0503020000020004" pitchFamily="50" charset="-127"/>
+                <a:ea typeface="맑은 고딕" panose="020B0503020000020004" pitchFamily="50" charset="-127"/>
+              </a:rPr>
+              <a:t>!</a:t>
+            </a:r>
+            <a:endParaRPr lang="ko-KR" altLang="en-US" sz="1400" dirty="0">
+              <a:solidFill>
+                <a:srgbClr val="0000FF"/>
+              </a:solidFill>
+            </a:endParaRPr>
+          </a:p>
+        </p:txBody>
+      </p:sp>
+      <p:pic>
+        <p:nvPicPr>
+          <p:cNvPr id="5" name="그림 4">
+            <a:extLst>
+              <a:ext uri="{FF2B5EF4-FFF2-40B4-BE49-F238E27FC236}">
+                <a16:creationId xmlns:a16="http://schemas.microsoft.com/office/drawing/2014/main" id="{541B30D2-4F18-416F-92B9-45051E98F714}"/>
+              </a:ext>
+            </a:extLst>
+          </p:cNvPr>
+          <p:cNvPicPr>
+            <a:picLocks noChangeAspect="1"/>
+          </p:cNvPicPr>
+          <p:nvPr/>
+        </p:nvPicPr>
+        <p:blipFill>
+          <a:blip r:embed="rId3"/>
+          <a:stretch>
+            <a:fillRect/>
+          </a:stretch>
+        </p:blipFill>
+        <p:spPr>
+          <a:xfrm>
+            <a:off x="2257425" y="1909621"/>
+            <a:ext cx="4324350" cy="2724150"/>
           </a:xfrm>
           <a:prstGeom prst="rect">
             <a:avLst/>
@@ -45958,7 +48131,7 @@
     </p:spTree>
     <p:extLst>
       <p:ext uri="{BB962C8B-B14F-4D97-AF65-F5344CB8AC3E}">
-        <p14:creationId xmlns:p14="http://schemas.microsoft.com/office/powerpoint/2010/main" val="3171367145"/>
+        <p14:creationId xmlns:p14="http://schemas.microsoft.com/office/powerpoint/2010/main" val="298779502"/>
       </p:ext>
     </p:extLst>
   </p:cSld>

--- a/git및github첫걸음4-협업하기.pptx
+++ b/git및github첫걸음4-협업하기.pptx
@@ -7797,6 +7797,47 @@
           </a:p>
         </p:txBody>
       </p:sp>
+      <p:sp>
+        <p:nvSpPr>
+          <p:cNvPr id="6" name="Slide Number Placeholder 5"/>
+          <p:cNvSpPr>
+            <a:spLocks noGrp="1"/>
+          </p:cNvSpPr>
+          <p:nvPr>
+            <p:ph type="sldNum" sz="quarter" idx="12"/>
+          </p:nvPr>
+        </p:nvSpPr>
+        <p:spPr>
+          <a:xfrm>
+            <a:off x="6457950" y="6356351"/>
+            <a:ext cx="2057400" cy="365125"/>
+          </a:xfrm>
+        </p:spPr>
+        <p:txBody>
+          <a:bodyPr/>
+          <a:lstStyle>
+            <a:lvl1pPr>
+              <a:defRPr>
+                <a:solidFill>
+                  <a:srgbClr val="FFFF00"/>
+                </a:solidFill>
+              </a:defRPr>
+            </a:lvl1pPr>
+          </a:lstStyle>
+          <a:p>
+            <a:fld id="{526ADF51-C4A2-4521-899C-87F34FDB9C0A}" type="slidenum">
+              <a:rPr lang="ko-KR" altLang="en-US" smtClean="0"/>
+              <a:pPr/>
+              <a:t>‹#›</a:t>
+            </a:fld>
+            <a:r>
+              <a:rPr lang="en-US" altLang="ko-KR" dirty="0" smtClean="0"/>
+              <a:t>/76</a:t>
+            </a:r>
+            <a:endParaRPr lang="ko-KR" altLang="en-US" dirty="0"/>
+          </a:p>
+        </p:txBody>
+      </p:sp>
     </p:spTree>
     <p:extLst>
       <p:ext uri="{BB962C8B-B14F-4D97-AF65-F5344CB8AC3E}">
@@ -7939,10 +7980,6 @@
           <a:bodyPr/>
           <a:lstStyle/>
           <a:p>
-            <a:fld id="{30E72A5D-AC2D-4154-80BD-D3C3745E4EB5}" type="datetimeFigureOut">
-              <a:rPr lang="ko-KR" altLang="en-US" smtClean="0"/>
-              <a:t>2021-04-15</a:t>
-            </a:fld>
             <a:endParaRPr lang="ko-KR" altLang="en-US"/>
           </a:p>
         </p:txBody>
@@ -8152,10 +8189,6 @@
             </a:lvl1pPr>
           </a:lstStyle>
           <a:p>
-            <a:fld id="{30E72A5D-AC2D-4154-80BD-D3C3745E4EB5}" type="datetimeFigureOut">
-              <a:rPr lang="ko-KR" altLang="en-US" smtClean="0"/>
-              <a:t>2021-04-15</a:t>
-            </a:fld>
             <a:endParaRPr lang="ko-KR" altLang="en-US"/>
           </a:p>
         </p:txBody>
@@ -8250,6 +8283,7 @@
     <p:sldLayoutId id="2147483674" r:id="rId1"/>
     <p:sldLayoutId id="2147483661" r:id="rId2"/>
   </p:sldLayoutIdLst>
+  <p:hf hdr="0" ftr="0" dt="0"/>
   <p:txStyles>
     <p:titleStyle>
       <a:lvl1pPr algn="l" defTabSz="914400" rtl="0" eaLnBrk="1" latinLnBrk="1" hangingPunct="1">
@@ -9028,6 +9062,34 @@
           </a:p>
         </p:txBody>
       </p:sp>
+      <p:sp>
+        <p:nvSpPr>
+          <p:cNvPr id="2" name="슬라이드 번호 개체 틀 1"/>
+          <p:cNvSpPr>
+            <a:spLocks noGrp="1"/>
+          </p:cNvSpPr>
+          <p:nvPr>
+            <p:ph type="sldNum" sz="quarter" idx="12"/>
+          </p:nvPr>
+        </p:nvSpPr>
+        <p:spPr/>
+        <p:txBody>
+          <a:bodyPr/>
+          <a:lstStyle/>
+          <a:p>
+            <a:fld id="{526ADF51-C4A2-4521-899C-87F34FDB9C0A}" type="slidenum">
+              <a:rPr lang="ko-KR" altLang="en-US" smtClean="0"/>
+              <a:pPr/>
+              <a:t>10</a:t>
+            </a:fld>
+            <a:r>
+              <a:rPr lang="en-US" altLang="ko-KR" smtClean="0"/>
+              <a:t>/76</a:t>
+            </a:r>
+            <a:endParaRPr lang="ko-KR" altLang="en-US" dirty="0"/>
+          </a:p>
+        </p:txBody>
+      </p:sp>
     </p:spTree>
     <p:extLst>
       <p:ext uri="{BB962C8B-B14F-4D97-AF65-F5344CB8AC3E}">
@@ -9544,6 +9606,34 @@
           </a:p>
         </p:txBody>
       </p:sp>
+      <p:sp>
+        <p:nvSpPr>
+          <p:cNvPr id="2" name="슬라이드 번호 개체 틀 1"/>
+          <p:cNvSpPr>
+            <a:spLocks noGrp="1"/>
+          </p:cNvSpPr>
+          <p:nvPr>
+            <p:ph type="sldNum" sz="quarter" idx="12"/>
+          </p:nvPr>
+        </p:nvSpPr>
+        <p:spPr/>
+        <p:txBody>
+          <a:bodyPr/>
+          <a:lstStyle/>
+          <a:p>
+            <a:fld id="{526ADF51-C4A2-4521-899C-87F34FDB9C0A}" type="slidenum">
+              <a:rPr lang="ko-KR" altLang="en-US" smtClean="0"/>
+              <a:pPr/>
+              <a:t>11</a:t>
+            </a:fld>
+            <a:r>
+              <a:rPr lang="en-US" altLang="ko-KR" smtClean="0"/>
+              <a:t>/76</a:t>
+            </a:r>
+            <a:endParaRPr lang="ko-KR" altLang="en-US" dirty="0"/>
+          </a:p>
+        </p:txBody>
+      </p:sp>
     </p:spTree>
     <p:extLst>
       <p:ext uri="{BB962C8B-B14F-4D97-AF65-F5344CB8AC3E}">
@@ -9962,6 +10052,34 @@
           </a:p>
         </p:txBody>
       </p:sp>
+      <p:sp>
+        <p:nvSpPr>
+          <p:cNvPr id="3" name="슬라이드 번호 개체 틀 2"/>
+          <p:cNvSpPr>
+            <a:spLocks noGrp="1"/>
+          </p:cNvSpPr>
+          <p:nvPr>
+            <p:ph type="sldNum" sz="quarter" idx="12"/>
+          </p:nvPr>
+        </p:nvSpPr>
+        <p:spPr/>
+        <p:txBody>
+          <a:bodyPr/>
+          <a:lstStyle/>
+          <a:p>
+            <a:fld id="{526ADF51-C4A2-4521-899C-87F34FDB9C0A}" type="slidenum">
+              <a:rPr lang="ko-KR" altLang="en-US" smtClean="0"/>
+              <a:pPr/>
+              <a:t>12</a:t>
+            </a:fld>
+            <a:r>
+              <a:rPr lang="en-US" altLang="ko-KR" smtClean="0"/>
+              <a:t>/76</a:t>
+            </a:r>
+            <a:endParaRPr lang="ko-KR" altLang="en-US" dirty="0"/>
+          </a:p>
+        </p:txBody>
+      </p:sp>
     </p:spTree>
     <p:extLst>
       <p:ext uri="{BB962C8B-B14F-4D97-AF65-F5344CB8AC3E}">
@@ -10325,6 +10443,34 @@
             <a:r>
               <a:rPr lang="en-US" altLang="ko-KR" dirty="0"/>
               <a:t>)</a:t>
+            </a:r>
+            <a:endParaRPr lang="ko-KR" altLang="en-US" dirty="0"/>
+          </a:p>
+        </p:txBody>
+      </p:sp>
+      <p:sp>
+        <p:nvSpPr>
+          <p:cNvPr id="2" name="슬라이드 번호 개체 틀 1"/>
+          <p:cNvSpPr>
+            <a:spLocks noGrp="1"/>
+          </p:cNvSpPr>
+          <p:nvPr>
+            <p:ph type="sldNum" sz="quarter" idx="12"/>
+          </p:nvPr>
+        </p:nvSpPr>
+        <p:spPr/>
+        <p:txBody>
+          <a:bodyPr/>
+          <a:lstStyle/>
+          <a:p>
+            <a:fld id="{526ADF51-C4A2-4521-899C-87F34FDB9C0A}" type="slidenum">
+              <a:rPr lang="ko-KR" altLang="en-US" smtClean="0"/>
+              <a:pPr/>
+              <a:t>13</a:t>
+            </a:fld>
+            <a:r>
+              <a:rPr lang="en-US" altLang="ko-KR" smtClean="0"/>
+              <a:t>/76</a:t>
             </a:r>
             <a:endParaRPr lang="ko-KR" altLang="en-US" dirty="0"/>
           </a:p>
@@ -10969,6 +11115,34 @@
           </a:p>
         </p:txBody>
       </p:sp>
+      <p:sp>
+        <p:nvSpPr>
+          <p:cNvPr id="3" name="슬라이드 번호 개체 틀 2"/>
+          <p:cNvSpPr>
+            <a:spLocks noGrp="1"/>
+          </p:cNvSpPr>
+          <p:nvPr>
+            <p:ph type="sldNum" sz="quarter" idx="12"/>
+          </p:nvPr>
+        </p:nvSpPr>
+        <p:spPr/>
+        <p:txBody>
+          <a:bodyPr/>
+          <a:lstStyle/>
+          <a:p>
+            <a:fld id="{526ADF51-C4A2-4521-899C-87F34FDB9C0A}" type="slidenum">
+              <a:rPr lang="ko-KR" altLang="en-US" smtClean="0"/>
+              <a:pPr/>
+              <a:t>14</a:t>
+            </a:fld>
+            <a:r>
+              <a:rPr lang="en-US" altLang="ko-KR" smtClean="0"/>
+              <a:t>/76</a:t>
+            </a:r>
+            <a:endParaRPr lang="ko-KR" altLang="en-US" dirty="0"/>
+          </a:p>
+        </p:txBody>
+      </p:sp>
     </p:spTree>
     <p:extLst>
       <p:ext uri="{BB962C8B-B14F-4D97-AF65-F5344CB8AC3E}">
@@ -11365,6 +11539,34 @@
           </a:p>
         </p:txBody>
       </p:sp>
+      <p:sp>
+        <p:nvSpPr>
+          <p:cNvPr id="2" name="슬라이드 번호 개체 틀 1"/>
+          <p:cNvSpPr>
+            <a:spLocks noGrp="1"/>
+          </p:cNvSpPr>
+          <p:nvPr>
+            <p:ph type="sldNum" sz="quarter" idx="12"/>
+          </p:nvPr>
+        </p:nvSpPr>
+        <p:spPr/>
+        <p:txBody>
+          <a:bodyPr/>
+          <a:lstStyle/>
+          <a:p>
+            <a:fld id="{526ADF51-C4A2-4521-899C-87F34FDB9C0A}" type="slidenum">
+              <a:rPr lang="ko-KR" altLang="en-US" smtClean="0"/>
+              <a:pPr/>
+              <a:t>15</a:t>
+            </a:fld>
+            <a:r>
+              <a:rPr lang="en-US" altLang="ko-KR" smtClean="0"/>
+              <a:t>/76</a:t>
+            </a:r>
+            <a:endParaRPr lang="ko-KR" altLang="en-US" dirty="0"/>
+          </a:p>
+        </p:txBody>
+      </p:sp>
     </p:spTree>
     <p:extLst>
       <p:ext uri="{BB962C8B-B14F-4D97-AF65-F5344CB8AC3E}">
@@ -11762,6 +11964,34 @@
               <a:rPr lang="ko-KR" altLang="en-US" dirty="0"/>
               <a:t>https://www.atlassian.com/git/tutorials/comparing-workflows</a:t>
             </a:r>
+          </a:p>
+        </p:txBody>
+      </p:sp>
+      <p:sp>
+        <p:nvSpPr>
+          <p:cNvPr id="2" name="슬라이드 번호 개체 틀 1"/>
+          <p:cNvSpPr>
+            <a:spLocks noGrp="1"/>
+          </p:cNvSpPr>
+          <p:nvPr>
+            <p:ph type="sldNum" sz="quarter" idx="12"/>
+          </p:nvPr>
+        </p:nvSpPr>
+        <p:spPr/>
+        <p:txBody>
+          <a:bodyPr/>
+          <a:lstStyle/>
+          <a:p>
+            <a:fld id="{526ADF51-C4A2-4521-899C-87F34FDB9C0A}" type="slidenum">
+              <a:rPr lang="ko-KR" altLang="en-US" smtClean="0"/>
+              <a:pPr/>
+              <a:t>16</a:t>
+            </a:fld>
+            <a:r>
+              <a:rPr lang="en-US" altLang="ko-KR" smtClean="0"/>
+              <a:t>/76</a:t>
+            </a:r>
+            <a:endParaRPr lang="ko-KR" altLang="en-US" dirty="0"/>
           </a:p>
         </p:txBody>
       </p:sp>
@@ -12250,6 +12480,34 @@
           </a:p>
         </p:txBody>
       </p:sp>
+      <p:sp>
+        <p:nvSpPr>
+          <p:cNvPr id="2" name="슬라이드 번호 개체 틀 1"/>
+          <p:cNvSpPr>
+            <a:spLocks noGrp="1"/>
+          </p:cNvSpPr>
+          <p:nvPr>
+            <p:ph type="sldNum" sz="quarter" idx="12"/>
+          </p:nvPr>
+        </p:nvSpPr>
+        <p:spPr/>
+        <p:txBody>
+          <a:bodyPr/>
+          <a:lstStyle/>
+          <a:p>
+            <a:fld id="{526ADF51-C4A2-4521-899C-87F34FDB9C0A}" type="slidenum">
+              <a:rPr lang="ko-KR" altLang="en-US" smtClean="0"/>
+              <a:pPr/>
+              <a:t>17</a:t>
+            </a:fld>
+            <a:r>
+              <a:rPr lang="en-US" altLang="ko-KR" smtClean="0"/>
+              <a:t>/76</a:t>
+            </a:r>
+            <a:endParaRPr lang="ko-KR" altLang="en-US" dirty="0"/>
+          </a:p>
+        </p:txBody>
+      </p:sp>
     </p:spTree>
     <p:extLst>
       <p:ext uri="{BB962C8B-B14F-4D97-AF65-F5344CB8AC3E}">
@@ -12786,6 +13044,34 @@
           <a:p>
             <a:pPr algn="ctr"/>
             <a:endParaRPr lang="ko-KR" altLang="en-US"/>
+          </a:p>
+        </p:txBody>
+      </p:sp>
+      <p:sp>
+        <p:nvSpPr>
+          <p:cNvPr id="3" name="슬라이드 번호 개체 틀 2"/>
+          <p:cNvSpPr>
+            <a:spLocks noGrp="1"/>
+          </p:cNvSpPr>
+          <p:nvPr>
+            <p:ph type="sldNum" sz="quarter" idx="12"/>
+          </p:nvPr>
+        </p:nvSpPr>
+        <p:spPr/>
+        <p:txBody>
+          <a:bodyPr/>
+          <a:lstStyle/>
+          <a:p>
+            <a:fld id="{526ADF51-C4A2-4521-899C-87F34FDB9C0A}" type="slidenum">
+              <a:rPr lang="ko-KR" altLang="en-US" smtClean="0"/>
+              <a:pPr/>
+              <a:t>18</a:t>
+            </a:fld>
+            <a:r>
+              <a:rPr lang="en-US" altLang="ko-KR" smtClean="0"/>
+              <a:t>/76</a:t>
+            </a:r>
+            <a:endParaRPr lang="ko-KR" altLang="en-US" dirty="0"/>
           </a:p>
         </p:txBody>
       </p:sp>
@@ -13469,6 +13755,34 @@
           </a:fontRef>
         </p:style>
       </p:cxnSp>
+      <p:sp>
+        <p:nvSpPr>
+          <p:cNvPr id="2" name="슬라이드 번호 개체 틀 1"/>
+          <p:cNvSpPr>
+            <a:spLocks noGrp="1"/>
+          </p:cNvSpPr>
+          <p:nvPr>
+            <p:ph type="sldNum" sz="quarter" idx="12"/>
+          </p:nvPr>
+        </p:nvSpPr>
+        <p:spPr/>
+        <p:txBody>
+          <a:bodyPr/>
+          <a:lstStyle/>
+          <a:p>
+            <a:fld id="{526ADF51-C4A2-4521-899C-87F34FDB9C0A}" type="slidenum">
+              <a:rPr lang="ko-KR" altLang="en-US" smtClean="0"/>
+              <a:pPr/>
+              <a:t>19</a:t>
+            </a:fld>
+            <a:r>
+              <a:rPr lang="en-US" altLang="ko-KR" smtClean="0"/>
+              <a:t>/76</a:t>
+            </a:r>
+            <a:endParaRPr lang="ko-KR" altLang="en-US" dirty="0"/>
+          </a:p>
+        </p:txBody>
+      </p:sp>
     </p:spTree>
     <p:extLst>
       <p:ext uri="{BB962C8B-B14F-4D97-AF65-F5344CB8AC3E}">
@@ -14307,6 +14621,34 @@
           </a:prstGeom>
         </p:spPr>
       </p:pic>
+      <p:sp>
+        <p:nvSpPr>
+          <p:cNvPr id="3" name="슬라이드 번호 개체 틀 2"/>
+          <p:cNvSpPr>
+            <a:spLocks noGrp="1"/>
+          </p:cNvSpPr>
+          <p:nvPr>
+            <p:ph type="sldNum" sz="quarter" idx="12"/>
+          </p:nvPr>
+        </p:nvSpPr>
+        <p:spPr/>
+        <p:txBody>
+          <a:bodyPr/>
+          <a:lstStyle/>
+          <a:p>
+            <a:fld id="{526ADF51-C4A2-4521-899C-87F34FDB9C0A}" type="slidenum">
+              <a:rPr lang="ko-KR" altLang="en-US" smtClean="0"/>
+              <a:pPr/>
+              <a:t>2</a:t>
+            </a:fld>
+            <a:r>
+              <a:rPr lang="en-US" altLang="ko-KR" smtClean="0"/>
+              <a:t>/76</a:t>
+            </a:r>
+            <a:endParaRPr lang="ko-KR" altLang="en-US" dirty="0"/>
+          </a:p>
+        </p:txBody>
+      </p:sp>
     </p:spTree>
     <p:extLst>
       <p:ext uri="{BB962C8B-B14F-4D97-AF65-F5344CB8AC3E}">
@@ -14906,6 +15248,34 @@
           </a:prstGeom>
         </p:spPr>
       </p:pic>
+      <p:sp>
+        <p:nvSpPr>
+          <p:cNvPr id="3" name="슬라이드 번호 개체 틀 2"/>
+          <p:cNvSpPr>
+            <a:spLocks noGrp="1"/>
+          </p:cNvSpPr>
+          <p:nvPr>
+            <p:ph type="sldNum" sz="quarter" idx="12"/>
+          </p:nvPr>
+        </p:nvSpPr>
+        <p:spPr/>
+        <p:txBody>
+          <a:bodyPr/>
+          <a:lstStyle/>
+          <a:p>
+            <a:fld id="{526ADF51-C4A2-4521-899C-87F34FDB9C0A}" type="slidenum">
+              <a:rPr lang="ko-KR" altLang="en-US" smtClean="0"/>
+              <a:pPr/>
+              <a:t>20</a:t>
+            </a:fld>
+            <a:r>
+              <a:rPr lang="en-US" altLang="ko-KR" smtClean="0"/>
+              <a:t>/76</a:t>
+            </a:r>
+            <a:endParaRPr lang="ko-KR" altLang="en-US" dirty="0"/>
+          </a:p>
+        </p:txBody>
+      </p:sp>
     </p:spTree>
     <p:extLst>
       <p:ext uri="{BB962C8B-B14F-4D97-AF65-F5344CB8AC3E}">
@@ -15614,6 +15984,34 @@
           </a:p>
         </p:txBody>
       </p:sp>
+      <p:sp>
+        <p:nvSpPr>
+          <p:cNvPr id="2" name="슬라이드 번호 개체 틀 1"/>
+          <p:cNvSpPr>
+            <a:spLocks noGrp="1"/>
+          </p:cNvSpPr>
+          <p:nvPr>
+            <p:ph type="sldNum" sz="quarter" idx="12"/>
+          </p:nvPr>
+        </p:nvSpPr>
+        <p:spPr/>
+        <p:txBody>
+          <a:bodyPr/>
+          <a:lstStyle/>
+          <a:p>
+            <a:fld id="{526ADF51-C4A2-4521-899C-87F34FDB9C0A}" type="slidenum">
+              <a:rPr lang="ko-KR" altLang="en-US" smtClean="0"/>
+              <a:pPr/>
+              <a:t>21</a:t>
+            </a:fld>
+            <a:r>
+              <a:rPr lang="en-US" altLang="ko-KR" smtClean="0"/>
+              <a:t>/76</a:t>
+            </a:r>
+            <a:endParaRPr lang="ko-KR" altLang="en-US" dirty="0"/>
+          </a:p>
+        </p:txBody>
+      </p:sp>
     </p:spTree>
     <p:extLst>
       <p:ext uri="{BB962C8B-B14F-4D97-AF65-F5344CB8AC3E}">
@@ -16180,6 +16578,34 @@
           </a:prstGeom>
         </p:spPr>
       </p:pic>
+      <p:sp>
+        <p:nvSpPr>
+          <p:cNvPr id="3" name="슬라이드 번호 개체 틀 2"/>
+          <p:cNvSpPr>
+            <a:spLocks noGrp="1"/>
+          </p:cNvSpPr>
+          <p:nvPr>
+            <p:ph type="sldNum" sz="quarter" idx="12"/>
+          </p:nvPr>
+        </p:nvSpPr>
+        <p:spPr/>
+        <p:txBody>
+          <a:bodyPr/>
+          <a:lstStyle/>
+          <a:p>
+            <a:fld id="{526ADF51-C4A2-4521-899C-87F34FDB9C0A}" type="slidenum">
+              <a:rPr lang="ko-KR" altLang="en-US" smtClean="0"/>
+              <a:pPr/>
+              <a:t>22</a:t>
+            </a:fld>
+            <a:r>
+              <a:rPr lang="en-US" altLang="ko-KR" smtClean="0"/>
+              <a:t>/76</a:t>
+            </a:r>
+            <a:endParaRPr lang="ko-KR" altLang="en-US" dirty="0"/>
+          </a:p>
+        </p:txBody>
+      </p:sp>
     </p:spTree>
     <p:extLst>
       <p:ext uri="{BB962C8B-B14F-4D97-AF65-F5344CB8AC3E}">
@@ -16686,6 +17112,34 @@
           </a:prstGeom>
         </p:spPr>
       </p:pic>
+      <p:sp>
+        <p:nvSpPr>
+          <p:cNvPr id="2" name="슬라이드 번호 개체 틀 1"/>
+          <p:cNvSpPr>
+            <a:spLocks noGrp="1"/>
+          </p:cNvSpPr>
+          <p:nvPr>
+            <p:ph type="sldNum" sz="quarter" idx="12"/>
+          </p:nvPr>
+        </p:nvSpPr>
+        <p:spPr/>
+        <p:txBody>
+          <a:bodyPr/>
+          <a:lstStyle/>
+          <a:p>
+            <a:fld id="{526ADF51-C4A2-4521-899C-87F34FDB9C0A}" type="slidenum">
+              <a:rPr lang="ko-KR" altLang="en-US" smtClean="0"/>
+              <a:pPr/>
+              <a:t>23</a:t>
+            </a:fld>
+            <a:r>
+              <a:rPr lang="en-US" altLang="ko-KR" smtClean="0"/>
+              <a:t>/76</a:t>
+            </a:r>
+            <a:endParaRPr lang="ko-KR" altLang="en-US" dirty="0"/>
+          </a:p>
+        </p:txBody>
+      </p:sp>
     </p:spTree>
     <p:extLst>
       <p:ext uri="{BB962C8B-B14F-4D97-AF65-F5344CB8AC3E}">
@@ -17379,6 +17833,34 @@
           </a:fontRef>
         </p:style>
       </p:cxnSp>
+      <p:sp>
+        <p:nvSpPr>
+          <p:cNvPr id="3" name="슬라이드 번호 개체 틀 2"/>
+          <p:cNvSpPr>
+            <a:spLocks noGrp="1"/>
+          </p:cNvSpPr>
+          <p:nvPr>
+            <p:ph type="sldNum" sz="quarter" idx="12"/>
+          </p:nvPr>
+        </p:nvSpPr>
+        <p:spPr/>
+        <p:txBody>
+          <a:bodyPr/>
+          <a:lstStyle/>
+          <a:p>
+            <a:fld id="{526ADF51-C4A2-4521-899C-87F34FDB9C0A}" type="slidenum">
+              <a:rPr lang="ko-KR" altLang="en-US" smtClean="0"/>
+              <a:pPr/>
+              <a:t>24</a:t>
+            </a:fld>
+            <a:r>
+              <a:rPr lang="en-US" altLang="ko-KR" smtClean="0"/>
+              <a:t>/76</a:t>
+            </a:r>
+            <a:endParaRPr lang="ko-KR" altLang="en-US" dirty="0"/>
+          </a:p>
+        </p:txBody>
+      </p:sp>
     </p:spTree>
     <p:extLst>
       <p:ext uri="{BB962C8B-B14F-4D97-AF65-F5344CB8AC3E}">
@@ -18288,6 +18770,34 @@
           </a:p>
         </p:txBody>
       </p:sp>
+      <p:sp>
+        <p:nvSpPr>
+          <p:cNvPr id="2" name="슬라이드 번호 개체 틀 1"/>
+          <p:cNvSpPr>
+            <a:spLocks noGrp="1"/>
+          </p:cNvSpPr>
+          <p:nvPr>
+            <p:ph type="sldNum" sz="quarter" idx="12"/>
+          </p:nvPr>
+        </p:nvSpPr>
+        <p:spPr/>
+        <p:txBody>
+          <a:bodyPr/>
+          <a:lstStyle/>
+          <a:p>
+            <a:fld id="{526ADF51-C4A2-4521-899C-87F34FDB9C0A}" type="slidenum">
+              <a:rPr lang="ko-KR" altLang="en-US" smtClean="0"/>
+              <a:pPr/>
+              <a:t>25</a:t>
+            </a:fld>
+            <a:r>
+              <a:rPr lang="en-US" altLang="ko-KR" smtClean="0"/>
+              <a:t>/76</a:t>
+            </a:r>
+            <a:endParaRPr lang="ko-KR" altLang="en-US" dirty="0"/>
+          </a:p>
+        </p:txBody>
+      </p:sp>
     </p:spTree>
     <p:extLst>
       <p:ext uri="{BB962C8B-B14F-4D97-AF65-F5344CB8AC3E}">
@@ -18842,6 +19352,34 @@
           </a:prstGeom>
         </p:spPr>
       </p:pic>
+      <p:sp>
+        <p:nvSpPr>
+          <p:cNvPr id="2" name="슬라이드 번호 개체 틀 1"/>
+          <p:cNvSpPr>
+            <a:spLocks noGrp="1"/>
+          </p:cNvSpPr>
+          <p:nvPr>
+            <p:ph type="sldNum" sz="quarter" idx="12"/>
+          </p:nvPr>
+        </p:nvSpPr>
+        <p:spPr/>
+        <p:txBody>
+          <a:bodyPr/>
+          <a:lstStyle/>
+          <a:p>
+            <a:fld id="{526ADF51-C4A2-4521-899C-87F34FDB9C0A}" type="slidenum">
+              <a:rPr lang="ko-KR" altLang="en-US" smtClean="0"/>
+              <a:pPr/>
+              <a:t>26</a:t>
+            </a:fld>
+            <a:r>
+              <a:rPr lang="en-US" altLang="ko-KR" smtClean="0"/>
+              <a:t>/76</a:t>
+            </a:r>
+            <a:endParaRPr lang="ko-KR" altLang="en-US" dirty="0"/>
+          </a:p>
+        </p:txBody>
+      </p:sp>
     </p:spTree>
     <p:extLst>
       <p:ext uri="{BB962C8B-B14F-4D97-AF65-F5344CB8AC3E}">
@@ -19333,6 +19871,34 @@
           </a:prstGeom>
         </p:spPr>
       </p:pic>
+      <p:sp>
+        <p:nvSpPr>
+          <p:cNvPr id="3" name="슬라이드 번호 개체 틀 2"/>
+          <p:cNvSpPr>
+            <a:spLocks noGrp="1"/>
+          </p:cNvSpPr>
+          <p:nvPr>
+            <p:ph type="sldNum" sz="quarter" idx="12"/>
+          </p:nvPr>
+        </p:nvSpPr>
+        <p:spPr/>
+        <p:txBody>
+          <a:bodyPr/>
+          <a:lstStyle/>
+          <a:p>
+            <a:fld id="{526ADF51-C4A2-4521-899C-87F34FDB9C0A}" type="slidenum">
+              <a:rPr lang="ko-KR" altLang="en-US" smtClean="0"/>
+              <a:pPr/>
+              <a:t>27</a:t>
+            </a:fld>
+            <a:r>
+              <a:rPr lang="en-US" altLang="ko-KR" smtClean="0"/>
+              <a:t>/76</a:t>
+            </a:r>
+            <a:endParaRPr lang="ko-KR" altLang="en-US" dirty="0"/>
+          </a:p>
+        </p:txBody>
+      </p:sp>
     </p:spTree>
     <p:extLst>
       <p:ext uri="{BB962C8B-B14F-4D97-AF65-F5344CB8AC3E}">
@@ -19957,6 +20523,34 @@
           </a:fontRef>
         </p:style>
       </p:cxnSp>
+      <p:sp>
+        <p:nvSpPr>
+          <p:cNvPr id="2" name="슬라이드 번호 개체 틀 1"/>
+          <p:cNvSpPr>
+            <a:spLocks noGrp="1"/>
+          </p:cNvSpPr>
+          <p:nvPr>
+            <p:ph type="sldNum" sz="quarter" idx="12"/>
+          </p:nvPr>
+        </p:nvSpPr>
+        <p:spPr/>
+        <p:txBody>
+          <a:bodyPr/>
+          <a:lstStyle/>
+          <a:p>
+            <a:fld id="{526ADF51-C4A2-4521-899C-87F34FDB9C0A}" type="slidenum">
+              <a:rPr lang="ko-KR" altLang="en-US" smtClean="0"/>
+              <a:pPr/>
+              <a:t>28</a:t>
+            </a:fld>
+            <a:r>
+              <a:rPr lang="en-US" altLang="ko-KR" smtClean="0"/>
+              <a:t>/76</a:t>
+            </a:r>
+            <a:endParaRPr lang="ko-KR" altLang="en-US" dirty="0"/>
+          </a:p>
+        </p:txBody>
+      </p:sp>
     </p:spTree>
     <p:extLst>
       <p:ext uri="{BB962C8B-B14F-4D97-AF65-F5344CB8AC3E}">
@@ -20417,6 +21011,34 @@
           </a:p>
         </p:txBody>
       </p:sp>
+      <p:sp>
+        <p:nvSpPr>
+          <p:cNvPr id="3" name="슬라이드 번호 개체 틀 2"/>
+          <p:cNvSpPr>
+            <a:spLocks noGrp="1"/>
+          </p:cNvSpPr>
+          <p:nvPr>
+            <p:ph type="sldNum" sz="quarter" idx="12"/>
+          </p:nvPr>
+        </p:nvSpPr>
+        <p:spPr/>
+        <p:txBody>
+          <a:bodyPr/>
+          <a:lstStyle/>
+          <a:p>
+            <a:fld id="{526ADF51-C4A2-4521-899C-87F34FDB9C0A}" type="slidenum">
+              <a:rPr lang="ko-KR" altLang="en-US" smtClean="0"/>
+              <a:pPr/>
+              <a:t>29</a:t>
+            </a:fld>
+            <a:r>
+              <a:rPr lang="en-US" altLang="ko-KR" smtClean="0"/>
+              <a:t>/76</a:t>
+            </a:r>
+            <a:endParaRPr lang="ko-KR" altLang="en-US" dirty="0"/>
+          </a:p>
+        </p:txBody>
+      </p:sp>
     </p:spTree>
     <p:extLst>
       <p:ext uri="{BB962C8B-B14F-4D97-AF65-F5344CB8AC3E}">
@@ -20915,6 +21537,34 @@
           </a:fontRef>
         </p:style>
       </p:cxnSp>
+      <p:sp>
+        <p:nvSpPr>
+          <p:cNvPr id="2" name="슬라이드 번호 개체 틀 1"/>
+          <p:cNvSpPr>
+            <a:spLocks noGrp="1"/>
+          </p:cNvSpPr>
+          <p:nvPr>
+            <p:ph type="sldNum" sz="quarter" idx="12"/>
+          </p:nvPr>
+        </p:nvSpPr>
+        <p:spPr/>
+        <p:txBody>
+          <a:bodyPr/>
+          <a:lstStyle/>
+          <a:p>
+            <a:fld id="{526ADF51-C4A2-4521-899C-87F34FDB9C0A}" type="slidenum">
+              <a:rPr lang="ko-KR" altLang="en-US" smtClean="0"/>
+              <a:pPr/>
+              <a:t>3</a:t>
+            </a:fld>
+            <a:r>
+              <a:rPr lang="en-US" altLang="ko-KR" smtClean="0"/>
+              <a:t>/76</a:t>
+            </a:r>
+            <a:endParaRPr lang="ko-KR" altLang="en-US" dirty="0"/>
+          </a:p>
+        </p:txBody>
+      </p:sp>
     </p:spTree>
     <p:extLst>
       <p:ext uri="{BB962C8B-B14F-4D97-AF65-F5344CB8AC3E}">
@@ -21464,6 +22114,34 @@
           </a:p>
         </p:txBody>
       </p:sp>
+      <p:sp>
+        <p:nvSpPr>
+          <p:cNvPr id="2" name="슬라이드 번호 개체 틀 1"/>
+          <p:cNvSpPr>
+            <a:spLocks noGrp="1"/>
+          </p:cNvSpPr>
+          <p:nvPr>
+            <p:ph type="sldNum" sz="quarter" idx="12"/>
+          </p:nvPr>
+        </p:nvSpPr>
+        <p:spPr/>
+        <p:txBody>
+          <a:bodyPr/>
+          <a:lstStyle/>
+          <a:p>
+            <a:fld id="{526ADF51-C4A2-4521-899C-87F34FDB9C0A}" type="slidenum">
+              <a:rPr lang="ko-KR" altLang="en-US" smtClean="0"/>
+              <a:pPr/>
+              <a:t>30</a:t>
+            </a:fld>
+            <a:r>
+              <a:rPr lang="en-US" altLang="ko-KR" smtClean="0"/>
+              <a:t>/76</a:t>
+            </a:r>
+            <a:endParaRPr lang="ko-KR" altLang="en-US" dirty="0"/>
+          </a:p>
+        </p:txBody>
+      </p:sp>
     </p:spTree>
     <p:extLst>
       <p:ext uri="{BB962C8B-B14F-4D97-AF65-F5344CB8AC3E}">
@@ -21941,6 +22619,34 @@
           </a:p>
         </p:txBody>
       </p:sp>
+      <p:sp>
+        <p:nvSpPr>
+          <p:cNvPr id="2" name="슬라이드 번호 개체 틀 1"/>
+          <p:cNvSpPr>
+            <a:spLocks noGrp="1"/>
+          </p:cNvSpPr>
+          <p:nvPr>
+            <p:ph type="sldNum" sz="quarter" idx="12"/>
+          </p:nvPr>
+        </p:nvSpPr>
+        <p:spPr/>
+        <p:txBody>
+          <a:bodyPr/>
+          <a:lstStyle/>
+          <a:p>
+            <a:fld id="{526ADF51-C4A2-4521-899C-87F34FDB9C0A}" type="slidenum">
+              <a:rPr lang="ko-KR" altLang="en-US" smtClean="0"/>
+              <a:pPr/>
+              <a:t>31</a:t>
+            </a:fld>
+            <a:r>
+              <a:rPr lang="en-US" altLang="ko-KR" smtClean="0"/>
+              <a:t>/76</a:t>
+            </a:r>
+            <a:endParaRPr lang="ko-KR" altLang="en-US" dirty="0"/>
+          </a:p>
+        </p:txBody>
+      </p:sp>
     </p:spTree>
     <p:extLst>
       <p:ext uri="{BB962C8B-B14F-4D97-AF65-F5344CB8AC3E}">
@@ -22317,6 +23023,12 @@
               </a:rPr>
               <a:t>으로 </a:t>
             </a:r>
+            <a:r>
+              <a:rPr lang="en-US" altLang="ko-KR" dirty="0">
+                <a:latin typeface="+mn-ea"/>
+              </a:rPr>
+              <a:t/>
+            </a:r>
             <a:br>
               <a:rPr lang="en-US" altLang="ko-KR" dirty="0">
                 <a:latin typeface="+mn-ea"/>
@@ -22454,6 +23166,34 @@
           </a:prstGeom>
         </p:spPr>
       </p:pic>
+      <p:sp>
+        <p:nvSpPr>
+          <p:cNvPr id="3" name="슬라이드 번호 개체 틀 2"/>
+          <p:cNvSpPr>
+            <a:spLocks noGrp="1"/>
+          </p:cNvSpPr>
+          <p:nvPr>
+            <p:ph type="sldNum" sz="quarter" idx="12"/>
+          </p:nvPr>
+        </p:nvSpPr>
+        <p:spPr/>
+        <p:txBody>
+          <a:bodyPr/>
+          <a:lstStyle/>
+          <a:p>
+            <a:fld id="{526ADF51-C4A2-4521-899C-87F34FDB9C0A}" type="slidenum">
+              <a:rPr lang="ko-KR" altLang="en-US" smtClean="0"/>
+              <a:pPr/>
+              <a:t>32</a:t>
+            </a:fld>
+            <a:r>
+              <a:rPr lang="en-US" altLang="ko-KR" smtClean="0"/>
+              <a:t>/76</a:t>
+            </a:r>
+            <a:endParaRPr lang="ko-KR" altLang="en-US" dirty="0"/>
+          </a:p>
+        </p:txBody>
+      </p:sp>
     </p:spTree>
     <p:extLst>
       <p:ext uri="{BB962C8B-B14F-4D97-AF65-F5344CB8AC3E}">
@@ -23275,6 +24015,34 @@
           </a:fontRef>
         </p:style>
       </p:cxnSp>
+      <p:sp>
+        <p:nvSpPr>
+          <p:cNvPr id="2" name="슬라이드 번호 개체 틀 1"/>
+          <p:cNvSpPr>
+            <a:spLocks noGrp="1"/>
+          </p:cNvSpPr>
+          <p:nvPr>
+            <p:ph type="sldNum" sz="quarter" idx="12"/>
+          </p:nvPr>
+        </p:nvSpPr>
+        <p:spPr/>
+        <p:txBody>
+          <a:bodyPr/>
+          <a:lstStyle/>
+          <a:p>
+            <a:fld id="{526ADF51-C4A2-4521-899C-87F34FDB9C0A}" type="slidenum">
+              <a:rPr lang="ko-KR" altLang="en-US" smtClean="0"/>
+              <a:pPr/>
+              <a:t>33</a:t>
+            </a:fld>
+            <a:r>
+              <a:rPr lang="en-US" altLang="ko-KR" smtClean="0"/>
+              <a:t>/76</a:t>
+            </a:r>
+            <a:endParaRPr lang="ko-KR" altLang="en-US" dirty="0"/>
+          </a:p>
+        </p:txBody>
+      </p:sp>
     </p:spTree>
     <p:extLst>
       <p:ext uri="{BB962C8B-B14F-4D97-AF65-F5344CB8AC3E}">
@@ -23914,6 +24682,34 @@
           </a:p>
         </p:txBody>
       </p:sp>
+      <p:sp>
+        <p:nvSpPr>
+          <p:cNvPr id="2" name="슬라이드 번호 개체 틀 1"/>
+          <p:cNvSpPr>
+            <a:spLocks noGrp="1"/>
+          </p:cNvSpPr>
+          <p:nvPr>
+            <p:ph type="sldNum" sz="quarter" idx="12"/>
+          </p:nvPr>
+        </p:nvSpPr>
+        <p:spPr/>
+        <p:txBody>
+          <a:bodyPr/>
+          <a:lstStyle/>
+          <a:p>
+            <a:fld id="{526ADF51-C4A2-4521-899C-87F34FDB9C0A}" type="slidenum">
+              <a:rPr lang="ko-KR" altLang="en-US" smtClean="0"/>
+              <a:pPr/>
+              <a:t>34</a:t>
+            </a:fld>
+            <a:r>
+              <a:rPr lang="en-US" altLang="ko-KR" smtClean="0"/>
+              <a:t>/76</a:t>
+            </a:r>
+            <a:endParaRPr lang="ko-KR" altLang="en-US" dirty="0"/>
+          </a:p>
+        </p:txBody>
+      </p:sp>
     </p:spTree>
     <p:extLst>
       <p:ext uri="{BB962C8B-B14F-4D97-AF65-F5344CB8AC3E}">
@@ -24625,6 +25421,34 @@
             <a:r>
               <a:rPr lang="en-US" altLang="ko-KR" dirty="0"/>
               <a:t>)</a:t>
+            </a:r>
+            <a:endParaRPr lang="ko-KR" altLang="en-US" dirty="0"/>
+          </a:p>
+        </p:txBody>
+      </p:sp>
+      <p:sp>
+        <p:nvSpPr>
+          <p:cNvPr id="2" name="슬라이드 번호 개체 틀 1"/>
+          <p:cNvSpPr>
+            <a:spLocks noGrp="1"/>
+          </p:cNvSpPr>
+          <p:nvPr>
+            <p:ph type="sldNum" sz="quarter" idx="12"/>
+          </p:nvPr>
+        </p:nvSpPr>
+        <p:spPr/>
+        <p:txBody>
+          <a:bodyPr/>
+          <a:lstStyle/>
+          <a:p>
+            <a:fld id="{526ADF51-C4A2-4521-899C-87F34FDB9C0A}" type="slidenum">
+              <a:rPr lang="ko-KR" altLang="en-US" smtClean="0"/>
+              <a:pPr/>
+              <a:t>35</a:t>
+            </a:fld>
+            <a:r>
+              <a:rPr lang="en-US" altLang="ko-KR" smtClean="0"/>
+              <a:t>/76</a:t>
             </a:r>
             <a:endParaRPr lang="ko-KR" altLang="en-US" dirty="0"/>
           </a:p>
@@ -25232,6 +26056,34 @@
           </a:p>
         </p:txBody>
       </p:sp>
+      <p:sp>
+        <p:nvSpPr>
+          <p:cNvPr id="3" name="슬라이드 번호 개체 틀 2"/>
+          <p:cNvSpPr>
+            <a:spLocks noGrp="1"/>
+          </p:cNvSpPr>
+          <p:nvPr>
+            <p:ph type="sldNum" sz="quarter" idx="12"/>
+          </p:nvPr>
+        </p:nvSpPr>
+        <p:spPr/>
+        <p:txBody>
+          <a:bodyPr/>
+          <a:lstStyle/>
+          <a:p>
+            <a:fld id="{526ADF51-C4A2-4521-899C-87F34FDB9C0A}" type="slidenum">
+              <a:rPr lang="ko-KR" altLang="en-US" smtClean="0"/>
+              <a:pPr/>
+              <a:t>36</a:t>
+            </a:fld>
+            <a:r>
+              <a:rPr lang="en-US" altLang="ko-KR" smtClean="0"/>
+              <a:t>/76</a:t>
+            </a:r>
+            <a:endParaRPr lang="ko-KR" altLang="en-US" dirty="0"/>
+          </a:p>
+        </p:txBody>
+      </p:sp>
     </p:spTree>
     <p:extLst>
       <p:ext uri="{BB962C8B-B14F-4D97-AF65-F5344CB8AC3E}">
@@ -25624,6 +26476,34 @@
           </a:prstGeom>
         </p:spPr>
       </p:pic>
+      <p:sp>
+        <p:nvSpPr>
+          <p:cNvPr id="2" name="슬라이드 번호 개체 틀 1"/>
+          <p:cNvSpPr>
+            <a:spLocks noGrp="1"/>
+          </p:cNvSpPr>
+          <p:nvPr>
+            <p:ph type="sldNum" sz="quarter" idx="12"/>
+          </p:nvPr>
+        </p:nvSpPr>
+        <p:spPr/>
+        <p:txBody>
+          <a:bodyPr/>
+          <a:lstStyle/>
+          <a:p>
+            <a:fld id="{526ADF51-C4A2-4521-899C-87F34FDB9C0A}" type="slidenum">
+              <a:rPr lang="ko-KR" altLang="en-US" smtClean="0"/>
+              <a:pPr/>
+              <a:t>37</a:t>
+            </a:fld>
+            <a:r>
+              <a:rPr lang="en-US" altLang="ko-KR" smtClean="0"/>
+              <a:t>/76</a:t>
+            </a:r>
+            <a:endParaRPr lang="ko-KR" altLang="en-US" dirty="0"/>
+          </a:p>
+        </p:txBody>
+      </p:sp>
     </p:spTree>
     <p:extLst>
       <p:ext uri="{BB962C8B-B14F-4D97-AF65-F5344CB8AC3E}">
@@ -26236,6 +27116,34 @@
           </a:fontRef>
         </p:style>
       </p:cxnSp>
+      <p:sp>
+        <p:nvSpPr>
+          <p:cNvPr id="3" name="슬라이드 번호 개체 틀 2"/>
+          <p:cNvSpPr>
+            <a:spLocks noGrp="1"/>
+          </p:cNvSpPr>
+          <p:nvPr>
+            <p:ph type="sldNum" sz="quarter" idx="12"/>
+          </p:nvPr>
+        </p:nvSpPr>
+        <p:spPr/>
+        <p:txBody>
+          <a:bodyPr/>
+          <a:lstStyle/>
+          <a:p>
+            <a:fld id="{526ADF51-C4A2-4521-899C-87F34FDB9C0A}" type="slidenum">
+              <a:rPr lang="ko-KR" altLang="en-US" smtClean="0"/>
+              <a:pPr/>
+              <a:t>38</a:t>
+            </a:fld>
+            <a:r>
+              <a:rPr lang="en-US" altLang="ko-KR" smtClean="0"/>
+              <a:t>/76</a:t>
+            </a:r>
+            <a:endParaRPr lang="ko-KR" altLang="en-US" dirty="0"/>
+          </a:p>
+        </p:txBody>
+      </p:sp>
     </p:spTree>
     <p:extLst>
       <p:ext uri="{BB962C8B-B14F-4D97-AF65-F5344CB8AC3E}">
@@ -27037,6 +27945,34 @@
                 <a:srgbClr val="0000FF"/>
               </a:solidFill>
             </a:endParaRPr>
+          </a:p>
+        </p:txBody>
+      </p:sp>
+      <p:sp>
+        <p:nvSpPr>
+          <p:cNvPr id="2" name="슬라이드 번호 개체 틀 1"/>
+          <p:cNvSpPr>
+            <a:spLocks noGrp="1"/>
+          </p:cNvSpPr>
+          <p:nvPr>
+            <p:ph type="sldNum" sz="quarter" idx="12"/>
+          </p:nvPr>
+        </p:nvSpPr>
+        <p:spPr/>
+        <p:txBody>
+          <a:bodyPr/>
+          <a:lstStyle/>
+          <a:p>
+            <a:fld id="{526ADF51-C4A2-4521-899C-87F34FDB9C0A}" type="slidenum">
+              <a:rPr lang="ko-KR" altLang="en-US" smtClean="0"/>
+              <a:pPr/>
+              <a:t>39</a:t>
+            </a:fld>
+            <a:r>
+              <a:rPr lang="en-US" altLang="ko-KR" smtClean="0"/>
+              <a:t>/76</a:t>
+            </a:r>
+            <a:endParaRPr lang="ko-KR" altLang="en-US" dirty="0"/>
           </a:p>
         </p:txBody>
       </p:sp>
@@ -27776,6 +28712,34 @@
           </a:fontRef>
         </p:style>
       </p:cxnSp>
+      <p:sp>
+        <p:nvSpPr>
+          <p:cNvPr id="3" name="슬라이드 번호 개체 틀 2"/>
+          <p:cNvSpPr>
+            <a:spLocks noGrp="1"/>
+          </p:cNvSpPr>
+          <p:nvPr>
+            <p:ph type="sldNum" sz="quarter" idx="12"/>
+          </p:nvPr>
+        </p:nvSpPr>
+        <p:spPr/>
+        <p:txBody>
+          <a:bodyPr/>
+          <a:lstStyle/>
+          <a:p>
+            <a:fld id="{526ADF51-C4A2-4521-899C-87F34FDB9C0A}" type="slidenum">
+              <a:rPr lang="ko-KR" altLang="en-US" smtClean="0"/>
+              <a:pPr/>
+              <a:t>4</a:t>
+            </a:fld>
+            <a:r>
+              <a:rPr lang="en-US" altLang="ko-KR" smtClean="0"/>
+              <a:t>/76</a:t>
+            </a:r>
+            <a:endParaRPr lang="ko-KR" altLang="en-US" dirty="0"/>
+          </a:p>
+        </p:txBody>
+      </p:sp>
     </p:spTree>
     <p:extLst>
       <p:ext uri="{BB962C8B-B14F-4D97-AF65-F5344CB8AC3E}">
@@ -28241,6 +29205,34 @@
                 <a:srgbClr val="FF0000"/>
               </a:solidFill>
             </a:endParaRPr>
+          </a:p>
+        </p:txBody>
+      </p:sp>
+      <p:sp>
+        <p:nvSpPr>
+          <p:cNvPr id="3" name="슬라이드 번호 개체 틀 2"/>
+          <p:cNvSpPr>
+            <a:spLocks noGrp="1"/>
+          </p:cNvSpPr>
+          <p:nvPr>
+            <p:ph type="sldNum" sz="quarter" idx="12"/>
+          </p:nvPr>
+        </p:nvSpPr>
+        <p:spPr/>
+        <p:txBody>
+          <a:bodyPr/>
+          <a:lstStyle/>
+          <a:p>
+            <a:fld id="{526ADF51-C4A2-4521-899C-87F34FDB9C0A}" type="slidenum">
+              <a:rPr lang="ko-KR" altLang="en-US" smtClean="0"/>
+              <a:pPr/>
+              <a:t>40</a:t>
+            </a:fld>
+            <a:r>
+              <a:rPr lang="en-US" altLang="ko-KR" smtClean="0"/>
+              <a:t>/76</a:t>
+            </a:r>
+            <a:endParaRPr lang="ko-KR" altLang="en-US" dirty="0"/>
           </a:p>
         </p:txBody>
       </p:sp>
@@ -28901,6 +29893,34 @@
           </a:fontRef>
         </p:style>
       </p:cxnSp>
+      <p:sp>
+        <p:nvSpPr>
+          <p:cNvPr id="3" name="슬라이드 번호 개체 틀 2"/>
+          <p:cNvSpPr>
+            <a:spLocks noGrp="1"/>
+          </p:cNvSpPr>
+          <p:nvPr>
+            <p:ph type="sldNum" sz="quarter" idx="12"/>
+          </p:nvPr>
+        </p:nvSpPr>
+        <p:spPr/>
+        <p:txBody>
+          <a:bodyPr/>
+          <a:lstStyle/>
+          <a:p>
+            <a:fld id="{526ADF51-C4A2-4521-899C-87F34FDB9C0A}" type="slidenum">
+              <a:rPr lang="ko-KR" altLang="en-US" smtClean="0"/>
+              <a:pPr/>
+              <a:t>41</a:t>
+            </a:fld>
+            <a:r>
+              <a:rPr lang="en-US" altLang="ko-KR" smtClean="0"/>
+              <a:t>/76</a:t>
+            </a:r>
+            <a:endParaRPr lang="ko-KR" altLang="en-US" dirty="0"/>
+          </a:p>
+        </p:txBody>
+      </p:sp>
     </p:spTree>
     <p:extLst>
       <p:ext uri="{BB962C8B-B14F-4D97-AF65-F5344CB8AC3E}">
@@ -29831,6 +30851,34 @@
           </a:p>
         </p:txBody>
       </p:sp>
+      <p:sp>
+        <p:nvSpPr>
+          <p:cNvPr id="2" name="슬라이드 번호 개체 틀 1"/>
+          <p:cNvSpPr>
+            <a:spLocks noGrp="1"/>
+          </p:cNvSpPr>
+          <p:nvPr>
+            <p:ph type="sldNum" sz="quarter" idx="12"/>
+          </p:nvPr>
+        </p:nvSpPr>
+        <p:spPr/>
+        <p:txBody>
+          <a:bodyPr/>
+          <a:lstStyle/>
+          <a:p>
+            <a:fld id="{526ADF51-C4A2-4521-899C-87F34FDB9C0A}" type="slidenum">
+              <a:rPr lang="ko-KR" altLang="en-US" smtClean="0"/>
+              <a:pPr/>
+              <a:t>42</a:t>
+            </a:fld>
+            <a:r>
+              <a:rPr lang="en-US" altLang="ko-KR" smtClean="0"/>
+              <a:t>/76</a:t>
+            </a:r>
+            <a:endParaRPr lang="ko-KR" altLang="en-US" dirty="0"/>
+          </a:p>
+        </p:txBody>
+      </p:sp>
     </p:spTree>
     <p:extLst>
       <p:ext uri="{BB962C8B-B14F-4D97-AF65-F5344CB8AC3E}">
@@ -30546,6 +31594,34 @@
           </a:p>
         </p:txBody>
       </p:sp>
+      <p:sp>
+        <p:nvSpPr>
+          <p:cNvPr id="3" name="슬라이드 번호 개체 틀 2"/>
+          <p:cNvSpPr>
+            <a:spLocks noGrp="1"/>
+          </p:cNvSpPr>
+          <p:nvPr>
+            <p:ph type="sldNum" sz="quarter" idx="12"/>
+          </p:nvPr>
+        </p:nvSpPr>
+        <p:spPr/>
+        <p:txBody>
+          <a:bodyPr/>
+          <a:lstStyle/>
+          <a:p>
+            <a:fld id="{526ADF51-C4A2-4521-899C-87F34FDB9C0A}" type="slidenum">
+              <a:rPr lang="ko-KR" altLang="en-US" smtClean="0"/>
+              <a:pPr/>
+              <a:t>43</a:t>
+            </a:fld>
+            <a:r>
+              <a:rPr lang="en-US" altLang="ko-KR" smtClean="0"/>
+              <a:t>/76</a:t>
+            </a:r>
+            <a:endParaRPr lang="ko-KR" altLang="en-US" dirty="0"/>
+          </a:p>
+        </p:txBody>
+      </p:sp>
     </p:spTree>
     <p:extLst>
       <p:ext uri="{BB962C8B-B14F-4D97-AF65-F5344CB8AC3E}">
@@ -30927,6 +32003,34 @@
           </a:prstGeom>
         </p:spPr>
       </p:pic>
+      <p:sp>
+        <p:nvSpPr>
+          <p:cNvPr id="2" name="슬라이드 번호 개체 틀 1"/>
+          <p:cNvSpPr>
+            <a:spLocks noGrp="1"/>
+          </p:cNvSpPr>
+          <p:nvPr>
+            <p:ph type="sldNum" sz="quarter" idx="12"/>
+          </p:nvPr>
+        </p:nvSpPr>
+        <p:spPr/>
+        <p:txBody>
+          <a:bodyPr/>
+          <a:lstStyle/>
+          <a:p>
+            <a:fld id="{526ADF51-C4A2-4521-899C-87F34FDB9C0A}" type="slidenum">
+              <a:rPr lang="ko-KR" altLang="en-US" smtClean="0"/>
+              <a:pPr/>
+              <a:t>44</a:t>
+            </a:fld>
+            <a:r>
+              <a:rPr lang="en-US" altLang="ko-KR" smtClean="0"/>
+              <a:t>/76</a:t>
+            </a:r>
+            <a:endParaRPr lang="ko-KR" altLang="en-US" dirty="0"/>
+          </a:p>
+        </p:txBody>
+      </p:sp>
     </p:spTree>
     <p:extLst>
       <p:ext uri="{BB962C8B-B14F-4D97-AF65-F5344CB8AC3E}">
@@ -31347,6 +32451,34 @@
           </a:p>
         </p:txBody>
       </p:sp>
+      <p:sp>
+        <p:nvSpPr>
+          <p:cNvPr id="3" name="슬라이드 번호 개체 틀 2"/>
+          <p:cNvSpPr>
+            <a:spLocks noGrp="1"/>
+          </p:cNvSpPr>
+          <p:nvPr>
+            <p:ph type="sldNum" sz="quarter" idx="12"/>
+          </p:nvPr>
+        </p:nvSpPr>
+        <p:spPr/>
+        <p:txBody>
+          <a:bodyPr/>
+          <a:lstStyle/>
+          <a:p>
+            <a:fld id="{526ADF51-C4A2-4521-899C-87F34FDB9C0A}" type="slidenum">
+              <a:rPr lang="ko-KR" altLang="en-US" smtClean="0"/>
+              <a:pPr/>
+              <a:t>45</a:t>
+            </a:fld>
+            <a:r>
+              <a:rPr lang="en-US" altLang="ko-KR" smtClean="0"/>
+              <a:t>/76</a:t>
+            </a:r>
+            <a:endParaRPr lang="ko-KR" altLang="en-US" dirty="0"/>
+          </a:p>
+        </p:txBody>
+      </p:sp>
     </p:spTree>
     <p:extLst>
       <p:ext uri="{BB962C8B-B14F-4D97-AF65-F5344CB8AC3E}">
@@ -31775,6 +32907,34 @@
           </a:fontRef>
         </p:style>
       </p:cxnSp>
+      <p:sp>
+        <p:nvSpPr>
+          <p:cNvPr id="2" name="슬라이드 번호 개체 틀 1"/>
+          <p:cNvSpPr>
+            <a:spLocks noGrp="1"/>
+          </p:cNvSpPr>
+          <p:nvPr>
+            <p:ph type="sldNum" sz="quarter" idx="12"/>
+          </p:nvPr>
+        </p:nvSpPr>
+        <p:spPr/>
+        <p:txBody>
+          <a:bodyPr/>
+          <a:lstStyle/>
+          <a:p>
+            <a:fld id="{526ADF51-C4A2-4521-899C-87F34FDB9C0A}" type="slidenum">
+              <a:rPr lang="ko-KR" altLang="en-US" smtClean="0"/>
+              <a:pPr/>
+              <a:t>46</a:t>
+            </a:fld>
+            <a:r>
+              <a:rPr lang="en-US" altLang="ko-KR" smtClean="0"/>
+              <a:t>/76</a:t>
+            </a:r>
+            <a:endParaRPr lang="ko-KR" altLang="en-US" dirty="0"/>
+          </a:p>
+        </p:txBody>
+      </p:sp>
     </p:spTree>
     <p:extLst>
       <p:ext uri="{BB962C8B-B14F-4D97-AF65-F5344CB8AC3E}">
@@ -32175,6 +33335,34 @@
           </a:fontRef>
         </p:style>
       </p:cxnSp>
+      <p:sp>
+        <p:nvSpPr>
+          <p:cNvPr id="3" name="슬라이드 번호 개체 틀 2"/>
+          <p:cNvSpPr>
+            <a:spLocks noGrp="1"/>
+          </p:cNvSpPr>
+          <p:nvPr>
+            <p:ph type="sldNum" sz="quarter" idx="12"/>
+          </p:nvPr>
+        </p:nvSpPr>
+        <p:spPr/>
+        <p:txBody>
+          <a:bodyPr/>
+          <a:lstStyle/>
+          <a:p>
+            <a:fld id="{526ADF51-C4A2-4521-899C-87F34FDB9C0A}" type="slidenum">
+              <a:rPr lang="ko-KR" altLang="en-US" smtClean="0"/>
+              <a:pPr/>
+              <a:t>47</a:t>
+            </a:fld>
+            <a:r>
+              <a:rPr lang="en-US" altLang="ko-KR" smtClean="0"/>
+              <a:t>/76</a:t>
+            </a:r>
+            <a:endParaRPr lang="ko-KR" altLang="en-US" dirty="0"/>
+          </a:p>
+        </p:txBody>
+      </p:sp>
     </p:spTree>
     <p:extLst>
       <p:ext uri="{BB962C8B-B14F-4D97-AF65-F5344CB8AC3E}">
@@ -32822,6 +34010,34 @@
           </a:p>
         </p:txBody>
       </p:sp>
+      <p:sp>
+        <p:nvSpPr>
+          <p:cNvPr id="2" name="슬라이드 번호 개체 틀 1"/>
+          <p:cNvSpPr>
+            <a:spLocks noGrp="1"/>
+          </p:cNvSpPr>
+          <p:nvPr>
+            <p:ph type="sldNum" sz="quarter" idx="12"/>
+          </p:nvPr>
+        </p:nvSpPr>
+        <p:spPr/>
+        <p:txBody>
+          <a:bodyPr/>
+          <a:lstStyle/>
+          <a:p>
+            <a:fld id="{526ADF51-C4A2-4521-899C-87F34FDB9C0A}" type="slidenum">
+              <a:rPr lang="ko-KR" altLang="en-US" smtClean="0"/>
+              <a:pPr/>
+              <a:t>48</a:t>
+            </a:fld>
+            <a:r>
+              <a:rPr lang="en-US" altLang="ko-KR" smtClean="0"/>
+              <a:t>/76</a:t>
+            </a:r>
+            <a:endParaRPr lang="ko-KR" altLang="en-US" dirty="0"/>
+          </a:p>
+        </p:txBody>
+      </p:sp>
     </p:spTree>
     <p:extLst>
       <p:ext uri="{BB962C8B-B14F-4D97-AF65-F5344CB8AC3E}">
@@ -33120,6 +34336,34 @@
           </a:p>
         </p:txBody>
       </p:sp>
+      <p:sp>
+        <p:nvSpPr>
+          <p:cNvPr id="3" name="슬라이드 번호 개체 틀 2"/>
+          <p:cNvSpPr>
+            <a:spLocks noGrp="1"/>
+          </p:cNvSpPr>
+          <p:nvPr>
+            <p:ph type="sldNum" sz="quarter" idx="12"/>
+          </p:nvPr>
+        </p:nvSpPr>
+        <p:spPr/>
+        <p:txBody>
+          <a:bodyPr/>
+          <a:lstStyle/>
+          <a:p>
+            <a:fld id="{526ADF51-C4A2-4521-899C-87F34FDB9C0A}" type="slidenum">
+              <a:rPr lang="ko-KR" altLang="en-US" smtClean="0"/>
+              <a:pPr/>
+              <a:t>49</a:t>
+            </a:fld>
+            <a:r>
+              <a:rPr lang="en-US" altLang="ko-KR" smtClean="0"/>
+              <a:t>/76</a:t>
+            </a:r>
+            <a:endParaRPr lang="ko-KR" altLang="en-US" dirty="0"/>
+          </a:p>
+        </p:txBody>
+      </p:sp>
     </p:spTree>
     <p:extLst>
       <p:ext uri="{BB962C8B-B14F-4D97-AF65-F5344CB8AC3E}">
@@ -33536,6 +34780,34 @@
           </a:fontRef>
         </p:style>
       </p:cxnSp>
+      <p:sp>
+        <p:nvSpPr>
+          <p:cNvPr id="5" name="슬라이드 번호 개체 틀 4"/>
+          <p:cNvSpPr>
+            <a:spLocks noGrp="1"/>
+          </p:cNvSpPr>
+          <p:nvPr>
+            <p:ph type="sldNum" sz="quarter" idx="12"/>
+          </p:nvPr>
+        </p:nvSpPr>
+        <p:spPr/>
+        <p:txBody>
+          <a:bodyPr/>
+          <a:lstStyle/>
+          <a:p>
+            <a:fld id="{526ADF51-C4A2-4521-899C-87F34FDB9C0A}" type="slidenum">
+              <a:rPr lang="ko-KR" altLang="en-US" smtClean="0"/>
+              <a:pPr/>
+              <a:t>5</a:t>
+            </a:fld>
+            <a:r>
+              <a:rPr lang="en-US" altLang="ko-KR" smtClean="0"/>
+              <a:t>/76</a:t>
+            </a:r>
+            <a:endParaRPr lang="ko-KR" altLang="en-US" dirty="0"/>
+          </a:p>
+        </p:txBody>
+      </p:sp>
     </p:spTree>
     <p:extLst>
       <p:ext uri="{BB962C8B-B14F-4D97-AF65-F5344CB8AC3E}">
@@ -33889,6 +35161,34 @@
           </a:p>
         </p:txBody>
       </p:sp>
+      <p:sp>
+        <p:nvSpPr>
+          <p:cNvPr id="3" name="슬라이드 번호 개체 틀 2"/>
+          <p:cNvSpPr>
+            <a:spLocks noGrp="1"/>
+          </p:cNvSpPr>
+          <p:nvPr>
+            <p:ph type="sldNum" sz="quarter" idx="12"/>
+          </p:nvPr>
+        </p:nvSpPr>
+        <p:spPr/>
+        <p:txBody>
+          <a:bodyPr/>
+          <a:lstStyle/>
+          <a:p>
+            <a:fld id="{526ADF51-C4A2-4521-899C-87F34FDB9C0A}" type="slidenum">
+              <a:rPr lang="ko-KR" altLang="en-US" smtClean="0"/>
+              <a:pPr/>
+              <a:t>50</a:t>
+            </a:fld>
+            <a:r>
+              <a:rPr lang="en-US" altLang="ko-KR" smtClean="0"/>
+              <a:t>/76</a:t>
+            </a:r>
+            <a:endParaRPr lang="ko-KR" altLang="en-US" dirty="0"/>
+          </a:p>
+        </p:txBody>
+      </p:sp>
     </p:spTree>
     <p:extLst>
       <p:ext uri="{BB962C8B-B14F-4D97-AF65-F5344CB8AC3E}">
@@ -34219,6 +35519,34 @@
           </a:fontRef>
         </p:style>
       </p:cxnSp>
+      <p:sp>
+        <p:nvSpPr>
+          <p:cNvPr id="2" name="슬라이드 번호 개체 틀 1"/>
+          <p:cNvSpPr>
+            <a:spLocks noGrp="1"/>
+          </p:cNvSpPr>
+          <p:nvPr>
+            <p:ph type="sldNum" sz="quarter" idx="12"/>
+          </p:nvPr>
+        </p:nvSpPr>
+        <p:spPr/>
+        <p:txBody>
+          <a:bodyPr/>
+          <a:lstStyle/>
+          <a:p>
+            <a:fld id="{526ADF51-C4A2-4521-899C-87F34FDB9C0A}" type="slidenum">
+              <a:rPr lang="ko-KR" altLang="en-US" smtClean="0"/>
+              <a:pPr/>
+              <a:t>51</a:t>
+            </a:fld>
+            <a:r>
+              <a:rPr lang="en-US" altLang="ko-KR" smtClean="0"/>
+              <a:t>/76</a:t>
+            </a:r>
+            <a:endParaRPr lang="ko-KR" altLang="en-US" dirty="0"/>
+          </a:p>
+        </p:txBody>
+      </p:sp>
     </p:spTree>
     <p:extLst>
       <p:ext uri="{BB962C8B-B14F-4D97-AF65-F5344CB8AC3E}">
@@ -34673,6 +36001,34 @@
           </a:p>
         </p:txBody>
       </p:sp>
+      <p:sp>
+        <p:nvSpPr>
+          <p:cNvPr id="3" name="슬라이드 번호 개체 틀 2"/>
+          <p:cNvSpPr>
+            <a:spLocks noGrp="1"/>
+          </p:cNvSpPr>
+          <p:nvPr>
+            <p:ph type="sldNum" sz="quarter" idx="12"/>
+          </p:nvPr>
+        </p:nvSpPr>
+        <p:spPr/>
+        <p:txBody>
+          <a:bodyPr/>
+          <a:lstStyle/>
+          <a:p>
+            <a:fld id="{526ADF51-C4A2-4521-899C-87F34FDB9C0A}" type="slidenum">
+              <a:rPr lang="ko-KR" altLang="en-US" smtClean="0"/>
+              <a:pPr/>
+              <a:t>52</a:t>
+            </a:fld>
+            <a:r>
+              <a:rPr lang="en-US" altLang="ko-KR" smtClean="0"/>
+              <a:t>/76</a:t>
+            </a:r>
+            <a:endParaRPr lang="ko-KR" altLang="en-US" dirty="0"/>
+          </a:p>
+        </p:txBody>
+      </p:sp>
     </p:spTree>
     <p:extLst>
       <p:ext uri="{BB962C8B-B14F-4D97-AF65-F5344CB8AC3E}">
@@ -35124,6 +36480,34 @@
                 <a:srgbClr val="FF0000"/>
               </a:solidFill>
             </a:endParaRPr>
+          </a:p>
+        </p:txBody>
+      </p:sp>
+      <p:sp>
+        <p:nvSpPr>
+          <p:cNvPr id="3" name="슬라이드 번호 개체 틀 2"/>
+          <p:cNvSpPr>
+            <a:spLocks noGrp="1"/>
+          </p:cNvSpPr>
+          <p:nvPr>
+            <p:ph type="sldNum" sz="quarter" idx="12"/>
+          </p:nvPr>
+        </p:nvSpPr>
+        <p:spPr/>
+        <p:txBody>
+          <a:bodyPr/>
+          <a:lstStyle/>
+          <a:p>
+            <a:fld id="{526ADF51-C4A2-4521-899C-87F34FDB9C0A}" type="slidenum">
+              <a:rPr lang="ko-KR" altLang="en-US" smtClean="0"/>
+              <a:pPr/>
+              <a:t>53</a:t>
+            </a:fld>
+            <a:r>
+              <a:rPr lang="en-US" altLang="ko-KR" smtClean="0"/>
+              <a:t>/76</a:t>
+            </a:r>
+            <a:endParaRPr lang="ko-KR" altLang="en-US" dirty="0"/>
           </a:p>
         </p:txBody>
       </p:sp>
@@ -35580,6 +36964,34 @@
           </a:fontRef>
         </p:style>
       </p:cxnSp>
+      <p:sp>
+        <p:nvSpPr>
+          <p:cNvPr id="3" name="슬라이드 번호 개체 틀 2"/>
+          <p:cNvSpPr>
+            <a:spLocks noGrp="1"/>
+          </p:cNvSpPr>
+          <p:nvPr>
+            <p:ph type="sldNum" sz="quarter" idx="12"/>
+          </p:nvPr>
+        </p:nvSpPr>
+        <p:spPr/>
+        <p:txBody>
+          <a:bodyPr/>
+          <a:lstStyle/>
+          <a:p>
+            <a:fld id="{526ADF51-C4A2-4521-899C-87F34FDB9C0A}" type="slidenum">
+              <a:rPr lang="ko-KR" altLang="en-US" smtClean="0"/>
+              <a:pPr/>
+              <a:t>54</a:t>
+            </a:fld>
+            <a:r>
+              <a:rPr lang="en-US" altLang="ko-KR" smtClean="0"/>
+              <a:t>/76</a:t>
+            </a:r>
+            <a:endParaRPr lang="ko-KR" altLang="en-US" dirty="0"/>
+          </a:p>
+        </p:txBody>
+      </p:sp>
     </p:spTree>
     <p:extLst>
       <p:ext uri="{BB962C8B-B14F-4D97-AF65-F5344CB8AC3E}">
@@ -36207,6 +37619,34 @@
           </a:p>
         </p:txBody>
       </p:sp>
+      <p:sp>
+        <p:nvSpPr>
+          <p:cNvPr id="3" name="슬라이드 번호 개체 틀 2"/>
+          <p:cNvSpPr>
+            <a:spLocks noGrp="1"/>
+          </p:cNvSpPr>
+          <p:nvPr>
+            <p:ph type="sldNum" sz="quarter" idx="12"/>
+          </p:nvPr>
+        </p:nvSpPr>
+        <p:spPr/>
+        <p:txBody>
+          <a:bodyPr/>
+          <a:lstStyle/>
+          <a:p>
+            <a:fld id="{526ADF51-C4A2-4521-899C-87F34FDB9C0A}" type="slidenum">
+              <a:rPr lang="ko-KR" altLang="en-US" smtClean="0"/>
+              <a:pPr/>
+              <a:t>55</a:t>
+            </a:fld>
+            <a:r>
+              <a:rPr lang="en-US" altLang="ko-KR" smtClean="0"/>
+              <a:t>/76</a:t>
+            </a:r>
+            <a:endParaRPr lang="ko-KR" altLang="en-US" dirty="0"/>
+          </a:p>
+        </p:txBody>
+      </p:sp>
     </p:spTree>
     <p:extLst>
       <p:ext uri="{BB962C8B-B14F-4D97-AF65-F5344CB8AC3E}">
@@ -36924,6 +38364,34 @@
             <a:r>
               <a:rPr lang="en-US" altLang="ko-KR" dirty="0"/>
               <a:t>)</a:t>
+            </a:r>
+            <a:endParaRPr lang="ko-KR" altLang="en-US" dirty="0"/>
+          </a:p>
+        </p:txBody>
+      </p:sp>
+      <p:sp>
+        <p:nvSpPr>
+          <p:cNvPr id="2" name="슬라이드 번호 개체 틀 1"/>
+          <p:cNvSpPr>
+            <a:spLocks noGrp="1"/>
+          </p:cNvSpPr>
+          <p:nvPr>
+            <p:ph type="sldNum" sz="quarter" idx="12"/>
+          </p:nvPr>
+        </p:nvSpPr>
+        <p:spPr/>
+        <p:txBody>
+          <a:bodyPr/>
+          <a:lstStyle/>
+          <a:p>
+            <a:fld id="{526ADF51-C4A2-4521-899C-87F34FDB9C0A}" type="slidenum">
+              <a:rPr lang="ko-KR" altLang="en-US" smtClean="0"/>
+              <a:pPr/>
+              <a:t>56</a:t>
+            </a:fld>
+            <a:r>
+              <a:rPr lang="en-US" altLang="ko-KR" smtClean="0"/>
+              <a:t>/76</a:t>
             </a:r>
             <a:endParaRPr lang="ko-KR" altLang="en-US" dirty="0"/>
           </a:p>
@@ -37402,6 +38870,34 @@
           </a:fontRef>
         </p:style>
       </p:cxnSp>
+      <p:sp>
+        <p:nvSpPr>
+          <p:cNvPr id="2" name="슬라이드 번호 개체 틀 1"/>
+          <p:cNvSpPr>
+            <a:spLocks noGrp="1"/>
+          </p:cNvSpPr>
+          <p:nvPr>
+            <p:ph type="sldNum" sz="quarter" idx="12"/>
+          </p:nvPr>
+        </p:nvSpPr>
+        <p:spPr/>
+        <p:txBody>
+          <a:bodyPr/>
+          <a:lstStyle/>
+          <a:p>
+            <a:fld id="{526ADF51-C4A2-4521-899C-87F34FDB9C0A}" type="slidenum">
+              <a:rPr lang="ko-KR" altLang="en-US" smtClean="0"/>
+              <a:pPr/>
+              <a:t>57</a:t>
+            </a:fld>
+            <a:r>
+              <a:rPr lang="en-US" altLang="ko-KR" smtClean="0"/>
+              <a:t>/76</a:t>
+            </a:r>
+            <a:endParaRPr lang="ko-KR" altLang="en-US" dirty="0"/>
+          </a:p>
+        </p:txBody>
+      </p:sp>
     </p:spTree>
     <p:extLst>
       <p:ext uri="{BB962C8B-B14F-4D97-AF65-F5344CB8AC3E}">
@@ -38143,6 +39639,34 @@
           </a:fontRef>
         </p:style>
       </p:cxnSp>
+      <p:sp>
+        <p:nvSpPr>
+          <p:cNvPr id="3" name="슬라이드 번호 개체 틀 2"/>
+          <p:cNvSpPr>
+            <a:spLocks noGrp="1"/>
+          </p:cNvSpPr>
+          <p:nvPr>
+            <p:ph type="sldNum" sz="quarter" idx="12"/>
+          </p:nvPr>
+        </p:nvSpPr>
+        <p:spPr/>
+        <p:txBody>
+          <a:bodyPr/>
+          <a:lstStyle/>
+          <a:p>
+            <a:fld id="{526ADF51-C4A2-4521-899C-87F34FDB9C0A}" type="slidenum">
+              <a:rPr lang="ko-KR" altLang="en-US" smtClean="0"/>
+              <a:pPr/>
+              <a:t>58</a:t>
+            </a:fld>
+            <a:r>
+              <a:rPr lang="en-US" altLang="ko-KR" smtClean="0"/>
+              <a:t>/76</a:t>
+            </a:r>
+            <a:endParaRPr lang="ko-KR" altLang="en-US" dirty="0"/>
+          </a:p>
+        </p:txBody>
+      </p:sp>
     </p:spTree>
     <p:extLst>
       <p:ext uri="{BB962C8B-B14F-4D97-AF65-F5344CB8AC3E}">
@@ -38574,6 +40098,34 @@
               </a:rPr>
               <a:t>에 코멘트 삽입</a:t>
             </a:r>
+          </a:p>
+        </p:txBody>
+      </p:sp>
+      <p:sp>
+        <p:nvSpPr>
+          <p:cNvPr id="3" name="슬라이드 번호 개체 틀 2"/>
+          <p:cNvSpPr>
+            <a:spLocks noGrp="1"/>
+          </p:cNvSpPr>
+          <p:nvPr>
+            <p:ph type="sldNum" sz="quarter" idx="12"/>
+          </p:nvPr>
+        </p:nvSpPr>
+        <p:spPr/>
+        <p:txBody>
+          <a:bodyPr/>
+          <a:lstStyle/>
+          <a:p>
+            <a:fld id="{526ADF51-C4A2-4521-899C-87F34FDB9C0A}" type="slidenum">
+              <a:rPr lang="ko-KR" altLang="en-US" smtClean="0"/>
+              <a:pPr/>
+              <a:t>59</a:t>
+            </a:fld>
+            <a:r>
+              <a:rPr lang="en-US" altLang="ko-KR" smtClean="0"/>
+              <a:t>/76</a:t>
+            </a:r>
+            <a:endParaRPr lang="ko-KR" altLang="en-US" dirty="0"/>
           </a:p>
         </p:txBody>
       </p:sp>
@@ -39050,6 +40602,34 @@
           </a:fontRef>
         </p:style>
       </p:cxnSp>
+      <p:sp>
+        <p:nvSpPr>
+          <p:cNvPr id="3" name="슬라이드 번호 개체 틀 2"/>
+          <p:cNvSpPr>
+            <a:spLocks noGrp="1"/>
+          </p:cNvSpPr>
+          <p:nvPr>
+            <p:ph type="sldNum" sz="quarter" idx="12"/>
+          </p:nvPr>
+        </p:nvSpPr>
+        <p:spPr/>
+        <p:txBody>
+          <a:bodyPr/>
+          <a:lstStyle/>
+          <a:p>
+            <a:fld id="{526ADF51-C4A2-4521-899C-87F34FDB9C0A}" type="slidenum">
+              <a:rPr lang="ko-KR" altLang="en-US" smtClean="0"/>
+              <a:pPr/>
+              <a:t>6</a:t>
+            </a:fld>
+            <a:r>
+              <a:rPr lang="en-US" altLang="ko-KR" smtClean="0"/>
+              <a:t>/76</a:t>
+            </a:r>
+            <a:endParaRPr lang="ko-KR" altLang="en-US" dirty="0"/>
+          </a:p>
+        </p:txBody>
+      </p:sp>
     </p:spTree>
     <p:extLst>
       <p:ext uri="{BB962C8B-B14F-4D97-AF65-F5344CB8AC3E}">
@@ -39464,6 +41044,34 @@
           </a:p>
         </p:txBody>
       </p:sp>
+      <p:sp>
+        <p:nvSpPr>
+          <p:cNvPr id="2" name="슬라이드 번호 개체 틀 1"/>
+          <p:cNvSpPr>
+            <a:spLocks noGrp="1"/>
+          </p:cNvSpPr>
+          <p:nvPr>
+            <p:ph type="sldNum" sz="quarter" idx="12"/>
+          </p:nvPr>
+        </p:nvSpPr>
+        <p:spPr/>
+        <p:txBody>
+          <a:bodyPr/>
+          <a:lstStyle/>
+          <a:p>
+            <a:fld id="{526ADF51-C4A2-4521-899C-87F34FDB9C0A}" type="slidenum">
+              <a:rPr lang="ko-KR" altLang="en-US" smtClean="0"/>
+              <a:pPr/>
+              <a:t>60</a:t>
+            </a:fld>
+            <a:r>
+              <a:rPr lang="en-US" altLang="ko-KR" smtClean="0"/>
+              <a:t>/76</a:t>
+            </a:r>
+            <a:endParaRPr lang="ko-KR" altLang="en-US" dirty="0"/>
+          </a:p>
+        </p:txBody>
+      </p:sp>
     </p:spTree>
     <p:extLst>
       <p:ext uri="{BB962C8B-B14F-4D97-AF65-F5344CB8AC3E}">
@@ -39897,6 +41505,34 @@
                 <a:srgbClr val="FF0000"/>
               </a:solidFill>
             </a:endParaRPr>
+          </a:p>
+        </p:txBody>
+      </p:sp>
+      <p:sp>
+        <p:nvSpPr>
+          <p:cNvPr id="3" name="슬라이드 번호 개체 틀 2"/>
+          <p:cNvSpPr>
+            <a:spLocks noGrp="1"/>
+          </p:cNvSpPr>
+          <p:nvPr>
+            <p:ph type="sldNum" sz="quarter" idx="12"/>
+          </p:nvPr>
+        </p:nvSpPr>
+        <p:spPr/>
+        <p:txBody>
+          <a:bodyPr/>
+          <a:lstStyle/>
+          <a:p>
+            <a:fld id="{526ADF51-C4A2-4521-899C-87F34FDB9C0A}" type="slidenum">
+              <a:rPr lang="ko-KR" altLang="en-US" smtClean="0"/>
+              <a:pPr/>
+              <a:t>61</a:t>
+            </a:fld>
+            <a:r>
+              <a:rPr lang="en-US" altLang="ko-KR" smtClean="0"/>
+              <a:t>/76</a:t>
+            </a:r>
+            <a:endParaRPr lang="ko-KR" altLang="en-US" dirty="0"/>
           </a:p>
         </p:txBody>
       </p:sp>
@@ -40499,6 +42135,34 @@
           </a:p>
         </p:txBody>
       </p:sp>
+      <p:sp>
+        <p:nvSpPr>
+          <p:cNvPr id="2" name="슬라이드 번호 개체 틀 1"/>
+          <p:cNvSpPr>
+            <a:spLocks noGrp="1"/>
+          </p:cNvSpPr>
+          <p:nvPr>
+            <p:ph type="sldNum" sz="quarter" idx="12"/>
+          </p:nvPr>
+        </p:nvSpPr>
+        <p:spPr/>
+        <p:txBody>
+          <a:bodyPr/>
+          <a:lstStyle/>
+          <a:p>
+            <a:fld id="{526ADF51-C4A2-4521-899C-87F34FDB9C0A}" type="slidenum">
+              <a:rPr lang="ko-KR" altLang="en-US" smtClean="0"/>
+              <a:pPr/>
+              <a:t>62</a:t>
+            </a:fld>
+            <a:r>
+              <a:rPr lang="en-US" altLang="ko-KR" smtClean="0"/>
+              <a:t>/76</a:t>
+            </a:r>
+            <a:endParaRPr lang="ko-KR" altLang="en-US" dirty="0"/>
+          </a:p>
+        </p:txBody>
+      </p:sp>
     </p:spTree>
     <p:extLst>
       <p:ext uri="{BB962C8B-B14F-4D97-AF65-F5344CB8AC3E}">
@@ -40955,6 +42619,34 @@
             <a:endParaRPr lang="en-US" altLang="ko-KR" dirty="0">
               <a:latin typeface="+mn-ea"/>
             </a:endParaRPr>
+          </a:p>
+        </p:txBody>
+      </p:sp>
+      <p:sp>
+        <p:nvSpPr>
+          <p:cNvPr id="2" name="슬라이드 번호 개체 틀 1"/>
+          <p:cNvSpPr>
+            <a:spLocks noGrp="1"/>
+          </p:cNvSpPr>
+          <p:nvPr>
+            <p:ph type="sldNum" sz="quarter" idx="12"/>
+          </p:nvPr>
+        </p:nvSpPr>
+        <p:spPr/>
+        <p:txBody>
+          <a:bodyPr/>
+          <a:lstStyle/>
+          <a:p>
+            <a:fld id="{526ADF51-C4A2-4521-899C-87F34FDB9C0A}" type="slidenum">
+              <a:rPr lang="ko-KR" altLang="en-US" smtClean="0"/>
+              <a:pPr/>
+              <a:t>63</a:t>
+            </a:fld>
+            <a:r>
+              <a:rPr lang="en-US" altLang="ko-KR" smtClean="0"/>
+              <a:t>/76</a:t>
+            </a:r>
+            <a:endParaRPr lang="ko-KR" altLang="en-US" dirty="0"/>
           </a:p>
         </p:txBody>
       </p:sp>
@@ -41437,6 +43129,34 @@
           </a:p>
         </p:txBody>
       </p:sp>
+      <p:sp>
+        <p:nvSpPr>
+          <p:cNvPr id="3" name="슬라이드 번호 개체 틀 2"/>
+          <p:cNvSpPr>
+            <a:spLocks noGrp="1"/>
+          </p:cNvSpPr>
+          <p:nvPr>
+            <p:ph type="sldNum" sz="quarter" idx="12"/>
+          </p:nvPr>
+        </p:nvSpPr>
+        <p:spPr/>
+        <p:txBody>
+          <a:bodyPr/>
+          <a:lstStyle/>
+          <a:p>
+            <a:fld id="{526ADF51-C4A2-4521-899C-87F34FDB9C0A}" type="slidenum">
+              <a:rPr lang="ko-KR" altLang="en-US" smtClean="0"/>
+              <a:pPr/>
+              <a:t>64</a:t>
+            </a:fld>
+            <a:r>
+              <a:rPr lang="en-US" altLang="ko-KR" smtClean="0"/>
+              <a:t>/76</a:t>
+            </a:r>
+            <a:endParaRPr lang="ko-KR" altLang="en-US" dirty="0"/>
+          </a:p>
+        </p:txBody>
+      </p:sp>
     </p:spTree>
     <p:extLst>
       <p:ext uri="{BB962C8B-B14F-4D97-AF65-F5344CB8AC3E}">
@@ -42036,6 +43756,34 @@
           </a:p>
         </p:txBody>
       </p:sp>
+      <p:sp>
+        <p:nvSpPr>
+          <p:cNvPr id="2" name="슬라이드 번호 개체 틀 1"/>
+          <p:cNvSpPr>
+            <a:spLocks noGrp="1"/>
+          </p:cNvSpPr>
+          <p:nvPr>
+            <p:ph type="sldNum" sz="quarter" idx="12"/>
+          </p:nvPr>
+        </p:nvSpPr>
+        <p:spPr/>
+        <p:txBody>
+          <a:bodyPr/>
+          <a:lstStyle/>
+          <a:p>
+            <a:fld id="{526ADF51-C4A2-4521-899C-87F34FDB9C0A}" type="slidenum">
+              <a:rPr lang="ko-KR" altLang="en-US" smtClean="0"/>
+              <a:pPr/>
+              <a:t>65</a:t>
+            </a:fld>
+            <a:r>
+              <a:rPr lang="en-US" altLang="ko-KR" smtClean="0"/>
+              <a:t>/76</a:t>
+            </a:r>
+            <a:endParaRPr lang="ko-KR" altLang="en-US" dirty="0"/>
+          </a:p>
+        </p:txBody>
+      </p:sp>
     </p:spTree>
     <p:extLst>
       <p:ext uri="{BB962C8B-B14F-4D97-AF65-F5344CB8AC3E}">
@@ -42589,6 +44337,34 @@
           </a:p>
         </p:txBody>
       </p:sp>
+      <p:sp>
+        <p:nvSpPr>
+          <p:cNvPr id="3" name="슬라이드 번호 개체 틀 2"/>
+          <p:cNvSpPr>
+            <a:spLocks noGrp="1"/>
+          </p:cNvSpPr>
+          <p:nvPr>
+            <p:ph type="sldNum" sz="quarter" idx="12"/>
+          </p:nvPr>
+        </p:nvSpPr>
+        <p:spPr/>
+        <p:txBody>
+          <a:bodyPr/>
+          <a:lstStyle/>
+          <a:p>
+            <a:fld id="{526ADF51-C4A2-4521-899C-87F34FDB9C0A}" type="slidenum">
+              <a:rPr lang="ko-KR" altLang="en-US" smtClean="0"/>
+              <a:pPr/>
+              <a:t>66</a:t>
+            </a:fld>
+            <a:r>
+              <a:rPr lang="en-US" altLang="ko-KR" smtClean="0"/>
+              <a:t>/76</a:t>
+            </a:r>
+            <a:endParaRPr lang="ko-KR" altLang="en-US" dirty="0"/>
+          </a:p>
+        </p:txBody>
+      </p:sp>
     </p:spTree>
     <p:extLst>
       <p:ext uri="{BB962C8B-B14F-4D97-AF65-F5344CB8AC3E}">
@@ -43045,6 +44821,34 @@
           </a:fontRef>
         </p:style>
       </p:cxnSp>
+      <p:sp>
+        <p:nvSpPr>
+          <p:cNvPr id="2" name="슬라이드 번호 개체 틀 1"/>
+          <p:cNvSpPr>
+            <a:spLocks noGrp="1"/>
+          </p:cNvSpPr>
+          <p:nvPr>
+            <p:ph type="sldNum" sz="quarter" idx="12"/>
+          </p:nvPr>
+        </p:nvSpPr>
+        <p:spPr/>
+        <p:txBody>
+          <a:bodyPr/>
+          <a:lstStyle/>
+          <a:p>
+            <a:fld id="{526ADF51-C4A2-4521-899C-87F34FDB9C0A}" type="slidenum">
+              <a:rPr lang="ko-KR" altLang="en-US" smtClean="0"/>
+              <a:pPr/>
+              <a:t>67</a:t>
+            </a:fld>
+            <a:r>
+              <a:rPr lang="en-US" altLang="ko-KR" smtClean="0"/>
+              <a:t>/76</a:t>
+            </a:r>
+            <a:endParaRPr lang="ko-KR" altLang="en-US" dirty="0"/>
+          </a:p>
+        </p:txBody>
+      </p:sp>
     </p:spTree>
     <p:extLst>
       <p:ext uri="{BB962C8B-B14F-4D97-AF65-F5344CB8AC3E}">
@@ -43502,6 +45306,34 @@
           </a:p>
         </p:txBody>
       </p:sp>
+      <p:sp>
+        <p:nvSpPr>
+          <p:cNvPr id="3" name="슬라이드 번호 개체 틀 2"/>
+          <p:cNvSpPr>
+            <a:spLocks noGrp="1"/>
+          </p:cNvSpPr>
+          <p:nvPr>
+            <p:ph type="sldNum" sz="quarter" idx="12"/>
+          </p:nvPr>
+        </p:nvSpPr>
+        <p:spPr/>
+        <p:txBody>
+          <a:bodyPr/>
+          <a:lstStyle/>
+          <a:p>
+            <a:fld id="{526ADF51-C4A2-4521-899C-87F34FDB9C0A}" type="slidenum">
+              <a:rPr lang="ko-KR" altLang="en-US" smtClean="0"/>
+              <a:pPr/>
+              <a:t>68</a:t>
+            </a:fld>
+            <a:r>
+              <a:rPr lang="en-US" altLang="ko-KR" smtClean="0"/>
+              <a:t>/76</a:t>
+            </a:r>
+            <a:endParaRPr lang="ko-KR" altLang="en-US" dirty="0"/>
+          </a:p>
+        </p:txBody>
+      </p:sp>
     </p:spTree>
     <p:extLst>
       <p:ext uri="{BB962C8B-B14F-4D97-AF65-F5344CB8AC3E}">
@@ -44003,6 +45835,34 @@
               </a:rPr>
               <a:t>버튼</a:t>
             </a:r>
+          </a:p>
+        </p:txBody>
+      </p:sp>
+      <p:sp>
+        <p:nvSpPr>
+          <p:cNvPr id="2" name="슬라이드 번호 개체 틀 1"/>
+          <p:cNvSpPr>
+            <a:spLocks noGrp="1"/>
+          </p:cNvSpPr>
+          <p:nvPr>
+            <p:ph type="sldNum" sz="quarter" idx="12"/>
+          </p:nvPr>
+        </p:nvSpPr>
+        <p:spPr/>
+        <p:txBody>
+          <a:bodyPr/>
+          <a:lstStyle/>
+          <a:p>
+            <a:fld id="{526ADF51-C4A2-4521-899C-87F34FDB9C0A}" type="slidenum">
+              <a:rPr lang="ko-KR" altLang="en-US" smtClean="0"/>
+              <a:pPr/>
+              <a:t>69</a:t>
+            </a:fld>
+            <a:r>
+              <a:rPr lang="en-US" altLang="ko-KR" smtClean="0"/>
+              <a:t>/76</a:t>
+            </a:r>
+            <a:endParaRPr lang="ko-KR" altLang="en-US" dirty="0"/>
           </a:p>
         </p:txBody>
       </p:sp>
@@ -44561,6 +46421,34 @@
           </a:fontRef>
         </p:style>
       </p:cxnSp>
+      <p:sp>
+        <p:nvSpPr>
+          <p:cNvPr id="3" name="슬라이드 번호 개체 틀 2"/>
+          <p:cNvSpPr>
+            <a:spLocks noGrp="1"/>
+          </p:cNvSpPr>
+          <p:nvPr>
+            <p:ph type="sldNum" sz="quarter" idx="12"/>
+          </p:nvPr>
+        </p:nvSpPr>
+        <p:spPr/>
+        <p:txBody>
+          <a:bodyPr/>
+          <a:lstStyle/>
+          <a:p>
+            <a:fld id="{526ADF51-C4A2-4521-899C-87F34FDB9C0A}" type="slidenum">
+              <a:rPr lang="ko-KR" altLang="en-US" smtClean="0"/>
+              <a:pPr/>
+              <a:t>7</a:t>
+            </a:fld>
+            <a:r>
+              <a:rPr lang="en-US" altLang="ko-KR" smtClean="0"/>
+              <a:t>/76</a:t>
+            </a:r>
+            <a:endParaRPr lang="ko-KR" altLang="en-US" dirty="0"/>
+          </a:p>
+        </p:txBody>
+      </p:sp>
     </p:spTree>
     <p:extLst>
       <p:ext uri="{BB962C8B-B14F-4D97-AF65-F5344CB8AC3E}">
@@ -45046,6 +46934,34 @@
             <a:endParaRPr lang="en-US" altLang="ko-KR" dirty="0">
               <a:latin typeface="+mn-ea"/>
             </a:endParaRPr>
+          </a:p>
+        </p:txBody>
+      </p:sp>
+      <p:sp>
+        <p:nvSpPr>
+          <p:cNvPr id="3" name="슬라이드 번호 개체 틀 2"/>
+          <p:cNvSpPr>
+            <a:spLocks noGrp="1"/>
+          </p:cNvSpPr>
+          <p:nvPr>
+            <p:ph type="sldNum" sz="quarter" idx="12"/>
+          </p:nvPr>
+        </p:nvSpPr>
+        <p:spPr/>
+        <p:txBody>
+          <a:bodyPr/>
+          <a:lstStyle/>
+          <a:p>
+            <a:fld id="{526ADF51-C4A2-4521-899C-87F34FDB9C0A}" type="slidenum">
+              <a:rPr lang="ko-KR" altLang="en-US" smtClean="0"/>
+              <a:pPr/>
+              <a:t>70</a:t>
+            </a:fld>
+            <a:r>
+              <a:rPr lang="en-US" altLang="ko-KR" smtClean="0"/>
+              <a:t>/76</a:t>
+            </a:r>
+            <a:endParaRPr lang="ko-KR" altLang="en-US" dirty="0"/>
           </a:p>
         </p:txBody>
       </p:sp>
@@ -45624,6 +47540,34 @@
           </a:p>
         </p:txBody>
       </p:sp>
+      <p:sp>
+        <p:nvSpPr>
+          <p:cNvPr id="2" name="슬라이드 번호 개체 틀 1"/>
+          <p:cNvSpPr>
+            <a:spLocks noGrp="1"/>
+          </p:cNvSpPr>
+          <p:nvPr>
+            <p:ph type="sldNum" sz="quarter" idx="12"/>
+          </p:nvPr>
+        </p:nvSpPr>
+        <p:spPr/>
+        <p:txBody>
+          <a:bodyPr/>
+          <a:lstStyle/>
+          <a:p>
+            <a:fld id="{526ADF51-C4A2-4521-899C-87F34FDB9C0A}" type="slidenum">
+              <a:rPr lang="ko-KR" altLang="en-US" smtClean="0"/>
+              <a:pPr/>
+              <a:t>71</a:t>
+            </a:fld>
+            <a:r>
+              <a:rPr lang="en-US" altLang="ko-KR" smtClean="0"/>
+              <a:t>/76</a:t>
+            </a:r>
+            <a:endParaRPr lang="ko-KR" altLang="en-US" dirty="0"/>
+          </a:p>
+        </p:txBody>
+      </p:sp>
     </p:spTree>
     <p:extLst>
       <p:ext uri="{BB962C8B-B14F-4D97-AF65-F5344CB8AC3E}">
@@ -46111,6 +48055,34 @@
           </a:p>
         </p:txBody>
       </p:sp>
+      <p:sp>
+        <p:nvSpPr>
+          <p:cNvPr id="2" name="슬라이드 번호 개체 틀 1"/>
+          <p:cNvSpPr>
+            <a:spLocks noGrp="1"/>
+          </p:cNvSpPr>
+          <p:nvPr>
+            <p:ph type="sldNum" sz="quarter" idx="12"/>
+          </p:nvPr>
+        </p:nvSpPr>
+        <p:spPr/>
+        <p:txBody>
+          <a:bodyPr/>
+          <a:lstStyle/>
+          <a:p>
+            <a:fld id="{526ADF51-C4A2-4521-899C-87F34FDB9C0A}" type="slidenum">
+              <a:rPr lang="ko-KR" altLang="en-US" smtClean="0"/>
+              <a:pPr/>
+              <a:t>72</a:t>
+            </a:fld>
+            <a:r>
+              <a:rPr lang="en-US" altLang="ko-KR" smtClean="0"/>
+              <a:t>/76</a:t>
+            </a:r>
+            <a:endParaRPr lang="ko-KR" altLang="en-US" dirty="0"/>
+          </a:p>
+        </p:txBody>
+      </p:sp>
     </p:spTree>
     <p:extLst>
       <p:ext uri="{BB962C8B-B14F-4D97-AF65-F5344CB8AC3E}">
@@ -46595,6 +48567,34 @@
               </a:rPr>
               <a:t>②</a:t>
             </a:r>
+          </a:p>
+        </p:txBody>
+      </p:sp>
+      <p:sp>
+        <p:nvSpPr>
+          <p:cNvPr id="2" name="슬라이드 번호 개체 틀 1"/>
+          <p:cNvSpPr>
+            <a:spLocks noGrp="1"/>
+          </p:cNvSpPr>
+          <p:nvPr>
+            <p:ph type="sldNum" sz="quarter" idx="12"/>
+          </p:nvPr>
+        </p:nvSpPr>
+        <p:spPr/>
+        <p:txBody>
+          <a:bodyPr/>
+          <a:lstStyle/>
+          <a:p>
+            <a:fld id="{526ADF51-C4A2-4521-899C-87F34FDB9C0A}" type="slidenum">
+              <a:rPr lang="ko-KR" altLang="en-US" smtClean="0"/>
+              <a:pPr/>
+              <a:t>73</a:t>
+            </a:fld>
+            <a:r>
+              <a:rPr lang="en-US" altLang="ko-KR" smtClean="0"/>
+              <a:t>/76</a:t>
+            </a:r>
+            <a:endParaRPr lang="ko-KR" altLang="en-US" dirty="0"/>
           </a:p>
         </p:txBody>
       </p:sp>
@@ -47229,6 +49229,34 @@
           </a:p>
         </p:txBody>
       </p:sp>
+      <p:sp>
+        <p:nvSpPr>
+          <p:cNvPr id="2" name="슬라이드 번호 개체 틀 1"/>
+          <p:cNvSpPr>
+            <a:spLocks noGrp="1"/>
+          </p:cNvSpPr>
+          <p:nvPr>
+            <p:ph type="sldNum" sz="quarter" idx="12"/>
+          </p:nvPr>
+        </p:nvSpPr>
+        <p:spPr/>
+        <p:txBody>
+          <a:bodyPr/>
+          <a:lstStyle/>
+          <a:p>
+            <a:fld id="{526ADF51-C4A2-4521-899C-87F34FDB9C0A}" type="slidenum">
+              <a:rPr lang="ko-KR" altLang="en-US" smtClean="0"/>
+              <a:pPr/>
+              <a:t>74</a:t>
+            </a:fld>
+            <a:r>
+              <a:rPr lang="en-US" altLang="ko-KR" smtClean="0"/>
+              <a:t>/76</a:t>
+            </a:r>
+            <a:endParaRPr lang="ko-KR" altLang="en-US" dirty="0"/>
+          </a:p>
+        </p:txBody>
+      </p:sp>
     </p:spTree>
     <p:extLst>
       <p:ext uri="{BB962C8B-B14F-4D97-AF65-F5344CB8AC3E}">
@@ -47780,6 +49808,34 @@
           </a:p>
         </p:txBody>
       </p:sp>
+      <p:sp>
+        <p:nvSpPr>
+          <p:cNvPr id="2" name="슬라이드 번호 개체 틀 1"/>
+          <p:cNvSpPr>
+            <a:spLocks noGrp="1"/>
+          </p:cNvSpPr>
+          <p:nvPr>
+            <p:ph type="sldNum" sz="quarter" idx="12"/>
+          </p:nvPr>
+        </p:nvSpPr>
+        <p:spPr/>
+        <p:txBody>
+          <a:bodyPr/>
+          <a:lstStyle/>
+          <a:p>
+            <a:fld id="{526ADF51-C4A2-4521-899C-87F34FDB9C0A}" type="slidenum">
+              <a:rPr lang="ko-KR" altLang="en-US" smtClean="0"/>
+              <a:pPr/>
+              <a:t>75</a:t>
+            </a:fld>
+            <a:r>
+              <a:rPr lang="en-US" altLang="ko-KR" smtClean="0"/>
+              <a:t>/76</a:t>
+            </a:r>
+            <a:endParaRPr lang="ko-KR" altLang="en-US" dirty="0"/>
+          </a:p>
+        </p:txBody>
+      </p:sp>
     </p:spTree>
     <p:extLst>
       <p:ext uri="{BB962C8B-B14F-4D97-AF65-F5344CB8AC3E}">
@@ -48128,6 +50184,34 @@
           </a:prstGeom>
         </p:spPr>
       </p:pic>
+      <p:sp>
+        <p:nvSpPr>
+          <p:cNvPr id="2" name="슬라이드 번호 개체 틀 1"/>
+          <p:cNvSpPr>
+            <a:spLocks noGrp="1"/>
+          </p:cNvSpPr>
+          <p:nvPr>
+            <p:ph type="sldNum" sz="quarter" idx="12"/>
+          </p:nvPr>
+        </p:nvSpPr>
+        <p:spPr/>
+        <p:txBody>
+          <a:bodyPr/>
+          <a:lstStyle/>
+          <a:p>
+            <a:fld id="{526ADF51-C4A2-4521-899C-87F34FDB9C0A}" type="slidenum">
+              <a:rPr lang="ko-KR" altLang="en-US" smtClean="0"/>
+              <a:pPr/>
+              <a:t>76</a:t>
+            </a:fld>
+            <a:r>
+              <a:rPr lang="en-US" altLang="ko-KR" smtClean="0"/>
+              <a:t>/76</a:t>
+            </a:r>
+            <a:endParaRPr lang="ko-KR" altLang="en-US" dirty="0"/>
+          </a:p>
+        </p:txBody>
+      </p:sp>
     </p:spTree>
     <p:extLst>
       <p:ext uri="{BB962C8B-B14F-4D97-AF65-F5344CB8AC3E}">
@@ -48660,6 +50744,34 @@
           </a:p>
         </p:txBody>
       </p:sp>
+      <p:sp>
+        <p:nvSpPr>
+          <p:cNvPr id="3" name="슬라이드 번호 개체 틀 2"/>
+          <p:cNvSpPr>
+            <a:spLocks noGrp="1"/>
+          </p:cNvSpPr>
+          <p:nvPr>
+            <p:ph type="sldNum" sz="quarter" idx="12"/>
+          </p:nvPr>
+        </p:nvSpPr>
+        <p:spPr/>
+        <p:txBody>
+          <a:bodyPr/>
+          <a:lstStyle/>
+          <a:p>
+            <a:fld id="{526ADF51-C4A2-4521-899C-87F34FDB9C0A}" type="slidenum">
+              <a:rPr lang="ko-KR" altLang="en-US" smtClean="0"/>
+              <a:pPr/>
+              <a:t>8</a:t>
+            </a:fld>
+            <a:r>
+              <a:rPr lang="en-US" altLang="ko-KR" smtClean="0"/>
+              <a:t>/76</a:t>
+            </a:r>
+            <a:endParaRPr lang="ko-KR" altLang="en-US" dirty="0"/>
+          </a:p>
+        </p:txBody>
+      </p:sp>
     </p:spTree>
     <p:extLst>
       <p:ext uri="{BB962C8B-B14F-4D97-AF65-F5344CB8AC3E}">
@@ -49050,6 +51162,34 @@
             <a:r>
               <a:rPr lang="en-US" altLang="ko-KR" dirty="0"/>
               <a:t>)</a:t>
+            </a:r>
+            <a:endParaRPr lang="ko-KR" altLang="en-US" dirty="0"/>
+          </a:p>
+        </p:txBody>
+      </p:sp>
+      <p:sp>
+        <p:nvSpPr>
+          <p:cNvPr id="2" name="슬라이드 번호 개체 틀 1"/>
+          <p:cNvSpPr>
+            <a:spLocks noGrp="1"/>
+          </p:cNvSpPr>
+          <p:nvPr>
+            <p:ph type="sldNum" sz="quarter" idx="12"/>
+          </p:nvPr>
+        </p:nvSpPr>
+        <p:spPr/>
+        <p:txBody>
+          <a:bodyPr/>
+          <a:lstStyle/>
+          <a:p>
+            <a:fld id="{526ADF51-C4A2-4521-899C-87F34FDB9C0A}" type="slidenum">
+              <a:rPr lang="ko-KR" altLang="en-US" smtClean="0"/>
+              <a:pPr/>
+              <a:t>9</a:t>
+            </a:fld>
+            <a:r>
+              <a:rPr lang="en-US" altLang="ko-KR" smtClean="0"/>
+              <a:t>/76</a:t>
             </a:r>
             <a:endParaRPr lang="ko-KR" altLang="en-US" dirty="0"/>
           </a:p>

--- a/git및github첫걸음4-협업하기.pptx
+++ b/git및github첫걸음4-협업하기.pptx
@@ -5,7 +5,7 @@
     <p:sldMasterId id="2147483660" r:id="rId1"/>
   </p:sldMasterIdLst>
   <p:notesMasterIdLst>
-    <p:notesMasterId r:id="rId78"/>
+    <p:notesMasterId r:id="rId80"/>
   </p:notesMasterIdLst>
   <p:sldIdLst>
     <p:sldId id="404" r:id="rId2"/>
@@ -77,13 +77,15 @@
     <p:sldId id="456" r:id="rId68"/>
     <p:sldId id="457" r:id="rId69"/>
     <p:sldId id="458" r:id="rId70"/>
-    <p:sldId id="448" r:id="rId71"/>
-    <p:sldId id="455" r:id="rId72"/>
-    <p:sldId id="459" r:id="rId73"/>
-    <p:sldId id="461" r:id="rId74"/>
-    <p:sldId id="462" r:id="rId75"/>
-    <p:sldId id="460" r:id="rId76"/>
-    <p:sldId id="463" r:id="rId77"/>
+    <p:sldId id="464" r:id="rId71"/>
+    <p:sldId id="465" r:id="rId72"/>
+    <p:sldId id="448" r:id="rId73"/>
+    <p:sldId id="455" r:id="rId74"/>
+    <p:sldId id="459" r:id="rId75"/>
+    <p:sldId id="461" r:id="rId76"/>
+    <p:sldId id="462" r:id="rId77"/>
+    <p:sldId id="460" r:id="rId78"/>
+    <p:sldId id="463" r:id="rId79"/>
   </p:sldIdLst>
   <p:sldSz cx="9144000" cy="6858000" type="screen4x3"/>
   <p:notesSz cx="6858000" cy="9144000"/>
@@ -283,7 +285,7 @@
           <a:p>
             <a:fld id="{A17B9194-BDE3-40E3-983E-94CE6FA773AF}" type="datetimeFigureOut">
               <a:rPr lang="ko-KR" altLang="en-US" smtClean="0"/>
-              <a:t>2021-04-15</a:t>
+              <a:t>2021-04-16</a:t>
             </a:fld>
             <a:endParaRPr lang="ko-KR" altLang="en-US"/>
           </a:p>
@@ -6579,6 +6581,23 @@
           <a:bodyPr/>
           <a:lstStyle/>
           <a:p>
+            <a:pPr marL="0" marR="0" indent="0" algn="l" defTabSz="914400" rtl="0" eaLnBrk="1" fontAlgn="auto" latinLnBrk="1" hangingPunct="1">
+              <a:lnSpc>
+                <a:spcPct val="100000"/>
+              </a:lnSpc>
+              <a:spcBef>
+                <a:spcPts val="0"/>
+              </a:spcBef>
+              <a:spcAft>
+                <a:spcPts val="0"/>
+              </a:spcAft>
+              <a:buClrTx/>
+              <a:buSzTx/>
+              <a:buFontTx/>
+              <a:buNone/>
+              <a:tabLst/>
+              <a:defRPr/>
+            </a:pPr>
             <a:endParaRPr lang="ko-KR" altLang="en-US" dirty="0"/>
           </a:p>
         </p:txBody>
@@ -6609,7 +6628,7 @@
     </p:spTree>
     <p:extLst>
       <p:ext uri="{BB962C8B-B14F-4D97-AF65-F5344CB8AC3E}">
-        <p14:creationId xmlns:p14="http://schemas.microsoft.com/office/powerpoint/2010/main" val="455454786"/>
+        <p14:creationId xmlns:p14="http://schemas.microsoft.com/office/powerpoint/2010/main" val="992462433"/>
       </p:ext>
     </p:extLst>
   </p:cSld>
@@ -6747,10 +6766,24 @@
           <a:bodyPr/>
           <a:lstStyle/>
           <a:p>
-            <a:r>
-              <a:rPr lang="ko-KR" altLang="en-US" dirty="0"/>
-              <a:t>한 개의 메일로 진행 내용을 다 볼 수 있음 </a:t>
-            </a:r>
+            <a:pPr marL="0" marR="0" indent="0" algn="l" defTabSz="914400" rtl="0" eaLnBrk="1" fontAlgn="auto" latinLnBrk="1" hangingPunct="1">
+              <a:lnSpc>
+                <a:spcPct val="100000"/>
+              </a:lnSpc>
+              <a:spcBef>
+                <a:spcPts val="0"/>
+              </a:spcBef>
+              <a:spcAft>
+                <a:spcPts val="0"/>
+              </a:spcAft>
+              <a:buClrTx/>
+              <a:buSzTx/>
+              <a:buFontTx/>
+              <a:buNone/>
+              <a:tabLst/>
+              <a:defRPr/>
+            </a:pPr>
+            <a:endParaRPr lang="ko-KR" altLang="en-US" dirty="0"/>
           </a:p>
         </p:txBody>
       </p:sp>
@@ -6780,7 +6813,7 @@
     </p:spTree>
     <p:extLst>
       <p:ext uri="{BB962C8B-B14F-4D97-AF65-F5344CB8AC3E}">
-        <p14:creationId xmlns:p14="http://schemas.microsoft.com/office/powerpoint/2010/main" val="3716161120"/>
+        <p14:creationId xmlns:p14="http://schemas.microsoft.com/office/powerpoint/2010/main" val="3009899518"/>
       </p:ext>
     </p:extLst>
   </p:cSld>
@@ -6864,7 +6897,7 @@
     </p:spTree>
     <p:extLst>
       <p:ext uri="{BB962C8B-B14F-4D97-AF65-F5344CB8AC3E}">
-        <p14:creationId xmlns:p14="http://schemas.microsoft.com/office/powerpoint/2010/main" val="3309173875"/>
+        <p14:creationId xmlns:p14="http://schemas.microsoft.com/office/powerpoint/2010/main" val="455454786"/>
       </p:ext>
     </p:extLst>
   </p:cSld>
@@ -6918,7 +6951,10 @@
           <a:bodyPr/>
           <a:lstStyle/>
           <a:p>
-            <a:endParaRPr lang="ko-KR" altLang="en-US" dirty="0"/>
+            <a:r>
+              <a:rPr lang="ko-KR" altLang="en-US" dirty="0"/>
+              <a:t>한 개의 메일로 진행 내용을 다 볼 수 있음 </a:t>
+            </a:r>
           </a:p>
         </p:txBody>
       </p:sp>
@@ -6948,7 +6984,7 @@
     </p:spTree>
     <p:extLst>
       <p:ext uri="{BB962C8B-B14F-4D97-AF65-F5344CB8AC3E}">
-        <p14:creationId xmlns:p14="http://schemas.microsoft.com/office/powerpoint/2010/main" val="4212091343"/>
+        <p14:creationId xmlns:p14="http://schemas.microsoft.com/office/powerpoint/2010/main" val="3716161120"/>
       </p:ext>
     </p:extLst>
   </p:cSld>
@@ -7032,7 +7068,7 @@
     </p:spTree>
     <p:extLst>
       <p:ext uri="{BB962C8B-B14F-4D97-AF65-F5344CB8AC3E}">
-        <p14:creationId xmlns:p14="http://schemas.microsoft.com/office/powerpoint/2010/main" val="90794633"/>
+        <p14:creationId xmlns:p14="http://schemas.microsoft.com/office/powerpoint/2010/main" val="3309173875"/>
       </p:ext>
     </p:extLst>
   </p:cSld>
@@ -7116,7 +7152,7 @@
     </p:spTree>
     <p:extLst>
       <p:ext uri="{BB962C8B-B14F-4D97-AF65-F5344CB8AC3E}">
-        <p14:creationId xmlns:p14="http://schemas.microsoft.com/office/powerpoint/2010/main" val="3080375124"/>
+        <p14:creationId xmlns:p14="http://schemas.microsoft.com/office/powerpoint/2010/main" val="4212091343"/>
       </p:ext>
     </p:extLst>
   </p:cSld>
@@ -7192,6 +7228,174 @@
             <a:fld id="{625D4AC4-540A-4436-887D-BF6A8FCF1275}" type="slidenum">
               <a:rPr lang="ko-KR" altLang="en-US" smtClean="0"/>
               <a:t>76</a:t>
+            </a:fld>
+            <a:endParaRPr lang="ko-KR" altLang="en-US"/>
+          </a:p>
+        </p:txBody>
+      </p:sp>
+    </p:spTree>
+    <p:extLst>
+      <p:ext uri="{BB962C8B-B14F-4D97-AF65-F5344CB8AC3E}">
+        <p14:creationId xmlns:p14="http://schemas.microsoft.com/office/powerpoint/2010/main" val="90794633"/>
+      </p:ext>
+    </p:extLst>
+  </p:cSld>
+  <p:clrMapOvr>
+    <a:masterClrMapping/>
+  </p:clrMapOvr>
+</p:notes>
+</file>
+
+<file path=ppt/notesSlides/notesSlide76.xml><?xml version="1.0" encoding="utf-8"?>
+<p:notes xmlns:a="http://schemas.openxmlformats.org/drawingml/2006/main" xmlns:r="http://schemas.openxmlformats.org/officeDocument/2006/relationships" xmlns:p="http://schemas.openxmlformats.org/presentationml/2006/main">
+  <p:cSld>
+    <p:spTree>
+      <p:nvGrpSpPr>
+        <p:cNvPr id="1" name=""/>
+        <p:cNvGrpSpPr/>
+        <p:nvPr/>
+      </p:nvGrpSpPr>
+      <p:grpSpPr>
+        <a:xfrm>
+          <a:off x="0" y="0"/>
+          <a:ext cx="0" cy="0"/>
+          <a:chOff x="0" y="0"/>
+          <a:chExt cx="0" cy="0"/>
+        </a:xfrm>
+      </p:grpSpPr>
+      <p:sp>
+        <p:nvSpPr>
+          <p:cNvPr id="2" name="슬라이드 이미지 개체 틀 1"/>
+          <p:cNvSpPr>
+            <a:spLocks noGrp="1" noRot="1" noChangeAspect="1"/>
+          </p:cNvSpPr>
+          <p:nvPr>
+            <p:ph type="sldImg"/>
+          </p:nvPr>
+        </p:nvSpPr>
+        <p:spPr/>
+      </p:sp>
+      <p:sp>
+        <p:nvSpPr>
+          <p:cNvPr id="3" name="슬라이드 노트 개체 틀 2"/>
+          <p:cNvSpPr>
+            <a:spLocks noGrp="1"/>
+          </p:cNvSpPr>
+          <p:nvPr>
+            <p:ph type="body" idx="1"/>
+          </p:nvPr>
+        </p:nvSpPr>
+        <p:spPr/>
+        <p:txBody>
+          <a:bodyPr/>
+          <a:lstStyle/>
+          <a:p>
+            <a:endParaRPr lang="ko-KR" altLang="en-US" dirty="0"/>
+          </a:p>
+        </p:txBody>
+      </p:sp>
+      <p:sp>
+        <p:nvSpPr>
+          <p:cNvPr id="4" name="슬라이드 번호 개체 틀 3"/>
+          <p:cNvSpPr>
+            <a:spLocks noGrp="1"/>
+          </p:cNvSpPr>
+          <p:nvPr>
+            <p:ph type="sldNum" sz="quarter" idx="10"/>
+          </p:nvPr>
+        </p:nvSpPr>
+        <p:spPr/>
+        <p:txBody>
+          <a:bodyPr/>
+          <a:lstStyle/>
+          <a:p>
+            <a:fld id="{625D4AC4-540A-4436-887D-BF6A8FCF1275}" type="slidenum">
+              <a:rPr lang="ko-KR" altLang="en-US" smtClean="0"/>
+              <a:t>77</a:t>
+            </a:fld>
+            <a:endParaRPr lang="ko-KR" altLang="en-US"/>
+          </a:p>
+        </p:txBody>
+      </p:sp>
+    </p:spTree>
+    <p:extLst>
+      <p:ext uri="{BB962C8B-B14F-4D97-AF65-F5344CB8AC3E}">
+        <p14:creationId xmlns:p14="http://schemas.microsoft.com/office/powerpoint/2010/main" val="3080375124"/>
+      </p:ext>
+    </p:extLst>
+  </p:cSld>
+  <p:clrMapOvr>
+    <a:masterClrMapping/>
+  </p:clrMapOvr>
+</p:notes>
+</file>
+
+<file path=ppt/notesSlides/notesSlide77.xml><?xml version="1.0" encoding="utf-8"?>
+<p:notes xmlns:a="http://schemas.openxmlformats.org/drawingml/2006/main" xmlns:r="http://schemas.openxmlformats.org/officeDocument/2006/relationships" xmlns:p="http://schemas.openxmlformats.org/presentationml/2006/main">
+  <p:cSld>
+    <p:spTree>
+      <p:nvGrpSpPr>
+        <p:cNvPr id="1" name=""/>
+        <p:cNvGrpSpPr/>
+        <p:nvPr/>
+      </p:nvGrpSpPr>
+      <p:grpSpPr>
+        <a:xfrm>
+          <a:off x="0" y="0"/>
+          <a:ext cx="0" cy="0"/>
+          <a:chOff x="0" y="0"/>
+          <a:chExt cx="0" cy="0"/>
+        </a:xfrm>
+      </p:grpSpPr>
+      <p:sp>
+        <p:nvSpPr>
+          <p:cNvPr id="2" name="슬라이드 이미지 개체 틀 1"/>
+          <p:cNvSpPr>
+            <a:spLocks noGrp="1" noRot="1" noChangeAspect="1"/>
+          </p:cNvSpPr>
+          <p:nvPr>
+            <p:ph type="sldImg"/>
+          </p:nvPr>
+        </p:nvSpPr>
+        <p:spPr/>
+      </p:sp>
+      <p:sp>
+        <p:nvSpPr>
+          <p:cNvPr id="3" name="슬라이드 노트 개체 틀 2"/>
+          <p:cNvSpPr>
+            <a:spLocks noGrp="1"/>
+          </p:cNvSpPr>
+          <p:nvPr>
+            <p:ph type="body" idx="1"/>
+          </p:nvPr>
+        </p:nvSpPr>
+        <p:spPr/>
+        <p:txBody>
+          <a:bodyPr/>
+          <a:lstStyle/>
+          <a:p>
+            <a:endParaRPr lang="ko-KR" altLang="en-US" dirty="0"/>
+          </a:p>
+        </p:txBody>
+      </p:sp>
+      <p:sp>
+        <p:nvSpPr>
+          <p:cNvPr id="4" name="슬라이드 번호 개체 틀 3"/>
+          <p:cNvSpPr>
+            <a:spLocks noGrp="1"/>
+          </p:cNvSpPr>
+          <p:nvPr>
+            <p:ph type="sldNum" sz="quarter" idx="10"/>
+          </p:nvPr>
+        </p:nvSpPr>
+        <p:spPr/>
+        <p:txBody>
+          <a:bodyPr/>
+          <a:lstStyle/>
+          <a:p>
+            <a:fld id="{625D4AC4-540A-4436-887D-BF6A8FCF1275}" type="slidenum">
+              <a:rPr lang="ko-KR" altLang="en-US" smtClean="0"/>
+              <a:t>78</a:t>
             </a:fld>
             <a:endParaRPr lang="ko-KR" altLang="en-US"/>
           </a:p>
@@ -7831,8 +8035,8 @@
               <a:t>‹#›</a:t>
             </a:fld>
             <a:r>
-              <a:rPr lang="en-US" altLang="ko-KR" dirty="0" smtClean="0"/>
-              <a:t>/76</a:t>
+              <a:rPr lang="en-US" altLang="ko-KR" dirty="0"/>
+              <a:t>/78</a:t>
             </a:r>
             <a:endParaRPr lang="ko-KR" altLang="en-US" dirty="0"/>
           </a:p>
@@ -9083,7 +9287,7 @@
               <a:t>10</a:t>
             </a:fld>
             <a:r>
-              <a:rPr lang="en-US" altLang="ko-KR" smtClean="0"/>
+              <a:rPr lang="en-US" altLang="ko-KR"/>
               <a:t>/76</a:t>
             </a:r>
             <a:endParaRPr lang="ko-KR" altLang="en-US" dirty="0"/>
@@ -9627,7 +9831,7 @@
               <a:t>11</a:t>
             </a:fld>
             <a:r>
-              <a:rPr lang="en-US" altLang="ko-KR" smtClean="0"/>
+              <a:rPr lang="en-US" altLang="ko-KR"/>
               <a:t>/76</a:t>
             </a:r>
             <a:endParaRPr lang="ko-KR" altLang="en-US" dirty="0"/>
@@ -10073,7 +10277,7 @@
               <a:t>12</a:t>
             </a:fld>
             <a:r>
-              <a:rPr lang="en-US" altLang="ko-KR" smtClean="0"/>
+              <a:rPr lang="en-US" altLang="ko-KR"/>
               <a:t>/76</a:t>
             </a:r>
             <a:endParaRPr lang="ko-KR" altLang="en-US" dirty="0"/>
@@ -10469,7 +10673,7 @@
               <a:t>13</a:t>
             </a:fld>
             <a:r>
-              <a:rPr lang="en-US" altLang="ko-KR" smtClean="0"/>
+              <a:rPr lang="en-US" altLang="ko-KR"/>
               <a:t>/76</a:t>
             </a:r>
             <a:endParaRPr lang="ko-KR" altLang="en-US" dirty="0"/>
@@ -11136,7 +11340,7 @@
               <a:t>14</a:t>
             </a:fld>
             <a:r>
-              <a:rPr lang="en-US" altLang="ko-KR" smtClean="0"/>
+              <a:rPr lang="en-US" altLang="ko-KR"/>
               <a:t>/76</a:t>
             </a:r>
             <a:endParaRPr lang="ko-KR" altLang="en-US" dirty="0"/>
@@ -11560,7 +11764,7 @@
               <a:t>15</a:t>
             </a:fld>
             <a:r>
-              <a:rPr lang="en-US" altLang="ko-KR" smtClean="0"/>
+              <a:rPr lang="en-US" altLang="ko-KR"/>
               <a:t>/76</a:t>
             </a:r>
             <a:endParaRPr lang="ko-KR" altLang="en-US" dirty="0"/>
@@ -11988,7 +12192,7 @@
               <a:t>16</a:t>
             </a:fld>
             <a:r>
-              <a:rPr lang="en-US" altLang="ko-KR" smtClean="0"/>
+              <a:rPr lang="en-US" altLang="ko-KR"/>
               <a:t>/76</a:t>
             </a:r>
             <a:endParaRPr lang="ko-KR" altLang="en-US" dirty="0"/>
@@ -12501,7 +12705,7 @@
               <a:t>17</a:t>
             </a:fld>
             <a:r>
-              <a:rPr lang="en-US" altLang="ko-KR" smtClean="0"/>
+              <a:rPr lang="en-US" altLang="ko-KR"/>
               <a:t>/76</a:t>
             </a:r>
             <a:endParaRPr lang="ko-KR" altLang="en-US" dirty="0"/>
@@ -13068,7 +13272,7 @@
               <a:t>18</a:t>
             </a:fld>
             <a:r>
-              <a:rPr lang="en-US" altLang="ko-KR" smtClean="0"/>
+              <a:rPr lang="en-US" altLang="ko-KR"/>
               <a:t>/76</a:t>
             </a:r>
             <a:endParaRPr lang="ko-KR" altLang="en-US" dirty="0"/>
@@ -13776,7 +13980,7 @@
               <a:t>19</a:t>
             </a:fld>
             <a:r>
-              <a:rPr lang="en-US" altLang="ko-KR" smtClean="0"/>
+              <a:rPr lang="en-US" altLang="ko-KR"/>
               <a:t>/76</a:t>
             </a:r>
             <a:endParaRPr lang="ko-KR" altLang="en-US" dirty="0"/>
@@ -14642,7 +14846,7 @@
               <a:t>2</a:t>
             </a:fld>
             <a:r>
-              <a:rPr lang="en-US" altLang="ko-KR" smtClean="0"/>
+              <a:rPr lang="en-US" altLang="ko-KR"/>
               <a:t>/76</a:t>
             </a:r>
             <a:endParaRPr lang="ko-KR" altLang="en-US" dirty="0"/>
@@ -15269,7 +15473,7 @@
               <a:t>20</a:t>
             </a:fld>
             <a:r>
-              <a:rPr lang="en-US" altLang="ko-KR" smtClean="0"/>
+              <a:rPr lang="en-US" altLang="ko-KR"/>
               <a:t>/76</a:t>
             </a:r>
             <a:endParaRPr lang="ko-KR" altLang="en-US" dirty="0"/>
@@ -16005,7 +16209,7 @@
               <a:t>21</a:t>
             </a:fld>
             <a:r>
-              <a:rPr lang="en-US" altLang="ko-KR" smtClean="0"/>
+              <a:rPr lang="en-US" altLang="ko-KR"/>
               <a:t>/76</a:t>
             </a:r>
             <a:endParaRPr lang="ko-KR" altLang="en-US" dirty="0"/>
@@ -16599,7 +16803,7 @@
               <a:t>22</a:t>
             </a:fld>
             <a:r>
-              <a:rPr lang="en-US" altLang="ko-KR" smtClean="0"/>
+              <a:rPr lang="en-US" altLang="ko-KR"/>
               <a:t>/76</a:t>
             </a:r>
             <a:endParaRPr lang="ko-KR" altLang="en-US" dirty="0"/>
@@ -17133,7 +17337,7 @@
               <a:t>23</a:t>
             </a:fld>
             <a:r>
-              <a:rPr lang="en-US" altLang="ko-KR" smtClean="0"/>
+              <a:rPr lang="en-US" altLang="ko-KR"/>
               <a:t>/76</a:t>
             </a:r>
             <a:endParaRPr lang="ko-KR" altLang="en-US" dirty="0"/>
@@ -17854,7 +18058,7 @@
               <a:t>24</a:t>
             </a:fld>
             <a:r>
-              <a:rPr lang="en-US" altLang="ko-KR" smtClean="0"/>
+              <a:rPr lang="en-US" altLang="ko-KR"/>
               <a:t>/76</a:t>
             </a:r>
             <a:endParaRPr lang="ko-KR" altLang="en-US" dirty="0"/>
@@ -18791,7 +18995,7 @@
               <a:t>25</a:t>
             </a:fld>
             <a:r>
-              <a:rPr lang="en-US" altLang="ko-KR" smtClean="0"/>
+              <a:rPr lang="en-US" altLang="ko-KR"/>
               <a:t>/76</a:t>
             </a:r>
             <a:endParaRPr lang="ko-KR" altLang="en-US" dirty="0"/>
@@ -19373,7 +19577,7 @@
               <a:t>26</a:t>
             </a:fld>
             <a:r>
-              <a:rPr lang="en-US" altLang="ko-KR" smtClean="0"/>
+              <a:rPr lang="en-US" altLang="ko-KR"/>
               <a:t>/76</a:t>
             </a:r>
             <a:endParaRPr lang="ko-KR" altLang="en-US" dirty="0"/>
@@ -19892,7 +20096,7 @@
               <a:t>27</a:t>
             </a:fld>
             <a:r>
-              <a:rPr lang="en-US" altLang="ko-KR" smtClean="0"/>
+              <a:rPr lang="en-US" altLang="ko-KR"/>
               <a:t>/76</a:t>
             </a:r>
             <a:endParaRPr lang="ko-KR" altLang="en-US" dirty="0"/>
@@ -20544,7 +20748,7 @@
               <a:t>28</a:t>
             </a:fld>
             <a:r>
-              <a:rPr lang="en-US" altLang="ko-KR" smtClean="0"/>
+              <a:rPr lang="en-US" altLang="ko-KR"/>
               <a:t>/76</a:t>
             </a:r>
             <a:endParaRPr lang="ko-KR" altLang="en-US" dirty="0"/>
@@ -21032,7 +21236,7 @@
               <a:t>29</a:t>
             </a:fld>
             <a:r>
-              <a:rPr lang="en-US" altLang="ko-KR" smtClean="0"/>
+              <a:rPr lang="en-US" altLang="ko-KR"/>
               <a:t>/76</a:t>
             </a:r>
             <a:endParaRPr lang="ko-KR" altLang="en-US" dirty="0"/>
@@ -21558,7 +21762,7 @@
               <a:t>3</a:t>
             </a:fld>
             <a:r>
-              <a:rPr lang="en-US" altLang="ko-KR" smtClean="0"/>
+              <a:rPr lang="en-US" altLang="ko-KR"/>
               <a:t>/76</a:t>
             </a:r>
             <a:endParaRPr lang="ko-KR" altLang="en-US" dirty="0"/>
@@ -22135,7 +22339,7 @@
               <a:t>30</a:t>
             </a:fld>
             <a:r>
-              <a:rPr lang="en-US" altLang="ko-KR" smtClean="0"/>
+              <a:rPr lang="en-US" altLang="ko-KR"/>
               <a:t>/76</a:t>
             </a:r>
             <a:endParaRPr lang="ko-KR" altLang="en-US" dirty="0"/>
@@ -22640,7 +22844,7 @@
               <a:t>31</a:t>
             </a:fld>
             <a:r>
-              <a:rPr lang="en-US" altLang="ko-KR" smtClean="0"/>
+              <a:rPr lang="en-US" altLang="ko-KR"/>
               <a:t>/76</a:t>
             </a:r>
             <a:endParaRPr lang="ko-KR" altLang="en-US" dirty="0"/>
@@ -23023,12 +23227,6 @@
               </a:rPr>
               <a:t>으로 </a:t>
             </a:r>
-            <a:r>
-              <a:rPr lang="en-US" altLang="ko-KR" dirty="0">
-                <a:latin typeface="+mn-ea"/>
-              </a:rPr>
-              <a:t/>
-            </a:r>
             <a:br>
               <a:rPr lang="en-US" altLang="ko-KR" dirty="0">
                 <a:latin typeface="+mn-ea"/>
@@ -23187,7 +23385,7 @@
               <a:t>32</a:t>
             </a:fld>
             <a:r>
-              <a:rPr lang="en-US" altLang="ko-KR" smtClean="0"/>
+              <a:rPr lang="en-US" altLang="ko-KR"/>
               <a:t>/76</a:t>
             </a:r>
             <a:endParaRPr lang="ko-KR" altLang="en-US" dirty="0"/>
@@ -24036,7 +24234,7 @@
               <a:t>33</a:t>
             </a:fld>
             <a:r>
-              <a:rPr lang="en-US" altLang="ko-KR" smtClean="0"/>
+              <a:rPr lang="en-US" altLang="ko-KR"/>
               <a:t>/76</a:t>
             </a:r>
             <a:endParaRPr lang="ko-KR" altLang="en-US" dirty="0"/>
@@ -24703,7 +24901,7 @@
               <a:t>34</a:t>
             </a:fld>
             <a:r>
-              <a:rPr lang="en-US" altLang="ko-KR" smtClean="0"/>
+              <a:rPr lang="en-US" altLang="ko-KR"/>
               <a:t>/76</a:t>
             </a:r>
             <a:endParaRPr lang="ko-KR" altLang="en-US" dirty="0"/>
@@ -25447,7 +25645,7 @@
               <a:t>35</a:t>
             </a:fld>
             <a:r>
-              <a:rPr lang="en-US" altLang="ko-KR" smtClean="0"/>
+              <a:rPr lang="en-US" altLang="ko-KR"/>
               <a:t>/76</a:t>
             </a:r>
             <a:endParaRPr lang="ko-KR" altLang="en-US" dirty="0"/>
@@ -26077,7 +26275,7 @@
               <a:t>36</a:t>
             </a:fld>
             <a:r>
-              <a:rPr lang="en-US" altLang="ko-KR" smtClean="0"/>
+              <a:rPr lang="en-US" altLang="ko-KR"/>
               <a:t>/76</a:t>
             </a:r>
             <a:endParaRPr lang="ko-KR" altLang="en-US" dirty="0"/>
@@ -26497,7 +26695,7 @@
               <a:t>37</a:t>
             </a:fld>
             <a:r>
-              <a:rPr lang="en-US" altLang="ko-KR" smtClean="0"/>
+              <a:rPr lang="en-US" altLang="ko-KR"/>
               <a:t>/76</a:t>
             </a:r>
             <a:endParaRPr lang="ko-KR" altLang="en-US" dirty="0"/>
@@ -27137,7 +27335,7 @@
               <a:t>38</a:t>
             </a:fld>
             <a:r>
-              <a:rPr lang="en-US" altLang="ko-KR" smtClean="0"/>
+              <a:rPr lang="en-US" altLang="ko-KR"/>
               <a:t>/76</a:t>
             </a:r>
             <a:endParaRPr lang="ko-KR" altLang="en-US" dirty="0"/>
@@ -27969,7 +28167,7 @@
               <a:t>39</a:t>
             </a:fld>
             <a:r>
-              <a:rPr lang="en-US" altLang="ko-KR" smtClean="0"/>
+              <a:rPr lang="en-US" altLang="ko-KR"/>
               <a:t>/76</a:t>
             </a:r>
             <a:endParaRPr lang="ko-KR" altLang="en-US" dirty="0"/>
@@ -28733,7 +28931,7 @@
               <a:t>4</a:t>
             </a:fld>
             <a:r>
-              <a:rPr lang="en-US" altLang="ko-KR" smtClean="0"/>
+              <a:rPr lang="en-US" altLang="ko-KR"/>
               <a:t>/76</a:t>
             </a:r>
             <a:endParaRPr lang="ko-KR" altLang="en-US" dirty="0"/>
@@ -29229,7 +29427,7 @@
               <a:t>40</a:t>
             </a:fld>
             <a:r>
-              <a:rPr lang="en-US" altLang="ko-KR" smtClean="0"/>
+              <a:rPr lang="en-US" altLang="ko-KR"/>
               <a:t>/76</a:t>
             </a:r>
             <a:endParaRPr lang="ko-KR" altLang="en-US" dirty="0"/>
@@ -29914,7 +30112,7 @@
               <a:t>41</a:t>
             </a:fld>
             <a:r>
-              <a:rPr lang="en-US" altLang="ko-KR" smtClean="0"/>
+              <a:rPr lang="en-US" altLang="ko-KR"/>
               <a:t>/76</a:t>
             </a:r>
             <a:endParaRPr lang="ko-KR" altLang="en-US" dirty="0"/>
@@ -30872,7 +31070,7 @@
               <a:t>42</a:t>
             </a:fld>
             <a:r>
-              <a:rPr lang="en-US" altLang="ko-KR" smtClean="0"/>
+              <a:rPr lang="en-US" altLang="ko-KR"/>
               <a:t>/76</a:t>
             </a:r>
             <a:endParaRPr lang="ko-KR" altLang="en-US" dirty="0"/>
@@ -31615,7 +31813,7 @@
               <a:t>43</a:t>
             </a:fld>
             <a:r>
-              <a:rPr lang="en-US" altLang="ko-KR" smtClean="0"/>
+              <a:rPr lang="en-US" altLang="ko-KR"/>
               <a:t>/76</a:t>
             </a:r>
             <a:endParaRPr lang="ko-KR" altLang="en-US" dirty="0"/>
@@ -32024,7 +32222,7 @@
               <a:t>44</a:t>
             </a:fld>
             <a:r>
-              <a:rPr lang="en-US" altLang="ko-KR" smtClean="0"/>
+              <a:rPr lang="en-US" altLang="ko-KR"/>
               <a:t>/76</a:t>
             </a:r>
             <a:endParaRPr lang="ko-KR" altLang="en-US" dirty="0"/>
@@ -32472,7 +32670,7 @@
               <a:t>45</a:t>
             </a:fld>
             <a:r>
-              <a:rPr lang="en-US" altLang="ko-KR" smtClean="0"/>
+              <a:rPr lang="en-US" altLang="ko-KR"/>
               <a:t>/76</a:t>
             </a:r>
             <a:endParaRPr lang="ko-KR" altLang="en-US" dirty="0"/>
@@ -32928,7 +33126,7 @@
               <a:t>46</a:t>
             </a:fld>
             <a:r>
-              <a:rPr lang="en-US" altLang="ko-KR" smtClean="0"/>
+              <a:rPr lang="en-US" altLang="ko-KR"/>
               <a:t>/76</a:t>
             </a:r>
             <a:endParaRPr lang="ko-KR" altLang="en-US" dirty="0"/>
@@ -33356,7 +33554,7 @@
               <a:t>47</a:t>
             </a:fld>
             <a:r>
-              <a:rPr lang="en-US" altLang="ko-KR" smtClean="0"/>
+              <a:rPr lang="en-US" altLang="ko-KR"/>
               <a:t>/76</a:t>
             </a:r>
             <a:endParaRPr lang="ko-KR" altLang="en-US" dirty="0"/>
@@ -34031,7 +34229,7 @@
               <a:t>48</a:t>
             </a:fld>
             <a:r>
-              <a:rPr lang="en-US" altLang="ko-KR" smtClean="0"/>
+              <a:rPr lang="en-US" altLang="ko-KR"/>
               <a:t>/76</a:t>
             </a:r>
             <a:endParaRPr lang="ko-KR" altLang="en-US" dirty="0"/>
@@ -34357,7 +34555,7 @@
               <a:t>49</a:t>
             </a:fld>
             <a:r>
-              <a:rPr lang="en-US" altLang="ko-KR" smtClean="0"/>
+              <a:rPr lang="en-US" altLang="ko-KR"/>
               <a:t>/76</a:t>
             </a:r>
             <a:endParaRPr lang="ko-KR" altLang="en-US" dirty="0"/>
@@ -34801,7 +34999,7 @@
               <a:t>5</a:t>
             </a:fld>
             <a:r>
-              <a:rPr lang="en-US" altLang="ko-KR" smtClean="0"/>
+              <a:rPr lang="en-US" altLang="ko-KR"/>
               <a:t>/76</a:t>
             </a:r>
             <a:endParaRPr lang="ko-KR" altLang="en-US" dirty="0"/>
@@ -35182,7 +35380,7 @@
               <a:t>50</a:t>
             </a:fld>
             <a:r>
-              <a:rPr lang="en-US" altLang="ko-KR" smtClean="0"/>
+              <a:rPr lang="en-US" altLang="ko-KR"/>
               <a:t>/76</a:t>
             </a:r>
             <a:endParaRPr lang="ko-KR" altLang="en-US" dirty="0"/>
@@ -35540,7 +35738,7 @@
               <a:t>51</a:t>
             </a:fld>
             <a:r>
-              <a:rPr lang="en-US" altLang="ko-KR" smtClean="0"/>
+              <a:rPr lang="en-US" altLang="ko-KR"/>
               <a:t>/76</a:t>
             </a:r>
             <a:endParaRPr lang="ko-KR" altLang="en-US" dirty="0"/>
@@ -36022,7 +36220,7 @@
               <a:t>52</a:t>
             </a:fld>
             <a:r>
-              <a:rPr lang="en-US" altLang="ko-KR" smtClean="0"/>
+              <a:rPr lang="en-US" altLang="ko-KR"/>
               <a:t>/76</a:t>
             </a:r>
             <a:endParaRPr lang="ko-KR" altLang="en-US" dirty="0"/>
@@ -36504,7 +36702,7 @@
               <a:t>53</a:t>
             </a:fld>
             <a:r>
-              <a:rPr lang="en-US" altLang="ko-KR" smtClean="0"/>
+              <a:rPr lang="en-US" altLang="ko-KR"/>
               <a:t>/76</a:t>
             </a:r>
             <a:endParaRPr lang="ko-KR" altLang="en-US" dirty="0"/>
@@ -36985,7 +37183,7 @@
               <a:t>54</a:t>
             </a:fld>
             <a:r>
-              <a:rPr lang="en-US" altLang="ko-KR" smtClean="0"/>
+              <a:rPr lang="en-US" altLang="ko-KR"/>
               <a:t>/76</a:t>
             </a:r>
             <a:endParaRPr lang="ko-KR" altLang="en-US" dirty="0"/>
@@ -37640,7 +37838,7 @@
               <a:t>55</a:t>
             </a:fld>
             <a:r>
-              <a:rPr lang="en-US" altLang="ko-KR" smtClean="0"/>
+              <a:rPr lang="en-US" altLang="ko-KR"/>
               <a:t>/76</a:t>
             </a:r>
             <a:endParaRPr lang="ko-KR" altLang="en-US" dirty="0"/>
@@ -38390,7 +38588,7 @@
               <a:t>56</a:t>
             </a:fld>
             <a:r>
-              <a:rPr lang="en-US" altLang="ko-KR" smtClean="0"/>
+              <a:rPr lang="en-US" altLang="ko-KR"/>
               <a:t>/76</a:t>
             </a:r>
             <a:endParaRPr lang="ko-KR" altLang="en-US" dirty="0"/>
@@ -38891,7 +39089,7 @@
               <a:t>57</a:t>
             </a:fld>
             <a:r>
-              <a:rPr lang="en-US" altLang="ko-KR" smtClean="0"/>
+              <a:rPr lang="en-US" altLang="ko-KR"/>
               <a:t>/76</a:t>
             </a:r>
             <a:endParaRPr lang="ko-KR" altLang="en-US" dirty="0"/>
@@ -39660,7 +39858,7 @@
               <a:t>58</a:t>
             </a:fld>
             <a:r>
-              <a:rPr lang="en-US" altLang="ko-KR" smtClean="0"/>
+              <a:rPr lang="en-US" altLang="ko-KR"/>
               <a:t>/76</a:t>
             </a:r>
             <a:endParaRPr lang="ko-KR" altLang="en-US" dirty="0"/>
@@ -40122,7 +40320,7 @@
               <a:t>59</a:t>
             </a:fld>
             <a:r>
-              <a:rPr lang="en-US" altLang="ko-KR" smtClean="0"/>
+              <a:rPr lang="en-US" altLang="ko-KR"/>
               <a:t>/76</a:t>
             </a:r>
             <a:endParaRPr lang="ko-KR" altLang="en-US" dirty="0"/>
@@ -40623,7 +40821,7 @@
               <a:t>6</a:t>
             </a:fld>
             <a:r>
-              <a:rPr lang="en-US" altLang="ko-KR" smtClean="0"/>
+              <a:rPr lang="en-US" altLang="ko-KR"/>
               <a:t>/76</a:t>
             </a:r>
             <a:endParaRPr lang="ko-KR" altLang="en-US" dirty="0"/>
@@ -41065,7 +41263,7 @@
               <a:t>60</a:t>
             </a:fld>
             <a:r>
-              <a:rPr lang="en-US" altLang="ko-KR" smtClean="0"/>
+              <a:rPr lang="en-US" altLang="ko-KR"/>
               <a:t>/76</a:t>
             </a:r>
             <a:endParaRPr lang="ko-KR" altLang="en-US" dirty="0"/>
@@ -41529,7 +41727,7 @@
               <a:t>61</a:t>
             </a:fld>
             <a:r>
-              <a:rPr lang="en-US" altLang="ko-KR" smtClean="0"/>
+              <a:rPr lang="en-US" altLang="ko-KR"/>
               <a:t>/76</a:t>
             </a:r>
             <a:endParaRPr lang="ko-KR" altLang="en-US" dirty="0"/>
@@ -42156,7 +42354,7 @@
               <a:t>62</a:t>
             </a:fld>
             <a:r>
-              <a:rPr lang="en-US" altLang="ko-KR" smtClean="0"/>
+              <a:rPr lang="en-US" altLang="ko-KR"/>
               <a:t>/76</a:t>
             </a:r>
             <a:endParaRPr lang="ko-KR" altLang="en-US" dirty="0"/>
@@ -42643,7 +42841,7 @@
               <a:t>63</a:t>
             </a:fld>
             <a:r>
-              <a:rPr lang="en-US" altLang="ko-KR" smtClean="0"/>
+              <a:rPr lang="en-US" altLang="ko-KR"/>
               <a:t>/76</a:t>
             </a:r>
             <a:endParaRPr lang="ko-KR" altLang="en-US" dirty="0"/>
@@ -43150,7 +43348,7 @@
               <a:t>64</a:t>
             </a:fld>
             <a:r>
-              <a:rPr lang="en-US" altLang="ko-KR" smtClean="0"/>
+              <a:rPr lang="en-US" altLang="ko-KR"/>
               <a:t>/76</a:t>
             </a:r>
             <a:endParaRPr lang="ko-KR" altLang="en-US" dirty="0"/>
@@ -43777,7 +43975,7 @@
               <a:t>65</a:t>
             </a:fld>
             <a:r>
-              <a:rPr lang="en-US" altLang="ko-KR" smtClean="0"/>
+              <a:rPr lang="en-US" altLang="ko-KR"/>
               <a:t>/76</a:t>
             </a:r>
             <a:endParaRPr lang="ko-KR" altLang="en-US" dirty="0"/>
@@ -44358,7 +44556,7 @@
               <a:t>66</a:t>
             </a:fld>
             <a:r>
-              <a:rPr lang="en-US" altLang="ko-KR" smtClean="0"/>
+              <a:rPr lang="en-US" altLang="ko-KR"/>
               <a:t>/76</a:t>
             </a:r>
             <a:endParaRPr lang="ko-KR" altLang="en-US" dirty="0"/>
@@ -44842,7 +45040,7 @@
               <a:t>67</a:t>
             </a:fld>
             <a:r>
-              <a:rPr lang="en-US" altLang="ko-KR" smtClean="0"/>
+              <a:rPr lang="en-US" altLang="ko-KR"/>
               <a:t>/76</a:t>
             </a:r>
             <a:endParaRPr lang="ko-KR" altLang="en-US" dirty="0"/>
@@ -45327,7 +45525,7 @@
               <a:t>68</a:t>
             </a:fld>
             <a:r>
-              <a:rPr lang="en-US" altLang="ko-KR" smtClean="0"/>
+              <a:rPr lang="en-US" altLang="ko-KR"/>
               <a:t>/76</a:t>
             </a:r>
             <a:endParaRPr lang="ko-KR" altLang="en-US" dirty="0"/>
@@ -45859,7 +46057,7 @@
               <a:t>69</a:t>
             </a:fld>
             <a:r>
-              <a:rPr lang="en-US" altLang="ko-KR" smtClean="0"/>
+              <a:rPr lang="en-US" altLang="ko-KR"/>
               <a:t>/76</a:t>
             </a:r>
             <a:endParaRPr lang="ko-KR" altLang="en-US" dirty="0"/>
@@ -46442,7 +46640,7 @@
               <a:t>7</a:t>
             </a:fld>
             <a:r>
-              <a:rPr lang="en-US" altLang="ko-KR" smtClean="0"/>
+              <a:rPr lang="en-US" altLang="ko-KR"/>
               <a:t>/76</a:t>
             </a:r>
             <a:endParaRPr lang="ko-KR" altLang="en-US" dirty="0"/>
@@ -46481,6 +46679,1730 @@
       </p:grpSpPr>
       <p:sp>
         <p:nvSpPr>
+          <p:cNvPr id="4" name="제목 3">
+            <a:extLst>
+              <a:ext uri="{FF2B5EF4-FFF2-40B4-BE49-F238E27FC236}">
+                <a16:creationId xmlns:a16="http://schemas.microsoft.com/office/drawing/2014/main" id="{F0CEB32B-CB43-4410-BA08-A97E4BC47FCB}"/>
+              </a:ext>
+            </a:extLst>
+          </p:cNvPr>
+          <p:cNvSpPr>
+            <a:spLocks noGrp="1"/>
+          </p:cNvSpPr>
+          <p:nvPr>
+            <p:ph type="title"/>
+          </p:nvPr>
+        </p:nvSpPr>
+        <p:spPr>
+          <a:xfrm>
+            <a:off x="539551" y="192300"/>
+            <a:ext cx="8244853" cy="576064"/>
+          </a:xfrm>
+        </p:spPr>
+        <p:txBody>
+          <a:bodyPr>
+            <a:normAutofit/>
+          </a:bodyPr>
+          <a:lstStyle/>
+          <a:p>
+            <a:r>
+              <a:rPr lang="ko-KR" altLang="en-US" dirty="0"/>
+              <a:t>협업하기 </a:t>
+            </a:r>
+            <a:r>
+              <a:rPr lang="en-US" altLang="ko-KR" dirty="0"/>
+              <a:t>(reviewer, assignee </a:t>
+            </a:r>
+            <a:r>
+              <a:rPr lang="ko-KR" altLang="en-US" dirty="0"/>
+              <a:t>선정</a:t>
+            </a:r>
+            <a:r>
+              <a:rPr lang="en-US" altLang="ko-KR" dirty="0"/>
+              <a:t>)</a:t>
+            </a:r>
+            <a:endParaRPr lang="ko-KR" altLang="en-US" dirty="0"/>
+          </a:p>
+        </p:txBody>
+      </p:sp>
+      <p:sp>
+        <p:nvSpPr>
+          <p:cNvPr id="11" name="내용 개체 틀 2">
+            <a:extLst>
+              <a:ext uri="{FF2B5EF4-FFF2-40B4-BE49-F238E27FC236}">
+                <a16:creationId xmlns:a16="http://schemas.microsoft.com/office/drawing/2014/main" id="{A44AC902-3746-40D6-9827-94B46EEDDC67}"/>
+              </a:ext>
+            </a:extLst>
+          </p:cNvPr>
+          <p:cNvSpPr txBox="1">
+            <a:spLocks/>
+          </p:cNvSpPr>
+          <p:nvPr/>
+        </p:nvSpPr>
+        <p:spPr>
+          <a:xfrm>
+            <a:off x="341787" y="971500"/>
+            <a:ext cx="8642350" cy="1379818"/>
+          </a:xfrm>
+          <a:prstGeom prst="rect">
+            <a:avLst/>
+          </a:prstGeom>
+        </p:spPr>
+        <p:txBody>
+          <a:bodyPr vert="horz" lIns="91440" tIns="45720" rIns="91440" bIns="45720" rtlCol="0">
+            <a:noAutofit/>
+          </a:bodyPr>
+          <a:lstStyle>
+            <a:lvl1pPr marL="266700" indent="-266700" defTabSz="914400" latinLnBrk="1">
+              <a:lnSpc>
+                <a:spcPct val="150000"/>
+              </a:lnSpc>
+              <a:spcBef>
+                <a:spcPct val="0"/>
+              </a:spcBef>
+              <a:buClr>
+                <a:schemeClr val="tx1">
+                  <a:lumMod val="65000"/>
+                  <a:lumOff val="35000"/>
+                </a:schemeClr>
+              </a:buClr>
+              <a:buFont typeface="Wingdings" pitchFamily="2" charset="2"/>
+              <a:buChar char="n"/>
+              <a:defRPr sz="2000" b="1">
+                <a:latin typeface="+mn-ea"/>
+              </a:defRPr>
+            </a:lvl1pPr>
+            <a:lvl2pPr marL="447675" lvl="1" indent="-180975" defTabSz="914400" latinLnBrk="1">
+              <a:lnSpc>
+                <a:spcPct val="150000"/>
+              </a:lnSpc>
+              <a:spcBef>
+                <a:spcPts val="0"/>
+              </a:spcBef>
+              <a:spcAft>
+                <a:spcPts val="0"/>
+              </a:spcAft>
+              <a:buClr>
+                <a:schemeClr val="tx1">
+                  <a:lumMod val="50000"/>
+                  <a:lumOff val="50000"/>
+                </a:schemeClr>
+              </a:buClr>
+              <a:buFont typeface="Wingdings" pitchFamily="2" charset="2"/>
+              <a:buChar char="§"/>
+              <a:defRPr sz="1600"/>
+            </a:lvl2pPr>
+            <a:lvl3pPr marL="628650" indent="-180975" defTabSz="914400" latinLnBrk="1">
+              <a:lnSpc>
+                <a:spcPct val="150000"/>
+              </a:lnSpc>
+              <a:spcBef>
+                <a:spcPts val="500"/>
+              </a:spcBef>
+              <a:spcAft>
+                <a:spcPts val="300"/>
+              </a:spcAft>
+              <a:buClr>
+                <a:schemeClr val="tx1">
+                  <a:lumMod val="65000"/>
+                  <a:lumOff val="35000"/>
+                </a:schemeClr>
+              </a:buClr>
+              <a:buFont typeface="Arial" panose="020B0604020202020204" pitchFamily="34" charset="0"/>
+              <a:buChar char="•"/>
+              <a:defRPr sz="1400"/>
+            </a:lvl3pPr>
+            <a:lvl4pPr marL="809625" indent="-180975" defTabSz="914400" latinLnBrk="1">
+              <a:lnSpc>
+                <a:spcPct val="150000"/>
+              </a:lnSpc>
+              <a:spcBef>
+                <a:spcPts val="500"/>
+              </a:spcBef>
+              <a:spcAft>
+                <a:spcPts val="300"/>
+              </a:spcAft>
+              <a:buClr>
+                <a:schemeClr val="tx1">
+                  <a:lumMod val="65000"/>
+                  <a:lumOff val="35000"/>
+                </a:schemeClr>
+              </a:buClr>
+              <a:buSzPct val="96000"/>
+              <a:buFont typeface="Arial" panose="020B0604020202020204" pitchFamily="34" charset="0"/>
+              <a:buChar char="•"/>
+              <a:defRPr sz="1200"/>
+            </a:lvl4pPr>
+            <a:lvl5pPr marL="990600" indent="-180975" defTabSz="914400" latinLnBrk="1">
+              <a:lnSpc>
+                <a:spcPct val="150000"/>
+              </a:lnSpc>
+              <a:spcBef>
+                <a:spcPts val="500"/>
+              </a:spcBef>
+              <a:buClr>
+                <a:schemeClr val="tx1">
+                  <a:lumMod val="65000"/>
+                  <a:lumOff val="35000"/>
+                </a:schemeClr>
+              </a:buClr>
+              <a:buFont typeface="Arial" panose="020B0604020202020204" pitchFamily="34" charset="0"/>
+              <a:buChar char="•"/>
+              <a:defRPr sz="1000"/>
+            </a:lvl5pPr>
+            <a:lvl6pPr marL="2514600" indent="-228600" defTabSz="914400" latinLnBrk="1">
+              <a:lnSpc>
+                <a:spcPct val="90000"/>
+              </a:lnSpc>
+              <a:spcBef>
+                <a:spcPts val="500"/>
+              </a:spcBef>
+              <a:buFont typeface="Arial" panose="020B0604020202020204" pitchFamily="34" charset="0"/>
+              <a:buChar char="•"/>
+            </a:lvl6pPr>
+            <a:lvl7pPr marL="2971800" indent="-228600" defTabSz="914400" latinLnBrk="1">
+              <a:lnSpc>
+                <a:spcPct val="90000"/>
+              </a:lnSpc>
+              <a:spcBef>
+                <a:spcPts val="500"/>
+              </a:spcBef>
+              <a:buFont typeface="Arial" panose="020B0604020202020204" pitchFamily="34" charset="0"/>
+              <a:buChar char="•"/>
+            </a:lvl7pPr>
+            <a:lvl8pPr marL="3429000" indent="-228600" defTabSz="914400" latinLnBrk="1">
+              <a:lnSpc>
+                <a:spcPct val="90000"/>
+              </a:lnSpc>
+              <a:spcBef>
+                <a:spcPts val="500"/>
+              </a:spcBef>
+              <a:buFont typeface="Arial" panose="020B0604020202020204" pitchFamily="34" charset="0"/>
+              <a:buChar char="•"/>
+            </a:lvl8pPr>
+            <a:lvl9pPr marL="3886200" indent="-228600" defTabSz="914400" latinLnBrk="1">
+              <a:lnSpc>
+                <a:spcPct val="90000"/>
+              </a:lnSpc>
+              <a:spcBef>
+                <a:spcPts val="500"/>
+              </a:spcBef>
+              <a:buFont typeface="Arial" panose="020B0604020202020204" pitchFamily="34" charset="0"/>
+              <a:buChar char="•"/>
+            </a:lvl9pPr>
+          </a:lstStyle>
+          <a:p>
+            <a:r>
+              <a:rPr lang="en-US" altLang="ko-KR" dirty="0"/>
+              <a:t>Reviewer </a:t>
+            </a:r>
+            <a:r>
+              <a:rPr lang="ko-KR" altLang="en-US" dirty="0"/>
+              <a:t>선정</a:t>
+            </a:r>
+            <a:endParaRPr lang="en-US" altLang="ko-KR" dirty="0"/>
+          </a:p>
+          <a:p>
+            <a:pPr marL="446088" lvl="1" indent="-174625"/>
+            <a:r>
+              <a:rPr lang="en-US" altLang="ko-KR" dirty="0">
+                <a:latin typeface="+mn-ea"/>
+              </a:rPr>
+              <a:t>Pull Request</a:t>
+            </a:r>
+            <a:r>
+              <a:rPr lang="ko-KR" altLang="en-US" dirty="0">
+                <a:latin typeface="+mn-ea"/>
+              </a:rPr>
+              <a:t>를 요청한 사람이외에 누구나 선택될 수 있음</a:t>
+            </a:r>
+            <a:r>
+              <a:rPr lang="en-US" altLang="ko-KR" dirty="0">
+                <a:latin typeface="+mn-ea"/>
+              </a:rPr>
+              <a:t>.</a:t>
+            </a:r>
+          </a:p>
+          <a:p>
+            <a:pPr marL="446088" lvl="1" indent="-174625"/>
+            <a:r>
+              <a:rPr lang="en-US" altLang="ko-KR" dirty="0">
+                <a:latin typeface="+mn-ea"/>
+              </a:rPr>
+              <a:t>Pull</a:t>
+            </a:r>
+            <a:r>
+              <a:rPr lang="ko-KR" altLang="en-US" dirty="0">
+                <a:latin typeface="+mn-ea"/>
+              </a:rPr>
+              <a:t> </a:t>
+            </a:r>
+            <a:r>
+              <a:rPr lang="en-US" altLang="ko-KR" dirty="0">
+                <a:latin typeface="+mn-ea"/>
+              </a:rPr>
+              <a:t>Request</a:t>
+            </a:r>
+            <a:r>
+              <a:rPr lang="ko-KR" altLang="en-US" dirty="0">
+                <a:latin typeface="+mn-ea"/>
+              </a:rPr>
+              <a:t> 할 때 선정할 수도 있고 </a:t>
+            </a:r>
+            <a:r>
+              <a:rPr lang="en-US" altLang="ko-KR" dirty="0">
+                <a:latin typeface="+mn-ea"/>
+              </a:rPr>
+              <a:t>PR</a:t>
+            </a:r>
+            <a:r>
+              <a:rPr lang="ko-KR" altLang="en-US" dirty="0">
+                <a:latin typeface="+mn-ea"/>
+              </a:rPr>
+              <a:t>을 </a:t>
+            </a:r>
+            <a:r>
+              <a:rPr lang="en-US" altLang="ko-KR" dirty="0">
+                <a:latin typeface="+mn-ea"/>
+              </a:rPr>
+              <a:t>open</a:t>
+            </a:r>
+            <a:r>
+              <a:rPr lang="ko-KR" altLang="en-US" dirty="0">
+                <a:latin typeface="+mn-ea"/>
+              </a:rPr>
+              <a:t>한 후에도 선택</a:t>
+            </a:r>
+            <a:r>
+              <a:rPr lang="en-US" altLang="ko-KR" dirty="0">
+                <a:latin typeface="+mn-ea"/>
+              </a:rPr>
+              <a:t>, </a:t>
+            </a:r>
+            <a:r>
+              <a:rPr lang="ko-KR" altLang="en-US" dirty="0">
+                <a:latin typeface="+mn-ea"/>
+              </a:rPr>
+              <a:t>수정할 수 있음</a:t>
+            </a:r>
+            <a:r>
+              <a:rPr lang="en-US" altLang="ko-KR" dirty="0">
+                <a:latin typeface="+mn-ea"/>
+              </a:rPr>
+              <a:t>.</a:t>
+            </a:r>
+          </a:p>
+          <a:p>
+            <a:pPr marL="450850" lvl="1" indent="0">
+              <a:buNone/>
+            </a:pPr>
+            <a:endParaRPr lang="en-US" altLang="ko-KR" dirty="0">
+              <a:latin typeface="+mn-ea"/>
+            </a:endParaRPr>
+          </a:p>
+          <a:p>
+            <a:pPr lvl="1"/>
+            <a:endParaRPr lang="en-US" altLang="ko-KR" dirty="0">
+              <a:latin typeface="+mn-ea"/>
+            </a:endParaRPr>
+          </a:p>
+          <a:p>
+            <a:pPr lvl="1"/>
+            <a:endParaRPr lang="en-US" altLang="ko-KR" dirty="0">
+              <a:latin typeface="+mn-ea"/>
+            </a:endParaRPr>
+          </a:p>
+          <a:p>
+            <a:pPr lvl="1"/>
+            <a:endParaRPr lang="en-US" altLang="ko-KR" dirty="0">
+              <a:latin typeface="+mn-ea"/>
+            </a:endParaRPr>
+          </a:p>
+          <a:p>
+            <a:pPr lvl="1"/>
+            <a:endParaRPr lang="en-US" altLang="ko-KR" dirty="0">
+              <a:latin typeface="+mn-ea"/>
+            </a:endParaRPr>
+          </a:p>
+          <a:p>
+            <a:pPr lvl="1"/>
+            <a:endParaRPr lang="en-US" altLang="ko-KR" dirty="0">
+              <a:latin typeface="+mn-ea"/>
+            </a:endParaRPr>
+          </a:p>
+          <a:p>
+            <a:pPr lvl="1"/>
+            <a:endParaRPr lang="en-US" altLang="ko-KR" dirty="0">
+              <a:latin typeface="+mn-ea"/>
+            </a:endParaRPr>
+          </a:p>
+          <a:p>
+            <a:pPr lvl="1"/>
+            <a:endParaRPr lang="en-US" altLang="ko-KR" dirty="0">
+              <a:latin typeface="+mn-ea"/>
+            </a:endParaRPr>
+          </a:p>
+        </p:txBody>
+      </p:sp>
+      <p:sp>
+        <p:nvSpPr>
+          <p:cNvPr id="2" name="슬라이드 번호 개체 틀 1"/>
+          <p:cNvSpPr>
+            <a:spLocks noGrp="1"/>
+          </p:cNvSpPr>
+          <p:nvPr>
+            <p:ph type="sldNum" sz="quarter" idx="12"/>
+          </p:nvPr>
+        </p:nvSpPr>
+        <p:spPr/>
+        <p:txBody>
+          <a:bodyPr/>
+          <a:lstStyle/>
+          <a:p>
+            <a:fld id="{526ADF51-C4A2-4521-899C-87F34FDB9C0A}" type="slidenum">
+              <a:rPr lang="ko-KR" altLang="en-US" smtClean="0"/>
+              <a:pPr/>
+              <a:t>70</a:t>
+            </a:fld>
+            <a:r>
+              <a:rPr lang="en-US" altLang="ko-KR"/>
+              <a:t>/76</a:t>
+            </a:r>
+            <a:endParaRPr lang="ko-KR" altLang="en-US" dirty="0"/>
+          </a:p>
+        </p:txBody>
+      </p:sp>
+      <p:sp>
+        <p:nvSpPr>
+          <p:cNvPr id="7" name="내용 개체 틀 2">
+            <a:extLst>
+              <a:ext uri="{FF2B5EF4-FFF2-40B4-BE49-F238E27FC236}">
+                <a16:creationId xmlns:a16="http://schemas.microsoft.com/office/drawing/2014/main" id="{2663E6AB-036E-41CA-BBF6-E1954210813E}"/>
+              </a:ext>
+            </a:extLst>
+          </p:cNvPr>
+          <p:cNvSpPr txBox="1">
+            <a:spLocks/>
+          </p:cNvSpPr>
+          <p:nvPr/>
+        </p:nvSpPr>
+        <p:spPr>
+          <a:xfrm>
+            <a:off x="341787" y="2336734"/>
+            <a:ext cx="8642350" cy="1379818"/>
+          </a:xfrm>
+          <a:prstGeom prst="rect">
+            <a:avLst/>
+          </a:prstGeom>
+        </p:spPr>
+        <p:txBody>
+          <a:bodyPr vert="horz" lIns="91440" tIns="45720" rIns="91440" bIns="45720" rtlCol="0">
+            <a:noAutofit/>
+          </a:bodyPr>
+          <a:lstStyle>
+            <a:lvl1pPr marL="266700" indent="-266700" defTabSz="914400" latinLnBrk="1">
+              <a:lnSpc>
+                <a:spcPct val="150000"/>
+              </a:lnSpc>
+              <a:spcBef>
+                <a:spcPct val="0"/>
+              </a:spcBef>
+              <a:buClr>
+                <a:schemeClr val="tx1">
+                  <a:lumMod val="65000"/>
+                  <a:lumOff val="35000"/>
+                </a:schemeClr>
+              </a:buClr>
+              <a:buFont typeface="Wingdings" pitchFamily="2" charset="2"/>
+              <a:buChar char="n"/>
+              <a:defRPr sz="2000" b="1">
+                <a:latin typeface="+mn-ea"/>
+              </a:defRPr>
+            </a:lvl1pPr>
+            <a:lvl2pPr marL="447675" lvl="1" indent="-180975" defTabSz="914400" latinLnBrk="1">
+              <a:lnSpc>
+                <a:spcPct val="150000"/>
+              </a:lnSpc>
+              <a:spcBef>
+                <a:spcPts val="0"/>
+              </a:spcBef>
+              <a:spcAft>
+                <a:spcPts val="0"/>
+              </a:spcAft>
+              <a:buClr>
+                <a:schemeClr val="tx1">
+                  <a:lumMod val="50000"/>
+                  <a:lumOff val="50000"/>
+                </a:schemeClr>
+              </a:buClr>
+              <a:buFont typeface="Wingdings" pitchFamily="2" charset="2"/>
+              <a:buChar char="§"/>
+              <a:defRPr sz="1600"/>
+            </a:lvl2pPr>
+            <a:lvl3pPr marL="628650" indent="-180975" defTabSz="914400" latinLnBrk="1">
+              <a:lnSpc>
+                <a:spcPct val="150000"/>
+              </a:lnSpc>
+              <a:spcBef>
+                <a:spcPts val="500"/>
+              </a:spcBef>
+              <a:spcAft>
+                <a:spcPts val="300"/>
+              </a:spcAft>
+              <a:buClr>
+                <a:schemeClr val="tx1">
+                  <a:lumMod val="65000"/>
+                  <a:lumOff val="35000"/>
+                </a:schemeClr>
+              </a:buClr>
+              <a:buFont typeface="Arial" panose="020B0604020202020204" pitchFamily="34" charset="0"/>
+              <a:buChar char="•"/>
+              <a:defRPr sz="1400"/>
+            </a:lvl3pPr>
+            <a:lvl4pPr marL="809625" indent="-180975" defTabSz="914400" latinLnBrk="1">
+              <a:lnSpc>
+                <a:spcPct val="150000"/>
+              </a:lnSpc>
+              <a:spcBef>
+                <a:spcPts val="500"/>
+              </a:spcBef>
+              <a:spcAft>
+                <a:spcPts val="300"/>
+              </a:spcAft>
+              <a:buClr>
+                <a:schemeClr val="tx1">
+                  <a:lumMod val="65000"/>
+                  <a:lumOff val="35000"/>
+                </a:schemeClr>
+              </a:buClr>
+              <a:buSzPct val="96000"/>
+              <a:buFont typeface="Arial" panose="020B0604020202020204" pitchFamily="34" charset="0"/>
+              <a:buChar char="•"/>
+              <a:defRPr sz="1200"/>
+            </a:lvl4pPr>
+            <a:lvl5pPr marL="990600" indent="-180975" defTabSz="914400" latinLnBrk="1">
+              <a:lnSpc>
+                <a:spcPct val="150000"/>
+              </a:lnSpc>
+              <a:spcBef>
+                <a:spcPts val="500"/>
+              </a:spcBef>
+              <a:buClr>
+                <a:schemeClr val="tx1">
+                  <a:lumMod val="65000"/>
+                  <a:lumOff val="35000"/>
+                </a:schemeClr>
+              </a:buClr>
+              <a:buFont typeface="Arial" panose="020B0604020202020204" pitchFamily="34" charset="0"/>
+              <a:buChar char="•"/>
+              <a:defRPr sz="1000"/>
+            </a:lvl5pPr>
+            <a:lvl6pPr marL="2514600" indent="-228600" defTabSz="914400" latinLnBrk="1">
+              <a:lnSpc>
+                <a:spcPct val="90000"/>
+              </a:lnSpc>
+              <a:spcBef>
+                <a:spcPts val="500"/>
+              </a:spcBef>
+              <a:buFont typeface="Arial" panose="020B0604020202020204" pitchFamily="34" charset="0"/>
+              <a:buChar char="•"/>
+            </a:lvl6pPr>
+            <a:lvl7pPr marL="2971800" indent="-228600" defTabSz="914400" latinLnBrk="1">
+              <a:lnSpc>
+                <a:spcPct val="90000"/>
+              </a:lnSpc>
+              <a:spcBef>
+                <a:spcPts val="500"/>
+              </a:spcBef>
+              <a:buFont typeface="Arial" panose="020B0604020202020204" pitchFamily="34" charset="0"/>
+              <a:buChar char="•"/>
+            </a:lvl7pPr>
+            <a:lvl8pPr marL="3429000" indent="-228600" defTabSz="914400" latinLnBrk="1">
+              <a:lnSpc>
+                <a:spcPct val="90000"/>
+              </a:lnSpc>
+              <a:spcBef>
+                <a:spcPts val="500"/>
+              </a:spcBef>
+              <a:buFont typeface="Arial" panose="020B0604020202020204" pitchFamily="34" charset="0"/>
+              <a:buChar char="•"/>
+            </a:lvl8pPr>
+            <a:lvl9pPr marL="3886200" indent="-228600" defTabSz="914400" latinLnBrk="1">
+              <a:lnSpc>
+                <a:spcPct val="90000"/>
+              </a:lnSpc>
+              <a:spcBef>
+                <a:spcPts val="500"/>
+              </a:spcBef>
+              <a:buFont typeface="Arial" panose="020B0604020202020204" pitchFamily="34" charset="0"/>
+              <a:buChar char="•"/>
+            </a:lvl9pPr>
+          </a:lstStyle>
+          <a:p>
+            <a:r>
+              <a:rPr lang="en-US" altLang="ko-KR" dirty="0"/>
+              <a:t>Assignee </a:t>
+            </a:r>
+            <a:r>
+              <a:rPr lang="ko-KR" altLang="en-US" dirty="0"/>
+              <a:t>선정</a:t>
+            </a:r>
+            <a:endParaRPr lang="en-US" altLang="ko-KR" dirty="0"/>
+          </a:p>
+          <a:p>
+            <a:pPr marL="446088" lvl="1" indent="-174625"/>
+            <a:r>
+              <a:rPr lang="en-US" altLang="ko-KR" dirty="0">
+                <a:latin typeface="+mn-ea"/>
+              </a:rPr>
+              <a:t>Pull Request</a:t>
+            </a:r>
+            <a:r>
+              <a:rPr lang="ko-KR" altLang="en-US" dirty="0">
+                <a:latin typeface="+mn-ea"/>
+              </a:rPr>
+              <a:t>를 요청한 사람 자신을 선정하는 것이 </a:t>
+            </a:r>
+            <a:r>
+              <a:rPr lang="en-US" altLang="ko-KR" dirty="0">
+                <a:latin typeface="+mn-ea"/>
+              </a:rPr>
+              <a:t>default</a:t>
+            </a:r>
+          </a:p>
+          <a:p>
+            <a:pPr marL="446088" lvl="1" indent="-174625"/>
+            <a:r>
+              <a:rPr lang="en-US" altLang="ko-KR" dirty="0">
+                <a:latin typeface="+mn-ea"/>
+              </a:rPr>
+              <a:t>Pull</a:t>
+            </a:r>
+            <a:r>
+              <a:rPr lang="ko-KR" altLang="en-US" dirty="0">
+                <a:latin typeface="+mn-ea"/>
+              </a:rPr>
+              <a:t> </a:t>
+            </a:r>
+            <a:r>
+              <a:rPr lang="en-US" altLang="ko-KR" dirty="0">
+                <a:latin typeface="+mn-ea"/>
+              </a:rPr>
+              <a:t>Request</a:t>
+            </a:r>
+            <a:r>
+              <a:rPr lang="ko-KR" altLang="en-US" dirty="0">
+                <a:latin typeface="+mn-ea"/>
+              </a:rPr>
+              <a:t> 할 때 선정할 수도 있고 </a:t>
+            </a:r>
+            <a:r>
+              <a:rPr lang="en-US" altLang="ko-KR" dirty="0">
+                <a:latin typeface="+mn-ea"/>
+              </a:rPr>
+              <a:t>PR</a:t>
+            </a:r>
+            <a:r>
+              <a:rPr lang="ko-KR" altLang="en-US" dirty="0">
+                <a:latin typeface="+mn-ea"/>
+              </a:rPr>
+              <a:t>을 </a:t>
+            </a:r>
+            <a:r>
+              <a:rPr lang="en-US" altLang="ko-KR" dirty="0">
+                <a:latin typeface="+mn-ea"/>
+              </a:rPr>
+              <a:t>open</a:t>
+            </a:r>
+            <a:r>
+              <a:rPr lang="ko-KR" altLang="en-US" dirty="0">
+                <a:latin typeface="+mn-ea"/>
+              </a:rPr>
+              <a:t>한 후에도 선택</a:t>
+            </a:r>
+            <a:r>
+              <a:rPr lang="en-US" altLang="ko-KR" dirty="0">
+                <a:latin typeface="+mn-ea"/>
+              </a:rPr>
+              <a:t>, </a:t>
+            </a:r>
+            <a:r>
+              <a:rPr lang="ko-KR" altLang="en-US" dirty="0">
+                <a:latin typeface="+mn-ea"/>
+              </a:rPr>
+              <a:t>수정할 수 있음</a:t>
+            </a:r>
+            <a:r>
+              <a:rPr lang="en-US" altLang="ko-KR" dirty="0">
+                <a:latin typeface="+mn-ea"/>
+              </a:rPr>
+              <a:t>.</a:t>
+            </a:r>
+          </a:p>
+          <a:p>
+            <a:pPr marL="450850" lvl="1" indent="0">
+              <a:buNone/>
+            </a:pPr>
+            <a:endParaRPr lang="en-US" altLang="ko-KR" dirty="0">
+              <a:latin typeface="+mn-ea"/>
+            </a:endParaRPr>
+          </a:p>
+          <a:p>
+            <a:pPr lvl="1"/>
+            <a:endParaRPr lang="en-US" altLang="ko-KR" dirty="0">
+              <a:latin typeface="+mn-ea"/>
+            </a:endParaRPr>
+          </a:p>
+          <a:p>
+            <a:pPr lvl="1"/>
+            <a:endParaRPr lang="en-US" altLang="ko-KR" dirty="0">
+              <a:latin typeface="+mn-ea"/>
+            </a:endParaRPr>
+          </a:p>
+          <a:p>
+            <a:pPr lvl="1"/>
+            <a:endParaRPr lang="en-US" altLang="ko-KR" dirty="0">
+              <a:latin typeface="+mn-ea"/>
+            </a:endParaRPr>
+          </a:p>
+          <a:p>
+            <a:pPr lvl="1"/>
+            <a:endParaRPr lang="en-US" altLang="ko-KR" dirty="0">
+              <a:latin typeface="+mn-ea"/>
+            </a:endParaRPr>
+          </a:p>
+          <a:p>
+            <a:pPr lvl="1"/>
+            <a:endParaRPr lang="en-US" altLang="ko-KR" dirty="0">
+              <a:latin typeface="+mn-ea"/>
+            </a:endParaRPr>
+          </a:p>
+          <a:p>
+            <a:pPr lvl="1"/>
+            <a:endParaRPr lang="en-US" altLang="ko-KR" dirty="0">
+              <a:latin typeface="+mn-ea"/>
+            </a:endParaRPr>
+          </a:p>
+          <a:p>
+            <a:pPr lvl="1"/>
+            <a:endParaRPr lang="en-US" altLang="ko-KR" dirty="0">
+              <a:latin typeface="+mn-ea"/>
+            </a:endParaRPr>
+          </a:p>
+        </p:txBody>
+      </p:sp>
+      <p:sp>
+        <p:nvSpPr>
+          <p:cNvPr id="9" name="내용 개체 틀 2">
+            <a:extLst>
+              <a:ext uri="{FF2B5EF4-FFF2-40B4-BE49-F238E27FC236}">
+                <a16:creationId xmlns:a16="http://schemas.microsoft.com/office/drawing/2014/main" id="{42F5C60C-7DEA-45DD-B203-8DAFDFE41847}"/>
+              </a:ext>
+            </a:extLst>
+          </p:cNvPr>
+          <p:cNvSpPr txBox="1">
+            <a:spLocks/>
+          </p:cNvSpPr>
+          <p:nvPr/>
+        </p:nvSpPr>
+        <p:spPr>
+          <a:xfrm>
+            <a:off x="341787" y="3728263"/>
+            <a:ext cx="8642350" cy="1379818"/>
+          </a:xfrm>
+          <a:prstGeom prst="rect">
+            <a:avLst/>
+          </a:prstGeom>
+        </p:spPr>
+        <p:txBody>
+          <a:bodyPr vert="horz" lIns="91440" tIns="45720" rIns="91440" bIns="45720" rtlCol="0">
+            <a:noAutofit/>
+          </a:bodyPr>
+          <a:lstStyle>
+            <a:lvl1pPr marL="266700" indent="-266700" defTabSz="914400" latinLnBrk="1">
+              <a:lnSpc>
+                <a:spcPct val="150000"/>
+              </a:lnSpc>
+              <a:spcBef>
+                <a:spcPct val="0"/>
+              </a:spcBef>
+              <a:buClr>
+                <a:schemeClr val="tx1">
+                  <a:lumMod val="65000"/>
+                  <a:lumOff val="35000"/>
+                </a:schemeClr>
+              </a:buClr>
+              <a:buFont typeface="Wingdings" pitchFamily="2" charset="2"/>
+              <a:buChar char="n"/>
+              <a:defRPr sz="2000" b="1">
+                <a:latin typeface="+mn-ea"/>
+              </a:defRPr>
+            </a:lvl1pPr>
+            <a:lvl2pPr marL="447675" lvl="1" indent="-180975" defTabSz="914400" latinLnBrk="1">
+              <a:lnSpc>
+                <a:spcPct val="150000"/>
+              </a:lnSpc>
+              <a:spcBef>
+                <a:spcPts val="0"/>
+              </a:spcBef>
+              <a:spcAft>
+                <a:spcPts val="0"/>
+              </a:spcAft>
+              <a:buClr>
+                <a:schemeClr val="tx1">
+                  <a:lumMod val="50000"/>
+                  <a:lumOff val="50000"/>
+                </a:schemeClr>
+              </a:buClr>
+              <a:buFont typeface="Wingdings" pitchFamily="2" charset="2"/>
+              <a:buChar char="§"/>
+              <a:defRPr sz="1600"/>
+            </a:lvl2pPr>
+            <a:lvl3pPr marL="628650" indent="-180975" defTabSz="914400" latinLnBrk="1">
+              <a:lnSpc>
+                <a:spcPct val="150000"/>
+              </a:lnSpc>
+              <a:spcBef>
+                <a:spcPts val="500"/>
+              </a:spcBef>
+              <a:spcAft>
+                <a:spcPts val="300"/>
+              </a:spcAft>
+              <a:buClr>
+                <a:schemeClr val="tx1">
+                  <a:lumMod val="65000"/>
+                  <a:lumOff val="35000"/>
+                </a:schemeClr>
+              </a:buClr>
+              <a:buFont typeface="Arial" panose="020B0604020202020204" pitchFamily="34" charset="0"/>
+              <a:buChar char="•"/>
+              <a:defRPr sz="1400"/>
+            </a:lvl3pPr>
+            <a:lvl4pPr marL="809625" indent="-180975" defTabSz="914400" latinLnBrk="1">
+              <a:lnSpc>
+                <a:spcPct val="150000"/>
+              </a:lnSpc>
+              <a:spcBef>
+                <a:spcPts val="500"/>
+              </a:spcBef>
+              <a:spcAft>
+                <a:spcPts val="300"/>
+              </a:spcAft>
+              <a:buClr>
+                <a:schemeClr val="tx1">
+                  <a:lumMod val="65000"/>
+                  <a:lumOff val="35000"/>
+                </a:schemeClr>
+              </a:buClr>
+              <a:buSzPct val="96000"/>
+              <a:buFont typeface="Arial" panose="020B0604020202020204" pitchFamily="34" charset="0"/>
+              <a:buChar char="•"/>
+              <a:defRPr sz="1200"/>
+            </a:lvl4pPr>
+            <a:lvl5pPr marL="990600" indent="-180975" defTabSz="914400" latinLnBrk="1">
+              <a:lnSpc>
+                <a:spcPct val="150000"/>
+              </a:lnSpc>
+              <a:spcBef>
+                <a:spcPts val="500"/>
+              </a:spcBef>
+              <a:buClr>
+                <a:schemeClr val="tx1">
+                  <a:lumMod val="65000"/>
+                  <a:lumOff val="35000"/>
+                </a:schemeClr>
+              </a:buClr>
+              <a:buFont typeface="Arial" panose="020B0604020202020204" pitchFamily="34" charset="0"/>
+              <a:buChar char="•"/>
+              <a:defRPr sz="1000"/>
+            </a:lvl5pPr>
+            <a:lvl6pPr marL="2514600" indent="-228600" defTabSz="914400" latinLnBrk="1">
+              <a:lnSpc>
+                <a:spcPct val="90000"/>
+              </a:lnSpc>
+              <a:spcBef>
+                <a:spcPts val="500"/>
+              </a:spcBef>
+              <a:buFont typeface="Arial" panose="020B0604020202020204" pitchFamily="34" charset="0"/>
+              <a:buChar char="•"/>
+            </a:lvl6pPr>
+            <a:lvl7pPr marL="2971800" indent="-228600" defTabSz="914400" latinLnBrk="1">
+              <a:lnSpc>
+                <a:spcPct val="90000"/>
+              </a:lnSpc>
+              <a:spcBef>
+                <a:spcPts val="500"/>
+              </a:spcBef>
+              <a:buFont typeface="Arial" panose="020B0604020202020204" pitchFamily="34" charset="0"/>
+              <a:buChar char="•"/>
+            </a:lvl7pPr>
+            <a:lvl8pPr marL="3429000" indent="-228600" defTabSz="914400" latinLnBrk="1">
+              <a:lnSpc>
+                <a:spcPct val="90000"/>
+              </a:lnSpc>
+              <a:spcBef>
+                <a:spcPts val="500"/>
+              </a:spcBef>
+              <a:buFont typeface="Arial" panose="020B0604020202020204" pitchFamily="34" charset="0"/>
+              <a:buChar char="•"/>
+            </a:lvl8pPr>
+            <a:lvl9pPr marL="3886200" indent="-228600" defTabSz="914400" latinLnBrk="1">
+              <a:lnSpc>
+                <a:spcPct val="90000"/>
+              </a:lnSpc>
+              <a:spcBef>
+                <a:spcPts val="500"/>
+              </a:spcBef>
+              <a:buFont typeface="Arial" panose="020B0604020202020204" pitchFamily="34" charset="0"/>
+              <a:buChar char="•"/>
+            </a:lvl9pPr>
+          </a:lstStyle>
+          <a:p>
+            <a:r>
+              <a:rPr lang="en-US" altLang="ko-KR" dirty="0"/>
+              <a:t>Reviewer, Assignee </a:t>
+            </a:r>
+            <a:r>
+              <a:rPr lang="ko-KR" altLang="en-US" dirty="0"/>
+              <a:t>차이</a:t>
+            </a:r>
+            <a:endParaRPr lang="en-US" altLang="ko-KR" dirty="0"/>
+          </a:p>
+          <a:p>
+            <a:pPr marL="446088" lvl="1" indent="-174625"/>
+            <a:r>
+              <a:rPr lang="en-US" altLang="ko-KR" dirty="0">
+                <a:latin typeface="+mn-ea"/>
+              </a:rPr>
+              <a:t>Reviewer</a:t>
+            </a:r>
+            <a:r>
+              <a:rPr lang="ko-KR" altLang="en-US" dirty="0">
+                <a:latin typeface="+mn-ea"/>
+              </a:rPr>
+              <a:t>는 내용의 추가</a:t>
+            </a:r>
+            <a:r>
+              <a:rPr lang="en-US" altLang="ko-KR" dirty="0">
+                <a:latin typeface="+mn-ea"/>
+              </a:rPr>
+              <a:t>, </a:t>
+            </a:r>
+            <a:r>
+              <a:rPr lang="ko-KR" altLang="en-US" dirty="0">
+                <a:latin typeface="+mn-ea"/>
+              </a:rPr>
+              <a:t>삭제</a:t>
+            </a:r>
+            <a:r>
+              <a:rPr lang="en-US" altLang="ko-KR" dirty="0">
+                <a:latin typeface="+mn-ea"/>
+              </a:rPr>
+              <a:t>, </a:t>
+            </a:r>
+            <a:r>
+              <a:rPr lang="ko-KR" altLang="en-US" dirty="0">
+                <a:latin typeface="+mn-ea"/>
+              </a:rPr>
+              <a:t>보강 등을 검토하는 사람</a:t>
+            </a:r>
+            <a:endParaRPr lang="en-US" altLang="ko-KR" dirty="0">
+              <a:latin typeface="+mn-ea"/>
+            </a:endParaRPr>
+          </a:p>
+          <a:p>
+            <a:pPr marL="446088" lvl="1" indent="-174625"/>
+            <a:r>
+              <a:rPr lang="en-US" altLang="ko-KR" dirty="0">
+                <a:latin typeface="+mn-ea"/>
+              </a:rPr>
+              <a:t>Assignee</a:t>
+            </a:r>
+            <a:r>
+              <a:rPr lang="ko-KR" altLang="en-US" dirty="0">
+                <a:latin typeface="+mn-ea"/>
+              </a:rPr>
+              <a:t>는 </a:t>
+            </a:r>
+            <a:r>
+              <a:rPr lang="en-US" altLang="ko-KR" dirty="0">
+                <a:latin typeface="+mn-ea"/>
+              </a:rPr>
+              <a:t>Pull Request</a:t>
+            </a:r>
+            <a:r>
+              <a:rPr lang="ko-KR" altLang="en-US" dirty="0">
+                <a:latin typeface="+mn-ea"/>
+              </a:rPr>
+              <a:t> 진행을 확인하는 사람 </a:t>
+            </a:r>
+            <a:r>
+              <a:rPr lang="en-US" altLang="ko-KR" dirty="0">
+                <a:latin typeface="+mn-ea"/>
+              </a:rPr>
+              <a:t>(</a:t>
+            </a:r>
+            <a:r>
+              <a:rPr lang="ko-KR" altLang="en-US" dirty="0">
+                <a:latin typeface="+mn-ea"/>
+              </a:rPr>
+              <a:t>챙기는 사람</a:t>
+            </a:r>
+            <a:r>
+              <a:rPr lang="en-US" altLang="ko-KR" dirty="0">
+                <a:latin typeface="+mn-ea"/>
+              </a:rPr>
+              <a:t>)</a:t>
+            </a:r>
+          </a:p>
+          <a:p>
+            <a:pPr lvl="1"/>
+            <a:endParaRPr lang="en-US" altLang="ko-KR" dirty="0">
+              <a:latin typeface="+mn-ea"/>
+            </a:endParaRPr>
+          </a:p>
+          <a:p>
+            <a:pPr lvl="1"/>
+            <a:endParaRPr lang="en-US" altLang="ko-KR" dirty="0">
+              <a:latin typeface="+mn-ea"/>
+            </a:endParaRPr>
+          </a:p>
+          <a:p>
+            <a:pPr lvl="1"/>
+            <a:endParaRPr lang="en-US" altLang="ko-KR" dirty="0">
+              <a:latin typeface="+mn-ea"/>
+            </a:endParaRPr>
+          </a:p>
+          <a:p>
+            <a:pPr lvl="1"/>
+            <a:endParaRPr lang="en-US" altLang="ko-KR" dirty="0">
+              <a:latin typeface="+mn-ea"/>
+            </a:endParaRPr>
+          </a:p>
+          <a:p>
+            <a:pPr lvl="1"/>
+            <a:endParaRPr lang="en-US" altLang="ko-KR" dirty="0">
+              <a:latin typeface="+mn-ea"/>
+            </a:endParaRPr>
+          </a:p>
+          <a:p>
+            <a:pPr lvl="1"/>
+            <a:endParaRPr lang="en-US" altLang="ko-KR" dirty="0">
+              <a:latin typeface="+mn-ea"/>
+            </a:endParaRPr>
+          </a:p>
+        </p:txBody>
+      </p:sp>
+      <p:sp>
+        <p:nvSpPr>
+          <p:cNvPr id="10" name="TextBox 9">
+            <a:extLst>
+              <a:ext uri="{FF2B5EF4-FFF2-40B4-BE49-F238E27FC236}">
+                <a16:creationId xmlns:a16="http://schemas.microsoft.com/office/drawing/2014/main" id="{112C46A9-96ED-48FD-8D89-A56E98A70259}"/>
+              </a:ext>
+            </a:extLst>
+          </p:cNvPr>
+          <p:cNvSpPr txBox="1"/>
+          <p:nvPr/>
+        </p:nvSpPr>
+        <p:spPr>
+          <a:xfrm>
+            <a:off x="341786" y="5219864"/>
+            <a:ext cx="8802213" cy="704616"/>
+          </a:xfrm>
+          <a:prstGeom prst="rect">
+            <a:avLst/>
+          </a:prstGeom>
+          <a:noFill/>
+        </p:spPr>
+        <p:txBody>
+          <a:bodyPr wrap="square" lIns="0" rIns="0" rtlCol="0">
+            <a:spAutoFit/>
+          </a:bodyPr>
+          <a:lstStyle/>
+          <a:p>
+            <a:pPr>
+              <a:lnSpc>
+                <a:spcPct val="130000"/>
+              </a:lnSpc>
+            </a:pPr>
+            <a:r>
+              <a:rPr lang="en-US" altLang="ko-KR" sz="1600" dirty="0">
+                <a:solidFill>
+                  <a:srgbClr val="0000FF"/>
+                </a:solidFill>
+                <a:latin typeface="맑은 고딕" panose="020B0503020000020004" pitchFamily="50" charset="-127"/>
+                <a:ea typeface="맑은 고딕" panose="020B0503020000020004" pitchFamily="50" charset="-127"/>
+              </a:rPr>
+              <a:t>※ </a:t>
+            </a:r>
+            <a:r>
+              <a:rPr lang="ko-KR" altLang="en-US" sz="1600" dirty="0">
+                <a:solidFill>
+                  <a:srgbClr val="0000FF"/>
+                </a:solidFill>
+                <a:latin typeface="맑은 고딕" panose="020B0503020000020004" pitchFamily="50" charset="-127"/>
+                <a:ea typeface="맑은 고딕" panose="020B0503020000020004" pitchFamily="50" charset="-127"/>
+              </a:rPr>
+              <a:t>주의 </a:t>
+            </a:r>
+            <a:r>
+              <a:rPr lang="en-US" altLang="ko-KR" sz="1600" dirty="0">
+                <a:solidFill>
+                  <a:srgbClr val="0000FF"/>
+                </a:solidFill>
+                <a:latin typeface="맑은 고딕" panose="020B0503020000020004" pitchFamily="50" charset="-127"/>
+                <a:ea typeface="맑은 고딕" panose="020B0503020000020004" pitchFamily="50" charset="-127"/>
+              </a:rPr>
+              <a:t>: </a:t>
+            </a:r>
+            <a:r>
+              <a:rPr lang="ko-KR" altLang="en-US" sz="1600" dirty="0">
+                <a:solidFill>
+                  <a:srgbClr val="0000FF"/>
+                </a:solidFill>
+                <a:latin typeface="맑은 고딕" panose="020B0503020000020004" pitchFamily="50" charset="-127"/>
+                <a:ea typeface="맑은 고딕" panose="020B0503020000020004" pitchFamily="50" charset="-127"/>
+              </a:rPr>
+              <a:t>과제에 참여하는 누구든지 수정할 수 있음</a:t>
+            </a:r>
+            <a:r>
+              <a:rPr lang="en-US" altLang="ko-KR" sz="1600" dirty="0">
+                <a:solidFill>
+                  <a:srgbClr val="0000FF"/>
+                </a:solidFill>
+                <a:latin typeface="맑은 고딕" panose="020B0503020000020004" pitchFamily="50" charset="-127"/>
+                <a:ea typeface="맑은 고딕" panose="020B0503020000020004" pitchFamily="50" charset="-127"/>
+              </a:rPr>
+              <a:t>. </a:t>
+            </a:r>
+            <a:r>
+              <a:rPr lang="ko-KR" altLang="en-US" sz="1400" dirty="0">
+                <a:solidFill>
+                  <a:srgbClr val="0000FF"/>
+                </a:solidFill>
+                <a:latin typeface="맑은 고딕" panose="020B0503020000020004" pitchFamily="50" charset="-127"/>
+                <a:ea typeface="맑은 고딕" panose="020B0503020000020004" pitchFamily="50" charset="-127"/>
+              </a:rPr>
+              <a:t>변경 되는 내용이 모두 실시간으로 기록되고 보임</a:t>
+            </a:r>
+            <a:endParaRPr lang="en-US" altLang="ko-KR" sz="1400" dirty="0">
+              <a:solidFill>
+                <a:srgbClr val="0000FF"/>
+              </a:solidFill>
+              <a:latin typeface="맑은 고딕" panose="020B0503020000020004" pitchFamily="50" charset="-127"/>
+              <a:ea typeface="맑은 고딕" panose="020B0503020000020004" pitchFamily="50" charset="-127"/>
+            </a:endParaRPr>
+          </a:p>
+          <a:p>
+            <a:pPr>
+              <a:lnSpc>
+                <a:spcPct val="130000"/>
+              </a:lnSpc>
+            </a:pPr>
+            <a:r>
+              <a:rPr lang="ko-KR" altLang="en-US" sz="1600" dirty="0">
+                <a:solidFill>
+                  <a:srgbClr val="0000FF"/>
+                </a:solidFill>
+                <a:latin typeface="맑은 고딕" panose="020B0503020000020004" pitchFamily="50" charset="-127"/>
+                <a:ea typeface="맑은 고딕" panose="020B0503020000020004" pitchFamily="50" charset="-127"/>
+              </a:rPr>
+              <a:t>            따라서 과제 진행 전 팀원들과 의견을 나누고 규칙을 만들어 진행하면 됨</a:t>
+            </a:r>
+            <a:r>
+              <a:rPr lang="en-US" altLang="ko-KR" sz="1600" dirty="0">
+                <a:solidFill>
+                  <a:srgbClr val="0000FF"/>
+                </a:solidFill>
+                <a:latin typeface="맑은 고딕" panose="020B0503020000020004" pitchFamily="50" charset="-127"/>
+                <a:ea typeface="맑은 고딕" panose="020B0503020000020004" pitchFamily="50" charset="-127"/>
+              </a:rPr>
+              <a:t>.</a:t>
+            </a:r>
+            <a:endParaRPr lang="ko-KR" altLang="en-US" sz="1600" dirty="0">
+              <a:solidFill>
+                <a:srgbClr val="0000FF"/>
+              </a:solidFill>
+            </a:endParaRPr>
+          </a:p>
+        </p:txBody>
+      </p:sp>
+    </p:spTree>
+    <p:extLst>
+      <p:ext uri="{BB962C8B-B14F-4D97-AF65-F5344CB8AC3E}">
+        <p14:creationId xmlns:p14="http://schemas.microsoft.com/office/powerpoint/2010/main" val="1164353691"/>
+      </p:ext>
+    </p:extLst>
+  </p:cSld>
+  <p:clrMapOvr>
+    <a:masterClrMapping/>
+  </p:clrMapOvr>
+</p:sld>
+</file>
+
+<file path=ppt/slides/slide71.xml><?xml version="1.0" encoding="utf-8"?>
+<p:sld xmlns:a="http://schemas.openxmlformats.org/drawingml/2006/main" xmlns:r="http://schemas.openxmlformats.org/officeDocument/2006/relationships" xmlns:p="http://schemas.openxmlformats.org/presentationml/2006/main">
+  <p:cSld>
+    <p:spTree>
+      <p:nvGrpSpPr>
+        <p:cNvPr id="1" name=""/>
+        <p:cNvGrpSpPr/>
+        <p:nvPr/>
+      </p:nvGrpSpPr>
+      <p:grpSpPr>
+        <a:xfrm>
+          <a:off x="0" y="0"/>
+          <a:ext cx="0" cy="0"/>
+          <a:chOff x="0" y="0"/>
+          <a:chExt cx="0" cy="0"/>
+        </a:xfrm>
+      </p:grpSpPr>
+      <p:sp>
+        <p:nvSpPr>
+          <p:cNvPr id="4" name="제목 3">
+            <a:extLst>
+              <a:ext uri="{FF2B5EF4-FFF2-40B4-BE49-F238E27FC236}">
+                <a16:creationId xmlns:a16="http://schemas.microsoft.com/office/drawing/2014/main" id="{F0CEB32B-CB43-4410-BA08-A97E4BC47FCB}"/>
+              </a:ext>
+            </a:extLst>
+          </p:cNvPr>
+          <p:cNvSpPr>
+            <a:spLocks noGrp="1"/>
+          </p:cNvSpPr>
+          <p:nvPr>
+            <p:ph type="title"/>
+          </p:nvPr>
+        </p:nvSpPr>
+        <p:spPr>
+          <a:xfrm>
+            <a:off x="539551" y="192300"/>
+            <a:ext cx="8244853" cy="576064"/>
+          </a:xfrm>
+        </p:spPr>
+        <p:txBody>
+          <a:bodyPr>
+            <a:normAutofit/>
+          </a:bodyPr>
+          <a:lstStyle/>
+          <a:p>
+            <a:r>
+              <a:rPr lang="ko-KR" altLang="en-US" dirty="0"/>
+              <a:t>협업하기 </a:t>
+            </a:r>
+            <a:r>
+              <a:rPr lang="en-US" altLang="ko-KR" dirty="0"/>
+              <a:t>(merge </a:t>
+            </a:r>
+            <a:r>
+              <a:rPr lang="ko-KR" altLang="en-US" dirty="0"/>
+              <a:t>책임자</a:t>
+            </a:r>
+            <a:r>
+              <a:rPr lang="en-US" altLang="ko-KR" dirty="0"/>
+              <a:t>)</a:t>
+            </a:r>
+            <a:endParaRPr lang="ko-KR" altLang="en-US" dirty="0"/>
+          </a:p>
+        </p:txBody>
+      </p:sp>
+      <p:sp>
+        <p:nvSpPr>
+          <p:cNvPr id="11" name="내용 개체 틀 2">
+            <a:extLst>
+              <a:ext uri="{FF2B5EF4-FFF2-40B4-BE49-F238E27FC236}">
+                <a16:creationId xmlns:a16="http://schemas.microsoft.com/office/drawing/2014/main" id="{A44AC902-3746-40D6-9827-94B46EEDDC67}"/>
+              </a:ext>
+            </a:extLst>
+          </p:cNvPr>
+          <p:cNvSpPr txBox="1">
+            <a:spLocks/>
+          </p:cNvSpPr>
+          <p:nvPr/>
+        </p:nvSpPr>
+        <p:spPr>
+          <a:xfrm>
+            <a:off x="341787" y="949727"/>
+            <a:ext cx="8642350" cy="3088875"/>
+          </a:xfrm>
+          <a:prstGeom prst="rect">
+            <a:avLst/>
+          </a:prstGeom>
+        </p:spPr>
+        <p:txBody>
+          <a:bodyPr vert="horz" lIns="91440" tIns="45720" rIns="91440" bIns="45720" rtlCol="0">
+            <a:noAutofit/>
+          </a:bodyPr>
+          <a:lstStyle>
+            <a:lvl1pPr marL="266700" indent="-266700" defTabSz="914400" latinLnBrk="1">
+              <a:lnSpc>
+                <a:spcPct val="150000"/>
+              </a:lnSpc>
+              <a:spcBef>
+                <a:spcPct val="0"/>
+              </a:spcBef>
+              <a:buClr>
+                <a:schemeClr val="tx1">
+                  <a:lumMod val="65000"/>
+                  <a:lumOff val="35000"/>
+                </a:schemeClr>
+              </a:buClr>
+              <a:buFont typeface="Wingdings" pitchFamily="2" charset="2"/>
+              <a:buChar char="n"/>
+              <a:defRPr sz="2000" b="1">
+                <a:latin typeface="+mn-ea"/>
+              </a:defRPr>
+            </a:lvl1pPr>
+            <a:lvl2pPr marL="447675" lvl="1" indent="-180975" defTabSz="914400" latinLnBrk="1">
+              <a:lnSpc>
+                <a:spcPct val="150000"/>
+              </a:lnSpc>
+              <a:spcBef>
+                <a:spcPts val="0"/>
+              </a:spcBef>
+              <a:spcAft>
+                <a:spcPts val="0"/>
+              </a:spcAft>
+              <a:buClr>
+                <a:schemeClr val="tx1">
+                  <a:lumMod val="50000"/>
+                  <a:lumOff val="50000"/>
+                </a:schemeClr>
+              </a:buClr>
+              <a:buFont typeface="Wingdings" pitchFamily="2" charset="2"/>
+              <a:buChar char="§"/>
+              <a:defRPr sz="1600"/>
+            </a:lvl2pPr>
+            <a:lvl3pPr marL="628650" indent="-180975" defTabSz="914400" latinLnBrk="1">
+              <a:lnSpc>
+                <a:spcPct val="150000"/>
+              </a:lnSpc>
+              <a:spcBef>
+                <a:spcPts val="500"/>
+              </a:spcBef>
+              <a:spcAft>
+                <a:spcPts val="300"/>
+              </a:spcAft>
+              <a:buClr>
+                <a:schemeClr val="tx1">
+                  <a:lumMod val="65000"/>
+                  <a:lumOff val="35000"/>
+                </a:schemeClr>
+              </a:buClr>
+              <a:buFont typeface="Arial" panose="020B0604020202020204" pitchFamily="34" charset="0"/>
+              <a:buChar char="•"/>
+              <a:defRPr sz="1400"/>
+            </a:lvl3pPr>
+            <a:lvl4pPr marL="809625" indent="-180975" defTabSz="914400" latinLnBrk="1">
+              <a:lnSpc>
+                <a:spcPct val="150000"/>
+              </a:lnSpc>
+              <a:spcBef>
+                <a:spcPts val="500"/>
+              </a:spcBef>
+              <a:spcAft>
+                <a:spcPts val="300"/>
+              </a:spcAft>
+              <a:buClr>
+                <a:schemeClr val="tx1">
+                  <a:lumMod val="65000"/>
+                  <a:lumOff val="35000"/>
+                </a:schemeClr>
+              </a:buClr>
+              <a:buSzPct val="96000"/>
+              <a:buFont typeface="Arial" panose="020B0604020202020204" pitchFamily="34" charset="0"/>
+              <a:buChar char="•"/>
+              <a:defRPr sz="1200"/>
+            </a:lvl4pPr>
+            <a:lvl5pPr marL="990600" indent="-180975" defTabSz="914400" latinLnBrk="1">
+              <a:lnSpc>
+                <a:spcPct val="150000"/>
+              </a:lnSpc>
+              <a:spcBef>
+                <a:spcPts val="500"/>
+              </a:spcBef>
+              <a:buClr>
+                <a:schemeClr val="tx1">
+                  <a:lumMod val="65000"/>
+                  <a:lumOff val="35000"/>
+                </a:schemeClr>
+              </a:buClr>
+              <a:buFont typeface="Arial" panose="020B0604020202020204" pitchFamily="34" charset="0"/>
+              <a:buChar char="•"/>
+              <a:defRPr sz="1000"/>
+            </a:lvl5pPr>
+            <a:lvl6pPr marL="2514600" indent="-228600" defTabSz="914400" latinLnBrk="1">
+              <a:lnSpc>
+                <a:spcPct val="90000"/>
+              </a:lnSpc>
+              <a:spcBef>
+                <a:spcPts val="500"/>
+              </a:spcBef>
+              <a:buFont typeface="Arial" panose="020B0604020202020204" pitchFamily="34" charset="0"/>
+              <a:buChar char="•"/>
+            </a:lvl6pPr>
+            <a:lvl7pPr marL="2971800" indent="-228600" defTabSz="914400" latinLnBrk="1">
+              <a:lnSpc>
+                <a:spcPct val="90000"/>
+              </a:lnSpc>
+              <a:spcBef>
+                <a:spcPts val="500"/>
+              </a:spcBef>
+              <a:buFont typeface="Arial" panose="020B0604020202020204" pitchFamily="34" charset="0"/>
+              <a:buChar char="•"/>
+            </a:lvl7pPr>
+            <a:lvl8pPr marL="3429000" indent="-228600" defTabSz="914400" latinLnBrk="1">
+              <a:lnSpc>
+                <a:spcPct val="90000"/>
+              </a:lnSpc>
+              <a:spcBef>
+                <a:spcPts val="500"/>
+              </a:spcBef>
+              <a:buFont typeface="Arial" panose="020B0604020202020204" pitchFamily="34" charset="0"/>
+              <a:buChar char="•"/>
+            </a:lvl8pPr>
+            <a:lvl9pPr marL="3886200" indent="-228600" defTabSz="914400" latinLnBrk="1">
+              <a:lnSpc>
+                <a:spcPct val="90000"/>
+              </a:lnSpc>
+              <a:spcBef>
+                <a:spcPts val="500"/>
+              </a:spcBef>
+              <a:buFont typeface="Arial" panose="020B0604020202020204" pitchFamily="34" charset="0"/>
+              <a:buChar char="•"/>
+            </a:lvl9pPr>
+          </a:lstStyle>
+          <a:p>
+            <a:r>
+              <a:rPr lang="ko-KR" altLang="en-US" dirty="0"/>
+              <a:t>누가 </a:t>
+            </a:r>
+            <a:r>
+              <a:rPr lang="en-US" altLang="ko-KR" dirty="0"/>
+              <a:t>Merge</a:t>
+            </a:r>
+            <a:r>
+              <a:rPr lang="ko-KR" altLang="en-US" dirty="0"/>
+              <a:t>를 해야 하나</a:t>
+            </a:r>
+            <a:r>
+              <a:rPr lang="en-US" altLang="ko-KR" dirty="0"/>
+              <a:t>?</a:t>
+            </a:r>
+            <a:endParaRPr lang="en-US" altLang="ko-KR" dirty="0">
+              <a:latin typeface="+mn-ea"/>
+            </a:endParaRPr>
+          </a:p>
+          <a:p>
+            <a:pPr marL="533400" lvl="1" indent="-261938">
+              <a:buFont typeface="+mj-lt"/>
+              <a:buAutoNum type="arabicPeriod"/>
+            </a:pPr>
+            <a:r>
+              <a:rPr lang="en-US" altLang="ko-KR" dirty="0">
+                <a:latin typeface="+mn-ea"/>
+              </a:rPr>
+              <a:t>Pull</a:t>
+            </a:r>
+            <a:r>
+              <a:rPr lang="ko-KR" altLang="en-US" dirty="0">
+                <a:latin typeface="+mn-ea"/>
+              </a:rPr>
+              <a:t> </a:t>
+            </a:r>
+            <a:r>
+              <a:rPr lang="en-US" altLang="ko-KR" dirty="0">
+                <a:latin typeface="+mn-ea"/>
+              </a:rPr>
+              <a:t>Request</a:t>
+            </a:r>
+            <a:r>
+              <a:rPr lang="ko-KR" altLang="en-US" dirty="0">
+                <a:latin typeface="+mn-ea"/>
+              </a:rPr>
+              <a:t>를 요청한 사람이 해야 한다 라고 생각하는 사람이 있고</a:t>
+            </a:r>
+            <a:r>
+              <a:rPr lang="en-US" altLang="ko-KR" dirty="0">
+                <a:latin typeface="+mn-ea"/>
+              </a:rPr>
+              <a:t>,</a:t>
+            </a:r>
+          </a:p>
+          <a:p>
+            <a:pPr marL="271462" lvl="1" indent="0">
+              <a:buNone/>
+            </a:pPr>
+            <a:r>
+              <a:rPr lang="en-US" altLang="ko-KR" dirty="0">
+                <a:latin typeface="+mn-ea"/>
+              </a:rPr>
+              <a:t>   - merge </a:t>
+            </a:r>
+            <a:r>
+              <a:rPr lang="ko-KR" altLang="en-US" dirty="0">
+                <a:latin typeface="+mn-ea"/>
+              </a:rPr>
+              <a:t>이후의 일도 처리해야 하기 때문에</a:t>
+            </a:r>
+            <a:endParaRPr lang="en-US" altLang="ko-KR" dirty="0">
+              <a:latin typeface="+mn-ea"/>
+            </a:endParaRPr>
+          </a:p>
+          <a:p>
+            <a:pPr marL="533400" lvl="1" indent="-263525">
+              <a:buFont typeface="+mj-lt"/>
+              <a:buAutoNum type="arabicPeriod" startAt="2"/>
+            </a:pPr>
+            <a:r>
+              <a:rPr lang="ko-KR" altLang="en-US" dirty="0">
+                <a:latin typeface="+mn-ea"/>
+              </a:rPr>
+              <a:t>과제의 일관성을 위하여 누군가 특정한 한 명이 해야 한다고 생각하는 사람이 있고</a:t>
+            </a:r>
+            <a:r>
+              <a:rPr lang="en-US" altLang="ko-KR" dirty="0">
+                <a:latin typeface="+mn-ea"/>
+              </a:rPr>
+              <a:t>,</a:t>
+            </a:r>
+          </a:p>
+          <a:p>
+            <a:pPr marL="533400" lvl="1" indent="-261938">
+              <a:buFont typeface="+mj-lt"/>
+              <a:buAutoNum type="arabicPeriod" startAt="2"/>
+            </a:pPr>
+            <a:r>
+              <a:rPr lang="ko-KR" altLang="en-US" dirty="0">
+                <a:latin typeface="+mn-ea"/>
+              </a:rPr>
+              <a:t>최소한 한명이 리뷰를 하고</a:t>
+            </a:r>
+            <a:r>
+              <a:rPr lang="en-US" altLang="ko-KR" dirty="0">
+                <a:latin typeface="+mn-ea"/>
+              </a:rPr>
+              <a:t>, Pull Request</a:t>
+            </a:r>
+            <a:r>
+              <a:rPr lang="ko-KR" altLang="en-US" dirty="0">
+                <a:latin typeface="+mn-ea"/>
+              </a:rPr>
+              <a:t>를 요청한 사람이 아닌 다른 누구라도 </a:t>
+            </a:r>
+            <a:endParaRPr lang="en-US" altLang="ko-KR" dirty="0">
+              <a:latin typeface="+mn-ea"/>
+            </a:endParaRPr>
+          </a:p>
+          <a:p>
+            <a:pPr marL="271462" lvl="1" indent="0">
+              <a:buNone/>
+            </a:pPr>
+            <a:r>
+              <a:rPr lang="en-US" altLang="ko-KR" dirty="0">
+                <a:latin typeface="+mn-ea"/>
+              </a:rPr>
+              <a:t>   </a:t>
+            </a:r>
+            <a:r>
+              <a:rPr lang="ko-KR" altLang="en-US" dirty="0">
+                <a:latin typeface="+mn-ea"/>
+              </a:rPr>
+              <a:t>할 수 있다라고 생각하는 사람이 있음</a:t>
+            </a:r>
+            <a:r>
+              <a:rPr lang="en-US" altLang="ko-KR" dirty="0">
+                <a:latin typeface="+mn-ea"/>
+              </a:rPr>
+              <a:t>.</a:t>
+            </a:r>
+          </a:p>
+          <a:p>
+            <a:pPr marL="271462" lvl="1" indent="0">
+              <a:buNone/>
+            </a:pPr>
+            <a:endParaRPr lang="en-US" altLang="ko-KR" dirty="0">
+              <a:latin typeface="+mn-ea"/>
+            </a:endParaRPr>
+          </a:p>
+          <a:p>
+            <a:pPr marL="450850" lvl="1" indent="0">
+              <a:buNone/>
+            </a:pPr>
+            <a:endParaRPr lang="en-US" altLang="ko-KR" dirty="0">
+              <a:latin typeface="+mn-ea"/>
+            </a:endParaRPr>
+          </a:p>
+          <a:p>
+            <a:pPr lvl="1"/>
+            <a:endParaRPr lang="en-US" altLang="ko-KR" dirty="0">
+              <a:latin typeface="+mn-ea"/>
+            </a:endParaRPr>
+          </a:p>
+          <a:p>
+            <a:pPr lvl="1"/>
+            <a:endParaRPr lang="en-US" altLang="ko-KR" dirty="0">
+              <a:latin typeface="+mn-ea"/>
+            </a:endParaRPr>
+          </a:p>
+          <a:p>
+            <a:pPr lvl="1"/>
+            <a:endParaRPr lang="en-US" altLang="ko-KR" dirty="0">
+              <a:latin typeface="+mn-ea"/>
+            </a:endParaRPr>
+          </a:p>
+          <a:p>
+            <a:pPr lvl="1"/>
+            <a:endParaRPr lang="en-US" altLang="ko-KR" dirty="0">
+              <a:latin typeface="+mn-ea"/>
+            </a:endParaRPr>
+          </a:p>
+          <a:p>
+            <a:pPr lvl="1"/>
+            <a:endParaRPr lang="en-US" altLang="ko-KR" dirty="0">
+              <a:latin typeface="+mn-ea"/>
+            </a:endParaRPr>
+          </a:p>
+          <a:p>
+            <a:pPr lvl="1"/>
+            <a:endParaRPr lang="en-US" altLang="ko-KR" dirty="0">
+              <a:latin typeface="+mn-ea"/>
+            </a:endParaRPr>
+          </a:p>
+          <a:p>
+            <a:pPr lvl="1"/>
+            <a:endParaRPr lang="en-US" altLang="ko-KR" dirty="0">
+              <a:latin typeface="+mn-ea"/>
+            </a:endParaRPr>
+          </a:p>
+        </p:txBody>
+      </p:sp>
+      <p:sp>
+        <p:nvSpPr>
+          <p:cNvPr id="2" name="슬라이드 번호 개체 틀 1"/>
+          <p:cNvSpPr>
+            <a:spLocks noGrp="1"/>
+          </p:cNvSpPr>
+          <p:nvPr>
+            <p:ph type="sldNum" sz="quarter" idx="12"/>
+          </p:nvPr>
+        </p:nvSpPr>
+        <p:spPr/>
+        <p:txBody>
+          <a:bodyPr/>
+          <a:lstStyle/>
+          <a:p>
+            <a:fld id="{526ADF51-C4A2-4521-899C-87F34FDB9C0A}" type="slidenum">
+              <a:rPr lang="ko-KR" altLang="en-US" smtClean="0"/>
+              <a:pPr/>
+              <a:t>71</a:t>
+            </a:fld>
+            <a:r>
+              <a:rPr lang="en-US" altLang="ko-KR"/>
+              <a:t>/76</a:t>
+            </a:r>
+            <a:endParaRPr lang="ko-KR" altLang="en-US" dirty="0"/>
+          </a:p>
+        </p:txBody>
+      </p:sp>
+      <p:sp>
+        <p:nvSpPr>
+          <p:cNvPr id="10" name="TextBox 9">
+            <a:extLst>
+              <a:ext uri="{FF2B5EF4-FFF2-40B4-BE49-F238E27FC236}">
+                <a16:creationId xmlns:a16="http://schemas.microsoft.com/office/drawing/2014/main" id="{112C46A9-96ED-48FD-8D89-A56E98A70259}"/>
+              </a:ext>
+            </a:extLst>
+          </p:cNvPr>
+          <p:cNvSpPr txBox="1"/>
+          <p:nvPr/>
+        </p:nvSpPr>
+        <p:spPr>
+          <a:xfrm>
+            <a:off x="501650" y="3516088"/>
+            <a:ext cx="8130721" cy="338554"/>
+          </a:xfrm>
+          <a:prstGeom prst="rect">
+            <a:avLst/>
+          </a:prstGeom>
+          <a:noFill/>
+        </p:spPr>
+        <p:txBody>
+          <a:bodyPr wrap="square" lIns="0" rIns="0" rtlCol="0">
+            <a:spAutoFit/>
+          </a:bodyPr>
+          <a:lstStyle/>
+          <a:p>
+            <a:r>
+              <a:rPr lang="en-US" altLang="ko-KR" sz="1600" dirty="0">
+                <a:solidFill>
+                  <a:srgbClr val="0000FF"/>
+                </a:solidFill>
+                <a:latin typeface="맑은 고딕" panose="020B0503020000020004" pitchFamily="50" charset="-127"/>
+                <a:ea typeface="맑은 고딕" panose="020B0503020000020004" pitchFamily="50" charset="-127"/>
+              </a:rPr>
+              <a:t>※ </a:t>
+            </a:r>
+            <a:r>
+              <a:rPr lang="ko-KR" altLang="en-US" sz="1600" dirty="0">
+                <a:solidFill>
+                  <a:srgbClr val="0000FF"/>
+                </a:solidFill>
+                <a:latin typeface="맑은 고딕" panose="020B0503020000020004" pitchFamily="50" charset="-127"/>
+                <a:ea typeface="맑은 고딕" panose="020B0503020000020004" pitchFamily="50" charset="-127"/>
+              </a:rPr>
+              <a:t> 과제에 참여하는 사람들과 충분히 의견을 나누어 팀내에서 결정하여 진행하면 됨</a:t>
+            </a:r>
+            <a:r>
+              <a:rPr lang="en-US" altLang="ko-KR" sz="1600" dirty="0">
+                <a:solidFill>
+                  <a:srgbClr val="0000FF"/>
+                </a:solidFill>
+                <a:latin typeface="맑은 고딕" panose="020B0503020000020004" pitchFamily="50" charset="-127"/>
+                <a:ea typeface="맑은 고딕" panose="020B0503020000020004" pitchFamily="50" charset="-127"/>
+              </a:rPr>
+              <a:t>.</a:t>
+            </a:r>
+            <a:endParaRPr lang="ko-KR" altLang="en-US" sz="1600" dirty="0">
+              <a:solidFill>
+                <a:srgbClr val="0000FF"/>
+              </a:solidFill>
+            </a:endParaRPr>
+          </a:p>
+        </p:txBody>
+      </p:sp>
+    </p:spTree>
+    <p:extLst>
+      <p:ext uri="{BB962C8B-B14F-4D97-AF65-F5344CB8AC3E}">
+        <p14:creationId xmlns:p14="http://schemas.microsoft.com/office/powerpoint/2010/main" val="3258525564"/>
+      </p:ext>
+    </p:extLst>
+  </p:cSld>
+  <p:clrMapOvr>
+    <a:masterClrMapping/>
+  </p:clrMapOvr>
+</p:sld>
+</file>
+
+<file path=ppt/slides/slide72.xml><?xml version="1.0" encoding="utf-8"?>
+<p:sld xmlns:a="http://schemas.openxmlformats.org/drawingml/2006/main" xmlns:r="http://schemas.openxmlformats.org/officeDocument/2006/relationships" xmlns:p="http://schemas.openxmlformats.org/presentationml/2006/main">
+  <p:cSld>
+    <p:spTree>
+      <p:nvGrpSpPr>
+        <p:cNvPr id="1" name=""/>
+        <p:cNvGrpSpPr/>
+        <p:nvPr/>
+      </p:nvGrpSpPr>
+      <p:grpSpPr>
+        <a:xfrm>
+          <a:off x="0" y="0"/>
+          <a:ext cx="0" cy="0"/>
+          <a:chOff x="0" y="0"/>
+          <a:chExt cx="0" cy="0"/>
+        </a:xfrm>
+      </p:grpSpPr>
+      <p:sp>
+        <p:nvSpPr>
           <p:cNvPr id="11" name="제목 3">
             <a:extLst>
               <a:ext uri="{FF2B5EF4-FFF2-40B4-BE49-F238E27FC236}">
@@ -46955,10 +48877,10 @@
             <a:fld id="{526ADF51-C4A2-4521-899C-87F34FDB9C0A}" type="slidenum">
               <a:rPr lang="ko-KR" altLang="en-US" smtClean="0"/>
               <a:pPr/>
-              <a:t>70</a:t>
+              <a:t>72</a:t>
             </a:fld>
             <a:r>
-              <a:rPr lang="en-US" altLang="ko-KR" smtClean="0"/>
+              <a:rPr lang="en-US" altLang="ko-KR"/>
               <a:t>/76</a:t>
             </a:r>
             <a:endParaRPr lang="ko-KR" altLang="en-US" dirty="0"/>
@@ -46978,7 +48900,7 @@
 </p:sld>
 </file>
 
-<file path=ppt/slides/slide71.xml><?xml version="1.0" encoding="utf-8"?>
+<file path=ppt/slides/slide73.xml><?xml version="1.0" encoding="utf-8"?>
 <p:sld xmlns:a="http://schemas.openxmlformats.org/drawingml/2006/main" xmlns:r="http://schemas.openxmlformats.org/officeDocument/2006/relationships" xmlns:p="http://schemas.openxmlformats.org/presentationml/2006/main">
   <p:cSld>
     <p:spTree>
@@ -47558,10 +49480,10 @@
             <a:fld id="{526ADF51-C4A2-4521-899C-87F34FDB9C0A}" type="slidenum">
               <a:rPr lang="ko-KR" altLang="en-US" smtClean="0"/>
               <a:pPr/>
-              <a:t>71</a:t>
+              <a:t>73</a:t>
             </a:fld>
             <a:r>
-              <a:rPr lang="en-US" altLang="ko-KR" smtClean="0"/>
+              <a:rPr lang="en-US" altLang="ko-KR"/>
               <a:t>/76</a:t>
             </a:r>
             <a:endParaRPr lang="ko-KR" altLang="en-US" dirty="0"/>
@@ -47581,7 +49503,7 @@
 </p:sld>
 </file>
 
-<file path=ppt/slides/slide72.xml><?xml version="1.0" encoding="utf-8"?>
+<file path=ppt/slides/slide74.xml><?xml version="1.0" encoding="utf-8"?>
 <p:sld xmlns:a="http://schemas.openxmlformats.org/drawingml/2006/main" xmlns:r="http://schemas.openxmlformats.org/officeDocument/2006/relationships" xmlns:p="http://schemas.openxmlformats.org/presentationml/2006/main">
   <p:cSld>
     <p:spTree>
@@ -48073,10 +49995,10 @@
             <a:fld id="{526ADF51-C4A2-4521-899C-87F34FDB9C0A}" type="slidenum">
               <a:rPr lang="ko-KR" altLang="en-US" smtClean="0"/>
               <a:pPr/>
-              <a:t>72</a:t>
+              <a:t>74</a:t>
             </a:fld>
             <a:r>
-              <a:rPr lang="en-US" altLang="ko-KR" smtClean="0"/>
+              <a:rPr lang="en-US" altLang="ko-KR"/>
               <a:t>/76</a:t>
             </a:r>
             <a:endParaRPr lang="ko-KR" altLang="en-US" dirty="0"/>
@@ -48096,7 +50018,7 @@
 </p:sld>
 </file>
 
-<file path=ppt/slides/slide73.xml><?xml version="1.0" encoding="utf-8"?>
+<file path=ppt/slides/slide75.xml><?xml version="1.0" encoding="utf-8"?>
 <p:sld xmlns:a="http://schemas.openxmlformats.org/drawingml/2006/main" xmlns:r="http://schemas.openxmlformats.org/officeDocument/2006/relationships" xmlns:p="http://schemas.openxmlformats.org/presentationml/2006/main">
   <p:cSld>
     <p:spTree>
@@ -48588,10 +50510,10 @@
             <a:fld id="{526ADF51-C4A2-4521-899C-87F34FDB9C0A}" type="slidenum">
               <a:rPr lang="ko-KR" altLang="en-US" smtClean="0"/>
               <a:pPr/>
-              <a:t>73</a:t>
+              <a:t>75</a:t>
             </a:fld>
             <a:r>
-              <a:rPr lang="en-US" altLang="ko-KR" smtClean="0"/>
+              <a:rPr lang="en-US" altLang="ko-KR"/>
               <a:t>/76</a:t>
             </a:r>
             <a:endParaRPr lang="ko-KR" altLang="en-US" dirty="0"/>
@@ -48611,7 +50533,7 @@
 </p:sld>
 </file>
 
-<file path=ppt/slides/slide74.xml><?xml version="1.0" encoding="utf-8"?>
+<file path=ppt/slides/slide76.xml><?xml version="1.0" encoding="utf-8"?>
 <p:sld xmlns:a="http://schemas.openxmlformats.org/drawingml/2006/main" xmlns:r="http://schemas.openxmlformats.org/officeDocument/2006/relationships" xmlns:p="http://schemas.openxmlformats.org/presentationml/2006/main">
   <p:cSld>
     <p:spTree>
@@ -49247,10 +51169,10 @@
             <a:fld id="{526ADF51-C4A2-4521-899C-87F34FDB9C0A}" type="slidenum">
               <a:rPr lang="ko-KR" altLang="en-US" smtClean="0"/>
               <a:pPr/>
-              <a:t>74</a:t>
+              <a:t>76</a:t>
             </a:fld>
             <a:r>
-              <a:rPr lang="en-US" altLang="ko-KR" smtClean="0"/>
+              <a:rPr lang="en-US" altLang="ko-KR"/>
               <a:t>/76</a:t>
             </a:r>
             <a:endParaRPr lang="ko-KR" altLang="en-US" dirty="0"/>
@@ -49270,7 +51192,7 @@
 </p:sld>
 </file>
 
-<file path=ppt/slides/slide75.xml><?xml version="1.0" encoding="utf-8"?>
+<file path=ppt/slides/slide77.xml><?xml version="1.0" encoding="utf-8"?>
 <p:sld xmlns:a="http://schemas.openxmlformats.org/drawingml/2006/main" xmlns:r="http://schemas.openxmlformats.org/officeDocument/2006/relationships" xmlns:p="http://schemas.openxmlformats.org/presentationml/2006/main">
   <p:cSld>
     <p:spTree>
@@ -49826,10 +51748,10 @@
             <a:fld id="{526ADF51-C4A2-4521-899C-87F34FDB9C0A}" type="slidenum">
               <a:rPr lang="ko-KR" altLang="en-US" smtClean="0"/>
               <a:pPr/>
-              <a:t>75</a:t>
+              <a:t>77</a:t>
             </a:fld>
             <a:r>
-              <a:rPr lang="en-US" altLang="ko-KR" smtClean="0"/>
+              <a:rPr lang="en-US" altLang="ko-KR"/>
               <a:t>/76</a:t>
             </a:r>
             <a:endParaRPr lang="ko-KR" altLang="en-US" dirty="0"/>
@@ -49849,7 +51771,7 @@
 </p:sld>
 </file>
 
-<file path=ppt/slides/slide76.xml><?xml version="1.0" encoding="utf-8"?>
+<file path=ppt/slides/slide78.xml><?xml version="1.0" encoding="utf-8"?>
 <p:sld xmlns:a="http://schemas.openxmlformats.org/drawingml/2006/main" xmlns:r="http://schemas.openxmlformats.org/officeDocument/2006/relationships" xmlns:p="http://schemas.openxmlformats.org/presentationml/2006/main">
   <p:cSld>
     <p:spTree>
@@ -50202,10 +52124,10 @@
             <a:fld id="{526ADF51-C4A2-4521-899C-87F34FDB9C0A}" type="slidenum">
               <a:rPr lang="ko-KR" altLang="en-US" smtClean="0"/>
               <a:pPr/>
-              <a:t>76</a:t>
+              <a:t>78</a:t>
             </a:fld>
             <a:r>
-              <a:rPr lang="en-US" altLang="ko-KR" smtClean="0"/>
+              <a:rPr lang="en-US" altLang="ko-KR"/>
               <a:t>/76</a:t>
             </a:r>
             <a:endParaRPr lang="ko-KR" altLang="en-US" dirty="0"/>
@@ -50765,7 +52687,7 @@
               <a:t>8</a:t>
             </a:fld>
             <a:r>
-              <a:rPr lang="en-US" altLang="ko-KR" smtClean="0"/>
+              <a:rPr lang="en-US" altLang="ko-KR"/>
               <a:t>/76</a:t>
             </a:r>
             <a:endParaRPr lang="ko-KR" altLang="en-US" dirty="0"/>
@@ -51188,7 +53110,7 @@
               <a:t>9</a:t>
             </a:fld>
             <a:r>
-              <a:rPr lang="en-US" altLang="ko-KR" smtClean="0"/>
+              <a:rPr lang="en-US" altLang="ko-KR"/>
               <a:t>/76</a:t>
             </a:r>
             <a:endParaRPr lang="ko-KR" altLang="en-US" dirty="0"/>

--- a/git및github첫걸음4-협업하기.pptx
+++ b/git및github첫걸음4-협업하기.pptx
@@ -287,7 +287,7 @@
           <a:p>
             <a:fld id="{A17B9194-BDE3-40E3-983E-94CE6FA773AF}" type="datetimeFigureOut">
               <a:rPr lang="ko-KR" altLang="en-US" smtClean="0"/>
-              <a:t>2021-04-22</a:t>
+              <a:t>2021-05-12</a:t>
             </a:fld>
             <a:endParaRPr lang="ko-KR" altLang="en-US"/>
           </a:p>
@@ -26199,19 +26199,7 @@
               <a:rPr lang="ko-KR" altLang="en-US" dirty="0">
                 <a:latin typeface="+mn-ea"/>
               </a:rPr>
-              <a:t>내가 참여하는 </a:t>
-            </a:r>
-            <a:r>
-              <a:rPr lang="ko-KR" altLang="en-US" dirty="0" err="1">
-                <a:latin typeface="+mn-ea"/>
-              </a:rPr>
-              <a:t>원격저장소</a:t>
-            </a:r>
-            <a:r>
-              <a:rPr lang="ko-KR" altLang="en-US" dirty="0">
-                <a:latin typeface="+mn-ea"/>
-              </a:rPr>
-              <a:t> </a:t>
+              <a:t>내가 참여하는 원격저장소 </a:t>
             </a:r>
             <a:r>
               <a:rPr lang="en-US" altLang="ko-KR" dirty="0">
@@ -26223,7 +26211,7 @@
               <a:rPr lang="en-US" altLang="ko-KR" dirty="0" err="1">
                 <a:latin typeface="+mn-ea"/>
               </a:rPr>
-              <a:t>fasthill</a:t>
+              <a:t>paichaisw</a:t>
             </a:r>
             <a:r>
               <a:rPr lang="en-US" altLang="ko-KR" dirty="0">

--- a/git및github첫걸음4-협업하기.pptx
+++ b/git및github첫걸음4-협업하기.pptx
@@ -5,7 +5,7 @@
     <p:sldMasterId id="2147483660" r:id="rId1"/>
   </p:sldMasterIdLst>
   <p:notesMasterIdLst>
-    <p:notesMasterId r:id="rId87"/>
+    <p:notesMasterId r:id="rId86"/>
   </p:notesMasterIdLst>
   <p:sldIdLst>
     <p:sldId id="404" r:id="rId2"/>
@@ -61,11 +61,11 @@
     <p:sldId id="431" r:id="rId52"/>
     <p:sldId id="432" r:id="rId53"/>
     <p:sldId id="433" r:id="rId54"/>
-    <p:sldId id="434" r:id="rId55"/>
-    <p:sldId id="435" r:id="rId56"/>
-    <p:sldId id="436" r:id="rId57"/>
-    <p:sldId id="437" r:id="rId58"/>
-    <p:sldId id="438" r:id="rId59"/>
+    <p:sldId id="474" r:id="rId55"/>
+    <p:sldId id="434" r:id="rId56"/>
+    <p:sldId id="435" r:id="rId57"/>
+    <p:sldId id="436" r:id="rId58"/>
+    <p:sldId id="437" r:id="rId59"/>
     <p:sldId id="439" r:id="rId60"/>
     <p:sldId id="440" r:id="rId61"/>
     <p:sldId id="441" r:id="rId62"/>
@@ -92,7 +92,6 @@
     <p:sldId id="462" r:id="rId83"/>
     <p:sldId id="460" r:id="rId84"/>
     <p:sldId id="463" r:id="rId85"/>
-    <p:sldId id="466" r:id="rId86"/>
   </p:sldIdLst>
   <p:sldSz cx="9144000" cy="6858000" type="screen4x3"/>
   <p:notesSz cx="6858000" cy="9144000"/>
@@ -3860,7 +3859,31 @@
               <a:t>한 사람만 보임</a:t>
             </a:r>
             <a:r>
-              <a:rPr lang="en-US" altLang="ko-KR" dirty="0"/>
+              <a:rPr lang="en-US" altLang="ko-KR" dirty="0" smtClean="0"/>
+              <a:t>. Push</a:t>
+            </a:r>
+            <a:r>
+              <a:rPr lang="ko-KR" altLang="en-US" dirty="0" smtClean="0"/>
+              <a:t>한 </a:t>
+            </a:r>
+            <a:r>
+              <a:rPr lang="en-US" altLang="ko-KR" dirty="0" err="1" smtClean="0"/>
+              <a:t>collabarator</a:t>
+            </a:r>
+            <a:r>
+              <a:rPr lang="ko-KR" altLang="en-US" dirty="0" smtClean="0"/>
+              <a:t>화면에만 보임</a:t>
+            </a:r>
+            <a:r>
+              <a:rPr lang="en-US" altLang="ko-KR" dirty="0" smtClean="0"/>
+              <a:t>. Owner</a:t>
+            </a:r>
+            <a:r>
+              <a:rPr lang="ko-KR" altLang="en-US" dirty="0" smtClean="0"/>
+              <a:t>화면에는 이 파란 박스는 보이지 않음</a:t>
+            </a:r>
+            <a:r>
+              <a:rPr lang="en-US" altLang="ko-KR" dirty="0" smtClean="0"/>
               <a:t>.</a:t>
             </a:r>
             <a:endParaRPr lang="ko-KR" altLang="en-US" dirty="0"/>
@@ -3947,6 +3970,62 @@
           <a:bodyPr/>
           <a:lstStyle/>
           <a:p>
+            <a:r>
+              <a:rPr lang="en-US" altLang="ko-KR" dirty="0" smtClean="0"/>
+              <a:t>Pull</a:t>
+            </a:r>
+            <a:r>
+              <a:rPr lang="en-US" altLang="ko-KR" baseline="0" dirty="0" smtClean="0"/>
+              <a:t> request</a:t>
+            </a:r>
+            <a:r>
+              <a:rPr lang="ko-KR" altLang="en-US" baseline="0" dirty="0" smtClean="0"/>
+              <a:t>는 누구라도 할 수 있음 다만</a:t>
+            </a:r>
+            <a:r>
+              <a:rPr lang="en-US" altLang="ko-KR" baseline="0" dirty="0" smtClean="0"/>
+              <a:t>, </a:t>
+            </a:r>
+            <a:r>
+              <a:rPr lang="ko-KR" altLang="en-US" baseline="0" dirty="0" smtClean="0"/>
+              <a:t>접근하는 순서가 다름</a:t>
+            </a:r>
+            <a:r>
+              <a:rPr lang="en-US" altLang="ko-KR" baseline="0" dirty="0" smtClean="0"/>
+              <a:t>. Push</a:t>
+            </a:r>
+            <a:r>
+              <a:rPr lang="ko-KR" altLang="en-US" baseline="0" dirty="0" smtClean="0"/>
+              <a:t>한 사람은 쉽게 다른 사람은 </a:t>
+            </a:r>
+            <a:r>
+              <a:rPr lang="en-US" altLang="ko-KR" baseline="0" dirty="0" smtClean="0"/>
+              <a:t>push</a:t>
+            </a:r>
+            <a:r>
+              <a:rPr lang="ko-KR" altLang="en-US" baseline="0" dirty="0" smtClean="0"/>
+              <a:t>된 </a:t>
+            </a:r>
+            <a:r>
+              <a:rPr lang="en-US" altLang="ko-KR" baseline="0" dirty="0" smtClean="0"/>
+              <a:t>branch</a:t>
+            </a:r>
+            <a:r>
+              <a:rPr lang="ko-KR" altLang="en-US" baseline="0" dirty="0" smtClean="0"/>
+              <a:t>를 찾아가서 </a:t>
+            </a:r>
+            <a:r>
+              <a:rPr lang="en-US" altLang="ko-KR" baseline="0" dirty="0" smtClean="0"/>
+              <a:t>PR</a:t>
+            </a:r>
+            <a:r>
+              <a:rPr lang="ko-KR" altLang="en-US" baseline="0" dirty="0" smtClean="0"/>
+              <a:t>해야 함</a:t>
+            </a:r>
+            <a:r>
+              <a:rPr lang="en-US" altLang="ko-KR" baseline="0" dirty="0" smtClean="0"/>
+              <a:t>.</a:t>
+            </a:r>
             <a:endParaRPr lang="ko-KR" altLang="en-US" dirty="0"/>
           </a:p>
         </p:txBody>
@@ -4031,6 +4110,42 @@
           <a:bodyPr/>
           <a:lstStyle/>
           <a:p>
+            <a:r>
+              <a:rPr lang="en-US" altLang="ko-KR" dirty="0" smtClean="0"/>
+              <a:t>Owner</a:t>
+            </a:r>
+            <a:r>
+              <a:rPr lang="ko-KR" altLang="en-US" dirty="0" smtClean="0"/>
+              <a:t>화면에서도 할 수 있지만 </a:t>
+            </a:r>
+            <a:r>
+              <a:rPr lang="en-US" altLang="ko-KR" dirty="0" smtClean="0"/>
+              <a:t>collaborator</a:t>
+            </a:r>
+            <a:r>
+              <a:rPr lang="ko-KR" altLang="en-US" dirty="0" smtClean="0"/>
+              <a:t>가 </a:t>
+            </a:r>
+            <a:r>
+              <a:rPr lang="en-US" altLang="ko-KR" dirty="0" err="1" smtClean="0"/>
+              <a:t>pr</a:t>
+            </a:r>
+            <a:r>
+              <a:rPr lang="ko-KR" altLang="en-US" dirty="0" smtClean="0"/>
+              <a:t>하는 것으로 연습하기 위하여 </a:t>
+            </a:r>
+            <a:r>
+              <a:rPr lang="ko-KR" altLang="en-US" dirty="0" err="1" smtClean="0"/>
+              <a:t>다음쪽으로</a:t>
+            </a:r>
+            <a:r>
+              <a:rPr lang="ko-KR" altLang="en-US" dirty="0" smtClean="0"/>
+              <a:t> 넘어 감</a:t>
+            </a:r>
+            <a:r>
+              <a:rPr lang="en-US" altLang="ko-KR" dirty="0" smtClean="0"/>
+              <a:t>.</a:t>
+            </a:r>
             <a:endParaRPr lang="ko-KR" altLang="en-US" dirty="0"/>
           </a:p>
         </p:txBody>
@@ -5043,8 +5158,8 @@
               <a:t> 결정하고 </a:t>
             </a:r>
             <a:r>
-              <a:rPr lang="en-US" altLang="ko-KR" baseline="0" dirty="0" err="1"/>
-              <a:t>sibmit</a:t>
+              <a:rPr lang="en-US" altLang="ko-KR" baseline="0" dirty="0" smtClean="0"/>
+              <a:t>submit</a:t>
             </a:r>
             <a:r>
               <a:rPr lang="ko-KR" altLang="en-US" baseline="0" dirty="0"/>
@@ -5186,7 +5301,7 @@
     </p:spTree>
     <p:extLst>
       <p:ext uri="{BB962C8B-B14F-4D97-AF65-F5344CB8AC3E}">
-        <p14:creationId xmlns:p14="http://schemas.microsoft.com/office/powerpoint/2010/main" val="3558732100"/>
+        <p14:creationId xmlns:p14="http://schemas.microsoft.com/office/powerpoint/2010/main" val="3589886675"/>
       </p:ext>
     </p:extLst>
   </p:cSld>
@@ -5270,7 +5385,7 @@
     </p:spTree>
     <p:extLst>
       <p:ext uri="{BB962C8B-B14F-4D97-AF65-F5344CB8AC3E}">
-        <p14:creationId xmlns:p14="http://schemas.microsoft.com/office/powerpoint/2010/main" val="1760430351"/>
+        <p14:creationId xmlns:p14="http://schemas.microsoft.com/office/powerpoint/2010/main" val="3558732100"/>
       </p:ext>
     </p:extLst>
   </p:cSld>
@@ -5354,7 +5469,7 @@
     </p:spTree>
     <p:extLst>
       <p:ext uri="{BB962C8B-B14F-4D97-AF65-F5344CB8AC3E}">
-        <p14:creationId xmlns:p14="http://schemas.microsoft.com/office/powerpoint/2010/main" val="465898094"/>
+        <p14:creationId xmlns:p14="http://schemas.microsoft.com/office/powerpoint/2010/main" val="1760430351"/>
       </p:ext>
     </p:extLst>
   </p:cSld>
@@ -5408,6 +5523,14 @@
           <a:bodyPr/>
           <a:lstStyle/>
           <a:p>
+            <a:r>
+              <a:rPr lang="ko-KR" altLang="en-US" dirty="0" smtClean="0"/>
+              <a:t>화면을 내려 보면 내용을 확인할 수 있음</a:t>
+            </a:r>
+            <a:r>
+              <a:rPr lang="en-US" altLang="ko-KR" dirty="0" smtClean="0"/>
+              <a:t>.</a:t>
+            </a:r>
             <a:endParaRPr lang="ko-KR" altLang="en-US" dirty="0"/>
           </a:p>
         </p:txBody>
@@ -5438,7 +5561,7 @@
     </p:spTree>
     <p:extLst>
       <p:ext uri="{BB962C8B-B14F-4D97-AF65-F5344CB8AC3E}">
-        <p14:creationId xmlns:p14="http://schemas.microsoft.com/office/powerpoint/2010/main" val="536075692"/>
+        <p14:creationId xmlns:p14="http://schemas.microsoft.com/office/powerpoint/2010/main" val="465898094"/>
       </p:ext>
     </p:extLst>
   </p:cSld>
@@ -5522,7 +5645,7 @@
     </p:spTree>
     <p:extLst>
       <p:ext uri="{BB962C8B-B14F-4D97-AF65-F5344CB8AC3E}">
-        <p14:creationId xmlns:p14="http://schemas.microsoft.com/office/powerpoint/2010/main" val="3623851814"/>
+        <p14:creationId xmlns:p14="http://schemas.microsoft.com/office/powerpoint/2010/main" val="536075692"/>
       </p:ext>
     </p:extLst>
   </p:cSld>
@@ -6363,6 +6486,26 @@
           <a:bodyPr/>
           <a:lstStyle/>
           <a:p>
+            <a:r>
+              <a:rPr lang="en-US" altLang="ko-KR" dirty="0" smtClean="0"/>
+              <a:t>Resolve</a:t>
+            </a:r>
+            <a:r>
+              <a:rPr lang="ko-KR" altLang="en-US" dirty="0" smtClean="0"/>
+              <a:t>하지 않아도 </a:t>
+            </a:r>
+            <a:r>
+              <a:rPr lang="en-US" altLang="ko-KR" dirty="0" smtClean="0"/>
+              <a:t>merge</a:t>
+            </a:r>
+            <a:r>
+              <a:rPr lang="ko-KR" altLang="en-US" dirty="0" smtClean="0"/>
+              <a:t>로 넘어갈 수 있으나 단계를 밟아서 넘어감</a:t>
+            </a:r>
+            <a:r>
+              <a:rPr lang="en-US" altLang="ko-KR" dirty="0" smtClean="0"/>
+              <a:t>.</a:t>
+            </a:r>
             <a:endParaRPr lang="ko-KR" altLang="en-US" dirty="0"/>
           </a:p>
         </p:txBody>
@@ -6615,6 +6758,26 @@
           <a:bodyPr/>
           <a:lstStyle/>
           <a:p>
+            <a:r>
+              <a:rPr lang="en-US" altLang="ko-KR" dirty="0" smtClean="0"/>
+              <a:t>Merge</a:t>
+            </a:r>
+            <a:r>
+              <a:rPr lang="ko-KR" altLang="en-US" dirty="0" smtClean="0"/>
+              <a:t>가 완료되면 </a:t>
+            </a:r>
+            <a:r>
+              <a:rPr lang="ko-KR" altLang="en-US" dirty="0" err="1" smtClean="0"/>
+              <a:t>브랜치를</a:t>
+            </a:r>
+            <a:r>
+              <a:rPr lang="ko-KR" altLang="en-US" dirty="0" smtClean="0"/>
+              <a:t> 삭제하라는 화면이 나옴</a:t>
+            </a:r>
+            <a:r>
+              <a:rPr lang="en-US" altLang="ko-KR" dirty="0" smtClean="0"/>
+              <a:t>.</a:t>
+            </a:r>
             <a:endParaRPr lang="ko-KR" altLang="en-US" dirty="0"/>
           </a:p>
         </p:txBody>
@@ -8134,90 +8297,6 @@
     <p:extLst>
       <p:ext uri="{BB962C8B-B14F-4D97-AF65-F5344CB8AC3E}">
         <p14:creationId xmlns:p14="http://schemas.microsoft.com/office/powerpoint/2010/main" val="259903578"/>
-      </p:ext>
-    </p:extLst>
-  </p:cSld>
-  <p:clrMapOvr>
-    <a:masterClrMapping/>
-  </p:clrMapOvr>
-</p:notes>
-</file>
-
-<file path=ppt/notesSlides/notesSlide84.xml><?xml version="1.0" encoding="utf-8"?>
-<p:notes xmlns:a="http://schemas.openxmlformats.org/drawingml/2006/main" xmlns:r="http://schemas.openxmlformats.org/officeDocument/2006/relationships" xmlns:p="http://schemas.openxmlformats.org/presentationml/2006/main">
-  <p:cSld>
-    <p:spTree>
-      <p:nvGrpSpPr>
-        <p:cNvPr id="1" name=""/>
-        <p:cNvGrpSpPr/>
-        <p:nvPr/>
-      </p:nvGrpSpPr>
-      <p:grpSpPr>
-        <a:xfrm>
-          <a:off x="0" y="0"/>
-          <a:ext cx="0" cy="0"/>
-          <a:chOff x="0" y="0"/>
-          <a:chExt cx="0" cy="0"/>
-        </a:xfrm>
-      </p:grpSpPr>
-      <p:sp>
-        <p:nvSpPr>
-          <p:cNvPr id="2" name="슬라이드 이미지 개체 틀 1"/>
-          <p:cNvSpPr>
-            <a:spLocks noGrp="1" noRot="1" noChangeAspect="1"/>
-          </p:cNvSpPr>
-          <p:nvPr>
-            <p:ph type="sldImg"/>
-          </p:nvPr>
-        </p:nvSpPr>
-        <p:spPr/>
-      </p:sp>
-      <p:sp>
-        <p:nvSpPr>
-          <p:cNvPr id="3" name="슬라이드 노트 개체 틀 2"/>
-          <p:cNvSpPr>
-            <a:spLocks noGrp="1"/>
-          </p:cNvSpPr>
-          <p:nvPr>
-            <p:ph type="body" idx="1"/>
-          </p:nvPr>
-        </p:nvSpPr>
-        <p:spPr/>
-        <p:txBody>
-          <a:bodyPr/>
-          <a:lstStyle/>
-          <a:p>
-            <a:endParaRPr lang="ko-KR" altLang="en-US" dirty="0"/>
-          </a:p>
-        </p:txBody>
-      </p:sp>
-      <p:sp>
-        <p:nvSpPr>
-          <p:cNvPr id="4" name="슬라이드 번호 개체 틀 3"/>
-          <p:cNvSpPr>
-            <a:spLocks noGrp="1"/>
-          </p:cNvSpPr>
-          <p:nvPr>
-            <p:ph type="sldNum" sz="quarter" idx="10"/>
-          </p:nvPr>
-        </p:nvSpPr>
-        <p:spPr/>
-        <p:txBody>
-          <a:bodyPr/>
-          <a:lstStyle/>
-          <a:p>
-            <a:fld id="{625D4AC4-540A-4436-887D-BF6A8FCF1275}" type="slidenum">
-              <a:rPr lang="ko-KR" altLang="en-US" smtClean="0"/>
-              <a:t>85</a:t>
-            </a:fld>
-            <a:endParaRPr lang="ko-KR" altLang="en-US"/>
-          </a:p>
-        </p:txBody>
-      </p:sp>
-    </p:spTree>
-    <p:extLst>
-      <p:ext uri="{BB962C8B-B14F-4D97-AF65-F5344CB8AC3E}">
-        <p14:creationId xmlns:p14="http://schemas.microsoft.com/office/powerpoint/2010/main" val="494916979"/>
       </p:ext>
     </p:extLst>
   </p:cSld>
@@ -26603,9 +26682,45 @@
               <a:rPr lang="ko-KR" altLang="en-US" dirty="0">
                 <a:latin typeface="+mn-ea"/>
               </a:rPr>
-              <a:t>의 내용을 그대로 다시 받기</a:t>
-            </a:r>
-            <a:endParaRPr lang="en-US" altLang="ko-KR" dirty="0">
+              <a:t>의 내용을 그대로 다시 </a:t>
+            </a:r>
+            <a:r>
+              <a:rPr lang="ko-KR" altLang="en-US" dirty="0" smtClean="0">
+                <a:latin typeface="+mn-ea"/>
+              </a:rPr>
+              <a:t>받기 </a:t>
+            </a:r>
+            <a:r>
+              <a:rPr lang="en-US" altLang="ko-KR" dirty="0" smtClean="0">
+                <a:solidFill>
+                  <a:srgbClr val="0000FF"/>
+                </a:solidFill>
+                <a:latin typeface="+mn-ea"/>
+              </a:rPr>
+              <a:t>(pull </a:t>
+            </a:r>
+            <a:r>
+              <a:rPr lang="ko-KR" altLang="en-US" dirty="0" smtClean="0">
+                <a:solidFill>
+                  <a:srgbClr val="0000FF"/>
+                </a:solidFill>
+                <a:latin typeface="+mn-ea"/>
+              </a:rPr>
+              <a:t>먼저 하기</a:t>
+            </a:r>
+            <a:r>
+              <a:rPr lang="en-US" altLang="ko-KR" dirty="0" smtClean="0">
+                <a:solidFill>
+                  <a:srgbClr val="0000FF"/>
+                </a:solidFill>
+                <a:latin typeface="+mn-ea"/>
+              </a:rPr>
+              <a:t>)</a:t>
+            </a:r>
+            <a:endParaRPr lang="en-US" altLang="ko-KR" dirty="0">
+              <a:solidFill>
+                <a:srgbClr val="0000FF"/>
+              </a:solidFill>
               <a:latin typeface="+mn-ea"/>
             </a:endParaRPr>
           </a:p>
@@ -26637,6 +26752,12 @@
               </a:rPr>
               <a:t>으로 </a:t>
             </a:r>
+            <a:r>
+              <a:rPr lang="en-US" altLang="ko-KR" dirty="0">
+                <a:latin typeface="+mn-ea"/>
+              </a:rPr>
+              <a:t/>
+            </a:r>
             <a:br>
               <a:rPr lang="en-US" altLang="ko-KR" dirty="0">
                 <a:latin typeface="+mn-ea"/>
@@ -26658,7 +26779,43 @@
               <a:rPr lang="en-US" altLang="ko-KR" dirty="0">
                 <a:latin typeface="+mn-ea"/>
               </a:rPr>
-              <a:t> fetch origin main</a:t>
+              <a:t> fetch origin </a:t>
+            </a:r>
+            <a:r>
+              <a:rPr lang="en-US" altLang="ko-KR" dirty="0" smtClean="0">
+                <a:latin typeface="+mn-ea"/>
+              </a:rPr>
+              <a:t>main # </a:t>
+            </a:r>
+            <a:r>
+              <a:rPr lang="ko-KR" altLang="en-US" dirty="0" smtClean="0">
+                <a:latin typeface="+mn-ea"/>
+              </a:rPr>
+              <a:t>① 강제로 덮어쓰기 </a:t>
+            </a:r>
+            <a:r>
+              <a:rPr lang="en-US" altLang="ko-KR" dirty="0" smtClean="0">
+                <a:latin typeface="+mn-ea"/>
+              </a:rPr>
+              <a:t>(pull</a:t>
+            </a:r>
+            <a:r>
+              <a:rPr lang="ko-KR" altLang="en-US" dirty="0" smtClean="0">
+                <a:latin typeface="+mn-ea"/>
+              </a:rPr>
+              <a:t>에 문제가 발생했을 경우</a:t>
+            </a:r>
+            <a:r>
+              <a:rPr lang="en-US" altLang="ko-KR" dirty="0" smtClean="0">
+                <a:latin typeface="+mn-ea"/>
+              </a:rPr>
+              <a:t>)</a:t>
+            </a:r>
+            <a:r>
+              <a:rPr lang="en-US" altLang="ko-KR" dirty="0">
+                <a:latin typeface="+mn-ea"/>
+              </a:rPr>
+              <a:t/>
             </a:r>
             <a:br>
               <a:rPr lang="en-US" altLang="ko-KR" dirty="0">
@@ -26681,8 +26838,40 @@
               <a:rPr lang="en-US" altLang="ko-KR" dirty="0">
                 <a:latin typeface="+mn-ea"/>
               </a:rPr>
-              <a:t> reset --hard origin/main</a:t>
-            </a:r>
+              <a:t> reset --hard </a:t>
+            </a:r>
+            <a:r>
+              <a:rPr lang="en-US" altLang="ko-KR" dirty="0" smtClean="0">
+                <a:latin typeface="+mn-ea"/>
+              </a:rPr>
+              <a:t>origin/main # </a:t>
+            </a:r>
+            <a:r>
+              <a:rPr lang="ko-KR" altLang="en-US" dirty="0" smtClean="0">
+                <a:latin typeface="+mn-ea"/>
+              </a:rPr>
+              <a:t>② </a:t>
+            </a:r>
+            <a:r>
+              <a:rPr lang="ko-KR" altLang="en-US" dirty="0">
+                <a:latin typeface="+mn-ea"/>
+              </a:rPr>
+              <a:t>강제로 덮어쓰기</a:t>
+            </a:r>
+            <a:r>
+              <a:rPr lang="en-US" altLang="ko-KR" dirty="0">
+                <a:latin typeface="+mn-ea"/>
+              </a:rPr>
+              <a:t/>
+            </a:r>
+            <a:br>
+              <a:rPr lang="en-US" altLang="ko-KR" dirty="0">
+                <a:latin typeface="+mn-ea"/>
+              </a:rPr>
+            </a:br>
+            <a:endParaRPr lang="en-US" altLang="ko-KR" dirty="0">
+              <a:latin typeface="+mn-ea"/>
+            </a:endParaRPr>
           </a:p>
           <a:p>
             <a:pPr lvl="1"/>
@@ -27362,7 +27551,13 @@
               <a:rPr lang="en-US" altLang="ko-KR" dirty="0">
                 <a:latin typeface="+mn-ea"/>
               </a:rPr>
-              <a:t> checkout –b </a:t>
+              <a:t> checkout </a:t>
+            </a:r>
+            <a:r>
+              <a:rPr lang="en-US" altLang="ko-KR" dirty="0" smtClean="0">
+                <a:latin typeface="+mn-ea"/>
+              </a:rPr>
+              <a:t>-b </a:t>
             </a:r>
             <a:r>
               <a:rPr lang="en-US" altLang="ko-KR" dirty="0" err="1">
@@ -27681,6 +27876,30 @@
           <a:chExt cx="0" cy="0"/>
         </a:xfrm>
       </p:grpSpPr>
+      <p:pic>
+        <p:nvPicPr>
+          <p:cNvPr id="4" name="그림 3"/>
+          <p:cNvPicPr>
+            <a:picLocks noChangeAspect="1"/>
+          </p:cNvPicPr>
+          <p:nvPr/>
+        </p:nvPicPr>
+        <p:blipFill>
+          <a:blip r:embed="rId3"/>
+          <a:stretch>
+            <a:fillRect/>
+          </a:stretch>
+        </p:blipFill>
+        <p:spPr>
+          <a:xfrm>
+            <a:off x="1062037" y="3899064"/>
+            <a:ext cx="7781925" cy="1257300"/>
+          </a:xfrm>
+          <a:prstGeom prst="rect">
+            <a:avLst/>
+          </a:prstGeom>
+        </p:spPr>
+      </p:pic>
       <p:sp>
         <p:nvSpPr>
           <p:cNvPr id="7" name="내용 개체 틀 2">
@@ -28214,30 +28433,6 @@
           </a:p>
         </p:txBody>
       </p:sp>
-      <p:pic>
-        <p:nvPicPr>
-          <p:cNvPr id="3" name="그림 2"/>
-          <p:cNvPicPr>
-            <a:picLocks noChangeAspect="1"/>
-          </p:cNvPicPr>
-          <p:nvPr/>
-        </p:nvPicPr>
-        <p:blipFill>
-          <a:blip r:embed="rId3"/>
-          <a:stretch>
-            <a:fillRect/>
-          </a:stretch>
-        </p:blipFill>
-        <p:spPr>
-          <a:xfrm>
-            <a:off x="1040423" y="3899755"/>
-            <a:ext cx="7696200" cy="1285875"/>
-          </a:xfrm>
-          <a:prstGeom prst="rect">
-            <a:avLst/>
-          </a:prstGeom>
-        </p:spPr>
-      </p:pic>
       <p:sp>
         <p:nvSpPr>
           <p:cNvPr id="6" name="직사각형 5">
@@ -29299,25 +29494,31 @@
           <a:p>
             <a:pPr lvl="1"/>
             <a:r>
-              <a:rPr lang="ko-KR" altLang="en-US" dirty="0" err="1">
-                <a:latin typeface="+mn-ea"/>
-              </a:rPr>
-              <a:t>로컬저장소</a:t>
-            </a:r>
-            <a:r>
-              <a:rPr lang="ko-KR" altLang="en-US" dirty="0">
-                <a:latin typeface="+mn-ea"/>
-              </a:rPr>
-              <a:t> 작업</a:t>
-            </a:r>
-            <a:r>
-              <a:rPr lang="en-US" altLang="ko-KR" dirty="0">
-                <a:latin typeface="+mn-ea"/>
-              </a:rPr>
-              <a:t> </a:t>
-            </a:r>
-            <a:r>
-              <a:rPr lang="ko-KR" altLang="en-US" dirty="0">
+              <a:rPr lang="ko-KR" altLang="en-US" dirty="0" smtClean="0">
+                <a:latin typeface="+mn-ea"/>
+              </a:rPr>
+              <a:t>로컬저장소에서 </a:t>
+            </a:r>
+            <a:r>
+              <a:rPr lang="en-US" altLang="ko-KR" dirty="0" smtClean="0">
+                <a:latin typeface="+mn-ea"/>
+              </a:rPr>
+              <a:t>origin main</a:t>
+            </a:r>
+            <a:r>
+              <a:rPr lang="ko-KR" altLang="en-US" dirty="0" smtClean="0">
+                <a:latin typeface="+mn-ea"/>
+              </a:rPr>
+              <a:t>으로 </a:t>
+            </a:r>
+            <a:r>
+              <a:rPr lang="en-US" altLang="ko-KR" dirty="0" smtClean="0">
+                <a:latin typeface="+mn-ea"/>
+              </a:rPr>
+              <a:t>push</a:t>
+            </a:r>
+            <a:r>
+              <a:rPr lang="ko-KR" altLang="en-US" dirty="0" smtClean="0">
                 <a:latin typeface="+mn-ea"/>
               </a:rPr>
               <a:t> </a:t>
@@ -29439,16 +29640,16 @@
               <a:t> </a:t>
             </a:r>
             <a:r>
-              <a:rPr lang="en-US" altLang="ko-KR" dirty="0" err="1">
-                <a:latin typeface="+mn-ea"/>
-              </a:rPr>
-              <a:t>woring</a:t>
+              <a:rPr lang="en-US" altLang="ko-KR" dirty="0" smtClean="0">
+                <a:latin typeface="+mn-ea"/>
+              </a:rPr>
+              <a:t>working </a:t>
             </a:r>
             <a:r>
               <a:rPr lang="en-US" altLang="ko-KR" dirty="0">
                 <a:latin typeface="+mn-ea"/>
               </a:rPr>
-              <a:t> tree </a:t>
+              <a:t>tree </a:t>
             </a:r>
             <a:r>
               <a:rPr lang="ko-KR" altLang="en-US" dirty="0">
@@ -30034,10 +30235,10 @@
               <a:rPr lang="ko-KR" altLang="en-US" dirty="0">
                 <a:latin typeface="+mn-ea"/>
               </a:rPr>
-              <a:t>협업</a:t>
-            </a:r>
-            <a:r>
-              <a:rPr lang="en-US" altLang="ko-KR" dirty="0">
+              <a:t>내</a:t>
+            </a:r>
+            <a:r>
+              <a:rPr lang="en-US" altLang="ko-KR" dirty="0" smtClean="0">
                 <a:latin typeface="+mn-ea"/>
               </a:rPr>
               <a:t> </a:t>
@@ -30669,22 +30870,34 @@
           <a:p>
             <a:pPr lvl="1"/>
             <a:r>
+              <a:rPr lang="en-US" altLang="ko-KR" dirty="0" smtClean="0">
+                <a:latin typeface="+mn-ea"/>
+              </a:rPr>
+              <a:t>owner</a:t>
+            </a:r>
+            <a:r>
+              <a:rPr lang="en-US" altLang="ko-KR" dirty="0" smtClean="0">
+                <a:latin typeface="+mn-ea"/>
+              </a:rPr>
+              <a:t> </a:t>
+            </a:r>
+            <a:r>
+              <a:rPr lang="ko-KR" altLang="en-US" dirty="0" smtClean="0">
+                <a:latin typeface="+mn-ea"/>
+              </a:rPr>
+              <a:t>화면에</a:t>
+            </a:r>
+            <a:r>
               <a:rPr lang="ko-KR" altLang="en-US" dirty="0">
                 <a:latin typeface="+mn-ea"/>
               </a:rPr>
-              <a:t>협업</a:t>
-            </a:r>
-            <a:r>
-              <a:rPr lang="en-US" altLang="ko-KR" dirty="0">
+              <a:t>는</a:t>
+            </a:r>
+            <a:r>
+              <a:rPr lang="ko-KR" altLang="en-US" dirty="0" smtClean="0">
                 <a:latin typeface="+mn-ea"/>
               </a:rPr>
               <a:t> </a:t>
-            </a:r>
-            <a:r>
-              <a:rPr lang="ko-KR" altLang="en-US" dirty="0">
-                <a:latin typeface="+mn-ea"/>
-              </a:rPr>
-              <a:t>화면에 </a:t>
             </a:r>
             <a:r>
               <a:rPr lang="en-US" altLang="ko-KR" dirty="0">
@@ -30861,6 +31074,110 @@
               <a:t>/76</a:t>
             </a:r>
             <a:endParaRPr lang="ko-KR" altLang="en-US" dirty="0"/>
+          </a:p>
+        </p:txBody>
+      </p:sp>
+      <p:sp>
+        <p:nvSpPr>
+          <p:cNvPr id="6" name="직사각형 5">
+            <a:extLst>
+              <a:ext uri="{FF2B5EF4-FFF2-40B4-BE49-F238E27FC236}">
+                <a16:creationId xmlns:a16="http://schemas.microsoft.com/office/drawing/2014/main" id="{A0CA71EF-AE4C-453D-A797-8649D36F99F5}"/>
+              </a:ext>
+            </a:extLst>
+          </p:cNvPr>
+          <p:cNvSpPr/>
+          <p:nvPr/>
+        </p:nvSpPr>
+        <p:spPr>
+          <a:xfrm>
+            <a:off x="1829263" y="3238664"/>
+            <a:ext cx="964737" cy="241136"/>
+          </a:xfrm>
+          <a:prstGeom prst="rect">
+            <a:avLst/>
+          </a:prstGeom>
+          <a:noFill/>
+          <a:ln w="38100">
+            <a:solidFill>
+              <a:srgbClr val="FF0000"/>
+            </a:solidFill>
+          </a:ln>
+        </p:spPr>
+        <p:style>
+          <a:lnRef idx="2">
+            <a:schemeClr val="accent1">
+              <a:shade val="50000"/>
+            </a:schemeClr>
+          </a:lnRef>
+          <a:fillRef idx="1">
+            <a:schemeClr val="accent1"/>
+          </a:fillRef>
+          <a:effectRef idx="0">
+            <a:schemeClr val="accent1"/>
+          </a:effectRef>
+          <a:fontRef idx="minor">
+            <a:schemeClr val="lt1"/>
+          </a:fontRef>
+        </p:style>
+        <p:txBody>
+          <a:bodyPr rtlCol="0" anchor="ctr"/>
+          <a:lstStyle/>
+          <a:p>
+            <a:pPr algn="ctr"/>
+            <a:endParaRPr lang="ko-KR" altLang="en-US"/>
+          </a:p>
+        </p:txBody>
+      </p:sp>
+      <p:sp>
+        <p:nvSpPr>
+          <p:cNvPr id="8" name="직사각형 7">
+            <a:extLst>
+              <a:ext uri="{FF2B5EF4-FFF2-40B4-BE49-F238E27FC236}">
+                <a16:creationId xmlns:a16="http://schemas.microsoft.com/office/drawing/2014/main" id="{A0CA71EF-AE4C-453D-A797-8649D36F99F5}"/>
+              </a:ext>
+            </a:extLst>
+          </p:cNvPr>
+          <p:cNvSpPr/>
+          <p:nvPr/>
+        </p:nvSpPr>
+        <p:spPr>
+          <a:xfrm>
+            <a:off x="7859748" y="2583148"/>
+            <a:ext cx="964737" cy="287052"/>
+          </a:xfrm>
+          <a:prstGeom prst="rect">
+            <a:avLst/>
+          </a:prstGeom>
+          <a:noFill/>
+          <a:ln w="38100">
+            <a:solidFill>
+              <a:srgbClr val="0000FF"/>
+            </a:solidFill>
+          </a:ln>
+        </p:spPr>
+        <p:style>
+          <a:lnRef idx="2">
+            <a:schemeClr val="accent1">
+              <a:shade val="50000"/>
+            </a:schemeClr>
+          </a:lnRef>
+          <a:fillRef idx="1">
+            <a:schemeClr val="accent1"/>
+          </a:fillRef>
+          <a:effectRef idx="0">
+            <a:schemeClr val="accent1"/>
+          </a:effectRef>
+          <a:fontRef idx="minor">
+            <a:schemeClr val="lt1"/>
+          </a:fontRef>
+        </p:style>
+        <p:txBody>
+          <a:bodyPr rtlCol="0" anchor="ctr"/>
+          <a:lstStyle/>
+          <a:p>
+            <a:pPr algn="ctr"/>
+            <a:endParaRPr lang="ko-KR" altLang="en-US"/>
           </a:p>
         </p:txBody>
       </p:sp>
@@ -31534,6 +31851,30 @@
           <a:chExt cx="0" cy="0"/>
         </a:xfrm>
       </p:grpSpPr>
+      <p:pic>
+        <p:nvPicPr>
+          <p:cNvPr id="3" name="그림 2"/>
+          <p:cNvPicPr>
+            <a:picLocks noChangeAspect="1"/>
+          </p:cNvPicPr>
+          <p:nvPr/>
+        </p:nvPicPr>
+        <p:blipFill>
+          <a:blip r:embed="rId3"/>
+          <a:stretch>
+            <a:fillRect/>
+          </a:stretch>
+        </p:blipFill>
+        <p:spPr>
+          <a:xfrm>
+            <a:off x="354487" y="2015017"/>
+            <a:ext cx="8743950" cy="4248150"/>
+          </a:xfrm>
+          <a:prstGeom prst="rect">
+            <a:avLst/>
+          </a:prstGeom>
+        </p:spPr>
+      </p:pic>
       <p:sp>
         <p:nvSpPr>
           <p:cNvPr id="7" name="내용 개체 틀 2">
@@ -31730,22 +32071,22 @@
               <a:rPr lang="ko-KR" altLang="en-US" dirty="0">
                 <a:latin typeface="+mn-ea"/>
               </a:rPr>
-              <a:t>화면에서 주요 내용 확인</a:t>
-            </a:r>
-            <a:endParaRPr lang="en-US" altLang="ko-KR" dirty="0">
-              <a:latin typeface="+mn-ea"/>
-            </a:endParaRPr>
-          </a:p>
-          <a:p>
-            <a:pPr lvl="1"/>
-            <a:r>
-              <a:rPr lang="en-US" altLang="ko-KR" dirty="0">
+              <a:t>화면에서 주요 내용 </a:t>
+            </a:r>
+            <a:r>
+              <a:rPr lang="ko-KR" altLang="en-US" dirty="0" smtClean="0">
+                <a:latin typeface="+mn-ea"/>
+              </a:rPr>
+              <a:t>확인</a:t>
+            </a:r>
+            <a:r>
+              <a:rPr lang="en-US" altLang="ko-KR" dirty="0" smtClean="0">
                 <a:latin typeface="+mn-ea"/>
               </a:rPr>
               <a:t> </a:t>
             </a:r>
             <a:r>
-              <a:rPr lang="ko-KR" altLang="en-US" dirty="0">
+              <a:rPr lang="ko-KR" altLang="en-US" dirty="0" smtClean="0">
                 <a:latin typeface="+mn-ea"/>
               </a:rPr>
               <a:t> </a:t>
@@ -31919,8 +32260,8 @@
         </p:nvSpPr>
         <p:spPr>
           <a:xfrm flipH="1">
-            <a:off x="856086" y="3124916"/>
-            <a:ext cx="6780051" cy="512172"/>
+            <a:off x="462384" y="3290016"/>
+            <a:ext cx="2420515" cy="367600"/>
           </a:xfrm>
           <a:prstGeom prst="rect">
             <a:avLst/>
@@ -31960,30 +32301,6 @@
           </a:p>
         </p:txBody>
       </p:sp>
-      <p:pic>
-        <p:nvPicPr>
-          <p:cNvPr id="4" name="그림 3"/>
-          <p:cNvPicPr>
-            <a:picLocks noChangeAspect="1"/>
-          </p:cNvPicPr>
-          <p:nvPr/>
-        </p:nvPicPr>
-        <p:blipFill>
-          <a:blip r:embed="rId3"/>
-          <a:stretch>
-            <a:fillRect/>
-          </a:stretch>
-        </p:blipFill>
-        <p:spPr>
-          <a:xfrm>
-            <a:off x="390999" y="2168769"/>
-            <a:ext cx="8543925" cy="4095750"/>
-          </a:xfrm>
-          <a:prstGeom prst="rect">
-            <a:avLst/>
-          </a:prstGeom>
-        </p:spPr>
-      </p:pic>
       <p:sp>
         <p:nvSpPr>
           <p:cNvPr id="12" name="직사각형 11">
@@ -31998,7 +32315,7 @@
         </p:nvSpPr>
         <p:spPr>
           <a:xfrm flipH="1">
-            <a:off x="680829" y="4356349"/>
+            <a:off x="553829" y="4229349"/>
             <a:ext cx="7419372" cy="338721"/>
           </a:xfrm>
           <a:prstGeom prst="rect">
@@ -32053,7 +32370,7 @@
         </p:nvSpPr>
         <p:spPr>
           <a:xfrm>
-            <a:off x="756134" y="4023304"/>
+            <a:off x="629134" y="3896304"/>
             <a:ext cx="3815871" cy="307777"/>
           </a:xfrm>
           <a:prstGeom prst="rect">
@@ -32124,7 +32441,7 @@
         </p:nvSpPr>
         <p:spPr>
           <a:xfrm>
-            <a:off x="1184326" y="4421527"/>
+            <a:off x="1057326" y="4294527"/>
             <a:ext cx="761705" cy="202661"/>
           </a:xfrm>
           <a:prstGeom prst="roundRect">
@@ -32170,7 +32487,7 @@
         </p:nvSpPr>
         <p:spPr>
           <a:xfrm>
-            <a:off x="2384704" y="4435761"/>
+            <a:off x="2257704" y="4308761"/>
             <a:ext cx="1284620" cy="188428"/>
           </a:xfrm>
           <a:prstGeom prst="roundRect">
@@ -32222,7 +32539,7 @@
         </p:nvSpPr>
         <p:spPr>
           <a:xfrm flipH="1">
-            <a:off x="1210657" y="4971713"/>
+            <a:off x="1083657" y="4844713"/>
             <a:ext cx="3709686" cy="338721"/>
           </a:xfrm>
           <a:prstGeom prst="rect">
@@ -32277,7 +32594,7 @@
         </p:nvSpPr>
         <p:spPr>
           <a:xfrm>
-            <a:off x="1565179" y="4717297"/>
+            <a:off x="1438179" y="4590297"/>
             <a:ext cx="1095960" cy="307777"/>
           </a:xfrm>
           <a:prstGeom prst="rect">
@@ -33547,6 +33864,30 @@
           <a:chExt cx="0" cy="0"/>
         </a:xfrm>
       </p:grpSpPr>
+      <p:pic>
+        <p:nvPicPr>
+          <p:cNvPr id="4" name="그림 3"/>
+          <p:cNvPicPr>
+            <a:picLocks noChangeAspect="1"/>
+          </p:cNvPicPr>
+          <p:nvPr/>
+        </p:nvPicPr>
+        <p:blipFill>
+          <a:blip r:embed="rId3"/>
+          <a:stretch>
+            <a:fillRect/>
+          </a:stretch>
+        </p:blipFill>
+        <p:spPr>
+          <a:xfrm>
+            <a:off x="481012" y="1981790"/>
+            <a:ext cx="8232317" cy="4349667"/>
+          </a:xfrm>
+          <a:prstGeom prst="rect">
+            <a:avLst/>
+          </a:prstGeom>
+        </p:spPr>
+      </p:pic>
       <p:sp>
         <p:nvSpPr>
           <p:cNvPr id="7" name="내용 개체 틀 2">
@@ -33740,96 +34081,11 @@
               <a:t>Open </a:t>
             </a:r>
             <a:r>
-              <a:rPr lang="ko-KR" altLang="en-US" dirty="0">
-                <a:latin typeface="+mn-ea"/>
-              </a:rPr>
-              <a:t>화면에서 주요 내용 및 맨 밑에 내용 변경을 확인한 후에 클릭 </a:t>
-            </a:r>
-            <a:endParaRPr lang="en-US" altLang="ko-KR" dirty="0">
-              <a:latin typeface="+mn-ea"/>
-            </a:endParaRPr>
-          </a:p>
-          <a:p>
-            <a:pPr lvl="1"/>
-            <a:r>
-              <a:rPr lang="en-US" altLang="ko-KR" dirty="0">
-                <a:latin typeface="+mn-ea"/>
-              </a:rPr>
-              <a:t> </a:t>
-            </a:r>
-            <a:r>
-              <a:rPr lang="ko-KR" altLang="en-US" dirty="0">
-                <a:latin typeface="+mn-ea"/>
-              </a:rPr>
-              <a:t> </a:t>
-            </a:r>
-            <a:endParaRPr lang="en-US" altLang="ko-KR" dirty="0">
-              <a:latin typeface="+mn-ea"/>
-            </a:endParaRPr>
-          </a:p>
-          <a:p>
-            <a:pPr marL="450850" lvl="1" indent="0">
-              <a:buNone/>
-            </a:pPr>
-            <a:endParaRPr lang="en-US" altLang="ko-KR" dirty="0">
-              <a:latin typeface="+mn-ea"/>
-            </a:endParaRPr>
-          </a:p>
-          <a:p>
-            <a:pPr marL="609600" lvl="1" indent="-158750">
-              <a:buFont typeface="+mj-ea"/>
-              <a:buAutoNum type="circleNumDbPlain"/>
-            </a:pPr>
-            <a:endParaRPr lang="en-US" altLang="ko-KR" dirty="0">
-              <a:latin typeface="+mn-ea"/>
-            </a:endParaRPr>
-          </a:p>
-          <a:p>
-            <a:pPr marL="609600" lvl="1" indent="-158750">
-              <a:buFont typeface="+mj-ea"/>
-              <a:buAutoNum type="circleNumDbPlain"/>
-            </a:pPr>
-            <a:endParaRPr lang="en-US" altLang="ko-KR" dirty="0">
-              <a:latin typeface="+mn-ea"/>
-            </a:endParaRPr>
-          </a:p>
-          <a:p>
-            <a:pPr marL="609600" lvl="1" indent="-158750">
-              <a:buFont typeface="+mj-ea"/>
-              <a:buAutoNum type="circleNumDbPlain"/>
-            </a:pPr>
-            <a:endParaRPr lang="en-US" altLang="ko-KR" dirty="0">
-              <a:latin typeface="+mn-ea"/>
-            </a:endParaRPr>
-          </a:p>
-          <a:p>
-            <a:pPr marL="609600" lvl="1" indent="-158750">
-              <a:buFont typeface="+mj-ea"/>
-              <a:buAutoNum type="circleNumDbPlain"/>
-            </a:pPr>
-            <a:endParaRPr lang="en-US" altLang="ko-KR" dirty="0">
-              <a:latin typeface="+mn-ea"/>
-            </a:endParaRPr>
-          </a:p>
-          <a:p>
-            <a:pPr marL="609600" lvl="1" indent="-158750">
-              <a:buFont typeface="+mj-ea"/>
-              <a:buAutoNum type="circleNumDbPlain"/>
-            </a:pPr>
-            <a:endParaRPr lang="en-US" altLang="ko-KR" dirty="0">
-              <a:latin typeface="+mn-ea"/>
-            </a:endParaRPr>
-          </a:p>
-          <a:p>
-            <a:pPr marL="450850" lvl="1" indent="0">
-              <a:buNone/>
-            </a:pPr>
-            <a:endParaRPr lang="en-US" altLang="ko-KR" dirty="0">
-              <a:latin typeface="+mn-ea"/>
-            </a:endParaRPr>
-          </a:p>
-          <a:p>
-            <a:pPr lvl="1"/>
+              <a:rPr lang="ko-KR" altLang="en-US" dirty="0" smtClean="0">
+                <a:latin typeface="+mn-ea"/>
+              </a:rPr>
+              <a:t>화면 내용 확인 </a:t>
+            </a:r>
             <a:endParaRPr lang="en-US" altLang="ko-KR" dirty="0">
               <a:latin typeface="+mn-ea"/>
             </a:endParaRPr>
@@ -33918,30 +34174,6 @@
           </a:p>
         </p:txBody>
       </p:sp>
-      <p:pic>
-        <p:nvPicPr>
-          <p:cNvPr id="3" name="그림 2"/>
-          <p:cNvPicPr>
-            <a:picLocks noChangeAspect="1"/>
-          </p:cNvPicPr>
-          <p:nvPr/>
-        </p:nvPicPr>
-        <p:blipFill>
-          <a:blip r:embed="rId3"/>
-          <a:stretch>
-            <a:fillRect/>
-          </a:stretch>
-        </p:blipFill>
-        <p:spPr>
-          <a:xfrm>
-            <a:off x="341787" y="1644656"/>
-            <a:ext cx="8486775" cy="4610100"/>
-          </a:xfrm>
-          <a:prstGeom prst="rect">
-            <a:avLst/>
-          </a:prstGeom>
-        </p:spPr>
-      </p:pic>
       <p:sp>
         <p:nvSpPr>
           <p:cNvPr id="12" name="직사각형 11">
@@ -33956,7 +34188,7 @@
         </p:nvSpPr>
         <p:spPr>
           <a:xfrm flipH="1">
-            <a:off x="497488" y="3320149"/>
+            <a:off x="497488" y="3612249"/>
             <a:ext cx="882181" cy="361140"/>
           </a:xfrm>
           <a:prstGeom prst="rect">
@@ -34011,8 +34243,8 @@
         </p:nvSpPr>
         <p:spPr>
           <a:xfrm flipH="1">
-            <a:off x="497490" y="2941185"/>
-            <a:ext cx="6581172" cy="357191"/>
+            <a:off x="497490" y="3233285"/>
+            <a:ext cx="6219401" cy="357191"/>
           </a:xfrm>
           <a:prstGeom prst="rect">
             <a:avLst/>
@@ -34066,7 +34298,7 @@
         </p:nvSpPr>
         <p:spPr>
           <a:xfrm flipH="1">
-            <a:off x="7078662" y="2937664"/>
+            <a:off x="6723062" y="3229764"/>
             <a:ext cx="428263" cy="357191"/>
           </a:xfrm>
           <a:prstGeom prst="rect">
@@ -34121,7 +34353,7 @@
         </p:nvSpPr>
         <p:spPr>
           <a:xfrm>
-            <a:off x="466315" y="2654579"/>
+            <a:off x="466315" y="2946679"/>
             <a:ext cx="2752349" cy="307777"/>
           </a:xfrm>
           <a:prstGeom prst="rect">
@@ -34177,7 +34409,7 @@
         </p:nvSpPr>
         <p:spPr>
           <a:xfrm>
-            <a:off x="5501625" y="2629887"/>
+            <a:off x="5146025" y="2921987"/>
             <a:ext cx="2671810" cy="307777"/>
           </a:xfrm>
           <a:prstGeom prst="rect">
@@ -34235,7 +34467,7 @@
         </p:nvCxnSpPr>
         <p:spPr>
           <a:xfrm flipH="1">
-            <a:off x="7583879" y="2937664"/>
+            <a:off x="7228279" y="3229764"/>
             <a:ext cx="227785" cy="141799"/>
           </a:xfrm>
           <a:prstGeom prst="straightConnector1">
@@ -34277,7 +34509,7 @@
         </p:nvSpPr>
         <p:spPr>
           <a:xfrm>
-            <a:off x="3995414" y="1797998"/>
+            <a:off x="3995414" y="2090098"/>
             <a:ext cx="2173454" cy="307777"/>
           </a:xfrm>
           <a:prstGeom prst="rect">
@@ -34335,8 +34567,8 @@
         </p:nvCxnSpPr>
         <p:spPr>
           <a:xfrm flipH="1">
-            <a:off x="3402018" y="1928064"/>
-            <a:ext cx="593396" cy="304660"/>
+            <a:off x="3454400" y="2220164"/>
+            <a:ext cx="541014" cy="408736"/>
           </a:xfrm>
           <a:prstGeom prst="straightConnector1">
             <a:avLst/>
@@ -34380,7 +34612,7 @@
         </p:nvCxnSpPr>
         <p:spPr>
           <a:xfrm flipH="1" flipV="1">
-            <a:off x="1301332" y="3694722"/>
+            <a:off x="1301332" y="3986822"/>
             <a:ext cx="129270" cy="91890"/>
           </a:xfrm>
           <a:prstGeom prst="straightConnector1">
@@ -34422,7 +34654,7 @@
         </p:nvSpPr>
         <p:spPr>
           <a:xfrm>
-            <a:off x="1430602" y="3632723"/>
+            <a:off x="1430602" y="3924823"/>
             <a:ext cx="1382936" cy="307777"/>
           </a:xfrm>
           <a:prstGeom prst="rect">
@@ -35420,17 +35652,26 @@
               <a:t>협업 활동 </a:t>
             </a:r>
             <a:r>
-              <a:rPr lang="en-US" altLang="ko-KR" dirty="0"/>
-              <a:t>(</a:t>
-            </a:r>
-            <a:r>
-              <a:rPr lang="ko-KR" altLang="en-US" dirty="0"/>
-              <a:t>참여자에게 통보됨</a:t>
-            </a:r>
-            <a:r>
-              <a:rPr lang="en-US" altLang="ko-KR" dirty="0"/>
+              <a:rPr lang="en-US" altLang="ko-KR" dirty="0" smtClean="0"/>
+              <a:t>(PR</a:t>
+            </a:r>
+            <a:r>
+              <a:rPr lang="ko-KR" altLang="en-US" dirty="0" smtClean="0"/>
+              <a:t>후에는 참여자에게 통보됨</a:t>
+            </a:r>
+            <a:r>
+              <a:rPr lang="en-US" altLang="ko-KR" dirty="0" smtClean="0"/>
+              <a:t>, owner </a:t>
+            </a:r>
+            <a:r>
+              <a:rPr lang="ko-KR" altLang="en-US" dirty="0" smtClean="0"/>
+              <a:t>메일 화면</a:t>
+            </a:r>
+            <a:r>
+              <a:rPr lang="en-US" altLang="ko-KR" dirty="0" smtClean="0"/>
               <a:t>)</a:t>
             </a:r>
+            <a:endParaRPr lang="en-US" altLang="ko-KR" dirty="0"/>
           </a:p>
           <a:p>
             <a:pPr marL="620713" lvl="1" indent="-169863"/>
@@ -35575,9 +35816,37 @@
           </a:p>
         </p:txBody>
       </p:sp>
+      <p:sp>
+        <p:nvSpPr>
+          <p:cNvPr id="2" name="슬라이드 번호 개체 틀 1"/>
+          <p:cNvSpPr>
+            <a:spLocks noGrp="1"/>
+          </p:cNvSpPr>
+          <p:nvPr>
+            <p:ph type="sldNum" sz="quarter" idx="12"/>
+          </p:nvPr>
+        </p:nvSpPr>
+        <p:spPr/>
+        <p:txBody>
+          <a:bodyPr/>
+          <a:lstStyle/>
+          <a:p>
+            <a:fld id="{526ADF51-C4A2-4521-899C-87F34FDB9C0A}" type="slidenum">
+              <a:rPr lang="ko-KR" altLang="en-US" smtClean="0"/>
+              <a:pPr/>
+              <a:t>49</a:t>
+            </a:fld>
+            <a:r>
+              <a:rPr lang="en-US" altLang="ko-KR"/>
+              <a:t>/76</a:t>
+            </a:r>
+            <a:endParaRPr lang="ko-KR" altLang="en-US" dirty="0"/>
+          </a:p>
+        </p:txBody>
+      </p:sp>
       <p:pic>
         <p:nvPicPr>
-          <p:cNvPr id="3" name="그림 2"/>
+          <p:cNvPr id="4" name="그림 3"/>
           <p:cNvPicPr>
             <a:picLocks noChangeAspect="1"/>
           </p:cNvPicPr>
@@ -35591,42 +35860,123 @@
         </p:blipFill>
         <p:spPr>
           <a:xfrm>
-            <a:off x="611416" y="1970981"/>
-            <a:ext cx="7816362" cy="4198654"/>
+            <a:off x="730250" y="1587500"/>
+            <a:ext cx="7810500" cy="4724400"/>
           </a:xfrm>
           <a:prstGeom prst="rect">
             <a:avLst/>
           </a:prstGeom>
         </p:spPr>
       </p:pic>
-      <p:sp>
-        <p:nvSpPr>
-          <p:cNvPr id="2" name="슬라이드 번호 개체 틀 1"/>
-          <p:cNvSpPr>
-            <a:spLocks noGrp="1"/>
-          </p:cNvSpPr>
-          <p:nvPr>
-            <p:ph type="sldNum" sz="quarter" idx="12"/>
-          </p:nvPr>
-        </p:nvSpPr>
-        <p:spPr/>
-        <p:txBody>
-          <a:bodyPr/>
+      <p:cxnSp>
+        <p:nvCxnSpPr>
+          <p:cNvPr id="6" name="직선 연결선 5"/>
+          <p:cNvCxnSpPr/>
+          <p:nvPr/>
+        </p:nvCxnSpPr>
+        <p:spPr>
+          <a:xfrm>
+            <a:off x="838200" y="3670300"/>
+            <a:ext cx="3733800" cy="0"/>
+          </a:xfrm>
+          <a:prstGeom prst="line">
+            <a:avLst/>
+          </a:prstGeom>
+          <a:ln w="19050"/>
+        </p:spPr>
+        <p:style>
+          <a:lnRef idx="1">
+            <a:schemeClr val="accent1"/>
+          </a:lnRef>
+          <a:fillRef idx="0">
+            <a:schemeClr val="accent1"/>
+          </a:fillRef>
+          <a:effectRef idx="0">
+            <a:schemeClr val="accent1"/>
+          </a:effectRef>
+          <a:fontRef idx="minor">
+            <a:schemeClr val="tx1"/>
+          </a:fontRef>
+        </p:style>
+      </p:cxnSp>
+      <p:sp>
+        <p:nvSpPr>
+          <p:cNvPr id="10" name="TextBox 9"/>
+          <p:cNvSpPr txBox="1"/>
+          <p:nvPr/>
+        </p:nvSpPr>
+        <p:spPr>
+          <a:xfrm>
+            <a:off x="3929385" y="3949700"/>
+            <a:ext cx="492443" cy="276999"/>
+          </a:xfrm>
+          <a:prstGeom prst="rect">
+            <a:avLst/>
+          </a:prstGeom>
+          <a:noFill/>
+        </p:spPr>
+        <p:txBody>
+          <a:bodyPr wrap="none" rtlCol="0">
+            <a:spAutoFit/>
+          </a:bodyPr>
           <a:lstStyle/>
           <a:p>
-            <a:fld id="{526ADF51-C4A2-4521-899C-87F34FDB9C0A}" type="slidenum">
-              <a:rPr lang="ko-KR" altLang="en-US" smtClean="0"/>
-              <a:pPr/>
-              <a:t>49</a:t>
-            </a:fld>
-            <a:r>
-              <a:rPr lang="en-US" altLang="ko-KR"/>
-              <a:t>/76</a:t>
-            </a:r>
-            <a:endParaRPr lang="ko-KR" altLang="en-US" dirty="0"/>
-          </a:p>
-        </p:txBody>
-      </p:sp>
+            <a:r>
+              <a:rPr lang="ko-KR" altLang="en-US" sz="1200" dirty="0">
+                <a:solidFill>
+                  <a:srgbClr val="FF0000"/>
+                </a:solidFill>
+              </a:rPr>
+              <a:t>클릭</a:t>
+            </a:r>
+          </a:p>
+        </p:txBody>
+      </p:sp>
+      <p:cxnSp>
+        <p:nvCxnSpPr>
+          <p:cNvPr id="12" name="직선 화살표 연결선 11">
+            <a:extLst>
+              <a:ext uri="{FF2B5EF4-FFF2-40B4-BE49-F238E27FC236}">
+                <a16:creationId xmlns:a16="http://schemas.microsoft.com/office/drawing/2014/main" id="{78830B9C-0A16-4FE2-9EA1-166B9A6C027E}"/>
+              </a:ext>
+            </a:extLst>
+          </p:cNvPr>
+          <p:cNvCxnSpPr>
+            <a:cxnSpLocks/>
+            <a:stCxn id="10" idx="1"/>
+          </p:cNvCxnSpPr>
+          <p:nvPr/>
+        </p:nvCxnSpPr>
+        <p:spPr>
+          <a:xfrm flipH="1" flipV="1">
+            <a:off x="3683000" y="3949700"/>
+            <a:ext cx="246385" cy="138500"/>
+          </a:xfrm>
+          <a:prstGeom prst="straightConnector1">
+            <a:avLst/>
+          </a:prstGeom>
+          <a:ln w="25400">
+            <a:solidFill>
+              <a:srgbClr val="FF0000"/>
+            </a:solidFill>
+            <a:tailEnd type="triangle"/>
+          </a:ln>
+        </p:spPr>
+        <p:style>
+          <a:lnRef idx="1">
+            <a:schemeClr val="accent1"/>
+          </a:lnRef>
+          <a:fillRef idx="0">
+            <a:schemeClr val="accent1"/>
+          </a:fillRef>
+          <a:effectRef idx="0">
+            <a:schemeClr val="accent1"/>
+          </a:effectRef>
+          <a:fontRef idx="minor">
+            <a:schemeClr val="tx1"/>
+          </a:fontRef>
+        </p:style>
+      </p:cxnSp>
     </p:spTree>
     <p:extLst>
       <p:ext uri="{BB962C8B-B14F-4D97-AF65-F5344CB8AC3E}">
@@ -36127,7 +36477,7 @@
       </p:grpSpPr>
       <p:pic>
         <p:nvPicPr>
-          <p:cNvPr id="2" name="그림 1"/>
+          <p:cNvPr id="4" name="그림 3"/>
           <p:cNvPicPr>
             <a:picLocks noChangeAspect="1"/>
           </p:cNvPicPr>
@@ -36141,8 +36491,8 @@
         </p:blipFill>
         <p:spPr>
           <a:xfrm>
-            <a:off x="718587" y="2002240"/>
-            <a:ext cx="7604979" cy="4390071"/>
+            <a:off x="811687" y="2042260"/>
+            <a:ext cx="7469877" cy="4227140"/>
           </a:xfrm>
           <a:prstGeom prst="rect">
             <a:avLst/>
@@ -36419,7 +36769,7 @@
         </p:nvSpPr>
         <p:spPr>
           <a:xfrm flipH="1">
-            <a:off x="4662962" y="4079630"/>
+            <a:off x="4662962" y="4041530"/>
             <a:ext cx="1257192" cy="278329"/>
           </a:xfrm>
           <a:prstGeom prst="rect">
@@ -36474,7 +36824,7 @@
         </p:nvSpPr>
         <p:spPr>
           <a:xfrm>
-            <a:off x="5920153" y="3889498"/>
+            <a:off x="5920153" y="3851398"/>
             <a:ext cx="1711569" cy="307777"/>
           </a:xfrm>
           <a:prstGeom prst="rect">
@@ -36787,14 +37137,62 @@
               <a:rPr lang="ko-KR" altLang="en-US" dirty="0">
                 <a:latin typeface="+mn-ea"/>
               </a:rPr>
-              <a:t>참여자 누구나 할 수 있음</a:t>
-            </a:r>
-            <a:r>
-              <a:rPr lang="en-US" altLang="ko-KR" dirty="0">
-                <a:latin typeface="+mn-ea"/>
-              </a:rPr>
-              <a:t>.</a:t>
-            </a:r>
+              <a:t>참여자 누구나 할 수 </a:t>
+            </a:r>
+            <a:r>
+              <a:rPr lang="ko-KR" altLang="en-US" dirty="0" smtClean="0">
+                <a:latin typeface="+mn-ea"/>
+              </a:rPr>
+              <a:t>있지만</a:t>
+            </a:r>
+            <a:r>
+              <a:rPr lang="en-US" altLang="ko-KR" dirty="0" smtClean="0">
+                <a:latin typeface="+mn-ea"/>
+              </a:rPr>
+              <a:t>, </a:t>
+            </a:r>
+            <a:r>
+              <a:rPr lang="ko-KR" altLang="en-US" dirty="0" smtClean="0">
+                <a:solidFill>
+                  <a:srgbClr val="0000FF"/>
+                </a:solidFill>
+                <a:latin typeface="+mn-ea"/>
+              </a:rPr>
+              <a:t>잠깐</a:t>
+            </a:r>
+            <a:r>
+              <a:rPr lang="en-US" altLang="ko-KR" dirty="0" smtClean="0">
+                <a:solidFill>
+                  <a:srgbClr val="0000FF"/>
+                </a:solidFill>
+                <a:latin typeface="+mn-ea"/>
+              </a:rPr>
+              <a:t>! </a:t>
+            </a:r>
+            <a:r>
+              <a:rPr lang="ko-KR" altLang="en-US" dirty="0" err="1" smtClean="0">
+                <a:solidFill>
+                  <a:srgbClr val="0000FF"/>
+                </a:solidFill>
+                <a:latin typeface="+mn-ea"/>
+              </a:rPr>
+              <a:t>검토후</a:t>
+            </a:r>
+            <a:r>
+              <a:rPr lang="ko-KR" altLang="en-US" dirty="0" smtClean="0">
+                <a:solidFill>
+                  <a:srgbClr val="0000FF"/>
+                </a:solidFill>
+                <a:latin typeface="+mn-ea"/>
+              </a:rPr>
+              <a:t> 진행</a:t>
+            </a:r>
+            <a:endParaRPr lang="en-US" altLang="ko-KR" dirty="0">
+              <a:solidFill>
+                <a:srgbClr val="0000FF"/>
+              </a:solidFill>
+              <a:latin typeface="+mn-ea"/>
+            </a:endParaRPr>
           </a:p>
         </p:txBody>
       </p:sp>
@@ -37219,7 +37617,13 @@
               <a:rPr lang="ko-KR" altLang="en-US" dirty="0">
                 <a:latin typeface="+mn-ea"/>
               </a:rPr>
-              <a:t>수정 내용 검토</a:t>
+              <a:t>수정 내용 </a:t>
+            </a:r>
+            <a:r>
+              <a:rPr lang="ko-KR" altLang="en-US" dirty="0" smtClean="0">
+                <a:latin typeface="+mn-ea"/>
+              </a:rPr>
+              <a:t>검토 </a:t>
             </a:r>
             <a:endParaRPr lang="en-US" altLang="ko-KR" dirty="0">
               <a:latin typeface="+mn-ea"/>
@@ -37368,8 +37772,8 @@
         </p:nvCxnSpPr>
         <p:spPr>
           <a:xfrm>
-            <a:off x="2543908" y="1852246"/>
-            <a:ext cx="5073270" cy="1757641"/>
+            <a:off x="5539154" y="3300606"/>
+            <a:ext cx="2078024" cy="309281"/>
           </a:xfrm>
           <a:prstGeom prst="straightConnector1">
             <a:avLst/>
@@ -37427,6 +37831,109 @@
           </a:p>
         </p:txBody>
       </p:sp>
+      <p:sp>
+        <p:nvSpPr>
+          <p:cNvPr id="9" name="직사각형 8">
+            <a:extLst>
+              <a:ext uri="{FF2B5EF4-FFF2-40B4-BE49-F238E27FC236}">
+                <a16:creationId xmlns:a16="http://schemas.microsoft.com/office/drawing/2014/main" id="{42E77EDC-1C0F-48D7-B49C-8EFD59FA447A}"/>
+              </a:ext>
+            </a:extLst>
+          </p:cNvPr>
+          <p:cNvSpPr/>
+          <p:nvPr/>
+        </p:nvSpPr>
+        <p:spPr>
+          <a:xfrm flipH="1">
+            <a:off x="4281962" y="3161442"/>
+            <a:ext cx="1257192" cy="278329"/>
+          </a:xfrm>
+          <a:prstGeom prst="rect">
+            <a:avLst/>
+          </a:prstGeom>
+          <a:noFill/>
+          <a:ln w="28575">
+            <a:solidFill>
+              <a:srgbClr val="FF0000"/>
+            </a:solidFill>
+          </a:ln>
+        </p:spPr>
+        <p:style>
+          <a:lnRef idx="2">
+            <a:schemeClr val="accent1">
+              <a:shade val="50000"/>
+            </a:schemeClr>
+          </a:lnRef>
+          <a:fillRef idx="1">
+            <a:schemeClr val="accent1"/>
+          </a:fillRef>
+          <a:effectRef idx="0">
+            <a:schemeClr val="accent1"/>
+          </a:effectRef>
+          <a:fontRef idx="minor">
+            <a:schemeClr val="lt1"/>
+          </a:fontRef>
+        </p:style>
+        <p:txBody>
+          <a:bodyPr rtlCol="0" anchor="ctr"/>
+          <a:lstStyle/>
+          <a:p>
+            <a:endParaRPr lang="ko-KR" altLang="en-US" b="1" dirty="0">
+              <a:solidFill>
+                <a:srgbClr val="FF0000"/>
+              </a:solidFill>
+            </a:endParaRPr>
+          </a:p>
+        </p:txBody>
+      </p:sp>
+      <p:cxnSp>
+        <p:nvCxnSpPr>
+          <p:cNvPr id="10" name="직선 화살표 연결선 9">
+            <a:extLst>
+              <a:ext uri="{FF2B5EF4-FFF2-40B4-BE49-F238E27FC236}">
+                <a16:creationId xmlns:a16="http://schemas.microsoft.com/office/drawing/2014/main" id="{78830B9C-0A16-4FE2-9EA1-166B9A6C027E}"/>
+              </a:ext>
+            </a:extLst>
+          </p:cNvPr>
+          <p:cNvCxnSpPr>
+            <a:cxnSpLocks/>
+            <a:endCxn id="9" idx="0"/>
+          </p:cNvCxnSpPr>
+          <p:nvPr/>
+        </p:nvCxnSpPr>
+        <p:spPr>
+          <a:xfrm>
+            <a:off x="2427654" y="1867206"/>
+            <a:ext cx="2482904" cy="1294236"/>
+          </a:xfrm>
+          <a:prstGeom prst="straightConnector1">
+            <a:avLst/>
+          </a:prstGeom>
+          <a:ln w="25400">
+            <a:solidFill>
+              <a:schemeClr val="accent1">
+                <a:lumMod val="60000"/>
+                <a:lumOff val="40000"/>
+              </a:schemeClr>
+            </a:solidFill>
+            <a:tailEnd type="triangle"/>
+          </a:ln>
+        </p:spPr>
+        <p:style>
+          <a:lnRef idx="1">
+            <a:schemeClr val="accent1"/>
+          </a:lnRef>
+          <a:fillRef idx="0">
+            <a:schemeClr val="accent1"/>
+          </a:fillRef>
+          <a:effectRef idx="0">
+            <a:schemeClr val="accent1"/>
+          </a:effectRef>
+          <a:fontRef idx="minor">
+            <a:schemeClr val="tx1"/>
+          </a:fontRef>
+        </p:style>
+      </p:cxnSp>
     </p:spTree>
     <p:extLst>
       <p:ext uri="{BB962C8B-B14F-4D97-AF65-F5344CB8AC3E}">
@@ -37815,14 +38322,13 @@
           </p:cNvPr>
           <p:cNvCxnSpPr>
             <a:cxnSpLocks/>
-            <a:endCxn id="6" idx="3"/>
           </p:cNvCxnSpPr>
           <p:nvPr/>
         </p:nvCxnSpPr>
         <p:spPr>
-          <a:xfrm>
-            <a:off x="2684585" y="5811939"/>
-            <a:ext cx="5427784" cy="142349"/>
+          <a:xfrm flipH="1">
+            <a:off x="8378500" y="5437742"/>
+            <a:ext cx="1" cy="252270"/>
           </a:xfrm>
           <a:prstGeom prst="straightConnector1">
             <a:avLst/>
@@ -38048,7 +38554,7 @@
         </p:nvSpPr>
         <p:spPr>
           <a:xfrm>
-            <a:off x="1994975" y="5615594"/>
+            <a:off x="8112369" y="5118165"/>
             <a:ext cx="532262" cy="307777"/>
           </a:xfrm>
           <a:prstGeom prst="rect">
@@ -38134,7 +38640,7 @@
       </p:grpSpPr>
       <p:pic>
         <p:nvPicPr>
-          <p:cNvPr id="2" name="그림 1"/>
+          <p:cNvPr id="5" name="그림 4"/>
           <p:cNvPicPr>
             <a:picLocks noChangeAspect="1"/>
           </p:cNvPicPr>
@@ -38148,14 +38654,212 @@
         </p:blipFill>
         <p:spPr>
           <a:xfrm>
-            <a:off x="615612" y="935697"/>
-            <a:ext cx="8094700" cy="5254753"/>
+            <a:off x="764598" y="1936666"/>
+            <a:ext cx="7750752" cy="4287650"/>
           </a:xfrm>
           <a:prstGeom prst="rect">
             <a:avLst/>
           </a:prstGeom>
         </p:spPr>
       </p:pic>
+      <p:sp>
+        <p:nvSpPr>
+          <p:cNvPr id="7" name="내용 개체 틀 2">
+            <a:extLst>
+              <a:ext uri="{FF2B5EF4-FFF2-40B4-BE49-F238E27FC236}">
+                <a16:creationId xmlns:a16="http://schemas.microsoft.com/office/drawing/2014/main" id="{A44AC902-3746-40D6-9827-94B46EEDDC67}"/>
+              </a:ext>
+            </a:extLst>
+          </p:cNvPr>
+          <p:cNvSpPr txBox="1">
+            <a:spLocks/>
+          </p:cNvSpPr>
+          <p:nvPr/>
+        </p:nvSpPr>
+        <p:spPr>
+          <a:xfrm>
+            <a:off x="341787" y="1120545"/>
+            <a:ext cx="8642350" cy="2351314"/>
+          </a:xfrm>
+          <a:prstGeom prst="rect">
+            <a:avLst/>
+          </a:prstGeom>
+        </p:spPr>
+        <p:txBody>
+          <a:bodyPr vert="horz" lIns="91440" tIns="45720" rIns="91440" bIns="45720" rtlCol="0">
+            <a:noAutofit/>
+          </a:bodyPr>
+          <a:lstStyle>
+            <a:lvl1pPr marL="266700" indent="-266700" defTabSz="914400" latinLnBrk="1">
+              <a:lnSpc>
+                <a:spcPct val="150000"/>
+              </a:lnSpc>
+              <a:spcBef>
+                <a:spcPct val="0"/>
+              </a:spcBef>
+              <a:buClr>
+                <a:schemeClr val="tx1">
+                  <a:lumMod val="65000"/>
+                  <a:lumOff val="35000"/>
+                </a:schemeClr>
+              </a:buClr>
+              <a:buFont typeface="Wingdings" pitchFamily="2" charset="2"/>
+              <a:buChar char="n"/>
+              <a:defRPr sz="2000" b="1">
+                <a:latin typeface="+mn-ea"/>
+              </a:defRPr>
+            </a:lvl1pPr>
+            <a:lvl2pPr marL="447675" lvl="1" indent="-180975" defTabSz="914400" latinLnBrk="1">
+              <a:lnSpc>
+                <a:spcPct val="150000"/>
+              </a:lnSpc>
+              <a:spcBef>
+                <a:spcPts val="0"/>
+              </a:spcBef>
+              <a:spcAft>
+                <a:spcPts val="0"/>
+              </a:spcAft>
+              <a:buClr>
+                <a:schemeClr val="tx1">
+                  <a:lumMod val="50000"/>
+                  <a:lumOff val="50000"/>
+                </a:schemeClr>
+              </a:buClr>
+              <a:buFont typeface="Wingdings" pitchFamily="2" charset="2"/>
+              <a:buChar char="§"/>
+              <a:defRPr sz="1600"/>
+            </a:lvl2pPr>
+            <a:lvl3pPr marL="628650" indent="-180975" defTabSz="914400" latinLnBrk="1">
+              <a:lnSpc>
+                <a:spcPct val="150000"/>
+              </a:lnSpc>
+              <a:spcBef>
+                <a:spcPts val="500"/>
+              </a:spcBef>
+              <a:spcAft>
+                <a:spcPts val="300"/>
+              </a:spcAft>
+              <a:buClr>
+                <a:schemeClr val="tx1">
+                  <a:lumMod val="65000"/>
+                  <a:lumOff val="35000"/>
+                </a:schemeClr>
+              </a:buClr>
+              <a:buFont typeface="Arial" panose="020B0604020202020204" pitchFamily="34" charset="0"/>
+              <a:buChar char="•"/>
+              <a:defRPr sz="1400"/>
+            </a:lvl3pPr>
+            <a:lvl4pPr marL="809625" indent="-180975" defTabSz="914400" latinLnBrk="1">
+              <a:lnSpc>
+                <a:spcPct val="150000"/>
+              </a:lnSpc>
+              <a:spcBef>
+                <a:spcPts val="500"/>
+              </a:spcBef>
+              <a:spcAft>
+                <a:spcPts val="300"/>
+              </a:spcAft>
+              <a:buClr>
+                <a:schemeClr val="tx1">
+                  <a:lumMod val="65000"/>
+                  <a:lumOff val="35000"/>
+                </a:schemeClr>
+              </a:buClr>
+              <a:buSzPct val="96000"/>
+              <a:buFont typeface="Arial" panose="020B0604020202020204" pitchFamily="34" charset="0"/>
+              <a:buChar char="•"/>
+              <a:defRPr sz="1200"/>
+            </a:lvl4pPr>
+            <a:lvl5pPr marL="990600" indent="-180975" defTabSz="914400" latinLnBrk="1">
+              <a:lnSpc>
+                <a:spcPct val="150000"/>
+              </a:lnSpc>
+              <a:spcBef>
+                <a:spcPts val="500"/>
+              </a:spcBef>
+              <a:buClr>
+                <a:schemeClr val="tx1">
+                  <a:lumMod val="65000"/>
+                  <a:lumOff val="35000"/>
+                </a:schemeClr>
+              </a:buClr>
+              <a:buFont typeface="Arial" panose="020B0604020202020204" pitchFamily="34" charset="0"/>
+              <a:buChar char="•"/>
+              <a:defRPr sz="1000"/>
+            </a:lvl5pPr>
+            <a:lvl6pPr marL="2514600" indent="-228600" defTabSz="914400" latinLnBrk="1">
+              <a:lnSpc>
+                <a:spcPct val="90000"/>
+              </a:lnSpc>
+              <a:spcBef>
+                <a:spcPts val="500"/>
+              </a:spcBef>
+              <a:buFont typeface="Arial" panose="020B0604020202020204" pitchFamily="34" charset="0"/>
+              <a:buChar char="•"/>
+            </a:lvl6pPr>
+            <a:lvl7pPr marL="2971800" indent="-228600" defTabSz="914400" latinLnBrk="1">
+              <a:lnSpc>
+                <a:spcPct val="90000"/>
+              </a:lnSpc>
+              <a:spcBef>
+                <a:spcPts val="500"/>
+              </a:spcBef>
+              <a:buFont typeface="Arial" panose="020B0604020202020204" pitchFamily="34" charset="0"/>
+              <a:buChar char="•"/>
+            </a:lvl7pPr>
+            <a:lvl8pPr marL="3429000" indent="-228600" defTabSz="914400" latinLnBrk="1">
+              <a:lnSpc>
+                <a:spcPct val="90000"/>
+              </a:lnSpc>
+              <a:spcBef>
+                <a:spcPts val="500"/>
+              </a:spcBef>
+              <a:buFont typeface="Arial" panose="020B0604020202020204" pitchFamily="34" charset="0"/>
+              <a:buChar char="•"/>
+            </a:lvl8pPr>
+            <a:lvl9pPr marL="3886200" indent="-228600" defTabSz="914400" latinLnBrk="1">
+              <a:lnSpc>
+                <a:spcPct val="90000"/>
+              </a:lnSpc>
+              <a:spcBef>
+                <a:spcPts val="500"/>
+              </a:spcBef>
+              <a:buFont typeface="Arial" panose="020B0604020202020204" pitchFamily="34" charset="0"/>
+              <a:buChar char="•"/>
+            </a:lvl9pPr>
+          </a:lstStyle>
+          <a:p>
+            <a:r>
+              <a:rPr lang="ko-KR" altLang="en-US" dirty="0"/>
+              <a:t>협업 활동 </a:t>
+            </a:r>
+            <a:r>
+              <a:rPr lang="en-US" altLang="ko-KR" dirty="0"/>
+              <a:t>(leader : </a:t>
+            </a:r>
+            <a:r>
+              <a:rPr lang="en-US" altLang="ko-KR" dirty="0" err="1"/>
+              <a:t>paichaisw</a:t>
+            </a:r>
+            <a:r>
+              <a:rPr lang="en-US" altLang="ko-KR" dirty="0"/>
+              <a:t>)</a:t>
+            </a:r>
+          </a:p>
+          <a:p>
+            <a:pPr marL="620713" lvl="1" indent="-169863"/>
+            <a:r>
+              <a:rPr lang="ko-KR" altLang="en-US" dirty="0">
+                <a:latin typeface="+mn-ea"/>
+              </a:rPr>
+              <a:t>의견 제시</a:t>
+            </a:r>
+            <a:endParaRPr lang="en-US" altLang="ko-KR" dirty="0">
+              <a:latin typeface="+mn-ea"/>
+            </a:endParaRPr>
+          </a:p>
+        </p:txBody>
+      </p:sp>
       <p:sp>
         <p:nvSpPr>
           <p:cNvPr id="11" name="제목 3">
@@ -38216,8 +38920,8 @@
         </p:nvSpPr>
         <p:spPr>
           <a:xfrm flipH="1">
-            <a:off x="1158130" y="4141667"/>
-            <a:ext cx="887586" cy="275987"/>
+            <a:off x="7042856" y="3155185"/>
+            <a:ext cx="1335643" cy="316674"/>
           </a:xfrm>
           <a:prstGeom prst="rect">
             <a:avLst/>
@@ -38259,7 +38963,7 @@
       </p:sp>
       <p:sp>
         <p:nvSpPr>
-          <p:cNvPr id="9" name="TextBox 8">
+          <p:cNvPr id="16" name="TextBox 15">
             <a:extLst>
               <a:ext uri="{FF2B5EF4-FFF2-40B4-BE49-F238E27FC236}">
                 <a16:creationId xmlns:a16="http://schemas.microsoft.com/office/drawing/2014/main" id="{60C89C31-AA7B-40AF-8775-E2CE27F6B124}"/>
@@ -38271,8 +38975,8 @@
         </p:nvSpPr>
         <p:spPr>
           <a:xfrm>
-            <a:off x="277426" y="3463209"/>
-            <a:ext cx="847814" cy="738664"/>
+            <a:off x="8217482" y="2970942"/>
+            <a:ext cx="532262" cy="307777"/>
           </a:xfrm>
           <a:prstGeom prst="rect">
             <a:avLst/>
@@ -38285,124 +38989,21 @@
           </a:bodyPr>
           <a:lstStyle/>
           <a:p>
-            <a:pPr algn="ctr"/>
+            <a:pPr algn="r"/>
             <a:r>
               <a:rPr lang="ko-KR" altLang="en-US" sz="1400" dirty="0">
                 <a:solidFill>
                   <a:srgbClr val="0000FF"/>
                 </a:solidFill>
               </a:rPr>
-              <a:t>승인 </a:t>
-            </a:r>
-            <a:r>
-              <a:rPr lang="ko-KR" altLang="en-US" sz="1400">
-                <a:solidFill>
-                  <a:srgbClr val="0000FF"/>
-                </a:solidFill>
-              </a:rPr>
-              <a:t>선택 후 리뷰 제출</a:t>
-            </a:r>
-            <a:endParaRPr lang="ko-KR" altLang="en-US" sz="1400" dirty="0">
-              <a:solidFill>
-                <a:srgbClr val="0000FF"/>
-              </a:solidFill>
-            </a:endParaRPr>
-          </a:p>
-        </p:txBody>
-      </p:sp>
-      <p:cxnSp>
-        <p:nvCxnSpPr>
-          <p:cNvPr id="13" name="직선 연결선 12"/>
-          <p:cNvCxnSpPr/>
-          <p:nvPr/>
-        </p:nvCxnSpPr>
-        <p:spPr>
-          <a:xfrm>
-            <a:off x="1406847" y="1228888"/>
-            <a:ext cx="1277738" cy="0"/>
-          </a:xfrm>
-          <a:prstGeom prst="line">
-            <a:avLst/>
-          </a:prstGeom>
-          <a:ln w="28575">
-            <a:solidFill>
-              <a:srgbClr val="FF0000"/>
-            </a:solidFill>
-          </a:ln>
-        </p:spPr>
-        <p:style>
-          <a:lnRef idx="1">
-            <a:schemeClr val="accent1"/>
-          </a:lnRef>
-          <a:fillRef idx="0">
-            <a:schemeClr val="accent1"/>
-          </a:fillRef>
-          <a:effectRef idx="0">
-            <a:schemeClr val="accent1"/>
-          </a:effectRef>
-          <a:fontRef idx="minor">
-            <a:schemeClr val="tx1"/>
-          </a:fontRef>
-        </p:style>
-      </p:cxnSp>
-      <p:sp>
-        <p:nvSpPr>
-          <p:cNvPr id="15" name="직사각형 14">
-            <a:extLst>
-              <a:ext uri="{FF2B5EF4-FFF2-40B4-BE49-F238E27FC236}">
-                <a16:creationId xmlns:a16="http://schemas.microsoft.com/office/drawing/2014/main" id="{42E77EDC-1C0F-48D7-B49C-8EFD59FA447A}"/>
-              </a:ext>
-            </a:extLst>
-          </p:cNvPr>
-          <p:cNvSpPr/>
-          <p:nvPr/>
-        </p:nvSpPr>
-        <p:spPr>
-          <a:xfrm flipH="1">
-            <a:off x="1125240" y="3311415"/>
-            <a:ext cx="1069622" cy="214153"/>
-          </a:xfrm>
-          <a:prstGeom prst="rect">
-            <a:avLst/>
-          </a:prstGeom>
-          <a:noFill/>
-          <a:ln w="28575">
-            <a:solidFill>
-              <a:srgbClr val="0000FF"/>
-            </a:solidFill>
-          </a:ln>
-        </p:spPr>
-        <p:style>
-          <a:lnRef idx="2">
-            <a:schemeClr val="accent1">
-              <a:shade val="50000"/>
-            </a:schemeClr>
-          </a:lnRef>
-          <a:fillRef idx="1">
-            <a:schemeClr val="accent1"/>
-          </a:fillRef>
-          <a:effectRef idx="0">
-            <a:schemeClr val="accent1"/>
-          </a:effectRef>
-          <a:fontRef idx="minor">
-            <a:schemeClr val="lt1"/>
-          </a:fontRef>
-        </p:style>
-        <p:txBody>
-          <a:bodyPr rtlCol="0" anchor="ctr"/>
-          <a:lstStyle/>
-          <a:p>
-            <a:endParaRPr lang="ko-KR" altLang="en-US" b="1" dirty="0">
-              <a:solidFill>
-                <a:srgbClr val="FF0000"/>
-              </a:solidFill>
-            </a:endParaRPr>
-          </a:p>
-        </p:txBody>
-      </p:sp>
-      <p:sp>
-        <p:nvSpPr>
-          <p:cNvPr id="3" name="슬라이드 번호 개체 틀 2"/>
+              <a:t>클릭</a:t>
+            </a:r>
+          </a:p>
+        </p:txBody>
+      </p:sp>
+      <p:sp>
+        <p:nvSpPr>
+          <p:cNvPr id="2" name="슬라이드 번호 개체 틀 1"/>
           <p:cNvSpPr>
             <a:spLocks noGrp="1"/>
           </p:cNvSpPr>
@@ -38431,7 +39032,7 @@
     </p:spTree>
     <p:extLst>
       <p:ext uri="{BB962C8B-B14F-4D97-AF65-F5344CB8AC3E}">
-        <p14:creationId xmlns:p14="http://schemas.microsoft.com/office/powerpoint/2010/main" val="1326022649"/>
+        <p14:creationId xmlns:p14="http://schemas.microsoft.com/office/powerpoint/2010/main" val="1971986868"/>
       </p:ext>
     </p:extLst>
   </p:cSld>
@@ -38728,6 +39329,332 @@
       </p:sp>
       <p:sp>
         <p:nvSpPr>
+          <p:cNvPr id="3" name="슬라이드 번호 개체 틀 2"/>
+          <p:cNvSpPr>
+            <a:spLocks noGrp="1"/>
+          </p:cNvSpPr>
+          <p:nvPr>
+            <p:ph type="sldNum" sz="quarter" idx="12"/>
+          </p:nvPr>
+        </p:nvSpPr>
+        <p:spPr/>
+        <p:txBody>
+          <a:bodyPr/>
+          <a:lstStyle/>
+          <a:p>
+            <a:fld id="{526ADF51-C4A2-4521-899C-87F34FDB9C0A}" type="slidenum">
+              <a:rPr lang="ko-KR" altLang="en-US" smtClean="0"/>
+              <a:pPr/>
+              <a:t>55</a:t>
+            </a:fld>
+            <a:r>
+              <a:rPr lang="en-US" altLang="ko-KR"/>
+              <a:t>/76</a:t>
+            </a:r>
+            <a:endParaRPr lang="ko-KR" altLang="en-US" dirty="0"/>
+          </a:p>
+        </p:txBody>
+      </p:sp>
+    </p:spTree>
+    <p:extLst>
+      <p:ext uri="{BB962C8B-B14F-4D97-AF65-F5344CB8AC3E}">
+        <p14:creationId xmlns:p14="http://schemas.microsoft.com/office/powerpoint/2010/main" val="1326022649"/>
+      </p:ext>
+    </p:extLst>
+  </p:cSld>
+  <p:clrMapOvr>
+    <a:masterClrMapping/>
+  </p:clrMapOvr>
+</p:sld>
+</file>
+
+<file path=ppt/slides/slide56.xml><?xml version="1.0" encoding="utf-8"?>
+<p:sld xmlns:a="http://schemas.openxmlformats.org/drawingml/2006/main" xmlns:r="http://schemas.openxmlformats.org/officeDocument/2006/relationships" xmlns:p="http://schemas.openxmlformats.org/presentationml/2006/main">
+  <p:cSld>
+    <p:spTree>
+      <p:nvGrpSpPr>
+        <p:cNvPr id="1" name=""/>
+        <p:cNvGrpSpPr/>
+        <p:nvPr/>
+      </p:nvGrpSpPr>
+      <p:grpSpPr>
+        <a:xfrm>
+          <a:off x="0" y="0"/>
+          <a:ext cx="0" cy="0"/>
+          <a:chOff x="0" y="0"/>
+          <a:chExt cx="0" cy="0"/>
+        </a:xfrm>
+      </p:grpSpPr>
+      <p:pic>
+        <p:nvPicPr>
+          <p:cNvPr id="2" name="그림 1"/>
+          <p:cNvPicPr>
+            <a:picLocks noChangeAspect="1"/>
+          </p:cNvPicPr>
+          <p:nvPr/>
+        </p:nvPicPr>
+        <p:blipFill>
+          <a:blip r:embed="rId3"/>
+          <a:stretch>
+            <a:fillRect/>
+          </a:stretch>
+        </p:blipFill>
+        <p:spPr>
+          <a:xfrm>
+            <a:off x="615612" y="935697"/>
+            <a:ext cx="8094700" cy="5254753"/>
+          </a:xfrm>
+          <a:prstGeom prst="rect">
+            <a:avLst/>
+          </a:prstGeom>
+        </p:spPr>
+      </p:pic>
+      <p:sp>
+        <p:nvSpPr>
+          <p:cNvPr id="11" name="제목 3">
+            <a:extLst>
+              <a:ext uri="{FF2B5EF4-FFF2-40B4-BE49-F238E27FC236}">
+                <a16:creationId xmlns:a16="http://schemas.microsoft.com/office/drawing/2014/main" id="{F0CEB32B-CB43-4410-BA08-A97E4BC47FCB}"/>
+              </a:ext>
+            </a:extLst>
+          </p:cNvPr>
+          <p:cNvSpPr>
+            <a:spLocks noGrp="1"/>
+          </p:cNvSpPr>
+          <p:nvPr>
+            <p:ph type="title"/>
+          </p:nvPr>
+        </p:nvSpPr>
+        <p:spPr>
+          <a:xfrm>
+            <a:off x="539551" y="192300"/>
+            <a:ext cx="7272113" cy="576064"/>
+          </a:xfrm>
+        </p:spPr>
+        <p:txBody>
+          <a:bodyPr/>
+          <a:lstStyle/>
+          <a:p>
+            <a:r>
+              <a:rPr lang="ko-KR" altLang="en-US" dirty="0"/>
+              <a:t>협업하기 </a:t>
+            </a:r>
+            <a:r>
+              <a:rPr lang="en-US" altLang="ko-KR" dirty="0"/>
+              <a:t>(leader </a:t>
+            </a:r>
+            <a:r>
+              <a:rPr lang="ko-KR" altLang="en-US" dirty="0"/>
+              <a:t>활동</a:t>
+            </a:r>
+            <a:r>
+              <a:rPr lang="en-US" altLang="ko-KR" dirty="0"/>
+              <a:t>)</a:t>
+            </a:r>
+            <a:endParaRPr lang="ko-KR" altLang="en-US" dirty="0"/>
+          </a:p>
+        </p:txBody>
+      </p:sp>
+      <p:sp>
+        <p:nvSpPr>
+          <p:cNvPr id="6" name="직사각형 5">
+            <a:extLst>
+              <a:ext uri="{FF2B5EF4-FFF2-40B4-BE49-F238E27FC236}">
+                <a16:creationId xmlns:a16="http://schemas.microsoft.com/office/drawing/2014/main" id="{42E77EDC-1C0F-48D7-B49C-8EFD59FA447A}"/>
+              </a:ext>
+            </a:extLst>
+          </p:cNvPr>
+          <p:cNvSpPr/>
+          <p:nvPr/>
+        </p:nvSpPr>
+        <p:spPr>
+          <a:xfrm flipH="1">
+            <a:off x="1158130" y="4141667"/>
+            <a:ext cx="887586" cy="275987"/>
+          </a:xfrm>
+          <a:prstGeom prst="rect">
+            <a:avLst/>
+          </a:prstGeom>
+          <a:noFill/>
+          <a:ln w="28575">
+            <a:solidFill>
+              <a:srgbClr val="FF0000"/>
+            </a:solidFill>
+          </a:ln>
+        </p:spPr>
+        <p:style>
+          <a:lnRef idx="2">
+            <a:schemeClr val="accent1">
+              <a:shade val="50000"/>
+            </a:schemeClr>
+          </a:lnRef>
+          <a:fillRef idx="1">
+            <a:schemeClr val="accent1"/>
+          </a:fillRef>
+          <a:effectRef idx="0">
+            <a:schemeClr val="accent1"/>
+          </a:effectRef>
+          <a:fontRef idx="minor">
+            <a:schemeClr val="lt1"/>
+          </a:fontRef>
+        </p:style>
+        <p:txBody>
+          <a:bodyPr rtlCol="0" anchor="ctr"/>
+          <a:lstStyle/>
+          <a:p>
+            <a:endParaRPr lang="ko-KR" altLang="en-US" b="1" dirty="0">
+              <a:solidFill>
+                <a:srgbClr val="FF0000"/>
+              </a:solidFill>
+            </a:endParaRPr>
+          </a:p>
+        </p:txBody>
+      </p:sp>
+      <p:sp>
+        <p:nvSpPr>
+          <p:cNvPr id="9" name="TextBox 8">
+            <a:extLst>
+              <a:ext uri="{FF2B5EF4-FFF2-40B4-BE49-F238E27FC236}">
+                <a16:creationId xmlns:a16="http://schemas.microsoft.com/office/drawing/2014/main" id="{60C89C31-AA7B-40AF-8775-E2CE27F6B124}"/>
+              </a:ext>
+            </a:extLst>
+          </p:cNvPr>
+          <p:cNvSpPr txBox="1"/>
+          <p:nvPr/>
+        </p:nvSpPr>
+        <p:spPr>
+          <a:xfrm>
+            <a:off x="277426" y="3463209"/>
+            <a:ext cx="847814" cy="738664"/>
+          </a:xfrm>
+          <a:prstGeom prst="rect">
+            <a:avLst/>
+          </a:prstGeom>
+          <a:noFill/>
+        </p:spPr>
+        <p:txBody>
+          <a:bodyPr wrap="square" lIns="0" rIns="0" rtlCol="0">
+            <a:spAutoFit/>
+          </a:bodyPr>
+          <a:lstStyle/>
+          <a:p>
+            <a:pPr algn="ctr"/>
+            <a:r>
+              <a:rPr lang="ko-KR" altLang="en-US" sz="1400" dirty="0">
+                <a:solidFill>
+                  <a:srgbClr val="0000FF"/>
+                </a:solidFill>
+              </a:rPr>
+              <a:t>승인 </a:t>
+            </a:r>
+            <a:r>
+              <a:rPr lang="ko-KR" altLang="en-US" sz="1400">
+                <a:solidFill>
+                  <a:srgbClr val="0000FF"/>
+                </a:solidFill>
+              </a:rPr>
+              <a:t>선택 후 리뷰 제출</a:t>
+            </a:r>
+            <a:endParaRPr lang="ko-KR" altLang="en-US" sz="1400" dirty="0">
+              <a:solidFill>
+                <a:srgbClr val="0000FF"/>
+              </a:solidFill>
+            </a:endParaRPr>
+          </a:p>
+        </p:txBody>
+      </p:sp>
+      <p:cxnSp>
+        <p:nvCxnSpPr>
+          <p:cNvPr id="13" name="직선 연결선 12"/>
+          <p:cNvCxnSpPr/>
+          <p:nvPr/>
+        </p:nvCxnSpPr>
+        <p:spPr>
+          <a:xfrm>
+            <a:off x="1406847" y="1228888"/>
+            <a:ext cx="1277738" cy="0"/>
+          </a:xfrm>
+          <a:prstGeom prst="line">
+            <a:avLst/>
+          </a:prstGeom>
+          <a:ln w="28575">
+            <a:solidFill>
+              <a:srgbClr val="FF0000"/>
+            </a:solidFill>
+          </a:ln>
+        </p:spPr>
+        <p:style>
+          <a:lnRef idx="1">
+            <a:schemeClr val="accent1"/>
+          </a:lnRef>
+          <a:fillRef idx="0">
+            <a:schemeClr val="accent1"/>
+          </a:fillRef>
+          <a:effectRef idx="0">
+            <a:schemeClr val="accent1"/>
+          </a:effectRef>
+          <a:fontRef idx="minor">
+            <a:schemeClr val="tx1"/>
+          </a:fontRef>
+        </p:style>
+      </p:cxnSp>
+      <p:sp>
+        <p:nvSpPr>
+          <p:cNvPr id="15" name="직사각형 14">
+            <a:extLst>
+              <a:ext uri="{FF2B5EF4-FFF2-40B4-BE49-F238E27FC236}">
+                <a16:creationId xmlns:a16="http://schemas.microsoft.com/office/drawing/2014/main" id="{42E77EDC-1C0F-48D7-B49C-8EFD59FA447A}"/>
+              </a:ext>
+            </a:extLst>
+          </p:cNvPr>
+          <p:cNvSpPr/>
+          <p:nvPr/>
+        </p:nvSpPr>
+        <p:spPr>
+          <a:xfrm flipH="1">
+            <a:off x="1125240" y="3311415"/>
+            <a:ext cx="1069622" cy="214153"/>
+          </a:xfrm>
+          <a:prstGeom prst="rect">
+            <a:avLst/>
+          </a:prstGeom>
+          <a:noFill/>
+          <a:ln w="28575">
+            <a:solidFill>
+              <a:srgbClr val="0000FF"/>
+            </a:solidFill>
+          </a:ln>
+        </p:spPr>
+        <p:style>
+          <a:lnRef idx="2">
+            <a:schemeClr val="accent1">
+              <a:shade val="50000"/>
+            </a:schemeClr>
+          </a:lnRef>
+          <a:fillRef idx="1">
+            <a:schemeClr val="accent1"/>
+          </a:fillRef>
+          <a:effectRef idx="0">
+            <a:schemeClr val="accent1"/>
+          </a:effectRef>
+          <a:fontRef idx="minor">
+            <a:schemeClr val="lt1"/>
+          </a:fontRef>
+        </p:style>
+        <p:txBody>
+          <a:bodyPr rtlCol="0" anchor="ctr"/>
+          <a:lstStyle/>
+          <a:p>
+            <a:endParaRPr lang="ko-KR" altLang="en-US" b="1" dirty="0">
+              <a:solidFill>
+                <a:srgbClr val="FF0000"/>
+              </a:solidFill>
+            </a:endParaRPr>
+          </a:p>
+        </p:txBody>
+      </p:sp>
+      <p:sp>
+        <p:nvSpPr>
           <p:cNvPr id="8" name="직사각형 7">
             <a:extLst>
               <a:ext uri="{FF2B5EF4-FFF2-40B4-BE49-F238E27FC236}">
@@ -38799,7 +39726,7 @@
             <a:fld id="{526ADF51-C4A2-4521-899C-87F34FDB9C0A}" type="slidenum">
               <a:rPr lang="ko-KR" altLang="en-US" smtClean="0"/>
               <a:pPr/>
-              <a:t>55</a:t>
+              <a:t>56</a:t>
             </a:fld>
             <a:r>
               <a:rPr lang="en-US" altLang="ko-KR"/>
@@ -38822,7 +39749,7 @@
 </p:sld>
 </file>
 
-<file path=ppt/slides/slide56.xml><?xml version="1.0" encoding="utf-8"?>
+<file path=ppt/slides/slide57.xml><?xml version="1.0" encoding="utf-8"?>
 <p:sld xmlns:a="http://schemas.openxmlformats.org/drawingml/2006/main" xmlns:r="http://schemas.openxmlformats.org/officeDocument/2006/relationships" xmlns:p="http://schemas.openxmlformats.org/presentationml/2006/main">
   <p:cSld>
     <p:spTree>
@@ -38841,7 +39768,7 @@
       </p:grpSpPr>
       <p:pic>
         <p:nvPicPr>
-          <p:cNvPr id="3" name="그림 2"/>
+          <p:cNvPr id="4" name="그림 3"/>
           <p:cNvPicPr>
             <a:picLocks noChangeAspect="1"/>
           </p:cNvPicPr>
@@ -38855,8 +39782,8 @@
         </p:blipFill>
         <p:spPr>
           <a:xfrm>
-            <a:off x="703385" y="888952"/>
-            <a:ext cx="7936523" cy="5493164"/>
+            <a:off x="600165" y="893346"/>
+            <a:ext cx="7589261" cy="5481615"/>
           </a:xfrm>
           <a:prstGeom prst="rect">
             <a:avLst/>
@@ -38923,8 +39850,8 @@
         </p:nvSpPr>
         <p:spPr>
           <a:xfrm flipH="1">
-            <a:off x="1239704" y="4455854"/>
-            <a:ext cx="2007588" cy="749192"/>
+            <a:off x="1304209" y="5601849"/>
+            <a:ext cx="2118929" cy="494151"/>
           </a:xfrm>
           <a:prstGeom prst="rect">
             <a:avLst/>
@@ -38978,7 +39905,7 @@
         </p:nvSpPr>
         <p:spPr>
           <a:xfrm>
-            <a:off x="3423139" y="3299787"/>
+            <a:off x="3589394" y="4408149"/>
             <a:ext cx="2676789" cy="523220"/>
           </a:xfrm>
           <a:prstGeom prst="rect">
@@ -39012,8 +39939,8 @@
         </p:nvCxnSpPr>
         <p:spPr>
           <a:xfrm>
-            <a:off x="1544270" y="1205442"/>
-            <a:ext cx="1925761" cy="0"/>
+            <a:off x="1591162" y="2119842"/>
+            <a:ext cx="2689893" cy="0"/>
           </a:xfrm>
           <a:prstGeom prst="line">
             <a:avLst/>
@@ -39053,7 +39980,7 @@
         </p:nvSpPr>
         <p:spPr>
           <a:xfrm flipH="1">
-            <a:off x="1661794" y="3418303"/>
+            <a:off x="1828049" y="4526665"/>
             <a:ext cx="1292421" cy="215851"/>
           </a:xfrm>
           <a:prstGeom prst="rect">
@@ -39111,7 +40038,7 @@
         </p:nvCxnSpPr>
         <p:spPr>
           <a:xfrm flipH="1" flipV="1">
-            <a:off x="2954215" y="3528646"/>
+            <a:off x="3120470" y="4637008"/>
             <a:ext cx="468924" cy="32751"/>
           </a:xfrm>
           <a:prstGeom prst="straightConnector1">
@@ -39157,7 +40084,7 @@
             <a:fld id="{526ADF51-C4A2-4521-899C-87F34FDB9C0A}" type="slidenum">
               <a:rPr lang="ko-KR" altLang="en-US" smtClean="0"/>
               <a:pPr/>
-              <a:t>56</a:t>
+              <a:t>57</a:t>
             </a:fld>
             <a:r>
               <a:rPr lang="en-US" altLang="ko-KR"/>
@@ -39180,7 +40107,7 @@
 </p:sld>
 </file>
 
-<file path=ppt/slides/slide57.xml><?xml version="1.0" encoding="utf-8"?>
+<file path=ppt/slides/slide58.xml><?xml version="1.0" encoding="utf-8"?>
 <p:sld xmlns:a="http://schemas.openxmlformats.org/drawingml/2006/main" xmlns:r="http://schemas.openxmlformats.org/officeDocument/2006/relationships" xmlns:p="http://schemas.openxmlformats.org/presentationml/2006/main">
   <p:cSld>
     <p:spTree>
@@ -39197,6 +40124,30 @@
           <a:chExt cx="0" cy="0"/>
         </a:xfrm>
       </p:grpSpPr>
+      <p:pic>
+        <p:nvPicPr>
+          <p:cNvPr id="4" name="그림 3"/>
+          <p:cNvPicPr>
+            <a:picLocks noChangeAspect="1"/>
+          </p:cNvPicPr>
+          <p:nvPr/>
+        </p:nvPicPr>
+        <p:blipFill>
+          <a:blip r:embed="rId3"/>
+          <a:stretch>
+            <a:fillRect/>
+          </a:stretch>
+        </p:blipFill>
+        <p:spPr>
+          <a:xfrm>
+            <a:off x="819150" y="2055668"/>
+            <a:ext cx="7200900" cy="4076700"/>
+          </a:xfrm>
+          <a:prstGeom prst="rect">
+            <a:avLst/>
+          </a:prstGeom>
+        </p:spPr>
+      </p:pic>
       <p:sp>
         <p:nvSpPr>
           <p:cNvPr id="7" name="내용 개체 틀 2">
@@ -39542,30 +40493,6 @@
           </a:p>
         </p:txBody>
       </p:sp>
-      <p:pic>
-        <p:nvPicPr>
-          <p:cNvPr id="2" name="그림 1"/>
-          <p:cNvPicPr>
-            <a:picLocks noChangeAspect="1"/>
-          </p:cNvPicPr>
-          <p:nvPr/>
-        </p:nvPicPr>
-        <p:blipFill>
-          <a:blip r:embed="rId3"/>
-          <a:stretch>
-            <a:fillRect/>
-          </a:stretch>
-        </p:blipFill>
-        <p:spPr>
-          <a:xfrm>
-            <a:off x="341787" y="1963248"/>
-            <a:ext cx="8467725" cy="4314825"/>
-          </a:xfrm>
-          <a:prstGeom prst="rect">
-            <a:avLst/>
-          </a:prstGeom>
-        </p:spPr>
-      </p:pic>
       <p:sp>
         <p:nvSpPr>
           <p:cNvPr id="6" name="직사각형 5">
@@ -39580,7 +40507,7 @@
         </p:nvSpPr>
         <p:spPr>
           <a:xfrm flipH="1">
-            <a:off x="539551" y="4326900"/>
+            <a:off x="872061" y="4174497"/>
             <a:ext cx="2824972" cy="1136054"/>
           </a:xfrm>
           <a:prstGeom prst="rect">
@@ -39639,7 +40566,7 @@
             <a:fld id="{526ADF51-C4A2-4521-899C-87F34FDB9C0A}" type="slidenum">
               <a:rPr lang="ko-KR" altLang="en-US" smtClean="0"/>
               <a:pPr/>
-              <a:t>57</a:t>
+              <a:t>58</a:t>
             </a:fld>
             <a:r>
               <a:rPr lang="en-US" altLang="ko-KR"/>
@@ -39649,426 +40576,20 @@
           </a:p>
         </p:txBody>
       </p:sp>
-    </p:spTree>
-    <p:extLst>
-      <p:ext uri="{BB962C8B-B14F-4D97-AF65-F5344CB8AC3E}">
-        <p14:creationId xmlns:p14="http://schemas.microsoft.com/office/powerpoint/2010/main" val="4229552661"/>
-      </p:ext>
-    </p:extLst>
-  </p:cSld>
-  <p:clrMapOvr>
-    <a:masterClrMapping/>
-  </p:clrMapOvr>
-</p:sld>
-</file>
-
-<file path=ppt/slides/slide58.xml><?xml version="1.0" encoding="utf-8"?>
-<p:sld xmlns:a="http://schemas.openxmlformats.org/drawingml/2006/main" xmlns:r="http://schemas.openxmlformats.org/officeDocument/2006/relationships" xmlns:p="http://schemas.openxmlformats.org/presentationml/2006/main">
-  <p:cSld>
-    <p:spTree>
-      <p:nvGrpSpPr>
-        <p:cNvPr id="1" name=""/>
-        <p:cNvGrpSpPr/>
-        <p:nvPr/>
-      </p:nvGrpSpPr>
-      <p:grpSpPr>
-        <a:xfrm>
-          <a:off x="0" y="0"/>
-          <a:ext cx="0" cy="0"/>
-          <a:chOff x="0" y="0"/>
-          <a:chExt cx="0" cy="0"/>
-        </a:xfrm>
-      </p:grpSpPr>
-      <p:sp>
-        <p:nvSpPr>
-          <p:cNvPr id="7" name="내용 개체 틀 2">
-            <a:extLst>
-              <a:ext uri="{FF2B5EF4-FFF2-40B4-BE49-F238E27FC236}">
-                <a16:creationId xmlns:a16="http://schemas.microsoft.com/office/drawing/2014/main" id="{A44AC902-3746-40D6-9827-94B46EEDDC67}"/>
-              </a:ext>
-            </a:extLst>
-          </p:cNvPr>
-          <p:cNvSpPr txBox="1">
-            <a:spLocks/>
-          </p:cNvSpPr>
+      <p:cxnSp>
+        <p:nvCxnSpPr>
+          <p:cNvPr id="8" name="직선 연결선 7"/>
+          <p:cNvCxnSpPr/>
           <p:nvPr/>
-        </p:nvSpPr>
+        </p:nvCxnSpPr>
         <p:spPr>
           <a:xfrm>
-            <a:off x="341787" y="1120545"/>
-            <a:ext cx="8642350" cy="1083393"/>
+            <a:off x="1007140" y="3713115"/>
+            <a:ext cx="2179405" cy="0"/>
           </a:xfrm>
-          <a:prstGeom prst="rect">
+          <a:prstGeom prst="line">
             <a:avLst/>
           </a:prstGeom>
-        </p:spPr>
-        <p:txBody>
-          <a:bodyPr vert="horz" lIns="91440" tIns="45720" rIns="91440" bIns="45720" rtlCol="0">
-            <a:noAutofit/>
-          </a:bodyPr>
-          <a:lstStyle>
-            <a:lvl1pPr marL="266700" indent="-266700" defTabSz="914400" latinLnBrk="1">
-              <a:lnSpc>
-                <a:spcPct val="150000"/>
-              </a:lnSpc>
-              <a:spcBef>
-                <a:spcPct val="0"/>
-              </a:spcBef>
-              <a:buClr>
-                <a:schemeClr val="tx1">
-                  <a:lumMod val="65000"/>
-                  <a:lumOff val="35000"/>
-                </a:schemeClr>
-              </a:buClr>
-              <a:buFont typeface="Wingdings" pitchFamily="2" charset="2"/>
-              <a:buChar char="n"/>
-              <a:defRPr sz="2000" b="1">
-                <a:latin typeface="+mn-ea"/>
-              </a:defRPr>
-            </a:lvl1pPr>
-            <a:lvl2pPr marL="447675" lvl="1" indent="-180975" defTabSz="914400" latinLnBrk="1">
-              <a:lnSpc>
-                <a:spcPct val="150000"/>
-              </a:lnSpc>
-              <a:spcBef>
-                <a:spcPts val="0"/>
-              </a:spcBef>
-              <a:spcAft>
-                <a:spcPts val="0"/>
-              </a:spcAft>
-              <a:buClr>
-                <a:schemeClr val="tx1">
-                  <a:lumMod val="50000"/>
-                  <a:lumOff val="50000"/>
-                </a:schemeClr>
-              </a:buClr>
-              <a:buFont typeface="Wingdings" pitchFamily="2" charset="2"/>
-              <a:buChar char="§"/>
-              <a:defRPr sz="1600"/>
-            </a:lvl2pPr>
-            <a:lvl3pPr marL="628650" indent="-180975" defTabSz="914400" latinLnBrk="1">
-              <a:lnSpc>
-                <a:spcPct val="150000"/>
-              </a:lnSpc>
-              <a:spcBef>
-                <a:spcPts val="500"/>
-              </a:spcBef>
-              <a:spcAft>
-                <a:spcPts val="300"/>
-              </a:spcAft>
-              <a:buClr>
-                <a:schemeClr val="tx1">
-                  <a:lumMod val="65000"/>
-                  <a:lumOff val="35000"/>
-                </a:schemeClr>
-              </a:buClr>
-              <a:buFont typeface="Arial" panose="020B0604020202020204" pitchFamily="34" charset="0"/>
-              <a:buChar char="•"/>
-              <a:defRPr sz="1400"/>
-            </a:lvl3pPr>
-            <a:lvl4pPr marL="809625" indent="-180975" defTabSz="914400" latinLnBrk="1">
-              <a:lnSpc>
-                <a:spcPct val="150000"/>
-              </a:lnSpc>
-              <a:spcBef>
-                <a:spcPts val="500"/>
-              </a:spcBef>
-              <a:spcAft>
-                <a:spcPts val="300"/>
-              </a:spcAft>
-              <a:buClr>
-                <a:schemeClr val="tx1">
-                  <a:lumMod val="65000"/>
-                  <a:lumOff val="35000"/>
-                </a:schemeClr>
-              </a:buClr>
-              <a:buSzPct val="96000"/>
-              <a:buFont typeface="Arial" panose="020B0604020202020204" pitchFamily="34" charset="0"/>
-              <a:buChar char="•"/>
-              <a:defRPr sz="1200"/>
-            </a:lvl4pPr>
-            <a:lvl5pPr marL="990600" indent="-180975" defTabSz="914400" latinLnBrk="1">
-              <a:lnSpc>
-                <a:spcPct val="150000"/>
-              </a:lnSpc>
-              <a:spcBef>
-                <a:spcPts val="500"/>
-              </a:spcBef>
-              <a:buClr>
-                <a:schemeClr val="tx1">
-                  <a:lumMod val="65000"/>
-                  <a:lumOff val="35000"/>
-                </a:schemeClr>
-              </a:buClr>
-              <a:buFont typeface="Arial" panose="020B0604020202020204" pitchFamily="34" charset="0"/>
-              <a:buChar char="•"/>
-              <a:defRPr sz="1000"/>
-            </a:lvl5pPr>
-            <a:lvl6pPr marL="2514600" indent="-228600" defTabSz="914400" latinLnBrk="1">
-              <a:lnSpc>
-                <a:spcPct val="90000"/>
-              </a:lnSpc>
-              <a:spcBef>
-                <a:spcPts val="500"/>
-              </a:spcBef>
-              <a:buFont typeface="Arial" panose="020B0604020202020204" pitchFamily="34" charset="0"/>
-              <a:buChar char="•"/>
-            </a:lvl6pPr>
-            <a:lvl7pPr marL="2971800" indent="-228600" defTabSz="914400" latinLnBrk="1">
-              <a:lnSpc>
-                <a:spcPct val="90000"/>
-              </a:lnSpc>
-              <a:spcBef>
-                <a:spcPts val="500"/>
-              </a:spcBef>
-              <a:buFont typeface="Arial" panose="020B0604020202020204" pitchFamily="34" charset="0"/>
-              <a:buChar char="•"/>
-            </a:lvl7pPr>
-            <a:lvl8pPr marL="3429000" indent="-228600" defTabSz="914400" latinLnBrk="1">
-              <a:lnSpc>
-                <a:spcPct val="90000"/>
-              </a:lnSpc>
-              <a:spcBef>
-                <a:spcPts val="500"/>
-              </a:spcBef>
-              <a:buFont typeface="Arial" panose="020B0604020202020204" pitchFamily="34" charset="0"/>
-              <a:buChar char="•"/>
-            </a:lvl8pPr>
-            <a:lvl9pPr marL="3886200" indent="-228600" defTabSz="914400" latinLnBrk="1">
-              <a:lnSpc>
-                <a:spcPct val="90000"/>
-              </a:lnSpc>
-              <a:spcBef>
-                <a:spcPts val="500"/>
-              </a:spcBef>
-              <a:buFont typeface="Arial" panose="020B0604020202020204" pitchFamily="34" charset="0"/>
-              <a:buChar char="•"/>
-            </a:lvl9pPr>
-          </a:lstStyle>
-          <a:p>
-            <a:r>
-              <a:rPr lang="ko-KR" altLang="en-US" dirty="0"/>
-              <a:t>협업 활동 </a:t>
-            </a:r>
-            <a:r>
-              <a:rPr lang="en-US" altLang="ko-KR" dirty="0"/>
-              <a:t>(</a:t>
-            </a:r>
-            <a:r>
-              <a:rPr lang="ko-KR" altLang="en-US" dirty="0"/>
-              <a:t>제안자에게 통보됨</a:t>
-            </a:r>
-            <a:r>
-              <a:rPr lang="en-US" altLang="ko-KR" dirty="0"/>
-              <a:t>)</a:t>
-            </a:r>
-          </a:p>
-          <a:p>
-            <a:pPr marL="620713" lvl="1" indent="-169863"/>
-            <a:r>
-              <a:rPr lang="en-US" altLang="ko-KR" dirty="0">
-                <a:latin typeface="+mn-ea"/>
-              </a:rPr>
-              <a:t>PR</a:t>
-            </a:r>
-            <a:r>
-              <a:rPr lang="ko-KR" altLang="en-US" dirty="0">
-                <a:latin typeface="+mn-ea"/>
-              </a:rPr>
-              <a:t>한 사람</a:t>
-            </a:r>
-            <a:r>
-              <a:rPr lang="en-US" altLang="ko-KR" dirty="0">
-                <a:latin typeface="+mn-ea"/>
-              </a:rPr>
-              <a:t>(</a:t>
-            </a:r>
-            <a:r>
-              <a:rPr lang="en-US" altLang="ko-KR" dirty="0" err="1">
-                <a:latin typeface="+mn-ea"/>
-              </a:rPr>
-              <a:t>MaStoTest</a:t>
-            </a:r>
-            <a:r>
-              <a:rPr lang="en-US" altLang="ko-KR" dirty="0">
-                <a:latin typeface="+mn-ea"/>
-              </a:rPr>
-              <a:t>)</a:t>
-            </a:r>
-            <a:r>
-              <a:rPr lang="ko-KR" altLang="en-US" dirty="0">
-                <a:latin typeface="+mn-ea"/>
-              </a:rPr>
-              <a:t>에게</a:t>
-            </a:r>
-            <a:r>
-              <a:rPr lang="en-US" altLang="ko-KR" dirty="0">
-                <a:latin typeface="+mn-ea"/>
-              </a:rPr>
-              <a:t> </a:t>
-            </a:r>
-            <a:r>
-              <a:rPr lang="ko-KR" altLang="en-US" dirty="0">
-                <a:latin typeface="+mn-ea"/>
-              </a:rPr>
-              <a:t>통보</a:t>
-            </a:r>
-            <a:endParaRPr lang="en-US" altLang="ko-KR" dirty="0">
-              <a:latin typeface="+mn-ea"/>
-            </a:endParaRPr>
-          </a:p>
-          <a:p>
-            <a:pPr marL="609600" lvl="1" indent="-158750">
-              <a:buFont typeface="+mj-ea"/>
-              <a:buAutoNum type="circleNumDbPlain"/>
-            </a:pPr>
-            <a:endParaRPr lang="en-US" altLang="ko-KR" dirty="0">
-              <a:latin typeface="+mn-ea"/>
-            </a:endParaRPr>
-          </a:p>
-          <a:p>
-            <a:pPr marL="450850" lvl="1" indent="0">
-              <a:buNone/>
-            </a:pPr>
-            <a:endParaRPr lang="en-US" altLang="ko-KR" dirty="0">
-              <a:latin typeface="+mn-ea"/>
-            </a:endParaRPr>
-          </a:p>
-          <a:p>
-            <a:pPr lvl="1"/>
-            <a:endParaRPr lang="en-US" altLang="ko-KR" dirty="0">
-              <a:latin typeface="+mn-ea"/>
-            </a:endParaRPr>
-          </a:p>
-          <a:p>
-            <a:pPr lvl="1"/>
-            <a:endParaRPr lang="en-US" altLang="ko-KR" dirty="0">
-              <a:latin typeface="+mn-ea"/>
-            </a:endParaRPr>
-          </a:p>
-          <a:p>
-            <a:pPr lvl="1"/>
-            <a:endParaRPr lang="en-US" altLang="ko-KR" dirty="0">
-              <a:latin typeface="+mn-ea"/>
-            </a:endParaRPr>
-          </a:p>
-          <a:p>
-            <a:pPr lvl="1"/>
-            <a:endParaRPr lang="en-US" altLang="ko-KR" dirty="0">
-              <a:latin typeface="+mn-ea"/>
-            </a:endParaRPr>
-          </a:p>
-          <a:p>
-            <a:pPr lvl="1"/>
-            <a:endParaRPr lang="en-US" altLang="ko-KR" dirty="0">
-              <a:latin typeface="+mn-ea"/>
-            </a:endParaRPr>
-          </a:p>
-          <a:p>
-            <a:pPr lvl="1"/>
-            <a:endParaRPr lang="en-US" altLang="ko-KR" dirty="0">
-              <a:latin typeface="+mn-ea"/>
-            </a:endParaRPr>
-          </a:p>
-          <a:p>
-            <a:pPr lvl="1"/>
-            <a:endParaRPr lang="en-US" altLang="ko-KR" dirty="0">
-              <a:latin typeface="+mn-ea"/>
-            </a:endParaRPr>
-          </a:p>
-        </p:txBody>
-      </p:sp>
-      <p:sp>
-        <p:nvSpPr>
-          <p:cNvPr id="11" name="제목 3">
-            <a:extLst>
-              <a:ext uri="{FF2B5EF4-FFF2-40B4-BE49-F238E27FC236}">
-                <a16:creationId xmlns:a16="http://schemas.microsoft.com/office/drawing/2014/main" id="{F0CEB32B-CB43-4410-BA08-A97E4BC47FCB}"/>
-              </a:ext>
-            </a:extLst>
-          </p:cNvPr>
-          <p:cNvSpPr>
-            <a:spLocks noGrp="1"/>
-          </p:cNvSpPr>
-          <p:nvPr>
-            <p:ph type="title"/>
-          </p:nvPr>
-        </p:nvSpPr>
-        <p:spPr>
-          <a:xfrm>
-            <a:off x="539551" y="192300"/>
-            <a:ext cx="7272113" cy="576064"/>
-          </a:xfrm>
-        </p:spPr>
-        <p:txBody>
-          <a:bodyPr/>
-          <a:lstStyle/>
-          <a:p>
-            <a:r>
-              <a:rPr lang="ko-KR" altLang="en-US" dirty="0"/>
-              <a:t>협업하기 </a:t>
-            </a:r>
-            <a:r>
-              <a:rPr lang="en-US" altLang="ko-KR" dirty="0"/>
-              <a:t>(collaborator </a:t>
-            </a:r>
-            <a:r>
-              <a:rPr lang="ko-KR" altLang="en-US" dirty="0"/>
-              <a:t>활동</a:t>
-            </a:r>
-            <a:r>
-              <a:rPr lang="en-US" altLang="ko-KR" dirty="0"/>
-              <a:t>)</a:t>
-            </a:r>
-            <a:endParaRPr lang="ko-KR" altLang="en-US" dirty="0"/>
-          </a:p>
-        </p:txBody>
-      </p:sp>
-      <p:pic>
-        <p:nvPicPr>
-          <p:cNvPr id="2" name="그림 1"/>
-          <p:cNvPicPr>
-            <a:picLocks noChangeAspect="1"/>
-          </p:cNvPicPr>
-          <p:nvPr/>
-        </p:nvPicPr>
-        <p:blipFill>
-          <a:blip r:embed="rId3"/>
-          <a:stretch>
-            <a:fillRect/>
-          </a:stretch>
-        </p:blipFill>
-        <p:spPr>
-          <a:xfrm>
-            <a:off x="341787" y="1963248"/>
-            <a:ext cx="8467725" cy="4314825"/>
-          </a:xfrm>
-          <a:prstGeom prst="rect">
-            <a:avLst/>
-          </a:prstGeom>
-        </p:spPr>
-      </p:pic>
-      <p:sp>
-        <p:nvSpPr>
-          <p:cNvPr id="6" name="직사각형 5">
-            <a:extLst>
-              <a:ext uri="{FF2B5EF4-FFF2-40B4-BE49-F238E27FC236}">
-                <a16:creationId xmlns:a16="http://schemas.microsoft.com/office/drawing/2014/main" id="{42E77EDC-1C0F-48D7-B49C-8EFD59FA447A}"/>
-              </a:ext>
-            </a:extLst>
-          </p:cNvPr>
-          <p:cNvSpPr/>
-          <p:nvPr/>
-        </p:nvSpPr>
-        <p:spPr>
-          <a:xfrm flipH="1">
-            <a:off x="539551" y="4326900"/>
-            <a:ext cx="2824972" cy="1136054"/>
-          </a:xfrm>
-          <a:prstGeom prst="rect">
-            <a:avLst/>
-          </a:prstGeom>
-          <a:noFill/>
           <a:ln w="28575">
             <a:solidFill>
               <a:srgbClr val="FF0000"/>
@@ -40076,65 +40597,24 @@
           </a:ln>
         </p:spPr>
         <p:style>
-          <a:lnRef idx="2">
-            <a:schemeClr val="accent1">
-              <a:shade val="50000"/>
-            </a:schemeClr>
+          <a:lnRef idx="1">
+            <a:schemeClr val="accent1"/>
           </a:lnRef>
-          <a:fillRef idx="1">
+          <a:fillRef idx="0">
             <a:schemeClr val="accent1"/>
           </a:fillRef>
           <a:effectRef idx="0">
             <a:schemeClr val="accent1"/>
           </a:effectRef>
           <a:fontRef idx="minor">
-            <a:schemeClr val="lt1"/>
+            <a:schemeClr val="tx1"/>
           </a:fontRef>
         </p:style>
-        <p:txBody>
-          <a:bodyPr rtlCol="0" anchor="ctr"/>
-          <a:lstStyle/>
-          <a:p>
-            <a:endParaRPr lang="ko-KR" altLang="en-US" b="1" dirty="0">
-              <a:solidFill>
-                <a:srgbClr val="FF0000"/>
-              </a:solidFill>
-            </a:endParaRPr>
-          </a:p>
-        </p:txBody>
-      </p:sp>
-      <p:sp>
-        <p:nvSpPr>
-          <p:cNvPr id="3" name="슬라이드 번호 개체 틀 2"/>
-          <p:cNvSpPr>
-            <a:spLocks noGrp="1"/>
-          </p:cNvSpPr>
-          <p:nvPr>
-            <p:ph type="sldNum" sz="quarter" idx="12"/>
-          </p:nvPr>
-        </p:nvSpPr>
-        <p:spPr/>
-        <p:txBody>
-          <a:bodyPr/>
-          <a:lstStyle/>
-          <a:p>
-            <a:fld id="{526ADF51-C4A2-4521-899C-87F34FDB9C0A}" type="slidenum">
-              <a:rPr lang="ko-KR" altLang="en-US" smtClean="0"/>
-              <a:pPr/>
-              <a:t>58</a:t>
-            </a:fld>
-            <a:r>
-              <a:rPr lang="en-US" altLang="ko-KR"/>
-              <a:t>/76</a:t>
-            </a:r>
-            <a:endParaRPr lang="ko-KR" altLang="en-US" dirty="0"/>
-          </a:p>
-        </p:txBody>
-      </p:sp>
+      </p:cxnSp>
     </p:spTree>
     <p:extLst>
       <p:ext uri="{BB962C8B-B14F-4D97-AF65-F5344CB8AC3E}">
-        <p14:creationId xmlns:p14="http://schemas.microsoft.com/office/powerpoint/2010/main" val="4046030852"/>
+        <p14:creationId xmlns:p14="http://schemas.microsoft.com/office/powerpoint/2010/main" val="4229552661"/>
       </p:ext>
     </p:extLst>
   </p:cSld>
@@ -41145,7 +41625,7 @@
       </p:grpSpPr>
       <p:pic>
         <p:nvPicPr>
-          <p:cNvPr id="2" name="그림 1"/>
+          <p:cNvPr id="4" name="그림 3"/>
           <p:cNvPicPr>
             <a:picLocks noChangeAspect="1"/>
           </p:cNvPicPr>
@@ -41159,8 +41639,8 @@
         </p:blipFill>
         <p:spPr>
           <a:xfrm>
-            <a:off x="1038225" y="3908833"/>
-            <a:ext cx="7686675" cy="1390650"/>
+            <a:off x="1120919" y="3873664"/>
+            <a:ext cx="7705725" cy="1400175"/>
           </a:xfrm>
           <a:prstGeom prst="rect">
             <a:avLst/>
@@ -41702,7 +42182,7 @@
         </p:nvSpPr>
         <p:spPr>
           <a:xfrm>
-            <a:off x="7544263" y="3873664"/>
+            <a:off x="7571973" y="3832099"/>
             <a:ext cx="1180637" cy="264582"/>
           </a:xfrm>
           <a:prstGeom prst="rect">
@@ -42173,7 +42653,16 @@
                 </a:solidFill>
                 <a:latin typeface="+mn-ea"/>
               </a:rPr>
-              <a:t> 확인</a:t>
+              <a:t> </a:t>
+            </a:r>
+            <a:r>
+              <a:rPr lang="ko-KR" altLang="en-US" dirty="0" smtClean="0">
+                <a:solidFill>
+                  <a:srgbClr val="0000FF"/>
+                </a:solidFill>
+                <a:latin typeface="+mn-ea"/>
+              </a:rPr>
+              <a:t>확인</a:t>
             </a:r>
             <a:endParaRPr lang="en-US" altLang="ko-KR" dirty="0">
               <a:solidFill>
@@ -42186,11 +42675,72 @@
             <a:pPr marL="450850" lvl="1" indent="0">
               <a:buNone/>
             </a:pPr>
+            <a:endParaRPr lang="en-US" altLang="ko-KR" dirty="0" smtClean="0">
+              <a:solidFill>
+                <a:srgbClr val="0000FF"/>
+              </a:solidFill>
+              <a:latin typeface="+mn-ea"/>
+            </a:endParaRPr>
+          </a:p>
+          <a:p>
+            <a:pPr marL="450850" lvl="1" indent="0">
+              <a:buNone/>
+            </a:pPr>
+            <a:endParaRPr lang="en-US" altLang="ko-KR" dirty="0" smtClean="0">
+              <a:solidFill>
+                <a:srgbClr val="0000FF"/>
+              </a:solidFill>
+              <a:latin typeface="+mn-ea"/>
+            </a:endParaRPr>
+          </a:p>
+          <a:p>
+            <a:pPr marL="450850" lvl="1" indent="0">
+              <a:buNone/>
+            </a:pPr>
+            <a:endParaRPr lang="en-US" altLang="ko-KR" dirty="0">
+              <a:solidFill>
+                <a:srgbClr val="0000FF"/>
+              </a:solidFill>
+              <a:latin typeface="+mn-ea"/>
+            </a:endParaRPr>
+          </a:p>
+          <a:p>
+            <a:pPr marL="450850" lvl="1" indent="0">
+              <a:buNone/>
+            </a:pPr>
+            <a:endParaRPr lang="en-US" altLang="ko-KR" dirty="0" smtClean="0">
+              <a:solidFill>
+                <a:srgbClr val="0000FF"/>
+              </a:solidFill>
+              <a:latin typeface="+mn-ea"/>
+            </a:endParaRPr>
+          </a:p>
+          <a:p>
+            <a:pPr marL="450850" lvl="1" indent="0">
+              <a:buNone/>
+            </a:pPr>
+            <a:endParaRPr lang="en-US" altLang="ko-KR" sz="500" dirty="0">
+              <a:solidFill>
+                <a:srgbClr val="0000FF"/>
+              </a:solidFill>
+              <a:latin typeface="+mn-ea"/>
+            </a:endParaRPr>
+          </a:p>
+          <a:p>
+            <a:pPr marL="450850" lvl="1" indent="0">
+              <a:buNone/>
+            </a:pPr>
+            <a:r>
+              <a:rPr lang="en-US" altLang="ko-KR" dirty="0" smtClean="0">
+                <a:latin typeface="+mn-ea"/>
+              </a:rPr>
+              <a:t>    </a:t>
+            </a:r>
             <a:r>
               <a:rPr lang="en-US" altLang="ko-KR" dirty="0">
                 <a:latin typeface="+mn-ea"/>
               </a:rPr>
-              <a:t>    ☞ </a:t>
+              <a:t>☞ </a:t>
             </a:r>
             <a:r>
               <a:rPr lang="en-US" altLang="ko-KR" dirty="0" err="1">
@@ -42265,25 +42815,25 @@
               <a:t> </a:t>
             </a:r>
             <a:r>
-              <a:rPr lang="en-US" altLang="ko-KR" dirty="0">
+              <a:rPr lang="en-US" altLang="ko-KR" dirty="0" smtClean="0">
                 <a:latin typeface="+mn-ea"/>
               </a:rPr>
               <a:t>(</a:t>
             </a:r>
             <a:r>
-              <a:rPr lang="en-US" altLang="ko-KR" dirty="0" err="1">
-                <a:latin typeface="+mn-ea"/>
-              </a:rPr>
-              <a:t>fasthill</a:t>
-            </a:r>
-            <a:r>
-              <a:rPr lang="en-US" altLang="ko-KR" dirty="0">
+              <a:rPr lang="en-US" altLang="ko-KR" dirty="0" err="1" smtClean="0">
+                <a:latin typeface="+mn-ea"/>
+              </a:rPr>
+              <a:t>paichaisw</a:t>
+            </a:r>
+            <a:r>
+              <a:rPr lang="en-US" altLang="ko-KR" dirty="0" smtClean="0">
                 <a:latin typeface="+mn-ea"/>
               </a:rPr>
               <a:t>/</a:t>
             </a:r>
             <a:r>
-              <a:rPr lang="en-US" altLang="ko-KR" dirty="0" err="1">
+              <a:rPr lang="en-US" altLang="ko-KR" dirty="0" err="1" smtClean="0">
                 <a:latin typeface="+mn-ea"/>
               </a:rPr>
               <a:t>paichai_project</a:t>
@@ -42518,6 +43068,30 @@
           </a:p>
         </p:txBody>
       </p:sp>
+      <p:pic>
+        <p:nvPicPr>
+          <p:cNvPr id="3" name="그림 2"/>
+          <p:cNvPicPr>
+            <a:picLocks noChangeAspect="1"/>
+          </p:cNvPicPr>
+          <p:nvPr/>
+        </p:nvPicPr>
+        <p:blipFill>
+          <a:blip r:embed="rId3"/>
+          <a:stretch>
+            <a:fillRect/>
+          </a:stretch>
+        </p:blipFill>
+        <p:spPr>
+          <a:xfrm>
+            <a:off x="1011712" y="2778268"/>
+            <a:ext cx="7972425" cy="1495425"/>
+          </a:xfrm>
+          <a:prstGeom prst="rect">
+            <a:avLst/>
+          </a:prstGeom>
+        </p:spPr>
+      </p:pic>
     </p:spTree>
     <p:extLst>
       <p:ext uri="{BB962C8B-B14F-4D97-AF65-F5344CB8AC3E}">
@@ -42550,7 +43124,7 @@
       </p:grpSpPr>
       <p:pic>
         <p:nvPicPr>
-          <p:cNvPr id="3" name="그림 2"/>
+          <p:cNvPr id="4" name="그림 3"/>
           <p:cNvPicPr>
             <a:picLocks noChangeAspect="1"/>
           </p:cNvPicPr>
@@ -42564,8 +43138,8 @@
         </p:blipFill>
         <p:spPr>
           <a:xfrm>
-            <a:off x="680240" y="2143823"/>
-            <a:ext cx="7992639" cy="4112467"/>
+            <a:off x="696293" y="2022738"/>
+            <a:ext cx="7929897" cy="4250490"/>
           </a:xfrm>
           <a:prstGeom prst="rect">
             <a:avLst/>
@@ -42869,7 +43443,7 @@
         </p:nvSpPr>
         <p:spPr>
           <a:xfrm>
-            <a:off x="2268878" y="2644664"/>
+            <a:off x="2268878" y="2478404"/>
             <a:ext cx="1180637" cy="264582"/>
           </a:xfrm>
           <a:prstGeom prst="rect">
@@ -42921,7 +43495,7 @@
         </p:nvSpPr>
         <p:spPr>
           <a:xfrm>
-            <a:off x="3324568" y="2180276"/>
+            <a:off x="3324568" y="2014016"/>
             <a:ext cx="2091494" cy="307777"/>
           </a:xfrm>
           <a:prstGeom prst="rect">
@@ -42963,7 +43537,7 @@
         </p:nvCxnSpPr>
         <p:spPr>
           <a:xfrm flipH="1">
-            <a:off x="3153508" y="2390341"/>
+            <a:off x="3153508" y="2224081"/>
             <a:ext cx="527538" cy="254323"/>
           </a:xfrm>
           <a:prstGeom prst="straightConnector1">
@@ -43051,7 +43625,7 @@
       </p:grpSpPr>
       <p:pic>
         <p:nvPicPr>
-          <p:cNvPr id="5" name="그림 4"/>
+          <p:cNvPr id="8" name="그림 7"/>
           <p:cNvPicPr>
             <a:picLocks noChangeAspect="1"/>
           </p:cNvPicPr>
@@ -43065,8 +43639,8 @@
         </p:blipFill>
         <p:spPr>
           <a:xfrm>
-            <a:off x="539551" y="3869347"/>
-            <a:ext cx="7753350" cy="2343150"/>
+            <a:off x="539551" y="3797885"/>
+            <a:ext cx="6679331" cy="2269260"/>
           </a:xfrm>
           <a:prstGeom prst="rect">
             <a:avLst/>
@@ -43075,7 +43649,7 @@
       </p:pic>
       <p:pic>
         <p:nvPicPr>
-          <p:cNvPr id="4" name="그림 3"/>
+          <p:cNvPr id="6" name="그림 5"/>
           <p:cNvPicPr>
             <a:picLocks noChangeAspect="1"/>
           </p:cNvPicPr>
@@ -43089,8 +43663,8 @@
         </p:blipFill>
         <p:spPr>
           <a:xfrm>
-            <a:off x="539551" y="2197903"/>
-            <a:ext cx="7959681" cy="1453021"/>
+            <a:off x="341787" y="2064707"/>
+            <a:ext cx="8627060" cy="1666982"/>
           </a:xfrm>
           <a:prstGeom prst="rect">
             <a:avLst/>
@@ -43355,8 +43929,8 @@
         </p:nvSpPr>
         <p:spPr>
           <a:xfrm>
-            <a:off x="928015" y="3130062"/>
-            <a:ext cx="2917154" cy="209410"/>
+            <a:off x="722592" y="3130061"/>
+            <a:ext cx="3336790" cy="239534"/>
           </a:xfrm>
           <a:prstGeom prst="rect">
             <a:avLst/>
@@ -43459,7 +44033,7 @@
         </p:nvSpPr>
         <p:spPr>
           <a:xfrm>
-            <a:off x="3944910" y="3130062"/>
+            <a:off x="4374403" y="3130062"/>
             <a:ext cx="942632" cy="307777"/>
           </a:xfrm>
           <a:prstGeom prst="rect">
@@ -43475,18 +44049,13 @@
           <a:p>
             <a:pPr algn="ctr"/>
             <a:r>
-              <a:rPr lang="ko-KR" altLang="en-US" sz="1400">
+              <a:rPr lang="ko-KR" altLang="en-US" sz="1400" dirty="0">
                 <a:solidFill>
                   <a:srgbClr val="FF0000"/>
                 </a:solidFill>
               </a:rPr>
               <a:t>클릭하고</a:t>
             </a:r>
-            <a:endParaRPr lang="ko-KR" altLang="en-US" sz="1400" dirty="0">
-              <a:solidFill>
-                <a:srgbClr val="FF0000"/>
-              </a:solidFill>
-            </a:endParaRPr>
           </a:p>
         </p:txBody>
       </p:sp>
@@ -43820,7 +44389,7 @@
       </p:grpSpPr>
       <p:pic>
         <p:nvPicPr>
-          <p:cNvPr id="2" name="그림 1"/>
+          <p:cNvPr id="4" name="그림 3"/>
           <p:cNvPicPr>
             <a:picLocks noChangeAspect="1"/>
           </p:cNvPicPr>
@@ -43834,8 +44403,8 @@
         </p:blipFill>
         <p:spPr>
           <a:xfrm>
-            <a:off x="341787" y="2074769"/>
-            <a:ext cx="8463287" cy="4017330"/>
+            <a:off x="733503" y="1998145"/>
+            <a:ext cx="8085426" cy="4165942"/>
           </a:xfrm>
           <a:prstGeom prst="rect">
             <a:avLst/>
@@ -44112,8 +44681,8 @@
         </p:nvSpPr>
         <p:spPr>
           <a:xfrm>
-            <a:off x="4930016" y="4625863"/>
-            <a:ext cx="3875058" cy="415059"/>
+            <a:off x="5013146" y="4681283"/>
+            <a:ext cx="3410420" cy="415059"/>
           </a:xfrm>
           <a:prstGeom prst="rect">
             <a:avLst/>
@@ -44164,7 +44733,7 @@
         </p:nvSpPr>
         <p:spPr>
           <a:xfrm>
-            <a:off x="2972875" y="5784322"/>
+            <a:off x="3818000" y="5825887"/>
             <a:ext cx="2091494" cy="307777"/>
           </a:xfrm>
           <a:prstGeom prst="rect">
@@ -44282,7 +44851,7 @@
       </p:grpSpPr>
       <p:pic>
         <p:nvPicPr>
-          <p:cNvPr id="3" name="그림 2"/>
+          <p:cNvPr id="5" name="그림 4"/>
           <p:cNvPicPr>
             <a:picLocks noChangeAspect="1"/>
           </p:cNvPicPr>
@@ -44296,8 +44865,32 @@
         </p:blipFill>
         <p:spPr>
           <a:xfrm>
-            <a:off x="819883" y="2037984"/>
-            <a:ext cx="7105650" cy="3743325"/>
+            <a:off x="1298624" y="3768753"/>
+            <a:ext cx="6125008" cy="2952723"/>
+          </a:xfrm>
+          <a:prstGeom prst="rect">
+            <a:avLst/>
+          </a:prstGeom>
+        </p:spPr>
+      </p:pic>
+      <p:pic>
+        <p:nvPicPr>
+          <p:cNvPr id="4" name="그림 3"/>
+          <p:cNvPicPr>
+            <a:picLocks noChangeAspect="1"/>
+          </p:cNvPicPr>
+          <p:nvPr/>
+        </p:nvPicPr>
+        <p:blipFill>
+          <a:blip r:embed="rId4"/>
+          <a:stretch>
+            <a:fillRect/>
+          </a:stretch>
+        </p:blipFill>
+        <p:spPr>
+          <a:xfrm>
+            <a:off x="927582" y="2000142"/>
+            <a:ext cx="6496050" cy="1724025"/>
           </a:xfrm>
           <a:prstGeom prst="rect">
             <a:avLst/>
@@ -44574,7 +45167,7 @@
         </p:nvSpPr>
         <p:spPr>
           <a:xfrm>
-            <a:off x="979339" y="3767510"/>
+            <a:off x="1367525" y="5346927"/>
             <a:ext cx="2232784" cy="288676"/>
           </a:xfrm>
           <a:prstGeom prst="rect">
@@ -44626,7 +45219,7 @@
         </p:nvSpPr>
         <p:spPr>
           <a:xfrm>
-            <a:off x="4988631" y="4998433"/>
+            <a:off x="1656080" y="2904029"/>
             <a:ext cx="1459061" cy="288676"/>
           </a:xfrm>
           <a:prstGeom prst="rect">
@@ -44689,6 +45282,101 @@
               <a:t>/76</a:t>
             </a:r>
             <a:endParaRPr lang="ko-KR" altLang="en-US" dirty="0"/>
+          </a:p>
+        </p:txBody>
+      </p:sp>
+      <p:sp>
+        <p:nvSpPr>
+          <p:cNvPr id="9" name="TextBox 8">
+            <a:extLst>
+              <a:ext uri="{FF2B5EF4-FFF2-40B4-BE49-F238E27FC236}">
+                <a16:creationId xmlns:a16="http://schemas.microsoft.com/office/drawing/2014/main" id="{60C89C31-AA7B-40AF-8775-E2CE27F6B124}"/>
+              </a:ext>
+            </a:extLst>
+          </p:cNvPr>
+          <p:cNvSpPr txBox="1"/>
+          <p:nvPr/>
+        </p:nvSpPr>
+        <p:spPr>
+          <a:xfrm>
+            <a:off x="2095731" y="2904029"/>
+            <a:ext cx="942632" cy="307777"/>
+          </a:xfrm>
+          <a:prstGeom prst="rect">
+            <a:avLst/>
+          </a:prstGeom>
+          <a:noFill/>
+        </p:spPr>
+        <p:txBody>
+          <a:bodyPr wrap="square" lIns="0" rIns="0" rtlCol="0">
+            <a:spAutoFit/>
+          </a:bodyPr>
+          <a:lstStyle/>
+          <a:p>
+            <a:pPr algn="ctr"/>
+            <a:r>
+              <a:rPr lang="ko-KR" altLang="en-US" sz="1400" dirty="0">
+                <a:solidFill>
+                  <a:srgbClr val="FF0000"/>
+                </a:solidFill>
+              </a:rPr>
+              <a:t>클릭하고</a:t>
+            </a:r>
+          </a:p>
+        </p:txBody>
+      </p:sp>
+      <p:sp>
+        <p:nvSpPr>
+          <p:cNvPr id="13" name="직사각형 12">
+            <a:extLst>
+              <a:ext uri="{FF2B5EF4-FFF2-40B4-BE49-F238E27FC236}">
+                <a16:creationId xmlns:a16="http://schemas.microsoft.com/office/drawing/2014/main" id="{42E77EDC-1C0F-48D7-B49C-8EFD59FA447A}"/>
+              </a:ext>
+            </a:extLst>
+          </p:cNvPr>
+          <p:cNvSpPr/>
+          <p:nvPr/>
+        </p:nvSpPr>
+        <p:spPr>
+          <a:xfrm flipH="1">
+            <a:off x="5009394" y="6356350"/>
+            <a:ext cx="1155879" cy="269051"/>
+          </a:xfrm>
+          <a:prstGeom prst="rect">
+            <a:avLst/>
+          </a:prstGeom>
+          <a:noFill/>
+          <a:ln w="28575">
+            <a:solidFill>
+              <a:srgbClr val="FF0000"/>
+            </a:solidFill>
+          </a:ln>
+        </p:spPr>
+        <p:style>
+          <a:lnRef idx="2">
+            <a:schemeClr val="accent1">
+              <a:shade val="50000"/>
+            </a:schemeClr>
+          </a:lnRef>
+          <a:fillRef idx="1">
+            <a:schemeClr val="accent1"/>
+          </a:fillRef>
+          <a:effectRef idx="0">
+            <a:schemeClr val="accent1"/>
+          </a:effectRef>
+          <a:fontRef idx="minor">
+            <a:schemeClr val="lt1"/>
+          </a:fontRef>
+        </p:style>
+        <p:txBody>
+          <a:bodyPr rtlCol="0" anchor="ctr"/>
+          <a:lstStyle/>
+          <a:p>
+            <a:endParaRPr lang="ko-KR" altLang="en-US" b="1" dirty="0">
+              <a:solidFill>
+                <a:srgbClr val="FF0000"/>
+              </a:solidFill>
+            </a:endParaRPr>
           </a:p>
         </p:txBody>
       </p:sp>
@@ -44722,6 +45410,30 @@
           <a:chExt cx="0" cy="0"/>
         </a:xfrm>
       </p:grpSpPr>
+      <p:pic>
+        <p:nvPicPr>
+          <p:cNvPr id="4" name="그림 3"/>
+          <p:cNvPicPr>
+            <a:picLocks noChangeAspect="1"/>
+          </p:cNvPicPr>
+          <p:nvPr/>
+        </p:nvPicPr>
+        <p:blipFill>
+          <a:blip r:embed="rId3"/>
+          <a:stretch>
+            <a:fillRect/>
+          </a:stretch>
+        </p:blipFill>
+        <p:spPr>
+          <a:xfrm>
+            <a:off x="936158" y="1957821"/>
+            <a:ext cx="7277100" cy="4133850"/>
+          </a:xfrm>
+          <a:prstGeom prst="rect">
+            <a:avLst/>
+          </a:prstGeom>
+        </p:spPr>
+      </p:pic>
       <p:sp>
         <p:nvSpPr>
           <p:cNvPr id="7" name="내용 개체 틀 2">
@@ -45049,30 +45761,6 @@
           </a:p>
         </p:txBody>
       </p:sp>
-      <p:pic>
-        <p:nvPicPr>
-          <p:cNvPr id="2" name="그림 1"/>
-          <p:cNvPicPr>
-            <a:picLocks noChangeAspect="1"/>
-          </p:cNvPicPr>
-          <p:nvPr/>
-        </p:nvPicPr>
-        <p:blipFill>
-          <a:blip r:embed="rId3"/>
-          <a:stretch>
-            <a:fillRect/>
-          </a:stretch>
-        </p:blipFill>
-        <p:spPr>
-          <a:xfrm>
-            <a:off x="662354" y="2016370"/>
-            <a:ext cx="7772400" cy="4114800"/>
-          </a:xfrm>
-          <a:prstGeom prst="rect">
-            <a:avLst/>
-          </a:prstGeom>
-        </p:spPr>
-      </p:pic>
       <p:sp>
         <p:nvSpPr>
           <p:cNvPr id="5" name="직사각형 4">
@@ -45087,7 +45775,7 @@
         </p:nvSpPr>
         <p:spPr>
           <a:xfrm flipH="1">
-            <a:off x="936158" y="4569271"/>
+            <a:off x="936158" y="4167489"/>
             <a:ext cx="2824972" cy="1136054"/>
           </a:xfrm>
           <a:prstGeom prst="rect">
@@ -45153,6 +45841,105 @@
               <a:t>/76</a:t>
             </a:r>
             <a:endParaRPr lang="ko-KR" altLang="en-US" dirty="0"/>
+          </a:p>
+        </p:txBody>
+      </p:sp>
+      <p:sp>
+        <p:nvSpPr>
+          <p:cNvPr id="8" name="직사각형 7">
+            <a:extLst>
+              <a:ext uri="{FF2B5EF4-FFF2-40B4-BE49-F238E27FC236}">
+                <a16:creationId xmlns:a16="http://schemas.microsoft.com/office/drawing/2014/main" id="{42E77EDC-1C0F-48D7-B49C-8EFD59FA447A}"/>
+              </a:ext>
+            </a:extLst>
+          </p:cNvPr>
+          <p:cNvSpPr/>
+          <p:nvPr/>
+        </p:nvSpPr>
+        <p:spPr>
+          <a:xfrm flipH="1">
+            <a:off x="2576945" y="5705188"/>
+            <a:ext cx="1025236" cy="266121"/>
+          </a:xfrm>
+          <a:prstGeom prst="rect">
+            <a:avLst/>
+          </a:prstGeom>
+          <a:noFill/>
+          <a:ln w="28575">
+            <a:solidFill>
+              <a:srgbClr val="FF0000"/>
+            </a:solidFill>
+          </a:ln>
+        </p:spPr>
+        <p:style>
+          <a:lnRef idx="2">
+            <a:schemeClr val="accent1">
+              <a:shade val="50000"/>
+            </a:schemeClr>
+          </a:lnRef>
+          <a:fillRef idx="1">
+            <a:schemeClr val="accent1"/>
+          </a:fillRef>
+          <a:effectRef idx="0">
+            <a:schemeClr val="accent1"/>
+          </a:effectRef>
+          <a:fontRef idx="minor">
+            <a:schemeClr val="lt1"/>
+          </a:fontRef>
+        </p:style>
+        <p:txBody>
+          <a:bodyPr rtlCol="0" anchor="ctr"/>
+          <a:lstStyle/>
+          <a:p>
+            <a:endParaRPr lang="ko-KR" altLang="en-US" b="1" dirty="0">
+              <a:solidFill>
+                <a:srgbClr val="FF0000"/>
+              </a:solidFill>
+            </a:endParaRPr>
+          </a:p>
+        </p:txBody>
+      </p:sp>
+      <p:sp>
+        <p:nvSpPr>
+          <p:cNvPr id="9" name="TextBox 8">
+            <a:extLst>
+              <a:ext uri="{FF2B5EF4-FFF2-40B4-BE49-F238E27FC236}">
+                <a16:creationId xmlns:a16="http://schemas.microsoft.com/office/drawing/2014/main" id="{60C89C31-AA7B-40AF-8775-E2CE27F6B124}"/>
+              </a:ext>
+            </a:extLst>
+          </p:cNvPr>
+          <p:cNvSpPr txBox="1"/>
+          <p:nvPr/>
+        </p:nvSpPr>
+        <p:spPr>
+          <a:xfrm>
+            <a:off x="3666166" y="5841422"/>
+            <a:ext cx="1210634" cy="307777"/>
+          </a:xfrm>
+          <a:prstGeom prst="rect">
+            <a:avLst/>
+          </a:prstGeom>
+          <a:noFill/>
+        </p:spPr>
+        <p:txBody>
+          <a:bodyPr wrap="square" lIns="0" rIns="0" rtlCol="0">
+            <a:spAutoFit/>
+          </a:bodyPr>
+          <a:lstStyle/>
+          <a:p>
+            <a:r>
+              <a:rPr lang="ko-KR" altLang="en-US" sz="1400" smtClean="0">
+                <a:solidFill>
+                  <a:srgbClr val="FF0000"/>
+                </a:solidFill>
+              </a:rPr>
+              <a:t>클릭하여 확인 </a:t>
+            </a:r>
+            <a:endParaRPr lang="ko-KR" altLang="en-US" sz="1400" dirty="0">
+              <a:solidFill>
+                <a:srgbClr val="FF0000"/>
+              </a:solidFill>
+            </a:endParaRPr>
           </a:p>
         </p:txBody>
       </p:sp>
@@ -46302,7 +47089,7 @@
       </p:grpSpPr>
       <p:pic>
         <p:nvPicPr>
-          <p:cNvPr id="2" name="그림 1"/>
+          <p:cNvPr id="12" name="그림 11"/>
           <p:cNvPicPr>
             <a:picLocks noChangeAspect="1"/>
           </p:cNvPicPr>
@@ -46316,8 +47103,8 @@
         </p:blipFill>
         <p:spPr>
           <a:xfrm>
-            <a:off x="720094" y="1969608"/>
-            <a:ext cx="7553325" cy="1352550"/>
+            <a:off x="720355" y="3781549"/>
+            <a:ext cx="7105650" cy="2076450"/>
           </a:xfrm>
           <a:prstGeom prst="rect">
             <a:avLst/>
@@ -46326,7 +47113,7 @@
       </p:pic>
       <p:pic>
         <p:nvPicPr>
-          <p:cNvPr id="5" name="그림 4"/>
+          <p:cNvPr id="6" name="그림 5"/>
           <p:cNvPicPr>
             <a:picLocks noChangeAspect="1"/>
           </p:cNvPicPr>
@@ -46340,8 +47127,8 @@
         </p:blipFill>
         <p:spPr>
           <a:xfrm>
-            <a:off x="804352" y="3494083"/>
-            <a:ext cx="7715250" cy="1543050"/>
+            <a:off x="596530" y="1816348"/>
+            <a:ext cx="7229475" cy="1466850"/>
           </a:xfrm>
           <a:prstGeom prst="rect">
             <a:avLst/>
@@ -46410,7 +47197,7 @@
         </p:nvSpPr>
         <p:spPr>
           <a:xfrm flipH="1">
-            <a:off x="1451916" y="4676232"/>
+            <a:off x="1548897" y="5441678"/>
             <a:ext cx="1291283" cy="360901"/>
           </a:xfrm>
           <a:prstGeom prst="rect">
@@ -46679,70 +47466,65 @@
               <a:t>Merge </a:t>
             </a:r>
             <a:r>
-              <a:rPr lang="ko-KR" altLang="en-US" dirty="0">
+              <a:rPr lang="ko-KR" altLang="en-US" dirty="0" smtClean="0">
                 <a:latin typeface="+mn-ea"/>
               </a:rPr>
               <a:t>진행</a:t>
             </a:r>
-            <a:endParaRPr lang="en-US" altLang="ko-KR" dirty="0">
-              <a:latin typeface="+mn-ea"/>
-            </a:endParaRPr>
-          </a:p>
-          <a:p>
-            <a:pPr marL="609600" lvl="1" indent="-158750">
-              <a:buFont typeface="+mj-ea"/>
-              <a:buAutoNum type="circleNumDbPlain"/>
-            </a:pPr>
-            <a:endParaRPr lang="en-US" altLang="ko-KR" dirty="0">
-              <a:latin typeface="+mn-ea"/>
-            </a:endParaRPr>
-          </a:p>
-          <a:p>
-            <a:pPr marL="450850" lvl="1" indent="0">
-              <a:buNone/>
-            </a:pPr>
-            <a:endParaRPr lang="en-US" altLang="ko-KR" dirty="0">
-              <a:latin typeface="+mn-ea"/>
-            </a:endParaRPr>
-          </a:p>
-          <a:p>
-            <a:pPr lvl="1"/>
-            <a:endParaRPr lang="en-US" altLang="ko-KR" dirty="0">
-              <a:latin typeface="+mn-ea"/>
-            </a:endParaRPr>
-          </a:p>
-          <a:p>
-            <a:pPr lvl="1"/>
-            <a:endParaRPr lang="en-US" altLang="ko-KR" dirty="0">
-              <a:latin typeface="+mn-ea"/>
-            </a:endParaRPr>
-          </a:p>
-          <a:p>
-            <a:pPr lvl="1"/>
-            <a:endParaRPr lang="en-US" altLang="ko-KR" dirty="0">
-              <a:latin typeface="+mn-ea"/>
-            </a:endParaRPr>
-          </a:p>
-          <a:p>
-            <a:pPr lvl="1"/>
-            <a:endParaRPr lang="en-US" altLang="ko-KR" dirty="0">
-              <a:latin typeface="+mn-ea"/>
-            </a:endParaRPr>
-          </a:p>
-          <a:p>
-            <a:pPr lvl="1"/>
-            <a:endParaRPr lang="en-US" altLang="ko-KR" dirty="0">
-              <a:latin typeface="+mn-ea"/>
-            </a:endParaRPr>
-          </a:p>
-          <a:p>
-            <a:pPr lvl="1"/>
-            <a:endParaRPr lang="en-US" altLang="ko-KR" dirty="0">
-              <a:latin typeface="+mn-ea"/>
-            </a:endParaRPr>
-          </a:p>
-          <a:p>
-            <a:pPr lvl="1"/>
+            <a:endParaRPr lang="en-US" altLang="ko-KR" dirty="0" smtClean="0">
+              <a:latin typeface="+mn-ea"/>
+            </a:endParaRPr>
+          </a:p>
+          <a:p>
+            <a:pPr marL="620713" lvl="1" indent="-169863"/>
+            <a:endParaRPr lang="en-US" altLang="ko-KR" dirty="0">
+              <a:latin typeface="+mn-ea"/>
+            </a:endParaRPr>
+          </a:p>
+          <a:p>
+            <a:pPr marL="620713" lvl="1" indent="-169863"/>
+            <a:endParaRPr lang="en-US" altLang="ko-KR" dirty="0" smtClean="0">
+              <a:latin typeface="+mn-ea"/>
+            </a:endParaRPr>
+          </a:p>
+          <a:p>
+            <a:pPr marL="620713" lvl="1" indent="-169863"/>
+            <a:endParaRPr lang="en-US" altLang="ko-KR" dirty="0">
+              <a:latin typeface="+mn-ea"/>
+            </a:endParaRPr>
+          </a:p>
+          <a:p>
+            <a:pPr marL="620713" lvl="1" indent="-169863"/>
+            <a:endParaRPr lang="en-US" altLang="ko-KR" dirty="0" smtClean="0">
+              <a:latin typeface="+mn-ea"/>
+            </a:endParaRPr>
+          </a:p>
+          <a:p>
+            <a:pPr marL="620713" lvl="1" indent="-169863"/>
+            <a:endParaRPr lang="en-US" altLang="ko-KR" sz="1000" dirty="0">
+              <a:latin typeface="+mn-ea"/>
+            </a:endParaRPr>
+          </a:p>
+          <a:p>
+            <a:pPr marL="620713" lvl="1" indent="-169863"/>
+            <a:r>
+              <a:rPr lang="ko-KR" altLang="en-US" dirty="0" smtClean="0">
+                <a:latin typeface="+mn-ea"/>
+              </a:rPr>
+              <a:t>화면을 </a:t>
+            </a:r>
+            <a:r>
+              <a:rPr lang="en-US" altLang="ko-KR" dirty="0" smtClean="0">
+                <a:latin typeface="+mn-ea"/>
+              </a:rPr>
+              <a:t>scroll down</a:t>
+            </a:r>
+            <a:r>
+              <a:rPr lang="ko-KR" altLang="en-US" dirty="0" smtClean="0">
+                <a:latin typeface="+mn-ea"/>
+              </a:rPr>
+              <a:t>해서 </a:t>
+            </a:r>
             <a:endParaRPr lang="en-US" altLang="ko-KR" dirty="0">
               <a:latin typeface="+mn-ea"/>
             </a:endParaRPr>
@@ -46777,6 +47559,37 @@
           </a:p>
         </p:txBody>
       </p:sp>
+      <p:cxnSp>
+        <p:nvCxnSpPr>
+          <p:cNvPr id="9" name="직선 연결선 8"/>
+          <p:cNvCxnSpPr/>
+          <p:nvPr/>
+        </p:nvCxnSpPr>
+        <p:spPr>
+          <a:xfrm>
+            <a:off x="804352" y="3241633"/>
+            <a:ext cx="5333212" cy="0"/>
+          </a:xfrm>
+          <a:prstGeom prst="line">
+            <a:avLst/>
+          </a:prstGeom>
+          <a:ln w="19050"/>
+        </p:spPr>
+        <p:style>
+          <a:lnRef idx="1">
+            <a:schemeClr val="accent1"/>
+          </a:lnRef>
+          <a:fillRef idx="0">
+            <a:schemeClr val="accent1"/>
+          </a:fillRef>
+          <a:effectRef idx="0">
+            <a:schemeClr val="accent1"/>
+          </a:effectRef>
+          <a:fontRef idx="minor">
+            <a:schemeClr val="tx1"/>
+          </a:fontRef>
+        </p:style>
+      </p:cxnSp>
     </p:spTree>
     <p:extLst>
       <p:ext uri="{BB962C8B-B14F-4D97-AF65-F5344CB8AC3E}">
@@ -47726,7 +48539,15 @@
                   <a:srgbClr val="0000FF"/>
                 </a:solidFill>
               </a:rPr>
-              <a:t>연습을 위해 삭제하지 말고 다음으로</a:t>
+              <a:t>연습을 위해 삭제하지 </a:t>
+            </a:r>
+            <a:r>
+              <a:rPr lang="ko-KR" altLang="en-US" sz="1400" dirty="0" smtClean="0">
+                <a:solidFill>
+                  <a:srgbClr val="0000FF"/>
+                </a:solidFill>
+              </a:rPr>
+              <a:t>말고 초기화면으로</a:t>
             </a:r>
             <a:r>
               <a:rPr lang="en-US" altLang="ko-KR" sz="1400" dirty="0">
@@ -47734,7 +48555,15 @@
                   <a:srgbClr val="0000FF"/>
                 </a:solidFill>
               </a:rPr>
-              <a:t>…</a:t>
+              <a:t> </a:t>
+            </a:r>
+            <a:r>
+              <a:rPr lang="ko-KR" altLang="en-US" sz="1400" dirty="0" smtClean="0">
+                <a:solidFill>
+                  <a:srgbClr val="0000FF"/>
+                </a:solidFill>
+              </a:rPr>
+              <a:t>이동 </a:t>
             </a:r>
             <a:endParaRPr lang="ko-KR" altLang="en-US" sz="1400" dirty="0">
               <a:solidFill>
@@ -47804,7 +48633,7 @@
       </p:grpSpPr>
       <p:pic>
         <p:nvPicPr>
-          <p:cNvPr id="2" name="그림 1"/>
+          <p:cNvPr id="5" name="그림 4"/>
           <p:cNvPicPr>
             <a:picLocks noChangeAspect="1"/>
           </p:cNvPicPr>
@@ -47818,8 +48647,8 @@
         </p:blipFill>
         <p:spPr>
           <a:xfrm>
-            <a:off x="539551" y="1711569"/>
-            <a:ext cx="8010525" cy="3819525"/>
+            <a:off x="683099" y="1794699"/>
+            <a:ext cx="8301038" cy="4028045"/>
           </a:xfrm>
           <a:prstGeom prst="rect">
             <a:avLst/>
@@ -47888,7 +48717,7 @@
         </p:nvSpPr>
         <p:spPr>
           <a:xfrm flipH="1">
-            <a:off x="3249224" y="4078355"/>
+            <a:off x="2944424" y="4286176"/>
             <a:ext cx="1686190" cy="235737"/>
           </a:xfrm>
           <a:prstGeom prst="rect">
@@ -48126,60 +48955,9 @@
             </a:endParaRPr>
           </a:p>
           <a:p>
-            <a:pPr marL="609600" lvl="1" indent="-158750">
-              <a:buFont typeface="+mj-ea"/>
-              <a:buAutoNum type="circleNumDbPlain"/>
-            </a:pPr>
-            <a:endParaRPr lang="en-US" altLang="ko-KR" dirty="0">
-              <a:latin typeface="+mn-ea"/>
-            </a:endParaRPr>
-          </a:p>
-          <a:p>
             <a:pPr marL="450850" lvl="1" indent="0">
               <a:buNone/>
             </a:pPr>
-            <a:endParaRPr lang="en-US" altLang="ko-KR" dirty="0">
-              <a:latin typeface="+mn-ea"/>
-            </a:endParaRPr>
-          </a:p>
-          <a:p>
-            <a:pPr lvl="1"/>
-            <a:endParaRPr lang="en-US" altLang="ko-KR" dirty="0">
-              <a:latin typeface="+mn-ea"/>
-            </a:endParaRPr>
-          </a:p>
-          <a:p>
-            <a:pPr lvl="1"/>
-            <a:endParaRPr lang="en-US" altLang="ko-KR" dirty="0">
-              <a:latin typeface="+mn-ea"/>
-            </a:endParaRPr>
-          </a:p>
-          <a:p>
-            <a:pPr lvl="1"/>
-            <a:endParaRPr lang="en-US" altLang="ko-KR" dirty="0">
-              <a:latin typeface="+mn-ea"/>
-            </a:endParaRPr>
-          </a:p>
-          <a:p>
-            <a:pPr lvl="1"/>
-            <a:endParaRPr lang="en-US" altLang="ko-KR" dirty="0">
-              <a:latin typeface="+mn-ea"/>
-            </a:endParaRPr>
-          </a:p>
-          <a:p>
-            <a:pPr lvl="1"/>
-            <a:endParaRPr lang="en-US" altLang="ko-KR" dirty="0">
-              <a:latin typeface="+mn-ea"/>
-            </a:endParaRPr>
-          </a:p>
-          <a:p>
-            <a:pPr lvl="1"/>
-            <a:endParaRPr lang="en-US" altLang="ko-KR" dirty="0">
-              <a:latin typeface="+mn-ea"/>
-            </a:endParaRPr>
-          </a:p>
-          <a:p>
-            <a:pPr lvl="1"/>
             <a:endParaRPr lang="en-US" altLang="ko-KR" dirty="0">
               <a:latin typeface="+mn-ea"/>
             </a:endParaRPr>
@@ -48200,7 +48978,7 @@
         </p:nvSpPr>
         <p:spPr>
           <a:xfrm flipH="1">
-            <a:off x="1662795" y="2812476"/>
+            <a:off x="1856761" y="3020297"/>
             <a:ext cx="893118" cy="228179"/>
           </a:xfrm>
           <a:prstGeom prst="rect">
@@ -48258,7 +49036,7 @@
         <p:spPr>
           <a:xfrm>
             <a:off x="3012831" y="1711569"/>
-            <a:ext cx="1096461" cy="2366786"/>
+            <a:ext cx="1101969" cy="2444795"/>
           </a:xfrm>
           <a:prstGeom prst="straightConnector1">
             <a:avLst/>
@@ -48299,7 +49077,7 @@
         </p:nvSpPr>
         <p:spPr>
           <a:xfrm>
-            <a:off x="2095568" y="2550528"/>
+            <a:off x="2289534" y="2758349"/>
             <a:ext cx="658109" cy="307777"/>
           </a:xfrm>
           <a:prstGeom prst="rect">
@@ -48385,7 +49163,7 @@
       </p:grpSpPr>
       <p:pic>
         <p:nvPicPr>
-          <p:cNvPr id="3" name="그림 2"/>
+          <p:cNvPr id="5" name="그림 4"/>
           <p:cNvPicPr>
             <a:picLocks noChangeAspect="1"/>
           </p:cNvPicPr>
@@ -48399,8 +49177,8 @@
         </p:blipFill>
         <p:spPr>
           <a:xfrm>
-            <a:off x="539551" y="1946032"/>
-            <a:ext cx="8466922" cy="3068370"/>
+            <a:off x="341787" y="1833279"/>
+            <a:ext cx="8690700" cy="3598493"/>
           </a:xfrm>
           <a:prstGeom prst="rect">
             <a:avLst/>
@@ -48469,7 +49247,7 @@
         </p:nvSpPr>
         <p:spPr>
           <a:xfrm flipH="1">
-            <a:off x="8476752" y="4452930"/>
+            <a:off x="8532172" y="4563770"/>
             <a:ext cx="391826" cy="207206"/>
           </a:xfrm>
           <a:prstGeom prst="rect">
@@ -48781,7 +49559,7 @@
         </p:nvCxnSpPr>
         <p:spPr>
           <a:xfrm>
-            <a:off x="2203373" y="1564395"/>
+            <a:off x="2258793" y="1675235"/>
             <a:ext cx="6469292" cy="2888535"/>
           </a:xfrm>
           <a:prstGeom prst="straightConnector1">
@@ -50018,10 +50796,48 @@
               <a:t>Local </a:t>
             </a:r>
             <a:r>
+              <a:rPr lang="ko-KR" altLang="en-US" dirty="0" smtClean="0"/>
+              <a:t>작업 </a:t>
+            </a:r>
+            <a:r>
+              <a:rPr lang="en-US" altLang="ko-KR" dirty="0" smtClean="0"/>
+              <a:t>(Leader)</a:t>
+            </a:r>
+            <a:endParaRPr lang="en-US" altLang="ko-KR" dirty="0"/>
+          </a:p>
+          <a:p>
+            <a:pPr marL="534988" lvl="1" indent="-268288">
+              <a:spcBef>
+                <a:spcPts val="0"/>
+              </a:spcBef>
+              <a:spcAft>
+                <a:spcPts val="0"/>
+              </a:spcAft>
+              <a:buFont typeface="+mj-ea"/>
+              <a:buAutoNum type="circleNumDbPlain"/>
+              <a:defRPr/>
+            </a:pPr>
+            <a:r>
               <a:rPr lang="ko-KR" altLang="en-US" dirty="0"/>
-              <a:t>작업</a:t>
-            </a:r>
-            <a:endParaRPr lang="en-US" altLang="ko-KR" dirty="0"/>
+              <a:t>원격</a:t>
+            </a:r>
+            <a:r>
+              <a:rPr lang="en-US" altLang="ko-KR" dirty="0"/>
+              <a:t>repo  </a:t>
+            </a:r>
+            <a:r>
+              <a:rPr lang="ko-KR" altLang="en-US" dirty="0" smtClean="0"/>
+              <a:t>만들기 </a:t>
+            </a:r>
+            <a:r>
+              <a:rPr lang="en-US" altLang="ko-KR" dirty="0"/>
+              <a:t>(Leader</a:t>
+            </a:r>
+            <a:r>
+              <a:rPr lang="en-US" altLang="ko-KR" dirty="0" smtClean="0"/>
+              <a:t>)</a:t>
+            </a:r>
+            <a:endParaRPr lang="en-US" altLang="ko-KR" dirty="0" smtClean="0"/>
           </a:p>
           <a:p>
             <a:pPr marL="534988" lvl="1" indent="-268288">
@@ -50042,21 +50858,30 @@
               <a:defRPr/>
             </a:pPr>
             <a:r>
+              <a:rPr lang="en-US" altLang="ko-KR" dirty="0" smtClean="0"/>
+              <a:t>Push</a:t>
+            </a:r>
+            <a:r>
+              <a:rPr lang="ko-KR" altLang="en-US" dirty="0" smtClean="0"/>
+              <a:t>하기</a:t>
+            </a:r>
+            <a:r>
+              <a:rPr lang="en-US" altLang="ko-KR" dirty="0"/>
+              <a:t>, </a:t>
+            </a:r>
+            <a:r>
+              <a:rPr lang="en-US" altLang="ko-KR" dirty="0" smtClean="0"/>
+              <a:t>collaborator </a:t>
+            </a:r>
+            <a:r>
               <a:rPr lang="ko-KR" altLang="en-US" dirty="0"/>
-              <a:t>원격</a:t>
+              <a:t>추가 </a:t>
             </a:r>
             <a:r>
               <a:rPr lang="en-US" altLang="ko-KR" dirty="0"/>
-              <a:t>repo  </a:t>
-            </a:r>
-            <a:r>
-              <a:rPr lang="ko-KR" altLang="en-US" dirty="0"/>
-              <a:t>만들기</a:t>
-            </a:r>
-            <a:r>
-              <a:rPr lang="en-US" altLang="ko-KR" dirty="0"/>
-              <a:t>, collaborator</a:t>
-            </a:r>
+              <a:t>(Leader)</a:t>
+            </a:r>
+            <a:endParaRPr lang="en-US" altLang="ko-KR" dirty="0" smtClean="0"/>
           </a:p>
           <a:p>
             <a:pPr marL="534988" lvl="1" indent="-268288">
@@ -50077,12 +50902,20 @@
               <a:defRPr/>
             </a:pPr>
             <a:r>
+              <a:rPr lang="en-US" altLang="ko-KR" dirty="0" smtClean="0"/>
+              <a:t>Collab </a:t>
+            </a:r>
+            <a:r>
               <a:rPr lang="en-US" altLang="ko-KR" dirty="0"/>
-              <a:t>Push</a:t>
-            </a:r>
-            <a:r>
-              <a:rPr lang="ko-KR" altLang="en-US" dirty="0"/>
+              <a:t>clone</a:t>
+            </a:r>
+            <a:r>
+              <a:rPr lang="ko-KR" altLang="en-US" dirty="0" smtClean="0"/>
               <a:t>하기 </a:t>
+            </a:r>
+            <a:r>
+              <a:rPr lang="en-US" altLang="ko-KR" dirty="0" smtClean="0"/>
+              <a:t>(collaborator)</a:t>
             </a:r>
             <a:endParaRPr lang="en-US" altLang="ko-KR" dirty="0"/>
           </a:p>
@@ -50106,11 +50939,13 @@
             </a:pPr>
             <a:r>
               <a:rPr lang="en-US" altLang="ko-KR" dirty="0"/>
-              <a:t>Collab clone</a:t>
-            </a:r>
-            <a:r>
-              <a:rPr lang="ko-KR" altLang="en-US" dirty="0"/>
-              <a:t>하기</a:t>
+              <a:t>Create new branch </a:t>
+            </a:r>
+            <a:r>
+              <a:rPr lang="en-US" altLang="ko-KR" dirty="0">
+                <a:sym typeface="Wingdings" panose="05000000000000000000" pitchFamily="2" charset="2"/>
+              </a:rPr>
+              <a:t> change files  add  commit</a:t>
             </a:r>
             <a:endParaRPr lang="en-US" altLang="ko-KR" dirty="0"/>
           </a:p>
@@ -50134,313 +50969,68 @@
             </a:pPr>
             <a:r>
               <a:rPr lang="en-US" altLang="ko-KR" dirty="0"/>
-              <a:t>Create new branch </a:t>
+              <a:t>Push new branch </a:t>
             </a:r>
             <a:r>
               <a:rPr lang="en-US" altLang="ko-KR" dirty="0">
                 <a:sym typeface="Wingdings" panose="05000000000000000000" pitchFamily="2" charset="2"/>
               </a:rPr>
-              <a:t> change files  add  commit</a:t>
-            </a:r>
-            <a:endParaRPr lang="en-US" altLang="ko-KR" dirty="0"/>
-          </a:p>
-          <a:p>
-            <a:pPr marL="534988" lvl="1" indent="-268288">
-              <a:spcBef>
-                <a:spcPts val="0"/>
-              </a:spcBef>
-              <a:spcAft>
-                <a:spcPts val="0"/>
-              </a:spcAft>
-              <a:buClr>
-                <a:schemeClr val="tx1">
-                  <a:lumMod val="65000"/>
-                  <a:lumOff val="35000"/>
-                </a:schemeClr>
-              </a:buClr>
-              <a:buFont typeface="+mj-ea"/>
-              <a:buAutoNum type="circleNumDbPlain"/>
-              <a:defRPr/>
-            </a:pPr>
-            <a:r>
-              <a:rPr lang="en-US" altLang="ko-KR" dirty="0"/>
-              <a:t>Push new branch </a:t>
+              <a:t> </a:t>
+            </a:r>
+            <a:r>
+              <a:rPr lang="en-US" altLang="ko-KR" dirty="0" smtClean="0">
+                <a:sym typeface="Wingdings" panose="05000000000000000000" pitchFamily="2" charset="2"/>
+              </a:rPr>
+              <a:t>to</a:t>
+            </a:r>
+            <a:r>
+              <a:rPr lang="en-US" altLang="ko-KR" dirty="0" smtClean="0">
+                <a:sym typeface="Wingdings" panose="05000000000000000000" pitchFamily="2" charset="2"/>
+              </a:rPr>
+              <a:t> </a:t>
             </a:r>
             <a:r>
               <a:rPr lang="en-US" altLang="ko-KR" dirty="0">
                 <a:sym typeface="Wingdings" panose="05000000000000000000" pitchFamily="2" charset="2"/>
               </a:rPr>
-              <a:t> in main </a:t>
-            </a:r>
-            <a:r>
-              <a:rPr lang="en-US" altLang="ko-KR" dirty="0" err="1">
+              <a:t>main </a:t>
+            </a:r>
+            <a:r>
+              <a:rPr lang="en-US" altLang="ko-KR" dirty="0" err="1" smtClean="0">
                 <a:sym typeface="Wingdings" panose="05000000000000000000" pitchFamily="2" charset="2"/>
               </a:rPr>
               <a:t>github</a:t>
+            </a:r>
+            <a:r>
+              <a:rPr lang="en-US" altLang="ko-KR" dirty="0" smtClean="0">
+                <a:sym typeface="Wingdings" panose="05000000000000000000" pitchFamily="2" charset="2"/>
+              </a:rPr>
+              <a:t>(</a:t>
+            </a:r>
+            <a:r>
+              <a:rPr lang="en-US" altLang="ko-KR" dirty="0" smtClean="0">
+                <a:sym typeface="Wingdings" panose="05000000000000000000" pitchFamily="2" charset="2"/>
+              </a:rPr>
+              <a:t>origin</a:t>
+            </a:r>
+            <a:r>
+              <a:rPr lang="en-US" altLang="ko-KR" dirty="0" smtClean="0">
+                <a:sym typeface="Wingdings" panose="05000000000000000000" pitchFamily="2" charset="2"/>
+              </a:rPr>
+              <a:t>) </a:t>
             </a:r>
             <a:r>
               <a:rPr lang="en-US" altLang="ko-KR" dirty="0">
                 <a:sym typeface="Wingdings" panose="05000000000000000000" pitchFamily="2" charset="2"/>
               </a:rPr>
-              <a:t>(upstream)  compare&amp; pull </a:t>
-            </a:r>
-            <a:r>
-              <a:rPr lang="en-US" altLang="ko-KR" dirty="0" err="1">
+              <a:t> compare&amp; pull </a:t>
+            </a:r>
+            <a:r>
+              <a:rPr lang="en-US" altLang="ko-KR" dirty="0" smtClean="0">
                 <a:sym typeface="Wingdings" panose="05000000000000000000" pitchFamily="2" charset="2"/>
               </a:rPr>
-              <a:t>requ</a:t>
-            </a:r>
-            <a:r>
-              <a:rPr lang="ko-KR" altLang="en-US" dirty="0">
-                <a:sym typeface="Wingdings" panose="05000000000000000000" pitchFamily="2" charset="2"/>
-              </a:rPr>
-              <a:t>버튼 생성</a:t>
-            </a:r>
-            <a:endParaRPr lang="en-US" altLang="ko-KR" dirty="0">
-              <a:sym typeface="Wingdings" panose="05000000000000000000" pitchFamily="2" charset="2"/>
-            </a:endParaRPr>
-          </a:p>
-          <a:p>
-            <a:pPr marL="266700" lvl="1" indent="0">
-              <a:spcBef>
-                <a:spcPts val="0"/>
-              </a:spcBef>
-              <a:spcAft>
-                <a:spcPts val="0"/>
-              </a:spcAft>
-              <a:buClr>
-                <a:schemeClr val="tx1">
-                  <a:lumMod val="65000"/>
-                  <a:lumOff val="35000"/>
-                </a:schemeClr>
-              </a:buClr>
-              <a:buNone/>
-              <a:defRPr/>
-            </a:pPr>
-            <a:r>
-              <a:rPr lang="en-US" altLang="ko-KR" dirty="0">
-                <a:sym typeface="Wingdings" panose="05000000000000000000" pitchFamily="2" charset="2"/>
-              </a:rPr>
-              <a:t>     </a:t>
-            </a:r>
-          </a:p>
-          <a:p>
-            <a:pPr marL="266700" lvl="1" indent="0">
-              <a:spcBef>
-                <a:spcPts val="0"/>
-              </a:spcBef>
-              <a:spcAft>
-                <a:spcPts val="0"/>
-              </a:spcAft>
-              <a:buClr>
-                <a:schemeClr val="tx1">
-                  <a:lumMod val="65000"/>
-                  <a:lumOff val="35000"/>
-                </a:schemeClr>
-              </a:buClr>
-              <a:buNone/>
-              <a:defRPr/>
-            </a:pPr>
-            <a:r>
-              <a:rPr lang="ko-KR" altLang="en-US" dirty="0" err="1">
-                <a:sym typeface="Wingdings" panose="05000000000000000000" pitchFamily="2" charset="2"/>
-              </a:rPr>
-              <a:t>브랜치가</a:t>
-            </a:r>
-            <a:r>
-              <a:rPr lang="ko-KR" altLang="en-US" dirty="0">
-                <a:sym typeface="Wingdings" panose="05000000000000000000" pitchFamily="2" charset="2"/>
-              </a:rPr>
-              <a:t> </a:t>
-            </a:r>
-            <a:r>
-              <a:rPr lang="en-US" altLang="ko-KR" dirty="0">
-                <a:sym typeface="Wingdings" panose="05000000000000000000" pitchFamily="2" charset="2"/>
-              </a:rPr>
-              <a:t>upstream</a:t>
-            </a:r>
-            <a:r>
-              <a:rPr lang="ko-KR" altLang="en-US" dirty="0">
-                <a:sym typeface="Wingdings" panose="05000000000000000000" pitchFamily="2" charset="2"/>
-              </a:rPr>
-              <a:t>에 새로 생기면 </a:t>
-            </a:r>
-            <a:r>
-              <a:rPr lang="en-US" altLang="ko-KR" dirty="0" err="1">
-                <a:sym typeface="Wingdings" panose="05000000000000000000" pitchFamily="2" charset="2"/>
-              </a:rPr>
-              <a:t>compare&amp;pR</a:t>
-            </a:r>
-            <a:r>
-              <a:rPr lang="ko-KR" altLang="en-US" dirty="0">
-                <a:sym typeface="Wingdings" panose="05000000000000000000" pitchFamily="2" charset="2"/>
-              </a:rPr>
-              <a:t>버튼이 자동으로 생성되나</a:t>
-            </a:r>
-            <a:r>
-              <a:rPr lang="en-US" altLang="ko-KR" dirty="0">
-                <a:sym typeface="Wingdings" panose="05000000000000000000" pitchFamily="2" charset="2"/>
-              </a:rPr>
-              <a:t>,</a:t>
-            </a:r>
-          </a:p>
-          <a:p>
-            <a:pPr marL="266700" lvl="1" indent="0">
-              <a:spcBef>
-                <a:spcPts val="0"/>
-              </a:spcBef>
-              <a:spcAft>
-                <a:spcPts val="0"/>
-              </a:spcAft>
-              <a:buClr>
-                <a:schemeClr val="tx1">
-                  <a:lumMod val="65000"/>
-                  <a:lumOff val="35000"/>
-                </a:schemeClr>
-              </a:buClr>
-              <a:buNone/>
-              <a:defRPr/>
-            </a:pPr>
-            <a:r>
-              <a:rPr lang="ko-KR" altLang="en-US" dirty="0">
-                <a:sym typeface="Wingdings" panose="05000000000000000000" pitchFamily="2" charset="2"/>
-              </a:rPr>
-              <a:t>한번 생긴 </a:t>
-            </a:r>
-            <a:r>
-              <a:rPr lang="en-US" altLang="ko-KR" dirty="0" err="1">
-                <a:sym typeface="Wingdings" panose="05000000000000000000" pitchFamily="2" charset="2"/>
-              </a:rPr>
-              <a:t>br</a:t>
-            </a:r>
-            <a:r>
-              <a:rPr lang="ko-KR" altLang="en-US" dirty="0">
-                <a:sym typeface="Wingdings" panose="05000000000000000000" pitchFamily="2" charset="2"/>
-              </a:rPr>
-              <a:t>이면 자동으로 </a:t>
-            </a:r>
-            <a:r>
-              <a:rPr lang="en-US" altLang="ko-KR" dirty="0" err="1">
-                <a:sym typeface="Wingdings" panose="05000000000000000000" pitchFamily="2" charset="2"/>
-              </a:rPr>
-              <a:t>compare&amp;pr</a:t>
-            </a:r>
-            <a:r>
-              <a:rPr lang="en-US" altLang="ko-KR" dirty="0">
-                <a:sym typeface="Wingdings" panose="05000000000000000000" pitchFamily="2" charset="2"/>
-              </a:rPr>
-              <a:t> </a:t>
-            </a:r>
-            <a:r>
-              <a:rPr lang="ko-KR" altLang="en-US" dirty="0">
-                <a:sym typeface="Wingdings" panose="05000000000000000000" pitchFamily="2" charset="2"/>
-              </a:rPr>
-              <a:t>버튼이 생기지 않기 때문에</a:t>
-            </a:r>
-            <a:r>
-              <a:rPr lang="en-US" altLang="ko-KR" dirty="0">
-                <a:sym typeface="Wingdings" panose="05000000000000000000" pitchFamily="2" charset="2"/>
-              </a:rPr>
-              <a:t>(</a:t>
-            </a:r>
-            <a:r>
-              <a:rPr lang="ko-KR" altLang="en-US" dirty="0">
-                <a:sym typeface="Wingdings" panose="05000000000000000000" pitchFamily="2" charset="2"/>
-              </a:rPr>
-              <a:t>물론 로그인하여 </a:t>
-            </a:r>
-            <a:r>
-              <a:rPr lang="en-US" altLang="ko-KR" dirty="0">
-                <a:sym typeface="Wingdings" panose="05000000000000000000" pitchFamily="2" charset="2"/>
-              </a:rPr>
-              <a:t>pr</a:t>
-            </a:r>
-            <a:r>
-              <a:rPr lang="ko-KR" altLang="en-US" dirty="0">
-                <a:sym typeface="Wingdings" panose="05000000000000000000" pitchFamily="2" charset="2"/>
-              </a:rPr>
-              <a:t>할 수 있음</a:t>
-            </a:r>
-            <a:r>
-              <a:rPr lang="en-US" altLang="ko-KR" dirty="0">
-                <a:sym typeface="Wingdings" panose="05000000000000000000" pitchFamily="2" charset="2"/>
-              </a:rPr>
-              <a:t>)</a:t>
-            </a:r>
-            <a:r>
-              <a:rPr lang="ko-KR" altLang="en-US" dirty="0">
-                <a:sym typeface="Wingdings" panose="05000000000000000000" pitchFamily="2" charset="2"/>
-              </a:rPr>
-              <a:t> </a:t>
-            </a:r>
-            <a:r>
-              <a:rPr lang="en-US" altLang="ko-KR" dirty="0">
-                <a:sym typeface="Wingdings" panose="05000000000000000000" pitchFamily="2" charset="2"/>
-              </a:rPr>
-              <a:t>merge</a:t>
-            </a:r>
-            <a:r>
-              <a:rPr lang="ko-KR" altLang="en-US" dirty="0">
-                <a:sym typeface="Wingdings" panose="05000000000000000000" pitchFamily="2" charset="2"/>
-              </a:rPr>
-              <a:t>가 되면 삭제하는 과정이 필요하다</a:t>
-            </a:r>
-            <a:r>
-              <a:rPr lang="en-US" altLang="ko-KR" dirty="0">
-                <a:sym typeface="Wingdings" panose="05000000000000000000" pitchFamily="2" charset="2"/>
-              </a:rPr>
-              <a:t>.</a:t>
-            </a:r>
-          </a:p>
-          <a:p>
-            <a:pPr marL="534988" lvl="1" indent="-268288">
-              <a:spcBef>
-                <a:spcPts val="0"/>
-              </a:spcBef>
-              <a:spcAft>
-                <a:spcPts val="0"/>
-              </a:spcAft>
-              <a:buClr>
-                <a:schemeClr val="tx1">
-                  <a:lumMod val="65000"/>
-                  <a:lumOff val="35000"/>
-                </a:schemeClr>
-              </a:buClr>
-              <a:buFont typeface="+mj-ea"/>
-              <a:buAutoNum type="circleNumDbPlain"/>
-              <a:defRPr/>
-            </a:pPr>
-            <a:r>
-              <a:rPr lang="en-US" altLang="ko-KR" dirty="0">
-                <a:sym typeface="Wingdings" panose="05000000000000000000" pitchFamily="2" charset="2"/>
-              </a:rPr>
-              <a:t> </a:t>
-            </a:r>
-            <a:r>
-              <a:rPr lang="ko-KR" altLang="en-US" dirty="0">
-                <a:sym typeface="Wingdings" panose="05000000000000000000" pitchFamily="2" charset="2"/>
-              </a:rPr>
-              <a:t>다음 페이지에 메시지 남기기</a:t>
-            </a:r>
-            <a:endParaRPr lang="en-US" altLang="ko-KR" dirty="0"/>
-          </a:p>
-          <a:p>
-            <a:pPr marL="266700" lvl="1" indent="0">
-              <a:spcBef>
-                <a:spcPts val="0"/>
-              </a:spcBef>
-              <a:spcAft>
-                <a:spcPts val="0"/>
-              </a:spcAft>
-              <a:buClr>
-                <a:schemeClr val="tx1">
-                  <a:lumMod val="65000"/>
-                  <a:lumOff val="35000"/>
-                </a:schemeClr>
-              </a:buClr>
-              <a:buNone/>
-              <a:defRPr/>
-            </a:pPr>
+              <a:t>request</a:t>
+            </a:r>
             <a:endParaRPr lang="en-US" altLang="ko-KR" dirty="0"/>
           </a:p>
           <a:p>
@@ -56551,659 +57141,6 @@
     <p:extLst>
       <p:ext uri="{BB962C8B-B14F-4D97-AF65-F5344CB8AC3E}">
         <p14:creationId xmlns:p14="http://schemas.microsoft.com/office/powerpoint/2010/main" val="298779502"/>
-      </p:ext>
-    </p:extLst>
-  </p:cSld>
-  <p:clrMapOvr>
-    <a:masterClrMapping/>
-  </p:clrMapOvr>
-</p:sld>
-</file>
-
-<file path=ppt/slides/slide85.xml><?xml version="1.0" encoding="utf-8"?>
-<p:sld xmlns:a="http://schemas.openxmlformats.org/drawingml/2006/main" xmlns:r="http://schemas.openxmlformats.org/officeDocument/2006/relationships" xmlns:p="http://schemas.openxmlformats.org/presentationml/2006/main">
-  <p:cSld>
-    <p:spTree>
-      <p:nvGrpSpPr>
-        <p:cNvPr id="1" name=""/>
-        <p:cNvGrpSpPr/>
-        <p:nvPr/>
-      </p:nvGrpSpPr>
-      <p:grpSpPr>
-        <a:xfrm>
-          <a:off x="0" y="0"/>
-          <a:ext cx="0" cy="0"/>
-          <a:chOff x="0" y="0"/>
-          <a:chExt cx="0" cy="0"/>
-        </a:xfrm>
-      </p:grpSpPr>
-      <p:sp>
-        <p:nvSpPr>
-          <p:cNvPr id="11" name="제목 3">
-            <a:extLst>
-              <a:ext uri="{FF2B5EF4-FFF2-40B4-BE49-F238E27FC236}">
-                <a16:creationId xmlns:a16="http://schemas.microsoft.com/office/drawing/2014/main" id="{F0CEB32B-CB43-4410-BA08-A97E4BC47FCB}"/>
-              </a:ext>
-            </a:extLst>
-          </p:cNvPr>
-          <p:cNvSpPr>
-            <a:spLocks noGrp="1"/>
-          </p:cNvSpPr>
-          <p:nvPr>
-            <p:ph type="title"/>
-          </p:nvPr>
-        </p:nvSpPr>
-        <p:spPr>
-          <a:xfrm>
-            <a:off x="539551" y="192300"/>
-            <a:ext cx="7272113" cy="576064"/>
-          </a:xfrm>
-        </p:spPr>
-        <p:txBody>
-          <a:bodyPr/>
-          <a:lstStyle/>
-          <a:p>
-            <a:r>
-              <a:rPr lang="ko-KR" altLang="en-US" dirty="0"/>
-              <a:t>협업 순서 요약</a:t>
-            </a:r>
-          </a:p>
-        </p:txBody>
-      </p:sp>
-      <p:sp>
-        <p:nvSpPr>
-          <p:cNvPr id="3" name="슬라이드 번호 개체 틀 2"/>
-          <p:cNvSpPr>
-            <a:spLocks noGrp="1"/>
-          </p:cNvSpPr>
-          <p:nvPr>
-            <p:ph type="sldNum" sz="quarter" idx="12"/>
-          </p:nvPr>
-        </p:nvSpPr>
-        <p:spPr/>
-        <p:txBody>
-          <a:bodyPr/>
-          <a:lstStyle/>
-          <a:p>
-            <a:fld id="{526ADF51-C4A2-4521-899C-87F34FDB9C0A}" type="slidenum">
-              <a:rPr lang="ko-KR" altLang="en-US" smtClean="0"/>
-              <a:pPr/>
-              <a:t>85</a:t>
-            </a:fld>
-            <a:r>
-              <a:rPr lang="en-US" altLang="ko-KR"/>
-              <a:t>/76</a:t>
-            </a:r>
-            <a:endParaRPr lang="ko-KR" altLang="en-US" dirty="0"/>
-          </a:p>
-        </p:txBody>
-      </p:sp>
-      <p:sp>
-        <p:nvSpPr>
-          <p:cNvPr id="8" name="내용 개체 틀 4">
-            <a:extLst>
-              <a:ext uri="{FF2B5EF4-FFF2-40B4-BE49-F238E27FC236}">
-                <a16:creationId xmlns:a16="http://schemas.microsoft.com/office/drawing/2014/main" id="{0D039FD7-D68A-4FC7-95A0-13198AB6C0B7}"/>
-              </a:ext>
-            </a:extLst>
-          </p:cNvPr>
-          <p:cNvSpPr>
-            <a:spLocks noGrp="1"/>
-          </p:cNvSpPr>
-          <p:nvPr>
-            <p:ph idx="1"/>
-          </p:nvPr>
-        </p:nvSpPr>
-        <p:spPr>
-          <a:xfrm>
-            <a:off x="250825" y="1000221"/>
-            <a:ext cx="8641655" cy="5146579"/>
-          </a:xfrm>
-        </p:spPr>
-        <p:txBody>
-          <a:bodyPr tIns="0" bIns="0">
-            <a:noAutofit/>
-          </a:bodyPr>
-          <a:lstStyle/>
-          <a:p>
-            <a:pPr>
-              <a:buClr>
-                <a:schemeClr val="tx1">
-                  <a:lumMod val="65000"/>
-                  <a:lumOff val="35000"/>
-                </a:schemeClr>
-              </a:buClr>
-              <a:defRPr/>
-            </a:pPr>
-            <a:r>
-              <a:rPr lang="en-US" altLang="ko-KR" dirty="0"/>
-              <a:t>Centralized workflow (collab </a:t>
-            </a:r>
-            <a:r>
-              <a:rPr lang="ko-KR" altLang="en-US" dirty="0"/>
-              <a:t>참여자가 모두가 결정하고 수정 진행</a:t>
-            </a:r>
-            <a:r>
-              <a:rPr lang="en-US" altLang="ko-KR" dirty="0"/>
-              <a:t>)</a:t>
-            </a:r>
-          </a:p>
-          <a:p>
-            <a:pPr marL="534988" lvl="1" indent="-268288">
-              <a:spcBef>
-                <a:spcPts val="0"/>
-              </a:spcBef>
-              <a:spcAft>
-                <a:spcPts val="0"/>
-              </a:spcAft>
-              <a:buClr>
-                <a:schemeClr val="tx1">
-                  <a:lumMod val="65000"/>
-                  <a:lumOff val="35000"/>
-                </a:schemeClr>
-              </a:buClr>
-              <a:buFont typeface="+mj-ea"/>
-              <a:buAutoNum type="circleNumDbPlain"/>
-              <a:defRPr/>
-            </a:pPr>
-            <a:r>
-              <a:rPr lang="en-US" altLang="ko-KR" dirty="0"/>
-              <a:t>Local </a:t>
-            </a:r>
-            <a:r>
-              <a:rPr lang="ko-KR" altLang="en-US" dirty="0"/>
-              <a:t>작업</a:t>
-            </a:r>
-            <a:endParaRPr lang="en-US" altLang="ko-KR" dirty="0"/>
-          </a:p>
-          <a:p>
-            <a:pPr marL="534988" lvl="1" indent="-268288">
-              <a:spcBef>
-                <a:spcPts val="0"/>
-              </a:spcBef>
-              <a:spcAft>
-                <a:spcPts val="0"/>
-              </a:spcAft>
-              <a:buClr>
-                <a:schemeClr val="tx1">
-                  <a:lumMod val="65000"/>
-                  <a:lumOff val="35000"/>
-                </a:schemeClr>
-              </a:buClr>
-              <a:buFont typeface="+mj-ea"/>
-              <a:buAutoNum type="circleNumDbPlain"/>
-              <a:defRPr/>
-            </a:pPr>
-            <a:r>
-              <a:rPr lang="ko-KR" altLang="en-US" dirty="0"/>
-              <a:t>원격</a:t>
-            </a:r>
-            <a:r>
-              <a:rPr lang="en-US" altLang="ko-KR" dirty="0"/>
-              <a:t>repo  </a:t>
-            </a:r>
-            <a:r>
-              <a:rPr lang="ko-KR" altLang="en-US" dirty="0"/>
-              <a:t>만들기</a:t>
-            </a:r>
-            <a:r>
-              <a:rPr lang="en-US" altLang="ko-KR" dirty="0"/>
-              <a:t>, collaborator</a:t>
-            </a:r>
-          </a:p>
-          <a:p>
-            <a:pPr marL="534988" lvl="1" indent="-268288">
-              <a:spcBef>
-                <a:spcPts val="0"/>
-              </a:spcBef>
-              <a:spcAft>
-                <a:spcPts val="0"/>
-              </a:spcAft>
-              <a:buClr>
-                <a:schemeClr val="tx1">
-                  <a:lumMod val="65000"/>
-                  <a:lumOff val="35000"/>
-                </a:schemeClr>
-              </a:buClr>
-              <a:buFont typeface="+mj-ea"/>
-              <a:buAutoNum type="circleNumDbPlain"/>
-              <a:defRPr/>
-            </a:pPr>
-            <a:r>
-              <a:rPr lang="en-US" altLang="ko-KR" dirty="0"/>
-              <a:t>Push</a:t>
-            </a:r>
-            <a:r>
-              <a:rPr lang="ko-KR" altLang="en-US" dirty="0"/>
-              <a:t>하기 </a:t>
-            </a:r>
-            <a:endParaRPr lang="en-US" altLang="ko-KR" dirty="0"/>
-          </a:p>
-          <a:p>
-            <a:pPr marL="534988" lvl="1" indent="-268288">
-              <a:spcBef>
-                <a:spcPts val="0"/>
-              </a:spcBef>
-              <a:spcAft>
-                <a:spcPts val="0"/>
-              </a:spcAft>
-              <a:buClr>
-                <a:schemeClr val="tx1">
-                  <a:lumMod val="65000"/>
-                  <a:lumOff val="35000"/>
-                </a:schemeClr>
-              </a:buClr>
-              <a:buFont typeface="+mj-ea"/>
-              <a:buAutoNum type="circleNumDbPlain"/>
-              <a:defRPr/>
-            </a:pPr>
-            <a:r>
-              <a:rPr lang="en-US" altLang="ko-KR" dirty="0"/>
-              <a:t>Collab clone</a:t>
-            </a:r>
-            <a:r>
-              <a:rPr lang="ko-KR" altLang="en-US" dirty="0"/>
-              <a:t>하기</a:t>
-            </a:r>
-            <a:endParaRPr lang="en-US" altLang="ko-KR" dirty="0"/>
-          </a:p>
-          <a:p>
-            <a:pPr marL="534988" lvl="1" indent="-268288">
-              <a:spcBef>
-                <a:spcPts val="0"/>
-              </a:spcBef>
-              <a:spcAft>
-                <a:spcPts val="0"/>
-              </a:spcAft>
-              <a:buClr>
-                <a:schemeClr val="tx1">
-                  <a:lumMod val="65000"/>
-                  <a:lumOff val="35000"/>
-                </a:schemeClr>
-              </a:buClr>
-              <a:buFont typeface="+mj-ea"/>
-              <a:buAutoNum type="circleNumDbPlain"/>
-              <a:defRPr/>
-            </a:pPr>
-            <a:r>
-              <a:rPr lang="en-US" altLang="ko-KR" dirty="0"/>
-              <a:t>1 </a:t>
-            </a:r>
-            <a:r>
-              <a:rPr lang="ko-KR" altLang="en-US" dirty="0"/>
-              <a:t>수정하고 </a:t>
-            </a:r>
-            <a:r>
-              <a:rPr lang="en-US" altLang="ko-KR" dirty="0"/>
-              <a:t>push</a:t>
-            </a:r>
-            <a:r>
-              <a:rPr lang="ko-KR" altLang="en-US" dirty="0"/>
-              <a:t>하기</a:t>
-            </a:r>
-            <a:endParaRPr lang="en-US" altLang="ko-KR" dirty="0"/>
-          </a:p>
-          <a:p>
-            <a:pPr marL="534988" lvl="1" indent="-268288">
-              <a:spcBef>
-                <a:spcPts val="0"/>
-              </a:spcBef>
-              <a:spcAft>
-                <a:spcPts val="0"/>
-              </a:spcAft>
-              <a:buClr>
-                <a:schemeClr val="tx1">
-                  <a:lumMod val="65000"/>
-                  <a:lumOff val="35000"/>
-                </a:schemeClr>
-              </a:buClr>
-              <a:buFont typeface="+mj-ea"/>
-              <a:buAutoNum type="circleNumDbPlain"/>
-              <a:defRPr/>
-            </a:pPr>
-            <a:r>
-              <a:rPr lang="en-US" altLang="ko-KR" dirty="0"/>
-              <a:t>2 </a:t>
-            </a:r>
-            <a:r>
-              <a:rPr lang="ko-KR" altLang="en-US" dirty="0"/>
-              <a:t>수정하고 </a:t>
-            </a:r>
-            <a:r>
-              <a:rPr lang="en-US" altLang="ko-KR" dirty="0"/>
-              <a:t>push</a:t>
-            </a:r>
-            <a:r>
-              <a:rPr lang="ko-KR" altLang="en-US" dirty="0"/>
-              <a:t>하기</a:t>
-            </a:r>
-            <a:endParaRPr lang="en-US" altLang="ko-KR" dirty="0"/>
-          </a:p>
-          <a:p>
-            <a:pPr marL="534988" lvl="1" indent="-268288">
-              <a:spcBef>
-                <a:spcPts val="0"/>
-              </a:spcBef>
-              <a:spcAft>
-                <a:spcPts val="0"/>
-              </a:spcAft>
-              <a:buClr>
-                <a:schemeClr val="tx1">
-                  <a:lumMod val="65000"/>
-                  <a:lumOff val="35000"/>
-                </a:schemeClr>
-              </a:buClr>
-              <a:buFont typeface="+mj-ea"/>
-              <a:buAutoNum type="circleNumDbPlain"/>
-              <a:defRPr/>
-            </a:pPr>
-            <a:r>
-              <a:rPr lang="en-US" altLang="ko-KR" dirty="0"/>
-              <a:t>2</a:t>
-            </a:r>
-            <a:r>
-              <a:rPr lang="ko-KR" altLang="en-US" dirty="0"/>
-              <a:t>에서 </a:t>
-            </a:r>
-            <a:r>
-              <a:rPr lang="en-US" altLang="ko-KR" dirty="0"/>
-              <a:t>Pull --rebase origin main  ( git pull</a:t>
-            </a:r>
-            <a:r>
-              <a:rPr lang="ko-KR" altLang="en-US" dirty="0"/>
-              <a:t>이하</a:t>
-            </a:r>
-            <a:r>
-              <a:rPr lang="en-US" altLang="ko-KR" dirty="0"/>
-              <a:t> 7</a:t>
-            </a:r>
-            <a:r>
-              <a:rPr lang="ko-KR" altLang="en-US" dirty="0"/>
-              <a:t>부터</a:t>
-            </a:r>
-            <a:r>
-              <a:rPr lang="en-US" altLang="ko-KR" dirty="0"/>
-              <a:t>10</a:t>
-            </a:r>
-            <a:r>
-              <a:rPr lang="ko-KR" altLang="en-US" dirty="0"/>
-              <a:t>까지 </a:t>
-            </a:r>
-            <a:r>
-              <a:rPr lang="en-US" altLang="ko-KR" dirty="0"/>
-              <a:t>git pull</a:t>
-            </a:r>
-            <a:r>
-              <a:rPr lang="ko-KR" altLang="en-US" dirty="0"/>
-              <a:t>하고 </a:t>
-            </a:r>
-            <a:r>
-              <a:rPr lang="en-US" altLang="ko-KR" dirty="0"/>
-              <a:t>conflict </a:t>
-            </a:r>
-            <a:r>
-              <a:rPr lang="ko-KR" altLang="en-US" dirty="0"/>
-              <a:t>수정 단계 같음</a:t>
-            </a:r>
-            <a:r>
-              <a:rPr lang="en-US" altLang="ko-KR" dirty="0"/>
-              <a:t>)</a:t>
-            </a:r>
-          </a:p>
-          <a:p>
-            <a:pPr marL="534988" lvl="1" indent="-268288">
-              <a:spcBef>
-                <a:spcPts val="0"/>
-              </a:spcBef>
-              <a:spcAft>
-                <a:spcPts val="0"/>
-              </a:spcAft>
-              <a:buClr>
-                <a:schemeClr val="tx1">
-                  <a:lumMod val="65000"/>
-                  <a:lumOff val="35000"/>
-                </a:schemeClr>
-              </a:buClr>
-              <a:buFont typeface="+mj-ea"/>
-              <a:buAutoNum type="circleNumDbPlain"/>
-              <a:defRPr/>
-            </a:pPr>
-            <a:r>
-              <a:rPr lang="en-US" altLang="ko-KR" dirty="0"/>
-              <a:t>Conflict</a:t>
-            </a:r>
-            <a:r>
-              <a:rPr lang="ko-KR" altLang="en-US" dirty="0"/>
-              <a:t> 파일 수정  </a:t>
-            </a:r>
-            <a:r>
-              <a:rPr lang="en-US" altLang="ko-KR" dirty="0"/>
-              <a:t>( = )</a:t>
-            </a:r>
-          </a:p>
-          <a:p>
-            <a:pPr marL="534988" lvl="1" indent="-268288">
-              <a:spcBef>
-                <a:spcPts val="0"/>
-              </a:spcBef>
-              <a:spcAft>
-                <a:spcPts val="0"/>
-              </a:spcAft>
-              <a:buClr>
-                <a:schemeClr val="tx1">
-                  <a:lumMod val="65000"/>
-                  <a:lumOff val="35000"/>
-                </a:schemeClr>
-              </a:buClr>
-              <a:buFont typeface="+mj-ea"/>
-              <a:buAutoNum type="circleNumDbPlain"/>
-              <a:defRPr/>
-            </a:pPr>
-            <a:r>
-              <a:rPr lang="en-US" altLang="ko-KR" dirty="0"/>
-              <a:t>Git</a:t>
-            </a:r>
-            <a:r>
-              <a:rPr lang="ko-KR" altLang="en-US" dirty="0"/>
-              <a:t> </a:t>
-            </a:r>
-            <a:r>
-              <a:rPr lang="en-US" altLang="ko-KR" dirty="0"/>
-              <a:t>add</a:t>
-            </a:r>
-            <a:r>
-              <a:rPr lang="ko-KR" altLang="en-US" dirty="0"/>
-              <a:t> </a:t>
-            </a:r>
-            <a:r>
-              <a:rPr lang="en-US" altLang="ko-KR" dirty="0"/>
-              <a:t>cen.txt ( = )</a:t>
-            </a:r>
-          </a:p>
-          <a:p>
-            <a:pPr marL="534988" lvl="1" indent="-268288">
-              <a:spcBef>
-                <a:spcPts val="0"/>
-              </a:spcBef>
-              <a:spcAft>
-                <a:spcPts val="0"/>
-              </a:spcAft>
-              <a:buClr>
-                <a:schemeClr val="tx1">
-                  <a:lumMod val="65000"/>
-                  <a:lumOff val="35000"/>
-                </a:schemeClr>
-              </a:buClr>
-              <a:buFont typeface="+mj-ea"/>
-              <a:buAutoNum type="circleNumDbPlain"/>
-              <a:defRPr/>
-            </a:pPr>
-            <a:r>
-              <a:rPr lang="en-US" altLang="ko-KR" dirty="0"/>
-              <a:t>Git rebase –continue </a:t>
-            </a:r>
-            <a:r>
-              <a:rPr lang="en-US" altLang="ko-KR" dirty="0">
-                <a:sym typeface="Wingdings" panose="05000000000000000000" pitchFamily="2" charset="2"/>
-              </a:rPr>
-              <a:t> text commit message  ( git commit)</a:t>
-            </a:r>
-          </a:p>
-          <a:p>
-            <a:pPr marL="534988" lvl="1" indent="-268288">
-              <a:spcBef>
-                <a:spcPts val="0"/>
-              </a:spcBef>
-              <a:spcAft>
-                <a:spcPts val="0"/>
-              </a:spcAft>
-              <a:buClr>
-                <a:schemeClr val="tx1">
-                  <a:lumMod val="65000"/>
-                  <a:lumOff val="35000"/>
-                </a:schemeClr>
-              </a:buClr>
-              <a:buFont typeface="+mj-ea"/>
-              <a:buAutoNum type="circleNumDbPlain"/>
-              <a:defRPr/>
-            </a:pPr>
-            <a:r>
-              <a:rPr lang="en-US" altLang="ko-KR" dirty="0">
-                <a:sym typeface="Wingdings" panose="05000000000000000000" pitchFamily="2" charset="2"/>
-              </a:rPr>
-              <a:t>Git push origin main</a:t>
-            </a:r>
-          </a:p>
-          <a:p>
-            <a:pPr marL="266700" lvl="1" indent="0">
-              <a:spcBef>
-                <a:spcPts val="0"/>
-              </a:spcBef>
-              <a:spcAft>
-                <a:spcPts val="0"/>
-              </a:spcAft>
-              <a:buClr>
-                <a:schemeClr val="tx1">
-                  <a:lumMod val="65000"/>
-                  <a:lumOff val="35000"/>
-                </a:schemeClr>
-              </a:buClr>
-              <a:buNone/>
-              <a:defRPr/>
-            </a:pPr>
-            <a:r>
-              <a:rPr lang="ko-KR" altLang="en-US" dirty="0">
-                <a:sym typeface="Wingdings" panose="05000000000000000000" pitchFamily="2" charset="2"/>
-              </a:rPr>
-              <a:t>내가 수정하고 </a:t>
-            </a:r>
-            <a:r>
-              <a:rPr lang="en-US" altLang="ko-KR" dirty="0">
-                <a:sym typeface="Wingdings" panose="05000000000000000000" pitchFamily="2" charset="2"/>
-              </a:rPr>
-              <a:t>push</a:t>
-            </a:r>
-            <a:r>
-              <a:rPr lang="ko-KR" altLang="en-US" dirty="0">
-                <a:sym typeface="Wingdings" panose="05000000000000000000" pitchFamily="2" charset="2"/>
-              </a:rPr>
-              <a:t>하고 다시 내용을 바꾸고 </a:t>
-            </a:r>
-            <a:r>
-              <a:rPr lang="en-US" altLang="ko-KR" dirty="0">
-                <a:sym typeface="Wingdings" panose="05000000000000000000" pitchFamily="2" charset="2"/>
-              </a:rPr>
-              <a:t>push</a:t>
-            </a:r>
-            <a:r>
-              <a:rPr lang="ko-KR" altLang="en-US" dirty="0">
-                <a:sym typeface="Wingdings" panose="05000000000000000000" pitchFamily="2" charset="2"/>
-              </a:rPr>
-              <a:t>해도 </a:t>
-            </a:r>
-            <a:r>
-              <a:rPr lang="en-US" altLang="ko-KR" dirty="0">
-                <a:sym typeface="Wingdings" panose="05000000000000000000" pitchFamily="2" charset="2"/>
-              </a:rPr>
-              <a:t>conflict</a:t>
-            </a:r>
-            <a:r>
-              <a:rPr lang="ko-KR" altLang="en-US" dirty="0">
-                <a:sym typeface="Wingdings" panose="05000000000000000000" pitchFamily="2" charset="2"/>
-              </a:rPr>
-              <a:t>이 발생하지 않는다 </a:t>
-            </a:r>
-            <a:r>
-              <a:rPr lang="ko-KR" altLang="en-US" dirty="0" err="1">
-                <a:sym typeface="Wingdings" panose="05000000000000000000" pitchFamily="2" charset="2"/>
-              </a:rPr>
-              <a:t>왜지</a:t>
-            </a:r>
-            <a:r>
-              <a:rPr lang="en-US" altLang="ko-KR" dirty="0">
-                <a:sym typeface="Wingdings" panose="05000000000000000000" pitchFamily="2" charset="2"/>
-              </a:rPr>
-              <a:t>?</a:t>
-            </a:r>
-            <a:endParaRPr lang="en-US" altLang="ko-KR" dirty="0"/>
-          </a:p>
-          <a:p>
-            <a:pPr marL="266700" lvl="1" indent="0">
-              <a:spcBef>
-                <a:spcPts val="0"/>
-              </a:spcBef>
-              <a:spcAft>
-                <a:spcPts val="0"/>
-              </a:spcAft>
-              <a:buClr>
-                <a:schemeClr val="tx1">
-                  <a:lumMod val="65000"/>
-                  <a:lumOff val="35000"/>
-                </a:schemeClr>
-              </a:buClr>
-              <a:buNone/>
-              <a:defRPr/>
-            </a:pPr>
-            <a:endParaRPr lang="en-US" altLang="ko-KR" dirty="0"/>
-          </a:p>
-          <a:p>
-            <a:pPr>
-              <a:buClr>
-                <a:schemeClr val="tx1">
-                  <a:lumMod val="65000"/>
-                  <a:lumOff val="35000"/>
-                </a:schemeClr>
-              </a:buClr>
-              <a:defRPr/>
-            </a:pPr>
-            <a:endParaRPr lang="en-US" altLang="ko-KR" dirty="0">
-              <a:solidFill>
-                <a:srgbClr val="FF0000"/>
-              </a:solidFill>
-            </a:endParaRPr>
-          </a:p>
-          <a:p>
-            <a:pPr>
-              <a:buClr>
-                <a:schemeClr val="tx1">
-                  <a:lumMod val="65000"/>
-                  <a:lumOff val="35000"/>
-                </a:schemeClr>
-              </a:buClr>
-              <a:defRPr/>
-            </a:pPr>
-            <a:endParaRPr lang="ko-KR" altLang="en-US" dirty="0">
-              <a:solidFill>
-                <a:srgbClr val="FF0000"/>
-              </a:solidFill>
-            </a:endParaRPr>
-          </a:p>
-        </p:txBody>
-      </p:sp>
-    </p:spTree>
-    <p:extLst>
-      <p:ext uri="{BB962C8B-B14F-4D97-AF65-F5344CB8AC3E}">
-        <p14:creationId xmlns:p14="http://schemas.microsoft.com/office/powerpoint/2010/main" val="3987446998"/>
       </p:ext>
     </p:extLst>
   </p:cSld>

--- a/git및github첫걸음4-협업하기.pptx
+++ b/git및github첫걸음4-협업하기.pptx
@@ -291,7 +291,7 @@
           <a:p>
             <a:fld id="{A17B9194-BDE3-40E3-983E-94CE6FA773AF}" type="datetimeFigureOut">
               <a:rPr lang="ko-KR" altLang="en-US" smtClean="0"/>
-              <a:t>2021-05-13</a:t>
+              <a:t>2021-05-14</a:t>
             </a:fld>
             <a:endParaRPr lang="ko-KR" altLang="en-US"/>
           </a:p>
@@ -3859,31 +3859,31 @@
               <a:t>한 사람만 보임</a:t>
             </a:r>
             <a:r>
-              <a:rPr lang="en-US" altLang="ko-KR" dirty="0" smtClean="0"/>
+              <a:rPr lang="en-US" altLang="ko-KR" dirty="0"/>
               <a:t>. Push</a:t>
             </a:r>
             <a:r>
-              <a:rPr lang="ko-KR" altLang="en-US" dirty="0" smtClean="0"/>
+              <a:rPr lang="ko-KR" altLang="en-US" dirty="0"/>
               <a:t>한 </a:t>
             </a:r>
             <a:r>
-              <a:rPr lang="en-US" altLang="ko-KR" dirty="0" err="1" smtClean="0"/>
+              <a:rPr lang="en-US" altLang="ko-KR" dirty="0" err="1"/>
               <a:t>collabarator</a:t>
             </a:r>
             <a:r>
-              <a:rPr lang="ko-KR" altLang="en-US" dirty="0" smtClean="0"/>
+              <a:rPr lang="ko-KR" altLang="en-US" dirty="0"/>
               <a:t>화면에만 보임</a:t>
             </a:r>
             <a:r>
-              <a:rPr lang="en-US" altLang="ko-KR" dirty="0" smtClean="0"/>
+              <a:rPr lang="en-US" altLang="ko-KR" dirty="0"/>
               <a:t>. Owner</a:t>
             </a:r>
             <a:r>
-              <a:rPr lang="ko-KR" altLang="en-US" dirty="0" smtClean="0"/>
+              <a:rPr lang="ko-KR" altLang="en-US" dirty="0"/>
               <a:t>화면에는 이 파란 박스는 보이지 않음</a:t>
             </a:r>
             <a:r>
-              <a:rPr lang="en-US" altLang="ko-KR" dirty="0" smtClean="0"/>
+              <a:rPr lang="en-US" altLang="ko-KR" dirty="0"/>
               <a:t>.</a:t>
             </a:r>
             <a:endParaRPr lang="ko-KR" altLang="en-US" dirty="0"/>
@@ -3971,59 +3971,59 @@
           <a:lstStyle/>
           <a:p>
             <a:r>
-              <a:rPr lang="en-US" altLang="ko-KR" dirty="0" smtClean="0"/>
+              <a:rPr lang="en-US" altLang="ko-KR" dirty="0"/>
               <a:t>Pull</a:t>
             </a:r>
             <a:r>
-              <a:rPr lang="en-US" altLang="ko-KR" baseline="0" dirty="0" smtClean="0"/>
+              <a:rPr lang="en-US" altLang="ko-KR" baseline="0" dirty="0"/>
               <a:t> request</a:t>
             </a:r>
             <a:r>
-              <a:rPr lang="ko-KR" altLang="en-US" baseline="0" dirty="0" smtClean="0"/>
+              <a:rPr lang="ko-KR" altLang="en-US" baseline="0" dirty="0"/>
               <a:t>는 누구라도 할 수 있음 다만</a:t>
             </a:r>
             <a:r>
-              <a:rPr lang="en-US" altLang="ko-KR" baseline="0" dirty="0" smtClean="0"/>
+              <a:rPr lang="en-US" altLang="ko-KR" baseline="0" dirty="0"/>
               <a:t>, </a:t>
             </a:r>
             <a:r>
-              <a:rPr lang="ko-KR" altLang="en-US" baseline="0" dirty="0" smtClean="0"/>
+              <a:rPr lang="ko-KR" altLang="en-US" baseline="0" dirty="0"/>
               <a:t>접근하는 순서가 다름</a:t>
             </a:r>
             <a:r>
-              <a:rPr lang="en-US" altLang="ko-KR" baseline="0" dirty="0" smtClean="0"/>
+              <a:rPr lang="en-US" altLang="ko-KR" baseline="0" dirty="0"/>
               <a:t>. Push</a:t>
             </a:r>
             <a:r>
-              <a:rPr lang="ko-KR" altLang="en-US" baseline="0" dirty="0" smtClean="0"/>
+              <a:rPr lang="ko-KR" altLang="en-US" baseline="0" dirty="0"/>
               <a:t>한 사람은 쉽게 다른 사람은 </a:t>
             </a:r>
             <a:r>
-              <a:rPr lang="en-US" altLang="ko-KR" baseline="0" dirty="0" smtClean="0"/>
+              <a:rPr lang="en-US" altLang="ko-KR" baseline="0" dirty="0"/>
               <a:t>push</a:t>
             </a:r>
             <a:r>
-              <a:rPr lang="ko-KR" altLang="en-US" baseline="0" dirty="0" smtClean="0"/>
+              <a:rPr lang="ko-KR" altLang="en-US" baseline="0" dirty="0"/>
               <a:t>된 </a:t>
             </a:r>
             <a:r>
-              <a:rPr lang="en-US" altLang="ko-KR" baseline="0" dirty="0" smtClean="0"/>
+              <a:rPr lang="en-US" altLang="ko-KR" baseline="0" dirty="0"/>
               <a:t>branch</a:t>
             </a:r>
             <a:r>
-              <a:rPr lang="ko-KR" altLang="en-US" baseline="0" dirty="0" smtClean="0"/>
+              <a:rPr lang="ko-KR" altLang="en-US" baseline="0" dirty="0"/>
               <a:t>를 찾아가서 </a:t>
             </a:r>
             <a:r>
-              <a:rPr lang="en-US" altLang="ko-KR" baseline="0" dirty="0" smtClean="0"/>
+              <a:rPr lang="en-US" altLang="ko-KR" baseline="0" dirty="0"/>
               <a:t>PR</a:t>
             </a:r>
             <a:r>
-              <a:rPr lang="ko-KR" altLang="en-US" baseline="0" dirty="0" smtClean="0"/>
+              <a:rPr lang="ko-KR" altLang="en-US" baseline="0" dirty="0"/>
               <a:t>해야 함</a:t>
             </a:r>
             <a:r>
-              <a:rPr lang="en-US" altLang="ko-KR" baseline="0" dirty="0" smtClean="0"/>
+              <a:rPr lang="en-US" altLang="ko-KR" baseline="0" dirty="0"/>
               <a:t>.</a:t>
             </a:r>
             <a:endParaRPr lang="ko-KR" altLang="en-US" dirty="0"/>
@@ -4111,39 +4111,39 @@
           <a:lstStyle/>
           <a:p>
             <a:r>
-              <a:rPr lang="en-US" altLang="ko-KR" dirty="0" smtClean="0"/>
+              <a:rPr lang="en-US" altLang="ko-KR" dirty="0"/>
               <a:t>Owner</a:t>
             </a:r>
             <a:r>
-              <a:rPr lang="ko-KR" altLang="en-US" dirty="0" smtClean="0"/>
+              <a:rPr lang="ko-KR" altLang="en-US" dirty="0"/>
               <a:t>화면에서도 할 수 있지만 </a:t>
             </a:r>
             <a:r>
-              <a:rPr lang="en-US" altLang="ko-KR" dirty="0" smtClean="0"/>
+              <a:rPr lang="en-US" altLang="ko-KR" dirty="0"/>
               <a:t>collaborator</a:t>
             </a:r>
             <a:r>
-              <a:rPr lang="ko-KR" altLang="en-US" dirty="0" smtClean="0"/>
+              <a:rPr lang="ko-KR" altLang="en-US" dirty="0"/>
               <a:t>가 </a:t>
             </a:r>
             <a:r>
-              <a:rPr lang="en-US" altLang="ko-KR" dirty="0" err="1" smtClean="0"/>
+              <a:rPr lang="en-US" altLang="ko-KR" dirty="0" err="1"/>
               <a:t>pr</a:t>
             </a:r>
             <a:r>
-              <a:rPr lang="ko-KR" altLang="en-US" dirty="0" smtClean="0"/>
+              <a:rPr lang="ko-KR" altLang="en-US" dirty="0"/>
               <a:t>하는 것으로 연습하기 위하여 </a:t>
             </a:r>
             <a:r>
-              <a:rPr lang="ko-KR" altLang="en-US" dirty="0" err="1" smtClean="0"/>
+              <a:rPr lang="ko-KR" altLang="en-US" dirty="0" err="1"/>
               <a:t>다음쪽으로</a:t>
             </a:r>
             <a:r>
-              <a:rPr lang="ko-KR" altLang="en-US" dirty="0" smtClean="0"/>
+              <a:rPr lang="ko-KR" altLang="en-US" dirty="0"/>
               <a:t> 넘어 감</a:t>
             </a:r>
             <a:r>
-              <a:rPr lang="en-US" altLang="ko-KR" dirty="0" smtClean="0"/>
+              <a:rPr lang="en-US" altLang="ko-KR" dirty="0"/>
               <a:t>.</a:t>
             </a:r>
             <a:endParaRPr lang="ko-KR" altLang="en-US" dirty="0"/>
@@ -5158,7 +5158,7 @@
               <a:t> 결정하고 </a:t>
             </a:r>
             <a:r>
-              <a:rPr lang="en-US" altLang="ko-KR" baseline="0" dirty="0" smtClean="0"/>
+              <a:rPr lang="en-US" altLang="ko-KR" baseline="0" dirty="0"/>
               <a:t>submit</a:t>
             </a:r>
             <a:r>
@@ -5524,11 +5524,11 @@
           <a:lstStyle/>
           <a:p>
             <a:r>
-              <a:rPr lang="ko-KR" altLang="en-US" dirty="0" smtClean="0"/>
+              <a:rPr lang="ko-KR" altLang="en-US" dirty="0"/>
               <a:t>화면을 내려 보면 내용을 확인할 수 있음</a:t>
             </a:r>
             <a:r>
-              <a:rPr lang="en-US" altLang="ko-KR" dirty="0" smtClean="0"/>
+              <a:rPr lang="en-US" altLang="ko-KR" dirty="0"/>
               <a:t>.</a:t>
             </a:r>
             <a:endParaRPr lang="ko-KR" altLang="en-US" dirty="0"/>
@@ -6487,23 +6487,23 @@
           <a:lstStyle/>
           <a:p>
             <a:r>
-              <a:rPr lang="en-US" altLang="ko-KR" dirty="0" smtClean="0"/>
+              <a:rPr lang="en-US" altLang="ko-KR" dirty="0"/>
               <a:t>Resolve</a:t>
             </a:r>
             <a:r>
-              <a:rPr lang="ko-KR" altLang="en-US" dirty="0" smtClean="0"/>
+              <a:rPr lang="ko-KR" altLang="en-US" dirty="0"/>
               <a:t>하지 않아도 </a:t>
             </a:r>
             <a:r>
-              <a:rPr lang="en-US" altLang="ko-KR" dirty="0" smtClean="0"/>
+              <a:rPr lang="en-US" altLang="ko-KR" dirty="0"/>
               <a:t>merge</a:t>
             </a:r>
             <a:r>
-              <a:rPr lang="ko-KR" altLang="en-US" dirty="0" smtClean="0"/>
+              <a:rPr lang="ko-KR" altLang="en-US" dirty="0"/>
               <a:t>로 넘어갈 수 있으나 단계를 밟아서 넘어감</a:t>
             </a:r>
             <a:r>
-              <a:rPr lang="en-US" altLang="ko-KR" dirty="0" smtClean="0"/>
+              <a:rPr lang="en-US" altLang="ko-KR" dirty="0"/>
               <a:t>.</a:t>
             </a:r>
             <a:endParaRPr lang="ko-KR" altLang="en-US" dirty="0"/>
@@ -6759,23 +6759,23 @@
           <a:lstStyle/>
           <a:p>
             <a:r>
-              <a:rPr lang="en-US" altLang="ko-KR" dirty="0" smtClean="0"/>
+              <a:rPr lang="en-US" altLang="ko-KR" dirty="0"/>
               <a:t>Merge</a:t>
             </a:r>
             <a:r>
-              <a:rPr lang="ko-KR" altLang="en-US" dirty="0" smtClean="0"/>
+              <a:rPr lang="ko-KR" altLang="en-US" dirty="0"/>
               <a:t>가 완료되면 </a:t>
             </a:r>
             <a:r>
-              <a:rPr lang="ko-KR" altLang="en-US" dirty="0" err="1" smtClean="0"/>
+              <a:rPr lang="ko-KR" altLang="en-US" dirty="0" err="1"/>
               <a:t>브랜치를</a:t>
             </a:r>
             <a:r>
-              <a:rPr lang="ko-KR" altLang="en-US" dirty="0" smtClean="0"/>
+              <a:rPr lang="ko-KR" altLang="en-US" dirty="0"/>
               <a:t> 삭제하라는 화면이 나옴</a:t>
             </a:r>
             <a:r>
-              <a:rPr lang="en-US" altLang="ko-KR" dirty="0" smtClean="0"/>
+              <a:rPr lang="en-US" altLang="ko-KR" dirty="0"/>
               <a:t>.</a:t>
             </a:r>
             <a:endParaRPr lang="ko-KR" altLang="en-US" dirty="0"/>
@@ -8844,7 +8844,7 @@
             </a:fld>
             <a:r>
               <a:rPr lang="en-US" altLang="ko-KR" dirty="0"/>
-              <a:t>/78</a:t>
+              <a:t>/77</a:t>
             </a:r>
             <a:endParaRPr lang="ko-KR" altLang="en-US" dirty="0"/>
           </a:p>
@@ -10047,7 +10047,13 @@
       </p:sp>
       <p:sp>
         <p:nvSpPr>
-          <p:cNvPr id="2" name="슬라이드 번호 개체 틀 1"/>
+          <p:cNvPr id="3" name="슬라이드 번호 개체 틀 2">
+            <a:extLst>
+              <a:ext uri="{FF2B5EF4-FFF2-40B4-BE49-F238E27FC236}">
+                <a16:creationId xmlns:a16="http://schemas.microsoft.com/office/drawing/2014/main" id="{2D53FDF2-4031-46A1-9EE1-25408B2EEBEB}"/>
+              </a:ext>
+            </a:extLst>
+          </p:cNvPr>
           <p:cNvSpPr>
             <a:spLocks noGrp="1"/>
           </p:cNvSpPr>
@@ -10067,7 +10073,7 @@
             </a:fld>
             <a:r>
               <a:rPr lang="en-US" altLang="ko-KR"/>
-              <a:t>/76</a:t>
+              <a:t>/77</a:t>
             </a:r>
             <a:endParaRPr lang="ko-KR" altLang="en-US" dirty="0"/>
           </a:p>
@@ -10487,7 +10493,13 @@
       </p:sp>
       <p:sp>
         <p:nvSpPr>
-          <p:cNvPr id="2" name="슬라이드 번호 개체 틀 1"/>
+          <p:cNvPr id="4" name="슬라이드 번호 개체 틀 3">
+            <a:extLst>
+              <a:ext uri="{FF2B5EF4-FFF2-40B4-BE49-F238E27FC236}">
+                <a16:creationId xmlns:a16="http://schemas.microsoft.com/office/drawing/2014/main" id="{75901ADF-585F-4949-8BDA-EF88925CC27A}"/>
+              </a:ext>
+            </a:extLst>
+          </p:cNvPr>
           <p:cNvSpPr>
             <a:spLocks noGrp="1"/>
           </p:cNvSpPr>
@@ -10507,7 +10519,7 @@
             </a:fld>
             <a:r>
               <a:rPr lang="en-US" altLang="ko-KR"/>
-              <a:t>/76</a:t>
+              <a:t>/77</a:t>
             </a:r>
             <a:endParaRPr lang="ko-KR" altLang="en-US" dirty="0"/>
           </a:p>
@@ -10800,69 +10812,6 @@
               <a:latin typeface="+mn-ea"/>
             </a:endParaRPr>
           </a:p>
-          <a:p>
-            <a:pPr lvl="1"/>
-            <a:r>
-              <a:rPr lang="ko-KR" altLang="en-US" dirty="0">
-                <a:solidFill>
-                  <a:srgbClr val="FF0000"/>
-                </a:solidFill>
-                <a:latin typeface="+mn-ea"/>
-              </a:rPr>
-              <a:t>나의 </a:t>
-            </a:r>
-            <a:r>
-              <a:rPr lang="en-US" altLang="ko-KR" dirty="0" err="1">
-                <a:solidFill>
-                  <a:srgbClr val="FF0000"/>
-                </a:solidFill>
-                <a:latin typeface="+mn-ea"/>
-              </a:rPr>
-              <a:t>github</a:t>
-            </a:r>
-            <a:r>
-              <a:rPr lang="en-US" altLang="ko-KR" dirty="0">
-                <a:solidFill>
-                  <a:srgbClr val="FF0000"/>
-                </a:solidFill>
-                <a:latin typeface="+mn-ea"/>
-              </a:rPr>
-              <a:t> </a:t>
-            </a:r>
-            <a:r>
-              <a:rPr lang="ko-KR" altLang="en-US" dirty="0">
-                <a:solidFill>
-                  <a:srgbClr val="FF0000"/>
-                </a:solidFill>
-                <a:latin typeface="+mn-ea"/>
-              </a:rPr>
-              <a:t>화면 배경에서 보임</a:t>
-            </a:r>
-            <a:r>
-              <a:rPr lang="en-US" altLang="ko-KR" dirty="0">
-                <a:solidFill>
-                  <a:srgbClr val="FF0000"/>
-                </a:solidFill>
-                <a:latin typeface="+mn-ea"/>
-              </a:rPr>
-              <a:t>??</a:t>
-            </a:r>
-            <a:r>
-              <a:rPr lang="ko-KR" altLang="en-US" dirty="0">
-                <a:solidFill>
-                  <a:srgbClr val="FF0000"/>
-                </a:solidFill>
-                <a:latin typeface="+mn-ea"/>
-              </a:rPr>
-              <a:t> </a:t>
-            </a:r>
-            <a:endParaRPr lang="en-US" altLang="ko-KR" dirty="0">
-              <a:solidFill>
-                <a:srgbClr val="FF0000"/>
-              </a:solidFill>
-              <a:latin typeface="+mn-ea"/>
-            </a:endParaRPr>
-          </a:p>
         </p:txBody>
       </p:sp>
       <p:sp>
@@ -11071,7 +11020,13 @@
       </p:sp>
       <p:sp>
         <p:nvSpPr>
-          <p:cNvPr id="2" name="슬라이드 번호 개체 틀 1"/>
+          <p:cNvPr id="3" name="슬라이드 번호 개체 틀 2">
+            <a:extLst>
+              <a:ext uri="{FF2B5EF4-FFF2-40B4-BE49-F238E27FC236}">
+                <a16:creationId xmlns:a16="http://schemas.microsoft.com/office/drawing/2014/main" id="{B7021AE1-9890-4FFB-B656-9E7E84216BF0}"/>
+              </a:ext>
+            </a:extLst>
+          </p:cNvPr>
           <p:cNvSpPr>
             <a:spLocks noGrp="1"/>
           </p:cNvSpPr>
@@ -11091,7 +11046,7 @@
             </a:fld>
             <a:r>
               <a:rPr lang="en-US" altLang="ko-KR"/>
-              <a:t>/76</a:t>
+              <a:t>/77</a:t>
             </a:r>
             <a:endParaRPr lang="ko-KR" altLang="en-US" dirty="0"/>
           </a:p>
@@ -11533,7 +11488,13 @@
       </p:sp>
       <p:sp>
         <p:nvSpPr>
-          <p:cNvPr id="3" name="슬라이드 번호 개체 틀 2"/>
+          <p:cNvPr id="4" name="슬라이드 번호 개체 틀 3">
+            <a:extLst>
+              <a:ext uri="{FF2B5EF4-FFF2-40B4-BE49-F238E27FC236}">
+                <a16:creationId xmlns:a16="http://schemas.microsoft.com/office/drawing/2014/main" id="{01AF3B1C-1B59-4CED-A3F5-623B71202618}"/>
+              </a:ext>
+            </a:extLst>
+          </p:cNvPr>
           <p:cNvSpPr>
             <a:spLocks noGrp="1"/>
           </p:cNvSpPr>
@@ -11553,7 +11514,7 @@
             </a:fld>
             <a:r>
               <a:rPr lang="en-US" altLang="ko-KR"/>
-              <a:t>/76</a:t>
+              <a:t>/77</a:t>
             </a:r>
             <a:endParaRPr lang="ko-KR" altLang="en-US" dirty="0"/>
           </a:p>
@@ -11951,34 +11912,6 @@
       </p:sp>
       <p:sp>
         <p:nvSpPr>
-          <p:cNvPr id="2" name="슬라이드 번호 개체 틀 1"/>
-          <p:cNvSpPr>
-            <a:spLocks noGrp="1"/>
-          </p:cNvSpPr>
-          <p:nvPr>
-            <p:ph type="sldNum" sz="quarter" idx="12"/>
-          </p:nvPr>
-        </p:nvSpPr>
-        <p:spPr/>
-        <p:txBody>
-          <a:bodyPr/>
-          <a:lstStyle/>
-          <a:p>
-            <a:fld id="{526ADF51-C4A2-4521-899C-87F34FDB9C0A}" type="slidenum">
-              <a:rPr lang="ko-KR" altLang="en-US" smtClean="0"/>
-              <a:pPr/>
-              <a:t>14</a:t>
-            </a:fld>
-            <a:r>
-              <a:rPr lang="en-US" altLang="ko-KR"/>
-              <a:t>/76</a:t>
-            </a:r>
-            <a:endParaRPr lang="ko-KR" altLang="en-US" dirty="0"/>
-          </a:p>
-        </p:txBody>
-      </p:sp>
-      <p:sp>
-        <p:nvSpPr>
           <p:cNvPr id="9" name="직사각형 8">
             <a:extLst>
               <a:ext uri="{FF2B5EF4-FFF2-40B4-BE49-F238E27FC236}">
@@ -12026,6 +11959,40 @@
           <a:p>
             <a:pPr algn="ctr"/>
             <a:endParaRPr lang="ko-KR" altLang="en-US"/>
+          </a:p>
+        </p:txBody>
+      </p:sp>
+      <p:sp>
+        <p:nvSpPr>
+          <p:cNvPr id="3" name="슬라이드 번호 개체 틀 2">
+            <a:extLst>
+              <a:ext uri="{FF2B5EF4-FFF2-40B4-BE49-F238E27FC236}">
+                <a16:creationId xmlns:a16="http://schemas.microsoft.com/office/drawing/2014/main" id="{FF66A230-F78B-4E55-B7FC-0B0050477767}"/>
+              </a:ext>
+            </a:extLst>
+          </p:cNvPr>
+          <p:cNvSpPr>
+            <a:spLocks noGrp="1"/>
+          </p:cNvSpPr>
+          <p:nvPr>
+            <p:ph type="sldNum" sz="quarter" idx="12"/>
+          </p:nvPr>
+        </p:nvSpPr>
+        <p:spPr/>
+        <p:txBody>
+          <a:bodyPr/>
+          <a:lstStyle/>
+          <a:p>
+            <a:fld id="{526ADF51-C4A2-4521-899C-87F34FDB9C0A}" type="slidenum">
+              <a:rPr lang="ko-KR" altLang="en-US" smtClean="0"/>
+              <a:pPr/>
+              <a:t>14</a:t>
+            </a:fld>
+            <a:r>
+              <a:rPr lang="en-US" altLang="ko-KR"/>
+              <a:t>/77</a:t>
+            </a:r>
+            <a:endParaRPr lang="ko-KR" altLang="en-US" dirty="0"/>
           </a:p>
         </p:txBody>
       </p:sp>
@@ -12413,34 +12380,6 @@
       </p:sp>
       <p:sp>
         <p:nvSpPr>
-          <p:cNvPr id="2" name="슬라이드 번호 개체 틀 1"/>
-          <p:cNvSpPr>
-            <a:spLocks noGrp="1"/>
-          </p:cNvSpPr>
-          <p:nvPr>
-            <p:ph type="sldNum" sz="quarter" idx="12"/>
-          </p:nvPr>
-        </p:nvSpPr>
-        <p:spPr/>
-        <p:txBody>
-          <a:bodyPr/>
-          <a:lstStyle/>
-          <a:p>
-            <a:fld id="{526ADF51-C4A2-4521-899C-87F34FDB9C0A}" type="slidenum">
-              <a:rPr lang="ko-KR" altLang="en-US" smtClean="0"/>
-              <a:pPr/>
-              <a:t>15</a:t>
-            </a:fld>
-            <a:r>
-              <a:rPr lang="en-US" altLang="ko-KR"/>
-              <a:t>/76</a:t>
-            </a:r>
-            <a:endParaRPr lang="ko-KR" altLang="en-US" dirty="0"/>
-          </a:p>
-        </p:txBody>
-      </p:sp>
-      <p:sp>
-        <p:nvSpPr>
           <p:cNvPr id="9" name="직사각형 8">
             <a:extLst>
               <a:ext uri="{FF2B5EF4-FFF2-40B4-BE49-F238E27FC236}">
@@ -12488,6 +12427,40 @@
           <a:p>
             <a:pPr algn="ctr"/>
             <a:endParaRPr lang="ko-KR" altLang="en-US"/>
+          </a:p>
+        </p:txBody>
+      </p:sp>
+      <p:sp>
+        <p:nvSpPr>
+          <p:cNvPr id="3" name="슬라이드 번호 개체 틀 2">
+            <a:extLst>
+              <a:ext uri="{FF2B5EF4-FFF2-40B4-BE49-F238E27FC236}">
+                <a16:creationId xmlns:a16="http://schemas.microsoft.com/office/drawing/2014/main" id="{B2E10878-8B8D-4157-BF3C-9C0BB91F1E2D}"/>
+              </a:ext>
+            </a:extLst>
+          </p:cNvPr>
+          <p:cNvSpPr>
+            <a:spLocks noGrp="1"/>
+          </p:cNvSpPr>
+          <p:nvPr>
+            <p:ph type="sldNum" sz="quarter" idx="12"/>
+          </p:nvPr>
+        </p:nvSpPr>
+        <p:spPr/>
+        <p:txBody>
+          <a:bodyPr/>
+          <a:lstStyle/>
+          <a:p>
+            <a:fld id="{526ADF51-C4A2-4521-899C-87F34FDB9C0A}" type="slidenum">
+              <a:rPr lang="ko-KR" altLang="en-US" smtClean="0"/>
+              <a:pPr/>
+              <a:t>15</a:t>
+            </a:fld>
+            <a:r>
+              <a:rPr lang="en-US" altLang="ko-KR"/>
+              <a:t>/77</a:t>
+            </a:r>
+            <a:endParaRPr lang="ko-KR" altLang="en-US" dirty="0"/>
           </a:p>
         </p:txBody>
       </p:sp>
@@ -13008,6 +12981,40 @@
           <a:p>
             <a:pPr algn="ctr"/>
             <a:endParaRPr lang="ko-KR" altLang="en-US"/>
+          </a:p>
+        </p:txBody>
+      </p:sp>
+      <p:sp>
+        <p:nvSpPr>
+          <p:cNvPr id="2" name="슬라이드 번호 개체 틀 1">
+            <a:extLst>
+              <a:ext uri="{FF2B5EF4-FFF2-40B4-BE49-F238E27FC236}">
+                <a16:creationId xmlns:a16="http://schemas.microsoft.com/office/drawing/2014/main" id="{496AFCDC-CA09-4E6F-ABDA-91CCC329AE4D}"/>
+              </a:ext>
+            </a:extLst>
+          </p:cNvPr>
+          <p:cNvSpPr>
+            <a:spLocks noGrp="1"/>
+          </p:cNvSpPr>
+          <p:nvPr>
+            <p:ph type="sldNum" sz="quarter" idx="12"/>
+          </p:nvPr>
+        </p:nvSpPr>
+        <p:spPr/>
+        <p:txBody>
+          <a:bodyPr/>
+          <a:lstStyle/>
+          <a:p>
+            <a:fld id="{526ADF51-C4A2-4521-899C-87F34FDB9C0A}" type="slidenum">
+              <a:rPr lang="ko-KR" altLang="en-US" smtClean="0"/>
+              <a:pPr/>
+              <a:t>16</a:t>
+            </a:fld>
+            <a:r>
+              <a:rPr lang="en-US" altLang="ko-KR"/>
+              <a:t>/77</a:t>
+            </a:r>
+            <a:endParaRPr lang="ko-KR" altLang="en-US" dirty="0"/>
           </a:p>
         </p:txBody>
       </p:sp>
@@ -13594,34 +13601,6 @@
       </p:sp>
       <p:sp>
         <p:nvSpPr>
-          <p:cNvPr id="3" name="슬라이드 번호 개체 틀 2"/>
-          <p:cNvSpPr>
-            <a:spLocks noGrp="1"/>
-          </p:cNvSpPr>
-          <p:nvPr>
-            <p:ph type="sldNum" sz="quarter" idx="12"/>
-          </p:nvPr>
-        </p:nvSpPr>
-        <p:spPr/>
-        <p:txBody>
-          <a:bodyPr/>
-          <a:lstStyle/>
-          <a:p>
-            <a:fld id="{526ADF51-C4A2-4521-899C-87F34FDB9C0A}" type="slidenum">
-              <a:rPr lang="ko-KR" altLang="en-US" smtClean="0"/>
-              <a:pPr/>
-              <a:t>17</a:t>
-            </a:fld>
-            <a:r>
-              <a:rPr lang="en-US" altLang="ko-KR"/>
-              <a:t>/76</a:t>
-            </a:r>
-            <a:endParaRPr lang="ko-KR" altLang="en-US" dirty="0"/>
-          </a:p>
-        </p:txBody>
-      </p:sp>
-      <p:sp>
-        <p:nvSpPr>
           <p:cNvPr id="4" name="TextBox 3">
             <a:extLst>
               <a:ext uri="{FF2B5EF4-FFF2-40B4-BE49-F238E27FC236}">
@@ -13711,6 +13690,40 @@
               </a:rPr>
               <a:t> 화면</a:t>
             </a:r>
+          </a:p>
+        </p:txBody>
+      </p:sp>
+      <p:sp>
+        <p:nvSpPr>
+          <p:cNvPr id="5" name="슬라이드 번호 개체 틀 4">
+            <a:extLst>
+              <a:ext uri="{FF2B5EF4-FFF2-40B4-BE49-F238E27FC236}">
+                <a16:creationId xmlns:a16="http://schemas.microsoft.com/office/drawing/2014/main" id="{9A5C8B83-9AC0-4CF1-84A0-44C4D9B881E9}"/>
+              </a:ext>
+            </a:extLst>
+          </p:cNvPr>
+          <p:cNvSpPr>
+            <a:spLocks noGrp="1"/>
+          </p:cNvSpPr>
+          <p:nvPr>
+            <p:ph type="sldNum" sz="quarter" idx="12"/>
+          </p:nvPr>
+        </p:nvSpPr>
+        <p:spPr/>
+        <p:txBody>
+          <a:bodyPr/>
+          <a:lstStyle/>
+          <a:p>
+            <a:fld id="{526ADF51-C4A2-4521-899C-87F34FDB9C0A}" type="slidenum">
+              <a:rPr lang="ko-KR" altLang="en-US" smtClean="0"/>
+              <a:pPr/>
+              <a:t>17</a:t>
+            </a:fld>
+            <a:r>
+              <a:rPr lang="en-US" altLang="ko-KR"/>
+              <a:t>/77</a:t>
+            </a:r>
+            <a:endParaRPr lang="ko-KR" altLang="en-US" dirty="0"/>
           </a:p>
         </p:txBody>
       </p:sp>
@@ -14112,7 +14125,13 @@
       </p:sp>
       <p:sp>
         <p:nvSpPr>
-          <p:cNvPr id="2" name="슬라이드 번호 개체 틀 1"/>
+          <p:cNvPr id="3" name="슬라이드 번호 개체 틀 2">
+            <a:extLst>
+              <a:ext uri="{FF2B5EF4-FFF2-40B4-BE49-F238E27FC236}">
+                <a16:creationId xmlns:a16="http://schemas.microsoft.com/office/drawing/2014/main" id="{F6AE81E6-E97B-479F-9D02-F6C6E50D413F}"/>
+              </a:ext>
+            </a:extLst>
+          </p:cNvPr>
           <p:cNvSpPr>
             <a:spLocks noGrp="1"/>
           </p:cNvSpPr>
@@ -14132,7 +14151,7 @@
             </a:fld>
             <a:r>
               <a:rPr lang="en-US" altLang="ko-KR"/>
-              <a:t>/76</a:t>
+              <a:t>/77</a:t>
             </a:r>
             <a:endParaRPr lang="ko-KR" altLang="en-US" dirty="0"/>
           </a:p>
@@ -14540,7 +14559,13 @@
       </p:sp>
       <p:sp>
         <p:nvSpPr>
-          <p:cNvPr id="2" name="슬라이드 번호 개체 틀 1"/>
+          <p:cNvPr id="3" name="슬라이드 번호 개체 틀 2">
+            <a:extLst>
+              <a:ext uri="{FF2B5EF4-FFF2-40B4-BE49-F238E27FC236}">
+                <a16:creationId xmlns:a16="http://schemas.microsoft.com/office/drawing/2014/main" id="{63DCD4BE-4400-4D64-B8AF-109B6A2A9943}"/>
+              </a:ext>
+            </a:extLst>
+          </p:cNvPr>
           <p:cNvSpPr>
             <a:spLocks noGrp="1"/>
           </p:cNvSpPr>
@@ -14560,7 +14585,7 @@
             </a:fld>
             <a:r>
               <a:rPr lang="en-US" altLang="ko-KR"/>
-              <a:t>/76</a:t>
+              <a:t>/77</a:t>
             </a:r>
             <a:endParaRPr lang="ko-KR" altLang="en-US" dirty="0"/>
           </a:p>
@@ -15406,7 +15431,13 @@
       </p:pic>
       <p:sp>
         <p:nvSpPr>
-          <p:cNvPr id="3" name="슬라이드 번호 개체 틀 2"/>
+          <p:cNvPr id="5" name="슬라이드 번호 개체 틀 4">
+            <a:extLst>
+              <a:ext uri="{FF2B5EF4-FFF2-40B4-BE49-F238E27FC236}">
+                <a16:creationId xmlns:a16="http://schemas.microsoft.com/office/drawing/2014/main" id="{EBC7CD13-A1CA-466E-BFA0-43FB439B0B8F}"/>
+              </a:ext>
+            </a:extLst>
+          </p:cNvPr>
           <p:cNvSpPr>
             <a:spLocks noGrp="1"/>
           </p:cNvSpPr>
@@ -15426,7 +15457,7 @@
             </a:fld>
             <a:r>
               <a:rPr lang="en-US" altLang="ko-KR"/>
-              <a:t>/76</a:t>
+              <a:t>/77</a:t>
             </a:r>
             <a:endParaRPr lang="ko-KR" altLang="en-US" dirty="0"/>
           </a:p>
@@ -15925,7 +15956,13 @@
       </p:sp>
       <p:sp>
         <p:nvSpPr>
-          <p:cNvPr id="2" name="슬라이드 번호 개체 틀 1"/>
+          <p:cNvPr id="3" name="슬라이드 번호 개체 틀 2">
+            <a:extLst>
+              <a:ext uri="{FF2B5EF4-FFF2-40B4-BE49-F238E27FC236}">
+                <a16:creationId xmlns:a16="http://schemas.microsoft.com/office/drawing/2014/main" id="{32B3A8FA-2F56-45D2-874C-B58F661320BD}"/>
+              </a:ext>
+            </a:extLst>
+          </p:cNvPr>
           <p:cNvSpPr>
             <a:spLocks noGrp="1"/>
           </p:cNvSpPr>
@@ -15945,7 +15982,7 @@
             </a:fld>
             <a:r>
               <a:rPr lang="en-US" altLang="ko-KR"/>
-              <a:t>/76</a:t>
+              <a:t>/77</a:t>
             </a:r>
             <a:endParaRPr lang="ko-KR" altLang="en-US" dirty="0"/>
           </a:p>
@@ -16492,7 +16529,13 @@
       </p:sp>
       <p:sp>
         <p:nvSpPr>
-          <p:cNvPr id="3" name="슬라이드 번호 개체 틀 2"/>
+          <p:cNvPr id="4" name="슬라이드 번호 개체 틀 3">
+            <a:extLst>
+              <a:ext uri="{FF2B5EF4-FFF2-40B4-BE49-F238E27FC236}">
+                <a16:creationId xmlns:a16="http://schemas.microsoft.com/office/drawing/2014/main" id="{294C518F-5187-4070-823D-00A8A9B3E3A3}"/>
+              </a:ext>
+            </a:extLst>
+          </p:cNvPr>
           <p:cNvSpPr>
             <a:spLocks noGrp="1"/>
           </p:cNvSpPr>
@@ -16512,7 +16555,7 @@
             </a:fld>
             <a:r>
               <a:rPr lang="en-US" altLang="ko-KR"/>
-              <a:t>/76</a:t>
+              <a:t>/77</a:t>
             </a:r>
             <a:endParaRPr lang="ko-KR" altLang="en-US" dirty="0"/>
           </a:p>
@@ -17218,34 +17261,6 @@
       </p:cxnSp>
       <p:sp>
         <p:nvSpPr>
-          <p:cNvPr id="2" name="슬라이드 번호 개체 틀 1"/>
-          <p:cNvSpPr>
-            <a:spLocks noGrp="1"/>
-          </p:cNvSpPr>
-          <p:nvPr>
-            <p:ph type="sldNum" sz="quarter" idx="12"/>
-          </p:nvPr>
-        </p:nvSpPr>
-        <p:spPr/>
-        <p:txBody>
-          <a:bodyPr/>
-          <a:lstStyle/>
-          <a:p>
-            <a:fld id="{526ADF51-C4A2-4521-899C-87F34FDB9C0A}" type="slidenum">
-              <a:rPr lang="ko-KR" altLang="en-US" smtClean="0"/>
-              <a:pPr/>
-              <a:t>22</a:t>
-            </a:fld>
-            <a:r>
-              <a:rPr lang="en-US" altLang="ko-KR"/>
-              <a:t>/76</a:t>
-            </a:r>
-            <a:endParaRPr lang="ko-KR" altLang="en-US" dirty="0"/>
-          </a:p>
-        </p:txBody>
-      </p:sp>
-      <p:sp>
-        <p:nvSpPr>
           <p:cNvPr id="10" name="직사각형 9">
             <a:extLst>
               <a:ext uri="{FF2B5EF4-FFF2-40B4-BE49-F238E27FC236}">
@@ -17296,6 +17311,40 @@
           </a:p>
         </p:txBody>
       </p:sp>
+      <p:sp>
+        <p:nvSpPr>
+          <p:cNvPr id="3" name="슬라이드 번호 개체 틀 2">
+            <a:extLst>
+              <a:ext uri="{FF2B5EF4-FFF2-40B4-BE49-F238E27FC236}">
+                <a16:creationId xmlns:a16="http://schemas.microsoft.com/office/drawing/2014/main" id="{4516F9C7-39D6-4424-9334-F18260934F05}"/>
+              </a:ext>
+            </a:extLst>
+          </p:cNvPr>
+          <p:cNvSpPr>
+            <a:spLocks noGrp="1"/>
+          </p:cNvSpPr>
+          <p:nvPr>
+            <p:ph type="sldNum" sz="quarter" idx="12"/>
+          </p:nvPr>
+        </p:nvSpPr>
+        <p:spPr/>
+        <p:txBody>
+          <a:bodyPr/>
+          <a:lstStyle/>
+          <a:p>
+            <a:fld id="{526ADF51-C4A2-4521-899C-87F34FDB9C0A}" type="slidenum">
+              <a:rPr lang="ko-KR" altLang="en-US" smtClean="0"/>
+              <a:pPr/>
+              <a:t>22</a:t>
+            </a:fld>
+            <a:r>
+              <a:rPr lang="en-US" altLang="ko-KR"/>
+              <a:t>/77</a:t>
+            </a:r>
+            <a:endParaRPr lang="ko-KR" altLang="en-US" dirty="0"/>
+          </a:p>
+        </p:txBody>
+      </p:sp>
     </p:spTree>
     <p:extLst>
       <p:ext uri="{BB962C8B-B14F-4D97-AF65-F5344CB8AC3E}">
@@ -17871,34 +17920,6 @@
           </a:p>
         </p:txBody>
       </p:sp>
-      <p:sp>
-        <p:nvSpPr>
-          <p:cNvPr id="3" name="슬라이드 번호 개체 틀 2"/>
-          <p:cNvSpPr>
-            <a:spLocks noGrp="1"/>
-          </p:cNvSpPr>
-          <p:nvPr>
-            <p:ph type="sldNum" sz="quarter" idx="12"/>
-          </p:nvPr>
-        </p:nvSpPr>
-        <p:spPr/>
-        <p:txBody>
-          <a:bodyPr/>
-          <a:lstStyle/>
-          <a:p>
-            <a:fld id="{526ADF51-C4A2-4521-899C-87F34FDB9C0A}" type="slidenum">
-              <a:rPr lang="ko-KR" altLang="en-US" smtClean="0"/>
-              <a:pPr/>
-              <a:t>23</a:t>
-            </a:fld>
-            <a:r>
-              <a:rPr lang="en-US" altLang="ko-KR"/>
-              <a:t>/76</a:t>
-            </a:r>
-            <a:endParaRPr lang="ko-KR" altLang="en-US" dirty="0"/>
-          </a:p>
-        </p:txBody>
-      </p:sp>
       <p:pic>
         <p:nvPicPr>
           <p:cNvPr id="5" name="그림 4">
@@ -17929,6 +17950,40 @@
           </a:prstGeom>
         </p:spPr>
       </p:pic>
+      <p:sp>
+        <p:nvSpPr>
+          <p:cNvPr id="2" name="슬라이드 번호 개체 틀 1">
+            <a:extLst>
+              <a:ext uri="{FF2B5EF4-FFF2-40B4-BE49-F238E27FC236}">
+                <a16:creationId xmlns:a16="http://schemas.microsoft.com/office/drawing/2014/main" id="{76CC5A8C-6602-4F37-BADD-D54619BA7F16}"/>
+              </a:ext>
+            </a:extLst>
+          </p:cNvPr>
+          <p:cNvSpPr>
+            <a:spLocks noGrp="1"/>
+          </p:cNvSpPr>
+          <p:nvPr>
+            <p:ph type="sldNum" sz="quarter" idx="12"/>
+          </p:nvPr>
+        </p:nvSpPr>
+        <p:spPr/>
+        <p:txBody>
+          <a:bodyPr/>
+          <a:lstStyle/>
+          <a:p>
+            <a:fld id="{526ADF51-C4A2-4521-899C-87F34FDB9C0A}" type="slidenum">
+              <a:rPr lang="ko-KR" altLang="en-US" smtClean="0"/>
+              <a:pPr/>
+              <a:t>23</a:t>
+            </a:fld>
+            <a:r>
+              <a:rPr lang="en-US" altLang="ko-KR"/>
+              <a:t>/77</a:t>
+            </a:r>
+            <a:endParaRPr lang="ko-KR" altLang="en-US" dirty="0"/>
+          </a:p>
+        </p:txBody>
+      </p:sp>
     </p:spTree>
     <p:extLst>
       <p:ext uri="{BB962C8B-B14F-4D97-AF65-F5344CB8AC3E}">
@@ -18639,7 +18694,13 @@
       </p:sp>
       <p:sp>
         <p:nvSpPr>
-          <p:cNvPr id="2" name="슬라이드 번호 개체 틀 1"/>
+          <p:cNvPr id="3" name="슬라이드 번호 개체 틀 2">
+            <a:extLst>
+              <a:ext uri="{FF2B5EF4-FFF2-40B4-BE49-F238E27FC236}">
+                <a16:creationId xmlns:a16="http://schemas.microsoft.com/office/drawing/2014/main" id="{0661110C-9222-4F80-8B63-E59DE7EF69F8}"/>
+              </a:ext>
+            </a:extLst>
+          </p:cNvPr>
           <p:cNvSpPr>
             <a:spLocks noGrp="1"/>
           </p:cNvSpPr>
@@ -18659,7 +18720,7 @@
             </a:fld>
             <a:r>
               <a:rPr lang="en-US" altLang="ko-KR"/>
-              <a:t>/76</a:t>
+              <a:t>/77</a:t>
             </a:r>
             <a:endParaRPr lang="ko-KR" altLang="en-US" dirty="0"/>
           </a:p>
@@ -19207,34 +19268,6 @@
           </a:p>
         </p:txBody>
       </p:sp>
-      <p:sp>
-        <p:nvSpPr>
-          <p:cNvPr id="3" name="슬라이드 번호 개체 틀 2"/>
-          <p:cNvSpPr>
-            <a:spLocks noGrp="1"/>
-          </p:cNvSpPr>
-          <p:nvPr>
-            <p:ph type="sldNum" sz="quarter" idx="12"/>
-          </p:nvPr>
-        </p:nvSpPr>
-        <p:spPr/>
-        <p:txBody>
-          <a:bodyPr/>
-          <a:lstStyle/>
-          <a:p>
-            <a:fld id="{526ADF51-C4A2-4521-899C-87F34FDB9C0A}" type="slidenum">
-              <a:rPr lang="ko-KR" altLang="en-US" smtClean="0"/>
-              <a:pPr/>
-              <a:t>25</a:t>
-            </a:fld>
-            <a:r>
-              <a:rPr lang="en-US" altLang="ko-KR"/>
-              <a:t>/76</a:t>
-            </a:r>
-            <a:endParaRPr lang="ko-KR" altLang="en-US" dirty="0"/>
-          </a:p>
-        </p:txBody>
-      </p:sp>
       <p:pic>
         <p:nvPicPr>
           <p:cNvPr id="5" name="그림 4">
@@ -19265,6 +19298,40 @@
           </a:prstGeom>
         </p:spPr>
       </p:pic>
+      <p:sp>
+        <p:nvSpPr>
+          <p:cNvPr id="2" name="슬라이드 번호 개체 틀 1">
+            <a:extLst>
+              <a:ext uri="{FF2B5EF4-FFF2-40B4-BE49-F238E27FC236}">
+                <a16:creationId xmlns:a16="http://schemas.microsoft.com/office/drawing/2014/main" id="{E1BE617C-6861-4BDA-8E4A-08C0B79F41EE}"/>
+              </a:ext>
+            </a:extLst>
+          </p:cNvPr>
+          <p:cNvSpPr>
+            <a:spLocks noGrp="1"/>
+          </p:cNvSpPr>
+          <p:nvPr>
+            <p:ph type="sldNum" sz="quarter" idx="12"/>
+          </p:nvPr>
+        </p:nvSpPr>
+        <p:spPr/>
+        <p:txBody>
+          <a:bodyPr/>
+          <a:lstStyle/>
+          <a:p>
+            <a:fld id="{526ADF51-C4A2-4521-899C-87F34FDB9C0A}" type="slidenum">
+              <a:rPr lang="ko-KR" altLang="en-US" smtClean="0"/>
+              <a:pPr/>
+              <a:t>25</a:t>
+            </a:fld>
+            <a:r>
+              <a:rPr lang="en-US" altLang="ko-KR"/>
+              <a:t>/77</a:t>
+            </a:r>
+            <a:endParaRPr lang="ko-KR" altLang="en-US" dirty="0"/>
+          </a:p>
+        </p:txBody>
+      </p:sp>
     </p:spTree>
     <p:extLst>
       <p:ext uri="{BB962C8B-B14F-4D97-AF65-F5344CB8AC3E}">
@@ -19723,34 +19790,6 @@
           </a:p>
         </p:txBody>
       </p:sp>
-      <p:sp>
-        <p:nvSpPr>
-          <p:cNvPr id="2" name="슬라이드 번호 개체 틀 1"/>
-          <p:cNvSpPr>
-            <a:spLocks noGrp="1"/>
-          </p:cNvSpPr>
-          <p:nvPr>
-            <p:ph type="sldNum" sz="quarter" idx="12"/>
-          </p:nvPr>
-        </p:nvSpPr>
-        <p:spPr/>
-        <p:txBody>
-          <a:bodyPr/>
-          <a:lstStyle/>
-          <a:p>
-            <a:fld id="{526ADF51-C4A2-4521-899C-87F34FDB9C0A}" type="slidenum">
-              <a:rPr lang="ko-KR" altLang="en-US" smtClean="0"/>
-              <a:pPr/>
-              <a:t>26</a:t>
-            </a:fld>
-            <a:r>
-              <a:rPr lang="en-US" altLang="ko-KR"/>
-              <a:t>/76</a:t>
-            </a:r>
-            <a:endParaRPr lang="ko-KR" altLang="en-US" dirty="0"/>
-          </a:p>
-        </p:txBody>
-      </p:sp>
       <p:pic>
         <p:nvPicPr>
           <p:cNvPr id="5" name="그림 4">
@@ -19781,6 +19820,40 @@
           </a:prstGeom>
         </p:spPr>
       </p:pic>
+      <p:sp>
+        <p:nvSpPr>
+          <p:cNvPr id="3" name="슬라이드 번호 개체 틀 2">
+            <a:extLst>
+              <a:ext uri="{FF2B5EF4-FFF2-40B4-BE49-F238E27FC236}">
+                <a16:creationId xmlns:a16="http://schemas.microsoft.com/office/drawing/2014/main" id="{7893CA44-A2A5-4B03-93B5-B24ACD29462E}"/>
+              </a:ext>
+            </a:extLst>
+          </p:cNvPr>
+          <p:cNvSpPr>
+            <a:spLocks noGrp="1"/>
+          </p:cNvSpPr>
+          <p:nvPr>
+            <p:ph type="sldNum" sz="quarter" idx="12"/>
+          </p:nvPr>
+        </p:nvSpPr>
+        <p:spPr/>
+        <p:txBody>
+          <a:bodyPr/>
+          <a:lstStyle/>
+          <a:p>
+            <a:fld id="{526ADF51-C4A2-4521-899C-87F34FDB9C0A}" type="slidenum">
+              <a:rPr lang="ko-KR" altLang="en-US" smtClean="0"/>
+              <a:pPr/>
+              <a:t>26</a:t>
+            </a:fld>
+            <a:r>
+              <a:rPr lang="en-US" altLang="ko-KR"/>
+              <a:t>/77</a:t>
+            </a:r>
+            <a:endParaRPr lang="ko-KR" altLang="en-US" dirty="0"/>
+          </a:p>
+        </p:txBody>
+      </p:sp>
     </p:spTree>
     <p:extLst>
       <p:ext uri="{BB962C8B-B14F-4D97-AF65-F5344CB8AC3E}">
@@ -20481,7 +20554,13 @@
       </p:cxnSp>
       <p:sp>
         <p:nvSpPr>
-          <p:cNvPr id="3" name="슬라이드 번호 개체 틀 2"/>
+          <p:cNvPr id="2" name="슬라이드 번호 개체 틀 1">
+            <a:extLst>
+              <a:ext uri="{FF2B5EF4-FFF2-40B4-BE49-F238E27FC236}">
+                <a16:creationId xmlns:a16="http://schemas.microsoft.com/office/drawing/2014/main" id="{10FF4B3E-05D9-442C-97D1-42DD918C588E}"/>
+              </a:ext>
+            </a:extLst>
+          </p:cNvPr>
           <p:cNvSpPr>
             <a:spLocks noGrp="1"/>
           </p:cNvSpPr>
@@ -20501,7 +20580,7 @@
             </a:fld>
             <a:r>
               <a:rPr lang="en-US" altLang="ko-KR"/>
-              <a:t>/76</a:t>
+              <a:t>/77</a:t>
             </a:r>
             <a:endParaRPr lang="ko-KR" altLang="en-US" dirty="0"/>
           </a:p>
@@ -21010,7 +21089,13 @@
       </p:sp>
       <p:sp>
         <p:nvSpPr>
-          <p:cNvPr id="3" name="슬라이드 번호 개체 틀 2"/>
+          <p:cNvPr id="2" name="슬라이드 번호 개체 틀 1">
+            <a:extLst>
+              <a:ext uri="{FF2B5EF4-FFF2-40B4-BE49-F238E27FC236}">
+                <a16:creationId xmlns:a16="http://schemas.microsoft.com/office/drawing/2014/main" id="{A83B02A0-6815-4E1F-BEEB-85E32778858B}"/>
+              </a:ext>
+            </a:extLst>
+          </p:cNvPr>
           <p:cNvSpPr>
             <a:spLocks noGrp="1"/>
           </p:cNvSpPr>
@@ -21030,7 +21115,7 @@
             </a:fld>
             <a:r>
               <a:rPr lang="en-US" altLang="ko-KR"/>
-              <a:t>/76</a:t>
+              <a:t>/77</a:t>
             </a:r>
             <a:endParaRPr lang="ko-KR" altLang="en-US" dirty="0"/>
           </a:p>
@@ -21613,34 +21698,6 @@
             <a:r>
               <a:rPr lang="en-US" altLang="ko-KR" dirty="0"/>
               <a:t>)</a:t>
-            </a:r>
-            <a:endParaRPr lang="ko-KR" altLang="en-US" dirty="0"/>
-          </a:p>
-        </p:txBody>
-      </p:sp>
-      <p:sp>
-        <p:nvSpPr>
-          <p:cNvPr id="2" name="슬라이드 번호 개체 틀 1"/>
-          <p:cNvSpPr>
-            <a:spLocks noGrp="1"/>
-          </p:cNvSpPr>
-          <p:nvPr>
-            <p:ph type="sldNum" sz="quarter" idx="12"/>
-          </p:nvPr>
-        </p:nvSpPr>
-        <p:spPr/>
-        <p:txBody>
-          <a:bodyPr/>
-          <a:lstStyle/>
-          <a:p>
-            <a:fld id="{526ADF51-C4A2-4521-899C-87F34FDB9C0A}" type="slidenum">
-              <a:rPr lang="ko-KR" altLang="en-US" smtClean="0"/>
-              <a:pPr/>
-              <a:t>29</a:t>
-            </a:fld>
-            <a:r>
-              <a:rPr lang="en-US" altLang="ko-KR"/>
-              <a:t>/76</a:t>
             </a:r>
             <a:endParaRPr lang="ko-KR" altLang="en-US" dirty="0"/>
           </a:p>
@@ -21725,6 +21782,40 @@
           <a:p>
             <a:pPr algn="ctr"/>
             <a:endParaRPr lang="ko-KR" altLang="en-US"/>
+          </a:p>
+        </p:txBody>
+      </p:sp>
+      <p:sp>
+        <p:nvSpPr>
+          <p:cNvPr id="3" name="슬라이드 번호 개체 틀 2">
+            <a:extLst>
+              <a:ext uri="{FF2B5EF4-FFF2-40B4-BE49-F238E27FC236}">
+                <a16:creationId xmlns:a16="http://schemas.microsoft.com/office/drawing/2014/main" id="{9A1775E8-43A9-4DB1-89F3-8F8CDADAC7C3}"/>
+              </a:ext>
+            </a:extLst>
+          </p:cNvPr>
+          <p:cNvSpPr>
+            <a:spLocks noGrp="1"/>
+          </p:cNvSpPr>
+          <p:nvPr>
+            <p:ph type="sldNum" sz="quarter" idx="12"/>
+          </p:nvPr>
+        </p:nvSpPr>
+        <p:spPr/>
+        <p:txBody>
+          <a:bodyPr/>
+          <a:lstStyle/>
+          <a:p>
+            <a:fld id="{526ADF51-C4A2-4521-899C-87F34FDB9C0A}" type="slidenum">
+              <a:rPr lang="ko-KR" altLang="en-US" smtClean="0"/>
+              <a:pPr/>
+              <a:t>29</a:t>
+            </a:fld>
+            <a:r>
+              <a:rPr lang="en-US" altLang="ko-KR"/>
+              <a:t>/77</a:t>
+            </a:r>
+            <a:endParaRPr lang="ko-KR" altLang="en-US" dirty="0"/>
           </a:p>
         </p:txBody>
       </p:sp>
@@ -22228,7 +22319,13 @@
       </p:cxnSp>
       <p:sp>
         <p:nvSpPr>
-          <p:cNvPr id="2" name="슬라이드 번호 개체 틀 1"/>
+          <p:cNvPr id="5" name="슬라이드 번호 개체 틀 4">
+            <a:extLst>
+              <a:ext uri="{FF2B5EF4-FFF2-40B4-BE49-F238E27FC236}">
+                <a16:creationId xmlns:a16="http://schemas.microsoft.com/office/drawing/2014/main" id="{0EC8B6A4-6877-4F95-873A-2AC38C79348B}"/>
+              </a:ext>
+            </a:extLst>
+          </p:cNvPr>
           <p:cNvSpPr>
             <a:spLocks noGrp="1"/>
           </p:cNvSpPr>
@@ -22248,7 +22345,7 @@
             </a:fld>
             <a:r>
               <a:rPr lang="en-US" altLang="ko-KR"/>
-              <a:t>/76</a:t>
+              <a:t>/77</a:t>
             </a:r>
             <a:endParaRPr lang="ko-KR" altLang="en-US" dirty="0"/>
           </a:p>
@@ -22985,6 +23082,40 @@
           </a:p>
         </p:txBody>
       </p:sp>
+      <p:sp>
+        <p:nvSpPr>
+          <p:cNvPr id="2" name="슬라이드 번호 개체 틀 1">
+            <a:extLst>
+              <a:ext uri="{FF2B5EF4-FFF2-40B4-BE49-F238E27FC236}">
+                <a16:creationId xmlns:a16="http://schemas.microsoft.com/office/drawing/2014/main" id="{F9237772-A5A7-484A-9279-FEE22F8C0E58}"/>
+              </a:ext>
+            </a:extLst>
+          </p:cNvPr>
+          <p:cNvSpPr>
+            <a:spLocks noGrp="1"/>
+          </p:cNvSpPr>
+          <p:nvPr>
+            <p:ph type="sldNum" sz="quarter" idx="12"/>
+          </p:nvPr>
+        </p:nvSpPr>
+        <p:spPr/>
+        <p:txBody>
+          <a:bodyPr/>
+          <a:lstStyle/>
+          <a:p>
+            <a:fld id="{526ADF51-C4A2-4521-899C-87F34FDB9C0A}" type="slidenum">
+              <a:rPr lang="ko-KR" altLang="en-US" smtClean="0"/>
+              <a:pPr/>
+              <a:t>30</a:t>
+            </a:fld>
+            <a:r>
+              <a:rPr lang="en-US" altLang="ko-KR"/>
+              <a:t>/77</a:t>
+            </a:r>
+            <a:endParaRPr lang="ko-KR" altLang="en-US" dirty="0"/>
+          </a:p>
+        </p:txBody>
+      </p:sp>
     </p:spTree>
     <p:extLst>
       <p:ext uri="{BB962C8B-B14F-4D97-AF65-F5344CB8AC3E}">
@@ -23514,34 +23645,6 @@
           </a:p>
         </p:txBody>
       </p:sp>
-      <p:sp>
-        <p:nvSpPr>
-          <p:cNvPr id="2" name="슬라이드 번호 개체 틀 1"/>
-          <p:cNvSpPr>
-            <a:spLocks noGrp="1"/>
-          </p:cNvSpPr>
-          <p:nvPr>
-            <p:ph type="sldNum" sz="quarter" idx="12"/>
-          </p:nvPr>
-        </p:nvSpPr>
-        <p:spPr/>
-        <p:txBody>
-          <a:bodyPr/>
-          <a:lstStyle/>
-          <a:p>
-            <a:fld id="{526ADF51-C4A2-4521-899C-87F34FDB9C0A}" type="slidenum">
-              <a:rPr lang="ko-KR" altLang="en-US" smtClean="0"/>
-              <a:pPr/>
-              <a:t>31</a:t>
-            </a:fld>
-            <a:r>
-              <a:rPr lang="en-US" altLang="ko-KR"/>
-              <a:t>/76</a:t>
-            </a:r>
-            <a:endParaRPr lang="ko-KR" altLang="en-US" dirty="0"/>
-          </a:p>
-        </p:txBody>
-      </p:sp>
       <p:pic>
         <p:nvPicPr>
           <p:cNvPr id="5" name="그림 4">
@@ -23572,6 +23675,40 @@
           </a:prstGeom>
         </p:spPr>
       </p:pic>
+      <p:sp>
+        <p:nvSpPr>
+          <p:cNvPr id="3" name="슬라이드 번호 개체 틀 2">
+            <a:extLst>
+              <a:ext uri="{FF2B5EF4-FFF2-40B4-BE49-F238E27FC236}">
+                <a16:creationId xmlns:a16="http://schemas.microsoft.com/office/drawing/2014/main" id="{77FD87CB-4B58-4C2C-B41F-2E0951492FE2}"/>
+              </a:ext>
+            </a:extLst>
+          </p:cNvPr>
+          <p:cNvSpPr>
+            <a:spLocks noGrp="1"/>
+          </p:cNvSpPr>
+          <p:nvPr>
+            <p:ph type="sldNum" sz="quarter" idx="12"/>
+          </p:nvPr>
+        </p:nvSpPr>
+        <p:spPr/>
+        <p:txBody>
+          <a:bodyPr/>
+          <a:lstStyle/>
+          <a:p>
+            <a:fld id="{526ADF51-C4A2-4521-899C-87F34FDB9C0A}" type="slidenum">
+              <a:rPr lang="ko-KR" altLang="en-US" smtClean="0"/>
+              <a:pPr/>
+              <a:t>31</a:t>
+            </a:fld>
+            <a:r>
+              <a:rPr lang="en-US" altLang="ko-KR"/>
+              <a:t>/77</a:t>
+            </a:r>
+            <a:endParaRPr lang="ko-KR" altLang="en-US" dirty="0"/>
+          </a:p>
+        </p:txBody>
+      </p:sp>
     </p:spTree>
     <p:extLst>
       <p:ext uri="{BB962C8B-B14F-4D97-AF65-F5344CB8AC3E}">
@@ -24015,34 +24152,6 @@
           </a:p>
         </p:txBody>
       </p:sp>
-      <p:sp>
-        <p:nvSpPr>
-          <p:cNvPr id="3" name="슬라이드 번호 개체 틀 2"/>
-          <p:cNvSpPr>
-            <a:spLocks noGrp="1"/>
-          </p:cNvSpPr>
-          <p:nvPr>
-            <p:ph type="sldNum" sz="quarter" idx="12"/>
-          </p:nvPr>
-        </p:nvSpPr>
-        <p:spPr/>
-        <p:txBody>
-          <a:bodyPr/>
-          <a:lstStyle/>
-          <a:p>
-            <a:fld id="{526ADF51-C4A2-4521-899C-87F34FDB9C0A}" type="slidenum">
-              <a:rPr lang="ko-KR" altLang="en-US" smtClean="0"/>
-              <a:pPr/>
-              <a:t>32</a:t>
-            </a:fld>
-            <a:r>
-              <a:rPr lang="en-US" altLang="ko-KR"/>
-              <a:t>/76</a:t>
-            </a:r>
-            <a:endParaRPr lang="ko-KR" altLang="en-US" dirty="0"/>
-          </a:p>
-        </p:txBody>
-      </p:sp>
       <p:pic>
         <p:nvPicPr>
           <p:cNvPr id="5" name="그림 4">
@@ -24073,6 +24182,40 @@
           </a:prstGeom>
         </p:spPr>
       </p:pic>
+      <p:sp>
+        <p:nvSpPr>
+          <p:cNvPr id="2" name="슬라이드 번호 개체 틀 1">
+            <a:extLst>
+              <a:ext uri="{FF2B5EF4-FFF2-40B4-BE49-F238E27FC236}">
+                <a16:creationId xmlns:a16="http://schemas.microsoft.com/office/drawing/2014/main" id="{1ADF5FFA-61C1-4791-8C5A-CCB82EAC254F}"/>
+              </a:ext>
+            </a:extLst>
+          </p:cNvPr>
+          <p:cNvSpPr>
+            <a:spLocks noGrp="1"/>
+          </p:cNvSpPr>
+          <p:nvPr>
+            <p:ph type="sldNum" sz="quarter" idx="12"/>
+          </p:nvPr>
+        </p:nvSpPr>
+        <p:spPr/>
+        <p:txBody>
+          <a:bodyPr/>
+          <a:lstStyle/>
+          <a:p>
+            <a:fld id="{526ADF51-C4A2-4521-899C-87F34FDB9C0A}" type="slidenum">
+              <a:rPr lang="ko-KR" altLang="en-US" smtClean="0"/>
+              <a:pPr/>
+              <a:t>32</a:t>
+            </a:fld>
+            <a:r>
+              <a:rPr lang="en-US" altLang="ko-KR"/>
+              <a:t>/77</a:t>
+            </a:r>
+            <a:endParaRPr lang="ko-KR" altLang="en-US" dirty="0"/>
+          </a:p>
+        </p:txBody>
+      </p:sp>
     </p:spTree>
     <p:extLst>
       <p:ext uri="{BB962C8B-B14F-4D97-AF65-F5344CB8AC3E}">
@@ -24705,7 +24848,13 @@
       </p:cxnSp>
       <p:sp>
         <p:nvSpPr>
-          <p:cNvPr id="2" name="슬라이드 번호 개체 틀 1"/>
+          <p:cNvPr id="3" name="슬라이드 번호 개체 틀 2">
+            <a:extLst>
+              <a:ext uri="{FF2B5EF4-FFF2-40B4-BE49-F238E27FC236}">
+                <a16:creationId xmlns:a16="http://schemas.microsoft.com/office/drawing/2014/main" id="{FE90E697-1B91-4C4A-9EB3-F40687D0177B}"/>
+              </a:ext>
+            </a:extLst>
+          </p:cNvPr>
           <p:cNvSpPr>
             <a:spLocks noGrp="1"/>
           </p:cNvSpPr>
@@ -24725,7 +24874,7 @@
             </a:fld>
             <a:r>
               <a:rPr lang="en-US" altLang="ko-KR"/>
-              <a:t>/76</a:t>
+              <a:t>/77</a:t>
             </a:r>
             <a:endParaRPr lang="ko-KR" altLang="en-US" dirty="0"/>
           </a:p>
@@ -25156,7 +25305,13 @@
       </p:sp>
       <p:sp>
         <p:nvSpPr>
-          <p:cNvPr id="3" name="슬라이드 번호 개체 틀 2"/>
+          <p:cNvPr id="2" name="슬라이드 번호 개체 틀 1">
+            <a:extLst>
+              <a:ext uri="{FF2B5EF4-FFF2-40B4-BE49-F238E27FC236}">
+                <a16:creationId xmlns:a16="http://schemas.microsoft.com/office/drawing/2014/main" id="{F7DB306F-D4FB-4C4F-9689-4F579AC5B5A3}"/>
+              </a:ext>
+            </a:extLst>
+          </p:cNvPr>
           <p:cNvSpPr>
             <a:spLocks noGrp="1"/>
           </p:cNvSpPr>
@@ -25176,7 +25331,7 @@
             </a:fld>
             <a:r>
               <a:rPr lang="en-US" altLang="ko-KR"/>
-              <a:t>/76</a:t>
+              <a:t>/77</a:t>
             </a:r>
             <a:endParaRPr lang="ko-KR" altLang="en-US" dirty="0"/>
           </a:p>
@@ -25737,7 +25892,13 @@
       </p:sp>
       <p:sp>
         <p:nvSpPr>
-          <p:cNvPr id="2" name="슬라이드 번호 개체 틀 1"/>
+          <p:cNvPr id="3" name="슬라이드 번호 개체 틀 2">
+            <a:extLst>
+              <a:ext uri="{FF2B5EF4-FFF2-40B4-BE49-F238E27FC236}">
+                <a16:creationId xmlns:a16="http://schemas.microsoft.com/office/drawing/2014/main" id="{E48E5995-92FF-4816-86B8-61D1C9F65610}"/>
+              </a:ext>
+            </a:extLst>
+          </p:cNvPr>
           <p:cNvSpPr>
             <a:spLocks noGrp="1"/>
           </p:cNvSpPr>
@@ -25757,7 +25918,7 @@
             </a:fld>
             <a:r>
               <a:rPr lang="en-US" altLang="ko-KR"/>
-              <a:t>/76</a:t>
+              <a:t>/77</a:t>
             </a:r>
             <a:endParaRPr lang="ko-KR" altLang="en-US" dirty="0"/>
           </a:p>
@@ -26314,7 +26475,13 @@
       </p:sp>
       <p:sp>
         <p:nvSpPr>
-          <p:cNvPr id="2" name="슬라이드 번호 개체 틀 1"/>
+          <p:cNvPr id="3" name="슬라이드 번호 개체 틀 2">
+            <a:extLst>
+              <a:ext uri="{FF2B5EF4-FFF2-40B4-BE49-F238E27FC236}">
+                <a16:creationId xmlns:a16="http://schemas.microsoft.com/office/drawing/2014/main" id="{DE9F1400-55DE-42BA-9874-33366172BB66}"/>
+              </a:ext>
+            </a:extLst>
+          </p:cNvPr>
           <p:cNvSpPr>
             <a:spLocks noGrp="1"/>
           </p:cNvSpPr>
@@ -26334,7 +26501,7 @@
             </a:fld>
             <a:r>
               <a:rPr lang="en-US" altLang="ko-KR"/>
-              <a:t>/76</a:t>
+              <a:t>/77</a:t>
             </a:r>
             <a:endParaRPr lang="ko-KR" altLang="en-US" dirty="0"/>
           </a:p>
@@ -26682,16 +26849,10 @@
               <a:rPr lang="ko-KR" altLang="en-US" dirty="0">
                 <a:latin typeface="+mn-ea"/>
               </a:rPr>
-              <a:t>의 내용을 그대로 다시 </a:t>
-            </a:r>
-            <a:r>
-              <a:rPr lang="ko-KR" altLang="en-US" dirty="0" smtClean="0">
-                <a:latin typeface="+mn-ea"/>
-              </a:rPr>
-              <a:t>받기 </a:t>
-            </a:r>
-            <a:r>
-              <a:rPr lang="en-US" altLang="ko-KR" dirty="0" smtClean="0">
+              <a:t>의 내용을 그대로 다시 받기 </a:t>
+            </a:r>
+            <a:r>
+              <a:rPr lang="en-US" altLang="ko-KR" dirty="0">
                 <a:solidFill>
                   <a:srgbClr val="0000FF"/>
                 </a:solidFill>
@@ -26700,7 +26861,7 @@
               <a:t>(pull </a:t>
             </a:r>
             <a:r>
-              <a:rPr lang="ko-KR" altLang="en-US" dirty="0" smtClean="0">
+              <a:rPr lang="ko-KR" altLang="en-US" dirty="0">
                 <a:solidFill>
                   <a:srgbClr val="0000FF"/>
                 </a:solidFill>
@@ -26709,7 +26870,7 @@
               <a:t>먼저 하기</a:t>
             </a:r>
             <a:r>
-              <a:rPr lang="en-US" altLang="ko-KR" dirty="0" smtClean="0">
+              <a:rPr lang="en-US" altLang="ko-KR" dirty="0">
                 <a:solidFill>
                   <a:srgbClr val="0000FF"/>
                 </a:solidFill>
@@ -26717,12 +26878,6 @@
               </a:rPr>
               <a:t>)</a:t>
             </a:r>
-            <a:endParaRPr lang="en-US" altLang="ko-KR" dirty="0">
-              <a:solidFill>
-                <a:srgbClr val="0000FF"/>
-              </a:solidFill>
-              <a:latin typeface="+mn-ea"/>
-            </a:endParaRPr>
           </a:p>
           <a:p>
             <a:pPr marL="450850" lvl="1" indent="0">
@@ -26752,12 +26907,6 @@
               </a:rPr>
               <a:t>으로 </a:t>
             </a:r>
-            <a:r>
-              <a:rPr lang="en-US" altLang="ko-KR" dirty="0">
-                <a:latin typeface="+mn-ea"/>
-              </a:rPr>
-              <a:t/>
-            </a:r>
             <a:br>
               <a:rPr lang="en-US" altLang="ko-KR" dirty="0">
                 <a:latin typeface="+mn-ea"/>
@@ -26779,43 +26928,31 @@
               <a:rPr lang="en-US" altLang="ko-KR" dirty="0">
                 <a:latin typeface="+mn-ea"/>
               </a:rPr>
-              <a:t> fetch origin </a:t>
-            </a:r>
-            <a:r>
-              <a:rPr lang="en-US" altLang="ko-KR" dirty="0" smtClean="0">
-                <a:latin typeface="+mn-ea"/>
-              </a:rPr>
-              <a:t>main # </a:t>
-            </a:r>
-            <a:r>
-              <a:rPr lang="ko-KR" altLang="en-US" dirty="0" smtClean="0">
+              <a:t> fetch origin main # </a:t>
+            </a:r>
+            <a:r>
+              <a:rPr lang="ko-KR" altLang="en-US" dirty="0">
                 <a:latin typeface="+mn-ea"/>
               </a:rPr>
               <a:t>① 강제로 덮어쓰기 </a:t>
             </a:r>
             <a:r>
-              <a:rPr lang="en-US" altLang="ko-KR" dirty="0" smtClean="0">
+              <a:rPr lang="en-US" altLang="ko-KR" dirty="0">
                 <a:latin typeface="+mn-ea"/>
               </a:rPr>
               <a:t>(pull</a:t>
             </a:r>
             <a:r>
-              <a:rPr lang="ko-KR" altLang="en-US" dirty="0" smtClean="0">
+              <a:rPr lang="ko-KR" altLang="en-US" dirty="0">
                 <a:latin typeface="+mn-ea"/>
               </a:rPr>
               <a:t>에 문제가 발생했을 경우</a:t>
             </a:r>
             <a:r>
-              <a:rPr lang="en-US" altLang="ko-KR" dirty="0" smtClean="0">
+              <a:rPr lang="en-US" altLang="ko-KR" dirty="0">
                 <a:latin typeface="+mn-ea"/>
               </a:rPr>
               <a:t>)</a:t>
-            </a:r>
-            <a:r>
-              <a:rPr lang="en-US" altLang="ko-KR" dirty="0">
-                <a:latin typeface="+mn-ea"/>
-              </a:rPr>
-              <a:t/>
             </a:r>
             <a:br>
               <a:rPr lang="en-US" altLang="ko-KR" dirty="0">
@@ -26838,31 +26975,13 @@
               <a:rPr lang="en-US" altLang="ko-KR" dirty="0">
                 <a:latin typeface="+mn-ea"/>
               </a:rPr>
-              <a:t> reset --hard </a:t>
-            </a:r>
-            <a:r>
-              <a:rPr lang="en-US" altLang="ko-KR" dirty="0" smtClean="0">
-                <a:latin typeface="+mn-ea"/>
-              </a:rPr>
-              <a:t>origin/main # </a:t>
-            </a:r>
-            <a:r>
-              <a:rPr lang="ko-KR" altLang="en-US" dirty="0" smtClean="0">
-                <a:latin typeface="+mn-ea"/>
-              </a:rPr>
-              <a:t>② </a:t>
+              <a:t> reset --hard origin/main # </a:t>
             </a:r>
             <a:r>
               <a:rPr lang="ko-KR" altLang="en-US" dirty="0">
                 <a:latin typeface="+mn-ea"/>
               </a:rPr>
-              <a:t>강제로 덮어쓰기</a:t>
-            </a:r>
-            <a:r>
-              <a:rPr lang="en-US" altLang="ko-KR" dirty="0">
-                <a:latin typeface="+mn-ea"/>
-              </a:rPr>
-              <a:t/>
+              <a:t>② 강제로 덮어쓰기</a:t>
             </a:r>
             <a:br>
               <a:rPr lang="en-US" altLang="ko-KR" dirty="0">
@@ -26965,7 +27084,13 @@
       </p:pic>
       <p:sp>
         <p:nvSpPr>
-          <p:cNvPr id="3" name="슬라이드 번호 개체 틀 2"/>
+          <p:cNvPr id="4" name="슬라이드 번호 개체 틀 3">
+            <a:extLst>
+              <a:ext uri="{FF2B5EF4-FFF2-40B4-BE49-F238E27FC236}">
+                <a16:creationId xmlns:a16="http://schemas.microsoft.com/office/drawing/2014/main" id="{141B49F7-1361-4514-95B7-B9CEA67CAFC2}"/>
+              </a:ext>
+            </a:extLst>
+          </p:cNvPr>
           <p:cNvSpPr>
             <a:spLocks noGrp="1"/>
           </p:cNvSpPr>
@@ -26985,7 +27110,7 @@
             </a:fld>
             <a:r>
               <a:rPr lang="en-US" altLang="ko-KR"/>
-              <a:t>/76</a:t>
+              <a:t>/77</a:t>
             </a:r>
             <a:endParaRPr lang="ko-KR" altLang="en-US" dirty="0"/>
           </a:p>
@@ -27551,13 +27676,7 @@
               <a:rPr lang="en-US" altLang="ko-KR" dirty="0">
                 <a:latin typeface="+mn-ea"/>
               </a:rPr>
-              <a:t> checkout </a:t>
-            </a:r>
-            <a:r>
-              <a:rPr lang="en-US" altLang="ko-KR" dirty="0" smtClean="0">
-                <a:latin typeface="+mn-ea"/>
-              </a:rPr>
-              <a:t>-b </a:t>
+              <a:t> checkout -b </a:t>
             </a:r>
             <a:r>
               <a:rPr lang="en-US" altLang="ko-KR" dirty="0" err="1">
@@ -27820,7 +27939,13 @@
       </p:cxnSp>
       <p:sp>
         <p:nvSpPr>
-          <p:cNvPr id="2" name="슬라이드 번호 개체 틀 1"/>
+          <p:cNvPr id="3" name="슬라이드 번호 개체 틀 2">
+            <a:extLst>
+              <a:ext uri="{FF2B5EF4-FFF2-40B4-BE49-F238E27FC236}">
+                <a16:creationId xmlns:a16="http://schemas.microsoft.com/office/drawing/2014/main" id="{9CE75468-E3CF-4A09-918B-F1FA362FD2FA}"/>
+              </a:ext>
+            </a:extLst>
+          </p:cNvPr>
           <p:cNvSpPr>
             <a:spLocks noGrp="1"/>
           </p:cNvSpPr>
@@ -27840,7 +27965,7 @@
             </a:fld>
             <a:r>
               <a:rPr lang="en-US" altLang="ko-KR"/>
-              <a:t>/76</a:t>
+              <a:t>/77</a:t>
             </a:r>
             <a:endParaRPr lang="ko-KR" altLang="en-US" dirty="0"/>
           </a:p>
@@ -28487,7 +28612,13 @@
       </p:sp>
       <p:sp>
         <p:nvSpPr>
-          <p:cNvPr id="2" name="슬라이드 번호 개체 틀 1"/>
+          <p:cNvPr id="3" name="슬라이드 번호 개체 틀 2">
+            <a:extLst>
+              <a:ext uri="{FF2B5EF4-FFF2-40B4-BE49-F238E27FC236}">
+                <a16:creationId xmlns:a16="http://schemas.microsoft.com/office/drawing/2014/main" id="{4DE9AEFC-1238-4464-A029-9D157D403235}"/>
+              </a:ext>
+            </a:extLst>
+          </p:cNvPr>
           <p:cNvSpPr>
             <a:spLocks noGrp="1"/>
           </p:cNvSpPr>
@@ -28507,7 +28638,7 @@
             </a:fld>
             <a:r>
               <a:rPr lang="en-US" altLang="ko-KR"/>
-              <a:t>/76</a:t>
+              <a:t>/77</a:t>
             </a:r>
             <a:endParaRPr lang="ko-KR" altLang="en-US" dirty="0"/>
           </a:p>
@@ -29251,7 +29382,13 @@
       </p:cxnSp>
       <p:sp>
         <p:nvSpPr>
-          <p:cNvPr id="3" name="슬라이드 번호 개체 틀 2"/>
+          <p:cNvPr id="5" name="슬라이드 번호 개체 틀 4">
+            <a:extLst>
+              <a:ext uri="{FF2B5EF4-FFF2-40B4-BE49-F238E27FC236}">
+                <a16:creationId xmlns:a16="http://schemas.microsoft.com/office/drawing/2014/main" id="{DF5613E3-CF50-43EC-905E-42D6EAF711F4}"/>
+              </a:ext>
+            </a:extLst>
+          </p:cNvPr>
           <p:cNvSpPr>
             <a:spLocks noGrp="1"/>
           </p:cNvSpPr>
@@ -29271,7 +29408,7 @@
             </a:fld>
             <a:r>
               <a:rPr lang="en-US" altLang="ko-KR"/>
-              <a:t>/76</a:t>
+              <a:t>/77</a:t>
             </a:r>
             <a:endParaRPr lang="ko-KR" altLang="en-US" dirty="0"/>
           </a:p>
@@ -29494,31 +29631,37 @@
           <a:p>
             <a:pPr lvl="1"/>
             <a:r>
-              <a:rPr lang="ko-KR" altLang="en-US" dirty="0" smtClean="0">
+              <a:rPr lang="ko-KR" altLang="en-US" dirty="0">
                 <a:latin typeface="+mn-ea"/>
               </a:rPr>
               <a:t>로컬저장소에서 </a:t>
             </a:r>
             <a:r>
-              <a:rPr lang="en-US" altLang="ko-KR" dirty="0" smtClean="0">
-                <a:latin typeface="+mn-ea"/>
-              </a:rPr>
-              <a:t>origin main</a:t>
-            </a:r>
-            <a:r>
-              <a:rPr lang="ko-KR" altLang="en-US" dirty="0" smtClean="0">
+              <a:rPr lang="en-US" altLang="ko-KR" dirty="0">
+                <a:latin typeface="+mn-ea"/>
+              </a:rPr>
+              <a:t>origin </a:t>
+            </a:r>
+            <a:r>
+              <a:rPr lang="en-US" altLang="ko-KR" dirty="0" err="1">
+                <a:latin typeface="+mn-ea"/>
+              </a:rPr>
+              <a:t>spbuilding</a:t>
+            </a:r>
+            <a:r>
+              <a:rPr lang="ko-KR" altLang="en-US" dirty="0">
                 <a:latin typeface="+mn-ea"/>
               </a:rPr>
               <a:t>으로 </a:t>
             </a:r>
             <a:r>
-              <a:rPr lang="en-US" altLang="ko-KR" dirty="0" smtClean="0">
+              <a:rPr lang="en-US" altLang="ko-KR" dirty="0">
                 <a:latin typeface="+mn-ea"/>
               </a:rPr>
               <a:t>push</a:t>
             </a:r>
             <a:r>
-              <a:rPr lang="ko-KR" altLang="en-US" dirty="0" smtClean="0">
+              <a:rPr lang="ko-KR" altLang="en-US" dirty="0">
                 <a:latin typeface="+mn-ea"/>
               </a:rPr>
               <a:t> </a:t>
@@ -29589,67 +29732,37 @@
               <a:rPr lang="en-US" altLang="ko-KR" dirty="0">
                 <a:latin typeface="+mn-ea"/>
               </a:rPr>
-              <a:t>    ☞ </a:t>
+              <a:t>    ☞ git branch -av  # </a:t>
             </a:r>
             <a:r>
               <a:rPr lang="en-US" altLang="ko-KR" dirty="0" err="1">
                 <a:latin typeface="+mn-ea"/>
               </a:rPr>
-              <a:t>git</a:t>
+              <a:t>spbuilding</a:t>
+            </a:r>
+            <a:r>
+              <a:rPr lang="ko-KR" altLang="en-US" dirty="0">
+                <a:latin typeface="+mn-ea"/>
+              </a:rPr>
+              <a:t> </a:t>
+            </a:r>
+            <a:r>
+              <a:rPr lang="ko-KR" altLang="en-US" dirty="0" err="1">
+                <a:latin typeface="+mn-ea"/>
+              </a:rPr>
+              <a:t>브랜치</a:t>
+            </a:r>
+            <a:r>
+              <a:rPr lang="ko-KR" altLang="en-US" dirty="0">
+                <a:latin typeface="+mn-ea"/>
+              </a:rPr>
+              <a:t> </a:t>
             </a:r>
             <a:r>
               <a:rPr lang="en-US" altLang="ko-KR" dirty="0">
                 <a:latin typeface="+mn-ea"/>
               </a:rPr>
-              <a:t> branch -</a:t>
-            </a:r>
-            <a:r>
-              <a:rPr lang="en-US" altLang="ko-KR" dirty="0" err="1">
-                <a:latin typeface="+mn-ea"/>
-              </a:rPr>
-              <a:t>av</a:t>
-            </a:r>
-            <a:r>
-              <a:rPr lang="en-US" altLang="ko-KR" dirty="0">
-                <a:latin typeface="+mn-ea"/>
-              </a:rPr>
-              <a:t>  # </a:t>
-            </a:r>
-            <a:r>
-              <a:rPr lang="en-US" altLang="ko-KR" dirty="0" err="1">
-                <a:latin typeface="+mn-ea"/>
-              </a:rPr>
-              <a:t>spbuilding</a:t>
-            </a:r>
-            <a:r>
-              <a:rPr lang="ko-KR" altLang="en-US" dirty="0">
-                <a:latin typeface="+mn-ea"/>
-              </a:rPr>
-              <a:t> </a:t>
-            </a:r>
-            <a:r>
-              <a:rPr lang="ko-KR" altLang="en-US" dirty="0" err="1">
-                <a:latin typeface="+mn-ea"/>
-              </a:rPr>
-              <a:t>브랜치</a:t>
-            </a:r>
-            <a:r>
-              <a:rPr lang="ko-KR" altLang="en-US" dirty="0">
-                <a:latin typeface="+mn-ea"/>
-              </a:rPr>
-              <a:t> </a:t>
-            </a:r>
-            <a:r>
-              <a:rPr lang="en-US" altLang="ko-KR" dirty="0" smtClean="0">
-                <a:latin typeface="+mn-ea"/>
-              </a:rPr>
-              <a:t>working </a:t>
-            </a:r>
-            <a:r>
-              <a:rPr lang="en-US" altLang="ko-KR" dirty="0">
-                <a:latin typeface="+mn-ea"/>
-              </a:rPr>
-              <a:t>tree </a:t>
+              <a:t>working tree </a:t>
             </a:r>
             <a:r>
               <a:rPr lang="ko-KR" altLang="en-US" dirty="0">
@@ -29669,19 +29782,7 @@
               <a:rPr lang="en-US" altLang="ko-KR" dirty="0">
                 <a:latin typeface="+mn-ea"/>
               </a:rPr>
-              <a:t>    ☞ </a:t>
-            </a:r>
-            <a:r>
-              <a:rPr lang="en-US" altLang="ko-KR" dirty="0" err="1">
-                <a:latin typeface="+mn-ea"/>
-              </a:rPr>
-              <a:t>git</a:t>
-            </a:r>
-            <a:r>
-              <a:rPr lang="en-US" altLang="ko-KR" dirty="0">
-                <a:latin typeface="+mn-ea"/>
-              </a:rPr>
-              <a:t> push -u origin </a:t>
+              <a:t>    ☞ git push -u origin </a:t>
             </a:r>
             <a:r>
               <a:rPr lang="en-US" altLang="ko-KR" dirty="0" err="1">
@@ -29989,7 +30090,13 @@
       </p:sp>
       <p:sp>
         <p:nvSpPr>
-          <p:cNvPr id="2" name="슬라이드 번호 개체 틀 1"/>
+          <p:cNvPr id="3" name="슬라이드 번호 개체 틀 2">
+            <a:extLst>
+              <a:ext uri="{FF2B5EF4-FFF2-40B4-BE49-F238E27FC236}">
+                <a16:creationId xmlns:a16="http://schemas.microsoft.com/office/drawing/2014/main" id="{7DCAEBF4-CA04-434D-8956-297D698FAF2B}"/>
+              </a:ext>
+            </a:extLst>
+          </p:cNvPr>
           <p:cNvSpPr>
             <a:spLocks noGrp="1"/>
           </p:cNvSpPr>
@@ -30009,7 +30116,7 @@
             </a:fld>
             <a:r>
               <a:rPr lang="en-US" altLang="ko-KR"/>
-              <a:t>/76</a:t>
+              <a:t>/77</a:t>
             </a:r>
             <a:endParaRPr lang="ko-KR" altLang="en-US" dirty="0"/>
           </a:p>
@@ -30238,7 +30345,7 @@
               <a:t>내</a:t>
             </a:r>
             <a:r>
-              <a:rPr lang="en-US" altLang="ko-KR" dirty="0" smtClean="0">
+              <a:rPr lang="en-US" altLang="ko-KR" dirty="0">
                 <a:latin typeface="+mn-ea"/>
               </a:rPr>
               <a:t> </a:t>
@@ -30619,7 +30726,13 @@
       </p:sp>
       <p:sp>
         <p:nvSpPr>
-          <p:cNvPr id="3" name="슬라이드 번호 개체 틀 2"/>
+          <p:cNvPr id="4" name="슬라이드 번호 개체 틀 3">
+            <a:extLst>
+              <a:ext uri="{FF2B5EF4-FFF2-40B4-BE49-F238E27FC236}">
+                <a16:creationId xmlns:a16="http://schemas.microsoft.com/office/drawing/2014/main" id="{8EABC656-97E7-4485-B408-CF9AC408D91E}"/>
+              </a:ext>
+            </a:extLst>
+          </p:cNvPr>
           <p:cNvSpPr>
             <a:spLocks noGrp="1"/>
           </p:cNvSpPr>
@@ -30639,7 +30752,7 @@
             </a:fld>
             <a:r>
               <a:rPr lang="en-US" altLang="ko-KR"/>
-              <a:t>/76</a:t>
+              <a:t>/77</a:t>
             </a:r>
             <a:endParaRPr lang="ko-KR" altLang="en-US" dirty="0"/>
           </a:p>
@@ -30870,34 +30983,16 @@
           <a:p>
             <a:pPr lvl="1"/>
             <a:r>
-              <a:rPr lang="en-US" altLang="ko-KR" dirty="0" smtClean="0">
-                <a:latin typeface="+mn-ea"/>
-              </a:rPr>
-              <a:t>owner</a:t>
-            </a:r>
-            <a:r>
-              <a:rPr lang="en-US" altLang="ko-KR" dirty="0" smtClean="0">
-                <a:latin typeface="+mn-ea"/>
-              </a:rPr>
-              <a:t> </a:t>
-            </a:r>
-            <a:r>
-              <a:rPr lang="ko-KR" altLang="en-US" dirty="0" smtClean="0">
-                <a:latin typeface="+mn-ea"/>
-              </a:rPr>
-              <a:t>화면에</a:t>
+              <a:rPr lang="en-US" altLang="ko-KR" dirty="0">
+                <a:latin typeface="+mn-ea"/>
+              </a:rPr>
+              <a:t>owner </a:t>
             </a:r>
             <a:r>
               <a:rPr lang="ko-KR" altLang="en-US" dirty="0">
                 <a:latin typeface="+mn-ea"/>
               </a:rPr>
-              <a:t>는</a:t>
-            </a:r>
-            <a:r>
-              <a:rPr lang="ko-KR" altLang="en-US" dirty="0" smtClean="0">
-                <a:latin typeface="+mn-ea"/>
-              </a:rPr>
-              <a:t> </a:t>
+              <a:t>화면에는 </a:t>
             </a:r>
             <a:r>
               <a:rPr lang="en-US" altLang="ko-KR" dirty="0">
@@ -31049,34 +31144,6 @@
           </a:prstGeom>
         </p:spPr>
       </p:pic>
-      <p:sp>
-        <p:nvSpPr>
-          <p:cNvPr id="2" name="슬라이드 번호 개체 틀 1"/>
-          <p:cNvSpPr>
-            <a:spLocks noGrp="1"/>
-          </p:cNvSpPr>
-          <p:nvPr>
-            <p:ph type="sldNum" sz="quarter" idx="12"/>
-          </p:nvPr>
-        </p:nvSpPr>
-        <p:spPr/>
-        <p:txBody>
-          <a:bodyPr/>
-          <a:lstStyle/>
-          <a:p>
-            <a:fld id="{526ADF51-C4A2-4521-899C-87F34FDB9C0A}" type="slidenum">
-              <a:rPr lang="ko-KR" altLang="en-US" smtClean="0"/>
-              <a:pPr/>
-              <a:t>42</a:t>
-            </a:fld>
-            <a:r>
-              <a:rPr lang="en-US" altLang="ko-KR"/>
-              <a:t>/76</a:t>
-            </a:r>
-            <a:endParaRPr lang="ko-KR" altLang="en-US" dirty="0"/>
-          </a:p>
-        </p:txBody>
-      </p:sp>
       <p:sp>
         <p:nvSpPr>
           <p:cNvPr id="6" name="직사각형 5">
@@ -31178,6 +31245,40 @@
           <a:p>
             <a:pPr algn="ctr"/>
             <a:endParaRPr lang="ko-KR" altLang="en-US"/>
+          </a:p>
+        </p:txBody>
+      </p:sp>
+      <p:sp>
+        <p:nvSpPr>
+          <p:cNvPr id="4" name="슬라이드 번호 개체 틀 3">
+            <a:extLst>
+              <a:ext uri="{FF2B5EF4-FFF2-40B4-BE49-F238E27FC236}">
+                <a16:creationId xmlns:a16="http://schemas.microsoft.com/office/drawing/2014/main" id="{5B6960AA-3ABE-4271-965D-4A0EEA1D1989}"/>
+              </a:ext>
+            </a:extLst>
+          </p:cNvPr>
+          <p:cNvSpPr>
+            <a:spLocks noGrp="1"/>
+          </p:cNvSpPr>
+          <p:nvPr>
+            <p:ph type="sldNum" sz="quarter" idx="12"/>
+          </p:nvPr>
+        </p:nvSpPr>
+        <p:spPr/>
+        <p:txBody>
+          <a:bodyPr/>
+          <a:lstStyle/>
+          <a:p>
+            <a:fld id="{526ADF51-C4A2-4521-899C-87F34FDB9C0A}" type="slidenum">
+              <a:rPr lang="ko-KR" altLang="en-US" smtClean="0"/>
+              <a:pPr/>
+              <a:t>42</a:t>
+            </a:fld>
+            <a:r>
+              <a:rPr lang="en-US" altLang="ko-KR"/>
+              <a:t>/77</a:t>
+            </a:r>
+            <a:endParaRPr lang="ko-KR" altLang="en-US" dirty="0"/>
           </a:p>
         </p:txBody>
       </p:sp>
@@ -31795,7 +31896,13 @@
       </p:cxnSp>
       <p:sp>
         <p:nvSpPr>
-          <p:cNvPr id="3" name="슬라이드 번호 개체 틀 2"/>
+          <p:cNvPr id="4" name="슬라이드 번호 개체 틀 3">
+            <a:extLst>
+              <a:ext uri="{FF2B5EF4-FFF2-40B4-BE49-F238E27FC236}">
+                <a16:creationId xmlns:a16="http://schemas.microsoft.com/office/drawing/2014/main" id="{64AE5FB3-CE9D-45E5-9678-0E59F2D45BDA}"/>
+              </a:ext>
+            </a:extLst>
+          </p:cNvPr>
           <p:cNvSpPr>
             <a:spLocks noGrp="1"/>
           </p:cNvSpPr>
@@ -31815,7 +31922,7 @@
             </a:fld>
             <a:r>
               <a:rPr lang="en-US" altLang="ko-KR"/>
-              <a:t>/76</a:t>
+              <a:t>/77</a:t>
             </a:r>
             <a:endParaRPr lang="ko-KR" altLang="en-US" dirty="0"/>
           </a:p>
@@ -32071,22 +32178,16 @@
               <a:rPr lang="ko-KR" altLang="en-US" dirty="0">
                 <a:latin typeface="+mn-ea"/>
               </a:rPr>
-              <a:t>화면에서 주요 내용 </a:t>
-            </a:r>
-            <a:r>
-              <a:rPr lang="ko-KR" altLang="en-US" dirty="0" smtClean="0">
-                <a:latin typeface="+mn-ea"/>
-              </a:rPr>
-              <a:t>확인</a:t>
-            </a:r>
-            <a:r>
-              <a:rPr lang="en-US" altLang="ko-KR" dirty="0" smtClean="0">
+              <a:t>화면에서 주요 내용 확인</a:t>
+            </a:r>
+            <a:r>
+              <a:rPr lang="en-US" altLang="ko-KR" dirty="0">
                 <a:latin typeface="+mn-ea"/>
               </a:rPr>
               <a:t> </a:t>
             </a:r>
             <a:r>
-              <a:rPr lang="ko-KR" altLang="en-US" dirty="0" smtClean="0">
+              <a:rPr lang="ko-KR" altLang="en-US" dirty="0">
                 <a:latin typeface="+mn-ea"/>
               </a:rPr>
               <a:t> </a:t>
@@ -32627,7 +32728,13 @@
       </p:sp>
       <p:sp>
         <p:nvSpPr>
-          <p:cNvPr id="2" name="슬라이드 번호 개체 틀 1"/>
+          <p:cNvPr id="4" name="슬라이드 번호 개체 틀 3">
+            <a:extLst>
+              <a:ext uri="{FF2B5EF4-FFF2-40B4-BE49-F238E27FC236}">
+                <a16:creationId xmlns:a16="http://schemas.microsoft.com/office/drawing/2014/main" id="{B4B432C5-0EEE-472E-9D7D-3D0091E7DAF8}"/>
+              </a:ext>
+            </a:extLst>
+          </p:cNvPr>
           <p:cNvSpPr>
             <a:spLocks noGrp="1"/>
           </p:cNvSpPr>
@@ -32647,7 +32754,7 @@
             </a:fld>
             <a:r>
               <a:rPr lang="en-US" altLang="ko-KR"/>
-              <a:t>/76</a:t>
+              <a:t>/77</a:t>
             </a:r>
             <a:endParaRPr lang="ko-KR" altLang="en-US" dirty="0"/>
           </a:p>
@@ -33123,7 +33230,13 @@
       </p:sp>
       <p:sp>
         <p:nvSpPr>
-          <p:cNvPr id="3" name="슬라이드 번호 개체 틀 2"/>
+          <p:cNvPr id="4" name="슬라이드 번호 개체 틀 3">
+            <a:extLst>
+              <a:ext uri="{FF2B5EF4-FFF2-40B4-BE49-F238E27FC236}">
+                <a16:creationId xmlns:a16="http://schemas.microsoft.com/office/drawing/2014/main" id="{992AE09D-F5AD-4782-B02E-DFA261B4FA5F}"/>
+              </a:ext>
+            </a:extLst>
+          </p:cNvPr>
           <p:cNvSpPr>
             <a:spLocks noGrp="1"/>
           </p:cNvSpPr>
@@ -33143,7 +33256,7 @@
             </a:fld>
             <a:r>
               <a:rPr lang="en-US" altLang="ko-KR"/>
-              <a:t>/76</a:t>
+              <a:t>/77</a:t>
             </a:r>
             <a:endParaRPr lang="ko-KR" altLang="en-US" dirty="0"/>
           </a:p>
@@ -33808,7 +33921,13 @@
       </p:cxnSp>
       <p:sp>
         <p:nvSpPr>
-          <p:cNvPr id="3" name="슬라이드 번호 개체 틀 2"/>
+          <p:cNvPr id="4" name="슬라이드 번호 개체 틀 3">
+            <a:extLst>
+              <a:ext uri="{FF2B5EF4-FFF2-40B4-BE49-F238E27FC236}">
+                <a16:creationId xmlns:a16="http://schemas.microsoft.com/office/drawing/2014/main" id="{091EAC38-26C1-4564-AAC2-DA5179468586}"/>
+              </a:ext>
+            </a:extLst>
+          </p:cNvPr>
           <p:cNvSpPr>
             <a:spLocks noGrp="1"/>
           </p:cNvSpPr>
@@ -33828,7 +33947,7 @@
             </a:fld>
             <a:r>
               <a:rPr lang="en-US" altLang="ko-KR"/>
-              <a:t>/76</a:t>
+              <a:t>/77</a:t>
             </a:r>
             <a:endParaRPr lang="ko-KR" altLang="en-US" dirty="0"/>
           </a:p>
@@ -34081,7 +34200,7 @@
               <a:t>Open </a:t>
             </a:r>
             <a:r>
-              <a:rPr lang="ko-KR" altLang="en-US" dirty="0" smtClean="0">
+              <a:rPr lang="ko-KR" altLang="en-US" dirty="0">
                 <a:latin typeface="+mn-ea"/>
               </a:rPr>
               <a:t>화면 내용 확인 </a:t>
@@ -34681,7 +34800,13 @@
       </p:sp>
       <p:sp>
         <p:nvSpPr>
-          <p:cNvPr id="2" name="슬라이드 번호 개체 틀 1"/>
+          <p:cNvPr id="3" name="슬라이드 번호 개체 틀 2">
+            <a:extLst>
+              <a:ext uri="{FF2B5EF4-FFF2-40B4-BE49-F238E27FC236}">
+                <a16:creationId xmlns:a16="http://schemas.microsoft.com/office/drawing/2014/main" id="{E2C51D83-CBA6-498B-90BA-90D824701AD2}"/>
+              </a:ext>
+            </a:extLst>
+          </p:cNvPr>
           <p:cNvSpPr>
             <a:spLocks noGrp="1"/>
           </p:cNvSpPr>
@@ -34701,7 +34826,7 @@
             </a:fld>
             <a:r>
               <a:rPr lang="en-US" altLang="ko-KR"/>
-              <a:t>/76</a:t>
+              <a:t>/77</a:t>
             </a:r>
             <a:endParaRPr lang="ko-KR" altLang="en-US" dirty="0"/>
           </a:p>
@@ -35424,7 +35549,13 @@
       </p:sp>
       <p:sp>
         <p:nvSpPr>
-          <p:cNvPr id="3" name="슬라이드 번호 개체 틀 2"/>
+          <p:cNvPr id="4" name="슬라이드 번호 개체 틀 3">
+            <a:extLst>
+              <a:ext uri="{FF2B5EF4-FFF2-40B4-BE49-F238E27FC236}">
+                <a16:creationId xmlns:a16="http://schemas.microsoft.com/office/drawing/2014/main" id="{D20E2AE8-8D85-49F7-B8A2-C306B0D966A6}"/>
+              </a:ext>
+            </a:extLst>
+          </p:cNvPr>
           <p:cNvSpPr>
             <a:spLocks noGrp="1"/>
           </p:cNvSpPr>
@@ -35444,7 +35575,7 @@
             </a:fld>
             <a:r>
               <a:rPr lang="en-US" altLang="ko-KR"/>
-              <a:t>/76</a:t>
+              <a:t>/77</a:t>
             </a:r>
             <a:endParaRPr lang="ko-KR" altLang="en-US" dirty="0"/>
           </a:p>
@@ -35652,26 +35783,25 @@
               <a:t>협업 활동 </a:t>
             </a:r>
             <a:r>
-              <a:rPr lang="en-US" altLang="ko-KR" dirty="0" smtClean="0"/>
+              <a:rPr lang="en-US" altLang="ko-KR" dirty="0"/>
               <a:t>(PR</a:t>
             </a:r>
             <a:r>
-              <a:rPr lang="ko-KR" altLang="en-US" dirty="0" smtClean="0"/>
+              <a:rPr lang="ko-KR" altLang="en-US" dirty="0"/>
               <a:t>후에는 참여자에게 통보됨</a:t>
             </a:r>
             <a:r>
-              <a:rPr lang="en-US" altLang="ko-KR" dirty="0" smtClean="0"/>
+              <a:rPr lang="en-US" altLang="ko-KR" dirty="0"/>
               <a:t>, owner </a:t>
             </a:r>
             <a:r>
-              <a:rPr lang="ko-KR" altLang="en-US" dirty="0" smtClean="0"/>
+              <a:rPr lang="ko-KR" altLang="en-US" dirty="0"/>
               <a:t>메일 화면</a:t>
             </a:r>
             <a:r>
-              <a:rPr lang="en-US" altLang="ko-KR" dirty="0" smtClean="0"/>
+              <a:rPr lang="en-US" altLang="ko-KR" dirty="0"/>
               <a:t>)</a:t>
             </a:r>
-            <a:endParaRPr lang="en-US" altLang="ko-KR" dirty="0"/>
           </a:p>
           <a:p>
             <a:pPr marL="620713" lvl="1" indent="-169863"/>
@@ -35802,7 +35932,7 @@
             </a:r>
             <a:r>
               <a:rPr lang="en-US" altLang="ko-KR" dirty="0"/>
-              <a:t>(collaborator </a:t>
+              <a:t>(leader </a:t>
             </a:r>
             <a:r>
               <a:rPr lang="ko-KR" altLang="en-US" dirty="0"/>
@@ -35811,34 +35941,6 @@
             <a:r>
               <a:rPr lang="en-US" altLang="ko-KR" dirty="0"/>
               <a:t>)</a:t>
-            </a:r>
-            <a:endParaRPr lang="ko-KR" altLang="en-US" dirty="0"/>
-          </a:p>
-        </p:txBody>
-      </p:sp>
-      <p:sp>
-        <p:nvSpPr>
-          <p:cNvPr id="2" name="슬라이드 번호 개체 틀 1"/>
-          <p:cNvSpPr>
-            <a:spLocks noGrp="1"/>
-          </p:cNvSpPr>
-          <p:nvPr>
-            <p:ph type="sldNum" sz="quarter" idx="12"/>
-          </p:nvPr>
-        </p:nvSpPr>
-        <p:spPr/>
-        <p:txBody>
-          <a:bodyPr/>
-          <a:lstStyle/>
-          <a:p>
-            <a:fld id="{526ADF51-C4A2-4521-899C-87F34FDB9C0A}" type="slidenum">
-              <a:rPr lang="ko-KR" altLang="en-US" smtClean="0"/>
-              <a:pPr/>
-              <a:t>49</a:t>
-            </a:fld>
-            <a:r>
-              <a:rPr lang="en-US" altLang="ko-KR"/>
-              <a:t>/76</a:t>
             </a:r>
             <a:endParaRPr lang="ko-KR" altLang="en-US" dirty="0"/>
           </a:p>
@@ -35977,6 +36079,40 @@
           </a:fontRef>
         </p:style>
       </p:cxnSp>
+      <p:sp>
+        <p:nvSpPr>
+          <p:cNvPr id="3" name="슬라이드 번호 개체 틀 2">
+            <a:extLst>
+              <a:ext uri="{FF2B5EF4-FFF2-40B4-BE49-F238E27FC236}">
+                <a16:creationId xmlns:a16="http://schemas.microsoft.com/office/drawing/2014/main" id="{DEA7CD25-9865-48F4-A030-5C403E6D3AF4}"/>
+              </a:ext>
+            </a:extLst>
+          </p:cNvPr>
+          <p:cNvSpPr>
+            <a:spLocks noGrp="1"/>
+          </p:cNvSpPr>
+          <p:nvPr>
+            <p:ph type="sldNum" sz="quarter" idx="12"/>
+          </p:nvPr>
+        </p:nvSpPr>
+        <p:spPr/>
+        <p:txBody>
+          <a:bodyPr/>
+          <a:lstStyle/>
+          <a:p>
+            <a:fld id="{526ADF51-C4A2-4521-899C-87F34FDB9C0A}" type="slidenum">
+              <a:rPr lang="ko-KR" altLang="en-US" smtClean="0"/>
+              <a:pPr/>
+              <a:t>49</a:t>
+            </a:fld>
+            <a:r>
+              <a:rPr lang="en-US" altLang="ko-KR"/>
+              <a:t>/77</a:t>
+            </a:r>
+            <a:endParaRPr lang="ko-KR" altLang="en-US" dirty="0"/>
+          </a:p>
+        </p:txBody>
+      </p:sp>
     </p:spTree>
     <p:extLst>
       <p:ext uri="{BB962C8B-B14F-4D97-AF65-F5344CB8AC3E}">
@@ -36419,7 +36555,13 @@
       </p:cxnSp>
       <p:sp>
         <p:nvSpPr>
-          <p:cNvPr id="5" name="슬라이드 번호 개체 틀 4"/>
+          <p:cNvPr id="6" name="슬라이드 번호 개체 틀 5">
+            <a:extLst>
+              <a:ext uri="{FF2B5EF4-FFF2-40B4-BE49-F238E27FC236}">
+                <a16:creationId xmlns:a16="http://schemas.microsoft.com/office/drawing/2014/main" id="{9C232232-3CAF-43EA-B400-23C5A402B22D}"/>
+              </a:ext>
+            </a:extLst>
+          </p:cNvPr>
           <p:cNvSpPr>
             <a:spLocks noGrp="1"/>
           </p:cNvSpPr>
@@ -36439,7 +36581,7 @@
             </a:fld>
             <a:r>
               <a:rPr lang="en-US" altLang="ko-KR"/>
-              <a:t>/76</a:t>
+              <a:t>/77</a:t>
             </a:r>
             <a:endParaRPr lang="ko-KR" altLang="en-US" dirty="0"/>
           </a:p>
@@ -36867,7 +37009,13 @@
       </p:sp>
       <p:sp>
         <p:nvSpPr>
-          <p:cNvPr id="3" name="슬라이드 번호 개체 틀 2"/>
+          <p:cNvPr id="2" name="슬라이드 번호 개체 틀 1">
+            <a:extLst>
+              <a:ext uri="{FF2B5EF4-FFF2-40B4-BE49-F238E27FC236}">
+                <a16:creationId xmlns:a16="http://schemas.microsoft.com/office/drawing/2014/main" id="{25F2ED94-8A60-4E0B-A0CF-204FB75F2A09}"/>
+              </a:ext>
+            </a:extLst>
+          </p:cNvPr>
           <p:cNvSpPr>
             <a:spLocks noGrp="1"/>
           </p:cNvSpPr>
@@ -36887,7 +37035,7 @@
             </a:fld>
             <a:r>
               <a:rPr lang="en-US" altLang="ko-KR"/>
-              <a:t>/76</a:t>
+              <a:t>/77</a:t>
             </a:r>
             <a:endParaRPr lang="ko-KR" altLang="en-US" dirty="0"/>
           </a:p>
@@ -37137,22 +37285,16 @@
               <a:rPr lang="ko-KR" altLang="en-US" dirty="0">
                 <a:latin typeface="+mn-ea"/>
               </a:rPr>
-              <a:t>참여자 누구나 할 수 </a:t>
-            </a:r>
-            <a:r>
-              <a:rPr lang="ko-KR" altLang="en-US" dirty="0" smtClean="0">
-                <a:latin typeface="+mn-ea"/>
-              </a:rPr>
-              <a:t>있지만</a:t>
-            </a:r>
-            <a:r>
-              <a:rPr lang="en-US" altLang="ko-KR" dirty="0" smtClean="0">
+              <a:t>참여자 누구나 할 수 있지만</a:t>
+            </a:r>
+            <a:r>
+              <a:rPr lang="en-US" altLang="ko-KR" dirty="0">
                 <a:latin typeface="+mn-ea"/>
               </a:rPr>
               <a:t>, </a:t>
             </a:r>
             <a:r>
-              <a:rPr lang="ko-KR" altLang="en-US" dirty="0" smtClean="0">
+              <a:rPr lang="ko-KR" altLang="en-US" dirty="0">
                 <a:solidFill>
                   <a:srgbClr val="0000FF"/>
                 </a:solidFill>
@@ -37161,7 +37303,7 @@
               <a:t>잠깐</a:t>
             </a:r>
             <a:r>
-              <a:rPr lang="en-US" altLang="ko-KR" dirty="0" smtClean="0">
+              <a:rPr lang="en-US" altLang="ko-KR" dirty="0">
                 <a:solidFill>
                   <a:srgbClr val="0000FF"/>
                 </a:solidFill>
@@ -37170,7 +37312,7 @@
               <a:t>! </a:t>
             </a:r>
             <a:r>
-              <a:rPr lang="ko-KR" altLang="en-US" dirty="0" err="1" smtClean="0">
+              <a:rPr lang="ko-KR" altLang="en-US" dirty="0" err="1">
                 <a:solidFill>
                   <a:srgbClr val="0000FF"/>
                 </a:solidFill>
@@ -37179,7 +37321,7 @@
               <a:t>검토후</a:t>
             </a:r>
             <a:r>
-              <a:rPr lang="ko-KR" altLang="en-US" dirty="0" smtClean="0">
+              <a:rPr lang="ko-KR" altLang="en-US" dirty="0">
                 <a:solidFill>
                   <a:srgbClr val="0000FF"/>
                 </a:solidFill>
@@ -37371,7 +37513,13 @@
       </p:cxnSp>
       <p:sp>
         <p:nvSpPr>
-          <p:cNvPr id="2" name="슬라이드 번호 개체 틀 1"/>
+          <p:cNvPr id="3" name="슬라이드 번호 개체 틀 2">
+            <a:extLst>
+              <a:ext uri="{FF2B5EF4-FFF2-40B4-BE49-F238E27FC236}">
+                <a16:creationId xmlns:a16="http://schemas.microsoft.com/office/drawing/2014/main" id="{4EF13FE3-CC20-4234-8EE1-0027661F5332}"/>
+              </a:ext>
+            </a:extLst>
+          </p:cNvPr>
           <p:cNvSpPr>
             <a:spLocks noGrp="1"/>
           </p:cNvSpPr>
@@ -37391,7 +37539,7 @@
             </a:fld>
             <a:r>
               <a:rPr lang="en-US" altLang="ko-KR"/>
-              <a:t>/76</a:t>
+              <a:t>/77</a:t>
             </a:r>
             <a:endParaRPr lang="ko-KR" altLang="en-US" dirty="0"/>
           </a:p>
@@ -37617,13 +37765,7 @@
               <a:rPr lang="ko-KR" altLang="en-US" dirty="0">
                 <a:latin typeface="+mn-ea"/>
               </a:rPr>
-              <a:t>수정 내용 </a:t>
-            </a:r>
-            <a:r>
-              <a:rPr lang="ko-KR" altLang="en-US" dirty="0" smtClean="0">
-                <a:latin typeface="+mn-ea"/>
-              </a:rPr>
-              <a:t>검토 </a:t>
+              <a:t>수정 내용 검토 </a:t>
             </a:r>
             <a:endParaRPr lang="en-US" altLang="ko-KR" dirty="0">
               <a:latin typeface="+mn-ea"/>
@@ -37803,34 +37945,6 @@
           </a:fontRef>
         </p:style>
       </p:cxnSp>
-      <p:sp>
-        <p:nvSpPr>
-          <p:cNvPr id="3" name="슬라이드 번호 개체 틀 2"/>
-          <p:cNvSpPr>
-            <a:spLocks noGrp="1"/>
-          </p:cNvSpPr>
-          <p:nvPr>
-            <p:ph type="sldNum" sz="quarter" idx="12"/>
-          </p:nvPr>
-        </p:nvSpPr>
-        <p:spPr/>
-        <p:txBody>
-          <a:bodyPr/>
-          <a:lstStyle/>
-          <a:p>
-            <a:fld id="{526ADF51-C4A2-4521-899C-87F34FDB9C0A}" type="slidenum">
-              <a:rPr lang="ko-KR" altLang="en-US" smtClean="0"/>
-              <a:pPr/>
-              <a:t>52</a:t>
-            </a:fld>
-            <a:r>
-              <a:rPr lang="en-US" altLang="ko-KR"/>
-              <a:t>/76</a:t>
-            </a:r>
-            <a:endParaRPr lang="ko-KR" altLang="en-US" dirty="0"/>
-          </a:p>
-        </p:txBody>
-      </p:sp>
       <p:sp>
         <p:nvSpPr>
           <p:cNvPr id="9" name="직사각형 8">
@@ -37934,6 +38048,40 @@
           </a:fontRef>
         </p:style>
       </p:cxnSp>
+      <p:sp>
+        <p:nvSpPr>
+          <p:cNvPr id="4" name="슬라이드 번호 개체 틀 3">
+            <a:extLst>
+              <a:ext uri="{FF2B5EF4-FFF2-40B4-BE49-F238E27FC236}">
+                <a16:creationId xmlns:a16="http://schemas.microsoft.com/office/drawing/2014/main" id="{9FA48260-E835-48D4-BA0B-E3483E7FF4BE}"/>
+              </a:ext>
+            </a:extLst>
+          </p:cNvPr>
+          <p:cNvSpPr>
+            <a:spLocks noGrp="1"/>
+          </p:cNvSpPr>
+          <p:nvPr>
+            <p:ph type="sldNum" sz="quarter" idx="12"/>
+          </p:nvPr>
+        </p:nvSpPr>
+        <p:spPr/>
+        <p:txBody>
+          <a:bodyPr/>
+          <a:lstStyle/>
+          <a:p>
+            <a:fld id="{526ADF51-C4A2-4521-899C-87F34FDB9C0A}" type="slidenum">
+              <a:rPr lang="ko-KR" altLang="en-US" smtClean="0"/>
+              <a:pPr/>
+              <a:t>52</a:t>
+            </a:fld>
+            <a:r>
+              <a:rPr lang="en-US" altLang="ko-KR"/>
+              <a:t>/77</a:t>
+            </a:r>
+            <a:endParaRPr lang="ko-KR" altLang="en-US" dirty="0"/>
+          </a:p>
+        </p:txBody>
+      </p:sp>
     </p:spTree>
     <p:extLst>
       <p:ext uri="{BB962C8B-B14F-4D97-AF65-F5344CB8AC3E}">
@@ -38582,7 +38730,13 @@
       </p:sp>
       <p:sp>
         <p:nvSpPr>
-          <p:cNvPr id="2" name="슬라이드 번호 개체 틀 1"/>
+          <p:cNvPr id="5" name="슬라이드 번호 개체 틀 4">
+            <a:extLst>
+              <a:ext uri="{FF2B5EF4-FFF2-40B4-BE49-F238E27FC236}">
+                <a16:creationId xmlns:a16="http://schemas.microsoft.com/office/drawing/2014/main" id="{73D49031-59E6-4A6B-B196-C7D68F8EE4CF}"/>
+              </a:ext>
+            </a:extLst>
+          </p:cNvPr>
           <p:cNvSpPr>
             <a:spLocks noGrp="1"/>
           </p:cNvSpPr>
@@ -38602,7 +38756,7 @@
             </a:fld>
             <a:r>
               <a:rPr lang="en-US" altLang="ko-KR"/>
-              <a:t>/76</a:t>
+              <a:t>/77</a:t>
             </a:r>
             <a:endParaRPr lang="ko-KR" altLang="en-US" dirty="0"/>
           </a:p>
@@ -39003,7 +39157,13 @@
       </p:sp>
       <p:sp>
         <p:nvSpPr>
-          <p:cNvPr id="2" name="슬라이드 번호 개체 틀 1"/>
+          <p:cNvPr id="3" name="슬라이드 번호 개체 틀 2">
+            <a:extLst>
+              <a:ext uri="{FF2B5EF4-FFF2-40B4-BE49-F238E27FC236}">
+                <a16:creationId xmlns:a16="http://schemas.microsoft.com/office/drawing/2014/main" id="{83A65960-1AB0-47BB-9035-FE51E31CF5A9}"/>
+              </a:ext>
+            </a:extLst>
+          </p:cNvPr>
           <p:cNvSpPr>
             <a:spLocks noGrp="1"/>
           </p:cNvSpPr>
@@ -39023,7 +39183,7 @@
             </a:fld>
             <a:r>
               <a:rPr lang="en-US" altLang="ko-KR"/>
-              <a:t>/76</a:t>
+              <a:t>/77</a:t>
             </a:r>
             <a:endParaRPr lang="ko-KR" altLang="en-US" dirty="0"/>
           </a:p>
@@ -39329,7 +39489,13 @@
       </p:sp>
       <p:sp>
         <p:nvSpPr>
-          <p:cNvPr id="3" name="슬라이드 번호 개체 틀 2"/>
+          <p:cNvPr id="4" name="슬라이드 번호 개체 틀 3">
+            <a:extLst>
+              <a:ext uri="{FF2B5EF4-FFF2-40B4-BE49-F238E27FC236}">
+                <a16:creationId xmlns:a16="http://schemas.microsoft.com/office/drawing/2014/main" id="{48802F9B-4CF0-4925-BCBF-D98AD242F4A2}"/>
+              </a:ext>
+            </a:extLst>
+          </p:cNvPr>
           <p:cNvSpPr>
             <a:spLocks noGrp="1"/>
           </p:cNvSpPr>
@@ -39349,7 +39515,7 @@
             </a:fld>
             <a:r>
               <a:rPr lang="en-US" altLang="ko-KR"/>
-              <a:t>/76</a:t>
+              <a:t>/77</a:t>
             </a:r>
             <a:endParaRPr lang="ko-KR" altLang="en-US" dirty="0"/>
           </a:p>
@@ -39710,7 +39876,13 @@
       </p:sp>
       <p:sp>
         <p:nvSpPr>
-          <p:cNvPr id="3" name="슬라이드 번호 개체 틀 2"/>
+          <p:cNvPr id="4" name="슬라이드 번호 개체 틀 3">
+            <a:extLst>
+              <a:ext uri="{FF2B5EF4-FFF2-40B4-BE49-F238E27FC236}">
+                <a16:creationId xmlns:a16="http://schemas.microsoft.com/office/drawing/2014/main" id="{CA86BBF3-2E08-4C18-938A-2B973E385AFC}"/>
+              </a:ext>
+            </a:extLst>
+          </p:cNvPr>
           <p:cNvSpPr>
             <a:spLocks noGrp="1"/>
           </p:cNvSpPr>
@@ -39730,7 +39902,7 @@
             </a:fld>
             <a:r>
               <a:rPr lang="en-US" altLang="ko-KR"/>
-              <a:t>/76</a:t>
+              <a:t>/77</a:t>
             </a:r>
             <a:endParaRPr lang="ko-KR" altLang="en-US" dirty="0"/>
           </a:p>
@@ -40068,7 +40240,13 @@
       </p:cxnSp>
       <p:sp>
         <p:nvSpPr>
-          <p:cNvPr id="2" name="슬라이드 번호 개체 틀 1"/>
+          <p:cNvPr id="3" name="슬라이드 번호 개체 틀 2">
+            <a:extLst>
+              <a:ext uri="{FF2B5EF4-FFF2-40B4-BE49-F238E27FC236}">
+                <a16:creationId xmlns:a16="http://schemas.microsoft.com/office/drawing/2014/main" id="{1950E997-8813-414D-9199-55895AC10876}"/>
+              </a:ext>
+            </a:extLst>
+          </p:cNvPr>
           <p:cNvSpPr>
             <a:spLocks noGrp="1"/>
           </p:cNvSpPr>
@@ -40088,7 +40266,7 @@
             </a:fld>
             <a:r>
               <a:rPr lang="en-US" altLang="ko-KR"/>
-              <a:t>/76</a:t>
+              <a:t>/77</a:t>
             </a:r>
             <a:endParaRPr lang="ko-KR" altLang="en-US" dirty="0"/>
           </a:p>
@@ -40548,34 +40726,6 @@
           </a:p>
         </p:txBody>
       </p:sp>
-      <p:sp>
-        <p:nvSpPr>
-          <p:cNvPr id="3" name="슬라이드 번호 개체 틀 2"/>
-          <p:cNvSpPr>
-            <a:spLocks noGrp="1"/>
-          </p:cNvSpPr>
-          <p:nvPr>
-            <p:ph type="sldNum" sz="quarter" idx="12"/>
-          </p:nvPr>
-        </p:nvSpPr>
-        <p:spPr/>
-        <p:txBody>
-          <a:bodyPr/>
-          <a:lstStyle/>
-          <a:p>
-            <a:fld id="{526ADF51-C4A2-4521-899C-87F34FDB9C0A}" type="slidenum">
-              <a:rPr lang="ko-KR" altLang="en-US" smtClean="0"/>
-              <a:pPr/>
-              <a:t>58</a:t>
-            </a:fld>
-            <a:r>
-              <a:rPr lang="en-US" altLang="ko-KR"/>
-              <a:t>/76</a:t>
-            </a:r>
-            <a:endParaRPr lang="ko-KR" altLang="en-US" dirty="0"/>
-          </a:p>
-        </p:txBody>
-      </p:sp>
       <p:cxnSp>
         <p:nvCxnSpPr>
           <p:cNvPr id="8" name="직선 연결선 7"/>
@@ -40611,6 +40761,40 @@
           </a:fontRef>
         </p:style>
       </p:cxnSp>
+      <p:sp>
+        <p:nvSpPr>
+          <p:cNvPr id="2" name="슬라이드 번호 개체 틀 1">
+            <a:extLst>
+              <a:ext uri="{FF2B5EF4-FFF2-40B4-BE49-F238E27FC236}">
+                <a16:creationId xmlns:a16="http://schemas.microsoft.com/office/drawing/2014/main" id="{E726B7F4-CCE8-4BD2-806B-B1E698B9EA1B}"/>
+              </a:ext>
+            </a:extLst>
+          </p:cNvPr>
+          <p:cNvSpPr>
+            <a:spLocks noGrp="1"/>
+          </p:cNvSpPr>
+          <p:nvPr>
+            <p:ph type="sldNum" sz="quarter" idx="12"/>
+          </p:nvPr>
+        </p:nvSpPr>
+        <p:spPr/>
+        <p:txBody>
+          <a:bodyPr/>
+          <a:lstStyle/>
+          <a:p>
+            <a:fld id="{526ADF51-C4A2-4521-899C-87F34FDB9C0A}" type="slidenum">
+              <a:rPr lang="ko-KR" altLang="en-US" smtClean="0"/>
+              <a:pPr/>
+              <a:t>58</a:t>
+            </a:fld>
+            <a:r>
+              <a:rPr lang="en-US" altLang="ko-KR"/>
+              <a:t>/77</a:t>
+            </a:r>
+            <a:endParaRPr lang="ko-KR" altLang="en-US" dirty="0"/>
+          </a:p>
+        </p:txBody>
+      </p:sp>
     </p:spTree>
     <p:extLst>
       <p:ext uri="{BB962C8B-B14F-4D97-AF65-F5344CB8AC3E}">
@@ -41066,7 +41250,13 @@
       </p:cxnSp>
       <p:sp>
         <p:nvSpPr>
-          <p:cNvPr id="3" name="슬라이드 번호 개체 틀 2"/>
+          <p:cNvPr id="4" name="슬라이드 번호 개체 틀 3">
+            <a:extLst>
+              <a:ext uri="{FF2B5EF4-FFF2-40B4-BE49-F238E27FC236}">
+                <a16:creationId xmlns:a16="http://schemas.microsoft.com/office/drawing/2014/main" id="{127D42C3-A833-471F-B38B-6544F66917B7}"/>
+              </a:ext>
+            </a:extLst>
+          </p:cNvPr>
           <p:cNvSpPr>
             <a:spLocks noGrp="1"/>
           </p:cNvSpPr>
@@ -41086,7 +41276,7 @@
             </a:fld>
             <a:r>
               <a:rPr lang="en-US" altLang="ko-KR"/>
-              <a:t>/76</a:t>
+              <a:t>/77</a:t>
             </a:r>
             <a:endParaRPr lang="ko-KR" altLang="en-US" dirty="0"/>
           </a:p>
@@ -41567,7 +41757,13 @@
       </p:cxnSp>
       <p:sp>
         <p:nvSpPr>
-          <p:cNvPr id="3" name="슬라이드 번호 개체 틀 2"/>
+          <p:cNvPr id="5" name="슬라이드 번호 개체 틀 4">
+            <a:extLst>
+              <a:ext uri="{FF2B5EF4-FFF2-40B4-BE49-F238E27FC236}">
+                <a16:creationId xmlns:a16="http://schemas.microsoft.com/office/drawing/2014/main" id="{093FE2E8-CB32-4712-A67D-8D762A9A1359}"/>
+              </a:ext>
+            </a:extLst>
+          </p:cNvPr>
           <p:cNvSpPr>
             <a:spLocks noGrp="1"/>
           </p:cNvSpPr>
@@ -41587,7 +41783,7 @@
             </a:fld>
             <a:r>
               <a:rPr lang="en-US" altLang="ko-KR"/>
-              <a:t>/76</a:t>
+              <a:t>/77</a:t>
             </a:r>
             <a:endParaRPr lang="ko-KR" altLang="en-US" dirty="0"/>
           </a:p>
@@ -42222,7 +42418,13 @@
       </p:sp>
       <p:sp>
         <p:nvSpPr>
-          <p:cNvPr id="3" name="슬라이드 번호 개체 틀 2"/>
+          <p:cNvPr id="2" name="슬라이드 번호 개체 틀 1">
+            <a:extLst>
+              <a:ext uri="{FF2B5EF4-FFF2-40B4-BE49-F238E27FC236}">
+                <a16:creationId xmlns:a16="http://schemas.microsoft.com/office/drawing/2014/main" id="{B4C79B8D-53BB-439B-9249-2D44C4459CCC}"/>
+              </a:ext>
+            </a:extLst>
+          </p:cNvPr>
           <p:cNvSpPr>
             <a:spLocks noGrp="1"/>
           </p:cNvSpPr>
@@ -42242,7 +42444,7 @@
             </a:fld>
             <a:r>
               <a:rPr lang="en-US" altLang="ko-KR"/>
-              <a:t>/76</a:t>
+              <a:t>/77</a:t>
             </a:r>
             <a:endParaRPr lang="ko-KR" altLang="en-US" dirty="0"/>
           </a:p>
@@ -42653,16 +42855,7 @@
                 </a:solidFill>
                 <a:latin typeface="+mn-ea"/>
               </a:rPr>
-              <a:t> </a:t>
-            </a:r>
-            <a:r>
-              <a:rPr lang="ko-KR" altLang="en-US" dirty="0" smtClean="0">
-                <a:solidFill>
-                  <a:srgbClr val="0000FF"/>
-                </a:solidFill>
-                <a:latin typeface="+mn-ea"/>
-              </a:rPr>
-              <a:t>확인</a:t>
+              <a:t> 확인</a:t>
             </a:r>
             <a:endParaRPr lang="en-US" altLang="ko-KR" dirty="0">
               <a:solidFill>
@@ -42675,7 +42868,7 @@
             <a:pPr marL="450850" lvl="1" indent="0">
               <a:buNone/>
             </a:pPr>
-            <a:endParaRPr lang="en-US" altLang="ko-KR" dirty="0" smtClean="0">
+            <a:endParaRPr lang="en-US" altLang="ko-KR" dirty="0">
               <a:solidFill>
                 <a:srgbClr val="0000FF"/>
               </a:solidFill>
@@ -42686,7 +42879,7 @@
             <a:pPr marL="450850" lvl="1" indent="0">
               <a:buNone/>
             </a:pPr>
-            <a:endParaRPr lang="en-US" altLang="ko-KR" dirty="0" smtClean="0">
+            <a:endParaRPr lang="en-US" altLang="ko-KR" dirty="0">
               <a:solidFill>
                 <a:srgbClr val="0000FF"/>
               </a:solidFill>
@@ -42708,7 +42901,7 @@
             <a:pPr marL="450850" lvl="1" indent="0">
               <a:buNone/>
             </a:pPr>
-            <a:endParaRPr lang="en-US" altLang="ko-KR" dirty="0" smtClean="0">
+            <a:endParaRPr lang="en-US" altLang="ko-KR" dirty="0">
               <a:solidFill>
                 <a:srgbClr val="0000FF"/>
               </a:solidFill>
@@ -42731,16 +42924,10 @@
               <a:buNone/>
             </a:pPr>
             <a:r>
-              <a:rPr lang="en-US" altLang="ko-KR" dirty="0" smtClean="0">
-                <a:latin typeface="+mn-ea"/>
-              </a:rPr>
-              <a:t>    </a:t>
-            </a:r>
-            <a:r>
               <a:rPr lang="en-US" altLang="ko-KR" dirty="0">
                 <a:latin typeface="+mn-ea"/>
               </a:rPr>
-              <a:t>☞ </a:t>
+              <a:t>    ☞ </a:t>
             </a:r>
             <a:r>
               <a:rPr lang="en-US" altLang="ko-KR" dirty="0" err="1">
@@ -42815,25 +43002,25 @@
               <a:t> </a:t>
             </a:r>
             <a:r>
-              <a:rPr lang="en-US" altLang="ko-KR" dirty="0" smtClean="0">
+              <a:rPr lang="en-US" altLang="ko-KR" dirty="0">
                 <a:latin typeface="+mn-ea"/>
               </a:rPr>
               <a:t>(</a:t>
             </a:r>
             <a:r>
-              <a:rPr lang="en-US" altLang="ko-KR" dirty="0" err="1" smtClean="0">
+              <a:rPr lang="en-US" altLang="ko-KR" dirty="0" err="1">
                 <a:latin typeface="+mn-ea"/>
               </a:rPr>
               <a:t>paichaisw</a:t>
             </a:r>
             <a:r>
-              <a:rPr lang="en-US" altLang="ko-KR" dirty="0" smtClean="0">
+              <a:rPr lang="en-US" altLang="ko-KR" dirty="0">
                 <a:latin typeface="+mn-ea"/>
               </a:rPr>
               <a:t>/</a:t>
             </a:r>
             <a:r>
-              <a:rPr lang="en-US" altLang="ko-KR" dirty="0" err="1" smtClean="0">
+              <a:rPr lang="en-US" altLang="ko-KR" dirty="0" err="1">
                 <a:latin typeface="+mn-ea"/>
               </a:rPr>
               <a:t>paichai_project</a:t>
@@ -43035,34 +43222,6 @@
             <a:r>
               <a:rPr lang="en-US" altLang="ko-KR" dirty="0"/>
               <a:t>)</a:t>
-            </a:r>
-            <a:endParaRPr lang="ko-KR" altLang="en-US" dirty="0"/>
-          </a:p>
-        </p:txBody>
-      </p:sp>
-      <p:sp>
-        <p:nvSpPr>
-          <p:cNvPr id="2" name="슬라이드 번호 개체 틀 1"/>
-          <p:cNvSpPr>
-            <a:spLocks noGrp="1"/>
-          </p:cNvSpPr>
-          <p:nvPr>
-            <p:ph type="sldNum" sz="quarter" idx="12"/>
-          </p:nvPr>
-        </p:nvSpPr>
-        <p:spPr/>
-        <p:txBody>
-          <a:bodyPr/>
-          <a:lstStyle/>
-          <a:p>
-            <a:fld id="{526ADF51-C4A2-4521-899C-87F34FDB9C0A}" type="slidenum">
-              <a:rPr lang="ko-KR" altLang="en-US" smtClean="0"/>
-              <a:pPr/>
-              <a:t>61</a:t>
-            </a:fld>
-            <a:r>
-              <a:rPr lang="en-US" altLang="ko-KR"/>
-              <a:t>/76</a:t>
             </a:r>
             <a:endParaRPr lang="ko-KR" altLang="en-US" dirty="0"/>
           </a:p>
@@ -43092,6 +43251,40 @@
           </a:prstGeom>
         </p:spPr>
       </p:pic>
+      <p:sp>
+        <p:nvSpPr>
+          <p:cNvPr id="4" name="슬라이드 번호 개체 틀 3">
+            <a:extLst>
+              <a:ext uri="{FF2B5EF4-FFF2-40B4-BE49-F238E27FC236}">
+                <a16:creationId xmlns:a16="http://schemas.microsoft.com/office/drawing/2014/main" id="{62E6E3EC-443F-4052-8211-FE0891D92027}"/>
+              </a:ext>
+            </a:extLst>
+          </p:cNvPr>
+          <p:cNvSpPr>
+            <a:spLocks noGrp="1"/>
+          </p:cNvSpPr>
+          <p:nvPr>
+            <p:ph type="sldNum" sz="quarter" idx="12"/>
+          </p:nvPr>
+        </p:nvSpPr>
+        <p:spPr/>
+        <p:txBody>
+          <a:bodyPr/>
+          <a:lstStyle/>
+          <a:p>
+            <a:fld id="{526ADF51-C4A2-4521-899C-87F34FDB9C0A}" type="slidenum">
+              <a:rPr lang="ko-KR" altLang="en-US" smtClean="0"/>
+              <a:pPr/>
+              <a:t>61</a:t>
+            </a:fld>
+            <a:r>
+              <a:rPr lang="en-US" altLang="ko-KR"/>
+              <a:t>/77</a:t>
+            </a:r>
+            <a:endParaRPr lang="ko-KR" altLang="en-US" dirty="0"/>
+          </a:p>
+        </p:txBody>
+      </p:sp>
     </p:spTree>
     <p:extLst>
       <p:ext uri="{BB962C8B-B14F-4D97-AF65-F5344CB8AC3E}">
@@ -43567,7 +43760,13 @@
       </p:cxnSp>
       <p:sp>
         <p:nvSpPr>
-          <p:cNvPr id="2" name="슬라이드 번호 개체 틀 1"/>
+          <p:cNvPr id="3" name="슬라이드 번호 개체 틀 2">
+            <a:extLst>
+              <a:ext uri="{FF2B5EF4-FFF2-40B4-BE49-F238E27FC236}">
+                <a16:creationId xmlns:a16="http://schemas.microsoft.com/office/drawing/2014/main" id="{83465CB6-2A55-49C8-B783-636223D55AFE}"/>
+              </a:ext>
+            </a:extLst>
+          </p:cNvPr>
           <p:cNvSpPr>
             <a:spLocks noGrp="1"/>
           </p:cNvSpPr>
@@ -43587,7 +43786,7 @@
             </a:fld>
             <a:r>
               <a:rPr lang="en-US" altLang="ko-KR"/>
-              <a:t>/76</a:t>
+              <a:t>/77</a:t>
             </a:r>
             <a:endParaRPr lang="ko-KR" altLang="en-US" dirty="0"/>
           </a:p>
@@ -44331,7 +44530,13 @@
       </p:cxnSp>
       <p:sp>
         <p:nvSpPr>
-          <p:cNvPr id="3" name="슬라이드 번호 개체 틀 2"/>
+          <p:cNvPr id="4" name="슬라이드 번호 개체 틀 3">
+            <a:extLst>
+              <a:ext uri="{FF2B5EF4-FFF2-40B4-BE49-F238E27FC236}">
+                <a16:creationId xmlns:a16="http://schemas.microsoft.com/office/drawing/2014/main" id="{C8945C5C-42B0-4C23-8B5E-688F3333AD7A}"/>
+              </a:ext>
+            </a:extLst>
+          </p:cNvPr>
           <p:cNvSpPr>
             <a:spLocks noGrp="1"/>
           </p:cNvSpPr>
@@ -44351,7 +44556,7 @@
             </a:fld>
             <a:r>
               <a:rPr lang="en-US" altLang="ko-KR"/>
-              <a:t>/76</a:t>
+              <a:t>/77</a:t>
             </a:r>
             <a:endParaRPr lang="ko-KR" altLang="en-US" dirty="0"/>
           </a:p>
@@ -44793,7 +44998,13 @@
       </p:sp>
       <p:sp>
         <p:nvSpPr>
-          <p:cNvPr id="3" name="슬라이드 번호 개체 틀 2"/>
+          <p:cNvPr id="2" name="슬라이드 번호 개체 틀 1">
+            <a:extLst>
+              <a:ext uri="{FF2B5EF4-FFF2-40B4-BE49-F238E27FC236}">
+                <a16:creationId xmlns:a16="http://schemas.microsoft.com/office/drawing/2014/main" id="{FEB7D768-C45C-495F-BB65-00C3DCD9F1E1}"/>
+              </a:ext>
+            </a:extLst>
+          </p:cNvPr>
           <p:cNvSpPr>
             <a:spLocks noGrp="1"/>
           </p:cNvSpPr>
@@ -44813,7 +45024,7 @@
             </a:fld>
             <a:r>
               <a:rPr lang="en-US" altLang="ko-KR"/>
-              <a:t>/76</a:t>
+              <a:t>/77</a:t>
             </a:r>
             <a:endParaRPr lang="ko-KR" altLang="en-US" dirty="0"/>
           </a:p>
@@ -45259,34 +45470,6 @@
       </p:sp>
       <p:sp>
         <p:nvSpPr>
-          <p:cNvPr id="2" name="슬라이드 번호 개체 틀 1"/>
-          <p:cNvSpPr>
-            <a:spLocks noGrp="1"/>
-          </p:cNvSpPr>
-          <p:nvPr>
-            <p:ph type="sldNum" sz="quarter" idx="12"/>
-          </p:nvPr>
-        </p:nvSpPr>
-        <p:spPr/>
-        <p:txBody>
-          <a:bodyPr/>
-          <a:lstStyle/>
-          <a:p>
-            <a:fld id="{526ADF51-C4A2-4521-899C-87F34FDB9C0A}" type="slidenum">
-              <a:rPr lang="ko-KR" altLang="en-US" smtClean="0"/>
-              <a:pPr/>
-              <a:t>65</a:t>
-            </a:fld>
-            <a:r>
-              <a:rPr lang="en-US" altLang="ko-KR"/>
-              <a:t>/76</a:t>
-            </a:r>
-            <a:endParaRPr lang="ko-KR" altLang="en-US" dirty="0"/>
-          </a:p>
-        </p:txBody>
-      </p:sp>
-      <p:sp>
-        <p:nvSpPr>
           <p:cNvPr id="9" name="TextBox 8">
             <a:extLst>
               <a:ext uri="{FF2B5EF4-FFF2-40B4-BE49-F238E27FC236}">
@@ -45377,6 +45560,40 @@
                 <a:srgbClr val="FF0000"/>
               </a:solidFill>
             </a:endParaRPr>
+          </a:p>
+        </p:txBody>
+      </p:sp>
+      <p:sp>
+        <p:nvSpPr>
+          <p:cNvPr id="3" name="슬라이드 번호 개체 틀 2">
+            <a:extLst>
+              <a:ext uri="{FF2B5EF4-FFF2-40B4-BE49-F238E27FC236}">
+                <a16:creationId xmlns:a16="http://schemas.microsoft.com/office/drawing/2014/main" id="{E065DEA0-4932-4660-B69E-ED49EF2EFD3A}"/>
+              </a:ext>
+            </a:extLst>
+          </p:cNvPr>
+          <p:cNvSpPr>
+            <a:spLocks noGrp="1"/>
+          </p:cNvSpPr>
+          <p:nvPr>
+            <p:ph type="sldNum" sz="quarter" idx="12"/>
+          </p:nvPr>
+        </p:nvSpPr>
+        <p:spPr/>
+        <p:txBody>
+          <a:bodyPr/>
+          <a:lstStyle/>
+          <a:p>
+            <a:fld id="{526ADF51-C4A2-4521-899C-87F34FDB9C0A}" type="slidenum">
+              <a:rPr lang="ko-KR" altLang="en-US" smtClean="0"/>
+              <a:pPr/>
+              <a:t>65</a:t>
+            </a:fld>
+            <a:r>
+              <a:rPr lang="en-US" altLang="ko-KR"/>
+              <a:t>/77</a:t>
+            </a:r>
+            <a:endParaRPr lang="ko-KR" altLang="en-US" dirty="0"/>
           </a:p>
         </p:txBody>
       </p:sp>
@@ -45818,34 +46035,6 @@
       </p:sp>
       <p:sp>
         <p:nvSpPr>
-          <p:cNvPr id="3" name="슬라이드 번호 개체 틀 2"/>
-          <p:cNvSpPr>
-            <a:spLocks noGrp="1"/>
-          </p:cNvSpPr>
-          <p:nvPr>
-            <p:ph type="sldNum" sz="quarter" idx="12"/>
-          </p:nvPr>
-        </p:nvSpPr>
-        <p:spPr/>
-        <p:txBody>
-          <a:bodyPr/>
-          <a:lstStyle/>
-          <a:p>
-            <a:fld id="{526ADF51-C4A2-4521-899C-87F34FDB9C0A}" type="slidenum">
-              <a:rPr lang="ko-KR" altLang="en-US" smtClean="0"/>
-              <a:pPr/>
-              <a:t>66</a:t>
-            </a:fld>
-            <a:r>
-              <a:rPr lang="en-US" altLang="ko-KR"/>
-              <a:t>/76</a:t>
-            </a:r>
-            <a:endParaRPr lang="ko-KR" altLang="en-US" dirty="0"/>
-          </a:p>
-        </p:txBody>
-      </p:sp>
-      <p:sp>
-        <p:nvSpPr>
           <p:cNvPr id="8" name="직사각형 7">
             <a:extLst>
               <a:ext uri="{FF2B5EF4-FFF2-40B4-BE49-F238E27FC236}">
@@ -45928,7 +46117,7 @@
           <a:lstStyle/>
           <a:p>
             <a:r>
-              <a:rPr lang="ko-KR" altLang="en-US" sz="1400" smtClean="0">
+              <a:rPr lang="ko-KR" altLang="en-US" sz="1400">
                 <a:solidFill>
                   <a:srgbClr val="FF0000"/>
                 </a:solidFill>
@@ -45940,6 +46129,40 @@
                 <a:srgbClr val="FF0000"/>
               </a:solidFill>
             </a:endParaRPr>
+          </a:p>
+        </p:txBody>
+      </p:sp>
+      <p:sp>
+        <p:nvSpPr>
+          <p:cNvPr id="2" name="슬라이드 번호 개체 틀 1">
+            <a:extLst>
+              <a:ext uri="{FF2B5EF4-FFF2-40B4-BE49-F238E27FC236}">
+                <a16:creationId xmlns:a16="http://schemas.microsoft.com/office/drawing/2014/main" id="{16B24044-8D3E-41F6-9037-ED85EDB7A1B1}"/>
+              </a:ext>
+            </a:extLst>
+          </p:cNvPr>
+          <p:cNvSpPr>
+            <a:spLocks noGrp="1"/>
+          </p:cNvSpPr>
+          <p:nvPr>
+            <p:ph type="sldNum" sz="quarter" idx="12"/>
+          </p:nvPr>
+        </p:nvSpPr>
+        <p:spPr/>
+        <p:txBody>
+          <a:bodyPr/>
+          <a:lstStyle/>
+          <a:p>
+            <a:fld id="{526ADF51-C4A2-4521-899C-87F34FDB9C0A}" type="slidenum">
+              <a:rPr lang="ko-KR" altLang="en-US" smtClean="0"/>
+              <a:pPr/>
+              <a:t>66</a:t>
+            </a:fld>
+            <a:r>
+              <a:rPr lang="en-US" altLang="ko-KR"/>
+              <a:t>/77</a:t>
+            </a:r>
+            <a:endParaRPr lang="ko-KR" altLang="en-US" dirty="0"/>
           </a:p>
         </p:txBody>
       </p:sp>
@@ -46544,7 +46767,13 @@
       </p:sp>
       <p:sp>
         <p:nvSpPr>
-          <p:cNvPr id="2" name="슬라이드 번호 개체 틀 1"/>
+          <p:cNvPr id="4" name="슬라이드 번호 개체 틀 3">
+            <a:extLst>
+              <a:ext uri="{FF2B5EF4-FFF2-40B4-BE49-F238E27FC236}">
+                <a16:creationId xmlns:a16="http://schemas.microsoft.com/office/drawing/2014/main" id="{E93D20DC-A305-4CF9-8701-C0007EB805DA}"/>
+              </a:ext>
+            </a:extLst>
+          </p:cNvPr>
           <p:cNvSpPr>
             <a:spLocks noGrp="1"/>
           </p:cNvSpPr>
@@ -46564,7 +46793,7 @@
             </a:fld>
             <a:r>
               <a:rPr lang="en-US" altLang="ko-KR"/>
-              <a:t>/76</a:t>
+              <a:t>/77</a:t>
             </a:r>
             <a:endParaRPr lang="ko-KR" altLang="en-US" dirty="0"/>
           </a:p>
@@ -47031,7 +47260,13 @@
       </p:sp>
       <p:sp>
         <p:nvSpPr>
-          <p:cNvPr id="2" name="슬라이드 번호 개체 틀 1"/>
+          <p:cNvPr id="5" name="슬라이드 번호 개체 틀 4">
+            <a:extLst>
+              <a:ext uri="{FF2B5EF4-FFF2-40B4-BE49-F238E27FC236}">
+                <a16:creationId xmlns:a16="http://schemas.microsoft.com/office/drawing/2014/main" id="{5AD63D2D-8BF4-4807-A2CD-8E89452BF109}"/>
+              </a:ext>
+            </a:extLst>
+          </p:cNvPr>
           <p:cNvSpPr>
             <a:spLocks noGrp="1"/>
           </p:cNvSpPr>
@@ -47051,7 +47286,7 @@
             </a:fld>
             <a:r>
               <a:rPr lang="en-US" altLang="ko-KR"/>
-              <a:t>/76</a:t>
+              <a:t>/77</a:t>
             </a:r>
             <a:endParaRPr lang="ko-KR" altLang="en-US" dirty="0"/>
           </a:p>
@@ -47466,12 +47701,12 @@
               <a:t>Merge </a:t>
             </a:r>
             <a:r>
-              <a:rPr lang="ko-KR" altLang="en-US" dirty="0" smtClean="0">
+              <a:rPr lang="ko-KR" altLang="en-US" dirty="0">
                 <a:latin typeface="+mn-ea"/>
               </a:rPr>
               <a:t>진행</a:t>
             </a:r>
-            <a:endParaRPr lang="en-US" altLang="ko-KR" dirty="0" smtClean="0">
+            <a:endParaRPr lang="en-US" altLang="ko-KR" dirty="0">
               <a:latin typeface="+mn-ea"/>
             </a:endParaRPr>
           </a:p>
@@ -47483,7 +47718,7 @@
           </a:p>
           <a:p>
             <a:pPr marL="620713" lvl="1" indent="-169863"/>
-            <a:endParaRPr lang="en-US" altLang="ko-KR" dirty="0" smtClean="0">
+            <a:endParaRPr lang="en-US" altLang="ko-KR" dirty="0">
               <a:latin typeface="+mn-ea"/>
             </a:endParaRPr>
           </a:p>
@@ -47495,7 +47730,7 @@
           </a:p>
           <a:p>
             <a:pPr marL="620713" lvl="1" indent="-169863"/>
-            <a:endParaRPr lang="en-US" altLang="ko-KR" dirty="0" smtClean="0">
+            <a:endParaRPr lang="en-US" altLang="ko-KR" dirty="0">
               <a:latin typeface="+mn-ea"/>
             </a:endParaRPr>
           </a:p>
@@ -47508,19 +47743,19 @@
           <a:p>
             <a:pPr marL="620713" lvl="1" indent="-169863"/>
             <a:r>
-              <a:rPr lang="ko-KR" altLang="en-US" dirty="0" smtClean="0">
+              <a:rPr lang="ko-KR" altLang="en-US" dirty="0">
                 <a:latin typeface="+mn-ea"/>
               </a:rPr>
               <a:t>화면을 </a:t>
             </a:r>
             <a:r>
-              <a:rPr lang="en-US" altLang="ko-KR" dirty="0" smtClean="0">
+              <a:rPr lang="en-US" altLang="ko-KR" dirty="0">
                 <a:latin typeface="+mn-ea"/>
               </a:rPr>
               <a:t>scroll down</a:t>
             </a:r>
             <a:r>
-              <a:rPr lang="ko-KR" altLang="en-US" dirty="0" smtClean="0">
+              <a:rPr lang="ko-KR" altLang="en-US" dirty="0">
                 <a:latin typeface="+mn-ea"/>
               </a:rPr>
               <a:t>해서 </a:t>
@@ -47528,34 +47763,6 @@
             <a:endParaRPr lang="en-US" altLang="ko-KR" dirty="0">
               <a:latin typeface="+mn-ea"/>
             </a:endParaRPr>
-          </a:p>
-        </p:txBody>
-      </p:sp>
-      <p:sp>
-        <p:nvSpPr>
-          <p:cNvPr id="3" name="슬라이드 번호 개체 틀 2"/>
-          <p:cNvSpPr>
-            <a:spLocks noGrp="1"/>
-          </p:cNvSpPr>
-          <p:nvPr>
-            <p:ph type="sldNum" sz="quarter" idx="12"/>
-          </p:nvPr>
-        </p:nvSpPr>
-        <p:spPr/>
-        <p:txBody>
-          <a:bodyPr/>
-          <a:lstStyle/>
-          <a:p>
-            <a:fld id="{526ADF51-C4A2-4521-899C-87F34FDB9C0A}" type="slidenum">
-              <a:rPr lang="ko-KR" altLang="en-US" smtClean="0"/>
-              <a:pPr/>
-              <a:t>69</a:t>
-            </a:fld>
-            <a:r>
-              <a:rPr lang="en-US" altLang="ko-KR"/>
-              <a:t>/76</a:t>
-            </a:r>
-            <a:endParaRPr lang="ko-KR" altLang="en-US" dirty="0"/>
           </a:p>
         </p:txBody>
       </p:sp>
@@ -47590,6 +47797,40 @@
           </a:fontRef>
         </p:style>
       </p:cxnSp>
+      <p:sp>
+        <p:nvSpPr>
+          <p:cNvPr id="2" name="슬라이드 번호 개체 틀 1">
+            <a:extLst>
+              <a:ext uri="{FF2B5EF4-FFF2-40B4-BE49-F238E27FC236}">
+                <a16:creationId xmlns:a16="http://schemas.microsoft.com/office/drawing/2014/main" id="{DD171CE1-86A2-4E9F-A6BD-ED7670A904DF}"/>
+              </a:ext>
+            </a:extLst>
+          </p:cNvPr>
+          <p:cNvSpPr>
+            <a:spLocks noGrp="1"/>
+          </p:cNvSpPr>
+          <p:nvPr>
+            <p:ph type="sldNum" sz="quarter" idx="12"/>
+          </p:nvPr>
+        </p:nvSpPr>
+        <p:spPr/>
+        <p:txBody>
+          <a:bodyPr/>
+          <a:lstStyle/>
+          <a:p>
+            <a:fld id="{526ADF51-C4A2-4521-899C-87F34FDB9C0A}" type="slidenum">
+              <a:rPr lang="ko-KR" altLang="en-US" smtClean="0"/>
+              <a:pPr/>
+              <a:t>69</a:t>
+            </a:fld>
+            <a:r>
+              <a:rPr lang="en-US" altLang="ko-KR"/>
+              <a:t>/77</a:t>
+            </a:r>
+            <a:endParaRPr lang="ko-KR" altLang="en-US" dirty="0"/>
+          </a:p>
+        </p:txBody>
+      </p:sp>
     </p:spTree>
     <p:extLst>
       <p:ext uri="{BB962C8B-B14F-4D97-AF65-F5344CB8AC3E}">
@@ -47932,7 +48173,13 @@
       </p:sp>
       <p:sp>
         <p:nvSpPr>
-          <p:cNvPr id="3" name="슬라이드 번호 개체 틀 2"/>
+          <p:cNvPr id="2" name="슬라이드 번호 개체 틀 1">
+            <a:extLst>
+              <a:ext uri="{FF2B5EF4-FFF2-40B4-BE49-F238E27FC236}">
+                <a16:creationId xmlns:a16="http://schemas.microsoft.com/office/drawing/2014/main" id="{FD7F799D-0CB0-4E53-A334-62E87D59199E}"/>
+              </a:ext>
+            </a:extLst>
+          </p:cNvPr>
           <p:cNvSpPr>
             <a:spLocks noGrp="1"/>
           </p:cNvSpPr>
@@ -47952,7 +48199,7 @@
             </a:fld>
             <a:r>
               <a:rPr lang="en-US" altLang="ko-KR"/>
-              <a:t>/76</a:t>
+              <a:t>/77</a:t>
             </a:r>
             <a:endParaRPr lang="ko-KR" altLang="en-US" dirty="0"/>
           </a:p>
@@ -48539,15 +48786,7 @@
                   <a:srgbClr val="0000FF"/>
                 </a:solidFill>
               </a:rPr>
-              <a:t>연습을 위해 삭제하지 </a:t>
-            </a:r>
-            <a:r>
-              <a:rPr lang="ko-KR" altLang="en-US" sz="1400" dirty="0" smtClean="0">
-                <a:solidFill>
-                  <a:srgbClr val="0000FF"/>
-                </a:solidFill>
-              </a:rPr>
-              <a:t>말고 초기화면으로</a:t>
+              <a:t>연습을 위해 삭제하지 말고 초기화면으로</a:t>
             </a:r>
             <a:r>
               <a:rPr lang="en-US" altLang="ko-KR" sz="1400" dirty="0">
@@ -48558,24 +48797,25 @@
               <a:t> </a:t>
             </a:r>
             <a:r>
-              <a:rPr lang="ko-KR" altLang="en-US" sz="1400" dirty="0" smtClean="0">
+              <a:rPr lang="ko-KR" altLang="en-US" sz="1400" dirty="0">
                 <a:solidFill>
                   <a:srgbClr val="0000FF"/>
                 </a:solidFill>
               </a:rPr>
               <a:t>이동 </a:t>
             </a:r>
-            <a:endParaRPr lang="ko-KR" altLang="en-US" sz="1400" dirty="0">
-              <a:solidFill>
-                <a:srgbClr val="0000FF"/>
-              </a:solidFill>
-            </a:endParaRPr>
-          </a:p>
-        </p:txBody>
-      </p:sp>
-      <p:sp>
-        <p:nvSpPr>
-          <p:cNvPr id="2" name="슬라이드 번호 개체 틀 1"/>
+          </a:p>
+        </p:txBody>
+      </p:sp>
+      <p:sp>
+        <p:nvSpPr>
+          <p:cNvPr id="5" name="슬라이드 번호 개체 틀 4">
+            <a:extLst>
+              <a:ext uri="{FF2B5EF4-FFF2-40B4-BE49-F238E27FC236}">
+                <a16:creationId xmlns:a16="http://schemas.microsoft.com/office/drawing/2014/main" id="{966FBE88-2321-4C74-B92B-DA6685029EA0}"/>
+              </a:ext>
+            </a:extLst>
+          </p:cNvPr>
           <p:cNvSpPr>
             <a:spLocks noGrp="1"/>
           </p:cNvSpPr>
@@ -48595,7 +48835,7 @@
             </a:fld>
             <a:r>
               <a:rPr lang="en-US" altLang="ko-KR"/>
-              <a:t>/76</a:t>
+              <a:t>/77</a:t>
             </a:r>
             <a:endParaRPr lang="ko-KR" altLang="en-US" dirty="0"/>
           </a:p>
@@ -49105,7 +49345,13 @@
       </p:sp>
       <p:sp>
         <p:nvSpPr>
-          <p:cNvPr id="3" name="슬라이드 번호 개체 틀 2"/>
+          <p:cNvPr id="2" name="슬라이드 번호 개체 틀 1">
+            <a:extLst>
+              <a:ext uri="{FF2B5EF4-FFF2-40B4-BE49-F238E27FC236}">
+                <a16:creationId xmlns:a16="http://schemas.microsoft.com/office/drawing/2014/main" id="{57774829-5F97-4B64-ACB2-EA15E3503184}"/>
+              </a:ext>
+            </a:extLst>
+          </p:cNvPr>
           <p:cNvSpPr>
             <a:spLocks noGrp="1"/>
           </p:cNvSpPr>
@@ -49125,7 +49371,7 @@
             </a:fld>
             <a:r>
               <a:rPr lang="en-US" altLang="ko-KR"/>
-              <a:t>/76</a:t>
+              <a:t>/77</a:t>
             </a:r>
             <a:endParaRPr lang="ko-KR" altLang="en-US" dirty="0"/>
           </a:p>
@@ -49589,7 +49835,13 @@
       </p:cxnSp>
       <p:sp>
         <p:nvSpPr>
-          <p:cNvPr id="2" name="슬라이드 번호 개체 틀 1"/>
+          <p:cNvPr id="3" name="슬라이드 번호 개체 틀 2">
+            <a:extLst>
+              <a:ext uri="{FF2B5EF4-FFF2-40B4-BE49-F238E27FC236}">
+                <a16:creationId xmlns:a16="http://schemas.microsoft.com/office/drawing/2014/main" id="{E2A3A3AF-8678-49D9-BAF4-9F77A69C1D47}"/>
+              </a:ext>
+            </a:extLst>
+          </p:cNvPr>
           <p:cNvSpPr>
             <a:spLocks noGrp="1"/>
           </p:cNvSpPr>
@@ -49609,7 +49861,7 @@
             </a:fld>
             <a:r>
               <a:rPr lang="en-US" altLang="ko-KR"/>
-              <a:t>/76</a:t>
+              <a:t>/77</a:t>
             </a:r>
             <a:endParaRPr lang="ko-KR" altLang="en-US" dirty="0"/>
           </a:p>
@@ -50074,7 +50326,13 @@
       </p:sp>
       <p:sp>
         <p:nvSpPr>
-          <p:cNvPr id="3" name="슬라이드 번호 개체 틀 2"/>
+          <p:cNvPr id="5" name="슬라이드 번호 개체 틀 4">
+            <a:extLst>
+              <a:ext uri="{FF2B5EF4-FFF2-40B4-BE49-F238E27FC236}">
+                <a16:creationId xmlns:a16="http://schemas.microsoft.com/office/drawing/2014/main" id="{ED7AD59A-42A1-43B4-A6AC-EC5E94FBD863}"/>
+              </a:ext>
+            </a:extLst>
+          </p:cNvPr>
           <p:cNvSpPr>
             <a:spLocks noGrp="1"/>
           </p:cNvSpPr>
@@ -50094,7 +50352,7 @@
             </a:fld>
             <a:r>
               <a:rPr lang="en-US" altLang="ko-KR"/>
-              <a:t>/76</a:t>
+              <a:t>/77</a:t>
             </a:r>
             <a:endParaRPr lang="ko-KR" altLang="en-US" dirty="0"/>
           </a:p>
@@ -50606,7 +50864,13 @@
       </p:sp>
       <p:sp>
         <p:nvSpPr>
-          <p:cNvPr id="2" name="슬라이드 번호 개체 틀 1"/>
+          <p:cNvPr id="5" name="슬라이드 번호 개체 틀 4">
+            <a:extLst>
+              <a:ext uri="{FF2B5EF4-FFF2-40B4-BE49-F238E27FC236}">
+                <a16:creationId xmlns:a16="http://schemas.microsoft.com/office/drawing/2014/main" id="{C79ACB1A-AB69-4828-BACB-EC02F8CF4998}"/>
+              </a:ext>
+            </a:extLst>
+          </p:cNvPr>
           <p:cNvSpPr>
             <a:spLocks noGrp="1"/>
           </p:cNvSpPr>
@@ -50626,7 +50890,7 @@
             </a:fld>
             <a:r>
               <a:rPr lang="en-US" altLang="ko-KR"/>
-              <a:t>/76</a:t>
+              <a:t>/77</a:t>
             </a:r>
             <a:endParaRPr lang="ko-KR" altLang="en-US" dirty="0"/>
           </a:p>
@@ -50697,34 +50961,6 @@
       </p:sp>
       <p:sp>
         <p:nvSpPr>
-          <p:cNvPr id="3" name="슬라이드 번호 개체 틀 2"/>
-          <p:cNvSpPr>
-            <a:spLocks noGrp="1"/>
-          </p:cNvSpPr>
-          <p:nvPr>
-            <p:ph type="sldNum" sz="quarter" idx="12"/>
-          </p:nvPr>
-        </p:nvSpPr>
-        <p:spPr/>
-        <p:txBody>
-          <a:bodyPr/>
-          <a:lstStyle/>
-          <a:p>
-            <a:fld id="{526ADF51-C4A2-4521-899C-87F34FDB9C0A}" type="slidenum">
-              <a:rPr lang="ko-KR" altLang="en-US" smtClean="0"/>
-              <a:pPr/>
-              <a:t>75</a:t>
-            </a:fld>
-            <a:r>
-              <a:rPr lang="en-US" altLang="ko-KR"/>
-              <a:t>/76</a:t>
-            </a:r>
-            <a:endParaRPr lang="ko-KR" altLang="en-US" dirty="0"/>
-          </a:p>
-        </p:txBody>
-      </p:sp>
-      <p:sp>
-        <p:nvSpPr>
           <p:cNvPr id="7" name="내용 개체 틀 4">
             <a:extLst>
               <a:ext uri="{FF2B5EF4-FFF2-40B4-BE49-F238E27FC236}">
@@ -50796,14 +51032,13 @@
               <a:t>Local </a:t>
             </a:r>
             <a:r>
-              <a:rPr lang="ko-KR" altLang="en-US" dirty="0" smtClean="0"/>
+              <a:rPr lang="ko-KR" altLang="en-US" dirty="0"/>
               <a:t>작업 </a:t>
             </a:r>
             <a:r>
-              <a:rPr lang="en-US" altLang="ko-KR" dirty="0" smtClean="0"/>
+              <a:rPr lang="en-US" altLang="ko-KR" dirty="0"/>
               <a:t>(Leader)</a:t>
             </a:r>
-            <a:endParaRPr lang="en-US" altLang="ko-KR" dirty="0"/>
           </a:p>
           <a:p>
             <a:pPr marL="534988" lvl="1" indent="-268288">
@@ -50826,18 +51061,13 @@
               <a:t>repo  </a:t>
             </a:r>
             <a:r>
-              <a:rPr lang="ko-KR" altLang="en-US" dirty="0" smtClean="0"/>
+              <a:rPr lang="ko-KR" altLang="en-US" dirty="0"/>
               <a:t>만들기 </a:t>
             </a:r>
             <a:r>
               <a:rPr lang="en-US" altLang="ko-KR" dirty="0"/>
-              <a:t>(Leader</a:t>
-            </a:r>
-            <a:r>
-              <a:rPr lang="en-US" altLang="ko-KR" dirty="0" smtClean="0"/>
-              <a:t>)</a:t>
-            </a:r>
-            <a:endParaRPr lang="en-US" altLang="ko-KR" dirty="0" smtClean="0"/>
+              <a:t>(Leader)</a:t>
+            </a:r>
           </a:p>
           <a:p>
             <a:pPr marL="534988" lvl="1" indent="-268288">
@@ -50858,20 +51088,16 @@
               <a:defRPr/>
             </a:pPr>
             <a:r>
-              <a:rPr lang="en-US" altLang="ko-KR" dirty="0" smtClean="0"/>
+              <a:rPr lang="en-US" altLang="ko-KR" dirty="0"/>
               <a:t>Push</a:t>
             </a:r>
             <a:r>
-              <a:rPr lang="ko-KR" altLang="en-US" dirty="0" smtClean="0"/>
+              <a:rPr lang="ko-KR" altLang="en-US" dirty="0"/>
               <a:t>하기</a:t>
             </a:r>
             <a:r>
               <a:rPr lang="en-US" altLang="ko-KR" dirty="0"/>
-              <a:t>, </a:t>
-            </a:r>
-            <a:r>
-              <a:rPr lang="en-US" altLang="ko-KR" dirty="0" smtClean="0"/>
-              <a:t>collaborator </a:t>
+              <a:t>, collaborator </a:t>
             </a:r>
             <a:r>
               <a:rPr lang="ko-KR" altLang="en-US" dirty="0"/>
@@ -50881,7 +51107,6 @@
               <a:rPr lang="en-US" altLang="ko-KR" dirty="0"/>
               <a:t>(Leader)</a:t>
             </a:r>
-            <a:endParaRPr lang="en-US" altLang="ko-KR" dirty="0" smtClean="0"/>
           </a:p>
           <a:p>
             <a:pPr marL="534988" lvl="1" indent="-268288">
@@ -50902,22 +51127,17 @@
               <a:defRPr/>
             </a:pPr>
             <a:r>
-              <a:rPr lang="en-US" altLang="ko-KR" dirty="0" smtClean="0"/>
-              <a:t>Collab </a:t>
-            </a:r>
-            <a:r>
               <a:rPr lang="en-US" altLang="ko-KR" dirty="0"/>
-              <a:t>clone</a:t>
-            </a:r>
-            <a:r>
-              <a:rPr lang="ko-KR" altLang="en-US" dirty="0" smtClean="0"/>
+              <a:t>Collab clone</a:t>
+            </a:r>
+            <a:r>
+              <a:rPr lang="ko-KR" altLang="en-US" dirty="0"/>
               <a:t>하기 </a:t>
             </a:r>
             <a:r>
-              <a:rPr lang="en-US" altLang="ko-KR" dirty="0" smtClean="0"/>
+              <a:rPr lang="en-US" altLang="ko-KR" dirty="0"/>
               <a:t>(collaborator)</a:t>
             </a:r>
-            <a:endParaRPr lang="en-US" altLang="ko-KR" dirty="0"/>
           </a:p>
           <a:p>
             <a:pPr marL="534988" lvl="1" indent="-268288">
@@ -50975,61 +51195,19 @@
               <a:rPr lang="en-US" altLang="ko-KR" dirty="0">
                 <a:sym typeface="Wingdings" panose="05000000000000000000" pitchFamily="2" charset="2"/>
               </a:rPr>
-              <a:t> </a:t>
-            </a:r>
-            <a:r>
-              <a:rPr lang="en-US" altLang="ko-KR" dirty="0" smtClean="0">
+              <a:t> to main </a:t>
+            </a:r>
+            <a:r>
+              <a:rPr lang="en-US" altLang="ko-KR" dirty="0" err="1">
                 <a:sym typeface="Wingdings" panose="05000000000000000000" pitchFamily="2" charset="2"/>
               </a:rPr>
-              <a:t>to</a:t>
-            </a:r>
-            <a:r>
-              <a:rPr lang="en-US" altLang="ko-KR" dirty="0" smtClean="0">
-                <a:sym typeface="Wingdings" panose="05000000000000000000" pitchFamily="2" charset="2"/>
-              </a:rPr>
-              <a:t> </a:t>
+              <a:t>github</a:t>
             </a:r>
             <a:r>
               <a:rPr lang="en-US" altLang="ko-KR" dirty="0">
                 <a:sym typeface="Wingdings" panose="05000000000000000000" pitchFamily="2" charset="2"/>
               </a:rPr>
-              <a:t>main </a:t>
-            </a:r>
-            <a:r>
-              <a:rPr lang="en-US" altLang="ko-KR" dirty="0" err="1" smtClean="0">
-                <a:sym typeface="Wingdings" panose="05000000000000000000" pitchFamily="2" charset="2"/>
-              </a:rPr>
-              <a:t>github</a:t>
-            </a:r>
-            <a:r>
-              <a:rPr lang="en-US" altLang="ko-KR" dirty="0" smtClean="0">
-                <a:sym typeface="Wingdings" panose="05000000000000000000" pitchFamily="2" charset="2"/>
-              </a:rPr>
-              <a:t>(</a:t>
-            </a:r>
-            <a:r>
-              <a:rPr lang="en-US" altLang="ko-KR" dirty="0" smtClean="0">
-                <a:sym typeface="Wingdings" panose="05000000000000000000" pitchFamily="2" charset="2"/>
-              </a:rPr>
-              <a:t>origin</a:t>
-            </a:r>
-            <a:r>
-              <a:rPr lang="en-US" altLang="ko-KR" dirty="0" smtClean="0">
-                <a:sym typeface="Wingdings" panose="05000000000000000000" pitchFamily="2" charset="2"/>
-              </a:rPr>
-              <a:t>) </a:t>
-            </a:r>
-            <a:r>
-              <a:rPr lang="en-US" altLang="ko-KR" dirty="0">
-                <a:sym typeface="Wingdings" panose="05000000000000000000" pitchFamily="2" charset="2"/>
-              </a:rPr>
-              <a:t> compare&amp; pull </a:t>
-            </a:r>
-            <a:r>
-              <a:rPr lang="en-US" altLang="ko-KR" dirty="0" smtClean="0">
-                <a:sym typeface="Wingdings" panose="05000000000000000000" pitchFamily="2" charset="2"/>
-              </a:rPr>
-              <a:t>request</a:t>
+              <a:t>(origin)  compare&amp; pull request</a:t>
             </a:r>
             <a:endParaRPr lang="en-US" altLang="ko-KR" dirty="0"/>
           </a:p>
@@ -51064,6 +51242,40 @@
                 <a:srgbClr val="FF0000"/>
               </a:solidFill>
             </a:endParaRPr>
+          </a:p>
+        </p:txBody>
+      </p:sp>
+      <p:sp>
+        <p:nvSpPr>
+          <p:cNvPr id="2" name="슬라이드 번호 개체 틀 1">
+            <a:extLst>
+              <a:ext uri="{FF2B5EF4-FFF2-40B4-BE49-F238E27FC236}">
+                <a16:creationId xmlns:a16="http://schemas.microsoft.com/office/drawing/2014/main" id="{F9C3E420-0FB4-4093-8D28-174CAAC0394B}"/>
+              </a:ext>
+            </a:extLst>
+          </p:cNvPr>
+          <p:cNvSpPr>
+            <a:spLocks noGrp="1"/>
+          </p:cNvSpPr>
+          <p:nvPr>
+            <p:ph type="sldNum" sz="quarter" idx="12"/>
+          </p:nvPr>
+        </p:nvSpPr>
+        <p:spPr/>
+        <p:txBody>
+          <a:bodyPr/>
+          <a:lstStyle/>
+          <a:p>
+            <a:fld id="{526ADF51-C4A2-4521-899C-87F34FDB9C0A}" type="slidenum">
+              <a:rPr lang="ko-KR" altLang="en-US" smtClean="0"/>
+              <a:pPr/>
+              <a:t>75</a:t>
+            </a:fld>
+            <a:r>
+              <a:rPr lang="en-US" altLang="ko-KR"/>
+              <a:t>/77</a:t>
+            </a:r>
+            <a:endParaRPr lang="ko-KR" altLang="en-US" dirty="0"/>
           </a:p>
         </p:txBody>
       </p:sp>
@@ -51466,34 +51678,6 @@
       </p:sp>
       <p:sp>
         <p:nvSpPr>
-          <p:cNvPr id="2" name="슬라이드 번호 개체 틀 1"/>
-          <p:cNvSpPr>
-            <a:spLocks noGrp="1"/>
-          </p:cNvSpPr>
-          <p:nvPr>
-            <p:ph type="sldNum" sz="quarter" idx="12"/>
-          </p:nvPr>
-        </p:nvSpPr>
-        <p:spPr/>
-        <p:txBody>
-          <a:bodyPr/>
-          <a:lstStyle/>
-          <a:p>
-            <a:fld id="{526ADF51-C4A2-4521-899C-87F34FDB9C0A}" type="slidenum">
-              <a:rPr lang="ko-KR" altLang="en-US" smtClean="0"/>
-              <a:pPr/>
-              <a:t>76</a:t>
-            </a:fld>
-            <a:r>
-              <a:rPr lang="en-US" altLang="ko-KR"/>
-              <a:t>/76</a:t>
-            </a:r>
-            <a:endParaRPr lang="ko-KR" altLang="en-US" dirty="0"/>
-          </a:p>
-        </p:txBody>
-      </p:sp>
-      <p:sp>
-        <p:nvSpPr>
           <p:cNvPr id="7" name="내용 개체 틀 2">
             <a:extLst>
               <a:ext uri="{FF2B5EF4-FFF2-40B4-BE49-F238E27FC236}">
@@ -52245,6 +52429,40 @@
                 <a:srgbClr val="0000FF"/>
               </a:solidFill>
             </a:endParaRPr>
+          </a:p>
+        </p:txBody>
+      </p:sp>
+      <p:sp>
+        <p:nvSpPr>
+          <p:cNvPr id="3" name="슬라이드 번호 개체 틀 2">
+            <a:extLst>
+              <a:ext uri="{FF2B5EF4-FFF2-40B4-BE49-F238E27FC236}">
+                <a16:creationId xmlns:a16="http://schemas.microsoft.com/office/drawing/2014/main" id="{28207F2E-2CB3-4609-B03B-008FCD589209}"/>
+              </a:ext>
+            </a:extLst>
+          </p:cNvPr>
+          <p:cNvSpPr>
+            <a:spLocks noGrp="1"/>
+          </p:cNvSpPr>
+          <p:nvPr>
+            <p:ph type="sldNum" sz="quarter" idx="12"/>
+          </p:nvPr>
+        </p:nvSpPr>
+        <p:spPr/>
+        <p:txBody>
+          <a:bodyPr/>
+          <a:lstStyle/>
+          <a:p>
+            <a:fld id="{526ADF51-C4A2-4521-899C-87F34FDB9C0A}" type="slidenum">
+              <a:rPr lang="ko-KR" altLang="en-US" smtClean="0"/>
+              <a:pPr/>
+              <a:t>76</a:t>
+            </a:fld>
+            <a:r>
+              <a:rPr lang="en-US" altLang="ko-KR"/>
+              <a:t>/77</a:t>
+            </a:r>
+            <a:endParaRPr lang="ko-KR" altLang="en-US" dirty="0"/>
           </a:p>
         </p:txBody>
       </p:sp>
@@ -52699,34 +52917,6 @@
       </p:sp>
       <p:sp>
         <p:nvSpPr>
-          <p:cNvPr id="2" name="슬라이드 번호 개체 틀 1"/>
-          <p:cNvSpPr>
-            <a:spLocks noGrp="1"/>
-          </p:cNvSpPr>
-          <p:nvPr>
-            <p:ph type="sldNum" sz="quarter" idx="12"/>
-          </p:nvPr>
-        </p:nvSpPr>
-        <p:spPr/>
-        <p:txBody>
-          <a:bodyPr/>
-          <a:lstStyle/>
-          <a:p>
-            <a:fld id="{526ADF51-C4A2-4521-899C-87F34FDB9C0A}" type="slidenum">
-              <a:rPr lang="ko-KR" altLang="en-US" smtClean="0"/>
-              <a:pPr/>
-              <a:t>77</a:t>
-            </a:fld>
-            <a:r>
-              <a:rPr lang="en-US" altLang="ko-KR"/>
-              <a:t>/76</a:t>
-            </a:r>
-            <a:endParaRPr lang="ko-KR" altLang="en-US" dirty="0"/>
-          </a:p>
-        </p:txBody>
-      </p:sp>
-      <p:sp>
-        <p:nvSpPr>
           <p:cNvPr id="10" name="TextBox 9">
             <a:extLst>
               <a:ext uri="{FF2B5EF4-FFF2-40B4-BE49-F238E27FC236}">
@@ -52788,6 +52978,40 @@
                 <a:srgbClr val="0000FF"/>
               </a:solidFill>
             </a:endParaRPr>
+          </a:p>
+        </p:txBody>
+      </p:sp>
+      <p:sp>
+        <p:nvSpPr>
+          <p:cNvPr id="3" name="슬라이드 번호 개체 틀 2">
+            <a:extLst>
+              <a:ext uri="{FF2B5EF4-FFF2-40B4-BE49-F238E27FC236}">
+                <a16:creationId xmlns:a16="http://schemas.microsoft.com/office/drawing/2014/main" id="{DE840A43-7198-40EC-8B04-6FEEC09B8452}"/>
+              </a:ext>
+            </a:extLst>
+          </p:cNvPr>
+          <p:cNvSpPr>
+            <a:spLocks noGrp="1"/>
+          </p:cNvSpPr>
+          <p:nvPr>
+            <p:ph type="sldNum" sz="quarter" idx="12"/>
+          </p:nvPr>
+        </p:nvSpPr>
+        <p:spPr/>
+        <p:txBody>
+          <a:bodyPr/>
+          <a:lstStyle/>
+          <a:p>
+            <a:fld id="{526ADF51-C4A2-4521-899C-87F34FDB9C0A}" type="slidenum">
+              <a:rPr lang="ko-KR" altLang="en-US" smtClean="0"/>
+              <a:pPr/>
+              <a:t>77</a:t>
+            </a:fld>
+            <a:r>
+              <a:rPr lang="en-US" altLang="ko-KR"/>
+              <a:t>/77</a:t>
+            </a:r>
+            <a:endParaRPr lang="ko-KR" altLang="en-US" dirty="0"/>
           </a:p>
         </p:txBody>
       </p:sp>
@@ -53281,7 +53505,13 @@
       </p:sp>
       <p:sp>
         <p:nvSpPr>
-          <p:cNvPr id="3" name="슬라이드 번호 개체 틀 2"/>
+          <p:cNvPr id="4" name="슬라이드 번호 개체 틀 3">
+            <a:extLst>
+              <a:ext uri="{FF2B5EF4-FFF2-40B4-BE49-F238E27FC236}">
+                <a16:creationId xmlns:a16="http://schemas.microsoft.com/office/drawing/2014/main" id="{8F3B79A0-A36A-41D7-86D9-159184D75955}"/>
+              </a:ext>
+            </a:extLst>
+          </p:cNvPr>
           <p:cNvSpPr>
             <a:spLocks noGrp="1"/>
           </p:cNvSpPr>
@@ -53301,7 +53531,7 @@
             </a:fld>
             <a:r>
               <a:rPr lang="en-US" altLang="ko-KR"/>
-              <a:t>/76</a:t>
+              <a:t>/77</a:t>
             </a:r>
             <a:endParaRPr lang="ko-KR" altLang="en-US" dirty="0"/>
           </a:p>
@@ -53884,7 +54114,13 @@
       </p:sp>
       <p:sp>
         <p:nvSpPr>
-          <p:cNvPr id="2" name="슬라이드 번호 개체 틀 1"/>
+          <p:cNvPr id="9" name="슬라이드 번호 개체 틀 8">
+            <a:extLst>
+              <a:ext uri="{FF2B5EF4-FFF2-40B4-BE49-F238E27FC236}">
+                <a16:creationId xmlns:a16="http://schemas.microsoft.com/office/drawing/2014/main" id="{2C2C46DC-1CAC-406B-8E78-B5BF5C7511ED}"/>
+              </a:ext>
+            </a:extLst>
+          </p:cNvPr>
           <p:cNvSpPr>
             <a:spLocks noGrp="1"/>
           </p:cNvSpPr>
@@ -53904,7 +54140,7 @@
             </a:fld>
             <a:r>
               <a:rPr lang="en-US" altLang="ko-KR"/>
-              <a:t>/76</a:t>
+              <a:t>/77</a:t>
             </a:r>
             <a:endParaRPr lang="ko-KR" altLang="en-US" dirty="0"/>
           </a:p>
@@ -54467,7 +54703,13 @@
       </p:cxnSp>
       <p:sp>
         <p:nvSpPr>
-          <p:cNvPr id="3" name="슬라이드 번호 개체 틀 2"/>
+          <p:cNvPr id="5" name="슬라이드 번호 개체 틀 4">
+            <a:extLst>
+              <a:ext uri="{FF2B5EF4-FFF2-40B4-BE49-F238E27FC236}">
+                <a16:creationId xmlns:a16="http://schemas.microsoft.com/office/drawing/2014/main" id="{CBC0695C-7AAD-48DB-8C39-FB51CB3BFA10}"/>
+              </a:ext>
+            </a:extLst>
+          </p:cNvPr>
           <p:cNvSpPr>
             <a:spLocks noGrp="1"/>
           </p:cNvSpPr>
@@ -54487,7 +54729,7 @@
             </a:fld>
             <a:r>
               <a:rPr lang="en-US" altLang="ko-KR"/>
-              <a:t>/76</a:t>
+              <a:t>/77</a:t>
             </a:r>
             <a:endParaRPr lang="ko-KR" altLang="en-US" dirty="0"/>
           </a:p>
@@ -54545,8 +54787,16 @@
           <a:lstStyle/>
           <a:p>
             <a:r>
+              <a:rPr lang="ko-KR" altLang="en-US" dirty="0" err="1"/>
+              <a:t>협업자</a:t>
+            </a:r>
+            <a:r>
               <a:rPr lang="ko-KR" altLang="en-US" dirty="0"/>
-              <a:t>협업하기 취소 </a:t>
+              <a:t>  </a:t>
+            </a:r>
+            <a:r>
+              <a:rPr lang="ko-KR" altLang="en-US" dirty="0" err="1"/>
+              <a:t>탈퇴시키기</a:t>
             </a:r>
             <a:r>
               <a:rPr lang="en-US" altLang="ko-KR" dirty="0"/>
@@ -54741,7 +54991,11 @@
             </a:r>
             <a:r>
               <a:rPr lang="ko-KR" altLang="en-US" dirty="0"/>
-              <a:t> 취소</a:t>
+              <a:t> </a:t>
+            </a:r>
+            <a:r>
+              <a:rPr lang="ko-KR" altLang="en-US" dirty="0" err="1"/>
+              <a:t>탈퇴시키기</a:t>
             </a:r>
             <a:r>
               <a:rPr lang="en-US" altLang="ko-KR" dirty="0"/>
@@ -54982,7 +55236,13 @@
       </p:sp>
       <p:sp>
         <p:nvSpPr>
-          <p:cNvPr id="2" name="슬라이드 번호 개체 틀 1"/>
+          <p:cNvPr id="5" name="슬라이드 번호 개체 틀 4">
+            <a:extLst>
+              <a:ext uri="{FF2B5EF4-FFF2-40B4-BE49-F238E27FC236}">
+                <a16:creationId xmlns:a16="http://schemas.microsoft.com/office/drawing/2014/main" id="{9B17B9A6-8140-4C8F-B130-B5E8EE40737B}"/>
+              </a:ext>
+            </a:extLst>
+          </p:cNvPr>
           <p:cNvSpPr>
             <a:spLocks noGrp="1"/>
           </p:cNvSpPr>
@@ -55002,7 +55262,7 @@
             </a:fld>
             <a:r>
               <a:rPr lang="en-US" altLang="ko-KR"/>
-              <a:t>/76</a:t>
+              <a:t>/77</a:t>
             </a:r>
             <a:endParaRPr lang="ko-KR" altLang="en-US" dirty="0"/>
           </a:p>
@@ -55060,8 +55320,20 @@
           <a:lstStyle/>
           <a:p>
             <a:r>
+              <a:rPr lang="ko-KR" altLang="en-US" dirty="0" err="1"/>
+              <a:t>협업자</a:t>
+            </a:r>
+            <a:r>
               <a:rPr lang="ko-KR" altLang="en-US" dirty="0"/>
-              <a:t>협업하기 취소 </a:t>
+              <a:t> </a:t>
+            </a:r>
+            <a:r>
+              <a:rPr lang="ko-KR" altLang="en-US" dirty="0" err="1"/>
+              <a:t>탈퇴시키기</a:t>
+            </a:r>
+            <a:r>
+              <a:rPr lang="ko-KR" altLang="en-US" dirty="0"/>
+              <a:t> </a:t>
             </a:r>
             <a:r>
               <a:rPr lang="en-US" altLang="ko-KR" dirty="0"/>
@@ -55256,7 +55528,11 @@
             </a:r>
             <a:r>
               <a:rPr lang="ko-KR" altLang="en-US" dirty="0"/>
-              <a:t> 취소</a:t>
+              <a:t> </a:t>
+            </a:r>
+            <a:r>
+              <a:rPr lang="ko-KR" altLang="en-US" dirty="0" err="1"/>
+              <a:t>탈퇴시키기</a:t>
             </a:r>
             <a:r>
               <a:rPr lang="en-US" altLang="ko-KR" dirty="0"/>
@@ -55497,7 +55773,13 @@
       </p:sp>
       <p:sp>
         <p:nvSpPr>
-          <p:cNvPr id="2" name="슬라이드 번호 개체 틀 1"/>
+          <p:cNvPr id="5" name="슬라이드 번호 개체 틀 4">
+            <a:extLst>
+              <a:ext uri="{FF2B5EF4-FFF2-40B4-BE49-F238E27FC236}">
+                <a16:creationId xmlns:a16="http://schemas.microsoft.com/office/drawing/2014/main" id="{4EA200EF-8D66-41BA-B0C5-FDBE5044E73D}"/>
+              </a:ext>
+            </a:extLst>
+          </p:cNvPr>
           <p:cNvSpPr>
             <a:spLocks noGrp="1"/>
           </p:cNvSpPr>
@@ -55517,7 +55799,7 @@
             </a:fld>
             <a:r>
               <a:rPr lang="en-US" altLang="ko-KR"/>
-              <a:t>/76</a:t>
+              <a:t>/77</a:t>
             </a:r>
             <a:endParaRPr lang="ko-KR" altLang="en-US" dirty="0"/>
           </a:p>
@@ -55575,16 +55857,24 @@
           <a:lstStyle/>
           <a:p>
             <a:r>
+              <a:rPr lang="ko-KR" altLang="en-US" dirty="0" err="1"/>
+              <a:t>협업자</a:t>
+            </a:r>
+            <a:r>
               <a:rPr lang="ko-KR" altLang="en-US" dirty="0"/>
-              <a:t>협업하기 취소 </a:t>
+              <a:t> 탈퇴하기 </a:t>
             </a:r>
             <a:r>
               <a:rPr lang="en-US" altLang="ko-KR" dirty="0"/>
               <a:t>: </a:t>
             </a:r>
             <a:r>
+              <a:rPr lang="ko-KR" altLang="en-US" dirty="0" err="1"/>
+              <a:t>협업자</a:t>
+            </a:r>
+            <a:r>
               <a:rPr lang="ko-KR" altLang="en-US" dirty="0"/>
-              <a:t>참여자 </a:t>
+              <a:t> </a:t>
             </a:r>
             <a:r>
               <a:rPr lang="en-US" altLang="ko-KR" dirty="0"/>
@@ -55767,15 +56057,19 @@
             </a:r>
             <a:r>
               <a:rPr lang="ko-KR" altLang="en-US" dirty="0"/>
-              <a:t> 취소</a:t>
+              <a:t> 탈퇴하기</a:t>
             </a:r>
             <a:r>
               <a:rPr lang="en-US" altLang="ko-KR" dirty="0"/>
               <a:t> : </a:t>
             </a:r>
             <a:r>
+              <a:rPr lang="ko-KR" altLang="en-US" dirty="0" err="1"/>
+              <a:t>협업자</a:t>
+            </a:r>
+            <a:r>
               <a:rPr lang="ko-KR" altLang="en-US" dirty="0"/>
-              <a:t>참여자 </a:t>
+              <a:t> </a:t>
             </a:r>
             <a:r>
               <a:rPr lang="en-US" altLang="ko-KR" dirty="0"/>
@@ -56156,7 +56450,13 @@
       </p:sp>
       <p:sp>
         <p:nvSpPr>
-          <p:cNvPr id="2" name="슬라이드 번호 개체 틀 1"/>
+          <p:cNvPr id="3" name="슬라이드 번호 개체 틀 2">
+            <a:extLst>
+              <a:ext uri="{FF2B5EF4-FFF2-40B4-BE49-F238E27FC236}">
+                <a16:creationId xmlns:a16="http://schemas.microsoft.com/office/drawing/2014/main" id="{18219BF6-D683-44A4-A413-262109261063}"/>
+              </a:ext>
+            </a:extLst>
+          </p:cNvPr>
           <p:cNvSpPr>
             <a:spLocks noGrp="1"/>
           </p:cNvSpPr>
@@ -56176,7 +56476,7 @@
             </a:fld>
             <a:r>
               <a:rPr lang="en-US" altLang="ko-KR"/>
-              <a:t>/76</a:t>
+              <a:t>/77</a:t>
             </a:r>
             <a:endParaRPr lang="ko-KR" altLang="en-US" dirty="0"/>
           </a:p>
@@ -56234,16 +56534,24 @@
           <a:lstStyle/>
           <a:p>
             <a:r>
+              <a:rPr lang="ko-KR" altLang="en-US" dirty="0" err="1"/>
+              <a:t>협업자</a:t>
+            </a:r>
+            <a:r>
               <a:rPr lang="ko-KR" altLang="en-US" dirty="0"/>
-              <a:t>협업하기 취소 </a:t>
+              <a:t> 탈퇴하기 </a:t>
             </a:r>
             <a:r>
               <a:rPr lang="en-US" altLang="ko-KR" dirty="0"/>
               <a:t>: </a:t>
             </a:r>
             <a:r>
+              <a:rPr lang="ko-KR" altLang="en-US" dirty="0" err="1"/>
+              <a:t>협업자</a:t>
+            </a:r>
+            <a:r>
               <a:rPr lang="ko-KR" altLang="en-US" dirty="0"/>
-              <a:t>참여자 </a:t>
+              <a:t> </a:t>
             </a:r>
             <a:r>
               <a:rPr lang="en-US" altLang="ko-KR" dirty="0"/>
@@ -56426,15 +56734,19 @@
             </a:r>
             <a:r>
               <a:rPr lang="ko-KR" altLang="en-US" dirty="0"/>
-              <a:t> 취소</a:t>
+              <a:t> 탈퇴하기</a:t>
             </a:r>
             <a:r>
               <a:rPr lang="en-US" altLang="ko-KR" dirty="0"/>
               <a:t> : </a:t>
             </a:r>
             <a:r>
+              <a:rPr lang="ko-KR" altLang="en-US" dirty="0" err="1"/>
+              <a:t>협업자</a:t>
+            </a:r>
+            <a:r>
               <a:rPr lang="ko-KR" altLang="en-US" dirty="0"/>
-              <a:t>참여자 </a:t>
+              <a:t> </a:t>
             </a:r>
             <a:r>
               <a:rPr lang="en-US" altLang="ko-KR" dirty="0"/>
@@ -56735,7 +57047,13 @@
       </p:sp>
       <p:sp>
         <p:nvSpPr>
-          <p:cNvPr id="2" name="슬라이드 번호 개체 틀 1"/>
+          <p:cNvPr id="3" name="슬라이드 번호 개체 틀 2">
+            <a:extLst>
+              <a:ext uri="{FF2B5EF4-FFF2-40B4-BE49-F238E27FC236}">
+                <a16:creationId xmlns:a16="http://schemas.microsoft.com/office/drawing/2014/main" id="{920E7A30-CCFF-479E-B829-C955D3EBF7A2}"/>
+              </a:ext>
+            </a:extLst>
+          </p:cNvPr>
           <p:cNvSpPr>
             <a:spLocks noGrp="1"/>
           </p:cNvSpPr>
@@ -56755,7 +57073,7 @@
             </a:fld>
             <a:r>
               <a:rPr lang="en-US" altLang="ko-KR"/>
-              <a:t>/76</a:t>
+              <a:t>/77</a:t>
             </a:r>
             <a:endParaRPr lang="ko-KR" altLang="en-US" dirty="0"/>
           </a:p>
@@ -56813,16 +57131,24 @@
           <a:lstStyle/>
           <a:p>
             <a:r>
+              <a:rPr lang="ko-KR" altLang="en-US" dirty="0" err="1"/>
+              <a:t>협업자</a:t>
+            </a:r>
+            <a:r>
               <a:rPr lang="ko-KR" altLang="en-US" dirty="0"/>
-              <a:t>협업하기 취소 </a:t>
+              <a:t> 탈퇴하기 </a:t>
             </a:r>
             <a:r>
               <a:rPr lang="en-US" altLang="ko-KR" dirty="0"/>
               <a:t>: </a:t>
             </a:r>
             <a:r>
+              <a:rPr lang="ko-KR" altLang="en-US" dirty="0" err="1"/>
+              <a:t>협업자</a:t>
+            </a:r>
+            <a:r>
               <a:rPr lang="ko-KR" altLang="en-US" dirty="0"/>
-              <a:t>참여자 </a:t>
+              <a:t> </a:t>
             </a:r>
             <a:r>
               <a:rPr lang="en-US" altLang="ko-KR" dirty="0"/>
@@ -57005,15 +57331,19 @@
             </a:r>
             <a:r>
               <a:rPr lang="ko-KR" altLang="en-US" dirty="0"/>
-              <a:t> 취소</a:t>
+              <a:t> 탈퇴하기</a:t>
             </a:r>
             <a:r>
               <a:rPr lang="en-US" altLang="ko-KR" dirty="0"/>
               <a:t> : </a:t>
             </a:r>
             <a:r>
+              <a:rPr lang="ko-KR" altLang="en-US" dirty="0" err="1"/>
+              <a:t>협업자</a:t>
+            </a:r>
+            <a:r>
               <a:rPr lang="ko-KR" altLang="en-US" dirty="0"/>
-              <a:t>참여자 </a:t>
+              <a:t> </a:t>
             </a:r>
             <a:r>
               <a:rPr lang="en-US" altLang="ko-KR" dirty="0"/>
@@ -57111,7 +57441,13 @@
       </p:pic>
       <p:sp>
         <p:nvSpPr>
-          <p:cNvPr id="2" name="슬라이드 번호 개체 틀 1"/>
+          <p:cNvPr id="3" name="슬라이드 번호 개체 틀 2">
+            <a:extLst>
+              <a:ext uri="{FF2B5EF4-FFF2-40B4-BE49-F238E27FC236}">
+                <a16:creationId xmlns:a16="http://schemas.microsoft.com/office/drawing/2014/main" id="{7B11A0E6-AA87-4164-B546-9E9F8412350B}"/>
+              </a:ext>
+            </a:extLst>
+          </p:cNvPr>
           <p:cNvSpPr>
             <a:spLocks noGrp="1"/>
           </p:cNvSpPr>
@@ -57131,7 +57467,7 @@
             </a:fld>
             <a:r>
               <a:rPr lang="en-US" altLang="ko-KR"/>
-              <a:t>/76</a:t>
+              <a:t>/77</a:t>
             </a:r>
             <a:endParaRPr lang="ko-KR" altLang="en-US" dirty="0"/>
           </a:p>
@@ -57659,7 +57995,13 @@
       </p:sp>
       <p:sp>
         <p:nvSpPr>
-          <p:cNvPr id="3" name="슬라이드 번호 개체 틀 2"/>
+          <p:cNvPr id="5" name="슬라이드 번호 개체 틀 4">
+            <a:extLst>
+              <a:ext uri="{FF2B5EF4-FFF2-40B4-BE49-F238E27FC236}">
+                <a16:creationId xmlns:a16="http://schemas.microsoft.com/office/drawing/2014/main" id="{D67502D4-D862-4134-BCD5-D46B6C1CADBF}"/>
+              </a:ext>
+            </a:extLst>
+          </p:cNvPr>
           <p:cNvSpPr>
             <a:spLocks noGrp="1"/>
           </p:cNvSpPr>
@@ -57679,7 +58021,7 @@
             </a:fld>
             <a:r>
               <a:rPr lang="en-US" altLang="ko-KR"/>
-              <a:t>/76</a:t>
+              <a:t>/77</a:t>
             </a:r>
             <a:endParaRPr lang="ko-KR" altLang="en-US" dirty="0"/>
           </a:p>

--- a/git및github첫걸음4-협업하기.pptx
+++ b/git및github첫걸음4-협업하기.pptx
@@ -8098,6 +8098,42 @@
           <a:bodyPr/>
           <a:lstStyle/>
           <a:p>
+            <a:r>
+              <a:rPr lang="en-US" altLang="ko-KR" dirty="0"/>
+              <a:t>Owner</a:t>
+            </a:r>
+            <a:r>
+              <a:rPr lang="ko-KR" altLang="en-US" dirty="0"/>
+              <a:t>가 하던</a:t>
+            </a:r>
+            <a:r>
+              <a:rPr lang="en-US" altLang="ko-KR" dirty="0"/>
+              <a:t>, </a:t>
+            </a:r>
+            <a:r>
+              <a:rPr lang="ko-KR" altLang="en-US" dirty="0"/>
+              <a:t>참여자가 스스로 나가던</a:t>
+            </a:r>
+            <a:r>
+              <a:rPr lang="en-US" altLang="ko-KR" dirty="0"/>
+              <a:t>, </a:t>
+            </a:r>
+            <a:r>
+              <a:rPr lang="ko-KR" altLang="en-US" dirty="0"/>
+              <a:t>한쪽에서 나가면 양쪽에 자동적으로 탈퇴하게 </a:t>
+            </a:r>
+            <a:r>
+              <a:rPr lang="ko-KR" altLang="en-US"/>
+              <a:t>되어 협업자로서 표시가 </a:t>
+            </a:r>
+            <a:r>
+              <a:rPr lang="ko-KR" altLang="en-US" dirty="0"/>
+              <a:t>되지 않음</a:t>
+            </a:r>
+            <a:r>
+              <a:rPr lang="en-US" altLang="ko-KR" dirty="0"/>
+              <a:t>.</a:t>
+            </a:r>
             <a:endParaRPr lang="ko-KR" altLang="en-US" dirty="0"/>
           </a:p>
         </p:txBody>
@@ -14652,11 +14688,11 @@
             </a:r>
             <a:r>
               <a:rPr lang="ko-KR" altLang="en-US" dirty="0"/>
-              <a:t>과제 등록</a:t>
+              <a:t>과제 등록 </a:t>
             </a:r>
             <a:r>
               <a:rPr lang="en-US" altLang="ko-KR" dirty="0"/>
-              <a:t>)</a:t>
+              <a:t>: leader)</a:t>
             </a:r>
             <a:endParaRPr lang="ko-KR" altLang="en-US" dirty="0"/>
           </a:p>
@@ -21880,11 +21916,11 @@
             </a:r>
             <a:r>
               <a:rPr lang="ko-KR" altLang="en-US" dirty="0"/>
-              <a:t>과제 등록</a:t>
+              <a:t>과제 등록 </a:t>
             </a:r>
             <a:r>
               <a:rPr lang="en-US" altLang="ko-KR" dirty="0"/>
-              <a:t>)</a:t>
+              <a:t>: leader)</a:t>
             </a:r>
             <a:endParaRPr lang="ko-KR" altLang="en-US" dirty="0"/>
           </a:p>
@@ -26459,15 +26495,7 @@
             </a:r>
             <a:r>
               <a:rPr lang="en-US" altLang="ko-KR" dirty="0"/>
-              <a:t>(</a:t>
-            </a:r>
-            <a:r>
-              <a:rPr lang="en-US" altLang="ko-KR" dirty="0" err="1"/>
-              <a:t>worlflow</a:t>
-            </a:r>
-            <a:r>
-              <a:rPr lang="en-US" altLang="ko-KR" dirty="0"/>
-              <a:t>) – Feature branch workflow </a:t>
+              <a:t>(workflow) – Feature branch workflow </a:t>
             </a:r>
             <a:endParaRPr lang="ko-KR" altLang="en-US" dirty="0"/>
           </a:p>
